--- a/I've been doing some syncing.pptx
+++ b/I've been doing some syncing.pptx
@@ -5,13 +5,14 @@
     <p:sldMasterId id="2147483660" r:id="rId1"/>
   </p:sldMasterIdLst>
   <p:notesMasterIdLst>
-    <p:notesMasterId r:id="rId6"/>
+    <p:notesMasterId r:id="rId7"/>
   </p:notesMasterIdLst>
   <p:sldIdLst>
     <p:sldId id="256" r:id="rId2"/>
-    <p:sldId id="292" r:id="rId3"/>
-    <p:sldId id="291" r:id="rId4"/>
-    <p:sldId id="290" r:id="rId5"/>
+    <p:sldId id="293" r:id="rId3"/>
+    <p:sldId id="292" r:id="rId4"/>
+    <p:sldId id="291" r:id="rId5"/>
+    <p:sldId id="290" r:id="rId6"/>
   </p:sldIdLst>
   <p:sldSz cx="12192000" cy="6858000"/>
   <p:notesSz cx="6858000" cy="9144000"/>
@@ -547,7 +548,7 @@
             <a:fld id="{375B649D-962F-434C-B1D1-0A0101E8CDA0}" type="slidenum">
               <a:rPr lang="nl-NL" smtClean="0"/>
               <a:pPr/>
-              <a:t>3</a:t>
+              <a:t>4</a:t>
             </a:fld>
             <a:endParaRPr lang="nl-NL"/>
           </a:p>
@@ -11605,7 +11606,7 @@
       </p:grpSpPr>
       <p:sp>
         <p:nvSpPr>
-          <p:cNvPr id="2" name="Title 1"/>
+          <p:cNvPr id="3" name="Title 2"/>
           <p:cNvSpPr>
             <a:spLocks noGrp="1"/>
           </p:cNvSpPr>
@@ -11624,7 +11625,7 @@
       </p:sp>
       <p:sp>
         <p:nvSpPr>
-          <p:cNvPr id="3" name="Content Placeholder 2"/>
+          <p:cNvPr id="4" name="Content Placeholder 3"/>
           <p:cNvSpPr>
             <a:spLocks noGrp="1"/>
           </p:cNvSpPr>
@@ -11635,99 +11636,93 @@
         <p:spPr/>
         <p:txBody>
           <a:bodyPr>
-            <a:normAutofit lnSpcReduction="10000"/>
+            <a:normAutofit fontScale="92500" lnSpcReduction="20000"/>
           </a:bodyPr>
           <a:lstStyle/>
           <a:p>
             <a:r>
-              <a:rPr lang="en-US" dirty="0" err="1" smtClean="0"/>
-              <a:t>SyncAdapters</a:t>
-            </a:r>
-            <a:r>
-              <a:rPr lang="en-US" dirty="0" smtClean="0"/>
-              <a:t> can be used to:</a:t>
-            </a:r>
-          </a:p>
-          <a:p>
-            <a:pPr lvl="1"/>
-            <a:r>
-              <a:rPr lang="en-US" dirty="0" smtClean="0"/>
-              <a:t>fetch </a:t>
-            </a:r>
-            <a:r>
-              <a:rPr lang="en-US" dirty="0"/>
-              <a:t>background data for an </a:t>
-            </a:r>
-            <a:r>
-              <a:rPr lang="en-US" dirty="0" smtClean="0"/>
-              <a:t>app.</a:t>
-            </a:r>
-          </a:p>
-          <a:p>
-            <a:pPr lvl="1"/>
-            <a:r>
-              <a:rPr lang="en-US" dirty="0" smtClean="0"/>
-              <a:t>execute </a:t>
-            </a:r>
-            <a:r>
-              <a:rPr lang="en-US" dirty="0"/>
-              <a:t>your data transfer code at configurable intervals, while efficiently using battery and other system </a:t>
-            </a:r>
-            <a:r>
-              <a:rPr lang="en-US" dirty="0" smtClean="0"/>
-              <a:t>resources</a:t>
-            </a:r>
+              <a:rPr lang="en-US" dirty="0">
+                <a:hlinkClick r:id="rId2"/>
+              </a:rPr>
+              <a:t>https://</a:t>
+            </a:r>
+            <a:r>
+              <a:rPr lang="en-US" dirty="0" smtClean="0">
+                <a:hlinkClick r:id="rId2"/>
+              </a:rPr>
+              <a:t>github.com/googlesamples/android-BasicSyncAdapter</a:t>
+            </a:r>
+            <a:endParaRPr lang="en-US" dirty="0" smtClean="0"/>
+          </a:p>
+          <a:p>
+            <a:r>
+              <a:rPr lang="en-US" dirty="0">
+                <a:hlinkClick r:id="rId3"/>
+              </a:rPr>
+              <a:t>https://</a:t>
+            </a:r>
+            <a:r>
+              <a:rPr lang="en-US" dirty="0" smtClean="0">
+                <a:hlinkClick r:id="rId3"/>
+              </a:rPr>
+              <a:t>developer.android.com/training/sync-adapters/creating-sync-adapter.html</a:t>
+            </a:r>
+            <a:endParaRPr lang="en-US" dirty="0" smtClean="0"/>
+          </a:p>
+          <a:p>
+            <a:r>
+              <a:rPr lang="en-US" dirty="0">
+                <a:hlinkClick r:id="rId4"/>
+              </a:rPr>
+              <a:t>https://</a:t>
+            </a:r>
+            <a:r>
+              <a:rPr lang="en-US" dirty="0" smtClean="0">
+                <a:hlinkClick r:id="rId4"/>
+              </a:rPr>
+              <a:t>developer.android.com/training/sync-adapters/index.html</a:t>
+            </a:r>
+            <a:endParaRPr lang="en-US" dirty="0" smtClean="0"/>
+          </a:p>
+          <a:p>
+            <a:r>
+              <a:rPr lang="en-US" dirty="0">
+                <a:hlinkClick r:id="rId5"/>
+              </a:rPr>
+              <a:t>http://blog.udinic.com/2013/07/24/write-your-own-android-sync-adapter</a:t>
+            </a:r>
+            <a:r>
+              <a:rPr lang="en-US" dirty="0" smtClean="0">
+                <a:hlinkClick r:id="rId5"/>
+              </a:rPr>
+              <a:t>/</a:t>
+            </a:r>
+            <a:endParaRPr lang="en-US" dirty="0" smtClean="0"/>
+          </a:p>
+          <a:p>
+            <a:r>
+              <a:rPr lang="en-US" dirty="0">
+                <a:hlinkClick r:id="rId6"/>
+              </a:rPr>
+              <a:t>https://</a:t>
+            </a:r>
+            <a:r>
+              <a:rPr lang="en-US" dirty="0" smtClean="0">
+                <a:hlinkClick r:id="rId6"/>
+              </a:rPr>
+              <a:t>software.intel.com/en-us/android/articles/handling-offline-capability-and-data-sync-in-an-android-app-part-2</a:t>
+            </a:r>
+            <a:endParaRPr lang="en-US" dirty="0" smtClean="0"/>
+          </a:p>
+          <a:p>
             <a:endParaRPr lang="en-US" dirty="0"/>
-          </a:p>
-          <a:p>
-            <a:r>
-              <a:rPr lang="en-US" dirty="0" smtClean="0"/>
-              <a:t>Elements </a:t>
-            </a:r>
-            <a:r>
-              <a:rPr lang="en-US" dirty="0"/>
-              <a:t>of a sync </a:t>
-            </a:r>
-            <a:r>
-              <a:rPr lang="en-US" dirty="0" smtClean="0"/>
-              <a:t>adapter:</a:t>
-            </a:r>
-            <a:endParaRPr lang="en-US" dirty="0"/>
-          </a:p>
-          <a:p>
-            <a:pPr lvl="1"/>
-            <a:r>
-              <a:rPr lang="en-US" dirty="0"/>
-              <a:t>Creates a sync adapter class.</a:t>
-            </a:r>
-          </a:p>
-          <a:p>
-            <a:pPr lvl="1"/>
-            <a:r>
-              <a:rPr lang="en-US" dirty="0"/>
-              <a:t>Creates a bound Service which the OS uses to initiate a sync.</a:t>
-            </a:r>
-          </a:p>
-          <a:p>
-            <a:pPr lvl="1"/>
-            <a:r>
-              <a:rPr lang="en-US" dirty="0"/>
-              <a:t>Defines the sync adapter properties in an XML resource file.</a:t>
-            </a:r>
-          </a:p>
-          <a:p>
-            <a:pPr lvl="1"/>
-            <a:r>
-              <a:rPr lang="en-US" dirty="0"/>
-              <a:t>Declares the bound Service in the app manifest.</a:t>
-            </a:r>
           </a:p>
         </p:txBody>
       </p:sp>
     </p:spTree>
     <p:extLst>
       <p:ext uri="{BB962C8B-B14F-4D97-AF65-F5344CB8AC3E}">
-        <p14:creationId xmlns:p14="http://schemas.microsoft.com/office/powerpoint/2010/main" val="2364295274"/>
+        <p14:creationId xmlns:p14="http://schemas.microsoft.com/office/powerpoint/2010/main" val="351412801"/>
       </p:ext>
     </p:extLst>
   </p:cSld>
@@ -11768,6 +11763,169 @@
       </p:grpSpPr>
       <p:sp>
         <p:nvSpPr>
+          <p:cNvPr id="2" name="Title 1"/>
+          <p:cNvSpPr>
+            <a:spLocks noGrp="1"/>
+          </p:cNvSpPr>
+          <p:nvPr>
+            <p:ph type="title"/>
+          </p:nvPr>
+        </p:nvSpPr>
+        <p:spPr/>
+        <p:txBody>
+          <a:bodyPr/>
+          <a:lstStyle/>
+          <a:p>
+            <a:endParaRPr lang="en-US"/>
+          </a:p>
+        </p:txBody>
+      </p:sp>
+      <p:sp>
+        <p:nvSpPr>
+          <p:cNvPr id="3" name="Content Placeholder 2"/>
+          <p:cNvSpPr>
+            <a:spLocks noGrp="1"/>
+          </p:cNvSpPr>
+          <p:nvPr>
+            <p:ph idx="1"/>
+          </p:nvPr>
+        </p:nvSpPr>
+        <p:spPr/>
+        <p:txBody>
+          <a:bodyPr>
+            <a:normAutofit lnSpcReduction="10000"/>
+          </a:bodyPr>
+          <a:lstStyle/>
+          <a:p>
+            <a:r>
+              <a:rPr lang="en-US" dirty="0" err="1" smtClean="0"/>
+              <a:t>SyncAdapters</a:t>
+            </a:r>
+            <a:r>
+              <a:rPr lang="en-US" dirty="0" smtClean="0"/>
+              <a:t> can be used to:</a:t>
+            </a:r>
+          </a:p>
+          <a:p>
+            <a:pPr lvl="1"/>
+            <a:r>
+              <a:rPr lang="en-US" dirty="0" smtClean="0"/>
+              <a:t>fetch </a:t>
+            </a:r>
+            <a:r>
+              <a:rPr lang="en-US" dirty="0"/>
+              <a:t>background data for an </a:t>
+            </a:r>
+            <a:r>
+              <a:rPr lang="en-US" dirty="0" smtClean="0"/>
+              <a:t>app.</a:t>
+            </a:r>
+          </a:p>
+          <a:p>
+            <a:pPr lvl="1"/>
+            <a:r>
+              <a:rPr lang="en-US" dirty="0" smtClean="0"/>
+              <a:t>execute </a:t>
+            </a:r>
+            <a:r>
+              <a:rPr lang="en-US" dirty="0"/>
+              <a:t>your data transfer code at configurable intervals, while efficiently using battery and other system </a:t>
+            </a:r>
+            <a:r>
+              <a:rPr lang="en-US" dirty="0" smtClean="0"/>
+              <a:t>resources</a:t>
+            </a:r>
+            <a:endParaRPr lang="en-US" dirty="0"/>
+          </a:p>
+          <a:p>
+            <a:r>
+              <a:rPr lang="en-US" dirty="0" smtClean="0"/>
+              <a:t>Elements </a:t>
+            </a:r>
+            <a:r>
+              <a:rPr lang="en-US" dirty="0"/>
+              <a:t>of a sync </a:t>
+            </a:r>
+            <a:r>
+              <a:rPr lang="en-US" dirty="0" smtClean="0"/>
+              <a:t>adapter:</a:t>
+            </a:r>
+            <a:endParaRPr lang="en-US" dirty="0"/>
+          </a:p>
+          <a:p>
+            <a:pPr lvl="1"/>
+            <a:r>
+              <a:rPr lang="en-US" dirty="0"/>
+              <a:t>Creates a sync adapter class.</a:t>
+            </a:r>
+          </a:p>
+          <a:p>
+            <a:pPr lvl="1"/>
+            <a:r>
+              <a:rPr lang="en-US" dirty="0"/>
+              <a:t>Creates a bound Service which the OS uses to initiate a sync.</a:t>
+            </a:r>
+          </a:p>
+          <a:p>
+            <a:pPr lvl="1"/>
+            <a:r>
+              <a:rPr lang="en-US" dirty="0"/>
+              <a:t>Defines the sync adapter properties in an XML resource file.</a:t>
+            </a:r>
+          </a:p>
+          <a:p>
+            <a:pPr lvl="1"/>
+            <a:r>
+              <a:rPr lang="en-US" dirty="0"/>
+              <a:t>Declares the bound Service in the app manifest.</a:t>
+            </a:r>
+          </a:p>
+        </p:txBody>
+      </p:sp>
+    </p:spTree>
+    <p:extLst>
+      <p:ext uri="{BB962C8B-B14F-4D97-AF65-F5344CB8AC3E}">
+        <p14:creationId xmlns:p14="http://schemas.microsoft.com/office/powerpoint/2010/main" val="2364295274"/>
+      </p:ext>
+    </p:extLst>
+  </p:cSld>
+  <p:clrMapOvr>
+    <a:masterClrMapping/>
+  </p:clrMapOvr>
+  <mc:AlternateContent xmlns:mc="http://schemas.openxmlformats.org/markup-compatibility/2006" xmlns:p14="http://schemas.microsoft.com/office/powerpoint/2010/main">
+    <mc:Choice Requires="p14">
+      <p:transition p14:dur="250">
+        <p14:reveal/>
+      </p:transition>
+    </mc:Choice>
+    <mc:Fallback xmlns="">
+      <p:transition>
+        <p:fade/>
+      </p:transition>
+    </mc:Fallback>
+  </mc:AlternateContent>
+</p:sld>
+</file>
+
+<file path=ppt/slides/slide4.xml><?xml version="1.0" encoding="utf-8"?>
+<p:sld xmlns:a="http://schemas.openxmlformats.org/drawingml/2006/main" xmlns:r="http://schemas.openxmlformats.org/officeDocument/2006/relationships" xmlns:p="http://schemas.openxmlformats.org/presentationml/2006/main">
+  <p:cSld>
+    <p:spTree>
+      <p:nvGrpSpPr>
+        <p:cNvPr id="1" name=""/>
+        <p:cNvGrpSpPr/>
+        <p:nvPr/>
+      </p:nvGrpSpPr>
+      <p:grpSpPr>
+        <a:xfrm>
+          <a:off x="0" y="0"/>
+          <a:ext cx="0" cy="0"/>
+          <a:chOff x="0" y="0"/>
+          <a:chExt cx="0" cy="0"/>
+        </a:xfrm>
+      </p:grpSpPr>
+      <p:sp>
+        <p:nvSpPr>
           <p:cNvPr id="3" name="Title 2"/>
           <p:cNvSpPr>
             <a:spLocks noGrp="1"/>
@@ -13090,7 +13248,7 @@
 </p:sld>
 </file>
 
-<file path=ppt/slides/slide4.xml><?xml version="1.0" encoding="utf-8"?>
+<file path=ppt/slides/slide5.xml><?xml version="1.0" encoding="utf-8"?>
 <p:sld xmlns:a="http://schemas.openxmlformats.org/drawingml/2006/main" xmlns:r="http://schemas.openxmlformats.org/officeDocument/2006/relationships" xmlns:p="http://schemas.openxmlformats.org/presentationml/2006/main">
   <p:cSld>
     <p:spTree>

--- a/I've been doing some syncing.pptx
+++ b/I've been doing some syncing.pptx
@@ -5,14 +5,22 @@
     <p:sldMasterId id="2147483660" r:id="rId1"/>
   </p:sldMasterIdLst>
   <p:notesMasterIdLst>
-    <p:notesMasterId r:id="rId7"/>
+    <p:notesMasterId r:id="rId15"/>
   </p:notesMasterIdLst>
   <p:sldIdLst>
     <p:sldId id="256" r:id="rId2"/>
-    <p:sldId id="293" r:id="rId3"/>
-    <p:sldId id="292" r:id="rId4"/>
-    <p:sldId id="291" r:id="rId5"/>
-    <p:sldId id="290" r:id="rId6"/>
+    <p:sldId id="300" r:id="rId3"/>
+    <p:sldId id="299" r:id="rId4"/>
+    <p:sldId id="298" r:id="rId5"/>
+    <p:sldId id="301" r:id="rId6"/>
+    <p:sldId id="293" r:id="rId7"/>
+    <p:sldId id="292" r:id="rId8"/>
+    <p:sldId id="296" r:id="rId9"/>
+    <p:sldId id="297" r:id="rId10"/>
+    <p:sldId id="291" r:id="rId11"/>
+    <p:sldId id="294" r:id="rId12"/>
+    <p:sldId id="295" r:id="rId13"/>
+    <p:sldId id="290" r:id="rId14"/>
   </p:sldIdLst>
   <p:sldSz cx="12192000" cy="6858000"/>
   <p:notesSz cx="6858000" cy="9144000"/>
@@ -213,7 +221,7 @@
             <a:fld id="{B44C3707-9531-4AFE-B668-174360EDF9A2}" type="datetimeFigureOut">
               <a:rPr lang="nl-NL" smtClean="0"/>
               <a:pPr/>
-              <a:t>4-7-2016</a:t>
+              <a:t>5-7-2016</a:t>
             </a:fld>
             <a:endParaRPr lang="nl-NL"/>
           </a:p>
@@ -548,7 +556,7 @@
             <a:fld id="{375B649D-962F-434C-B1D1-0A0101E8CDA0}" type="slidenum">
               <a:rPr lang="nl-NL" smtClean="0"/>
               <a:pPr/>
-              <a:t>4</a:t>
+              <a:t>10</a:t>
             </a:fld>
             <a:endParaRPr lang="nl-NL"/>
           </a:p>
@@ -761,7 +769,7 @@
                 </a:solidFill>
               </a:rPr>
               <a:pPr/>
-              <a:t>4-7-2016</a:t>
+              <a:t>5-7-2016</a:t>
             </a:fld>
             <a:endParaRPr lang="nl-NL">
               <a:solidFill>
@@ -937,7 +945,7 @@
                 </a:solidFill>
               </a:rPr>
               <a:pPr/>
-              <a:t>4-7-2016</a:t>
+              <a:t>5-7-2016</a:t>
             </a:fld>
             <a:endParaRPr lang="nl-NL">
               <a:solidFill>
@@ -1297,7 +1305,7 @@
                 </a:solidFill>
               </a:rPr>
               <a:pPr/>
-              <a:t>4-7-2016</a:t>
+              <a:t>5-7-2016</a:t>
             </a:fld>
             <a:endParaRPr lang="nl-NL">
               <a:solidFill>
@@ -1633,7 +1641,7 @@
                 </a:solidFill>
               </a:rPr>
               <a:pPr/>
-              <a:t>4-7-2016</a:t>
+              <a:t>5-7-2016</a:t>
             </a:fld>
             <a:endParaRPr lang="nl-NL">
               <a:solidFill>
@@ -1888,7 +1896,7 @@
                 </a:solidFill>
               </a:rPr>
               <a:pPr/>
-              <a:t>4-7-2016</a:t>
+              <a:t>5-7-2016</a:t>
             </a:fld>
             <a:endParaRPr lang="nl-NL">
               <a:solidFill>
@@ -2153,7 +2161,7 @@
                 </a:solidFill>
               </a:rPr>
               <a:pPr/>
-              <a:t>4-7-2016</a:t>
+              <a:t>5-7-2016</a:t>
             </a:fld>
             <a:endParaRPr lang="nl-NL">
               <a:solidFill>
@@ -2329,7 +2337,7 @@
                 </a:solidFill>
               </a:rPr>
               <a:pPr/>
-              <a:t>4-7-2016</a:t>
+              <a:t>5-7-2016</a:t>
             </a:fld>
             <a:endParaRPr lang="nl-NL">
               <a:solidFill>
@@ -3289,7 +3297,7 @@
                 </a:solidFill>
               </a:rPr>
               <a:pPr/>
-              <a:t>4-7-2016</a:t>
+              <a:t>5-7-2016</a:t>
             </a:fld>
             <a:endParaRPr lang="nl-NL">
               <a:solidFill>
@@ -4249,7 +4257,7 @@
                 </a:solidFill>
               </a:rPr>
               <a:pPr/>
-              <a:t>4-7-2016</a:t>
+              <a:t>5-7-2016</a:t>
             </a:fld>
             <a:endParaRPr lang="nl-NL">
               <a:solidFill>
@@ -5209,7 +5217,7 @@
                 </a:solidFill>
               </a:rPr>
               <a:pPr/>
-              <a:t>4-7-2016</a:t>
+              <a:t>5-7-2016</a:t>
             </a:fld>
             <a:endParaRPr lang="nl-NL">
               <a:solidFill>
@@ -6169,7 +6177,7 @@
                 </a:solidFill>
               </a:rPr>
               <a:pPr/>
-              <a:t>4-7-2016</a:t>
+              <a:t>5-7-2016</a:t>
             </a:fld>
             <a:endParaRPr lang="nl-NL">
               <a:solidFill>
@@ -7421,7 +7429,7 @@
                 </a:solidFill>
               </a:rPr>
               <a:pPr/>
-              <a:t>4-7-2016</a:t>
+              <a:t>5-7-2016</a:t>
             </a:fld>
             <a:endParaRPr lang="nl-NL">
               <a:solidFill>
@@ -8877,7 +8885,7 @@
                 </a:solidFill>
               </a:rPr>
               <a:pPr/>
-              <a:t>4-7-2016</a:t>
+              <a:t>5-7-2016</a:t>
             </a:fld>
             <a:endParaRPr lang="nl-NL">
               <a:solidFill>
@@ -9263,7 +9271,7 @@
             <a:fld id="{57C89201-1C23-4F2A-9964-CF3389FA3EB1}" type="datetimeFigureOut">
               <a:rPr lang="nl-NL" smtClean="0"/>
               <a:pPr/>
-              <a:t>4-7-2016</a:t>
+              <a:t>5-7-2016</a:t>
             </a:fld>
             <a:endParaRPr lang="nl-NL"/>
           </a:p>
@@ -9554,7 +9562,7 @@
                 </a:solidFill>
               </a:rPr>
               <a:pPr/>
-              <a:t>4-7-2016</a:t>
+              <a:t>5-7-2016</a:t>
             </a:fld>
             <a:endParaRPr lang="nl-NL">
               <a:solidFill>
@@ -9929,7 +9937,7 @@
                 </a:solidFill>
               </a:rPr>
               <a:pPr/>
-              <a:t>4-7-2016</a:t>
+              <a:t>5-7-2016</a:t>
             </a:fld>
             <a:endParaRPr lang="nl-NL">
               <a:solidFill>
@@ -10434,7 +10442,7 @@
                 </a:solidFill>
               </a:rPr>
               <a:pPr/>
-              <a:t>4-7-2016</a:t>
+              <a:t>5-7-2016</a:t>
             </a:fld>
             <a:endParaRPr lang="nl-NL">
               <a:solidFill>
@@ -10639,7 +10647,7 @@
                 </a:solidFill>
               </a:rPr>
               <a:pPr/>
-              <a:t>4-7-2016</a:t>
+              <a:t>5-7-2016</a:t>
             </a:fld>
             <a:endParaRPr lang="nl-NL">
               <a:solidFill>
@@ -10958,7 +10966,7 @@
                 </a:solidFill>
               </a:rPr>
               <a:pPr/>
-              <a:t>4-7-2016</a:t>
+              <a:t>5-7-2016</a:t>
             </a:fld>
             <a:endParaRPr lang="nl-NL">
               <a:solidFill>
@@ -11587,7 +11595,7 @@
 </p:sld>
 </file>
 
-<file path=ppt/slides/slide2.xml><?xml version="1.0" encoding="utf-8"?>
+<file path=ppt/slides/slide10.xml><?xml version="1.0" encoding="utf-8"?>
 <p:sld xmlns:a="http://schemas.openxmlformats.org/drawingml/2006/main" xmlns:r="http://schemas.openxmlformats.org/officeDocument/2006/relationships" xmlns:p="http://schemas.openxmlformats.org/presentationml/2006/main">
   <p:cSld>
     <p:spTree>
@@ -11616,326 +11624,6 @@
         </p:nvSpPr>
         <p:spPr/>
         <p:txBody>
-          <a:bodyPr/>
-          <a:lstStyle/>
-          <a:p>
-            <a:endParaRPr lang="en-US"/>
-          </a:p>
-        </p:txBody>
-      </p:sp>
-      <p:sp>
-        <p:nvSpPr>
-          <p:cNvPr id="4" name="Content Placeholder 3"/>
-          <p:cNvSpPr>
-            <a:spLocks noGrp="1"/>
-          </p:cNvSpPr>
-          <p:nvPr>
-            <p:ph idx="1"/>
-          </p:nvPr>
-        </p:nvSpPr>
-        <p:spPr/>
-        <p:txBody>
-          <a:bodyPr>
-            <a:normAutofit fontScale="92500" lnSpcReduction="20000"/>
-          </a:bodyPr>
-          <a:lstStyle/>
-          <a:p>
-            <a:r>
-              <a:rPr lang="en-US" dirty="0">
-                <a:hlinkClick r:id="rId2"/>
-              </a:rPr>
-              <a:t>https://</a:t>
-            </a:r>
-            <a:r>
-              <a:rPr lang="en-US" dirty="0" smtClean="0">
-                <a:hlinkClick r:id="rId2"/>
-              </a:rPr>
-              <a:t>github.com/googlesamples/android-BasicSyncAdapter</a:t>
-            </a:r>
-            <a:endParaRPr lang="en-US" dirty="0" smtClean="0"/>
-          </a:p>
-          <a:p>
-            <a:r>
-              <a:rPr lang="en-US" dirty="0">
-                <a:hlinkClick r:id="rId3"/>
-              </a:rPr>
-              <a:t>https://</a:t>
-            </a:r>
-            <a:r>
-              <a:rPr lang="en-US" dirty="0" smtClean="0">
-                <a:hlinkClick r:id="rId3"/>
-              </a:rPr>
-              <a:t>developer.android.com/training/sync-adapters/creating-sync-adapter.html</a:t>
-            </a:r>
-            <a:endParaRPr lang="en-US" dirty="0" smtClean="0"/>
-          </a:p>
-          <a:p>
-            <a:r>
-              <a:rPr lang="en-US" dirty="0">
-                <a:hlinkClick r:id="rId4"/>
-              </a:rPr>
-              <a:t>https://</a:t>
-            </a:r>
-            <a:r>
-              <a:rPr lang="en-US" dirty="0" smtClean="0">
-                <a:hlinkClick r:id="rId4"/>
-              </a:rPr>
-              <a:t>developer.android.com/training/sync-adapters/index.html</a:t>
-            </a:r>
-            <a:endParaRPr lang="en-US" dirty="0" smtClean="0"/>
-          </a:p>
-          <a:p>
-            <a:r>
-              <a:rPr lang="en-US" dirty="0">
-                <a:hlinkClick r:id="rId5"/>
-              </a:rPr>
-              <a:t>http://blog.udinic.com/2013/07/24/write-your-own-android-sync-adapter</a:t>
-            </a:r>
-            <a:r>
-              <a:rPr lang="en-US" dirty="0" smtClean="0">
-                <a:hlinkClick r:id="rId5"/>
-              </a:rPr>
-              <a:t>/</a:t>
-            </a:r>
-            <a:endParaRPr lang="en-US" dirty="0" smtClean="0"/>
-          </a:p>
-          <a:p>
-            <a:r>
-              <a:rPr lang="en-US" dirty="0">
-                <a:hlinkClick r:id="rId6"/>
-              </a:rPr>
-              <a:t>https://</a:t>
-            </a:r>
-            <a:r>
-              <a:rPr lang="en-US" dirty="0" smtClean="0">
-                <a:hlinkClick r:id="rId6"/>
-              </a:rPr>
-              <a:t>software.intel.com/en-us/android/articles/handling-offline-capability-and-data-sync-in-an-android-app-part-2</a:t>
-            </a:r>
-            <a:endParaRPr lang="en-US" dirty="0" smtClean="0"/>
-          </a:p>
-          <a:p>
-            <a:endParaRPr lang="en-US" dirty="0"/>
-          </a:p>
-        </p:txBody>
-      </p:sp>
-    </p:spTree>
-    <p:extLst>
-      <p:ext uri="{BB962C8B-B14F-4D97-AF65-F5344CB8AC3E}">
-        <p14:creationId xmlns:p14="http://schemas.microsoft.com/office/powerpoint/2010/main" val="351412801"/>
-      </p:ext>
-    </p:extLst>
-  </p:cSld>
-  <p:clrMapOvr>
-    <a:masterClrMapping/>
-  </p:clrMapOvr>
-  <mc:AlternateContent xmlns:mc="http://schemas.openxmlformats.org/markup-compatibility/2006" xmlns:p14="http://schemas.microsoft.com/office/powerpoint/2010/main">
-    <mc:Choice Requires="p14">
-      <p:transition p14:dur="250">
-        <p14:reveal/>
-      </p:transition>
-    </mc:Choice>
-    <mc:Fallback xmlns="">
-      <p:transition>
-        <p:fade/>
-      </p:transition>
-    </mc:Fallback>
-  </mc:AlternateContent>
-</p:sld>
-</file>
-
-<file path=ppt/slides/slide3.xml><?xml version="1.0" encoding="utf-8"?>
-<p:sld xmlns:a="http://schemas.openxmlformats.org/drawingml/2006/main" xmlns:r="http://schemas.openxmlformats.org/officeDocument/2006/relationships" xmlns:p="http://schemas.openxmlformats.org/presentationml/2006/main">
-  <p:cSld>
-    <p:spTree>
-      <p:nvGrpSpPr>
-        <p:cNvPr id="1" name=""/>
-        <p:cNvGrpSpPr/>
-        <p:nvPr/>
-      </p:nvGrpSpPr>
-      <p:grpSpPr>
-        <a:xfrm>
-          <a:off x="0" y="0"/>
-          <a:ext cx="0" cy="0"/>
-          <a:chOff x="0" y="0"/>
-          <a:chExt cx="0" cy="0"/>
-        </a:xfrm>
-      </p:grpSpPr>
-      <p:sp>
-        <p:nvSpPr>
-          <p:cNvPr id="2" name="Title 1"/>
-          <p:cNvSpPr>
-            <a:spLocks noGrp="1"/>
-          </p:cNvSpPr>
-          <p:nvPr>
-            <p:ph type="title"/>
-          </p:nvPr>
-        </p:nvSpPr>
-        <p:spPr/>
-        <p:txBody>
-          <a:bodyPr/>
-          <a:lstStyle/>
-          <a:p>
-            <a:endParaRPr lang="en-US"/>
-          </a:p>
-        </p:txBody>
-      </p:sp>
-      <p:sp>
-        <p:nvSpPr>
-          <p:cNvPr id="3" name="Content Placeholder 2"/>
-          <p:cNvSpPr>
-            <a:spLocks noGrp="1"/>
-          </p:cNvSpPr>
-          <p:nvPr>
-            <p:ph idx="1"/>
-          </p:nvPr>
-        </p:nvSpPr>
-        <p:spPr/>
-        <p:txBody>
-          <a:bodyPr>
-            <a:normAutofit lnSpcReduction="10000"/>
-          </a:bodyPr>
-          <a:lstStyle/>
-          <a:p>
-            <a:r>
-              <a:rPr lang="en-US" dirty="0" err="1" smtClean="0"/>
-              <a:t>SyncAdapters</a:t>
-            </a:r>
-            <a:r>
-              <a:rPr lang="en-US" dirty="0" smtClean="0"/>
-              <a:t> can be used to:</a:t>
-            </a:r>
-          </a:p>
-          <a:p>
-            <a:pPr lvl="1"/>
-            <a:r>
-              <a:rPr lang="en-US" dirty="0" smtClean="0"/>
-              <a:t>fetch </a:t>
-            </a:r>
-            <a:r>
-              <a:rPr lang="en-US" dirty="0"/>
-              <a:t>background data for an </a:t>
-            </a:r>
-            <a:r>
-              <a:rPr lang="en-US" dirty="0" smtClean="0"/>
-              <a:t>app.</a:t>
-            </a:r>
-          </a:p>
-          <a:p>
-            <a:pPr lvl="1"/>
-            <a:r>
-              <a:rPr lang="en-US" dirty="0" smtClean="0"/>
-              <a:t>execute </a:t>
-            </a:r>
-            <a:r>
-              <a:rPr lang="en-US" dirty="0"/>
-              <a:t>your data transfer code at configurable intervals, while efficiently using battery and other system </a:t>
-            </a:r>
-            <a:r>
-              <a:rPr lang="en-US" dirty="0" smtClean="0"/>
-              <a:t>resources</a:t>
-            </a:r>
-            <a:endParaRPr lang="en-US" dirty="0"/>
-          </a:p>
-          <a:p>
-            <a:r>
-              <a:rPr lang="en-US" dirty="0" smtClean="0"/>
-              <a:t>Elements </a:t>
-            </a:r>
-            <a:r>
-              <a:rPr lang="en-US" dirty="0"/>
-              <a:t>of a sync </a:t>
-            </a:r>
-            <a:r>
-              <a:rPr lang="en-US" dirty="0" smtClean="0"/>
-              <a:t>adapter:</a:t>
-            </a:r>
-            <a:endParaRPr lang="en-US" dirty="0"/>
-          </a:p>
-          <a:p>
-            <a:pPr lvl="1"/>
-            <a:r>
-              <a:rPr lang="en-US" dirty="0"/>
-              <a:t>Creates a sync adapter class.</a:t>
-            </a:r>
-          </a:p>
-          <a:p>
-            <a:pPr lvl="1"/>
-            <a:r>
-              <a:rPr lang="en-US" dirty="0"/>
-              <a:t>Creates a bound Service which the OS uses to initiate a sync.</a:t>
-            </a:r>
-          </a:p>
-          <a:p>
-            <a:pPr lvl="1"/>
-            <a:r>
-              <a:rPr lang="en-US" dirty="0"/>
-              <a:t>Defines the sync adapter properties in an XML resource file.</a:t>
-            </a:r>
-          </a:p>
-          <a:p>
-            <a:pPr lvl="1"/>
-            <a:r>
-              <a:rPr lang="en-US" dirty="0"/>
-              <a:t>Declares the bound Service in the app manifest.</a:t>
-            </a:r>
-          </a:p>
-        </p:txBody>
-      </p:sp>
-    </p:spTree>
-    <p:extLst>
-      <p:ext uri="{BB962C8B-B14F-4D97-AF65-F5344CB8AC3E}">
-        <p14:creationId xmlns:p14="http://schemas.microsoft.com/office/powerpoint/2010/main" val="2364295274"/>
-      </p:ext>
-    </p:extLst>
-  </p:cSld>
-  <p:clrMapOvr>
-    <a:masterClrMapping/>
-  </p:clrMapOvr>
-  <mc:AlternateContent xmlns:mc="http://schemas.openxmlformats.org/markup-compatibility/2006" xmlns:p14="http://schemas.microsoft.com/office/powerpoint/2010/main">
-    <mc:Choice Requires="p14">
-      <p:transition p14:dur="250">
-        <p14:reveal/>
-      </p:transition>
-    </mc:Choice>
-    <mc:Fallback xmlns="">
-      <p:transition>
-        <p:fade/>
-      </p:transition>
-    </mc:Fallback>
-  </mc:AlternateContent>
-</p:sld>
-</file>
-
-<file path=ppt/slides/slide4.xml><?xml version="1.0" encoding="utf-8"?>
-<p:sld xmlns:a="http://schemas.openxmlformats.org/drawingml/2006/main" xmlns:r="http://schemas.openxmlformats.org/officeDocument/2006/relationships" xmlns:p="http://schemas.openxmlformats.org/presentationml/2006/main">
-  <p:cSld>
-    <p:spTree>
-      <p:nvGrpSpPr>
-        <p:cNvPr id="1" name=""/>
-        <p:cNvGrpSpPr/>
-        <p:nvPr/>
-      </p:nvGrpSpPr>
-      <p:grpSpPr>
-        <a:xfrm>
-          <a:off x="0" y="0"/>
-          <a:ext cx="0" cy="0"/>
-          <a:chOff x="0" y="0"/>
-          <a:chExt cx="0" cy="0"/>
-        </a:xfrm>
-      </p:grpSpPr>
-      <p:sp>
-        <p:nvSpPr>
-          <p:cNvPr id="3" name="Title 2"/>
-          <p:cNvSpPr>
-            <a:spLocks noGrp="1"/>
-          </p:cNvSpPr>
-          <p:nvPr>
-            <p:ph type="title"/>
-          </p:nvPr>
-        </p:nvSpPr>
-        <p:spPr/>
-        <p:txBody>
           <a:bodyPr>
             <a:normAutofit fontScale="90000"/>
           </a:bodyPr>
@@ -11965,8 +11653,8 @@
         </p:nvSpPr>
         <p:spPr bwMode="auto">
           <a:xfrm>
-            <a:off x="983432" y="1772816"/>
-            <a:ext cx="8306761" cy="4555093"/>
+            <a:off x="983432" y="1818982"/>
+            <a:ext cx="7383431" cy="4462760"/>
           </a:xfrm>
           <a:prstGeom prst="rect">
             <a:avLst/>
@@ -12001,7 +11689,7 @@
           </a:extLst>
         </p:spPr>
         <p:txBody>
-          <a:bodyPr vert="horz" wrap="none" lIns="914400" tIns="182880" rIns="914400" bIns="182880" numCol="1" anchor="ctr" anchorCtr="0" compatLnSpc="1">
+          <a:bodyPr vert="horz" wrap="none" lIns="457200" tIns="182880" rIns="457200" bIns="182880" numCol="1" anchor="ctr" anchorCtr="0" compatLnSpc="1">
             <a:prstTxWarp prst="textNoShape">
               <a:avLst/>
             </a:prstTxWarp>
@@ -13245,10 +12933,1270 @@
       </p:transition>
     </mc:Fallback>
   </mc:AlternateContent>
+  <p:timing>
+    <p:tnLst>
+      <p:par>
+        <p:cTn id="1" dur="indefinite" restart="never" nodeType="tmRoot"/>
+      </p:par>
+    </p:tnLst>
+  </p:timing>
 </p:sld>
 </file>
 
-<file path=ppt/slides/slide5.xml><?xml version="1.0" encoding="utf-8"?>
+<file path=ppt/slides/slide11.xml><?xml version="1.0" encoding="utf-8"?>
+<p:sld xmlns:a="http://schemas.openxmlformats.org/drawingml/2006/main" xmlns:r="http://schemas.openxmlformats.org/officeDocument/2006/relationships" xmlns:p="http://schemas.openxmlformats.org/presentationml/2006/main">
+  <p:cSld>
+    <p:spTree>
+      <p:nvGrpSpPr>
+        <p:cNvPr id="1" name=""/>
+        <p:cNvGrpSpPr/>
+        <p:nvPr/>
+      </p:nvGrpSpPr>
+      <p:grpSpPr>
+        <a:xfrm>
+          <a:off x="0" y="0"/>
+          <a:ext cx="0" cy="0"/>
+          <a:chOff x="0" y="0"/>
+          <a:chExt cx="0" cy="0"/>
+        </a:xfrm>
+      </p:grpSpPr>
+      <p:sp>
+        <p:nvSpPr>
+          <p:cNvPr id="2" name="Title 1"/>
+          <p:cNvSpPr>
+            <a:spLocks noGrp="1"/>
+          </p:cNvSpPr>
+          <p:nvPr>
+            <p:ph type="title"/>
+          </p:nvPr>
+        </p:nvSpPr>
+        <p:spPr/>
+        <p:txBody>
+          <a:bodyPr/>
+          <a:lstStyle/>
+          <a:p>
+            <a:r>
+              <a:rPr lang="en-US" dirty="0" err="1" smtClean="0"/>
+              <a:t>onPerformSync</a:t>
+            </a:r>
+            <a:r>
+              <a:rPr lang="en-US" dirty="0" smtClean="0"/>
+              <a:t>()</a:t>
+            </a:r>
+            <a:endParaRPr lang="en-US" dirty="0"/>
+          </a:p>
+        </p:txBody>
+      </p:sp>
+      <p:sp>
+        <p:nvSpPr>
+          <p:cNvPr id="3" name="Content Placeholder 2"/>
+          <p:cNvSpPr>
+            <a:spLocks noGrp="1"/>
+          </p:cNvSpPr>
+          <p:nvPr>
+            <p:ph idx="1"/>
+          </p:nvPr>
+        </p:nvSpPr>
+        <p:spPr/>
+        <p:txBody>
+          <a:bodyPr>
+            <a:normAutofit lnSpcReduction="10000"/>
+          </a:bodyPr>
+          <a:lstStyle/>
+          <a:p>
+            <a:r>
+              <a:rPr lang="en-US" dirty="0" smtClean="0"/>
+              <a:t>Sync adapter framework invokes your </a:t>
+            </a:r>
+            <a:r>
+              <a:rPr lang="en-US" dirty="0" err="1" smtClean="0"/>
+              <a:t>SyncAdapter</a:t>
+            </a:r>
+            <a:endParaRPr lang="en-US" dirty="0" smtClean="0"/>
+          </a:p>
+          <a:p>
+            <a:pPr lvl="1"/>
+            <a:r>
+              <a:rPr lang="en-US" dirty="0" smtClean="0"/>
+              <a:t>Calls </a:t>
+            </a:r>
+            <a:r>
+              <a:rPr lang="en-US" dirty="0" err="1" smtClean="0"/>
+              <a:t>onPerformSync</a:t>
+            </a:r>
+            <a:r>
+              <a:rPr lang="en-US" dirty="0" smtClean="0"/>
+              <a:t>()</a:t>
+            </a:r>
+          </a:p>
+          <a:p>
+            <a:pPr lvl="1"/>
+            <a:endParaRPr lang="en-US" dirty="0"/>
+          </a:p>
+          <a:p>
+            <a:r>
+              <a:rPr lang="en-US" dirty="0" smtClean="0"/>
+              <a:t>Account</a:t>
+            </a:r>
+          </a:p>
+          <a:p>
+            <a:r>
+              <a:rPr lang="en-US" dirty="0" smtClean="0"/>
+              <a:t>Bundle</a:t>
+            </a:r>
+          </a:p>
+          <a:p>
+            <a:r>
+              <a:rPr lang="en-US" dirty="0" smtClean="0"/>
+              <a:t>Authority</a:t>
+            </a:r>
+          </a:p>
+          <a:p>
+            <a:r>
+              <a:rPr lang="en-US" dirty="0" err="1" smtClean="0"/>
+              <a:t>ContentProviderClient</a:t>
+            </a:r>
+            <a:endParaRPr lang="en-US" dirty="0" smtClean="0"/>
+          </a:p>
+          <a:p>
+            <a:r>
+              <a:rPr lang="en-US" dirty="0" err="1" smtClean="0"/>
+              <a:t>SyncResult</a:t>
+            </a:r>
+            <a:endParaRPr lang="en-US" dirty="0"/>
+          </a:p>
+        </p:txBody>
+      </p:sp>
+    </p:spTree>
+    <p:extLst>
+      <p:ext uri="{BB962C8B-B14F-4D97-AF65-F5344CB8AC3E}">
+        <p14:creationId xmlns:p14="http://schemas.microsoft.com/office/powerpoint/2010/main" val="1011405133"/>
+      </p:ext>
+    </p:extLst>
+  </p:cSld>
+  <p:clrMapOvr>
+    <a:masterClrMapping/>
+  </p:clrMapOvr>
+  <mc:AlternateContent xmlns:mc="http://schemas.openxmlformats.org/markup-compatibility/2006" xmlns:p14="http://schemas.microsoft.com/office/powerpoint/2010/main">
+    <mc:Choice Requires="p14">
+      <p:transition p14:dur="250">
+        <p14:reveal/>
+      </p:transition>
+    </mc:Choice>
+    <mc:Fallback xmlns="">
+      <p:transition>
+        <p:fade/>
+      </p:transition>
+    </mc:Fallback>
+  </mc:AlternateContent>
+  <p:timing>
+    <p:tnLst>
+      <p:par>
+        <p:cTn id="1" dur="indefinite" restart="never" nodeType="tmRoot"/>
+      </p:par>
+    </p:tnLst>
+  </p:timing>
+</p:sld>
+</file>
+
+<file path=ppt/slides/slide12.xml><?xml version="1.0" encoding="utf-8"?>
+<p:sld xmlns:a="http://schemas.openxmlformats.org/drawingml/2006/main" xmlns:r="http://schemas.openxmlformats.org/officeDocument/2006/relationships" xmlns:p="http://schemas.openxmlformats.org/presentationml/2006/main">
+  <p:cSld>
+    <p:spTree>
+      <p:nvGrpSpPr>
+        <p:cNvPr id="1" name=""/>
+        <p:cNvGrpSpPr/>
+        <p:nvPr/>
+      </p:nvGrpSpPr>
+      <p:grpSpPr>
+        <a:xfrm>
+          <a:off x="0" y="0"/>
+          <a:ext cx="0" cy="0"/>
+          <a:chOff x="0" y="0"/>
+          <a:chExt cx="0" cy="0"/>
+        </a:xfrm>
+      </p:grpSpPr>
+      <p:sp>
+        <p:nvSpPr>
+          <p:cNvPr id="2" name="Title 1"/>
+          <p:cNvSpPr>
+            <a:spLocks noGrp="1"/>
+          </p:cNvSpPr>
+          <p:nvPr>
+            <p:ph type="title"/>
+          </p:nvPr>
+        </p:nvSpPr>
+        <p:spPr/>
+        <p:txBody>
+          <a:bodyPr/>
+          <a:lstStyle/>
+          <a:p>
+            <a:r>
+              <a:rPr lang="en-US" dirty="0" err="1" smtClean="0"/>
+              <a:t>onPerformSync</a:t>
+            </a:r>
+            <a:r>
+              <a:rPr lang="en-US" dirty="0" smtClean="0"/>
+              <a:t>()</a:t>
+            </a:r>
+            <a:endParaRPr lang="en-US" dirty="0"/>
+          </a:p>
+        </p:txBody>
+      </p:sp>
+      <p:sp>
+        <p:nvSpPr>
+          <p:cNvPr id="4" name="Rectangle 1"/>
+          <p:cNvSpPr>
+            <a:spLocks noGrp="1" noChangeArrowheads="1"/>
+          </p:cNvSpPr>
+          <p:nvPr>
+            <p:ph idx="1"/>
+          </p:nvPr>
+        </p:nvSpPr>
+        <p:spPr bwMode="auto">
+          <a:xfrm>
+            <a:off x="983432" y="1783566"/>
+            <a:ext cx="8178521" cy="4031873"/>
+          </a:xfrm>
+          <a:prstGeom prst="rect">
+            <a:avLst/>
+          </a:prstGeom>
+          <a:solidFill>
+            <a:srgbClr val="F7F7F7"/>
+          </a:solidFill>
+          <a:ln>
+            <a:noFill/>
+          </a:ln>
+          <a:effectLst/>
+          <a:extLst>
+            <a:ext uri="{91240B29-F687-4F45-9708-019B960494DF}">
+              <a14:hiddenLine xmlns:a14="http://schemas.microsoft.com/office/drawing/2010/main" w="9525">
+                <a:solidFill>
+                  <a:schemeClr val="tx1"/>
+                </a:solidFill>
+                <a:miter lim="800000"/>
+                <a:headEnd/>
+                <a:tailEnd/>
+              </a14:hiddenLine>
+            </a:ext>
+            <a:ext uri="{AF507438-7753-43E0-B8FC-AC1667EBCBE1}">
+              <a14:hiddenEffects xmlns:a14="http://schemas.microsoft.com/office/drawing/2010/main">
+                <a:effectLst>
+                  <a:outerShdw dist="35921" dir="2700000" algn="ctr" rotWithShape="0">
+                    <a:schemeClr val="bg2"/>
+                  </a:outerShdw>
+                </a:effectLst>
+              </a14:hiddenEffects>
+            </a:ext>
+          </a:extLst>
+        </p:spPr>
+        <p:txBody>
+          <a:bodyPr vert="horz" wrap="none" lIns="457200" tIns="182880" rIns="457200" bIns="182880" numCol="1" anchor="ctr" anchorCtr="0" compatLnSpc="1">
+            <a:prstTxWarp prst="textNoShape">
+              <a:avLst/>
+            </a:prstTxWarp>
+            <a:spAutoFit/>
+          </a:bodyPr>
+          <a:lstStyle/>
+          <a:p>
+            <a:pPr marL="0" marR="0" lvl="0" indent="0" algn="l" defTabSz="914400" rtl="0" eaLnBrk="0" fontAlgn="base" latinLnBrk="0" hangingPunct="0">
+              <a:lnSpc>
+                <a:spcPct val="100000"/>
+              </a:lnSpc>
+              <a:spcBef>
+                <a:spcPct val="0"/>
+              </a:spcBef>
+              <a:spcAft>
+                <a:spcPct val="0"/>
+              </a:spcAft>
+              <a:buClrTx/>
+              <a:buSzTx/>
+              <a:buFontTx/>
+              <a:buNone/>
+              <a:tabLst/>
+            </a:pPr>
+            <a:r>
+              <a:rPr kumimoji="0" lang="en-US" altLang="en-US" sz="1400" b="0" i="0" u="none" strike="noStrike" cap="none" normalizeH="0" baseline="0" dirty="0" smtClean="0">
+                <a:ln>
+                  <a:noFill/>
+                </a:ln>
+                <a:solidFill>
+                  <a:srgbClr val="000000"/>
+                </a:solidFill>
+                <a:effectLst/>
+                <a:latin typeface="Consolas" panose="020B0609020204030204" pitchFamily="49" charset="0"/>
+              </a:rPr>
+              <a:t>    </a:t>
+            </a:r>
+            <a:r>
+              <a:rPr kumimoji="0" lang="en-US" altLang="en-US" sz="1400" b="0" i="0" u="none" strike="noStrike" cap="none" normalizeH="0" baseline="0" dirty="0" smtClean="0">
+                <a:ln>
+                  <a:noFill/>
+                </a:ln>
+                <a:solidFill>
+                  <a:srgbClr val="006600"/>
+                </a:solidFill>
+                <a:effectLst/>
+                <a:latin typeface="Consolas" panose="020B0609020204030204" pitchFamily="49" charset="0"/>
+              </a:rPr>
+              <a:t>/*</a:t>
+            </a:r>
+            <a:br>
+              <a:rPr kumimoji="0" lang="en-US" altLang="en-US" sz="1400" b="0" i="0" u="none" strike="noStrike" cap="none" normalizeH="0" baseline="0" dirty="0" smtClean="0">
+                <a:ln>
+                  <a:noFill/>
+                </a:ln>
+                <a:solidFill>
+                  <a:srgbClr val="006600"/>
+                </a:solidFill>
+                <a:effectLst/>
+                <a:latin typeface="Consolas" panose="020B0609020204030204" pitchFamily="49" charset="0"/>
+              </a:rPr>
+            </a:br>
+            <a:r>
+              <a:rPr kumimoji="0" lang="en-US" altLang="en-US" sz="1400" b="0" i="0" u="none" strike="noStrike" cap="none" normalizeH="0" baseline="0" dirty="0" smtClean="0">
+                <a:ln>
+                  <a:noFill/>
+                </a:ln>
+                <a:solidFill>
+                  <a:srgbClr val="006600"/>
+                </a:solidFill>
+                <a:effectLst/>
+                <a:latin typeface="Consolas" panose="020B0609020204030204" pitchFamily="49" charset="0"/>
+              </a:rPr>
+              <a:t>     * Specify the code you want to run in the sync adapter. The entire</a:t>
+            </a:r>
+            <a:br>
+              <a:rPr kumimoji="0" lang="en-US" altLang="en-US" sz="1400" b="0" i="0" u="none" strike="noStrike" cap="none" normalizeH="0" baseline="0" dirty="0" smtClean="0">
+                <a:ln>
+                  <a:noFill/>
+                </a:ln>
+                <a:solidFill>
+                  <a:srgbClr val="006600"/>
+                </a:solidFill>
+                <a:effectLst/>
+                <a:latin typeface="Consolas" panose="020B0609020204030204" pitchFamily="49" charset="0"/>
+              </a:rPr>
+            </a:br>
+            <a:r>
+              <a:rPr kumimoji="0" lang="en-US" altLang="en-US" sz="1400" b="0" i="0" u="none" strike="noStrike" cap="none" normalizeH="0" baseline="0" dirty="0" smtClean="0">
+                <a:ln>
+                  <a:noFill/>
+                </a:ln>
+                <a:solidFill>
+                  <a:srgbClr val="006600"/>
+                </a:solidFill>
+                <a:effectLst/>
+                <a:latin typeface="Consolas" panose="020B0609020204030204" pitchFamily="49" charset="0"/>
+              </a:rPr>
+              <a:t>     * sync adapter runs in a background thread, so you don't have to set</a:t>
+            </a:r>
+            <a:br>
+              <a:rPr kumimoji="0" lang="en-US" altLang="en-US" sz="1400" b="0" i="0" u="none" strike="noStrike" cap="none" normalizeH="0" baseline="0" dirty="0" smtClean="0">
+                <a:ln>
+                  <a:noFill/>
+                </a:ln>
+                <a:solidFill>
+                  <a:srgbClr val="006600"/>
+                </a:solidFill>
+                <a:effectLst/>
+                <a:latin typeface="Consolas" panose="020B0609020204030204" pitchFamily="49" charset="0"/>
+              </a:rPr>
+            </a:br>
+            <a:r>
+              <a:rPr kumimoji="0" lang="en-US" altLang="en-US" sz="1400" b="0" i="0" u="none" strike="noStrike" cap="none" normalizeH="0" baseline="0" dirty="0" smtClean="0">
+                <a:ln>
+                  <a:noFill/>
+                </a:ln>
+                <a:solidFill>
+                  <a:srgbClr val="006600"/>
+                </a:solidFill>
+                <a:effectLst/>
+                <a:latin typeface="Consolas" panose="020B0609020204030204" pitchFamily="49" charset="0"/>
+              </a:rPr>
+              <a:t>     * up your own background processing.</a:t>
+            </a:r>
+            <a:br>
+              <a:rPr kumimoji="0" lang="en-US" altLang="en-US" sz="1400" b="0" i="0" u="none" strike="noStrike" cap="none" normalizeH="0" baseline="0" dirty="0" smtClean="0">
+                <a:ln>
+                  <a:noFill/>
+                </a:ln>
+                <a:solidFill>
+                  <a:srgbClr val="006600"/>
+                </a:solidFill>
+                <a:effectLst/>
+                <a:latin typeface="Consolas" panose="020B0609020204030204" pitchFamily="49" charset="0"/>
+              </a:rPr>
+            </a:br>
+            <a:r>
+              <a:rPr kumimoji="0" lang="en-US" altLang="en-US" sz="1400" b="0" i="0" u="none" strike="noStrike" cap="none" normalizeH="0" baseline="0" dirty="0" smtClean="0">
+                <a:ln>
+                  <a:noFill/>
+                </a:ln>
+                <a:solidFill>
+                  <a:srgbClr val="006600"/>
+                </a:solidFill>
+                <a:effectLst/>
+                <a:latin typeface="Consolas" panose="020B0609020204030204" pitchFamily="49" charset="0"/>
+              </a:rPr>
+              <a:t>     */</a:t>
+            </a:r>
+            <a:r>
+              <a:rPr kumimoji="0" lang="en-US" altLang="en-US" sz="1400" b="0" i="0" u="none" strike="noStrike" cap="none" normalizeH="0" baseline="0" dirty="0" smtClean="0">
+                <a:ln>
+                  <a:noFill/>
+                </a:ln>
+                <a:solidFill>
+                  <a:srgbClr val="000000"/>
+                </a:solidFill>
+                <a:effectLst/>
+                <a:latin typeface="Consolas" panose="020B0609020204030204" pitchFamily="49" charset="0"/>
+              </a:rPr>
+              <a:t/>
+            </a:r>
+            <a:br>
+              <a:rPr kumimoji="0" lang="en-US" altLang="en-US" sz="1400" b="0" i="0" u="none" strike="noStrike" cap="none" normalizeH="0" baseline="0" dirty="0" smtClean="0">
+                <a:ln>
+                  <a:noFill/>
+                </a:ln>
+                <a:solidFill>
+                  <a:srgbClr val="000000"/>
+                </a:solidFill>
+                <a:effectLst/>
+                <a:latin typeface="Consolas" panose="020B0609020204030204" pitchFamily="49" charset="0"/>
+              </a:rPr>
+            </a:br>
+            <a:r>
+              <a:rPr kumimoji="0" lang="en-US" altLang="en-US" sz="1400" b="0" i="0" u="none" strike="noStrike" cap="none" normalizeH="0" baseline="0" dirty="0" smtClean="0">
+                <a:ln>
+                  <a:noFill/>
+                </a:ln>
+                <a:solidFill>
+                  <a:srgbClr val="000000"/>
+                </a:solidFill>
+                <a:effectLst/>
+                <a:latin typeface="Consolas" panose="020B0609020204030204" pitchFamily="49" charset="0"/>
+              </a:rPr>
+              <a:t>    </a:t>
+            </a:r>
+            <a:r>
+              <a:rPr kumimoji="0" lang="en-US" altLang="en-US" sz="1400" b="0" i="0" u="none" strike="noStrike" cap="none" normalizeH="0" baseline="0" dirty="0" smtClean="0">
+                <a:ln>
+                  <a:noFill/>
+                </a:ln>
+                <a:solidFill>
+                  <a:srgbClr val="006666"/>
+                </a:solidFill>
+                <a:effectLst/>
+                <a:latin typeface="Consolas" panose="020B0609020204030204" pitchFamily="49" charset="0"/>
+              </a:rPr>
+              <a:t>@Override</a:t>
+            </a:r>
+            <a:r>
+              <a:rPr kumimoji="0" lang="en-US" altLang="en-US" sz="1400" b="0" i="0" u="none" strike="noStrike" cap="none" normalizeH="0" baseline="0" dirty="0" smtClean="0">
+                <a:ln>
+                  <a:noFill/>
+                </a:ln>
+                <a:solidFill>
+                  <a:srgbClr val="000000"/>
+                </a:solidFill>
+                <a:effectLst/>
+                <a:latin typeface="Consolas" panose="020B0609020204030204" pitchFamily="49" charset="0"/>
+              </a:rPr>
+              <a:t/>
+            </a:r>
+            <a:br>
+              <a:rPr kumimoji="0" lang="en-US" altLang="en-US" sz="1400" b="0" i="0" u="none" strike="noStrike" cap="none" normalizeH="0" baseline="0" dirty="0" smtClean="0">
+                <a:ln>
+                  <a:noFill/>
+                </a:ln>
+                <a:solidFill>
+                  <a:srgbClr val="000000"/>
+                </a:solidFill>
+                <a:effectLst/>
+                <a:latin typeface="Consolas" panose="020B0609020204030204" pitchFamily="49" charset="0"/>
+              </a:rPr>
+            </a:br>
+            <a:r>
+              <a:rPr kumimoji="0" lang="en-US" altLang="en-US" sz="1400" b="0" i="0" u="none" strike="noStrike" cap="none" normalizeH="0" baseline="0" dirty="0" smtClean="0">
+                <a:ln>
+                  <a:noFill/>
+                </a:ln>
+                <a:solidFill>
+                  <a:srgbClr val="000000"/>
+                </a:solidFill>
+                <a:effectLst/>
+                <a:latin typeface="Consolas" panose="020B0609020204030204" pitchFamily="49" charset="0"/>
+              </a:rPr>
+              <a:t>    </a:t>
+            </a:r>
+            <a:r>
+              <a:rPr kumimoji="0" lang="en-US" altLang="en-US" sz="1400" b="0" i="0" u="none" strike="noStrike" cap="none" normalizeH="0" baseline="0" dirty="0" smtClean="0">
+                <a:ln>
+                  <a:noFill/>
+                </a:ln>
+                <a:solidFill>
+                  <a:srgbClr val="000088"/>
+                </a:solidFill>
+                <a:effectLst/>
+                <a:latin typeface="Consolas" panose="020B0609020204030204" pitchFamily="49" charset="0"/>
+              </a:rPr>
+              <a:t>public</a:t>
+            </a:r>
+            <a:r>
+              <a:rPr kumimoji="0" lang="en-US" altLang="en-US" sz="1400" b="0" i="0" u="none" strike="noStrike" cap="none" normalizeH="0" baseline="0" dirty="0" smtClean="0">
+                <a:ln>
+                  <a:noFill/>
+                </a:ln>
+                <a:solidFill>
+                  <a:srgbClr val="000000"/>
+                </a:solidFill>
+                <a:effectLst/>
+                <a:latin typeface="Consolas" panose="020B0609020204030204" pitchFamily="49" charset="0"/>
+              </a:rPr>
+              <a:t> </a:t>
+            </a:r>
+            <a:r>
+              <a:rPr kumimoji="0" lang="en-US" altLang="en-US" sz="1400" b="0" i="0" u="none" strike="noStrike" cap="none" normalizeH="0" baseline="0" dirty="0" smtClean="0">
+                <a:ln>
+                  <a:noFill/>
+                </a:ln>
+                <a:solidFill>
+                  <a:srgbClr val="000088"/>
+                </a:solidFill>
+                <a:effectLst/>
+                <a:latin typeface="Consolas" panose="020B0609020204030204" pitchFamily="49" charset="0"/>
+              </a:rPr>
+              <a:t>void</a:t>
+            </a:r>
+            <a:r>
+              <a:rPr kumimoji="0" lang="en-US" altLang="en-US" sz="1400" b="0" i="0" u="none" strike="noStrike" cap="none" normalizeH="0" baseline="0" dirty="0" smtClean="0">
+                <a:ln>
+                  <a:noFill/>
+                </a:ln>
+                <a:solidFill>
+                  <a:srgbClr val="000000"/>
+                </a:solidFill>
+                <a:effectLst/>
+                <a:latin typeface="Consolas" panose="020B0609020204030204" pitchFamily="49" charset="0"/>
+              </a:rPr>
+              <a:t> </a:t>
+            </a:r>
+            <a:r>
+              <a:rPr kumimoji="0" lang="en-US" altLang="en-US" sz="1400" b="0" i="0" u="none" strike="noStrike" cap="none" normalizeH="0" baseline="0" dirty="0" err="1" smtClean="0">
+                <a:ln>
+                  <a:noFill/>
+                </a:ln>
+                <a:solidFill>
+                  <a:srgbClr val="000000"/>
+                </a:solidFill>
+                <a:effectLst/>
+                <a:latin typeface="Consolas" panose="020B0609020204030204" pitchFamily="49" charset="0"/>
+              </a:rPr>
+              <a:t>onPerformSync</a:t>
+            </a:r>
+            <a:r>
+              <a:rPr kumimoji="0" lang="en-US" altLang="en-US" sz="1400" b="0" i="0" u="none" strike="noStrike" cap="none" normalizeH="0" baseline="0" dirty="0" smtClean="0">
+                <a:ln>
+                  <a:noFill/>
+                </a:ln>
+                <a:solidFill>
+                  <a:srgbClr val="666600"/>
+                </a:solidFill>
+                <a:effectLst/>
+                <a:latin typeface="Consolas" panose="020B0609020204030204" pitchFamily="49" charset="0"/>
+              </a:rPr>
+              <a:t>(</a:t>
+            </a:r>
+            <a:r>
+              <a:rPr kumimoji="0" lang="en-US" altLang="en-US" sz="1400" b="0" i="0" u="none" strike="noStrike" cap="none" normalizeH="0" baseline="0" dirty="0" smtClean="0">
+                <a:ln>
+                  <a:noFill/>
+                </a:ln>
+                <a:solidFill>
+                  <a:srgbClr val="000000"/>
+                </a:solidFill>
+                <a:effectLst/>
+                <a:latin typeface="Consolas" panose="020B0609020204030204" pitchFamily="49" charset="0"/>
+              </a:rPr>
+              <a:t/>
+            </a:r>
+            <a:br>
+              <a:rPr kumimoji="0" lang="en-US" altLang="en-US" sz="1400" b="0" i="0" u="none" strike="noStrike" cap="none" normalizeH="0" baseline="0" dirty="0" smtClean="0">
+                <a:ln>
+                  <a:noFill/>
+                </a:ln>
+                <a:solidFill>
+                  <a:srgbClr val="000000"/>
+                </a:solidFill>
+                <a:effectLst/>
+                <a:latin typeface="Consolas" panose="020B0609020204030204" pitchFamily="49" charset="0"/>
+              </a:rPr>
+            </a:br>
+            <a:r>
+              <a:rPr kumimoji="0" lang="en-US" altLang="en-US" sz="1400" b="0" i="0" u="none" strike="noStrike" cap="none" normalizeH="0" baseline="0" dirty="0" smtClean="0">
+                <a:ln>
+                  <a:noFill/>
+                </a:ln>
+                <a:solidFill>
+                  <a:srgbClr val="000000"/>
+                </a:solidFill>
+                <a:effectLst/>
+                <a:latin typeface="Consolas" panose="020B0609020204030204" pitchFamily="49" charset="0"/>
+              </a:rPr>
+              <a:t>            </a:t>
+            </a:r>
+            <a:r>
+              <a:rPr kumimoji="0" lang="en-US" altLang="en-US" sz="1400" b="0" i="0" u="none" strike="noStrike" cap="none" normalizeH="0" baseline="0" dirty="0" smtClean="0">
+                <a:ln>
+                  <a:noFill/>
+                </a:ln>
+                <a:solidFill>
+                  <a:srgbClr val="660066"/>
+                </a:solidFill>
+                <a:effectLst/>
+                <a:latin typeface="Consolas" panose="020B0609020204030204" pitchFamily="49" charset="0"/>
+              </a:rPr>
+              <a:t>Account</a:t>
+            </a:r>
+            <a:r>
+              <a:rPr kumimoji="0" lang="en-US" altLang="en-US" sz="1400" b="0" i="0" u="none" strike="noStrike" cap="none" normalizeH="0" baseline="0" dirty="0" smtClean="0">
+                <a:ln>
+                  <a:noFill/>
+                </a:ln>
+                <a:solidFill>
+                  <a:srgbClr val="000000"/>
+                </a:solidFill>
+                <a:effectLst/>
+                <a:latin typeface="Consolas" panose="020B0609020204030204" pitchFamily="49" charset="0"/>
+              </a:rPr>
+              <a:t> </a:t>
+            </a:r>
+            <a:r>
+              <a:rPr kumimoji="0" lang="en-US" altLang="en-US" sz="1400" b="0" i="0" u="none" strike="noStrike" cap="none" normalizeH="0" baseline="0" dirty="0" err="1" smtClean="0">
+                <a:ln>
+                  <a:noFill/>
+                </a:ln>
+                <a:solidFill>
+                  <a:srgbClr val="000000"/>
+                </a:solidFill>
+                <a:effectLst/>
+                <a:latin typeface="Consolas" panose="020B0609020204030204" pitchFamily="49" charset="0"/>
+              </a:rPr>
+              <a:t>account</a:t>
+            </a:r>
+            <a:r>
+              <a:rPr kumimoji="0" lang="en-US" altLang="en-US" sz="1400" b="0" i="0" u="none" strike="noStrike" cap="none" normalizeH="0" baseline="0" dirty="0" smtClean="0">
+                <a:ln>
+                  <a:noFill/>
+                </a:ln>
+                <a:solidFill>
+                  <a:srgbClr val="666600"/>
+                </a:solidFill>
+                <a:effectLst/>
+                <a:latin typeface="Consolas" panose="020B0609020204030204" pitchFamily="49" charset="0"/>
+              </a:rPr>
+              <a:t>,</a:t>
+            </a:r>
+            <a:r>
+              <a:rPr kumimoji="0" lang="en-US" altLang="en-US" sz="1400" b="0" i="0" u="none" strike="noStrike" cap="none" normalizeH="0" baseline="0" dirty="0" smtClean="0">
+                <a:ln>
+                  <a:noFill/>
+                </a:ln>
+                <a:solidFill>
+                  <a:srgbClr val="000000"/>
+                </a:solidFill>
+                <a:effectLst/>
+                <a:latin typeface="Consolas" panose="020B0609020204030204" pitchFamily="49" charset="0"/>
+              </a:rPr>
+              <a:t/>
+            </a:r>
+            <a:br>
+              <a:rPr kumimoji="0" lang="en-US" altLang="en-US" sz="1400" b="0" i="0" u="none" strike="noStrike" cap="none" normalizeH="0" baseline="0" dirty="0" smtClean="0">
+                <a:ln>
+                  <a:noFill/>
+                </a:ln>
+                <a:solidFill>
+                  <a:srgbClr val="000000"/>
+                </a:solidFill>
+                <a:effectLst/>
+                <a:latin typeface="Consolas" panose="020B0609020204030204" pitchFamily="49" charset="0"/>
+              </a:rPr>
+            </a:br>
+            <a:r>
+              <a:rPr kumimoji="0" lang="en-US" altLang="en-US" sz="1400" b="0" i="0" u="none" strike="noStrike" cap="none" normalizeH="0" baseline="0" dirty="0" smtClean="0">
+                <a:ln>
+                  <a:noFill/>
+                </a:ln>
+                <a:solidFill>
+                  <a:srgbClr val="000000"/>
+                </a:solidFill>
+                <a:effectLst/>
+                <a:latin typeface="Consolas" panose="020B0609020204030204" pitchFamily="49" charset="0"/>
+              </a:rPr>
+              <a:t>            </a:t>
+            </a:r>
+            <a:r>
+              <a:rPr kumimoji="0" lang="en-US" altLang="en-US" sz="1400" b="0" i="0" u="none" strike="noStrike" cap="none" normalizeH="0" baseline="0" dirty="0" smtClean="0">
+                <a:ln>
+                  <a:noFill/>
+                </a:ln>
+                <a:solidFill>
+                  <a:srgbClr val="660066"/>
+                </a:solidFill>
+                <a:effectLst/>
+                <a:latin typeface="Consolas" panose="020B0609020204030204" pitchFamily="49" charset="0"/>
+              </a:rPr>
+              <a:t>Bundle</a:t>
+            </a:r>
+            <a:r>
+              <a:rPr kumimoji="0" lang="en-US" altLang="en-US" sz="1400" b="0" i="0" u="none" strike="noStrike" cap="none" normalizeH="0" baseline="0" dirty="0" smtClean="0">
+                <a:ln>
+                  <a:noFill/>
+                </a:ln>
+                <a:solidFill>
+                  <a:srgbClr val="000000"/>
+                </a:solidFill>
+                <a:effectLst/>
+                <a:latin typeface="Consolas" panose="020B0609020204030204" pitchFamily="49" charset="0"/>
+              </a:rPr>
+              <a:t> extras</a:t>
+            </a:r>
+            <a:r>
+              <a:rPr kumimoji="0" lang="en-US" altLang="en-US" sz="1400" b="0" i="0" u="none" strike="noStrike" cap="none" normalizeH="0" baseline="0" dirty="0" smtClean="0">
+                <a:ln>
+                  <a:noFill/>
+                </a:ln>
+                <a:solidFill>
+                  <a:srgbClr val="666600"/>
+                </a:solidFill>
+                <a:effectLst/>
+                <a:latin typeface="Consolas" panose="020B0609020204030204" pitchFamily="49" charset="0"/>
+              </a:rPr>
+              <a:t>,</a:t>
+            </a:r>
+            <a:r>
+              <a:rPr kumimoji="0" lang="en-US" altLang="en-US" sz="1400" b="0" i="0" u="none" strike="noStrike" cap="none" normalizeH="0" baseline="0" dirty="0" smtClean="0">
+                <a:ln>
+                  <a:noFill/>
+                </a:ln>
+                <a:solidFill>
+                  <a:srgbClr val="000000"/>
+                </a:solidFill>
+                <a:effectLst/>
+                <a:latin typeface="Consolas" panose="020B0609020204030204" pitchFamily="49" charset="0"/>
+              </a:rPr>
+              <a:t/>
+            </a:r>
+            <a:br>
+              <a:rPr kumimoji="0" lang="en-US" altLang="en-US" sz="1400" b="0" i="0" u="none" strike="noStrike" cap="none" normalizeH="0" baseline="0" dirty="0" smtClean="0">
+                <a:ln>
+                  <a:noFill/>
+                </a:ln>
+                <a:solidFill>
+                  <a:srgbClr val="000000"/>
+                </a:solidFill>
+                <a:effectLst/>
+                <a:latin typeface="Consolas" panose="020B0609020204030204" pitchFamily="49" charset="0"/>
+              </a:rPr>
+            </a:br>
+            <a:r>
+              <a:rPr kumimoji="0" lang="en-US" altLang="en-US" sz="1400" b="0" i="0" u="none" strike="noStrike" cap="none" normalizeH="0" baseline="0" dirty="0" smtClean="0">
+                <a:ln>
+                  <a:noFill/>
+                </a:ln>
+                <a:solidFill>
+                  <a:srgbClr val="000000"/>
+                </a:solidFill>
+                <a:effectLst/>
+                <a:latin typeface="Consolas" panose="020B0609020204030204" pitchFamily="49" charset="0"/>
+              </a:rPr>
+              <a:t>            </a:t>
+            </a:r>
+            <a:r>
+              <a:rPr kumimoji="0" lang="en-US" altLang="en-US" sz="1400" b="0" i="0" u="none" strike="noStrike" cap="none" normalizeH="0" baseline="0" dirty="0" smtClean="0">
+                <a:ln>
+                  <a:noFill/>
+                </a:ln>
+                <a:solidFill>
+                  <a:srgbClr val="660066"/>
+                </a:solidFill>
+                <a:effectLst/>
+                <a:latin typeface="Consolas" panose="020B0609020204030204" pitchFamily="49" charset="0"/>
+              </a:rPr>
+              <a:t>String</a:t>
+            </a:r>
+            <a:r>
+              <a:rPr kumimoji="0" lang="en-US" altLang="en-US" sz="1400" b="0" i="0" u="none" strike="noStrike" cap="none" normalizeH="0" baseline="0" dirty="0" smtClean="0">
+                <a:ln>
+                  <a:noFill/>
+                </a:ln>
+                <a:solidFill>
+                  <a:srgbClr val="000000"/>
+                </a:solidFill>
+                <a:effectLst/>
+                <a:latin typeface="Consolas" panose="020B0609020204030204" pitchFamily="49" charset="0"/>
+              </a:rPr>
+              <a:t> authority</a:t>
+            </a:r>
+            <a:r>
+              <a:rPr kumimoji="0" lang="en-US" altLang="en-US" sz="1400" b="0" i="0" u="none" strike="noStrike" cap="none" normalizeH="0" baseline="0" dirty="0" smtClean="0">
+                <a:ln>
+                  <a:noFill/>
+                </a:ln>
+                <a:solidFill>
+                  <a:srgbClr val="666600"/>
+                </a:solidFill>
+                <a:effectLst/>
+                <a:latin typeface="Consolas" panose="020B0609020204030204" pitchFamily="49" charset="0"/>
+              </a:rPr>
+              <a:t>,</a:t>
+            </a:r>
+            <a:r>
+              <a:rPr kumimoji="0" lang="en-US" altLang="en-US" sz="1400" b="0" i="0" u="none" strike="noStrike" cap="none" normalizeH="0" baseline="0" dirty="0" smtClean="0">
+                <a:ln>
+                  <a:noFill/>
+                </a:ln>
+                <a:solidFill>
+                  <a:srgbClr val="000000"/>
+                </a:solidFill>
+                <a:effectLst/>
+                <a:latin typeface="Consolas" panose="020B0609020204030204" pitchFamily="49" charset="0"/>
+              </a:rPr>
+              <a:t/>
+            </a:r>
+            <a:br>
+              <a:rPr kumimoji="0" lang="en-US" altLang="en-US" sz="1400" b="0" i="0" u="none" strike="noStrike" cap="none" normalizeH="0" baseline="0" dirty="0" smtClean="0">
+                <a:ln>
+                  <a:noFill/>
+                </a:ln>
+                <a:solidFill>
+                  <a:srgbClr val="000000"/>
+                </a:solidFill>
+                <a:effectLst/>
+                <a:latin typeface="Consolas" panose="020B0609020204030204" pitchFamily="49" charset="0"/>
+              </a:rPr>
+            </a:br>
+            <a:r>
+              <a:rPr kumimoji="0" lang="en-US" altLang="en-US" sz="1400" b="0" i="0" u="none" strike="noStrike" cap="none" normalizeH="0" baseline="0" dirty="0" smtClean="0">
+                <a:ln>
+                  <a:noFill/>
+                </a:ln>
+                <a:solidFill>
+                  <a:srgbClr val="000000"/>
+                </a:solidFill>
+                <a:effectLst/>
+                <a:latin typeface="Consolas" panose="020B0609020204030204" pitchFamily="49" charset="0"/>
+              </a:rPr>
+              <a:t>            </a:t>
+            </a:r>
+            <a:r>
+              <a:rPr kumimoji="0" lang="en-US" altLang="en-US" sz="1400" b="0" i="0" u="none" strike="noStrike" cap="none" normalizeH="0" baseline="0" dirty="0" err="1" smtClean="0">
+                <a:ln>
+                  <a:noFill/>
+                </a:ln>
+                <a:solidFill>
+                  <a:srgbClr val="660066"/>
+                </a:solidFill>
+                <a:effectLst/>
+                <a:latin typeface="Consolas" panose="020B0609020204030204" pitchFamily="49" charset="0"/>
+              </a:rPr>
+              <a:t>ContentProviderClient</a:t>
+            </a:r>
+            <a:r>
+              <a:rPr kumimoji="0" lang="en-US" altLang="en-US" sz="1400" b="0" i="0" u="none" strike="noStrike" cap="none" normalizeH="0" baseline="0" dirty="0" smtClean="0">
+                <a:ln>
+                  <a:noFill/>
+                </a:ln>
+                <a:solidFill>
+                  <a:srgbClr val="000000"/>
+                </a:solidFill>
+                <a:effectLst/>
+                <a:latin typeface="Consolas" panose="020B0609020204030204" pitchFamily="49" charset="0"/>
+              </a:rPr>
+              <a:t> provider</a:t>
+            </a:r>
+            <a:r>
+              <a:rPr kumimoji="0" lang="en-US" altLang="en-US" sz="1400" b="0" i="0" u="none" strike="noStrike" cap="none" normalizeH="0" baseline="0" dirty="0" smtClean="0">
+                <a:ln>
+                  <a:noFill/>
+                </a:ln>
+                <a:solidFill>
+                  <a:srgbClr val="666600"/>
+                </a:solidFill>
+                <a:effectLst/>
+                <a:latin typeface="Consolas" panose="020B0609020204030204" pitchFamily="49" charset="0"/>
+              </a:rPr>
+              <a:t>,</a:t>
+            </a:r>
+            <a:r>
+              <a:rPr kumimoji="0" lang="en-US" altLang="en-US" sz="1400" b="0" i="0" u="none" strike="noStrike" cap="none" normalizeH="0" baseline="0" dirty="0" smtClean="0">
+                <a:ln>
+                  <a:noFill/>
+                </a:ln>
+                <a:solidFill>
+                  <a:srgbClr val="000000"/>
+                </a:solidFill>
+                <a:effectLst/>
+                <a:latin typeface="Consolas" panose="020B0609020204030204" pitchFamily="49" charset="0"/>
+              </a:rPr>
+              <a:t/>
+            </a:r>
+            <a:br>
+              <a:rPr kumimoji="0" lang="en-US" altLang="en-US" sz="1400" b="0" i="0" u="none" strike="noStrike" cap="none" normalizeH="0" baseline="0" dirty="0" smtClean="0">
+                <a:ln>
+                  <a:noFill/>
+                </a:ln>
+                <a:solidFill>
+                  <a:srgbClr val="000000"/>
+                </a:solidFill>
+                <a:effectLst/>
+                <a:latin typeface="Consolas" panose="020B0609020204030204" pitchFamily="49" charset="0"/>
+              </a:rPr>
+            </a:br>
+            <a:r>
+              <a:rPr kumimoji="0" lang="en-US" altLang="en-US" sz="1400" b="0" i="0" u="none" strike="noStrike" cap="none" normalizeH="0" baseline="0" dirty="0" smtClean="0">
+                <a:ln>
+                  <a:noFill/>
+                </a:ln>
+                <a:solidFill>
+                  <a:srgbClr val="000000"/>
+                </a:solidFill>
+                <a:effectLst/>
+                <a:latin typeface="Consolas" panose="020B0609020204030204" pitchFamily="49" charset="0"/>
+              </a:rPr>
+              <a:t>            </a:t>
+            </a:r>
+            <a:r>
+              <a:rPr kumimoji="0" lang="en-US" altLang="en-US" sz="1400" b="0" i="0" u="none" strike="noStrike" cap="none" normalizeH="0" baseline="0" dirty="0" err="1" smtClean="0">
+                <a:ln>
+                  <a:noFill/>
+                </a:ln>
+                <a:solidFill>
+                  <a:srgbClr val="660066"/>
+                </a:solidFill>
+                <a:effectLst/>
+                <a:latin typeface="Consolas" panose="020B0609020204030204" pitchFamily="49" charset="0"/>
+              </a:rPr>
+              <a:t>SyncResult</a:t>
+            </a:r>
+            <a:r>
+              <a:rPr kumimoji="0" lang="en-US" altLang="en-US" sz="1400" b="0" i="0" u="none" strike="noStrike" cap="none" normalizeH="0" baseline="0" dirty="0" smtClean="0">
+                <a:ln>
+                  <a:noFill/>
+                </a:ln>
+                <a:solidFill>
+                  <a:srgbClr val="000000"/>
+                </a:solidFill>
+                <a:effectLst/>
+                <a:latin typeface="Consolas" panose="020B0609020204030204" pitchFamily="49" charset="0"/>
+              </a:rPr>
+              <a:t> </a:t>
+            </a:r>
+            <a:r>
+              <a:rPr kumimoji="0" lang="en-US" altLang="en-US" sz="1400" b="0" i="0" u="none" strike="noStrike" cap="none" normalizeH="0" baseline="0" dirty="0" err="1" smtClean="0">
+                <a:ln>
+                  <a:noFill/>
+                </a:ln>
+                <a:solidFill>
+                  <a:srgbClr val="000000"/>
+                </a:solidFill>
+                <a:effectLst/>
+                <a:latin typeface="Consolas" panose="020B0609020204030204" pitchFamily="49" charset="0"/>
+              </a:rPr>
+              <a:t>syncResult</a:t>
+            </a:r>
+            <a:r>
+              <a:rPr kumimoji="0" lang="en-US" altLang="en-US" sz="1400" b="0" i="0" u="none" strike="noStrike" cap="none" normalizeH="0" baseline="0" dirty="0" smtClean="0">
+                <a:ln>
+                  <a:noFill/>
+                </a:ln>
+                <a:solidFill>
+                  <a:srgbClr val="666600"/>
+                </a:solidFill>
+                <a:effectLst/>
+                <a:latin typeface="Consolas" panose="020B0609020204030204" pitchFamily="49" charset="0"/>
+              </a:rPr>
+              <a:t>)</a:t>
+            </a:r>
+            <a:r>
+              <a:rPr kumimoji="0" lang="en-US" altLang="en-US" sz="1400" b="0" i="0" u="none" strike="noStrike" cap="none" normalizeH="0" baseline="0" dirty="0" smtClean="0">
+                <a:ln>
+                  <a:noFill/>
+                </a:ln>
+                <a:solidFill>
+                  <a:srgbClr val="000000"/>
+                </a:solidFill>
+                <a:effectLst/>
+                <a:latin typeface="Consolas" panose="020B0609020204030204" pitchFamily="49" charset="0"/>
+              </a:rPr>
+              <a:t> </a:t>
+            </a:r>
+            <a:r>
+              <a:rPr kumimoji="0" lang="en-US" altLang="en-US" sz="1400" b="0" i="0" u="none" strike="noStrike" cap="none" normalizeH="0" baseline="0" dirty="0" smtClean="0">
+                <a:ln>
+                  <a:noFill/>
+                </a:ln>
+                <a:solidFill>
+                  <a:srgbClr val="666600"/>
+                </a:solidFill>
+                <a:effectLst/>
+                <a:latin typeface="Consolas" panose="020B0609020204030204" pitchFamily="49" charset="0"/>
+              </a:rPr>
+              <a:t>{</a:t>
+            </a:r>
+            <a:r>
+              <a:rPr kumimoji="0" lang="en-US" altLang="en-US" sz="1400" b="0" i="0" u="none" strike="noStrike" cap="none" normalizeH="0" baseline="0" dirty="0" smtClean="0">
+                <a:ln>
+                  <a:noFill/>
+                </a:ln>
+                <a:solidFill>
+                  <a:srgbClr val="000000"/>
+                </a:solidFill>
+                <a:effectLst/>
+                <a:latin typeface="Consolas" panose="020B0609020204030204" pitchFamily="49" charset="0"/>
+              </a:rPr>
+              <a:t/>
+            </a:r>
+            <a:br>
+              <a:rPr kumimoji="0" lang="en-US" altLang="en-US" sz="1400" b="0" i="0" u="none" strike="noStrike" cap="none" normalizeH="0" baseline="0" dirty="0" smtClean="0">
+                <a:ln>
+                  <a:noFill/>
+                </a:ln>
+                <a:solidFill>
+                  <a:srgbClr val="000000"/>
+                </a:solidFill>
+                <a:effectLst/>
+                <a:latin typeface="Consolas" panose="020B0609020204030204" pitchFamily="49" charset="0"/>
+              </a:rPr>
+            </a:br>
+            <a:r>
+              <a:rPr kumimoji="0" lang="en-US" altLang="en-US" sz="1400" b="0" i="0" u="none" strike="noStrike" cap="none" normalizeH="0" baseline="0" dirty="0" smtClean="0">
+                <a:ln>
+                  <a:noFill/>
+                </a:ln>
+                <a:solidFill>
+                  <a:srgbClr val="000000"/>
+                </a:solidFill>
+                <a:effectLst/>
+                <a:latin typeface="Consolas" panose="020B0609020204030204" pitchFamily="49" charset="0"/>
+              </a:rPr>
+              <a:t>    </a:t>
+            </a:r>
+            <a:r>
+              <a:rPr kumimoji="0" lang="en-US" altLang="en-US" sz="1400" b="0" i="0" u="none" strike="noStrike" cap="none" normalizeH="0" baseline="0" dirty="0" smtClean="0">
+                <a:ln>
+                  <a:noFill/>
+                </a:ln>
+                <a:solidFill>
+                  <a:srgbClr val="006600"/>
+                </a:solidFill>
+                <a:effectLst/>
+                <a:latin typeface="Consolas" panose="020B0609020204030204" pitchFamily="49" charset="0"/>
+              </a:rPr>
+              <a:t>/*</a:t>
+            </a:r>
+            <a:br>
+              <a:rPr kumimoji="0" lang="en-US" altLang="en-US" sz="1400" b="0" i="0" u="none" strike="noStrike" cap="none" normalizeH="0" baseline="0" dirty="0" smtClean="0">
+                <a:ln>
+                  <a:noFill/>
+                </a:ln>
+                <a:solidFill>
+                  <a:srgbClr val="006600"/>
+                </a:solidFill>
+                <a:effectLst/>
+                <a:latin typeface="Consolas" panose="020B0609020204030204" pitchFamily="49" charset="0"/>
+              </a:rPr>
+            </a:br>
+            <a:r>
+              <a:rPr kumimoji="0" lang="en-US" altLang="en-US" sz="1400" b="0" i="0" u="none" strike="noStrike" cap="none" normalizeH="0" baseline="0" dirty="0" smtClean="0">
+                <a:ln>
+                  <a:noFill/>
+                </a:ln>
+                <a:solidFill>
+                  <a:srgbClr val="006600"/>
+                </a:solidFill>
+                <a:effectLst/>
+                <a:latin typeface="Consolas" panose="020B0609020204030204" pitchFamily="49" charset="0"/>
+              </a:rPr>
+              <a:t>     * Put the data transfer code here.</a:t>
+            </a:r>
+            <a:br>
+              <a:rPr kumimoji="0" lang="en-US" altLang="en-US" sz="1400" b="0" i="0" u="none" strike="noStrike" cap="none" normalizeH="0" baseline="0" dirty="0" smtClean="0">
+                <a:ln>
+                  <a:noFill/>
+                </a:ln>
+                <a:solidFill>
+                  <a:srgbClr val="006600"/>
+                </a:solidFill>
+                <a:effectLst/>
+                <a:latin typeface="Consolas" panose="020B0609020204030204" pitchFamily="49" charset="0"/>
+              </a:rPr>
+            </a:br>
+            <a:r>
+              <a:rPr kumimoji="0" lang="en-US" altLang="en-US" sz="1400" b="0" i="0" u="none" strike="noStrike" cap="none" normalizeH="0" baseline="0" dirty="0" smtClean="0">
+                <a:ln>
+                  <a:noFill/>
+                </a:ln>
+                <a:solidFill>
+                  <a:srgbClr val="006600"/>
+                </a:solidFill>
+                <a:effectLst/>
+                <a:latin typeface="Consolas" panose="020B0609020204030204" pitchFamily="49" charset="0"/>
+              </a:rPr>
+              <a:t>     */</a:t>
+            </a:r>
+            <a:r>
+              <a:rPr kumimoji="0" lang="en-US" altLang="en-US" sz="1400" b="0" i="0" u="none" strike="noStrike" cap="none" normalizeH="0" baseline="0" dirty="0" smtClean="0">
+                <a:ln>
+                  <a:noFill/>
+                </a:ln>
+                <a:solidFill>
+                  <a:srgbClr val="000000"/>
+                </a:solidFill>
+                <a:effectLst/>
+                <a:latin typeface="Consolas" panose="020B0609020204030204" pitchFamily="49" charset="0"/>
+              </a:rPr>
+              <a:t/>
+            </a:r>
+            <a:br>
+              <a:rPr kumimoji="0" lang="en-US" altLang="en-US" sz="1400" b="0" i="0" u="none" strike="noStrike" cap="none" normalizeH="0" baseline="0" dirty="0" smtClean="0">
+                <a:ln>
+                  <a:noFill/>
+                </a:ln>
+                <a:solidFill>
+                  <a:srgbClr val="000000"/>
+                </a:solidFill>
+                <a:effectLst/>
+                <a:latin typeface="Consolas" panose="020B0609020204030204" pitchFamily="49" charset="0"/>
+              </a:rPr>
+            </a:br>
+            <a:r>
+              <a:rPr kumimoji="0" lang="en-US" altLang="en-US" sz="1400" b="0" i="0" u="none" strike="noStrike" cap="none" normalizeH="0" baseline="0" dirty="0" smtClean="0">
+                <a:ln>
+                  <a:noFill/>
+                </a:ln>
+                <a:solidFill>
+                  <a:srgbClr val="000000"/>
+                </a:solidFill>
+                <a:effectLst/>
+                <a:latin typeface="Consolas" panose="020B0609020204030204" pitchFamily="49" charset="0"/>
+              </a:rPr>
+              <a:t>    </a:t>
+            </a:r>
+            <a:r>
+              <a:rPr kumimoji="0" lang="en-US" altLang="en-US" sz="1400" b="0" i="0" u="none" strike="noStrike" cap="none" normalizeH="0" baseline="0" dirty="0" smtClean="0">
+                <a:ln>
+                  <a:noFill/>
+                </a:ln>
+                <a:solidFill>
+                  <a:srgbClr val="666600"/>
+                </a:solidFill>
+                <a:effectLst/>
+                <a:latin typeface="Consolas" panose="020B0609020204030204" pitchFamily="49" charset="0"/>
+              </a:rPr>
+              <a:t>...</a:t>
+            </a:r>
+            <a:r>
+              <a:rPr kumimoji="0" lang="en-US" altLang="en-US" sz="1400" b="0" i="0" u="none" strike="noStrike" cap="none" normalizeH="0" baseline="0" dirty="0" smtClean="0">
+                <a:ln>
+                  <a:noFill/>
+                </a:ln>
+                <a:solidFill>
+                  <a:srgbClr val="000000"/>
+                </a:solidFill>
+                <a:effectLst/>
+                <a:latin typeface="Consolas" panose="020B0609020204030204" pitchFamily="49" charset="0"/>
+              </a:rPr>
+              <a:t/>
+            </a:r>
+            <a:br>
+              <a:rPr kumimoji="0" lang="en-US" altLang="en-US" sz="1400" b="0" i="0" u="none" strike="noStrike" cap="none" normalizeH="0" baseline="0" dirty="0" smtClean="0">
+                <a:ln>
+                  <a:noFill/>
+                </a:ln>
+                <a:solidFill>
+                  <a:srgbClr val="000000"/>
+                </a:solidFill>
+                <a:effectLst/>
+                <a:latin typeface="Consolas" panose="020B0609020204030204" pitchFamily="49" charset="0"/>
+              </a:rPr>
+            </a:br>
+            <a:r>
+              <a:rPr kumimoji="0" lang="en-US" altLang="en-US" sz="1400" b="0" i="0" u="none" strike="noStrike" cap="none" normalizeH="0" baseline="0" dirty="0" smtClean="0">
+                <a:ln>
+                  <a:noFill/>
+                </a:ln>
+                <a:solidFill>
+                  <a:srgbClr val="000000"/>
+                </a:solidFill>
+                <a:effectLst/>
+                <a:latin typeface="Consolas" panose="020B0609020204030204" pitchFamily="49" charset="0"/>
+              </a:rPr>
+              <a:t>    </a:t>
+            </a:r>
+            <a:r>
+              <a:rPr kumimoji="0" lang="en-US" altLang="en-US" sz="1400" b="0" i="0" u="none" strike="noStrike" cap="none" normalizeH="0" baseline="0" dirty="0" smtClean="0">
+                <a:ln>
+                  <a:noFill/>
+                </a:ln>
+                <a:solidFill>
+                  <a:srgbClr val="666600"/>
+                </a:solidFill>
+                <a:effectLst/>
+                <a:latin typeface="Consolas" panose="020B0609020204030204" pitchFamily="49" charset="0"/>
+              </a:rPr>
+              <a:t>}</a:t>
+            </a:r>
+            <a:r>
+              <a:rPr kumimoji="0" lang="en-US" altLang="en-US" sz="1400" b="0" i="0" u="none" strike="noStrike" cap="none" normalizeH="0" baseline="0" dirty="0" smtClean="0">
+                <a:ln>
+                  <a:noFill/>
+                </a:ln>
+                <a:solidFill>
+                  <a:schemeClr val="tx1"/>
+                </a:solidFill>
+                <a:effectLst/>
+                <a:latin typeface="Consolas" panose="020B0609020204030204" pitchFamily="49" charset="0"/>
+              </a:rPr>
+              <a:t> </a:t>
+            </a:r>
+          </a:p>
+        </p:txBody>
+      </p:sp>
+    </p:spTree>
+    <p:extLst>
+      <p:ext uri="{BB962C8B-B14F-4D97-AF65-F5344CB8AC3E}">
+        <p14:creationId xmlns:p14="http://schemas.microsoft.com/office/powerpoint/2010/main" val="4008872627"/>
+      </p:ext>
+    </p:extLst>
+  </p:cSld>
+  <p:clrMapOvr>
+    <a:masterClrMapping/>
+  </p:clrMapOvr>
+  <mc:AlternateContent xmlns:mc="http://schemas.openxmlformats.org/markup-compatibility/2006" xmlns:p14="http://schemas.microsoft.com/office/powerpoint/2010/main">
+    <mc:Choice Requires="p14">
+      <p:transition p14:dur="250">
+        <p14:reveal/>
+      </p:transition>
+    </mc:Choice>
+    <mc:Fallback xmlns="">
+      <p:transition>
+        <p:fade/>
+      </p:transition>
+    </mc:Fallback>
+  </mc:AlternateContent>
+  <p:timing>
+    <p:tnLst>
+      <p:par>
+        <p:cTn id="1" dur="indefinite" restart="never" nodeType="tmRoot"/>
+      </p:par>
+    </p:tnLst>
+  </p:timing>
+</p:sld>
+</file>
+
+<file path=ppt/slides/slide13.xml><?xml version="1.0" encoding="utf-8"?>
 <p:sld xmlns:a="http://schemas.openxmlformats.org/drawingml/2006/main" xmlns:r="http://schemas.openxmlformats.org/officeDocument/2006/relationships" xmlns:p="http://schemas.openxmlformats.org/presentationml/2006/main">
   <p:cSld>
     <p:spTree>
@@ -13436,6 +14384,3500 @@
     <p:extLst>
       <p:ext uri="{BB962C8B-B14F-4D97-AF65-F5344CB8AC3E}">
         <p14:creationId xmlns:p14="http://schemas.microsoft.com/office/powerpoint/2010/main" val="4094869341"/>
+      </p:ext>
+    </p:extLst>
+  </p:cSld>
+  <p:clrMapOvr>
+    <a:masterClrMapping/>
+  </p:clrMapOvr>
+  <mc:AlternateContent xmlns:mc="http://schemas.openxmlformats.org/markup-compatibility/2006" xmlns:p14="http://schemas.microsoft.com/office/powerpoint/2010/main">
+    <mc:Choice Requires="p14">
+      <p:transition p14:dur="250">
+        <p14:reveal/>
+      </p:transition>
+    </mc:Choice>
+    <mc:Fallback xmlns="">
+      <p:transition>
+        <p:fade/>
+      </p:transition>
+    </mc:Fallback>
+  </mc:AlternateContent>
+  <p:timing>
+    <p:tnLst>
+      <p:par>
+        <p:cTn id="1" dur="indefinite" restart="never" nodeType="tmRoot"/>
+      </p:par>
+    </p:tnLst>
+  </p:timing>
+</p:sld>
+</file>
+
+<file path=ppt/slides/slide2.xml><?xml version="1.0" encoding="utf-8"?>
+<p:sld xmlns:a="http://schemas.openxmlformats.org/drawingml/2006/main" xmlns:r="http://schemas.openxmlformats.org/officeDocument/2006/relationships" xmlns:p="http://schemas.openxmlformats.org/presentationml/2006/main">
+  <p:cSld>
+    <p:spTree>
+      <p:nvGrpSpPr>
+        <p:cNvPr id="1" name=""/>
+        <p:cNvGrpSpPr/>
+        <p:nvPr/>
+      </p:nvGrpSpPr>
+      <p:grpSpPr>
+        <a:xfrm>
+          <a:off x="0" y="0"/>
+          <a:ext cx="0" cy="0"/>
+          <a:chOff x="0" y="0"/>
+          <a:chExt cx="0" cy="0"/>
+        </a:xfrm>
+      </p:grpSpPr>
+      <p:sp>
+        <p:nvSpPr>
+          <p:cNvPr id="13" name="Rounded Rectangle 12"/>
+          <p:cNvSpPr/>
+          <p:nvPr/>
+        </p:nvSpPr>
+        <p:spPr>
+          <a:xfrm>
+            <a:off x="5519937" y="620689"/>
+            <a:ext cx="5270376" cy="795528"/>
+          </a:xfrm>
+          <a:prstGeom prst="roundRect">
+            <a:avLst/>
+          </a:prstGeom>
+          <a:solidFill>
+            <a:srgbClr val="F8C02B"/>
+          </a:solidFill>
+          <a:ln/>
+        </p:spPr>
+        <p:style>
+          <a:lnRef idx="3">
+            <a:schemeClr val="lt1"/>
+          </a:lnRef>
+          <a:fillRef idx="1">
+            <a:schemeClr val="accent6"/>
+          </a:fillRef>
+          <a:effectRef idx="1">
+            <a:schemeClr val="accent6"/>
+          </a:effectRef>
+          <a:fontRef idx="minor">
+            <a:schemeClr val="lt1"/>
+          </a:fontRef>
+        </p:style>
+        <p:txBody>
+          <a:bodyPr rtlCol="0" anchor="ctr"/>
+          <a:lstStyle/>
+          <a:p>
+            <a:pPr algn="ctr"/>
+            <a:r>
+              <a:rPr lang="en-US" sz="2800" b="1" dirty="0" smtClean="0">
+                <a:solidFill>
+                  <a:schemeClr val="bg1"/>
+                </a:solidFill>
+              </a:rPr>
+              <a:t>UI</a:t>
+            </a:r>
+            <a:endParaRPr lang="en-US" sz="2800" b="1" dirty="0">
+              <a:solidFill>
+                <a:schemeClr val="bg1"/>
+              </a:solidFill>
+            </a:endParaRPr>
+          </a:p>
+        </p:txBody>
+      </p:sp>
+      <p:sp>
+        <p:nvSpPr>
+          <p:cNvPr id="14" name="Rounded Rectangle 13"/>
+          <p:cNvSpPr/>
+          <p:nvPr/>
+        </p:nvSpPr>
+        <p:spPr>
+          <a:xfrm>
+            <a:off x="5519937" y="4019260"/>
+            <a:ext cx="5270376" cy="795528"/>
+          </a:xfrm>
+          <a:prstGeom prst="roundRect">
+            <a:avLst/>
+          </a:prstGeom>
+          <a:solidFill>
+            <a:schemeClr val="accent5">
+              <a:lumMod val="75000"/>
+            </a:schemeClr>
+          </a:solidFill>
+          <a:ln/>
+        </p:spPr>
+        <p:style>
+          <a:lnRef idx="3">
+            <a:schemeClr val="lt1"/>
+          </a:lnRef>
+          <a:fillRef idx="1">
+            <a:schemeClr val="accent6"/>
+          </a:fillRef>
+          <a:effectRef idx="1">
+            <a:schemeClr val="accent6"/>
+          </a:effectRef>
+          <a:fontRef idx="minor">
+            <a:schemeClr val="lt1"/>
+          </a:fontRef>
+        </p:style>
+        <p:txBody>
+          <a:bodyPr rtlCol="0" anchor="ctr"/>
+          <a:lstStyle/>
+          <a:p>
+            <a:pPr algn="ctr"/>
+            <a:r>
+              <a:rPr lang="en-US" sz="2800" b="1" dirty="0" smtClean="0">
+                <a:solidFill>
+                  <a:schemeClr val="bg1"/>
+                </a:solidFill>
+              </a:rPr>
+              <a:t>Network</a:t>
+            </a:r>
+            <a:endParaRPr lang="en-US" sz="2800" b="1" dirty="0">
+              <a:solidFill>
+                <a:schemeClr val="bg1"/>
+              </a:solidFill>
+            </a:endParaRPr>
+          </a:p>
+        </p:txBody>
+      </p:sp>
+      <p:sp>
+        <p:nvSpPr>
+          <p:cNvPr id="15" name="Cloud 14"/>
+          <p:cNvSpPr/>
+          <p:nvPr/>
+        </p:nvSpPr>
+        <p:spPr>
+          <a:xfrm>
+            <a:off x="9955323" y="5517232"/>
+            <a:ext cx="2088232" cy="1484784"/>
+          </a:xfrm>
+          <a:prstGeom prst="cloud">
+            <a:avLst/>
+          </a:prstGeom>
+          <a:solidFill>
+            <a:schemeClr val="bg1">
+              <a:lumMod val="65000"/>
+            </a:schemeClr>
+          </a:solidFill>
+          <a:ln>
+            <a:solidFill>
+              <a:schemeClr val="bg1"/>
+            </a:solidFill>
+          </a:ln>
+        </p:spPr>
+        <p:style>
+          <a:lnRef idx="2">
+            <a:schemeClr val="accent1">
+              <a:shade val="50000"/>
+            </a:schemeClr>
+          </a:lnRef>
+          <a:fillRef idx="1">
+            <a:schemeClr val="accent1"/>
+          </a:fillRef>
+          <a:effectRef idx="0">
+            <a:schemeClr val="accent1"/>
+          </a:effectRef>
+          <a:fontRef idx="minor">
+            <a:schemeClr val="lt1"/>
+          </a:fontRef>
+        </p:style>
+        <p:txBody>
+          <a:bodyPr rtlCol="0" anchor="ctr"/>
+          <a:lstStyle/>
+          <a:p>
+            <a:pPr algn="ctr"/>
+            <a:r>
+              <a:rPr lang="en-US" dirty="0" err="1" smtClean="0">
+                <a:latin typeface="Arial Black" panose="020B0A04020102020204" pitchFamily="34" charset="0"/>
+              </a:rPr>
+              <a:t>ze</a:t>
+            </a:r>
+            <a:r>
+              <a:rPr lang="en-US" dirty="0" smtClean="0">
+                <a:latin typeface="Arial Black" panose="020B0A04020102020204" pitchFamily="34" charset="0"/>
+              </a:rPr>
+              <a:t> internet</a:t>
+            </a:r>
+            <a:endParaRPr lang="en-US" dirty="0">
+              <a:latin typeface="Arial Black" panose="020B0A04020102020204" pitchFamily="34" charset="0"/>
+            </a:endParaRPr>
+          </a:p>
+        </p:txBody>
+      </p:sp>
+      <p:cxnSp>
+        <p:nvCxnSpPr>
+          <p:cNvPr id="16" name="Elbow Connector 15"/>
+          <p:cNvCxnSpPr>
+            <a:stCxn id="14" idx="2"/>
+          </p:cNvCxnSpPr>
+          <p:nvPr/>
+        </p:nvCxnSpPr>
+        <p:spPr>
+          <a:xfrm rot="16200000" flipH="1">
+            <a:off x="8336045" y="4633868"/>
+            <a:ext cx="1444837" cy="1806676"/>
+          </a:xfrm>
+          <a:prstGeom prst="bentConnector2">
+            <a:avLst/>
+          </a:prstGeom>
+          <a:ln w="38100">
+            <a:solidFill>
+              <a:schemeClr val="bg1"/>
+            </a:solidFill>
+            <a:headEnd type="triangle" w="lg" len="lg"/>
+            <a:tailEnd type="triangle" w="lg" len="lg"/>
+          </a:ln>
+        </p:spPr>
+        <p:style>
+          <a:lnRef idx="1">
+            <a:schemeClr val="accent1"/>
+          </a:lnRef>
+          <a:fillRef idx="0">
+            <a:schemeClr val="accent1"/>
+          </a:fillRef>
+          <a:effectRef idx="0">
+            <a:schemeClr val="accent1"/>
+          </a:effectRef>
+          <a:fontRef idx="minor">
+            <a:schemeClr val="tx1"/>
+          </a:fontRef>
+        </p:style>
+      </p:cxnSp>
+      <p:cxnSp>
+        <p:nvCxnSpPr>
+          <p:cNvPr id="17" name="Straight Arrow Connector 16"/>
+          <p:cNvCxnSpPr>
+            <a:stCxn id="13" idx="2"/>
+            <a:endCxn id="14" idx="0"/>
+          </p:cNvCxnSpPr>
+          <p:nvPr/>
+        </p:nvCxnSpPr>
+        <p:spPr>
+          <a:xfrm>
+            <a:off x="8155125" y="1416217"/>
+            <a:ext cx="0" cy="2603043"/>
+          </a:xfrm>
+          <a:prstGeom prst="straightConnector1">
+            <a:avLst/>
+          </a:prstGeom>
+          <a:ln w="38100">
+            <a:solidFill>
+              <a:schemeClr val="bg1"/>
+            </a:solidFill>
+            <a:headEnd type="triangle" w="lg" len="lg"/>
+            <a:tailEnd type="triangle" w="lg" len="lg"/>
+          </a:ln>
+        </p:spPr>
+        <p:style>
+          <a:lnRef idx="1">
+            <a:schemeClr val="accent1"/>
+          </a:lnRef>
+          <a:fillRef idx="0">
+            <a:schemeClr val="accent1"/>
+          </a:fillRef>
+          <a:effectRef idx="0">
+            <a:schemeClr val="accent1"/>
+          </a:effectRef>
+          <a:fontRef idx="minor">
+            <a:schemeClr val="tx1"/>
+          </a:fontRef>
+        </p:style>
+      </p:cxnSp>
+      <p:pic>
+        <p:nvPicPr>
+          <p:cNvPr id="20" name="Content Placeholder 3"/>
+          <p:cNvPicPr>
+            <a:picLocks noChangeAspect="1"/>
+          </p:cNvPicPr>
+          <p:nvPr/>
+        </p:nvPicPr>
+        <p:blipFill rotWithShape="1">
+          <a:blip r:embed="rId2" cstate="print">
+            <a:extLst>
+              <a:ext uri="{28A0092B-C50C-407E-A947-70E740481C1C}">
+                <a14:useLocalDpi xmlns:a14="http://schemas.microsoft.com/office/drawing/2010/main" val="0"/>
+              </a:ext>
+            </a:extLst>
+          </a:blip>
+          <a:srcRect b="61816"/>
+          <a:stretch/>
+        </p:blipFill>
+        <p:spPr>
+          <a:xfrm>
+            <a:off x="695400" y="404664"/>
+            <a:ext cx="3744416" cy="2541807"/>
+          </a:xfrm>
+          <a:prstGeom prst="rect">
+            <a:avLst/>
+          </a:prstGeom>
+          <a:noFill/>
+          <a:ln>
+            <a:noFill/>
+          </a:ln>
+          <a:effectLst>
+            <a:outerShdw blurRad="50800" dist="38100" dir="5400000" algn="t" rotWithShape="0">
+              <a:prstClr val="black">
+                <a:alpha val="40000"/>
+              </a:prstClr>
+            </a:outerShdw>
+          </a:effectLst>
+        </p:spPr>
+      </p:pic>
+      <p:pic>
+        <p:nvPicPr>
+          <p:cNvPr id="11" name="Picture 10"/>
+          <p:cNvPicPr>
+            <a:picLocks noChangeAspect="1"/>
+          </p:cNvPicPr>
+          <p:nvPr/>
+        </p:nvPicPr>
+        <p:blipFill rotWithShape="1">
+          <a:blip r:embed="rId3"/>
+          <a:srcRect l="3694" t="7135" r="65895" b="52093"/>
+          <a:stretch/>
+        </p:blipFill>
+        <p:spPr>
+          <a:xfrm>
+            <a:off x="695400" y="3316405"/>
+            <a:ext cx="3744416" cy="2943219"/>
+          </a:xfrm>
+          <a:prstGeom prst="rect">
+            <a:avLst/>
+          </a:prstGeom>
+          <a:effectLst>
+            <a:outerShdw blurRad="50800" dist="38100" dir="5400000" algn="t" rotWithShape="0">
+              <a:prstClr val="black">
+                <a:alpha val="40000"/>
+              </a:prstClr>
+            </a:outerShdw>
+          </a:effectLst>
+        </p:spPr>
+      </p:pic>
+    </p:spTree>
+    <p:extLst>
+      <p:ext uri="{BB962C8B-B14F-4D97-AF65-F5344CB8AC3E}">
+        <p14:creationId xmlns:p14="http://schemas.microsoft.com/office/powerpoint/2010/main" val="2408905539"/>
+      </p:ext>
+    </p:extLst>
+  </p:cSld>
+  <p:clrMapOvr>
+    <a:masterClrMapping/>
+  </p:clrMapOvr>
+  <mc:AlternateContent xmlns:mc="http://schemas.openxmlformats.org/markup-compatibility/2006" xmlns:p14="http://schemas.microsoft.com/office/powerpoint/2010/main">
+    <mc:Choice Requires="p14">
+      <p:transition p14:dur="250">
+        <p14:reveal/>
+      </p:transition>
+    </mc:Choice>
+    <mc:Fallback xmlns="">
+      <p:transition>
+        <p:fade/>
+      </p:transition>
+    </mc:Fallback>
+  </mc:AlternateContent>
+  <p:timing>
+    <p:tnLst>
+      <p:par>
+        <p:cTn id="1" dur="indefinite" restart="never" nodeType="tmRoot"/>
+      </p:par>
+    </p:tnLst>
+  </p:timing>
+</p:sld>
+</file>
+
+<file path=ppt/slides/slide3.xml><?xml version="1.0" encoding="utf-8"?>
+<p:sld xmlns:a="http://schemas.openxmlformats.org/drawingml/2006/main" xmlns:r="http://schemas.openxmlformats.org/officeDocument/2006/relationships" xmlns:p="http://schemas.openxmlformats.org/presentationml/2006/main">
+  <p:cSld>
+    <p:spTree>
+      <p:nvGrpSpPr>
+        <p:cNvPr id="1" name=""/>
+        <p:cNvGrpSpPr/>
+        <p:nvPr/>
+      </p:nvGrpSpPr>
+      <p:grpSpPr>
+        <a:xfrm>
+          <a:off x="0" y="0"/>
+          <a:ext cx="0" cy="0"/>
+          <a:chOff x="0" y="0"/>
+          <a:chExt cx="0" cy="0"/>
+        </a:xfrm>
+      </p:grpSpPr>
+      <p:sp>
+        <p:nvSpPr>
+          <p:cNvPr id="4" name="Rounded Rectangle 3"/>
+          <p:cNvSpPr/>
+          <p:nvPr/>
+        </p:nvSpPr>
+        <p:spPr>
+          <a:xfrm>
+            <a:off x="5519937" y="620689"/>
+            <a:ext cx="5270376" cy="795528"/>
+          </a:xfrm>
+          <a:prstGeom prst="roundRect">
+            <a:avLst/>
+          </a:prstGeom>
+          <a:solidFill>
+            <a:srgbClr val="F8C02B"/>
+          </a:solidFill>
+          <a:ln/>
+        </p:spPr>
+        <p:style>
+          <a:lnRef idx="3">
+            <a:schemeClr val="lt1"/>
+          </a:lnRef>
+          <a:fillRef idx="1">
+            <a:schemeClr val="accent6"/>
+          </a:fillRef>
+          <a:effectRef idx="1">
+            <a:schemeClr val="accent6"/>
+          </a:effectRef>
+          <a:fontRef idx="minor">
+            <a:schemeClr val="lt1"/>
+          </a:fontRef>
+        </p:style>
+        <p:txBody>
+          <a:bodyPr rtlCol="0" anchor="ctr"/>
+          <a:lstStyle/>
+          <a:p>
+            <a:pPr algn="ctr"/>
+            <a:r>
+              <a:rPr lang="en-US" sz="2800" b="1" dirty="0" smtClean="0">
+                <a:solidFill>
+                  <a:schemeClr val="bg1"/>
+                </a:solidFill>
+              </a:rPr>
+              <a:t>UI</a:t>
+            </a:r>
+            <a:endParaRPr lang="en-US" sz="2800" b="1" dirty="0">
+              <a:solidFill>
+                <a:schemeClr val="bg1"/>
+              </a:solidFill>
+            </a:endParaRPr>
+          </a:p>
+        </p:txBody>
+      </p:sp>
+      <p:sp>
+        <p:nvSpPr>
+          <p:cNvPr id="6" name="Rounded Rectangle 5"/>
+          <p:cNvSpPr/>
+          <p:nvPr/>
+        </p:nvSpPr>
+        <p:spPr>
+          <a:xfrm>
+            <a:off x="609600" y="2318253"/>
+            <a:ext cx="5270376" cy="795528"/>
+          </a:xfrm>
+          <a:prstGeom prst="roundRect">
+            <a:avLst/>
+          </a:prstGeom>
+          <a:solidFill>
+            <a:srgbClr val="9AD21C"/>
+          </a:solidFill>
+          <a:ln/>
+        </p:spPr>
+        <p:style>
+          <a:lnRef idx="3">
+            <a:schemeClr val="lt1"/>
+          </a:lnRef>
+          <a:fillRef idx="1">
+            <a:schemeClr val="accent6"/>
+          </a:fillRef>
+          <a:effectRef idx="1">
+            <a:schemeClr val="accent6"/>
+          </a:effectRef>
+          <a:fontRef idx="minor">
+            <a:schemeClr val="lt1"/>
+          </a:fontRef>
+        </p:style>
+        <p:txBody>
+          <a:bodyPr rtlCol="0" anchor="ctr"/>
+          <a:lstStyle/>
+          <a:p>
+            <a:pPr algn="ctr"/>
+            <a:r>
+              <a:rPr lang="en-US" sz="2800" b="1" dirty="0" err="1" smtClean="0">
+                <a:solidFill>
+                  <a:schemeClr val="bg1"/>
+                </a:solidFill>
+              </a:rPr>
+              <a:t>ContentProvider</a:t>
+            </a:r>
+            <a:endParaRPr lang="en-US" sz="2800" b="1" dirty="0">
+              <a:solidFill>
+                <a:schemeClr val="bg1"/>
+              </a:solidFill>
+            </a:endParaRPr>
+          </a:p>
+        </p:txBody>
+      </p:sp>
+      <p:sp>
+        <p:nvSpPr>
+          <p:cNvPr id="8" name="Rounded Rectangle 7"/>
+          <p:cNvSpPr/>
+          <p:nvPr/>
+        </p:nvSpPr>
+        <p:spPr>
+          <a:xfrm>
+            <a:off x="5519937" y="4019260"/>
+            <a:ext cx="5270376" cy="795528"/>
+          </a:xfrm>
+          <a:prstGeom prst="roundRect">
+            <a:avLst/>
+          </a:prstGeom>
+          <a:solidFill>
+            <a:schemeClr val="accent5">
+              <a:lumMod val="75000"/>
+            </a:schemeClr>
+          </a:solidFill>
+          <a:ln/>
+        </p:spPr>
+        <p:style>
+          <a:lnRef idx="3">
+            <a:schemeClr val="lt1"/>
+          </a:lnRef>
+          <a:fillRef idx="1">
+            <a:schemeClr val="accent6"/>
+          </a:fillRef>
+          <a:effectRef idx="1">
+            <a:schemeClr val="accent6"/>
+          </a:effectRef>
+          <a:fontRef idx="minor">
+            <a:schemeClr val="lt1"/>
+          </a:fontRef>
+        </p:style>
+        <p:txBody>
+          <a:bodyPr rtlCol="0" anchor="ctr"/>
+          <a:lstStyle/>
+          <a:p>
+            <a:pPr algn="ctr"/>
+            <a:r>
+              <a:rPr lang="en-US" sz="2800" b="1" dirty="0" smtClean="0">
+                <a:solidFill>
+                  <a:schemeClr val="bg1"/>
+                </a:solidFill>
+              </a:rPr>
+              <a:t>Network</a:t>
+            </a:r>
+            <a:endParaRPr lang="en-US" sz="2800" b="1" dirty="0">
+              <a:solidFill>
+                <a:schemeClr val="bg1"/>
+              </a:solidFill>
+            </a:endParaRPr>
+          </a:p>
+        </p:txBody>
+      </p:sp>
+      <p:sp>
+        <p:nvSpPr>
+          <p:cNvPr id="10" name="Cloud 9"/>
+          <p:cNvSpPr/>
+          <p:nvPr/>
+        </p:nvSpPr>
+        <p:spPr>
+          <a:xfrm>
+            <a:off x="9955323" y="5517232"/>
+            <a:ext cx="2088232" cy="1484784"/>
+          </a:xfrm>
+          <a:prstGeom prst="cloud">
+            <a:avLst/>
+          </a:prstGeom>
+          <a:solidFill>
+            <a:schemeClr val="bg1">
+              <a:lumMod val="65000"/>
+            </a:schemeClr>
+          </a:solidFill>
+          <a:ln>
+            <a:solidFill>
+              <a:schemeClr val="bg1"/>
+            </a:solidFill>
+          </a:ln>
+        </p:spPr>
+        <p:style>
+          <a:lnRef idx="2">
+            <a:schemeClr val="accent1">
+              <a:shade val="50000"/>
+            </a:schemeClr>
+          </a:lnRef>
+          <a:fillRef idx="1">
+            <a:schemeClr val="accent1"/>
+          </a:fillRef>
+          <a:effectRef idx="0">
+            <a:schemeClr val="accent1"/>
+          </a:effectRef>
+          <a:fontRef idx="minor">
+            <a:schemeClr val="lt1"/>
+          </a:fontRef>
+        </p:style>
+        <p:txBody>
+          <a:bodyPr rtlCol="0" anchor="ctr"/>
+          <a:lstStyle/>
+          <a:p>
+            <a:pPr algn="ctr"/>
+            <a:r>
+              <a:rPr lang="en-US" dirty="0" err="1" smtClean="0">
+                <a:latin typeface="Arial Black" panose="020B0A04020102020204" pitchFamily="34" charset="0"/>
+              </a:rPr>
+              <a:t>ze</a:t>
+            </a:r>
+            <a:r>
+              <a:rPr lang="en-US" dirty="0" smtClean="0">
+                <a:latin typeface="Arial Black" panose="020B0A04020102020204" pitchFamily="34" charset="0"/>
+              </a:rPr>
+              <a:t> internet</a:t>
+            </a:r>
+            <a:endParaRPr lang="en-US" dirty="0">
+              <a:latin typeface="Arial Black" panose="020B0A04020102020204" pitchFamily="34" charset="0"/>
+            </a:endParaRPr>
+          </a:p>
+        </p:txBody>
+      </p:sp>
+      <p:cxnSp>
+        <p:nvCxnSpPr>
+          <p:cNvPr id="12" name="Elbow Connector 11"/>
+          <p:cNvCxnSpPr>
+            <a:stCxn id="8" idx="2"/>
+          </p:cNvCxnSpPr>
+          <p:nvPr/>
+        </p:nvCxnSpPr>
+        <p:spPr>
+          <a:xfrm rot="16200000" flipH="1">
+            <a:off x="8336045" y="4633868"/>
+            <a:ext cx="1444837" cy="1806676"/>
+          </a:xfrm>
+          <a:prstGeom prst="bentConnector2">
+            <a:avLst/>
+          </a:prstGeom>
+          <a:ln w="38100">
+            <a:solidFill>
+              <a:schemeClr val="bg1"/>
+            </a:solidFill>
+            <a:headEnd type="triangle" w="lg" len="lg"/>
+            <a:tailEnd type="triangle" w="lg" len="lg"/>
+          </a:ln>
+        </p:spPr>
+        <p:style>
+          <a:lnRef idx="1">
+            <a:schemeClr val="accent1"/>
+          </a:lnRef>
+          <a:fillRef idx="0">
+            <a:schemeClr val="accent1"/>
+          </a:fillRef>
+          <a:effectRef idx="0">
+            <a:schemeClr val="accent1"/>
+          </a:effectRef>
+          <a:fontRef idx="minor">
+            <a:schemeClr val="tx1"/>
+          </a:fontRef>
+        </p:style>
+      </p:cxnSp>
+      <p:cxnSp>
+        <p:nvCxnSpPr>
+          <p:cNvPr id="24" name="Straight Arrow Connector 23"/>
+          <p:cNvCxnSpPr>
+            <a:stCxn id="4" idx="2"/>
+            <a:endCxn id="8" idx="0"/>
+          </p:cNvCxnSpPr>
+          <p:nvPr/>
+        </p:nvCxnSpPr>
+        <p:spPr>
+          <a:xfrm>
+            <a:off x="8155125" y="1416217"/>
+            <a:ext cx="0" cy="2603043"/>
+          </a:xfrm>
+          <a:prstGeom prst="straightConnector1">
+            <a:avLst/>
+          </a:prstGeom>
+          <a:ln w="38100">
+            <a:solidFill>
+              <a:schemeClr val="bg1"/>
+            </a:solidFill>
+            <a:headEnd type="triangle" w="lg" len="lg"/>
+            <a:tailEnd type="triangle" w="lg" len="lg"/>
+          </a:ln>
+        </p:spPr>
+        <p:style>
+          <a:lnRef idx="1">
+            <a:schemeClr val="accent1"/>
+          </a:lnRef>
+          <a:fillRef idx="0">
+            <a:schemeClr val="accent1"/>
+          </a:fillRef>
+          <a:effectRef idx="0">
+            <a:schemeClr val="accent1"/>
+          </a:effectRef>
+          <a:fontRef idx="minor">
+            <a:schemeClr val="tx1"/>
+          </a:fontRef>
+        </p:style>
+      </p:cxnSp>
+      <p:cxnSp>
+        <p:nvCxnSpPr>
+          <p:cNvPr id="27" name="Elbow Connector 26"/>
+          <p:cNvCxnSpPr>
+            <a:stCxn id="4" idx="1"/>
+            <a:endCxn id="6" idx="0"/>
+          </p:cNvCxnSpPr>
+          <p:nvPr/>
+        </p:nvCxnSpPr>
+        <p:spPr>
+          <a:xfrm rot="10800000" flipV="1">
+            <a:off x="3244789" y="1018453"/>
+            <a:ext cx="2275149" cy="1299800"/>
+          </a:xfrm>
+          <a:prstGeom prst="bentConnector2">
+            <a:avLst/>
+          </a:prstGeom>
+          <a:ln w="38100">
+            <a:solidFill>
+              <a:schemeClr val="bg1"/>
+            </a:solidFill>
+            <a:headEnd type="triangle" w="lg" len="lg"/>
+            <a:tailEnd type="triangle" w="lg" len="lg"/>
+          </a:ln>
+        </p:spPr>
+        <p:style>
+          <a:lnRef idx="1">
+            <a:schemeClr val="accent1"/>
+          </a:lnRef>
+          <a:fillRef idx="0">
+            <a:schemeClr val="accent1"/>
+          </a:fillRef>
+          <a:effectRef idx="0">
+            <a:schemeClr val="accent1"/>
+          </a:effectRef>
+          <a:fontRef idx="minor">
+            <a:schemeClr val="tx1"/>
+          </a:fontRef>
+        </p:style>
+      </p:cxnSp>
+      <p:sp>
+        <p:nvSpPr>
+          <p:cNvPr id="32" name="TextBox 31"/>
+          <p:cNvSpPr txBox="1"/>
+          <p:nvPr/>
+        </p:nvSpPr>
+        <p:spPr>
+          <a:xfrm flipH="1">
+            <a:off x="3440161" y="1693344"/>
+            <a:ext cx="3447927" cy="369332"/>
+          </a:xfrm>
+          <a:prstGeom prst="rect">
+            <a:avLst/>
+          </a:prstGeom>
+          <a:noFill/>
+        </p:spPr>
+        <p:txBody>
+          <a:bodyPr wrap="square" rtlCol="0">
+            <a:spAutoFit/>
+          </a:bodyPr>
+          <a:lstStyle/>
+          <a:p>
+            <a:r>
+              <a:rPr lang="en-US" dirty="0" err="1" smtClean="0">
+                <a:solidFill>
+                  <a:schemeClr val="bg1"/>
+                </a:solidFill>
+              </a:rPr>
+              <a:t>ContentResolver.query</a:t>
+            </a:r>
+            <a:r>
+              <a:rPr lang="en-US" dirty="0" smtClean="0">
+                <a:solidFill>
+                  <a:schemeClr val="bg1"/>
+                </a:solidFill>
+              </a:rPr>
+              <a:t>()</a:t>
+            </a:r>
+            <a:endParaRPr lang="en-US" dirty="0">
+              <a:solidFill>
+                <a:schemeClr val="bg1"/>
+              </a:solidFill>
+            </a:endParaRPr>
+          </a:p>
+        </p:txBody>
+      </p:sp>
+      <p:cxnSp>
+        <p:nvCxnSpPr>
+          <p:cNvPr id="35" name="Elbow Connector 34"/>
+          <p:cNvCxnSpPr>
+            <a:stCxn id="8" idx="1"/>
+            <a:endCxn id="6" idx="2"/>
+          </p:cNvCxnSpPr>
+          <p:nvPr/>
+        </p:nvCxnSpPr>
+        <p:spPr>
+          <a:xfrm rot="10800000">
+            <a:off x="3244789" y="3113782"/>
+            <a:ext cx="2275149" cy="1303243"/>
+          </a:xfrm>
+          <a:prstGeom prst="bentConnector2">
+            <a:avLst/>
+          </a:prstGeom>
+          <a:ln w="38100">
+            <a:solidFill>
+              <a:schemeClr val="bg1"/>
+            </a:solidFill>
+            <a:headEnd type="none" w="lg" len="lg"/>
+            <a:tailEnd type="triangle" w="lg" len="lg"/>
+          </a:ln>
+        </p:spPr>
+        <p:style>
+          <a:lnRef idx="1">
+            <a:schemeClr val="accent1"/>
+          </a:lnRef>
+          <a:fillRef idx="0">
+            <a:schemeClr val="accent1"/>
+          </a:fillRef>
+          <a:effectRef idx="0">
+            <a:schemeClr val="accent1"/>
+          </a:effectRef>
+          <a:fontRef idx="minor">
+            <a:schemeClr val="tx1"/>
+          </a:fontRef>
+        </p:style>
+      </p:cxnSp>
+      <p:sp>
+        <p:nvSpPr>
+          <p:cNvPr id="46" name="TextBox 45"/>
+          <p:cNvSpPr txBox="1"/>
+          <p:nvPr/>
+        </p:nvSpPr>
+        <p:spPr>
+          <a:xfrm flipH="1">
+            <a:off x="3440161" y="3365918"/>
+            <a:ext cx="3096344" cy="369332"/>
+          </a:xfrm>
+          <a:prstGeom prst="rect">
+            <a:avLst/>
+          </a:prstGeom>
+          <a:noFill/>
+        </p:spPr>
+        <p:txBody>
+          <a:bodyPr wrap="square" rtlCol="0">
+            <a:spAutoFit/>
+          </a:bodyPr>
+          <a:lstStyle/>
+          <a:p>
+            <a:r>
+              <a:rPr lang="en-US" dirty="0" err="1" smtClean="0">
+                <a:solidFill>
+                  <a:schemeClr val="bg1"/>
+                </a:solidFill>
+              </a:rPr>
+              <a:t>ContentResolver.insert</a:t>
+            </a:r>
+            <a:r>
+              <a:rPr lang="en-US" dirty="0" smtClean="0">
+                <a:solidFill>
+                  <a:schemeClr val="bg1"/>
+                </a:solidFill>
+              </a:rPr>
+              <a:t>()</a:t>
+            </a:r>
+            <a:endParaRPr lang="en-US" dirty="0">
+              <a:solidFill>
+                <a:schemeClr val="bg1"/>
+              </a:solidFill>
+            </a:endParaRPr>
+          </a:p>
+        </p:txBody>
+      </p:sp>
+    </p:spTree>
+    <p:extLst>
+      <p:ext uri="{BB962C8B-B14F-4D97-AF65-F5344CB8AC3E}">
+        <p14:creationId xmlns:p14="http://schemas.microsoft.com/office/powerpoint/2010/main" val="1076636391"/>
+      </p:ext>
+    </p:extLst>
+  </p:cSld>
+  <p:clrMapOvr>
+    <a:masterClrMapping/>
+  </p:clrMapOvr>
+  <p:transition spd="slow">
+    <p:wipe dir="r"/>
+  </p:transition>
+  <p:timing>
+    <p:tnLst>
+      <p:par>
+        <p:cTn id="1" dur="indefinite" restart="never" nodeType="tmRoot"/>
+      </p:par>
+    </p:tnLst>
+  </p:timing>
+</p:sld>
+</file>
+
+<file path=ppt/slides/slide4.xml><?xml version="1.0" encoding="utf-8"?>
+<p:sld xmlns:a="http://schemas.openxmlformats.org/drawingml/2006/main" xmlns:r="http://schemas.openxmlformats.org/officeDocument/2006/relationships" xmlns:p="http://schemas.openxmlformats.org/presentationml/2006/main">
+  <p:cSld>
+    <p:spTree>
+      <p:nvGrpSpPr>
+        <p:cNvPr id="1" name=""/>
+        <p:cNvGrpSpPr/>
+        <p:nvPr/>
+      </p:nvGrpSpPr>
+      <p:grpSpPr>
+        <a:xfrm>
+          <a:off x="0" y="0"/>
+          <a:ext cx="0" cy="0"/>
+          <a:chOff x="0" y="0"/>
+          <a:chExt cx="0" cy="0"/>
+        </a:xfrm>
+      </p:grpSpPr>
+      <p:sp>
+        <p:nvSpPr>
+          <p:cNvPr id="4" name="Rounded Rectangle 3"/>
+          <p:cNvSpPr/>
+          <p:nvPr/>
+        </p:nvSpPr>
+        <p:spPr>
+          <a:xfrm>
+            <a:off x="7968208" y="620688"/>
+            <a:ext cx="2822104" cy="795528"/>
+          </a:xfrm>
+          <a:prstGeom prst="roundRect">
+            <a:avLst/>
+          </a:prstGeom>
+          <a:solidFill>
+            <a:srgbClr val="F8C02B"/>
+          </a:solidFill>
+          <a:ln/>
+        </p:spPr>
+        <p:style>
+          <a:lnRef idx="3">
+            <a:schemeClr val="lt1"/>
+          </a:lnRef>
+          <a:fillRef idx="1">
+            <a:schemeClr val="accent6"/>
+          </a:fillRef>
+          <a:effectRef idx="1">
+            <a:schemeClr val="accent6"/>
+          </a:effectRef>
+          <a:fontRef idx="minor">
+            <a:schemeClr val="lt1"/>
+          </a:fontRef>
+        </p:style>
+        <p:txBody>
+          <a:bodyPr rtlCol="0" anchor="ctr"/>
+          <a:lstStyle/>
+          <a:p>
+            <a:pPr algn="ctr"/>
+            <a:r>
+              <a:rPr lang="en-US" sz="2800" b="1" dirty="0" smtClean="0">
+                <a:solidFill>
+                  <a:schemeClr val="bg1"/>
+                </a:solidFill>
+              </a:rPr>
+              <a:t>UI</a:t>
+            </a:r>
+            <a:endParaRPr lang="en-US" sz="2800" b="1" dirty="0">
+              <a:solidFill>
+                <a:schemeClr val="bg1"/>
+              </a:solidFill>
+            </a:endParaRPr>
+          </a:p>
+        </p:txBody>
+      </p:sp>
+      <p:sp>
+        <p:nvSpPr>
+          <p:cNvPr id="5" name="Rounded Rectangle 4"/>
+          <p:cNvSpPr/>
+          <p:nvPr/>
+        </p:nvSpPr>
+        <p:spPr>
+          <a:xfrm>
+            <a:off x="609600" y="620688"/>
+            <a:ext cx="5270376" cy="792088"/>
+          </a:xfrm>
+          <a:prstGeom prst="roundRect">
+            <a:avLst/>
+          </a:prstGeom>
+          <a:solidFill>
+            <a:srgbClr val="4CC4B9"/>
+          </a:solidFill>
+          <a:ln/>
+        </p:spPr>
+        <p:style>
+          <a:lnRef idx="3">
+            <a:schemeClr val="lt1"/>
+          </a:lnRef>
+          <a:fillRef idx="1">
+            <a:schemeClr val="accent6"/>
+          </a:fillRef>
+          <a:effectRef idx="1">
+            <a:schemeClr val="accent6"/>
+          </a:effectRef>
+          <a:fontRef idx="minor">
+            <a:schemeClr val="lt1"/>
+          </a:fontRef>
+        </p:style>
+        <p:txBody>
+          <a:bodyPr rtlCol="0" anchor="ctr"/>
+          <a:lstStyle/>
+          <a:p>
+            <a:pPr algn="ctr"/>
+            <a:r>
+              <a:rPr lang="en-US" sz="2800" b="1" dirty="0" err="1" smtClean="0">
+                <a:solidFill>
+                  <a:schemeClr val="bg1"/>
+                </a:solidFill>
+              </a:rPr>
+              <a:t>CursorLoader</a:t>
+            </a:r>
+            <a:endParaRPr lang="en-US" sz="2800" b="1" dirty="0">
+              <a:solidFill>
+                <a:schemeClr val="bg1"/>
+              </a:solidFill>
+            </a:endParaRPr>
+          </a:p>
+        </p:txBody>
+      </p:sp>
+      <p:sp>
+        <p:nvSpPr>
+          <p:cNvPr id="8" name="Rounded Rectangle 7"/>
+          <p:cNvSpPr/>
+          <p:nvPr/>
+        </p:nvSpPr>
+        <p:spPr>
+          <a:xfrm>
+            <a:off x="7968208" y="4019259"/>
+            <a:ext cx="2822104" cy="795528"/>
+          </a:xfrm>
+          <a:prstGeom prst="roundRect">
+            <a:avLst/>
+          </a:prstGeom>
+          <a:solidFill>
+            <a:schemeClr val="accent5">
+              <a:lumMod val="75000"/>
+            </a:schemeClr>
+          </a:solidFill>
+          <a:ln/>
+        </p:spPr>
+        <p:style>
+          <a:lnRef idx="3">
+            <a:schemeClr val="lt1"/>
+          </a:lnRef>
+          <a:fillRef idx="1">
+            <a:schemeClr val="accent6"/>
+          </a:fillRef>
+          <a:effectRef idx="1">
+            <a:schemeClr val="accent6"/>
+          </a:effectRef>
+          <a:fontRef idx="minor">
+            <a:schemeClr val="lt1"/>
+          </a:fontRef>
+        </p:style>
+        <p:txBody>
+          <a:bodyPr rtlCol="0" anchor="ctr"/>
+          <a:lstStyle/>
+          <a:p>
+            <a:pPr algn="ctr"/>
+            <a:r>
+              <a:rPr lang="en-US" sz="2800" b="1" dirty="0" smtClean="0">
+                <a:solidFill>
+                  <a:schemeClr val="bg1"/>
+                </a:solidFill>
+              </a:rPr>
+              <a:t>Network</a:t>
+            </a:r>
+            <a:endParaRPr lang="en-US" sz="2800" b="1" dirty="0">
+              <a:solidFill>
+                <a:schemeClr val="bg1"/>
+              </a:solidFill>
+            </a:endParaRPr>
+          </a:p>
+        </p:txBody>
+      </p:sp>
+      <p:sp>
+        <p:nvSpPr>
+          <p:cNvPr id="10" name="Cloud 9"/>
+          <p:cNvSpPr/>
+          <p:nvPr/>
+        </p:nvSpPr>
+        <p:spPr>
+          <a:xfrm>
+            <a:off x="9955323" y="5517232"/>
+            <a:ext cx="2088232" cy="1484784"/>
+          </a:xfrm>
+          <a:prstGeom prst="cloud">
+            <a:avLst/>
+          </a:prstGeom>
+          <a:solidFill>
+            <a:schemeClr val="bg1">
+              <a:lumMod val="65000"/>
+            </a:schemeClr>
+          </a:solidFill>
+          <a:ln>
+            <a:solidFill>
+              <a:schemeClr val="bg1"/>
+            </a:solidFill>
+          </a:ln>
+        </p:spPr>
+        <p:style>
+          <a:lnRef idx="2">
+            <a:schemeClr val="accent1">
+              <a:shade val="50000"/>
+            </a:schemeClr>
+          </a:lnRef>
+          <a:fillRef idx="1">
+            <a:schemeClr val="accent1"/>
+          </a:fillRef>
+          <a:effectRef idx="0">
+            <a:schemeClr val="accent1"/>
+          </a:effectRef>
+          <a:fontRef idx="minor">
+            <a:schemeClr val="lt1"/>
+          </a:fontRef>
+        </p:style>
+        <p:txBody>
+          <a:bodyPr rtlCol="0" anchor="ctr"/>
+          <a:lstStyle/>
+          <a:p>
+            <a:pPr algn="ctr"/>
+            <a:r>
+              <a:rPr lang="en-US" dirty="0" err="1" smtClean="0">
+                <a:latin typeface="Arial Black" panose="020B0A04020102020204" pitchFamily="34" charset="0"/>
+              </a:rPr>
+              <a:t>ze</a:t>
+            </a:r>
+            <a:r>
+              <a:rPr lang="en-US" dirty="0" smtClean="0">
+                <a:latin typeface="Arial Black" panose="020B0A04020102020204" pitchFamily="34" charset="0"/>
+              </a:rPr>
+              <a:t> internet</a:t>
+            </a:r>
+            <a:endParaRPr lang="en-US" dirty="0">
+              <a:latin typeface="Arial Black" panose="020B0A04020102020204" pitchFamily="34" charset="0"/>
+            </a:endParaRPr>
+          </a:p>
+        </p:txBody>
+      </p:sp>
+      <p:cxnSp>
+        <p:nvCxnSpPr>
+          <p:cNvPr id="12" name="Elbow Connector 11"/>
+          <p:cNvCxnSpPr>
+            <a:stCxn id="8" idx="2"/>
+            <a:endCxn id="10" idx="2"/>
+          </p:cNvCxnSpPr>
+          <p:nvPr/>
+        </p:nvCxnSpPr>
+        <p:spPr>
+          <a:xfrm rot="16200000" flipH="1">
+            <a:off x="8948112" y="5245935"/>
+            <a:ext cx="1444837" cy="582540"/>
+          </a:xfrm>
+          <a:prstGeom prst="bentConnector2">
+            <a:avLst/>
+          </a:prstGeom>
+          <a:ln w="38100">
+            <a:solidFill>
+              <a:schemeClr val="bg1"/>
+            </a:solidFill>
+            <a:headEnd type="triangle" w="lg" len="lg"/>
+            <a:tailEnd type="triangle" w="lg" len="lg"/>
+          </a:ln>
+        </p:spPr>
+        <p:style>
+          <a:lnRef idx="1">
+            <a:schemeClr val="accent1"/>
+          </a:lnRef>
+          <a:fillRef idx="0">
+            <a:schemeClr val="accent1"/>
+          </a:fillRef>
+          <a:effectRef idx="0">
+            <a:schemeClr val="accent1"/>
+          </a:effectRef>
+          <a:fontRef idx="minor">
+            <a:schemeClr val="tx1"/>
+          </a:fontRef>
+        </p:style>
+      </p:cxnSp>
+      <p:cxnSp>
+        <p:nvCxnSpPr>
+          <p:cNvPr id="31" name="Straight Arrow Connector 30"/>
+          <p:cNvCxnSpPr>
+            <a:stCxn id="5" idx="2"/>
+            <a:endCxn id="6" idx="0"/>
+          </p:cNvCxnSpPr>
+          <p:nvPr/>
+        </p:nvCxnSpPr>
+        <p:spPr>
+          <a:xfrm>
+            <a:off x="3244788" y="1412776"/>
+            <a:ext cx="0" cy="905477"/>
+          </a:xfrm>
+          <a:prstGeom prst="straightConnector1">
+            <a:avLst/>
+          </a:prstGeom>
+          <a:ln w="38100">
+            <a:solidFill>
+              <a:schemeClr val="bg1"/>
+            </a:solidFill>
+            <a:headEnd type="triangle" w="lg" len="lg"/>
+            <a:tailEnd type="triangle" w="lg" len="lg"/>
+          </a:ln>
+        </p:spPr>
+        <p:style>
+          <a:lnRef idx="1">
+            <a:schemeClr val="accent1"/>
+          </a:lnRef>
+          <a:fillRef idx="0">
+            <a:schemeClr val="accent1"/>
+          </a:fillRef>
+          <a:effectRef idx="0">
+            <a:schemeClr val="accent1"/>
+          </a:effectRef>
+          <a:fontRef idx="minor">
+            <a:schemeClr val="tx1"/>
+          </a:fontRef>
+        </p:style>
+      </p:cxnSp>
+      <p:cxnSp>
+        <p:nvCxnSpPr>
+          <p:cNvPr id="34" name="Straight Arrow Connector 33"/>
+          <p:cNvCxnSpPr>
+            <a:stCxn id="5" idx="3"/>
+            <a:endCxn id="4" idx="1"/>
+          </p:cNvCxnSpPr>
+          <p:nvPr/>
+        </p:nvCxnSpPr>
+        <p:spPr>
+          <a:xfrm>
+            <a:off x="5879976" y="1016732"/>
+            <a:ext cx="2088232" cy="1720"/>
+          </a:xfrm>
+          <a:prstGeom prst="straightConnector1">
+            <a:avLst/>
+          </a:prstGeom>
+          <a:ln w="38100">
+            <a:solidFill>
+              <a:schemeClr val="bg1"/>
+            </a:solidFill>
+            <a:headEnd type="triangle" w="lg" len="lg"/>
+            <a:tailEnd type="triangle" w="lg" len="lg"/>
+          </a:ln>
+        </p:spPr>
+        <p:style>
+          <a:lnRef idx="1">
+            <a:schemeClr val="accent1"/>
+          </a:lnRef>
+          <a:fillRef idx="0">
+            <a:schemeClr val="accent1"/>
+          </a:fillRef>
+          <a:effectRef idx="0">
+            <a:schemeClr val="accent1"/>
+          </a:effectRef>
+          <a:fontRef idx="minor">
+            <a:schemeClr val="tx1"/>
+          </a:fontRef>
+        </p:style>
+      </p:cxnSp>
+      <p:cxnSp>
+        <p:nvCxnSpPr>
+          <p:cNvPr id="37" name="Straight Arrow Connector 36"/>
+          <p:cNvCxnSpPr>
+            <a:stCxn id="4" idx="2"/>
+            <a:endCxn id="8" idx="0"/>
+          </p:cNvCxnSpPr>
+          <p:nvPr/>
+        </p:nvCxnSpPr>
+        <p:spPr>
+          <a:xfrm>
+            <a:off x="9379260" y="1416216"/>
+            <a:ext cx="0" cy="2603043"/>
+          </a:xfrm>
+          <a:prstGeom prst="straightConnector1">
+            <a:avLst/>
+          </a:prstGeom>
+          <a:ln w="38100">
+            <a:solidFill>
+              <a:schemeClr val="bg1"/>
+            </a:solidFill>
+            <a:headEnd type="none" w="lg" len="lg"/>
+            <a:tailEnd type="triangle" w="lg" len="lg"/>
+          </a:ln>
+        </p:spPr>
+        <p:style>
+          <a:lnRef idx="1">
+            <a:schemeClr val="accent1"/>
+          </a:lnRef>
+          <a:fillRef idx="0">
+            <a:schemeClr val="accent1"/>
+          </a:fillRef>
+          <a:effectRef idx="0">
+            <a:schemeClr val="accent1"/>
+          </a:effectRef>
+          <a:fontRef idx="minor">
+            <a:schemeClr val="tx1"/>
+          </a:fontRef>
+        </p:style>
+      </p:cxnSp>
+      <p:sp>
+        <p:nvSpPr>
+          <p:cNvPr id="42" name="TextBox 41"/>
+          <p:cNvSpPr txBox="1"/>
+          <p:nvPr/>
+        </p:nvSpPr>
+        <p:spPr>
+          <a:xfrm flipH="1">
+            <a:off x="3440161" y="1693344"/>
+            <a:ext cx="3447927" cy="369332"/>
+          </a:xfrm>
+          <a:prstGeom prst="rect">
+            <a:avLst/>
+          </a:prstGeom>
+          <a:noFill/>
+        </p:spPr>
+        <p:txBody>
+          <a:bodyPr wrap="square" rtlCol="0">
+            <a:spAutoFit/>
+          </a:bodyPr>
+          <a:lstStyle/>
+          <a:p>
+            <a:r>
+              <a:rPr lang="en-US" dirty="0" err="1" smtClean="0">
+                <a:solidFill>
+                  <a:schemeClr val="bg1"/>
+                </a:solidFill>
+              </a:rPr>
+              <a:t>ContentResolver.query</a:t>
+            </a:r>
+            <a:r>
+              <a:rPr lang="en-US" dirty="0" smtClean="0">
+                <a:solidFill>
+                  <a:schemeClr val="bg1"/>
+                </a:solidFill>
+              </a:rPr>
+              <a:t>()</a:t>
+            </a:r>
+            <a:endParaRPr lang="en-US" dirty="0">
+              <a:solidFill>
+                <a:schemeClr val="bg1"/>
+              </a:solidFill>
+            </a:endParaRPr>
+          </a:p>
+        </p:txBody>
+      </p:sp>
+      <p:grpSp>
+        <p:nvGrpSpPr>
+          <p:cNvPr id="45" name="Group 44"/>
+          <p:cNvGrpSpPr/>
+          <p:nvPr/>
+        </p:nvGrpSpPr>
+        <p:grpSpPr>
+          <a:xfrm>
+            <a:off x="191344" y="1412776"/>
+            <a:ext cx="2592288" cy="905477"/>
+            <a:chOff x="191344" y="1412776"/>
+            <a:chExt cx="2592288" cy="905477"/>
+          </a:xfrm>
+        </p:grpSpPr>
+        <p:cxnSp>
+          <p:nvCxnSpPr>
+            <p:cNvPr id="43" name="Straight Arrow Connector 42"/>
+            <p:cNvCxnSpPr/>
+            <p:nvPr/>
+          </p:nvCxnSpPr>
+          <p:spPr>
+            <a:xfrm>
+              <a:off x="2783632" y="1412776"/>
+              <a:ext cx="0" cy="905477"/>
+            </a:xfrm>
+            <a:prstGeom prst="straightConnector1">
+              <a:avLst/>
+            </a:prstGeom>
+            <a:ln w="38100">
+              <a:solidFill>
+                <a:schemeClr val="bg1"/>
+              </a:solidFill>
+              <a:prstDash val="sysDash"/>
+              <a:headEnd type="triangle" w="lg" len="lg"/>
+              <a:tailEnd type="none" w="lg" len="lg"/>
+            </a:ln>
+          </p:spPr>
+          <p:style>
+            <a:lnRef idx="1">
+              <a:schemeClr val="accent1"/>
+            </a:lnRef>
+            <a:fillRef idx="0">
+              <a:schemeClr val="accent1"/>
+            </a:fillRef>
+            <a:effectRef idx="0">
+              <a:schemeClr val="accent1"/>
+            </a:effectRef>
+            <a:fontRef idx="minor">
+              <a:schemeClr val="tx1"/>
+            </a:fontRef>
+          </p:style>
+        </p:cxnSp>
+        <p:sp>
+          <p:nvSpPr>
+            <p:cNvPr id="44" name="TextBox 43"/>
+            <p:cNvSpPr txBox="1"/>
+            <p:nvPr/>
+          </p:nvSpPr>
+          <p:spPr>
+            <a:xfrm flipH="1">
+              <a:off x="191344" y="1693344"/>
+              <a:ext cx="2295799" cy="369332"/>
+            </a:xfrm>
+            <a:prstGeom prst="rect">
+              <a:avLst/>
+            </a:prstGeom>
+            <a:noFill/>
+          </p:spPr>
+          <p:txBody>
+            <a:bodyPr wrap="square" rtlCol="0">
+              <a:spAutoFit/>
+            </a:bodyPr>
+            <a:lstStyle/>
+            <a:p>
+              <a:pPr algn="r"/>
+              <a:r>
+                <a:rPr lang="en-US" dirty="0" err="1" smtClean="0">
+                  <a:solidFill>
+                    <a:schemeClr val="bg1"/>
+                  </a:solidFill>
+                </a:rPr>
+                <a:t>ContentObserver</a:t>
+              </a:r>
+              <a:endParaRPr lang="en-US" dirty="0">
+                <a:solidFill>
+                  <a:schemeClr val="bg1"/>
+                </a:solidFill>
+              </a:endParaRPr>
+            </a:p>
+          </p:txBody>
+        </p:sp>
+      </p:grpSp>
+      <p:sp>
+        <p:nvSpPr>
+          <p:cNvPr id="6" name="Rounded Rectangle 5"/>
+          <p:cNvSpPr/>
+          <p:nvPr/>
+        </p:nvSpPr>
+        <p:spPr>
+          <a:xfrm>
+            <a:off x="609600" y="2318253"/>
+            <a:ext cx="5270376" cy="795528"/>
+          </a:xfrm>
+          <a:prstGeom prst="roundRect">
+            <a:avLst/>
+          </a:prstGeom>
+          <a:solidFill>
+            <a:srgbClr val="9AD21C"/>
+          </a:solidFill>
+          <a:ln/>
+        </p:spPr>
+        <p:style>
+          <a:lnRef idx="3">
+            <a:schemeClr val="lt1"/>
+          </a:lnRef>
+          <a:fillRef idx="1">
+            <a:schemeClr val="accent6"/>
+          </a:fillRef>
+          <a:effectRef idx="1">
+            <a:schemeClr val="accent6"/>
+          </a:effectRef>
+          <a:fontRef idx="minor">
+            <a:schemeClr val="lt1"/>
+          </a:fontRef>
+        </p:style>
+        <p:txBody>
+          <a:bodyPr rtlCol="0" anchor="ctr"/>
+          <a:lstStyle/>
+          <a:p>
+            <a:pPr algn="ctr"/>
+            <a:r>
+              <a:rPr lang="en-US" sz="2800" b="1" dirty="0" err="1" smtClean="0">
+                <a:solidFill>
+                  <a:schemeClr val="bg1"/>
+                </a:solidFill>
+              </a:rPr>
+              <a:t>ContentProvider</a:t>
+            </a:r>
+            <a:endParaRPr lang="en-US" sz="2800" b="1" dirty="0">
+              <a:solidFill>
+                <a:schemeClr val="bg1"/>
+              </a:solidFill>
+            </a:endParaRPr>
+          </a:p>
+        </p:txBody>
+      </p:sp>
+      <p:cxnSp>
+        <p:nvCxnSpPr>
+          <p:cNvPr id="52" name="Elbow Connector 51"/>
+          <p:cNvCxnSpPr>
+            <a:stCxn id="8" idx="1"/>
+            <a:endCxn id="6" idx="2"/>
+          </p:cNvCxnSpPr>
+          <p:nvPr/>
+        </p:nvCxnSpPr>
+        <p:spPr>
+          <a:xfrm rot="10800000">
+            <a:off x="3244788" y="3113781"/>
+            <a:ext cx="4723420" cy="1303242"/>
+          </a:xfrm>
+          <a:prstGeom prst="bentConnector2">
+            <a:avLst/>
+          </a:prstGeom>
+          <a:ln w="38100">
+            <a:solidFill>
+              <a:schemeClr val="bg1"/>
+            </a:solidFill>
+            <a:headEnd type="none" w="lg" len="lg"/>
+            <a:tailEnd type="triangle" w="lg" len="lg"/>
+          </a:ln>
+        </p:spPr>
+        <p:style>
+          <a:lnRef idx="1">
+            <a:schemeClr val="accent1"/>
+          </a:lnRef>
+          <a:fillRef idx="0">
+            <a:schemeClr val="accent1"/>
+          </a:fillRef>
+          <a:effectRef idx="0">
+            <a:schemeClr val="accent1"/>
+          </a:effectRef>
+          <a:fontRef idx="minor">
+            <a:schemeClr val="tx1"/>
+          </a:fontRef>
+        </p:style>
+      </p:cxnSp>
+      <p:sp>
+        <p:nvSpPr>
+          <p:cNvPr id="55" name="TextBox 54"/>
+          <p:cNvSpPr txBox="1"/>
+          <p:nvPr/>
+        </p:nvSpPr>
+        <p:spPr>
+          <a:xfrm flipH="1">
+            <a:off x="3440161" y="3365918"/>
+            <a:ext cx="3096344" cy="369332"/>
+          </a:xfrm>
+          <a:prstGeom prst="rect">
+            <a:avLst/>
+          </a:prstGeom>
+          <a:noFill/>
+        </p:spPr>
+        <p:txBody>
+          <a:bodyPr wrap="square" rtlCol="0">
+            <a:spAutoFit/>
+          </a:bodyPr>
+          <a:lstStyle/>
+          <a:p>
+            <a:r>
+              <a:rPr lang="en-US" dirty="0" err="1" smtClean="0">
+                <a:solidFill>
+                  <a:schemeClr val="bg1"/>
+                </a:solidFill>
+              </a:rPr>
+              <a:t>ContentResolver.insert</a:t>
+            </a:r>
+            <a:r>
+              <a:rPr lang="en-US" dirty="0" smtClean="0">
+                <a:solidFill>
+                  <a:schemeClr val="bg1"/>
+                </a:solidFill>
+              </a:rPr>
+              <a:t>()</a:t>
+            </a:r>
+            <a:endParaRPr lang="en-US" dirty="0">
+              <a:solidFill>
+                <a:schemeClr val="bg1"/>
+              </a:solidFill>
+            </a:endParaRPr>
+          </a:p>
+        </p:txBody>
+      </p:sp>
+    </p:spTree>
+    <p:extLst>
+      <p:ext uri="{BB962C8B-B14F-4D97-AF65-F5344CB8AC3E}">
+        <p14:creationId xmlns:p14="http://schemas.microsoft.com/office/powerpoint/2010/main" val="3854873270"/>
+      </p:ext>
+    </p:extLst>
+  </p:cSld>
+  <p:clrMapOvr>
+    <a:masterClrMapping/>
+  </p:clrMapOvr>
+  <p:transition spd="slow">
+    <p:wipe dir="r"/>
+  </p:transition>
+  <p:timing>
+    <p:tnLst>
+      <p:par>
+        <p:cTn id="1" dur="indefinite" restart="never" nodeType="tmRoot">
+          <p:childTnLst>
+            <p:seq concurrent="1" nextAc="seek">
+              <p:cTn id="2" dur="indefinite" nodeType="mainSeq">
+                <p:childTnLst>
+                  <p:par>
+                    <p:cTn id="3" fill="hold">
+                      <p:stCondLst>
+                        <p:cond delay="indefinite"/>
+                      </p:stCondLst>
+                      <p:childTnLst>
+                        <p:par>
+                          <p:cTn id="4" fill="hold">
+                            <p:stCondLst>
+                              <p:cond delay="0"/>
+                            </p:stCondLst>
+                            <p:childTnLst>
+                              <p:par>
+                                <p:cTn id="5" presetID="42" presetClass="entr" presetSubtype="0" fill="hold" nodeType="clickEffect">
+                                  <p:stCondLst>
+                                    <p:cond delay="0"/>
+                                  </p:stCondLst>
+                                  <p:childTnLst>
+                                    <p:set>
+                                      <p:cBhvr>
+                                        <p:cTn id="6" dur="1" fill="hold">
+                                          <p:stCondLst>
+                                            <p:cond delay="0"/>
+                                          </p:stCondLst>
+                                        </p:cTn>
+                                        <p:tgtEl>
+                                          <p:spTgt spid="45"/>
+                                        </p:tgtEl>
+                                        <p:attrNameLst>
+                                          <p:attrName>style.visibility</p:attrName>
+                                        </p:attrNameLst>
+                                      </p:cBhvr>
+                                      <p:to>
+                                        <p:strVal val="visible"/>
+                                      </p:to>
+                                    </p:set>
+                                    <p:animEffect transition="in" filter="fade">
+                                      <p:cBhvr>
+                                        <p:cTn id="7" dur="700"/>
+                                        <p:tgtEl>
+                                          <p:spTgt spid="45"/>
+                                        </p:tgtEl>
+                                      </p:cBhvr>
+                                    </p:animEffect>
+                                    <p:anim calcmode="lin" valueType="num">
+                                      <p:cBhvr>
+                                        <p:cTn id="8" dur="700" fill="hold"/>
+                                        <p:tgtEl>
+                                          <p:spTgt spid="45"/>
+                                        </p:tgtEl>
+                                        <p:attrNameLst>
+                                          <p:attrName>ppt_x</p:attrName>
+                                        </p:attrNameLst>
+                                      </p:cBhvr>
+                                      <p:tavLst>
+                                        <p:tav tm="0">
+                                          <p:val>
+                                            <p:strVal val="#ppt_x"/>
+                                          </p:val>
+                                        </p:tav>
+                                        <p:tav tm="100000">
+                                          <p:val>
+                                            <p:strVal val="#ppt_x"/>
+                                          </p:val>
+                                        </p:tav>
+                                      </p:tavLst>
+                                    </p:anim>
+                                    <p:anim calcmode="lin" valueType="num">
+                                      <p:cBhvr>
+                                        <p:cTn id="9" dur="700" fill="hold"/>
+                                        <p:tgtEl>
+                                          <p:spTgt spid="45"/>
+                                        </p:tgtEl>
+                                        <p:attrNameLst>
+                                          <p:attrName>ppt_y</p:attrName>
+                                        </p:attrNameLst>
+                                      </p:cBhvr>
+                                      <p:tavLst>
+                                        <p:tav tm="0">
+                                          <p:val>
+                                            <p:strVal val="#ppt_y+.1"/>
+                                          </p:val>
+                                        </p:tav>
+                                        <p:tav tm="100000">
+                                          <p:val>
+                                            <p:strVal val="#ppt_y"/>
+                                          </p:val>
+                                        </p:tav>
+                                      </p:tavLst>
+                                    </p:anim>
+                                  </p:childTnLst>
+                                </p:cTn>
+                              </p:par>
+                            </p:childTnLst>
+                          </p:cTn>
+                        </p:par>
+                      </p:childTnLst>
+                    </p:cTn>
+                  </p:par>
+                </p:childTnLst>
+              </p:cTn>
+              <p:prevCondLst>
+                <p:cond evt="onPrev" delay="0">
+                  <p:tgtEl>
+                    <p:sldTgt/>
+                  </p:tgtEl>
+                </p:cond>
+              </p:prevCondLst>
+              <p:nextCondLst>
+                <p:cond evt="onNext" delay="0">
+                  <p:tgtEl>
+                    <p:sldTgt/>
+                  </p:tgtEl>
+                </p:cond>
+              </p:nextCondLst>
+            </p:seq>
+          </p:childTnLst>
+        </p:cTn>
+      </p:par>
+    </p:tnLst>
+  </p:timing>
+</p:sld>
+</file>
+
+<file path=ppt/slides/slide5.xml><?xml version="1.0" encoding="utf-8"?>
+<p:sld xmlns:a="http://schemas.openxmlformats.org/drawingml/2006/main" xmlns:r="http://schemas.openxmlformats.org/officeDocument/2006/relationships" xmlns:p="http://schemas.openxmlformats.org/presentationml/2006/main">
+  <p:cSld>
+    <p:spTree>
+      <p:nvGrpSpPr>
+        <p:cNvPr id="1" name=""/>
+        <p:cNvGrpSpPr/>
+        <p:nvPr/>
+      </p:nvGrpSpPr>
+      <p:grpSpPr>
+        <a:xfrm>
+          <a:off x="0" y="0"/>
+          <a:ext cx="0" cy="0"/>
+          <a:chOff x="0" y="0"/>
+          <a:chExt cx="0" cy="0"/>
+        </a:xfrm>
+      </p:grpSpPr>
+      <p:sp>
+        <p:nvSpPr>
+          <p:cNvPr id="4" name="Rounded Rectangle 3"/>
+          <p:cNvSpPr/>
+          <p:nvPr/>
+        </p:nvSpPr>
+        <p:spPr>
+          <a:xfrm>
+            <a:off x="7968208" y="620688"/>
+            <a:ext cx="2822104" cy="795528"/>
+          </a:xfrm>
+          <a:prstGeom prst="roundRect">
+            <a:avLst/>
+          </a:prstGeom>
+          <a:solidFill>
+            <a:srgbClr val="F8C02B"/>
+          </a:solidFill>
+          <a:ln/>
+        </p:spPr>
+        <p:style>
+          <a:lnRef idx="3">
+            <a:schemeClr val="lt1"/>
+          </a:lnRef>
+          <a:fillRef idx="1">
+            <a:schemeClr val="accent6"/>
+          </a:fillRef>
+          <a:effectRef idx="1">
+            <a:schemeClr val="accent6"/>
+          </a:effectRef>
+          <a:fontRef idx="minor">
+            <a:schemeClr val="lt1"/>
+          </a:fontRef>
+        </p:style>
+        <p:txBody>
+          <a:bodyPr rtlCol="0" anchor="ctr"/>
+          <a:lstStyle/>
+          <a:p>
+            <a:pPr algn="ctr"/>
+            <a:r>
+              <a:rPr lang="en-US" sz="2800" b="1" dirty="0" smtClean="0">
+                <a:solidFill>
+                  <a:schemeClr val="bg1"/>
+                </a:solidFill>
+              </a:rPr>
+              <a:t>UI</a:t>
+            </a:r>
+            <a:endParaRPr lang="en-US" sz="2800" b="1" dirty="0">
+              <a:solidFill>
+                <a:schemeClr val="bg1"/>
+              </a:solidFill>
+            </a:endParaRPr>
+          </a:p>
+        </p:txBody>
+      </p:sp>
+      <p:sp>
+        <p:nvSpPr>
+          <p:cNvPr id="5" name="Rounded Rectangle 4"/>
+          <p:cNvSpPr/>
+          <p:nvPr/>
+        </p:nvSpPr>
+        <p:spPr>
+          <a:xfrm>
+            <a:off x="609600" y="620688"/>
+            <a:ext cx="5270376" cy="792088"/>
+          </a:xfrm>
+          <a:prstGeom prst="roundRect">
+            <a:avLst/>
+          </a:prstGeom>
+          <a:solidFill>
+            <a:srgbClr val="4CC4B9"/>
+          </a:solidFill>
+          <a:ln/>
+        </p:spPr>
+        <p:style>
+          <a:lnRef idx="3">
+            <a:schemeClr val="lt1"/>
+          </a:lnRef>
+          <a:fillRef idx="1">
+            <a:schemeClr val="accent6"/>
+          </a:fillRef>
+          <a:effectRef idx="1">
+            <a:schemeClr val="accent6"/>
+          </a:effectRef>
+          <a:fontRef idx="minor">
+            <a:schemeClr val="lt1"/>
+          </a:fontRef>
+        </p:style>
+        <p:txBody>
+          <a:bodyPr rtlCol="0" anchor="ctr"/>
+          <a:lstStyle/>
+          <a:p>
+            <a:pPr algn="ctr"/>
+            <a:r>
+              <a:rPr lang="en-US" sz="2800" b="1" dirty="0" err="1" smtClean="0">
+                <a:solidFill>
+                  <a:schemeClr val="bg1"/>
+                </a:solidFill>
+              </a:rPr>
+              <a:t>CursorLoader</a:t>
+            </a:r>
+            <a:endParaRPr lang="en-US" sz="2800" b="1" dirty="0">
+              <a:solidFill>
+                <a:schemeClr val="bg1"/>
+              </a:solidFill>
+            </a:endParaRPr>
+          </a:p>
+        </p:txBody>
+      </p:sp>
+      <p:sp>
+        <p:nvSpPr>
+          <p:cNvPr id="6" name="Rounded Rectangle 5"/>
+          <p:cNvSpPr/>
+          <p:nvPr/>
+        </p:nvSpPr>
+        <p:spPr>
+          <a:xfrm>
+            <a:off x="609600" y="2318253"/>
+            <a:ext cx="5270376" cy="795528"/>
+          </a:xfrm>
+          <a:prstGeom prst="roundRect">
+            <a:avLst/>
+          </a:prstGeom>
+          <a:solidFill>
+            <a:srgbClr val="9AD21C"/>
+          </a:solidFill>
+          <a:ln/>
+        </p:spPr>
+        <p:style>
+          <a:lnRef idx="3">
+            <a:schemeClr val="lt1"/>
+          </a:lnRef>
+          <a:fillRef idx="1">
+            <a:schemeClr val="accent6"/>
+          </a:fillRef>
+          <a:effectRef idx="1">
+            <a:schemeClr val="accent6"/>
+          </a:effectRef>
+          <a:fontRef idx="minor">
+            <a:schemeClr val="lt1"/>
+          </a:fontRef>
+        </p:style>
+        <p:txBody>
+          <a:bodyPr rtlCol="0" anchor="ctr"/>
+          <a:lstStyle/>
+          <a:p>
+            <a:pPr algn="ctr"/>
+            <a:r>
+              <a:rPr lang="en-US" sz="2800" b="1" dirty="0" err="1" smtClean="0">
+                <a:solidFill>
+                  <a:schemeClr val="bg1"/>
+                </a:solidFill>
+              </a:rPr>
+              <a:t>ContentProvider</a:t>
+            </a:r>
+            <a:endParaRPr lang="en-US" sz="2800" b="1" dirty="0">
+              <a:solidFill>
+                <a:schemeClr val="bg1"/>
+              </a:solidFill>
+            </a:endParaRPr>
+          </a:p>
+        </p:txBody>
+      </p:sp>
+      <p:sp>
+        <p:nvSpPr>
+          <p:cNvPr id="7" name="Rounded Rectangle 6"/>
+          <p:cNvSpPr/>
+          <p:nvPr/>
+        </p:nvSpPr>
+        <p:spPr>
+          <a:xfrm>
+            <a:off x="609600" y="4019259"/>
+            <a:ext cx="5270376" cy="795528"/>
+          </a:xfrm>
+          <a:prstGeom prst="roundRect">
+            <a:avLst/>
+          </a:prstGeom>
+          <a:solidFill>
+            <a:schemeClr val="accent4">
+              <a:lumMod val="75000"/>
+            </a:schemeClr>
+          </a:solidFill>
+          <a:ln/>
+        </p:spPr>
+        <p:style>
+          <a:lnRef idx="3">
+            <a:schemeClr val="lt1"/>
+          </a:lnRef>
+          <a:fillRef idx="1">
+            <a:schemeClr val="accent6"/>
+          </a:fillRef>
+          <a:effectRef idx="1">
+            <a:schemeClr val="accent6"/>
+          </a:effectRef>
+          <a:fontRef idx="minor">
+            <a:schemeClr val="lt1"/>
+          </a:fontRef>
+        </p:style>
+        <p:txBody>
+          <a:bodyPr rtlCol="0" anchor="ctr"/>
+          <a:lstStyle/>
+          <a:p>
+            <a:pPr algn="ctr"/>
+            <a:r>
+              <a:rPr lang="en-US" sz="2800" b="1" dirty="0" err="1" smtClean="0">
+                <a:solidFill>
+                  <a:schemeClr val="bg1"/>
+                </a:solidFill>
+              </a:rPr>
+              <a:t>SyncAdapter</a:t>
+            </a:r>
+            <a:endParaRPr lang="en-US" sz="2800" b="1" dirty="0">
+              <a:solidFill>
+                <a:schemeClr val="bg1"/>
+              </a:solidFill>
+            </a:endParaRPr>
+          </a:p>
+        </p:txBody>
+      </p:sp>
+      <p:sp>
+        <p:nvSpPr>
+          <p:cNvPr id="8" name="Rounded Rectangle 7"/>
+          <p:cNvSpPr/>
+          <p:nvPr/>
+        </p:nvSpPr>
+        <p:spPr>
+          <a:xfrm>
+            <a:off x="7968208" y="4019259"/>
+            <a:ext cx="2822104" cy="795528"/>
+          </a:xfrm>
+          <a:prstGeom prst="roundRect">
+            <a:avLst/>
+          </a:prstGeom>
+          <a:solidFill>
+            <a:schemeClr val="accent5">
+              <a:lumMod val="75000"/>
+            </a:schemeClr>
+          </a:solidFill>
+          <a:ln/>
+        </p:spPr>
+        <p:style>
+          <a:lnRef idx="3">
+            <a:schemeClr val="lt1"/>
+          </a:lnRef>
+          <a:fillRef idx="1">
+            <a:schemeClr val="accent6"/>
+          </a:fillRef>
+          <a:effectRef idx="1">
+            <a:schemeClr val="accent6"/>
+          </a:effectRef>
+          <a:fontRef idx="minor">
+            <a:schemeClr val="lt1"/>
+          </a:fontRef>
+        </p:style>
+        <p:txBody>
+          <a:bodyPr rtlCol="0" anchor="ctr"/>
+          <a:lstStyle/>
+          <a:p>
+            <a:pPr algn="ctr"/>
+            <a:r>
+              <a:rPr lang="en-US" sz="2800" b="1" dirty="0" smtClean="0">
+                <a:solidFill>
+                  <a:schemeClr val="bg1"/>
+                </a:solidFill>
+              </a:rPr>
+              <a:t>Network</a:t>
+            </a:r>
+            <a:endParaRPr lang="en-US" sz="2800" b="1" dirty="0">
+              <a:solidFill>
+                <a:schemeClr val="bg1"/>
+              </a:solidFill>
+            </a:endParaRPr>
+          </a:p>
+        </p:txBody>
+      </p:sp>
+      <p:sp>
+        <p:nvSpPr>
+          <p:cNvPr id="10" name="Cloud 9"/>
+          <p:cNvSpPr/>
+          <p:nvPr/>
+        </p:nvSpPr>
+        <p:spPr>
+          <a:xfrm>
+            <a:off x="9955323" y="5517232"/>
+            <a:ext cx="2088232" cy="1484784"/>
+          </a:xfrm>
+          <a:prstGeom prst="cloud">
+            <a:avLst/>
+          </a:prstGeom>
+          <a:solidFill>
+            <a:schemeClr val="bg1">
+              <a:lumMod val="65000"/>
+            </a:schemeClr>
+          </a:solidFill>
+          <a:ln>
+            <a:solidFill>
+              <a:schemeClr val="bg1"/>
+            </a:solidFill>
+          </a:ln>
+        </p:spPr>
+        <p:style>
+          <a:lnRef idx="2">
+            <a:schemeClr val="accent1">
+              <a:shade val="50000"/>
+            </a:schemeClr>
+          </a:lnRef>
+          <a:fillRef idx="1">
+            <a:schemeClr val="accent1"/>
+          </a:fillRef>
+          <a:effectRef idx="0">
+            <a:schemeClr val="accent1"/>
+          </a:effectRef>
+          <a:fontRef idx="minor">
+            <a:schemeClr val="lt1"/>
+          </a:fontRef>
+        </p:style>
+        <p:txBody>
+          <a:bodyPr rtlCol="0" anchor="ctr"/>
+          <a:lstStyle/>
+          <a:p>
+            <a:pPr algn="ctr"/>
+            <a:r>
+              <a:rPr lang="en-US" dirty="0" err="1" smtClean="0">
+                <a:latin typeface="Arial Black" panose="020B0A04020102020204" pitchFamily="34" charset="0"/>
+              </a:rPr>
+              <a:t>ze</a:t>
+            </a:r>
+            <a:r>
+              <a:rPr lang="en-US" dirty="0" smtClean="0">
+                <a:latin typeface="Arial Black" panose="020B0A04020102020204" pitchFamily="34" charset="0"/>
+              </a:rPr>
+              <a:t> internet</a:t>
+            </a:r>
+            <a:endParaRPr lang="en-US" dirty="0">
+              <a:latin typeface="Arial Black" panose="020B0A04020102020204" pitchFamily="34" charset="0"/>
+            </a:endParaRPr>
+          </a:p>
+        </p:txBody>
+      </p:sp>
+      <p:cxnSp>
+        <p:nvCxnSpPr>
+          <p:cNvPr id="12" name="Elbow Connector 11"/>
+          <p:cNvCxnSpPr>
+            <a:stCxn id="8" idx="2"/>
+            <a:endCxn id="10" idx="2"/>
+          </p:cNvCxnSpPr>
+          <p:nvPr/>
+        </p:nvCxnSpPr>
+        <p:spPr>
+          <a:xfrm rot="16200000" flipH="1">
+            <a:off x="8948112" y="5245935"/>
+            <a:ext cx="1444837" cy="582540"/>
+          </a:xfrm>
+          <a:prstGeom prst="bentConnector2">
+            <a:avLst/>
+          </a:prstGeom>
+          <a:ln w="38100">
+            <a:solidFill>
+              <a:schemeClr val="bg1"/>
+            </a:solidFill>
+            <a:headEnd type="triangle" w="lg" len="lg"/>
+            <a:tailEnd type="triangle" w="lg" len="lg"/>
+          </a:ln>
+        </p:spPr>
+        <p:style>
+          <a:lnRef idx="1">
+            <a:schemeClr val="accent1"/>
+          </a:lnRef>
+          <a:fillRef idx="0">
+            <a:schemeClr val="accent1"/>
+          </a:fillRef>
+          <a:effectRef idx="0">
+            <a:schemeClr val="accent1"/>
+          </a:effectRef>
+          <a:fontRef idx="minor">
+            <a:schemeClr val="tx1"/>
+          </a:fontRef>
+        </p:style>
+      </p:cxnSp>
+      <p:grpSp>
+        <p:nvGrpSpPr>
+          <p:cNvPr id="20" name="Group 19"/>
+          <p:cNvGrpSpPr/>
+          <p:nvPr/>
+        </p:nvGrpSpPr>
+        <p:grpSpPr>
+          <a:xfrm>
+            <a:off x="479376" y="4814787"/>
+            <a:ext cx="2765413" cy="1497974"/>
+            <a:chOff x="479376" y="4814787"/>
+            <a:chExt cx="2765413" cy="1497974"/>
+          </a:xfrm>
+        </p:grpSpPr>
+        <p:sp>
+          <p:nvSpPr>
+            <p:cNvPr id="21" name="Hexagon 20"/>
+            <p:cNvSpPr/>
+            <p:nvPr/>
+          </p:nvSpPr>
+          <p:spPr>
+            <a:xfrm>
+              <a:off x="479376" y="5517233"/>
+              <a:ext cx="2016224" cy="795528"/>
+            </a:xfrm>
+            <a:prstGeom prst="hexagon">
+              <a:avLst/>
+            </a:prstGeom>
+            <a:solidFill>
+              <a:srgbClr val="FFFF00"/>
+            </a:solidFill>
+            <a:ln>
+              <a:solidFill>
+                <a:schemeClr val="bg1"/>
+              </a:solidFill>
+            </a:ln>
+            <a:effectLst>
+              <a:outerShdw blurRad="50800" dist="38100" dir="5400000" algn="t" rotWithShape="0">
+                <a:prstClr val="black">
+                  <a:alpha val="40000"/>
+                </a:prstClr>
+              </a:outerShdw>
+            </a:effectLst>
+          </p:spPr>
+          <p:style>
+            <a:lnRef idx="2">
+              <a:schemeClr val="accent1">
+                <a:shade val="50000"/>
+              </a:schemeClr>
+            </a:lnRef>
+            <a:fillRef idx="1">
+              <a:schemeClr val="accent1"/>
+            </a:fillRef>
+            <a:effectRef idx="0">
+              <a:schemeClr val="accent1"/>
+            </a:effectRef>
+            <a:fontRef idx="minor">
+              <a:schemeClr val="lt1"/>
+            </a:fontRef>
+          </p:style>
+          <p:txBody>
+            <a:bodyPr rtlCol="0" anchor="ctr"/>
+            <a:lstStyle/>
+            <a:p>
+              <a:pPr algn="ctr"/>
+              <a:r>
+                <a:rPr lang="en-US" b="1" dirty="0" smtClean="0">
+                  <a:solidFill>
+                    <a:schemeClr val="tx1"/>
+                  </a:solidFill>
+                </a:rPr>
+                <a:t>Android Framework</a:t>
+              </a:r>
+              <a:endParaRPr lang="en-US" b="1" dirty="0">
+                <a:solidFill>
+                  <a:schemeClr val="tx1"/>
+                </a:solidFill>
+              </a:endParaRPr>
+            </a:p>
+          </p:txBody>
+        </p:sp>
+        <p:cxnSp>
+          <p:nvCxnSpPr>
+            <p:cNvPr id="22" name="Elbow Connector 21"/>
+            <p:cNvCxnSpPr>
+              <a:endCxn id="21" idx="0"/>
+            </p:cNvCxnSpPr>
+            <p:nvPr/>
+          </p:nvCxnSpPr>
+          <p:spPr>
+            <a:xfrm rot="5400000">
+              <a:off x="2320090" y="4990298"/>
+              <a:ext cx="1100209" cy="749188"/>
+            </a:xfrm>
+            <a:prstGeom prst="bentConnector2">
+              <a:avLst/>
+            </a:prstGeom>
+            <a:ln w="38100">
+              <a:solidFill>
+                <a:schemeClr val="bg1"/>
+              </a:solidFill>
+              <a:headEnd type="triangle" w="lg" len="lg"/>
+              <a:tailEnd type="triangle" w="lg" len="lg"/>
+            </a:ln>
+          </p:spPr>
+          <p:style>
+            <a:lnRef idx="1">
+              <a:schemeClr val="accent1"/>
+            </a:lnRef>
+            <a:fillRef idx="0">
+              <a:schemeClr val="accent1"/>
+            </a:fillRef>
+            <a:effectRef idx="0">
+              <a:schemeClr val="accent1"/>
+            </a:effectRef>
+            <a:fontRef idx="minor">
+              <a:schemeClr val="tx1"/>
+            </a:fontRef>
+          </p:style>
+        </p:cxnSp>
+      </p:grpSp>
+      <p:cxnSp>
+        <p:nvCxnSpPr>
+          <p:cNvPr id="25" name="Straight Arrow Connector 24"/>
+          <p:cNvCxnSpPr>
+            <a:stCxn id="7" idx="3"/>
+            <a:endCxn id="8" idx="1"/>
+          </p:cNvCxnSpPr>
+          <p:nvPr/>
+        </p:nvCxnSpPr>
+        <p:spPr>
+          <a:xfrm>
+            <a:off x="5879976" y="4417023"/>
+            <a:ext cx="2088232" cy="0"/>
+          </a:xfrm>
+          <a:prstGeom prst="straightConnector1">
+            <a:avLst/>
+          </a:prstGeom>
+          <a:ln w="38100">
+            <a:solidFill>
+              <a:schemeClr val="bg1"/>
+            </a:solidFill>
+            <a:headEnd type="triangle" w="lg" len="lg"/>
+            <a:tailEnd type="triangle" w="lg" len="lg"/>
+          </a:ln>
+        </p:spPr>
+        <p:style>
+          <a:lnRef idx="1">
+            <a:schemeClr val="accent1"/>
+          </a:lnRef>
+          <a:fillRef idx="0">
+            <a:schemeClr val="accent1"/>
+          </a:fillRef>
+          <a:effectRef idx="0">
+            <a:schemeClr val="accent1"/>
+          </a:effectRef>
+          <a:fontRef idx="minor">
+            <a:schemeClr val="tx1"/>
+          </a:fontRef>
+        </p:style>
+      </p:cxnSp>
+      <p:cxnSp>
+        <p:nvCxnSpPr>
+          <p:cNvPr id="28" name="Straight Arrow Connector 27"/>
+          <p:cNvCxnSpPr>
+            <a:stCxn id="6" idx="2"/>
+            <a:endCxn id="7" idx="0"/>
+          </p:cNvCxnSpPr>
+          <p:nvPr/>
+        </p:nvCxnSpPr>
+        <p:spPr>
+          <a:xfrm>
+            <a:off x="3244788" y="3113781"/>
+            <a:ext cx="0" cy="905478"/>
+          </a:xfrm>
+          <a:prstGeom prst="straightConnector1">
+            <a:avLst/>
+          </a:prstGeom>
+          <a:ln w="38100">
+            <a:solidFill>
+              <a:schemeClr val="bg1"/>
+            </a:solidFill>
+            <a:headEnd type="triangle" w="lg" len="lg"/>
+            <a:tailEnd type="triangle" w="lg" len="lg"/>
+          </a:ln>
+        </p:spPr>
+        <p:style>
+          <a:lnRef idx="1">
+            <a:schemeClr val="accent1"/>
+          </a:lnRef>
+          <a:fillRef idx="0">
+            <a:schemeClr val="accent1"/>
+          </a:fillRef>
+          <a:effectRef idx="0">
+            <a:schemeClr val="accent1"/>
+          </a:effectRef>
+          <a:fontRef idx="minor">
+            <a:schemeClr val="tx1"/>
+          </a:fontRef>
+        </p:style>
+      </p:cxnSp>
+      <p:cxnSp>
+        <p:nvCxnSpPr>
+          <p:cNvPr id="31" name="Straight Arrow Connector 30"/>
+          <p:cNvCxnSpPr/>
+          <p:nvPr/>
+        </p:nvCxnSpPr>
+        <p:spPr>
+          <a:xfrm>
+            <a:off x="2783632" y="1412776"/>
+            <a:ext cx="0" cy="905477"/>
+          </a:xfrm>
+          <a:prstGeom prst="straightConnector1">
+            <a:avLst/>
+          </a:prstGeom>
+          <a:ln w="38100">
+            <a:solidFill>
+              <a:schemeClr val="bg1"/>
+            </a:solidFill>
+            <a:prstDash val="sysDash"/>
+            <a:headEnd type="triangle" w="lg" len="lg"/>
+            <a:tailEnd type="none" w="lg" len="lg"/>
+          </a:ln>
+        </p:spPr>
+        <p:style>
+          <a:lnRef idx="1">
+            <a:schemeClr val="accent1"/>
+          </a:lnRef>
+          <a:fillRef idx="0">
+            <a:schemeClr val="accent1"/>
+          </a:fillRef>
+          <a:effectRef idx="0">
+            <a:schemeClr val="accent1"/>
+          </a:effectRef>
+          <a:fontRef idx="minor">
+            <a:schemeClr val="tx1"/>
+          </a:fontRef>
+        </p:style>
+      </p:cxnSp>
+      <p:cxnSp>
+        <p:nvCxnSpPr>
+          <p:cNvPr id="34" name="Straight Arrow Connector 33"/>
+          <p:cNvCxnSpPr>
+            <a:stCxn id="5" idx="3"/>
+            <a:endCxn id="4" idx="1"/>
+          </p:cNvCxnSpPr>
+          <p:nvPr/>
+        </p:nvCxnSpPr>
+        <p:spPr>
+          <a:xfrm>
+            <a:off x="5879976" y="1016732"/>
+            <a:ext cx="2088232" cy="1720"/>
+          </a:xfrm>
+          <a:prstGeom prst="straightConnector1">
+            <a:avLst/>
+          </a:prstGeom>
+          <a:ln w="38100">
+            <a:solidFill>
+              <a:schemeClr val="bg1"/>
+            </a:solidFill>
+            <a:headEnd type="triangle" w="lg" len="lg"/>
+            <a:tailEnd type="triangle" w="lg" len="lg"/>
+          </a:ln>
+        </p:spPr>
+        <p:style>
+          <a:lnRef idx="1">
+            <a:schemeClr val="accent1"/>
+          </a:lnRef>
+          <a:fillRef idx="0">
+            <a:schemeClr val="accent1"/>
+          </a:fillRef>
+          <a:effectRef idx="0">
+            <a:schemeClr val="accent1"/>
+          </a:effectRef>
+          <a:fontRef idx="minor">
+            <a:schemeClr val="tx1"/>
+          </a:fontRef>
+        </p:style>
+      </p:cxnSp>
+      <p:sp>
+        <p:nvSpPr>
+          <p:cNvPr id="2" name="TextBox 1"/>
+          <p:cNvSpPr txBox="1"/>
+          <p:nvPr/>
+        </p:nvSpPr>
+        <p:spPr>
+          <a:xfrm flipH="1">
+            <a:off x="191344" y="1693344"/>
+            <a:ext cx="2295799" cy="369332"/>
+          </a:xfrm>
+          <a:prstGeom prst="rect">
+            <a:avLst/>
+          </a:prstGeom>
+          <a:noFill/>
+        </p:spPr>
+        <p:txBody>
+          <a:bodyPr wrap="square" rtlCol="0">
+            <a:spAutoFit/>
+          </a:bodyPr>
+          <a:lstStyle/>
+          <a:p>
+            <a:pPr algn="r"/>
+            <a:r>
+              <a:rPr lang="en-US" dirty="0" err="1" smtClean="0">
+                <a:solidFill>
+                  <a:schemeClr val="bg1"/>
+                </a:solidFill>
+              </a:rPr>
+              <a:t>ContentObserver</a:t>
+            </a:r>
+            <a:endParaRPr lang="en-US" dirty="0">
+              <a:solidFill>
+                <a:schemeClr val="bg1"/>
+              </a:solidFill>
+            </a:endParaRPr>
+          </a:p>
+        </p:txBody>
+      </p:sp>
+      <p:cxnSp>
+        <p:nvCxnSpPr>
+          <p:cNvPr id="19" name="Straight Arrow Connector 18"/>
+          <p:cNvCxnSpPr>
+            <a:stCxn id="5" idx="2"/>
+            <a:endCxn id="6" idx="0"/>
+          </p:cNvCxnSpPr>
+          <p:nvPr/>
+        </p:nvCxnSpPr>
+        <p:spPr>
+          <a:xfrm>
+            <a:off x="3244788" y="1412776"/>
+            <a:ext cx="0" cy="905477"/>
+          </a:xfrm>
+          <a:prstGeom prst="straightConnector1">
+            <a:avLst/>
+          </a:prstGeom>
+          <a:ln w="38100">
+            <a:solidFill>
+              <a:schemeClr val="bg1"/>
+            </a:solidFill>
+            <a:headEnd type="triangle" w="lg" len="lg"/>
+            <a:tailEnd type="triangle" w="lg" len="lg"/>
+          </a:ln>
+        </p:spPr>
+        <p:style>
+          <a:lnRef idx="1">
+            <a:schemeClr val="accent1"/>
+          </a:lnRef>
+          <a:fillRef idx="0">
+            <a:schemeClr val="accent1"/>
+          </a:fillRef>
+          <a:effectRef idx="0">
+            <a:schemeClr val="accent1"/>
+          </a:effectRef>
+          <a:fontRef idx="minor">
+            <a:schemeClr val="tx1"/>
+          </a:fontRef>
+        </p:style>
+      </p:cxnSp>
+      <p:sp>
+        <p:nvSpPr>
+          <p:cNvPr id="23" name="TextBox 22"/>
+          <p:cNvSpPr txBox="1"/>
+          <p:nvPr/>
+        </p:nvSpPr>
+        <p:spPr>
+          <a:xfrm flipH="1">
+            <a:off x="3440161" y="1693344"/>
+            <a:ext cx="3447927" cy="369332"/>
+          </a:xfrm>
+          <a:prstGeom prst="rect">
+            <a:avLst/>
+          </a:prstGeom>
+          <a:noFill/>
+        </p:spPr>
+        <p:txBody>
+          <a:bodyPr wrap="square" rtlCol="0">
+            <a:spAutoFit/>
+          </a:bodyPr>
+          <a:lstStyle/>
+          <a:p>
+            <a:r>
+              <a:rPr lang="en-US" dirty="0" err="1" smtClean="0">
+                <a:solidFill>
+                  <a:schemeClr val="bg1"/>
+                </a:solidFill>
+              </a:rPr>
+              <a:t>ContentResolver.query</a:t>
+            </a:r>
+            <a:r>
+              <a:rPr lang="en-US" dirty="0" smtClean="0">
+                <a:solidFill>
+                  <a:schemeClr val="bg1"/>
+                </a:solidFill>
+              </a:rPr>
+              <a:t>()</a:t>
+            </a:r>
+            <a:endParaRPr lang="en-US" dirty="0">
+              <a:solidFill>
+                <a:schemeClr val="bg1"/>
+              </a:solidFill>
+            </a:endParaRPr>
+          </a:p>
+        </p:txBody>
+      </p:sp>
+      <p:grpSp>
+        <p:nvGrpSpPr>
+          <p:cNvPr id="15" name="Group 14"/>
+          <p:cNvGrpSpPr/>
+          <p:nvPr/>
+        </p:nvGrpSpPr>
+        <p:grpSpPr>
+          <a:xfrm>
+            <a:off x="3368152" y="5917312"/>
+            <a:ext cx="2871864" cy="795528"/>
+            <a:chOff x="3440160" y="5517232"/>
+            <a:chExt cx="2871864" cy="795528"/>
+          </a:xfrm>
+        </p:grpSpPr>
+        <p:sp>
+          <p:nvSpPr>
+            <p:cNvPr id="14" name="Rounded Rectangular Callout 13"/>
+            <p:cNvSpPr/>
+            <p:nvPr/>
+          </p:nvSpPr>
+          <p:spPr>
+            <a:xfrm>
+              <a:off x="3440160" y="5517232"/>
+              <a:ext cx="2871864" cy="795528"/>
+            </a:xfrm>
+            <a:prstGeom prst="wedgeRoundRectCallout">
+              <a:avLst>
+                <a:gd name="adj1" fmla="val -61628"/>
+                <a:gd name="adj2" fmla="val -32088"/>
+                <a:gd name="adj3" fmla="val 16667"/>
+              </a:avLst>
+            </a:prstGeom>
+            <a:solidFill>
+              <a:srgbClr val="FFFFFF">
+                <a:alpha val="20000"/>
+              </a:srgbClr>
+            </a:solidFill>
+            <a:ln w="19050">
+              <a:solidFill>
+                <a:schemeClr val="bg1"/>
+              </a:solidFill>
+            </a:ln>
+          </p:spPr>
+          <p:style>
+            <a:lnRef idx="2">
+              <a:schemeClr val="accent1">
+                <a:shade val="50000"/>
+              </a:schemeClr>
+            </a:lnRef>
+            <a:fillRef idx="1">
+              <a:schemeClr val="accent1"/>
+            </a:fillRef>
+            <a:effectRef idx="0">
+              <a:schemeClr val="accent1"/>
+            </a:effectRef>
+            <a:fontRef idx="minor">
+              <a:schemeClr val="lt1"/>
+            </a:fontRef>
+          </p:style>
+          <p:txBody>
+            <a:bodyPr rtlCol="0" anchor="ctr"/>
+            <a:lstStyle/>
+            <a:p>
+              <a:pPr algn="ctr"/>
+              <a:endParaRPr lang="en-US"/>
+            </a:p>
+          </p:txBody>
+        </p:sp>
+        <p:sp>
+          <p:nvSpPr>
+            <p:cNvPr id="24" name="TextBox 23"/>
+            <p:cNvSpPr txBox="1"/>
+            <p:nvPr/>
+          </p:nvSpPr>
+          <p:spPr>
+            <a:xfrm flipH="1">
+              <a:off x="3440160" y="5574239"/>
+              <a:ext cx="2871864" cy="646331"/>
+            </a:xfrm>
+            <a:prstGeom prst="rect">
+              <a:avLst/>
+            </a:prstGeom>
+            <a:noFill/>
+          </p:spPr>
+          <p:txBody>
+            <a:bodyPr wrap="square" rtlCol="0">
+              <a:spAutoFit/>
+            </a:bodyPr>
+            <a:lstStyle/>
+            <a:p>
+              <a:pPr algn="ctr"/>
+              <a:r>
+                <a:rPr lang="en-US" i="1" dirty="0" smtClean="0">
+                  <a:solidFill>
+                    <a:schemeClr val="bg1"/>
+                  </a:solidFill>
+                </a:rPr>
+                <a:t>Hey, this would be a great moment to synchronize!</a:t>
+              </a:r>
+              <a:endParaRPr lang="en-US" i="1" dirty="0">
+                <a:solidFill>
+                  <a:schemeClr val="bg1"/>
+                </a:solidFill>
+              </a:endParaRPr>
+            </a:p>
+          </p:txBody>
+        </p:sp>
+      </p:grpSp>
+      <p:sp>
+        <p:nvSpPr>
+          <p:cNvPr id="30" name="TextBox 29"/>
+          <p:cNvSpPr txBox="1"/>
+          <p:nvPr/>
+        </p:nvSpPr>
+        <p:spPr>
+          <a:xfrm flipH="1">
+            <a:off x="3440161" y="3365918"/>
+            <a:ext cx="3096344" cy="369332"/>
+          </a:xfrm>
+          <a:prstGeom prst="rect">
+            <a:avLst/>
+          </a:prstGeom>
+          <a:noFill/>
+        </p:spPr>
+        <p:txBody>
+          <a:bodyPr wrap="square" rtlCol="0">
+            <a:spAutoFit/>
+          </a:bodyPr>
+          <a:lstStyle/>
+          <a:p>
+            <a:r>
+              <a:rPr lang="en-US" dirty="0" err="1" smtClean="0">
+                <a:solidFill>
+                  <a:schemeClr val="bg1"/>
+                </a:solidFill>
+              </a:rPr>
+              <a:t>ContentResolver.insert</a:t>
+            </a:r>
+            <a:r>
+              <a:rPr lang="en-US" dirty="0" smtClean="0">
+                <a:solidFill>
+                  <a:schemeClr val="bg1"/>
+                </a:solidFill>
+              </a:rPr>
+              <a:t>()</a:t>
+            </a:r>
+            <a:endParaRPr lang="en-US" dirty="0">
+              <a:solidFill>
+                <a:schemeClr val="bg1"/>
+              </a:solidFill>
+            </a:endParaRPr>
+          </a:p>
+        </p:txBody>
+      </p:sp>
+    </p:spTree>
+    <p:extLst>
+      <p:ext uri="{BB962C8B-B14F-4D97-AF65-F5344CB8AC3E}">
+        <p14:creationId xmlns:p14="http://schemas.microsoft.com/office/powerpoint/2010/main" val="2047183347"/>
+      </p:ext>
+    </p:extLst>
+  </p:cSld>
+  <p:clrMapOvr>
+    <a:masterClrMapping/>
+  </p:clrMapOvr>
+  <p:transition spd="slow">
+    <p:wipe dir="r"/>
+  </p:transition>
+  <p:timing>
+    <p:tnLst>
+      <p:par>
+        <p:cTn id="1" dur="indefinite" restart="never" nodeType="tmRoot">
+          <p:childTnLst>
+            <p:seq concurrent="1" nextAc="seek">
+              <p:cTn id="2" dur="indefinite" nodeType="mainSeq">
+                <p:childTnLst>
+                  <p:par>
+                    <p:cTn id="3" fill="hold">
+                      <p:stCondLst>
+                        <p:cond delay="indefinite"/>
+                      </p:stCondLst>
+                      <p:childTnLst>
+                        <p:par>
+                          <p:cTn id="4" fill="hold">
+                            <p:stCondLst>
+                              <p:cond delay="0"/>
+                            </p:stCondLst>
+                            <p:childTnLst>
+                              <p:par>
+                                <p:cTn id="5" presetID="42" presetClass="entr" presetSubtype="0" fill="hold" nodeType="clickEffect">
+                                  <p:stCondLst>
+                                    <p:cond delay="0"/>
+                                  </p:stCondLst>
+                                  <p:childTnLst>
+                                    <p:set>
+                                      <p:cBhvr>
+                                        <p:cTn id="6" dur="1" fill="hold">
+                                          <p:stCondLst>
+                                            <p:cond delay="0"/>
+                                          </p:stCondLst>
+                                        </p:cTn>
+                                        <p:tgtEl>
+                                          <p:spTgt spid="20"/>
+                                        </p:tgtEl>
+                                        <p:attrNameLst>
+                                          <p:attrName>style.visibility</p:attrName>
+                                        </p:attrNameLst>
+                                      </p:cBhvr>
+                                      <p:to>
+                                        <p:strVal val="visible"/>
+                                      </p:to>
+                                    </p:set>
+                                    <p:animEffect transition="in" filter="fade">
+                                      <p:cBhvr>
+                                        <p:cTn id="7" dur="1000"/>
+                                        <p:tgtEl>
+                                          <p:spTgt spid="20"/>
+                                        </p:tgtEl>
+                                      </p:cBhvr>
+                                    </p:animEffect>
+                                    <p:anim calcmode="lin" valueType="num">
+                                      <p:cBhvr>
+                                        <p:cTn id="8" dur="1000" fill="hold"/>
+                                        <p:tgtEl>
+                                          <p:spTgt spid="20"/>
+                                        </p:tgtEl>
+                                        <p:attrNameLst>
+                                          <p:attrName>ppt_x</p:attrName>
+                                        </p:attrNameLst>
+                                      </p:cBhvr>
+                                      <p:tavLst>
+                                        <p:tav tm="0">
+                                          <p:val>
+                                            <p:strVal val="#ppt_x"/>
+                                          </p:val>
+                                        </p:tav>
+                                        <p:tav tm="100000">
+                                          <p:val>
+                                            <p:strVal val="#ppt_x"/>
+                                          </p:val>
+                                        </p:tav>
+                                      </p:tavLst>
+                                    </p:anim>
+                                    <p:anim calcmode="lin" valueType="num">
+                                      <p:cBhvr>
+                                        <p:cTn id="9" dur="1000" fill="hold"/>
+                                        <p:tgtEl>
+                                          <p:spTgt spid="20"/>
+                                        </p:tgtEl>
+                                        <p:attrNameLst>
+                                          <p:attrName>ppt_y</p:attrName>
+                                        </p:attrNameLst>
+                                      </p:cBhvr>
+                                      <p:tavLst>
+                                        <p:tav tm="0">
+                                          <p:val>
+                                            <p:strVal val="#ppt_y+.1"/>
+                                          </p:val>
+                                        </p:tav>
+                                        <p:tav tm="100000">
+                                          <p:val>
+                                            <p:strVal val="#ppt_y"/>
+                                          </p:val>
+                                        </p:tav>
+                                      </p:tavLst>
+                                    </p:anim>
+                                  </p:childTnLst>
+                                </p:cTn>
+                              </p:par>
+                            </p:childTnLst>
+                          </p:cTn>
+                        </p:par>
+                      </p:childTnLst>
+                    </p:cTn>
+                  </p:par>
+                  <p:par>
+                    <p:cTn id="10" fill="hold">
+                      <p:stCondLst>
+                        <p:cond delay="indefinite"/>
+                      </p:stCondLst>
+                      <p:childTnLst>
+                        <p:par>
+                          <p:cTn id="11" fill="hold">
+                            <p:stCondLst>
+                              <p:cond delay="0"/>
+                            </p:stCondLst>
+                            <p:childTnLst>
+                              <p:par>
+                                <p:cTn id="12" presetID="22" presetClass="entr" presetSubtype="8" fill="hold" nodeType="clickEffect">
+                                  <p:stCondLst>
+                                    <p:cond delay="0"/>
+                                  </p:stCondLst>
+                                  <p:childTnLst>
+                                    <p:set>
+                                      <p:cBhvr>
+                                        <p:cTn id="13" dur="1" fill="hold">
+                                          <p:stCondLst>
+                                            <p:cond delay="0"/>
+                                          </p:stCondLst>
+                                        </p:cTn>
+                                        <p:tgtEl>
+                                          <p:spTgt spid="15"/>
+                                        </p:tgtEl>
+                                        <p:attrNameLst>
+                                          <p:attrName>style.visibility</p:attrName>
+                                        </p:attrNameLst>
+                                      </p:cBhvr>
+                                      <p:to>
+                                        <p:strVal val="visible"/>
+                                      </p:to>
+                                    </p:set>
+                                    <p:animEffect transition="in" filter="wipe(left)">
+                                      <p:cBhvr>
+                                        <p:cTn id="14" dur="300"/>
+                                        <p:tgtEl>
+                                          <p:spTgt spid="15"/>
+                                        </p:tgtEl>
+                                      </p:cBhvr>
+                                    </p:animEffect>
+                                  </p:childTnLst>
+                                </p:cTn>
+                              </p:par>
+                            </p:childTnLst>
+                          </p:cTn>
+                        </p:par>
+                      </p:childTnLst>
+                    </p:cTn>
+                  </p:par>
+                </p:childTnLst>
+              </p:cTn>
+              <p:prevCondLst>
+                <p:cond evt="onPrev" delay="0">
+                  <p:tgtEl>
+                    <p:sldTgt/>
+                  </p:tgtEl>
+                </p:cond>
+              </p:prevCondLst>
+              <p:nextCondLst>
+                <p:cond evt="onNext" delay="0">
+                  <p:tgtEl>
+                    <p:sldTgt/>
+                  </p:tgtEl>
+                </p:cond>
+              </p:nextCondLst>
+            </p:seq>
+          </p:childTnLst>
+        </p:cTn>
+      </p:par>
+    </p:tnLst>
+  </p:timing>
+</p:sld>
+</file>
+
+<file path=ppt/slides/slide6.xml><?xml version="1.0" encoding="utf-8"?>
+<p:sld xmlns:a="http://schemas.openxmlformats.org/drawingml/2006/main" xmlns:r="http://schemas.openxmlformats.org/officeDocument/2006/relationships" xmlns:p="http://schemas.openxmlformats.org/presentationml/2006/main" show="0">
+  <p:cSld>
+    <p:spTree>
+      <p:nvGrpSpPr>
+        <p:cNvPr id="1" name=""/>
+        <p:cNvGrpSpPr/>
+        <p:nvPr/>
+      </p:nvGrpSpPr>
+      <p:grpSpPr>
+        <a:xfrm>
+          <a:off x="0" y="0"/>
+          <a:ext cx="0" cy="0"/>
+          <a:chOff x="0" y="0"/>
+          <a:chExt cx="0" cy="0"/>
+        </a:xfrm>
+      </p:grpSpPr>
+      <p:sp>
+        <p:nvSpPr>
+          <p:cNvPr id="3" name="Title 2"/>
+          <p:cNvSpPr>
+            <a:spLocks noGrp="1"/>
+          </p:cNvSpPr>
+          <p:nvPr>
+            <p:ph type="title"/>
+          </p:nvPr>
+        </p:nvSpPr>
+        <p:spPr/>
+        <p:txBody>
+          <a:bodyPr/>
+          <a:lstStyle/>
+          <a:p>
+            <a:endParaRPr lang="en-US"/>
+          </a:p>
+        </p:txBody>
+      </p:sp>
+      <p:sp>
+        <p:nvSpPr>
+          <p:cNvPr id="4" name="Content Placeholder 3"/>
+          <p:cNvSpPr>
+            <a:spLocks noGrp="1"/>
+          </p:cNvSpPr>
+          <p:nvPr>
+            <p:ph idx="1"/>
+          </p:nvPr>
+        </p:nvSpPr>
+        <p:spPr/>
+        <p:txBody>
+          <a:bodyPr>
+            <a:normAutofit fontScale="92500" lnSpcReduction="10000"/>
+          </a:bodyPr>
+          <a:lstStyle/>
+          <a:p>
+            <a:r>
+              <a:rPr lang="en-US" dirty="0">
+                <a:hlinkClick r:id="rId2"/>
+              </a:rPr>
+              <a:t>https://</a:t>
+            </a:r>
+            <a:r>
+              <a:rPr lang="en-US" dirty="0" smtClean="0">
+                <a:hlinkClick r:id="rId2"/>
+              </a:rPr>
+              <a:t>github.com/googlesamples/android-BasicSyncAdapter</a:t>
+            </a:r>
+            <a:endParaRPr lang="en-US" dirty="0" smtClean="0"/>
+          </a:p>
+          <a:p>
+            <a:r>
+              <a:rPr lang="en-US" dirty="0">
+                <a:hlinkClick r:id="rId3"/>
+              </a:rPr>
+              <a:t>https://</a:t>
+            </a:r>
+            <a:r>
+              <a:rPr lang="en-US" dirty="0" smtClean="0">
+                <a:hlinkClick r:id="rId3"/>
+              </a:rPr>
+              <a:t>developer.android.com/training/sync-adapters/creating-sync-adapter.html</a:t>
+            </a:r>
+            <a:endParaRPr lang="en-US" dirty="0" smtClean="0"/>
+          </a:p>
+          <a:p>
+            <a:r>
+              <a:rPr lang="en-US" dirty="0">
+                <a:hlinkClick r:id="rId4"/>
+              </a:rPr>
+              <a:t>https://</a:t>
+            </a:r>
+            <a:r>
+              <a:rPr lang="en-US" dirty="0" smtClean="0">
+                <a:hlinkClick r:id="rId4"/>
+              </a:rPr>
+              <a:t>developer.android.com/training/sync-adapters/index.html</a:t>
+            </a:r>
+            <a:endParaRPr lang="en-US" dirty="0" smtClean="0"/>
+          </a:p>
+          <a:p>
+            <a:r>
+              <a:rPr lang="en-US" dirty="0">
+                <a:hlinkClick r:id="rId5"/>
+              </a:rPr>
+              <a:t>http://blog.udinic.com/2013/07/24/write-your-own-android-sync-adapter</a:t>
+            </a:r>
+            <a:r>
+              <a:rPr lang="en-US" dirty="0" smtClean="0">
+                <a:hlinkClick r:id="rId5"/>
+              </a:rPr>
+              <a:t>/</a:t>
+            </a:r>
+            <a:endParaRPr lang="en-US" dirty="0" smtClean="0"/>
+          </a:p>
+          <a:p>
+            <a:r>
+              <a:rPr lang="en-US" dirty="0">
+                <a:hlinkClick r:id="rId6"/>
+              </a:rPr>
+              <a:t>https://</a:t>
+            </a:r>
+            <a:r>
+              <a:rPr lang="en-US" dirty="0" smtClean="0">
+                <a:hlinkClick r:id="rId6"/>
+              </a:rPr>
+              <a:t>software.intel.com/en-us/android/articles/handling-offline-capability-and-data-sync-in-an-android-app-part-2</a:t>
+            </a:r>
+            <a:endParaRPr lang="en-US" dirty="0" smtClean="0"/>
+          </a:p>
+        </p:txBody>
+      </p:sp>
+    </p:spTree>
+    <p:extLst>
+      <p:ext uri="{BB962C8B-B14F-4D97-AF65-F5344CB8AC3E}">
+        <p14:creationId xmlns:p14="http://schemas.microsoft.com/office/powerpoint/2010/main" val="351412801"/>
+      </p:ext>
+    </p:extLst>
+  </p:cSld>
+  <p:clrMapOvr>
+    <a:masterClrMapping/>
+  </p:clrMapOvr>
+  <mc:AlternateContent xmlns:mc="http://schemas.openxmlformats.org/markup-compatibility/2006">
+    <mc:Choice xmlns:p14="http://schemas.microsoft.com/office/powerpoint/2010/main" Requires="p14">
+      <p:transition p14:dur="250">
+        <p14:reveal/>
+      </p:transition>
+    </mc:Choice>
+    <mc:Fallback>
+      <p:transition>
+        <p:fade/>
+      </p:transition>
+    </mc:Fallback>
+  </mc:AlternateContent>
+  <p:timing>
+    <p:tnLst>
+      <p:par>
+        <p:cTn id="1" dur="indefinite" restart="never" nodeType="tmRoot"/>
+      </p:par>
+    </p:tnLst>
+  </p:timing>
+</p:sld>
+</file>
+
+<file path=ppt/slides/slide7.xml><?xml version="1.0" encoding="utf-8"?>
+<p:sld xmlns:a="http://schemas.openxmlformats.org/drawingml/2006/main" xmlns:r="http://schemas.openxmlformats.org/officeDocument/2006/relationships" xmlns:p="http://schemas.openxmlformats.org/presentationml/2006/main">
+  <p:cSld>
+    <p:spTree>
+      <p:nvGrpSpPr>
+        <p:cNvPr id="1" name=""/>
+        <p:cNvGrpSpPr/>
+        <p:nvPr/>
+      </p:nvGrpSpPr>
+      <p:grpSpPr>
+        <a:xfrm>
+          <a:off x="0" y="0"/>
+          <a:ext cx="0" cy="0"/>
+          <a:chOff x="0" y="0"/>
+          <a:chExt cx="0" cy="0"/>
+        </a:xfrm>
+      </p:grpSpPr>
+      <p:sp>
+        <p:nvSpPr>
+          <p:cNvPr id="2" name="Title 1"/>
+          <p:cNvSpPr>
+            <a:spLocks noGrp="1"/>
+          </p:cNvSpPr>
+          <p:nvPr>
+            <p:ph type="title"/>
+          </p:nvPr>
+        </p:nvSpPr>
+        <p:spPr/>
+        <p:txBody>
+          <a:bodyPr/>
+          <a:lstStyle/>
+          <a:p>
+            <a:endParaRPr lang="en-US"/>
+          </a:p>
+        </p:txBody>
+      </p:sp>
+      <p:sp>
+        <p:nvSpPr>
+          <p:cNvPr id="3" name="Content Placeholder 2"/>
+          <p:cNvSpPr>
+            <a:spLocks noGrp="1"/>
+          </p:cNvSpPr>
+          <p:nvPr>
+            <p:ph idx="1"/>
+          </p:nvPr>
+        </p:nvSpPr>
+        <p:spPr/>
+        <p:txBody>
+          <a:bodyPr>
+            <a:normAutofit lnSpcReduction="10000"/>
+          </a:bodyPr>
+          <a:lstStyle/>
+          <a:p>
+            <a:r>
+              <a:rPr lang="en-US" dirty="0" err="1" smtClean="0"/>
+              <a:t>SyncAdapters</a:t>
+            </a:r>
+            <a:r>
+              <a:rPr lang="en-US" dirty="0" smtClean="0"/>
+              <a:t> can be used to:</a:t>
+            </a:r>
+          </a:p>
+          <a:p>
+            <a:pPr lvl="1"/>
+            <a:r>
+              <a:rPr lang="en-US" dirty="0" smtClean="0"/>
+              <a:t>fetch </a:t>
+            </a:r>
+            <a:r>
+              <a:rPr lang="en-US" dirty="0"/>
+              <a:t>background data for an </a:t>
+            </a:r>
+            <a:r>
+              <a:rPr lang="en-US" dirty="0" smtClean="0"/>
+              <a:t>app.</a:t>
+            </a:r>
+          </a:p>
+          <a:p>
+            <a:pPr lvl="1"/>
+            <a:r>
+              <a:rPr lang="en-US" dirty="0" smtClean="0"/>
+              <a:t>execute </a:t>
+            </a:r>
+            <a:r>
+              <a:rPr lang="en-US" dirty="0"/>
+              <a:t>your data transfer code at configurable intervals, while efficiently using battery and other system </a:t>
+            </a:r>
+            <a:r>
+              <a:rPr lang="en-US" dirty="0" smtClean="0"/>
+              <a:t>resources</a:t>
+            </a:r>
+            <a:endParaRPr lang="en-US" dirty="0"/>
+          </a:p>
+          <a:p>
+            <a:r>
+              <a:rPr lang="en-US" dirty="0" smtClean="0"/>
+              <a:t>Elements </a:t>
+            </a:r>
+            <a:r>
+              <a:rPr lang="en-US" dirty="0"/>
+              <a:t>of a sync </a:t>
+            </a:r>
+            <a:r>
+              <a:rPr lang="en-US" dirty="0" smtClean="0"/>
+              <a:t>adapter:</a:t>
+            </a:r>
+            <a:endParaRPr lang="en-US" dirty="0"/>
+          </a:p>
+          <a:p>
+            <a:pPr lvl="1"/>
+            <a:r>
+              <a:rPr lang="en-US" dirty="0"/>
+              <a:t>Creates a sync adapter class.</a:t>
+            </a:r>
+          </a:p>
+          <a:p>
+            <a:pPr lvl="1"/>
+            <a:r>
+              <a:rPr lang="en-US" dirty="0"/>
+              <a:t>Creates a bound Service which the OS uses to initiate a sync.</a:t>
+            </a:r>
+          </a:p>
+          <a:p>
+            <a:pPr lvl="1"/>
+            <a:r>
+              <a:rPr lang="en-US" dirty="0"/>
+              <a:t>Defines the sync adapter properties in an XML resource file.</a:t>
+            </a:r>
+          </a:p>
+          <a:p>
+            <a:pPr lvl="1"/>
+            <a:r>
+              <a:rPr lang="en-US" dirty="0"/>
+              <a:t>Declares the bound Service in the app manifest.</a:t>
+            </a:r>
+          </a:p>
+        </p:txBody>
+      </p:sp>
+    </p:spTree>
+    <p:extLst>
+      <p:ext uri="{BB962C8B-B14F-4D97-AF65-F5344CB8AC3E}">
+        <p14:creationId xmlns:p14="http://schemas.microsoft.com/office/powerpoint/2010/main" val="2364295274"/>
+      </p:ext>
+    </p:extLst>
+  </p:cSld>
+  <p:clrMapOvr>
+    <a:masterClrMapping/>
+  </p:clrMapOvr>
+  <mc:AlternateContent xmlns:mc="http://schemas.openxmlformats.org/markup-compatibility/2006" xmlns:p14="http://schemas.microsoft.com/office/powerpoint/2010/main">
+    <mc:Choice Requires="p14">
+      <p:transition p14:dur="250">
+        <p14:reveal/>
+      </p:transition>
+    </mc:Choice>
+    <mc:Fallback xmlns="">
+      <p:transition>
+        <p:fade/>
+      </p:transition>
+    </mc:Fallback>
+  </mc:AlternateContent>
+  <p:timing>
+    <p:tnLst>
+      <p:par>
+        <p:cTn id="1" dur="indefinite" restart="never" nodeType="tmRoot"/>
+      </p:par>
+    </p:tnLst>
+  </p:timing>
+</p:sld>
+</file>
+
+<file path=ppt/slides/slide8.xml><?xml version="1.0" encoding="utf-8"?>
+<p:sld xmlns:a="http://schemas.openxmlformats.org/drawingml/2006/main" xmlns:r="http://schemas.openxmlformats.org/officeDocument/2006/relationships" xmlns:p="http://schemas.openxmlformats.org/presentationml/2006/main">
+  <p:cSld>
+    <p:spTree>
+      <p:nvGrpSpPr>
+        <p:cNvPr id="1" name=""/>
+        <p:cNvGrpSpPr/>
+        <p:nvPr/>
+      </p:nvGrpSpPr>
+      <p:grpSpPr>
+        <a:xfrm>
+          <a:off x="0" y="0"/>
+          <a:ext cx="0" cy="0"/>
+          <a:chOff x="0" y="0"/>
+          <a:chExt cx="0" cy="0"/>
+        </a:xfrm>
+      </p:grpSpPr>
+      <p:pic>
+        <p:nvPicPr>
+          <p:cNvPr id="7" name="Content Placeholder 3"/>
+          <p:cNvPicPr>
+            <a:picLocks noChangeAspect="1"/>
+          </p:cNvPicPr>
+          <p:nvPr/>
+        </p:nvPicPr>
+        <p:blipFill>
+          <a:blip r:embed="rId2" cstate="print">
+            <a:extLst>
+              <a:ext uri="{28A0092B-C50C-407E-A947-70E740481C1C}">
+                <a14:useLocalDpi xmlns:a14="http://schemas.microsoft.com/office/drawing/2010/main" val="0"/>
+              </a:ext>
+            </a:extLst>
+          </a:blip>
+          <a:stretch>
+            <a:fillRect/>
+          </a:stretch>
+        </p:blipFill>
+        <p:spPr>
+          <a:xfrm>
+            <a:off x="6227564" y="1600200"/>
+            <a:ext cx="2545854" cy="4525963"/>
+          </a:xfrm>
+          <a:prstGeom prst="rect">
+            <a:avLst/>
+          </a:prstGeom>
+        </p:spPr>
+      </p:pic>
+      <p:sp>
+        <p:nvSpPr>
+          <p:cNvPr id="2" name="Title 1"/>
+          <p:cNvSpPr>
+            <a:spLocks noGrp="1"/>
+          </p:cNvSpPr>
+          <p:nvPr>
+            <p:ph type="title"/>
+          </p:nvPr>
+        </p:nvSpPr>
+        <p:spPr/>
+        <p:txBody>
+          <a:bodyPr/>
+          <a:lstStyle/>
+          <a:p>
+            <a:r>
+              <a:rPr lang="en-US" dirty="0" smtClean="0"/>
+              <a:t>Demo</a:t>
+            </a:r>
+            <a:endParaRPr lang="en-US" dirty="0"/>
+          </a:p>
+        </p:txBody>
+      </p:sp>
+      <p:pic>
+        <p:nvPicPr>
+          <p:cNvPr id="4" name="Content Placeholder 3"/>
+          <p:cNvPicPr>
+            <a:picLocks noGrp="1" noChangeAspect="1"/>
+          </p:cNvPicPr>
+          <p:nvPr>
+            <p:ph idx="1"/>
+          </p:nvPr>
+        </p:nvPicPr>
+        <p:blipFill>
+          <a:blip r:embed="rId3" cstate="print">
+            <a:extLst>
+              <a:ext uri="{28A0092B-C50C-407E-A947-70E740481C1C}">
+                <a14:useLocalDpi xmlns:a14="http://schemas.microsoft.com/office/drawing/2010/main" val="0"/>
+              </a:ext>
+            </a:extLst>
+          </a:blip>
+          <a:stretch>
+            <a:fillRect/>
+          </a:stretch>
+        </p:blipFill>
+        <p:spPr>
+          <a:xfrm>
+            <a:off x="3418582" y="1600200"/>
+            <a:ext cx="2545854" cy="4525962"/>
+          </a:xfrm>
+        </p:spPr>
+      </p:pic>
+    </p:spTree>
+    <p:extLst>
+      <p:ext uri="{BB962C8B-B14F-4D97-AF65-F5344CB8AC3E}">
+        <p14:creationId xmlns:p14="http://schemas.microsoft.com/office/powerpoint/2010/main" val="1755438054"/>
+      </p:ext>
+    </p:extLst>
+  </p:cSld>
+  <p:clrMapOvr>
+    <a:masterClrMapping/>
+  </p:clrMapOvr>
+  <mc:AlternateContent xmlns:mc="http://schemas.openxmlformats.org/markup-compatibility/2006" xmlns:p14="http://schemas.microsoft.com/office/powerpoint/2010/main">
+    <mc:Choice Requires="p14">
+      <p:transition p14:dur="250">
+        <p14:reveal/>
+      </p:transition>
+    </mc:Choice>
+    <mc:Fallback xmlns="">
+      <p:transition>
+        <p:fade/>
+      </p:transition>
+    </mc:Fallback>
+  </mc:AlternateContent>
+  <p:timing>
+    <p:tnLst>
+      <p:par>
+        <p:cTn id="1" dur="indefinite" restart="never" nodeType="tmRoot"/>
+      </p:par>
+    </p:tnLst>
+  </p:timing>
+</p:sld>
+</file>
+
+<file path=ppt/slides/slide9.xml><?xml version="1.0" encoding="utf-8"?>
+<p:sld xmlns:a="http://schemas.openxmlformats.org/drawingml/2006/main" xmlns:r="http://schemas.openxmlformats.org/officeDocument/2006/relationships" xmlns:p="http://schemas.openxmlformats.org/presentationml/2006/main">
+  <p:cSld>
+    <p:spTree>
+      <p:nvGrpSpPr>
+        <p:cNvPr id="1" name=""/>
+        <p:cNvGrpSpPr/>
+        <p:nvPr/>
+      </p:nvGrpSpPr>
+      <p:grpSpPr>
+        <a:xfrm>
+          <a:off x="0" y="0"/>
+          <a:ext cx="0" cy="0"/>
+          <a:chOff x="0" y="0"/>
+          <a:chExt cx="0" cy="0"/>
+        </a:xfrm>
+      </p:grpSpPr>
+      <p:sp>
+        <p:nvSpPr>
+          <p:cNvPr id="2" name="Title 1"/>
+          <p:cNvSpPr>
+            <a:spLocks noGrp="1"/>
+          </p:cNvSpPr>
+          <p:nvPr>
+            <p:ph type="title"/>
+          </p:nvPr>
+        </p:nvSpPr>
+        <p:spPr/>
+        <p:txBody>
+          <a:bodyPr/>
+          <a:lstStyle/>
+          <a:p>
+            <a:r>
+              <a:rPr lang="en-US" dirty="0" smtClean="0"/>
+              <a:t>Demo</a:t>
+            </a:r>
+            <a:endParaRPr lang="en-US" dirty="0"/>
+          </a:p>
+        </p:txBody>
+      </p:sp>
+      <p:pic>
+        <p:nvPicPr>
+          <p:cNvPr id="5" name="Content Placeholder 3"/>
+          <p:cNvPicPr>
+            <a:picLocks noChangeAspect="1"/>
+          </p:cNvPicPr>
+          <p:nvPr/>
+        </p:nvPicPr>
+        <p:blipFill>
+          <a:blip r:embed="rId2" cstate="print">
+            <a:extLst>
+              <a:ext uri="{28A0092B-C50C-407E-A947-70E740481C1C}">
+                <a14:useLocalDpi xmlns:a14="http://schemas.microsoft.com/office/drawing/2010/main" val="0"/>
+              </a:ext>
+            </a:extLst>
+          </a:blip>
+          <a:stretch>
+            <a:fillRect/>
+          </a:stretch>
+        </p:blipFill>
+        <p:spPr>
+          <a:xfrm>
+            <a:off x="2012942" y="1600200"/>
+            <a:ext cx="2545854" cy="4525962"/>
+          </a:xfrm>
+          <a:prstGeom prst="rect">
+            <a:avLst/>
+          </a:prstGeom>
+        </p:spPr>
+      </p:pic>
+      <p:pic>
+        <p:nvPicPr>
+          <p:cNvPr id="6" name="Content Placeholder 3"/>
+          <p:cNvPicPr>
+            <a:picLocks noChangeAspect="1"/>
+          </p:cNvPicPr>
+          <p:nvPr/>
+        </p:nvPicPr>
+        <p:blipFill>
+          <a:blip r:embed="rId3" cstate="print">
+            <a:extLst>
+              <a:ext uri="{28A0092B-C50C-407E-A947-70E740481C1C}">
+                <a14:useLocalDpi xmlns:a14="http://schemas.microsoft.com/office/drawing/2010/main" val="0"/>
+              </a:ext>
+            </a:extLst>
+          </a:blip>
+          <a:stretch>
+            <a:fillRect/>
+          </a:stretch>
+        </p:blipFill>
+        <p:spPr>
+          <a:xfrm>
+            <a:off x="4821924" y="1600200"/>
+            <a:ext cx="2545853" cy="4525962"/>
+          </a:xfrm>
+          <a:prstGeom prst="rect">
+            <a:avLst/>
+          </a:prstGeom>
+        </p:spPr>
+      </p:pic>
+      <p:pic>
+        <p:nvPicPr>
+          <p:cNvPr id="8" name="Content Placeholder 3"/>
+          <p:cNvPicPr>
+            <a:picLocks noChangeAspect="1"/>
+          </p:cNvPicPr>
+          <p:nvPr/>
+        </p:nvPicPr>
+        <p:blipFill>
+          <a:blip r:embed="rId4" cstate="print">
+            <a:extLst>
+              <a:ext uri="{28A0092B-C50C-407E-A947-70E740481C1C}">
+                <a14:useLocalDpi xmlns:a14="http://schemas.microsoft.com/office/drawing/2010/main" val="0"/>
+              </a:ext>
+            </a:extLst>
+          </a:blip>
+          <a:stretch>
+            <a:fillRect/>
+          </a:stretch>
+        </p:blipFill>
+        <p:spPr>
+          <a:xfrm>
+            <a:off x="7633205" y="1600200"/>
+            <a:ext cx="2545854" cy="4525962"/>
+          </a:xfrm>
+          <a:prstGeom prst="rect">
+            <a:avLst/>
+          </a:prstGeom>
+        </p:spPr>
+      </p:pic>
+    </p:spTree>
+    <p:extLst>
+      <p:ext uri="{BB962C8B-B14F-4D97-AF65-F5344CB8AC3E}">
+        <p14:creationId xmlns:p14="http://schemas.microsoft.com/office/powerpoint/2010/main" val="2885989042"/>
       </p:ext>
     </p:extLst>
   </p:cSld>

--- a/I've been doing some syncing.pptx
+++ b/I've been doing some syncing.pptx
@@ -5,22 +5,26 @@
     <p:sldMasterId id="2147483660" r:id="rId1"/>
   </p:sldMasterIdLst>
   <p:notesMasterIdLst>
-    <p:notesMasterId r:id="rId15"/>
+    <p:notesMasterId r:id="rId19"/>
   </p:notesMasterIdLst>
   <p:sldIdLst>
     <p:sldId id="256" r:id="rId2"/>
     <p:sldId id="300" r:id="rId3"/>
-    <p:sldId id="299" r:id="rId4"/>
-    <p:sldId id="298" r:id="rId5"/>
-    <p:sldId id="301" r:id="rId6"/>
-    <p:sldId id="293" r:id="rId7"/>
-    <p:sldId id="292" r:id="rId8"/>
-    <p:sldId id="296" r:id="rId9"/>
-    <p:sldId id="297" r:id="rId10"/>
-    <p:sldId id="291" r:id="rId11"/>
-    <p:sldId id="294" r:id="rId12"/>
-    <p:sldId id="295" r:id="rId13"/>
-    <p:sldId id="290" r:id="rId14"/>
+    <p:sldId id="304" r:id="rId4"/>
+    <p:sldId id="302" r:id="rId5"/>
+    <p:sldId id="303" r:id="rId6"/>
+    <p:sldId id="299" r:id="rId7"/>
+    <p:sldId id="298" r:id="rId8"/>
+    <p:sldId id="301" r:id="rId9"/>
+    <p:sldId id="305" r:id="rId10"/>
+    <p:sldId id="293" r:id="rId11"/>
+    <p:sldId id="292" r:id="rId12"/>
+    <p:sldId id="296" r:id="rId13"/>
+    <p:sldId id="297" r:id="rId14"/>
+    <p:sldId id="291" r:id="rId15"/>
+    <p:sldId id="294" r:id="rId16"/>
+    <p:sldId id="295" r:id="rId17"/>
+    <p:sldId id="290" r:id="rId18"/>
   </p:sldIdLst>
   <p:sldSz cx="12192000" cy="6858000"/>
   <p:notesSz cx="6858000" cy="9144000"/>
@@ -556,7 +560,7 @@
             <a:fld id="{375B649D-962F-434C-B1D1-0A0101E8CDA0}" type="slidenum">
               <a:rPr lang="nl-NL" smtClean="0"/>
               <a:pPr/>
-              <a:t>10</a:t>
+              <a:t>14</a:t>
             </a:fld>
             <a:endParaRPr lang="nl-NL"/>
           </a:p>
@@ -11596,7 +11600,7 @@
 </file>
 
 <file path=ppt/slides/slide10.xml><?xml version="1.0" encoding="utf-8"?>
-<p:sld xmlns:a="http://schemas.openxmlformats.org/drawingml/2006/main" xmlns:r="http://schemas.openxmlformats.org/officeDocument/2006/relationships" xmlns:p="http://schemas.openxmlformats.org/presentationml/2006/main">
+<p:sld xmlns:a="http://schemas.openxmlformats.org/drawingml/2006/main" xmlns:r="http://schemas.openxmlformats.org/officeDocument/2006/relationships" xmlns:p="http://schemas.openxmlformats.org/presentationml/2006/main" show="0">
   <p:cSld>
     <p:spTree>
       <p:nvGrpSpPr>
@@ -11624,1310 +11628,123 @@
         </p:nvSpPr>
         <p:spPr/>
         <p:txBody>
-          <a:bodyPr>
-            <a:normAutofit fontScale="90000"/>
-          </a:bodyPr>
+          <a:bodyPr/>
           <a:lstStyle/>
           <a:p>
-            <a:r>
-              <a:rPr lang="en-US" dirty="0"/>
-              <a:t>Extend the base sync adapter class </a:t>
-            </a:r>
-            <a:r>
-              <a:rPr lang="en-US" dirty="0" err="1"/>
-              <a:t>AbstractThreadedSyncAdapter</a:t>
-            </a:r>
-            <a:endParaRPr lang="en-US" dirty="0"/>
-          </a:p>
-        </p:txBody>
-      </p:sp>
-      <p:sp>
-        <p:nvSpPr>
-          <p:cNvPr id="5" name="Rectangle 1"/>
+            <a:endParaRPr lang="en-US"/>
+          </a:p>
+        </p:txBody>
+      </p:sp>
+      <p:sp>
+        <p:nvSpPr>
+          <p:cNvPr id="4" name="Content Placeholder 3"/>
           <p:cNvSpPr>
-            <a:spLocks noGrp="1" noChangeArrowheads="1"/>
+            <a:spLocks noGrp="1"/>
           </p:cNvSpPr>
           <p:nvPr>
             <p:ph idx="1"/>
           </p:nvPr>
         </p:nvSpPr>
-        <p:spPr bwMode="auto">
-          <a:xfrm>
-            <a:off x="983432" y="1818982"/>
-            <a:ext cx="7383431" cy="4462760"/>
-          </a:xfrm>
-          <a:prstGeom prst="rect">
-            <a:avLst/>
-          </a:prstGeom>
-          <a:solidFill>
-            <a:srgbClr val="F7F7F7"/>
-          </a:solidFill>
-          <a:ln>
-            <a:noFill/>
-          </a:ln>
-          <a:effectLst/>
-          <a:extLst>
-            <a:ext uri="{91240B29-F687-4F45-9708-019B960494DF}">
-              <a14:hiddenLine xmlns:a14="http://schemas.microsoft.com/office/drawing/2010/main" w="9525">
-                <a:solidFill>
-                  <a:schemeClr val="tx1"/>
-                </a:solidFill>
-                <a:miter lim="800000"/>
-                <a:headEnd/>
-                <a:tailEnd/>
-              </a14:hiddenLine>
-            </a:ext>
-            <a:ext uri="{AF507438-7753-43E0-B8FC-AC1667EBCBE1}">
-              <a14:hiddenEffects xmlns:a14="http://schemas.microsoft.com/office/drawing/2010/main">
-                <a:effectLst>
-                  <a:outerShdw dist="35921" dir="2700000" algn="ctr" rotWithShape="0">
-                    <a:schemeClr val="bg2"/>
-                  </a:outerShdw>
-                </a:effectLst>
-              </a14:hiddenEffects>
-            </a:ext>
-          </a:extLst>
-        </p:spPr>
-        <p:txBody>
-          <a:bodyPr vert="horz" wrap="none" lIns="457200" tIns="182880" rIns="457200" bIns="182880" numCol="1" anchor="ctr" anchorCtr="0" compatLnSpc="1">
-            <a:prstTxWarp prst="textNoShape">
-              <a:avLst/>
-            </a:prstTxWarp>
-            <a:spAutoFit/>
+        <p:spPr/>
+        <p:txBody>
+          <a:bodyPr>
+            <a:normAutofit fontScale="92500" lnSpcReduction="10000"/>
           </a:bodyPr>
           <a:lstStyle/>
           <a:p>
-            <a:pPr marL="0" marR="0" lvl="0" indent="0" algn="l" defTabSz="914400" rtl="0" eaLnBrk="0" fontAlgn="base" latinLnBrk="0" hangingPunct="0">
-              <a:lnSpc>
-                <a:spcPct val="100000"/>
-              </a:lnSpc>
-              <a:spcBef>
-                <a:spcPct val="0"/>
-              </a:spcBef>
-              <a:spcAft>
-                <a:spcPct val="0"/>
-              </a:spcAft>
-              <a:buClrTx/>
-              <a:buSzTx/>
-              <a:buFontTx/>
-              <a:buNone/>
-              <a:tabLst/>
-            </a:pPr>
-            <a:r>
-              <a:rPr kumimoji="0" lang="en-US" altLang="en-US" sz="1400" b="0" i="0" u="none" strike="noStrike" cap="none" normalizeH="0" baseline="0" dirty="0" smtClean="0">
-                <a:ln>
-                  <a:noFill/>
-                </a:ln>
-                <a:solidFill>
-                  <a:srgbClr val="006600"/>
-                </a:solidFill>
-                <a:effectLst/>
-                <a:latin typeface="Consolas" panose="020B0609020204030204" pitchFamily="49" charset="0"/>
-              </a:rPr>
-              <a:t>/**</a:t>
-            </a:r>
-            <a:br>
-              <a:rPr kumimoji="0" lang="en-US" altLang="en-US" sz="1400" b="0" i="0" u="none" strike="noStrike" cap="none" normalizeH="0" baseline="0" dirty="0" smtClean="0">
-                <a:ln>
-                  <a:noFill/>
-                </a:ln>
-                <a:solidFill>
-                  <a:srgbClr val="006600"/>
-                </a:solidFill>
-                <a:effectLst/>
-                <a:latin typeface="Consolas" panose="020B0609020204030204" pitchFamily="49" charset="0"/>
-              </a:rPr>
-            </a:br>
-            <a:r>
-              <a:rPr kumimoji="0" lang="en-US" altLang="en-US" sz="1400" b="0" i="0" u="none" strike="noStrike" cap="none" normalizeH="0" baseline="0" dirty="0" smtClean="0">
-                <a:ln>
-                  <a:noFill/>
-                </a:ln>
-                <a:solidFill>
-                  <a:srgbClr val="006600"/>
-                </a:solidFill>
-                <a:effectLst/>
-                <a:latin typeface="Consolas" panose="020B0609020204030204" pitchFamily="49" charset="0"/>
-              </a:rPr>
-              <a:t> * Handle the transfer of data between a server and an</a:t>
-            </a:r>
-            <a:br>
-              <a:rPr kumimoji="0" lang="en-US" altLang="en-US" sz="1400" b="0" i="0" u="none" strike="noStrike" cap="none" normalizeH="0" baseline="0" dirty="0" smtClean="0">
-                <a:ln>
-                  <a:noFill/>
-                </a:ln>
-                <a:solidFill>
-                  <a:srgbClr val="006600"/>
-                </a:solidFill>
-                <a:effectLst/>
-                <a:latin typeface="Consolas" panose="020B0609020204030204" pitchFamily="49" charset="0"/>
-              </a:rPr>
-            </a:br>
-            <a:r>
-              <a:rPr kumimoji="0" lang="en-US" altLang="en-US" sz="1400" b="0" i="0" u="none" strike="noStrike" cap="none" normalizeH="0" baseline="0" dirty="0" smtClean="0">
-                <a:ln>
-                  <a:noFill/>
-                </a:ln>
-                <a:solidFill>
-                  <a:srgbClr val="006600"/>
-                </a:solidFill>
-                <a:effectLst/>
-                <a:latin typeface="Consolas" panose="020B0609020204030204" pitchFamily="49" charset="0"/>
-              </a:rPr>
-              <a:t> * app, using the Android sync adapter framework.</a:t>
-            </a:r>
-            <a:br>
-              <a:rPr kumimoji="0" lang="en-US" altLang="en-US" sz="1400" b="0" i="0" u="none" strike="noStrike" cap="none" normalizeH="0" baseline="0" dirty="0" smtClean="0">
-                <a:ln>
-                  <a:noFill/>
-                </a:ln>
-                <a:solidFill>
-                  <a:srgbClr val="006600"/>
-                </a:solidFill>
-                <a:effectLst/>
-                <a:latin typeface="Consolas" panose="020B0609020204030204" pitchFamily="49" charset="0"/>
-              </a:rPr>
-            </a:br>
-            <a:r>
-              <a:rPr kumimoji="0" lang="en-US" altLang="en-US" sz="1400" b="0" i="0" u="none" strike="noStrike" cap="none" normalizeH="0" baseline="0" dirty="0" smtClean="0">
-                <a:ln>
-                  <a:noFill/>
-                </a:ln>
-                <a:solidFill>
-                  <a:srgbClr val="006600"/>
-                </a:solidFill>
-                <a:effectLst/>
-                <a:latin typeface="Consolas" panose="020B0609020204030204" pitchFamily="49" charset="0"/>
-              </a:rPr>
-              <a:t> */</a:t>
-            </a:r>
-            <a:r>
-              <a:rPr kumimoji="0" lang="en-US" altLang="en-US" sz="1400" b="0" i="0" u="none" strike="noStrike" cap="none" normalizeH="0" baseline="0" dirty="0" smtClean="0">
-                <a:ln>
-                  <a:noFill/>
-                </a:ln>
-                <a:solidFill>
-                  <a:srgbClr val="000000"/>
-                </a:solidFill>
-                <a:effectLst/>
-                <a:latin typeface="Consolas" panose="020B0609020204030204" pitchFamily="49" charset="0"/>
-              </a:rPr>
-              <a:t/>
-            </a:r>
-            <a:br>
-              <a:rPr kumimoji="0" lang="en-US" altLang="en-US" sz="1400" b="0" i="0" u="none" strike="noStrike" cap="none" normalizeH="0" baseline="0" dirty="0" smtClean="0">
-                <a:ln>
-                  <a:noFill/>
-                </a:ln>
-                <a:solidFill>
-                  <a:srgbClr val="000000"/>
-                </a:solidFill>
-                <a:effectLst/>
-                <a:latin typeface="Consolas" panose="020B0609020204030204" pitchFamily="49" charset="0"/>
-              </a:rPr>
-            </a:br>
-            <a:r>
-              <a:rPr kumimoji="0" lang="en-US" altLang="en-US" sz="1400" b="0" i="0" u="none" strike="noStrike" cap="none" normalizeH="0" baseline="0" dirty="0" smtClean="0">
-                <a:ln>
-                  <a:noFill/>
-                </a:ln>
-                <a:solidFill>
-                  <a:srgbClr val="000088"/>
-                </a:solidFill>
-                <a:effectLst/>
-                <a:latin typeface="Consolas" panose="020B0609020204030204" pitchFamily="49" charset="0"/>
-              </a:rPr>
-              <a:t>public</a:t>
-            </a:r>
-            <a:r>
-              <a:rPr kumimoji="0" lang="en-US" altLang="en-US" sz="1400" b="0" i="0" u="none" strike="noStrike" cap="none" normalizeH="0" baseline="0" dirty="0" smtClean="0">
-                <a:ln>
-                  <a:noFill/>
-                </a:ln>
-                <a:solidFill>
-                  <a:srgbClr val="000000"/>
-                </a:solidFill>
-                <a:effectLst/>
-                <a:latin typeface="Consolas" panose="020B0609020204030204" pitchFamily="49" charset="0"/>
-              </a:rPr>
-              <a:t> </a:t>
-            </a:r>
-            <a:r>
-              <a:rPr kumimoji="0" lang="en-US" altLang="en-US" sz="1400" b="0" i="0" u="none" strike="noStrike" cap="none" normalizeH="0" baseline="0" dirty="0" smtClean="0">
-                <a:ln>
-                  <a:noFill/>
-                </a:ln>
-                <a:solidFill>
-                  <a:srgbClr val="000088"/>
-                </a:solidFill>
-                <a:effectLst/>
-                <a:latin typeface="Consolas" panose="020B0609020204030204" pitchFamily="49" charset="0"/>
-              </a:rPr>
-              <a:t>class</a:t>
-            </a:r>
-            <a:r>
-              <a:rPr kumimoji="0" lang="en-US" altLang="en-US" sz="1400" b="0" i="0" u="none" strike="noStrike" cap="none" normalizeH="0" baseline="0" dirty="0" smtClean="0">
-                <a:ln>
-                  <a:noFill/>
-                </a:ln>
-                <a:solidFill>
-                  <a:srgbClr val="000000"/>
-                </a:solidFill>
-                <a:effectLst/>
-                <a:latin typeface="Consolas" panose="020B0609020204030204" pitchFamily="49" charset="0"/>
-              </a:rPr>
-              <a:t> </a:t>
-            </a:r>
-            <a:r>
-              <a:rPr kumimoji="0" lang="en-US" altLang="en-US" sz="1400" b="0" i="0" u="none" strike="noStrike" cap="none" normalizeH="0" baseline="0" dirty="0" err="1" smtClean="0">
-                <a:ln>
-                  <a:noFill/>
-                </a:ln>
-                <a:solidFill>
-                  <a:srgbClr val="660066"/>
-                </a:solidFill>
-                <a:effectLst/>
-                <a:latin typeface="Consolas" panose="020B0609020204030204" pitchFamily="49" charset="0"/>
-              </a:rPr>
-              <a:t>SyncAdapter</a:t>
-            </a:r>
-            <a:r>
-              <a:rPr kumimoji="0" lang="en-US" altLang="en-US" sz="1400" b="0" i="0" u="none" strike="noStrike" cap="none" normalizeH="0" baseline="0" dirty="0" smtClean="0">
-                <a:ln>
-                  <a:noFill/>
-                </a:ln>
-                <a:solidFill>
-                  <a:srgbClr val="000000"/>
-                </a:solidFill>
-                <a:effectLst/>
-                <a:latin typeface="Consolas" panose="020B0609020204030204" pitchFamily="49" charset="0"/>
-              </a:rPr>
-              <a:t> </a:t>
-            </a:r>
-            <a:r>
-              <a:rPr kumimoji="0" lang="en-US" altLang="en-US" sz="1400" b="0" i="0" u="none" strike="noStrike" cap="none" normalizeH="0" baseline="0" dirty="0" smtClean="0">
-                <a:ln>
-                  <a:noFill/>
-                </a:ln>
-                <a:solidFill>
-                  <a:srgbClr val="000088"/>
-                </a:solidFill>
-                <a:effectLst/>
-                <a:latin typeface="Consolas" panose="020B0609020204030204" pitchFamily="49" charset="0"/>
-              </a:rPr>
-              <a:t>extends</a:t>
-            </a:r>
-            <a:r>
-              <a:rPr kumimoji="0" lang="en-US" altLang="en-US" sz="1400" b="0" i="0" u="none" strike="noStrike" cap="none" normalizeH="0" baseline="0" dirty="0" smtClean="0">
-                <a:ln>
-                  <a:noFill/>
-                </a:ln>
-                <a:solidFill>
-                  <a:srgbClr val="000000"/>
-                </a:solidFill>
-                <a:effectLst/>
-                <a:latin typeface="Consolas" panose="020B0609020204030204" pitchFamily="49" charset="0"/>
-              </a:rPr>
-              <a:t> </a:t>
-            </a:r>
-            <a:r>
-              <a:rPr kumimoji="0" lang="en-US" altLang="en-US" sz="1400" b="0" i="0" u="none" strike="noStrike" cap="none" normalizeH="0" baseline="0" dirty="0" err="1" smtClean="0">
-                <a:ln>
-                  <a:noFill/>
-                </a:ln>
-                <a:solidFill>
-                  <a:srgbClr val="660066"/>
-                </a:solidFill>
-                <a:effectLst/>
-                <a:latin typeface="Consolas" panose="020B0609020204030204" pitchFamily="49" charset="0"/>
-              </a:rPr>
-              <a:t>AbstractThreadedSyncAdapter</a:t>
-            </a:r>
-            <a:r>
-              <a:rPr kumimoji="0" lang="en-US" altLang="en-US" sz="1400" b="0" i="0" u="none" strike="noStrike" cap="none" normalizeH="0" baseline="0" dirty="0" smtClean="0">
-                <a:ln>
-                  <a:noFill/>
-                </a:ln>
-                <a:solidFill>
-                  <a:srgbClr val="000000"/>
-                </a:solidFill>
-                <a:effectLst/>
-                <a:latin typeface="Consolas" panose="020B0609020204030204" pitchFamily="49" charset="0"/>
-              </a:rPr>
-              <a:t> </a:t>
-            </a:r>
-            <a:r>
-              <a:rPr kumimoji="0" lang="en-US" altLang="en-US" sz="1400" b="0" i="0" u="none" strike="noStrike" cap="none" normalizeH="0" baseline="0" dirty="0" smtClean="0">
-                <a:ln>
-                  <a:noFill/>
-                </a:ln>
-                <a:solidFill>
-                  <a:srgbClr val="666600"/>
-                </a:solidFill>
-                <a:effectLst/>
-                <a:latin typeface="Consolas" panose="020B0609020204030204" pitchFamily="49" charset="0"/>
-              </a:rPr>
-              <a:t>{</a:t>
-            </a:r>
-            <a:endParaRPr kumimoji="0" lang="en-US" altLang="en-US" sz="1400" b="0" i="0" u="none" strike="noStrike" cap="none" normalizeH="0" baseline="0" dirty="0" smtClean="0">
-              <a:ln>
-                <a:noFill/>
-              </a:ln>
-              <a:solidFill>
-                <a:schemeClr val="tx1"/>
-              </a:solidFill>
-              <a:effectLst/>
-              <a:latin typeface="Consolas" panose="020B0609020204030204" pitchFamily="49" charset="0"/>
-            </a:endParaRPr>
-          </a:p>
-          <a:p>
-            <a:pPr marL="0" indent="0" eaLnBrk="0" fontAlgn="base" hangingPunct="0">
-              <a:spcBef>
-                <a:spcPct val="0"/>
-              </a:spcBef>
-              <a:spcAft>
-                <a:spcPct val="0"/>
-              </a:spcAft>
-              <a:buNone/>
-            </a:pPr>
-            <a:r>
-              <a:rPr lang="en-US" altLang="en-US" sz="1400" dirty="0" smtClean="0">
-                <a:solidFill>
-                  <a:srgbClr val="006600"/>
-                </a:solidFill>
-                <a:latin typeface="Consolas" panose="020B0609020204030204" pitchFamily="49" charset="0"/>
-              </a:rPr>
-              <a:t>    /**</a:t>
-            </a:r>
-            <a:r>
-              <a:rPr lang="en-US" altLang="en-US" sz="1400" dirty="0">
-                <a:solidFill>
-                  <a:srgbClr val="006600"/>
-                </a:solidFill>
-                <a:latin typeface="Consolas" panose="020B0609020204030204" pitchFamily="49" charset="0"/>
-              </a:rPr>
-              <a:t/>
-            </a:r>
-            <a:br>
-              <a:rPr lang="en-US" altLang="en-US" sz="1400" dirty="0">
-                <a:solidFill>
-                  <a:srgbClr val="006600"/>
-                </a:solidFill>
-                <a:latin typeface="Consolas" panose="020B0609020204030204" pitchFamily="49" charset="0"/>
-              </a:rPr>
-            </a:br>
-            <a:r>
-              <a:rPr lang="en-US" altLang="en-US" sz="1400" dirty="0">
-                <a:solidFill>
-                  <a:srgbClr val="006600"/>
-                </a:solidFill>
-                <a:latin typeface="Consolas" panose="020B0609020204030204" pitchFamily="49" charset="0"/>
-              </a:rPr>
-              <a:t>     * Set up the sync adapter</a:t>
-            </a:r>
-            <a:br>
-              <a:rPr lang="en-US" altLang="en-US" sz="1400" dirty="0">
-                <a:solidFill>
-                  <a:srgbClr val="006600"/>
-                </a:solidFill>
-                <a:latin typeface="Consolas" panose="020B0609020204030204" pitchFamily="49" charset="0"/>
-              </a:rPr>
-            </a:br>
-            <a:r>
-              <a:rPr lang="en-US" altLang="en-US" sz="1400" dirty="0">
-                <a:solidFill>
-                  <a:srgbClr val="006600"/>
-                </a:solidFill>
-                <a:latin typeface="Consolas" panose="020B0609020204030204" pitchFamily="49" charset="0"/>
-              </a:rPr>
-              <a:t>     */</a:t>
-            </a:r>
-            <a:r>
-              <a:rPr lang="en-US" altLang="en-US" sz="1400" dirty="0">
-                <a:solidFill>
-                  <a:srgbClr val="000000"/>
-                </a:solidFill>
-                <a:latin typeface="Consolas" panose="020B0609020204030204" pitchFamily="49" charset="0"/>
-              </a:rPr>
-              <a:t/>
-            </a:r>
-            <a:br>
-              <a:rPr lang="en-US" altLang="en-US" sz="1400" dirty="0">
-                <a:solidFill>
-                  <a:srgbClr val="000000"/>
-                </a:solidFill>
-                <a:latin typeface="Consolas" panose="020B0609020204030204" pitchFamily="49" charset="0"/>
-              </a:rPr>
-            </a:br>
-            <a:r>
-              <a:rPr lang="en-US" altLang="en-US" sz="1400" dirty="0">
-                <a:solidFill>
-                  <a:srgbClr val="000000"/>
-                </a:solidFill>
-                <a:latin typeface="Consolas" panose="020B0609020204030204" pitchFamily="49" charset="0"/>
-              </a:rPr>
-              <a:t>    </a:t>
-            </a:r>
-            <a:r>
-              <a:rPr lang="en-US" altLang="en-US" sz="1400" dirty="0">
-                <a:solidFill>
-                  <a:srgbClr val="000088"/>
-                </a:solidFill>
-                <a:latin typeface="Consolas" panose="020B0609020204030204" pitchFamily="49" charset="0"/>
-              </a:rPr>
-              <a:t>public</a:t>
-            </a:r>
-            <a:r>
-              <a:rPr lang="en-US" altLang="en-US" sz="1400" dirty="0">
-                <a:solidFill>
-                  <a:srgbClr val="000000"/>
-                </a:solidFill>
-                <a:latin typeface="Consolas" panose="020B0609020204030204" pitchFamily="49" charset="0"/>
-              </a:rPr>
-              <a:t> </a:t>
-            </a:r>
-            <a:r>
-              <a:rPr lang="en-US" altLang="en-US" sz="1400" dirty="0" err="1">
-                <a:solidFill>
-                  <a:srgbClr val="660066"/>
-                </a:solidFill>
-                <a:latin typeface="Consolas" panose="020B0609020204030204" pitchFamily="49" charset="0"/>
-              </a:rPr>
-              <a:t>SyncAdapter</a:t>
-            </a:r>
-            <a:r>
-              <a:rPr lang="en-US" altLang="en-US" sz="1400" dirty="0">
-                <a:solidFill>
-                  <a:srgbClr val="666600"/>
-                </a:solidFill>
-                <a:latin typeface="Consolas" panose="020B0609020204030204" pitchFamily="49" charset="0"/>
-              </a:rPr>
-              <a:t>(</a:t>
-            </a:r>
-            <a:r>
-              <a:rPr lang="en-US" altLang="en-US" sz="1400" dirty="0">
-                <a:solidFill>
-                  <a:srgbClr val="660066"/>
-                </a:solidFill>
-                <a:latin typeface="Consolas" panose="020B0609020204030204" pitchFamily="49" charset="0"/>
-              </a:rPr>
-              <a:t>Context</a:t>
-            </a:r>
-            <a:r>
-              <a:rPr lang="en-US" altLang="en-US" sz="1400" dirty="0">
-                <a:solidFill>
-                  <a:srgbClr val="000000"/>
-                </a:solidFill>
-                <a:latin typeface="Consolas" panose="020B0609020204030204" pitchFamily="49" charset="0"/>
-              </a:rPr>
-              <a:t> </a:t>
-            </a:r>
-            <a:r>
-              <a:rPr lang="en-US" altLang="en-US" sz="1400" dirty="0" err="1">
-                <a:solidFill>
-                  <a:srgbClr val="000000"/>
-                </a:solidFill>
-                <a:latin typeface="Consolas" panose="020B0609020204030204" pitchFamily="49" charset="0"/>
-              </a:rPr>
-              <a:t>context</a:t>
-            </a:r>
-            <a:r>
-              <a:rPr lang="en-US" altLang="en-US" sz="1400" dirty="0">
-                <a:solidFill>
-                  <a:srgbClr val="666600"/>
-                </a:solidFill>
-                <a:latin typeface="Consolas" panose="020B0609020204030204" pitchFamily="49" charset="0"/>
-              </a:rPr>
-              <a:t>,</a:t>
-            </a:r>
-            <a:r>
-              <a:rPr lang="en-US" altLang="en-US" sz="1400" dirty="0">
-                <a:solidFill>
-                  <a:srgbClr val="000000"/>
-                </a:solidFill>
-                <a:latin typeface="Consolas" panose="020B0609020204030204" pitchFamily="49" charset="0"/>
-              </a:rPr>
-              <a:t> </a:t>
-            </a:r>
-            <a:r>
-              <a:rPr lang="en-US" altLang="en-US" sz="1400" dirty="0" err="1">
-                <a:solidFill>
-                  <a:srgbClr val="000088"/>
-                </a:solidFill>
-                <a:latin typeface="Consolas" panose="020B0609020204030204" pitchFamily="49" charset="0"/>
-              </a:rPr>
-              <a:t>boolean</a:t>
-            </a:r>
-            <a:r>
-              <a:rPr lang="en-US" altLang="en-US" sz="1400" dirty="0">
-                <a:solidFill>
-                  <a:srgbClr val="000000"/>
-                </a:solidFill>
-                <a:latin typeface="Consolas" panose="020B0609020204030204" pitchFamily="49" charset="0"/>
-              </a:rPr>
-              <a:t> </a:t>
-            </a:r>
-            <a:r>
-              <a:rPr lang="en-US" altLang="en-US" sz="1400" dirty="0" err="1">
-                <a:solidFill>
-                  <a:srgbClr val="000000"/>
-                </a:solidFill>
-                <a:latin typeface="Consolas" panose="020B0609020204030204" pitchFamily="49" charset="0"/>
-              </a:rPr>
-              <a:t>autoInitialize</a:t>
-            </a:r>
-            <a:r>
-              <a:rPr lang="en-US" altLang="en-US" sz="1400" dirty="0">
-                <a:solidFill>
-                  <a:srgbClr val="666600"/>
-                </a:solidFill>
-                <a:latin typeface="Consolas" panose="020B0609020204030204" pitchFamily="49" charset="0"/>
-              </a:rPr>
-              <a:t>)</a:t>
-            </a:r>
-            <a:r>
-              <a:rPr lang="en-US" altLang="en-US" sz="1400" dirty="0">
-                <a:solidFill>
-                  <a:srgbClr val="000000"/>
-                </a:solidFill>
-                <a:latin typeface="Consolas" panose="020B0609020204030204" pitchFamily="49" charset="0"/>
-              </a:rPr>
-              <a:t> </a:t>
-            </a:r>
-            <a:r>
-              <a:rPr lang="en-US" altLang="en-US" sz="1400" dirty="0" smtClean="0">
-                <a:solidFill>
-                  <a:srgbClr val="666600"/>
-                </a:solidFill>
-                <a:latin typeface="Consolas" panose="020B0609020204030204" pitchFamily="49" charset="0"/>
-              </a:rPr>
-              <a:t>{</a:t>
-            </a:r>
-          </a:p>
-          <a:p>
-            <a:pPr marL="0" lvl="0" indent="0" eaLnBrk="0" fontAlgn="base" hangingPunct="0">
-              <a:spcBef>
-                <a:spcPct val="0"/>
-              </a:spcBef>
-              <a:spcAft>
-                <a:spcPct val="0"/>
-              </a:spcAft>
-              <a:buNone/>
-            </a:pPr>
-            <a:r>
-              <a:rPr lang="en-US" altLang="en-US" sz="1400" dirty="0" smtClean="0">
-                <a:solidFill>
-                  <a:srgbClr val="000088"/>
-                </a:solidFill>
-                <a:latin typeface="Consolas" panose="020B0609020204030204" pitchFamily="49" charset="0"/>
-              </a:rPr>
-              <a:t>        super</a:t>
-            </a:r>
-            <a:r>
-              <a:rPr lang="en-US" altLang="en-US" sz="1400" dirty="0" smtClean="0">
-                <a:solidFill>
-                  <a:srgbClr val="666600"/>
-                </a:solidFill>
-                <a:latin typeface="Consolas" panose="020B0609020204030204" pitchFamily="49" charset="0"/>
-              </a:rPr>
-              <a:t>(</a:t>
-            </a:r>
-            <a:r>
-              <a:rPr lang="en-US" altLang="en-US" sz="1400" dirty="0" smtClean="0">
-                <a:solidFill>
-                  <a:srgbClr val="000000"/>
-                </a:solidFill>
-                <a:latin typeface="Consolas" panose="020B0609020204030204" pitchFamily="49" charset="0"/>
-              </a:rPr>
-              <a:t>context</a:t>
-            </a:r>
-            <a:r>
-              <a:rPr lang="en-US" altLang="en-US" sz="1400" dirty="0">
-                <a:solidFill>
-                  <a:srgbClr val="666600"/>
-                </a:solidFill>
-                <a:latin typeface="Consolas" panose="020B0609020204030204" pitchFamily="49" charset="0"/>
-              </a:rPr>
-              <a:t>,</a:t>
-            </a:r>
-            <a:r>
-              <a:rPr lang="en-US" altLang="en-US" sz="1400" dirty="0">
-                <a:solidFill>
-                  <a:srgbClr val="000000"/>
-                </a:solidFill>
-                <a:latin typeface="Consolas" panose="020B0609020204030204" pitchFamily="49" charset="0"/>
-              </a:rPr>
-              <a:t> </a:t>
-            </a:r>
-            <a:r>
-              <a:rPr lang="en-US" altLang="en-US" sz="1400" dirty="0" err="1">
-                <a:solidFill>
-                  <a:srgbClr val="000000"/>
-                </a:solidFill>
-                <a:latin typeface="Consolas" panose="020B0609020204030204" pitchFamily="49" charset="0"/>
-              </a:rPr>
-              <a:t>autoInitialize</a:t>
-            </a:r>
-            <a:r>
-              <a:rPr lang="en-US" altLang="en-US" sz="1400" dirty="0" smtClean="0">
-                <a:solidFill>
-                  <a:srgbClr val="666600"/>
-                </a:solidFill>
-                <a:latin typeface="Consolas" panose="020B0609020204030204" pitchFamily="49" charset="0"/>
-              </a:rPr>
-              <a:t>);</a:t>
-            </a:r>
-          </a:p>
-          <a:p>
-            <a:pPr marL="0" indent="0" eaLnBrk="0" fontAlgn="base" hangingPunct="0">
-              <a:spcBef>
-                <a:spcPct val="0"/>
-              </a:spcBef>
-              <a:spcAft>
-                <a:spcPct val="0"/>
-              </a:spcAft>
-              <a:buNone/>
-            </a:pPr>
-            <a:r>
-              <a:rPr lang="en-US" altLang="en-US" sz="1400" dirty="0">
-                <a:solidFill>
-                  <a:srgbClr val="666600"/>
-                </a:solidFill>
-                <a:latin typeface="Consolas" panose="020B0609020204030204" pitchFamily="49" charset="0"/>
-              </a:rPr>
-              <a:t> </a:t>
-            </a:r>
-            <a:r>
-              <a:rPr lang="en-US" altLang="en-US" sz="1400" dirty="0" smtClean="0">
-                <a:solidFill>
-                  <a:srgbClr val="666600"/>
-                </a:solidFill>
-                <a:latin typeface="Consolas" panose="020B0609020204030204" pitchFamily="49" charset="0"/>
-              </a:rPr>
-              <a:t>   }</a:t>
-            </a:r>
-          </a:p>
-          <a:p>
-            <a:pPr marL="0" indent="0" eaLnBrk="0" fontAlgn="base" hangingPunct="0">
-              <a:spcBef>
-                <a:spcPct val="0"/>
-              </a:spcBef>
-              <a:spcAft>
-                <a:spcPct val="0"/>
-              </a:spcAft>
-              <a:buNone/>
-            </a:pPr>
-            <a:endParaRPr lang="en-US" altLang="en-US" sz="1400" dirty="0" smtClean="0">
-              <a:solidFill>
-                <a:schemeClr val="tx1"/>
-              </a:solidFill>
-              <a:latin typeface="Consolas" panose="020B0609020204030204" pitchFamily="49" charset="0"/>
-            </a:endParaRPr>
-          </a:p>
-          <a:p>
-            <a:pPr marL="0" lvl="0" indent="0" eaLnBrk="0" fontAlgn="base" hangingPunct="0">
-              <a:spcBef>
-                <a:spcPct val="0"/>
-              </a:spcBef>
-              <a:spcAft>
-                <a:spcPct val="0"/>
-              </a:spcAft>
-              <a:buNone/>
-            </a:pPr>
-            <a:r>
-              <a:rPr lang="en-US" altLang="en-US" sz="1400" dirty="0" smtClean="0">
-                <a:solidFill>
-                  <a:srgbClr val="000088"/>
-                </a:solidFill>
-                <a:latin typeface="Consolas" panose="020B0609020204030204" pitchFamily="49" charset="0"/>
-              </a:rPr>
-              <a:t>    public</a:t>
-            </a:r>
-            <a:r>
-              <a:rPr lang="en-US" altLang="en-US" sz="1400" dirty="0" smtClean="0">
-                <a:solidFill>
-                  <a:srgbClr val="000000"/>
-                </a:solidFill>
-                <a:latin typeface="Consolas" panose="020B0609020204030204" pitchFamily="49" charset="0"/>
-              </a:rPr>
-              <a:t> </a:t>
-            </a:r>
-            <a:r>
-              <a:rPr lang="en-US" altLang="en-US" sz="1400" dirty="0" err="1">
-                <a:solidFill>
-                  <a:srgbClr val="660066"/>
-                </a:solidFill>
-                <a:latin typeface="Consolas" panose="020B0609020204030204" pitchFamily="49" charset="0"/>
-              </a:rPr>
-              <a:t>SyncAdapter</a:t>
-            </a:r>
-            <a:r>
-              <a:rPr lang="en-US" altLang="en-US" sz="1400" dirty="0">
-                <a:solidFill>
-                  <a:srgbClr val="666600"/>
-                </a:solidFill>
-                <a:latin typeface="Consolas" panose="020B0609020204030204" pitchFamily="49" charset="0"/>
-              </a:rPr>
-              <a:t>(</a:t>
-            </a:r>
-            <a:r>
-              <a:rPr lang="en-US" altLang="en-US" sz="1400" dirty="0">
-                <a:solidFill>
-                  <a:srgbClr val="000000"/>
-                </a:solidFill>
-                <a:latin typeface="Consolas" panose="020B0609020204030204" pitchFamily="49" charset="0"/>
-              </a:rPr>
-              <a:t/>
-            </a:r>
-            <a:br>
-              <a:rPr lang="en-US" altLang="en-US" sz="1400" dirty="0">
-                <a:solidFill>
-                  <a:srgbClr val="000000"/>
-                </a:solidFill>
-                <a:latin typeface="Consolas" panose="020B0609020204030204" pitchFamily="49" charset="0"/>
-              </a:rPr>
-            </a:br>
-            <a:r>
-              <a:rPr lang="en-US" altLang="en-US" sz="1400" dirty="0">
-                <a:solidFill>
-                  <a:srgbClr val="000000"/>
-                </a:solidFill>
-                <a:latin typeface="Consolas" panose="020B0609020204030204" pitchFamily="49" charset="0"/>
-              </a:rPr>
-              <a:t>            </a:t>
-            </a:r>
-            <a:r>
-              <a:rPr lang="en-US" altLang="en-US" sz="1400" dirty="0">
-                <a:solidFill>
-                  <a:srgbClr val="660066"/>
-                </a:solidFill>
-                <a:latin typeface="Consolas" panose="020B0609020204030204" pitchFamily="49" charset="0"/>
-              </a:rPr>
-              <a:t>Context</a:t>
-            </a:r>
-            <a:r>
-              <a:rPr lang="en-US" altLang="en-US" sz="1400" dirty="0">
-                <a:solidFill>
-                  <a:srgbClr val="000000"/>
-                </a:solidFill>
-                <a:latin typeface="Consolas" panose="020B0609020204030204" pitchFamily="49" charset="0"/>
-              </a:rPr>
-              <a:t> </a:t>
-            </a:r>
-            <a:r>
-              <a:rPr lang="en-US" altLang="en-US" sz="1400" dirty="0" err="1">
-                <a:solidFill>
-                  <a:srgbClr val="000000"/>
-                </a:solidFill>
-                <a:latin typeface="Consolas" panose="020B0609020204030204" pitchFamily="49" charset="0"/>
-              </a:rPr>
-              <a:t>context</a:t>
-            </a:r>
-            <a:r>
-              <a:rPr lang="en-US" altLang="en-US" sz="1400" dirty="0">
-                <a:solidFill>
-                  <a:srgbClr val="666600"/>
-                </a:solidFill>
-                <a:latin typeface="Consolas" panose="020B0609020204030204" pitchFamily="49" charset="0"/>
-              </a:rPr>
-              <a:t>,</a:t>
-            </a:r>
-            <a:r>
-              <a:rPr lang="en-US" altLang="en-US" sz="1400" dirty="0">
-                <a:solidFill>
-                  <a:srgbClr val="000000"/>
-                </a:solidFill>
-                <a:latin typeface="Consolas" panose="020B0609020204030204" pitchFamily="49" charset="0"/>
-              </a:rPr>
-              <a:t/>
-            </a:r>
-            <a:br>
-              <a:rPr lang="en-US" altLang="en-US" sz="1400" dirty="0">
-                <a:solidFill>
-                  <a:srgbClr val="000000"/>
-                </a:solidFill>
-                <a:latin typeface="Consolas" panose="020B0609020204030204" pitchFamily="49" charset="0"/>
-              </a:rPr>
-            </a:br>
-            <a:r>
-              <a:rPr lang="en-US" altLang="en-US" sz="1400" dirty="0">
-                <a:solidFill>
-                  <a:srgbClr val="000000"/>
-                </a:solidFill>
-                <a:latin typeface="Consolas" panose="020B0609020204030204" pitchFamily="49" charset="0"/>
-              </a:rPr>
-              <a:t>            </a:t>
-            </a:r>
-            <a:r>
-              <a:rPr lang="en-US" altLang="en-US" sz="1400" dirty="0" err="1">
-                <a:solidFill>
-                  <a:srgbClr val="000088"/>
-                </a:solidFill>
-                <a:latin typeface="Consolas" panose="020B0609020204030204" pitchFamily="49" charset="0"/>
-              </a:rPr>
-              <a:t>boolean</a:t>
-            </a:r>
-            <a:r>
-              <a:rPr lang="en-US" altLang="en-US" sz="1400" dirty="0">
-                <a:solidFill>
-                  <a:srgbClr val="000000"/>
-                </a:solidFill>
-                <a:latin typeface="Consolas" panose="020B0609020204030204" pitchFamily="49" charset="0"/>
-              </a:rPr>
-              <a:t> </a:t>
-            </a:r>
-            <a:r>
-              <a:rPr lang="en-US" altLang="en-US" sz="1400" dirty="0" err="1">
-                <a:solidFill>
-                  <a:srgbClr val="000000"/>
-                </a:solidFill>
-                <a:latin typeface="Consolas" panose="020B0609020204030204" pitchFamily="49" charset="0"/>
-              </a:rPr>
-              <a:t>autoInitialize</a:t>
-            </a:r>
-            <a:r>
-              <a:rPr lang="en-US" altLang="en-US" sz="1400" dirty="0">
-                <a:solidFill>
-                  <a:srgbClr val="666600"/>
-                </a:solidFill>
-                <a:latin typeface="Consolas" panose="020B0609020204030204" pitchFamily="49" charset="0"/>
-              </a:rPr>
-              <a:t>,</a:t>
-            </a:r>
-            <a:r>
-              <a:rPr lang="en-US" altLang="en-US" sz="1400" dirty="0">
-                <a:solidFill>
-                  <a:srgbClr val="000000"/>
-                </a:solidFill>
-                <a:latin typeface="Consolas" panose="020B0609020204030204" pitchFamily="49" charset="0"/>
-              </a:rPr>
-              <a:t/>
-            </a:r>
-            <a:br>
-              <a:rPr lang="en-US" altLang="en-US" sz="1400" dirty="0">
-                <a:solidFill>
-                  <a:srgbClr val="000000"/>
-                </a:solidFill>
-                <a:latin typeface="Consolas" panose="020B0609020204030204" pitchFamily="49" charset="0"/>
-              </a:rPr>
-            </a:br>
-            <a:r>
-              <a:rPr lang="en-US" altLang="en-US" sz="1400" dirty="0">
-                <a:solidFill>
-                  <a:srgbClr val="000000"/>
-                </a:solidFill>
-                <a:latin typeface="Consolas" panose="020B0609020204030204" pitchFamily="49" charset="0"/>
-              </a:rPr>
-              <a:t>            </a:t>
-            </a:r>
-            <a:r>
-              <a:rPr lang="en-US" altLang="en-US" sz="1400" dirty="0" err="1">
-                <a:solidFill>
-                  <a:srgbClr val="000088"/>
-                </a:solidFill>
-                <a:latin typeface="Consolas" panose="020B0609020204030204" pitchFamily="49" charset="0"/>
-              </a:rPr>
-              <a:t>boolean</a:t>
-            </a:r>
-            <a:r>
-              <a:rPr lang="en-US" altLang="en-US" sz="1400" dirty="0">
-                <a:solidFill>
-                  <a:srgbClr val="000000"/>
-                </a:solidFill>
-                <a:latin typeface="Consolas" panose="020B0609020204030204" pitchFamily="49" charset="0"/>
-              </a:rPr>
-              <a:t> </a:t>
-            </a:r>
-            <a:r>
-              <a:rPr lang="en-US" altLang="en-US" sz="1400" dirty="0" err="1">
-                <a:solidFill>
-                  <a:srgbClr val="000000"/>
-                </a:solidFill>
-                <a:latin typeface="Consolas" panose="020B0609020204030204" pitchFamily="49" charset="0"/>
-              </a:rPr>
-              <a:t>allowParallelSyncs</a:t>
-            </a:r>
-            <a:r>
-              <a:rPr lang="en-US" altLang="en-US" sz="1400" dirty="0">
-                <a:solidFill>
-                  <a:srgbClr val="666600"/>
-                </a:solidFill>
-                <a:latin typeface="Consolas" panose="020B0609020204030204" pitchFamily="49" charset="0"/>
-              </a:rPr>
-              <a:t>)</a:t>
-            </a:r>
-            <a:r>
-              <a:rPr lang="en-US" altLang="en-US" sz="1400" dirty="0">
-                <a:solidFill>
-                  <a:srgbClr val="000000"/>
-                </a:solidFill>
-                <a:latin typeface="Consolas" panose="020B0609020204030204" pitchFamily="49" charset="0"/>
-              </a:rPr>
-              <a:t> </a:t>
-            </a:r>
-            <a:r>
-              <a:rPr lang="en-US" altLang="en-US" sz="1400" dirty="0">
-                <a:solidFill>
-                  <a:srgbClr val="666600"/>
-                </a:solidFill>
-                <a:latin typeface="Consolas" panose="020B0609020204030204" pitchFamily="49" charset="0"/>
-              </a:rPr>
-              <a:t>{</a:t>
-            </a:r>
-            <a:r>
-              <a:rPr lang="en-US" altLang="en-US" sz="1400" dirty="0">
-                <a:solidFill>
-                  <a:srgbClr val="000000"/>
-                </a:solidFill>
-                <a:latin typeface="Consolas" panose="020B0609020204030204" pitchFamily="49" charset="0"/>
-              </a:rPr>
-              <a:t/>
-            </a:r>
-            <a:br>
-              <a:rPr lang="en-US" altLang="en-US" sz="1400" dirty="0">
-                <a:solidFill>
-                  <a:srgbClr val="000000"/>
-                </a:solidFill>
-                <a:latin typeface="Consolas" panose="020B0609020204030204" pitchFamily="49" charset="0"/>
-              </a:rPr>
-            </a:br>
-            <a:r>
-              <a:rPr lang="en-US" altLang="en-US" sz="1400" dirty="0">
-                <a:solidFill>
-                  <a:srgbClr val="000000"/>
-                </a:solidFill>
-                <a:latin typeface="Consolas" panose="020B0609020204030204" pitchFamily="49" charset="0"/>
-              </a:rPr>
-              <a:t>        </a:t>
-            </a:r>
-            <a:r>
-              <a:rPr lang="en-US" altLang="en-US" sz="1400" dirty="0">
-                <a:solidFill>
-                  <a:srgbClr val="000088"/>
-                </a:solidFill>
-                <a:latin typeface="Consolas" panose="020B0609020204030204" pitchFamily="49" charset="0"/>
-              </a:rPr>
-              <a:t>super</a:t>
-            </a:r>
-            <a:r>
-              <a:rPr lang="en-US" altLang="en-US" sz="1400" dirty="0">
-                <a:solidFill>
-                  <a:srgbClr val="666600"/>
-                </a:solidFill>
-                <a:latin typeface="Consolas" panose="020B0609020204030204" pitchFamily="49" charset="0"/>
-              </a:rPr>
-              <a:t>(</a:t>
-            </a:r>
-            <a:r>
-              <a:rPr lang="en-US" altLang="en-US" sz="1400" dirty="0">
-                <a:solidFill>
-                  <a:srgbClr val="000000"/>
-                </a:solidFill>
-                <a:latin typeface="Consolas" panose="020B0609020204030204" pitchFamily="49" charset="0"/>
-              </a:rPr>
-              <a:t>context</a:t>
-            </a:r>
-            <a:r>
-              <a:rPr lang="en-US" altLang="en-US" sz="1400" dirty="0">
-                <a:solidFill>
-                  <a:srgbClr val="666600"/>
-                </a:solidFill>
-                <a:latin typeface="Consolas" panose="020B0609020204030204" pitchFamily="49" charset="0"/>
-              </a:rPr>
-              <a:t>,</a:t>
-            </a:r>
-            <a:r>
-              <a:rPr lang="en-US" altLang="en-US" sz="1400" dirty="0">
-                <a:solidFill>
-                  <a:srgbClr val="000000"/>
-                </a:solidFill>
-                <a:latin typeface="Consolas" panose="020B0609020204030204" pitchFamily="49" charset="0"/>
-              </a:rPr>
-              <a:t> </a:t>
-            </a:r>
-            <a:r>
-              <a:rPr lang="en-US" altLang="en-US" sz="1400" dirty="0" err="1">
-                <a:solidFill>
-                  <a:srgbClr val="000000"/>
-                </a:solidFill>
-                <a:latin typeface="Consolas" panose="020B0609020204030204" pitchFamily="49" charset="0"/>
-              </a:rPr>
-              <a:t>autoInitialize</a:t>
-            </a:r>
-            <a:r>
-              <a:rPr lang="en-US" altLang="en-US" sz="1400" dirty="0">
-                <a:solidFill>
-                  <a:srgbClr val="666600"/>
-                </a:solidFill>
-                <a:latin typeface="Consolas" panose="020B0609020204030204" pitchFamily="49" charset="0"/>
-              </a:rPr>
-              <a:t>,</a:t>
-            </a:r>
-            <a:r>
-              <a:rPr lang="en-US" altLang="en-US" sz="1400" dirty="0">
-                <a:solidFill>
-                  <a:srgbClr val="000000"/>
-                </a:solidFill>
-                <a:latin typeface="Consolas" panose="020B0609020204030204" pitchFamily="49" charset="0"/>
-              </a:rPr>
-              <a:t> </a:t>
-            </a:r>
-            <a:r>
-              <a:rPr lang="en-US" altLang="en-US" sz="1400" dirty="0" err="1">
-                <a:solidFill>
-                  <a:srgbClr val="000000"/>
-                </a:solidFill>
-                <a:latin typeface="Consolas" panose="020B0609020204030204" pitchFamily="49" charset="0"/>
-              </a:rPr>
-              <a:t>allowParallelSyncs</a:t>
-            </a:r>
-            <a:r>
-              <a:rPr lang="en-US" altLang="en-US" sz="1400" dirty="0" smtClean="0">
-                <a:solidFill>
-                  <a:srgbClr val="666600"/>
-                </a:solidFill>
-                <a:latin typeface="Consolas" panose="020B0609020204030204" pitchFamily="49" charset="0"/>
-              </a:rPr>
-              <a:t>);</a:t>
-            </a:r>
-            <a:endParaRPr lang="en-US" altLang="en-US" sz="1400" dirty="0" smtClean="0">
-              <a:solidFill>
-                <a:schemeClr val="tx1"/>
-              </a:solidFill>
-              <a:latin typeface="Consolas" panose="020B0609020204030204" pitchFamily="49" charset="0"/>
-            </a:endParaRPr>
-          </a:p>
-          <a:p>
-            <a:pPr marL="0" lvl="0" indent="0" eaLnBrk="0" fontAlgn="base" hangingPunct="0">
-              <a:spcBef>
-                <a:spcPct val="0"/>
-              </a:spcBef>
-              <a:spcAft>
-                <a:spcPct val="0"/>
-              </a:spcAft>
-              <a:buNone/>
-            </a:pPr>
-            <a:r>
-              <a:rPr lang="en-US" altLang="en-US" sz="1400" dirty="0" smtClean="0">
-                <a:solidFill>
-                  <a:srgbClr val="666600"/>
-                </a:solidFill>
-                <a:latin typeface="Consolas" panose="020B0609020204030204" pitchFamily="49" charset="0"/>
-              </a:rPr>
-              <a:t>    }</a:t>
-            </a:r>
-          </a:p>
-          <a:p>
-            <a:pPr marL="0" lvl="0" indent="0" eaLnBrk="0" fontAlgn="base" hangingPunct="0">
-              <a:spcBef>
-                <a:spcPct val="0"/>
-              </a:spcBef>
-              <a:spcAft>
-                <a:spcPct val="0"/>
-              </a:spcAft>
-              <a:buNone/>
-            </a:pPr>
-            <a:r>
-              <a:rPr lang="en-US" altLang="en-US" sz="1400" dirty="0" smtClean="0">
-                <a:solidFill>
-                  <a:srgbClr val="666600"/>
-                </a:solidFill>
-                <a:latin typeface="Consolas" panose="020B0609020204030204" pitchFamily="49" charset="0"/>
-              </a:rPr>
-              <a:t>}</a:t>
-            </a:r>
-            <a:endParaRPr lang="en-US" altLang="en-US" sz="1400" dirty="0">
-              <a:solidFill>
-                <a:schemeClr val="tx1"/>
-              </a:solidFill>
-              <a:latin typeface="Consolas" panose="020B0609020204030204" pitchFamily="49" charset="0"/>
-            </a:endParaRPr>
-          </a:p>
-        </p:txBody>
-      </p:sp>
-      <p:sp>
-        <p:nvSpPr>
-          <p:cNvPr id="7" name="Rectangle 3"/>
-          <p:cNvSpPr>
-            <a:spLocks noChangeArrowheads="1"/>
-          </p:cNvSpPr>
-          <p:nvPr/>
-        </p:nvSpPr>
-        <p:spPr bwMode="auto">
-          <a:xfrm>
-            <a:off x="0" y="9975"/>
-            <a:ext cx="65" cy="437249"/>
-          </a:xfrm>
-          <a:prstGeom prst="rect">
-            <a:avLst/>
-          </a:prstGeom>
-          <a:solidFill>
-            <a:srgbClr val="F7F7F7"/>
-          </a:solidFill>
-          <a:ln>
-            <a:noFill/>
-          </a:ln>
-          <a:effectLst/>
-          <a:extLst>
-            <a:ext uri="{91240B29-F687-4F45-9708-019B960494DF}">
-              <a14:hiddenLine xmlns:a14="http://schemas.microsoft.com/office/drawing/2010/main" w="9525">
-                <a:solidFill>
-                  <a:schemeClr val="tx1"/>
-                </a:solidFill>
-                <a:miter lim="800000"/>
-                <a:headEnd/>
-                <a:tailEnd/>
-              </a14:hiddenLine>
-            </a:ext>
-            <a:ext uri="{AF507438-7753-43E0-B8FC-AC1667EBCBE1}">
-              <a14:hiddenEffects xmlns:a14="http://schemas.microsoft.com/office/drawing/2010/main">
-                <a:effectLst>
-                  <a:outerShdw dist="35921" dir="2700000" algn="ctr" rotWithShape="0">
-                    <a:schemeClr val="bg2"/>
-                  </a:outerShdw>
-                </a:effectLst>
-              </a14:hiddenEffects>
-            </a:ext>
-          </a:extLst>
-        </p:spPr>
-        <p:txBody>
-          <a:bodyPr vert="horz" wrap="none" lIns="0" tIns="0" rIns="0" bIns="158700" numCol="1" anchor="ctr" anchorCtr="0" compatLnSpc="1">
-            <a:prstTxWarp prst="textNoShape">
-              <a:avLst/>
-            </a:prstTxWarp>
-            <a:spAutoFit/>
-          </a:bodyPr>
-          <a:lstStyle/>
-          <a:p>
-            <a:pPr marL="0" marR="0" lvl="0" indent="0" algn="l" defTabSz="914400" rtl="0" eaLnBrk="0" fontAlgn="base" latinLnBrk="0" hangingPunct="0">
-              <a:lnSpc>
-                <a:spcPct val="100000"/>
-              </a:lnSpc>
-              <a:spcBef>
-                <a:spcPct val="0"/>
-              </a:spcBef>
-              <a:spcAft>
-                <a:spcPct val="0"/>
-              </a:spcAft>
-              <a:buClrTx/>
-              <a:buSzTx/>
-              <a:buFontTx/>
-              <a:buNone/>
-              <a:tabLst/>
-            </a:pPr>
-            <a:endParaRPr kumimoji="0" lang="en-US" altLang="en-US" sz="1800" b="0" i="0" u="none" strike="noStrike" cap="none" normalizeH="0" baseline="0" dirty="0" smtClean="0">
-              <a:ln>
-                <a:noFill/>
-              </a:ln>
-              <a:solidFill>
-                <a:schemeClr val="tx1"/>
-              </a:solidFill>
-              <a:effectLst/>
-              <a:latin typeface="Arial" panose="020B0604020202020204" pitchFamily="34" charset="0"/>
-            </a:endParaRPr>
-          </a:p>
-        </p:txBody>
-      </p:sp>
-      <p:sp>
-        <p:nvSpPr>
-          <p:cNvPr id="8" name="Rectangle 4"/>
-          <p:cNvSpPr>
-            <a:spLocks noChangeArrowheads="1"/>
-          </p:cNvSpPr>
-          <p:nvPr/>
-        </p:nvSpPr>
-        <p:spPr bwMode="auto">
-          <a:xfrm>
-            <a:off x="0" y="9975"/>
-            <a:ext cx="65" cy="437249"/>
-          </a:xfrm>
-          <a:prstGeom prst="rect">
-            <a:avLst/>
-          </a:prstGeom>
-          <a:solidFill>
-            <a:srgbClr val="F7F7F7"/>
-          </a:solidFill>
-          <a:ln>
-            <a:noFill/>
-          </a:ln>
-          <a:effectLst/>
-          <a:extLst>
-            <a:ext uri="{91240B29-F687-4F45-9708-019B960494DF}">
-              <a14:hiddenLine xmlns:a14="http://schemas.microsoft.com/office/drawing/2010/main" w="9525">
-                <a:solidFill>
-                  <a:schemeClr val="tx1"/>
-                </a:solidFill>
-                <a:miter lim="800000"/>
-                <a:headEnd/>
-                <a:tailEnd/>
-              </a14:hiddenLine>
-            </a:ext>
-            <a:ext uri="{AF507438-7753-43E0-B8FC-AC1667EBCBE1}">
-              <a14:hiddenEffects xmlns:a14="http://schemas.microsoft.com/office/drawing/2010/main">
-                <a:effectLst>
-                  <a:outerShdw dist="35921" dir="2700000" algn="ctr" rotWithShape="0">
-                    <a:schemeClr val="bg2"/>
-                  </a:outerShdw>
-                </a:effectLst>
-              </a14:hiddenEffects>
-            </a:ext>
-          </a:extLst>
-        </p:spPr>
-        <p:txBody>
-          <a:bodyPr vert="horz" wrap="none" lIns="0" tIns="0" rIns="0" bIns="158700" numCol="1" anchor="ctr" anchorCtr="0" compatLnSpc="1">
-            <a:prstTxWarp prst="textNoShape">
-              <a:avLst/>
-            </a:prstTxWarp>
-            <a:spAutoFit/>
-          </a:bodyPr>
-          <a:lstStyle/>
-          <a:p>
-            <a:pPr marL="0" marR="0" lvl="0" indent="0" algn="l" defTabSz="914400" rtl="0" eaLnBrk="0" fontAlgn="base" latinLnBrk="0" hangingPunct="0">
-              <a:lnSpc>
-                <a:spcPct val="100000"/>
-              </a:lnSpc>
-              <a:spcBef>
-                <a:spcPct val="0"/>
-              </a:spcBef>
-              <a:spcAft>
-                <a:spcPct val="0"/>
-              </a:spcAft>
-              <a:buClrTx/>
-              <a:buSzTx/>
-              <a:buFontTx/>
-              <a:buNone/>
-              <a:tabLst/>
-            </a:pPr>
-            <a:endParaRPr kumimoji="0" lang="en-US" altLang="en-US" sz="1800" b="0" i="0" u="none" strike="noStrike" cap="none" normalizeH="0" baseline="0" dirty="0" smtClean="0">
-              <a:ln>
-                <a:noFill/>
-              </a:ln>
-              <a:solidFill>
-                <a:schemeClr val="tx1"/>
-              </a:solidFill>
-              <a:effectLst/>
-              <a:latin typeface="Arial" panose="020B0604020202020204" pitchFamily="34" charset="0"/>
-            </a:endParaRPr>
+            <a:r>
+              <a:rPr lang="en-US" dirty="0">
+                <a:hlinkClick r:id="rId2"/>
+              </a:rPr>
+              <a:t>https://</a:t>
+            </a:r>
+            <a:r>
+              <a:rPr lang="en-US" dirty="0" smtClean="0">
+                <a:hlinkClick r:id="rId2"/>
+              </a:rPr>
+              <a:t>github.com/googlesamples/android-BasicSyncAdapter</a:t>
+            </a:r>
+            <a:endParaRPr lang="en-US" dirty="0" smtClean="0"/>
+          </a:p>
+          <a:p>
+            <a:r>
+              <a:rPr lang="en-US" dirty="0">
+                <a:hlinkClick r:id="rId3"/>
+              </a:rPr>
+              <a:t>https://</a:t>
+            </a:r>
+            <a:r>
+              <a:rPr lang="en-US" dirty="0" smtClean="0">
+                <a:hlinkClick r:id="rId3"/>
+              </a:rPr>
+              <a:t>developer.android.com/training/sync-adapters/creating-sync-adapter.html</a:t>
+            </a:r>
+            <a:endParaRPr lang="en-US" dirty="0" smtClean="0"/>
+          </a:p>
+          <a:p>
+            <a:r>
+              <a:rPr lang="en-US" dirty="0">
+                <a:hlinkClick r:id="rId4"/>
+              </a:rPr>
+              <a:t>https://</a:t>
+            </a:r>
+            <a:r>
+              <a:rPr lang="en-US" dirty="0" smtClean="0">
+                <a:hlinkClick r:id="rId4"/>
+              </a:rPr>
+              <a:t>developer.android.com/training/sync-adapters/index.html</a:t>
+            </a:r>
+            <a:endParaRPr lang="en-US" dirty="0" smtClean="0"/>
+          </a:p>
+          <a:p>
+            <a:r>
+              <a:rPr lang="en-US" dirty="0">
+                <a:hlinkClick r:id="rId5"/>
+              </a:rPr>
+              <a:t>http://blog.udinic.com/2013/07/24/write-your-own-android-sync-adapter</a:t>
+            </a:r>
+            <a:r>
+              <a:rPr lang="en-US" dirty="0" smtClean="0">
+                <a:hlinkClick r:id="rId5"/>
+              </a:rPr>
+              <a:t>/</a:t>
+            </a:r>
+            <a:endParaRPr lang="en-US" dirty="0" smtClean="0"/>
+          </a:p>
+          <a:p>
+            <a:r>
+              <a:rPr lang="en-US" dirty="0">
+                <a:hlinkClick r:id="rId6"/>
+              </a:rPr>
+              <a:t>https://</a:t>
+            </a:r>
+            <a:r>
+              <a:rPr lang="en-US" dirty="0" smtClean="0">
+                <a:hlinkClick r:id="rId6"/>
+              </a:rPr>
+              <a:t>software.intel.com/en-us/android/articles/handling-offline-capability-and-data-sync-in-an-android-app-part-2</a:t>
+            </a:r>
+            <a:endParaRPr lang="en-US" dirty="0" smtClean="0"/>
           </a:p>
         </p:txBody>
       </p:sp>
     </p:spTree>
     <p:extLst>
       <p:ext uri="{BB962C8B-B14F-4D97-AF65-F5344CB8AC3E}">
-        <p14:creationId xmlns:p14="http://schemas.microsoft.com/office/powerpoint/2010/main" val="3397357303"/>
+        <p14:creationId xmlns:p14="http://schemas.microsoft.com/office/powerpoint/2010/main" val="351412801"/>
       </p:ext>
     </p:extLst>
   </p:cSld>
   <p:clrMapOvr>
     <a:masterClrMapping/>
   </p:clrMapOvr>
-  <mc:AlternateContent xmlns:mc="http://schemas.openxmlformats.org/markup-compatibility/2006" xmlns:p14="http://schemas.microsoft.com/office/powerpoint/2010/main">
-    <mc:Choice Requires="p14">
+  <mc:AlternateContent xmlns:mc="http://schemas.openxmlformats.org/markup-compatibility/2006">
+    <mc:Choice xmlns:p14="http://schemas.microsoft.com/office/powerpoint/2010/main" Requires="p14">
       <p:transition p14:dur="250">
         <p14:reveal/>
       </p:transition>
     </mc:Choice>
-    <mc:Fallback xmlns="">
+    <mc:Fallback>
       <p:transition>
         <p:fade/>
       </p:transition>
@@ -12975,15 +11792,7 @@
           <a:bodyPr/>
           <a:lstStyle/>
           <a:p>
-            <a:r>
-              <a:rPr lang="en-US" dirty="0" err="1" smtClean="0"/>
-              <a:t>onPerformSync</a:t>
-            </a:r>
-            <a:r>
-              <a:rPr lang="en-US" dirty="0" smtClean="0"/>
-              <a:t>()</a:t>
-            </a:r>
-            <a:endParaRPr lang="en-US" dirty="0"/>
+            <a:endParaRPr lang="en-US"/>
           </a:p>
         </p:txBody>
       </p:sp>
@@ -13005,72 +11814,94 @@
           <a:lstStyle/>
           <a:p>
             <a:r>
+              <a:rPr lang="en-US" dirty="0" err="1" smtClean="0"/>
+              <a:t>SyncAdapters</a:t>
+            </a:r>
+            <a:r>
               <a:rPr lang="en-US" dirty="0" smtClean="0"/>
-              <a:t>Sync adapter framework invokes your </a:t>
-            </a:r>
-            <a:r>
-              <a:rPr lang="en-US" dirty="0" err="1" smtClean="0"/>
-              <a:t>SyncAdapter</a:t>
-            </a:r>
-            <a:endParaRPr lang="en-US" dirty="0" smtClean="0"/>
+              <a:t> can be used to:</a:t>
+            </a:r>
           </a:p>
           <a:p>
             <a:pPr lvl="1"/>
             <a:r>
               <a:rPr lang="en-US" dirty="0" smtClean="0"/>
-              <a:t>Calls </a:t>
-            </a:r>
-            <a:r>
-              <a:rPr lang="en-US" dirty="0" err="1" smtClean="0"/>
-              <a:t>onPerformSync</a:t>
+              <a:t>fetch </a:t>
+            </a:r>
+            <a:r>
+              <a:rPr lang="en-US" dirty="0"/>
+              <a:t>background data for an </a:t>
             </a:r>
             <a:r>
               <a:rPr lang="en-US" dirty="0" smtClean="0"/>
-              <a:t>()</a:t>
+              <a:t>app.</a:t>
             </a:r>
           </a:p>
           <a:p>
             <a:pPr lvl="1"/>
+            <a:r>
+              <a:rPr lang="en-US" dirty="0" smtClean="0"/>
+              <a:t>execute </a:t>
+            </a:r>
+            <a:r>
+              <a:rPr lang="en-US" dirty="0"/>
+              <a:t>your data transfer code at configurable intervals, while efficiently using battery and other system </a:t>
+            </a:r>
+            <a:r>
+              <a:rPr lang="en-US" dirty="0" smtClean="0"/>
+              <a:t>resources</a:t>
+            </a:r>
             <a:endParaRPr lang="en-US" dirty="0"/>
           </a:p>
           <a:p>
             <a:r>
               <a:rPr lang="en-US" dirty="0" smtClean="0"/>
-              <a:t>Account</a:t>
-            </a:r>
-          </a:p>
-          <a:p>
+              <a:t>Elements </a:t>
+            </a:r>
+            <a:r>
+              <a:rPr lang="en-US" dirty="0"/>
+              <a:t>of a sync </a:t>
+            </a:r>
             <a:r>
               <a:rPr lang="en-US" dirty="0" smtClean="0"/>
-              <a:t>Bundle</a:t>
-            </a:r>
-          </a:p>
-          <a:p>
-            <a:r>
-              <a:rPr lang="en-US" dirty="0" smtClean="0"/>
-              <a:t>Authority</a:t>
-            </a:r>
-          </a:p>
-          <a:p>
-            <a:r>
-              <a:rPr lang="en-US" dirty="0" err="1" smtClean="0"/>
-              <a:t>ContentProviderClient</a:t>
-            </a:r>
-            <a:endParaRPr lang="en-US" dirty="0" smtClean="0"/>
-          </a:p>
-          <a:p>
-            <a:r>
-              <a:rPr lang="en-US" dirty="0" err="1" smtClean="0"/>
-              <a:t>SyncResult</a:t>
+              <a:t>adapter:</a:t>
             </a:r>
             <a:endParaRPr lang="en-US" dirty="0"/>
+          </a:p>
+          <a:p>
+            <a:pPr lvl="1"/>
+            <a:r>
+              <a:rPr lang="en-US" dirty="0"/>
+              <a:t>Creates a sync adapter class.</a:t>
+            </a:r>
+          </a:p>
+          <a:p>
+            <a:pPr lvl="1"/>
+            <a:r>
+              <a:rPr lang="en-US" dirty="0"/>
+              <a:t>Creates a bound Service which the OS uses to initiate a sync.</a:t>
+            </a:r>
+          </a:p>
+          <a:p>
+            <a:pPr lvl="1"/>
+            <a:r>
+              <a:rPr lang="en-US" dirty="0"/>
+              <a:t>Defines the sync adapter properties in an XML resource file.</a:t>
+            </a:r>
+          </a:p>
+          <a:p>
+            <a:pPr lvl="1"/>
+            <a:r>
+              <a:rPr lang="en-US" dirty="0"/>
+              <a:t>Declares the bound Service in the app manifest.</a:t>
+            </a:r>
           </a:p>
         </p:txBody>
       </p:sp>
     </p:spTree>
     <p:extLst>
       <p:ext uri="{BB962C8B-B14F-4D97-AF65-F5344CB8AC3E}">
-        <p14:creationId xmlns:p14="http://schemas.microsoft.com/office/powerpoint/2010/main" val="1011405133"/>
+        <p14:creationId xmlns:p14="http://schemas.microsoft.com/office/powerpoint/2010/main" val="2364295274"/>
       </p:ext>
     </p:extLst>
   </p:cSld>
@@ -13116,6 +11947,1803 @@
           <a:chExt cx="0" cy="0"/>
         </a:xfrm>
       </p:grpSpPr>
+      <p:pic>
+        <p:nvPicPr>
+          <p:cNvPr id="7" name="Content Placeholder 3"/>
+          <p:cNvPicPr>
+            <a:picLocks noChangeAspect="1"/>
+          </p:cNvPicPr>
+          <p:nvPr/>
+        </p:nvPicPr>
+        <p:blipFill>
+          <a:blip r:embed="rId2" cstate="print">
+            <a:extLst>
+              <a:ext uri="{28A0092B-C50C-407E-A947-70E740481C1C}">
+                <a14:useLocalDpi xmlns:a14="http://schemas.microsoft.com/office/drawing/2010/main" val="0"/>
+              </a:ext>
+            </a:extLst>
+          </a:blip>
+          <a:stretch>
+            <a:fillRect/>
+          </a:stretch>
+        </p:blipFill>
+        <p:spPr>
+          <a:xfrm>
+            <a:off x="6227564" y="1600200"/>
+            <a:ext cx="2545854" cy="4525963"/>
+          </a:xfrm>
+          <a:prstGeom prst="rect">
+            <a:avLst/>
+          </a:prstGeom>
+        </p:spPr>
+      </p:pic>
+      <p:sp>
+        <p:nvSpPr>
+          <p:cNvPr id="2" name="Title 1"/>
+          <p:cNvSpPr>
+            <a:spLocks noGrp="1"/>
+          </p:cNvSpPr>
+          <p:nvPr>
+            <p:ph type="title"/>
+          </p:nvPr>
+        </p:nvSpPr>
+        <p:spPr/>
+        <p:txBody>
+          <a:bodyPr/>
+          <a:lstStyle/>
+          <a:p>
+            <a:r>
+              <a:rPr lang="en-US" dirty="0" smtClean="0"/>
+              <a:t>Demo</a:t>
+            </a:r>
+            <a:endParaRPr lang="en-US" dirty="0"/>
+          </a:p>
+        </p:txBody>
+      </p:sp>
+      <p:pic>
+        <p:nvPicPr>
+          <p:cNvPr id="4" name="Content Placeholder 3"/>
+          <p:cNvPicPr>
+            <a:picLocks noGrp="1" noChangeAspect="1"/>
+          </p:cNvPicPr>
+          <p:nvPr>
+            <p:ph idx="1"/>
+          </p:nvPr>
+        </p:nvPicPr>
+        <p:blipFill>
+          <a:blip r:embed="rId3" cstate="print">
+            <a:extLst>
+              <a:ext uri="{28A0092B-C50C-407E-A947-70E740481C1C}">
+                <a14:useLocalDpi xmlns:a14="http://schemas.microsoft.com/office/drawing/2010/main" val="0"/>
+              </a:ext>
+            </a:extLst>
+          </a:blip>
+          <a:stretch>
+            <a:fillRect/>
+          </a:stretch>
+        </p:blipFill>
+        <p:spPr>
+          <a:xfrm>
+            <a:off x="3418582" y="1600200"/>
+            <a:ext cx="2545854" cy="4525962"/>
+          </a:xfrm>
+        </p:spPr>
+      </p:pic>
+    </p:spTree>
+    <p:extLst>
+      <p:ext uri="{BB962C8B-B14F-4D97-AF65-F5344CB8AC3E}">
+        <p14:creationId xmlns:p14="http://schemas.microsoft.com/office/powerpoint/2010/main" val="1755438054"/>
+      </p:ext>
+    </p:extLst>
+  </p:cSld>
+  <p:clrMapOvr>
+    <a:masterClrMapping/>
+  </p:clrMapOvr>
+  <mc:AlternateContent xmlns:mc="http://schemas.openxmlformats.org/markup-compatibility/2006" xmlns:p14="http://schemas.microsoft.com/office/powerpoint/2010/main">
+    <mc:Choice Requires="p14">
+      <p:transition p14:dur="250">
+        <p14:reveal/>
+      </p:transition>
+    </mc:Choice>
+    <mc:Fallback xmlns="">
+      <p:transition>
+        <p:fade/>
+      </p:transition>
+    </mc:Fallback>
+  </mc:AlternateContent>
+  <p:timing>
+    <p:tnLst>
+      <p:par>
+        <p:cTn id="1" dur="indefinite" restart="never" nodeType="tmRoot"/>
+      </p:par>
+    </p:tnLst>
+  </p:timing>
+</p:sld>
+</file>
+
+<file path=ppt/slides/slide13.xml><?xml version="1.0" encoding="utf-8"?>
+<p:sld xmlns:a="http://schemas.openxmlformats.org/drawingml/2006/main" xmlns:r="http://schemas.openxmlformats.org/officeDocument/2006/relationships" xmlns:p="http://schemas.openxmlformats.org/presentationml/2006/main">
+  <p:cSld>
+    <p:spTree>
+      <p:nvGrpSpPr>
+        <p:cNvPr id="1" name=""/>
+        <p:cNvGrpSpPr/>
+        <p:nvPr/>
+      </p:nvGrpSpPr>
+      <p:grpSpPr>
+        <a:xfrm>
+          <a:off x="0" y="0"/>
+          <a:ext cx="0" cy="0"/>
+          <a:chOff x="0" y="0"/>
+          <a:chExt cx="0" cy="0"/>
+        </a:xfrm>
+      </p:grpSpPr>
+      <p:sp>
+        <p:nvSpPr>
+          <p:cNvPr id="2" name="Title 1"/>
+          <p:cNvSpPr>
+            <a:spLocks noGrp="1"/>
+          </p:cNvSpPr>
+          <p:nvPr>
+            <p:ph type="title"/>
+          </p:nvPr>
+        </p:nvSpPr>
+        <p:spPr/>
+        <p:txBody>
+          <a:bodyPr/>
+          <a:lstStyle/>
+          <a:p>
+            <a:r>
+              <a:rPr lang="en-US" dirty="0" smtClean="0"/>
+              <a:t>Demo</a:t>
+            </a:r>
+            <a:endParaRPr lang="en-US" dirty="0"/>
+          </a:p>
+        </p:txBody>
+      </p:sp>
+      <p:pic>
+        <p:nvPicPr>
+          <p:cNvPr id="5" name="Content Placeholder 3"/>
+          <p:cNvPicPr>
+            <a:picLocks noChangeAspect="1"/>
+          </p:cNvPicPr>
+          <p:nvPr/>
+        </p:nvPicPr>
+        <p:blipFill>
+          <a:blip r:embed="rId2" cstate="print">
+            <a:extLst>
+              <a:ext uri="{28A0092B-C50C-407E-A947-70E740481C1C}">
+                <a14:useLocalDpi xmlns:a14="http://schemas.microsoft.com/office/drawing/2010/main" val="0"/>
+              </a:ext>
+            </a:extLst>
+          </a:blip>
+          <a:stretch>
+            <a:fillRect/>
+          </a:stretch>
+        </p:blipFill>
+        <p:spPr>
+          <a:xfrm>
+            <a:off x="2012942" y="1600200"/>
+            <a:ext cx="2545854" cy="4525962"/>
+          </a:xfrm>
+          <a:prstGeom prst="rect">
+            <a:avLst/>
+          </a:prstGeom>
+        </p:spPr>
+      </p:pic>
+      <p:pic>
+        <p:nvPicPr>
+          <p:cNvPr id="6" name="Content Placeholder 3"/>
+          <p:cNvPicPr>
+            <a:picLocks noChangeAspect="1"/>
+          </p:cNvPicPr>
+          <p:nvPr/>
+        </p:nvPicPr>
+        <p:blipFill>
+          <a:blip r:embed="rId3" cstate="print">
+            <a:extLst>
+              <a:ext uri="{28A0092B-C50C-407E-A947-70E740481C1C}">
+                <a14:useLocalDpi xmlns:a14="http://schemas.microsoft.com/office/drawing/2010/main" val="0"/>
+              </a:ext>
+            </a:extLst>
+          </a:blip>
+          <a:stretch>
+            <a:fillRect/>
+          </a:stretch>
+        </p:blipFill>
+        <p:spPr>
+          <a:xfrm>
+            <a:off x="4821924" y="1600200"/>
+            <a:ext cx="2545853" cy="4525962"/>
+          </a:xfrm>
+          <a:prstGeom prst="rect">
+            <a:avLst/>
+          </a:prstGeom>
+        </p:spPr>
+      </p:pic>
+      <p:pic>
+        <p:nvPicPr>
+          <p:cNvPr id="8" name="Content Placeholder 3"/>
+          <p:cNvPicPr>
+            <a:picLocks noChangeAspect="1"/>
+          </p:cNvPicPr>
+          <p:nvPr/>
+        </p:nvPicPr>
+        <p:blipFill>
+          <a:blip r:embed="rId4" cstate="print">
+            <a:extLst>
+              <a:ext uri="{28A0092B-C50C-407E-A947-70E740481C1C}">
+                <a14:useLocalDpi xmlns:a14="http://schemas.microsoft.com/office/drawing/2010/main" val="0"/>
+              </a:ext>
+            </a:extLst>
+          </a:blip>
+          <a:stretch>
+            <a:fillRect/>
+          </a:stretch>
+        </p:blipFill>
+        <p:spPr>
+          <a:xfrm>
+            <a:off x="7633205" y="1600200"/>
+            <a:ext cx="2545854" cy="4525962"/>
+          </a:xfrm>
+          <a:prstGeom prst="rect">
+            <a:avLst/>
+          </a:prstGeom>
+        </p:spPr>
+      </p:pic>
+    </p:spTree>
+    <p:extLst>
+      <p:ext uri="{BB962C8B-B14F-4D97-AF65-F5344CB8AC3E}">
+        <p14:creationId xmlns:p14="http://schemas.microsoft.com/office/powerpoint/2010/main" val="2885989042"/>
+      </p:ext>
+    </p:extLst>
+  </p:cSld>
+  <p:clrMapOvr>
+    <a:masterClrMapping/>
+  </p:clrMapOvr>
+  <mc:AlternateContent xmlns:mc="http://schemas.openxmlformats.org/markup-compatibility/2006" xmlns:p14="http://schemas.microsoft.com/office/powerpoint/2010/main">
+    <mc:Choice Requires="p14">
+      <p:transition p14:dur="250">
+        <p14:reveal/>
+      </p:transition>
+    </mc:Choice>
+    <mc:Fallback xmlns="">
+      <p:transition>
+        <p:fade/>
+      </p:transition>
+    </mc:Fallback>
+  </mc:AlternateContent>
+  <p:timing>
+    <p:tnLst>
+      <p:par>
+        <p:cTn id="1" dur="indefinite" restart="never" nodeType="tmRoot"/>
+      </p:par>
+    </p:tnLst>
+  </p:timing>
+</p:sld>
+</file>
+
+<file path=ppt/slides/slide14.xml><?xml version="1.0" encoding="utf-8"?>
+<p:sld xmlns:a="http://schemas.openxmlformats.org/drawingml/2006/main" xmlns:r="http://schemas.openxmlformats.org/officeDocument/2006/relationships" xmlns:p="http://schemas.openxmlformats.org/presentationml/2006/main">
+  <p:cSld>
+    <p:spTree>
+      <p:nvGrpSpPr>
+        <p:cNvPr id="1" name=""/>
+        <p:cNvGrpSpPr/>
+        <p:nvPr/>
+      </p:nvGrpSpPr>
+      <p:grpSpPr>
+        <a:xfrm>
+          <a:off x="0" y="0"/>
+          <a:ext cx="0" cy="0"/>
+          <a:chOff x="0" y="0"/>
+          <a:chExt cx="0" cy="0"/>
+        </a:xfrm>
+      </p:grpSpPr>
+      <p:sp>
+        <p:nvSpPr>
+          <p:cNvPr id="3" name="Title 2"/>
+          <p:cNvSpPr>
+            <a:spLocks noGrp="1"/>
+          </p:cNvSpPr>
+          <p:nvPr>
+            <p:ph type="title"/>
+          </p:nvPr>
+        </p:nvSpPr>
+        <p:spPr/>
+        <p:txBody>
+          <a:bodyPr>
+            <a:normAutofit fontScale="90000"/>
+          </a:bodyPr>
+          <a:lstStyle/>
+          <a:p>
+            <a:r>
+              <a:rPr lang="en-US" dirty="0"/>
+              <a:t>Extend the base sync adapter class </a:t>
+            </a:r>
+            <a:r>
+              <a:rPr lang="en-US" dirty="0" err="1"/>
+              <a:t>AbstractThreadedSyncAdapter</a:t>
+            </a:r>
+            <a:endParaRPr lang="en-US" dirty="0"/>
+          </a:p>
+        </p:txBody>
+      </p:sp>
+      <p:sp>
+        <p:nvSpPr>
+          <p:cNvPr id="5" name="Rectangle 1"/>
+          <p:cNvSpPr>
+            <a:spLocks noGrp="1" noChangeArrowheads="1"/>
+          </p:cNvSpPr>
+          <p:nvPr>
+            <p:ph idx="1"/>
+          </p:nvPr>
+        </p:nvSpPr>
+        <p:spPr bwMode="auto">
+          <a:xfrm>
+            <a:off x="983432" y="1818982"/>
+            <a:ext cx="7383431" cy="4462760"/>
+          </a:xfrm>
+          <a:prstGeom prst="rect">
+            <a:avLst/>
+          </a:prstGeom>
+          <a:solidFill>
+            <a:srgbClr val="F7F7F7"/>
+          </a:solidFill>
+          <a:ln>
+            <a:noFill/>
+          </a:ln>
+          <a:effectLst/>
+          <a:extLst>
+            <a:ext uri="{91240B29-F687-4F45-9708-019B960494DF}">
+              <a14:hiddenLine xmlns:a14="http://schemas.microsoft.com/office/drawing/2010/main" w="9525">
+                <a:solidFill>
+                  <a:schemeClr val="tx1"/>
+                </a:solidFill>
+                <a:miter lim="800000"/>
+                <a:headEnd/>
+                <a:tailEnd/>
+              </a14:hiddenLine>
+            </a:ext>
+            <a:ext uri="{AF507438-7753-43E0-B8FC-AC1667EBCBE1}">
+              <a14:hiddenEffects xmlns:a14="http://schemas.microsoft.com/office/drawing/2010/main">
+                <a:effectLst>
+                  <a:outerShdw dist="35921" dir="2700000" algn="ctr" rotWithShape="0">
+                    <a:schemeClr val="bg2"/>
+                  </a:outerShdw>
+                </a:effectLst>
+              </a14:hiddenEffects>
+            </a:ext>
+          </a:extLst>
+        </p:spPr>
+        <p:txBody>
+          <a:bodyPr vert="horz" wrap="none" lIns="457200" tIns="182880" rIns="457200" bIns="182880" numCol="1" anchor="ctr" anchorCtr="0" compatLnSpc="1">
+            <a:prstTxWarp prst="textNoShape">
+              <a:avLst/>
+            </a:prstTxWarp>
+            <a:spAutoFit/>
+          </a:bodyPr>
+          <a:lstStyle/>
+          <a:p>
+            <a:pPr marL="0" marR="0" lvl="0" indent="0" algn="l" defTabSz="914400" rtl="0" eaLnBrk="0" fontAlgn="base" latinLnBrk="0" hangingPunct="0">
+              <a:lnSpc>
+                <a:spcPct val="100000"/>
+              </a:lnSpc>
+              <a:spcBef>
+                <a:spcPct val="0"/>
+              </a:spcBef>
+              <a:spcAft>
+                <a:spcPct val="0"/>
+              </a:spcAft>
+              <a:buClrTx/>
+              <a:buSzTx/>
+              <a:buFontTx/>
+              <a:buNone/>
+              <a:tabLst/>
+            </a:pPr>
+            <a:r>
+              <a:rPr kumimoji="0" lang="en-US" altLang="en-US" sz="1400" b="0" i="0" u="none" strike="noStrike" cap="none" normalizeH="0" baseline="0" dirty="0" smtClean="0">
+                <a:ln>
+                  <a:noFill/>
+                </a:ln>
+                <a:solidFill>
+                  <a:srgbClr val="006600"/>
+                </a:solidFill>
+                <a:effectLst/>
+                <a:latin typeface="Consolas" panose="020B0609020204030204" pitchFamily="49" charset="0"/>
+              </a:rPr>
+              <a:t>/**</a:t>
+            </a:r>
+            <a:br>
+              <a:rPr kumimoji="0" lang="en-US" altLang="en-US" sz="1400" b="0" i="0" u="none" strike="noStrike" cap="none" normalizeH="0" baseline="0" dirty="0" smtClean="0">
+                <a:ln>
+                  <a:noFill/>
+                </a:ln>
+                <a:solidFill>
+                  <a:srgbClr val="006600"/>
+                </a:solidFill>
+                <a:effectLst/>
+                <a:latin typeface="Consolas" panose="020B0609020204030204" pitchFamily="49" charset="0"/>
+              </a:rPr>
+            </a:br>
+            <a:r>
+              <a:rPr kumimoji="0" lang="en-US" altLang="en-US" sz="1400" b="0" i="0" u="none" strike="noStrike" cap="none" normalizeH="0" baseline="0" dirty="0" smtClean="0">
+                <a:ln>
+                  <a:noFill/>
+                </a:ln>
+                <a:solidFill>
+                  <a:srgbClr val="006600"/>
+                </a:solidFill>
+                <a:effectLst/>
+                <a:latin typeface="Consolas" panose="020B0609020204030204" pitchFamily="49" charset="0"/>
+              </a:rPr>
+              <a:t> * Handle the transfer of data between a server and an</a:t>
+            </a:r>
+            <a:br>
+              <a:rPr kumimoji="0" lang="en-US" altLang="en-US" sz="1400" b="0" i="0" u="none" strike="noStrike" cap="none" normalizeH="0" baseline="0" dirty="0" smtClean="0">
+                <a:ln>
+                  <a:noFill/>
+                </a:ln>
+                <a:solidFill>
+                  <a:srgbClr val="006600"/>
+                </a:solidFill>
+                <a:effectLst/>
+                <a:latin typeface="Consolas" panose="020B0609020204030204" pitchFamily="49" charset="0"/>
+              </a:rPr>
+            </a:br>
+            <a:r>
+              <a:rPr kumimoji="0" lang="en-US" altLang="en-US" sz="1400" b="0" i="0" u="none" strike="noStrike" cap="none" normalizeH="0" baseline="0" dirty="0" smtClean="0">
+                <a:ln>
+                  <a:noFill/>
+                </a:ln>
+                <a:solidFill>
+                  <a:srgbClr val="006600"/>
+                </a:solidFill>
+                <a:effectLst/>
+                <a:latin typeface="Consolas" panose="020B0609020204030204" pitchFamily="49" charset="0"/>
+              </a:rPr>
+              <a:t> * app, using the Android sync adapter framework.</a:t>
+            </a:r>
+            <a:br>
+              <a:rPr kumimoji="0" lang="en-US" altLang="en-US" sz="1400" b="0" i="0" u="none" strike="noStrike" cap="none" normalizeH="0" baseline="0" dirty="0" smtClean="0">
+                <a:ln>
+                  <a:noFill/>
+                </a:ln>
+                <a:solidFill>
+                  <a:srgbClr val="006600"/>
+                </a:solidFill>
+                <a:effectLst/>
+                <a:latin typeface="Consolas" panose="020B0609020204030204" pitchFamily="49" charset="0"/>
+              </a:rPr>
+            </a:br>
+            <a:r>
+              <a:rPr kumimoji="0" lang="en-US" altLang="en-US" sz="1400" b="0" i="0" u="none" strike="noStrike" cap="none" normalizeH="0" baseline="0" dirty="0" smtClean="0">
+                <a:ln>
+                  <a:noFill/>
+                </a:ln>
+                <a:solidFill>
+                  <a:srgbClr val="006600"/>
+                </a:solidFill>
+                <a:effectLst/>
+                <a:latin typeface="Consolas" panose="020B0609020204030204" pitchFamily="49" charset="0"/>
+              </a:rPr>
+              <a:t> */</a:t>
+            </a:r>
+            <a:r>
+              <a:rPr kumimoji="0" lang="en-US" altLang="en-US" sz="1400" b="0" i="0" u="none" strike="noStrike" cap="none" normalizeH="0" baseline="0" dirty="0" smtClean="0">
+                <a:ln>
+                  <a:noFill/>
+                </a:ln>
+                <a:solidFill>
+                  <a:srgbClr val="000000"/>
+                </a:solidFill>
+                <a:effectLst/>
+                <a:latin typeface="Consolas" panose="020B0609020204030204" pitchFamily="49" charset="0"/>
+              </a:rPr>
+              <a:t/>
+            </a:r>
+            <a:br>
+              <a:rPr kumimoji="0" lang="en-US" altLang="en-US" sz="1400" b="0" i="0" u="none" strike="noStrike" cap="none" normalizeH="0" baseline="0" dirty="0" smtClean="0">
+                <a:ln>
+                  <a:noFill/>
+                </a:ln>
+                <a:solidFill>
+                  <a:srgbClr val="000000"/>
+                </a:solidFill>
+                <a:effectLst/>
+                <a:latin typeface="Consolas" panose="020B0609020204030204" pitchFamily="49" charset="0"/>
+              </a:rPr>
+            </a:br>
+            <a:r>
+              <a:rPr kumimoji="0" lang="en-US" altLang="en-US" sz="1400" b="0" i="0" u="none" strike="noStrike" cap="none" normalizeH="0" baseline="0" dirty="0" smtClean="0">
+                <a:ln>
+                  <a:noFill/>
+                </a:ln>
+                <a:solidFill>
+                  <a:srgbClr val="000088"/>
+                </a:solidFill>
+                <a:effectLst/>
+                <a:latin typeface="Consolas" panose="020B0609020204030204" pitchFamily="49" charset="0"/>
+              </a:rPr>
+              <a:t>public</a:t>
+            </a:r>
+            <a:r>
+              <a:rPr kumimoji="0" lang="en-US" altLang="en-US" sz="1400" b="0" i="0" u="none" strike="noStrike" cap="none" normalizeH="0" baseline="0" dirty="0" smtClean="0">
+                <a:ln>
+                  <a:noFill/>
+                </a:ln>
+                <a:solidFill>
+                  <a:srgbClr val="000000"/>
+                </a:solidFill>
+                <a:effectLst/>
+                <a:latin typeface="Consolas" panose="020B0609020204030204" pitchFamily="49" charset="0"/>
+              </a:rPr>
+              <a:t> </a:t>
+            </a:r>
+            <a:r>
+              <a:rPr kumimoji="0" lang="en-US" altLang="en-US" sz="1400" b="0" i="0" u="none" strike="noStrike" cap="none" normalizeH="0" baseline="0" dirty="0" smtClean="0">
+                <a:ln>
+                  <a:noFill/>
+                </a:ln>
+                <a:solidFill>
+                  <a:srgbClr val="000088"/>
+                </a:solidFill>
+                <a:effectLst/>
+                <a:latin typeface="Consolas" panose="020B0609020204030204" pitchFamily="49" charset="0"/>
+              </a:rPr>
+              <a:t>class</a:t>
+            </a:r>
+            <a:r>
+              <a:rPr kumimoji="0" lang="en-US" altLang="en-US" sz="1400" b="0" i="0" u="none" strike="noStrike" cap="none" normalizeH="0" baseline="0" dirty="0" smtClean="0">
+                <a:ln>
+                  <a:noFill/>
+                </a:ln>
+                <a:solidFill>
+                  <a:srgbClr val="000000"/>
+                </a:solidFill>
+                <a:effectLst/>
+                <a:latin typeface="Consolas" panose="020B0609020204030204" pitchFamily="49" charset="0"/>
+              </a:rPr>
+              <a:t> </a:t>
+            </a:r>
+            <a:r>
+              <a:rPr kumimoji="0" lang="en-US" altLang="en-US" sz="1400" b="0" i="0" u="none" strike="noStrike" cap="none" normalizeH="0" baseline="0" dirty="0" err="1" smtClean="0">
+                <a:ln>
+                  <a:noFill/>
+                </a:ln>
+                <a:solidFill>
+                  <a:srgbClr val="660066"/>
+                </a:solidFill>
+                <a:effectLst/>
+                <a:latin typeface="Consolas" panose="020B0609020204030204" pitchFamily="49" charset="0"/>
+              </a:rPr>
+              <a:t>SyncAdapter</a:t>
+            </a:r>
+            <a:r>
+              <a:rPr kumimoji="0" lang="en-US" altLang="en-US" sz="1400" b="0" i="0" u="none" strike="noStrike" cap="none" normalizeH="0" baseline="0" dirty="0" smtClean="0">
+                <a:ln>
+                  <a:noFill/>
+                </a:ln>
+                <a:solidFill>
+                  <a:srgbClr val="000000"/>
+                </a:solidFill>
+                <a:effectLst/>
+                <a:latin typeface="Consolas" panose="020B0609020204030204" pitchFamily="49" charset="0"/>
+              </a:rPr>
+              <a:t> </a:t>
+            </a:r>
+            <a:r>
+              <a:rPr kumimoji="0" lang="en-US" altLang="en-US" sz="1400" b="0" i="0" u="none" strike="noStrike" cap="none" normalizeH="0" baseline="0" dirty="0" smtClean="0">
+                <a:ln>
+                  <a:noFill/>
+                </a:ln>
+                <a:solidFill>
+                  <a:srgbClr val="000088"/>
+                </a:solidFill>
+                <a:effectLst/>
+                <a:latin typeface="Consolas" panose="020B0609020204030204" pitchFamily="49" charset="0"/>
+              </a:rPr>
+              <a:t>extends</a:t>
+            </a:r>
+            <a:r>
+              <a:rPr kumimoji="0" lang="en-US" altLang="en-US" sz="1400" b="0" i="0" u="none" strike="noStrike" cap="none" normalizeH="0" baseline="0" dirty="0" smtClean="0">
+                <a:ln>
+                  <a:noFill/>
+                </a:ln>
+                <a:solidFill>
+                  <a:srgbClr val="000000"/>
+                </a:solidFill>
+                <a:effectLst/>
+                <a:latin typeface="Consolas" panose="020B0609020204030204" pitchFamily="49" charset="0"/>
+              </a:rPr>
+              <a:t> </a:t>
+            </a:r>
+            <a:r>
+              <a:rPr kumimoji="0" lang="en-US" altLang="en-US" sz="1400" b="0" i="0" u="none" strike="noStrike" cap="none" normalizeH="0" baseline="0" dirty="0" err="1" smtClean="0">
+                <a:ln>
+                  <a:noFill/>
+                </a:ln>
+                <a:solidFill>
+                  <a:srgbClr val="660066"/>
+                </a:solidFill>
+                <a:effectLst/>
+                <a:latin typeface="Consolas" panose="020B0609020204030204" pitchFamily="49" charset="0"/>
+              </a:rPr>
+              <a:t>AbstractThreadedSyncAdapter</a:t>
+            </a:r>
+            <a:r>
+              <a:rPr kumimoji="0" lang="en-US" altLang="en-US" sz="1400" b="0" i="0" u="none" strike="noStrike" cap="none" normalizeH="0" baseline="0" dirty="0" smtClean="0">
+                <a:ln>
+                  <a:noFill/>
+                </a:ln>
+                <a:solidFill>
+                  <a:srgbClr val="000000"/>
+                </a:solidFill>
+                <a:effectLst/>
+                <a:latin typeface="Consolas" panose="020B0609020204030204" pitchFamily="49" charset="0"/>
+              </a:rPr>
+              <a:t> </a:t>
+            </a:r>
+            <a:r>
+              <a:rPr kumimoji="0" lang="en-US" altLang="en-US" sz="1400" b="0" i="0" u="none" strike="noStrike" cap="none" normalizeH="0" baseline="0" dirty="0" smtClean="0">
+                <a:ln>
+                  <a:noFill/>
+                </a:ln>
+                <a:solidFill>
+                  <a:srgbClr val="666600"/>
+                </a:solidFill>
+                <a:effectLst/>
+                <a:latin typeface="Consolas" panose="020B0609020204030204" pitchFamily="49" charset="0"/>
+              </a:rPr>
+              <a:t>{</a:t>
+            </a:r>
+            <a:endParaRPr kumimoji="0" lang="en-US" altLang="en-US" sz="1400" b="0" i="0" u="none" strike="noStrike" cap="none" normalizeH="0" baseline="0" dirty="0" smtClean="0">
+              <a:ln>
+                <a:noFill/>
+              </a:ln>
+              <a:solidFill>
+                <a:schemeClr val="tx1"/>
+              </a:solidFill>
+              <a:effectLst/>
+              <a:latin typeface="Consolas" panose="020B0609020204030204" pitchFamily="49" charset="0"/>
+            </a:endParaRPr>
+          </a:p>
+          <a:p>
+            <a:pPr marL="0" indent="0" eaLnBrk="0" fontAlgn="base" hangingPunct="0">
+              <a:spcBef>
+                <a:spcPct val="0"/>
+              </a:spcBef>
+              <a:spcAft>
+                <a:spcPct val="0"/>
+              </a:spcAft>
+              <a:buNone/>
+            </a:pPr>
+            <a:r>
+              <a:rPr lang="en-US" altLang="en-US" sz="1400" dirty="0" smtClean="0">
+                <a:solidFill>
+                  <a:srgbClr val="006600"/>
+                </a:solidFill>
+                <a:latin typeface="Consolas" panose="020B0609020204030204" pitchFamily="49" charset="0"/>
+              </a:rPr>
+              <a:t>    /**</a:t>
+            </a:r>
+            <a:r>
+              <a:rPr lang="en-US" altLang="en-US" sz="1400" dirty="0">
+                <a:solidFill>
+                  <a:srgbClr val="006600"/>
+                </a:solidFill>
+                <a:latin typeface="Consolas" panose="020B0609020204030204" pitchFamily="49" charset="0"/>
+              </a:rPr>
+              <a:t/>
+            </a:r>
+            <a:br>
+              <a:rPr lang="en-US" altLang="en-US" sz="1400" dirty="0">
+                <a:solidFill>
+                  <a:srgbClr val="006600"/>
+                </a:solidFill>
+                <a:latin typeface="Consolas" panose="020B0609020204030204" pitchFamily="49" charset="0"/>
+              </a:rPr>
+            </a:br>
+            <a:r>
+              <a:rPr lang="en-US" altLang="en-US" sz="1400" dirty="0">
+                <a:solidFill>
+                  <a:srgbClr val="006600"/>
+                </a:solidFill>
+                <a:latin typeface="Consolas" panose="020B0609020204030204" pitchFamily="49" charset="0"/>
+              </a:rPr>
+              <a:t>     * Set up the sync adapter</a:t>
+            </a:r>
+            <a:br>
+              <a:rPr lang="en-US" altLang="en-US" sz="1400" dirty="0">
+                <a:solidFill>
+                  <a:srgbClr val="006600"/>
+                </a:solidFill>
+                <a:latin typeface="Consolas" panose="020B0609020204030204" pitchFamily="49" charset="0"/>
+              </a:rPr>
+            </a:br>
+            <a:r>
+              <a:rPr lang="en-US" altLang="en-US" sz="1400" dirty="0">
+                <a:solidFill>
+                  <a:srgbClr val="006600"/>
+                </a:solidFill>
+                <a:latin typeface="Consolas" panose="020B0609020204030204" pitchFamily="49" charset="0"/>
+              </a:rPr>
+              <a:t>     */</a:t>
+            </a:r>
+            <a:r>
+              <a:rPr lang="en-US" altLang="en-US" sz="1400" dirty="0">
+                <a:solidFill>
+                  <a:srgbClr val="000000"/>
+                </a:solidFill>
+                <a:latin typeface="Consolas" panose="020B0609020204030204" pitchFamily="49" charset="0"/>
+              </a:rPr>
+              <a:t/>
+            </a:r>
+            <a:br>
+              <a:rPr lang="en-US" altLang="en-US" sz="1400" dirty="0">
+                <a:solidFill>
+                  <a:srgbClr val="000000"/>
+                </a:solidFill>
+                <a:latin typeface="Consolas" panose="020B0609020204030204" pitchFamily="49" charset="0"/>
+              </a:rPr>
+            </a:br>
+            <a:r>
+              <a:rPr lang="en-US" altLang="en-US" sz="1400" dirty="0">
+                <a:solidFill>
+                  <a:srgbClr val="000000"/>
+                </a:solidFill>
+                <a:latin typeface="Consolas" panose="020B0609020204030204" pitchFamily="49" charset="0"/>
+              </a:rPr>
+              <a:t>    </a:t>
+            </a:r>
+            <a:r>
+              <a:rPr lang="en-US" altLang="en-US" sz="1400" dirty="0">
+                <a:solidFill>
+                  <a:srgbClr val="000088"/>
+                </a:solidFill>
+                <a:latin typeface="Consolas" panose="020B0609020204030204" pitchFamily="49" charset="0"/>
+              </a:rPr>
+              <a:t>public</a:t>
+            </a:r>
+            <a:r>
+              <a:rPr lang="en-US" altLang="en-US" sz="1400" dirty="0">
+                <a:solidFill>
+                  <a:srgbClr val="000000"/>
+                </a:solidFill>
+                <a:latin typeface="Consolas" panose="020B0609020204030204" pitchFamily="49" charset="0"/>
+              </a:rPr>
+              <a:t> </a:t>
+            </a:r>
+            <a:r>
+              <a:rPr lang="en-US" altLang="en-US" sz="1400" dirty="0" err="1">
+                <a:solidFill>
+                  <a:srgbClr val="660066"/>
+                </a:solidFill>
+                <a:latin typeface="Consolas" panose="020B0609020204030204" pitchFamily="49" charset="0"/>
+              </a:rPr>
+              <a:t>SyncAdapter</a:t>
+            </a:r>
+            <a:r>
+              <a:rPr lang="en-US" altLang="en-US" sz="1400" dirty="0">
+                <a:solidFill>
+                  <a:srgbClr val="666600"/>
+                </a:solidFill>
+                <a:latin typeface="Consolas" panose="020B0609020204030204" pitchFamily="49" charset="0"/>
+              </a:rPr>
+              <a:t>(</a:t>
+            </a:r>
+            <a:r>
+              <a:rPr lang="en-US" altLang="en-US" sz="1400" dirty="0">
+                <a:solidFill>
+                  <a:srgbClr val="660066"/>
+                </a:solidFill>
+                <a:latin typeface="Consolas" panose="020B0609020204030204" pitchFamily="49" charset="0"/>
+              </a:rPr>
+              <a:t>Context</a:t>
+            </a:r>
+            <a:r>
+              <a:rPr lang="en-US" altLang="en-US" sz="1400" dirty="0">
+                <a:solidFill>
+                  <a:srgbClr val="000000"/>
+                </a:solidFill>
+                <a:latin typeface="Consolas" panose="020B0609020204030204" pitchFamily="49" charset="0"/>
+              </a:rPr>
+              <a:t> </a:t>
+            </a:r>
+            <a:r>
+              <a:rPr lang="en-US" altLang="en-US" sz="1400" dirty="0" err="1">
+                <a:solidFill>
+                  <a:srgbClr val="000000"/>
+                </a:solidFill>
+                <a:latin typeface="Consolas" panose="020B0609020204030204" pitchFamily="49" charset="0"/>
+              </a:rPr>
+              <a:t>context</a:t>
+            </a:r>
+            <a:r>
+              <a:rPr lang="en-US" altLang="en-US" sz="1400" dirty="0">
+                <a:solidFill>
+                  <a:srgbClr val="666600"/>
+                </a:solidFill>
+                <a:latin typeface="Consolas" panose="020B0609020204030204" pitchFamily="49" charset="0"/>
+              </a:rPr>
+              <a:t>,</a:t>
+            </a:r>
+            <a:r>
+              <a:rPr lang="en-US" altLang="en-US" sz="1400" dirty="0">
+                <a:solidFill>
+                  <a:srgbClr val="000000"/>
+                </a:solidFill>
+                <a:latin typeface="Consolas" panose="020B0609020204030204" pitchFamily="49" charset="0"/>
+              </a:rPr>
+              <a:t> </a:t>
+            </a:r>
+            <a:r>
+              <a:rPr lang="en-US" altLang="en-US" sz="1400" dirty="0" err="1">
+                <a:solidFill>
+                  <a:srgbClr val="000088"/>
+                </a:solidFill>
+                <a:latin typeface="Consolas" panose="020B0609020204030204" pitchFamily="49" charset="0"/>
+              </a:rPr>
+              <a:t>boolean</a:t>
+            </a:r>
+            <a:r>
+              <a:rPr lang="en-US" altLang="en-US" sz="1400" dirty="0">
+                <a:solidFill>
+                  <a:srgbClr val="000000"/>
+                </a:solidFill>
+                <a:latin typeface="Consolas" panose="020B0609020204030204" pitchFamily="49" charset="0"/>
+              </a:rPr>
+              <a:t> </a:t>
+            </a:r>
+            <a:r>
+              <a:rPr lang="en-US" altLang="en-US" sz="1400" dirty="0" err="1">
+                <a:solidFill>
+                  <a:srgbClr val="000000"/>
+                </a:solidFill>
+                <a:latin typeface="Consolas" panose="020B0609020204030204" pitchFamily="49" charset="0"/>
+              </a:rPr>
+              <a:t>autoInitialize</a:t>
+            </a:r>
+            <a:r>
+              <a:rPr lang="en-US" altLang="en-US" sz="1400" dirty="0">
+                <a:solidFill>
+                  <a:srgbClr val="666600"/>
+                </a:solidFill>
+                <a:latin typeface="Consolas" panose="020B0609020204030204" pitchFamily="49" charset="0"/>
+              </a:rPr>
+              <a:t>)</a:t>
+            </a:r>
+            <a:r>
+              <a:rPr lang="en-US" altLang="en-US" sz="1400" dirty="0">
+                <a:solidFill>
+                  <a:srgbClr val="000000"/>
+                </a:solidFill>
+                <a:latin typeface="Consolas" panose="020B0609020204030204" pitchFamily="49" charset="0"/>
+              </a:rPr>
+              <a:t> </a:t>
+            </a:r>
+            <a:r>
+              <a:rPr lang="en-US" altLang="en-US" sz="1400" dirty="0" smtClean="0">
+                <a:solidFill>
+                  <a:srgbClr val="666600"/>
+                </a:solidFill>
+                <a:latin typeface="Consolas" panose="020B0609020204030204" pitchFamily="49" charset="0"/>
+              </a:rPr>
+              <a:t>{</a:t>
+            </a:r>
+          </a:p>
+          <a:p>
+            <a:pPr marL="0" lvl="0" indent="0" eaLnBrk="0" fontAlgn="base" hangingPunct="0">
+              <a:spcBef>
+                <a:spcPct val="0"/>
+              </a:spcBef>
+              <a:spcAft>
+                <a:spcPct val="0"/>
+              </a:spcAft>
+              <a:buNone/>
+            </a:pPr>
+            <a:r>
+              <a:rPr lang="en-US" altLang="en-US" sz="1400" dirty="0" smtClean="0">
+                <a:solidFill>
+                  <a:srgbClr val="000088"/>
+                </a:solidFill>
+                <a:latin typeface="Consolas" panose="020B0609020204030204" pitchFamily="49" charset="0"/>
+              </a:rPr>
+              <a:t>        super</a:t>
+            </a:r>
+            <a:r>
+              <a:rPr lang="en-US" altLang="en-US" sz="1400" dirty="0" smtClean="0">
+                <a:solidFill>
+                  <a:srgbClr val="666600"/>
+                </a:solidFill>
+                <a:latin typeface="Consolas" panose="020B0609020204030204" pitchFamily="49" charset="0"/>
+              </a:rPr>
+              <a:t>(</a:t>
+            </a:r>
+            <a:r>
+              <a:rPr lang="en-US" altLang="en-US" sz="1400" dirty="0" smtClean="0">
+                <a:solidFill>
+                  <a:srgbClr val="000000"/>
+                </a:solidFill>
+                <a:latin typeface="Consolas" panose="020B0609020204030204" pitchFamily="49" charset="0"/>
+              </a:rPr>
+              <a:t>context</a:t>
+            </a:r>
+            <a:r>
+              <a:rPr lang="en-US" altLang="en-US" sz="1400" dirty="0">
+                <a:solidFill>
+                  <a:srgbClr val="666600"/>
+                </a:solidFill>
+                <a:latin typeface="Consolas" panose="020B0609020204030204" pitchFamily="49" charset="0"/>
+              </a:rPr>
+              <a:t>,</a:t>
+            </a:r>
+            <a:r>
+              <a:rPr lang="en-US" altLang="en-US" sz="1400" dirty="0">
+                <a:solidFill>
+                  <a:srgbClr val="000000"/>
+                </a:solidFill>
+                <a:latin typeface="Consolas" panose="020B0609020204030204" pitchFamily="49" charset="0"/>
+              </a:rPr>
+              <a:t> </a:t>
+            </a:r>
+            <a:r>
+              <a:rPr lang="en-US" altLang="en-US" sz="1400" dirty="0" err="1">
+                <a:solidFill>
+                  <a:srgbClr val="000000"/>
+                </a:solidFill>
+                <a:latin typeface="Consolas" panose="020B0609020204030204" pitchFamily="49" charset="0"/>
+              </a:rPr>
+              <a:t>autoInitialize</a:t>
+            </a:r>
+            <a:r>
+              <a:rPr lang="en-US" altLang="en-US" sz="1400" dirty="0" smtClean="0">
+                <a:solidFill>
+                  <a:srgbClr val="666600"/>
+                </a:solidFill>
+                <a:latin typeface="Consolas" panose="020B0609020204030204" pitchFamily="49" charset="0"/>
+              </a:rPr>
+              <a:t>);</a:t>
+            </a:r>
+          </a:p>
+          <a:p>
+            <a:pPr marL="0" indent="0" eaLnBrk="0" fontAlgn="base" hangingPunct="0">
+              <a:spcBef>
+                <a:spcPct val="0"/>
+              </a:spcBef>
+              <a:spcAft>
+                <a:spcPct val="0"/>
+              </a:spcAft>
+              <a:buNone/>
+            </a:pPr>
+            <a:r>
+              <a:rPr lang="en-US" altLang="en-US" sz="1400" dirty="0">
+                <a:solidFill>
+                  <a:srgbClr val="666600"/>
+                </a:solidFill>
+                <a:latin typeface="Consolas" panose="020B0609020204030204" pitchFamily="49" charset="0"/>
+              </a:rPr>
+              <a:t> </a:t>
+            </a:r>
+            <a:r>
+              <a:rPr lang="en-US" altLang="en-US" sz="1400" dirty="0" smtClean="0">
+                <a:solidFill>
+                  <a:srgbClr val="666600"/>
+                </a:solidFill>
+                <a:latin typeface="Consolas" panose="020B0609020204030204" pitchFamily="49" charset="0"/>
+              </a:rPr>
+              <a:t>   }</a:t>
+            </a:r>
+          </a:p>
+          <a:p>
+            <a:pPr marL="0" indent="0" eaLnBrk="0" fontAlgn="base" hangingPunct="0">
+              <a:spcBef>
+                <a:spcPct val="0"/>
+              </a:spcBef>
+              <a:spcAft>
+                <a:spcPct val="0"/>
+              </a:spcAft>
+              <a:buNone/>
+            </a:pPr>
+            <a:endParaRPr lang="en-US" altLang="en-US" sz="1400" dirty="0" smtClean="0">
+              <a:solidFill>
+                <a:schemeClr val="tx1"/>
+              </a:solidFill>
+              <a:latin typeface="Consolas" panose="020B0609020204030204" pitchFamily="49" charset="0"/>
+            </a:endParaRPr>
+          </a:p>
+          <a:p>
+            <a:pPr marL="0" lvl="0" indent="0" eaLnBrk="0" fontAlgn="base" hangingPunct="0">
+              <a:spcBef>
+                <a:spcPct val="0"/>
+              </a:spcBef>
+              <a:spcAft>
+                <a:spcPct val="0"/>
+              </a:spcAft>
+              <a:buNone/>
+            </a:pPr>
+            <a:r>
+              <a:rPr lang="en-US" altLang="en-US" sz="1400" dirty="0" smtClean="0">
+                <a:solidFill>
+                  <a:srgbClr val="000088"/>
+                </a:solidFill>
+                <a:latin typeface="Consolas" panose="020B0609020204030204" pitchFamily="49" charset="0"/>
+              </a:rPr>
+              <a:t>    public</a:t>
+            </a:r>
+            <a:r>
+              <a:rPr lang="en-US" altLang="en-US" sz="1400" dirty="0" smtClean="0">
+                <a:solidFill>
+                  <a:srgbClr val="000000"/>
+                </a:solidFill>
+                <a:latin typeface="Consolas" panose="020B0609020204030204" pitchFamily="49" charset="0"/>
+              </a:rPr>
+              <a:t> </a:t>
+            </a:r>
+            <a:r>
+              <a:rPr lang="en-US" altLang="en-US" sz="1400" dirty="0" err="1">
+                <a:solidFill>
+                  <a:srgbClr val="660066"/>
+                </a:solidFill>
+                <a:latin typeface="Consolas" panose="020B0609020204030204" pitchFamily="49" charset="0"/>
+              </a:rPr>
+              <a:t>SyncAdapter</a:t>
+            </a:r>
+            <a:r>
+              <a:rPr lang="en-US" altLang="en-US" sz="1400" dirty="0">
+                <a:solidFill>
+                  <a:srgbClr val="666600"/>
+                </a:solidFill>
+                <a:latin typeface="Consolas" panose="020B0609020204030204" pitchFamily="49" charset="0"/>
+              </a:rPr>
+              <a:t>(</a:t>
+            </a:r>
+            <a:r>
+              <a:rPr lang="en-US" altLang="en-US" sz="1400" dirty="0">
+                <a:solidFill>
+                  <a:srgbClr val="000000"/>
+                </a:solidFill>
+                <a:latin typeface="Consolas" panose="020B0609020204030204" pitchFamily="49" charset="0"/>
+              </a:rPr>
+              <a:t/>
+            </a:r>
+            <a:br>
+              <a:rPr lang="en-US" altLang="en-US" sz="1400" dirty="0">
+                <a:solidFill>
+                  <a:srgbClr val="000000"/>
+                </a:solidFill>
+                <a:latin typeface="Consolas" panose="020B0609020204030204" pitchFamily="49" charset="0"/>
+              </a:rPr>
+            </a:br>
+            <a:r>
+              <a:rPr lang="en-US" altLang="en-US" sz="1400" dirty="0">
+                <a:solidFill>
+                  <a:srgbClr val="000000"/>
+                </a:solidFill>
+                <a:latin typeface="Consolas" panose="020B0609020204030204" pitchFamily="49" charset="0"/>
+              </a:rPr>
+              <a:t>            </a:t>
+            </a:r>
+            <a:r>
+              <a:rPr lang="en-US" altLang="en-US" sz="1400" dirty="0">
+                <a:solidFill>
+                  <a:srgbClr val="660066"/>
+                </a:solidFill>
+                <a:latin typeface="Consolas" panose="020B0609020204030204" pitchFamily="49" charset="0"/>
+              </a:rPr>
+              <a:t>Context</a:t>
+            </a:r>
+            <a:r>
+              <a:rPr lang="en-US" altLang="en-US" sz="1400" dirty="0">
+                <a:solidFill>
+                  <a:srgbClr val="000000"/>
+                </a:solidFill>
+                <a:latin typeface="Consolas" panose="020B0609020204030204" pitchFamily="49" charset="0"/>
+              </a:rPr>
+              <a:t> </a:t>
+            </a:r>
+            <a:r>
+              <a:rPr lang="en-US" altLang="en-US" sz="1400" dirty="0" err="1">
+                <a:solidFill>
+                  <a:srgbClr val="000000"/>
+                </a:solidFill>
+                <a:latin typeface="Consolas" panose="020B0609020204030204" pitchFamily="49" charset="0"/>
+              </a:rPr>
+              <a:t>context</a:t>
+            </a:r>
+            <a:r>
+              <a:rPr lang="en-US" altLang="en-US" sz="1400" dirty="0">
+                <a:solidFill>
+                  <a:srgbClr val="666600"/>
+                </a:solidFill>
+                <a:latin typeface="Consolas" panose="020B0609020204030204" pitchFamily="49" charset="0"/>
+              </a:rPr>
+              <a:t>,</a:t>
+            </a:r>
+            <a:r>
+              <a:rPr lang="en-US" altLang="en-US" sz="1400" dirty="0">
+                <a:solidFill>
+                  <a:srgbClr val="000000"/>
+                </a:solidFill>
+                <a:latin typeface="Consolas" panose="020B0609020204030204" pitchFamily="49" charset="0"/>
+              </a:rPr>
+              <a:t/>
+            </a:r>
+            <a:br>
+              <a:rPr lang="en-US" altLang="en-US" sz="1400" dirty="0">
+                <a:solidFill>
+                  <a:srgbClr val="000000"/>
+                </a:solidFill>
+                <a:latin typeface="Consolas" panose="020B0609020204030204" pitchFamily="49" charset="0"/>
+              </a:rPr>
+            </a:br>
+            <a:r>
+              <a:rPr lang="en-US" altLang="en-US" sz="1400" dirty="0">
+                <a:solidFill>
+                  <a:srgbClr val="000000"/>
+                </a:solidFill>
+                <a:latin typeface="Consolas" panose="020B0609020204030204" pitchFamily="49" charset="0"/>
+              </a:rPr>
+              <a:t>            </a:t>
+            </a:r>
+            <a:r>
+              <a:rPr lang="en-US" altLang="en-US" sz="1400" dirty="0" err="1">
+                <a:solidFill>
+                  <a:srgbClr val="000088"/>
+                </a:solidFill>
+                <a:latin typeface="Consolas" panose="020B0609020204030204" pitchFamily="49" charset="0"/>
+              </a:rPr>
+              <a:t>boolean</a:t>
+            </a:r>
+            <a:r>
+              <a:rPr lang="en-US" altLang="en-US" sz="1400" dirty="0">
+                <a:solidFill>
+                  <a:srgbClr val="000000"/>
+                </a:solidFill>
+                <a:latin typeface="Consolas" panose="020B0609020204030204" pitchFamily="49" charset="0"/>
+              </a:rPr>
+              <a:t> </a:t>
+            </a:r>
+            <a:r>
+              <a:rPr lang="en-US" altLang="en-US" sz="1400" dirty="0" err="1">
+                <a:solidFill>
+                  <a:srgbClr val="000000"/>
+                </a:solidFill>
+                <a:latin typeface="Consolas" panose="020B0609020204030204" pitchFamily="49" charset="0"/>
+              </a:rPr>
+              <a:t>autoInitialize</a:t>
+            </a:r>
+            <a:r>
+              <a:rPr lang="en-US" altLang="en-US" sz="1400" dirty="0">
+                <a:solidFill>
+                  <a:srgbClr val="666600"/>
+                </a:solidFill>
+                <a:latin typeface="Consolas" panose="020B0609020204030204" pitchFamily="49" charset="0"/>
+              </a:rPr>
+              <a:t>,</a:t>
+            </a:r>
+            <a:r>
+              <a:rPr lang="en-US" altLang="en-US" sz="1400" dirty="0">
+                <a:solidFill>
+                  <a:srgbClr val="000000"/>
+                </a:solidFill>
+                <a:latin typeface="Consolas" panose="020B0609020204030204" pitchFamily="49" charset="0"/>
+              </a:rPr>
+              <a:t/>
+            </a:r>
+            <a:br>
+              <a:rPr lang="en-US" altLang="en-US" sz="1400" dirty="0">
+                <a:solidFill>
+                  <a:srgbClr val="000000"/>
+                </a:solidFill>
+                <a:latin typeface="Consolas" panose="020B0609020204030204" pitchFamily="49" charset="0"/>
+              </a:rPr>
+            </a:br>
+            <a:r>
+              <a:rPr lang="en-US" altLang="en-US" sz="1400" dirty="0">
+                <a:solidFill>
+                  <a:srgbClr val="000000"/>
+                </a:solidFill>
+                <a:latin typeface="Consolas" panose="020B0609020204030204" pitchFamily="49" charset="0"/>
+              </a:rPr>
+              <a:t>            </a:t>
+            </a:r>
+            <a:r>
+              <a:rPr lang="en-US" altLang="en-US" sz="1400" dirty="0" err="1">
+                <a:solidFill>
+                  <a:srgbClr val="000088"/>
+                </a:solidFill>
+                <a:latin typeface="Consolas" panose="020B0609020204030204" pitchFamily="49" charset="0"/>
+              </a:rPr>
+              <a:t>boolean</a:t>
+            </a:r>
+            <a:r>
+              <a:rPr lang="en-US" altLang="en-US" sz="1400" dirty="0">
+                <a:solidFill>
+                  <a:srgbClr val="000000"/>
+                </a:solidFill>
+                <a:latin typeface="Consolas" panose="020B0609020204030204" pitchFamily="49" charset="0"/>
+              </a:rPr>
+              <a:t> </a:t>
+            </a:r>
+            <a:r>
+              <a:rPr lang="en-US" altLang="en-US" sz="1400" dirty="0" err="1">
+                <a:solidFill>
+                  <a:srgbClr val="000000"/>
+                </a:solidFill>
+                <a:latin typeface="Consolas" panose="020B0609020204030204" pitchFamily="49" charset="0"/>
+              </a:rPr>
+              <a:t>allowParallelSyncs</a:t>
+            </a:r>
+            <a:r>
+              <a:rPr lang="en-US" altLang="en-US" sz="1400" dirty="0">
+                <a:solidFill>
+                  <a:srgbClr val="666600"/>
+                </a:solidFill>
+                <a:latin typeface="Consolas" panose="020B0609020204030204" pitchFamily="49" charset="0"/>
+              </a:rPr>
+              <a:t>)</a:t>
+            </a:r>
+            <a:r>
+              <a:rPr lang="en-US" altLang="en-US" sz="1400" dirty="0">
+                <a:solidFill>
+                  <a:srgbClr val="000000"/>
+                </a:solidFill>
+                <a:latin typeface="Consolas" panose="020B0609020204030204" pitchFamily="49" charset="0"/>
+              </a:rPr>
+              <a:t> </a:t>
+            </a:r>
+            <a:r>
+              <a:rPr lang="en-US" altLang="en-US" sz="1400" dirty="0">
+                <a:solidFill>
+                  <a:srgbClr val="666600"/>
+                </a:solidFill>
+                <a:latin typeface="Consolas" panose="020B0609020204030204" pitchFamily="49" charset="0"/>
+              </a:rPr>
+              <a:t>{</a:t>
+            </a:r>
+            <a:r>
+              <a:rPr lang="en-US" altLang="en-US" sz="1400" dirty="0">
+                <a:solidFill>
+                  <a:srgbClr val="000000"/>
+                </a:solidFill>
+                <a:latin typeface="Consolas" panose="020B0609020204030204" pitchFamily="49" charset="0"/>
+              </a:rPr>
+              <a:t/>
+            </a:r>
+            <a:br>
+              <a:rPr lang="en-US" altLang="en-US" sz="1400" dirty="0">
+                <a:solidFill>
+                  <a:srgbClr val="000000"/>
+                </a:solidFill>
+                <a:latin typeface="Consolas" panose="020B0609020204030204" pitchFamily="49" charset="0"/>
+              </a:rPr>
+            </a:br>
+            <a:r>
+              <a:rPr lang="en-US" altLang="en-US" sz="1400" dirty="0">
+                <a:solidFill>
+                  <a:srgbClr val="000000"/>
+                </a:solidFill>
+                <a:latin typeface="Consolas" panose="020B0609020204030204" pitchFamily="49" charset="0"/>
+              </a:rPr>
+              <a:t>        </a:t>
+            </a:r>
+            <a:r>
+              <a:rPr lang="en-US" altLang="en-US" sz="1400" dirty="0">
+                <a:solidFill>
+                  <a:srgbClr val="000088"/>
+                </a:solidFill>
+                <a:latin typeface="Consolas" panose="020B0609020204030204" pitchFamily="49" charset="0"/>
+              </a:rPr>
+              <a:t>super</a:t>
+            </a:r>
+            <a:r>
+              <a:rPr lang="en-US" altLang="en-US" sz="1400" dirty="0">
+                <a:solidFill>
+                  <a:srgbClr val="666600"/>
+                </a:solidFill>
+                <a:latin typeface="Consolas" panose="020B0609020204030204" pitchFamily="49" charset="0"/>
+              </a:rPr>
+              <a:t>(</a:t>
+            </a:r>
+            <a:r>
+              <a:rPr lang="en-US" altLang="en-US" sz="1400" dirty="0">
+                <a:solidFill>
+                  <a:srgbClr val="000000"/>
+                </a:solidFill>
+                <a:latin typeface="Consolas" panose="020B0609020204030204" pitchFamily="49" charset="0"/>
+              </a:rPr>
+              <a:t>context</a:t>
+            </a:r>
+            <a:r>
+              <a:rPr lang="en-US" altLang="en-US" sz="1400" dirty="0">
+                <a:solidFill>
+                  <a:srgbClr val="666600"/>
+                </a:solidFill>
+                <a:latin typeface="Consolas" panose="020B0609020204030204" pitchFamily="49" charset="0"/>
+              </a:rPr>
+              <a:t>,</a:t>
+            </a:r>
+            <a:r>
+              <a:rPr lang="en-US" altLang="en-US" sz="1400" dirty="0">
+                <a:solidFill>
+                  <a:srgbClr val="000000"/>
+                </a:solidFill>
+                <a:latin typeface="Consolas" panose="020B0609020204030204" pitchFamily="49" charset="0"/>
+              </a:rPr>
+              <a:t> </a:t>
+            </a:r>
+            <a:r>
+              <a:rPr lang="en-US" altLang="en-US" sz="1400" dirty="0" err="1">
+                <a:solidFill>
+                  <a:srgbClr val="000000"/>
+                </a:solidFill>
+                <a:latin typeface="Consolas" panose="020B0609020204030204" pitchFamily="49" charset="0"/>
+              </a:rPr>
+              <a:t>autoInitialize</a:t>
+            </a:r>
+            <a:r>
+              <a:rPr lang="en-US" altLang="en-US" sz="1400" dirty="0">
+                <a:solidFill>
+                  <a:srgbClr val="666600"/>
+                </a:solidFill>
+                <a:latin typeface="Consolas" panose="020B0609020204030204" pitchFamily="49" charset="0"/>
+              </a:rPr>
+              <a:t>,</a:t>
+            </a:r>
+            <a:r>
+              <a:rPr lang="en-US" altLang="en-US" sz="1400" dirty="0">
+                <a:solidFill>
+                  <a:srgbClr val="000000"/>
+                </a:solidFill>
+                <a:latin typeface="Consolas" panose="020B0609020204030204" pitchFamily="49" charset="0"/>
+              </a:rPr>
+              <a:t> </a:t>
+            </a:r>
+            <a:r>
+              <a:rPr lang="en-US" altLang="en-US" sz="1400" dirty="0" err="1">
+                <a:solidFill>
+                  <a:srgbClr val="000000"/>
+                </a:solidFill>
+                <a:latin typeface="Consolas" panose="020B0609020204030204" pitchFamily="49" charset="0"/>
+              </a:rPr>
+              <a:t>allowParallelSyncs</a:t>
+            </a:r>
+            <a:r>
+              <a:rPr lang="en-US" altLang="en-US" sz="1400" dirty="0" smtClean="0">
+                <a:solidFill>
+                  <a:srgbClr val="666600"/>
+                </a:solidFill>
+                <a:latin typeface="Consolas" panose="020B0609020204030204" pitchFamily="49" charset="0"/>
+              </a:rPr>
+              <a:t>);</a:t>
+            </a:r>
+            <a:endParaRPr lang="en-US" altLang="en-US" sz="1400" dirty="0" smtClean="0">
+              <a:solidFill>
+                <a:schemeClr val="tx1"/>
+              </a:solidFill>
+              <a:latin typeface="Consolas" panose="020B0609020204030204" pitchFamily="49" charset="0"/>
+            </a:endParaRPr>
+          </a:p>
+          <a:p>
+            <a:pPr marL="0" lvl="0" indent="0" eaLnBrk="0" fontAlgn="base" hangingPunct="0">
+              <a:spcBef>
+                <a:spcPct val="0"/>
+              </a:spcBef>
+              <a:spcAft>
+                <a:spcPct val="0"/>
+              </a:spcAft>
+              <a:buNone/>
+            </a:pPr>
+            <a:r>
+              <a:rPr lang="en-US" altLang="en-US" sz="1400" dirty="0" smtClean="0">
+                <a:solidFill>
+                  <a:srgbClr val="666600"/>
+                </a:solidFill>
+                <a:latin typeface="Consolas" panose="020B0609020204030204" pitchFamily="49" charset="0"/>
+              </a:rPr>
+              <a:t>    }</a:t>
+            </a:r>
+          </a:p>
+          <a:p>
+            <a:pPr marL="0" lvl="0" indent="0" eaLnBrk="0" fontAlgn="base" hangingPunct="0">
+              <a:spcBef>
+                <a:spcPct val="0"/>
+              </a:spcBef>
+              <a:spcAft>
+                <a:spcPct val="0"/>
+              </a:spcAft>
+              <a:buNone/>
+            </a:pPr>
+            <a:r>
+              <a:rPr lang="en-US" altLang="en-US" sz="1400" dirty="0" smtClean="0">
+                <a:solidFill>
+                  <a:srgbClr val="666600"/>
+                </a:solidFill>
+                <a:latin typeface="Consolas" panose="020B0609020204030204" pitchFamily="49" charset="0"/>
+              </a:rPr>
+              <a:t>}</a:t>
+            </a:r>
+            <a:endParaRPr lang="en-US" altLang="en-US" sz="1400" dirty="0">
+              <a:solidFill>
+                <a:schemeClr val="tx1"/>
+              </a:solidFill>
+              <a:latin typeface="Consolas" panose="020B0609020204030204" pitchFamily="49" charset="0"/>
+            </a:endParaRPr>
+          </a:p>
+        </p:txBody>
+      </p:sp>
+      <p:sp>
+        <p:nvSpPr>
+          <p:cNvPr id="7" name="Rectangle 3"/>
+          <p:cNvSpPr>
+            <a:spLocks noChangeArrowheads="1"/>
+          </p:cNvSpPr>
+          <p:nvPr/>
+        </p:nvSpPr>
+        <p:spPr bwMode="auto">
+          <a:xfrm>
+            <a:off x="0" y="9975"/>
+            <a:ext cx="65" cy="437249"/>
+          </a:xfrm>
+          <a:prstGeom prst="rect">
+            <a:avLst/>
+          </a:prstGeom>
+          <a:solidFill>
+            <a:srgbClr val="F7F7F7"/>
+          </a:solidFill>
+          <a:ln>
+            <a:noFill/>
+          </a:ln>
+          <a:effectLst/>
+          <a:extLst>
+            <a:ext uri="{91240B29-F687-4F45-9708-019B960494DF}">
+              <a14:hiddenLine xmlns:a14="http://schemas.microsoft.com/office/drawing/2010/main" w="9525">
+                <a:solidFill>
+                  <a:schemeClr val="tx1"/>
+                </a:solidFill>
+                <a:miter lim="800000"/>
+                <a:headEnd/>
+                <a:tailEnd/>
+              </a14:hiddenLine>
+            </a:ext>
+            <a:ext uri="{AF507438-7753-43E0-B8FC-AC1667EBCBE1}">
+              <a14:hiddenEffects xmlns:a14="http://schemas.microsoft.com/office/drawing/2010/main">
+                <a:effectLst>
+                  <a:outerShdw dist="35921" dir="2700000" algn="ctr" rotWithShape="0">
+                    <a:schemeClr val="bg2"/>
+                  </a:outerShdw>
+                </a:effectLst>
+              </a14:hiddenEffects>
+            </a:ext>
+          </a:extLst>
+        </p:spPr>
+        <p:txBody>
+          <a:bodyPr vert="horz" wrap="none" lIns="0" tIns="0" rIns="0" bIns="158700" numCol="1" anchor="ctr" anchorCtr="0" compatLnSpc="1">
+            <a:prstTxWarp prst="textNoShape">
+              <a:avLst/>
+            </a:prstTxWarp>
+            <a:spAutoFit/>
+          </a:bodyPr>
+          <a:lstStyle/>
+          <a:p>
+            <a:pPr marL="0" marR="0" lvl="0" indent="0" algn="l" defTabSz="914400" rtl="0" eaLnBrk="0" fontAlgn="base" latinLnBrk="0" hangingPunct="0">
+              <a:lnSpc>
+                <a:spcPct val="100000"/>
+              </a:lnSpc>
+              <a:spcBef>
+                <a:spcPct val="0"/>
+              </a:spcBef>
+              <a:spcAft>
+                <a:spcPct val="0"/>
+              </a:spcAft>
+              <a:buClrTx/>
+              <a:buSzTx/>
+              <a:buFontTx/>
+              <a:buNone/>
+              <a:tabLst/>
+            </a:pPr>
+            <a:endParaRPr kumimoji="0" lang="en-US" altLang="en-US" sz="1800" b="0" i="0" u="none" strike="noStrike" cap="none" normalizeH="0" baseline="0" dirty="0" smtClean="0">
+              <a:ln>
+                <a:noFill/>
+              </a:ln>
+              <a:solidFill>
+                <a:schemeClr val="tx1"/>
+              </a:solidFill>
+              <a:effectLst/>
+              <a:latin typeface="Arial" panose="020B0604020202020204" pitchFamily="34" charset="0"/>
+            </a:endParaRPr>
+          </a:p>
+        </p:txBody>
+      </p:sp>
+      <p:sp>
+        <p:nvSpPr>
+          <p:cNvPr id="8" name="Rectangle 4"/>
+          <p:cNvSpPr>
+            <a:spLocks noChangeArrowheads="1"/>
+          </p:cNvSpPr>
+          <p:nvPr/>
+        </p:nvSpPr>
+        <p:spPr bwMode="auto">
+          <a:xfrm>
+            <a:off x="0" y="9975"/>
+            <a:ext cx="65" cy="437249"/>
+          </a:xfrm>
+          <a:prstGeom prst="rect">
+            <a:avLst/>
+          </a:prstGeom>
+          <a:solidFill>
+            <a:srgbClr val="F7F7F7"/>
+          </a:solidFill>
+          <a:ln>
+            <a:noFill/>
+          </a:ln>
+          <a:effectLst/>
+          <a:extLst>
+            <a:ext uri="{91240B29-F687-4F45-9708-019B960494DF}">
+              <a14:hiddenLine xmlns:a14="http://schemas.microsoft.com/office/drawing/2010/main" w="9525">
+                <a:solidFill>
+                  <a:schemeClr val="tx1"/>
+                </a:solidFill>
+                <a:miter lim="800000"/>
+                <a:headEnd/>
+                <a:tailEnd/>
+              </a14:hiddenLine>
+            </a:ext>
+            <a:ext uri="{AF507438-7753-43E0-B8FC-AC1667EBCBE1}">
+              <a14:hiddenEffects xmlns:a14="http://schemas.microsoft.com/office/drawing/2010/main">
+                <a:effectLst>
+                  <a:outerShdw dist="35921" dir="2700000" algn="ctr" rotWithShape="0">
+                    <a:schemeClr val="bg2"/>
+                  </a:outerShdw>
+                </a:effectLst>
+              </a14:hiddenEffects>
+            </a:ext>
+          </a:extLst>
+        </p:spPr>
+        <p:txBody>
+          <a:bodyPr vert="horz" wrap="none" lIns="0" tIns="0" rIns="0" bIns="158700" numCol="1" anchor="ctr" anchorCtr="0" compatLnSpc="1">
+            <a:prstTxWarp prst="textNoShape">
+              <a:avLst/>
+            </a:prstTxWarp>
+            <a:spAutoFit/>
+          </a:bodyPr>
+          <a:lstStyle/>
+          <a:p>
+            <a:pPr marL="0" marR="0" lvl="0" indent="0" algn="l" defTabSz="914400" rtl="0" eaLnBrk="0" fontAlgn="base" latinLnBrk="0" hangingPunct="0">
+              <a:lnSpc>
+                <a:spcPct val="100000"/>
+              </a:lnSpc>
+              <a:spcBef>
+                <a:spcPct val="0"/>
+              </a:spcBef>
+              <a:spcAft>
+                <a:spcPct val="0"/>
+              </a:spcAft>
+              <a:buClrTx/>
+              <a:buSzTx/>
+              <a:buFontTx/>
+              <a:buNone/>
+              <a:tabLst/>
+            </a:pPr>
+            <a:endParaRPr kumimoji="0" lang="en-US" altLang="en-US" sz="1800" b="0" i="0" u="none" strike="noStrike" cap="none" normalizeH="0" baseline="0" dirty="0" smtClean="0">
+              <a:ln>
+                <a:noFill/>
+              </a:ln>
+              <a:solidFill>
+                <a:schemeClr val="tx1"/>
+              </a:solidFill>
+              <a:effectLst/>
+              <a:latin typeface="Arial" panose="020B0604020202020204" pitchFamily="34" charset="0"/>
+            </a:endParaRPr>
+          </a:p>
+        </p:txBody>
+      </p:sp>
+    </p:spTree>
+    <p:extLst>
+      <p:ext uri="{BB962C8B-B14F-4D97-AF65-F5344CB8AC3E}">
+        <p14:creationId xmlns:p14="http://schemas.microsoft.com/office/powerpoint/2010/main" val="3397357303"/>
+      </p:ext>
+    </p:extLst>
+  </p:cSld>
+  <p:clrMapOvr>
+    <a:masterClrMapping/>
+  </p:clrMapOvr>
+  <mc:AlternateContent xmlns:mc="http://schemas.openxmlformats.org/markup-compatibility/2006" xmlns:p14="http://schemas.microsoft.com/office/powerpoint/2010/main">
+    <mc:Choice Requires="p14">
+      <p:transition p14:dur="250">
+        <p14:reveal/>
+      </p:transition>
+    </mc:Choice>
+    <mc:Fallback xmlns="">
+      <p:transition>
+        <p:fade/>
+      </p:transition>
+    </mc:Fallback>
+  </mc:AlternateContent>
+  <p:timing>
+    <p:tnLst>
+      <p:par>
+        <p:cTn id="1" dur="indefinite" restart="never" nodeType="tmRoot"/>
+      </p:par>
+    </p:tnLst>
+  </p:timing>
+</p:sld>
+</file>
+
+<file path=ppt/slides/slide15.xml><?xml version="1.0" encoding="utf-8"?>
+<p:sld xmlns:a="http://schemas.openxmlformats.org/drawingml/2006/main" xmlns:r="http://schemas.openxmlformats.org/officeDocument/2006/relationships" xmlns:p="http://schemas.openxmlformats.org/presentationml/2006/main">
+  <p:cSld>
+    <p:spTree>
+      <p:nvGrpSpPr>
+        <p:cNvPr id="1" name=""/>
+        <p:cNvGrpSpPr/>
+        <p:nvPr/>
+      </p:nvGrpSpPr>
+      <p:grpSpPr>
+        <a:xfrm>
+          <a:off x="0" y="0"/>
+          <a:ext cx="0" cy="0"/>
+          <a:chOff x="0" y="0"/>
+          <a:chExt cx="0" cy="0"/>
+        </a:xfrm>
+      </p:grpSpPr>
+      <p:sp>
+        <p:nvSpPr>
+          <p:cNvPr id="2" name="Title 1"/>
+          <p:cNvSpPr>
+            <a:spLocks noGrp="1"/>
+          </p:cNvSpPr>
+          <p:nvPr>
+            <p:ph type="title"/>
+          </p:nvPr>
+        </p:nvSpPr>
+        <p:spPr/>
+        <p:txBody>
+          <a:bodyPr/>
+          <a:lstStyle/>
+          <a:p>
+            <a:r>
+              <a:rPr lang="en-US" dirty="0" err="1" smtClean="0"/>
+              <a:t>onPerformSync</a:t>
+            </a:r>
+            <a:r>
+              <a:rPr lang="en-US" dirty="0" smtClean="0"/>
+              <a:t>()</a:t>
+            </a:r>
+            <a:endParaRPr lang="en-US" dirty="0"/>
+          </a:p>
+        </p:txBody>
+      </p:sp>
+      <p:sp>
+        <p:nvSpPr>
+          <p:cNvPr id="3" name="Content Placeholder 2"/>
+          <p:cNvSpPr>
+            <a:spLocks noGrp="1"/>
+          </p:cNvSpPr>
+          <p:nvPr>
+            <p:ph idx="1"/>
+          </p:nvPr>
+        </p:nvSpPr>
+        <p:spPr/>
+        <p:txBody>
+          <a:bodyPr>
+            <a:normAutofit lnSpcReduction="10000"/>
+          </a:bodyPr>
+          <a:lstStyle/>
+          <a:p>
+            <a:r>
+              <a:rPr lang="en-US" dirty="0" smtClean="0"/>
+              <a:t>Sync adapter framework invokes your </a:t>
+            </a:r>
+            <a:r>
+              <a:rPr lang="en-US" dirty="0" err="1" smtClean="0"/>
+              <a:t>SyncAdapter</a:t>
+            </a:r>
+            <a:endParaRPr lang="en-US" dirty="0" smtClean="0"/>
+          </a:p>
+          <a:p>
+            <a:pPr lvl="1"/>
+            <a:r>
+              <a:rPr lang="en-US" dirty="0" smtClean="0"/>
+              <a:t>Calls </a:t>
+            </a:r>
+            <a:r>
+              <a:rPr lang="en-US" dirty="0" err="1" smtClean="0"/>
+              <a:t>onPerformSync</a:t>
+            </a:r>
+            <a:r>
+              <a:rPr lang="en-US" dirty="0" smtClean="0"/>
+              <a:t>()</a:t>
+            </a:r>
+          </a:p>
+          <a:p>
+            <a:pPr lvl="1"/>
+            <a:endParaRPr lang="en-US" dirty="0"/>
+          </a:p>
+          <a:p>
+            <a:r>
+              <a:rPr lang="en-US" dirty="0" smtClean="0"/>
+              <a:t>Account</a:t>
+            </a:r>
+          </a:p>
+          <a:p>
+            <a:r>
+              <a:rPr lang="en-US" dirty="0" smtClean="0"/>
+              <a:t>Bundle</a:t>
+            </a:r>
+          </a:p>
+          <a:p>
+            <a:r>
+              <a:rPr lang="en-US" dirty="0" smtClean="0"/>
+              <a:t>Authority</a:t>
+            </a:r>
+          </a:p>
+          <a:p>
+            <a:r>
+              <a:rPr lang="en-US" dirty="0" err="1" smtClean="0"/>
+              <a:t>ContentProviderClient</a:t>
+            </a:r>
+            <a:endParaRPr lang="en-US" dirty="0" smtClean="0"/>
+          </a:p>
+          <a:p>
+            <a:r>
+              <a:rPr lang="en-US" dirty="0" err="1" smtClean="0"/>
+              <a:t>SyncResult</a:t>
+            </a:r>
+            <a:endParaRPr lang="en-US" dirty="0"/>
+          </a:p>
+        </p:txBody>
+      </p:sp>
+    </p:spTree>
+    <p:extLst>
+      <p:ext uri="{BB962C8B-B14F-4D97-AF65-F5344CB8AC3E}">
+        <p14:creationId xmlns:p14="http://schemas.microsoft.com/office/powerpoint/2010/main" val="1011405133"/>
+      </p:ext>
+    </p:extLst>
+  </p:cSld>
+  <p:clrMapOvr>
+    <a:masterClrMapping/>
+  </p:clrMapOvr>
+  <mc:AlternateContent xmlns:mc="http://schemas.openxmlformats.org/markup-compatibility/2006" xmlns:p14="http://schemas.microsoft.com/office/powerpoint/2010/main">
+    <mc:Choice Requires="p14">
+      <p:transition p14:dur="250">
+        <p14:reveal/>
+      </p:transition>
+    </mc:Choice>
+    <mc:Fallback xmlns="">
+      <p:transition>
+        <p:fade/>
+      </p:transition>
+    </mc:Fallback>
+  </mc:AlternateContent>
+  <p:timing>
+    <p:tnLst>
+      <p:par>
+        <p:cTn id="1" dur="indefinite" restart="never" nodeType="tmRoot"/>
+      </p:par>
+    </p:tnLst>
+  </p:timing>
+</p:sld>
+</file>
+
+<file path=ppt/slides/slide16.xml><?xml version="1.0" encoding="utf-8"?>
+<p:sld xmlns:a="http://schemas.openxmlformats.org/drawingml/2006/main" xmlns:r="http://schemas.openxmlformats.org/officeDocument/2006/relationships" xmlns:p="http://schemas.openxmlformats.org/presentationml/2006/main">
+  <p:cSld>
+    <p:spTree>
+      <p:nvGrpSpPr>
+        <p:cNvPr id="1" name=""/>
+        <p:cNvGrpSpPr/>
+        <p:nvPr/>
+      </p:nvGrpSpPr>
+      <p:grpSpPr>
+        <a:xfrm>
+          <a:off x="0" y="0"/>
+          <a:ext cx="0" cy="0"/>
+          <a:chOff x="0" y="0"/>
+          <a:chExt cx="0" cy="0"/>
+        </a:xfrm>
+      </p:grpSpPr>
       <p:sp>
         <p:nvSpPr>
           <p:cNvPr id="2" name="Title 1"/>
@@ -14196,7 +14824,7 @@
 </p:sld>
 </file>
 
-<file path=ppt/slides/slide13.xml><?xml version="1.0" encoding="utf-8"?>
+<file path=ppt/slides/slide17.xml><?xml version="1.0" encoding="utf-8"?>
 <p:sld xmlns:a="http://schemas.openxmlformats.org/drawingml/2006/main" xmlns:r="http://schemas.openxmlformats.org/officeDocument/2006/relationships" xmlns:p="http://schemas.openxmlformats.org/presentationml/2006/main">
   <p:cSld>
     <p:spTree>
@@ -14762,13 +15390,13 @@
   <p:clrMapOvr>
     <a:masterClrMapping/>
   </p:clrMapOvr>
-  <mc:AlternateContent xmlns:mc="http://schemas.openxmlformats.org/markup-compatibility/2006" xmlns:p14="http://schemas.microsoft.com/office/powerpoint/2010/main">
-    <mc:Choice Requires="p14">
+  <mc:AlternateContent xmlns:mc="http://schemas.openxmlformats.org/markup-compatibility/2006">
+    <mc:Choice xmlns:p14="http://schemas.microsoft.com/office/powerpoint/2010/main" Requires="p14">
       <p:transition p14:dur="250">
         <p14:reveal/>
       </p:transition>
     </mc:Choice>
-    <mc:Fallback xmlns="">
+    <mc:Fallback>
       <p:transition>
         <p:fade/>
       </p:transition>
@@ -14777,7 +15405,136 @@
   <p:timing>
     <p:tnLst>
       <p:par>
-        <p:cTn id="1" dur="indefinite" restart="never" nodeType="tmRoot"/>
+        <p:cTn id="1" dur="indefinite" restart="never" nodeType="tmRoot">
+          <p:childTnLst>
+            <p:seq concurrent="1" nextAc="seek">
+              <p:cTn id="2" dur="indefinite" nodeType="mainSeq">
+                <p:childTnLst>
+                  <p:par>
+                    <p:cTn id="3" fill="hold">
+                      <p:stCondLst>
+                        <p:cond delay="indefinite"/>
+                      </p:stCondLst>
+                      <p:childTnLst>
+                        <p:par>
+                          <p:cTn id="4" fill="hold">
+                            <p:stCondLst>
+                              <p:cond delay="0"/>
+                            </p:stCondLst>
+                            <p:childTnLst>
+                              <p:par>
+                                <p:cTn id="5" presetID="22" presetClass="entr" presetSubtype="2" fill="hold" nodeType="clickEffect">
+                                  <p:stCondLst>
+                                    <p:cond delay="0"/>
+                                  </p:stCondLst>
+                                  <p:childTnLst>
+                                    <p:set>
+                                      <p:cBhvr>
+                                        <p:cTn id="6" dur="1" fill="hold">
+                                          <p:stCondLst>
+                                            <p:cond delay="0"/>
+                                          </p:stCondLst>
+                                        </p:cTn>
+                                        <p:tgtEl>
+                                          <p:spTgt spid="20"/>
+                                        </p:tgtEl>
+                                        <p:attrNameLst>
+                                          <p:attrName>style.visibility</p:attrName>
+                                        </p:attrNameLst>
+                                      </p:cBhvr>
+                                      <p:to>
+                                        <p:strVal val="visible"/>
+                                      </p:to>
+                                    </p:set>
+                                    <p:animEffect transition="in" filter="wipe(right)">
+                                      <p:cBhvr>
+                                        <p:cTn id="7" dur="300"/>
+                                        <p:tgtEl>
+                                          <p:spTgt spid="20"/>
+                                        </p:tgtEl>
+                                      </p:cBhvr>
+                                    </p:animEffect>
+                                  </p:childTnLst>
+                                </p:cTn>
+                              </p:par>
+                            </p:childTnLst>
+                          </p:cTn>
+                        </p:par>
+                      </p:childTnLst>
+                    </p:cTn>
+                  </p:par>
+                  <p:par>
+                    <p:cTn id="8" fill="hold">
+                      <p:stCondLst>
+                        <p:cond delay="indefinite"/>
+                      </p:stCondLst>
+                      <p:childTnLst>
+                        <p:par>
+                          <p:cTn id="9" fill="hold">
+                            <p:stCondLst>
+                              <p:cond delay="0"/>
+                            </p:stCondLst>
+                            <p:childTnLst>
+                              <p:par>
+                                <p:cTn id="10" presetID="22" presetClass="entr" presetSubtype="2" fill="hold" nodeType="clickEffect">
+                                  <p:stCondLst>
+                                    <p:cond delay="0"/>
+                                  </p:stCondLst>
+                                  <p:childTnLst>
+                                    <p:set>
+                                      <p:cBhvr>
+                                        <p:cTn id="11" dur="1" fill="hold">
+                                          <p:stCondLst>
+                                            <p:cond delay="0"/>
+                                          </p:stCondLst>
+                                        </p:cTn>
+                                        <p:tgtEl>
+                                          <p:spTgt spid="11"/>
+                                        </p:tgtEl>
+                                        <p:attrNameLst>
+                                          <p:attrName>style.visibility</p:attrName>
+                                        </p:attrNameLst>
+                                      </p:cBhvr>
+                                      <p:to>
+                                        <p:strVal val="visible"/>
+                                      </p:to>
+                                    </p:set>
+                                    <p:animEffect transition="in" filter="wipe(right)">
+                                      <p:cBhvr>
+                                        <p:cTn id="12" dur="300"/>
+                                        <p:tgtEl>
+                                          <p:spTgt spid="11"/>
+                                        </p:tgtEl>
+                                      </p:cBhvr>
+                                    </p:animEffect>
+                                  </p:childTnLst>
+                                </p:cTn>
+                              </p:par>
+                            </p:childTnLst>
+                          </p:cTn>
+                        </p:par>
+                      </p:childTnLst>
+                    </p:cTn>
+                  </p:par>
+                </p:childTnLst>
+              </p:cTn>
+              <p:prevCondLst>
+                <p:cond evt="onPrev" delay="0">
+                  <p:tgtEl>
+                    <p:sldTgt/>
+                  </p:tgtEl>
+                </p:cond>
+              </p:prevCondLst>
+              <p:nextCondLst>
+                <p:cond evt="onNext" delay="0">
+                  <p:tgtEl>
+                    <p:sldTgt/>
+                  </p:tgtEl>
+                </p:cond>
+              </p:nextCondLst>
+            </p:seq>
+          </p:childTnLst>
+        </p:cTn>
       </p:par>
     </p:tnLst>
   </p:timing>
@@ -14803,6 +15560,1998 @@
       </p:grpSpPr>
       <p:sp>
         <p:nvSpPr>
+          <p:cNvPr id="13" name="Rounded Rectangle 12"/>
+          <p:cNvSpPr/>
+          <p:nvPr/>
+        </p:nvSpPr>
+        <p:spPr>
+          <a:xfrm>
+            <a:off x="5519937" y="620689"/>
+            <a:ext cx="5270376" cy="795528"/>
+          </a:xfrm>
+          <a:prstGeom prst="roundRect">
+            <a:avLst/>
+          </a:prstGeom>
+          <a:solidFill>
+            <a:srgbClr val="F8C02B"/>
+          </a:solidFill>
+          <a:ln/>
+        </p:spPr>
+        <p:style>
+          <a:lnRef idx="3">
+            <a:schemeClr val="lt1"/>
+          </a:lnRef>
+          <a:fillRef idx="1">
+            <a:schemeClr val="accent6"/>
+          </a:fillRef>
+          <a:effectRef idx="1">
+            <a:schemeClr val="accent6"/>
+          </a:effectRef>
+          <a:fontRef idx="minor">
+            <a:schemeClr val="lt1"/>
+          </a:fontRef>
+        </p:style>
+        <p:txBody>
+          <a:bodyPr rtlCol="0" anchor="ctr"/>
+          <a:lstStyle/>
+          <a:p>
+            <a:pPr algn="ctr"/>
+            <a:r>
+              <a:rPr lang="en-US" sz="2800" b="1" dirty="0" smtClean="0">
+                <a:solidFill>
+                  <a:schemeClr val="bg1"/>
+                </a:solidFill>
+              </a:rPr>
+              <a:t>UI</a:t>
+            </a:r>
+            <a:endParaRPr lang="en-US" sz="2800" b="1" dirty="0">
+              <a:solidFill>
+                <a:schemeClr val="bg1"/>
+              </a:solidFill>
+            </a:endParaRPr>
+          </a:p>
+        </p:txBody>
+      </p:sp>
+      <p:sp>
+        <p:nvSpPr>
+          <p:cNvPr id="14" name="Rounded Rectangle 13"/>
+          <p:cNvSpPr/>
+          <p:nvPr/>
+        </p:nvSpPr>
+        <p:spPr>
+          <a:xfrm>
+            <a:off x="5519937" y="4019260"/>
+            <a:ext cx="5270376" cy="795528"/>
+          </a:xfrm>
+          <a:prstGeom prst="roundRect">
+            <a:avLst/>
+          </a:prstGeom>
+          <a:solidFill>
+            <a:schemeClr val="accent5">
+              <a:lumMod val="75000"/>
+            </a:schemeClr>
+          </a:solidFill>
+          <a:ln/>
+        </p:spPr>
+        <p:style>
+          <a:lnRef idx="3">
+            <a:schemeClr val="lt1"/>
+          </a:lnRef>
+          <a:fillRef idx="1">
+            <a:schemeClr val="accent6"/>
+          </a:fillRef>
+          <a:effectRef idx="1">
+            <a:schemeClr val="accent6"/>
+          </a:effectRef>
+          <a:fontRef idx="minor">
+            <a:schemeClr val="lt1"/>
+          </a:fontRef>
+        </p:style>
+        <p:txBody>
+          <a:bodyPr rtlCol="0" anchor="ctr"/>
+          <a:lstStyle/>
+          <a:p>
+            <a:pPr algn="ctr"/>
+            <a:r>
+              <a:rPr lang="en-US" sz="2800" b="1" dirty="0" smtClean="0">
+                <a:solidFill>
+                  <a:schemeClr val="bg1"/>
+                </a:solidFill>
+              </a:rPr>
+              <a:t>Network</a:t>
+            </a:r>
+            <a:endParaRPr lang="en-US" sz="2800" b="1" dirty="0">
+              <a:solidFill>
+                <a:schemeClr val="bg1"/>
+              </a:solidFill>
+            </a:endParaRPr>
+          </a:p>
+        </p:txBody>
+      </p:sp>
+      <p:sp>
+        <p:nvSpPr>
+          <p:cNvPr id="15" name="Cloud 14"/>
+          <p:cNvSpPr/>
+          <p:nvPr/>
+        </p:nvSpPr>
+        <p:spPr>
+          <a:xfrm>
+            <a:off x="9955323" y="5517232"/>
+            <a:ext cx="2088232" cy="1484784"/>
+          </a:xfrm>
+          <a:prstGeom prst="cloud">
+            <a:avLst/>
+          </a:prstGeom>
+          <a:solidFill>
+            <a:schemeClr val="bg1">
+              <a:lumMod val="65000"/>
+            </a:schemeClr>
+          </a:solidFill>
+          <a:ln>
+            <a:solidFill>
+              <a:schemeClr val="bg1"/>
+            </a:solidFill>
+          </a:ln>
+        </p:spPr>
+        <p:style>
+          <a:lnRef idx="2">
+            <a:schemeClr val="accent1">
+              <a:shade val="50000"/>
+            </a:schemeClr>
+          </a:lnRef>
+          <a:fillRef idx="1">
+            <a:schemeClr val="accent1"/>
+          </a:fillRef>
+          <a:effectRef idx="0">
+            <a:schemeClr val="accent1"/>
+          </a:effectRef>
+          <a:fontRef idx="minor">
+            <a:schemeClr val="lt1"/>
+          </a:fontRef>
+        </p:style>
+        <p:txBody>
+          <a:bodyPr rtlCol="0" anchor="ctr"/>
+          <a:lstStyle/>
+          <a:p>
+            <a:pPr algn="ctr"/>
+            <a:r>
+              <a:rPr lang="en-US" dirty="0" err="1" smtClean="0">
+                <a:latin typeface="Arial Black" panose="020B0A04020102020204" pitchFamily="34" charset="0"/>
+              </a:rPr>
+              <a:t>ze</a:t>
+            </a:r>
+            <a:r>
+              <a:rPr lang="en-US" dirty="0" smtClean="0">
+                <a:latin typeface="Arial Black" panose="020B0A04020102020204" pitchFamily="34" charset="0"/>
+              </a:rPr>
+              <a:t> internet</a:t>
+            </a:r>
+            <a:endParaRPr lang="en-US" dirty="0">
+              <a:latin typeface="Arial Black" panose="020B0A04020102020204" pitchFamily="34" charset="0"/>
+            </a:endParaRPr>
+          </a:p>
+        </p:txBody>
+      </p:sp>
+      <p:cxnSp>
+        <p:nvCxnSpPr>
+          <p:cNvPr id="16" name="Elbow Connector 15"/>
+          <p:cNvCxnSpPr>
+            <a:stCxn id="14" idx="2"/>
+          </p:cNvCxnSpPr>
+          <p:nvPr/>
+        </p:nvCxnSpPr>
+        <p:spPr>
+          <a:xfrm rot="16200000" flipH="1">
+            <a:off x="8336045" y="4633868"/>
+            <a:ext cx="1444837" cy="1806676"/>
+          </a:xfrm>
+          <a:prstGeom prst="bentConnector2">
+            <a:avLst/>
+          </a:prstGeom>
+          <a:ln w="38100">
+            <a:solidFill>
+              <a:schemeClr val="bg1"/>
+            </a:solidFill>
+            <a:headEnd type="triangle" w="lg" len="lg"/>
+            <a:tailEnd type="triangle" w="lg" len="lg"/>
+          </a:ln>
+        </p:spPr>
+        <p:style>
+          <a:lnRef idx="1">
+            <a:schemeClr val="accent1"/>
+          </a:lnRef>
+          <a:fillRef idx="0">
+            <a:schemeClr val="accent1"/>
+          </a:fillRef>
+          <a:effectRef idx="0">
+            <a:schemeClr val="accent1"/>
+          </a:effectRef>
+          <a:fontRef idx="minor">
+            <a:schemeClr val="tx1"/>
+          </a:fontRef>
+        </p:style>
+      </p:cxnSp>
+      <p:cxnSp>
+        <p:nvCxnSpPr>
+          <p:cNvPr id="17" name="Straight Arrow Connector 16"/>
+          <p:cNvCxnSpPr>
+            <a:stCxn id="13" idx="2"/>
+            <a:endCxn id="14" idx="0"/>
+          </p:cNvCxnSpPr>
+          <p:nvPr/>
+        </p:nvCxnSpPr>
+        <p:spPr>
+          <a:xfrm>
+            <a:off x="8155125" y="1416217"/>
+            <a:ext cx="0" cy="2603043"/>
+          </a:xfrm>
+          <a:prstGeom prst="straightConnector1">
+            <a:avLst/>
+          </a:prstGeom>
+          <a:ln w="38100">
+            <a:solidFill>
+              <a:schemeClr val="bg1"/>
+            </a:solidFill>
+            <a:headEnd type="triangle" w="lg" len="lg"/>
+            <a:tailEnd type="triangle" w="lg" len="lg"/>
+          </a:ln>
+        </p:spPr>
+        <p:style>
+          <a:lnRef idx="1">
+            <a:schemeClr val="accent1"/>
+          </a:lnRef>
+          <a:fillRef idx="0">
+            <a:schemeClr val="accent1"/>
+          </a:fillRef>
+          <a:effectRef idx="0">
+            <a:schemeClr val="accent1"/>
+          </a:effectRef>
+          <a:fontRef idx="minor">
+            <a:schemeClr val="tx1"/>
+          </a:fontRef>
+        </p:style>
+      </p:cxnSp>
+      <p:sp>
+        <p:nvSpPr>
+          <p:cNvPr id="7" name="TextBox 6"/>
+          <p:cNvSpPr txBox="1"/>
+          <p:nvPr/>
+        </p:nvSpPr>
+        <p:spPr>
+          <a:xfrm>
+            <a:off x="407368" y="332656"/>
+            <a:ext cx="4896544" cy="954107"/>
+          </a:xfrm>
+          <a:prstGeom prst="rect">
+            <a:avLst/>
+          </a:prstGeom>
+          <a:noFill/>
+        </p:spPr>
+        <p:txBody>
+          <a:bodyPr wrap="square" rtlCol="0">
+            <a:spAutoFit/>
+          </a:bodyPr>
+          <a:lstStyle/>
+          <a:p>
+            <a:r>
+              <a:rPr lang="en-US" sz="2800" b="1" dirty="0" smtClean="0">
+                <a:solidFill>
+                  <a:schemeClr val="bg1"/>
+                </a:solidFill>
+              </a:rPr>
+              <a:t>Bad idea #1a:</a:t>
+            </a:r>
+            <a:endParaRPr lang="en-US" sz="2800" dirty="0" smtClean="0">
+              <a:solidFill>
+                <a:schemeClr val="bg1"/>
+              </a:solidFill>
+            </a:endParaRPr>
+          </a:p>
+          <a:p>
+            <a:r>
+              <a:rPr lang="en-US" sz="2800" dirty="0">
+                <a:solidFill>
+                  <a:schemeClr val="bg1"/>
+                </a:solidFill>
+              </a:rPr>
+              <a:t>N</a:t>
+            </a:r>
+            <a:r>
+              <a:rPr lang="en-US" sz="2800" dirty="0" smtClean="0">
+                <a:solidFill>
+                  <a:schemeClr val="bg1"/>
+                </a:solidFill>
+              </a:rPr>
+              <a:t>o caching</a:t>
+            </a:r>
+            <a:endParaRPr lang="en-US" sz="2800" dirty="0">
+              <a:solidFill>
+                <a:schemeClr val="bg1"/>
+              </a:solidFill>
+            </a:endParaRPr>
+          </a:p>
+        </p:txBody>
+      </p:sp>
+      <p:sp>
+        <p:nvSpPr>
+          <p:cNvPr id="8" name="Lightning Bolt 7"/>
+          <p:cNvSpPr/>
+          <p:nvPr/>
+        </p:nvSpPr>
+        <p:spPr>
+          <a:xfrm>
+            <a:off x="7608168" y="2245143"/>
+            <a:ext cx="1008112" cy="1008112"/>
+          </a:xfrm>
+          <a:prstGeom prst="lightningBolt">
+            <a:avLst/>
+          </a:prstGeom>
+          <a:solidFill>
+            <a:srgbClr val="FF0000"/>
+          </a:solidFill>
+          <a:ln>
+            <a:solidFill>
+              <a:schemeClr val="bg1"/>
+            </a:solidFill>
+          </a:ln>
+        </p:spPr>
+        <p:style>
+          <a:lnRef idx="2">
+            <a:schemeClr val="accent1">
+              <a:shade val="50000"/>
+            </a:schemeClr>
+          </a:lnRef>
+          <a:fillRef idx="1">
+            <a:schemeClr val="accent1"/>
+          </a:fillRef>
+          <a:effectRef idx="0">
+            <a:schemeClr val="accent1"/>
+          </a:effectRef>
+          <a:fontRef idx="minor">
+            <a:schemeClr val="lt1"/>
+          </a:fontRef>
+        </p:style>
+        <p:txBody>
+          <a:bodyPr rtlCol="0" anchor="ctr"/>
+          <a:lstStyle/>
+          <a:p>
+            <a:pPr algn="ctr"/>
+            <a:endParaRPr lang="en-US"/>
+          </a:p>
+        </p:txBody>
+      </p:sp>
+    </p:spTree>
+    <p:extLst>
+      <p:ext uri="{BB962C8B-B14F-4D97-AF65-F5344CB8AC3E}">
+        <p14:creationId xmlns:p14="http://schemas.microsoft.com/office/powerpoint/2010/main" val="3505148126"/>
+      </p:ext>
+    </p:extLst>
+  </p:cSld>
+  <p:clrMapOvr>
+    <a:masterClrMapping/>
+  </p:clrMapOvr>
+  <p:transition spd="slow">
+    <p:wipe/>
+  </p:transition>
+  <p:timing>
+    <p:tnLst>
+      <p:par>
+        <p:cTn id="1" dur="indefinite" restart="never" nodeType="tmRoot">
+          <p:childTnLst>
+            <p:seq concurrent="1" nextAc="seek">
+              <p:cTn id="2" dur="indefinite" nodeType="mainSeq">
+                <p:childTnLst>
+                  <p:par>
+                    <p:cTn id="3" fill="hold">
+                      <p:stCondLst>
+                        <p:cond delay="indefinite"/>
+                      </p:stCondLst>
+                      <p:childTnLst>
+                        <p:par>
+                          <p:cTn id="4" fill="hold">
+                            <p:stCondLst>
+                              <p:cond delay="0"/>
+                            </p:stCondLst>
+                            <p:childTnLst>
+                              <p:par>
+                                <p:cTn id="5" presetID="47" presetClass="entr" presetSubtype="0" fill="hold" grpId="0" nodeType="clickEffect">
+                                  <p:stCondLst>
+                                    <p:cond delay="0"/>
+                                  </p:stCondLst>
+                                  <p:childTnLst>
+                                    <p:set>
+                                      <p:cBhvr>
+                                        <p:cTn id="6" dur="1" fill="hold">
+                                          <p:stCondLst>
+                                            <p:cond delay="0"/>
+                                          </p:stCondLst>
+                                        </p:cTn>
+                                        <p:tgtEl>
+                                          <p:spTgt spid="8"/>
+                                        </p:tgtEl>
+                                        <p:attrNameLst>
+                                          <p:attrName>style.visibility</p:attrName>
+                                        </p:attrNameLst>
+                                      </p:cBhvr>
+                                      <p:to>
+                                        <p:strVal val="visible"/>
+                                      </p:to>
+                                    </p:set>
+                                    <p:animEffect transition="in" filter="fade">
+                                      <p:cBhvr>
+                                        <p:cTn id="7" dur="500"/>
+                                        <p:tgtEl>
+                                          <p:spTgt spid="8"/>
+                                        </p:tgtEl>
+                                      </p:cBhvr>
+                                    </p:animEffect>
+                                    <p:anim calcmode="lin" valueType="num">
+                                      <p:cBhvr>
+                                        <p:cTn id="8" dur="500" fill="hold"/>
+                                        <p:tgtEl>
+                                          <p:spTgt spid="8"/>
+                                        </p:tgtEl>
+                                        <p:attrNameLst>
+                                          <p:attrName>ppt_x</p:attrName>
+                                        </p:attrNameLst>
+                                      </p:cBhvr>
+                                      <p:tavLst>
+                                        <p:tav tm="0">
+                                          <p:val>
+                                            <p:strVal val="#ppt_x"/>
+                                          </p:val>
+                                        </p:tav>
+                                        <p:tav tm="100000">
+                                          <p:val>
+                                            <p:strVal val="#ppt_x"/>
+                                          </p:val>
+                                        </p:tav>
+                                      </p:tavLst>
+                                    </p:anim>
+                                    <p:anim calcmode="lin" valueType="num">
+                                      <p:cBhvr>
+                                        <p:cTn id="9" dur="500" fill="hold"/>
+                                        <p:tgtEl>
+                                          <p:spTgt spid="8"/>
+                                        </p:tgtEl>
+                                        <p:attrNameLst>
+                                          <p:attrName>ppt_y</p:attrName>
+                                        </p:attrNameLst>
+                                      </p:cBhvr>
+                                      <p:tavLst>
+                                        <p:tav tm="0">
+                                          <p:val>
+                                            <p:strVal val="#ppt_y-.1"/>
+                                          </p:val>
+                                        </p:tav>
+                                        <p:tav tm="100000">
+                                          <p:val>
+                                            <p:strVal val="#ppt_y"/>
+                                          </p:val>
+                                        </p:tav>
+                                      </p:tavLst>
+                                    </p:anim>
+                                  </p:childTnLst>
+                                </p:cTn>
+                              </p:par>
+                            </p:childTnLst>
+                          </p:cTn>
+                        </p:par>
+                        <p:par>
+                          <p:cTn id="10" fill="hold">
+                            <p:stCondLst>
+                              <p:cond delay="500"/>
+                            </p:stCondLst>
+                            <p:childTnLst>
+                              <p:par>
+                                <p:cTn id="11" presetID="22" presetClass="entr" presetSubtype="8" fill="hold" grpId="0" nodeType="afterEffect">
+                                  <p:stCondLst>
+                                    <p:cond delay="0"/>
+                                  </p:stCondLst>
+                                  <p:childTnLst>
+                                    <p:set>
+                                      <p:cBhvr>
+                                        <p:cTn id="12" dur="1" fill="hold">
+                                          <p:stCondLst>
+                                            <p:cond delay="0"/>
+                                          </p:stCondLst>
+                                        </p:cTn>
+                                        <p:tgtEl>
+                                          <p:spTgt spid="7"/>
+                                        </p:tgtEl>
+                                        <p:attrNameLst>
+                                          <p:attrName>style.visibility</p:attrName>
+                                        </p:attrNameLst>
+                                      </p:cBhvr>
+                                      <p:to>
+                                        <p:strVal val="visible"/>
+                                      </p:to>
+                                    </p:set>
+                                    <p:animEffect transition="in" filter="wipe(left)">
+                                      <p:cBhvr>
+                                        <p:cTn id="13" dur="500"/>
+                                        <p:tgtEl>
+                                          <p:spTgt spid="7"/>
+                                        </p:tgtEl>
+                                      </p:cBhvr>
+                                    </p:animEffect>
+                                  </p:childTnLst>
+                                </p:cTn>
+                              </p:par>
+                            </p:childTnLst>
+                          </p:cTn>
+                        </p:par>
+                      </p:childTnLst>
+                    </p:cTn>
+                  </p:par>
+                </p:childTnLst>
+              </p:cTn>
+              <p:prevCondLst>
+                <p:cond evt="onPrev" delay="0">
+                  <p:tgtEl>
+                    <p:sldTgt/>
+                  </p:tgtEl>
+                </p:cond>
+              </p:prevCondLst>
+              <p:nextCondLst>
+                <p:cond evt="onNext" delay="0">
+                  <p:tgtEl>
+                    <p:sldTgt/>
+                  </p:tgtEl>
+                </p:cond>
+              </p:nextCondLst>
+            </p:seq>
+          </p:childTnLst>
+        </p:cTn>
+      </p:par>
+    </p:tnLst>
+    <p:bldLst>
+      <p:bldP spid="7" grpId="0"/>
+      <p:bldP spid="8" grpId="0" animBg="1"/>
+    </p:bldLst>
+  </p:timing>
+</p:sld>
+</file>
+
+<file path=ppt/slides/slide4.xml><?xml version="1.0" encoding="utf-8"?>
+<p:sld xmlns:a="http://schemas.openxmlformats.org/drawingml/2006/main" xmlns:r="http://schemas.openxmlformats.org/officeDocument/2006/relationships" xmlns:p="http://schemas.openxmlformats.org/presentationml/2006/main">
+  <p:cSld>
+    <p:spTree>
+      <p:nvGrpSpPr>
+        <p:cNvPr id="1" name=""/>
+        <p:cNvGrpSpPr/>
+        <p:nvPr/>
+      </p:nvGrpSpPr>
+      <p:grpSpPr>
+        <a:xfrm>
+          <a:off x="0" y="0"/>
+          <a:ext cx="0" cy="0"/>
+          <a:chOff x="0" y="0"/>
+          <a:chExt cx="0" cy="0"/>
+        </a:xfrm>
+      </p:grpSpPr>
+      <p:sp>
+        <p:nvSpPr>
+          <p:cNvPr id="13" name="Rounded Rectangle 12"/>
+          <p:cNvSpPr/>
+          <p:nvPr/>
+        </p:nvSpPr>
+        <p:spPr>
+          <a:xfrm>
+            <a:off x="5519937" y="620689"/>
+            <a:ext cx="5270376" cy="795528"/>
+          </a:xfrm>
+          <a:prstGeom prst="roundRect">
+            <a:avLst/>
+          </a:prstGeom>
+          <a:solidFill>
+            <a:srgbClr val="F8C02B"/>
+          </a:solidFill>
+          <a:ln/>
+        </p:spPr>
+        <p:style>
+          <a:lnRef idx="3">
+            <a:schemeClr val="lt1"/>
+          </a:lnRef>
+          <a:fillRef idx="1">
+            <a:schemeClr val="accent6"/>
+          </a:fillRef>
+          <a:effectRef idx="1">
+            <a:schemeClr val="accent6"/>
+          </a:effectRef>
+          <a:fontRef idx="minor">
+            <a:schemeClr val="lt1"/>
+          </a:fontRef>
+        </p:style>
+        <p:txBody>
+          <a:bodyPr rtlCol="0" anchor="ctr"/>
+          <a:lstStyle/>
+          <a:p>
+            <a:pPr algn="ctr"/>
+            <a:r>
+              <a:rPr lang="en-US" sz="2800" b="1" dirty="0" smtClean="0">
+                <a:solidFill>
+                  <a:schemeClr val="bg1"/>
+                </a:solidFill>
+              </a:rPr>
+              <a:t>UI</a:t>
+            </a:r>
+            <a:endParaRPr lang="en-US" sz="2800" b="1" dirty="0">
+              <a:solidFill>
+                <a:schemeClr val="bg1"/>
+              </a:solidFill>
+            </a:endParaRPr>
+          </a:p>
+        </p:txBody>
+      </p:sp>
+      <p:sp>
+        <p:nvSpPr>
+          <p:cNvPr id="14" name="Rounded Rectangle 13"/>
+          <p:cNvSpPr/>
+          <p:nvPr/>
+        </p:nvSpPr>
+        <p:spPr>
+          <a:xfrm>
+            <a:off x="5519937" y="4019260"/>
+            <a:ext cx="5270376" cy="795528"/>
+          </a:xfrm>
+          <a:prstGeom prst="roundRect">
+            <a:avLst/>
+          </a:prstGeom>
+          <a:solidFill>
+            <a:schemeClr val="accent5">
+              <a:lumMod val="75000"/>
+            </a:schemeClr>
+          </a:solidFill>
+          <a:ln/>
+        </p:spPr>
+        <p:style>
+          <a:lnRef idx="3">
+            <a:schemeClr val="lt1"/>
+          </a:lnRef>
+          <a:fillRef idx="1">
+            <a:schemeClr val="accent6"/>
+          </a:fillRef>
+          <a:effectRef idx="1">
+            <a:schemeClr val="accent6"/>
+          </a:effectRef>
+          <a:fontRef idx="minor">
+            <a:schemeClr val="lt1"/>
+          </a:fontRef>
+        </p:style>
+        <p:txBody>
+          <a:bodyPr rtlCol="0" anchor="ctr"/>
+          <a:lstStyle/>
+          <a:p>
+            <a:pPr algn="ctr"/>
+            <a:r>
+              <a:rPr lang="en-US" sz="2800" b="1" dirty="0" smtClean="0">
+                <a:solidFill>
+                  <a:schemeClr val="bg1"/>
+                </a:solidFill>
+              </a:rPr>
+              <a:t>Network</a:t>
+            </a:r>
+            <a:endParaRPr lang="en-US" sz="2800" b="1" dirty="0">
+              <a:solidFill>
+                <a:schemeClr val="bg1"/>
+              </a:solidFill>
+            </a:endParaRPr>
+          </a:p>
+        </p:txBody>
+      </p:sp>
+      <p:sp>
+        <p:nvSpPr>
+          <p:cNvPr id="15" name="Cloud 14"/>
+          <p:cNvSpPr/>
+          <p:nvPr/>
+        </p:nvSpPr>
+        <p:spPr>
+          <a:xfrm>
+            <a:off x="9955323" y="5517232"/>
+            <a:ext cx="2088232" cy="1484784"/>
+          </a:xfrm>
+          <a:prstGeom prst="cloud">
+            <a:avLst/>
+          </a:prstGeom>
+          <a:solidFill>
+            <a:schemeClr val="bg1">
+              <a:lumMod val="65000"/>
+            </a:schemeClr>
+          </a:solidFill>
+          <a:ln>
+            <a:solidFill>
+              <a:schemeClr val="bg1"/>
+            </a:solidFill>
+          </a:ln>
+        </p:spPr>
+        <p:style>
+          <a:lnRef idx="2">
+            <a:schemeClr val="accent1">
+              <a:shade val="50000"/>
+            </a:schemeClr>
+          </a:lnRef>
+          <a:fillRef idx="1">
+            <a:schemeClr val="accent1"/>
+          </a:fillRef>
+          <a:effectRef idx="0">
+            <a:schemeClr val="accent1"/>
+          </a:effectRef>
+          <a:fontRef idx="minor">
+            <a:schemeClr val="lt1"/>
+          </a:fontRef>
+        </p:style>
+        <p:txBody>
+          <a:bodyPr rtlCol="0" anchor="ctr"/>
+          <a:lstStyle/>
+          <a:p>
+            <a:pPr algn="ctr"/>
+            <a:r>
+              <a:rPr lang="en-US" dirty="0" err="1" smtClean="0">
+                <a:latin typeface="Arial Black" panose="020B0A04020102020204" pitchFamily="34" charset="0"/>
+              </a:rPr>
+              <a:t>ze</a:t>
+            </a:r>
+            <a:r>
+              <a:rPr lang="en-US" dirty="0" smtClean="0">
+                <a:latin typeface="Arial Black" panose="020B0A04020102020204" pitchFamily="34" charset="0"/>
+              </a:rPr>
+              <a:t> internet</a:t>
+            </a:r>
+            <a:endParaRPr lang="en-US" dirty="0">
+              <a:latin typeface="Arial Black" panose="020B0A04020102020204" pitchFamily="34" charset="0"/>
+            </a:endParaRPr>
+          </a:p>
+        </p:txBody>
+      </p:sp>
+      <p:cxnSp>
+        <p:nvCxnSpPr>
+          <p:cNvPr id="16" name="Elbow Connector 15"/>
+          <p:cNvCxnSpPr>
+            <a:stCxn id="14" idx="2"/>
+          </p:cNvCxnSpPr>
+          <p:nvPr/>
+        </p:nvCxnSpPr>
+        <p:spPr>
+          <a:xfrm rot="16200000" flipH="1">
+            <a:off x="8336045" y="4633868"/>
+            <a:ext cx="1444837" cy="1806676"/>
+          </a:xfrm>
+          <a:prstGeom prst="bentConnector2">
+            <a:avLst/>
+          </a:prstGeom>
+          <a:ln w="38100">
+            <a:solidFill>
+              <a:schemeClr val="bg1"/>
+            </a:solidFill>
+            <a:headEnd type="triangle" w="lg" len="lg"/>
+            <a:tailEnd type="triangle" w="lg" len="lg"/>
+          </a:ln>
+        </p:spPr>
+        <p:style>
+          <a:lnRef idx="1">
+            <a:schemeClr val="accent1"/>
+          </a:lnRef>
+          <a:fillRef idx="0">
+            <a:schemeClr val="accent1"/>
+          </a:fillRef>
+          <a:effectRef idx="0">
+            <a:schemeClr val="accent1"/>
+          </a:effectRef>
+          <a:fontRef idx="minor">
+            <a:schemeClr val="tx1"/>
+          </a:fontRef>
+        </p:style>
+      </p:cxnSp>
+      <p:sp>
+        <p:nvSpPr>
+          <p:cNvPr id="10" name="Rounded Rectangle 9"/>
+          <p:cNvSpPr/>
+          <p:nvPr/>
+        </p:nvSpPr>
+        <p:spPr>
+          <a:xfrm>
+            <a:off x="7179046" y="1323133"/>
+            <a:ext cx="1952158" cy="521691"/>
+          </a:xfrm>
+          <a:prstGeom prst="roundRect">
+            <a:avLst/>
+          </a:prstGeom>
+          <a:solidFill>
+            <a:schemeClr val="bg1"/>
+          </a:solidFill>
+          <a:ln/>
+        </p:spPr>
+        <p:style>
+          <a:lnRef idx="3">
+            <a:schemeClr val="lt1"/>
+          </a:lnRef>
+          <a:fillRef idx="1">
+            <a:schemeClr val="accent6"/>
+          </a:fillRef>
+          <a:effectRef idx="1">
+            <a:schemeClr val="accent6"/>
+          </a:effectRef>
+          <a:fontRef idx="minor">
+            <a:schemeClr val="lt1"/>
+          </a:fontRef>
+        </p:style>
+        <p:txBody>
+          <a:bodyPr rtlCol="0" anchor="ctr"/>
+          <a:lstStyle/>
+          <a:p>
+            <a:pPr algn="ctr"/>
+            <a:r>
+              <a:rPr lang="en-US" sz="2000" b="1" dirty="0" err="1" smtClean="0">
+                <a:solidFill>
+                  <a:srgbClr val="F8C02B"/>
+                </a:solidFill>
+              </a:rPr>
+              <a:t>FragmentX</a:t>
+            </a:r>
+            <a:endParaRPr lang="en-US" sz="2000" b="1" dirty="0">
+              <a:solidFill>
+                <a:srgbClr val="F8C02B"/>
+              </a:solidFill>
+            </a:endParaRPr>
+          </a:p>
+        </p:txBody>
+      </p:sp>
+      <p:sp>
+        <p:nvSpPr>
+          <p:cNvPr id="12" name="Rounded Rectangle 11"/>
+          <p:cNvSpPr/>
+          <p:nvPr/>
+        </p:nvSpPr>
+        <p:spPr>
+          <a:xfrm>
+            <a:off x="5101107" y="1323133"/>
+            <a:ext cx="1952158" cy="521691"/>
+          </a:xfrm>
+          <a:prstGeom prst="roundRect">
+            <a:avLst/>
+          </a:prstGeom>
+          <a:solidFill>
+            <a:schemeClr val="bg1"/>
+          </a:solidFill>
+          <a:ln/>
+        </p:spPr>
+        <p:style>
+          <a:lnRef idx="3">
+            <a:schemeClr val="lt1"/>
+          </a:lnRef>
+          <a:fillRef idx="1">
+            <a:schemeClr val="accent6"/>
+          </a:fillRef>
+          <a:effectRef idx="1">
+            <a:schemeClr val="accent6"/>
+          </a:effectRef>
+          <a:fontRef idx="minor">
+            <a:schemeClr val="lt1"/>
+          </a:fontRef>
+        </p:style>
+        <p:txBody>
+          <a:bodyPr rtlCol="0" anchor="ctr"/>
+          <a:lstStyle/>
+          <a:p>
+            <a:pPr algn="ctr"/>
+            <a:r>
+              <a:rPr lang="en-US" sz="2000" b="1" dirty="0" err="1" smtClean="0">
+                <a:solidFill>
+                  <a:srgbClr val="F8C02B"/>
+                </a:solidFill>
+              </a:rPr>
+              <a:t>ActivityA</a:t>
+            </a:r>
+            <a:endParaRPr lang="en-US" sz="2000" b="1" dirty="0">
+              <a:solidFill>
+                <a:srgbClr val="F8C02B"/>
+              </a:solidFill>
+            </a:endParaRPr>
+          </a:p>
+        </p:txBody>
+      </p:sp>
+      <p:sp>
+        <p:nvSpPr>
+          <p:cNvPr id="18" name="Rounded Rectangle 17"/>
+          <p:cNvSpPr/>
+          <p:nvPr/>
+        </p:nvSpPr>
+        <p:spPr>
+          <a:xfrm>
+            <a:off x="9256985" y="1323133"/>
+            <a:ext cx="1952158" cy="521691"/>
+          </a:xfrm>
+          <a:prstGeom prst="roundRect">
+            <a:avLst/>
+          </a:prstGeom>
+          <a:solidFill>
+            <a:schemeClr val="bg1"/>
+          </a:solidFill>
+          <a:ln/>
+        </p:spPr>
+        <p:style>
+          <a:lnRef idx="3">
+            <a:schemeClr val="lt1"/>
+          </a:lnRef>
+          <a:fillRef idx="1">
+            <a:schemeClr val="accent6"/>
+          </a:fillRef>
+          <a:effectRef idx="1">
+            <a:schemeClr val="accent6"/>
+          </a:effectRef>
+          <a:fontRef idx="minor">
+            <a:schemeClr val="lt1"/>
+          </a:fontRef>
+        </p:style>
+        <p:txBody>
+          <a:bodyPr rtlCol="0" anchor="ctr"/>
+          <a:lstStyle/>
+          <a:p>
+            <a:pPr algn="ctr"/>
+            <a:r>
+              <a:rPr lang="en-US" sz="2000" b="1" dirty="0" err="1" smtClean="0">
+                <a:solidFill>
+                  <a:srgbClr val="F8C02B"/>
+                </a:solidFill>
+              </a:rPr>
+              <a:t>FragmentY</a:t>
+            </a:r>
+            <a:endParaRPr lang="en-US" sz="2000" b="1" dirty="0">
+              <a:solidFill>
+                <a:srgbClr val="F8C02B"/>
+              </a:solidFill>
+            </a:endParaRPr>
+          </a:p>
+        </p:txBody>
+      </p:sp>
+      <p:cxnSp>
+        <p:nvCxnSpPr>
+          <p:cNvPr id="21" name="Elbow Connector 20"/>
+          <p:cNvCxnSpPr/>
+          <p:nvPr/>
+        </p:nvCxnSpPr>
+        <p:spPr>
+          <a:xfrm rot="5400000">
+            <a:off x="8409753" y="2195948"/>
+            <a:ext cx="2174433" cy="1472194"/>
+          </a:xfrm>
+          <a:prstGeom prst="bentConnector3">
+            <a:avLst>
+              <a:gd name="adj1" fmla="val 50000"/>
+            </a:avLst>
+          </a:prstGeom>
+          <a:ln w="38100">
+            <a:solidFill>
+              <a:schemeClr val="bg1"/>
+            </a:solidFill>
+            <a:headEnd type="triangle" w="lg" len="lg"/>
+            <a:tailEnd type="triangle" w="lg" len="lg"/>
+          </a:ln>
+        </p:spPr>
+        <p:style>
+          <a:lnRef idx="1">
+            <a:schemeClr val="accent1"/>
+          </a:lnRef>
+          <a:fillRef idx="0">
+            <a:schemeClr val="accent1"/>
+          </a:fillRef>
+          <a:effectRef idx="0">
+            <a:schemeClr val="accent1"/>
+          </a:effectRef>
+          <a:fontRef idx="minor">
+            <a:schemeClr val="tx1"/>
+          </a:fontRef>
+        </p:style>
+      </p:cxnSp>
+      <p:cxnSp>
+        <p:nvCxnSpPr>
+          <p:cNvPr id="22" name="Elbow Connector 21"/>
+          <p:cNvCxnSpPr>
+            <a:stCxn id="12" idx="2"/>
+          </p:cNvCxnSpPr>
+          <p:nvPr/>
+        </p:nvCxnSpPr>
+        <p:spPr>
+          <a:xfrm rot="16200000" flipH="1">
+            <a:off x="5726063" y="2195946"/>
+            <a:ext cx="2174438" cy="1472193"/>
+          </a:xfrm>
+          <a:prstGeom prst="bentConnector3">
+            <a:avLst>
+              <a:gd name="adj1" fmla="val 50000"/>
+            </a:avLst>
+          </a:prstGeom>
+          <a:ln w="38100">
+            <a:solidFill>
+              <a:schemeClr val="bg1"/>
+            </a:solidFill>
+            <a:headEnd type="triangle" w="lg" len="lg"/>
+            <a:tailEnd type="triangle" w="lg" len="lg"/>
+          </a:ln>
+        </p:spPr>
+        <p:style>
+          <a:lnRef idx="1">
+            <a:schemeClr val="accent1"/>
+          </a:lnRef>
+          <a:fillRef idx="0">
+            <a:schemeClr val="accent1"/>
+          </a:fillRef>
+          <a:effectRef idx="0">
+            <a:schemeClr val="accent1"/>
+          </a:effectRef>
+          <a:fontRef idx="minor">
+            <a:schemeClr val="tx1"/>
+          </a:fontRef>
+        </p:style>
+      </p:cxnSp>
+      <p:sp>
+        <p:nvSpPr>
+          <p:cNvPr id="33" name="TextBox 32"/>
+          <p:cNvSpPr txBox="1"/>
+          <p:nvPr/>
+        </p:nvSpPr>
+        <p:spPr>
+          <a:xfrm>
+            <a:off x="407368" y="1453475"/>
+            <a:ext cx="4896544" cy="954107"/>
+          </a:xfrm>
+          <a:prstGeom prst="rect">
+            <a:avLst/>
+          </a:prstGeom>
+          <a:noFill/>
+        </p:spPr>
+        <p:txBody>
+          <a:bodyPr wrap="square" rtlCol="0">
+            <a:spAutoFit/>
+          </a:bodyPr>
+          <a:lstStyle/>
+          <a:p>
+            <a:r>
+              <a:rPr lang="en-US" sz="2800" b="1" dirty="0" smtClean="0">
+                <a:solidFill>
+                  <a:schemeClr val="bg1"/>
+                </a:solidFill>
+              </a:rPr>
+              <a:t>Bad idea #1b:</a:t>
+            </a:r>
+            <a:endParaRPr lang="en-US" sz="2800" dirty="0">
+              <a:solidFill>
+                <a:schemeClr val="bg1"/>
+              </a:solidFill>
+            </a:endParaRPr>
+          </a:p>
+          <a:p>
+            <a:r>
+              <a:rPr lang="en-US" sz="2800" dirty="0" smtClean="0">
+                <a:solidFill>
+                  <a:schemeClr val="bg1"/>
+                </a:solidFill>
+              </a:rPr>
+              <a:t>No separation of concerns</a:t>
+            </a:r>
+            <a:endParaRPr lang="en-US" sz="2800" dirty="0">
+              <a:solidFill>
+                <a:schemeClr val="bg1"/>
+              </a:solidFill>
+            </a:endParaRPr>
+          </a:p>
+        </p:txBody>
+      </p:sp>
+      <p:cxnSp>
+        <p:nvCxnSpPr>
+          <p:cNvPr id="34" name="Straight Arrow Connector 33"/>
+          <p:cNvCxnSpPr>
+            <a:stCxn id="10" idx="2"/>
+            <a:endCxn id="14" idx="0"/>
+          </p:cNvCxnSpPr>
+          <p:nvPr/>
+        </p:nvCxnSpPr>
+        <p:spPr>
+          <a:xfrm>
+            <a:off x="8155125" y="1844824"/>
+            <a:ext cx="0" cy="2174436"/>
+          </a:xfrm>
+          <a:prstGeom prst="straightConnector1">
+            <a:avLst/>
+          </a:prstGeom>
+          <a:ln w="38100">
+            <a:solidFill>
+              <a:schemeClr val="bg1"/>
+            </a:solidFill>
+            <a:headEnd type="triangle" w="lg" len="lg"/>
+            <a:tailEnd type="triangle" w="lg" len="lg"/>
+          </a:ln>
+        </p:spPr>
+        <p:style>
+          <a:lnRef idx="1">
+            <a:schemeClr val="accent1"/>
+          </a:lnRef>
+          <a:fillRef idx="0">
+            <a:schemeClr val="accent1"/>
+          </a:fillRef>
+          <a:effectRef idx="0">
+            <a:schemeClr val="accent1"/>
+          </a:effectRef>
+          <a:fontRef idx="minor">
+            <a:schemeClr val="tx1"/>
+          </a:fontRef>
+        </p:style>
+      </p:cxnSp>
+      <p:sp>
+        <p:nvSpPr>
+          <p:cNvPr id="38" name="TextBox 37"/>
+          <p:cNvSpPr txBox="1"/>
+          <p:nvPr/>
+        </p:nvSpPr>
+        <p:spPr>
+          <a:xfrm>
+            <a:off x="407368" y="332656"/>
+            <a:ext cx="4896544" cy="954107"/>
+          </a:xfrm>
+          <a:prstGeom prst="rect">
+            <a:avLst/>
+          </a:prstGeom>
+          <a:noFill/>
+        </p:spPr>
+        <p:txBody>
+          <a:bodyPr wrap="square" rtlCol="0">
+            <a:spAutoFit/>
+          </a:bodyPr>
+          <a:lstStyle/>
+          <a:p>
+            <a:r>
+              <a:rPr lang="en-US" sz="2800" b="1" dirty="0" smtClean="0">
+                <a:solidFill>
+                  <a:schemeClr val="bg1"/>
+                </a:solidFill>
+              </a:rPr>
+              <a:t>Bad idea #1a:</a:t>
+            </a:r>
+            <a:endParaRPr lang="en-US" sz="2800" dirty="0" smtClean="0">
+              <a:solidFill>
+                <a:schemeClr val="bg1"/>
+              </a:solidFill>
+            </a:endParaRPr>
+          </a:p>
+          <a:p>
+            <a:r>
+              <a:rPr lang="en-US" sz="2800" dirty="0">
+                <a:solidFill>
+                  <a:schemeClr val="bg1"/>
+                </a:solidFill>
+              </a:rPr>
+              <a:t>N</a:t>
+            </a:r>
+            <a:r>
+              <a:rPr lang="en-US" sz="2800" dirty="0" smtClean="0">
+                <a:solidFill>
+                  <a:schemeClr val="bg1"/>
+                </a:solidFill>
+              </a:rPr>
+              <a:t>o caching</a:t>
+            </a:r>
+            <a:endParaRPr lang="en-US" sz="2800" dirty="0">
+              <a:solidFill>
+                <a:schemeClr val="bg1"/>
+              </a:solidFill>
+            </a:endParaRPr>
+          </a:p>
+        </p:txBody>
+      </p:sp>
+      <p:sp>
+        <p:nvSpPr>
+          <p:cNvPr id="39" name="Lightning Bolt 38"/>
+          <p:cNvSpPr/>
+          <p:nvPr/>
+        </p:nvSpPr>
+        <p:spPr>
+          <a:xfrm>
+            <a:off x="7769138" y="2572002"/>
+            <a:ext cx="720080" cy="720080"/>
+          </a:xfrm>
+          <a:prstGeom prst="lightningBolt">
+            <a:avLst/>
+          </a:prstGeom>
+          <a:solidFill>
+            <a:srgbClr val="FF0000"/>
+          </a:solidFill>
+          <a:ln>
+            <a:solidFill>
+              <a:schemeClr val="bg1"/>
+            </a:solidFill>
+          </a:ln>
+        </p:spPr>
+        <p:style>
+          <a:lnRef idx="2">
+            <a:schemeClr val="accent1">
+              <a:shade val="50000"/>
+            </a:schemeClr>
+          </a:lnRef>
+          <a:fillRef idx="1">
+            <a:schemeClr val="accent1"/>
+          </a:fillRef>
+          <a:effectRef idx="0">
+            <a:schemeClr val="accent1"/>
+          </a:effectRef>
+          <a:fontRef idx="minor">
+            <a:schemeClr val="lt1"/>
+          </a:fontRef>
+        </p:style>
+        <p:txBody>
+          <a:bodyPr rtlCol="0" anchor="ctr"/>
+          <a:lstStyle/>
+          <a:p>
+            <a:pPr algn="ctr"/>
+            <a:endParaRPr lang="en-US"/>
+          </a:p>
+        </p:txBody>
+      </p:sp>
+      <p:sp>
+        <p:nvSpPr>
+          <p:cNvPr id="40" name="Lightning Bolt 39"/>
+          <p:cNvSpPr/>
+          <p:nvPr/>
+        </p:nvSpPr>
+        <p:spPr>
+          <a:xfrm>
+            <a:off x="7157070" y="2572002"/>
+            <a:ext cx="720080" cy="720080"/>
+          </a:xfrm>
+          <a:prstGeom prst="lightningBolt">
+            <a:avLst/>
+          </a:prstGeom>
+          <a:solidFill>
+            <a:srgbClr val="FF0000"/>
+          </a:solidFill>
+          <a:ln>
+            <a:solidFill>
+              <a:schemeClr val="bg1"/>
+            </a:solidFill>
+          </a:ln>
+        </p:spPr>
+        <p:style>
+          <a:lnRef idx="2">
+            <a:schemeClr val="accent1">
+              <a:shade val="50000"/>
+            </a:schemeClr>
+          </a:lnRef>
+          <a:fillRef idx="1">
+            <a:schemeClr val="accent1"/>
+          </a:fillRef>
+          <a:effectRef idx="0">
+            <a:schemeClr val="accent1"/>
+          </a:effectRef>
+          <a:fontRef idx="minor">
+            <a:schemeClr val="lt1"/>
+          </a:fontRef>
+        </p:style>
+        <p:txBody>
+          <a:bodyPr rtlCol="0" anchor="ctr"/>
+          <a:lstStyle/>
+          <a:p>
+            <a:pPr algn="ctr"/>
+            <a:endParaRPr lang="en-US"/>
+          </a:p>
+        </p:txBody>
+      </p:sp>
+      <p:sp>
+        <p:nvSpPr>
+          <p:cNvPr id="41" name="Lightning Bolt 40"/>
+          <p:cNvSpPr/>
+          <p:nvPr/>
+        </p:nvSpPr>
+        <p:spPr>
+          <a:xfrm>
+            <a:off x="8381206" y="2572002"/>
+            <a:ext cx="720080" cy="720080"/>
+          </a:xfrm>
+          <a:prstGeom prst="lightningBolt">
+            <a:avLst/>
+          </a:prstGeom>
+          <a:solidFill>
+            <a:srgbClr val="FF0000"/>
+          </a:solidFill>
+          <a:ln>
+            <a:solidFill>
+              <a:schemeClr val="bg1"/>
+            </a:solidFill>
+          </a:ln>
+        </p:spPr>
+        <p:style>
+          <a:lnRef idx="2">
+            <a:schemeClr val="accent1">
+              <a:shade val="50000"/>
+            </a:schemeClr>
+          </a:lnRef>
+          <a:fillRef idx="1">
+            <a:schemeClr val="accent1"/>
+          </a:fillRef>
+          <a:effectRef idx="0">
+            <a:schemeClr val="accent1"/>
+          </a:effectRef>
+          <a:fontRef idx="minor">
+            <a:schemeClr val="lt1"/>
+          </a:fontRef>
+        </p:style>
+        <p:txBody>
+          <a:bodyPr rtlCol="0" anchor="ctr"/>
+          <a:lstStyle/>
+          <a:p>
+            <a:pPr algn="ctr"/>
+            <a:endParaRPr lang="en-US"/>
+          </a:p>
+        </p:txBody>
+      </p:sp>
+    </p:spTree>
+    <p:extLst>
+      <p:ext uri="{BB962C8B-B14F-4D97-AF65-F5344CB8AC3E}">
+        <p14:creationId xmlns:p14="http://schemas.microsoft.com/office/powerpoint/2010/main" val="266277672"/>
+      </p:ext>
+    </p:extLst>
+  </p:cSld>
+  <p:clrMapOvr>
+    <a:masterClrMapping/>
+  </p:clrMapOvr>
+  <p:transition spd="slow">
+    <p:wipe dir="u"/>
+  </p:transition>
+  <p:timing>
+    <p:tnLst>
+      <p:par>
+        <p:cTn id="1" dur="indefinite" restart="never" nodeType="tmRoot">
+          <p:childTnLst>
+            <p:seq concurrent="1" nextAc="seek">
+              <p:cTn id="2" dur="indefinite" nodeType="mainSeq">
+                <p:childTnLst>
+                  <p:par>
+                    <p:cTn id="3" fill="hold">
+                      <p:stCondLst>
+                        <p:cond delay="indefinite"/>
+                      </p:stCondLst>
+                      <p:childTnLst>
+                        <p:par>
+                          <p:cTn id="4" fill="hold">
+                            <p:stCondLst>
+                              <p:cond delay="0"/>
+                            </p:stCondLst>
+                            <p:childTnLst>
+                              <p:par>
+                                <p:cTn id="5" presetID="47" presetClass="entr" presetSubtype="0" fill="hold" grpId="0" nodeType="clickEffect">
+                                  <p:stCondLst>
+                                    <p:cond delay="0"/>
+                                  </p:stCondLst>
+                                  <p:childTnLst>
+                                    <p:set>
+                                      <p:cBhvr>
+                                        <p:cTn id="6" dur="1" fill="hold">
+                                          <p:stCondLst>
+                                            <p:cond delay="0"/>
+                                          </p:stCondLst>
+                                        </p:cTn>
+                                        <p:tgtEl>
+                                          <p:spTgt spid="40"/>
+                                        </p:tgtEl>
+                                        <p:attrNameLst>
+                                          <p:attrName>style.visibility</p:attrName>
+                                        </p:attrNameLst>
+                                      </p:cBhvr>
+                                      <p:to>
+                                        <p:strVal val="visible"/>
+                                      </p:to>
+                                    </p:set>
+                                    <p:animEffect transition="in" filter="fade">
+                                      <p:cBhvr>
+                                        <p:cTn id="7" dur="500"/>
+                                        <p:tgtEl>
+                                          <p:spTgt spid="40"/>
+                                        </p:tgtEl>
+                                      </p:cBhvr>
+                                    </p:animEffect>
+                                    <p:anim calcmode="lin" valueType="num">
+                                      <p:cBhvr>
+                                        <p:cTn id="8" dur="500" fill="hold"/>
+                                        <p:tgtEl>
+                                          <p:spTgt spid="40"/>
+                                        </p:tgtEl>
+                                        <p:attrNameLst>
+                                          <p:attrName>ppt_x</p:attrName>
+                                        </p:attrNameLst>
+                                      </p:cBhvr>
+                                      <p:tavLst>
+                                        <p:tav tm="0">
+                                          <p:val>
+                                            <p:strVal val="#ppt_x"/>
+                                          </p:val>
+                                        </p:tav>
+                                        <p:tav tm="100000">
+                                          <p:val>
+                                            <p:strVal val="#ppt_x"/>
+                                          </p:val>
+                                        </p:tav>
+                                      </p:tavLst>
+                                    </p:anim>
+                                    <p:anim calcmode="lin" valueType="num">
+                                      <p:cBhvr>
+                                        <p:cTn id="9" dur="500" fill="hold"/>
+                                        <p:tgtEl>
+                                          <p:spTgt spid="40"/>
+                                        </p:tgtEl>
+                                        <p:attrNameLst>
+                                          <p:attrName>ppt_y</p:attrName>
+                                        </p:attrNameLst>
+                                      </p:cBhvr>
+                                      <p:tavLst>
+                                        <p:tav tm="0">
+                                          <p:val>
+                                            <p:strVal val="#ppt_y-.1"/>
+                                          </p:val>
+                                        </p:tav>
+                                        <p:tav tm="100000">
+                                          <p:val>
+                                            <p:strVal val="#ppt_y"/>
+                                          </p:val>
+                                        </p:tav>
+                                      </p:tavLst>
+                                    </p:anim>
+                                  </p:childTnLst>
+                                </p:cTn>
+                              </p:par>
+                              <p:par>
+                                <p:cTn id="10" presetID="47" presetClass="entr" presetSubtype="0" fill="hold" grpId="0" nodeType="withEffect">
+                                  <p:stCondLst>
+                                    <p:cond delay="100"/>
+                                  </p:stCondLst>
+                                  <p:childTnLst>
+                                    <p:set>
+                                      <p:cBhvr>
+                                        <p:cTn id="11" dur="1" fill="hold">
+                                          <p:stCondLst>
+                                            <p:cond delay="0"/>
+                                          </p:stCondLst>
+                                        </p:cTn>
+                                        <p:tgtEl>
+                                          <p:spTgt spid="39"/>
+                                        </p:tgtEl>
+                                        <p:attrNameLst>
+                                          <p:attrName>style.visibility</p:attrName>
+                                        </p:attrNameLst>
+                                      </p:cBhvr>
+                                      <p:to>
+                                        <p:strVal val="visible"/>
+                                      </p:to>
+                                    </p:set>
+                                    <p:animEffect transition="in" filter="fade">
+                                      <p:cBhvr>
+                                        <p:cTn id="12" dur="500"/>
+                                        <p:tgtEl>
+                                          <p:spTgt spid="39"/>
+                                        </p:tgtEl>
+                                      </p:cBhvr>
+                                    </p:animEffect>
+                                    <p:anim calcmode="lin" valueType="num">
+                                      <p:cBhvr>
+                                        <p:cTn id="13" dur="500" fill="hold"/>
+                                        <p:tgtEl>
+                                          <p:spTgt spid="39"/>
+                                        </p:tgtEl>
+                                        <p:attrNameLst>
+                                          <p:attrName>ppt_x</p:attrName>
+                                        </p:attrNameLst>
+                                      </p:cBhvr>
+                                      <p:tavLst>
+                                        <p:tav tm="0">
+                                          <p:val>
+                                            <p:strVal val="#ppt_x"/>
+                                          </p:val>
+                                        </p:tav>
+                                        <p:tav tm="100000">
+                                          <p:val>
+                                            <p:strVal val="#ppt_x"/>
+                                          </p:val>
+                                        </p:tav>
+                                      </p:tavLst>
+                                    </p:anim>
+                                    <p:anim calcmode="lin" valueType="num">
+                                      <p:cBhvr>
+                                        <p:cTn id="14" dur="500" fill="hold"/>
+                                        <p:tgtEl>
+                                          <p:spTgt spid="39"/>
+                                        </p:tgtEl>
+                                        <p:attrNameLst>
+                                          <p:attrName>ppt_y</p:attrName>
+                                        </p:attrNameLst>
+                                      </p:cBhvr>
+                                      <p:tavLst>
+                                        <p:tav tm="0">
+                                          <p:val>
+                                            <p:strVal val="#ppt_y-.1"/>
+                                          </p:val>
+                                        </p:tav>
+                                        <p:tav tm="100000">
+                                          <p:val>
+                                            <p:strVal val="#ppt_y"/>
+                                          </p:val>
+                                        </p:tav>
+                                      </p:tavLst>
+                                    </p:anim>
+                                  </p:childTnLst>
+                                </p:cTn>
+                              </p:par>
+                              <p:par>
+                                <p:cTn id="15" presetID="47" presetClass="entr" presetSubtype="0" fill="hold" grpId="0" nodeType="withEffect">
+                                  <p:stCondLst>
+                                    <p:cond delay="200"/>
+                                  </p:stCondLst>
+                                  <p:childTnLst>
+                                    <p:set>
+                                      <p:cBhvr>
+                                        <p:cTn id="16" dur="1" fill="hold">
+                                          <p:stCondLst>
+                                            <p:cond delay="0"/>
+                                          </p:stCondLst>
+                                        </p:cTn>
+                                        <p:tgtEl>
+                                          <p:spTgt spid="41"/>
+                                        </p:tgtEl>
+                                        <p:attrNameLst>
+                                          <p:attrName>style.visibility</p:attrName>
+                                        </p:attrNameLst>
+                                      </p:cBhvr>
+                                      <p:to>
+                                        <p:strVal val="visible"/>
+                                      </p:to>
+                                    </p:set>
+                                    <p:animEffect transition="in" filter="fade">
+                                      <p:cBhvr>
+                                        <p:cTn id="17" dur="500"/>
+                                        <p:tgtEl>
+                                          <p:spTgt spid="41"/>
+                                        </p:tgtEl>
+                                      </p:cBhvr>
+                                    </p:animEffect>
+                                    <p:anim calcmode="lin" valueType="num">
+                                      <p:cBhvr>
+                                        <p:cTn id="18" dur="500" fill="hold"/>
+                                        <p:tgtEl>
+                                          <p:spTgt spid="41"/>
+                                        </p:tgtEl>
+                                        <p:attrNameLst>
+                                          <p:attrName>ppt_x</p:attrName>
+                                        </p:attrNameLst>
+                                      </p:cBhvr>
+                                      <p:tavLst>
+                                        <p:tav tm="0">
+                                          <p:val>
+                                            <p:strVal val="#ppt_x"/>
+                                          </p:val>
+                                        </p:tav>
+                                        <p:tav tm="100000">
+                                          <p:val>
+                                            <p:strVal val="#ppt_x"/>
+                                          </p:val>
+                                        </p:tav>
+                                      </p:tavLst>
+                                    </p:anim>
+                                    <p:anim calcmode="lin" valueType="num">
+                                      <p:cBhvr>
+                                        <p:cTn id="19" dur="500" fill="hold"/>
+                                        <p:tgtEl>
+                                          <p:spTgt spid="41"/>
+                                        </p:tgtEl>
+                                        <p:attrNameLst>
+                                          <p:attrName>ppt_y</p:attrName>
+                                        </p:attrNameLst>
+                                      </p:cBhvr>
+                                      <p:tavLst>
+                                        <p:tav tm="0">
+                                          <p:val>
+                                            <p:strVal val="#ppt_y-.1"/>
+                                          </p:val>
+                                        </p:tav>
+                                        <p:tav tm="100000">
+                                          <p:val>
+                                            <p:strVal val="#ppt_y"/>
+                                          </p:val>
+                                        </p:tav>
+                                      </p:tavLst>
+                                    </p:anim>
+                                  </p:childTnLst>
+                                </p:cTn>
+                              </p:par>
+                            </p:childTnLst>
+                          </p:cTn>
+                        </p:par>
+                        <p:par>
+                          <p:cTn id="20" fill="hold">
+                            <p:stCondLst>
+                              <p:cond delay="700"/>
+                            </p:stCondLst>
+                            <p:childTnLst>
+                              <p:par>
+                                <p:cTn id="21" presetID="22" presetClass="entr" presetSubtype="8" fill="hold" grpId="0" nodeType="afterEffect">
+                                  <p:stCondLst>
+                                    <p:cond delay="0"/>
+                                  </p:stCondLst>
+                                  <p:childTnLst>
+                                    <p:set>
+                                      <p:cBhvr>
+                                        <p:cTn id="22" dur="1" fill="hold">
+                                          <p:stCondLst>
+                                            <p:cond delay="0"/>
+                                          </p:stCondLst>
+                                        </p:cTn>
+                                        <p:tgtEl>
+                                          <p:spTgt spid="33"/>
+                                        </p:tgtEl>
+                                        <p:attrNameLst>
+                                          <p:attrName>style.visibility</p:attrName>
+                                        </p:attrNameLst>
+                                      </p:cBhvr>
+                                      <p:to>
+                                        <p:strVal val="visible"/>
+                                      </p:to>
+                                    </p:set>
+                                    <p:animEffect transition="in" filter="wipe(left)">
+                                      <p:cBhvr>
+                                        <p:cTn id="23" dur="500"/>
+                                        <p:tgtEl>
+                                          <p:spTgt spid="33"/>
+                                        </p:tgtEl>
+                                      </p:cBhvr>
+                                    </p:animEffect>
+                                  </p:childTnLst>
+                                </p:cTn>
+                              </p:par>
+                            </p:childTnLst>
+                          </p:cTn>
+                        </p:par>
+                      </p:childTnLst>
+                    </p:cTn>
+                  </p:par>
+                </p:childTnLst>
+              </p:cTn>
+              <p:prevCondLst>
+                <p:cond evt="onPrev" delay="0">
+                  <p:tgtEl>
+                    <p:sldTgt/>
+                  </p:tgtEl>
+                </p:cond>
+              </p:prevCondLst>
+              <p:nextCondLst>
+                <p:cond evt="onNext" delay="0">
+                  <p:tgtEl>
+                    <p:sldTgt/>
+                  </p:tgtEl>
+                </p:cond>
+              </p:nextCondLst>
+            </p:seq>
+          </p:childTnLst>
+        </p:cTn>
+      </p:par>
+    </p:tnLst>
+    <p:bldLst>
+      <p:bldP spid="33" grpId="0"/>
+      <p:bldP spid="39" grpId="0" animBg="1"/>
+      <p:bldP spid="40" grpId="0" animBg="1"/>
+      <p:bldP spid="41" grpId="0" animBg="1"/>
+    </p:bldLst>
+  </p:timing>
+</p:sld>
+</file>
+
+<file path=ppt/slides/slide5.xml><?xml version="1.0" encoding="utf-8"?>
+<p:sld xmlns:a="http://schemas.openxmlformats.org/drawingml/2006/main" xmlns:r="http://schemas.openxmlformats.org/officeDocument/2006/relationships" xmlns:p="http://schemas.openxmlformats.org/presentationml/2006/main">
+  <p:cSld>
+    <p:spTree>
+      <p:nvGrpSpPr>
+        <p:cNvPr id="1" name=""/>
+        <p:cNvGrpSpPr/>
+        <p:nvPr/>
+      </p:nvGrpSpPr>
+      <p:grpSpPr>
+        <a:xfrm>
+          <a:off x="0" y="0"/>
+          <a:ext cx="0" cy="0"/>
+          <a:chOff x="0" y="0"/>
+          <a:chExt cx="0" cy="0"/>
+        </a:xfrm>
+      </p:grpSpPr>
+      <p:sp>
+        <p:nvSpPr>
+          <p:cNvPr id="13" name="Rounded Rectangle 12"/>
+          <p:cNvSpPr/>
+          <p:nvPr/>
+        </p:nvSpPr>
+        <p:spPr>
+          <a:xfrm>
+            <a:off x="5519937" y="620689"/>
+            <a:ext cx="5270376" cy="795528"/>
+          </a:xfrm>
+          <a:prstGeom prst="roundRect">
+            <a:avLst/>
+          </a:prstGeom>
+          <a:solidFill>
+            <a:srgbClr val="F8C02B"/>
+          </a:solidFill>
+          <a:ln/>
+        </p:spPr>
+        <p:style>
+          <a:lnRef idx="3">
+            <a:schemeClr val="lt1"/>
+          </a:lnRef>
+          <a:fillRef idx="1">
+            <a:schemeClr val="accent6"/>
+          </a:fillRef>
+          <a:effectRef idx="1">
+            <a:schemeClr val="accent6"/>
+          </a:effectRef>
+          <a:fontRef idx="minor">
+            <a:schemeClr val="lt1"/>
+          </a:fontRef>
+        </p:style>
+        <p:txBody>
+          <a:bodyPr rtlCol="0" anchor="ctr"/>
+          <a:lstStyle/>
+          <a:p>
+            <a:pPr algn="ctr"/>
+            <a:r>
+              <a:rPr lang="en-US" sz="2800" b="1" dirty="0" smtClean="0">
+                <a:solidFill>
+                  <a:schemeClr val="bg1"/>
+                </a:solidFill>
+              </a:rPr>
+              <a:t>UI</a:t>
+            </a:r>
+            <a:endParaRPr lang="en-US" sz="2800" b="1" dirty="0">
+              <a:solidFill>
+                <a:schemeClr val="bg1"/>
+              </a:solidFill>
+            </a:endParaRPr>
+          </a:p>
+        </p:txBody>
+      </p:sp>
+      <p:sp>
+        <p:nvSpPr>
+          <p:cNvPr id="14" name="Rounded Rectangle 13"/>
+          <p:cNvSpPr/>
+          <p:nvPr/>
+        </p:nvSpPr>
+        <p:spPr>
+          <a:xfrm>
+            <a:off x="5519937" y="4019260"/>
+            <a:ext cx="5270376" cy="795528"/>
+          </a:xfrm>
+          <a:prstGeom prst="roundRect">
+            <a:avLst/>
+          </a:prstGeom>
+          <a:solidFill>
+            <a:schemeClr val="accent5">
+              <a:lumMod val="75000"/>
+            </a:schemeClr>
+          </a:solidFill>
+          <a:ln/>
+        </p:spPr>
+        <p:style>
+          <a:lnRef idx="3">
+            <a:schemeClr val="lt1"/>
+          </a:lnRef>
+          <a:fillRef idx="1">
+            <a:schemeClr val="accent6"/>
+          </a:fillRef>
+          <a:effectRef idx="1">
+            <a:schemeClr val="accent6"/>
+          </a:effectRef>
+          <a:fontRef idx="minor">
+            <a:schemeClr val="lt1"/>
+          </a:fontRef>
+        </p:style>
+        <p:txBody>
+          <a:bodyPr rtlCol="0" anchor="ctr"/>
+          <a:lstStyle/>
+          <a:p>
+            <a:pPr algn="ctr"/>
+            <a:r>
+              <a:rPr lang="en-US" sz="2800" b="1" dirty="0" smtClean="0">
+                <a:solidFill>
+                  <a:schemeClr val="bg1"/>
+                </a:solidFill>
+              </a:rPr>
+              <a:t>Network</a:t>
+            </a:r>
+            <a:endParaRPr lang="en-US" sz="2800" b="1" dirty="0">
+              <a:solidFill>
+                <a:schemeClr val="bg1"/>
+              </a:solidFill>
+            </a:endParaRPr>
+          </a:p>
+        </p:txBody>
+      </p:sp>
+      <p:sp>
+        <p:nvSpPr>
+          <p:cNvPr id="15" name="Cloud 14"/>
+          <p:cNvSpPr/>
+          <p:nvPr/>
+        </p:nvSpPr>
+        <p:spPr>
+          <a:xfrm>
+            <a:off x="9955323" y="5517232"/>
+            <a:ext cx="2088232" cy="1484784"/>
+          </a:xfrm>
+          <a:prstGeom prst="cloud">
+            <a:avLst/>
+          </a:prstGeom>
+          <a:solidFill>
+            <a:schemeClr val="bg1">
+              <a:lumMod val="65000"/>
+            </a:schemeClr>
+          </a:solidFill>
+          <a:ln>
+            <a:solidFill>
+              <a:schemeClr val="bg1"/>
+            </a:solidFill>
+          </a:ln>
+        </p:spPr>
+        <p:style>
+          <a:lnRef idx="2">
+            <a:schemeClr val="accent1">
+              <a:shade val="50000"/>
+            </a:schemeClr>
+          </a:lnRef>
+          <a:fillRef idx="1">
+            <a:schemeClr val="accent1"/>
+          </a:fillRef>
+          <a:effectRef idx="0">
+            <a:schemeClr val="accent1"/>
+          </a:effectRef>
+          <a:fontRef idx="minor">
+            <a:schemeClr val="lt1"/>
+          </a:fontRef>
+        </p:style>
+        <p:txBody>
+          <a:bodyPr rtlCol="0" anchor="ctr"/>
+          <a:lstStyle/>
+          <a:p>
+            <a:pPr algn="ctr"/>
+            <a:r>
+              <a:rPr lang="en-US" dirty="0" err="1" smtClean="0">
+                <a:latin typeface="Arial Black" panose="020B0A04020102020204" pitchFamily="34" charset="0"/>
+              </a:rPr>
+              <a:t>ze</a:t>
+            </a:r>
+            <a:r>
+              <a:rPr lang="en-US" dirty="0" smtClean="0">
+                <a:latin typeface="Arial Black" panose="020B0A04020102020204" pitchFamily="34" charset="0"/>
+              </a:rPr>
+              <a:t> internet</a:t>
+            </a:r>
+            <a:endParaRPr lang="en-US" dirty="0">
+              <a:latin typeface="Arial Black" panose="020B0A04020102020204" pitchFamily="34" charset="0"/>
+            </a:endParaRPr>
+          </a:p>
+        </p:txBody>
+      </p:sp>
+      <p:cxnSp>
+        <p:nvCxnSpPr>
+          <p:cNvPr id="16" name="Elbow Connector 15"/>
+          <p:cNvCxnSpPr>
+            <a:stCxn id="14" idx="2"/>
+          </p:cNvCxnSpPr>
+          <p:nvPr/>
+        </p:nvCxnSpPr>
+        <p:spPr>
+          <a:xfrm rot="16200000" flipH="1">
+            <a:off x="8336045" y="4633868"/>
+            <a:ext cx="1444837" cy="1806676"/>
+          </a:xfrm>
+          <a:prstGeom prst="bentConnector2">
+            <a:avLst/>
+          </a:prstGeom>
+          <a:ln w="38100">
+            <a:solidFill>
+              <a:schemeClr val="bg1"/>
+            </a:solidFill>
+            <a:headEnd type="triangle" w="lg" len="lg"/>
+            <a:tailEnd type="triangle" w="lg" len="lg"/>
+          </a:ln>
+        </p:spPr>
+        <p:style>
+          <a:lnRef idx="1">
+            <a:schemeClr val="accent1"/>
+          </a:lnRef>
+          <a:fillRef idx="0">
+            <a:schemeClr val="accent1"/>
+          </a:fillRef>
+          <a:effectRef idx="0">
+            <a:schemeClr val="accent1"/>
+          </a:effectRef>
+          <a:fontRef idx="minor">
+            <a:schemeClr val="tx1"/>
+          </a:fontRef>
+        </p:style>
+      </p:cxnSp>
+      <p:cxnSp>
+        <p:nvCxnSpPr>
+          <p:cNvPr id="17" name="Straight Arrow Connector 16"/>
+          <p:cNvCxnSpPr>
+            <a:stCxn id="13" idx="2"/>
+            <a:endCxn id="14" idx="0"/>
+          </p:cNvCxnSpPr>
+          <p:nvPr/>
+        </p:nvCxnSpPr>
+        <p:spPr>
+          <a:xfrm>
+            <a:off x="8155125" y="1416217"/>
+            <a:ext cx="0" cy="2603043"/>
+          </a:xfrm>
+          <a:prstGeom prst="straightConnector1">
+            <a:avLst/>
+          </a:prstGeom>
+          <a:ln w="38100">
+            <a:solidFill>
+              <a:schemeClr val="bg1"/>
+            </a:solidFill>
+            <a:headEnd type="triangle" w="lg" len="lg"/>
+            <a:tailEnd type="triangle" w="lg" len="lg"/>
+          </a:ln>
+        </p:spPr>
+        <p:style>
+          <a:lnRef idx="1">
+            <a:schemeClr val="accent1"/>
+          </a:lnRef>
+          <a:fillRef idx="0">
+            <a:schemeClr val="accent1"/>
+          </a:fillRef>
+          <a:effectRef idx="0">
+            <a:schemeClr val="accent1"/>
+          </a:effectRef>
+          <a:fontRef idx="minor">
+            <a:schemeClr val="tx1"/>
+          </a:fontRef>
+        </p:style>
+      </p:cxnSp>
+    </p:spTree>
+    <p:extLst>
+      <p:ext uri="{BB962C8B-B14F-4D97-AF65-F5344CB8AC3E}">
+        <p14:creationId xmlns:p14="http://schemas.microsoft.com/office/powerpoint/2010/main" val="44655833"/>
+      </p:ext>
+    </p:extLst>
+  </p:cSld>
+  <p:clrMapOvr>
+    <a:masterClrMapping/>
+  </p:clrMapOvr>
+  <p:transition spd="slow" advTm="0">
+    <p:wipe/>
+  </p:transition>
+  <p:timing>
+    <p:tnLst>
+      <p:par>
+        <p:cTn id="1" dur="indefinite" restart="never" nodeType="tmRoot"/>
+      </p:par>
+    </p:tnLst>
+  </p:timing>
+</p:sld>
+</file>
+
+<file path=ppt/slides/slide6.xml><?xml version="1.0" encoding="utf-8"?>
+<p:sld xmlns:a="http://schemas.openxmlformats.org/drawingml/2006/main" xmlns:r="http://schemas.openxmlformats.org/officeDocument/2006/relationships" xmlns:p="http://schemas.openxmlformats.org/presentationml/2006/main">
+  <p:cSld>
+    <p:spTree>
+      <p:nvGrpSpPr>
+        <p:cNvPr id="1" name=""/>
+        <p:cNvGrpSpPr/>
+        <p:nvPr/>
+      </p:nvGrpSpPr>
+      <p:grpSpPr>
+        <a:xfrm>
+          <a:off x="0" y="0"/>
+          <a:ext cx="0" cy="0"/>
+          <a:chOff x="0" y="0"/>
+          <a:chExt cx="0" cy="0"/>
+        </a:xfrm>
+      </p:grpSpPr>
+      <p:sp>
+        <p:nvSpPr>
           <p:cNvPr id="4" name="Rounded Rectangle 3"/>
           <p:cNvSpPr/>
           <p:nvPr/>
@@ -15303,7 +18052,7 @@
 </p:sld>
 </file>
 
-<file path=ppt/slides/slide4.xml><?xml version="1.0" encoding="utf-8"?>
+<file path=ppt/slides/slide7.xml><?xml version="1.0" encoding="utf-8"?>
 <p:sld xmlns:a="http://schemas.openxmlformats.org/drawingml/2006/main" xmlns:r="http://schemas.openxmlformats.org/officeDocument/2006/relationships" xmlns:p="http://schemas.openxmlformats.org/presentationml/2006/main">
   <p:cSld>
     <p:spTree>
@@ -15979,6 +18728,207 @@
               <a:t>()</a:t>
             </a:r>
             <a:endParaRPr lang="en-US" dirty="0">
+              <a:solidFill>
+                <a:schemeClr val="bg1"/>
+              </a:solidFill>
+            </a:endParaRPr>
+          </a:p>
+        </p:txBody>
+      </p:sp>
+      <p:sp>
+        <p:nvSpPr>
+          <p:cNvPr id="56" name="TextBox 55"/>
+          <p:cNvSpPr txBox="1"/>
+          <p:nvPr/>
+        </p:nvSpPr>
+        <p:spPr>
+          <a:xfrm flipH="1">
+            <a:off x="6240016" y="2531351"/>
+            <a:ext cx="2952328" cy="369332"/>
+          </a:xfrm>
+          <a:prstGeom prst="rect">
+            <a:avLst/>
+          </a:prstGeom>
+          <a:noFill/>
+        </p:spPr>
+        <p:txBody>
+          <a:bodyPr wrap="square" rtlCol="0">
+            <a:spAutoFit/>
+          </a:bodyPr>
+          <a:lstStyle/>
+          <a:p>
+            <a:pPr algn="r"/>
+            <a:r>
+              <a:rPr lang="en-US" dirty="0" err="1" smtClean="0">
+                <a:solidFill>
+                  <a:schemeClr val="bg1"/>
+                </a:solidFill>
+              </a:rPr>
+              <a:t>onCreate</a:t>
+            </a:r>
+            <a:r>
+              <a:rPr lang="en-US" dirty="0" smtClean="0">
+                <a:solidFill>
+                  <a:schemeClr val="bg1"/>
+                </a:solidFill>
+              </a:rPr>
+              <a:t>(): fetch data</a:t>
+            </a:r>
+            <a:endParaRPr lang="en-US" dirty="0">
+              <a:solidFill>
+                <a:schemeClr val="bg1"/>
+              </a:solidFill>
+            </a:endParaRPr>
+          </a:p>
+        </p:txBody>
+      </p:sp>
+      <p:sp>
+        <p:nvSpPr>
+          <p:cNvPr id="57" name="TextBox 56"/>
+          <p:cNvSpPr txBox="1"/>
+          <p:nvPr/>
+        </p:nvSpPr>
+        <p:spPr>
+          <a:xfrm>
+            <a:off x="407368" y="4509120"/>
+            <a:ext cx="4896544" cy="954107"/>
+          </a:xfrm>
+          <a:prstGeom prst="rect">
+            <a:avLst/>
+          </a:prstGeom>
+          <a:noFill/>
+        </p:spPr>
+        <p:txBody>
+          <a:bodyPr wrap="square" rtlCol="0">
+            <a:spAutoFit/>
+          </a:bodyPr>
+          <a:lstStyle/>
+          <a:p>
+            <a:r>
+              <a:rPr lang="en-US" sz="2800" b="1" dirty="0" smtClean="0">
+                <a:solidFill>
+                  <a:schemeClr val="bg1"/>
+                </a:solidFill>
+              </a:rPr>
+              <a:t>Bad idea #2a:</a:t>
+            </a:r>
+            <a:endParaRPr lang="en-US" sz="2800" dirty="0">
+              <a:solidFill>
+                <a:schemeClr val="bg1"/>
+              </a:solidFill>
+            </a:endParaRPr>
+          </a:p>
+          <a:p>
+            <a:r>
+              <a:rPr lang="en-US" sz="2800" dirty="0" smtClean="0">
+                <a:solidFill>
+                  <a:schemeClr val="bg1"/>
+                </a:solidFill>
+              </a:rPr>
+              <a:t>Stale data</a:t>
+            </a:r>
+            <a:endParaRPr lang="en-US" sz="2800" dirty="0">
+              <a:solidFill>
+                <a:schemeClr val="bg1"/>
+              </a:solidFill>
+            </a:endParaRPr>
+          </a:p>
+        </p:txBody>
+      </p:sp>
+      <p:sp>
+        <p:nvSpPr>
+          <p:cNvPr id="58" name="Lightning Bolt 57"/>
+          <p:cNvSpPr/>
+          <p:nvPr/>
+        </p:nvSpPr>
+        <p:spPr>
+          <a:xfrm>
+            <a:off x="8256240" y="2355977"/>
+            <a:ext cx="720080" cy="720080"/>
+          </a:xfrm>
+          <a:prstGeom prst="lightningBolt">
+            <a:avLst/>
+          </a:prstGeom>
+          <a:solidFill>
+            <a:srgbClr val="FF0000"/>
+          </a:solidFill>
+          <a:ln>
+            <a:solidFill>
+              <a:schemeClr val="bg1"/>
+            </a:solidFill>
+          </a:ln>
+        </p:spPr>
+        <p:style>
+          <a:lnRef idx="2">
+            <a:schemeClr val="accent1">
+              <a:shade val="50000"/>
+            </a:schemeClr>
+          </a:lnRef>
+          <a:fillRef idx="1">
+            <a:schemeClr val="accent1"/>
+          </a:fillRef>
+          <a:effectRef idx="0">
+            <a:schemeClr val="accent1"/>
+          </a:effectRef>
+          <a:fontRef idx="minor">
+            <a:schemeClr val="lt1"/>
+          </a:fontRef>
+        </p:style>
+        <p:txBody>
+          <a:bodyPr rtlCol="0" anchor="ctr"/>
+          <a:lstStyle/>
+          <a:p>
+            <a:pPr algn="ctr"/>
+            <a:endParaRPr lang="en-US"/>
+          </a:p>
+        </p:txBody>
+      </p:sp>
+      <p:sp>
+        <p:nvSpPr>
+          <p:cNvPr id="60" name="TextBox 59"/>
+          <p:cNvSpPr txBox="1"/>
+          <p:nvPr/>
+        </p:nvSpPr>
+        <p:spPr>
+          <a:xfrm>
+            <a:off x="407368" y="5607243"/>
+            <a:ext cx="4896544" cy="954107"/>
+          </a:xfrm>
+          <a:prstGeom prst="rect">
+            <a:avLst/>
+          </a:prstGeom>
+          <a:noFill/>
+        </p:spPr>
+        <p:txBody>
+          <a:bodyPr wrap="square" rtlCol="0">
+            <a:spAutoFit/>
+          </a:bodyPr>
+          <a:lstStyle/>
+          <a:p>
+            <a:r>
+              <a:rPr lang="en-US" sz="2800" b="1" dirty="0" smtClean="0">
+                <a:solidFill>
+                  <a:schemeClr val="bg1"/>
+                </a:solidFill>
+              </a:rPr>
+              <a:t>Bad idea #2b:</a:t>
+            </a:r>
+            <a:endParaRPr lang="en-US" sz="2800" dirty="0">
+              <a:solidFill>
+                <a:schemeClr val="bg1"/>
+              </a:solidFill>
+            </a:endParaRPr>
+          </a:p>
+          <a:p>
+            <a:r>
+              <a:rPr lang="en-US" sz="2800" dirty="0" smtClean="0">
+                <a:solidFill>
+                  <a:schemeClr val="bg1"/>
+                </a:solidFill>
+              </a:rPr>
+              <a:t>Assumes internet connection</a:t>
+            </a:r>
+            <a:endParaRPr lang="en-US" sz="2800" dirty="0">
               <a:solidFill>
                 <a:schemeClr val="bg1"/>
               </a:solidFill>
@@ -16106,6 +19056,255 @@
                       </p:childTnLst>
                     </p:cTn>
                   </p:par>
+                  <p:par>
+                    <p:cTn id="10" fill="hold">
+                      <p:stCondLst>
+                        <p:cond delay="indefinite"/>
+                      </p:stCondLst>
+                      <p:childTnLst>
+                        <p:par>
+                          <p:cTn id="11" fill="hold">
+                            <p:stCondLst>
+                              <p:cond delay="0"/>
+                            </p:stCondLst>
+                            <p:childTnLst>
+                              <p:par>
+                                <p:cTn id="12" presetID="22" presetClass="entr" presetSubtype="2" fill="hold" grpId="0" nodeType="clickEffect">
+                                  <p:stCondLst>
+                                    <p:cond delay="0"/>
+                                  </p:stCondLst>
+                                  <p:childTnLst>
+                                    <p:set>
+                                      <p:cBhvr>
+                                        <p:cTn id="13" dur="1" fill="hold">
+                                          <p:stCondLst>
+                                            <p:cond delay="0"/>
+                                          </p:stCondLst>
+                                        </p:cTn>
+                                        <p:tgtEl>
+                                          <p:spTgt spid="56"/>
+                                        </p:tgtEl>
+                                        <p:attrNameLst>
+                                          <p:attrName>style.visibility</p:attrName>
+                                        </p:attrNameLst>
+                                      </p:cBhvr>
+                                      <p:to>
+                                        <p:strVal val="visible"/>
+                                      </p:to>
+                                    </p:set>
+                                    <p:animEffect transition="in" filter="wipe(right)">
+                                      <p:cBhvr>
+                                        <p:cTn id="14" dur="500"/>
+                                        <p:tgtEl>
+                                          <p:spTgt spid="56"/>
+                                        </p:tgtEl>
+                                      </p:cBhvr>
+                                    </p:animEffect>
+                                  </p:childTnLst>
+                                </p:cTn>
+                              </p:par>
+                            </p:childTnLst>
+                          </p:cTn>
+                        </p:par>
+                      </p:childTnLst>
+                    </p:cTn>
+                  </p:par>
+                  <p:par>
+                    <p:cTn id="15" fill="hold">
+                      <p:stCondLst>
+                        <p:cond delay="indefinite"/>
+                      </p:stCondLst>
+                      <p:childTnLst>
+                        <p:par>
+                          <p:cTn id="16" fill="hold">
+                            <p:stCondLst>
+                              <p:cond delay="0"/>
+                            </p:stCondLst>
+                            <p:childTnLst>
+                              <p:par>
+                                <p:cTn id="17" presetID="47" presetClass="entr" presetSubtype="0" fill="hold" grpId="0" nodeType="clickEffect">
+                                  <p:stCondLst>
+                                    <p:cond delay="0"/>
+                                  </p:stCondLst>
+                                  <p:childTnLst>
+                                    <p:set>
+                                      <p:cBhvr>
+                                        <p:cTn id="18" dur="1" fill="hold">
+                                          <p:stCondLst>
+                                            <p:cond delay="0"/>
+                                          </p:stCondLst>
+                                        </p:cTn>
+                                        <p:tgtEl>
+                                          <p:spTgt spid="58"/>
+                                        </p:tgtEl>
+                                        <p:attrNameLst>
+                                          <p:attrName>style.visibility</p:attrName>
+                                        </p:attrNameLst>
+                                      </p:cBhvr>
+                                      <p:to>
+                                        <p:strVal val="visible"/>
+                                      </p:to>
+                                    </p:set>
+                                    <p:animEffect transition="in" filter="fade">
+                                      <p:cBhvr>
+                                        <p:cTn id="19" dur="500"/>
+                                        <p:tgtEl>
+                                          <p:spTgt spid="58"/>
+                                        </p:tgtEl>
+                                      </p:cBhvr>
+                                    </p:animEffect>
+                                    <p:anim calcmode="lin" valueType="num">
+                                      <p:cBhvr>
+                                        <p:cTn id="20" dur="500" fill="hold"/>
+                                        <p:tgtEl>
+                                          <p:spTgt spid="58"/>
+                                        </p:tgtEl>
+                                        <p:attrNameLst>
+                                          <p:attrName>ppt_x</p:attrName>
+                                        </p:attrNameLst>
+                                      </p:cBhvr>
+                                      <p:tavLst>
+                                        <p:tav tm="0">
+                                          <p:val>
+                                            <p:strVal val="#ppt_x"/>
+                                          </p:val>
+                                        </p:tav>
+                                        <p:tav tm="100000">
+                                          <p:val>
+                                            <p:strVal val="#ppt_x"/>
+                                          </p:val>
+                                        </p:tav>
+                                      </p:tavLst>
+                                    </p:anim>
+                                    <p:anim calcmode="lin" valueType="num">
+                                      <p:cBhvr>
+                                        <p:cTn id="21" dur="500" fill="hold"/>
+                                        <p:tgtEl>
+                                          <p:spTgt spid="58"/>
+                                        </p:tgtEl>
+                                        <p:attrNameLst>
+                                          <p:attrName>ppt_y</p:attrName>
+                                        </p:attrNameLst>
+                                      </p:cBhvr>
+                                      <p:tavLst>
+                                        <p:tav tm="0">
+                                          <p:val>
+                                            <p:strVal val="#ppt_y-.1"/>
+                                          </p:val>
+                                        </p:tav>
+                                        <p:tav tm="100000">
+                                          <p:val>
+                                            <p:strVal val="#ppt_y"/>
+                                          </p:val>
+                                        </p:tav>
+                                      </p:tavLst>
+                                    </p:anim>
+                                  </p:childTnLst>
+                                </p:cTn>
+                              </p:par>
+                            </p:childTnLst>
+                          </p:cTn>
+                        </p:par>
+                        <p:par>
+                          <p:cTn id="22" fill="hold">
+                            <p:stCondLst>
+                              <p:cond delay="500"/>
+                            </p:stCondLst>
+                            <p:childTnLst>
+                              <p:par>
+                                <p:cTn id="23" presetID="22" presetClass="entr" presetSubtype="8" fill="hold" grpId="0" nodeType="afterEffect">
+                                  <p:stCondLst>
+                                    <p:cond delay="0"/>
+                                  </p:stCondLst>
+                                  <p:childTnLst>
+                                    <p:set>
+                                      <p:cBhvr>
+                                        <p:cTn id="24" dur="1" fill="hold">
+                                          <p:stCondLst>
+                                            <p:cond delay="0"/>
+                                          </p:stCondLst>
+                                        </p:cTn>
+                                        <p:tgtEl>
+                                          <p:spTgt spid="57"/>
+                                        </p:tgtEl>
+                                        <p:attrNameLst>
+                                          <p:attrName>style.visibility</p:attrName>
+                                        </p:attrNameLst>
+                                      </p:cBhvr>
+                                      <p:to>
+                                        <p:strVal val="visible"/>
+                                      </p:to>
+                                    </p:set>
+                                    <p:animEffect transition="in" filter="wipe(left)">
+                                      <p:cBhvr>
+                                        <p:cTn id="25" dur="500"/>
+                                        <p:tgtEl>
+                                          <p:spTgt spid="57"/>
+                                        </p:tgtEl>
+                                      </p:cBhvr>
+                                    </p:animEffect>
+                                  </p:childTnLst>
+                                </p:cTn>
+                              </p:par>
+                            </p:childTnLst>
+                          </p:cTn>
+                        </p:par>
+                      </p:childTnLst>
+                    </p:cTn>
+                  </p:par>
+                  <p:par>
+                    <p:cTn id="26" fill="hold">
+                      <p:stCondLst>
+                        <p:cond delay="indefinite"/>
+                      </p:stCondLst>
+                      <p:childTnLst>
+                        <p:par>
+                          <p:cTn id="27" fill="hold">
+                            <p:stCondLst>
+                              <p:cond delay="0"/>
+                            </p:stCondLst>
+                            <p:childTnLst>
+                              <p:par>
+                                <p:cTn id="28" presetID="22" presetClass="entr" presetSubtype="8" fill="hold" grpId="0" nodeType="clickEffect">
+                                  <p:stCondLst>
+                                    <p:cond delay="0"/>
+                                  </p:stCondLst>
+                                  <p:childTnLst>
+                                    <p:set>
+                                      <p:cBhvr>
+                                        <p:cTn id="29" dur="1" fill="hold">
+                                          <p:stCondLst>
+                                            <p:cond delay="0"/>
+                                          </p:stCondLst>
+                                        </p:cTn>
+                                        <p:tgtEl>
+                                          <p:spTgt spid="60"/>
+                                        </p:tgtEl>
+                                        <p:attrNameLst>
+                                          <p:attrName>style.visibility</p:attrName>
+                                        </p:attrNameLst>
+                                      </p:cBhvr>
+                                      <p:to>
+                                        <p:strVal val="visible"/>
+                                      </p:to>
+                                    </p:set>
+                                    <p:animEffect transition="in" filter="wipe(left)">
+                                      <p:cBhvr>
+                                        <p:cTn id="30" dur="500"/>
+                                        <p:tgtEl>
+                                          <p:spTgt spid="60"/>
+                                        </p:tgtEl>
+                                      </p:cBhvr>
+                                    </p:animEffect>
+                                  </p:childTnLst>
+                                </p:cTn>
+                              </p:par>
+                            </p:childTnLst>
+                          </p:cTn>
+                        </p:par>
+                      </p:childTnLst>
+                    </p:cTn>
+                  </p:par>
                 </p:childTnLst>
               </p:cTn>
               <p:prevCondLst>
@@ -16127,11 +19326,1168 @@
         </p:cTn>
       </p:par>
     </p:tnLst>
+    <p:bldLst>
+      <p:bldP spid="56" grpId="0"/>
+      <p:bldP spid="57" grpId="0"/>
+      <p:bldP spid="58" grpId="0" animBg="1"/>
+      <p:bldP spid="60" grpId="0"/>
+    </p:bldLst>
   </p:timing>
 </p:sld>
 </file>
 
-<file path=ppt/slides/slide5.xml><?xml version="1.0" encoding="utf-8"?>
+<file path=ppt/slides/slide8.xml><?xml version="1.0" encoding="utf-8"?>
+<p:sld xmlns:a="http://schemas.openxmlformats.org/drawingml/2006/main" xmlns:r="http://schemas.openxmlformats.org/officeDocument/2006/relationships" xmlns:p="http://schemas.openxmlformats.org/presentationml/2006/main">
+  <p:cSld>
+    <p:spTree>
+      <p:nvGrpSpPr>
+        <p:cNvPr id="1" name=""/>
+        <p:cNvGrpSpPr/>
+        <p:nvPr/>
+      </p:nvGrpSpPr>
+      <p:grpSpPr>
+        <a:xfrm>
+          <a:off x="0" y="0"/>
+          <a:ext cx="0" cy="0"/>
+          <a:chOff x="0" y="0"/>
+          <a:chExt cx="0" cy="0"/>
+        </a:xfrm>
+      </p:grpSpPr>
+      <p:sp>
+        <p:nvSpPr>
+          <p:cNvPr id="4" name="Rounded Rectangle 3"/>
+          <p:cNvSpPr/>
+          <p:nvPr/>
+        </p:nvSpPr>
+        <p:spPr>
+          <a:xfrm>
+            <a:off x="7968208" y="620688"/>
+            <a:ext cx="2822104" cy="795528"/>
+          </a:xfrm>
+          <a:prstGeom prst="roundRect">
+            <a:avLst/>
+          </a:prstGeom>
+          <a:solidFill>
+            <a:srgbClr val="F8C02B"/>
+          </a:solidFill>
+          <a:ln/>
+        </p:spPr>
+        <p:style>
+          <a:lnRef idx="3">
+            <a:schemeClr val="lt1"/>
+          </a:lnRef>
+          <a:fillRef idx="1">
+            <a:schemeClr val="accent6"/>
+          </a:fillRef>
+          <a:effectRef idx="1">
+            <a:schemeClr val="accent6"/>
+          </a:effectRef>
+          <a:fontRef idx="minor">
+            <a:schemeClr val="lt1"/>
+          </a:fontRef>
+        </p:style>
+        <p:txBody>
+          <a:bodyPr rtlCol="0" anchor="ctr"/>
+          <a:lstStyle/>
+          <a:p>
+            <a:pPr algn="ctr"/>
+            <a:r>
+              <a:rPr lang="en-US" sz="2800" b="1" dirty="0" smtClean="0">
+                <a:solidFill>
+                  <a:schemeClr val="bg1"/>
+                </a:solidFill>
+              </a:rPr>
+              <a:t>UI</a:t>
+            </a:r>
+            <a:endParaRPr lang="en-US" sz="2800" b="1" dirty="0">
+              <a:solidFill>
+                <a:schemeClr val="bg1"/>
+              </a:solidFill>
+            </a:endParaRPr>
+          </a:p>
+        </p:txBody>
+      </p:sp>
+      <p:sp>
+        <p:nvSpPr>
+          <p:cNvPr id="5" name="Rounded Rectangle 4"/>
+          <p:cNvSpPr/>
+          <p:nvPr/>
+        </p:nvSpPr>
+        <p:spPr>
+          <a:xfrm>
+            <a:off x="609600" y="620688"/>
+            <a:ext cx="5270376" cy="792088"/>
+          </a:xfrm>
+          <a:prstGeom prst="roundRect">
+            <a:avLst/>
+          </a:prstGeom>
+          <a:solidFill>
+            <a:srgbClr val="4CC4B9"/>
+          </a:solidFill>
+          <a:ln/>
+        </p:spPr>
+        <p:style>
+          <a:lnRef idx="3">
+            <a:schemeClr val="lt1"/>
+          </a:lnRef>
+          <a:fillRef idx="1">
+            <a:schemeClr val="accent6"/>
+          </a:fillRef>
+          <a:effectRef idx="1">
+            <a:schemeClr val="accent6"/>
+          </a:effectRef>
+          <a:fontRef idx="minor">
+            <a:schemeClr val="lt1"/>
+          </a:fontRef>
+        </p:style>
+        <p:txBody>
+          <a:bodyPr rtlCol="0" anchor="ctr"/>
+          <a:lstStyle/>
+          <a:p>
+            <a:pPr algn="ctr"/>
+            <a:r>
+              <a:rPr lang="en-US" sz="2800" b="1" dirty="0" err="1" smtClean="0">
+                <a:solidFill>
+                  <a:schemeClr val="bg1"/>
+                </a:solidFill>
+              </a:rPr>
+              <a:t>CursorLoader</a:t>
+            </a:r>
+            <a:endParaRPr lang="en-US" sz="2800" b="1" dirty="0">
+              <a:solidFill>
+                <a:schemeClr val="bg1"/>
+              </a:solidFill>
+            </a:endParaRPr>
+          </a:p>
+        </p:txBody>
+      </p:sp>
+      <p:sp>
+        <p:nvSpPr>
+          <p:cNvPr id="6" name="Rounded Rectangle 5"/>
+          <p:cNvSpPr/>
+          <p:nvPr/>
+        </p:nvSpPr>
+        <p:spPr>
+          <a:xfrm>
+            <a:off x="609600" y="2318253"/>
+            <a:ext cx="5270376" cy="795528"/>
+          </a:xfrm>
+          <a:prstGeom prst="roundRect">
+            <a:avLst/>
+          </a:prstGeom>
+          <a:solidFill>
+            <a:srgbClr val="9AD21C"/>
+          </a:solidFill>
+          <a:ln/>
+        </p:spPr>
+        <p:style>
+          <a:lnRef idx="3">
+            <a:schemeClr val="lt1"/>
+          </a:lnRef>
+          <a:fillRef idx="1">
+            <a:schemeClr val="accent6"/>
+          </a:fillRef>
+          <a:effectRef idx="1">
+            <a:schemeClr val="accent6"/>
+          </a:effectRef>
+          <a:fontRef idx="minor">
+            <a:schemeClr val="lt1"/>
+          </a:fontRef>
+        </p:style>
+        <p:txBody>
+          <a:bodyPr rtlCol="0" anchor="ctr"/>
+          <a:lstStyle/>
+          <a:p>
+            <a:pPr algn="ctr"/>
+            <a:r>
+              <a:rPr lang="en-US" sz="2800" b="1" dirty="0" err="1" smtClean="0">
+                <a:solidFill>
+                  <a:schemeClr val="bg1"/>
+                </a:solidFill>
+              </a:rPr>
+              <a:t>ContentProvider</a:t>
+            </a:r>
+            <a:endParaRPr lang="en-US" sz="2800" b="1" dirty="0">
+              <a:solidFill>
+                <a:schemeClr val="bg1"/>
+              </a:solidFill>
+            </a:endParaRPr>
+          </a:p>
+        </p:txBody>
+      </p:sp>
+      <p:sp>
+        <p:nvSpPr>
+          <p:cNvPr id="7" name="Rounded Rectangle 6"/>
+          <p:cNvSpPr/>
+          <p:nvPr/>
+        </p:nvSpPr>
+        <p:spPr>
+          <a:xfrm>
+            <a:off x="609600" y="4019259"/>
+            <a:ext cx="5270376" cy="795528"/>
+          </a:xfrm>
+          <a:prstGeom prst="roundRect">
+            <a:avLst/>
+          </a:prstGeom>
+          <a:solidFill>
+            <a:schemeClr val="accent2">
+              <a:lumMod val="75000"/>
+            </a:schemeClr>
+          </a:solidFill>
+          <a:ln/>
+        </p:spPr>
+        <p:style>
+          <a:lnRef idx="3">
+            <a:schemeClr val="lt1"/>
+          </a:lnRef>
+          <a:fillRef idx="1">
+            <a:schemeClr val="accent6"/>
+          </a:fillRef>
+          <a:effectRef idx="1">
+            <a:schemeClr val="accent6"/>
+          </a:effectRef>
+          <a:fontRef idx="minor">
+            <a:schemeClr val="lt1"/>
+          </a:fontRef>
+        </p:style>
+        <p:txBody>
+          <a:bodyPr rtlCol="0" anchor="ctr"/>
+          <a:lstStyle/>
+          <a:p>
+            <a:pPr algn="ctr"/>
+            <a:r>
+              <a:rPr lang="en-US" sz="2800" b="1" dirty="0" smtClean="0">
+                <a:solidFill>
+                  <a:schemeClr val="bg1"/>
+                </a:solidFill>
+              </a:rPr>
+              <a:t>Service</a:t>
+            </a:r>
+            <a:endParaRPr lang="en-US" sz="2800" b="1" dirty="0">
+              <a:solidFill>
+                <a:schemeClr val="bg1"/>
+              </a:solidFill>
+            </a:endParaRPr>
+          </a:p>
+        </p:txBody>
+      </p:sp>
+      <p:sp>
+        <p:nvSpPr>
+          <p:cNvPr id="8" name="Rounded Rectangle 7"/>
+          <p:cNvSpPr/>
+          <p:nvPr/>
+        </p:nvSpPr>
+        <p:spPr>
+          <a:xfrm>
+            <a:off x="7968208" y="4019259"/>
+            <a:ext cx="2822104" cy="795528"/>
+          </a:xfrm>
+          <a:prstGeom prst="roundRect">
+            <a:avLst/>
+          </a:prstGeom>
+          <a:solidFill>
+            <a:schemeClr val="accent5">
+              <a:lumMod val="75000"/>
+            </a:schemeClr>
+          </a:solidFill>
+          <a:ln/>
+        </p:spPr>
+        <p:style>
+          <a:lnRef idx="3">
+            <a:schemeClr val="lt1"/>
+          </a:lnRef>
+          <a:fillRef idx="1">
+            <a:schemeClr val="accent6"/>
+          </a:fillRef>
+          <a:effectRef idx="1">
+            <a:schemeClr val="accent6"/>
+          </a:effectRef>
+          <a:fontRef idx="minor">
+            <a:schemeClr val="lt1"/>
+          </a:fontRef>
+        </p:style>
+        <p:txBody>
+          <a:bodyPr rtlCol="0" anchor="ctr"/>
+          <a:lstStyle/>
+          <a:p>
+            <a:pPr algn="ctr"/>
+            <a:r>
+              <a:rPr lang="en-US" sz="2800" b="1" dirty="0" smtClean="0">
+                <a:solidFill>
+                  <a:schemeClr val="bg1"/>
+                </a:solidFill>
+              </a:rPr>
+              <a:t>Network</a:t>
+            </a:r>
+            <a:endParaRPr lang="en-US" sz="2800" b="1" dirty="0">
+              <a:solidFill>
+                <a:schemeClr val="bg1"/>
+              </a:solidFill>
+            </a:endParaRPr>
+          </a:p>
+        </p:txBody>
+      </p:sp>
+      <p:sp>
+        <p:nvSpPr>
+          <p:cNvPr id="10" name="Cloud 9"/>
+          <p:cNvSpPr/>
+          <p:nvPr/>
+        </p:nvSpPr>
+        <p:spPr>
+          <a:xfrm>
+            <a:off x="9955323" y="5517232"/>
+            <a:ext cx="2088232" cy="1484784"/>
+          </a:xfrm>
+          <a:prstGeom prst="cloud">
+            <a:avLst/>
+          </a:prstGeom>
+          <a:solidFill>
+            <a:schemeClr val="bg1">
+              <a:lumMod val="65000"/>
+            </a:schemeClr>
+          </a:solidFill>
+          <a:ln>
+            <a:solidFill>
+              <a:schemeClr val="bg1"/>
+            </a:solidFill>
+          </a:ln>
+        </p:spPr>
+        <p:style>
+          <a:lnRef idx="2">
+            <a:schemeClr val="accent1">
+              <a:shade val="50000"/>
+            </a:schemeClr>
+          </a:lnRef>
+          <a:fillRef idx="1">
+            <a:schemeClr val="accent1"/>
+          </a:fillRef>
+          <a:effectRef idx="0">
+            <a:schemeClr val="accent1"/>
+          </a:effectRef>
+          <a:fontRef idx="minor">
+            <a:schemeClr val="lt1"/>
+          </a:fontRef>
+        </p:style>
+        <p:txBody>
+          <a:bodyPr rtlCol="0" anchor="ctr"/>
+          <a:lstStyle/>
+          <a:p>
+            <a:pPr algn="ctr"/>
+            <a:r>
+              <a:rPr lang="en-US" dirty="0" err="1" smtClean="0">
+                <a:latin typeface="Arial Black" panose="020B0A04020102020204" pitchFamily="34" charset="0"/>
+              </a:rPr>
+              <a:t>ze</a:t>
+            </a:r>
+            <a:r>
+              <a:rPr lang="en-US" dirty="0" smtClean="0">
+                <a:latin typeface="Arial Black" panose="020B0A04020102020204" pitchFamily="34" charset="0"/>
+              </a:rPr>
+              <a:t> internet</a:t>
+            </a:r>
+            <a:endParaRPr lang="en-US" dirty="0">
+              <a:latin typeface="Arial Black" panose="020B0A04020102020204" pitchFamily="34" charset="0"/>
+            </a:endParaRPr>
+          </a:p>
+        </p:txBody>
+      </p:sp>
+      <p:cxnSp>
+        <p:nvCxnSpPr>
+          <p:cNvPr id="12" name="Elbow Connector 11"/>
+          <p:cNvCxnSpPr>
+            <a:stCxn id="8" idx="2"/>
+            <a:endCxn id="10" idx="2"/>
+          </p:cNvCxnSpPr>
+          <p:nvPr/>
+        </p:nvCxnSpPr>
+        <p:spPr>
+          <a:xfrm rot="16200000" flipH="1">
+            <a:off x="8948112" y="5245935"/>
+            <a:ext cx="1444837" cy="582540"/>
+          </a:xfrm>
+          <a:prstGeom prst="bentConnector2">
+            <a:avLst/>
+          </a:prstGeom>
+          <a:ln w="38100">
+            <a:solidFill>
+              <a:schemeClr val="bg1"/>
+            </a:solidFill>
+            <a:headEnd type="triangle" w="lg" len="lg"/>
+            <a:tailEnd type="triangle" w="lg" len="lg"/>
+          </a:ln>
+        </p:spPr>
+        <p:style>
+          <a:lnRef idx="1">
+            <a:schemeClr val="accent1"/>
+          </a:lnRef>
+          <a:fillRef idx="0">
+            <a:schemeClr val="accent1"/>
+          </a:fillRef>
+          <a:effectRef idx="0">
+            <a:schemeClr val="accent1"/>
+          </a:effectRef>
+          <a:fontRef idx="minor">
+            <a:schemeClr val="tx1"/>
+          </a:fontRef>
+        </p:style>
+      </p:cxnSp>
+      <p:cxnSp>
+        <p:nvCxnSpPr>
+          <p:cNvPr id="22" name="Elbow Connector 21"/>
+          <p:cNvCxnSpPr>
+            <a:endCxn id="35" idx="1"/>
+          </p:cNvCxnSpPr>
+          <p:nvPr/>
+        </p:nvCxnSpPr>
+        <p:spPr>
+          <a:xfrm rot="16200000" flipH="1">
+            <a:off x="2900579" y="5159001"/>
+            <a:ext cx="1264484" cy="576062"/>
+          </a:xfrm>
+          <a:prstGeom prst="bentConnector2">
+            <a:avLst/>
+          </a:prstGeom>
+          <a:ln w="38100">
+            <a:solidFill>
+              <a:schemeClr val="bg1"/>
+            </a:solidFill>
+            <a:headEnd type="triangle" w="lg" len="lg"/>
+            <a:tailEnd type="triangle" w="lg" len="lg"/>
+          </a:ln>
+        </p:spPr>
+        <p:style>
+          <a:lnRef idx="1">
+            <a:schemeClr val="accent1"/>
+          </a:lnRef>
+          <a:fillRef idx="0">
+            <a:schemeClr val="accent1"/>
+          </a:fillRef>
+          <a:effectRef idx="0">
+            <a:schemeClr val="accent1"/>
+          </a:effectRef>
+          <a:fontRef idx="minor">
+            <a:schemeClr val="tx1"/>
+          </a:fontRef>
+        </p:style>
+      </p:cxnSp>
+      <p:cxnSp>
+        <p:nvCxnSpPr>
+          <p:cNvPr id="25" name="Straight Arrow Connector 24"/>
+          <p:cNvCxnSpPr>
+            <a:stCxn id="7" idx="3"/>
+            <a:endCxn id="8" idx="1"/>
+          </p:cNvCxnSpPr>
+          <p:nvPr/>
+        </p:nvCxnSpPr>
+        <p:spPr>
+          <a:xfrm>
+            <a:off x="5879976" y="4417023"/>
+            <a:ext cx="2088232" cy="0"/>
+          </a:xfrm>
+          <a:prstGeom prst="straightConnector1">
+            <a:avLst/>
+          </a:prstGeom>
+          <a:ln w="38100">
+            <a:solidFill>
+              <a:schemeClr val="bg1"/>
+            </a:solidFill>
+            <a:headEnd type="triangle" w="lg" len="lg"/>
+            <a:tailEnd type="triangle" w="lg" len="lg"/>
+          </a:ln>
+        </p:spPr>
+        <p:style>
+          <a:lnRef idx="1">
+            <a:schemeClr val="accent1"/>
+          </a:lnRef>
+          <a:fillRef idx="0">
+            <a:schemeClr val="accent1"/>
+          </a:fillRef>
+          <a:effectRef idx="0">
+            <a:schemeClr val="accent1"/>
+          </a:effectRef>
+          <a:fontRef idx="minor">
+            <a:schemeClr val="tx1"/>
+          </a:fontRef>
+        </p:style>
+      </p:cxnSp>
+      <p:cxnSp>
+        <p:nvCxnSpPr>
+          <p:cNvPr id="28" name="Straight Arrow Connector 27"/>
+          <p:cNvCxnSpPr>
+            <a:stCxn id="6" idx="2"/>
+            <a:endCxn id="7" idx="0"/>
+          </p:cNvCxnSpPr>
+          <p:nvPr/>
+        </p:nvCxnSpPr>
+        <p:spPr>
+          <a:xfrm>
+            <a:off x="3244788" y="3113781"/>
+            <a:ext cx="0" cy="905478"/>
+          </a:xfrm>
+          <a:prstGeom prst="straightConnector1">
+            <a:avLst/>
+          </a:prstGeom>
+          <a:ln w="38100">
+            <a:solidFill>
+              <a:schemeClr val="bg1"/>
+            </a:solidFill>
+            <a:headEnd type="triangle" w="lg" len="lg"/>
+            <a:tailEnd type="triangle" w="lg" len="lg"/>
+          </a:ln>
+        </p:spPr>
+        <p:style>
+          <a:lnRef idx="1">
+            <a:schemeClr val="accent1"/>
+          </a:lnRef>
+          <a:fillRef idx="0">
+            <a:schemeClr val="accent1"/>
+          </a:fillRef>
+          <a:effectRef idx="0">
+            <a:schemeClr val="accent1"/>
+          </a:effectRef>
+          <a:fontRef idx="minor">
+            <a:schemeClr val="tx1"/>
+          </a:fontRef>
+        </p:style>
+      </p:cxnSp>
+      <p:cxnSp>
+        <p:nvCxnSpPr>
+          <p:cNvPr id="31" name="Straight Arrow Connector 30"/>
+          <p:cNvCxnSpPr/>
+          <p:nvPr/>
+        </p:nvCxnSpPr>
+        <p:spPr>
+          <a:xfrm>
+            <a:off x="2783632" y="1412776"/>
+            <a:ext cx="0" cy="905477"/>
+          </a:xfrm>
+          <a:prstGeom prst="straightConnector1">
+            <a:avLst/>
+          </a:prstGeom>
+          <a:ln w="38100">
+            <a:solidFill>
+              <a:schemeClr val="bg1"/>
+            </a:solidFill>
+            <a:prstDash val="sysDash"/>
+            <a:headEnd type="triangle" w="lg" len="lg"/>
+            <a:tailEnd type="none" w="lg" len="lg"/>
+          </a:ln>
+        </p:spPr>
+        <p:style>
+          <a:lnRef idx="1">
+            <a:schemeClr val="accent1"/>
+          </a:lnRef>
+          <a:fillRef idx="0">
+            <a:schemeClr val="accent1"/>
+          </a:fillRef>
+          <a:effectRef idx="0">
+            <a:schemeClr val="accent1"/>
+          </a:effectRef>
+          <a:fontRef idx="minor">
+            <a:schemeClr val="tx1"/>
+          </a:fontRef>
+        </p:style>
+      </p:cxnSp>
+      <p:cxnSp>
+        <p:nvCxnSpPr>
+          <p:cNvPr id="34" name="Straight Arrow Connector 33"/>
+          <p:cNvCxnSpPr>
+            <a:stCxn id="5" idx="3"/>
+            <a:endCxn id="4" idx="1"/>
+          </p:cNvCxnSpPr>
+          <p:nvPr/>
+        </p:nvCxnSpPr>
+        <p:spPr>
+          <a:xfrm>
+            <a:off x="5879976" y="1016732"/>
+            <a:ext cx="2088232" cy="1720"/>
+          </a:xfrm>
+          <a:prstGeom prst="straightConnector1">
+            <a:avLst/>
+          </a:prstGeom>
+          <a:ln w="38100">
+            <a:solidFill>
+              <a:schemeClr val="bg1"/>
+            </a:solidFill>
+            <a:headEnd type="triangle" w="lg" len="lg"/>
+            <a:tailEnd type="triangle" w="lg" len="lg"/>
+          </a:ln>
+        </p:spPr>
+        <p:style>
+          <a:lnRef idx="1">
+            <a:schemeClr val="accent1"/>
+          </a:lnRef>
+          <a:fillRef idx="0">
+            <a:schemeClr val="accent1"/>
+          </a:fillRef>
+          <a:effectRef idx="0">
+            <a:schemeClr val="accent1"/>
+          </a:effectRef>
+          <a:fontRef idx="minor">
+            <a:schemeClr val="tx1"/>
+          </a:fontRef>
+        </p:style>
+      </p:cxnSp>
+      <p:sp>
+        <p:nvSpPr>
+          <p:cNvPr id="2" name="TextBox 1"/>
+          <p:cNvSpPr txBox="1"/>
+          <p:nvPr/>
+        </p:nvSpPr>
+        <p:spPr>
+          <a:xfrm flipH="1">
+            <a:off x="191344" y="1693344"/>
+            <a:ext cx="2295799" cy="369332"/>
+          </a:xfrm>
+          <a:prstGeom prst="rect">
+            <a:avLst/>
+          </a:prstGeom>
+          <a:noFill/>
+        </p:spPr>
+        <p:txBody>
+          <a:bodyPr wrap="square" rtlCol="0">
+            <a:spAutoFit/>
+          </a:bodyPr>
+          <a:lstStyle/>
+          <a:p>
+            <a:pPr algn="r"/>
+            <a:r>
+              <a:rPr lang="en-US" dirty="0" err="1" smtClean="0">
+                <a:solidFill>
+                  <a:schemeClr val="bg1"/>
+                </a:solidFill>
+              </a:rPr>
+              <a:t>ContentObserver</a:t>
+            </a:r>
+            <a:endParaRPr lang="en-US" dirty="0">
+              <a:solidFill>
+                <a:schemeClr val="bg1"/>
+              </a:solidFill>
+            </a:endParaRPr>
+          </a:p>
+        </p:txBody>
+      </p:sp>
+      <p:cxnSp>
+        <p:nvCxnSpPr>
+          <p:cNvPr id="19" name="Straight Arrow Connector 18"/>
+          <p:cNvCxnSpPr>
+            <a:stCxn id="5" idx="2"/>
+            <a:endCxn id="6" idx="0"/>
+          </p:cNvCxnSpPr>
+          <p:nvPr/>
+        </p:nvCxnSpPr>
+        <p:spPr>
+          <a:xfrm>
+            <a:off x="3244788" y="1412776"/>
+            <a:ext cx="0" cy="905477"/>
+          </a:xfrm>
+          <a:prstGeom prst="straightConnector1">
+            <a:avLst/>
+          </a:prstGeom>
+          <a:ln w="38100">
+            <a:solidFill>
+              <a:schemeClr val="bg1"/>
+            </a:solidFill>
+            <a:headEnd type="triangle" w="lg" len="lg"/>
+            <a:tailEnd type="triangle" w="lg" len="lg"/>
+          </a:ln>
+        </p:spPr>
+        <p:style>
+          <a:lnRef idx="1">
+            <a:schemeClr val="accent1"/>
+          </a:lnRef>
+          <a:fillRef idx="0">
+            <a:schemeClr val="accent1"/>
+          </a:fillRef>
+          <a:effectRef idx="0">
+            <a:schemeClr val="accent1"/>
+          </a:effectRef>
+          <a:fontRef idx="minor">
+            <a:schemeClr val="tx1"/>
+          </a:fontRef>
+        </p:style>
+      </p:cxnSp>
+      <p:sp>
+        <p:nvSpPr>
+          <p:cNvPr id="23" name="TextBox 22"/>
+          <p:cNvSpPr txBox="1"/>
+          <p:nvPr/>
+        </p:nvSpPr>
+        <p:spPr>
+          <a:xfrm flipH="1">
+            <a:off x="3440161" y="1693344"/>
+            <a:ext cx="3447927" cy="369332"/>
+          </a:xfrm>
+          <a:prstGeom prst="rect">
+            <a:avLst/>
+          </a:prstGeom>
+          <a:noFill/>
+        </p:spPr>
+        <p:txBody>
+          <a:bodyPr wrap="square" rtlCol="0">
+            <a:spAutoFit/>
+          </a:bodyPr>
+          <a:lstStyle/>
+          <a:p>
+            <a:r>
+              <a:rPr lang="en-US" dirty="0" err="1" smtClean="0">
+                <a:solidFill>
+                  <a:schemeClr val="bg1"/>
+                </a:solidFill>
+              </a:rPr>
+              <a:t>ContentResolver.query</a:t>
+            </a:r>
+            <a:r>
+              <a:rPr lang="en-US" dirty="0" smtClean="0">
+                <a:solidFill>
+                  <a:schemeClr val="bg1"/>
+                </a:solidFill>
+              </a:rPr>
+              <a:t>()</a:t>
+            </a:r>
+            <a:endParaRPr lang="en-US" dirty="0">
+              <a:solidFill>
+                <a:schemeClr val="bg1"/>
+              </a:solidFill>
+            </a:endParaRPr>
+          </a:p>
+        </p:txBody>
+      </p:sp>
+      <p:sp>
+        <p:nvSpPr>
+          <p:cNvPr id="30" name="TextBox 29"/>
+          <p:cNvSpPr txBox="1"/>
+          <p:nvPr/>
+        </p:nvSpPr>
+        <p:spPr>
+          <a:xfrm flipH="1">
+            <a:off x="3440161" y="3365918"/>
+            <a:ext cx="3096344" cy="369332"/>
+          </a:xfrm>
+          <a:prstGeom prst="rect">
+            <a:avLst/>
+          </a:prstGeom>
+          <a:noFill/>
+        </p:spPr>
+        <p:txBody>
+          <a:bodyPr wrap="square" rtlCol="0">
+            <a:spAutoFit/>
+          </a:bodyPr>
+          <a:lstStyle/>
+          <a:p>
+            <a:r>
+              <a:rPr lang="en-US" dirty="0" err="1" smtClean="0">
+                <a:solidFill>
+                  <a:schemeClr val="bg1"/>
+                </a:solidFill>
+              </a:rPr>
+              <a:t>ContentResolver.insert</a:t>
+            </a:r>
+            <a:r>
+              <a:rPr lang="en-US" dirty="0" smtClean="0">
+                <a:solidFill>
+                  <a:schemeClr val="bg1"/>
+                </a:solidFill>
+              </a:rPr>
+              <a:t>()</a:t>
+            </a:r>
+            <a:endParaRPr lang="en-US" dirty="0">
+              <a:solidFill>
+                <a:schemeClr val="bg1"/>
+              </a:solidFill>
+            </a:endParaRPr>
+          </a:p>
+        </p:txBody>
+      </p:sp>
+      <p:sp>
+        <p:nvSpPr>
+          <p:cNvPr id="35" name="Rounded Rectangle 34"/>
+          <p:cNvSpPr/>
+          <p:nvPr/>
+        </p:nvSpPr>
+        <p:spPr>
+          <a:xfrm>
+            <a:off x="3820852" y="5681510"/>
+            <a:ext cx="4147356" cy="795528"/>
+          </a:xfrm>
+          <a:prstGeom prst="roundRect">
+            <a:avLst/>
+          </a:prstGeom>
+          <a:solidFill>
+            <a:schemeClr val="bg2">
+              <a:lumMod val="25000"/>
+            </a:schemeClr>
+          </a:solidFill>
+          <a:ln/>
+        </p:spPr>
+        <p:style>
+          <a:lnRef idx="3">
+            <a:schemeClr val="lt1"/>
+          </a:lnRef>
+          <a:fillRef idx="1">
+            <a:schemeClr val="accent6"/>
+          </a:fillRef>
+          <a:effectRef idx="1">
+            <a:schemeClr val="accent6"/>
+          </a:effectRef>
+          <a:fontRef idx="minor">
+            <a:schemeClr val="lt1"/>
+          </a:fontRef>
+        </p:style>
+        <p:txBody>
+          <a:bodyPr rtlCol="0" anchor="ctr"/>
+          <a:lstStyle/>
+          <a:p>
+            <a:pPr algn="ctr"/>
+            <a:r>
+              <a:rPr lang="en-US" sz="2800" b="1" dirty="0" err="1" smtClean="0">
+                <a:solidFill>
+                  <a:schemeClr val="bg1"/>
+                </a:solidFill>
+              </a:rPr>
+              <a:t>BroadcastReceiver</a:t>
+            </a:r>
+            <a:endParaRPr lang="en-US" sz="2800" b="1" dirty="0">
+              <a:solidFill>
+                <a:schemeClr val="bg1"/>
+              </a:solidFill>
+            </a:endParaRPr>
+          </a:p>
+        </p:txBody>
+      </p:sp>
+      <p:sp>
+        <p:nvSpPr>
+          <p:cNvPr id="37" name="TextBox 36"/>
+          <p:cNvSpPr txBox="1"/>
+          <p:nvPr/>
+        </p:nvSpPr>
+        <p:spPr>
+          <a:xfrm flipH="1">
+            <a:off x="3440161" y="5063483"/>
+            <a:ext cx="3096344" cy="369332"/>
+          </a:xfrm>
+          <a:prstGeom prst="rect">
+            <a:avLst/>
+          </a:prstGeom>
+          <a:noFill/>
+        </p:spPr>
+        <p:txBody>
+          <a:bodyPr wrap="square" rtlCol="0">
+            <a:spAutoFit/>
+          </a:bodyPr>
+          <a:lstStyle/>
+          <a:p>
+            <a:r>
+              <a:rPr lang="en-US" dirty="0" smtClean="0">
+                <a:solidFill>
+                  <a:schemeClr val="bg1"/>
+                </a:solidFill>
+              </a:rPr>
+              <a:t>CONNECTIVITY_CHANGE</a:t>
+            </a:r>
+            <a:endParaRPr lang="en-US" dirty="0">
+              <a:solidFill>
+                <a:schemeClr val="bg1"/>
+              </a:solidFill>
+            </a:endParaRPr>
+          </a:p>
+        </p:txBody>
+      </p:sp>
+      <p:sp>
+        <p:nvSpPr>
+          <p:cNvPr id="58" name="TextBox 57"/>
+          <p:cNvSpPr txBox="1"/>
+          <p:nvPr/>
+        </p:nvSpPr>
+        <p:spPr>
+          <a:xfrm>
+            <a:off x="7147011" y="2318253"/>
+            <a:ext cx="4896544" cy="954107"/>
+          </a:xfrm>
+          <a:prstGeom prst="rect">
+            <a:avLst/>
+          </a:prstGeom>
+          <a:noFill/>
+        </p:spPr>
+        <p:txBody>
+          <a:bodyPr wrap="square" rtlCol="0">
+            <a:spAutoFit/>
+          </a:bodyPr>
+          <a:lstStyle/>
+          <a:p>
+            <a:r>
+              <a:rPr lang="en-US" sz="2800" b="1" dirty="0" smtClean="0">
+                <a:solidFill>
+                  <a:schemeClr val="bg1"/>
+                </a:solidFill>
+              </a:rPr>
+              <a:t>Bad idea #3:</a:t>
+            </a:r>
+            <a:endParaRPr lang="en-US" sz="2800" dirty="0">
+              <a:solidFill>
+                <a:schemeClr val="bg1"/>
+              </a:solidFill>
+            </a:endParaRPr>
+          </a:p>
+          <a:p>
+            <a:r>
+              <a:rPr lang="en-US" sz="2800" dirty="0" smtClean="0">
+                <a:solidFill>
+                  <a:schemeClr val="bg1"/>
+                </a:solidFill>
+              </a:rPr>
+              <a:t>Bandwidth/CPU starvation</a:t>
+            </a:r>
+            <a:endParaRPr lang="en-US" sz="2800" dirty="0">
+              <a:solidFill>
+                <a:schemeClr val="bg1"/>
+              </a:solidFill>
+            </a:endParaRPr>
+          </a:p>
+        </p:txBody>
+      </p:sp>
+      <p:sp>
+        <p:nvSpPr>
+          <p:cNvPr id="59" name="Lightning Bolt 58"/>
+          <p:cNvSpPr/>
+          <p:nvPr/>
+        </p:nvSpPr>
+        <p:spPr>
+          <a:xfrm>
+            <a:off x="4583832" y="4872879"/>
+            <a:ext cx="720080" cy="720080"/>
+          </a:xfrm>
+          <a:prstGeom prst="lightningBolt">
+            <a:avLst/>
+          </a:prstGeom>
+          <a:solidFill>
+            <a:srgbClr val="FF0000"/>
+          </a:solidFill>
+          <a:ln>
+            <a:solidFill>
+              <a:schemeClr val="bg1"/>
+            </a:solidFill>
+          </a:ln>
+        </p:spPr>
+        <p:style>
+          <a:lnRef idx="2">
+            <a:schemeClr val="accent1">
+              <a:shade val="50000"/>
+            </a:schemeClr>
+          </a:lnRef>
+          <a:fillRef idx="1">
+            <a:schemeClr val="accent1"/>
+          </a:fillRef>
+          <a:effectRef idx="0">
+            <a:schemeClr val="accent1"/>
+          </a:effectRef>
+          <a:fontRef idx="minor">
+            <a:schemeClr val="lt1"/>
+          </a:fontRef>
+        </p:style>
+        <p:txBody>
+          <a:bodyPr rtlCol="0" anchor="ctr"/>
+          <a:lstStyle/>
+          <a:p>
+            <a:pPr algn="ctr"/>
+            <a:endParaRPr lang="en-US"/>
+          </a:p>
+        </p:txBody>
+      </p:sp>
+    </p:spTree>
+    <p:extLst>
+      <p:ext uri="{BB962C8B-B14F-4D97-AF65-F5344CB8AC3E}">
+        <p14:creationId xmlns:p14="http://schemas.microsoft.com/office/powerpoint/2010/main" val="2047183347"/>
+      </p:ext>
+    </p:extLst>
+  </p:cSld>
+  <p:clrMapOvr>
+    <a:masterClrMapping/>
+  </p:clrMapOvr>
+  <p:transition spd="slow">
+    <p:wipe dir="r"/>
+  </p:transition>
+  <p:timing>
+    <p:tnLst>
+      <p:par>
+        <p:cTn id="1" dur="indefinite" restart="never" nodeType="tmRoot">
+          <p:childTnLst>
+            <p:seq concurrent="1" nextAc="seek">
+              <p:cTn id="2" dur="indefinite" nodeType="mainSeq">
+                <p:childTnLst>
+                  <p:par>
+                    <p:cTn id="3" fill="hold">
+                      <p:stCondLst>
+                        <p:cond delay="indefinite"/>
+                      </p:stCondLst>
+                      <p:childTnLst>
+                        <p:par>
+                          <p:cTn id="4" fill="hold">
+                            <p:stCondLst>
+                              <p:cond delay="0"/>
+                            </p:stCondLst>
+                            <p:childTnLst>
+                              <p:par>
+                                <p:cTn id="5" presetID="47" presetClass="entr" presetSubtype="0" fill="hold" grpId="0" nodeType="clickEffect">
+                                  <p:stCondLst>
+                                    <p:cond delay="0"/>
+                                  </p:stCondLst>
+                                  <p:childTnLst>
+                                    <p:set>
+                                      <p:cBhvr>
+                                        <p:cTn id="6" dur="1" fill="hold">
+                                          <p:stCondLst>
+                                            <p:cond delay="0"/>
+                                          </p:stCondLst>
+                                        </p:cTn>
+                                        <p:tgtEl>
+                                          <p:spTgt spid="59"/>
+                                        </p:tgtEl>
+                                        <p:attrNameLst>
+                                          <p:attrName>style.visibility</p:attrName>
+                                        </p:attrNameLst>
+                                      </p:cBhvr>
+                                      <p:to>
+                                        <p:strVal val="visible"/>
+                                      </p:to>
+                                    </p:set>
+                                    <p:animEffect transition="in" filter="fade">
+                                      <p:cBhvr>
+                                        <p:cTn id="7" dur="500"/>
+                                        <p:tgtEl>
+                                          <p:spTgt spid="59"/>
+                                        </p:tgtEl>
+                                      </p:cBhvr>
+                                    </p:animEffect>
+                                    <p:anim calcmode="lin" valueType="num">
+                                      <p:cBhvr>
+                                        <p:cTn id="8" dur="500" fill="hold"/>
+                                        <p:tgtEl>
+                                          <p:spTgt spid="59"/>
+                                        </p:tgtEl>
+                                        <p:attrNameLst>
+                                          <p:attrName>ppt_x</p:attrName>
+                                        </p:attrNameLst>
+                                      </p:cBhvr>
+                                      <p:tavLst>
+                                        <p:tav tm="0">
+                                          <p:val>
+                                            <p:strVal val="#ppt_x"/>
+                                          </p:val>
+                                        </p:tav>
+                                        <p:tav tm="100000">
+                                          <p:val>
+                                            <p:strVal val="#ppt_x"/>
+                                          </p:val>
+                                        </p:tav>
+                                      </p:tavLst>
+                                    </p:anim>
+                                    <p:anim calcmode="lin" valueType="num">
+                                      <p:cBhvr>
+                                        <p:cTn id="9" dur="500" fill="hold"/>
+                                        <p:tgtEl>
+                                          <p:spTgt spid="59"/>
+                                        </p:tgtEl>
+                                        <p:attrNameLst>
+                                          <p:attrName>ppt_y</p:attrName>
+                                        </p:attrNameLst>
+                                      </p:cBhvr>
+                                      <p:tavLst>
+                                        <p:tav tm="0">
+                                          <p:val>
+                                            <p:strVal val="#ppt_y-.1"/>
+                                          </p:val>
+                                        </p:tav>
+                                        <p:tav tm="100000">
+                                          <p:val>
+                                            <p:strVal val="#ppt_y"/>
+                                          </p:val>
+                                        </p:tav>
+                                      </p:tavLst>
+                                    </p:anim>
+                                  </p:childTnLst>
+                                </p:cTn>
+                              </p:par>
+                            </p:childTnLst>
+                          </p:cTn>
+                        </p:par>
+                        <p:par>
+                          <p:cTn id="10" fill="hold">
+                            <p:stCondLst>
+                              <p:cond delay="500"/>
+                            </p:stCondLst>
+                            <p:childTnLst>
+                              <p:par>
+                                <p:cTn id="11" presetID="22" presetClass="entr" presetSubtype="8" fill="hold" grpId="0" nodeType="afterEffect">
+                                  <p:stCondLst>
+                                    <p:cond delay="0"/>
+                                  </p:stCondLst>
+                                  <p:childTnLst>
+                                    <p:set>
+                                      <p:cBhvr>
+                                        <p:cTn id="12" dur="1" fill="hold">
+                                          <p:stCondLst>
+                                            <p:cond delay="0"/>
+                                          </p:stCondLst>
+                                        </p:cTn>
+                                        <p:tgtEl>
+                                          <p:spTgt spid="58"/>
+                                        </p:tgtEl>
+                                        <p:attrNameLst>
+                                          <p:attrName>style.visibility</p:attrName>
+                                        </p:attrNameLst>
+                                      </p:cBhvr>
+                                      <p:to>
+                                        <p:strVal val="visible"/>
+                                      </p:to>
+                                    </p:set>
+                                    <p:animEffect transition="in" filter="wipe(left)">
+                                      <p:cBhvr>
+                                        <p:cTn id="13" dur="500"/>
+                                        <p:tgtEl>
+                                          <p:spTgt spid="58"/>
+                                        </p:tgtEl>
+                                      </p:cBhvr>
+                                    </p:animEffect>
+                                  </p:childTnLst>
+                                </p:cTn>
+                              </p:par>
+                            </p:childTnLst>
+                          </p:cTn>
+                        </p:par>
+                      </p:childTnLst>
+                    </p:cTn>
+                  </p:par>
+                </p:childTnLst>
+              </p:cTn>
+              <p:prevCondLst>
+                <p:cond evt="onPrev" delay="0">
+                  <p:tgtEl>
+                    <p:sldTgt/>
+                  </p:tgtEl>
+                </p:cond>
+              </p:prevCondLst>
+              <p:nextCondLst>
+                <p:cond evt="onNext" delay="0">
+                  <p:tgtEl>
+                    <p:sldTgt/>
+                  </p:tgtEl>
+                </p:cond>
+              </p:nextCondLst>
+            </p:seq>
+          </p:childTnLst>
+        </p:cTn>
+      </p:par>
+    </p:tnLst>
+    <p:bldLst>
+      <p:bldP spid="58" grpId="0"/>
+      <p:bldP spid="59" grpId="0" animBg="1"/>
+    </p:bldLst>
+  </p:timing>
+</p:sld>
+</file>
+
+<file path=ppt/slides/slide9.xml><?xml version="1.0" encoding="utf-8"?>
 <p:sld xmlns:a="http://schemas.openxmlformats.org/drawingml/2006/main" xmlns:r="http://schemas.openxmlformats.org/officeDocument/2006/relationships" xmlns:p="http://schemas.openxmlformats.org/presentationml/2006/main">
   <p:cSld>
     <p:spTree>
@@ -17087,7 +21443,7 @@
     </p:spTree>
     <p:extLst>
       <p:ext uri="{BB962C8B-B14F-4D97-AF65-F5344CB8AC3E}">
-        <p14:creationId xmlns:p14="http://schemas.microsoft.com/office/powerpoint/2010/main" val="2047183347"/>
+        <p14:creationId xmlns:p14="http://schemas.microsoft.com/office/powerpoint/2010/main" val="4099643928"/>
       </p:ext>
     </p:extLst>
   </p:cSld>
@@ -17276,630 +21632,6 @@
             </p:seq>
           </p:childTnLst>
         </p:cTn>
-      </p:par>
-    </p:tnLst>
-  </p:timing>
-</p:sld>
-</file>
-
-<file path=ppt/slides/slide6.xml><?xml version="1.0" encoding="utf-8"?>
-<p:sld xmlns:a="http://schemas.openxmlformats.org/drawingml/2006/main" xmlns:r="http://schemas.openxmlformats.org/officeDocument/2006/relationships" xmlns:p="http://schemas.openxmlformats.org/presentationml/2006/main" show="0">
-  <p:cSld>
-    <p:spTree>
-      <p:nvGrpSpPr>
-        <p:cNvPr id="1" name=""/>
-        <p:cNvGrpSpPr/>
-        <p:nvPr/>
-      </p:nvGrpSpPr>
-      <p:grpSpPr>
-        <a:xfrm>
-          <a:off x="0" y="0"/>
-          <a:ext cx="0" cy="0"/>
-          <a:chOff x="0" y="0"/>
-          <a:chExt cx="0" cy="0"/>
-        </a:xfrm>
-      </p:grpSpPr>
-      <p:sp>
-        <p:nvSpPr>
-          <p:cNvPr id="3" name="Title 2"/>
-          <p:cNvSpPr>
-            <a:spLocks noGrp="1"/>
-          </p:cNvSpPr>
-          <p:nvPr>
-            <p:ph type="title"/>
-          </p:nvPr>
-        </p:nvSpPr>
-        <p:spPr/>
-        <p:txBody>
-          <a:bodyPr/>
-          <a:lstStyle/>
-          <a:p>
-            <a:endParaRPr lang="en-US"/>
-          </a:p>
-        </p:txBody>
-      </p:sp>
-      <p:sp>
-        <p:nvSpPr>
-          <p:cNvPr id="4" name="Content Placeholder 3"/>
-          <p:cNvSpPr>
-            <a:spLocks noGrp="1"/>
-          </p:cNvSpPr>
-          <p:nvPr>
-            <p:ph idx="1"/>
-          </p:nvPr>
-        </p:nvSpPr>
-        <p:spPr/>
-        <p:txBody>
-          <a:bodyPr>
-            <a:normAutofit fontScale="92500" lnSpcReduction="10000"/>
-          </a:bodyPr>
-          <a:lstStyle/>
-          <a:p>
-            <a:r>
-              <a:rPr lang="en-US" dirty="0">
-                <a:hlinkClick r:id="rId2"/>
-              </a:rPr>
-              <a:t>https://</a:t>
-            </a:r>
-            <a:r>
-              <a:rPr lang="en-US" dirty="0" smtClean="0">
-                <a:hlinkClick r:id="rId2"/>
-              </a:rPr>
-              <a:t>github.com/googlesamples/android-BasicSyncAdapter</a:t>
-            </a:r>
-            <a:endParaRPr lang="en-US" dirty="0" smtClean="0"/>
-          </a:p>
-          <a:p>
-            <a:r>
-              <a:rPr lang="en-US" dirty="0">
-                <a:hlinkClick r:id="rId3"/>
-              </a:rPr>
-              <a:t>https://</a:t>
-            </a:r>
-            <a:r>
-              <a:rPr lang="en-US" dirty="0" smtClean="0">
-                <a:hlinkClick r:id="rId3"/>
-              </a:rPr>
-              <a:t>developer.android.com/training/sync-adapters/creating-sync-adapter.html</a:t>
-            </a:r>
-            <a:endParaRPr lang="en-US" dirty="0" smtClean="0"/>
-          </a:p>
-          <a:p>
-            <a:r>
-              <a:rPr lang="en-US" dirty="0">
-                <a:hlinkClick r:id="rId4"/>
-              </a:rPr>
-              <a:t>https://</a:t>
-            </a:r>
-            <a:r>
-              <a:rPr lang="en-US" dirty="0" smtClean="0">
-                <a:hlinkClick r:id="rId4"/>
-              </a:rPr>
-              <a:t>developer.android.com/training/sync-adapters/index.html</a:t>
-            </a:r>
-            <a:endParaRPr lang="en-US" dirty="0" smtClean="0"/>
-          </a:p>
-          <a:p>
-            <a:r>
-              <a:rPr lang="en-US" dirty="0">
-                <a:hlinkClick r:id="rId5"/>
-              </a:rPr>
-              <a:t>http://blog.udinic.com/2013/07/24/write-your-own-android-sync-adapter</a:t>
-            </a:r>
-            <a:r>
-              <a:rPr lang="en-US" dirty="0" smtClean="0">
-                <a:hlinkClick r:id="rId5"/>
-              </a:rPr>
-              <a:t>/</a:t>
-            </a:r>
-            <a:endParaRPr lang="en-US" dirty="0" smtClean="0"/>
-          </a:p>
-          <a:p>
-            <a:r>
-              <a:rPr lang="en-US" dirty="0">
-                <a:hlinkClick r:id="rId6"/>
-              </a:rPr>
-              <a:t>https://</a:t>
-            </a:r>
-            <a:r>
-              <a:rPr lang="en-US" dirty="0" smtClean="0">
-                <a:hlinkClick r:id="rId6"/>
-              </a:rPr>
-              <a:t>software.intel.com/en-us/android/articles/handling-offline-capability-and-data-sync-in-an-android-app-part-2</a:t>
-            </a:r>
-            <a:endParaRPr lang="en-US" dirty="0" smtClean="0"/>
-          </a:p>
-        </p:txBody>
-      </p:sp>
-    </p:spTree>
-    <p:extLst>
-      <p:ext uri="{BB962C8B-B14F-4D97-AF65-F5344CB8AC3E}">
-        <p14:creationId xmlns:p14="http://schemas.microsoft.com/office/powerpoint/2010/main" val="351412801"/>
-      </p:ext>
-    </p:extLst>
-  </p:cSld>
-  <p:clrMapOvr>
-    <a:masterClrMapping/>
-  </p:clrMapOvr>
-  <mc:AlternateContent xmlns:mc="http://schemas.openxmlformats.org/markup-compatibility/2006">
-    <mc:Choice xmlns:p14="http://schemas.microsoft.com/office/powerpoint/2010/main" Requires="p14">
-      <p:transition p14:dur="250">
-        <p14:reveal/>
-      </p:transition>
-    </mc:Choice>
-    <mc:Fallback>
-      <p:transition>
-        <p:fade/>
-      </p:transition>
-    </mc:Fallback>
-  </mc:AlternateContent>
-  <p:timing>
-    <p:tnLst>
-      <p:par>
-        <p:cTn id="1" dur="indefinite" restart="never" nodeType="tmRoot"/>
-      </p:par>
-    </p:tnLst>
-  </p:timing>
-</p:sld>
-</file>
-
-<file path=ppt/slides/slide7.xml><?xml version="1.0" encoding="utf-8"?>
-<p:sld xmlns:a="http://schemas.openxmlformats.org/drawingml/2006/main" xmlns:r="http://schemas.openxmlformats.org/officeDocument/2006/relationships" xmlns:p="http://schemas.openxmlformats.org/presentationml/2006/main">
-  <p:cSld>
-    <p:spTree>
-      <p:nvGrpSpPr>
-        <p:cNvPr id="1" name=""/>
-        <p:cNvGrpSpPr/>
-        <p:nvPr/>
-      </p:nvGrpSpPr>
-      <p:grpSpPr>
-        <a:xfrm>
-          <a:off x="0" y="0"/>
-          <a:ext cx="0" cy="0"/>
-          <a:chOff x="0" y="0"/>
-          <a:chExt cx="0" cy="0"/>
-        </a:xfrm>
-      </p:grpSpPr>
-      <p:sp>
-        <p:nvSpPr>
-          <p:cNvPr id="2" name="Title 1"/>
-          <p:cNvSpPr>
-            <a:spLocks noGrp="1"/>
-          </p:cNvSpPr>
-          <p:nvPr>
-            <p:ph type="title"/>
-          </p:nvPr>
-        </p:nvSpPr>
-        <p:spPr/>
-        <p:txBody>
-          <a:bodyPr/>
-          <a:lstStyle/>
-          <a:p>
-            <a:endParaRPr lang="en-US"/>
-          </a:p>
-        </p:txBody>
-      </p:sp>
-      <p:sp>
-        <p:nvSpPr>
-          <p:cNvPr id="3" name="Content Placeholder 2"/>
-          <p:cNvSpPr>
-            <a:spLocks noGrp="1"/>
-          </p:cNvSpPr>
-          <p:nvPr>
-            <p:ph idx="1"/>
-          </p:nvPr>
-        </p:nvSpPr>
-        <p:spPr/>
-        <p:txBody>
-          <a:bodyPr>
-            <a:normAutofit lnSpcReduction="10000"/>
-          </a:bodyPr>
-          <a:lstStyle/>
-          <a:p>
-            <a:r>
-              <a:rPr lang="en-US" dirty="0" err="1" smtClean="0"/>
-              <a:t>SyncAdapters</a:t>
-            </a:r>
-            <a:r>
-              <a:rPr lang="en-US" dirty="0" smtClean="0"/>
-              <a:t> can be used to:</a:t>
-            </a:r>
-          </a:p>
-          <a:p>
-            <a:pPr lvl="1"/>
-            <a:r>
-              <a:rPr lang="en-US" dirty="0" smtClean="0"/>
-              <a:t>fetch </a:t>
-            </a:r>
-            <a:r>
-              <a:rPr lang="en-US" dirty="0"/>
-              <a:t>background data for an </a:t>
-            </a:r>
-            <a:r>
-              <a:rPr lang="en-US" dirty="0" smtClean="0"/>
-              <a:t>app.</a:t>
-            </a:r>
-          </a:p>
-          <a:p>
-            <a:pPr lvl="1"/>
-            <a:r>
-              <a:rPr lang="en-US" dirty="0" smtClean="0"/>
-              <a:t>execute </a:t>
-            </a:r>
-            <a:r>
-              <a:rPr lang="en-US" dirty="0"/>
-              <a:t>your data transfer code at configurable intervals, while efficiently using battery and other system </a:t>
-            </a:r>
-            <a:r>
-              <a:rPr lang="en-US" dirty="0" smtClean="0"/>
-              <a:t>resources</a:t>
-            </a:r>
-            <a:endParaRPr lang="en-US" dirty="0"/>
-          </a:p>
-          <a:p>
-            <a:r>
-              <a:rPr lang="en-US" dirty="0" smtClean="0"/>
-              <a:t>Elements </a:t>
-            </a:r>
-            <a:r>
-              <a:rPr lang="en-US" dirty="0"/>
-              <a:t>of a sync </a:t>
-            </a:r>
-            <a:r>
-              <a:rPr lang="en-US" dirty="0" smtClean="0"/>
-              <a:t>adapter:</a:t>
-            </a:r>
-            <a:endParaRPr lang="en-US" dirty="0"/>
-          </a:p>
-          <a:p>
-            <a:pPr lvl="1"/>
-            <a:r>
-              <a:rPr lang="en-US" dirty="0"/>
-              <a:t>Creates a sync adapter class.</a:t>
-            </a:r>
-          </a:p>
-          <a:p>
-            <a:pPr lvl="1"/>
-            <a:r>
-              <a:rPr lang="en-US" dirty="0"/>
-              <a:t>Creates a bound Service which the OS uses to initiate a sync.</a:t>
-            </a:r>
-          </a:p>
-          <a:p>
-            <a:pPr lvl="1"/>
-            <a:r>
-              <a:rPr lang="en-US" dirty="0"/>
-              <a:t>Defines the sync adapter properties in an XML resource file.</a:t>
-            </a:r>
-          </a:p>
-          <a:p>
-            <a:pPr lvl="1"/>
-            <a:r>
-              <a:rPr lang="en-US" dirty="0"/>
-              <a:t>Declares the bound Service in the app manifest.</a:t>
-            </a:r>
-          </a:p>
-        </p:txBody>
-      </p:sp>
-    </p:spTree>
-    <p:extLst>
-      <p:ext uri="{BB962C8B-B14F-4D97-AF65-F5344CB8AC3E}">
-        <p14:creationId xmlns:p14="http://schemas.microsoft.com/office/powerpoint/2010/main" val="2364295274"/>
-      </p:ext>
-    </p:extLst>
-  </p:cSld>
-  <p:clrMapOvr>
-    <a:masterClrMapping/>
-  </p:clrMapOvr>
-  <mc:AlternateContent xmlns:mc="http://schemas.openxmlformats.org/markup-compatibility/2006" xmlns:p14="http://schemas.microsoft.com/office/powerpoint/2010/main">
-    <mc:Choice Requires="p14">
-      <p:transition p14:dur="250">
-        <p14:reveal/>
-      </p:transition>
-    </mc:Choice>
-    <mc:Fallback xmlns="">
-      <p:transition>
-        <p:fade/>
-      </p:transition>
-    </mc:Fallback>
-  </mc:AlternateContent>
-  <p:timing>
-    <p:tnLst>
-      <p:par>
-        <p:cTn id="1" dur="indefinite" restart="never" nodeType="tmRoot"/>
-      </p:par>
-    </p:tnLst>
-  </p:timing>
-</p:sld>
-</file>
-
-<file path=ppt/slides/slide8.xml><?xml version="1.0" encoding="utf-8"?>
-<p:sld xmlns:a="http://schemas.openxmlformats.org/drawingml/2006/main" xmlns:r="http://schemas.openxmlformats.org/officeDocument/2006/relationships" xmlns:p="http://schemas.openxmlformats.org/presentationml/2006/main">
-  <p:cSld>
-    <p:spTree>
-      <p:nvGrpSpPr>
-        <p:cNvPr id="1" name=""/>
-        <p:cNvGrpSpPr/>
-        <p:nvPr/>
-      </p:nvGrpSpPr>
-      <p:grpSpPr>
-        <a:xfrm>
-          <a:off x="0" y="0"/>
-          <a:ext cx="0" cy="0"/>
-          <a:chOff x="0" y="0"/>
-          <a:chExt cx="0" cy="0"/>
-        </a:xfrm>
-      </p:grpSpPr>
-      <p:pic>
-        <p:nvPicPr>
-          <p:cNvPr id="7" name="Content Placeholder 3"/>
-          <p:cNvPicPr>
-            <a:picLocks noChangeAspect="1"/>
-          </p:cNvPicPr>
-          <p:nvPr/>
-        </p:nvPicPr>
-        <p:blipFill>
-          <a:blip r:embed="rId2" cstate="print">
-            <a:extLst>
-              <a:ext uri="{28A0092B-C50C-407E-A947-70E740481C1C}">
-                <a14:useLocalDpi xmlns:a14="http://schemas.microsoft.com/office/drawing/2010/main" val="0"/>
-              </a:ext>
-            </a:extLst>
-          </a:blip>
-          <a:stretch>
-            <a:fillRect/>
-          </a:stretch>
-        </p:blipFill>
-        <p:spPr>
-          <a:xfrm>
-            <a:off x="6227564" y="1600200"/>
-            <a:ext cx="2545854" cy="4525963"/>
-          </a:xfrm>
-          <a:prstGeom prst="rect">
-            <a:avLst/>
-          </a:prstGeom>
-        </p:spPr>
-      </p:pic>
-      <p:sp>
-        <p:nvSpPr>
-          <p:cNvPr id="2" name="Title 1"/>
-          <p:cNvSpPr>
-            <a:spLocks noGrp="1"/>
-          </p:cNvSpPr>
-          <p:nvPr>
-            <p:ph type="title"/>
-          </p:nvPr>
-        </p:nvSpPr>
-        <p:spPr/>
-        <p:txBody>
-          <a:bodyPr/>
-          <a:lstStyle/>
-          <a:p>
-            <a:r>
-              <a:rPr lang="en-US" dirty="0" smtClean="0"/>
-              <a:t>Demo</a:t>
-            </a:r>
-            <a:endParaRPr lang="en-US" dirty="0"/>
-          </a:p>
-        </p:txBody>
-      </p:sp>
-      <p:pic>
-        <p:nvPicPr>
-          <p:cNvPr id="4" name="Content Placeholder 3"/>
-          <p:cNvPicPr>
-            <a:picLocks noGrp="1" noChangeAspect="1"/>
-          </p:cNvPicPr>
-          <p:nvPr>
-            <p:ph idx="1"/>
-          </p:nvPr>
-        </p:nvPicPr>
-        <p:blipFill>
-          <a:blip r:embed="rId3" cstate="print">
-            <a:extLst>
-              <a:ext uri="{28A0092B-C50C-407E-A947-70E740481C1C}">
-                <a14:useLocalDpi xmlns:a14="http://schemas.microsoft.com/office/drawing/2010/main" val="0"/>
-              </a:ext>
-            </a:extLst>
-          </a:blip>
-          <a:stretch>
-            <a:fillRect/>
-          </a:stretch>
-        </p:blipFill>
-        <p:spPr>
-          <a:xfrm>
-            <a:off x="3418582" y="1600200"/>
-            <a:ext cx="2545854" cy="4525962"/>
-          </a:xfrm>
-        </p:spPr>
-      </p:pic>
-    </p:spTree>
-    <p:extLst>
-      <p:ext uri="{BB962C8B-B14F-4D97-AF65-F5344CB8AC3E}">
-        <p14:creationId xmlns:p14="http://schemas.microsoft.com/office/powerpoint/2010/main" val="1755438054"/>
-      </p:ext>
-    </p:extLst>
-  </p:cSld>
-  <p:clrMapOvr>
-    <a:masterClrMapping/>
-  </p:clrMapOvr>
-  <mc:AlternateContent xmlns:mc="http://schemas.openxmlformats.org/markup-compatibility/2006" xmlns:p14="http://schemas.microsoft.com/office/powerpoint/2010/main">
-    <mc:Choice Requires="p14">
-      <p:transition p14:dur="250">
-        <p14:reveal/>
-      </p:transition>
-    </mc:Choice>
-    <mc:Fallback xmlns="">
-      <p:transition>
-        <p:fade/>
-      </p:transition>
-    </mc:Fallback>
-  </mc:AlternateContent>
-  <p:timing>
-    <p:tnLst>
-      <p:par>
-        <p:cTn id="1" dur="indefinite" restart="never" nodeType="tmRoot"/>
-      </p:par>
-    </p:tnLst>
-  </p:timing>
-</p:sld>
-</file>
-
-<file path=ppt/slides/slide9.xml><?xml version="1.0" encoding="utf-8"?>
-<p:sld xmlns:a="http://schemas.openxmlformats.org/drawingml/2006/main" xmlns:r="http://schemas.openxmlformats.org/officeDocument/2006/relationships" xmlns:p="http://schemas.openxmlformats.org/presentationml/2006/main">
-  <p:cSld>
-    <p:spTree>
-      <p:nvGrpSpPr>
-        <p:cNvPr id="1" name=""/>
-        <p:cNvGrpSpPr/>
-        <p:nvPr/>
-      </p:nvGrpSpPr>
-      <p:grpSpPr>
-        <a:xfrm>
-          <a:off x="0" y="0"/>
-          <a:ext cx="0" cy="0"/>
-          <a:chOff x="0" y="0"/>
-          <a:chExt cx="0" cy="0"/>
-        </a:xfrm>
-      </p:grpSpPr>
-      <p:sp>
-        <p:nvSpPr>
-          <p:cNvPr id="2" name="Title 1"/>
-          <p:cNvSpPr>
-            <a:spLocks noGrp="1"/>
-          </p:cNvSpPr>
-          <p:nvPr>
-            <p:ph type="title"/>
-          </p:nvPr>
-        </p:nvSpPr>
-        <p:spPr/>
-        <p:txBody>
-          <a:bodyPr/>
-          <a:lstStyle/>
-          <a:p>
-            <a:r>
-              <a:rPr lang="en-US" dirty="0" smtClean="0"/>
-              <a:t>Demo</a:t>
-            </a:r>
-            <a:endParaRPr lang="en-US" dirty="0"/>
-          </a:p>
-        </p:txBody>
-      </p:sp>
-      <p:pic>
-        <p:nvPicPr>
-          <p:cNvPr id="5" name="Content Placeholder 3"/>
-          <p:cNvPicPr>
-            <a:picLocks noChangeAspect="1"/>
-          </p:cNvPicPr>
-          <p:nvPr/>
-        </p:nvPicPr>
-        <p:blipFill>
-          <a:blip r:embed="rId2" cstate="print">
-            <a:extLst>
-              <a:ext uri="{28A0092B-C50C-407E-A947-70E740481C1C}">
-                <a14:useLocalDpi xmlns:a14="http://schemas.microsoft.com/office/drawing/2010/main" val="0"/>
-              </a:ext>
-            </a:extLst>
-          </a:blip>
-          <a:stretch>
-            <a:fillRect/>
-          </a:stretch>
-        </p:blipFill>
-        <p:spPr>
-          <a:xfrm>
-            <a:off x="2012942" y="1600200"/>
-            <a:ext cx="2545854" cy="4525962"/>
-          </a:xfrm>
-          <a:prstGeom prst="rect">
-            <a:avLst/>
-          </a:prstGeom>
-        </p:spPr>
-      </p:pic>
-      <p:pic>
-        <p:nvPicPr>
-          <p:cNvPr id="6" name="Content Placeholder 3"/>
-          <p:cNvPicPr>
-            <a:picLocks noChangeAspect="1"/>
-          </p:cNvPicPr>
-          <p:nvPr/>
-        </p:nvPicPr>
-        <p:blipFill>
-          <a:blip r:embed="rId3" cstate="print">
-            <a:extLst>
-              <a:ext uri="{28A0092B-C50C-407E-A947-70E740481C1C}">
-                <a14:useLocalDpi xmlns:a14="http://schemas.microsoft.com/office/drawing/2010/main" val="0"/>
-              </a:ext>
-            </a:extLst>
-          </a:blip>
-          <a:stretch>
-            <a:fillRect/>
-          </a:stretch>
-        </p:blipFill>
-        <p:spPr>
-          <a:xfrm>
-            <a:off x="4821924" y="1600200"/>
-            <a:ext cx="2545853" cy="4525962"/>
-          </a:xfrm>
-          <a:prstGeom prst="rect">
-            <a:avLst/>
-          </a:prstGeom>
-        </p:spPr>
-      </p:pic>
-      <p:pic>
-        <p:nvPicPr>
-          <p:cNvPr id="8" name="Content Placeholder 3"/>
-          <p:cNvPicPr>
-            <a:picLocks noChangeAspect="1"/>
-          </p:cNvPicPr>
-          <p:nvPr/>
-        </p:nvPicPr>
-        <p:blipFill>
-          <a:blip r:embed="rId4" cstate="print">
-            <a:extLst>
-              <a:ext uri="{28A0092B-C50C-407E-A947-70E740481C1C}">
-                <a14:useLocalDpi xmlns:a14="http://schemas.microsoft.com/office/drawing/2010/main" val="0"/>
-              </a:ext>
-            </a:extLst>
-          </a:blip>
-          <a:stretch>
-            <a:fillRect/>
-          </a:stretch>
-        </p:blipFill>
-        <p:spPr>
-          <a:xfrm>
-            <a:off x="7633205" y="1600200"/>
-            <a:ext cx="2545854" cy="4525962"/>
-          </a:xfrm>
-          <a:prstGeom prst="rect">
-            <a:avLst/>
-          </a:prstGeom>
-        </p:spPr>
-      </p:pic>
-    </p:spTree>
-    <p:extLst>
-      <p:ext uri="{BB962C8B-B14F-4D97-AF65-F5344CB8AC3E}">
-        <p14:creationId xmlns:p14="http://schemas.microsoft.com/office/powerpoint/2010/main" val="2885989042"/>
-      </p:ext>
-    </p:extLst>
-  </p:cSld>
-  <p:clrMapOvr>
-    <a:masterClrMapping/>
-  </p:clrMapOvr>
-  <mc:AlternateContent xmlns:mc="http://schemas.openxmlformats.org/markup-compatibility/2006" xmlns:p14="http://schemas.microsoft.com/office/powerpoint/2010/main">
-    <mc:Choice Requires="p14">
-      <p:transition p14:dur="250">
-        <p14:reveal/>
-      </p:transition>
-    </mc:Choice>
-    <mc:Fallback xmlns="">
-      <p:transition>
-        <p:fade/>
-      </p:transition>
-    </mc:Fallback>
-  </mc:AlternateContent>
-  <p:timing>
-    <p:tnLst>
-      <p:par>
-        <p:cTn id="1" dur="indefinite" restart="never" nodeType="tmRoot"/>
       </p:par>
     </p:tnLst>
   </p:timing>

--- a/I've been doing some syncing.pptx
+++ b/I've been doing some syncing.pptx
@@ -5,7 +5,7 @@
     <p:sldMasterId id="2147483660" r:id="rId1"/>
   </p:sldMasterIdLst>
   <p:notesMasterIdLst>
-    <p:notesMasterId r:id="rId19"/>
+    <p:notesMasterId r:id="rId23"/>
   </p:notesMasterIdLst>
   <p:sldIdLst>
     <p:sldId id="256" r:id="rId2"/>
@@ -17,14 +17,18 @@
     <p:sldId id="298" r:id="rId8"/>
     <p:sldId id="301" r:id="rId9"/>
     <p:sldId id="305" r:id="rId10"/>
-    <p:sldId id="293" r:id="rId11"/>
-    <p:sldId id="292" r:id="rId12"/>
-    <p:sldId id="296" r:id="rId13"/>
-    <p:sldId id="297" r:id="rId14"/>
-    <p:sldId id="291" r:id="rId15"/>
-    <p:sldId id="294" r:id="rId16"/>
-    <p:sldId id="295" r:id="rId17"/>
-    <p:sldId id="290" r:id="rId18"/>
+    <p:sldId id="296" r:id="rId11"/>
+    <p:sldId id="297" r:id="rId12"/>
+    <p:sldId id="308" r:id="rId13"/>
+    <p:sldId id="307" r:id="rId14"/>
+    <p:sldId id="306" r:id="rId15"/>
+    <p:sldId id="309" r:id="rId16"/>
+    <p:sldId id="293" r:id="rId17"/>
+    <p:sldId id="292" r:id="rId18"/>
+    <p:sldId id="291" r:id="rId19"/>
+    <p:sldId id="294" r:id="rId20"/>
+    <p:sldId id="295" r:id="rId21"/>
+    <p:sldId id="290" r:id="rId22"/>
   </p:sldIdLst>
   <p:sldSz cx="12192000" cy="6858000"/>
   <p:notesSz cx="6858000" cy="9144000"/>
@@ -560,7 +564,7 @@
             <a:fld id="{375B649D-962F-434C-B1D1-0A0101E8CDA0}" type="slidenum">
               <a:rPr lang="nl-NL" smtClean="0"/>
               <a:pPr/>
-              <a:t>14</a:t>
+              <a:t>18</a:t>
             </a:fld>
             <a:endParaRPr lang="nl-NL"/>
           </a:p>
@@ -11600,7 +11604,7 @@
 </file>
 
 <file path=ppt/slides/slide10.xml><?xml version="1.0" encoding="utf-8"?>
-<p:sld xmlns:a="http://schemas.openxmlformats.org/drawingml/2006/main" xmlns:r="http://schemas.openxmlformats.org/officeDocument/2006/relationships" xmlns:p="http://schemas.openxmlformats.org/presentationml/2006/main" show="0">
+<p:sld xmlns:a="http://schemas.openxmlformats.org/drawingml/2006/main" xmlns:r="http://schemas.openxmlformats.org/officeDocument/2006/relationships" xmlns:p="http://schemas.openxmlformats.org/presentationml/2006/main">
   <p:cSld>
     <p:spTree>
       <p:nvGrpSpPr>
@@ -11616,9 +11620,69 @@
           <a:chExt cx="0" cy="0"/>
         </a:xfrm>
       </p:grpSpPr>
-      <p:sp>
-        <p:nvSpPr>
-          <p:cNvPr id="3" name="Title 2"/>
+      <p:pic>
+        <p:nvPicPr>
+          <p:cNvPr id="8" name="Content Placeholder 3"/>
+          <p:cNvPicPr>
+            <a:picLocks noChangeAspect="1"/>
+          </p:cNvPicPr>
+          <p:nvPr/>
+        </p:nvPicPr>
+        <p:blipFill>
+          <a:blip r:embed="rId2" cstate="print">
+            <a:extLst>
+              <a:ext uri="{28A0092B-C50C-407E-A947-70E740481C1C}">
+                <a14:useLocalDpi xmlns:a14="http://schemas.microsoft.com/office/drawing/2010/main" val="0"/>
+              </a:ext>
+            </a:extLst>
+          </a:blip>
+          <a:stretch>
+            <a:fillRect/>
+          </a:stretch>
+        </p:blipFill>
+        <p:spPr>
+          <a:xfrm>
+            <a:off x="7752184" y="1462718"/>
+            <a:ext cx="2808312" cy="4992555"/>
+          </a:xfrm>
+          <a:prstGeom prst="rect">
+            <a:avLst/>
+          </a:prstGeom>
+        </p:spPr>
+      </p:pic>
+      <p:pic>
+        <p:nvPicPr>
+          <p:cNvPr id="12" name="Content Placeholder 3"/>
+          <p:cNvPicPr>
+            <a:picLocks noChangeAspect="1"/>
+          </p:cNvPicPr>
+          <p:nvPr/>
+        </p:nvPicPr>
+        <p:blipFill>
+          <a:blip r:embed="rId3" cstate="print">
+            <a:extLst>
+              <a:ext uri="{28A0092B-C50C-407E-A947-70E740481C1C}">
+                <a14:useLocalDpi xmlns:a14="http://schemas.microsoft.com/office/drawing/2010/main" val="0"/>
+              </a:ext>
+            </a:extLst>
+          </a:blip>
+          <a:stretch>
+            <a:fillRect/>
+          </a:stretch>
+        </p:blipFill>
+        <p:spPr>
+          <a:xfrm>
+            <a:off x="2135560" y="1461974"/>
+            <a:ext cx="2807642" cy="4991362"/>
+          </a:xfrm>
+          <a:prstGeom prst="rect">
+            <a:avLst/>
+          </a:prstGeom>
+        </p:spPr>
+      </p:pic>
+      <p:sp>
+        <p:nvSpPr>
+          <p:cNvPr id="2" name="Title 1"/>
           <p:cNvSpPr>
             <a:spLocks noGrp="1"/>
           </p:cNvSpPr>
@@ -11631,120 +11695,231 @@
           <a:bodyPr/>
           <a:lstStyle/>
           <a:p>
-            <a:endParaRPr lang="en-US"/>
-          </a:p>
-        </p:txBody>
-      </p:sp>
-      <p:sp>
-        <p:nvSpPr>
-          <p:cNvPr id="4" name="Content Placeholder 3"/>
-          <p:cNvSpPr>
-            <a:spLocks noGrp="1"/>
-          </p:cNvSpPr>
-          <p:nvPr>
-            <p:ph idx="1"/>
-          </p:nvPr>
-        </p:nvSpPr>
-        <p:spPr/>
-        <p:txBody>
-          <a:bodyPr>
-            <a:normAutofit fontScale="92500" lnSpcReduction="10000"/>
-          </a:bodyPr>
-          <a:lstStyle/>
-          <a:p>
-            <a:r>
-              <a:rPr lang="en-US" dirty="0">
-                <a:hlinkClick r:id="rId2"/>
-              </a:rPr>
-              <a:t>https://</a:t>
-            </a:r>
-            <a:r>
-              <a:rPr lang="en-US" dirty="0" smtClean="0">
-                <a:hlinkClick r:id="rId2"/>
-              </a:rPr>
-              <a:t>github.com/googlesamples/android-BasicSyncAdapter</a:t>
-            </a:r>
-            <a:endParaRPr lang="en-US" dirty="0" smtClean="0"/>
-          </a:p>
-          <a:p>
-            <a:r>
-              <a:rPr lang="en-US" dirty="0">
-                <a:hlinkClick r:id="rId3"/>
-              </a:rPr>
-              <a:t>https://</a:t>
-            </a:r>
-            <a:r>
-              <a:rPr lang="en-US" dirty="0" smtClean="0">
-                <a:hlinkClick r:id="rId3"/>
-              </a:rPr>
-              <a:t>developer.android.com/training/sync-adapters/creating-sync-adapter.html</a:t>
-            </a:r>
-            <a:endParaRPr lang="en-US" dirty="0" smtClean="0"/>
-          </a:p>
-          <a:p>
-            <a:r>
-              <a:rPr lang="en-US" dirty="0">
-                <a:hlinkClick r:id="rId4"/>
-              </a:rPr>
-              <a:t>https://</a:t>
-            </a:r>
-            <a:r>
-              <a:rPr lang="en-US" dirty="0" smtClean="0">
-                <a:hlinkClick r:id="rId4"/>
-              </a:rPr>
-              <a:t>developer.android.com/training/sync-adapters/index.html</a:t>
-            </a:r>
-            <a:endParaRPr lang="en-US" dirty="0" smtClean="0"/>
-          </a:p>
-          <a:p>
-            <a:r>
-              <a:rPr lang="en-US" dirty="0">
-                <a:hlinkClick r:id="rId5"/>
-              </a:rPr>
-              <a:t>http://blog.udinic.com/2013/07/24/write-your-own-android-sync-adapter</a:t>
-            </a:r>
-            <a:r>
-              <a:rPr lang="en-US" dirty="0" smtClean="0">
-                <a:hlinkClick r:id="rId5"/>
-              </a:rPr>
-              <a:t>/</a:t>
-            </a:r>
-            <a:endParaRPr lang="en-US" dirty="0" smtClean="0"/>
-          </a:p>
-          <a:p>
-            <a:r>
-              <a:rPr lang="en-US" dirty="0">
-                <a:hlinkClick r:id="rId6"/>
-              </a:rPr>
-              <a:t>https://</a:t>
-            </a:r>
-            <a:r>
-              <a:rPr lang="en-US" dirty="0" smtClean="0">
-                <a:hlinkClick r:id="rId6"/>
-              </a:rPr>
-              <a:t>software.intel.com/en-us/android/articles/handling-offline-capability-and-data-sync-in-an-android-app-part-2</a:t>
-            </a:r>
-            <a:endParaRPr lang="en-US" dirty="0" smtClean="0"/>
-          </a:p>
-        </p:txBody>
-      </p:sp>
+            <a:r>
+              <a:rPr lang="en-US" dirty="0" smtClean="0"/>
+              <a:t>Sync Demo</a:t>
+            </a:r>
+            <a:endParaRPr lang="en-US" dirty="0"/>
+          </a:p>
+        </p:txBody>
+      </p:sp>
+      <p:grpSp>
+        <p:nvGrpSpPr>
+          <p:cNvPr id="22" name="Group 21"/>
+          <p:cNvGrpSpPr/>
+          <p:nvPr/>
+        </p:nvGrpSpPr>
+        <p:grpSpPr>
+          <a:xfrm>
+            <a:off x="983432" y="2996952"/>
+            <a:ext cx="1440160" cy="1440160"/>
+            <a:chOff x="4871864" y="2780928"/>
+            <a:chExt cx="1872208" cy="1872208"/>
+          </a:xfrm>
+        </p:grpSpPr>
+        <p:sp>
+          <p:nvSpPr>
+            <p:cNvPr id="21" name="Oval 20"/>
+            <p:cNvSpPr/>
+            <p:nvPr/>
+          </p:nvSpPr>
+          <p:spPr>
+            <a:xfrm>
+              <a:off x="4871864" y="2780928"/>
+              <a:ext cx="1872208" cy="1872208"/>
+            </a:xfrm>
+            <a:prstGeom prst="ellipse">
+              <a:avLst/>
+            </a:prstGeom>
+            <a:solidFill>
+              <a:schemeClr val="bg1">
+                <a:lumMod val="50000"/>
+              </a:schemeClr>
+            </a:solidFill>
+            <a:ln>
+              <a:noFill/>
+            </a:ln>
+            <a:effectLst>
+              <a:outerShdw blurRad="50800" dist="38100" dir="5400000" algn="t" rotWithShape="0">
+                <a:prstClr val="black">
+                  <a:alpha val="40000"/>
+                </a:prstClr>
+              </a:outerShdw>
+            </a:effectLst>
+          </p:spPr>
+          <p:style>
+            <a:lnRef idx="2">
+              <a:schemeClr val="accent1">
+                <a:shade val="50000"/>
+              </a:schemeClr>
+            </a:lnRef>
+            <a:fillRef idx="1">
+              <a:schemeClr val="accent1"/>
+            </a:fillRef>
+            <a:effectRef idx="0">
+              <a:schemeClr val="accent1"/>
+            </a:effectRef>
+            <a:fontRef idx="minor">
+              <a:schemeClr val="lt1"/>
+            </a:fontRef>
+          </p:style>
+          <p:txBody>
+            <a:bodyPr rtlCol="0" anchor="ctr"/>
+            <a:lstStyle/>
+            <a:p>
+              <a:pPr algn="ctr"/>
+              <a:endParaRPr lang="en-US"/>
+            </a:p>
+          </p:txBody>
+        </p:sp>
+        <p:pic>
+          <p:nvPicPr>
+            <p:cNvPr id="19" name="Picture 18"/>
+            <p:cNvPicPr>
+              <a:picLocks noChangeAspect="1"/>
+            </p:cNvPicPr>
+            <p:nvPr/>
+          </p:nvPicPr>
+          <p:blipFill>
+            <a:blip r:embed="rId4">
+              <a:extLst>
+                <a:ext uri="{28A0092B-C50C-407E-A947-70E740481C1C}">
+                  <a14:useLocalDpi xmlns:a14="http://schemas.microsoft.com/office/drawing/2010/main" val="0"/>
+                </a:ext>
+              </a:extLst>
+            </a:blip>
+            <a:stretch>
+              <a:fillRect/>
+            </a:stretch>
+          </p:blipFill>
+          <p:spPr>
+            <a:xfrm>
+              <a:off x="5031273" y="2940337"/>
+              <a:ext cx="1553389" cy="1553389"/>
+            </a:xfrm>
+            <a:prstGeom prst="rect">
+              <a:avLst/>
+            </a:prstGeom>
+          </p:spPr>
+        </p:pic>
+      </p:grpSp>
+      <p:grpSp>
+        <p:nvGrpSpPr>
+          <p:cNvPr id="23" name="Group 22"/>
+          <p:cNvGrpSpPr/>
+          <p:nvPr/>
+        </p:nvGrpSpPr>
+        <p:grpSpPr>
+          <a:xfrm>
+            <a:off x="6600056" y="2996952"/>
+            <a:ext cx="1440160" cy="1440160"/>
+            <a:chOff x="4871864" y="2780928"/>
+            <a:chExt cx="1872208" cy="1872208"/>
+          </a:xfrm>
+        </p:grpSpPr>
+        <p:sp>
+          <p:nvSpPr>
+            <p:cNvPr id="24" name="Oval 23"/>
+            <p:cNvSpPr/>
+            <p:nvPr/>
+          </p:nvSpPr>
+          <p:spPr>
+            <a:xfrm>
+              <a:off x="4871864" y="2780928"/>
+              <a:ext cx="1872208" cy="1872208"/>
+            </a:xfrm>
+            <a:prstGeom prst="ellipse">
+              <a:avLst/>
+            </a:prstGeom>
+            <a:solidFill>
+              <a:schemeClr val="bg1">
+                <a:lumMod val="50000"/>
+              </a:schemeClr>
+            </a:solidFill>
+            <a:ln>
+              <a:noFill/>
+            </a:ln>
+            <a:effectLst>
+              <a:outerShdw blurRad="50800" dist="38100" dir="5400000" algn="t" rotWithShape="0">
+                <a:prstClr val="black">
+                  <a:alpha val="40000"/>
+                </a:prstClr>
+              </a:outerShdw>
+            </a:effectLst>
+          </p:spPr>
+          <p:style>
+            <a:lnRef idx="2">
+              <a:schemeClr val="accent1">
+                <a:shade val="50000"/>
+              </a:schemeClr>
+            </a:lnRef>
+            <a:fillRef idx="1">
+              <a:schemeClr val="accent1"/>
+            </a:fillRef>
+            <a:effectRef idx="0">
+              <a:schemeClr val="accent1"/>
+            </a:effectRef>
+            <a:fontRef idx="minor">
+              <a:schemeClr val="lt1"/>
+            </a:fontRef>
+          </p:style>
+          <p:txBody>
+            <a:bodyPr rtlCol="0" anchor="ctr"/>
+            <a:lstStyle/>
+            <a:p>
+              <a:pPr algn="ctr"/>
+              <a:endParaRPr lang="en-US"/>
+            </a:p>
+          </p:txBody>
+        </p:sp>
+        <p:pic>
+          <p:nvPicPr>
+            <p:cNvPr id="25" name="Picture 24"/>
+            <p:cNvPicPr>
+              <a:picLocks noChangeAspect="1"/>
+            </p:cNvPicPr>
+            <p:nvPr/>
+          </p:nvPicPr>
+          <p:blipFill>
+            <a:blip r:embed="rId5">
+              <a:extLst>
+                <a:ext uri="{28A0092B-C50C-407E-A947-70E740481C1C}">
+                  <a14:useLocalDpi xmlns:a14="http://schemas.microsoft.com/office/drawing/2010/main" val="0"/>
+                </a:ext>
+              </a:extLst>
+            </a:blip>
+            <a:stretch>
+              <a:fillRect/>
+            </a:stretch>
+          </p:blipFill>
+          <p:spPr>
+            <a:xfrm>
+              <a:off x="5031273" y="2940337"/>
+              <a:ext cx="1553389" cy="1553389"/>
+            </a:xfrm>
+            <a:prstGeom prst="rect">
+              <a:avLst/>
+            </a:prstGeom>
+          </p:spPr>
+        </p:pic>
+      </p:grpSp>
     </p:spTree>
     <p:extLst>
       <p:ext uri="{BB962C8B-B14F-4D97-AF65-F5344CB8AC3E}">
-        <p14:creationId xmlns:p14="http://schemas.microsoft.com/office/powerpoint/2010/main" val="351412801"/>
+        <p14:creationId xmlns:p14="http://schemas.microsoft.com/office/powerpoint/2010/main" val="1755438054"/>
       </p:ext>
     </p:extLst>
   </p:cSld>
   <p:clrMapOvr>
     <a:masterClrMapping/>
   </p:clrMapOvr>
-  <mc:AlternateContent xmlns:mc="http://schemas.openxmlformats.org/markup-compatibility/2006">
-    <mc:Choice xmlns:p14="http://schemas.microsoft.com/office/powerpoint/2010/main" Requires="p14">
+  <mc:AlternateContent xmlns:mc="http://schemas.openxmlformats.org/markup-compatibility/2006" xmlns:p14="http://schemas.microsoft.com/office/powerpoint/2010/main">
+    <mc:Choice Requires="p14">
       <p:transition p14:dur="250">
         <p14:reveal/>
       </p:transition>
     </mc:Choice>
-    <mc:Fallback>
+    <mc:Fallback xmlns="">
       <p:transition>
         <p:fade/>
       </p:transition>
@@ -11777,6 +11952,36 @@
           <a:chExt cx="0" cy="0"/>
         </a:xfrm>
       </p:grpSpPr>
+      <p:pic>
+        <p:nvPicPr>
+          <p:cNvPr id="14" name="Content Placeholder 3"/>
+          <p:cNvPicPr>
+            <a:picLocks noChangeAspect="1"/>
+          </p:cNvPicPr>
+          <p:nvPr/>
+        </p:nvPicPr>
+        <p:blipFill>
+          <a:blip r:embed="rId2" cstate="print">
+            <a:extLst>
+              <a:ext uri="{28A0092B-C50C-407E-A947-70E740481C1C}">
+                <a14:useLocalDpi xmlns:a14="http://schemas.microsoft.com/office/drawing/2010/main" val="0"/>
+              </a:ext>
+            </a:extLst>
+          </a:blip>
+          <a:stretch>
+            <a:fillRect/>
+          </a:stretch>
+        </p:blipFill>
+        <p:spPr>
+          <a:xfrm>
+            <a:off x="6252495" y="1461973"/>
+            <a:ext cx="2808351" cy="4992624"/>
+          </a:xfrm>
+          <a:prstGeom prst="rect">
+            <a:avLst/>
+          </a:prstGeom>
+        </p:spPr>
+      </p:pic>
       <p:sp>
         <p:nvSpPr>
           <p:cNvPr id="2" name="Title 1"/>
@@ -11792,116 +11997,48 @@
           <a:bodyPr/>
           <a:lstStyle/>
           <a:p>
-            <a:endParaRPr lang="en-US"/>
-          </a:p>
-        </p:txBody>
-      </p:sp>
-      <p:sp>
-        <p:nvSpPr>
-          <p:cNvPr id="3" name="Content Placeholder 2"/>
-          <p:cNvSpPr>
-            <a:spLocks noGrp="1"/>
-          </p:cNvSpPr>
-          <p:nvPr>
-            <p:ph idx="1"/>
-          </p:nvPr>
-        </p:nvSpPr>
-        <p:spPr/>
-        <p:txBody>
-          <a:bodyPr>
-            <a:normAutofit lnSpcReduction="10000"/>
-          </a:bodyPr>
-          <a:lstStyle/>
-          <a:p>
-            <a:r>
-              <a:rPr lang="en-US" dirty="0" err="1" smtClean="0"/>
-              <a:t>SyncAdapters</a:t>
-            </a:r>
             <a:r>
               <a:rPr lang="en-US" dirty="0" smtClean="0"/>
-              <a:t> can be used to:</a:t>
-            </a:r>
-          </a:p>
-          <a:p>
-            <a:pPr lvl="1"/>
-            <a:r>
-              <a:rPr lang="en-US" dirty="0" smtClean="0"/>
-              <a:t>fetch </a:t>
-            </a:r>
-            <a:r>
-              <a:rPr lang="en-US" dirty="0"/>
-              <a:t>background data for an </a:t>
-            </a:r>
-            <a:r>
-              <a:rPr lang="en-US" dirty="0" smtClean="0"/>
-              <a:t>app.</a:t>
-            </a:r>
-          </a:p>
-          <a:p>
-            <a:pPr lvl="1"/>
-            <a:r>
-              <a:rPr lang="en-US" dirty="0" smtClean="0"/>
-              <a:t>execute </a:t>
-            </a:r>
-            <a:r>
-              <a:rPr lang="en-US" dirty="0"/>
-              <a:t>your data transfer code at configurable intervals, while efficiently using battery and other system </a:t>
-            </a:r>
-            <a:r>
-              <a:rPr lang="en-US" dirty="0" smtClean="0"/>
-              <a:t>resources</a:t>
+              <a:t>Android Settings</a:t>
             </a:r>
             <a:endParaRPr lang="en-US" dirty="0"/>
           </a:p>
-          <a:p>
-            <a:r>
-              <a:rPr lang="en-US" dirty="0" smtClean="0"/>
-              <a:t>Elements </a:t>
-            </a:r>
-            <a:r>
-              <a:rPr lang="en-US" dirty="0"/>
-              <a:t>of a sync </a:t>
-            </a:r>
-            <a:r>
-              <a:rPr lang="en-US" dirty="0" smtClean="0"/>
-              <a:t>adapter:</a:t>
-            </a:r>
-            <a:endParaRPr lang="en-US" dirty="0"/>
-          </a:p>
-          <a:p>
-            <a:pPr lvl="1"/>
-            <a:r>
-              <a:rPr lang="en-US" dirty="0"/>
-              <a:t>Creates a sync adapter class.</a:t>
-            </a:r>
-          </a:p>
-          <a:p>
-            <a:pPr lvl="1"/>
-            <a:r>
-              <a:rPr lang="en-US" dirty="0"/>
-              <a:t>Creates a bound Service which the OS uses to initiate a sync.</a:t>
-            </a:r>
-          </a:p>
-          <a:p>
-            <a:pPr lvl="1"/>
-            <a:r>
-              <a:rPr lang="en-US" dirty="0"/>
-              <a:t>Defines the sync adapter properties in an XML resource file.</a:t>
-            </a:r>
-          </a:p>
-          <a:p>
-            <a:pPr lvl="1"/>
-            <a:r>
-              <a:rPr lang="en-US" dirty="0"/>
-              <a:t>Declares the bound Service in the app manifest.</a:t>
-            </a:r>
-          </a:p>
-        </p:txBody>
-      </p:sp>
+        </p:txBody>
+      </p:sp>
+      <p:pic>
+        <p:nvPicPr>
+          <p:cNvPr id="5" name="Content Placeholder 3"/>
+          <p:cNvPicPr>
+            <a:picLocks noChangeAspect="1"/>
+          </p:cNvPicPr>
+          <p:nvPr/>
+        </p:nvPicPr>
+        <p:blipFill>
+          <a:blip r:embed="rId3" cstate="print">
+            <a:extLst>
+              <a:ext uri="{28A0092B-C50C-407E-A947-70E740481C1C}">
+                <a14:useLocalDpi xmlns:a14="http://schemas.microsoft.com/office/drawing/2010/main" val="0"/>
+              </a:ext>
+            </a:extLst>
+          </a:blip>
+          <a:stretch>
+            <a:fillRect/>
+          </a:stretch>
+        </p:blipFill>
+        <p:spPr>
+          <a:xfrm>
+            <a:off x="3131154" y="1461973"/>
+            <a:ext cx="2808351" cy="4992624"/>
+          </a:xfrm>
+          <a:prstGeom prst="rect">
+            <a:avLst/>
+          </a:prstGeom>
+        </p:spPr>
+      </p:pic>
     </p:spTree>
     <p:extLst>
       <p:ext uri="{BB962C8B-B14F-4D97-AF65-F5344CB8AC3E}">
-        <p14:creationId xmlns:p14="http://schemas.microsoft.com/office/powerpoint/2010/main" val="2364295274"/>
+        <p14:creationId xmlns:p14="http://schemas.microsoft.com/office/powerpoint/2010/main" val="2885989042"/>
       </p:ext>
     </p:extLst>
   </p:cSld>
@@ -11947,9 +12084,34 @@
           <a:chExt cx="0" cy="0"/>
         </a:xfrm>
       </p:grpSpPr>
+      <p:sp>
+        <p:nvSpPr>
+          <p:cNvPr id="2" name="Title 1"/>
+          <p:cNvSpPr>
+            <a:spLocks noGrp="1"/>
+          </p:cNvSpPr>
+          <p:nvPr>
+            <p:ph type="title"/>
+          </p:nvPr>
+        </p:nvSpPr>
+        <p:spPr/>
+        <p:txBody>
+          <a:bodyPr>
+            <a:normAutofit/>
+          </a:bodyPr>
+          <a:lstStyle/>
+          <a:p>
+            <a:r>
+              <a:rPr lang="en-US" dirty="0" smtClean="0"/>
+              <a:t>Android Settings</a:t>
+            </a:r>
+            <a:endParaRPr lang="en-US" dirty="0"/>
+          </a:p>
+        </p:txBody>
+      </p:sp>
       <p:pic>
         <p:nvPicPr>
-          <p:cNvPr id="7" name="Content Placeholder 3"/>
+          <p:cNvPr id="6" name="Content Placeholder 3"/>
           <p:cNvPicPr>
             <a:picLocks noChangeAspect="1"/>
           </p:cNvPicPr>
@@ -11969,46 +12131,21 @@
         </p:blipFill>
         <p:spPr>
           <a:xfrm>
-            <a:off x="6227564" y="1600200"/>
-            <a:ext cx="2545854" cy="4525963"/>
+            <a:off x="3131154" y="1461972"/>
+            <a:ext cx="2810132" cy="4995791"/>
           </a:xfrm>
           <a:prstGeom prst="rect">
             <a:avLst/>
           </a:prstGeom>
         </p:spPr>
       </p:pic>
-      <p:sp>
-        <p:nvSpPr>
-          <p:cNvPr id="2" name="Title 1"/>
-          <p:cNvSpPr>
-            <a:spLocks noGrp="1"/>
-          </p:cNvSpPr>
-          <p:nvPr>
-            <p:ph type="title"/>
-          </p:nvPr>
-        </p:nvSpPr>
-        <p:spPr/>
-        <p:txBody>
-          <a:bodyPr/>
-          <a:lstStyle/>
-          <a:p>
-            <a:r>
-              <a:rPr lang="en-US" dirty="0" smtClean="0"/>
-              <a:t>Demo</a:t>
-            </a:r>
-            <a:endParaRPr lang="en-US" dirty="0"/>
-          </a:p>
-        </p:txBody>
-      </p:sp>
       <p:pic>
         <p:nvPicPr>
-          <p:cNvPr id="4" name="Content Placeholder 3"/>
+          <p:cNvPr id="8" name="Content Placeholder 3"/>
           <p:cNvPicPr>
-            <a:picLocks noGrp="1" noChangeAspect="1"/>
+            <a:picLocks noChangeAspect="1"/>
           </p:cNvPicPr>
-          <p:nvPr>
-            <p:ph idx="1"/>
-          </p:nvPr>
+          <p:nvPr/>
         </p:nvPicPr>
         <p:blipFill>
           <a:blip r:embed="rId3" cstate="print">
@@ -12024,15 +12161,18 @@
         </p:blipFill>
         <p:spPr>
           <a:xfrm>
-            <a:off x="3418582" y="1600200"/>
-            <a:ext cx="2545854" cy="4525962"/>
-          </a:xfrm>
+            <a:off x="6252495" y="1461972"/>
+            <a:ext cx="2808352" cy="4992624"/>
+          </a:xfrm>
+          <a:prstGeom prst="rect">
+            <a:avLst/>
+          </a:prstGeom>
         </p:spPr>
       </p:pic>
     </p:spTree>
     <p:extLst>
       <p:ext uri="{BB962C8B-B14F-4D97-AF65-F5344CB8AC3E}">
-        <p14:creationId xmlns:p14="http://schemas.microsoft.com/office/powerpoint/2010/main" val="1755438054"/>
+        <p14:creationId xmlns:p14="http://schemas.microsoft.com/office/powerpoint/2010/main" val="480523171"/>
       </p:ext>
     </p:extLst>
   </p:cSld>
@@ -12080,134 +12220,958 @@
       </p:grpSpPr>
       <p:sp>
         <p:nvSpPr>
-          <p:cNvPr id="2" name="Title 1"/>
-          <p:cNvSpPr>
-            <a:spLocks noGrp="1"/>
-          </p:cNvSpPr>
-          <p:nvPr>
-            <p:ph type="title"/>
-          </p:nvPr>
-        </p:nvSpPr>
-        <p:spPr/>
-        <p:txBody>
-          <a:bodyPr/>
+          <p:cNvPr id="4" name="Rounded Rectangle 3"/>
+          <p:cNvSpPr/>
+          <p:nvPr/>
+        </p:nvSpPr>
+        <p:spPr>
+          <a:xfrm>
+            <a:off x="7968208" y="620688"/>
+            <a:ext cx="2822104" cy="795528"/>
+          </a:xfrm>
+          <a:prstGeom prst="roundRect">
+            <a:avLst/>
+          </a:prstGeom>
+          <a:solidFill>
+            <a:srgbClr val="F8C02B"/>
+          </a:solidFill>
+          <a:ln/>
+        </p:spPr>
+        <p:style>
+          <a:lnRef idx="3">
+            <a:schemeClr val="lt1"/>
+          </a:lnRef>
+          <a:fillRef idx="1">
+            <a:schemeClr val="accent6"/>
+          </a:fillRef>
+          <a:effectRef idx="1">
+            <a:schemeClr val="accent6"/>
+          </a:effectRef>
+          <a:fontRef idx="minor">
+            <a:schemeClr val="lt1"/>
+          </a:fontRef>
+        </p:style>
+        <p:txBody>
+          <a:bodyPr rtlCol="0" anchor="ctr"/>
           <a:lstStyle/>
           <a:p>
-            <a:r>
-              <a:rPr lang="en-US" dirty="0" smtClean="0"/>
-              <a:t>Demo</a:t>
-            </a:r>
-            <a:endParaRPr lang="en-US" dirty="0"/>
-          </a:p>
-        </p:txBody>
-      </p:sp>
-      <p:pic>
-        <p:nvPicPr>
-          <p:cNvPr id="5" name="Content Placeholder 3"/>
-          <p:cNvPicPr>
-            <a:picLocks noChangeAspect="1"/>
-          </p:cNvPicPr>
+            <a:pPr algn="ctr"/>
+            <a:r>
+              <a:rPr lang="en-US" sz="2800" b="1" dirty="0" smtClean="0">
+                <a:solidFill>
+                  <a:schemeClr val="bg1"/>
+                </a:solidFill>
+              </a:rPr>
+              <a:t>UI</a:t>
+            </a:r>
+            <a:endParaRPr lang="en-US" sz="2800" b="1" dirty="0">
+              <a:solidFill>
+                <a:schemeClr val="bg1"/>
+              </a:solidFill>
+            </a:endParaRPr>
+          </a:p>
+        </p:txBody>
+      </p:sp>
+      <p:sp>
+        <p:nvSpPr>
+          <p:cNvPr id="5" name="Rounded Rectangle 4"/>
+          <p:cNvSpPr/>
           <p:nvPr/>
-        </p:nvPicPr>
-        <p:blipFill>
-          <a:blip r:embed="rId2" cstate="print">
-            <a:extLst>
-              <a:ext uri="{28A0092B-C50C-407E-A947-70E740481C1C}">
-                <a14:useLocalDpi xmlns:a14="http://schemas.microsoft.com/office/drawing/2010/main" val="0"/>
-              </a:ext>
-            </a:extLst>
-          </a:blip>
-          <a:stretch>
-            <a:fillRect/>
-          </a:stretch>
-        </p:blipFill>
-        <p:spPr>
-          <a:xfrm>
-            <a:off x="2012942" y="1600200"/>
-            <a:ext cx="2545854" cy="4525962"/>
+        </p:nvSpPr>
+        <p:spPr>
+          <a:xfrm>
+            <a:off x="609600" y="620688"/>
+            <a:ext cx="5270376" cy="792088"/>
+          </a:xfrm>
+          <a:prstGeom prst="roundRect">
+            <a:avLst/>
+          </a:prstGeom>
+          <a:solidFill>
+            <a:srgbClr val="4CC4B9"/>
+          </a:solidFill>
+          <a:ln/>
+        </p:spPr>
+        <p:style>
+          <a:lnRef idx="3">
+            <a:schemeClr val="lt1"/>
+          </a:lnRef>
+          <a:fillRef idx="1">
+            <a:schemeClr val="accent6"/>
+          </a:fillRef>
+          <a:effectRef idx="1">
+            <a:schemeClr val="accent6"/>
+          </a:effectRef>
+          <a:fontRef idx="minor">
+            <a:schemeClr val="lt1"/>
+          </a:fontRef>
+        </p:style>
+        <p:txBody>
+          <a:bodyPr rtlCol="0" anchor="ctr"/>
+          <a:lstStyle/>
+          <a:p>
+            <a:pPr algn="ctr"/>
+            <a:r>
+              <a:rPr lang="en-US" sz="2800" b="1" dirty="0" err="1" smtClean="0">
+                <a:solidFill>
+                  <a:schemeClr val="bg1"/>
+                </a:solidFill>
+              </a:rPr>
+              <a:t>CursorLoader</a:t>
+            </a:r>
+            <a:endParaRPr lang="en-US" sz="2800" b="1" dirty="0">
+              <a:solidFill>
+                <a:schemeClr val="bg1"/>
+              </a:solidFill>
+            </a:endParaRPr>
+          </a:p>
+        </p:txBody>
+      </p:sp>
+      <p:sp>
+        <p:nvSpPr>
+          <p:cNvPr id="6" name="Rounded Rectangle 5"/>
+          <p:cNvSpPr/>
+          <p:nvPr/>
+        </p:nvSpPr>
+        <p:spPr>
+          <a:xfrm>
+            <a:off x="609600" y="2318253"/>
+            <a:ext cx="5270376" cy="795528"/>
+          </a:xfrm>
+          <a:prstGeom prst="roundRect">
+            <a:avLst/>
+          </a:prstGeom>
+          <a:solidFill>
+            <a:srgbClr val="9AD21C"/>
+          </a:solidFill>
+          <a:ln/>
+        </p:spPr>
+        <p:style>
+          <a:lnRef idx="3">
+            <a:schemeClr val="lt1"/>
+          </a:lnRef>
+          <a:fillRef idx="1">
+            <a:schemeClr val="accent6"/>
+          </a:fillRef>
+          <a:effectRef idx="1">
+            <a:schemeClr val="accent6"/>
+          </a:effectRef>
+          <a:fontRef idx="minor">
+            <a:schemeClr val="lt1"/>
+          </a:fontRef>
+        </p:style>
+        <p:txBody>
+          <a:bodyPr rtlCol="0" anchor="ctr"/>
+          <a:lstStyle/>
+          <a:p>
+            <a:pPr algn="ctr"/>
+            <a:r>
+              <a:rPr lang="en-US" sz="2800" b="1" dirty="0" err="1" smtClean="0">
+                <a:solidFill>
+                  <a:schemeClr val="bg1"/>
+                </a:solidFill>
+              </a:rPr>
+              <a:t>ContentProvider</a:t>
+            </a:r>
+            <a:endParaRPr lang="en-US" sz="2800" b="1" dirty="0">
+              <a:solidFill>
+                <a:schemeClr val="bg1"/>
+              </a:solidFill>
+            </a:endParaRPr>
+          </a:p>
+        </p:txBody>
+      </p:sp>
+      <p:sp>
+        <p:nvSpPr>
+          <p:cNvPr id="7" name="Rounded Rectangle 6"/>
+          <p:cNvSpPr/>
+          <p:nvPr/>
+        </p:nvSpPr>
+        <p:spPr>
+          <a:xfrm>
+            <a:off x="609600" y="4019259"/>
+            <a:ext cx="5270376" cy="795528"/>
+          </a:xfrm>
+          <a:prstGeom prst="roundRect">
+            <a:avLst/>
+          </a:prstGeom>
+          <a:solidFill>
+            <a:schemeClr val="accent4">
+              <a:lumMod val="75000"/>
+            </a:schemeClr>
+          </a:solidFill>
+          <a:ln/>
+        </p:spPr>
+        <p:style>
+          <a:lnRef idx="3">
+            <a:schemeClr val="lt1"/>
+          </a:lnRef>
+          <a:fillRef idx="1">
+            <a:schemeClr val="accent6"/>
+          </a:fillRef>
+          <a:effectRef idx="1">
+            <a:schemeClr val="accent6"/>
+          </a:effectRef>
+          <a:fontRef idx="minor">
+            <a:schemeClr val="lt1"/>
+          </a:fontRef>
+        </p:style>
+        <p:txBody>
+          <a:bodyPr rtlCol="0" anchor="ctr"/>
+          <a:lstStyle/>
+          <a:p>
+            <a:pPr algn="ctr"/>
+            <a:r>
+              <a:rPr lang="en-US" sz="2800" b="1" dirty="0" err="1" smtClean="0">
+                <a:solidFill>
+                  <a:schemeClr val="bg1"/>
+                </a:solidFill>
+              </a:rPr>
+              <a:t>SyncAdapter</a:t>
+            </a:r>
+            <a:endParaRPr lang="en-US" sz="2800" b="1" dirty="0">
+              <a:solidFill>
+                <a:schemeClr val="bg1"/>
+              </a:solidFill>
+            </a:endParaRPr>
+          </a:p>
+        </p:txBody>
+      </p:sp>
+      <p:sp>
+        <p:nvSpPr>
+          <p:cNvPr id="8" name="Rounded Rectangle 7"/>
+          <p:cNvSpPr/>
+          <p:nvPr/>
+        </p:nvSpPr>
+        <p:spPr>
+          <a:xfrm>
+            <a:off x="7968208" y="4019259"/>
+            <a:ext cx="2822104" cy="795528"/>
+          </a:xfrm>
+          <a:prstGeom prst="roundRect">
+            <a:avLst/>
+          </a:prstGeom>
+          <a:solidFill>
+            <a:schemeClr val="accent5">
+              <a:lumMod val="75000"/>
+            </a:schemeClr>
+          </a:solidFill>
+          <a:ln/>
+        </p:spPr>
+        <p:style>
+          <a:lnRef idx="3">
+            <a:schemeClr val="lt1"/>
+          </a:lnRef>
+          <a:fillRef idx="1">
+            <a:schemeClr val="accent6"/>
+          </a:fillRef>
+          <a:effectRef idx="1">
+            <a:schemeClr val="accent6"/>
+          </a:effectRef>
+          <a:fontRef idx="minor">
+            <a:schemeClr val="lt1"/>
+          </a:fontRef>
+        </p:style>
+        <p:txBody>
+          <a:bodyPr rtlCol="0" anchor="ctr"/>
+          <a:lstStyle/>
+          <a:p>
+            <a:pPr algn="ctr"/>
+            <a:r>
+              <a:rPr lang="en-US" sz="2800" b="1" dirty="0" smtClean="0">
+                <a:solidFill>
+                  <a:schemeClr val="bg1"/>
+                </a:solidFill>
+              </a:rPr>
+              <a:t>Network</a:t>
+            </a:r>
+            <a:endParaRPr lang="en-US" sz="2800" b="1" dirty="0">
+              <a:solidFill>
+                <a:schemeClr val="bg1"/>
+              </a:solidFill>
+            </a:endParaRPr>
+          </a:p>
+        </p:txBody>
+      </p:sp>
+      <p:sp>
+        <p:nvSpPr>
+          <p:cNvPr id="10" name="Cloud 9"/>
+          <p:cNvSpPr/>
+          <p:nvPr/>
+        </p:nvSpPr>
+        <p:spPr>
+          <a:xfrm>
+            <a:off x="9955323" y="5517232"/>
+            <a:ext cx="2088232" cy="1484784"/>
+          </a:xfrm>
+          <a:prstGeom prst="cloud">
+            <a:avLst/>
+          </a:prstGeom>
+          <a:solidFill>
+            <a:schemeClr val="bg1">
+              <a:lumMod val="65000"/>
+            </a:schemeClr>
+          </a:solidFill>
+          <a:ln>
+            <a:solidFill>
+              <a:schemeClr val="bg1"/>
+            </a:solidFill>
+          </a:ln>
+        </p:spPr>
+        <p:style>
+          <a:lnRef idx="2">
+            <a:schemeClr val="accent1">
+              <a:shade val="50000"/>
+            </a:schemeClr>
+          </a:lnRef>
+          <a:fillRef idx="1">
+            <a:schemeClr val="accent1"/>
+          </a:fillRef>
+          <a:effectRef idx="0">
+            <a:schemeClr val="accent1"/>
+          </a:effectRef>
+          <a:fontRef idx="minor">
+            <a:schemeClr val="lt1"/>
+          </a:fontRef>
+        </p:style>
+        <p:txBody>
+          <a:bodyPr rtlCol="0" anchor="ctr"/>
+          <a:lstStyle/>
+          <a:p>
+            <a:pPr algn="ctr"/>
+            <a:r>
+              <a:rPr lang="en-US" dirty="0" err="1" smtClean="0">
+                <a:latin typeface="Arial Black" panose="020B0A04020102020204" pitchFamily="34" charset="0"/>
+              </a:rPr>
+              <a:t>ze</a:t>
+            </a:r>
+            <a:r>
+              <a:rPr lang="en-US" dirty="0" smtClean="0">
+                <a:latin typeface="Arial Black" panose="020B0A04020102020204" pitchFamily="34" charset="0"/>
+              </a:rPr>
+              <a:t> internet</a:t>
+            </a:r>
+            <a:endParaRPr lang="en-US" dirty="0">
+              <a:latin typeface="Arial Black" panose="020B0A04020102020204" pitchFamily="34" charset="0"/>
+            </a:endParaRPr>
+          </a:p>
+        </p:txBody>
+      </p:sp>
+      <p:cxnSp>
+        <p:nvCxnSpPr>
+          <p:cNvPr id="12" name="Elbow Connector 11"/>
+          <p:cNvCxnSpPr>
+            <a:stCxn id="8" idx="2"/>
+            <a:endCxn id="10" idx="2"/>
+          </p:cNvCxnSpPr>
+          <p:nvPr/>
+        </p:nvCxnSpPr>
+        <p:spPr>
+          <a:xfrm rot="16200000" flipH="1">
+            <a:off x="8948112" y="5245935"/>
+            <a:ext cx="1444837" cy="582540"/>
+          </a:xfrm>
+          <a:prstGeom prst="bentConnector2">
+            <a:avLst/>
+          </a:prstGeom>
+          <a:ln w="38100">
+            <a:solidFill>
+              <a:schemeClr val="bg1"/>
+            </a:solidFill>
+            <a:headEnd type="triangle" w="lg" len="lg"/>
+            <a:tailEnd type="triangle" w="lg" len="lg"/>
+          </a:ln>
+        </p:spPr>
+        <p:style>
+          <a:lnRef idx="1">
+            <a:schemeClr val="accent1"/>
+          </a:lnRef>
+          <a:fillRef idx="0">
+            <a:schemeClr val="accent1"/>
+          </a:fillRef>
+          <a:effectRef idx="0">
+            <a:schemeClr val="accent1"/>
+          </a:effectRef>
+          <a:fontRef idx="minor">
+            <a:schemeClr val="tx1"/>
+          </a:fontRef>
+        </p:style>
+      </p:cxnSp>
+      <p:grpSp>
+        <p:nvGrpSpPr>
+          <p:cNvPr id="20" name="Group 19"/>
+          <p:cNvGrpSpPr/>
+          <p:nvPr/>
+        </p:nvGrpSpPr>
+        <p:grpSpPr>
+          <a:xfrm>
+            <a:off x="479376" y="4814787"/>
+            <a:ext cx="2765413" cy="1497974"/>
+            <a:chOff x="479376" y="4814787"/>
+            <a:chExt cx="2765413" cy="1497974"/>
+          </a:xfrm>
+        </p:grpSpPr>
+        <p:sp>
+          <p:nvSpPr>
+            <p:cNvPr id="21" name="Hexagon 20"/>
+            <p:cNvSpPr/>
+            <p:nvPr/>
+          </p:nvSpPr>
+          <p:spPr>
+            <a:xfrm>
+              <a:off x="479376" y="5517233"/>
+              <a:ext cx="2016224" cy="795528"/>
+            </a:xfrm>
+            <a:prstGeom prst="hexagon">
+              <a:avLst/>
+            </a:prstGeom>
+            <a:solidFill>
+              <a:srgbClr val="FFFF00"/>
+            </a:solidFill>
+            <a:ln>
+              <a:solidFill>
+                <a:schemeClr val="bg1"/>
+              </a:solidFill>
+            </a:ln>
+            <a:effectLst>
+              <a:outerShdw blurRad="50800" dist="38100" dir="5400000" algn="t" rotWithShape="0">
+                <a:prstClr val="black">
+                  <a:alpha val="40000"/>
+                </a:prstClr>
+              </a:outerShdw>
+            </a:effectLst>
+          </p:spPr>
+          <p:style>
+            <a:lnRef idx="2">
+              <a:schemeClr val="accent1">
+                <a:shade val="50000"/>
+              </a:schemeClr>
+            </a:lnRef>
+            <a:fillRef idx="1">
+              <a:schemeClr val="accent1"/>
+            </a:fillRef>
+            <a:effectRef idx="0">
+              <a:schemeClr val="accent1"/>
+            </a:effectRef>
+            <a:fontRef idx="minor">
+              <a:schemeClr val="lt1"/>
+            </a:fontRef>
+          </p:style>
+          <p:txBody>
+            <a:bodyPr rtlCol="0" anchor="ctr"/>
+            <a:lstStyle/>
+            <a:p>
+              <a:pPr algn="ctr"/>
+              <a:r>
+                <a:rPr lang="en-US" b="1" dirty="0" smtClean="0">
+                  <a:solidFill>
+                    <a:schemeClr val="tx1"/>
+                  </a:solidFill>
+                </a:rPr>
+                <a:t>Android Framework</a:t>
+              </a:r>
+              <a:endParaRPr lang="en-US" b="1" dirty="0">
+                <a:solidFill>
+                  <a:schemeClr val="tx1"/>
+                </a:solidFill>
+              </a:endParaRPr>
+            </a:p>
+          </p:txBody>
+        </p:sp>
+        <p:cxnSp>
+          <p:nvCxnSpPr>
+            <p:cNvPr id="22" name="Elbow Connector 21"/>
+            <p:cNvCxnSpPr>
+              <a:endCxn id="21" idx="0"/>
+            </p:cNvCxnSpPr>
+            <p:nvPr/>
+          </p:nvCxnSpPr>
+          <p:spPr>
+            <a:xfrm rot="5400000">
+              <a:off x="2320090" y="4990298"/>
+              <a:ext cx="1100209" cy="749188"/>
+            </a:xfrm>
+            <a:prstGeom prst="bentConnector2">
+              <a:avLst/>
+            </a:prstGeom>
+            <a:ln w="38100">
+              <a:solidFill>
+                <a:schemeClr val="bg1"/>
+              </a:solidFill>
+              <a:prstDash val="sysDash"/>
+              <a:headEnd type="triangle" w="lg" len="lg"/>
+              <a:tailEnd type="triangle" w="lg" len="lg"/>
+            </a:ln>
+          </p:spPr>
+          <p:style>
+            <a:lnRef idx="1">
+              <a:schemeClr val="accent1"/>
+            </a:lnRef>
+            <a:fillRef idx="0">
+              <a:schemeClr val="accent1"/>
+            </a:fillRef>
+            <a:effectRef idx="0">
+              <a:schemeClr val="accent1"/>
+            </a:effectRef>
+            <a:fontRef idx="minor">
+              <a:schemeClr val="tx1"/>
+            </a:fontRef>
+          </p:style>
+        </p:cxnSp>
+      </p:grpSp>
+      <p:cxnSp>
+        <p:nvCxnSpPr>
+          <p:cNvPr id="25" name="Straight Arrow Connector 24"/>
+          <p:cNvCxnSpPr>
+            <a:stCxn id="7" idx="3"/>
+            <a:endCxn id="8" idx="1"/>
+          </p:cNvCxnSpPr>
+          <p:nvPr/>
+        </p:nvCxnSpPr>
+        <p:spPr>
+          <a:xfrm>
+            <a:off x="5879976" y="4417023"/>
+            <a:ext cx="2088232" cy="0"/>
+          </a:xfrm>
+          <a:prstGeom prst="straightConnector1">
+            <a:avLst/>
+          </a:prstGeom>
+          <a:ln w="38100">
+            <a:solidFill>
+              <a:schemeClr val="bg1"/>
+            </a:solidFill>
+            <a:headEnd type="triangle" w="lg" len="lg"/>
+            <a:tailEnd type="triangle" w="lg" len="lg"/>
+          </a:ln>
+        </p:spPr>
+        <p:style>
+          <a:lnRef idx="1">
+            <a:schemeClr val="accent1"/>
+          </a:lnRef>
+          <a:fillRef idx="0">
+            <a:schemeClr val="accent1"/>
+          </a:fillRef>
+          <a:effectRef idx="0">
+            <a:schemeClr val="accent1"/>
+          </a:effectRef>
+          <a:fontRef idx="minor">
+            <a:schemeClr val="tx1"/>
+          </a:fontRef>
+        </p:style>
+      </p:cxnSp>
+      <p:cxnSp>
+        <p:nvCxnSpPr>
+          <p:cNvPr id="28" name="Straight Arrow Connector 27"/>
+          <p:cNvCxnSpPr>
+            <a:stCxn id="6" idx="2"/>
+            <a:endCxn id="7" idx="0"/>
+          </p:cNvCxnSpPr>
+          <p:nvPr/>
+        </p:nvCxnSpPr>
+        <p:spPr>
+          <a:xfrm>
+            <a:off x="3244788" y="3113781"/>
+            <a:ext cx="0" cy="905478"/>
+          </a:xfrm>
+          <a:prstGeom prst="straightConnector1">
+            <a:avLst/>
+          </a:prstGeom>
+          <a:ln w="38100">
+            <a:solidFill>
+              <a:schemeClr val="bg1"/>
+            </a:solidFill>
+            <a:headEnd type="triangle" w="lg" len="lg"/>
+            <a:tailEnd type="triangle" w="lg" len="lg"/>
+          </a:ln>
+        </p:spPr>
+        <p:style>
+          <a:lnRef idx="1">
+            <a:schemeClr val="accent1"/>
+          </a:lnRef>
+          <a:fillRef idx="0">
+            <a:schemeClr val="accent1"/>
+          </a:fillRef>
+          <a:effectRef idx="0">
+            <a:schemeClr val="accent1"/>
+          </a:effectRef>
+          <a:fontRef idx="minor">
+            <a:schemeClr val="tx1"/>
+          </a:fontRef>
+        </p:style>
+      </p:cxnSp>
+      <p:cxnSp>
+        <p:nvCxnSpPr>
+          <p:cNvPr id="31" name="Straight Arrow Connector 30"/>
+          <p:cNvCxnSpPr/>
+          <p:nvPr/>
+        </p:nvCxnSpPr>
+        <p:spPr>
+          <a:xfrm>
+            <a:off x="2783632" y="1412776"/>
+            <a:ext cx="0" cy="905477"/>
+          </a:xfrm>
+          <a:prstGeom prst="straightConnector1">
+            <a:avLst/>
+          </a:prstGeom>
+          <a:ln w="38100">
+            <a:solidFill>
+              <a:schemeClr val="bg1"/>
+            </a:solidFill>
+            <a:prstDash val="sysDash"/>
+            <a:headEnd type="triangle" w="lg" len="lg"/>
+            <a:tailEnd type="none" w="lg" len="lg"/>
+          </a:ln>
+        </p:spPr>
+        <p:style>
+          <a:lnRef idx="1">
+            <a:schemeClr val="accent1"/>
+          </a:lnRef>
+          <a:fillRef idx="0">
+            <a:schemeClr val="accent1"/>
+          </a:fillRef>
+          <a:effectRef idx="0">
+            <a:schemeClr val="accent1"/>
+          </a:effectRef>
+          <a:fontRef idx="minor">
+            <a:schemeClr val="tx1"/>
+          </a:fontRef>
+        </p:style>
+      </p:cxnSp>
+      <p:cxnSp>
+        <p:nvCxnSpPr>
+          <p:cNvPr id="34" name="Straight Arrow Connector 33"/>
+          <p:cNvCxnSpPr>
+            <a:stCxn id="5" idx="3"/>
+            <a:endCxn id="4" idx="1"/>
+          </p:cNvCxnSpPr>
+          <p:nvPr/>
+        </p:nvCxnSpPr>
+        <p:spPr>
+          <a:xfrm>
+            <a:off x="5879976" y="1016732"/>
+            <a:ext cx="2088232" cy="1720"/>
+          </a:xfrm>
+          <a:prstGeom prst="straightConnector1">
+            <a:avLst/>
+          </a:prstGeom>
+          <a:ln w="38100">
+            <a:solidFill>
+              <a:schemeClr val="bg1"/>
+            </a:solidFill>
+            <a:headEnd type="triangle" w="lg" len="lg"/>
+            <a:tailEnd type="triangle" w="lg" len="lg"/>
+          </a:ln>
+        </p:spPr>
+        <p:style>
+          <a:lnRef idx="1">
+            <a:schemeClr val="accent1"/>
+          </a:lnRef>
+          <a:fillRef idx="0">
+            <a:schemeClr val="accent1"/>
+          </a:fillRef>
+          <a:effectRef idx="0">
+            <a:schemeClr val="accent1"/>
+          </a:effectRef>
+          <a:fontRef idx="minor">
+            <a:schemeClr val="tx1"/>
+          </a:fontRef>
+        </p:style>
+      </p:cxnSp>
+      <p:sp>
+        <p:nvSpPr>
+          <p:cNvPr id="2" name="TextBox 1"/>
+          <p:cNvSpPr txBox="1"/>
+          <p:nvPr/>
+        </p:nvSpPr>
+        <p:spPr>
+          <a:xfrm flipH="1">
+            <a:off x="191344" y="1693344"/>
+            <a:ext cx="2295799" cy="369332"/>
           </a:xfrm>
           <a:prstGeom prst="rect">
             <a:avLst/>
           </a:prstGeom>
-        </p:spPr>
-      </p:pic>
-      <p:pic>
-        <p:nvPicPr>
-          <p:cNvPr id="6" name="Content Placeholder 3"/>
-          <p:cNvPicPr>
-            <a:picLocks noChangeAspect="1"/>
-          </p:cNvPicPr>
+          <a:noFill/>
+        </p:spPr>
+        <p:txBody>
+          <a:bodyPr wrap="square" rtlCol="0">
+            <a:spAutoFit/>
+          </a:bodyPr>
+          <a:lstStyle/>
+          <a:p>
+            <a:pPr algn="r"/>
+            <a:r>
+              <a:rPr lang="en-US" dirty="0" err="1" smtClean="0">
+                <a:solidFill>
+                  <a:schemeClr val="bg1"/>
+                </a:solidFill>
+              </a:rPr>
+              <a:t>ContentObserver</a:t>
+            </a:r>
+            <a:endParaRPr lang="en-US" dirty="0">
+              <a:solidFill>
+                <a:schemeClr val="bg1"/>
+              </a:solidFill>
+            </a:endParaRPr>
+          </a:p>
+        </p:txBody>
+      </p:sp>
+      <p:cxnSp>
+        <p:nvCxnSpPr>
+          <p:cNvPr id="19" name="Straight Arrow Connector 18"/>
+          <p:cNvCxnSpPr>
+            <a:stCxn id="5" idx="2"/>
+            <a:endCxn id="6" idx="0"/>
+          </p:cNvCxnSpPr>
           <p:nvPr/>
-        </p:nvPicPr>
-        <p:blipFill>
-          <a:blip r:embed="rId3" cstate="print">
-            <a:extLst>
-              <a:ext uri="{28A0092B-C50C-407E-A947-70E740481C1C}">
-                <a14:useLocalDpi xmlns:a14="http://schemas.microsoft.com/office/drawing/2010/main" val="0"/>
-              </a:ext>
-            </a:extLst>
-          </a:blip>
-          <a:stretch>
-            <a:fillRect/>
-          </a:stretch>
-        </p:blipFill>
-        <p:spPr>
-          <a:xfrm>
-            <a:off x="4821924" y="1600200"/>
-            <a:ext cx="2545853" cy="4525962"/>
+        </p:nvCxnSpPr>
+        <p:spPr>
+          <a:xfrm>
+            <a:off x="3244788" y="1412776"/>
+            <a:ext cx="0" cy="905477"/>
+          </a:xfrm>
+          <a:prstGeom prst="straightConnector1">
+            <a:avLst/>
+          </a:prstGeom>
+          <a:ln w="38100">
+            <a:solidFill>
+              <a:schemeClr val="bg1"/>
+            </a:solidFill>
+            <a:headEnd type="triangle" w="lg" len="lg"/>
+            <a:tailEnd type="triangle" w="lg" len="lg"/>
+          </a:ln>
+        </p:spPr>
+        <p:style>
+          <a:lnRef idx="1">
+            <a:schemeClr val="accent1"/>
+          </a:lnRef>
+          <a:fillRef idx="0">
+            <a:schemeClr val="accent1"/>
+          </a:fillRef>
+          <a:effectRef idx="0">
+            <a:schemeClr val="accent1"/>
+          </a:effectRef>
+          <a:fontRef idx="minor">
+            <a:schemeClr val="tx1"/>
+          </a:fontRef>
+        </p:style>
+      </p:cxnSp>
+      <p:sp>
+        <p:nvSpPr>
+          <p:cNvPr id="23" name="TextBox 22"/>
+          <p:cNvSpPr txBox="1"/>
+          <p:nvPr/>
+        </p:nvSpPr>
+        <p:spPr>
+          <a:xfrm flipH="1">
+            <a:off x="3440161" y="1693344"/>
+            <a:ext cx="3447927" cy="369332"/>
           </a:xfrm>
           <a:prstGeom prst="rect">
             <a:avLst/>
           </a:prstGeom>
-        </p:spPr>
-      </p:pic>
-      <p:pic>
-        <p:nvPicPr>
-          <p:cNvPr id="8" name="Content Placeholder 3"/>
-          <p:cNvPicPr>
-            <a:picLocks noChangeAspect="1"/>
-          </p:cNvPicPr>
+          <a:noFill/>
+        </p:spPr>
+        <p:txBody>
+          <a:bodyPr wrap="square" rtlCol="0">
+            <a:spAutoFit/>
+          </a:bodyPr>
+          <a:lstStyle/>
+          <a:p>
+            <a:r>
+              <a:rPr lang="en-US" dirty="0" err="1" smtClean="0">
+                <a:solidFill>
+                  <a:schemeClr val="bg1"/>
+                </a:solidFill>
+              </a:rPr>
+              <a:t>ContentResolver.query</a:t>
+            </a:r>
+            <a:r>
+              <a:rPr lang="en-US" dirty="0" smtClean="0">
+                <a:solidFill>
+                  <a:schemeClr val="bg1"/>
+                </a:solidFill>
+              </a:rPr>
+              <a:t>()</a:t>
+            </a:r>
+            <a:endParaRPr lang="en-US" dirty="0">
+              <a:solidFill>
+                <a:schemeClr val="bg1"/>
+              </a:solidFill>
+            </a:endParaRPr>
+          </a:p>
+        </p:txBody>
+      </p:sp>
+      <p:grpSp>
+        <p:nvGrpSpPr>
+          <p:cNvPr id="15" name="Group 14"/>
+          <p:cNvGrpSpPr/>
           <p:nvPr/>
-        </p:nvPicPr>
-        <p:blipFill>
-          <a:blip r:embed="rId4" cstate="print">
-            <a:extLst>
-              <a:ext uri="{28A0092B-C50C-407E-A947-70E740481C1C}">
-                <a14:useLocalDpi xmlns:a14="http://schemas.microsoft.com/office/drawing/2010/main" val="0"/>
-              </a:ext>
-            </a:extLst>
-          </a:blip>
-          <a:stretch>
-            <a:fillRect/>
-          </a:stretch>
-        </p:blipFill>
-        <p:spPr>
-          <a:xfrm>
-            <a:off x="7633205" y="1600200"/>
-            <a:ext cx="2545854" cy="4525962"/>
+        </p:nvGrpSpPr>
+        <p:grpSpPr>
+          <a:xfrm>
+            <a:off x="3368152" y="5917312"/>
+            <a:ext cx="2871864" cy="795528"/>
+            <a:chOff x="3440160" y="5517232"/>
+            <a:chExt cx="2871864" cy="795528"/>
+          </a:xfrm>
+        </p:grpSpPr>
+        <p:sp>
+          <p:nvSpPr>
+            <p:cNvPr id="14" name="Rounded Rectangular Callout 13"/>
+            <p:cNvSpPr/>
+            <p:nvPr/>
+          </p:nvSpPr>
+          <p:spPr>
+            <a:xfrm>
+              <a:off x="3440160" y="5517232"/>
+              <a:ext cx="2871864" cy="795528"/>
+            </a:xfrm>
+            <a:prstGeom prst="wedgeRoundRectCallout">
+              <a:avLst>
+                <a:gd name="adj1" fmla="val -61628"/>
+                <a:gd name="adj2" fmla="val -32088"/>
+                <a:gd name="adj3" fmla="val 16667"/>
+              </a:avLst>
+            </a:prstGeom>
+            <a:solidFill>
+              <a:srgbClr val="FFFFFF">
+                <a:alpha val="20000"/>
+              </a:srgbClr>
+            </a:solidFill>
+            <a:ln w="19050">
+              <a:solidFill>
+                <a:schemeClr val="bg1"/>
+              </a:solidFill>
+            </a:ln>
+          </p:spPr>
+          <p:style>
+            <a:lnRef idx="2">
+              <a:schemeClr val="accent1">
+                <a:shade val="50000"/>
+              </a:schemeClr>
+            </a:lnRef>
+            <a:fillRef idx="1">
+              <a:schemeClr val="accent1"/>
+            </a:fillRef>
+            <a:effectRef idx="0">
+              <a:schemeClr val="accent1"/>
+            </a:effectRef>
+            <a:fontRef idx="minor">
+              <a:schemeClr val="lt1"/>
+            </a:fontRef>
+          </p:style>
+          <p:txBody>
+            <a:bodyPr rtlCol="0" anchor="ctr"/>
+            <a:lstStyle/>
+            <a:p>
+              <a:pPr algn="ctr"/>
+              <a:endParaRPr lang="en-US"/>
+            </a:p>
+          </p:txBody>
+        </p:sp>
+        <p:sp>
+          <p:nvSpPr>
+            <p:cNvPr id="24" name="TextBox 23"/>
+            <p:cNvSpPr txBox="1"/>
+            <p:nvPr/>
+          </p:nvSpPr>
+          <p:spPr>
+            <a:xfrm flipH="1">
+              <a:off x="3440160" y="5574239"/>
+              <a:ext cx="2871864" cy="646331"/>
+            </a:xfrm>
+            <a:prstGeom prst="rect">
+              <a:avLst/>
+            </a:prstGeom>
+            <a:noFill/>
+          </p:spPr>
+          <p:txBody>
+            <a:bodyPr wrap="square" rtlCol="0">
+              <a:spAutoFit/>
+            </a:bodyPr>
+            <a:lstStyle/>
+            <a:p>
+              <a:pPr algn="ctr"/>
+              <a:r>
+                <a:rPr lang="en-US" i="1" dirty="0" smtClean="0">
+                  <a:solidFill>
+                    <a:schemeClr val="bg1"/>
+                  </a:solidFill>
+                </a:rPr>
+                <a:t>Hey, this would be a great moment to synchronize!</a:t>
+              </a:r>
+              <a:endParaRPr lang="en-US" i="1" dirty="0">
+                <a:solidFill>
+                  <a:schemeClr val="bg1"/>
+                </a:solidFill>
+              </a:endParaRPr>
+            </a:p>
+          </p:txBody>
+        </p:sp>
+      </p:grpSp>
+      <p:sp>
+        <p:nvSpPr>
+          <p:cNvPr id="30" name="TextBox 29"/>
+          <p:cNvSpPr txBox="1"/>
+          <p:nvPr/>
+        </p:nvSpPr>
+        <p:spPr>
+          <a:xfrm flipH="1">
+            <a:off x="3440161" y="3365918"/>
+            <a:ext cx="3096344" cy="369332"/>
           </a:xfrm>
           <a:prstGeom prst="rect">
             <a:avLst/>
           </a:prstGeom>
-        </p:spPr>
-      </p:pic>
+          <a:noFill/>
+        </p:spPr>
+        <p:txBody>
+          <a:bodyPr wrap="square" rtlCol="0">
+            <a:spAutoFit/>
+          </a:bodyPr>
+          <a:lstStyle/>
+          <a:p>
+            <a:r>
+              <a:rPr lang="en-US" dirty="0" err="1" smtClean="0">
+                <a:solidFill>
+                  <a:schemeClr val="bg1"/>
+                </a:solidFill>
+              </a:rPr>
+              <a:t>ContentResolver.insert</a:t>
+            </a:r>
+            <a:r>
+              <a:rPr lang="en-US" dirty="0" smtClean="0">
+                <a:solidFill>
+                  <a:schemeClr val="bg1"/>
+                </a:solidFill>
+              </a:rPr>
+              <a:t>()</a:t>
+            </a:r>
+            <a:endParaRPr lang="en-US" dirty="0">
+              <a:solidFill>
+                <a:schemeClr val="bg1"/>
+              </a:solidFill>
+            </a:endParaRPr>
+          </a:p>
+        </p:txBody>
+      </p:sp>
     </p:spTree>
     <p:extLst>
       <p:ext uri="{BB962C8B-B14F-4D97-AF65-F5344CB8AC3E}">
-        <p14:creationId xmlns:p14="http://schemas.microsoft.com/office/powerpoint/2010/main" val="2885989042"/>
+        <p14:creationId xmlns:p14="http://schemas.microsoft.com/office/powerpoint/2010/main" val="723182950"/>
       </p:ext>
     </p:extLst>
   </p:cSld>
   <p:clrMapOvr>
     <a:masterClrMapping/>
   </p:clrMapOvr>
-  <mc:AlternateContent xmlns:mc="http://schemas.openxmlformats.org/markup-compatibility/2006" xmlns:p14="http://schemas.microsoft.com/office/powerpoint/2010/main">
-    <mc:Choice Requires="p14">
+  <mc:AlternateContent xmlns:mc="http://schemas.openxmlformats.org/markup-compatibility/2006">
+    <mc:Choice xmlns:p14="http://schemas.microsoft.com/office/powerpoint/2010/main" Requires="p14">
       <p:transition p14:dur="250">
         <p14:reveal/>
       </p:transition>
     </mc:Choice>
-    <mc:Fallback xmlns="">
+    <mc:Fallback>
       <p:transition>
         <p:fade/>
       </p:transition>
@@ -12242,6 +13206,1527 @@
       </p:grpSpPr>
       <p:sp>
         <p:nvSpPr>
+          <p:cNvPr id="4" name="Rounded Rectangle 3"/>
+          <p:cNvSpPr/>
+          <p:nvPr/>
+        </p:nvSpPr>
+        <p:spPr>
+          <a:xfrm>
+            <a:off x="7968208" y="620688"/>
+            <a:ext cx="2822104" cy="795528"/>
+          </a:xfrm>
+          <a:prstGeom prst="roundRect">
+            <a:avLst/>
+          </a:prstGeom>
+          <a:solidFill>
+            <a:srgbClr val="F8C02B"/>
+          </a:solidFill>
+          <a:ln/>
+        </p:spPr>
+        <p:style>
+          <a:lnRef idx="3">
+            <a:schemeClr val="lt1"/>
+          </a:lnRef>
+          <a:fillRef idx="1">
+            <a:schemeClr val="accent6"/>
+          </a:fillRef>
+          <a:effectRef idx="1">
+            <a:schemeClr val="accent6"/>
+          </a:effectRef>
+          <a:fontRef idx="minor">
+            <a:schemeClr val="lt1"/>
+          </a:fontRef>
+        </p:style>
+        <p:txBody>
+          <a:bodyPr rtlCol="0" anchor="ctr"/>
+          <a:lstStyle/>
+          <a:p>
+            <a:pPr algn="ctr"/>
+            <a:r>
+              <a:rPr lang="en-US" sz="2800" b="1" dirty="0" smtClean="0">
+                <a:solidFill>
+                  <a:schemeClr val="bg1"/>
+                </a:solidFill>
+              </a:rPr>
+              <a:t>UI</a:t>
+            </a:r>
+            <a:endParaRPr lang="en-US" sz="2800" b="1" dirty="0">
+              <a:solidFill>
+                <a:schemeClr val="bg1"/>
+              </a:solidFill>
+            </a:endParaRPr>
+          </a:p>
+        </p:txBody>
+      </p:sp>
+      <p:sp>
+        <p:nvSpPr>
+          <p:cNvPr id="5" name="Rounded Rectangle 4"/>
+          <p:cNvSpPr/>
+          <p:nvPr/>
+        </p:nvSpPr>
+        <p:spPr>
+          <a:xfrm>
+            <a:off x="609600" y="620688"/>
+            <a:ext cx="5270376" cy="792088"/>
+          </a:xfrm>
+          <a:prstGeom prst="roundRect">
+            <a:avLst/>
+          </a:prstGeom>
+          <a:solidFill>
+            <a:srgbClr val="4CC4B9"/>
+          </a:solidFill>
+          <a:ln/>
+        </p:spPr>
+        <p:style>
+          <a:lnRef idx="3">
+            <a:schemeClr val="lt1"/>
+          </a:lnRef>
+          <a:fillRef idx="1">
+            <a:schemeClr val="accent6"/>
+          </a:fillRef>
+          <a:effectRef idx="1">
+            <a:schemeClr val="accent6"/>
+          </a:effectRef>
+          <a:fontRef idx="minor">
+            <a:schemeClr val="lt1"/>
+          </a:fontRef>
+        </p:style>
+        <p:txBody>
+          <a:bodyPr rtlCol="0" anchor="ctr"/>
+          <a:lstStyle/>
+          <a:p>
+            <a:pPr algn="ctr"/>
+            <a:r>
+              <a:rPr lang="en-US" sz="2800" b="1" dirty="0" err="1" smtClean="0">
+                <a:solidFill>
+                  <a:schemeClr val="bg1"/>
+                </a:solidFill>
+              </a:rPr>
+              <a:t>CursorLoader</a:t>
+            </a:r>
+            <a:endParaRPr lang="en-US" sz="2800" b="1" dirty="0">
+              <a:solidFill>
+                <a:schemeClr val="bg1"/>
+              </a:solidFill>
+            </a:endParaRPr>
+          </a:p>
+        </p:txBody>
+      </p:sp>
+      <p:sp>
+        <p:nvSpPr>
+          <p:cNvPr id="6" name="Rounded Rectangle 5"/>
+          <p:cNvSpPr/>
+          <p:nvPr/>
+        </p:nvSpPr>
+        <p:spPr>
+          <a:xfrm>
+            <a:off x="609600" y="2318253"/>
+            <a:ext cx="5270376" cy="795528"/>
+          </a:xfrm>
+          <a:prstGeom prst="roundRect">
+            <a:avLst/>
+          </a:prstGeom>
+          <a:solidFill>
+            <a:srgbClr val="9AD21C"/>
+          </a:solidFill>
+          <a:ln/>
+        </p:spPr>
+        <p:style>
+          <a:lnRef idx="3">
+            <a:schemeClr val="lt1"/>
+          </a:lnRef>
+          <a:fillRef idx="1">
+            <a:schemeClr val="accent6"/>
+          </a:fillRef>
+          <a:effectRef idx="1">
+            <a:schemeClr val="accent6"/>
+          </a:effectRef>
+          <a:fontRef idx="minor">
+            <a:schemeClr val="lt1"/>
+          </a:fontRef>
+        </p:style>
+        <p:txBody>
+          <a:bodyPr rtlCol="0" anchor="ctr"/>
+          <a:lstStyle/>
+          <a:p>
+            <a:pPr algn="ctr"/>
+            <a:r>
+              <a:rPr lang="en-US" sz="2800" b="1" dirty="0" err="1" smtClean="0">
+                <a:solidFill>
+                  <a:schemeClr val="bg1"/>
+                </a:solidFill>
+              </a:rPr>
+              <a:t>ContentProvider</a:t>
+            </a:r>
+            <a:endParaRPr lang="en-US" sz="2800" b="1" dirty="0">
+              <a:solidFill>
+                <a:schemeClr val="bg1"/>
+              </a:solidFill>
+            </a:endParaRPr>
+          </a:p>
+        </p:txBody>
+      </p:sp>
+      <p:sp>
+        <p:nvSpPr>
+          <p:cNvPr id="7" name="Rounded Rectangle 6"/>
+          <p:cNvSpPr/>
+          <p:nvPr/>
+        </p:nvSpPr>
+        <p:spPr>
+          <a:xfrm>
+            <a:off x="4288904" y="4023919"/>
+            <a:ext cx="2825496" cy="795528"/>
+          </a:xfrm>
+          <a:prstGeom prst="roundRect">
+            <a:avLst/>
+          </a:prstGeom>
+          <a:solidFill>
+            <a:schemeClr val="accent4">
+              <a:lumMod val="75000"/>
+            </a:schemeClr>
+          </a:solidFill>
+          <a:ln/>
+        </p:spPr>
+        <p:style>
+          <a:lnRef idx="3">
+            <a:schemeClr val="lt1"/>
+          </a:lnRef>
+          <a:fillRef idx="1">
+            <a:schemeClr val="accent6"/>
+          </a:fillRef>
+          <a:effectRef idx="1">
+            <a:schemeClr val="accent6"/>
+          </a:effectRef>
+          <a:fontRef idx="minor">
+            <a:schemeClr val="lt1"/>
+          </a:fontRef>
+        </p:style>
+        <p:txBody>
+          <a:bodyPr rtlCol="0" anchor="ctr"/>
+          <a:lstStyle/>
+          <a:p>
+            <a:pPr algn="ctr"/>
+            <a:r>
+              <a:rPr lang="en-US" sz="2800" b="1" dirty="0" err="1" smtClean="0">
+                <a:solidFill>
+                  <a:schemeClr val="bg1"/>
+                </a:solidFill>
+              </a:rPr>
+              <a:t>SyncAdapter</a:t>
+            </a:r>
+            <a:endParaRPr lang="en-US" sz="2800" b="1" dirty="0">
+              <a:solidFill>
+                <a:schemeClr val="bg1"/>
+              </a:solidFill>
+            </a:endParaRPr>
+          </a:p>
+        </p:txBody>
+      </p:sp>
+      <p:sp>
+        <p:nvSpPr>
+          <p:cNvPr id="8" name="Rounded Rectangle 7"/>
+          <p:cNvSpPr/>
+          <p:nvPr/>
+        </p:nvSpPr>
+        <p:spPr>
+          <a:xfrm>
+            <a:off x="7968208" y="4019259"/>
+            <a:ext cx="2822104" cy="795528"/>
+          </a:xfrm>
+          <a:prstGeom prst="roundRect">
+            <a:avLst/>
+          </a:prstGeom>
+          <a:solidFill>
+            <a:schemeClr val="accent5">
+              <a:lumMod val="75000"/>
+            </a:schemeClr>
+          </a:solidFill>
+          <a:ln/>
+        </p:spPr>
+        <p:style>
+          <a:lnRef idx="3">
+            <a:schemeClr val="lt1"/>
+          </a:lnRef>
+          <a:fillRef idx="1">
+            <a:schemeClr val="accent6"/>
+          </a:fillRef>
+          <a:effectRef idx="1">
+            <a:schemeClr val="accent6"/>
+          </a:effectRef>
+          <a:fontRef idx="minor">
+            <a:schemeClr val="lt1"/>
+          </a:fontRef>
+        </p:style>
+        <p:txBody>
+          <a:bodyPr rtlCol="0" anchor="ctr"/>
+          <a:lstStyle/>
+          <a:p>
+            <a:pPr algn="ctr"/>
+            <a:r>
+              <a:rPr lang="en-US" sz="2800" b="1" dirty="0" smtClean="0">
+                <a:solidFill>
+                  <a:schemeClr val="bg1"/>
+                </a:solidFill>
+              </a:rPr>
+              <a:t>Network</a:t>
+            </a:r>
+            <a:endParaRPr lang="en-US" sz="2800" b="1" dirty="0">
+              <a:solidFill>
+                <a:schemeClr val="bg1"/>
+              </a:solidFill>
+            </a:endParaRPr>
+          </a:p>
+        </p:txBody>
+      </p:sp>
+      <p:sp>
+        <p:nvSpPr>
+          <p:cNvPr id="10" name="Cloud 9"/>
+          <p:cNvSpPr/>
+          <p:nvPr/>
+        </p:nvSpPr>
+        <p:spPr>
+          <a:xfrm>
+            <a:off x="9955323" y="5517232"/>
+            <a:ext cx="2088232" cy="1484784"/>
+          </a:xfrm>
+          <a:prstGeom prst="cloud">
+            <a:avLst/>
+          </a:prstGeom>
+          <a:solidFill>
+            <a:schemeClr val="bg1">
+              <a:lumMod val="65000"/>
+            </a:schemeClr>
+          </a:solidFill>
+          <a:ln>
+            <a:solidFill>
+              <a:schemeClr val="bg1"/>
+            </a:solidFill>
+          </a:ln>
+        </p:spPr>
+        <p:style>
+          <a:lnRef idx="2">
+            <a:schemeClr val="accent1">
+              <a:shade val="50000"/>
+            </a:schemeClr>
+          </a:lnRef>
+          <a:fillRef idx="1">
+            <a:schemeClr val="accent1"/>
+          </a:fillRef>
+          <a:effectRef idx="0">
+            <a:schemeClr val="accent1"/>
+          </a:effectRef>
+          <a:fontRef idx="minor">
+            <a:schemeClr val="lt1"/>
+          </a:fontRef>
+        </p:style>
+        <p:txBody>
+          <a:bodyPr rtlCol="0" anchor="ctr"/>
+          <a:lstStyle/>
+          <a:p>
+            <a:pPr algn="ctr"/>
+            <a:r>
+              <a:rPr lang="en-US" dirty="0" err="1" smtClean="0">
+                <a:latin typeface="Arial Black" panose="020B0A04020102020204" pitchFamily="34" charset="0"/>
+              </a:rPr>
+              <a:t>ze</a:t>
+            </a:r>
+            <a:r>
+              <a:rPr lang="en-US" dirty="0" smtClean="0">
+                <a:latin typeface="Arial Black" panose="020B0A04020102020204" pitchFamily="34" charset="0"/>
+              </a:rPr>
+              <a:t> internet</a:t>
+            </a:r>
+            <a:endParaRPr lang="en-US" dirty="0">
+              <a:latin typeface="Arial Black" panose="020B0A04020102020204" pitchFamily="34" charset="0"/>
+            </a:endParaRPr>
+          </a:p>
+        </p:txBody>
+      </p:sp>
+      <p:cxnSp>
+        <p:nvCxnSpPr>
+          <p:cNvPr id="12" name="Elbow Connector 11"/>
+          <p:cNvCxnSpPr>
+            <a:stCxn id="8" idx="2"/>
+            <a:endCxn id="10" idx="2"/>
+          </p:cNvCxnSpPr>
+          <p:nvPr/>
+        </p:nvCxnSpPr>
+        <p:spPr>
+          <a:xfrm rot="16200000" flipH="1">
+            <a:off x="8948112" y="5245935"/>
+            <a:ext cx="1444837" cy="582540"/>
+          </a:xfrm>
+          <a:prstGeom prst="bentConnector2">
+            <a:avLst/>
+          </a:prstGeom>
+          <a:ln w="38100">
+            <a:solidFill>
+              <a:schemeClr val="bg1"/>
+            </a:solidFill>
+            <a:headEnd type="triangle" w="lg" len="lg"/>
+            <a:tailEnd type="triangle" w="lg" len="lg"/>
+          </a:ln>
+        </p:spPr>
+        <p:style>
+          <a:lnRef idx="1">
+            <a:schemeClr val="accent1"/>
+          </a:lnRef>
+          <a:fillRef idx="0">
+            <a:schemeClr val="accent1"/>
+          </a:fillRef>
+          <a:effectRef idx="0">
+            <a:schemeClr val="accent1"/>
+          </a:effectRef>
+          <a:fontRef idx="minor">
+            <a:schemeClr val="tx1"/>
+          </a:fontRef>
+        </p:style>
+      </p:cxnSp>
+      <p:cxnSp>
+        <p:nvCxnSpPr>
+          <p:cNvPr id="25" name="Straight Arrow Connector 24"/>
+          <p:cNvCxnSpPr>
+            <a:stCxn id="7" idx="3"/>
+            <a:endCxn id="8" idx="1"/>
+          </p:cNvCxnSpPr>
+          <p:nvPr/>
+        </p:nvCxnSpPr>
+        <p:spPr>
+          <a:xfrm flipV="1">
+            <a:off x="7114400" y="4417023"/>
+            <a:ext cx="853808" cy="4660"/>
+          </a:xfrm>
+          <a:prstGeom prst="straightConnector1">
+            <a:avLst/>
+          </a:prstGeom>
+          <a:ln w="38100">
+            <a:solidFill>
+              <a:schemeClr val="bg1"/>
+            </a:solidFill>
+            <a:headEnd type="triangle" w="lg" len="lg"/>
+            <a:tailEnd type="triangle" w="lg" len="lg"/>
+          </a:ln>
+        </p:spPr>
+        <p:style>
+          <a:lnRef idx="1">
+            <a:schemeClr val="accent1"/>
+          </a:lnRef>
+          <a:fillRef idx="0">
+            <a:schemeClr val="accent1"/>
+          </a:fillRef>
+          <a:effectRef idx="0">
+            <a:schemeClr val="accent1"/>
+          </a:effectRef>
+          <a:fontRef idx="minor">
+            <a:schemeClr val="tx1"/>
+          </a:fontRef>
+        </p:style>
+      </p:cxnSp>
+      <p:cxnSp>
+        <p:nvCxnSpPr>
+          <p:cNvPr id="31" name="Straight Arrow Connector 30"/>
+          <p:cNvCxnSpPr/>
+          <p:nvPr/>
+        </p:nvCxnSpPr>
+        <p:spPr>
+          <a:xfrm>
+            <a:off x="2783632" y="1412776"/>
+            <a:ext cx="0" cy="905477"/>
+          </a:xfrm>
+          <a:prstGeom prst="straightConnector1">
+            <a:avLst/>
+          </a:prstGeom>
+          <a:ln w="38100">
+            <a:solidFill>
+              <a:schemeClr val="bg1"/>
+            </a:solidFill>
+            <a:prstDash val="sysDash"/>
+            <a:headEnd type="triangle" w="lg" len="lg"/>
+            <a:tailEnd type="none" w="lg" len="lg"/>
+          </a:ln>
+        </p:spPr>
+        <p:style>
+          <a:lnRef idx="1">
+            <a:schemeClr val="accent1"/>
+          </a:lnRef>
+          <a:fillRef idx="0">
+            <a:schemeClr val="accent1"/>
+          </a:fillRef>
+          <a:effectRef idx="0">
+            <a:schemeClr val="accent1"/>
+          </a:effectRef>
+          <a:fontRef idx="minor">
+            <a:schemeClr val="tx1"/>
+          </a:fontRef>
+        </p:style>
+      </p:cxnSp>
+      <p:cxnSp>
+        <p:nvCxnSpPr>
+          <p:cNvPr id="34" name="Straight Arrow Connector 33"/>
+          <p:cNvCxnSpPr>
+            <a:stCxn id="5" idx="3"/>
+            <a:endCxn id="4" idx="1"/>
+          </p:cNvCxnSpPr>
+          <p:nvPr/>
+        </p:nvCxnSpPr>
+        <p:spPr>
+          <a:xfrm>
+            <a:off x="5879976" y="1016732"/>
+            <a:ext cx="2088232" cy="1720"/>
+          </a:xfrm>
+          <a:prstGeom prst="straightConnector1">
+            <a:avLst/>
+          </a:prstGeom>
+          <a:ln w="38100">
+            <a:solidFill>
+              <a:schemeClr val="bg1"/>
+            </a:solidFill>
+            <a:headEnd type="triangle" w="lg" len="lg"/>
+            <a:tailEnd type="triangle" w="lg" len="lg"/>
+          </a:ln>
+        </p:spPr>
+        <p:style>
+          <a:lnRef idx="1">
+            <a:schemeClr val="accent1"/>
+          </a:lnRef>
+          <a:fillRef idx="0">
+            <a:schemeClr val="accent1"/>
+          </a:fillRef>
+          <a:effectRef idx="0">
+            <a:schemeClr val="accent1"/>
+          </a:effectRef>
+          <a:fontRef idx="minor">
+            <a:schemeClr val="tx1"/>
+          </a:fontRef>
+        </p:style>
+      </p:cxnSp>
+      <p:sp>
+        <p:nvSpPr>
+          <p:cNvPr id="2" name="TextBox 1"/>
+          <p:cNvSpPr txBox="1"/>
+          <p:nvPr/>
+        </p:nvSpPr>
+        <p:spPr>
+          <a:xfrm flipH="1">
+            <a:off x="191344" y="1693344"/>
+            <a:ext cx="2295799" cy="369332"/>
+          </a:xfrm>
+          <a:prstGeom prst="rect">
+            <a:avLst/>
+          </a:prstGeom>
+          <a:noFill/>
+        </p:spPr>
+        <p:txBody>
+          <a:bodyPr wrap="square" rtlCol="0">
+            <a:spAutoFit/>
+          </a:bodyPr>
+          <a:lstStyle/>
+          <a:p>
+            <a:pPr algn="r"/>
+            <a:r>
+              <a:rPr lang="en-US" dirty="0" err="1" smtClean="0">
+                <a:solidFill>
+                  <a:schemeClr val="bg1"/>
+                </a:solidFill>
+              </a:rPr>
+              <a:t>ContentObserver</a:t>
+            </a:r>
+            <a:endParaRPr lang="en-US" dirty="0">
+              <a:solidFill>
+                <a:schemeClr val="bg1"/>
+              </a:solidFill>
+            </a:endParaRPr>
+          </a:p>
+        </p:txBody>
+      </p:sp>
+      <p:cxnSp>
+        <p:nvCxnSpPr>
+          <p:cNvPr id="19" name="Straight Arrow Connector 18"/>
+          <p:cNvCxnSpPr>
+            <a:stCxn id="5" idx="2"/>
+            <a:endCxn id="6" idx="0"/>
+          </p:cNvCxnSpPr>
+          <p:nvPr/>
+        </p:nvCxnSpPr>
+        <p:spPr>
+          <a:xfrm>
+            <a:off x="3244788" y="1412776"/>
+            <a:ext cx="0" cy="905477"/>
+          </a:xfrm>
+          <a:prstGeom prst="straightConnector1">
+            <a:avLst/>
+          </a:prstGeom>
+          <a:ln w="38100">
+            <a:solidFill>
+              <a:schemeClr val="bg1"/>
+            </a:solidFill>
+            <a:headEnd type="triangle" w="lg" len="lg"/>
+            <a:tailEnd type="triangle" w="lg" len="lg"/>
+          </a:ln>
+        </p:spPr>
+        <p:style>
+          <a:lnRef idx="1">
+            <a:schemeClr val="accent1"/>
+          </a:lnRef>
+          <a:fillRef idx="0">
+            <a:schemeClr val="accent1"/>
+          </a:fillRef>
+          <a:effectRef idx="0">
+            <a:schemeClr val="accent1"/>
+          </a:effectRef>
+          <a:fontRef idx="minor">
+            <a:schemeClr val="tx1"/>
+          </a:fontRef>
+        </p:style>
+      </p:cxnSp>
+      <p:sp>
+        <p:nvSpPr>
+          <p:cNvPr id="23" name="TextBox 22"/>
+          <p:cNvSpPr txBox="1"/>
+          <p:nvPr/>
+        </p:nvSpPr>
+        <p:spPr>
+          <a:xfrm flipH="1">
+            <a:off x="3440161" y="1693344"/>
+            <a:ext cx="3447927" cy="369332"/>
+          </a:xfrm>
+          <a:prstGeom prst="rect">
+            <a:avLst/>
+          </a:prstGeom>
+          <a:noFill/>
+        </p:spPr>
+        <p:txBody>
+          <a:bodyPr wrap="square" rtlCol="0">
+            <a:spAutoFit/>
+          </a:bodyPr>
+          <a:lstStyle/>
+          <a:p>
+            <a:r>
+              <a:rPr lang="en-US" dirty="0" err="1" smtClean="0">
+                <a:solidFill>
+                  <a:schemeClr val="bg1"/>
+                </a:solidFill>
+              </a:rPr>
+              <a:t>ContentResolver.query</a:t>
+            </a:r>
+            <a:r>
+              <a:rPr lang="en-US" dirty="0" smtClean="0">
+                <a:solidFill>
+                  <a:schemeClr val="bg1"/>
+                </a:solidFill>
+              </a:rPr>
+              <a:t>()</a:t>
+            </a:r>
+            <a:endParaRPr lang="en-US" dirty="0">
+              <a:solidFill>
+                <a:schemeClr val="bg1"/>
+              </a:solidFill>
+            </a:endParaRPr>
+          </a:p>
+        </p:txBody>
+      </p:sp>
+      <p:sp>
+        <p:nvSpPr>
+          <p:cNvPr id="30" name="TextBox 29"/>
+          <p:cNvSpPr txBox="1"/>
+          <p:nvPr/>
+        </p:nvSpPr>
+        <p:spPr>
+          <a:xfrm flipH="1">
+            <a:off x="5879976" y="3365918"/>
+            <a:ext cx="3096344" cy="369332"/>
+          </a:xfrm>
+          <a:prstGeom prst="rect">
+            <a:avLst/>
+          </a:prstGeom>
+          <a:noFill/>
+        </p:spPr>
+        <p:txBody>
+          <a:bodyPr wrap="square" rtlCol="0">
+            <a:spAutoFit/>
+          </a:bodyPr>
+          <a:lstStyle/>
+          <a:p>
+            <a:r>
+              <a:rPr lang="en-US" dirty="0" err="1" smtClean="0">
+                <a:solidFill>
+                  <a:schemeClr val="bg1"/>
+                </a:solidFill>
+              </a:rPr>
+              <a:t>ContentResolver.insert</a:t>
+            </a:r>
+            <a:r>
+              <a:rPr lang="en-US" dirty="0" smtClean="0">
+                <a:solidFill>
+                  <a:schemeClr val="bg1"/>
+                </a:solidFill>
+              </a:rPr>
+              <a:t>()</a:t>
+            </a:r>
+            <a:endParaRPr lang="en-US" dirty="0">
+              <a:solidFill>
+                <a:schemeClr val="bg1"/>
+              </a:solidFill>
+            </a:endParaRPr>
+          </a:p>
+        </p:txBody>
+      </p:sp>
+      <p:sp>
+        <p:nvSpPr>
+          <p:cNvPr id="33" name="Rounded Rectangle 32"/>
+          <p:cNvSpPr/>
+          <p:nvPr/>
+        </p:nvSpPr>
+        <p:spPr>
+          <a:xfrm>
+            <a:off x="609600" y="4019259"/>
+            <a:ext cx="2825496" cy="795528"/>
+          </a:xfrm>
+          <a:prstGeom prst="roundRect">
+            <a:avLst/>
+          </a:prstGeom>
+          <a:solidFill>
+            <a:schemeClr val="accent2">
+              <a:lumMod val="75000"/>
+            </a:schemeClr>
+          </a:solidFill>
+          <a:ln/>
+        </p:spPr>
+        <p:style>
+          <a:lnRef idx="3">
+            <a:schemeClr val="lt1"/>
+          </a:lnRef>
+          <a:fillRef idx="1">
+            <a:schemeClr val="accent6"/>
+          </a:fillRef>
+          <a:effectRef idx="1">
+            <a:schemeClr val="accent6"/>
+          </a:effectRef>
+          <a:fontRef idx="minor">
+            <a:schemeClr val="lt1"/>
+          </a:fontRef>
+        </p:style>
+        <p:txBody>
+          <a:bodyPr rtlCol="0" anchor="ctr"/>
+          <a:lstStyle/>
+          <a:p>
+            <a:pPr algn="ctr"/>
+            <a:r>
+              <a:rPr lang="en-US" sz="2800" b="1" dirty="0" smtClean="0">
+                <a:solidFill>
+                  <a:schemeClr val="bg1"/>
+                </a:solidFill>
+              </a:rPr>
+              <a:t>Service</a:t>
+            </a:r>
+            <a:endParaRPr lang="en-US" sz="2800" b="1" dirty="0">
+              <a:solidFill>
+                <a:schemeClr val="bg1"/>
+              </a:solidFill>
+            </a:endParaRPr>
+          </a:p>
+        </p:txBody>
+      </p:sp>
+      <p:cxnSp>
+        <p:nvCxnSpPr>
+          <p:cNvPr id="43" name="Straight Arrow Connector 42"/>
+          <p:cNvCxnSpPr>
+            <a:stCxn id="33" idx="3"/>
+            <a:endCxn id="7" idx="1"/>
+          </p:cNvCxnSpPr>
+          <p:nvPr/>
+        </p:nvCxnSpPr>
+        <p:spPr>
+          <a:xfrm>
+            <a:off x="3435096" y="4417023"/>
+            <a:ext cx="853808" cy="4660"/>
+          </a:xfrm>
+          <a:prstGeom prst="straightConnector1">
+            <a:avLst/>
+          </a:prstGeom>
+          <a:ln w="38100">
+            <a:solidFill>
+              <a:schemeClr val="bg1"/>
+            </a:solidFill>
+            <a:headEnd type="triangle" w="lg" len="lg"/>
+            <a:tailEnd type="triangle" w="lg" len="lg"/>
+          </a:ln>
+        </p:spPr>
+        <p:style>
+          <a:lnRef idx="1">
+            <a:schemeClr val="accent1"/>
+          </a:lnRef>
+          <a:fillRef idx="0">
+            <a:schemeClr val="accent1"/>
+          </a:fillRef>
+          <a:effectRef idx="0">
+            <a:schemeClr val="accent1"/>
+          </a:effectRef>
+          <a:fontRef idx="minor">
+            <a:schemeClr val="tx1"/>
+          </a:fontRef>
+        </p:style>
+      </p:cxnSp>
+      <p:cxnSp>
+        <p:nvCxnSpPr>
+          <p:cNvPr id="46" name="Elbow Connector 45"/>
+          <p:cNvCxnSpPr>
+            <a:stCxn id="6" idx="2"/>
+            <a:endCxn id="7" idx="0"/>
+          </p:cNvCxnSpPr>
+          <p:nvPr/>
+        </p:nvCxnSpPr>
+        <p:spPr>
+          <a:xfrm rot="16200000" flipH="1">
+            <a:off x="4018151" y="2340418"/>
+            <a:ext cx="910138" cy="2456864"/>
+          </a:xfrm>
+          <a:prstGeom prst="bentConnector3">
+            <a:avLst>
+              <a:gd name="adj1" fmla="val 50000"/>
+            </a:avLst>
+          </a:prstGeom>
+          <a:ln w="38100">
+            <a:solidFill>
+              <a:schemeClr val="bg1"/>
+            </a:solidFill>
+            <a:headEnd type="triangle" w="lg" len="lg"/>
+            <a:tailEnd type="triangle" w="lg" len="lg"/>
+          </a:ln>
+        </p:spPr>
+        <p:style>
+          <a:lnRef idx="1">
+            <a:schemeClr val="accent1"/>
+          </a:lnRef>
+          <a:fillRef idx="0">
+            <a:schemeClr val="accent1"/>
+          </a:fillRef>
+          <a:effectRef idx="0">
+            <a:schemeClr val="accent1"/>
+          </a:effectRef>
+          <a:fontRef idx="minor">
+            <a:schemeClr val="tx1"/>
+          </a:fontRef>
+        </p:style>
+      </p:cxnSp>
+      <p:sp>
+        <p:nvSpPr>
+          <p:cNvPr id="21" name="Hexagon 20"/>
+          <p:cNvSpPr/>
+          <p:nvPr/>
+        </p:nvSpPr>
+        <p:spPr>
+          <a:xfrm>
+            <a:off x="479376" y="5517233"/>
+            <a:ext cx="2016224" cy="795528"/>
+          </a:xfrm>
+          <a:prstGeom prst="hexagon">
+            <a:avLst/>
+          </a:prstGeom>
+          <a:solidFill>
+            <a:srgbClr val="FFFF00"/>
+          </a:solidFill>
+          <a:ln>
+            <a:solidFill>
+              <a:schemeClr val="bg1"/>
+            </a:solidFill>
+          </a:ln>
+          <a:effectLst>
+            <a:outerShdw blurRad="50800" dist="38100" dir="5400000" algn="t" rotWithShape="0">
+              <a:prstClr val="black">
+                <a:alpha val="40000"/>
+              </a:prstClr>
+            </a:outerShdw>
+          </a:effectLst>
+        </p:spPr>
+        <p:style>
+          <a:lnRef idx="2">
+            <a:schemeClr val="accent1">
+              <a:shade val="50000"/>
+            </a:schemeClr>
+          </a:lnRef>
+          <a:fillRef idx="1">
+            <a:schemeClr val="accent1"/>
+          </a:fillRef>
+          <a:effectRef idx="0">
+            <a:schemeClr val="accent1"/>
+          </a:effectRef>
+          <a:fontRef idx="minor">
+            <a:schemeClr val="lt1"/>
+          </a:fontRef>
+        </p:style>
+        <p:txBody>
+          <a:bodyPr rtlCol="0" anchor="ctr"/>
+          <a:lstStyle/>
+          <a:p>
+            <a:pPr algn="ctr"/>
+            <a:r>
+              <a:rPr lang="en-US" b="1" dirty="0" smtClean="0">
+                <a:solidFill>
+                  <a:schemeClr val="tx1"/>
+                </a:solidFill>
+              </a:rPr>
+              <a:t>Android Framework</a:t>
+            </a:r>
+            <a:endParaRPr lang="en-US" b="1" dirty="0">
+              <a:solidFill>
+                <a:schemeClr val="tx1"/>
+              </a:solidFill>
+            </a:endParaRPr>
+          </a:p>
+        </p:txBody>
+      </p:sp>
+      <p:cxnSp>
+        <p:nvCxnSpPr>
+          <p:cNvPr id="22" name="Elbow Connector 21"/>
+          <p:cNvCxnSpPr>
+            <a:endCxn id="21" idx="0"/>
+          </p:cNvCxnSpPr>
+          <p:nvPr/>
+        </p:nvCxnSpPr>
+        <p:spPr>
+          <a:xfrm rot="5400000">
+            <a:off x="2147813" y="5162574"/>
+            <a:ext cx="1100210" cy="404636"/>
+          </a:xfrm>
+          <a:prstGeom prst="bentConnector2">
+            <a:avLst/>
+          </a:prstGeom>
+          <a:ln w="38100">
+            <a:solidFill>
+              <a:schemeClr val="bg1"/>
+            </a:solidFill>
+            <a:headEnd type="triangle" w="lg" len="lg"/>
+            <a:tailEnd type="triangle" w="lg" len="lg"/>
+          </a:ln>
+        </p:spPr>
+        <p:style>
+          <a:lnRef idx="1">
+            <a:schemeClr val="accent1"/>
+          </a:lnRef>
+          <a:fillRef idx="0">
+            <a:schemeClr val="accent1"/>
+          </a:fillRef>
+          <a:effectRef idx="0">
+            <a:schemeClr val="accent1"/>
+          </a:effectRef>
+          <a:fontRef idx="minor">
+            <a:schemeClr val="tx1"/>
+          </a:fontRef>
+        </p:style>
+      </p:cxnSp>
+      <p:sp>
+        <p:nvSpPr>
+          <p:cNvPr id="56" name="TextBox 55"/>
+          <p:cNvSpPr txBox="1"/>
+          <p:nvPr/>
+        </p:nvSpPr>
+        <p:spPr>
+          <a:xfrm flipH="1">
+            <a:off x="3071663" y="5364892"/>
+            <a:ext cx="3096344" cy="369332"/>
+          </a:xfrm>
+          <a:prstGeom prst="rect">
+            <a:avLst/>
+          </a:prstGeom>
+          <a:noFill/>
+        </p:spPr>
+        <p:txBody>
+          <a:bodyPr wrap="square" rtlCol="0">
+            <a:spAutoFit/>
+          </a:bodyPr>
+          <a:lstStyle/>
+          <a:p>
+            <a:r>
+              <a:rPr lang="en-US" dirty="0" smtClean="0">
+                <a:solidFill>
+                  <a:schemeClr val="bg1"/>
+                </a:solidFill>
+              </a:rPr>
+              <a:t>Binds to service</a:t>
+            </a:r>
+            <a:endParaRPr lang="en-US" dirty="0">
+              <a:solidFill>
+                <a:schemeClr val="bg1"/>
+              </a:solidFill>
+            </a:endParaRPr>
+          </a:p>
+        </p:txBody>
+      </p:sp>
+    </p:spTree>
+    <p:extLst>
+      <p:ext uri="{BB962C8B-B14F-4D97-AF65-F5344CB8AC3E}">
+        <p14:creationId xmlns:p14="http://schemas.microsoft.com/office/powerpoint/2010/main" val="4236532875"/>
+      </p:ext>
+    </p:extLst>
+  </p:cSld>
+  <p:clrMapOvr>
+    <a:masterClrMapping/>
+  </p:clrMapOvr>
+  <p:transition spd="slow">
+    <p:wipe dir="r"/>
+  </p:transition>
+  <p:timing>
+    <p:tnLst>
+      <p:par>
+        <p:cTn id="1" dur="indefinite" restart="never" nodeType="tmRoot"/>
+      </p:par>
+    </p:tnLst>
+  </p:timing>
+</p:sld>
+</file>
+
+<file path=ppt/slides/slide15.xml><?xml version="1.0" encoding="utf-8"?>
+<p:sld xmlns:a="http://schemas.openxmlformats.org/drawingml/2006/main" xmlns:r="http://schemas.openxmlformats.org/officeDocument/2006/relationships" xmlns:p="http://schemas.openxmlformats.org/presentationml/2006/main">
+  <p:cSld>
+    <p:spTree>
+      <p:nvGrpSpPr>
+        <p:cNvPr id="1" name=""/>
+        <p:cNvGrpSpPr/>
+        <p:nvPr/>
+      </p:nvGrpSpPr>
+      <p:grpSpPr>
+        <a:xfrm>
+          <a:off x="0" y="0"/>
+          <a:ext cx="0" cy="0"/>
+          <a:chOff x="0" y="0"/>
+          <a:chExt cx="0" cy="0"/>
+        </a:xfrm>
+      </p:grpSpPr>
+      <p:sp>
+        <p:nvSpPr>
+          <p:cNvPr id="5" name="Rounded Rectangle 4"/>
+          <p:cNvSpPr/>
+          <p:nvPr/>
+        </p:nvSpPr>
+        <p:spPr>
+          <a:xfrm>
+            <a:off x="4288904" y="409324"/>
+            <a:ext cx="2825496" cy="795528"/>
+          </a:xfrm>
+          <a:prstGeom prst="roundRect">
+            <a:avLst/>
+          </a:prstGeom>
+          <a:solidFill>
+            <a:schemeClr val="accent4">
+              <a:lumMod val="75000"/>
+            </a:schemeClr>
+          </a:solidFill>
+          <a:ln/>
+        </p:spPr>
+        <p:style>
+          <a:lnRef idx="3">
+            <a:schemeClr val="lt1"/>
+          </a:lnRef>
+          <a:fillRef idx="1">
+            <a:schemeClr val="accent6"/>
+          </a:fillRef>
+          <a:effectRef idx="1">
+            <a:schemeClr val="accent6"/>
+          </a:effectRef>
+          <a:fontRef idx="minor">
+            <a:schemeClr val="lt1"/>
+          </a:fontRef>
+        </p:style>
+        <p:txBody>
+          <a:bodyPr rtlCol="0" anchor="ctr"/>
+          <a:lstStyle/>
+          <a:p>
+            <a:pPr algn="ctr"/>
+            <a:r>
+              <a:rPr lang="en-US" sz="2800" b="1" dirty="0" err="1" smtClean="0">
+                <a:solidFill>
+                  <a:schemeClr val="bg1"/>
+                </a:solidFill>
+              </a:rPr>
+              <a:t>SyncAdapter</a:t>
+            </a:r>
+            <a:endParaRPr lang="en-US" sz="2800" b="1" dirty="0">
+              <a:solidFill>
+                <a:schemeClr val="bg1"/>
+              </a:solidFill>
+            </a:endParaRPr>
+          </a:p>
+        </p:txBody>
+      </p:sp>
+      <p:sp>
+        <p:nvSpPr>
+          <p:cNvPr id="6" name="Rounded Rectangle 5"/>
+          <p:cNvSpPr/>
+          <p:nvPr/>
+        </p:nvSpPr>
+        <p:spPr>
+          <a:xfrm>
+            <a:off x="609600" y="404664"/>
+            <a:ext cx="2825496" cy="795528"/>
+          </a:xfrm>
+          <a:prstGeom prst="roundRect">
+            <a:avLst/>
+          </a:prstGeom>
+          <a:solidFill>
+            <a:schemeClr val="accent2">
+              <a:lumMod val="75000"/>
+            </a:schemeClr>
+          </a:solidFill>
+          <a:ln/>
+        </p:spPr>
+        <p:style>
+          <a:lnRef idx="3">
+            <a:schemeClr val="lt1"/>
+          </a:lnRef>
+          <a:fillRef idx="1">
+            <a:schemeClr val="accent6"/>
+          </a:fillRef>
+          <a:effectRef idx="1">
+            <a:schemeClr val="accent6"/>
+          </a:effectRef>
+          <a:fontRef idx="minor">
+            <a:schemeClr val="lt1"/>
+          </a:fontRef>
+        </p:style>
+        <p:txBody>
+          <a:bodyPr rtlCol="0" anchor="ctr"/>
+          <a:lstStyle/>
+          <a:p>
+            <a:pPr algn="ctr"/>
+            <a:r>
+              <a:rPr lang="en-US" sz="2800" b="1" dirty="0" smtClean="0">
+                <a:solidFill>
+                  <a:schemeClr val="bg1"/>
+                </a:solidFill>
+              </a:rPr>
+              <a:t>Service</a:t>
+            </a:r>
+            <a:endParaRPr lang="en-US" sz="2800" b="1" dirty="0">
+              <a:solidFill>
+                <a:schemeClr val="bg1"/>
+              </a:solidFill>
+            </a:endParaRPr>
+          </a:p>
+        </p:txBody>
+      </p:sp>
+      <p:cxnSp>
+        <p:nvCxnSpPr>
+          <p:cNvPr id="7" name="Straight Arrow Connector 6"/>
+          <p:cNvCxnSpPr>
+            <a:stCxn id="6" idx="3"/>
+            <a:endCxn id="5" idx="1"/>
+          </p:cNvCxnSpPr>
+          <p:nvPr/>
+        </p:nvCxnSpPr>
+        <p:spPr>
+          <a:xfrm>
+            <a:off x="3435096" y="802428"/>
+            <a:ext cx="853808" cy="4660"/>
+          </a:xfrm>
+          <a:prstGeom prst="straightConnector1">
+            <a:avLst/>
+          </a:prstGeom>
+          <a:ln w="38100">
+            <a:solidFill>
+              <a:schemeClr val="bg1"/>
+            </a:solidFill>
+            <a:headEnd type="triangle" w="lg" len="lg"/>
+            <a:tailEnd type="triangle" w="lg" len="lg"/>
+          </a:ln>
+        </p:spPr>
+        <p:style>
+          <a:lnRef idx="1">
+            <a:schemeClr val="accent1"/>
+          </a:lnRef>
+          <a:fillRef idx="0">
+            <a:schemeClr val="accent1"/>
+          </a:fillRef>
+          <a:effectRef idx="0">
+            <a:schemeClr val="accent1"/>
+          </a:effectRef>
+          <a:fontRef idx="minor">
+            <a:schemeClr val="tx1"/>
+          </a:fontRef>
+        </p:style>
+      </p:cxnSp>
+    </p:spTree>
+    <p:extLst>
+      <p:ext uri="{BB962C8B-B14F-4D97-AF65-F5344CB8AC3E}">
+        <p14:creationId xmlns:p14="http://schemas.microsoft.com/office/powerpoint/2010/main" val="2607323490"/>
+      </p:ext>
+    </p:extLst>
+  </p:cSld>
+  <p:clrMapOvr>
+    <a:masterClrMapping/>
+  </p:clrMapOvr>
+  <mc:AlternateContent xmlns:mc="http://schemas.openxmlformats.org/markup-compatibility/2006" xmlns:p14="http://schemas.microsoft.com/office/powerpoint/2010/main">
+    <mc:Choice Requires="p14">
+      <p:transition p14:dur="250">
+        <p14:reveal/>
+      </p:transition>
+    </mc:Choice>
+    <mc:Fallback xmlns="">
+      <p:transition>
+        <p:fade/>
+      </p:transition>
+    </mc:Fallback>
+  </mc:AlternateContent>
+  <p:timing>
+    <p:tnLst>
+      <p:par>
+        <p:cTn id="1" dur="indefinite" restart="never" nodeType="tmRoot"/>
+      </p:par>
+    </p:tnLst>
+  </p:timing>
+</p:sld>
+</file>
+
+<file path=ppt/slides/slide16.xml><?xml version="1.0" encoding="utf-8"?>
+<p:sld xmlns:a="http://schemas.openxmlformats.org/drawingml/2006/main" xmlns:r="http://schemas.openxmlformats.org/officeDocument/2006/relationships" xmlns:p="http://schemas.openxmlformats.org/presentationml/2006/main" show="0">
+  <p:cSld>
+    <p:spTree>
+      <p:nvGrpSpPr>
+        <p:cNvPr id="1" name=""/>
+        <p:cNvGrpSpPr/>
+        <p:nvPr/>
+      </p:nvGrpSpPr>
+      <p:grpSpPr>
+        <a:xfrm>
+          <a:off x="0" y="0"/>
+          <a:ext cx="0" cy="0"/>
+          <a:chOff x="0" y="0"/>
+          <a:chExt cx="0" cy="0"/>
+        </a:xfrm>
+      </p:grpSpPr>
+      <p:sp>
+        <p:nvSpPr>
+          <p:cNvPr id="3" name="Title 2"/>
+          <p:cNvSpPr>
+            <a:spLocks noGrp="1"/>
+          </p:cNvSpPr>
+          <p:nvPr>
+            <p:ph type="title"/>
+          </p:nvPr>
+        </p:nvSpPr>
+        <p:spPr/>
+        <p:txBody>
+          <a:bodyPr/>
+          <a:lstStyle/>
+          <a:p>
+            <a:endParaRPr lang="en-US"/>
+          </a:p>
+        </p:txBody>
+      </p:sp>
+      <p:sp>
+        <p:nvSpPr>
+          <p:cNvPr id="4" name="Content Placeholder 3"/>
+          <p:cNvSpPr>
+            <a:spLocks noGrp="1"/>
+          </p:cNvSpPr>
+          <p:nvPr>
+            <p:ph idx="1"/>
+          </p:nvPr>
+        </p:nvSpPr>
+        <p:spPr/>
+        <p:txBody>
+          <a:bodyPr>
+            <a:normAutofit fontScale="92500" lnSpcReduction="10000"/>
+          </a:bodyPr>
+          <a:lstStyle/>
+          <a:p>
+            <a:r>
+              <a:rPr lang="en-US" dirty="0">
+                <a:hlinkClick r:id="rId2"/>
+              </a:rPr>
+              <a:t>https://</a:t>
+            </a:r>
+            <a:r>
+              <a:rPr lang="en-US" dirty="0" smtClean="0">
+                <a:hlinkClick r:id="rId2"/>
+              </a:rPr>
+              <a:t>github.com/googlesamples/android-BasicSyncAdapter</a:t>
+            </a:r>
+            <a:endParaRPr lang="en-US" dirty="0" smtClean="0"/>
+          </a:p>
+          <a:p>
+            <a:r>
+              <a:rPr lang="en-US" dirty="0">
+                <a:hlinkClick r:id="rId3"/>
+              </a:rPr>
+              <a:t>https://</a:t>
+            </a:r>
+            <a:r>
+              <a:rPr lang="en-US" dirty="0" smtClean="0">
+                <a:hlinkClick r:id="rId3"/>
+              </a:rPr>
+              <a:t>developer.android.com/training/sync-adapters/creating-sync-adapter.html</a:t>
+            </a:r>
+            <a:endParaRPr lang="en-US" dirty="0" smtClean="0"/>
+          </a:p>
+          <a:p>
+            <a:r>
+              <a:rPr lang="en-US" dirty="0">
+                <a:hlinkClick r:id="rId4"/>
+              </a:rPr>
+              <a:t>https://</a:t>
+            </a:r>
+            <a:r>
+              <a:rPr lang="en-US" dirty="0" smtClean="0">
+                <a:hlinkClick r:id="rId4"/>
+              </a:rPr>
+              <a:t>developer.android.com/training/sync-adapters/index.html</a:t>
+            </a:r>
+            <a:endParaRPr lang="en-US" dirty="0" smtClean="0"/>
+          </a:p>
+          <a:p>
+            <a:r>
+              <a:rPr lang="en-US" dirty="0">
+                <a:hlinkClick r:id="rId5"/>
+              </a:rPr>
+              <a:t>http://blog.udinic.com/2013/07/24/write-your-own-android-sync-adapter</a:t>
+            </a:r>
+            <a:r>
+              <a:rPr lang="en-US" dirty="0" smtClean="0">
+                <a:hlinkClick r:id="rId5"/>
+              </a:rPr>
+              <a:t>/</a:t>
+            </a:r>
+            <a:endParaRPr lang="en-US" dirty="0" smtClean="0"/>
+          </a:p>
+          <a:p>
+            <a:r>
+              <a:rPr lang="en-US" dirty="0">
+                <a:hlinkClick r:id="rId6"/>
+              </a:rPr>
+              <a:t>https://</a:t>
+            </a:r>
+            <a:r>
+              <a:rPr lang="en-US" dirty="0" smtClean="0">
+                <a:hlinkClick r:id="rId6"/>
+              </a:rPr>
+              <a:t>software.intel.com/en-us/android/articles/handling-offline-capability-and-data-sync-in-an-android-app-part-2</a:t>
+            </a:r>
+            <a:endParaRPr lang="en-US" dirty="0" smtClean="0"/>
+          </a:p>
+        </p:txBody>
+      </p:sp>
+    </p:spTree>
+    <p:extLst>
+      <p:ext uri="{BB962C8B-B14F-4D97-AF65-F5344CB8AC3E}">
+        <p14:creationId xmlns:p14="http://schemas.microsoft.com/office/powerpoint/2010/main" val="351412801"/>
+      </p:ext>
+    </p:extLst>
+  </p:cSld>
+  <p:clrMapOvr>
+    <a:masterClrMapping/>
+  </p:clrMapOvr>
+  <mc:AlternateContent xmlns:mc="http://schemas.openxmlformats.org/markup-compatibility/2006">
+    <mc:Choice xmlns:p14="http://schemas.microsoft.com/office/powerpoint/2010/main" Requires="p14">
+      <p:transition p14:dur="250">
+        <p14:reveal/>
+      </p:transition>
+    </mc:Choice>
+    <mc:Fallback>
+      <p:transition>
+        <p:fade/>
+      </p:transition>
+    </mc:Fallback>
+  </mc:AlternateContent>
+  <p:timing>
+    <p:tnLst>
+      <p:par>
+        <p:cTn id="1" dur="indefinite" restart="never" nodeType="tmRoot"/>
+      </p:par>
+    </p:tnLst>
+  </p:timing>
+</p:sld>
+</file>
+
+<file path=ppt/slides/slide17.xml><?xml version="1.0" encoding="utf-8"?>
+<p:sld xmlns:a="http://schemas.openxmlformats.org/drawingml/2006/main" xmlns:r="http://schemas.openxmlformats.org/officeDocument/2006/relationships" xmlns:p="http://schemas.openxmlformats.org/presentationml/2006/main">
+  <p:cSld>
+    <p:spTree>
+      <p:nvGrpSpPr>
+        <p:cNvPr id="1" name=""/>
+        <p:cNvGrpSpPr/>
+        <p:nvPr/>
+      </p:nvGrpSpPr>
+      <p:grpSpPr>
+        <a:xfrm>
+          <a:off x="0" y="0"/>
+          <a:ext cx="0" cy="0"/>
+          <a:chOff x="0" y="0"/>
+          <a:chExt cx="0" cy="0"/>
+        </a:xfrm>
+      </p:grpSpPr>
+      <p:sp>
+        <p:nvSpPr>
+          <p:cNvPr id="2" name="Title 1"/>
+          <p:cNvSpPr>
+            <a:spLocks noGrp="1"/>
+          </p:cNvSpPr>
+          <p:nvPr>
+            <p:ph type="title"/>
+          </p:nvPr>
+        </p:nvSpPr>
+        <p:spPr/>
+        <p:txBody>
+          <a:bodyPr/>
+          <a:lstStyle/>
+          <a:p>
+            <a:endParaRPr lang="en-US"/>
+          </a:p>
+        </p:txBody>
+      </p:sp>
+      <p:sp>
+        <p:nvSpPr>
+          <p:cNvPr id="3" name="Content Placeholder 2"/>
+          <p:cNvSpPr>
+            <a:spLocks noGrp="1"/>
+          </p:cNvSpPr>
+          <p:nvPr>
+            <p:ph idx="1"/>
+          </p:nvPr>
+        </p:nvSpPr>
+        <p:spPr/>
+        <p:txBody>
+          <a:bodyPr>
+            <a:normAutofit lnSpcReduction="10000"/>
+          </a:bodyPr>
+          <a:lstStyle/>
+          <a:p>
+            <a:r>
+              <a:rPr lang="en-US" dirty="0" err="1" smtClean="0"/>
+              <a:t>SyncAdapters</a:t>
+            </a:r>
+            <a:r>
+              <a:rPr lang="en-US" dirty="0" smtClean="0"/>
+              <a:t> can be used to:</a:t>
+            </a:r>
+          </a:p>
+          <a:p>
+            <a:pPr lvl="1"/>
+            <a:r>
+              <a:rPr lang="en-US" dirty="0" smtClean="0"/>
+              <a:t>fetch </a:t>
+            </a:r>
+            <a:r>
+              <a:rPr lang="en-US" dirty="0"/>
+              <a:t>background data for an </a:t>
+            </a:r>
+            <a:r>
+              <a:rPr lang="en-US" dirty="0" smtClean="0"/>
+              <a:t>app.</a:t>
+            </a:r>
+          </a:p>
+          <a:p>
+            <a:pPr lvl="1"/>
+            <a:r>
+              <a:rPr lang="en-US" dirty="0" smtClean="0"/>
+              <a:t>execute </a:t>
+            </a:r>
+            <a:r>
+              <a:rPr lang="en-US" dirty="0"/>
+              <a:t>your data transfer code at configurable intervals, while efficiently using battery and other system </a:t>
+            </a:r>
+            <a:r>
+              <a:rPr lang="en-US" dirty="0" smtClean="0"/>
+              <a:t>resources</a:t>
+            </a:r>
+            <a:endParaRPr lang="en-US" dirty="0"/>
+          </a:p>
+          <a:p>
+            <a:r>
+              <a:rPr lang="en-US" dirty="0" smtClean="0"/>
+              <a:t>Elements </a:t>
+            </a:r>
+            <a:r>
+              <a:rPr lang="en-US" dirty="0"/>
+              <a:t>of a sync </a:t>
+            </a:r>
+            <a:r>
+              <a:rPr lang="en-US" dirty="0" smtClean="0"/>
+              <a:t>adapter:</a:t>
+            </a:r>
+            <a:endParaRPr lang="en-US" dirty="0"/>
+          </a:p>
+          <a:p>
+            <a:pPr lvl="1"/>
+            <a:r>
+              <a:rPr lang="en-US" dirty="0"/>
+              <a:t>Creates a sync adapter class.</a:t>
+            </a:r>
+          </a:p>
+          <a:p>
+            <a:pPr lvl="1"/>
+            <a:r>
+              <a:rPr lang="en-US" dirty="0"/>
+              <a:t>Creates a bound Service which the OS uses to initiate a sync.</a:t>
+            </a:r>
+          </a:p>
+          <a:p>
+            <a:pPr lvl="1"/>
+            <a:r>
+              <a:rPr lang="en-US" dirty="0"/>
+              <a:t>Defines the sync adapter properties in an XML resource file.</a:t>
+            </a:r>
+          </a:p>
+          <a:p>
+            <a:pPr lvl="1"/>
+            <a:r>
+              <a:rPr lang="en-US" dirty="0"/>
+              <a:t>Declares the bound Service in the app manifest.</a:t>
+            </a:r>
+          </a:p>
+        </p:txBody>
+      </p:sp>
+    </p:spTree>
+    <p:extLst>
+      <p:ext uri="{BB962C8B-B14F-4D97-AF65-F5344CB8AC3E}">
+        <p14:creationId xmlns:p14="http://schemas.microsoft.com/office/powerpoint/2010/main" val="2364295274"/>
+      </p:ext>
+    </p:extLst>
+  </p:cSld>
+  <p:clrMapOvr>
+    <a:masterClrMapping/>
+  </p:clrMapOvr>
+  <mc:AlternateContent xmlns:mc="http://schemas.openxmlformats.org/markup-compatibility/2006" xmlns:p14="http://schemas.microsoft.com/office/powerpoint/2010/main">
+    <mc:Choice Requires="p14">
+      <p:transition p14:dur="250">
+        <p14:reveal/>
+      </p:transition>
+    </mc:Choice>
+    <mc:Fallback xmlns="">
+      <p:transition>
+        <p:fade/>
+      </p:transition>
+    </mc:Fallback>
+  </mc:AlternateContent>
+  <p:timing>
+    <p:tnLst>
+      <p:par>
+        <p:cTn id="1" dur="indefinite" restart="never" nodeType="tmRoot"/>
+      </p:par>
+    </p:tnLst>
+  </p:timing>
+</p:sld>
+</file>
+
+<file path=ppt/slides/slide18.xml><?xml version="1.0" encoding="utf-8"?>
+<p:sld xmlns:a="http://schemas.openxmlformats.org/drawingml/2006/main" xmlns:r="http://schemas.openxmlformats.org/officeDocument/2006/relationships" xmlns:p="http://schemas.openxmlformats.org/presentationml/2006/main">
+  <p:cSld>
+    <p:spTree>
+      <p:nvGrpSpPr>
+        <p:cNvPr id="1" name=""/>
+        <p:cNvGrpSpPr/>
+        <p:nvPr/>
+      </p:nvGrpSpPr>
+      <p:grpSpPr>
+        <a:xfrm>
+          <a:off x="0" y="0"/>
+          <a:ext cx="0" cy="0"/>
+          <a:chOff x="0" y="0"/>
+          <a:chExt cx="0" cy="0"/>
+        </a:xfrm>
+      </p:grpSpPr>
+      <p:sp>
+        <p:nvSpPr>
           <p:cNvPr id="3" name="Title 2"/>
           <p:cNvSpPr>
             <a:spLocks noGrp="1"/>
@@ -13571,7 +16056,7 @@
 </p:sld>
 </file>
 
-<file path=ppt/slides/slide15.xml><?xml version="1.0" encoding="utf-8"?>
+<file path=ppt/slides/slide19.xml><?xml version="1.0" encoding="utf-8"?>
 <p:sld xmlns:a="http://schemas.openxmlformats.org/drawingml/2006/main" xmlns:r="http://schemas.openxmlformats.org/officeDocument/2006/relationships" xmlns:p="http://schemas.openxmlformats.org/presentationml/2006/main">
   <p:cSld>
     <p:spTree>
@@ -13699,1319 +16184,6 @@
     <p:extLst>
       <p:ext uri="{BB962C8B-B14F-4D97-AF65-F5344CB8AC3E}">
         <p14:creationId xmlns:p14="http://schemas.microsoft.com/office/powerpoint/2010/main" val="1011405133"/>
-      </p:ext>
-    </p:extLst>
-  </p:cSld>
-  <p:clrMapOvr>
-    <a:masterClrMapping/>
-  </p:clrMapOvr>
-  <mc:AlternateContent xmlns:mc="http://schemas.openxmlformats.org/markup-compatibility/2006" xmlns:p14="http://schemas.microsoft.com/office/powerpoint/2010/main">
-    <mc:Choice Requires="p14">
-      <p:transition p14:dur="250">
-        <p14:reveal/>
-      </p:transition>
-    </mc:Choice>
-    <mc:Fallback xmlns="">
-      <p:transition>
-        <p:fade/>
-      </p:transition>
-    </mc:Fallback>
-  </mc:AlternateContent>
-  <p:timing>
-    <p:tnLst>
-      <p:par>
-        <p:cTn id="1" dur="indefinite" restart="never" nodeType="tmRoot"/>
-      </p:par>
-    </p:tnLst>
-  </p:timing>
-</p:sld>
-</file>
-
-<file path=ppt/slides/slide16.xml><?xml version="1.0" encoding="utf-8"?>
-<p:sld xmlns:a="http://schemas.openxmlformats.org/drawingml/2006/main" xmlns:r="http://schemas.openxmlformats.org/officeDocument/2006/relationships" xmlns:p="http://schemas.openxmlformats.org/presentationml/2006/main">
-  <p:cSld>
-    <p:spTree>
-      <p:nvGrpSpPr>
-        <p:cNvPr id="1" name=""/>
-        <p:cNvGrpSpPr/>
-        <p:nvPr/>
-      </p:nvGrpSpPr>
-      <p:grpSpPr>
-        <a:xfrm>
-          <a:off x="0" y="0"/>
-          <a:ext cx="0" cy="0"/>
-          <a:chOff x="0" y="0"/>
-          <a:chExt cx="0" cy="0"/>
-        </a:xfrm>
-      </p:grpSpPr>
-      <p:sp>
-        <p:nvSpPr>
-          <p:cNvPr id="2" name="Title 1"/>
-          <p:cNvSpPr>
-            <a:spLocks noGrp="1"/>
-          </p:cNvSpPr>
-          <p:nvPr>
-            <p:ph type="title"/>
-          </p:nvPr>
-        </p:nvSpPr>
-        <p:spPr/>
-        <p:txBody>
-          <a:bodyPr/>
-          <a:lstStyle/>
-          <a:p>
-            <a:r>
-              <a:rPr lang="en-US" dirty="0" err="1" smtClean="0"/>
-              <a:t>onPerformSync</a:t>
-            </a:r>
-            <a:r>
-              <a:rPr lang="en-US" dirty="0" smtClean="0"/>
-              <a:t>()</a:t>
-            </a:r>
-            <a:endParaRPr lang="en-US" dirty="0"/>
-          </a:p>
-        </p:txBody>
-      </p:sp>
-      <p:sp>
-        <p:nvSpPr>
-          <p:cNvPr id="4" name="Rectangle 1"/>
-          <p:cNvSpPr>
-            <a:spLocks noGrp="1" noChangeArrowheads="1"/>
-          </p:cNvSpPr>
-          <p:nvPr>
-            <p:ph idx="1"/>
-          </p:nvPr>
-        </p:nvSpPr>
-        <p:spPr bwMode="auto">
-          <a:xfrm>
-            <a:off x="983432" y="1783566"/>
-            <a:ext cx="8178521" cy="4031873"/>
-          </a:xfrm>
-          <a:prstGeom prst="rect">
-            <a:avLst/>
-          </a:prstGeom>
-          <a:solidFill>
-            <a:srgbClr val="F7F7F7"/>
-          </a:solidFill>
-          <a:ln>
-            <a:noFill/>
-          </a:ln>
-          <a:effectLst/>
-          <a:extLst>
-            <a:ext uri="{91240B29-F687-4F45-9708-019B960494DF}">
-              <a14:hiddenLine xmlns:a14="http://schemas.microsoft.com/office/drawing/2010/main" w="9525">
-                <a:solidFill>
-                  <a:schemeClr val="tx1"/>
-                </a:solidFill>
-                <a:miter lim="800000"/>
-                <a:headEnd/>
-                <a:tailEnd/>
-              </a14:hiddenLine>
-            </a:ext>
-            <a:ext uri="{AF507438-7753-43E0-B8FC-AC1667EBCBE1}">
-              <a14:hiddenEffects xmlns:a14="http://schemas.microsoft.com/office/drawing/2010/main">
-                <a:effectLst>
-                  <a:outerShdw dist="35921" dir="2700000" algn="ctr" rotWithShape="0">
-                    <a:schemeClr val="bg2"/>
-                  </a:outerShdw>
-                </a:effectLst>
-              </a14:hiddenEffects>
-            </a:ext>
-          </a:extLst>
-        </p:spPr>
-        <p:txBody>
-          <a:bodyPr vert="horz" wrap="none" lIns="457200" tIns="182880" rIns="457200" bIns="182880" numCol="1" anchor="ctr" anchorCtr="0" compatLnSpc="1">
-            <a:prstTxWarp prst="textNoShape">
-              <a:avLst/>
-            </a:prstTxWarp>
-            <a:spAutoFit/>
-          </a:bodyPr>
-          <a:lstStyle/>
-          <a:p>
-            <a:pPr marL="0" marR="0" lvl="0" indent="0" algn="l" defTabSz="914400" rtl="0" eaLnBrk="0" fontAlgn="base" latinLnBrk="0" hangingPunct="0">
-              <a:lnSpc>
-                <a:spcPct val="100000"/>
-              </a:lnSpc>
-              <a:spcBef>
-                <a:spcPct val="0"/>
-              </a:spcBef>
-              <a:spcAft>
-                <a:spcPct val="0"/>
-              </a:spcAft>
-              <a:buClrTx/>
-              <a:buSzTx/>
-              <a:buFontTx/>
-              <a:buNone/>
-              <a:tabLst/>
-            </a:pPr>
-            <a:r>
-              <a:rPr kumimoji="0" lang="en-US" altLang="en-US" sz="1400" b="0" i="0" u="none" strike="noStrike" cap="none" normalizeH="0" baseline="0" dirty="0" smtClean="0">
-                <a:ln>
-                  <a:noFill/>
-                </a:ln>
-                <a:solidFill>
-                  <a:srgbClr val="000000"/>
-                </a:solidFill>
-                <a:effectLst/>
-                <a:latin typeface="Consolas" panose="020B0609020204030204" pitchFamily="49" charset="0"/>
-              </a:rPr>
-              <a:t>    </a:t>
-            </a:r>
-            <a:r>
-              <a:rPr kumimoji="0" lang="en-US" altLang="en-US" sz="1400" b="0" i="0" u="none" strike="noStrike" cap="none" normalizeH="0" baseline="0" dirty="0" smtClean="0">
-                <a:ln>
-                  <a:noFill/>
-                </a:ln>
-                <a:solidFill>
-                  <a:srgbClr val="006600"/>
-                </a:solidFill>
-                <a:effectLst/>
-                <a:latin typeface="Consolas" panose="020B0609020204030204" pitchFamily="49" charset="0"/>
-              </a:rPr>
-              <a:t>/*</a:t>
-            </a:r>
-            <a:br>
-              <a:rPr kumimoji="0" lang="en-US" altLang="en-US" sz="1400" b="0" i="0" u="none" strike="noStrike" cap="none" normalizeH="0" baseline="0" dirty="0" smtClean="0">
-                <a:ln>
-                  <a:noFill/>
-                </a:ln>
-                <a:solidFill>
-                  <a:srgbClr val="006600"/>
-                </a:solidFill>
-                <a:effectLst/>
-                <a:latin typeface="Consolas" panose="020B0609020204030204" pitchFamily="49" charset="0"/>
-              </a:rPr>
-            </a:br>
-            <a:r>
-              <a:rPr kumimoji="0" lang="en-US" altLang="en-US" sz="1400" b="0" i="0" u="none" strike="noStrike" cap="none" normalizeH="0" baseline="0" dirty="0" smtClean="0">
-                <a:ln>
-                  <a:noFill/>
-                </a:ln>
-                <a:solidFill>
-                  <a:srgbClr val="006600"/>
-                </a:solidFill>
-                <a:effectLst/>
-                <a:latin typeface="Consolas" panose="020B0609020204030204" pitchFamily="49" charset="0"/>
-              </a:rPr>
-              <a:t>     * Specify the code you want to run in the sync adapter. The entire</a:t>
-            </a:r>
-            <a:br>
-              <a:rPr kumimoji="0" lang="en-US" altLang="en-US" sz="1400" b="0" i="0" u="none" strike="noStrike" cap="none" normalizeH="0" baseline="0" dirty="0" smtClean="0">
-                <a:ln>
-                  <a:noFill/>
-                </a:ln>
-                <a:solidFill>
-                  <a:srgbClr val="006600"/>
-                </a:solidFill>
-                <a:effectLst/>
-                <a:latin typeface="Consolas" panose="020B0609020204030204" pitchFamily="49" charset="0"/>
-              </a:rPr>
-            </a:br>
-            <a:r>
-              <a:rPr kumimoji="0" lang="en-US" altLang="en-US" sz="1400" b="0" i="0" u="none" strike="noStrike" cap="none" normalizeH="0" baseline="0" dirty="0" smtClean="0">
-                <a:ln>
-                  <a:noFill/>
-                </a:ln>
-                <a:solidFill>
-                  <a:srgbClr val="006600"/>
-                </a:solidFill>
-                <a:effectLst/>
-                <a:latin typeface="Consolas" panose="020B0609020204030204" pitchFamily="49" charset="0"/>
-              </a:rPr>
-              <a:t>     * sync adapter runs in a background thread, so you don't have to set</a:t>
-            </a:r>
-            <a:br>
-              <a:rPr kumimoji="0" lang="en-US" altLang="en-US" sz="1400" b="0" i="0" u="none" strike="noStrike" cap="none" normalizeH="0" baseline="0" dirty="0" smtClean="0">
-                <a:ln>
-                  <a:noFill/>
-                </a:ln>
-                <a:solidFill>
-                  <a:srgbClr val="006600"/>
-                </a:solidFill>
-                <a:effectLst/>
-                <a:latin typeface="Consolas" panose="020B0609020204030204" pitchFamily="49" charset="0"/>
-              </a:rPr>
-            </a:br>
-            <a:r>
-              <a:rPr kumimoji="0" lang="en-US" altLang="en-US" sz="1400" b="0" i="0" u="none" strike="noStrike" cap="none" normalizeH="0" baseline="0" dirty="0" smtClean="0">
-                <a:ln>
-                  <a:noFill/>
-                </a:ln>
-                <a:solidFill>
-                  <a:srgbClr val="006600"/>
-                </a:solidFill>
-                <a:effectLst/>
-                <a:latin typeface="Consolas" panose="020B0609020204030204" pitchFamily="49" charset="0"/>
-              </a:rPr>
-              <a:t>     * up your own background processing.</a:t>
-            </a:r>
-            <a:br>
-              <a:rPr kumimoji="0" lang="en-US" altLang="en-US" sz="1400" b="0" i="0" u="none" strike="noStrike" cap="none" normalizeH="0" baseline="0" dirty="0" smtClean="0">
-                <a:ln>
-                  <a:noFill/>
-                </a:ln>
-                <a:solidFill>
-                  <a:srgbClr val="006600"/>
-                </a:solidFill>
-                <a:effectLst/>
-                <a:latin typeface="Consolas" panose="020B0609020204030204" pitchFamily="49" charset="0"/>
-              </a:rPr>
-            </a:br>
-            <a:r>
-              <a:rPr kumimoji="0" lang="en-US" altLang="en-US" sz="1400" b="0" i="0" u="none" strike="noStrike" cap="none" normalizeH="0" baseline="0" dirty="0" smtClean="0">
-                <a:ln>
-                  <a:noFill/>
-                </a:ln>
-                <a:solidFill>
-                  <a:srgbClr val="006600"/>
-                </a:solidFill>
-                <a:effectLst/>
-                <a:latin typeface="Consolas" panose="020B0609020204030204" pitchFamily="49" charset="0"/>
-              </a:rPr>
-              <a:t>     */</a:t>
-            </a:r>
-            <a:r>
-              <a:rPr kumimoji="0" lang="en-US" altLang="en-US" sz="1400" b="0" i="0" u="none" strike="noStrike" cap="none" normalizeH="0" baseline="0" dirty="0" smtClean="0">
-                <a:ln>
-                  <a:noFill/>
-                </a:ln>
-                <a:solidFill>
-                  <a:srgbClr val="000000"/>
-                </a:solidFill>
-                <a:effectLst/>
-                <a:latin typeface="Consolas" panose="020B0609020204030204" pitchFamily="49" charset="0"/>
-              </a:rPr>
-              <a:t/>
-            </a:r>
-            <a:br>
-              <a:rPr kumimoji="0" lang="en-US" altLang="en-US" sz="1400" b="0" i="0" u="none" strike="noStrike" cap="none" normalizeH="0" baseline="0" dirty="0" smtClean="0">
-                <a:ln>
-                  <a:noFill/>
-                </a:ln>
-                <a:solidFill>
-                  <a:srgbClr val="000000"/>
-                </a:solidFill>
-                <a:effectLst/>
-                <a:latin typeface="Consolas" panose="020B0609020204030204" pitchFamily="49" charset="0"/>
-              </a:rPr>
-            </a:br>
-            <a:r>
-              <a:rPr kumimoji="0" lang="en-US" altLang="en-US" sz="1400" b="0" i="0" u="none" strike="noStrike" cap="none" normalizeH="0" baseline="0" dirty="0" smtClean="0">
-                <a:ln>
-                  <a:noFill/>
-                </a:ln>
-                <a:solidFill>
-                  <a:srgbClr val="000000"/>
-                </a:solidFill>
-                <a:effectLst/>
-                <a:latin typeface="Consolas" panose="020B0609020204030204" pitchFamily="49" charset="0"/>
-              </a:rPr>
-              <a:t>    </a:t>
-            </a:r>
-            <a:r>
-              <a:rPr kumimoji="0" lang="en-US" altLang="en-US" sz="1400" b="0" i="0" u="none" strike="noStrike" cap="none" normalizeH="0" baseline="0" dirty="0" smtClean="0">
-                <a:ln>
-                  <a:noFill/>
-                </a:ln>
-                <a:solidFill>
-                  <a:srgbClr val="006666"/>
-                </a:solidFill>
-                <a:effectLst/>
-                <a:latin typeface="Consolas" panose="020B0609020204030204" pitchFamily="49" charset="0"/>
-              </a:rPr>
-              <a:t>@Override</a:t>
-            </a:r>
-            <a:r>
-              <a:rPr kumimoji="0" lang="en-US" altLang="en-US" sz="1400" b="0" i="0" u="none" strike="noStrike" cap="none" normalizeH="0" baseline="0" dirty="0" smtClean="0">
-                <a:ln>
-                  <a:noFill/>
-                </a:ln>
-                <a:solidFill>
-                  <a:srgbClr val="000000"/>
-                </a:solidFill>
-                <a:effectLst/>
-                <a:latin typeface="Consolas" panose="020B0609020204030204" pitchFamily="49" charset="0"/>
-              </a:rPr>
-              <a:t/>
-            </a:r>
-            <a:br>
-              <a:rPr kumimoji="0" lang="en-US" altLang="en-US" sz="1400" b="0" i="0" u="none" strike="noStrike" cap="none" normalizeH="0" baseline="0" dirty="0" smtClean="0">
-                <a:ln>
-                  <a:noFill/>
-                </a:ln>
-                <a:solidFill>
-                  <a:srgbClr val="000000"/>
-                </a:solidFill>
-                <a:effectLst/>
-                <a:latin typeface="Consolas" panose="020B0609020204030204" pitchFamily="49" charset="0"/>
-              </a:rPr>
-            </a:br>
-            <a:r>
-              <a:rPr kumimoji="0" lang="en-US" altLang="en-US" sz="1400" b="0" i="0" u="none" strike="noStrike" cap="none" normalizeH="0" baseline="0" dirty="0" smtClean="0">
-                <a:ln>
-                  <a:noFill/>
-                </a:ln>
-                <a:solidFill>
-                  <a:srgbClr val="000000"/>
-                </a:solidFill>
-                <a:effectLst/>
-                <a:latin typeface="Consolas" panose="020B0609020204030204" pitchFamily="49" charset="0"/>
-              </a:rPr>
-              <a:t>    </a:t>
-            </a:r>
-            <a:r>
-              <a:rPr kumimoji="0" lang="en-US" altLang="en-US" sz="1400" b="0" i="0" u="none" strike="noStrike" cap="none" normalizeH="0" baseline="0" dirty="0" smtClean="0">
-                <a:ln>
-                  <a:noFill/>
-                </a:ln>
-                <a:solidFill>
-                  <a:srgbClr val="000088"/>
-                </a:solidFill>
-                <a:effectLst/>
-                <a:latin typeface="Consolas" panose="020B0609020204030204" pitchFamily="49" charset="0"/>
-              </a:rPr>
-              <a:t>public</a:t>
-            </a:r>
-            <a:r>
-              <a:rPr kumimoji="0" lang="en-US" altLang="en-US" sz="1400" b="0" i="0" u="none" strike="noStrike" cap="none" normalizeH="0" baseline="0" dirty="0" smtClean="0">
-                <a:ln>
-                  <a:noFill/>
-                </a:ln>
-                <a:solidFill>
-                  <a:srgbClr val="000000"/>
-                </a:solidFill>
-                <a:effectLst/>
-                <a:latin typeface="Consolas" panose="020B0609020204030204" pitchFamily="49" charset="0"/>
-              </a:rPr>
-              <a:t> </a:t>
-            </a:r>
-            <a:r>
-              <a:rPr kumimoji="0" lang="en-US" altLang="en-US" sz="1400" b="0" i="0" u="none" strike="noStrike" cap="none" normalizeH="0" baseline="0" dirty="0" smtClean="0">
-                <a:ln>
-                  <a:noFill/>
-                </a:ln>
-                <a:solidFill>
-                  <a:srgbClr val="000088"/>
-                </a:solidFill>
-                <a:effectLst/>
-                <a:latin typeface="Consolas" panose="020B0609020204030204" pitchFamily="49" charset="0"/>
-              </a:rPr>
-              <a:t>void</a:t>
-            </a:r>
-            <a:r>
-              <a:rPr kumimoji="0" lang="en-US" altLang="en-US" sz="1400" b="0" i="0" u="none" strike="noStrike" cap="none" normalizeH="0" baseline="0" dirty="0" smtClean="0">
-                <a:ln>
-                  <a:noFill/>
-                </a:ln>
-                <a:solidFill>
-                  <a:srgbClr val="000000"/>
-                </a:solidFill>
-                <a:effectLst/>
-                <a:latin typeface="Consolas" panose="020B0609020204030204" pitchFamily="49" charset="0"/>
-              </a:rPr>
-              <a:t> </a:t>
-            </a:r>
-            <a:r>
-              <a:rPr kumimoji="0" lang="en-US" altLang="en-US" sz="1400" b="0" i="0" u="none" strike="noStrike" cap="none" normalizeH="0" baseline="0" dirty="0" err="1" smtClean="0">
-                <a:ln>
-                  <a:noFill/>
-                </a:ln>
-                <a:solidFill>
-                  <a:srgbClr val="000000"/>
-                </a:solidFill>
-                <a:effectLst/>
-                <a:latin typeface="Consolas" panose="020B0609020204030204" pitchFamily="49" charset="0"/>
-              </a:rPr>
-              <a:t>onPerformSync</a:t>
-            </a:r>
-            <a:r>
-              <a:rPr kumimoji="0" lang="en-US" altLang="en-US" sz="1400" b="0" i="0" u="none" strike="noStrike" cap="none" normalizeH="0" baseline="0" dirty="0" smtClean="0">
-                <a:ln>
-                  <a:noFill/>
-                </a:ln>
-                <a:solidFill>
-                  <a:srgbClr val="666600"/>
-                </a:solidFill>
-                <a:effectLst/>
-                <a:latin typeface="Consolas" panose="020B0609020204030204" pitchFamily="49" charset="0"/>
-              </a:rPr>
-              <a:t>(</a:t>
-            </a:r>
-            <a:r>
-              <a:rPr kumimoji="0" lang="en-US" altLang="en-US" sz="1400" b="0" i="0" u="none" strike="noStrike" cap="none" normalizeH="0" baseline="0" dirty="0" smtClean="0">
-                <a:ln>
-                  <a:noFill/>
-                </a:ln>
-                <a:solidFill>
-                  <a:srgbClr val="000000"/>
-                </a:solidFill>
-                <a:effectLst/>
-                <a:latin typeface="Consolas" panose="020B0609020204030204" pitchFamily="49" charset="0"/>
-              </a:rPr>
-              <a:t/>
-            </a:r>
-            <a:br>
-              <a:rPr kumimoji="0" lang="en-US" altLang="en-US" sz="1400" b="0" i="0" u="none" strike="noStrike" cap="none" normalizeH="0" baseline="0" dirty="0" smtClean="0">
-                <a:ln>
-                  <a:noFill/>
-                </a:ln>
-                <a:solidFill>
-                  <a:srgbClr val="000000"/>
-                </a:solidFill>
-                <a:effectLst/>
-                <a:latin typeface="Consolas" panose="020B0609020204030204" pitchFamily="49" charset="0"/>
-              </a:rPr>
-            </a:br>
-            <a:r>
-              <a:rPr kumimoji="0" lang="en-US" altLang="en-US" sz="1400" b="0" i="0" u="none" strike="noStrike" cap="none" normalizeH="0" baseline="0" dirty="0" smtClean="0">
-                <a:ln>
-                  <a:noFill/>
-                </a:ln>
-                <a:solidFill>
-                  <a:srgbClr val="000000"/>
-                </a:solidFill>
-                <a:effectLst/>
-                <a:latin typeface="Consolas" panose="020B0609020204030204" pitchFamily="49" charset="0"/>
-              </a:rPr>
-              <a:t>            </a:t>
-            </a:r>
-            <a:r>
-              <a:rPr kumimoji="0" lang="en-US" altLang="en-US" sz="1400" b="0" i="0" u="none" strike="noStrike" cap="none" normalizeH="0" baseline="0" dirty="0" smtClean="0">
-                <a:ln>
-                  <a:noFill/>
-                </a:ln>
-                <a:solidFill>
-                  <a:srgbClr val="660066"/>
-                </a:solidFill>
-                <a:effectLst/>
-                <a:latin typeface="Consolas" panose="020B0609020204030204" pitchFamily="49" charset="0"/>
-              </a:rPr>
-              <a:t>Account</a:t>
-            </a:r>
-            <a:r>
-              <a:rPr kumimoji="0" lang="en-US" altLang="en-US" sz="1400" b="0" i="0" u="none" strike="noStrike" cap="none" normalizeH="0" baseline="0" dirty="0" smtClean="0">
-                <a:ln>
-                  <a:noFill/>
-                </a:ln>
-                <a:solidFill>
-                  <a:srgbClr val="000000"/>
-                </a:solidFill>
-                <a:effectLst/>
-                <a:latin typeface="Consolas" panose="020B0609020204030204" pitchFamily="49" charset="0"/>
-              </a:rPr>
-              <a:t> </a:t>
-            </a:r>
-            <a:r>
-              <a:rPr kumimoji="0" lang="en-US" altLang="en-US" sz="1400" b="0" i="0" u="none" strike="noStrike" cap="none" normalizeH="0" baseline="0" dirty="0" err="1" smtClean="0">
-                <a:ln>
-                  <a:noFill/>
-                </a:ln>
-                <a:solidFill>
-                  <a:srgbClr val="000000"/>
-                </a:solidFill>
-                <a:effectLst/>
-                <a:latin typeface="Consolas" panose="020B0609020204030204" pitchFamily="49" charset="0"/>
-              </a:rPr>
-              <a:t>account</a:t>
-            </a:r>
-            <a:r>
-              <a:rPr kumimoji="0" lang="en-US" altLang="en-US" sz="1400" b="0" i="0" u="none" strike="noStrike" cap="none" normalizeH="0" baseline="0" dirty="0" smtClean="0">
-                <a:ln>
-                  <a:noFill/>
-                </a:ln>
-                <a:solidFill>
-                  <a:srgbClr val="666600"/>
-                </a:solidFill>
-                <a:effectLst/>
-                <a:latin typeface="Consolas" panose="020B0609020204030204" pitchFamily="49" charset="0"/>
-              </a:rPr>
-              <a:t>,</a:t>
-            </a:r>
-            <a:r>
-              <a:rPr kumimoji="0" lang="en-US" altLang="en-US" sz="1400" b="0" i="0" u="none" strike="noStrike" cap="none" normalizeH="0" baseline="0" dirty="0" smtClean="0">
-                <a:ln>
-                  <a:noFill/>
-                </a:ln>
-                <a:solidFill>
-                  <a:srgbClr val="000000"/>
-                </a:solidFill>
-                <a:effectLst/>
-                <a:latin typeface="Consolas" panose="020B0609020204030204" pitchFamily="49" charset="0"/>
-              </a:rPr>
-              <a:t/>
-            </a:r>
-            <a:br>
-              <a:rPr kumimoji="0" lang="en-US" altLang="en-US" sz="1400" b="0" i="0" u="none" strike="noStrike" cap="none" normalizeH="0" baseline="0" dirty="0" smtClean="0">
-                <a:ln>
-                  <a:noFill/>
-                </a:ln>
-                <a:solidFill>
-                  <a:srgbClr val="000000"/>
-                </a:solidFill>
-                <a:effectLst/>
-                <a:latin typeface="Consolas" panose="020B0609020204030204" pitchFamily="49" charset="0"/>
-              </a:rPr>
-            </a:br>
-            <a:r>
-              <a:rPr kumimoji="0" lang="en-US" altLang="en-US" sz="1400" b="0" i="0" u="none" strike="noStrike" cap="none" normalizeH="0" baseline="0" dirty="0" smtClean="0">
-                <a:ln>
-                  <a:noFill/>
-                </a:ln>
-                <a:solidFill>
-                  <a:srgbClr val="000000"/>
-                </a:solidFill>
-                <a:effectLst/>
-                <a:latin typeface="Consolas" panose="020B0609020204030204" pitchFamily="49" charset="0"/>
-              </a:rPr>
-              <a:t>            </a:t>
-            </a:r>
-            <a:r>
-              <a:rPr kumimoji="0" lang="en-US" altLang="en-US" sz="1400" b="0" i="0" u="none" strike="noStrike" cap="none" normalizeH="0" baseline="0" dirty="0" smtClean="0">
-                <a:ln>
-                  <a:noFill/>
-                </a:ln>
-                <a:solidFill>
-                  <a:srgbClr val="660066"/>
-                </a:solidFill>
-                <a:effectLst/>
-                <a:latin typeface="Consolas" panose="020B0609020204030204" pitchFamily="49" charset="0"/>
-              </a:rPr>
-              <a:t>Bundle</a:t>
-            </a:r>
-            <a:r>
-              <a:rPr kumimoji="0" lang="en-US" altLang="en-US" sz="1400" b="0" i="0" u="none" strike="noStrike" cap="none" normalizeH="0" baseline="0" dirty="0" smtClean="0">
-                <a:ln>
-                  <a:noFill/>
-                </a:ln>
-                <a:solidFill>
-                  <a:srgbClr val="000000"/>
-                </a:solidFill>
-                <a:effectLst/>
-                <a:latin typeface="Consolas" panose="020B0609020204030204" pitchFamily="49" charset="0"/>
-              </a:rPr>
-              <a:t> extras</a:t>
-            </a:r>
-            <a:r>
-              <a:rPr kumimoji="0" lang="en-US" altLang="en-US" sz="1400" b="0" i="0" u="none" strike="noStrike" cap="none" normalizeH="0" baseline="0" dirty="0" smtClean="0">
-                <a:ln>
-                  <a:noFill/>
-                </a:ln>
-                <a:solidFill>
-                  <a:srgbClr val="666600"/>
-                </a:solidFill>
-                <a:effectLst/>
-                <a:latin typeface="Consolas" panose="020B0609020204030204" pitchFamily="49" charset="0"/>
-              </a:rPr>
-              <a:t>,</a:t>
-            </a:r>
-            <a:r>
-              <a:rPr kumimoji="0" lang="en-US" altLang="en-US" sz="1400" b="0" i="0" u="none" strike="noStrike" cap="none" normalizeH="0" baseline="0" dirty="0" smtClean="0">
-                <a:ln>
-                  <a:noFill/>
-                </a:ln>
-                <a:solidFill>
-                  <a:srgbClr val="000000"/>
-                </a:solidFill>
-                <a:effectLst/>
-                <a:latin typeface="Consolas" panose="020B0609020204030204" pitchFamily="49" charset="0"/>
-              </a:rPr>
-              <a:t/>
-            </a:r>
-            <a:br>
-              <a:rPr kumimoji="0" lang="en-US" altLang="en-US" sz="1400" b="0" i="0" u="none" strike="noStrike" cap="none" normalizeH="0" baseline="0" dirty="0" smtClean="0">
-                <a:ln>
-                  <a:noFill/>
-                </a:ln>
-                <a:solidFill>
-                  <a:srgbClr val="000000"/>
-                </a:solidFill>
-                <a:effectLst/>
-                <a:latin typeface="Consolas" panose="020B0609020204030204" pitchFamily="49" charset="0"/>
-              </a:rPr>
-            </a:br>
-            <a:r>
-              <a:rPr kumimoji="0" lang="en-US" altLang="en-US" sz="1400" b="0" i="0" u="none" strike="noStrike" cap="none" normalizeH="0" baseline="0" dirty="0" smtClean="0">
-                <a:ln>
-                  <a:noFill/>
-                </a:ln>
-                <a:solidFill>
-                  <a:srgbClr val="000000"/>
-                </a:solidFill>
-                <a:effectLst/>
-                <a:latin typeface="Consolas" panose="020B0609020204030204" pitchFamily="49" charset="0"/>
-              </a:rPr>
-              <a:t>            </a:t>
-            </a:r>
-            <a:r>
-              <a:rPr kumimoji="0" lang="en-US" altLang="en-US" sz="1400" b="0" i="0" u="none" strike="noStrike" cap="none" normalizeH="0" baseline="0" dirty="0" smtClean="0">
-                <a:ln>
-                  <a:noFill/>
-                </a:ln>
-                <a:solidFill>
-                  <a:srgbClr val="660066"/>
-                </a:solidFill>
-                <a:effectLst/>
-                <a:latin typeface="Consolas" panose="020B0609020204030204" pitchFamily="49" charset="0"/>
-              </a:rPr>
-              <a:t>String</a:t>
-            </a:r>
-            <a:r>
-              <a:rPr kumimoji="0" lang="en-US" altLang="en-US" sz="1400" b="0" i="0" u="none" strike="noStrike" cap="none" normalizeH="0" baseline="0" dirty="0" smtClean="0">
-                <a:ln>
-                  <a:noFill/>
-                </a:ln>
-                <a:solidFill>
-                  <a:srgbClr val="000000"/>
-                </a:solidFill>
-                <a:effectLst/>
-                <a:latin typeface="Consolas" panose="020B0609020204030204" pitchFamily="49" charset="0"/>
-              </a:rPr>
-              <a:t> authority</a:t>
-            </a:r>
-            <a:r>
-              <a:rPr kumimoji="0" lang="en-US" altLang="en-US" sz="1400" b="0" i="0" u="none" strike="noStrike" cap="none" normalizeH="0" baseline="0" dirty="0" smtClean="0">
-                <a:ln>
-                  <a:noFill/>
-                </a:ln>
-                <a:solidFill>
-                  <a:srgbClr val="666600"/>
-                </a:solidFill>
-                <a:effectLst/>
-                <a:latin typeface="Consolas" panose="020B0609020204030204" pitchFamily="49" charset="0"/>
-              </a:rPr>
-              <a:t>,</a:t>
-            </a:r>
-            <a:r>
-              <a:rPr kumimoji="0" lang="en-US" altLang="en-US" sz="1400" b="0" i="0" u="none" strike="noStrike" cap="none" normalizeH="0" baseline="0" dirty="0" smtClean="0">
-                <a:ln>
-                  <a:noFill/>
-                </a:ln>
-                <a:solidFill>
-                  <a:srgbClr val="000000"/>
-                </a:solidFill>
-                <a:effectLst/>
-                <a:latin typeface="Consolas" panose="020B0609020204030204" pitchFamily="49" charset="0"/>
-              </a:rPr>
-              <a:t/>
-            </a:r>
-            <a:br>
-              <a:rPr kumimoji="0" lang="en-US" altLang="en-US" sz="1400" b="0" i="0" u="none" strike="noStrike" cap="none" normalizeH="0" baseline="0" dirty="0" smtClean="0">
-                <a:ln>
-                  <a:noFill/>
-                </a:ln>
-                <a:solidFill>
-                  <a:srgbClr val="000000"/>
-                </a:solidFill>
-                <a:effectLst/>
-                <a:latin typeface="Consolas" panose="020B0609020204030204" pitchFamily="49" charset="0"/>
-              </a:rPr>
-            </a:br>
-            <a:r>
-              <a:rPr kumimoji="0" lang="en-US" altLang="en-US" sz="1400" b="0" i="0" u="none" strike="noStrike" cap="none" normalizeH="0" baseline="0" dirty="0" smtClean="0">
-                <a:ln>
-                  <a:noFill/>
-                </a:ln>
-                <a:solidFill>
-                  <a:srgbClr val="000000"/>
-                </a:solidFill>
-                <a:effectLst/>
-                <a:latin typeface="Consolas" panose="020B0609020204030204" pitchFamily="49" charset="0"/>
-              </a:rPr>
-              <a:t>            </a:t>
-            </a:r>
-            <a:r>
-              <a:rPr kumimoji="0" lang="en-US" altLang="en-US" sz="1400" b="0" i="0" u="none" strike="noStrike" cap="none" normalizeH="0" baseline="0" dirty="0" err="1" smtClean="0">
-                <a:ln>
-                  <a:noFill/>
-                </a:ln>
-                <a:solidFill>
-                  <a:srgbClr val="660066"/>
-                </a:solidFill>
-                <a:effectLst/>
-                <a:latin typeface="Consolas" panose="020B0609020204030204" pitchFamily="49" charset="0"/>
-              </a:rPr>
-              <a:t>ContentProviderClient</a:t>
-            </a:r>
-            <a:r>
-              <a:rPr kumimoji="0" lang="en-US" altLang="en-US" sz="1400" b="0" i="0" u="none" strike="noStrike" cap="none" normalizeH="0" baseline="0" dirty="0" smtClean="0">
-                <a:ln>
-                  <a:noFill/>
-                </a:ln>
-                <a:solidFill>
-                  <a:srgbClr val="000000"/>
-                </a:solidFill>
-                <a:effectLst/>
-                <a:latin typeface="Consolas" panose="020B0609020204030204" pitchFamily="49" charset="0"/>
-              </a:rPr>
-              <a:t> provider</a:t>
-            </a:r>
-            <a:r>
-              <a:rPr kumimoji="0" lang="en-US" altLang="en-US" sz="1400" b="0" i="0" u="none" strike="noStrike" cap="none" normalizeH="0" baseline="0" dirty="0" smtClean="0">
-                <a:ln>
-                  <a:noFill/>
-                </a:ln>
-                <a:solidFill>
-                  <a:srgbClr val="666600"/>
-                </a:solidFill>
-                <a:effectLst/>
-                <a:latin typeface="Consolas" panose="020B0609020204030204" pitchFamily="49" charset="0"/>
-              </a:rPr>
-              <a:t>,</a:t>
-            </a:r>
-            <a:r>
-              <a:rPr kumimoji="0" lang="en-US" altLang="en-US" sz="1400" b="0" i="0" u="none" strike="noStrike" cap="none" normalizeH="0" baseline="0" dirty="0" smtClean="0">
-                <a:ln>
-                  <a:noFill/>
-                </a:ln>
-                <a:solidFill>
-                  <a:srgbClr val="000000"/>
-                </a:solidFill>
-                <a:effectLst/>
-                <a:latin typeface="Consolas" panose="020B0609020204030204" pitchFamily="49" charset="0"/>
-              </a:rPr>
-              <a:t/>
-            </a:r>
-            <a:br>
-              <a:rPr kumimoji="0" lang="en-US" altLang="en-US" sz="1400" b="0" i="0" u="none" strike="noStrike" cap="none" normalizeH="0" baseline="0" dirty="0" smtClean="0">
-                <a:ln>
-                  <a:noFill/>
-                </a:ln>
-                <a:solidFill>
-                  <a:srgbClr val="000000"/>
-                </a:solidFill>
-                <a:effectLst/>
-                <a:latin typeface="Consolas" panose="020B0609020204030204" pitchFamily="49" charset="0"/>
-              </a:rPr>
-            </a:br>
-            <a:r>
-              <a:rPr kumimoji="0" lang="en-US" altLang="en-US" sz="1400" b="0" i="0" u="none" strike="noStrike" cap="none" normalizeH="0" baseline="0" dirty="0" smtClean="0">
-                <a:ln>
-                  <a:noFill/>
-                </a:ln>
-                <a:solidFill>
-                  <a:srgbClr val="000000"/>
-                </a:solidFill>
-                <a:effectLst/>
-                <a:latin typeface="Consolas" panose="020B0609020204030204" pitchFamily="49" charset="0"/>
-              </a:rPr>
-              <a:t>            </a:t>
-            </a:r>
-            <a:r>
-              <a:rPr kumimoji="0" lang="en-US" altLang="en-US" sz="1400" b="0" i="0" u="none" strike="noStrike" cap="none" normalizeH="0" baseline="0" dirty="0" err="1" smtClean="0">
-                <a:ln>
-                  <a:noFill/>
-                </a:ln>
-                <a:solidFill>
-                  <a:srgbClr val="660066"/>
-                </a:solidFill>
-                <a:effectLst/>
-                <a:latin typeface="Consolas" panose="020B0609020204030204" pitchFamily="49" charset="0"/>
-              </a:rPr>
-              <a:t>SyncResult</a:t>
-            </a:r>
-            <a:r>
-              <a:rPr kumimoji="0" lang="en-US" altLang="en-US" sz="1400" b="0" i="0" u="none" strike="noStrike" cap="none" normalizeH="0" baseline="0" dirty="0" smtClean="0">
-                <a:ln>
-                  <a:noFill/>
-                </a:ln>
-                <a:solidFill>
-                  <a:srgbClr val="000000"/>
-                </a:solidFill>
-                <a:effectLst/>
-                <a:latin typeface="Consolas" panose="020B0609020204030204" pitchFamily="49" charset="0"/>
-              </a:rPr>
-              <a:t> </a:t>
-            </a:r>
-            <a:r>
-              <a:rPr kumimoji="0" lang="en-US" altLang="en-US" sz="1400" b="0" i="0" u="none" strike="noStrike" cap="none" normalizeH="0" baseline="0" dirty="0" err="1" smtClean="0">
-                <a:ln>
-                  <a:noFill/>
-                </a:ln>
-                <a:solidFill>
-                  <a:srgbClr val="000000"/>
-                </a:solidFill>
-                <a:effectLst/>
-                <a:latin typeface="Consolas" panose="020B0609020204030204" pitchFamily="49" charset="0"/>
-              </a:rPr>
-              <a:t>syncResult</a:t>
-            </a:r>
-            <a:r>
-              <a:rPr kumimoji="0" lang="en-US" altLang="en-US" sz="1400" b="0" i="0" u="none" strike="noStrike" cap="none" normalizeH="0" baseline="0" dirty="0" smtClean="0">
-                <a:ln>
-                  <a:noFill/>
-                </a:ln>
-                <a:solidFill>
-                  <a:srgbClr val="666600"/>
-                </a:solidFill>
-                <a:effectLst/>
-                <a:latin typeface="Consolas" panose="020B0609020204030204" pitchFamily="49" charset="0"/>
-              </a:rPr>
-              <a:t>)</a:t>
-            </a:r>
-            <a:r>
-              <a:rPr kumimoji="0" lang="en-US" altLang="en-US" sz="1400" b="0" i="0" u="none" strike="noStrike" cap="none" normalizeH="0" baseline="0" dirty="0" smtClean="0">
-                <a:ln>
-                  <a:noFill/>
-                </a:ln>
-                <a:solidFill>
-                  <a:srgbClr val="000000"/>
-                </a:solidFill>
-                <a:effectLst/>
-                <a:latin typeface="Consolas" panose="020B0609020204030204" pitchFamily="49" charset="0"/>
-              </a:rPr>
-              <a:t> </a:t>
-            </a:r>
-            <a:r>
-              <a:rPr kumimoji="0" lang="en-US" altLang="en-US" sz="1400" b="0" i="0" u="none" strike="noStrike" cap="none" normalizeH="0" baseline="0" dirty="0" smtClean="0">
-                <a:ln>
-                  <a:noFill/>
-                </a:ln>
-                <a:solidFill>
-                  <a:srgbClr val="666600"/>
-                </a:solidFill>
-                <a:effectLst/>
-                <a:latin typeface="Consolas" panose="020B0609020204030204" pitchFamily="49" charset="0"/>
-              </a:rPr>
-              <a:t>{</a:t>
-            </a:r>
-            <a:r>
-              <a:rPr kumimoji="0" lang="en-US" altLang="en-US" sz="1400" b="0" i="0" u="none" strike="noStrike" cap="none" normalizeH="0" baseline="0" dirty="0" smtClean="0">
-                <a:ln>
-                  <a:noFill/>
-                </a:ln>
-                <a:solidFill>
-                  <a:srgbClr val="000000"/>
-                </a:solidFill>
-                <a:effectLst/>
-                <a:latin typeface="Consolas" panose="020B0609020204030204" pitchFamily="49" charset="0"/>
-              </a:rPr>
-              <a:t/>
-            </a:r>
-            <a:br>
-              <a:rPr kumimoji="0" lang="en-US" altLang="en-US" sz="1400" b="0" i="0" u="none" strike="noStrike" cap="none" normalizeH="0" baseline="0" dirty="0" smtClean="0">
-                <a:ln>
-                  <a:noFill/>
-                </a:ln>
-                <a:solidFill>
-                  <a:srgbClr val="000000"/>
-                </a:solidFill>
-                <a:effectLst/>
-                <a:latin typeface="Consolas" panose="020B0609020204030204" pitchFamily="49" charset="0"/>
-              </a:rPr>
-            </a:br>
-            <a:r>
-              <a:rPr kumimoji="0" lang="en-US" altLang="en-US" sz="1400" b="0" i="0" u="none" strike="noStrike" cap="none" normalizeH="0" baseline="0" dirty="0" smtClean="0">
-                <a:ln>
-                  <a:noFill/>
-                </a:ln>
-                <a:solidFill>
-                  <a:srgbClr val="000000"/>
-                </a:solidFill>
-                <a:effectLst/>
-                <a:latin typeface="Consolas" panose="020B0609020204030204" pitchFamily="49" charset="0"/>
-              </a:rPr>
-              <a:t>    </a:t>
-            </a:r>
-            <a:r>
-              <a:rPr kumimoji="0" lang="en-US" altLang="en-US" sz="1400" b="0" i="0" u="none" strike="noStrike" cap="none" normalizeH="0" baseline="0" dirty="0" smtClean="0">
-                <a:ln>
-                  <a:noFill/>
-                </a:ln>
-                <a:solidFill>
-                  <a:srgbClr val="006600"/>
-                </a:solidFill>
-                <a:effectLst/>
-                <a:latin typeface="Consolas" panose="020B0609020204030204" pitchFamily="49" charset="0"/>
-              </a:rPr>
-              <a:t>/*</a:t>
-            </a:r>
-            <a:br>
-              <a:rPr kumimoji="0" lang="en-US" altLang="en-US" sz="1400" b="0" i="0" u="none" strike="noStrike" cap="none" normalizeH="0" baseline="0" dirty="0" smtClean="0">
-                <a:ln>
-                  <a:noFill/>
-                </a:ln>
-                <a:solidFill>
-                  <a:srgbClr val="006600"/>
-                </a:solidFill>
-                <a:effectLst/>
-                <a:latin typeface="Consolas" panose="020B0609020204030204" pitchFamily="49" charset="0"/>
-              </a:rPr>
-            </a:br>
-            <a:r>
-              <a:rPr kumimoji="0" lang="en-US" altLang="en-US" sz="1400" b="0" i="0" u="none" strike="noStrike" cap="none" normalizeH="0" baseline="0" dirty="0" smtClean="0">
-                <a:ln>
-                  <a:noFill/>
-                </a:ln>
-                <a:solidFill>
-                  <a:srgbClr val="006600"/>
-                </a:solidFill>
-                <a:effectLst/>
-                <a:latin typeface="Consolas" panose="020B0609020204030204" pitchFamily="49" charset="0"/>
-              </a:rPr>
-              <a:t>     * Put the data transfer code here.</a:t>
-            </a:r>
-            <a:br>
-              <a:rPr kumimoji="0" lang="en-US" altLang="en-US" sz="1400" b="0" i="0" u="none" strike="noStrike" cap="none" normalizeH="0" baseline="0" dirty="0" smtClean="0">
-                <a:ln>
-                  <a:noFill/>
-                </a:ln>
-                <a:solidFill>
-                  <a:srgbClr val="006600"/>
-                </a:solidFill>
-                <a:effectLst/>
-                <a:latin typeface="Consolas" panose="020B0609020204030204" pitchFamily="49" charset="0"/>
-              </a:rPr>
-            </a:br>
-            <a:r>
-              <a:rPr kumimoji="0" lang="en-US" altLang="en-US" sz="1400" b="0" i="0" u="none" strike="noStrike" cap="none" normalizeH="0" baseline="0" dirty="0" smtClean="0">
-                <a:ln>
-                  <a:noFill/>
-                </a:ln>
-                <a:solidFill>
-                  <a:srgbClr val="006600"/>
-                </a:solidFill>
-                <a:effectLst/>
-                <a:latin typeface="Consolas" panose="020B0609020204030204" pitchFamily="49" charset="0"/>
-              </a:rPr>
-              <a:t>     */</a:t>
-            </a:r>
-            <a:r>
-              <a:rPr kumimoji="0" lang="en-US" altLang="en-US" sz="1400" b="0" i="0" u="none" strike="noStrike" cap="none" normalizeH="0" baseline="0" dirty="0" smtClean="0">
-                <a:ln>
-                  <a:noFill/>
-                </a:ln>
-                <a:solidFill>
-                  <a:srgbClr val="000000"/>
-                </a:solidFill>
-                <a:effectLst/>
-                <a:latin typeface="Consolas" panose="020B0609020204030204" pitchFamily="49" charset="0"/>
-              </a:rPr>
-              <a:t/>
-            </a:r>
-            <a:br>
-              <a:rPr kumimoji="0" lang="en-US" altLang="en-US" sz="1400" b="0" i="0" u="none" strike="noStrike" cap="none" normalizeH="0" baseline="0" dirty="0" smtClean="0">
-                <a:ln>
-                  <a:noFill/>
-                </a:ln>
-                <a:solidFill>
-                  <a:srgbClr val="000000"/>
-                </a:solidFill>
-                <a:effectLst/>
-                <a:latin typeface="Consolas" panose="020B0609020204030204" pitchFamily="49" charset="0"/>
-              </a:rPr>
-            </a:br>
-            <a:r>
-              <a:rPr kumimoji="0" lang="en-US" altLang="en-US" sz="1400" b="0" i="0" u="none" strike="noStrike" cap="none" normalizeH="0" baseline="0" dirty="0" smtClean="0">
-                <a:ln>
-                  <a:noFill/>
-                </a:ln>
-                <a:solidFill>
-                  <a:srgbClr val="000000"/>
-                </a:solidFill>
-                <a:effectLst/>
-                <a:latin typeface="Consolas" panose="020B0609020204030204" pitchFamily="49" charset="0"/>
-              </a:rPr>
-              <a:t>    </a:t>
-            </a:r>
-            <a:r>
-              <a:rPr kumimoji="0" lang="en-US" altLang="en-US" sz="1400" b="0" i="0" u="none" strike="noStrike" cap="none" normalizeH="0" baseline="0" dirty="0" smtClean="0">
-                <a:ln>
-                  <a:noFill/>
-                </a:ln>
-                <a:solidFill>
-                  <a:srgbClr val="666600"/>
-                </a:solidFill>
-                <a:effectLst/>
-                <a:latin typeface="Consolas" panose="020B0609020204030204" pitchFamily="49" charset="0"/>
-              </a:rPr>
-              <a:t>...</a:t>
-            </a:r>
-            <a:r>
-              <a:rPr kumimoji="0" lang="en-US" altLang="en-US" sz="1400" b="0" i="0" u="none" strike="noStrike" cap="none" normalizeH="0" baseline="0" dirty="0" smtClean="0">
-                <a:ln>
-                  <a:noFill/>
-                </a:ln>
-                <a:solidFill>
-                  <a:srgbClr val="000000"/>
-                </a:solidFill>
-                <a:effectLst/>
-                <a:latin typeface="Consolas" panose="020B0609020204030204" pitchFamily="49" charset="0"/>
-              </a:rPr>
-              <a:t/>
-            </a:r>
-            <a:br>
-              <a:rPr kumimoji="0" lang="en-US" altLang="en-US" sz="1400" b="0" i="0" u="none" strike="noStrike" cap="none" normalizeH="0" baseline="0" dirty="0" smtClean="0">
-                <a:ln>
-                  <a:noFill/>
-                </a:ln>
-                <a:solidFill>
-                  <a:srgbClr val="000000"/>
-                </a:solidFill>
-                <a:effectLst/>
-                <a:latin typeface="Consolas" panose="020B0609020204030204" pitchFamily="49" charset="0"/>
-              </a:rPr>
-            </a:br>
-            <a:r>
-              <a:rPr kumimoji="0" lang="en-US" altLang="en-US" sz="1400" b="0" i="0" u="none" strike="noStrike" cap="none" normalizeH="0" baseline="0" dirty="0" smtClean="0">
-                <a:ln>
-                  <a:noFill/>
-                </a:ln>
-                <a:solidFill>
-                  <a:srgbClr val="000000"/>
-                </a:solidFill>
-                <a:effectLst/>
-                <a:latin typeface="Consolas" panose="020B0609020204030204" pitchFamily="49" charset="0"/>
-              </a:rPr>
-              <a:t>    </a:t>
-            </a:r>
-            <a:r>
-              <a:rPr kumimoji="0" lang="en-US" altLang="en-US" sz="1400" b="0" i="0" u="none" strike="noStrike" cap="none" normalizeH="0" baseline="0" dirty="0" smtClean="0">
-                <a:ln>
-                  <a:noFill/>
-                </a:ln>
-                <a:solidFill>
-                  <a:srgbClr val="666600"/>
-                </a:solidFill>
-                <a:effectLst/>
-                <a:latin typeface="Consolas" panose="020B0609020204030204" pitchFamily="49" charset="0"/>
-              </a:rPr>
-              <a:t>}</a:t>
-            </a:r>
-            <a:r>
-              <a:rPr kumimoji="0" lang="en-US" altLang="en-US" sz="1400" b="0" i="0" u="none" strike="noStrike" cap="none" normalizeH="0" baseline="0" dirty="0" smtClean="0">
-                <a:ln>
-                  <a:noFill/>
-                </a:ln>
-                <a:solidFill>
-                  <a:schemeClr val="tx1"/>
-                </a:solidFill>
-                <a:effectLst/>
-                <a:latin typeface="Consolas" panose="020B0609020204030204" pitchFamily="49" charset="0"/>
-              </a:rPr>
-              <a:t> </a:t>
-            </a:r>
-          </a:p>
-        </p:txBody>
-      </p:sp>
-    </p:spTree>
-    <p:extLst>
-      <p:ext uri="{BB962C8B-B14F-4D97-AF65-F5344CB8AC3E}">
-        <p14:creationId xmlns:p14="http://schemas.microsoft.com/office/powerpoint/2010/main" val="4008872627"/>
-      </p:ext>
-    </p:extLst>
-  </p:cSld>
-  <p:clrMapOvr>
-    <a:masterClrMapping/>
-  </p:clrMapOvr>
-  <mc:AlternateContent xmlns:mc="http://schemas.openxmlformats.org/markup-compatibility/2006" xmlns:p14="http://schemas.microsoft.com/office/powerpoint/2010/main">
-    <mc:Choice Requires="p14">
-      <p:transition p14:dur="250">
-        <p14:reveal/>
-      </p:transition>
-    </mc:Choice>
-    <mc:Fallback xmlns="">
-      <p:transition>
-        <p:fade/>
-      </p:transition>
-    </mc:Fallback>
-  </mc:AlternateContent>
-  <p:timing>
-    <p:tnLst>
-      <p:par>
-        <p:cTn id="1" dur="indefinite" restart="never" nodeType="tmRoot"/>
-      </p:par>
-    </p:tnLst>
-  </p:timing>
-</p:sld>
-</file>
-
-<file path=ppt/slides/slide17.xml><?xml version="1.0" encoding="utf-8"?>
-<p:sld xmlns:a="http://schemas.openxmlformats.org/drawingml/2006/main" xmlns:r="http://schemas.openxmlformats.org/officeDocument/2006/relationships" xmlns:p="http://schemas.openxmlformats.org/presentationml/2006/main">
-  <p:cSld>
-    <p:spTree>
-      <p:nvGrpSpPr>
-        <p:cNvPr id="1" name=""/>
-        <p:cNvGrpSpPr/>
-        <p:nvPr/>
-      </p:nvGrpSpPr>
-      <p:grpSpPr>
-        <a:xfrm>
-          <a:off x="0" y="0"/>
-          <a:ext cx="0" cy="0"/>
-          <a:chOff x="0" y="0"/>
-          <a:chExt cx="0" cy="0"/>
-        </a:xfrm>
-      </p:grpSpPr>
-      <p:pic>
-        <p:nvPicPr>
-          <p:cNvPr id="4" name="Picture 2" descr="C:\Users\Paul\Documents\My Dropbox\Pixplicity\Pictures\Paul_2012-06-04-square-600px.jpg"/>
-          <p:cNvPicPr>
-            <a:picLocks noChangeAspect="1" noChangeArrowheads="1"/>
-          </p:cNvPicPr>
-          <p:nvPr/>
-        </p:nvPicPr>
-        <p:blipFill>
-          <a:blip r:embed="rId2" cstate="print">
-            <a:extLst>
-              <a:ext uri="{28A0092B-C50C-407E-A947-70E740481C1C}">
-                <a14:useLocalDpi xmlns:a14="http://schemas.microsoft.com/office/drawing/2010/main" val="0"/>
-              </a:ext>
-            </a:extLst>
-          </a:blip>
-          <a:srcRect/>
-          <a:stretch>
-            <a:fillRect/>
-          </a:stretch>
-        </p:blipFill>
-        <p:spPr bwMode="auto">
-          <a:xfrm>
-            <a:off x="9840416" y="4077072"/>
-            <a:ext cx="1911697" cy="1911697"/>
-          </a:xfrm>
-          <a:prstGeom prst="rect">
-            <a:avLst/>
-          </a:prstGeom>
-          <a:solidFill>
-            <a:srgbClr val="FFFFFF">
-              <a:shade val="85000"/>
-            </a:srgbClr>
-          </a:solidFill>
-          <a:ln w="127000" cap="rnd">
-            <a:solidFill>
-              <a:srgbClr val="FFFFFF"/>
-            </a:solidFill>
-          </a:ln>
-          <a:effectLst>
-            <a:outerShdw blurRad="76200" dir="18900000" sy="23000" kx="-1200000" algn="bl" rotWithShape="0">
-              <a:prstClr val="black">
-                <a:alpha val="20000"/>
-              </a:prstClr>
-            </a:outerShdw>
-          </a:effectLst>
-          <a:scene3d>
-            <a:camera prst="perspectiveContrastingLeftFacing" fov="4800000">
-              <a:rot lat="540000" lon="900000" rev="0"/>
-            </a:camera>
-            <a:lightRig rig="soft" dir="t"/>
-          </a:scene3d>
-          <a:sp3d contourW="12700" prstMaterial="matte">
-            <a:bevelT w="63500" h="50800"/>
-            <a:contourClr>
-              <a:srgbClr val="C0C0C0"/>
-            </a:contourClr>
-          </a:sp3d>
-          <a:extLst/>
-        </p:spPr>
-      </p:pic>
-      <p:sp>
-        <p:nvSpPr>
-          <p:cNvPr id="5" name="TextBox 4"/>
-          <p:cNvSpPr txBox="1"/>
-          <p:nvPr/>
-        </p:nvSpPr>
-        <p:spPr>
-          <a:xfrm>
-            <a:off x="6711552" y="5333727"/>
-            <a:ext cx="3083740" cy="615553"/>
-          </a:xfrm>
-          <a:prstGeom prst="rect">
-            <a:avLst/>
-          </a:prstGeom>
-          <a:noFill/>
-        </p:spPr>
-        <p:txBody>
-          <a:bodyPr wrap="square" lIns="0" tIns="0" rIns="0" bIns="0" rtlCol="0">
-            <a:spAutoFit/>
-          </a:bodyPr>
-          <a:lstStyle/>
-          <a:p>
-            <a:pPr algn="r"/>
-            <a:r>
-              <a:rPr lang="en-US" sz="2000" b="1" dirty="0">
-                <a:solidFill>
-                  <a:schemeClr val="bg1">
-                    <a:lumMod val="65000"/>
-                  </a:schemeClr>
-                </a:solidFill>
-              </a:rPr>
-              <a:t>Paul </a:t>
-            </a:r>
-            <a:r>
-              <a:rPr lang="en-US" sz="2000" b="1" dirty="0" err="1">
-                <a:solidFill>
-                  <a:schemeClr val="bg1">
-                    <a:lumMod val="65000"/>
-                  </a:schemeClr>
-                </a:solidFill>
-              </a:rPr>
-              <a:t>Lammertsma</a:t>
-            </a:r>
-            <a:endParaRPr lang="en-US" sz="2000" b="1" dirty="0">
-              <a:solidFill>
-                <a:schemeClr val="bg1">
-                  <a:lumMod val="65000"/>
-                </a:schemeClr>
-              </a:solidFill>
-            </a:endParaRPr>
-          </a:p>
-          <a:p>
-            <a:pPr algn="r"/>
-            <a:r>
-              <a:rPr lang="en-US" sz="2000" dirty="0">
-                <a:solidFill>
-                  <a:schemeClr val="bg1">
-                    <a:lumMod val="65000"/>
-                  </a:schemeClr>
-                </a:solidFill>
-              </a:rPr>
-              <a:t>CTO, </a:t>
-            </a:r>
-            <a:r>
-              <a:rPr lang="en-US" sz="2000" dirty="0" err="1">
-                <a:solidFill>
-                  <a:schemeClr val="bg1">
-                    <a:lumMod val="65000"/>
-                  </a:schemeClr>
-                </a:solidFill>
-              </a:rPr>
-              <a:t>Pixplicity</a:t>
-            </a:r>
-            <a:endParaRPr lang="en-US" sz="2000" dirty="0">
-              <a:solidFill>
-                <a:schemeClr val="bg1">
-                  <a:lumMod val="65000"/>
-                </a:schemeClr>
-              </a:solidFill>
-            </a:endParaRPr>
-          </a:p>
-        </p:txBody>
-      </p:sp>
-      <p:sp>
-        <p:nvSpPr>
-          <p:cNvPr id="11" name="Title 10"/>
-          <p:cNvSpPr>
-            <a:spLocks noGrp="1"/>
-          </p:cNvSpPr>
-          <p:nvPr>
-            <p:ph type="ctrTitle"/>
-          </p:nvPr>
-        </p:nvSpPr>
-        <p:spPr/>
-        <p:txBody>
-          <a:bodyPr/>
-          <a:lstStyle/>
-          <a:p>
-            <a:r>
-              <a:rPr lang="en-US" dirty="0" smtClean="0"/>
-              <a:t>Beginner’s Workshop</a:t>
-            </a:r>
-            <a:endParaRPr lang="en-US" dirty="0"/>
-          </a:p>
-        </p:txBody>
-      </p:sp>
-    </p:spTree>
-    <p:extLst>
-      <p:ext uri="{BB962C8B-B14F-4D97-AF65-F5344CB8AC3E}">
-        <p14:creationId xmlns:p14="http://schemas.microsoft.com/office/powerpoint/2010/main" val="4094869341"/>
       </p:ext>
     </p:extLst>
   </p:cSld>
@@ -15535,6 +16707,1319 @@
             </p:seq>
           </p:childTnLst>
         </p:cTn>
+      </p:par>
+    </p:tnLst>
+  </p:timing>
+</p:sld>
+</file>
+
+<file path=ppt/slides/slide20.xml><?xml version="1.0" encoding="utf-8"?>
+<p:sld xmlns:a="http://schemas.openxmlformats.org/drawingml/2006/main" xmlns:r="http://schemas.openxmlformats.org/officeDocument/2006/relationships" xmlns:p="http://schemas.openxmlformats.org/presentationml/2006/main">
+  <p:cSld>
+    <p:spTree>
+      <p:nvGrpSpPr>
+        <p:cNvPr id="1" name=""/>
+        <p:cNvGrpSpPr/>
+        <p:nvPr/>
+      </p:nvGrpSpPr>
+      <p:grpSpPr>
+        <a:xfrm>
+          <a:off x="0" y="0"/>
+          <a:ext cx="0" cy="0"/>
+          <a:chOff x="0" y="0"/>
+          <a:chExt cx="0" cy="0"/>
+        </a:xfrm>
+      </p:grpSpPr>
+      <p:sp>
+        <p:nvSpPr>
+          <p:cNvPr id="2" name="Title 1"/>
+          <p:cNvSpPr>
+            <a:spLocks noGrp="1"/>
+          </p:cNvSpPr>
+          <p:nvPr>
+            <p:ph type="title"/>
+          </p:nvPr>
+        </p:nvSpPr>
+        <p:spPr/>
+        <p:txBody>
+          <a:bodyPr/>
+          <a:lstStyle/>
+          <a:p>
+            <a:r>
+              <a:rPr lang="en-US" dirty="0" err="1" smtClean="0"/>
+              <a:t>onPerformSync</a:t>
+            </a:r>
+            <a:r>
+              <a:rPr lang="en-US" dirty="0" smtClean="0"/>
+              <a:t>()</a:t>
+            </a:r>
+            <a:endParaRPr lang="en-US" dirty="0"/>
+          </a:p>
+        </p:txBody>
+      </p:sp>
+      <p:sp>
+        <p:nvSpPr>
+          <p:cNvPr id="4" name="Rectangle 1"/>
+          <p:cNvSpPr>
+            <a:spLocks noGrp="1" noChangeArrowheads="1"/>
+          </p:cNvSpPr>
+          <p:nvPr>
+            <p:ph idx="1"/>
+          </p:nvPr>
+        </p:nvSpPr>
+        <p:spPr bwMode="auto">
+          <a:xfrm>
+            <a:off x="983432" y="1783566"/>
+            <a:ext cx="8178521" cy="4031873"/>
+          </a:xfrm>
+          <a:prstGeom prst="rect">
+            <a:avLst/>
+          </a:prstGeom>
+          <a:solidFill>
+            <a:srgbClr val="F7F7F7"/>
+          </a:solidFill>
+          <a:ln>
+            <a:noFill/>
+          </a:ln>
+          <a:effectLst/>
+          <a:extLst>
+            <a:ext uri="{91240B29-F687-4F45-9708-019B960494DF}">
+              <a14:hiddenLine xmlns:a14="http://schemas.microsoft.com/office/drawing/2010/main" w="9525">
+                <a:solidFill>
+                  <a:schemeClr val="tx1"/>
+                </a:solidFill>
+                <a:miter lim="800000"/>
+                <a:headEnd/>
+                <a:tailEnd/>
+              </a14:hiddenLine>
+            </a:ext>
+            <a:ext uri="{AF507438-7753-43E0-B8FC-AC1667EBCBE1}">
+              <a14:hiddenEffects xmlns:a14="http://schemas.microsoft.com/office/drawing/2010/main">
+                <a:effectLst>
+                  <a:outerShdw dist="35921" dir="2700000" algn="ctr" rotWithShape="0">
+                    <a:schemeClr val="bg2"/>
+                  </a:outerShdw>
+                </a:effectLst>
+              </a14:hiddenEffects>
+            </a:ext>
+          </a:extLst>
+        </p:spPr>
+        <p:txBody>
+          <a:bodyPr vert="horz" wrap="none" lIns="457200" tIns="182880" rIns="457200" bIns="182880" numCol="1" anchor="ctr" anchorCtr="0" compatLnSpc="1">
+            <a:prstTxWarp prst="textNoShape">
+              <a:avLst/>
+            </a:prstTxWarp>
+            <a:spAutoFit/>
+          </a:bodyPr>
+          <a:lstStyle/>
+          <a:p>
+            <a:pPr marL="0" marR="0" lvl="0" indent="0" algn="l" defTabSz="914400" rtl="0" eaLnBrk="0" fontAlgn="base" latinLnBrk="0" hangingPunct="0">
+              <a:lnSpc>
+                <a:spcPct val="100000"/>
+              </a:lnSpc>
+              <a:spcBef>
+                <a:spcPct val="0"/>
+              </a:spcBef>
+              <a:spcAft>
+                <a:spcPct val="0"/>
+              </a:spcAft>
+              <a:buClrTx/>
+              <a:buSzTx/>
+              <a:buFontTx/>
+              <a:buNone/>
+              <a:tabLst/>
+            </a:pPr>
+            <a:r>
+              <a:rPr kumimoji="0" lang="en-US" altLang="en-US" sz="1400" b="0" i="0" u="none" strike="noStrike" cap="none" normalizeH="0" baseline="0" dirty="0" smtClean="0">
+                <a:ln>
+                  <a:noFill/>
+                </a:ln>
+                <a:solidFill>
+                  <a:srgbClr val="000000"/>
+                </a:solidFill>
+                <a:effectLst/>
+                <a:latin typeface="Consolas" panose="020B0609020204030204" pitchFamily="49" charset="0"/>
+              </a:rPr>
+              <a:t>    </a:t>
+            </a:r>
+            <a:r>
+              <a:rPr kumimoji="0" lang="en-US" altLang="en-US" sz="1400" b="0" i="0" u="none" strike="noStrike" cap="none" normalizeH="0" baseline="0" dirty="0" smtClean="0">
+                <a:ln>
+                  <a:noFill/>
+                </a:ln>
+                <a:solidFill>
+                  <a:srgbClr val="006600"/>
+                </a:solidFill>
+                <a:effectLst/>
+                <a:latin typeface="Consolas" panose="020B0609020204030204" pitchFamily="49" charset="0"/>
+              </a:rPr>
+              <a:t>/*</a:t>
+            </a:r>
+            <a:br>
+              <a:rPr kumimoji="0" lang="en-US" altLang="en-US" sz="1400" b="0" i="0" u="none" strike="noStrike" cap="none" normalizeH="0" baseline="0" dirty="0" smtClean="0">
+                <a:ln>
+                  <a:noFill/>
+                </a:ln>
+                <a:solidFill>
+                  <a:srgbClr val="006600"/>
+                </a:solidFill>
+                <a:effectLst/>
+                <a:latin typeface="Consolas" panose="020B0609020204030204" pitchFamily="49" charset="0"/>
+              </a:rPr>
+            </a:br>
+            <a:r>
+              <a:rPr kumimoji="0" lang="en-US" altLang="en-US" sz="1400" b="0" i="0" u="none" strike="noStrike" cap="none" normalizeH="0" baseline="0" dirty="0" smtClean="0">
+                <a:ln>
+                  <a:noFill/>
+                </a:ln>
+                <a:solidFill>
+                  <a:srgbClr val="006600"/>
+                </a:solidFill>
+                <a:effectLst/>
+                <a:latin typeface="Consolas" panose="020B0609020204030204" pitchFamily="49" charset="0"/>
+              </a:rPr>
+              <a:t>     * Specify the code you want to run in the sync adapter. The entire</a:t>
+            </a:r>
+            <a:br>
+              <a:rPr kumimoji="0" lang="en-US" altLang="en-US" sz="1400" b="0" i="0" u="none" strike="noStrike" cap="none" normalizeH="0" baseline="0" dirty="0" smtClean="0">
+                <a:ln>
+                  <a:noFill/>
+                </a:ln>
+                <a:solidFill>
+                  <a:srgbClr val="006600"/>
+                </a:solidFill>
+                <a:effectLst/>
+                <a:latin typeface="Consolas" panose="020B0609020204030204" pitchFamily="49" charset="0"/>
+              </a:rPr>
+            </a:br>
+            <a:r>
+              <a:rPr kumimoji="0" lang="en-US" altLang="en-US" sz="1400" b="0" i="0" u="none" strike="noStrike" cap="none" normalizeH="0" baseline="0" dirty="0" smtClean="0">
+                <a:ln>
+                  <a:noFill/>
+                </a:ln>
+                <a:solidFill>
+                  <a:srgbClr val="006600"/>
+                </a:solidFill>
+                <a:effectLst/>
+                <a:latin typeface="Consolas" panose="020B0609020204030204" pitchFamily="49" charset="0"/>
+              </a:rPr>
+              <a:t>     * sync adapter runs in a background thread, so you don't have to set</a:t>
+            </a:r>
+            <a:br>
+              <a:rPr kumimoji="0" lang="en-US" altLang="en-US" sz="1400" b="0" i="0" u="none" strike="noStrike" cap="none" normalizeH="0" baseline="0" dirty="0" smtClean="0">
+                <a:ln>
+                  <a:noFill/>
+                </a:ln>
+                <a:solidFill>
+                  <a:srgbClr val="006600"/>
+                </a:solidFill>
+                <a:effectLst/>
+                <a:latin typeface="Consolas" panose="020B0609020204030204" pitchFamily="49" charset="0"/>
+              </a:rPr>
+            </a:br>
+            <a:r>
+              <a:rPr kumimoji="0" lang="en-US" altLang="en-US" sz="1400" b="0" i="0" u="none" strike="noStrike" cap="none" normalizeH="0" baseline="0" dirty="0" smtClean="0">
+                <a:ln>
+                  <a:noFill/>
+                </a:ln>
+                <a:solidFill>
+                  <a:srgbClr val="006600"/>
+                </a:solidFill>
+                <a:effectLst/>
+                <a:latin typeface="Consolas" panose="020B0609020204030204" pitchFamily="49" charset="0"/>
+              </a:rPr>
+              <a:t>     * up your own background processing.</a:t>
+            </a:r>
+            <a:br>
+              <a:rPr kumimoji="0" lang="en-US" altLang="en-US" sz="1400" b="0" i="0" u="none" strike="noStrike" cap="none" normalizeH="0" baseline="0" dirty="0" smtClean="0">
+                <a:ln>
+                  <a:noFill/>
+                </a:ln>
+                <a:solidFill>
+                  <a:srgbClr val="006600"/>
+                </a:solidFill>
+                <a:effectLst/>
+                <a:latin typeface="Consolas" panose="020B0609020204030204" pitchFamily="49" charset="0"/>
+              </a:rPr>
+            </a:br>
+            <a:r>
+              <a:rPr kumimoji="0" lang="en-US" altLang="en-US" sz="1400" b="0" i="0" u="none" strike="noStrike" cap="none" normalizeH="0" baseline="0" dirty="0" smtClean="0">
+                <a:ln>
+                  <a:noFill/>
+                </a:ln>
+                <a:solidFill>
+                  <a:srgbClr val="006600"/>
+                </a:solidFill>
+                <a:effectLst/>
+                <a:latin typeface="Consolas" panose="020B0609020204030204" pitchFamily="49" charset="0"/>
+              </a:rPr>
+              <a:t>     */</a:t>
+            </a:r>
+            <a:r>
+              <a:rPr kumimoji="0" lang="en-US" altLang="en-US" sz="1400" b="0" i="0" u="none" strike="noStrike" cap="none" normalizeH="0" baseline="0" dirty="0" smtClean="0">
+                <a:ln>
+                  <a:noFill/>
+                </a:ln>
+                <a:solidFill>
+                  <a:srgbClr val="000000"/>
+                </a:solidFill>
+                <a:effectLst/>
+                <a:latin typeface="Consolas" panose="020B0609020204030204" pitchFamily="49" charset="0"/>
+              </a:rPr>
+              <a:t/>
+            </a:r>
+            <a:br>
+              <a:rPr kumimoji="0" lang="en-US" altLang="en-US" sz="1400" b="0" i="0" u="none" strike="noStrike" cap="none" normalizeH="0" baseline="0" dirty="0" smtClean="0">
+                <a:ln>
+                  <a:noFill/>
+                </a:ln>
+                <a:solidFill>
+                  <a:srgbClr val="000000"/>
+                </a:solidFill>
+                <a:effectLst/>
+                <a:latin typeface="Consolas" panose="020B0609020204030204" pitchFamily="49" charset="0"/>
+              </a:rPr>
+            </a:br>
+            <a:r>
+              <a:rPr kumimoji="0" lang="en-US" altLang="en-US" sz="1400" b="0" i="0" u="none" strike="noStrike" cap="none" normalizeH="0" baseline="0" dirty="0" smtClean="0">
+                <a:ln>
+                  <a:noFill/>
+                </a:ln>
+                <a:solidFill>
+                  <a:srgbClr val="000000"/>
+                </a:solidFill>
+                <a:effectLst/>
+                <a:latin typeface="Consolas" panose="020B0609020204030204" pitchFamily="49" charset="0"/>
+              </a:rPr>
+              <a:t>    </a:t>
+            </a:r>
+            <a:r>
+              <a:rPr kumimoji="0" lang="en-US" altLang="en-US" sz="1400" b="0" i="0" u="none" strike="noStrike" cap="none" normalizeH="0" baseline="0" dirty="0" smtClean="0">
+                <a:ln>
+                  <a:noFill/>
+                </a:ln>
+                <a:solidFill>
+                  <a:srgbClr val="006666"/>
+                </a:solidFill>
+                <a:effectLst/>
+                <a:latin typeface="Consolas" panose="020B0609020204030204" pitchFamily="49" charset="0"/>
+              </a:rPr>
+              <a:t>@Override</a:t>
+            </a:r>
+            <a:r>
+              <a:rPr kumimoji="0" lang="en-US" altLang="en-US" sz="1400" b="0" i="0" u="none" strike="noStrike" cap="none" normalizeH="0" baseline="0" dirty="0" smtClean="0">
+                <a:ln>
+                  <a:noFill/>
+                </a:ln>
+                <a:solidFill>
+                  <a:srgbClr val="000000"/>
+                </a:solidFill>
+                <a:effectLst/>
+                <a:latin typeface="Consolas" panose="020B0609020204030204" pitchFamily="49" charset="0"/>
+              </a:rPr>
+              <a:t/>
+            </a:r>
+            <a:br>
+              <a:rPr kumimoji="0" lang="en-US" altLang="en-US" sz="1400" b="0" i="0" u="none" strike="noStrike" cap="none" normalizeH="0" baseline="0" dirty="0" smtClean="0">
+                <a:ln>
+                  <a:noFill/>
+                </a:ln>
+                <a:solidFill>
+                  <a:srgbClr val="000000"/>
+                </a:solidFill>
+                <a:effectLst/>
+                <a:latin typeface="Consolas" panose="020B0609020204030204" pitchFamily="49" charset="0"/>
+              </a:rPr>
+            </a:br>
+            <a:r>
+              <a:rPr kumimoji="0" lang="en-US" altLang="en-US" sz="1400" b="0" i="0" u="none" strike="noStrike" cap="none" normalizeH="0" baseline="0" dirty="0" smtClean="0">
+                <a:ln>
+                  <a:noFill/>
+                </a:ln>
+                <a:solidFill>
+                  <a:srgbClr val="000000"/>
+                </a:solidFill>
+                <a:effectLst/>
+                <a:latin typeface="Consolas" panose="020B0609020204030204" pitchFamily="49" charset="0"/>
+              </a:rPr>
+              <a:t>    </a:t>
+            </a:r>
+            <a:r>
+              <a:rPr kumimoji="0" lang="en-US" altLang="en-US" sz="1400" b="0" i="0" u="none" strike="noStrike" cap="none" normalizeH="0" baseline="0" dirty="0" smtClean="0">
+                <a:ln>
+                  <a:noFill/>
+                </a:ln>
+                <a:solidFill>
+                  <a:srgbClr val="000088"/>
+                </a:solidFill>
+                <a:effectLst/>
+                <a:latin typeface="Consolas" panose="020B0609020204030204" pitchFamily="49" charset="0"/>
+              </a:rPr>
+              <a:t>public</a:t>
+            </a:r>
+            <a:r>
+              <a:rPr kumimoji="0" lang="en-US" altLang="en-US" sz="1400" b="0" i="0" u="none" strike="noStrike" cap="none" normalizeH="0" baseline="0" dirty="0" smtClean="0">
+                <a:ln>
+                  <a:noFill/>
+                </a:ln>
+                <a:solidFill>
+                  <a:srgbClr val="000000"/>
+                </a:solidFill>
+                <a:effectLst/>
+                <a:latin typeface="Consolas" panose="020B0609020204030204" pitchFamily="49" charset="0"/>
+              </a:rPr>
+              <a:t> </a:t>
+            </a:r>
+            <a:r>
+              <a:rPr kumimoji="0" lang="en-US" altLang="en-US" sz="1400" b="0" i="0" u="none" strike="noStrike" cap="none" normalizeH="0" baseline="0" dirty="0" smtClean="0">
+                <a:ln>
+                  <a:noFill/>
+                </a:ln>
+                <a:solidFill>
+                  <a:srgbClr val="000088"/>
+                </a:solidFill>
+                <a:effectLst/>
+                <a:latin typeface="Consolas" panose="020B0609020204030204" pitchFamily="49" charset="0"/>
+              </a:rPr>
+              <a:t>void</a:t>
+            </a:r>
+            <a:r>
+              <a:rPr kumimoji="0" lang="en-US" altLang="en-US" sz="1400" b="0" i="0" u="none" strike="noStrike" cap="none" normalizeH="0" baseline="0" dirty="0" smtClean="0">
+                <a:ln>
+                  <a:noFill/>
+                </a:ln>
+                <a:solidFill>
+                  <a:srgbClr val="000000"/>
+                </a:solidFill>
+                <a:effectLst/>
+                <a:latin typeface="Consolas" panose="020B0609020204030204" pitchFamily="49" charset="0"/>
+              </a:rPr>
+              <a:t> </a:t>
+            </a:r>
+            <a:r>
+              <a:rPr kumimoji="0" lang="en-US" altLang="en-US" sz="1400" b="0" i="0" u="none" strike="noStrike" cap="none" normalizeH="0" baseline="0" dirty="0" err="1" smtClean="0">
+                <a:ln>
+                  <a:noFill/>
+                </a:ln>
+                <a:solidFill>
+                  <a:srgbClr val="000000"/>
+                </a:solidFill>
+                <a:effectLst/>
+                <a:latin typeface="Consolas" panose="020B0609020204030204" pitchFamily="49" charset="0"/>
+              </a:rPr>
+              <a:t>onPerformSync</a:t>
+            </a:r>
+            <a:r>
+              <a:rPr kumimoji="0" lang="en-US" altLang="en-US" sz="1400" b="0" i="0" u="none" strike="noStrike" cap="none" normalizeH="0" baseline="0" dirty="0" smtClean="0">
+                <a:ln>
+                  <a:noFill/>
+                </a:ln>
+                <a:solidFill>
+                  <a:srgbClr val="666600"/>
+                </a:solidFill>
+                <a:effectLst/>
+                <a:latin typeface="Consolas" panose="020B0609020204030204" pitchFamily="49" charset="0"/>
+              </a:rPr>
+              <a:t>(</a:t>
+            </a:r>
+            <a:r>
+              <a:rPr kumimoji="0" lang="en-US" altLang="en-US" sz="1400" b="0" i="0" u="none" strike="noStrike" cap="none" normalizeH="0" baseline="0" dirty="0" smtClean="0">
+                <a:ln>
+                  <a:noFill/>
+                </a:ln>
+                <a:solidFill>
+                  <a:srgbClr val="000000"/>
+                </a:solidFill>
+                <a:effectLst/>
+                <a:latin typeface="Consolas" panose="020B0609020204030204" pitchFamily="49" charset="0"/>
+              </a:rPr>
+              <a:t/>
+            </a:r>
+            <a:br>
+              <a:rPr kumimoji="0" lang="en-US" altLang="en-US" sz="1400" b="0" i="0" u="none" strike="noStrike" cap="none" normalizeH="0" baseline="0" dirty="0" smtClean="0">
+                <a:ln>
+                  <a:noFill/>
+                </a:ln>
+                <a:solidFill>
+                  <a:srgbClr val="000000"/>
+                </a:solidFill>
+                <a:effectLst/>
+                <a:latin typeface="Consolas" panose="020B0609020204030204" pitchFamily="49" charset="0"/>
+              </a:rPr>
+            </a:br>
+            <a:r>
+              <a:rPr kumimoji="0" lang="en-US" altLang="en-US" sz="1400" b="0" i="0" u="none" strike="noStrike" cap="none" normalizeH="0" baseline="0" dirty="0" smtClean="0">
+                <a:ln>
+                  <a:noFill/>
+                </a:ln>
+                <a:solidFill>
+                  <a:srgbClr val="000000"/>
+                </a:solidFill>
+                <a:effectLst/>
+                <a:latin typeface="Consolas" panose="020B0609020204030204" pitchFamily="49" charset="0"/>
+              </a:rPr>
+              <a:t>            </a:t>
+            </a:r>
+            <a:r>
+              <a:rPr kumimoji="0" lang="en-US" altLang="en-US" sz="1400" b="0" i="0" u="none" strike="noStrike" cap="none" normalizeH="0" baseline="0" dirty="0" smtClean="0">
+                <a:ln>
+                  <a:noFill/>
+                </a:ln>
+                <a:solidFill>
+                  <a:srgbClr val="660066"/>
+                </a:solidFill>
+                <a:effectLst/>
+                <a:latin typeface="Consolas" panose="020B0609020204030204" pitchFamily="49" charset="0"/>
+              </a:rPr>
+              <a:t>Account</a:t>
+            </a:r>
+            <a:r>
+              <a:rPr kumimoji="0" lang="en-US" altLang="en-US" sz="1400" b="0" i="0" u="none" strike="noStrike" cap="none" normalizeH="0" baseline="0" dirty="0" smtClean="0">
+                <a:ln>
+                  <a:noFill/>
+                </a:ln>
+                <a:solidFill>
+                  <a:srgbClr val="000000"/>
+                </a:solidFill>
+                <a:effectLst/>
+                <a:latin typeface="Consolas" panose="020B0609020204030204" pitchFamily="49" charset="0"/>
+              </a:rPr>
+              <a:t> </a:t>
+            </a:r>
+            <a:r>
+              <a:rPr kumimoji="0" lang="en-US" altLang="en-US" sz="1400" b="0" i="0" u="none" strike="noStrike" cap="none" normalizeH="0" baseline="0" dirty="0" err="1" smtClean="0">
+                <a:ln>
+                  <a:noFill/>
+                </a:ln>
+                <a:solidFill>
+                  <a:srgbClr val="000000"/>
+                </a:solidFill>
+                <a:effectLst/>
+                <a:latin typeface="Consolas" panose="020B0609020204030204" pitchFamily="49" charset="0"/>
+              </a:rPr>
+              <a:t>account</a:t>
+            </a:r>
+            <a:r>
+              <a:rPr kumimoji="0" lang="en-US" altLang="en-US" sz="1400" b="0" i="0" u="none" strike="noStrike" cap="none" normalizeH="0" baseline="0" dirty="0" smtClean="0">
+                <a:ln>
+                  <a:noFill/>
+                </a:ln>
+                <a:solidFill>
+                  <a:srgbClr val="666600"/>
+                </a:solidFill>
+                <a:effectLst/>
+                <a:latin typeface="Consolas" panose="020B0609020204030204" pitchFamily="49" charset="0"/>
+              </a:rPr>
+              <a:t>,</a:t>
+            </a:r>
+            <a:r>
+              <a:rPr kumimoji="0" lang="en-US" altLang="en-US" sz="1400" b="0" i="0" u="none" strike="noStrike" cap="none" normalizeH="0" baseline="0" dirty="0" smtClean="0">
+                <a:ln>
+                  <a:noFill/>
+                </a:ln>
+                <a:solidFill>
+                  <a:srgbClr val="000000"/>
+                </a:solidFill>
+                <a:effectLst/>
+                <a:latin typeface="Consolas" panose="020B0609020204030204" pitchFamily="49" charset="0"/>
+              </a:rPr>
+              <a:t/>
+            </a:r>
+            <a:br>
+              <a:rPr kumimoji="0" lang="en-US" altLang="en-US" sz="1400" b="0" i="0" u="none" strike="noStrike" cap="none" normalizeH="0" baseline="0" dirty="0" smtClean="0">
+                <a:ln>
+                  <a:noFill/>
+                </a:ln>
+                <a:solidFill>
+                  <a:srgbClr val="000000"/>
+                </a:solidFill>
+                <a:effectLst/>
+                <a:latin typeface="Consolas" panose="020B0609020204030204" pitchFamily="49" charset="0"/>
+              </a:rPr>
+            </a:br>
+            <a:r>
+              <a:rPr kumimoji="0" lang="en-US" altLang="en-US" sz="1400" b="0" i="0" u="none" strike="noStrike" cap="none" normalizeH="0" baseline="0" dirty="0" smtClean="0">
+                <a:ln>
+                  <a:noFill/>
+                </a:ln>
+                <a:solidFill>
+                  <a:srgbClr val="000000"/>
+                </a:solidFill>
+                <a:effectLst/>
+                <a:latin typeface="Consolas" panose="020B0609020204030204" pitchFamily="49" charset="0"/>
+              </a:rPr>
+              <a:t>            </a:t>
+            </a:r>
+            <a:r>
+              <a:rPr kumimoji="0" lang="en-US" altLang="en-US" sz="1400" b="0" i="0" u="none" strike="noStrike" cap="none" normalizeH="0" baseline="0" dirty="0" smtClean="0">
+                <a:ln>
+                  <a:noFill/>
+                </a:ln>
+                <a:solidFill>
+                  <a:srgbClr val="660066"/>
+                </a:solidFill>
+                <a:effectLst/>
+                <a:latin typeface="Consolas" panose="020B0609020204030204" pitchFamily="49" charset="0"/>
+              </a:rPr>
+              <a:t>Bundle</a:t>
+            </a:r>
+            <a:r>
+              <a:rPr kumimoji="0" lang="en-US" altLang="en-US" sz="1400" b="0" i="0" u="none" strike="noStrike" cap="none" normalizeH="0" baseline="0" dirty="0" smtClean="0">
+                <a:ln>
+                  <a:noFill/>
+                </a:ln>
+                <a:solidFill>
+                  <a:srgbClr val="000000"/>
+                </a:solidFill>
+                <a:effectLst/>
+                <a:latin typeface="Consolas" panose="020B0609020204030204" pitchFamily="49" charset="0"/>
+              </a:rPr>
+              <a:t> extras</a:t>
+            </a:r>
+            <a:r>
+              <a:rPr kumimoji="0" lang="en-US" altLang="en-US" sz="1400" b="0" i="0" u="none" strike="noStrike" cap="none" normalizeH="0" baseline="0" dirty="0" smtClean="0">
+                <a:ln>
+                  <a:noFill/>
+                </a:ln>
+                <a:solidFill>
+                  <a:srgbClr val="666600"/>
+                </a:solidFill>
+                <a:effectLst/>
+                <a:latin typeface="Consolas" panose="020B0609020204030204" pitchFamily="49" charset="0"/>
+              </a:rPr>
+              <a:t>,</a:t>
+            </a:r>
+            <a:r>
+              <a:rPr kumimoji="0" lang="en-US" altLang="en-US" sz="1400" b="0" i="0" u="none" strike="noStrike" cap="none" normalizeH="0" baseline="0" dirty="0" smtClean="0">
+                <a:ln>
+                  <a:noFill/>
+                </a:ln>
+                <a:solidFill>
+                  <a:srgbClr val="000000"/>
+                </a:solidFill>
+                <a:effectLst/>
+                <a:latin typeface="Consolas" panose="020B0609020204030204" pitchFamily="49" charset="0"/>
+              </a:rPr>
+              <a:t/>
+            </a:r>
+            <a:br>
+              <a:rPr kumimoji="0" lang="en-US" altLang="en-US" sz="1400" b="0" i="0" u="none" strike="noStrike" cap="none" normalizeH="0" baseline="0" dirty="0" smtClean="0">
+                <a:ln>
+                  <a:noFill/>
+                </a:ln>
+                <a:solidFill>
+                  <a:srgbClr val="000000"/>
+                </a:solidFill>
+                <a:effectLst/>
+                <a:latin typeface="Consolas" panose="020B0609020204030204" pitchFamily="49" charset="0"/>
+              </a:rPr>
+            </a:br>
+            <a:r>
+              <a:rPr kumimoji="0" lang="en-US" altLang="en-US" sz="1400" b="0" i="0" u="none" strike="noStrike" cap="none" normalizeH="0" baseline="0" dirty="0" smtClean="0">
+                <a:ln>
+                  <a:noFill/>
+                </a:ln>
+                <a:solidFill>
+                  <a:srgbClr val="000000"/>
+                </a:solidFill>
+                <a:effectLst/>
+                <a:latin typeface="Consolas" panose="020B0609020204030204" pitchFamily="49" charset="0"/>
+              </a:rPr>
+              <a:t>            </a:t>
+            </a:r>
+            <a:r>
+              <a:rPr kumimoji="0" lang="en-US" altLang="en-US" sz="1400" b="0" i="0" u="none" strike="noStrike" cap="none" normalizeH="0" baseline="0" dirty="0" smtClean="0">
+                <a:ln>
+                  <a:noFill/>
+                </a:ln>
+                <a:solidFill>
+                  <a:srgbClr val="660066"/>
+                </a:solidFill>
+                <a:effectLst/>
+                <a:latin typeface="Consolas" panose="020B0609020204030204" pitchFamily="49" charset="0"/>
+              </a:rPr>
+              <a:t>String</a:t>
+            </a:r>
+            <a:r>
+              <a:rPr kumimoji="0" lang="en-US" altLang="en-US" sz="1400" b="0" i="0" u="none" strike="noStrike" cap="none" normalizeH="0" baseline="0" dirty="0" smtClean="0">
+                <a:ln>
+                  <a:noFill/>
+                </a:ln>
+                <a:solidFill>
+                  <a:srgbClr val="000000"/>
+                </a:solidFill>
+                <a:effectLst/>
+                <a:latin typeface="Consolas" panose="020B0609020204030204" pitchFamily="49" charset="0"/>
+              </a:rPr>
+              <a:t> authority</a:t>
+            </a:r>
+            <a:r>
+              <a:rPr kumimoji="0" lang="en-US" altLang="en-US" sz="1400" b="0" i="0" u="none" strike="noStrike" cap="none" normalizeH="0" baseline="0" dirty="0" smtClean="0">
+                <a:ln>
+                  <a:noFill/>
+                </a:ln>
+                <a:solidFill>
+                  <a:srgbClr val="666600"/>
+                </a:solidFill>
+                <a:effectLst/>
+                <a:latin typeface="Consolas" panose="020B0609020204030204" pitchFamily="49" charset="0"/>
+              </a:rPr>
+              <a:t>,</a:t>
+            </a:r>
+            <a:r>
+              <a:rPr kumimoji="0" lang="en-US" altLang="en-US" sz="1400" b="0" i="0" u="none" strike="noStrike" cap="none" normalizeH="0" baseline="0" dirty="0" smtClean="0">
+                <a:ln>
+                  <a:noFill/>
+                </a:ln>
+                <a:solidFill>
+                  <a:srgbClr val="000000"/>
+                </a:solidFill>
+                <a:effectLst/>
+                <a:latin typeface="Consolas" panose="020B0609020204030204" pitchFamily="49" charset="0"/>
+              </a:rPr>
+              <a:t/>
+            </a:r>
+            <a:br>
+              <a:rPr kumimoji="0" lang="en-US" altLang="en-US" sz="1400" b="0" i="0" u="none" strike="noStrike" cap="none" normalizeH="0" baseline="0" dirty="0" smtClean="0">
+                <a:ln>
+                  <a:noFill/>
+                </a:ln>
+                <a:solidFill>
+                  <a:srgbClr val="000000"/>
+                </a:solidFill>
+                <a:effectLst/>
+                <a:latin typeface="Consolas" panose="020B0609020204030204" pitchFamily="49" charset="0"/>
+              </a:rPr>
+            </a:br>
+            <a:r>
+              <a:rPr kumimoji="0" lang="en-US" altLang="en-US" sz="1400" b="0" i="0" u="none" strike="noStrike" cap="none" normalizeH="0" baseline="0" dirty="0" smtClean="0">
+                <a:ln>
+                  <a:noFill/>
+                </a:ln>
+                <a:solidFill>
+                  <a:srgbClr val="000000"/>
+                </a:solidFill>
+                <a:effectLst/>
+                <a:latin typeface="Consolas" panose="020B0609020204030204" pitchFamily="49" charset="0"/>
+              </a:rPr>
+              <a:t>            </a:t>
+            </a:r>
+            <a:r>
+              <a:rPr kumimoji="0" lang="en-US" altLang="en-US" sz="1400" b="0" i="0" u="none" strike="noStrike" cap="none" normalizeH="0" baseline="0" dirty="0" err="1" smtClean="0">
+                <a:ln>
+                  <a:noFill/>
+                </a:ln>
+                <a:solidFill>
+                  <a:srgbClr val="660066"/>
+                </a:solidFill>
+                <a:effectLst/>
+                <a:latin typeface="Consolas" panose="020B0609020204030204" pitchFamily="49" charset="0"/>
+              </a:rPr>
+              <a:t>ContentProviderClient</a:t>
+            </a:r>
+            <a:r>
+              <a:rPr kumimoji="0" lang="en-US" altLang="en-US" sz="1400" b="0" i="0" u="none" strike="noStrike" cap="none" normalizeH="0" baseline="0" dirty="0" smtClean="0">
+                <a:ln>
+                  <a:noFill/>
+                </a:ln>
+                <a:solidFill>
+                  <a:srgbClr val="000000"/>
+                </a:solidFill>
+                <a:effectLst/>
+                <a:latin typeface="Consolas" panose="020B0609020204030204" pitchFamily="49" charset="0"/>
+              </a:rPr>
+              <a:t> provider</a:t>
+            </a:r>
+            <a:r>
+              <a:rPr kumimoji="0" lang="en-US" altLang="en-US" sz="1400" b="0" i="0" u="none" strike="noStrike" cap="none" normalizeH="0" baseline="0" dirty="0" smtClean="0">
+                <a:ln>
+                  <a:noFill/>
+                </a:ln>
+                <a:solidFill>
+                  <a:srgbClr val="666600"/>
+                </a:solidFill>
+                <a:effectLst/>
+                <a:latin typeface="Consolas" panose="020B0609020204030204" pitchFamily="49" charset="0"/>
+              </a:rPr>
+              <a:t>,</a:t>
+            </a:r>
+            <a:r>
+              <a:rPr kumimoji="0" lang="en-US" altLang="en-US" sz="1400" b="0" i="0" u="none" strike="noStrike" cap="none" normalizeH="0" baseline="0" dirty="0" smtClean="0">
+                <a:ln>
+                  <a:noFill/>
+                </a:ln>
+                <a:solidFill>
+                  <a:srgbClr val="000000"/>
+                </a:solidFill>
+                <a:effectLst/>
+                <a:latin typeface="Consolas" panose="020B0609020204030204" pitchFamily="49" charset="0"/>
+              </a:rPr>
+              <a:t/>
+            </a:r>
+            <a:br>
+              <a:rPr kumimoji="0" lang="en-US" altLang="en-US" sz="1400" b="0" i="0" u="none" strike="noStrike" cap="none" normalizeH="0" baseline="0" dirty="0" smtClean="0">
+                <a:ln>
+                  <a:noFill/>
+                </a:ln>
+                <a:solidFill>
+                  <a:srgbClr val="000000"/>
+                </a:solidFill>
+                <a:effectLst/>
+                <a:latin typeface="Consolas" panose="020B0609020204030204" pitchFamily="49" charset="0"/>
+              </a:rPr>
+            </a:br>
+            <a:r>
+              <a:rPr kumimoji="0" lang="en-US" altLang="en-US" sz="1400" b="0" i="0" u="none" strike="noStrike" cap="none" normalizeH="0" baseline="0" dirty="0" smtClean="0">
+                <a:ln>
+                  <a:noFill/>
+                </a:ln>
+                <a:solidFill>
+                  <a:srgbClr val="000000"/>
+                </a:solidFill>
+                <a:effectLst/>
+                <a:latin typeface="Consolas" panose="020B0609020204030204" pitchFamily="49" charset="0"/>
+              </a:rPr>
+              <a:t>            </a:t>
+            </a:r>
+            <a:r>
+              <a:rPr kumimoji="0" lang="en-US" altLang="en-US" sz="1400" b="0" i="0" u="none" strike="noStrike" cap="none" normalizeH="0" baseline="0" dirty="0" err="1" smtClean="0">
+                <a:ln>
+                  <a:noFill/>
+                </a:ln>
+                <a:solidFill>
+                  <a:srgbClr val="660066"/>
+                </a:solidFill>
+                <a:effectLst/>
+                <a:latin typeface="Consolas" panose="020B0609020204030204" pitchFamily="49" charset="0"/>
+              </a:rPr>
+              <a:t>SyncResult</a:t>
+            </a:r>
+            <a:r>
+              <a:rPr kumimoji="0" lang="en-US" altLang="en-US" sz="1400" b="0" i="0" u="none" strike="noStrike" cap="none" normalizeH="0" baseline="0" dirty="0" smtClean="0">
+                <a:ln>
+                  <a:noFill/>
+                </a:ln>
+                <a:solidFill>
+                  <a:srgbClr val="000000"/>
+                </a:solidFill>
+                <a:effectLst/>
+                <a:latin typeface="Consolas" panose="020B0609020204030204" pitchFamily="49" charset="0"/>
+              </a:rPr>
+              <a:t> </a:t>
+            </a:r>
+            <a:r>
+              <a:rPr kumimoji="0" lang="en-US" altLang="en-US" sz="1400" b="0" i="0" u="none" strike="noStrike" cap="none" normalizeH="0" baseline="0" dirty="0" err="1" smtClean="0">
+                <a:ln>
+                  <a:noFill/>
+                </a:ln>
+                <a:solidFill>
+                  <a:srgbClr val="000000"/>
+                </a:solidFill>
+                <a:effectLst/>
+                <a:latin typeface="Consolas" panose="020B0609020204030204" pitchFamily="49" charset="0"/>
+              </a:rPr>
+              <a:t>syncResult</a:t>
+            </a:r>
+            <a:r>
+              <a:rPr kumimoji="0" lang="en-US" altLang="en-US" sz="1400" b="0" i="0" u="none" strike="noStrike" cap="none" normalizeH="0" baseline="0" dirty="0" smtClean="0">
+                <a:ln>
+                  <a:noFill/>
+                </a:ln>
+                <a:solidFill>
+                  <a:srgbClr val="666600"/>
+                </a:solidFill>
+                <a:effectLst/>
+                <a:latin typeface="Consolas" panose="020B0609020204030204" pitchFamily="49" charset="0"/>
+              </a:rPr>
+              <a:t>)</a:t>
+            </a:r>
+            <a:r>
+              <a:rPr kumimoji="0" lang="en-US" altLang="en-US" sz="1400" b="0" i="0" u="none" strike="noStrike" cap="none" normalizeH="0" baseline="0" dirty="0" smtClean="0">
+                <a:ln>
+                  <a:noFill/>
+                </a:ln>
+                <a:solidFill>
+                  <a:srgbClr val="000000"/>
+                </a:solidFill>
+                <a:effectLst/>
+                <a:latin typeface="Consolas" panose="020B0609020204030204" pitchFamily="49" charset="0"/>
+              </a:rPr>
+              <a:t> </a:t>
+            </a:r>
+            <a:r>
+              <a:rPr kumimoji="0" lang="en-US" altLang="en-US" sz="1400" b="0" i="0" u="none" strike="noStrike" cap="none" normalizeH="0" baseline="0" dirty="0" smtClean="0">
+                <a:ln>
+                  <a:noFill/>
+                </a:ln>
+                <a:solidFill>
+                  <a:srgbClr val="666600"/>
+                </a:solidFill>
+                <a:effectLst/>
+                <a:latin typeface="Consolas" panose="020B0609020204030204" pitchFamily="49" charset="0"/>
+              </a:rPr>
+              <a:t>{</a:t>
+            </a:r>
+            <a:r>
+              <a:rPr kumimoji="0" lang="en-US" altLang="en-US" sz="1400" b="0" i="0" u="none" strike="noStrike" cap="none" normalizeH="0" baseline="0" dirty="0" smtClean="0">
+                <a:ln>
+                  <a:noFill/>
+                </a:ln>
+                <a:solidFill>
+                  <a:srgbClr val="000000"/>
+                </a:solidFill>
+                <a:effectLst/>
+                <a:latin typeface="Consolas" panose="020B0609020204030204" pitchFamily="49" charset="0"/>
+              </a:rPr>
+              <a:t/>
+            </a:r>
+            <a:br>
+              <a:rPr kumimoji="0" lang="en-US" altLang="en-US" sz="1400" b="0" i="0" u="none" strike="noStrike" cap="none" normalizeH="0" baseline="0" dirty="0" smtClean="0">
+                <a:ln>
+                  <a:noFill/>
+                </a:ln>
+                <a:solidFill>
+                  <a:srgbClr val="000000"/>
+                </a:solidFill>
+                <a:effectLst/>
+                <a:latin typeface="Consolas" panose="020B0609020204030204" pitchFamily="49" charset="0"/>
+              </a:rPr>
+            </a:br>
+            <a:r>
+              <a:rPr kumimoji="0" lang="en-US" altLang="en-US" sz="1400" b="0" i="0" u="none" strike="noStrike" cap="none" normalizeH="0" baseline="0" dirty="0" smtClean="0">
+                <a:ln>
+                  <a:noFill/>
+                </a:ln>
+                <a:solidFill>
+                  <a:srgbClr val="000000"/>
+                </a:solidFill>
+                <a:effectLst/>
+                <a:latin typeface="Consolas" panose="020B0609020204030204" pitchFamily="49" charset="0"/>
+              </a:rPr>
+              <a:t>    </a:t>
+            </a:r>
+            <a:r>
+              <a:rPr kumimoji="0" lang="en-US" altLang="en-US" sz="1400" b="0" i="0" u="none" strike="noStrike" cap="none" normalizeH="0" baseline="0" dirty="0" smtClean="0">
+                <a:ln>
+                  <a:noFill/>
+                </a:ln>
+                <a:solidFill>
+                  <a:srgbClr val="006600"/>
+                </a:solidFill>
+                <a:effectLst/>
+                <a:latin typeface="Consolas" panose="020B0609020204030204" pitchFamily="49" charset="0"/>
+              </a:rPr>
+              <a:t>/*</a:t>
+            </a:r>
+            <a:br>
+              <a:rPr kumimoji="0" lang="en-US" altLang="en-US" sz="1400" b="0" i="0" u="none" strike="noStrike" cap="none" normalizeH="0" baseline="0" dirty="0" smtClean="0">
+                <a:ln>
+                  <a:noFill/>
+                </a:ln>
+                <a:solidFill>
+                  <a:srgbClr val="006600"/>
+                </a:solidFill>
+                <a:effectLst/>
+                <a:latin typeface="Consolas" panose="020B0609020204030204" pitchFamily="49" charset="0"/>
+              </a:rPr>
+            </a:br>
+            <a:r>
+              <a:rPr kumimoji="0" lang="en-US" altLang="en-US" sz="1400" b="0" i="0" u="none" strike="noStrike" cap="none" normalizeH="0" baseline="0" dirty="0" smtClean="0">
+                <a:ln>
+                  <a:noFill/>
+                </a:ln>
+                <a:solidFill>
+                  <a:srgbClr val="006600"/>
+                </a:solidFill>
+                <a:effectLst/>
+                <a:latin typeface="Consolas" panose="020B0609020204030204" pitchFamily="49" charset="0"/>
+              </a:rPr>
+              <a:t>     * Put the data transfer code here.</a:t>
+            </a:r>
+            <a:br>
+              <a:rPr kumimoji="0" lang="en-US" altLang="en-US" sz="1400" b="0" i="0" u="none" strike="noStrike" cap="none" normalizeH="0" baseline="0" dirty="0" smtClean="0">
+                <a:ln>
+                  <a:noFill/>
+                </a:ln>
+                <a:solidFill>
+                  <a:srgbClr val="006600"/>
+                </a:solidFill>
+                <a:effectLst/>
+                <a:latin typeface="Consolas" panose="020B0609020204030204" pitchFamily="49" charset="0"/>
+              </a:rPr>
+            </a:br>
+            <a:r>
+              <a:rPr kumimoji="0" lang="en-US" altLang="en-US" sz="1400" b="0" i="0" u="none" strike="noStrike" cap="none" normalizeH="0" baseline="0" dirty="0" smtClean="0">
+                <a:ln>
+                  <a:noFill/>
+                </a:ln>
+                <a:solidFill>
+                  <a:srgbClr val="006600"/>
+                </a:solidFill>
+                <a:effectLst/>
+                <a:latin typeface="Consolas" panose="020B0609020204030204" pitchFamily="49" charset="0"/>
+              </a:rPr>
+              <a:t>     */</a:t>
+            </a:r>
+            <a:r>
+              <a:rPr kumimoji="0" lang="en-US" altLang="en-US" sz="1400" b="0" i="0" u="none" strike="noStrike" cap="none" normalizeH="0" baseline="0" dirty="0" smtClean="0">
+                <a:ln>
+                  <a:noFill/>
+                </a:ln>
+                <a:solidFill>
+                  <a:srgbClr val="000000"/>
+                </a:solidFill>
+                <a:effectLst/>
+                <a:latin typeface="Consolas" panose="020B0609020204030204" pitchFamily="49" charset="0"/>
+              </a:rPr>
+              <a:t/>
+            </a:r>
+            <a:br>
+              <a:rPr kumimoji="0" lang="en-US" altLang="en-US" sz="1400" b="0" i="0" u="none" strike="noStrike" cap="none" normalizeH="0" baseline="0" dirty="0" smtClean="0">
+                <a:ln>
+                  <a:noFill/>
+                </a:ln>
+                <a:solidFill>
+                  <a:srgbClr val="000000"/>
+                </a:solidFill>
+                <a:effectLst/>
+                <a:latin typeface="Consolas" panose="020B0609020204030204" pitchFamily="49" charset="0"/>
+              </a:rPr>
+            </a:br>
+            <a:r>
+              <a:rPr kumimoji="0" lang="en-US" altLang="en-US" sz="1400" b="0" i="0" u="none" strike="noStrike" cap="none" normalizeH="0" baseline="0" dirty="0" smtClean="0">
+                <a:ln>
+                  <a:noFill/>
+                </a:ln>
+                <a:solidFill>
+                  <a:srgbClr val="000000"/>
+                </a:solidFill>
+                <a:effectLst/>
+                <a:latin typeface="Consolas" panose="020B0609020204030204" pitchFamily="49" charset="0"/>
+              </a:rPr>
+              <a:t>    </a:t>
+            </a:r>
+            <a:r>
+              <a:rPr kumimoji="0" lang="en-US" altLang="en-US" sz="1400" b="0" i="0" u="none" strike="noStrike" cap="none" normalizeH="0" baseline="0" dirty="0" smtClean="0">
+                <a:ln>
+                  <a:noFill/>
+                </a:ln>
+                <a:solidFill>
+                  <a:srgbClr val="666600"/>
+                </a:solidFill>
+                <a:effectLst/>
+                <a:latin typeface="Consolas" panose="020B0609020204030204" pitchFamily="49" charset="0"/>
+              </a:rPr>
+              <a:t>...</a:t>
+            </a:r>
+            <a:r>
+              <a:rPr kumimoji="0" lang="en-US" altLang="en-US" sz="1400" b="0" i="0" u="none" strike="noStrike" cap="none" normalizeH="0" baseline="0" dirty="0" smtClean="0">
+                <a:ln>
+                  <a:noFill/>
+                </a:ln>
+                <a:solidFill>
+                  <a:srgbClr val="000000"/>
+                </a:solidFill>
+                <a:effectLst/>
+                <a:latin typeface="Consolas" panose="020B0609020204030204" pitchFamily="49" charset="0"/>
+              </a:rPr>
+              <a:t/>
+            </a:r>
+            <a:br>
+              <a:rPr kumimoji="0" lang="en-US" altLang="en-US" sz="1400" b="0" i="0" u="none" strike="noStrike" cap="none" normalizeH="0" baseline="0" dirty="0" smtClean="0">
+                <a:ln>
+                  <a:noFill/>
+                </a:ln>
+                <a:solidFill>
+                  <a:srgbClr val="000000"/>
+                </a:solidFill>
+                <a:effectLst/>
+                <a:latin typeface="Consolas" panose="020B0609020204030204" pitchFamily="49" charset="0"/>
+              </a:rPr>
+            </a:br>
+            <a:r>
+              <a:rPr kumimoji="0" lang="en-US" altLang="en-US" sz="1400" b="0" i="0" u="none" strike="noStrike" cap="none" normalizeH="0" baseline="0" dirty="0" smtClean="0">
+                <a:ln>
+                  <a:noFill/>
+                </a:ln>
+                <a:solidFill>
+                  <a:srgbClr val="000000"/>
+                </a:solidFill>
+                <a:effectLst/>
+                <a:latin typeface="Consolas" panose="020B0609020204030204" pitchFamily="49" charset="0"/>
+              </a:rPr>
+              <a:t>    </a:t>
+            </a:r>
+            <a:r>
+              <a:rPr kumimoji="0" lang="en-US" altLang="en-US" sz="1400" b="0" i="0" u="none" strike="noStrike" cap="none" normalizeH="0" baseline="0" dirty="0" smtClean="0">
+                <a:ln>
+                  <a:noFill/>
+                </a:ln>
+                <a:solidFill>
+                  <a:srgbClr val="666600"/>
+                </a:solidFill>
+                <a:effectLst/>
+                <a:latin typeface="Consolas" panose="020B0609020204030204" pitchFamily="49" charset="0"/>
+              </a:rPr>
+              <a:t>}</a:t>
+            </a:r>
+            <a:r>
+              <a:rPr kumimoji="0" lang="en-US" altLang="en-US" sz="1400" b="0" i="0" u="none" strike="noStrike" cap="none" normalizeH="0" baseline="0" dirty="0" smtClean="0">
+                <a:ln>
+                  <a:noFill/>
+                </a:ln>
+                <a:solidFill>
+                  <a:schemeClr val="tx1"/>
+                </a:solidFill>
+                <a:effectLst/>
+                <a:latin typeface="Consolas" panose="020B0609020204030204" pitchFamily="49" charset="0"/>
+              </a:rPr>
+              <a:t> </a:t>
+            </a:r>
+          </a:p>
+        </p:txBody>
+      </p:sp>
+    </p:spTree>
+    <p:extLst>
+      <p:ext uri="{BB962C8B-B14F-4D97-AF65-F5344CB8AC3E}">
+        <p14:creationId xmlns:p14="http://schemas.microsoft.com/office/powerpoint/2010/main" val="4008872627"/>
+      </p:ext>
+    </p:extLst>
+  </p:cSld>
+  <p:clrMapOvr>
+    <a:masterClrMapping/>
+  </p:clrMapOvr>
+  <mc:AlternateContent xmlns:mc="http://schemas.openxmlformats.org/markup-compatibility/2006" xmlns:p14="http://schemas.microsoft.com/office/powerpoint/2010/main">
+    <mc:Choice Requires="p14">
+      <p:transition p14:dur="250">
+        <p14:reveal/>
+      </p:transition>
+    </mc:Choice>
+    <mc:Fallback xmlns="">
+      <p:transition>
+        <p:fade/>
+      </p:transition>
+    </mc:Fallback>
+  </mc:AlternateContent>
+  <p:timing>
+    <p:tnLst>
+      <p:par>
+        <p:cTn id="1" dur="indefinite" restart="never" nodeType="tmRoot"/>
+      </p:par>
+    </p:tnLst>
+  </p:timing>
+</p:sld>
+</file>
+
+<file path=ppt/slides/slide21.xml><?xml version="1.0" encoding="utf-8"?>
+<p:sld xmlns:a="http://schemas.openxmlformats.org/drawingml/2006/main" xmlns:r="http://schemas.openxmlformats.org/officeDocument/2006/relationships" xmlns:p="http://schemas.openxmlformats.org/presentationml/2006/main">
+  <p:cSld>
+    <p:spTree>
+      <p:nvGrpSpPr>
+        <p:cNvPr id="1" name=""/>
+        <p:cNvGrpSpPr/>
+        <p:nvPr/>
+      </p:nvGrpSpPr>
+      <p:grpSpPr>
+        <a:xfrm>
+          <a:off x="0" y="0"/>
+          <a:ext cx="0" cy="0"/>
+          <a:chOff x="0" y="0"/>
+          <a:chExt cx="0" cy="0"/>
+        </a:xfrm>
+      </p:grpSpPr>
+      <p:pic>
+        <p:nvPicPr>
+          <p:cNvPr id="4" name="Picture 2" descr="C:\Users\Paul\Documents\My Dropbox\Pixplicity\Pictures\Paul_2012-06-04-square-600px.jpg"/>
+          <p:cNvPicPr>
+            <a:picLocks noChangeAspect="1" noChangeArrowheads="1"/>
+          </p:cNvPicPr>
+          <p:nvPr/>
+        </p:nvPicPr>
+        <p:blipFill>
+          <a:blip r:embed="rId2" cstate="print">
+            <a:extLst>
+              <a:ext uri="{28A0092B-C50C-407E-A947-70E740481C1C}">
+                <a14:useLocalDpi xmlns:a14="http://schemas.microsoft.com/office/drawing/2010/main" val="0"/>
+              </a:ext>
+            </a:extLst>
+          </a:blip>
+          <a:srcRect/>
+          <a:stretch>
+            <a:fillRect/>
+          </a:stretch>
+        </p:blipFill>
+        <p:spPr bwMode="auto">
+          <a:xfrm>
+            <a:off x="9840416" y="4077072"/>
+            <a:ext cx="1911697" cy="1911697"/>
+          </a:xfrm>
+          <a:prstGeom prst="rect">
+            <a:avLst/>
+          </a:prstGeom>
+          <a:solidFill>
+            <a:srgbClr val="FFFFFF">
+              <a:shade val="85000"/>
+            </a:srgbClr>
+          </a:solidFill>
+          <a:ln w="127000" cap="rnd">
+            <a:solidFill>
+              <a:srgbClr val="FFFFFF"/>
+            </a:solidFill>
+          </a:ln>
+          <a:effectLst>
+            <a:outerShdw blurRad="76200" dir="18900000" sy="23000" kx="-1200000" algn="bl" rotWithShape="0">
+              <a:prstClr val="black">
+                <a:alpha val="20000"/>
+              </a:prstClr>
+            </a:outerShdw>
+          </a:effectLst>
+          <a:scene3d>
+            <a:camera prst="perspectiveContrastingLeftFacing" fov="4800000">
+              <a:rot lat="540000" lon="900000" rev="0"/>
+            </a:camera>
+            <a:lightRig rig="soft" dir="t"/>
+          </a:scene3d>
+          <a:sp3d contourW="12700" prstMaterial="matte">
+            <a:bevelT w="63500" h="50800"/>
+            <a:contourClr>
+              <a:srgbClr val="C0C0C0"/>
+            </a:contourClr>
+          </a:sp3d>
+          <a:extLst/>
+        </p:spPr>
+      </p:pic>
+      <p:sp>
+        <p:nvSpPr>
+          <p:cNvPr id="5" name="TextBox 4"/>
+          <p:cNvSpPr txBox="1"/>
+          <p:nvPr/>
+        </p:nvSpPr>
+        <p:spPr>
+          <a:xfrm>
+            <a:off x="6711552" y="5333727"/>
+            <a:ext cx="3083740" cy="615553"/>
+          </a:xfrm>
+          <a:prstGeom prst="rect">
+            <a:avLst/>
+          </a:prstGeom>
+          <a:noFill/>
+        </p:spPr>
+        <p:txBody>
+          <a:bodyPr wrap="square" lIns="0" tIns="0" rIns="0" bIns="0" rtlCol="0">
+            <a:spAutoFit/>
+          </a:bodyPr>
+          <a:lstStyle/>
+          <a:p>
+            <a:pPr algn="r"/>
+            <a:r>
+              <a:rPr lang="en-US" sz="2000" b="1" dirty="0">
+                <a:solidFill>
+                  <a:schemeClr val="bg1">
+                    <a:lumMod val="65000"/>
+                  </a:schemeClr>
+                </a:solidFill>
+              </a:rPr>
+              <a:t>Paul </a:t>
+            </a:r>
+            <a:r>
+              <a:rPr lang="en-US" sz="2000" b="1" dirty="0" err="1">
+                <a:solidFill>
+                  <a:schemeClr val="bg1">
+                    <a:lumMod val="65000"/>
+                  </a:schemeClr>
+                </a:solidFill>
+              </a:rPr>
+              <a:t>Lammertsma</a:t>
+            </a:r>
+            <a:endParaRPr lang="en-US" sz="2000" b="1" dirty="0">
+              <a:solidFill>
+                <a:schemeClr val="bg1">
+                  <a:lumMod val="65000"/>
+                </a:schemeClr>
+              </a:solidFill>
+            </a:endParaRPr>
+          </a:p>
+          <a:p>
+            <a:pPr algn="r"/>
+            <a:r>
+              <a:rPr lang="en-US" sz="2000" dirty="0">
+                <a:solidFill>
+                  <a:schemeClr val="bg1">
+                    <a:lumMod val="65000"/>
+                  </a:schemeClr>
+                </a:solidFill>
+              </a:rPr>
+              <a:t>CTO, </a:t>
+            </a:r>
+            <a:r>
+              <a:rPr lang="en-US" sz="2000" dirty="0" err="1">
+                <a:solidFill>
+                  <a:schemeClr val="bg1">
+                    <a:lumMod val="65000"/>
+                  </a:schemeClr>
+                </a:solidFill>
+              </a:rPr>
+              <a:t>Pixplicity</a:t>
+            </a:r>
+            <a:endParaRPr lang="en-US" sz="2000" dirty="0">
+              <a:solidFill>
+                <a:schemeClr val="bg1">
+                  <a:lumMod val="65000"/>
+                </a:schemeClr>
+              </a:solidFill>
+            </a:endParaRPr>
+          </a:p>
+        </p:txBody>
+      </p:sp>
+      <p:sp>
+        <p:nvSpPr>
+          <p:cNvPr id="11" name="Title 10"/>
+          <p:cNvSpPr>
+            <a:spLocks noGrp="1"/>
+          </p:cNvSpPr>
+          <p:nvPr>
+            <p:ph type="ctrTitle"/>
+          </p:nvPr>
+        </p:nvSpPr>
+        <p:spPr/>
+        <p:txBody>
+          <a:bodyPr/>
+          <a:lstStyle/>
+          <a:p>
+            <a:r>
+              <a:rPr lang="en-US" dirty="0" smtClean="0"/>
+              <a:t>Beginner’s Workshop</a:t>
+            </a:r>
+            <a:endParaRPr lang="en-US" dirty="0"/>
+          </a:p>
+        </p:txBody>
+      </p:sp>
+    </p:spTree>
+    <p:extLst>
+      <p:ext uri="{BB962C8B-B14F-4D97-AF65-F5344CB8AC3E}">
+        <p14:creationId xmlns:p14="http://schemas.microsoft.com/office/powerpoint/2010/main" val="4094869341"/>
+      </p:ext>
+    </p:extLst>
+  </p:cSld>
+  <p:clrMapOvr>
+    <a:masterClrMapping/>
+  </p:clrMapOvr>
+  <mc:AlternateContent xmlns:mc="http://schemas.openxmlformats.org/markup-compatibility/2006" xmlns:p14="http://schemas.microsoft.com/office/powerpoint/2010/main">
+    <mc:Choice Requires="p14">
+      <p:transition p14:dur="250">
+        <p14:reveal/>
+      </p:transition>
+    </mc:Choice>
+    <mc:Fallback xmlns="">
+      <p:transition>
+        <p:fade/>
+      </p:transition>
+    </mc:Fallback>
+  </mc:AlternateContent>
+  <p:timing>
+    <p:tnLst>
+      <p:par>
+        <p:cTn id="1" dur="indefinite" restart="never" nodeType="tmRoot"/>
       </p:par>
     </p:tnLst>
   </p:timing>
@@ -20983,6 +23468,7 @@
               <a:solidFill>
                 <a:schemeClr val="bg1"/>
               </a:solidFill>
+              <a:prstDash val="sysDash"/>
               <a:headEnd type="triangle" w="lg" len="lg"/>
               <a:tailEnd type="triangle" w="lg" len="lg"/>
             </a:ln>

--- a/I've been doing some syncing.pptx
+++ b/I've been doing some syncing.pptx
@@ -5,33 +5,34 @@
     <p:sldMasterId id="2147483660" r:id="rId1"/>
   </p:sldMasterIdLst>
   <p:notesMasterIdLst>
-    <p:notesMasterId r:id="rId26"/>
+    <p:notesMasterId r:id="rId27"/>
   </p:notesMasterIdLst>
   <p:sldIdLst>
     <p:sldId id="256" r:id="rId2"/>
-    <p:sldId id="300" r:id="rId3"/>
-    <p:sldId id="304" r:id="rId4"/>
-    <p:sldId id="302" r:id="rId5"/>
-    <p:sldId id="303" r:id="rId6"/>
-    <p:sldId id="299" r:id="rId7"/>
-    <p:sldId id="298" r:id="rId8"/>
-    <p:sldId id="301" r:id="rId9"/>
-    <p:sldId id="305" r:id="rId10"/>
-    <p:sldId id="296" r:id="rId11"/>
-    <p:sldId id="313" r:id="rId12"/>
-    <p:sldId id="297" r:id="rId13"/>
-    <p:sldId id="308" r:id="rId14"/>
-    <p:sldId id="307" r:id="rId15"/>
-    <p:sldId id="306" r:id="rId16"/>
-    <p:sldId id="312" r:id="rId17"/>
-    <p:sldId id="309" r:id="rId18"/>
-    <p:sldId id="311" r:id="rId19"/>
-    <p:sldId id="310" r:id="rId20"/>
-    <p:sldId id="293" r:id="rId21"/>
-    <p:sldId id="292" r:id="rId22"/>
-    <p:sldId id="291" r:id="rId23"/>
-    <p:sldId id="294" r:id="rId24"/>
-    <p:sldId id="295" r:id="rId25"/>
+    <p:sldId id="314" r:id="rId3"/>
+    <p:sldId id="300" r:id="rId4"/>
+    <p:sldId id="304" r:id="rId5"/>
+    <p:sldId id="302" r:id="rId6"/>
+    <p:sldId id="303" r:id="rId7"/>
+    <p:sldId id="299" r:id="rId8"/>
+    <p:sldId id="298" r:id="rId9"/>
+    <p:sldId id="301" r:id="rId10"/>
+    <p:sldId id="305" r:id="rId11"/>
+    <p:sldId id="296" r:id="rId12"/>
+    <p:sldId id="313" r:id="rId13"/>
+    <p:sldId id="297" r:id="rId14"/>
+    <p:sldId id="308" r:id="rId15"/>
+    <p:sldId id="307" r:id="rId16"/>
+    <p:sldId id="306" r:id="rId17"/>
+    <p:sldId id="312" r:id="rId18"/>
+    <p:sldId id="309" r:id="rId19"/>
+    <p:sldId id="311" r:id="rId20"/>
+    <p:sldId id="310" r:id="rId21"/>
+    <p:sldId id="293" r:id="rId22"/>
+    <p:sldId id="292" r:id="rId23"/>
+    <p:sldId id="291" r:id="rId24"/>
+    <p:sldId id="294" r:id="rId25"/>
+    <p:sldId id="295" r:id="rId26"/>
   </p:sldIdLst>
   <p:sldSz cx="12192000" cy="6858000"/>
   <p:notesSz cx="6858000" cy="9144000"/>
@@ -567,7 +568,7 @@
             <a:fld id="{375B649D-962F-434C-B1D1-0A0101E8CDA0}" type="slidenum">
               <a:rPr lang="nl-NL" smtClean="0"/>
               <a:pPr/>
-              <a:t>22</a:t>
+              <a:t>23</a:t>
             </a:fld>
             <a:endParaRPr lang="nl-NL"/>
           </a:p>
@@ -11623,6 +11624,1158 @@
           <a:chExt cx="0" cy="0"/>
         </a:xfrm>
       </p:grpSpPr>
+      <p:sp>
+        <p:nvSpPr>
+          <p:cNvPr id="4" name="Rounded Rectangle 3"/>
+          <p:cNvSpPr/>
+          <p:nvPr/>
+        </p:nvSpPr>
+        <p:spPr>
+          <a:xfrm>
+            <a:off x="7968208" y="620688"/>
+            <a:ext cx="2822104" cy="795528"/>
+          </a:xfrm>
+          <a:prstGeom prst="roundRect">
+            <a:avLst/>
+          </a:prstGeom>
+          <a:solidFill>
+            <a:srgbClr val="F8C02B"/>
+          </a:solidFill>
+          <a:ln/>
+        </p:spPr>
+        <p:style>
+          <a:lnRef idx="3">
+            <a:schemeClr val="lt1"/>
+          </a:lnRef>
+          <a:fillRef idx="1">
+            <a:schemeClr val="accent6"/>
+          </a:fillRef>
+          <a:effectRef idx="1">
+            <a:schemeClr val="accent6"/>
+          </a:effectRef>
+          <a:fontRef idx="minor">
+            <a:schemeClr val="lt1"/>
+          </a:fontRef>
+        </p:style>
+        <p:txBody>
+          <a:bodyPr rtlCol="0" anchor="ctr"/>
+          <a:lstStyle/>
+          <a:p>
+            <a:pPr algn="ctr"/>
+            <a:r>
+              <a:rPr lang="en-US" sz="2800" b="1" dirty="0" smtClean="0">
+                <a:solidFill>
+                  <a:schemeClr val="bg1"/>
+                </a:solidFill>
+              </a:rPr>
+              <a:t>UI</a:t>
+            </a:r>
+            <a:endParaRPr lang="en-US" sz="2800" b="1" dirty="0">
+              <a:solidFill>
+                <a:schemeClr val="bg1"/>
+              </a:solidFill>
+            </a:endParaRPr>
+          </a:p>
+        </p:txBody>
+      </p:sp>
+      <p:sp>
+        <p:nvSpPr>
+          <p:cNvPr id="5" name="Rounded Rectangle 4"/>
+          <p:cNvSpPr/>
+          <p:nvPr/>
+        </p:nvSpPr>
+        <p:spPr>
+          <a:xfrm>
+            <a:off x="609600" y="620688"/>
+            <a:ext cx="5270376" cy="792088"/>
+          </a:xfrm>
+          <a:prstGeom prst="roundRect">
+            <a:avLst/>
+          </a:prstGeom>
+          <a:solidFill>
+            <a:srgbClr val="4CC4B9"/>
+          </a:solidFill>
+          <a:ln/>
+        </p:spPr>
+        <p:style>
+          <a:lnRef idx="3">
+            <a:schemeClr val="lt1"/>
+          </a:lnRef>
+          <a:fillRef idx="1">
+            <a:schemeClr val="accent6"/>
+          </a:fillRef>
+          <a:effectRef idx="1">
+            <a:schemeClr val="accent6"/>
+          </a:effectRef>
+          <a:fontRef idx="minor">
+            <a:schemeClr val="lt1"/>
+          </a:fontRef>
+        </p:style>
+        <p:txBody>
+          <a:bodyPr rtlCol="0" anchor="ctr"/>
+          <a:lstStyle/>
+          <a:p>
+            <a:pPr algn="ctr"/>
+            <a:r>
+              <a:rPr lang="en-US" sz="2800" b="1" dirty="0" err="1" smtClean="0">
+                <a:solidFill>
+                  <a:schemeClr val="bg1"/>
+                </a:solidFill>
+              </a:rPr>
+              <a:t>CursorLoader</a:t>
+            </a:r>
+            <a:endParaRPr lang="en-US" sz="2800" b="1" dirty="0">
+              <a:solidFill>
+                <a:schemeClr val="bg1"/>
+              </a:solidFill>
+            </a:endParaRPr>
+          </a:p>
+        </p:txBody>
+      </p:sp>
+      <p:sp>
+        <p:nvSpPr>
+          <p:cNvPr id="6" name="Rounded Rectangle 5"/>
+          <p:cNvSpPr/>
+          <p:nvPr/>
+        </p:nvSpPr>
+        <p:spPr>
+          <a:xfrm>
+            <a:off x="609600" y="2318253"/>
+            <a:ext cx="5270376" cy="795528"/>
+          </a:xfrm>
+          <a:prstGeom prst="roundRect">
+            <a:avLst/>
+          </a:prstGeom>
+          <a:solidFill>
+            <a:srgbClr val="9AD21C"/>
+          </a:solidFill>
+          <a:ln/>
+        </p:spPr>
+        <p:style>
+          <a:lnRef idx="3">
+            <a:schemeClr val="lt1"/>
+          </a:lnRef>
+          <a:fillRef idx="1">
+            <a:schemeClr val="accent6"/>
+          </a:fillRef>
+          <a:effectRef idx="1">
+            <a:schemeClr val="accent6"/>
+          </a:effectRef>
+          <a:fontRef idx="minor">
+            <a:schemeClr val="lt1"/>
+          </a:fontRef>
+        </p:style>
+        <p:txBody>
+          <a:bodyPr rtlCol="0" anchor="ctr"/>
+          <a:lstStyle/>
+          <a:p>
+            <a:pPr algn="ctr"/>
+            <a:r>
+              <a:rPr lang="en-US" sz="2800" b="1" dirty="0" err="1" smtClean="0">
+                <a:solidFill>
+                  <a:schemeClr val="bg1"/>
+                </a:solidFill>
+              </a:rPr>
+              <a:t>ContentProvider</a:t>
+            </a:r>
+            <a:endParaRPr lang="en-US" sz="2800" b="1" dirty="0">
+              <a:solidFill>
+                <a:schemeClr val="bg1"/>
+              </a:solidFill>
+            </a:endParaRPr>
+          </a:p>
+        </p:txBody>
+      </p:sp>
+      <p:sp>
+        <p:nvSpPr>
+          <p:cNvPr id="7" name="Rounded Rectangle 6"/>
+          <p:cNvSpPr/>
+          <p:nvPr/>
+        </p:nvSpPr>
+        <p:spPr>
+          <a:xfrm>
+            <a:off x="609600" y="4019259"/>
+            <a:ext cx="5270376" cy="795528"/>
+          </a:xfrm>
+          <a:prstGeom prst="roundRect">
+            <a:avLst/>
+          </a:prstGeom>
+          <a:solidFill>
+            <a:schemeClr val="accent4">
+              <a:lumMod val="75000"/>
+            </a:schemeClr>
+          </a:solidFill>
+          <a:ln/>
+        </p:spPr>
+        <p:style>
+          <a:lnRef idx="3">
+            <a:schemeClr val="lt1"/>
+          </a:lnRef>
+          <a:fillRef idx="1">
+            <a:schemeClr val="accent6"/>
+          </a:fillRef>
+          <a:effectRef idx="1">
+            <a:schemeClr val="accent6"/>
+          </a:effectRef>
+          <a:fontRef idx="minor">
+            <a:schemeClr val="lt1"/>
+          </a:fontRef>
+        </p:style>
+        <p:txBody>
+          <a:bodyPr rtlCol="0" anchor="ctr"/>
+          <a:lstStyle/>
+          <a:p>
+            <a:pPr algn="ctr"/>
+            <a:r>
+              <a:rPr lang="en-US" sz="2800" b="1" dirty="0" err="1" smtClean="0">
+                <a:solidFill>
+                  <a:schemeClr val="bg1"/>
+                </a:solidFill>
+              </a:rPr>
+              <a:t>SyncAdapter</a:t>
+            </a:r>
+            <a:endParaRPr lang="en-US" sz="2800" b="1" dirty="0">
+              <a:solidFill>
+                <a:schemeClr val="bg1"/>
+              </a:solidFill>
+            </a:endParaRPr>
+          </a:p>
+        </p:txBody>
+      </p:sp>
+      <p:sp>
+        <p:nvSpPr>
+          <p:cNvPr id="8" name="Rounded Rectangle 7"/>
+          <p:cNvSpPr/>
+          <p:nvPr/>
+        </p:nvSpPr>
+        <p:spPr>
+          <a:xfrm>
+            <a:off x="7968208" y="4019259"/>
+            <a:ext cx="2822104" cy="795528"/>
+          </a:xfrm>
+          <a:prstGeom prst="roundRect">
+            <a:avLst/>
+          </a:prstGeom>
+          <a:solidFill>
+            <a:schemeClr val="accent5">
+              <a:lumMod val="75000"/>
+            </a:schemeClr>
+          </a:solidFill>
+          <a:ln/>
+        </p:spPr>
+        <p:style>
+          <a:lnRef idx="3">
+            <a:schemeClr val="lt1"/>
+          </a:lnRef>
+          <a:fillRef idx="1">
+            <a:schemeClr val="accent6"/>
+          </a:fillRef>
+          <a:effectRef idx="1">
+            <a:schemeClr val="accent6"/>
+          </a:effectRef>
+          <a:fontRef idx="minor">
+            <a:schemeClr val="lt1"/>
+          </a:fontRef>
+        </p:style>
+        <p:txBody>
+          <a:bodyPr rtlCol="0" anchor="ctr"/>
+          <a:lstStyle/>
+          <a:p>
+            <a:pPr algn="ctr"/>
+            <a:r>
+              <a:rPr lang="en-US" sz="2800" b="1" dirty="0" smtClean="0">
+                <a:solidFill>
+                  <a:schemeClr val="bg1"/>
+                </a:solidFill>
+              </a:rPr>
+              <a:t>Network</a:t>
+            </a:r>
+            <a:endParaRPr lang="en-US" sz="2800" b="1" dirty="0">
+              <a:solidFill>
+                <a:schemeClr val="bg1"/>
+              </a:solidFill>
+            </a:endParaRPr>
+          </a:p>
+        </p:txBody>
+      </p:sp>
+      <p:sp>
+        <p:nvSpPr>
+          <p:cNvPr id="10" name="Cloud 9"/>
+          <p:cNvSpPr/>
+          <p:nvPr/>
+        </p:nvSpPr>
+        <p:spPr>
+          <a:xfrm>
+            <a:off x="9955323" y="5517232"/>
+            <a:ext cx="2088232" cy="1484784"/>
+          </a:xfrm>
+          <a:prstGeom prst="cloud">
+            <a:avLst/>
+          </a:prstGeom>
+          <a:solidFill>
+            <a:schemeClr val="bg1">
+              <a:lumMod val="65000"/>
+            </a:schemeClr>
+          </a:solidFill>
+          <a:ln>
+            <a:solidFill>
+              <a:schemeClr val="bg1"/>
+            </a:solidFill>
+          </a:ln>
+        </p:spPr>
+        <p:style>
+          <a:lnRef idx="2">
+            <a:schemeClr val="accent1">
+              <a:shade val="50000"/>
+            </a:schemeClr>
+          </a:lnRef>
+          <a:fillRef idx="1">
+            <a:schemeClr val="accent1"/>
+          </a:fillRef>
+          <a:effectRef idx="0">
+            <a:schemeClr val="accent1"/>
+          </a:effectRef>
+          <a:fontRef idx="minor">
+            <a:schemeClr val="lt1"/>
+          </a:fontRef>
+        </p:style>
+        <p:txBody>
+          <a:bodyPr rtlCol="0" anchor="ctr"/>
+          <a:lstStyle/>
+          <a:p>
+            <a:pPr algn="ctr"/>
+            <a:r>
+              <a:rPr lang="en-US" dirty="0" err="1" smtClean="0">
+                <a:latin typeface="Arial Black" panose="020B0A04020102020204" pitchFamily="34" charset="0"/>
+              </a:rPr>
+              <a:t>ze</a:t>
+            </a:r>
+            <a:r>
+              <a:rPr lang="en-US" dirty="0" smtClean="0">
+                <a:latin typeface="Arial Black" panose="020B0A04020102020204" pitchFamily="34" charset="0"/>
+              </a:rPr>
+              <a:t> internet</a:t>
+            </a:r>
+            <a:endParaRPr lang="en-US" dirty="0">
+              <a:latin typeface="Arial Black" panose="020B0A04020102020204" pitchFamily="34" charset="0"/>
+            </a:endParaRPr>
+          </a:p>
+        </p:txBody>
+      </p:sp>
+      <p:cxnSp>
+        <p:nvCxnSpPr>
+          <p:cNvPr id="12" name="Elbow Connector 11"/>
+          <p:cNvCxnSpPr>
+            <a:stCxn id="8" idx="2"/>
+            <a:endCxn id="10" idx="2"/>
+          </p:cNvCxnSpPr>
+          <p:nvPr/>
+        </p:nvCxnSpPr>
+        <p:spPr>
+          <a:xfrm rot="16200000" flipH="1">
+            <a:off x="8948112" y="5245935"/>
+            <a:ext cx="1444837" cy="582540"/>
+          </a:xfrm>
+          <a:prstGeom prst="bentConnector2">
+            <a:avLst/>
+          </a:prstGeom>
+          <a:ln w="38100">
+            <a:solidFill>
+              <a:schemeClr val="bg1"/>
+            </a:solidFill>
+            <a:headEnd type="triangle" w="lg" len="lg"/>
+            <a:tailEnd type="triangle" w="lg" len="lg"/>
+          </a:ln>
+        </p:spPr>
+        <p:style>
+          <a:lnRef idx="1">
+            <a:schemeClr val="accent1"/>
+          </a:lnRef>
+          <a:fillRef idx="0">
+            <a:schemeClr val="accent1"/>
+          </a:fillRef>
+          <a:effectRef idx="0">
+            <a:schemeClr val="accent1"/>
+          </a:effectRef>
+          <a:fontRef idx="minor">
+            <a:schemeClr val="tx1"/>
+          </a:fontRef>
+        </p:style>
+      </p:cxnSp>
+      <p:grpSp>
+        <p:nvGrpSpPr>
+          <p:cNvPr id="20" name="Group 19"/>
+          <p:cNvGrpSpPr/>
+          <p:nvPr/>
+        </p:nvGrpSpPr>
+        <p:grpSpPr>
+          <a:xfrm>
+            <a:off x="479376" y="4814787"/>
+            <a:ext cx="2765413" cy="1497974"/>
+            <a:chOff x="479376" y="4814787"/>
+            <a:chExt cx="2765413" cy="1497974"/>
+          </a:xfrm>
+        </p:grpSpPr>
+        <p:sp>
+          <p:nvSpPr>
+            <p:cNvPr id="21" name="Hexagon 20"/>
+            <p:cNvSpPr/>
+            <p:nvPr/>
+          </p:nvSpPr>
+          <p:spPr>
+            <a:xfrm>
+              <a:off x="479376" y="5517233"/>
+              <a:ext cx="2016224" cy="795528"/>
+            </a:xfrm>
+            <a:prstGeom prst="hexagon">
+              <a:avLst/>
+            </a:prstGeom>
+            <a:solidFill>
+              <a:srgbClr val="FFFF00"/>
+            </a:solidFill>
+            <a:ln>
+              <a:solidFill>
+                <a:schemeClr val="bg1"/>
+              </a:solidFill>
+            </a:ln>
+            <a:effectLst>
+              <a:outerShdw blurRad="50800" dist="38100" dir="5400000" algn="t" rotWithShape="0">
+                <a:prstClr val="black">
+                  <a:alpha val="40000"/>
+                </a:prstClr>
+              </a:outerShdw>
+            </a:effectLst>
+          </p:spPr>
+          <p:style>
+            <a:lnRef idx="2">
+              <a:schemeClr val="accent1">
+                <a:shade val="50000"/>
+              </a:schemeClr>
+            </a:lnRef>
+            <a:fillRef idx="1">
+              <a:schemeClr val="accent1"/>
+            </a:fillRef>
+            <a:effectRef idx="0">
+              <a:schemeClr val="accent1"/>
+            </a:effectRef>
+            <a:fontRef idx="minor">
+              <a:schemeClr val="lt1"/>
+            </a:fontRef>
+          </p:style>
+          <p:txBody>
+            <a:bodyPr rtlCol="0" anchor="ctr"/>
+            <a:lstStyle/>
+            <a:p>
+              <a:pPr algn="ctr"/>
+              <a:r>
+                <a:rPr lang="en-US" b="1" dirty="0" smtClean="0">
+                  <a:solidFill>
+                    <a:schemeClr val="tx1"/>
+                  </a:solidFill>
+                </a:rPr>
+                <a:t>Android Framework</a:t>
+              </a:r>
+              <a:endParaRPr lang="en-US" b="1" dirty="0">
+                <a:solidFill>
+                  <a:schemeClr val="tx1"/>
+                </a:solidFill>
+              </a:endParaRPr>
+            </a:p>
+          </p:txBody>
+        </p:sp>
+        <p:cxnSp>
+          <p:nvCxnSpPr>
+            <p:cNvPr id="22" name="Elbow Connector 21"/>
+            <p:cNvCxnSpPr>
+              <a:endCxn id="21" idx="0"/>
+            </p:cNvCxnSpPr>
+            <p:nvPr/>
+          </p:nvCxnSpPr>
+          <p:spPr>
+            <a:xfrm rot="5400000">
+              <a:off x="2320090" y="4990298"/>
+              <a:ext cx="1100209" cy="749188"/>
+            </a:xfrm>
+            <a:prstGeom prst="bentConnector2">
+              <a:avLst/>
+            </a:prstGeom>
+            <a:ln w="38100">
+              <a:solidFill>
+                <a:schemeClr val="bg1"/>
+              </a:solidFill>
+              <a:prstDash val="sysDash"/>
+              <a:headEnd type="triangle" w="lg" len="lg"/>
+              <a:tailEnd type="triangle" w="lg" len="lg"/>
+            </a:ln>
+          </p:spPr>
+          <p:style>
+            <a:lnRef idx="1">
+              <a:schemeClr val="accent1"/>
+            </a:lnRef>
+            <a:fillRef idx="0">
+              <a:schemeClr val="accent1"/>
+            </a:fillRef>
+            <a:effectRef idx="0">
+              <a:schemeClr val="accent1"/>
+            </a:effectRef>
+            <a:fontRef idx="minor">
+              <a:schemeClr val="tx1"/>
+            </a:fontRef>
+          </p:style>
+        </p:cxnSp>
+      </p:grpSp>
+      <p:cxnSp>
+        <p:nvCxnSpPr>
+          <p:cNvPr id="25" name="Straight Arrow Connector 24"/>
+          <p:cNvCxnSpPr>
+            <a:stCxn id="7" idx="3"/>
+            <a:endCxn id="8" idx="1"/>
+          </p:cNvCxnSpPr>
+          <p:nvPr/>
+        </p:nvCxnSpPr>
+        <p:spPr>
+          <a:xfrm>
+            <a:off x="5879976" y="4417023"/>
+            <a:ext cx="2088232" cy="0"/>
+          </a:xfrm>
+          <a:prstGeom prst="straightConnector1">
+            <a:avLst/>
+          </a:prstGeom>
+          <a:ln w="38100">
+            <a:solidFill>
+              <a:schemeClr val="bg1"/>
+            </a:solidFill>
+            <a:headEnd type="triangle" w="lg" len="lg"/>
+            <a:tailEnd type="triangle" w="lg" len="lg"/>
+          </a:ln>
+        </p:spPr>
+        <p:style>
+          <a:lnRef idx="1">
+            <a:schemeClr val="accent1"/>
+          </a:lnRef>
+          <a:fillRef idx="0">
+            <a:schemeClr val="accent1"/>
+          </a:fillRef>
+          <a:effectRef idx="0">
+            <a:schemeClr val="accent1"/>
+          </a:effectRef>
+          <a:fontRef idx="minor">
+            <a:schemeClr val="tx1"/>
+          </a:fontRef>
+        </p:style>
+      </p:cxnSp>
+      <p:cxnSp>
+        <p:nvCxnSpPr>
+          <p:cNvPr id="28" name="Straight Arrow Connector 27"/>
+          <p:cNvCxnSpPr>
+            <a:stCxn id="6" idx="2"/>
+            <a:endCxn id="7" idx="0"/>
+          </p:cNvCxnSpPr>
+          <p:nvPr/>
+        </p:nvCxnSpPr>
+        <p:spPr>
+          <a:xfrm>
+            <a:off x="3244788" y="3113781"/>
+            <a:ext cx="0" cy="905478"/>
+          </a:xfrm>
+          <a:prstGeom prst="straightConnector1">
+            <a:avLst/>
+          </a:prstGeom>
+          <a:ln w="38100">
+            <a:solidFill>
+              <a:schemeClr val="bg1"/>
+            </a:solidFill>
+            <a:headEnd type="triangle" w="lg" len="lg"/>
+            <a:tailEnd type="triangle" w="lg" len="lg"/>
+          </a:ln>
+        </p:spPr>
+        <p:style>
+          <a:lnRef idx="1">
+            <a:schemeClr val="accent1"/>
+          </a:lnRef>
+          <a:fillRef idx="0">
+            <a:schemeClr val="accent1"/>
+          </a:fillRef>
+          <a:effectRef idx="0">
+            <a:schemeClr val="accent1"/>
+          </a:effectRef>
+          <a:fontRef idx="minor">
+            <a:schemeClr val="tx1"/>
+          </a:fontRef>
+        </p:style>
+      </p:cxnSp>
+      <p:cxnSp>
+        <p:nvCxnSpPr>
+          <p:cNvPr id="31" name="Straight Arrow Connector 30"/>
+          <p:cNvCxnSpPr/>
+          <p:nvPr/>
+        </p:nvCxnSpPr>
+        <p:spPr>
+          <a:xfrm>
+            <a:off x="2783632" y="1412776"/>
+            <a:ext cx="0" cy="905477"/>
+          </a:xfrm>
+          <a:prstGeom prst="straightConnector1">
+            <a:avLst/>
+          </a:prstGeom>
+          <a:ln w="38100">
+            <a:solidFill>
+              <a:schemeClr val="bg1"/>
+            </a:solidFill>
+            <a:prstDash val="sysDash"/>
+            <a:headEnd type="triangle" w="lg" len="lg"/>
+            <a:tailEnd type="none" w="lg" len="lg"/>
+          </a:ln>
+        </p:spPr>
+        <p:style>
+          <a:lnRef idx="1">
+            <a:schemeClr val="accent1"/>
+          </a:lnRef>
+          <a:fillRef idx="0">
+            <a:schemeClr val="accent1"/>
+          </a:fillRef>
+          <a:effectRef idx="0">
+            <a:schemeClr val="accent1"/>
+          </a:effectRef>
+          <a:fontRef idx="minor">
+            <a:schemeClr val="tx1"/>
+          </a:fontRef>
+        </p:style>
+      </p:cxnSp>
+      <p:cxnSp>
+        <p:nvCxnSpPr>
+          <p:cNvPr id="34" name="Straight Arrow Connector 33"/>
+          <p:cNvCxnSpPr>
+            <a:stCxn id="5" idx="3"/>
+            <a:endCxn id="4" idx="1"/>
+          </p:cNvCxnSpPr>
+          <p:nvPr/>
+        </p:nvCxnSpPr>
+        <p:spPr>
+          <a:xfrm>
+            <a:off x="5879976" y="1016732"/>
+            <a:ext cx="2088232" cy="1720"/>
+          </a:xfrm>
+          <a:prstGeom prst="straightConnector1">
+            <a:avLst/>
+          </a:prstGeom>
+          <a:ln w="38100">
+            <a:solidFill>
+              <a:schemeClr val="bg1"/>
+            </a:solidFill>
+            <a:headEnd type="triangle" w="lg" len="lg"/>
+            <a:tailEnd type="triangle" w="lg" len="lg"/>
+          </a:ln>
+        </p:spPr>
+        <p:style>
+          <a:lnRef idx="1">
+            <a:schemeClr val="accent1"/>
+          </a:lnRef>
+          <a:fillRef idx="0">
+            <a:schemeClr val="accent1"/>
+          </a:fillRef>
+          <a:effectRef idx="0">
+            <a:schemeClr val="accent1"/>
+          </a:effectRef>
+          <a:fontRef idx="minor">
+            <a:schemeClr val="tx1"/>
+          </a:fontRef>
+        </p:style>
+      </p:cxnSp>
+      <p:sp>
+        <p:nvSpPr>
+          <p:cNvPr id="2" name="TextBox 1"/>
+          <p:cNvSpPr txBox="1"/>
+          <p:nvPr/>
+        </p:nvSpPr>
+        <p:spPr>
+          <a:xfrm flipH="1">
+            <a:off x="191344" y="1693344"/>
+            <a:ext cx="2295799" cy="369332"/>
+          </a:xfrm>
+          <a:prstGeom prst="rect">
+            <a:avLst/>
+          </a:prstGeom>
+          <a:noFill/>
+        </p:spPr>
+        <p:txBody>
+          <a:bodyPr wrap="square" rtlCol="0">
+            <a:spAutoFit/>
+          </a:bodyPr>
+          <a:lstStyle/>
+          <a:p>
+            <a:pPr algn="r"/>
+            <a:r>
+              <a:rPr lang="en-US" dirty="0" err="1" smtClean="0">
+                <a:solidFill>
+                  <a:schemeClr val="bg1"/>
+                </a:solidFill>
+              </a:rPr>
+              <a:t>ContentObserver</a:t>
+            </a:r>
+            <a:endParaRPr lang="en-US" dirty="0">
+              <a:solidFill>
+                <a:schemeClr val="bg1"/>
+              </a:solidFill>
+            </a:endParaRPr>
+          </a:p>
+        </p:txBody>
+      </p:sp>
+      <p:cxnSp>
+        <p:nvCxnSpPr>
+          <p:cNvPr id="19" name="Straight Arrow Connector 18"/>
+          <p:cNvCxnSpPr>
+            <a:stCxn id="5" idx="2"/>
+            <a:endCxn id="6" idx="0"/>
+          </p:cNvCxnSpPr>
+          <p:nvPr/>
+        </p:nvCxnSpPr>
+        <p:spPr>
+          <a:xfrm>
+            <a:off x="3244788" y="1412776"/>
+            <a:ext cx="0" cy="905477"/>
+          </a:xfrm>
+          <a:prstGeom prst="straightConnector1">
+            <a:avLst/>
+          </a:prstGeom>
+          <a:ln w="38100">
+            <a:solidFill>
+              <a:schemeClr val="bg1"/>
+            </a:solidFill>
+            <a:headEnd type="triangle" w="lg" len="lg"/>
+            <a:tailEnd type="triangle" w="lg" len="lg"/>
+          </a:ln>
+        </p:spPr>
+        <p:style>
+          <a:lnRef idx="1">
+            <a:schemeClr val="accent1"/>
+          </a:lnRef>
+          <a:fillRef idx="0">
+            <a:schemeClr val="accent1"/>
+          </a:fillRef>
+          <a:effectRef idx="0">
+            <a:schemeClr val="accent1"/>
+          </a:effectRef>
+          <a:fontRef idx="minor">
+            <a:schemeClr val="tx1"/>
+          </a:fontRef>
+        </p:style>
+      </p:cxnSp>
+      <p:sp>
+        <p:nvSpPr>
+          <p:cNvPr id="23" name="TextBox 22"/>
+          <p:cNvSpPr txBox="1"/>
+          <p:nvPr/>
+        </p:nvSpPr>
+        <p:spPr>
+          <a:xfrm flipH="1">
+            <a:off x="3440161" y="1693344"/>
+            <a:ext cx="3447927" cy="369332"/>
+          </a:xfrm>
+          <a:prstGeom prst="rect">
+            <a:avLst/>
+          </a:prstGeom>
+          <a:noFill/>
+        </p:spPr>
+        <p:txBody>
+          <a:bodyPr wrap="square" rtlCol="0">
+            <a:spAutoFit/>
+          </a:bodyPr>
+          <a:lstStyle/>
+          <a:p>
+            <a:r>
+              <a:rPr lang="en-US" dirty="0" err="1" smtClean="0">
+                <a:solidFill>
+                  <a:schemeClr val="bg1"/>
+                </a:solidFill>
+              </a:rPr>
+              <a:t>ContentResolver.query</a:t>
+            </a:r>
+            <a:r>
+              <a:rPr lang="en-US" dirty="0" smtClean="0">
+                <a:solidFill>
+                  <a:schemeClr val="bg1"/>
+                </a:solidFill>
+              </a:rPr>
+              <a:t>()</a:t>
+            </a:r>
+            <a:endParaRPr lang="en-US" dirty="0">
+              <a:solidFill>
+                <a:schemeClr val="bg1"/>
+              </a:solidFill>
+            </a:endParaRPr>
+          </a:p>
+        </p:txBody>
+      </p:sp>
+      <p:grpSp>
+        <p:nvGrpSpPr>
+          <p:cNvPr id="15" name="Group 14"/>
+          <p:cNvGrpSpPr/>
+          <p:nvPr/>
+        </p:nvGrpSpPr>
+        <p:grpSpPr>
+          <a:xfrm>
+            <a:off x="3368152" y="5917312"/>
+            <a:ext cx="2871864" cy="795528"/>
+            <a:chOff x="3440160" y="5517232"/>
+            <a:chExt cx="2871864" cy="795528"/>
+          </a:xfrm>
+        </p:grpSpPr>
+        <p:sp>
+          <p:nvSpPr>
+            <p:cNvPr id="14" name="Rounded Rectangular Callout 13"/>
+            <p:cNvSpPr/>
+            <p:nvPr/>
+          </p:nvSpPr>
+          <p:spPr>
+            <a:xfrm>
+              <a:off x="3440160" y="5517232"/>
+              <a:ext cx="2871864" cy="795528"/>
+            </a:xfrm>
+            <a:prstGeom prst="wedgeRoundRectCallout">
+              <a:avLst>
+                <a:gd name="adj1" fmla="val -61628"/>
+                <a:gd name="adj2" fmla="val -32088"/>
+                <a:gd name="adj3" fmla="val 16667"/>
+              </a:avLst>
+            </a:prstGeom>
+            <a:solidFill>
+              <a:srgbClr val="FFFFFF">
+                <a:alpha val="20000"/>
+              </a:srgbClr>
+            </a:solidFill>
+            <a:ln w="19050">
+              <a:solidFill>
+                <a:schemeClr val="bg1"/>
+              </a:solidFill>
+            </a:ln>
+          </p:spPr>
+          <p:style>
+            <a:lnRef idx="2">
+              <a:schemeClr val="accent1">
+                <a:shade val="50000"/>
+              </a:schemeClr>
+            </a:lnRef>
+            <a:fillRef idx="1">
+              <a:schemeClr val="accent1"/>
+            </a:fillRef>
+            <a:effectRef idx="0">
+              <a:schemeClr val="accent1"/>
+            </a:effectRef>
+            <a:fontRef idx="minor">
+              <a:schemeClr val="lt1"/>
+            </a:fontRef>
+          </p:style>
+          <p:txBody>
+            <a:bodyPr rtlCol="0" anchor="ctr"/>
+            <a:lstStyle/>
+            <a:p>
+              <a:pPr algn="ctr"/>
+              <a:endParaRPr lang="en-US"/>
+            </a:p>
+          </p:txBody>
+        </p:sp>
+        <p:sp>
+          <p:nvSpPr>
+            <p:cNvPr id="24" name="TextBox 23"/>
+            <p:cNvSpPr txBox="1"/>
+            <p:nvPr/>
+          </p:nvSpPr>
+          <p:spPr>
+            <a:xfrm flipH="1">
+              <a:off x="3440160" y="5574239"/>
+              <a:ext cx="2871864" cy="646331"/>
+            </a:xfrm>
+            <a:prstGeom prst="rect">
+              <a:avLst/>
+            </a:prstGeom>
+            <a:noFill/>
+          </p:spPr>
+          <p:txBody>
+            <a:bodyPr wrap="square" rtlCol="0">
+              <a:spAutoFit/>
+            </a:bodyPr>
+            <a:lstStyle/>
+            <a:p>
+              <a:pPr algn="ctr"/>
+              <a:r>
+                <a:rPr lang="en-US" i="1" dirty="0" smtClean="0">
+                  <a:solidFill>
+                    <a:schemeClr val="bg1"/>
+                  </a:solidFill>
+                </a:rPr>
+                <a:t>Hey, this would be a great moment to synchronize!</a:t>
+              </a:r>
+              <a:endParaRPr lang="en-US" i="1" dirty="0">
+                <a:solidFill>
+                  <a:schemeClr val="bg1"/>
+                </a:solidFill>
+              </a:endParaRPr>
+            </a:p>
+          </p:txBody>
+        </p:sp>
+      </p:grpSp>
+      <p:sp>
+        <p:nvSpPr>
+          <p:cNvPr id="30" name="TextBox 29"/>
+          <p:cNvSpPr txBox="1"/>
+          <p:nvPr/>
+        </p:nvSpPr>
+        <p:spPr>
+          <a:xfrm flipH="1">
+            <a:off x="3440161" y="3365918"/>
+            <a:ext cx="3096344" cy="369332"/>
+          </a:xfrm>
+          <a:prstGeom prst="rect">
+            <a:avLst/>
+          </a:prstGeom>
+          <a:noFill/>
+        </p:spPr>
+        <p:txBody>
+          <a:bodyPr wrap="square" rtlCol="0">
+            <a:spAutoFit/>
+          </a:bodyPr>
+          <a:lstStyle/>
+          <a:p>
+            <a:r>
+              <a:rPr lang="en-US" dirty="0" err="1" smtClean="0">
+                <a:solidFill>
+                  <a:schemeClr val="bg1"/>
+                </a:solidFill>
+              </a:rPr>
+              <a:t>ContentResolver.insert</a:t>
+            </a:r>
+            <a:r>
+              <a:rPr lang="en-US" dirty="0" smtClean="0">
+                <a:solidFill>
+                  <a:schemeClr val="bg1"/>
+                </a:solidFill>
+              </a:rPr>
+              <a:t>()</a:t>
+            </a:r>
+            <a:endParaRPr lang="en-US" dirty="0">
+              <a:solidFill>
+                <a:schemeClr val="bg1"/>
+              </a:solidFill>
+            </a:endParaRPr>
+          </a:p>
+        </p:txBody>
+      </p:sp>
+    </p:spTree>
+    <p:extLst>
+      <p:ext uri="{BB962C8B-B14F-4D97-AF65-F5344CB8AC3E}">
+        <p14:creationId xmlns:p14="http://schemas.microsoft.com/office/powerpoint/2010/main" val="4099643928"/>
+      </p:ext>
+    </p:extLst>
+  </p:cSld>
+  <p:clrMapOvr>
+    <a:masterClrMapping/>
+  </p:clrMapOvr>
+  <p:transition spd="slow">
+    <p:wipe dir="r"/>
+  </p:transition>
+  <p:timing>
+    <p:tnLst>
+      <p:par>
+        <p:cTn id="1" dur="indefinite" restart="never" nodeType="tmRoot">
+          <p:childTnLst>
+            <p:seq concurrent="1" nextAc="seek">
+              <p:cTn id="2" dur="indefinite" nodeType="mainSeq">
+                <p:childTnLst>
+                  <p:par>
+                    <p:cTn id="3" fill="hold">
+                      <p:stCondLst>
+                        <p:cond delay="indefinite"/>
+                      </p:stCondLst>
+                      <p:childTnLst>
+                        <p:par>
+                          <p:cTn id="4" fill="hold">
+                            <p:stCondLst>
+                              <p:cond delay="0"/>
+                            </p:stCondLst>
+                            <p:childTnLst>
+                              <p:par>
+                                <p:cTn id="5" presetID="42" presetClass="entr" presetSubtype="0" fill="hold" nodeType="clickEffect">
+                                  <p:stCondLst>
+                                    <p:cond delay="0"/>
+                                  </p:stCondLst>
+                                  <p:childTnLst>
+                                    <p:set>
+                                      <p:cBhvr>
+                                        <p:cTn id="6" dur="1" fill="hold">
+                                          <p:stCondLst>
+                                            <p:cond delay="0"/>
+                                          </p:stCondLst>
+                                        </p:cTn>
+                                        <p:tgtEl>
+                                          <p:spTgt spid="20"/>
+                                        </p:tgtEl>
+                                        <p:attrNameLst>
+                                          <p:attrName>style.visibility</p:attrName>
+                                        </p:attrNameLst>
+                                      </p:cBhvr>
+                                      <p:to>
+                                        <p:strVal val="visible"/>
+                                      </p:to>
+                                    </p:set>
+                                    <p:animEffect transition="in" filter="fade">
+                                      <p:cBhvr>
+                                        <p:cTn id="7" dur="1000"/>
+                                        <p:tgtEl>
+                                          <p:spTgt spid="20"/>
+                                        </p:tgtEl>
+                                      </p:cBhvr>
+                                    </p:animEffect>
+                                    <p:anim calcmode="lin" valueType="num">
+                                      <p:cBhvr>
+                                        <p:cTn id="8" dur="1000" fill="hold"/>
+                                        <p:tgtEl>
+                                          <p:spTgt spid="20"/>
+                                        </p:tgtEl>
+                                        <p:attrNameLst>
+                                          <p:attrName>ppt_x</p:attrName>
+                                        </p:attrNameLst>
+                                      </p:cBhvr>
+                                      <p:tavLst>
+                                        <p:tav tm="0">
+                                          <p:val>
+                                            <p:strVal val="#ppt_x"/>
+                                          </p:val>
+                                        </p:tav>
+                                        <p:tav tm="100000">
+                                          <p:val>
+                                            <p:strVal val="#ppt_x"/>
+                                          </p:val>
+                                        </p:tav>
+                                      </p:tavLst>
+                                    </p:anim>
+                                    <p:anim calcmode="lin" valueType="num">
+                                      <p:cBhvr>
+                                        <p:cTn id="9" dur="1000" fill="hold"/>
+                                        <p:tgtEl>
+                                          <p:spTgt spid="20"/>
+                                        </p:tgtEl>
+                                        <p:attrNameLst>
+                                          <p:attrName>ppt_y</p:attrName>
+                                        </p:attrNameLst>
+                                      </p:cBhvr>
+                                      <p:tavLst>
+                                        <p:tav tm="0">
+                                          <p:val>
+                                            <p:strVal val="#ppt_y+.1"/>
+                                          </p:val>
+                                        </p:tav>
+                                        <p:tav tm="100000">
+                                          <p:val>
+                                            <p:strVal val="#ppt_y"/>
+                                          </p:val>
+                                        </p:tav>
+                                      </p:tavLst>
+                                    </p:anim>
+                                  </p:childTnLst>
+                                </p:cTn>
+                              </p:par>
+                            </p:childTnLst>
+                          </p:cTn>
+                        </p:par>
+                      </p:childTnLst>
+                    </p:cTn>
+                  </p:par>
+                  <p:par>
+                    <p:cTn id="10" fill="hold">
+                      <p:stCondLst>
+                        <p:cond delay="indefinite"/>
+                      </p:stCondLst>
+                      <p:childTnLst>
+                        <p:par>
+                          <p:cTn id="11" fill="hold">
+                            <p:stCondLst>
+                              <p:cond delay="0"/>
+                            </p:stCondLst>
+                            <p:childTnLst>
+                              <p:par>
+                                <p:cTn id="12" presetID="22" presetClass="entr" presetSubtype="8" fill="hold" nodeType="clickEffect">
+                                  <p:stCondLst>
+                                    <p:cond delay="0"/>
+                                  </p:stCondLst>
+                                  <p:childTnLst>
+                                    <p:set>
+                                      <p:cBhvr>
+                                        <p:cTn id="13" dur="1" fill="hold">
+                                          <p:stCondLst>
+                                            <p:cond delay="0"/>
+                                          </p:stCondLst>
+                                        </p:cTn>
+                                        <p:tgtEl>
+                                          <p:spTgt spid="15"/>
+                                        </p:tgtEl>
+                                        <p:attrNameLst>
+                                          <p:attrName>style.visibility</p:attrName>
+                                        </p:attrNameLst>
+                                      </p:cBhvr>
+                                      <p:to>
+                                        <p:strVal val="visible"/>
+                                      </p:to>
+                                    </p:set>
+                                    <p:animEffect transition="in" filter="wipe(left)">
+                                      <p:cBhvr>
+                                        <p:cTn id="14" dur="300"/>
+                                        <p:tgtEl>
+                                          <p:spTgt spid="15"/>
+                                        </p:tgtEl>
+                                      </p:cBhvr>
+                                    </p:animEffect>
+                                  </p:childTnLst>
+                                </p:cTn>
+                              </p:par>
+                            </p:childTnLst>
+                          </p:cTn>
+                        </p:par>
+                      </p:childTnLst>
+                    </p:cTn>
+                  </p:par>
+                </p:childTnLst>
+              </p:cTn>
+              <p:prevCondLst>
+                <p:cond evt="onPrev" delay="0">
+                  <p:tgtEl>
+                    <p:sldTgt/>
+                  </p:tgtEl>
+                </p:cond>
+              </p:prevCondLst>
+              <p:nextCondLst>
+                <p:cond evt="onNext" delay="0">
+                  <p:tgtEl>
+                    <p:sldTgt/>
+                  </p:tgtEl>
+                </p:cond>
+              </p:nextCondLst>
+            </p:seq>
+          </p:childTnLst>
+        </p:cTn>
+      </p:par>
+    </p:tnLst>
+  </p:timing>
+</p:sld>
+</file>
+
+<file path=ppt/slides/slide11.xml><?xml version="1.0" encoding="utf-8"?>
+<p:sld xmlns:a="http://schemas.openxmlformats.org/drawingml/2006/main" xmlns:r="http://schemas.openxmlformats.org/officeDocument/2006/relationships" xmlns:p="http://schemas.openxmlformats.org/presentationml/2006/main">
+  <p:cSld>
+    <p:spTree>
+      <p:nvGrpSpPr>
+        <p:cNvPr id="1" name=""/>
+        <p:cNvGrpSpPr/>
+        <p:nvPr/>
+      </p:nvGrpSpPr>
+      <p:grpSpPr>
+        <a:xfrm>
+          <a:off x="0" y="0"/>
+          <a:ext cx="0" cy="0"/>
+          <a:chOff x="0" y="0"/>
+          <a:chExt cx="0" cy="0"/>
+        </a:xfrm>
+      </p:grpSpPr>
       <p:pic>
         <p:nvPicPr>
           <p:cNvPr id="8" name="Content Placeholder 3"/>
@@ -11699,7 +12852,7 @@
 </p:sld>
 </file>
 
-<file path=ppt/slides/slide11.xml><?xml version="1.0" encoding="utf-8"?>
+<file path=ppt/slides/slide12.xml><?xml version="1.0" encoding="utf-8"?>
 <p:sld xmlns:a="http://schemas.openxmlformats.org/drawingml/2006/main" xmlns:r="http://schemas.openxmlformats.org/officeDocument/2006/relationships" xmlns:p="http://schemas.openxmlformats.org/presentationml/2006/main">
   <p:cSld>
     <p:spTree>
@@ -12031,7 +13184,7 @@
 </p:sld>
 </file>
 
-<file path=ppt/slides/slide12.xml><?xml version="1.0" encoding="utf-8"?>
+<file path=ppt/slides/slide13.xml><?xml version="1.0" encoding="utf-8"?>
 <p:sld xmlns:a="http://schemas.openxmlformats.org/drawingml/2006/main" xmlns:r="http://schemas.openxmlformats.org/officeDocument/2006/relationships" xmlns:p="http://schemas.openxmlformats.org/presentationml/2006/main">
   <p:cSld>
     <p:spTree>
@@ -12163,7 +13316,7 @@
 </p:sld>
 </file>
 
-<file path=ppt/slides/slide13.xml><?xml version="1.0" encoding="utf-8"?>
+<file path=ppt/slides/slide14.xml><?xml version="1.0" encoding="utf-8"?>
 <p:sld xmlns:a="http://schemas.openxmlformats.org/drawingml/2006/main" xmlns:r="http://schemas.openxmlformats.org/officeDocument/2006/relationships" xmlns:p="http://schemas.openxmlformats.org/presentationml/2006/main">
   <p:cSld>
     <p:spTree>
@@ -12297,7 +13450,7 @@
 </p:sld>
 </file>
 
-<file path=ppt/slides/slide14.xml><?xml version="1.0" encoding="utf-8"?>
+<file path=ppt/slides/slide15.xml><?xml version="1.0" encoding="utf-8"?>
 <p:sld xmlns:a="http://schemas.openxmlformats.org/drawingml/2006/main" xmlns:r="http://schemas.openxmlformats.org/officeDocument/2006/relationships" xmlns:p="http://schemas.openxmlformats.org/presentationml/2006/main">
   <p:cSld>
     <p:spTree>
@@ -13274,7 +14427,7 @@
 </p:sld>
 </file>
 
-<file path=ppt/slides/slide15.xml><?xml version="1.0" encoding="utf-8"?>
+<file path=ppt/slides/slide16.xml><?xml version="1.0" encoding="utf-8"?>
 <p:sld xmlns:a="http://schemas.openxmlformats.org/drawingml/2006/main" xmlns:r="http://schemas.openxmlformats.org/officeDocument/2006/relationships" xmlns:p="http://schemas.openxmlformats.org/presentationml/2006/main">
   <p:cSld>
     <p:spTree>
@@ -14263,7 +15416,7 @@
 </p:sld>
 </file>
 
-<file path=ppt/slides/slide16.xml><?xml version="1.0" encoding="utf-8"?>
+<file path=ppt/slides/slide17.xml><?xml version="1.0" encoding="utf-8"?>
 <p:sld xmlns:a="http://schemas.openxmlformats.org/drawingml/2006/main" xmlns:r="http://schemas.openxmlformats.org/officeDocument/2006/relationships" xmlns:p="http://schemas.openxmlformats.org/presentationml/2006/main">
   <p:cSld>
     <p:spTree>
@@ -14639,7 +15792,7 @@
 </p:sld>
 </file>
 
-<file path=ppt/slides/slide17.xml><?xml version="1.0" encoding="utf-8"?>
+<file path=ppt/slides/slide18.xml><?xml version="1.0" encoding="utf-8"?>
 <p:sld xmlns:a="http://schemas.openxmlformats.org/drawingml/2006/main" xmlns:r="http://schemas.openxmlformats.org/officeDocument/2006/relationships" xmlns:p="http://schemas.openxmlformats.org/presentationml/2006/main">
   <p:cSld>
     <p:spTree>
@@ -15577,7 +16730,7 @@
 </p:sld>
 </file>
 
-<file path=ppt/slides/slide18.xml><?xml version="1.0" encoding="utf-8"?>
+<file path=ppt/slides/slide19.xml><?xml version="1.0" encoding="utf-8"?>
 <p:sld xmlns:a="http://schemas.openxmlformats.org/drawingml/2006/main" xmlns:r="http://schemas.openxmlformats.org/officeDocument/2006/relationships" xmlns:p="http://schemas.openxmlformats.org/presentationml/2006/main">
   <p:cSld>
     <p:spTree>
@@ -15782,7 +16935,141 @@
 </p:sld>
 </file>
 
-<file path=ppt/slides/slide19.xml><?xml version="1.0" encoding="utf-8"?>
+<file path=ppt/slides/slide2.xml><?xml version="1.0" encoding="utf-8"?>
+<p:sld xmlns:a="http://schemas.openxmlformats.org/drawingml/2006/main" xmlns:r="http://schemas.openxmlformats.org/officeDocument/2006/relationships" xmlns:p="http://schemas.openxmlformats.org/presentationml/2006/main">
+  <p:cSld>
+    <p:spTree>
+      <p:nvGrpSpPr>
+        <p:cNvPr id="1" name=""/>
+        <p:cNvGrpSpPr/>
+        <p:nvPr/>
+      </p:nvGrpSpPr>
+      <p:grpSpPr>
+        <a:xfrm>
+          <a:off x="0" y="0"/>
+          <a:ext cx="0" cy="0"/>
+          <a:chOff x="0" y="0"/>
+          <a:chExt cx="0" cy="0"/>
+        </a:xfrm>
+      </p:grpSpPr>
+      <p:sp>
+        <p:nvSpPr>
+          <p:cNvPr id="3" name="Title 2"/>
+          <p:cNvSpPr>
+            <a:spLocks noGrp="1"/>
+          </p:cNvSpPr>
+          <p:nvPr>
+            <p:ph type="title"/>
+          </p:nvPr>
+        </p:nvSpPr>
+        <p:spPr/>
+        <p:txBody>
+          <a:bodyPr/>
+          <a:lstStyle/>
+          <a:p>
+            <a:r>
+              <a:rPr lang="en-US" dirty="0" smtClean="0"/>
+              <a:t>Syncing</a:t>
+            </a:r>
+            <a:endParaRPr lang="en-US" dirty="0"/>
+          </a:p>
+        </p:txBody>
+      </p:sp>
+      <p:sp>
+        <p:nvSpPr>
+          <p:cNvPr id="4" name="Content Placeholder 3"/>
+          <p:cNvSpPr>
+            <a:spLocks noGrp="1"/>
+          </p:cNvSpPr>
+          <p:nvPr>
+            <p:ph idx="1"/>
+          </p:nvPr>
+        </p:nvSpPr>
+        <p:spPr/>
+        <p:txBody>
+          <a:bodyPr/>
+          <a:lstStyle/>
+          <a:p>
+            <a:r>
+              <a:rPr lang="en-US" dirty="0" smtClean="0"/>
+              <a:t>Why it’s important</a:t>
+            </a:r>
+          </a:p>
+          <a:p>
+            <a:pPr lvl="1"/>
+            <a:r>
+              <a:rPr lang="en-US" dirty="0" smtClean="0"/>
+              <a:t>Connectivity is always an issue</a:t>
+            </a:r>
+          </a:p>
+          <a:p>
+            <a:pPr lvl="1"/>
+            <a:r>
+              <a:rPr lang="en-US" dirty="0" smtClean="0"/>
+              <a:t>Battery concerns</a:t>
+            </a:r>
+          </a:p>
+          <a:p>
+            <a:r>
+              <a:rPr lang="en-US" dirty="0" smtClean="0"/>
+              <a:t>When I’ve used it in the past</a:t>
+            </a:r>
+          </a:p>
+          <a:p>
+            <a:pPr lvl="1"/>
+            <a:r>
+              <a:rPr lang="en-US" dirty="0" smtClean="0"/>
+              <a:t>@</a:t>
+            </a:r>
+            <a:r>
+              <a:rPr lang="en-US" dirty="0" err="1" smtClean="0"/>
+              <a:t>lly</a:t>
+            </a:r>
+            <a:endParaRPr lang="en-US" dirty="0" smtClean="0"/>
+          </a:p>
+          <a:p>
+            <a:pPr lvl="1"/>
+            <a:r>
+              <a:rPr lang="en-US" dirty="0" err="1" smtClean="0"/>
+              <a:t>Polarsteps</a:t>
+            </a:r>
+            <a:endParaRPr lang="en-US" dirty="0"/>
+          </a:p>
+        </p:txBody>
+      </p:sp>
+    </p:spTree>
+    <p:extLst>
+      <p:ext uri="{BB962C8B-B14F-4D97-AF65-F5344CB8AC3E}">
+        <p14:creationId xmlns:p14="http://schemas.microsoft.com/office/powerpoint/2010/main" val="4090863917"/>
+      </p:ext>
+    </p:extLst>
+  </p:cSld>
+  <p:clrMapOvr>
+    <a:masterClrMapping/>
+  </p:clrMapOvr>
+  <mc:AlternateContent xmlns:mc="http://schemas.openxmlformats.org/markup-compatibility/2006" xmlns:p14="http://schemas.microsoft.com/office/powerpoint/2010/main">
+    <mc:Choice Requires="p14">
+      <p:transition p14:dur="250">
+        <p14:reveal/>
+      </p:transition>
+    </mc:Choice>
+    <mc:Fallback xmlns="">
+      <p:transition>
+        <p:fade/>
+      </p:transition>
+    </mc:Fallback>
+  </mc:AlternateContent>
+  <p:timing>
+    <p:tnLst>
+      <p:par>
+        <p:cTn id="1" dur="indefinite" restart="never" nodeType="tmRoot"/>
+      </p:par>
+    </p:tnLst>
+  </p:timing>
+</p:sld>
+</file>
+
+<file path=ppt/slides/slide20.xml><?xml version="1.0" encoding="utf-8"?>
 <p:sld xmlns:a="http://schemas.openxmlformats.org/drawingml/2006/main" xmlns:r="http://schemas.openxmlformats.org/officeDocument/2006/relationships" xmlns:p="http://schemas.openxmlformats.org/presentationml/2006/main">
   <p:cSld>
     <p:spTree>
@@ -16765,7 +18052,2939 @@
 </p:sld>
 </file>
 
-<file path=ppt/slides/slide2.xml><?xml version="1.0" encoding="utf-8"?>
+<file path=ppt/slides/slide21.xml><?xml version="1.0" encoding="utf-8"?>
+<p:sld xmlns:a="http://schemas.openxmlformats.org/drawingml/2006/main" xmlns:r="http://schemas.openxmlformats.org/officeDocument/2006/relationships" xmlns:p="http://schemas.openxmlformats.org/presentationml/2006/main" show="0">
+  <p:cSld>
+    <p:spTree>
+      <p:nvGrpSpPr>
+        <p:cNvPr id="1" name=""/>
+        <p:cNvGrpSpPr/>
+        <p:nvPr/>
+      </p:nvGrpSpPr>
+      <p:grpSpPr>
+        <a:xfrm>
+          <a:off x="0" y="0"/>
+          <a:ext cx="0" cy="0"/>
+          <a:chOff x="0" y="0"/>
+          <a:chExt cx="0" cy="0"/>
+        </a:xfrm>
+      </p:grpSpPr>
+      <p:sp>
+        <p:nvSpPr>
+          <p:cNvPr id="3" name="Title 2"/>
+          <p:cNvSpPr>
+            <a:spLocks noGrp="1"/>
+          </p:cNvSpPr>
+          <p:nvPr>
+            <p:ph type="title"/>
+          </p:nvPr>
+        </p:nvSpPr>
+        <p:spPr/>
+        <p:txBody>
+          <a:bodyPr/>
+          <a:lstStyle/>
+          <a:p>
+            <a:endParaRPr lang="en-US"/>
+          </a:p>
+        </p:txBody>
+      </p:sp>
+      <p:sp>
+        <p:nvSpPr>
+          <p:cNvPr id="4" name="Content Placeholder 3"/>
+          <p:cNvSpPr>
+            <a:spLocks noGrp="1"/>
+          </p:cNvSpPr>
+          <p:nvPr>
+            <p:ph idx="1"/>
+          </p:nvPr>
+        </p:nvSpPr>
+        <p:spPr/>
+        <p:txBody>
+          <a:bodyPr>
+            <a:normAutofit fontScale="92500" lnSpcReduction="10000"/>
+          </a:bodyPr>
+          <a:lstStyle/>
+          <a:p>
+            <a:r>
+              <a:rPr lang="en-US" dirty="0">
+                <a:hlinkClick r:id="rId2"/>
+              </a:rPr>
+              <a:t>https://</a:t>
+            </a:r>
+            <a:r>
+              <a:rPr lang="en-US" dirty="0" smtClean="0">
+                <a:hlinkClick r:id="rId2"/>
+              </a:rPr>
+              <a:t>github.com/googlesamples/android-BasicSyncAdapter</a:t>
+            </a:r>
+            <a:endParaRPr lang="en-US" dirty="0" smtClean="0"/>
+          </a:p>
+          <a:p>
+            <a:r>
+              <a:rPr lang="en-US" dirty="0">
+                <a:hlinkClick r:id="rId3"/>
+              </a:rPr>
+              <a:t>https://</a:t>
+            </a:r>
+            <a:r>
+              <a:rPr lang="en-US" dirty="0" smtClean="0">
+                <a:hlinkClick r:id="rId3"/>
+              </a:rPr>
+              <a:t>developer.android.com/training/sync-adapters/creating-sync-adapter.html</a:t>
+            </a:r>
+            <a:endParaRPr lang="en-US" dirty="0" smtClean="0"/>
+          </a:p>
+          <a:p>
+            <a:r>
+              <a:rPr lang="en-US" dirty="0">
+                <a:hlinkClick r:id="rId4"/>
+              </a:rPr>
+              <a:t>https://</a:t>
+            </a:r>
+            <a:r>
+              <a:rPr lang="en-US" dirty="0" smtClean="0">
+                <a:hlinkClick r:id="rId4"/>
+              </a:rPr>
+              <a:t>developer.android.com/training/sync-adapters/index.html</a:t>
+            </a:r>
+            <a:endParaRPr lang="en-US" dirty="0" smtClean="0"/>
+          </a:p>
+          <a:p>
+            <a:r>
+              <a:rPr lang="en-US" dirty="0">
+                <a:hlinkClick r:id="rId5"/>
+              </a:rPr>
+              <a:t>http://blog.udinic.com/2013/07/24/write-your-own-android-sync-adapter</a:t>
+            </a:r>
+            <a:r>
+              <a:rPr lang="en-US" dirty="0" smtClean="0">
+                <a:hlinkClick r:id="rId5"/>
+              </a:rPr>
+              <a:t>/</a:t>
+            </a:r>
+            <a:endParaRPr lang="en-US" dirty="0" smtClean="0"/>
+          </a:p>
+          <a:p>
+            <a:r>
+              <a:rPr lang="en-US" dirty="0">
+                <a:hlinkClick r:id="rId6"/>
+              </a:rPr>
+              <a:t>https://</a:t>
+            </a:r>
+            <a:r>
+              <a:rPr lang="en-US" dirty="0" smtClean="0">
+                <a:hlinkClick r:id="rId6"/>
+              </a:rPr>
+              <a:t>software.intel.com/en-us/android/articles/handling-offline-capability-and-data-sync-in-an-android-app-part-2</a:t>
+            </a:r>
+            <a:endParaRPr lang="en-US" dirty="0" smtClean="0"/>
+          </a:p>
+        </p:txBody>
+      </p:sp>
+    </p:spTree>
+    <p:extLst>
+      <p:ext uri="{BB962C8B-B14F-4D97-AF65-F5344CB8AC3E}">
+        <p14:creationId xmlns:p14="http://schemas.microsoft.com/office/powerpoint/2010/main" val="351412801"/>
+      </p:ext>
+    </p:extLst>
+  </p:cSld>
+  <p:clrMapOvr>
+    <a:masterClrMapping/>
+  </p:clrMapOvr>
+  <mc:AlternateContent xmlns:mc="http://schemas.openxmlformats.org/markup-compatibility/2006">
+    <mc:Choice xmlns:p14="http://schemas.microsoft.com/office/powerpoint/2010/main" Requires="p14">
+      <p:transition p14:dur="250">
+        <p14:reveal/>
+      </p:transition>
+    </mc:Choice>
+    <mc:Fallback>
+      <p:transition>
+        <p:fade/>
+      </p:transition>
+    </mc:Fallback>
+  </mc:AlternateContent>
+  <p:timing>
+    <p:tnLst>
+      <p:par>
+        <p:cTn id="1" dur="indefinite" restart="never" nodeType="tmRoot"/>
+      </p:par>
+    </p:tnLst>
+  </p:timing>
+</p:sld>
+</file>
+
+<file path=ppt/slides/slide22.xml><?xml version="1.0" encoding="utf-8"?>
+<p:sld xmlns:a="http://schemas.openxmlformats.org/drawingml/2006/main" xmlns:r="http://schemas.openxmlformats.org/officeDocument/2006/relationships" xmlns:p="http://schemas.openxmlformats.org/presentationml/2006/main">
+  <p:cSld>
+    <p:spTree>
+      <p:nvGrpSpPr>
+        <p:cNvPr id="1" name=""/>
+        <p:cNvGrpSpPr/>
+        <p:nvPr/>
+      </p:nvGrpSpPr>
+      <p:grpSpPr>
+        <a:xfrm>
+          <a:off x="0" y="0"/>
+          <a:ext cx="0" cy="0"/>
+          <a:chOff x="0" y="0"/>
+          <a:chExt cx="0" cy="0"/>
+        </a:xfrm>
+      </p:grpSpPr>
+      <p:sp>
+        <p:nvSpPr>
+          <p:cNvPr id="2" name="Title 1"/>
+          <p:cNvSpPr>
+            <a:spLocks noGrp="1"/>
+          </p:cNvSpPr>
+          <p:nvPr>
+            <p:ph type="title"/>
+          </p:nvPr>
+        </p:nvSpPr>
+        <p:spPr/>
+        <p:txBody>
+          <a:bodyPr/>
+          <a:lstStyle/>
+          <a:p>
+            <a:endParaRPr lang="en-US"/>
+          </a:p>
+        </p:txBody>
+      </p:sp>
+      <p:sp>
+        <p:nvSpPr>
+          <p:cNvPr id="3" name="Content Placeholder 2"/>
+          <p:cNvSpPr>
+            <a:spLocks noGrp="1"/>
+          </p:cNvSpPr>
+          <p:nvPr>
+            <p:ph idx="1"/>
+          </p:nvPr>
+        </p:nvSpPr>
+        <p:spPr/>
+        <p:txBody>
+          <a:bodyPr>
+            <a:normAutofit lnSpcReduction="10000"/>
+          </a:bodyPr>
+          <a:lstStyle/>
+          <a:p>
+            <a:r>
+              <a:rPr lang="en-US" dirty="0" err="1" smtClean="0"/>
+              <a:t>SyncAdapters</a:t>
+            </a:r>
+            <a:r>
+              <a:rPr lang="en-US" dirty="0" smtClean="0"/>
+              <a:t> can be used to:</a:t>
+            </a:r>
+          </a:p>
+          <a:p>
+            <a:pPr lvl="1"/>
+            <a:r>
+              <a:rPr lang="en-US" dirty="0" smtClean="0"/>
+              <a:t>fetch </a:t>
+            </a:r>
+            <a:r>
+              <a:rPr lang="en-US" dirty="0"/>
+              <a:t>background data for an </a:t>
+            </a:r>
+            <a:r>
+              <a:rPr lang="en-US" dirty="0" smtClean="0"/>
+              <a:t>app.</a:t>
+            </a:r>
+          </a:p>
+          <a:p>
+            <a:pPr lvl="1"/>
+            <a:r>
+              <a:rPr lang="en-US" dirty="0" smtClean="0"/>
+              <a:t>execute </a:t>
+            </a:r>
+            <a:r>
+              <a:rPr lang="en-US" dirty="0"/>
+              <a:t>your data transfer code at configurable intervals, while efficiently using battery and other system </a:t>
+            </a:r>
+            <a:r>
+              <a:rPr lang="en-US" dirty="0" smtClean="0"/>
+              <a:t>resources</a:t>
+            </a:r>
+            <a:endParaRPr lang="en-US" dirty="0"/>
+          </a:p>
+          <a:p>
+            <a:r>
+              <a:rPr lang="en-US" dirty="0" smtClean="0"/>
+              <a:t>Elements </a:t>
+            </a:r>
+            <a:r>
+              <a:rPr lang="en-US" dirty="0"/>
+              <a:t>of a sync </a:t>
+            </a:r>
+            <a:r>
+              <a:rPr lang="en-US" dirty="0" smtClean="0"/>
+              <a:t>adapter:</a:t>
+            </a:r>
+            <a:endParaRPr lang="en-US" dirty="0"/>
+          </a:p>
+          <a:p>
+            <a:pPr lvl="1"/>
+            <a:r>
+              <a:rPr lang="en-US" dirty="0"/>
+              <a:t>Creates a sync adapter class.</a:t>
+            </a:r>
+          </a:p>
+          <a:p>
+            <a:pPr lvl="1"/>
+            <a:r>
+              <a:rPr lang="en-US" dirty="0"/>
+              <a:t>Creates a bound Service which the OS uses to initiate a sync.</a:t>
+            </a:r>
+          </a:p>
+          <a:p>
+            <a:pPr lvl="1"/>
+            <a:r>
+              <a:rPr lang="en-US" dirty="0"/>
+              <a:t>Defines the sync adapter properties in an XML resource file.</a:t>
+            </a:r>
+          </a:p>
+          <a:p>
+            <a:pPr lvl="1"/>
+            <a:r>
+              <a:rPr lang="en-US" dirty="0"/>
+              <a:t>Declares the bound Service in the app manifest.</a:t>
+            </a:r>
+          </a:p>
+        </p:txBody>
+      </p:sp>
+    </p:spTree>
+    <p:extLst>
+      <p:ext uri="{BB962C8B-B14F-4D97-AF65-F5344CB8AC3E}">
+        <p14:creationId xmlns:p14="http://schemas.microsoft.com/office/powerpoint/2010/main" val="2364295274"/>
+      </p:ext>
+    </p:extLst>
+  </p:cSld>
+  <p:clrMapOvr>
+    <a:masterClrMapping/>
+  </p:clrMapOvr>
+  <mc:AlternateContent xmlns:mc="http://schemas.openxmlformats.org/markup-compatibility/2006" xmlns:p14="http://schemas.microsoft.com/office/powerpoint/2010/main">
+    <mc:Choice Requires="p14">
+      <p:transition p14:dur="250">
+        <p14:reveal/>
+      </p:transition>
+    </mc:Choice>
+    <mc:Fallback xmlns="">
+      <p:transition>
+        <p:fade/>
+      </p:transition>
+    </mc:Fallback>
+  </mc:AlternateContent>
+  <p:timing>
+    <p:tnLst>
+      <p:par>
+        <p:cTn id="1" dur="indefinite" restart="never" nodeType="tmRoot"/>
+      </p:par>
+    </p:tnLst>
+  </p:timing>
+</p:sld>
+</file>
+
+<file path=ppt/slides/slide23.xml><?xml version="1.0" encoding="utf-8"?>
+<p:sld xmlns:a="http://schemas.openxmlformats.org/drawingml/2006/main" xmlns:r="http://schemas.openxmlformats.org/officeDocument/2006/relationships" xmlns:p="http://schemas.openxmlformats.org/presentationml/2006/main">
+  <p:cSld>
+    <p:spTree>
+      <p:nvGrpSpPr>
+        <p:cNvPr id="1" name=""/>
+        <p:cNvGrpSpPr/>
+        <p:nvPr/>
+      </p:nvGrpSpPr>
+      <p:grpSpPr>
+        <a:xfrm>
+          <a:off x="0" y="0"/>
+          <a:ext cx="0" cy="0"/>
+          <a:chOff x="0" y="0"/>
+          <a:chExt cx="0" cy="0"/>
+        </a:xfrm>
+      </p:grpSpPr>
+      <p:sp>
+        <p:nvSpPr>
+          <p:cNvPr id="3" name="Title 2"/>
+          <p:cNvSpPr>
+            <a:spLocks noGrp="1"/>
+          </p:cNvSpPr>
+          <p:nvPr>
+            <p:ph type="title"/>
+          </p:nvPr>
+        </p:nvSpPr>
+        <p:spPr/>
+        <p:txBody>
+          <a:bodyPr>
+            <a:normAutofit fontScale="90000"/>
+          </a:bodyPr>
+          <a:lstStyle/>
+          <a:p>
+            <a:r>
+              <a:rPr lang="en-US" dirty="0"/>
+              <a:t>Extend the base sync adapter class </a:t>
+            </a:r>
+            <a:r>
+              <a:rPr lang="en-US" dirty="0" err="1"/>
+              <a:t>AbstractThreadedSyncAdapter</a:t>
+            </a:r>
+            <a:endParaRPr lang="en-US" dirty="0"/>
+          </a:p>
+        </p:txBody>
+      </p:sp>
+      <p:sp>
+        <p:nvSpPr>
+          <p:cNvPr id="5" name="Rectangle 1"/>
+          <p:cNvSpPr>
+            <a:spLocks noGrp="1" noChangeArrowheads="1"/>
+          </p:cNvSpPr>
+          <p:nvPr>
+            <p:ph idx="1"/>
+          </p:nvPr>
+        </p:nvSpPr>
+        <p:spPr bwMode="auto">
+          <a:xfrm>
+            <a:off x="983432" y="1818982"/>
+            <a:ext cx="7383431" cy="4462760"/>
+          </a:xfrm>
+          <a:prstGeom prst="rect">
+            <a:avLst/>
+          </a:prstGeom>
+          <a:solidFill>
+            <a:srgbClr val="F7F7F7"/>
+          </a:solidFill>
+          <a:ln>
+            <a:noFill/>
+          </a:ln>
+          <a:effectLst/>
+          <a:extLst>
+            <a:ext uri="{91240B29-F687-4F45-9708-019B960494DF}">
+              <a14:hiddenLine xmlns:a14="http://schemas.microsoft.com/office/drawing/2010/main" w="9525">
+                <a:solidFill>
+                  <a:schemeClr val="tx1"/>
+                </a:solidFill>
+                <a:miter lim="800000"/>
+                <a:headEnd/>
+                <a:tailEnd/>
+              </a14:hiddenLine>
+            </a:ext>
+            <a:ext uri="{AF507438-7753-43E0-B8FC-AC1667EBCBE1}">
+              <a14:hiddenEffects xmlns:a14="http://schemas.microsoft.com/office/drawing/2010/main">
+                <a:effectLst>
+                  <a:outerShdw dist="35921" dir="2700000" algn="ctr" rotWithShape="0">
+                    <a:schemeClr val="bg2"/>
+                  </a:outerShdw>
+                </a:effectLst>
+              </a14:hiddenEffects>
+            </a:ext>
+          </a:extLst>
+        </p:spPr>
+        <p:txBody>
+          <a:bodyPr vert="horz" wrap="none" lIns="457200" tIns="182880" rIns="457200" bIns="182880" numCol="1" anchor="ctr" anchorCtr="0" compatLnSpc="1">
+            <a:prstTxWarp prst="textNoShape">
+              <a:avLst/>
+            </a:prstTxWarp>
+            <a:spAutoFit/>
+          </a:bodyPr>
+          <a:lstStyle/>
+          <a:p>
+            <a:pPr marL="0" marR="0" lvl="0" indent="0" algn="l" defTabSz="914400" rtl="0" eaLnBrk="0" fontAlgn="base" latinLnBrk="0" hangingPunct="0">
+              <a:lnSpc>
+                <a:spcPct val="100000"/>
+              </a:lnSpc>
+              <a:spcBef>
+                <a:spcPct val="0"/>
+              </a:spcBef>
+              <a:spcAft>
+                <a:spcPct val="0"/>
+              </a:spcAft>
+              <a:buClrTx/>
+              <a:buSzTx/>
+              <a:buFontTx/>
+              <a:buNone/>
+              <a:tabLst/>
+            </a:pPr>
+            <a:r>
+              <a:rPr kumimoji="0" lang="en-US" altLang="en-US" sz="1400" b="0" i="0" u="none" strike="noStrike" cap="none" normalizeH="0" baseline="0" dirty="0" smtClean="0">
+                <a:ln>
+                  <a:noFill/>
+                </a:ln>
+                <a:solidFill>
+                  <a:srgbClr val="006600"/>
+                </a:solidFill>
+                <a:effectLst/>
+                <a:latin typeface="Consolas" panose="020B0609020204030204" pitchFamily="49" charset="0"/>
+              </a:rPr>
+              <a:t>/**</a:t>
+            </a:r>
+            <a:br>
+              <a:rPr kumimoji="0" lang="en-US" altLang="en-US" sz="1400" b="0" i="0" u="none" strike="noStrike" cap="none" normalizeH="0" baseline="0" dirty="0" smtClean="0">
+                <a:ln>
+                  <a:noFill/>
+                </a:ln>
+                <a:solidFill>
+                  <a:srgbClr val="006600"/>
+                </a:solidFill>
+                <a:effectLst/>
+                <a:latin typeface="Consolas" panose="020B0609020204030204" pitchFamily="49" charset="0"/>
+              </a:rPr>
+            </a:br>
+            <a:r>
+              <a:rPr kumimoji="0" lang="en-US" altLang="en-US" sz="1400" b="0" i="0" u="none" strike="noStrike" cap="none" normalizeH="0" baseline="0" dirty="0" smtClean="0">
+                <a:ln>
+                  <a:noFill/>
+                </a:ln>
+                <a:solidFill>
+                  <a:srgbClr val="006600"/>
+                </a:solidFill>
+                <a:effectLst/>
+                <a:latin typeface="Consolas" panose="020B0609020204030204" pitchFamily="49" charset="0"/>
+              </a:rPr>
+              <a:t> * Handle the transfer of data between a server and an</a:t>
+            </a:r>
+            <a:br>
+              <a:rPr kumimoji="0" lang="en-US" altLang="en-US" sz="1400" b="0" i="0" u="none" strike="noStrike" cap="none" normalizeH="0" baseline="0" dirty="0" smtClean="0">
+                <a:ln>
+                  <a:noFill/>
+                </a:ln>
+                <a:solidFill>
+                  <a:srgbClr val="006600"/>
+                </a:solidFill>
+                <a:effectLst/>
+                <a:latin typeface="Consolas" panose="020B0609020204030204" pitchFamily="49" charset="0"/>
+              </a:rPr>
+            </a:br>
+            <a:r>
+              <a:rPr kumimoji="0" lang="en-US" altLang="en-US" sz="1400" b="0" i="0" u="none" strike="noStrike" cap="none" normalizeH="0" baseline="0" dirty="0" smtClean="0">
+                <a:ln>
+                  <a:noFill/>
+                </a:ln>
+                <a:solidFill>
+                  <a:srgbClr val="006600"/>
+                </a:solidFill>
+                <a:effectLst/>
+                <a:latin typeface="Consolas" panose="020B0609020204030204" pitchFamily="49" charset="0"/>
+              </a:rPr>
+              <a:t> * app, using the Android sync adapter framework.</a:t>
+            </a:r>
+            <a:br>
+              <a:rPr kumimoji="0" lang="en-US" altLang="en-US" sz="1400" b="0" i="0" u="none" strike="noStrike" cap="none" normalizeH="0" baseline="0" dirty="0" smtClean="0">
+                <a:ln>
+                  <a:noFill/>
+                </a:ln>
+                <a:solidFill>
+                  <a:srgbClr val="006600"/>
+                </a:solidFill>
+                <a:effectLst/>
+                <a:latin typeface="Consolas" panose="020B0609020204030204" pitchFamily="49" charset="0"/>
+              </a:rPr>
+            </a:br>
+            <a:r>
+              <a:rPr kumimoji="0" lang="en-US" altLang="en-US" sz="1400" b="0" i="0" u="none" strike="noStrike" cap="none" normalizeH="0" baseline="0" dirty="0" smtClean="0">
+                <a:ln>
+                  <a:noFill/>
+                </a:ln>
+                <a:solidFill>
+                  <a:srgbClr val="006600"/>
+                </a:solidFill>
+                <a:effectLst/>
+                <a:latin typeface="Consolas" panose="020B0609020204030204" pitchFamily="49" charset="0"/>
+              </a:rPr>
+              <a:t> */</a:t>
+            </a:r>
+            <a:r>
+              <a:rPr kumimoji="0" lang="en-US" altLang="en-US" sz="1400" b="0" i="0" u="none" strike="noStrike" cap="none" normalizeH="0" baseline="0" dirty="0" smtClean="0">
+                <a:ln>
+                  <a:noFill/>
+                </a:ln>
+                <a:solidFill>
+                  <a:srgbClr val="000000"/>
+                </a:solidFill>
+                <a:effectLst/>
+                <a:latin typeface="Consolas" panose="020B0609020204030204" pitchFamily="49" charset="0"/>
+              </a:rPr>
+              <a:t/>
+            </a:r>
+            <a:br>
+              <a:rPr kumimoji="0" lang="en-US" altLang="en-US" sz="1400" b="0" i="0" u="none" strike="noStrike" cap="none" normalizeH="0" baseline="0" dirty="0" smtClean="0">
+                <a:ln>
+                  <a:noFill/>
+                </a:ln>
+                <a:solidFill>
+                  <a:srgbClr val="000000"/>
+                </a:solidFill>
+                <a:effectLst/>
+                <a:latin typeface="Consolas" panose="020B0609020204030204" pitchFamily="49" charset="0"/>
+              </a:rPr>
+            </a:br>
+            <a:r>
+              <a:rPr kumimoji="0" lang="en-US" altLang="en-US" sz="1400" b="0" i="0" u="none" strike="noStrike" cap="none" normalizeH="0" baseline="0" dirty="0" smtClean="0">
+                <a:ln>
+                  <a:noFill/>
+                </a:ln>
+                <a:solidFill>
+                  <a:srgbClr val="000088"/>
+                </a:solidFill>
+                <a:effectLst/>
+                <a:latin typeface="Consolas" panose="020B0609020204030204" pitchFamily="49" charset="0"/>
+              </a:rPr>
+              <a:t>public</a:t>
+            </a:r>
+            <a:r>
+              <a:rPr kumimoji="0" lang="en-US" altLang="en-US" sz="1400" b="0" i="0" u="none" strike="noStrike" cap="none" normalizeH="0" baseline="0" dirty="0" smtClean="0">
+                <a:ln>
+                  <a:noFill/>
+                </a:ln>
+                <a:solidFill>
+                  <a:srgbClr val="000000"/>
+                </a:solidFill>
+                <a:effectLst/>
+                <a:latin typeface="Consolas" panose="020B0609020204030204" pitchFamily="49" charset="0"/>
+              </a:rPr>
+              <a:t> </a:t>
+            </a:r>
+            <a:r>
+              <a:rPr kumimoji="0" lang="en-US" altLang="en-US" sz="1400" b="0" i="0" u="none" strike="noStrike" cap="none" normalizeH="0" baseline="0" dirty="0" smtClean="0">
+                <a:ln>
+                  <a:noFill/>
+                </a:ln>
+                <a:solidFill>
+                  <a:srgbClr val="000088"/>
+                </a:solidFill>
+                <a:effectLst/>
+                <a:latin typeface="Consolas" panose="020B0609020204030204" pitchFamily="49" charset="0"/>
+              </a:rPr>
+              <a:t>class</a:t>
+            </a:r>
+            <a:r>
+              <a:rPr kumimoji="0" lang="en-US" altLang="en-US" sz="1400" b="0" i="0" u="none" strike="noStrike" cap="none" normalizeH="0" baseline="0" dirty="0" smtClean="0">
+                <a:ln>
+                  <a:noFill/>
+                </a:ln>
+                <a:solidFill>
+                  <a:srgbClr val="000000"/>
+                </a:solidFill>
+                <a:effectLst/>
+                <a:latin typeface="Consolas" panose="020B0609020204030204" pitchFamily="49" charset="0"/>
+              </a:rPr>
+              <a:t> </a:t>
+            </a:r>
+            <a:r>
+              <a:rPr kumimoji="0" lang="en-US" altLang="en-US" sz="1400" b="0" i="0" u="none" strike="noStrike" cap="none" normalizeH="0" baseline="0" dirty="0" err="1" smtClean="0">
+                <a:ln>
+                  <a:noFill/>
+                </a:ln>
+                <a:solidFill>
+                  <a:srgbClr val="660066"/>
+                </a:solidFill>
+                <a:effectLst/>
+                <a:latin typeface="Consolas" panose="020B0609020204030204" pitchFamily="49" charset="0"/>
+              </a:rPr>
+              <a:t>SyncAdapter</a:t>
+            </a:r>
+            <a:r>
+              <a:rPr kumimoji="0" lang="en-US" altLang="en-US" sz="1400" b="0" i="0" u="none" strike="noStrike" cap="none" normalizeH="0" baseline="0" dirty="0" smtClean="0">
+                <a:ln>
+                  <a:noFill/>
+                </a:ln>
+                <a:solidFill>
+                  <a:srgbClr val="000000"/>
+                </a:solidFill>
+                <a:effectLst/>
+                <a:latin typeface="Consolas" panose="020B0609020204030204" pitchFamily="49" charset="0"/>
+              </a:rPr>
+              <a:t> </a:t>
+            </a:r>
+            <a:r>
+              <a:rPr kumimoji="0" lang="en-US" altLang="en-US" sz="1400" b="0" i="0" u="none" strike="noStrike" cap="none" normalizeH="0" baseline="0" dirty="0" smtClean="0">
+                <a:ln>
+                  <a:noFill/>
+                </a:ln>
+                <a:solidFill>
+                  <a:srgbClr val="000088"/>
+                </a:solidFill>
+                <a:effectLst/>
+                <a:latin typeface="Consolas" panose="020B0609020204030204" pitchFamily="49" charset="0"/>
+              </a:rPr>
+              <a:t>extends</a:t>
+            </a:r>
+            <a:r>
+              <a:rPr kumimoji="0" lang="en-US" altLang="en-US" sz="1400" b="0" i="0" u="none" strike="noStrike" cap="none" normalizeH="0" baseline="0" dirty="0" smtClean="0">
+                <a:ln>
+                  <a:noFill/>
+                </a:ln>
+                <a:solidFill>
+                  <a:srgbClr val="000000"/>
+                </a:solidFill>
+                <a:effectLst/>
+                <a:latin typeface="Consolas" panose="020B0609020204030204" pitchFamily="49" charset="0"/>
+              </a:rPr>
+              <a:t> </a:t>
+            </a:r>
+            <a:r>
+              <a:rPr kumimoji="0" lang="en-US" altLang="en-US" sz="1400" b="0" i="0" u="none" strike="noStrike" cap="none" normalizeH="0" baseline="0" dirty="0" err="1" smtClean="0">
+                <a:ln>
+                  <a:noFill/>
+                </a:ln>
+                <a:solidFill>
+                  <a:srgbClr val="660066"/>
+                </a:solidFill>
+                <a:effectLst/>
+                <a:latin typeface="Consolas" panose="020B0609020204030204" pitchFamily="49" charset="0"/>
+              </a:rPr>
+              <a:t>AbstractThreadedSyncAdapter</a:t>
+            </a:r>
+            <a:r>
+              <a:rPr kumimoji="0" lang="en-US" altLang="en-US" sz="1400" b="0" i="0" u="none" strike="noStrike" cap="none" normalizeH="0" baseline="0" dirty="0" smtClean="0">
+                <a:ln>
+                  <a:noFill/>
+                </a:ln>
+                <a:solidFill>
+                  <a:srgbClr val="000000"/>
+                </a:solidFill>
+                <a:effectLst/>
+                <a:latin typeface="Consolas" panose="020B0609020204030204" pitchFamily="49" charset="0"/>
+              </a:rPr>
+              <a:t> </a:t>
+            </a:r>
+            <a:r>
+              <a:rPr kumimoji="0" lang="en-US" altLang="en-US" sz="1400" b="0" i="0" u="none" strike="noStrike" cap="none" normalizeH="0" baseline="0" dirty="0" smtClean="0">
+                <a:ln>
+                  <a:noFill/>
+                </a:ln>
+                <a:solidFill>
+                  <a:srgbClr val="666600"/>
+                </a:solidFill>
+                <a:effectLst/>
+                <a:latin typeface="Consolas" panose="020B0609020204030204" pitchFamily="49" charset="0"/>
+              </a:rPr>
+              <a:t>{</a:t>
+            </a:r>
+            <a:endParaRPr kumimoji="0" lang="en-US" altLang="en-US" sz="1400" b="0" i="0" u="none" strike="noStrike" cap="none" normalizeH="0" baseline="0" dirty="0" smtClean="0">
+              <a:ln>
+                <a:noFill/>
+              </a:ln>
+              <a:solidFill>
+                <a:schemeClr val="tx1"/>
+              </a:solidFill>
+              <a:effectLst/>
+              <a:latin typeface="Consolas" panose="020B0609020204030204" pitchFamily="49" charset="0"/>
+            </a:endParaRPr>
+          </a:p>
+          <a:p>
+            <a:pPr marL="0" indent="0" eaLnBrk="0" fontAlgn="base" hangingPunct="0">
+              <a:spcBef>
+                <a:spcPct val="0"/>
+              </a:spcBef>
+              <a:spcAft>
+                <a:spcPct val="0"/>
+              </a:spcAft>
+              <a:buNone/>
+            </a:pPr>
+            <a:r>
+              <a:rPr lang="en-US" altLang="en-US" sz="1400" dirty="0" smtClean="0">
+                <a:solidFill>
+                  <a:srgbClr val="006600"/>
+                </a:solidFill>
+                <a:latin typeface="Consolas" panose="020B0609020204030204" pitchFamily="49" charset="0"/>
+              </a:rPr>
+              <a:t>    /**</a:t>
+            </a:r>
+            <a:r>
+              <a:rPr lang="en-US" altLang="en-US" sz="1400" dirty="0">
+                <a:solidFill>
+                  <a:srgbClr val="006600"/>
+                </a:solidFill>
+                <a:latin typeface="Consolas" panose="020B0609020204030204" pitchFamily="49" charset="0"/>
+              </a:rPr>
+              <a:t/>
+            </a:r>
+            <a:br>
+              <a:rPr lang="en-US" altLang="en-US" sz="1400" dirty="0">
+                <a:solidFill>
+                  <a:srgbClr val="006600"/>
+                </a:solidFill>
+                <a:latin typeface="Consolas" panose="020B0609020204030204" pitchFamily="49" charset="0"/>
+              </a:rPr>
+            </a:br>
+            <a:r>
+              <a:rPr lang="en-US" altLang="en-US" sz="1400" dirty="0">
+                <a:solidFill>
+                  <a:srgbClr val="006600"/>
+                </a:solidFill>
+                <a:latin typeface="Consolas" panose="020B0609020204030204" pitchFamily="49" charset="0"/>
+              </a:rPr>
+              <a:t>     * Set up the sync adapter</a:t>
+            </a:r>
+            <a:br>
+              <a:rPr lang="en-US" altLang="en-US" sz="1400" dirty="0">
+                <a:solidFill>
+                  <a:srgbClr val="006600"/>
+                </a:solidFill>
+                <a:latin typeface="Consolas" panose="020B0609020204030204" pitchFamily="49" charset="0"/>
+              </a:rPr>
+            </a:br>
+            <a:r>
+              <a:rPr lang="en-US" altLang="en-US" sz="1400" dirty="0">
+                <a:solidFill>
+                  <a:srgbClr val="006600"/>
+                </a:solidFill>
+                <a:latin typeface="Consolas" panose="020B0609020204030204" pitchFamily="49" charset="0"/>
+              </a:rPr>
+              <a:t>     */</a:t>
+            </a:r>
+            <a:r>
+              <a:rPr lang="en-US" altLang="en-US" sz="1400" dirty="0">
+                <a:solidFill>
+                  <a:srgbClr val="000000"/>
+                </a:solidFill>
+                <a:latin typeface="Consolas" panose="020B0609020204030204" pitchFamily="49" charset="0"/>
+              </a:rPr>
+              <a:t/>
+            </a:r>
+            <a:br>
+              <a:rPr lang="en-US" altLang="en-US" sz="1400" dirty="0">
+                <a:solidFill>
+                  <a:srgbClr val="000000"/>
+                </a:solidFill>
+                <a:latin typeface="Consolas" panose="020B0609020204030204" pitchFamily="49" charset="0"/>
+              </a:rPr>
+            </a:br>
+            <a:r>
+              <a:rPr lang="en-US" altLang="en-US" sz="1400" dirty="0">
+                <a:solidFill>
+                  <a:srgbClr val="000000"/>
+                </a:solidFill>
+                <a:latin typeface="Consolas" panose="020B0609020204030204" pitchFamily="49" charset="0"/>
+              </a:rPr>
+              <a:t>    </a:t>
+            </a:r>
+            <a:r>
+              <a:rPr lang="en-US" altLang="en-US" sz="1400" dirty="0">
+                <a:solidFill>
+                  <a:srgbClr val="000088"/>
+                </a:solidFill>
+                <a:latin typeface="Consolas" panose="020B0609020204030204" pitchFamily="49" charset="0"/>
+              </a:rPr>
+              <a:t>public</a:t>
+            </a:r>
+            <a:r>
+              <a:rPr lang="en-US" altLang="en-US" sz="1400" dirty="0">
+                <a:solidFill>
+                  <a:srgbClr val="000000"/>
+                </a:solidFill>
+                <a:latin typeface="Consolas" panose="020B0609020204030204" pitchFamily="49" charset="0"/>
+              </a:rPr>
+              <a:t> </a:t>
+            </a:r>
+            <a:r>
+              <a:rPr lang="en-US" altLang="en-US" sz="1400" dirty="0" err="1">
+                <a:solidFill>
+                  <a:srgbClr val="660066"/>
+                </a:solidFill>
+                <a:latin typeface="Consolas" panose="020B0609020204030204" pitchFamily="49" charset="0"/>
+              </a:rPr>
+              <a:t>SyncAdapter</a:t>
+            </a:r>
+            <a:r>
+              <a:rPr lang="en-US" altLang="en-US" sz="1400" dirty="0">
+                <a:solidFill>
+                  <a:srgbClr val="666600"/>
+                </a:solidFill>
+                <a:latin typeface="Consolas" panose="020B0609020204030204" pitchFamily="49" charset="0"/>
+              </a:rPr>
+              <a:t>(</a:t>
+            </a:r>
+            <a:r>
+              <a:rPr lang="en-US" altLang="en-US" sz="1400" dirty="0">
+                <a:solidFill>
+                  <a:srgbClr val="660066"/>
+                </a:solidFill>
+                <a:latin typeface="Consolas" panose="020B0609020204030204" pitchFamily="49" charset="0"/>
+              </a:rPr>
+              <a:t>Context</a:t>
+            </a:r>
+            <a:r>
+              <a:rPr lang="en-US" altLang="en-US" sz="1400" dirty="0">
+                <a:solidFill>
+                  <a:srgbClr val="000000"/>
+                </a:solidFill>
+                <a:latin typeface="Consolas" panose="020B0609020204030204" pitchFamily="49" charset="0"/>
+              </a:rPr>
+              <a:t> </a:t>
+            </a:r>
+            <a:r>
+              <a:rPr lang="en-US" altLang="en-US" sz="1400" dirty="0" err="1">
+                <a:solidFill>
+                  <a:srgbClr val="000000"/>
+                </a:solidFill>
+                <a:latin typeface="Consolas" panose="020B0609020204030204" pitchFamily="49" charset="0"/>
+              </a:rPr>
+              <a:t>context</a:t>
+            </a:r>
+            <a:r>
+              <a:rPr lang="en-US" altLang="en-US" sz="1400" dirty="0">
+                <a:solidFill>
+                  <a:srgbClr val="666600"/>
+                </a:solidFill>
+                <a:latin typeface="Consolas" panose="020B0609020204030204" pitchFamily="49" charset="0"/>
+              </a:rPr>
+              <a:t>,</a:t>
+            </a:r>
+            <a:r>
+              <a:rPr lang="en-US" altLang="en-US" sz="1400" dirty="0">
+                <a:solidFill>
+                  <a:srgbClr val="000000"/>
+                </a:solidFill>
+                <a:latin typeface="Consolas" panose="020B0609020204030204" pitchFamily="49" charset="0"/>
+              </a:rPr>
+              <a:t> </a:t>
+            </a:r>
+            <a:r>
+              <a:rPr lang="en-US" altLang="en-US" sz="1400" dirty="0" err="1">
+                <a:solidFill>
+                  <a:srgbClr val="000088"/>
+                </a:solidFill>
+                <a:latin typeface="Consolas" panose="020B0609020204030204" pitchFamily="49" charset="0"/>
+              </a:rPr>
+              <a:t>boolean</a:t>
+            </a:r>
+            <a:r>
+              <a:rPr lang="en-US" altLang="en-US" sz="1400" dirty="0">
+                <a:solidFill>
+                  <a:srgbClr val="000000"/>
+                </a:solidFill>
+                <a:latin typeface="Consolas" panose="020B0609020204030204" pitchFamily="49" charset="0"/>
+              </a:rPr>
+              <a:t> </a:t>
+            </a:r>
+            <a:r>
+              <a:rPr lang="en-US" altLang="en-US" sz="1400" dirty="0" err="1">
+                <a:solidFill>
+                  <a:srgbClr val="000000"/>
+                </a:solidFill>
+                <a:latin typeface="Consolas" panose="020B0609020204030204" pitchFamily="49" charset="0"/>
+              </a:rPr>
+              <a:t>autoInitialize</a:t>
+            </a:r>
+            <a:r>
+              <a:rPr lang="en-US" altLang="en-US" sz="1400" dirty="0">
+                <a:solidFill>
+                  <a:srgbClr val="666600"/>
+                </a:solidFill>
+                <a:latin typeface="Consolas" panose="020B0609020204030204" pitchFamily="49" charset="0"/>
+              </a:rPr>
+              <a:t>)</a:t>
+            </a:r>
+            <a:r>
+              <a:rPr lang="en-US" altLang="en-US" sz="1400" dirty="0">
+                <a:solidFill>
+                  <a:srgbClr val="000000"/>
+                </a:solidFill>
+                <a:latin typeface="Consolas" panose="020B0609020204030204" pitchFamily="49" charset="0"/>
+              </a:rPr>
+              <a:t> </a:t>
+            </a:r>
+            <a:r>
+              <a:rPr lang="en-US" altLang="en-US" sz="1400" dirty="0" smtClean="0">
+                <a:solidFill>
+                  <a:srgbClr val="666600"/>
+                </a:solidFill>
+                <a:latin typeface="Consolas" panose="020B0609020204030204" pitchFamily="49" charset="0"/>
+              </a:rPr>
+              <a:t>{</a:t>
+            </a:r>
+          </a:p>
+          <a:p>
+            <a:pPr marL="0" lvl="0" indent="0" eaLnBrk="0" fontAlgn="base" hangingPunct="0">
+              <a:spcBef>
+                <a:spcPct val="0"/>
+              </a:spcBef>
+              <a:spcAft>
+                <a:spcPct val="0"/>
+              </a:spcAft>
+              <a:buNone/>
+            </a:pPr>
+            <a:r>
+              <a:rPr lang="en-US" altLang="en-US" sz="1400" dirty="0" smtClean="0">
+                <a:solidFill>
+                  <a:srgbClr val="000088"/>
+                </a:solidFill>
+                <a:latin typeface="Consolas" panose="020B0609020204030204" pitchFamily="49" charset="0"/>
+              </a:rPr>
+              <a:t>        super</a:t>
+            </a:r>
+            <a:r>
+              <a:rPr lang="en-US" altLang="en-US" sz="1400" dirty="0" smtClean="0">
+                <a:solidFill>
+                  <a:srgbClr val="666600"/>
+                </a:solidFill>
+                <a:latin typeface="Consolas" panose="020B0609020204030204" pitchFamily="49" charset="0"/>
+              </a:rPr>
+              <a:t>(</a:t>
+            </a:r>
+            <a:r>
+              <a:rPr lang="en-US" altLang="en-US" sz="1400" dirty="0" smtClean="0">
+                <a:solidFill>
+                  <a:srgbClr val="000000"/>
+                </a:solidFill>
+                <a:latin typeface="Consolas" panose="020B0609020204030204" pitchFamily="49" charset="0"/>
+              </a:rPr>
+              <a:t>context</a:t>
+            </a:r>
+            <a:r>
+              <a:rPr lang="en-US" altLang="en-US" sz="1400" dirty="0">
+                <a:solidFill>
+                  <a:srgbClr val="666600"/>
+                </a:solidFill>
+                <a:latin typeface="Consolas" panose="020B0609020204030204" pitchFamily="49" charset="0"/>
+              </a:rPr>
+              <a:t>,</a:t>
+            </a:r>
+            <a:r>
+              <a:rPr lang="en-US" altLang="en-US" sz="1400" dirty="0">
+                <a:solidFill>
+                  <a:srgbClr val="000000"/>
+                </a:solidFill>
+                <a:latin typeface="Consolas" panose="020B0609020204030204" pitchFamily="49" charset="0"/>
+              </a:rPr>
+              <a:t> </a:t>
+            </a:r>
+            <a:r>
+              <a:rPr lang="en-US" altLang="en-US" sz="1400" dirty="0" err="1">
+                <a:solidFill>
+                  <a:srgbClr val="000000"/>
+                </a:solidFill>
+                <a:latin typeface="Consolas" panose="020B0609020204030204" pitchFamily="49" charset="0"/>
+              </a:rPr>
+              <a:t>autoInitialize</a:t>
+            </a:r>
+            <a:r>
+              <a:rPr lang="en-US" altLang="en-US" sz="1400" dirty="0" smtClean="0">
+                <a:solidFill>
+                  <a:srgbClr val="666600"/>
+                </a:solidFill>
+                <a:latin typeface="Consolas" panose="020B0609020204030204" pitchFamily="49" charset="0"/>
+              </a:rPr>
+              <a:t>);</a:t>
+            </a:r>
+          </a:p>
+          <a:p>
+            <a:pPr marL="0" indent="0" eaLnBrk="0" fontAlgn="base" hangingPunct="0">
+              <a:spcBef>
+                <a:spcPct val="0"/>
+              </a:spcBef>
+              <a:spcAft>
+                <a:spcPct val="0"/>
+              </a:spcAft>
+              <a:buNone/>
+            </a:pPr>
+            <a:r>
+              <a:rPr lang="en-US" altLang="en-US" sz="1400" dirty="0">
+                <a:solidFill>
+                  <a:srgbClr val="666600"/>
+                </a:solidFill>
+                <a:latin typeface="Consolas" panose="020B0609020204030204" pitchFamily="49" charset="0"/>
+              </a:rPr>
+              <a:t> </a:t>
+            </a:r>
+            <a:r>
+              <a:rPr lang="en-US" altLang="en-US" sz="1400" dirty="0" smtClean="0">
+                <a:solidFill>
+                  <a:srgbClr val="666600"/>
+                </a:solidFill>
+                <a:latin typeface="Consolas" panose="020B0609020204030204" pitchFamily="49" charset="0"/>
+              </a:rPr>
+              <a:t>   }</a:t>
+            </a:r>
+          </a:p>
+          <a:p>
+            <a:pPr marL="0" indent="0" eaLnBrk="0" fontAlgn="base" hangingPunct="0">
+              <a:spcBef>
+                <a:spcPct val="0"/>
+              </a:spcBef>
+              <a:spcAft>
+                <a:spcPct val="0"/>
+              </a:spcAft>
+              <a:buNone/>
+            </a:pPr>
+            <a:endParaRPr lang="en-US" altLang="en-US" sz="1400" dirty="0" smtClean="0">
+              <a:solidFill>
+                <a:schemeClr val="tx1"/>
+              </a:solidFill>
+              <a:latin typeface="Consolas" panose="020B0609020204030204" pitchFamily="49" charset="0"/>
+            </a:endParaRPr>
+          </a:p>
+          <a:p>
+            <a:pPr marL="0" lvl="0" indent="0" eaLnBrk="0" fontAlgn="base" hangingPunct="0">
+              <a:spcBef>
+                <a:spcPct val="0"/>
+              </a:spcBef>
+              <a:spcAft>
+                <a:spcPct val="0"/>
+              </a:spcAft>
+              <a:buNone/>
+            </a:pPr>
+            <a:r>
+              <a:rPr lang="en-US" altLang="en-US" sz="1400" dirty="0" smtClean="0">
+                <a:solidFill>
+                  <a:srgbClr val="000088"/>
+                </a:solidFill>
+                <a:latin typeface="Consolas" panose="020B0609020204030204" pitchFamily="49" charset="0"/>
+              </a:rPr>
+              <a:t>    public</a:t>
+            </a:r>
+            <a:r>
+              <a:rPr lang="en-US" altLang="en-US" sz="1400" dirty="0" smtClean="0">
+                <a:solidFill>
+                  <a:srgbClr val="000000"/>
+                </a:solidFill>
+                <a:latin typeface="Consolas" panose="020B0609020204030204" pitchFamily="49" charset="0"/>
+              </a:rPr>
+              <a:t> </a:t>
+            </a:r>
+            <a:r>
+              <a:rPr lang="en-US" altLang="en-US" sz="1400" dirty="0" err="1">
+                <a:solidFill>
+                  <a:srgbClr val="660066"/>
+                </a:solidFill>
+                <a:latin typeface="Consolas" panose="020B0609020204030204" pitchFamily="49" charset="0"/>
+              </a:rPr>
+              <a:t>SyncAdapter</a:t>
+            </a:r>
+            <a:r>
+              <a:rPr lang="en-US" altLang="en-US" sz="1400" dirty="0">
+                <a:solidFill>
+                  <a:srgbClr val="666600"/>
+                </a:solidFill>
+                <a:latin typeface="Consolas" panose="020B0609020204030204" pitchFamily="49" charset="0"/>
+              </a:rPr>
+              <a:t>(</a:t>
+            </a:r>
+            <a:r>
+              <a:rPr lang="en-US" altLang="en-US" sz="1400" dirty="0">
+                <a:solidFill>
+                  <a:srgbClr val="000000"/>
+                </a:solidFill>
+                <a:latin typeface="Consolas" panose="020B0609020204030204" pitchFamily="49" charset="0"/>
+              </a:rPr>
+              <a:t/>
+            </a:r>
+            <a:br>
+              <a:rPr lang="en-US" altLang="en-US" sz="1400" dirty="0">
+                <a:solidFill>
+                  <a:srgbClr val="000000"/>
+                </a:solidFill>
+                <a:latin typeface="Consolas" panose="020B0609020204030204" pitchFamily="49" charset="0"/>
+              </a:rPr>
+            </a:br>
+            <a:r>
+              <a:rPr lang="en-US" altLang="en-US" sz="1400" dirty="0">
+                <a:solidFill>
+                  <a:srgbClr val="000000"/>
+                </a:solidFill>
+                <a:latin typeface="Consolas" panose="020B0609020204030204" pitchFamily="49" charset="0"/>
+              </a:rPr>
+              <a:t>            </a:t>
+            </a:r>
+            <a:r>
+              <a:rPr lang="en-US" altLang="en-US" sz="1400" dirty="0">
+                <a:solidFill>
+                  <a:srgbClr val="660066"/>
+                </a:solidFill>
+                <a:latin typeface="Consolas" panose="020B0609020204030204" pitchFamily="49" charset="0"/>
+              </a:rPr>
+              <a:t>Context</a:t>
+            </a:r>
+            <a:r>
+              <a:rPr lang="en-US" altLang="en-US" sz="1400" dirty="0">
+                <a:solidFill>
+                  <a:srgbClr val="000000"/>
+                </a:solidFill>
+                <a:latin typeface="Consolas" panose="020B0609020204030204" pitchFamily="49" charset="0"/>
+              </a:rPr>
+              <a:t> </a:t>
+            </a:r>
+            <a:r>
+              <a:rPr lang="en-US" altLang="en-US" sz="1400" dirty="0" err="1">
+                <a:solidFill>
+                  <a:srgbClr val="000000"/>
+                </a:solidFill>
+                <a:latin typeface="Consolas" panose="020B0609020204030204" pitchFamily="49" charset="0"/>
+              </a:rPr>
+              <a:t>context</a:t>
+            </a:r>
+            <a:r>
+              <a:rPr lang="en-US" altLang="en-US" sz="1400" dirty="0">
+                <a:solidFill>
+                  <a:srgbClr val="666600"/>
+                </a:solidFill>
+                <a:latin typeface="Consolas" panose="020B0609020204030204" pitchFamily="49" charset="0"/>
+              </a:rPr>
+              <a:t>,</a:t>
+            </a:r>
+            <a:r>
+              <a:rPr lang="en-US" altLang="en-US" sz="1400" dirty="0">
+                <a:solidFill>
+                  <a:srgbClr val="000000"/>
+                </a:solidFill>
+                <a:latin typeface="Consolas" panose="020B0609020204030204" pitchFamily="49" charset="0"/>
+              </a:rPr>
+              <a:t/>
+            </a:r>
+            <a:br>
+              <a:rPr lang="en-US" altLang="en-US" sz="1400" dirty="0">
+                <a:solidFill>
+                  <a:srgbClr val="000000"/>
+                </a:solidFill>
+                <a:latin typeface="Consolas" panose="020B0609020204030204" pitchFamily="49" charset="0"/>
+              </a:rPr>
+            </a:br>
+            <a:r>
+              <a:rPr lang="en-US" altLang="en-US" sz="1400" dirty="0">
+                <a:solidFill>
+                  <a:srgbClr val="000000"/>
+                </a:solidFill>
+                <a:latin typeface="Consolas" panose="020B0609020204030204" pitchFamily="49" charset="0"/>
+              </a:rPr>
+              <a:t>            </a:t>
+            </a:r>
+            <a:r>
+              <a:rPr lang="en-US" altLang="en-US" sz="1400" dirty="0" err="1">
+                <a:solidFill>
+                  <a:srgbClr val="000088"/>
+                </a:solidFill>
+                <a:latin typeface="Consolas" panose="020B0609020204030204" pitchFamily="49" charset="0"/>
+              </a:rPr>
+              <a:t>boolean</a:t>
+            </a:r>
+            <a:r>
+              <a:rPr lang="en-US" altLang="en-US" sz="1400" dirty="0">
+                <a:solidFill>
+                  <a:srgbClr val="000000"/>
+                </a:solidFill>
+                <a:latin typeface="Consolas" panose="020B0609020204030204" pitchFamily="49" charset="0"/>
+              </a:rPr>
+              <a:t> </a:t>
+            </a:r>
+            <a:r>
+              <a:rPr lang="en-US" altLang="en-US" sz="1400" dirty="0" err="1">
+                <a:solidFill>
+                  <a:srgbClr val="000000"/>
+                </a:solidFill>
+                <a:latin typeface="Consolas" panose="020B0609020204030204" pitchFamily="49" charset="0"/>
+              </a:rPr>
+              <a:t>autoInitialize</a:t>
+            </a:r>
+            <a:r>
+              <a:rPr lang="en-US" altLang="en-US" sz="1400" dirty="0">
+                <a:solidFill>
+                  <a:srgbClr val="666600"/>
+                </a:solidFill>
+                <a:latin typeface="Consolas" panose="020B0609020204030204" pitchFamily="49" charset="0"/>
+              </a:rPr>
+              <a:t>,</a:t>
+            </a:r>
+            <a:r>
+              <a:rPr lang="en-US" altLang="en-US" sz="1400" dirty="0">
+                <a:solidFill>
+                  <a:srgbClr val="000000"/>
+                </a:solidFill>
+                <a:latin typeface="Consolas" panose="020B0609020204030204" pitchFamily="49" charset="0"/>
+              </a:rPr>
+              <a:t/>
+            </a:r>
+            <a:br>
+              <a:rPr lang="en-US" altLang="en-US" sz="1400" dirty="0">
+                <a:solidFill>
+                  <a:srgbClr val="000000"/>
+                </a:solidFill>
+                <a:latin typeface="Consolas" panose="020B0609020204030204" pitchFamily="49" charset="0"/>
+              </a:rPr>
+            </a:br>
+            <a:r>
+              <a:rPr lang="en-US" altLang="en-US" sz="1400" dirty="0">
+                <a:solidFill>
+                  <a:srgbClr val="000000"/>
+                </a:solidFill>
+                <a:latin typeface="Consolas" panose="020B0609020204030204" pitchFamily="49" charset="0"/>
+              </a:rPr>
+              <a:t>            </a:t>
+            </a:r>
+            <a:r>
+              <a:rPr lang="en-US" altLang="en-US" sz="1400" dirty="0" err="1">
+                <a:solidFill>
+                  <a:srgbClr val="000088"/>
+                </a:solidFill>
+                <a:latin typeface="Consolas" panose="020B0609020204030204" pitchFamily="49" charset="0"/>
+              </a:rPr>
+              <a:t>boolean</a:t>
+            </a:r>
+            <a:r>
+              <a:rPr lang="en-US" altLang="en-US" sz="1400" dirty="0">
+                <a:solidFill>
+                  <a:srgbClr val="000000"/>
+                </a:solidFill>
+                <a:latin typeface="Consolas" panose="020B0609020204030204" pitchFamily="49" charset="0"/>
+              </a:rPr>
+              <a:t> </a:t>
+            </a:r>
+            <a:r>
+              <a:rPr lang="en-US" altLang="en-US" sz="1400" dirty="0" err="1">
+                <a:solidFill>
+                  <a:srgbClr val="000000"/>
+                </a:solidFill>
+                <a:latin typeface="Consolas" panose="020B0609020204030204" pitchFamily="49" charset="0"/>
+              </a:rPr>
+              <a:t>allowParallelSyncs</a:t>
+            </a:r>
+            <a:r>
+              <a:rPr lang="en-US" altLang="en-US" sz="1400" dirty="0">
+                <a:solidFill>
+                  <a:srgbClr val="666600"/>
+                </a:solidFill>
+                <a:latin typeface="Consolas" panose="020B0609020204030204" pitchFamily="49" charset="0"/>
+              </a:rPr>
+              <a:t>)</a:t>
+            </a:r>
+            <a:r>
+              <a:rPr lang="en-US" altLang="en-US" sz="1400" dirty="0">
+                <a:solidFill>
+                  <a:srgbClr val="000000"/>
+                </a:solidFill>
+                <a:latin typeface="Consolas" panose="020B0609020204030204" pitchFamily="49" charset="0"/>
+              </a:rPr>
+              <a:t> </a:t>
+            </a:r>
+            <a:r>
+              <a:rPr lang="en-US" altLang="en-US" sz="1400" dirty="0">
+                <a:solidFill>
+                  <a:srgbClr val="666600"/>
+                </a:solidFill>
+                <a:latin typeface="Consolas" panose="020B0609020204030204" pitchFamily="49" charset="0"/>
+              </a:rPr>
+              <a:t>{</a:t>
+            </a:r>
+            <a:r>
+              <a:rPr lang="en-US" altLang="en-US" sz="1400" dirty="0">
+                <a:solidFill>
+                  <a:srgbClr val="000000"/>
+                </a:solidFill>
+                <a:latin typeface="Consolas" panose="020B0609020204030204" pitchFamily="49" charset="0"/>
+              </a:rPr>
+              <a:t/>
+            </a:r>
+            <a:br>
+              <a:rPr lang="en-US" altLang="en-US" sz="1400" dirty="0">
+                <a:solidFill>
+                  <a:srgbClr val="000000"/>
+                </a:solidFill>
+                <a:latin typeface="Consolas" panose="020B0609020204030204" pitchFamily="49" charset="0"/>
+              </a:rPr>
+            </a:br>
+            <a:r>
+              <a:rPr lang="en-US" altLang="en-US" sz="1400" dirty="0">
+                <a:solidFill>
+                  <a:srgbClr val="000000"/>
+                </a:solidFill>
+                <a:latin typeface="Consolas" panose="020B0609020204030204" pitchFamily="49" charset="0"/>
+              </a:rPr>
+              <a:t>        </a:t>
+            </a:r>
+            <a:r>
+              <a:rPr lang="en-US" altLang="en-US" sz="1400" dirty="0">
+                <a:solidFill>
+                  <a:srgbClr val="000088"/>
+                </a:solidFill>
+                <a:latin typeface="Consolas" panose="020B0609020204030204" pitchFamily="49" charset="0"/>
+              </a:rPr>
+              <a:t>super</a:t>
+            </a:r>
+            <a:r>
+              <a:rPr lang="en-US" altLang="en-US" sz="1400" dirty="0">
+                <a:solidFill>
+                  <a:srgbClr val="666600"/>
+                </a:solidFill>
+                <a:latin typeface="Consolas" panose="020B0609020204030204" pitchFamily="49" charset="0"/>
+              </a:rPr>
+              <a:t>(</a:t>
+            </a:r>
+            <a:r>
+              <a:rPr lang="en-US" altLang="en-US" sz="1400" dirty="0">
+                <a:solidFill>
+                  <a:srgbClr val="000000"/>
+                </a:solidFill>
+                <a:latin typeface="Consolas" panose="020B0609020204030204" pitchFamily="49" charset="0"/>
+              </a:rPr>
+              <a:t>context</a:t>
+            </a:r>
+            <a:r>
+              <a:rPr lang="en-US" altLang="en-US" sz="1400" dirty="0">
+                <a:solidFill>
+                  <a:srgbClr val="666600"/>
+                </a:solidFill>
+                <a:latin typeface="Consolas" panose="020B0609020204030204" pitchFamily="49" charset="0"/>
+              </a:rPr>
+              <a:t>,</a:t>
+            </a:r>
+            <a:r>
+              <a:rPr lang="en-US" altLang="en-US" sz="1400" dirty="0">
+                <a:solidFill>
+                  <a:srgbClr val="000000"/>
+                </a:solidFill>
+                <a:latin typeface="Consolas" panose="020B0609020204030204" pitchFamily="49" charset="0"/>
+              </a:rPr>
+              <a:t> </a:t>
+            </a:r>
+            <a:r>
+              <a:rPr lang="en-US" altLang="en-US" sz="1400" dirty="0" err="1">
+                <a:solidFill>
+                  <a:srgbClr val="000000"/>
+                </a:solidFill>
+                <a:latin typeface="Consolas" panose="020B0609020204030204" pitchFamily="49" charset="0"/>
+              </a:rPr>
+              <a:t>autoInitialize</a:t>
+            </a:r>
+            <a:r>
+              <a:rPr lang="en-US" altLang="en-US" sz="1400" dirty="0">
+                <a:solidFill>
+                  <a:srgbClr val="666600"/>
+                </a:solidFill>
+                <a:latin typeface="Consolas" panose="020B0609020204030204" pitchFamily="49" charset="0"/>
+              </a:rPr>
+              <a:t>,</a:t>
+            </a:r>
+            <a:r>
+              <a:rPr lang="en-US" altLang="en-US" sz="1400" dirty="0">
+                <a:solidFill>
+                  <a:srgbClr val="000000"/>
+                </a:solidFill>
+                <a:latin typeface="Consolas" panose="020B0609020204030204" pitchFamily="49" charset="0"/>
+              </a:rPr>
+              <a:t> </a:t>
+            </a:r>
+            <a:r>
+              <a:rPr lang="en-US" altLang="en-US" sz="1400" dirty="0" err="1">
+                <a:solidFill>
+                  <a:srgbClr val="000000"/>
+                </a:solidFill>
+                <a:latin typeface="Consolas" panose="020B0609020204030204" pitchFamily="49" charset="0"/>
+              </a:rPr>
+              <a:t>allowParallelSyncs</a:t>
+            </a:r>
+            <a:r>
+              <a:rPr lang="en-US" altLang="en-US" sz="1400" dirty="0" smtClean="0">
+                <a:solidFill>
+                  <a:srgbClr val="666600"/>
+                </a:solidFill>
+                <a:latin typeface="Consolas" panose="020B0609020204030204" pitchFamily="49" charset="0"/>
+              </a:rPr>
+              <a:t>);</a:t>
+            </a:r>
+            <a:endParaRPr lang="en-US" altLang="en-US" sz="1400" dirty="0" smtClean="0">
+              <a:solidFill>
+                <a:schemeClr val="tx1"/>
+              </a:solidFill>
+              <a:latin typeface="Consolas" panose="020B0609020204030204" pitchFamily="49" charset="0"/>
+            </a:endParaRPr>
+          </a:p>
+          <a:p>
+            <a:pPr marL="0" lvl="0" indent="0" eaLnBrk="0" fontAlgn="base" hangingPunct="0">
+              <a:spcBef>
+                <a:spcPct val="0"/>
+              </a:spcBef>
+              <a:spcAft>
+                <a:spcPct val="0"/>
+              </a:spcAft>
+              <a:buNone/>
+            </a:pPr>
+            <a:r>
+              <a:rPr lang="en-US" altLang="en-US" sz="1400" dirty="0" smtClean="0">
+                <a:solidFill>
+                  <a:srgbClr val="666600"/>
+                </a:solidFill>
+                <a:latin typeface="Consolas" panose="020B0609020204030204" pitchFamily="49" charset="0"/>
+              </a:rPr>
+              <a:t>    }</a:t>
+            </a:r>
+          </a:p>
+          <a:p>
+            <a:pPr marL="0" lvl="0" indent="0" eaLnBrk="0" fontAlgn="base" hangingPunct="0">
+              <a:spcBef>
+                <a:spcPct val="0"/>
+              </a:spcBef>
+              <a:spcAft>
+                <a:spcPct val="0"/>
+              </a:spcAft>
+              <a:buNone/>
+            </a:pPr>
+            <a:r>
+              <a:rPr lang="en-US" altLang="en-US" sz="1400" dirty="0" smtClean="0">
+                <a:solidFill>
+                  <a:srgbClr val="666600"/>
+                </a:solidFill>
+                <a:latin typeface="Consolas" panose="020B0609020204030204" pitchFamily="49" charset="0"/>
+              </a:rPr>
+              <a:t>}</a:t>
+            </a:r>
+            <a:endParaRPr lang="en-US" altLang="en-US" sz="1400" dirty="0">
+              <a:solidFill>
+                <a:schemeClr val="tx1"/>
+              </a:solidFill>
+              <a:latin typeface="Consolas" panose="020B0609020204030204" pitchFamily="49" charset="0"/>
+            </a:endParaRPr>
+          </a:p>
+        </p:txBody>
+      </p:sp>
+      <p:sp>
+        <p:nvSpPr>
+          <p:cNvPr id="7" name="Rectangle 3"/>
+          <p:cNvSpPr>
+            <a:spLocks noChangeArrowheads="1"/>
+          </p:cNvSpPr>
+          <p:nvPr/>
+        </p:nvSpPr>
+        <p:spPr bwMode="auto">
+          <a:xfrm>
+            <a:off x="0" y="9975"/>
+            <a:ext cx="65" cy="437249"/>
+          </a:xfrm>
+          <a:prstGeom prst="rect">
+            <a:avLst/>
+          </a:prstGeom>
+          <a:solidFill>
+            <a:srgbClr val="F7F7F7"/>
+          </a:solidFill>
+          <a:ln>
+            <a:noFill/>
+          </a:ln>
+          <a:effectLst/>
+          <a:extLst>
+            <a:ext uri="{91240B29-F687-4F45-9708-019B960494DF}">
+              <a14:hiddenLine xmlns:a14="http://schemas.microsoft.com/office/drawing/2010/main" w="9525">
+                <a:solidFill>
+                  <a:schemeClr val="tx1"/>
+                </a:solidFill>
+                <a:miter lim="800000"/>
+                <a:headEnd/>
+                <a:tailEnd/>
+              </a14:hiddenLine>
+            </a:ext>
+            <a:ext uri="{AF507438-7753-43E0-B8FC-AC1667EBCBE1}">
+              <a14:hiddenEffects xmlns:a14="http://schemas.microsoft.com/office/drawing/2010/main">
+                <a:effectLst>
+                  <a:outerShdw dist="35921" dir="2700000" algn="ctr" rotWithShape="0">
+                    <a:schemeClr val="bg2"/>
+                  </a:outerShdw>
+                </a:effectLst>
+              </a14:hiddenEffects>
+            </a:ext>
+          </a:extLst>
+        </p:spPr>
+        <p:txBody>
+          <a:bodyPr vert="horz" wrap="none" lIns="0" tIns="0" rIns="0" bIns="158700" numCol="1" anchor="ctr" anchorCtr="0" compatLnSpc="1">
+            <a:prstTxWarp prst="textNoShape">
+              <a:avLst/>
+            </a:prstTxWarp>
+            <a:spAutoFit/>
+          </a:bodyPr>
+          <a:lstStyle/>
+          <a:p>
+            <a:pPr marL="0" marR="0" lvl="0" indent="0" algn="l" defTabSz="914400" rtl="0" eaLnBrk="0" fontAlgn="base" latinLnBrk="0" hangingPunct="0">
+              <a:lnSpc>
+                <a:spcPct val="100000"/>
+              </a:lnSpc>
+              <a:spcBef>
+                <a:spcPct val="0"/>
+              </a:spcBef>
+              <a:spcAft>
+                <a:spcPct val="0"/>
+              </a:spcAft>
+              <a:buClrTx/>
+              <a:buSzTx/>
+              <a:buFontTx/>
+              <a:buNone/>
+              <a:tabLst/>
+            </a:pPr>
+            <a:endParaRPr kumimoji="0" lang="en-US" altLang="en-US" sz="1800" b="0" i="0" u="none" strike="noStrike" cap="none" normalizeH="0" baseline="0" dirty="0" smtClean="0">
+              <a:ln>
+                <a:noFill/>
+              </a:ln>
+              <a:solidFill>
+                <a:schemeClr val="tx1"/>
+              </a:solidFill>
+              <a:effectLst/>
+              <a:latin typeface="Arial" panose="020B0604020202020204" pitchFamily="34" charset="0"/>
+            </a:endParaRPr>
+          </a:p>
+        </p:txBody>
+      </p:sp>
+      <p:sp>
+        <p:nvSpPr>
+          <p:cNvPr id="8" name="Rectangle 4"/>
+          <p:cNvSpPr>
+            <a:spLocks noChangeArrowheads="1"/>
+          </p:cNvSpPr>
+          <p:nvPr/>
+        </p:nvSpPr>
+        <p:spPr bwMode="auto">
+          <a:xfrm>
+            <a:off x="0" y="9975"/>
+            <a:ext cx="65" cy="437249"/>
+          </a:xfrm>
+          <a:prstGeom prst="rect">
+            <a:avLst/>
+          </a:prstGeom>
+          <a:solidFill>
+            <a:srgbClr val="F7F7F7"/>
+          </a:solidFill>
+          <a:ln>
+            <a:noFill/>
+          </a:ln>
+          <a:effectLst/>
+          <a:extLst>
+            <a:ext uri="{91240B29-F687-4F45-9708-019B960494DF}">
+              <a14:hiddenLine xmlns:a14="http://schemas.microsoft.com/office/drawing/2010/main" w="9525">
+                <a:solidFill>
+                  <a:schemeClr val="tx1"/>
+                </a:solidFill>
+                <a:miter lim="800000"/>
+                <a:headEnd/>
+                <a:tailEnd/>
+              </a14:hiddenLine>
+            </a:ext>
+            <a:ext uri="{AF507438-7753-43E0-B8FC-AC1667EBCBE1}">
+              <a14:hiddenEffects xmlns:a14="http://schemas.microsoft.com/office/drawing/2010/main">
+                <a:effectLst>
+                  <a:outerShdw dist="35921" dir="2700000" algn="ctr" rotWithShape="0">
+                    <a:schemeClr val="bg2"/>
+                  </a:outerShdw>
+                </a:effectLst>
+              </a14:hiddenEffects>
+            </a:ext>
+          </a:extLst>
+        </p:spPr>
+        <p:txBody>
+          <a:bodyPr vert="horz" wrap="none" lIns="0" tIns="0" rIns="0" bIns="158700" numCol="1" anchor="ctr" anchorCtr="0" compatLnSpc="1">
+            <a:prstTxWarp prst="textNoShape">
+              <a:avLst/>
+            </a:prstTxWarp>
+            <a:spAutoFit/>
+          </a:bodyPr>
+          <a:lstStyle/>
+          <a:p>
+            <a:pPr marL="0" marR="0" lvl="0" indent="0" algn="l" defTabSz="914400" rtl="0" eaLnBrk="0" fontAlgn="base" latinLnBrk="0" hangingPunct="0">
+              <a:lnSpc>
+                <a:spcPct val="100000"/>
+              </a:lnSpc>
+              <a:spcBef>
+                <a:spcPct val="0"/>
+              </a:spcBef>
+              <a:spcAft>
+                <a:spcPct val="0"/>
+              </a:spcAft>
+              <a:buClrTx/>
+              <a:buSzTx/>
+              <a:buFontTx/>
+              <a:buNone/>
+              <a:tabLst/>
+            </a:pPr>
+            <a:endParaRPr kumimoji="0" lang="en-US" altLang="en-US" sz="1800" b="0" i="0" u="none" strike="noStrike" cap="none" normalizeH="0" baseline="0" dirty="0" smtClean="0">
+              <a:ln>
+                <a:noFill/>
+              </a:ln>
+              <a:solidFill>
+                <a:schemeClr val="tx1"/>
+              </a:solidFill>
+              <a:effectLst/>
+              <a:latin typeface="Arial" panose="020B0604020202020204" pitchFamily="34" charset="0"/>
+            </a:endParaRPr>
+          </a:p>
+        </p:txBody>
+      </p:sp>
+    </p:spTree>
+    <p:extLst>
+      <p:ext uri="{BB962C8B-B14F-4D97-AF65-F5344CB8AC3E}">
+        <p14:creationId xmlns:p14="http://schemas.microsoft.com/office/powerpoint/2010/main" val="3397357303"/>
+      </p:ext>
+    </p:extLst>
+  </p:cSld>
+  <p:clrMapOvr>
+    <a:masterClrMapping/>
+  </p:clrMapOvr>
+  <mc:AlternateContent xmlns:mc="http://schemas.openxmlformats.org/markup-compatibility/2006" xmlns:p14="http://schemas.microsoft.com/office/powerpoint/2010/main">
+    <mc:Choice Requires="p14">
+      <p:transition p14:dur="250">
+        <p14:reveal/>
+      </p:transition>
+    </mc:Choice>
+    <mc:Fallback xmlns="">
+      <p:transition>
+        <p:fade/>
+      </p:transition>
+    </mc:Fallback>
+  </mc:AlternateContent>
+  <p:timing>
+    <p:tnLst>
+      <p:par>
+        <p:cTn id="1" dur="indefinite" restart="never" nodeType="tmRoot"/>
+      </p:par>
+    </p:tnLst>
+  </p:timing>
+</p:sld>
+</file>
+
+<file path=ppt/slides/slide24.xml><?xml version="1.0" encoding="utf-8"?>
+<p:sld xmlns:a="http://schemas.openxmlformats.org/drawingml/2006/main" xmlns:r="http://schemas.openxmlformats.org/officeDocument/2006/relationships" xmlns:p="http://schemas.openxmlformats.org/presentationml/2006/main">
+  <p:cSld>
+    <p:spTree>
+      <p:nvGrpSpPr>
+        <p:cNvPr id="1" name=""/>
+        <p:cNvGrpSpPr/>
+        <p:nvPr/>
+      </p:nvGrpSpPr>
+      <p:grpSpPr>
+        <a:xfrm>
+          <a:off x="0" y="0"/>
+          <a:ext cx="0" cy="0"/>
+          <a:chOff x="0" y="0"/>
+          <a:chExt cx="0" cy="0"/>
+        </a:xfrm>
+      </p:grpSpPr>
+      <p:sp>
+        <p:nvSpPr>
+          <p:cNvPr id="2" name="Title 1"/>
+          <p:cNvSpPr>
+            <a:spLocks noGrp="1"/>
+          </p:cNvSpPr>
+          <p:nvPr>
+            <p:ph type="title"/>
+          </p:nvPr>
+        </p:nvSpPr>
+        <p:spPr/>
+        <p:txBody>
+          <a:bodyPr/>
+          <a:lstStyle/>
+          <a:p>
+            <a:r>
+              <a:rPr lang="en-US" dirty="0" err="1" smtClean="0"/>
+              <a:t>onPerformSync</a:t>
+            </a:r>
+            <a:r>
+              <a:rPr lang="en-US" dirty="0" smtClean="0"/>
+              <a:t>()</a:t>
+            </a:r>
+            <a:endParaRPr lang="en-US" dirty="0"/>
+          </a:p>
+        </p:txBody>
+      </p:sp>
+      <p:sp>
+        <p:nvSpPr>
+          <p:cNvPr id="3" name="Content Placeholder 2"/>
+          <p:cNvSpPr>
+            <a:spLocks noGrp="1"/>
+          </p:cNvSpPr>
+          <p:nvPr>
+            <p:ph idx="1"/>
+          </p:nvPr>
+        </p:nvSpPr>
+        <p:spPr/>
+        <p:txBody>
+          <a:bodyPr>
+            <a:normAutofit lnSpcReduction="10000"/>
+          </a:bodyPr>
+          <a:lstStyle/>
+          <a:p>
+            <a:r>
+              <a:rPr lang="en-US" dirty="0" smtClean="0"/>
+              <a:t>Sync adapter framework invokes your </a:t>
+            </a:r>
+            <a:r>
+              <a:rPr lang="en-US" dirty="0" err="1" smtClean="0"/>
+              <a:t>SyncAdapter</a:t>
+            </a:r>
+            <a:endParaRPr lang="en-US" dirty="0" smtClean="0"/>
+          </a:p>
+          <a:p>
+            <a:pPr lvl="1"/>
+            <a:r>
+              <a:rPr lang="en-US" dirty="0" smtClean="0"/>
+              <a:t>Calls </a:t>
+            </a:r>
+            <a:r>
+              <a:rPr lang="en-US" dirty="0" err="1" smtClean="0"/>
+              <a:t>onPerformSync</a:t>
+            </a:r>
+            <a:r>
+              <a:rPr lang="en-US" dirty="0" smtClean="0"/>
+              <a:t>()</a:t>
+            </a:r>
+          </a:p>
+          <a:p>
+            <a:pPr lvl="1"/>
+            <a:endParaRPr lang="en-US" dirty="0"/>
+          </a:p>
+          <a:p>
+            <a:r>
+              <a:rPr lang="en-US" dirty="0" smtClean="0"/>
+              <a:t>Account</a:t>
+            </a:r>
+          </a:p>
+          <a:p>
+            <a:r>
+              <a:rPr lang="en-US" dirty="0" smtClean="0"/>
+              <a:t>Bundle</a:t>
+            </a:r>
+          </a:p>
+          <a:p>
+            <a:r>
+              <a:rPr lang="en-US" dirty="0" smtClean="0"/>
+              <a:t>Authority</a:t>
+            </a:r>
+          </a:p>
+          <a:p>
+            <a:r>
+              <a:rPr lang="en-US" dirty="0" err="1" smtClean="0"/>
+              <a:t>ContentProviderClient</a:t>
+            </a:r>
+            <a:endParaRPr lang="en-US" dirty="0" smtClean="0"/>
+          </a:p>
+          <a:p>
+            <a:r>
+              <a:rPr lang="en-US" dirty="0" err="1" smtClean="0"/>
+              <a:t>SyncResult</a:t>
+            </a:r>
+            <a:endParaRPr lang="en-US" dirty="0"/>
+          </a:p>
+        </p:txBody>
+      </p:sp>
+    </p:spTree>
+    <p:extLst>
+      <p:ext uri="{BB962C8B-B14F-4D97-AF65-F5344CB8AC3E}">
+        <p14:creationId xmlns:p14="http://schemas.microsoft.com/office/powerpoint/2010/main" val="1011405133"/>
+      </p:ext>
+    </p:extLst>
+  </p:cSld>
+  <p:clrMapOvr>
+    <a:masterClrMapping/>
+  </p:clrMapOvr>
+  <mc:AlternateContent xmlns:mc="http://schemas.openxmlformats.org/markup-compatibility/2006" xmlns:p14="http://schemas.microsoft.com/office/powerpoint/2010/main">
+    <mc:Choice Requires="p14">
+      <p:transition p14:dur="250">
+        <p14:reveal/>
+      </p:transition>
+    </mc:Choice>
+    <mc:Fallback xmlns="">
+      <p:transition>
+        <p:fade/>
+      </p:transition>
+    </mc:Fallback>
+  </mc:AlternateContent>
+  <p:timing>
+    <p:tnLst>
+      <p:par>
+        <p:cTn id="1" dur="indefinite" restart="never" nodeType="tmRoot"/>
+      </p:par>
+    </p:tnLst>
+  </p:timing>
+</p:sld>
+</file>
+
+<file path=ppt/slides/slide25.xml><?xml version="1.0" encoding="utf-8"?>
+<p:sld xmlns:a="http://schemas.openxmlformats.org/drawingml/2006/main" xmlns:r="http://schemas.openxmlformats.org/officeDocument/2006/relationships" xmlns:p="http://schemas.openxmlformats.org/presentationml/2006/main">
+  <p:cSld>
+    <p:spTree>
+      <p:nvGrpSpPr>
+        <p:cNvPr id="1" name=""/>
+        <p:cNvGrpSpPr/>
+        <p:nvPr/>
+      </p:nvGrpSpPr>
+      <p:grpSpPr>
+        <a:xfrm>
+          <a:off x="0" y="0"/>
+          <a:ext cx="0" cy="0"/>
+          <a:chOff x="0" y="0"/>
+          <a:chExt cx="0" cy="0"/>
+        </a:xfrm>
+      </p:grpSpPr>
+      <p:sp>
+        <p:nvSpPr>
+          <p:cNvPr id="2" name="Title 1"/>
+          <p:cNvSpPr>
+            <a:spLocks noGrp="1"/>
+          </p:cNvSpPr>
+          <p:nvPr>
+            <p:ph type="title"/>
+          </p:nvPr>
+        </p:nvSpPr>
+        <p:spPr/>
+        <p:txBody>
+          <a:bodyPr/>
+          <a:lstStyle/>
+          <a:p>
+            <a:r>
+              <a:rPr lang="en-US" dirty="0" err="1" smtClean="0"/>
+              <a:t>onPerformSync</a:t>
+            </a:r>
+            <a:r>
+              <a:rPr lang="en-US" dirty="0" smtClean="0"/>
+              <a:t>()</a:t>
+            </a:r>
+            <a:endParaRPr lang="en-US" dirty="0"/>
+          </a:p>
+        </p:txBody>
+      </p:sp>
+      <p:sp>
+        <p:nvSpPr>
+          <p:cNvPr id="4" name="Rectangle 1"/>
+          <p:cNvSpPr>
+            <a:spLocks noGrp="1" noChangeArrowheads="1"/>
+          </p:cNvSpPr>
+          <p:nvPr>
+            <p:ph idx="1"/>
+          </p:nvPr>
+        </p:nvSpPr>
+        <p:spPr bwMode="auto">
+          <a:xfrm>
+            <a:off x="983432" y="1783566"/>
+            <a:ext cx="8178521" cy="4031873"/>
+          </a:xfrm>
+          <a:prstGeom prst="rect">
+            <a:avLst/>
+          </a:prstGeom>
+          <a:solidFill>
+            <a:srgbClr val="F7F7F7"/>
+          </a:solidFill>
+          <a:ln>
+            <a:noFill/>
+          </a:ln>
+          <a:effectLst/>
+          <a:extLst>
+            <a:ext uri="{91240B29-F687-4F45-9708-019B960494DF}">
+              <a14:hiddenLine xmlns:a14="http://schemas.microsoft.com/office/drawing/2010/main" w="9525">
+                <a:solidFill>
+                  <a:schemeClr val="tx1"/>
+                </a:solidFill>
+                <a:miter lim="800000"/>
+                <a:headEnd/>
+                <a:tailEnd/>
+              </a14:hiddenLine>
+            </a:ext>
+            <a:ext uri="{AF507438-7753-43E0-B8FC-AC1667EBCBE1}">
+              <a14:hiddenEffects xmlns:a14="http://schemas.microsoft.com/office/drawing/2010/main">
+                <a:effectLst>
+                  <a:outerShdw dist="35921" dir="2700000" algn="ctr" rotWithShape="0">
+                    <a:schemeClr val="bg2"/>
+                  </a:outerShdw>
+                </a:effectLst>
+              </a14:hiddenEffects>
+            </a:ext>
+          </a:extLst>
+        </p:spPr>
+        <p:txBody>
+          <a:bodyPr vert="horz" wrap="none" lIns="457200" tIns="182880" rIns="457200" bIns="182880" numCol="1" anchor="ctr" anchorCtr="0" compatLnSpc="1">
+            <a:prstTxWarp prst="textNoShape">
+              <a:avLst/>
+            </a:prstTxWarp>
+            <a:spAutoFit/>
+          </a:bodyPr>
+          <a:lstStyle/>
+          <a:p>
+            <a:pPr marL="0" marR="0" lvl="0" indent="0" algn="l" defTabSz="914400" rtl="0" eaLnBrk="0" fontAlgn="base" latinLnBrk="0" hangingPunct="0">
+              <a:lnSpc>
+                <a:spcPct val="100000"/>
+              </a:lnSpc>
+              <a:spcBef>
+                <a:spcPct val="0"/>
+              </a:spcBef>
+              <a:spcAft>
+                <a:spcPct val="0"/>
+              </a:spcAft>
+              <a:buClrTx/>
+              <a:buSzTx/>
+              <a:buFontTx/>
+              <a:buNone/>
+              <a:tabLst/>
+            </a:pPr>
+            <a:r>
+              <a:rPr kumimoji="0" lang="en-US" altLang="en-US" sz="1400" b="0" i="0" u="none" strike="noStrike" cap="none" normalizeH="0" baseline="0" dirty="0" smtClean="0">
+                <a:ln>
+                  <a:noFill/>
+                </a:ln>
+                <a:solidFill>
+                  <a:srgbClr val="000000"/>
+                </a:solidFill>
+                <a:effectLst/>
+                <a:latin typeface="Consolas" panose="020B0609020204030204" pitchFamily="49" charset="0"/>
+              </a:rPr>
+              <a:t>    </a:t>
+            </a:r>
+            <a:r>
+              <a:rPr kumimoji="0" lang="en-US" altLang="en-US" sz="1400" b="0" i="0" u="none" strike="noStrike" cap="none" normalizeH="0" baseline="0" dirty="0" smtClean="0">
+                <a:ln>
+                  <a:noFill/>
+                </a:ln>
+                <a:solidFill>
+                  <a:srgbClr val="006600"/>
+                </a:solidFill>
+                <a:effectLst/>
+                <a:latin typeface="Consolas" panose="020B0609020204030204" pitchFamily="49" charset="0"/>
+              </a:rPr>
+              <a:t>/*</a:t>
+            </a:r>
+            <a:br>
+              <a:rPr kumimoji="0" lang="en-US" altLang="en-US" sz="1400" b="0" i="0" u="none" strike="noStrike" cap="none" normalizeH="0" baseline="0" dirty="0" smtClean="0">
+                <a:ln>
+                  <a:noFill/>
+                </a:ln>
+                <a:solidFill>
+                  <a:srgbClr val="006600"/>
+                </a:solidFill>
+                <a:effectLst/>
+                <a:latin typeface="Consolas" panose="020B0609020204030204" pitchFamily="49" charset="0"/>
+              </a:rPr>
+            </a:br>
+            <a:r>
+              <a:rPr kumimoji="0" lang="en-US" altLang="en-US" sz="1400" b="0" i="0" u="none" strike="noStrike" cap="none" normalizeH="0" baseline="0" dirty="0" smtClean="0">
+                <a:ln>
+                  <a:noFill/>
+                </a:ln>
+                <a:solidFill>
+                  <a:srgbClr val="006600"/>
+                </a:solidFill>
+                <a:effectLst/>
+                <a:latin typeface="Consolas" panose="020B0609020204030204" pitchFamily="49" charset="0"/>
+              </a:rPr>
+              <a:t>     * Specify the code you want to run in the sync adapter. The entire</a:t>
+            </a:r>
+            <a:br>
+              <a:rPr kumimoji="0" lang="en-US" altLang="en-US" sz="1400" b="0" i="0" u="none" strike="noStrike" cap="none" normalizeH="0" baseline="0" dirty="0" smtClean="0">
+                <a:ln>
+                  <a:noFill/>
+                </a:ln>
+                <a:solidFill>
+                  <a:srgbClr val="006600"/>
+                </a:solidFill>
+                <a:effectLst/>
+                <a:latin typeface="Consolas" panose="020B0609020204030204" pitchFamily="49" charset="0"/>
+              </a:rPr>
+            </a:br>
+            <a:r>
+              <a:rPr kumimoji="0" lang="en-US" altLang="en-US" sz="1400" b="0" i="0" u="none" strike="noStrike" cap="none" normalizeH="0" baseline="0" dirty="0" smtClean="0">
+                <a:ln>
+                  <a:noFill/>
+                </a:ln>
+                <a:solidFill>
+                  <a:srgbClr val="006600"/>
+                </a:solidFill>
+                <a:effectLst/>
+                <a:latin typeface="Consolas" panose="020B0609020204030204" pitchFamily="49" charset="0"/>
+              </a:rPr>
+              <a:t>     * sync adapter runs in a background thread, so you don't have to set</a:t>
+            </a:r>
+            <a:br>
+              <a:rPr kumimoji="0" lang="en-US" altLang="en-US" sz="1400" b="0" i="0" u="none" strike="noStrike" cap="none" normalizeH="0" baseline="0" dirty="0" smtClean="0">
+                <a:ln>
+                  <a:noFill/>
+                </a:ln>
+                <a:solidFill>
+                  <a:srgbClr val="006600"/>
+                </a:solidFill>
+                <a:effectLst/>
+                <a:latin typeface="Consolas" panose="020B0609020204030204" pitchFamily="49" charset="0"/>
+              </a:rPr>
+            </a:br>
+            <a:r>
+              <a:rPr kumimoji="0" lang="en-US" altLang="en-US" sz="1400" b="0" i="0" u="none" strike="noStrike" cap="none" normalizeH="0" baseline="0" dirty="0" smtClean="0">
+                <a:ln>
+                  <a:noFill/>
+                </a:ln>
+                <a:solidFill>
+                  <a:srgbClr val="006600"/>
+                </a:solidFill>
+                <a:effectLst/>
+                <a:latin typeface="Consolas" panose="020B0609020204030204" pitchFamily="49" charset="0"/>
+              </a:rPr>
+              <a:t>     * up your own background processing.</a:t>
+            </a:r>
+            <a:br>
+              <a:rPr kumimoji="0" lang="en-US" altLang="en-US" sz="1400" b="0" i="0" u="none" strike="noStrike" cap="none" normalizeH="0" baseline="0" dirty="0" smtClean="0">
+                <a:ln>
+                  <a:noFill/>
+                </a:ln>
+                <a:solidFill>
+                  <a:srgbClr val="006600"/>
+                </a:solidFill>
+                <a:effectLst/>
+                <a:latin typeface="Consolas" panose="020B0609020204030204" pitchFamily="49" charset="0"/>
+              </a:rPr>
+            </a:br>
+            <a:r>
+              <a:rPr kumimoji="0" lang="en-US" altLang="en-US" sz="1400" b="0" i="0" u="none" strike="noStrike" cap="none" normalizeH="0" baseline="0" dirty="0" smtClean="0">
+                <a:ln>
+                  <a:noFill/>
+                </a:ln>
+                <a:solidFill>
+                  <a:srgbClr val="006600"/>
+                </a:solidFill>
+                <a:effectLst/>
+                <a:latin typeface="Consolas" panose="020B0609020204030204" pitchFamily="49" charset="0"/>
+              </a:rPr>
+              <a:t>     */</a:t>
+            </a:r>
+            <a:r>
+              <a:rPr kumimoji="0" lang="en-US" altLang="en-US" sz="1400" b="0" i="0" u="none" strike="noStrike" cap="none" normalizeH="0" baseline="0" dirty="0" smtClean="0">
+                <a:ln>
+                  <a:noFill/>
+                </a:ln>
+                <a:solidFill>
+                  <a:srgbClr val="000000"/>
+                </a:solidFill>
+                <a:effectLst/>
+                <a:latin typeface="Consolas" panose="020B0609020204030204" pitchFamily="49" charset="0"/>
+              </a:rPr>
+              <a:t/>
+            </a:r>
+            <a:br>
+              <a:rPr kumimoji="0" lang="en-US" altLang="en-US" sz="1400" b="0" i="0" u="none" strike="noStrike" cap="none" normalizeH="0" baseline="0" dirty="0" smtClean="0">
+                <a:ln>
+                  <a:noFill/>
+                </a:ln>
+                <a:solidFill>
+                  <a:srgbClr val="000000"/>
+                </a:solidFill>
+                <a:effectLst/>
+                <a:latin typeface="Consolas" panose="020B0609020204030204" pitchFamily="49" charset="0"/>
+              </a:rPr>
+            </a:br>
+            <a:r>
+              <a:rPr kumimoji="0" lang="en-US" altLang="en-US" sz="1400" b="0" i="0" u="none" strike="noStrike" cap="none" normalizeH="0" baseline="0" dirty="0" smtClean="0">
+                <a:ln>
+                  <a:noFill/>
+                </a:ln>
+                <a:solidFill>
+                  <a:srgbClr val="000000"/>
+                </a:solidFill>
+                <a:effectLst/>
+                <a:latin typeface="Consolas" panose="020B0609020204030204" pitchFamily="49" charset="0"/>
+              </a:rPr>
+              <a:t>    </a:t>
+            </a:r>
+            <a:r>
+              <a:rPr kumimoji="0" lang="en-US" altLang="en-US" sz="1400" b="0" i="0" u="none" strike="noStrike" cap="none" normalizeH="0" baseline="0" dirty="0" smtClean="0">
+                <a:ln>
+                  <a:noFill/>
+                </a:ln>
+                <a:solidFill>
+                  <a:srgbClr val="006666"/>
+                </a:solidFill>
+                <a:effectLst/>
+                <a:latin typeface="Consolas" panose="020B0609020204030204" pitchFamily="49" charset="0"/>
+              </a:rPr>
+              <a:t>@Override</a:t>
+            </a:r>
+            <a:r>
+              <a:rPr kumimoji="0" lang="en-US" altLang="en-US" sz="1400" b="0" i="0" u="none" strike="noStrike" cap="none" normalizeH="0" baseline="0" dirty="0" smtClean="0">
+                <a:ln>
+                  <a:noFill/>
+                </a:ln>
+                <a:solidFill>
+                  <a:srgbClr val="000000"/>
+                </a:solidFill>
+                <a:effectLst/>
+                <a:latin typeface="Consolas" panose="020B0609020204030204" pitchFamily="49" charset="0"/>
+              </a:rPr>
+              <a:t/>
+            </a:r>
+            <a:br>
+              <a:rPr kumimoji="0" lang="en-US" altLang="en-US" sz="1400" b="0" i="0" u="none" strike="noStrike" cap="none" normalizeH="0" baseline="0" dirty="0" smtClean="0">
+                <a:ln>
+                  <a:noFill/>
+                </a:ln>
+                <a:solidFill>
+                  <a:srgbClr val="000000"/>
+                </a:solidFill>
+                <a:effectLst/>
+                <a:latin typeface="Consolas" panose="020B0609020204030204" pitchFamily="49" charset="0"/>
+              </a:rPr>
+            </a:br>
+            <a:r>
+              <a:rPr kumimoji="0" lang="en-US" altLang="en-US" sz="1400" b="0" i="0" u="none" strike="noStrike" cap="none" normalizeH="0" baseline="0" dirty="0" smtClean="0">
+                <a:ln>
+                  <a:noFill/>
+                </a:ln>
+                <a:solidFill>
+                  <a:srgbClr val="000000"/>
+                </a:solidFill>
+                <a:effectLst/>
+                <a:latin typeface="Consolas" panose="020B0609020204030204" pitchFamily="49" charset="0"/>
+              </a:rPr>
+              <a:t>    </a:t>
+            </a:r>
+            <a:r>
+              <a:rPr kumimoji="0" lang="en-US" altLang="en-US" sz="1400" b="0" i="0" u="none" strike="noStrike" cap="none" normalizeH="0" baseline="0" dirty="0" smtClean="0">
+                <a:ln>
+                  <a:noFill/>
+                </a:ln>
+                <a:solidFill>
+                  <a:srgbClr val="000088"/>
+                </a:solidFill>
+                <a:effectLst/>
+                <a:latin typeface="Consolas" panose="020B0609020204030204" pitchFamily="49" charset="0"/>
+              </a:rPr>
+              <a:t>public</a:t>
+            </a:r>
+            <a:r>
+              <a:rPr kumimoji="0" lang="en-US" altLang="en-US" sz="1400" b="0" i="0" u="none" strike="noStrike" cap="none" normalizeH="0" baseline="0" dirty="0" smtClean="0">
+                <a:ln>
+                  <a:noFill/>
+                </a:ln>
+                <a:solidFill>
+                  <a:srgbClr val="000000"/>
+                </a:solidFill>
+                <a:effectLst/>
+                <a:latin typeface="Consolas" panose="020B0609020204030204" pitchFamily="49" charset="0"/>
+              </a:rPr>
+              <a:t> </a:t>
+            </a:r>
+            <a:r>
+              <a:rPr kumimoji="0" lang="en-US" altLang="en-US" sz="1400" b="0" i="0" u="none" strike="noStrike" cap="none" normalizeH="0" baseline="0" dirty="0" smtClean="0">
+                <a:ln>
+                  <a:noFill/>
+                </a:ln>
+                <a:solidFill>
+                  <a:srgbClr val="000088"/>
+                </a:solidFill>
+                <a:effectLst/>
+                <a:latin typeface="Consolas" panose="020B0609020204030204" pitchFamily="49" charset="0"/>
+              </a:rPr>
+              <a:t>void</a:t>
+            </a:r>
+            <a:r>
+              <a:rPr kumimoji="0" lang="en-US" altLang="en-US" sz="1400" b="0" i="0" u="none" strike="noStrike" cap="none" normalizeH="0" baseline="0" dirty="0" smtClean="0">
+                <a:ln>
+                  <a:noFill/>
+                </a:ln>
+                <a:solidFill>
+                  <a:srgbClr val="000000"/>
+                </a:solidFill>
+                <a:effectLst/>
+                <a:latin typeface="Consolas" panose="020B0609020204030204" pitchFamily="49" charset="0"/>
+              </a:rPr>
+              <a:t> </a:t>
+            </a:r>
+            <a:r>
+              <a:rPr kumimoji="0" lang="en-US" altLang="en-US" sz="1400" b="0" i="0" u="none" strike="noStrike" cap="none" normalizeH="0" baseline="0" dirty="0" err="1" smtClean="0">
+                <a:ln>
+                  <a:noFill/>
+                </a:ln>
+                <a:solidFill>
+                  <a:srgbClr val="000000"/>
+                </a:solidFill>
+                <a:effectLst/>
+                <a:latin typeface="Consolas" panose="020B0609020204030204" pitchFamily="49" charset="0"/>
+              </a:rPr>
+              <a:t>onPerformSync</a:t>
+            </a:r>
+            <a:r>
+              <a:rPr kumimoji="0" lang="en-US" altLang="en-US" sz="1400" b="0" i="0" u="none" strike="noStrike" cap="none" normalizeH="0" baseline="0" dirty="0" smtClean="0">
+                <a:ln>
+                  <a:noFill/>
+                </a:ln>
+                <a:solidFill>
+                  <a:srgbClr val="666600"/>
+                </a:solidFill>
+                <a:effectLst/>
+                <a:latin typeface="Consolas" panose="020B0609020204030204" pitchFamily="49" charset="0"/>
+              </a:rPr>
+              <a:t>(</a:t>
+            </a:r>
+            <a:r>
+              <a:rPr kumimoji="0" lang="en-US" altLang="en-US" sz="1400" b="0" i="0" u="none" strike="noStrike" cap="none" normalizeH="0" baseline="0" dirty="0" smtClean="0">
+                <a:ln>
+                  <a:noFill/>
+                </a:ln>
+                <a:solidFill>
+                  <a:srgbClr val="000000"/>
+                </a:solidFill>
+                <a:effectLst/>
+                <a:latin typeface="Consolas" panose="020B0609020204030204" pitchFamily="49" charset="0"/>
+              </a:rPr>
+              <a:t/>
+            </a:r>
+            <a:br>
+              <a:rPr kumimoji="0" lang="en-US" altLang="en-US" sz="1400" b="0" i="0" u="none" strike="noStrike" cap="none" normalizeH="0" baseline="0" dirty="0" smtClean="0">
+                <a:ln>
+                  <a:noFill/>
+                </a:ln>
+                <a:solidFill>
+                  <a:srgbClr val="000000"/>
+                </a:solidFill>
+                <a:effectLst/>
+                <a:latin typeface="Consolas" panose="020B0609020204030204" pitchFamily="49" charset="0"/>
+              </a:rPr>
+            </a:br>
+            <a:r>
+              <a:rPr kumimoji="0" lang="en-US" altLang="en-US" sz="1400" b="0" i="0" u="none" strike="noStrike" cap="none" normalizeH="0" baseline="0" dirty="0" smtClean="0">
+                <a:ln>
+                  <a:noFill/>
+                </a:ln>
+                <a:solidFill>
+                  <a:srgbClr val="000000"/>
+                </a:solidFill>
+                <a:effectLst/>
+                <a:latin typeface="Consolas" panose="020B0609020204030204" pitchFamily="49" charset="0"/>
+              </a:rPr>
+              <a:t>            </a:t>
+            </a:r>
+            <a:r>
+              <a:rPr kumimoji="0" lang="en-US" altLang="en-US" sz="1400" b="0" i="0" u="none" strike="noStrike" cap="none" normalizeH="0" baseline="0" dirty="0" smtClean="0">
+                <a:ln>
+                  <a:noFill/>
+                </a:ln>
+                <a:solidFill>
+                  <a:srgbClr val="660066"/>
+                </a:solidFill>
+                <a:effectLst/>
+                <a:latin typeface="Consolas" panose="020B0609020204030204" pitchFamily="49" charset="0"/>
+              </a:rPr>
+              <a:t>Account</a:t>
+            </a:r>
+            <a:r>
+              <a:rPr kumimoji="0" lang="en-US" altLang="en-US" sz="1400" b="0" i="0" u="none" strike="noStrike" cap="none" normalizeH="0" baseline="0" dirty="0" smtClean="0">
+                <a:ln>
+                  <a:noFill/>
+                </a:ln>
+                <a:solidFill>
+                  <a:srgbClr val="000000"/>
+                </a:solidFill>
+                <a:effectLst/>
+                <a:latin typeface="Consolas" panose="020B0609020204030204" pitchFamily="49" charset="0"/>
+              </a:rPr>
+              <a:t> </a:t>
+            </a:r>
+            <a:r>
+              <a:rPr kumimoji="0" lang="en-US" altLang="en-US" sz="1400" b="0" i="0" u="none" strike="noStrike" cap="none" normalizeH="0" baseline="0" dirty="0" err="1" smtClean="0">
+                <a:ln>
+                  <a:noFill/>
+                </a:ln>
+                <a:solidFill>
+                  <a:srgbClr val="000000"/>
+                </a:solidFill>
+                <a:effectLst/>
+                <a:latin typeface="Consolas" panose="020B0609020204030204" pitchFamily="49" charset="0"/>
+              </a:rPr>
+              <a:t>account</a:t>
+            </a:r>
+            <a:r>
+              <a:rPr kumimoji="0" lang="en-US" altLang="en-US" sz="1400" b="0" i="0" u="none" strike="noStrike" cap="none" normalizeH="0" baseline="0" dirty="0" smtClean="0">
+                <a:ln>
+                  <a:noFill/>
+                </a:ln>
+                <a:solidFill>
+                  <a:srgbClr val="666600"/>
+                </a:solidFill>
+                <a:effectLst/>
+                <a:latin typeface="Consolas" panose="020B0609020204030204" pitchFamily="49" charset="0"/>
+              </a:rPr>
+              <a:t>,</a:t>
+            </a:r>
+            <a:r>
+              <a:rPr kumimoji="0" lang="en-US" altLang="en-US" sz="1400" b="0" i="0" u="none" strike="noStrike" cap="none" normalizeH="0" baseline="0" dirty="0" smtClean="0">
+                <a:ln>
+                  <a:noFill/>
+                </a:ln>
+                <a:solidFill>
+                  <a:srgbClr val="000000"/>
+                </a:solidFill>
+                <a:effectLst/>
+                <a:latin typeface="Consolas" panose="020B0609020204030204" pitchFamily="49" charset="0"/>
+              </a:rPr>
+              <a:t/>
+            </a:r>
+            <a:br>
+              <a:rPr kumimoji="0" lang="en-US" altLang="en-US" sz="1400" b="0" i="0" u="none" strike="noStrike" cap="none" normalizeH="0" baseline="0" dirty="0" smtClean="0">
+                <a:ln>
+                  <a:noFill/>
+                </a:ln>
+                <a:solidFill>
+                  <a:srgbClr val="000000"/>
+                </a:solidFill>
+                <a:effectLst/>
+                <a:latin typeface="Consolas" panose="020B0609020204030204" pitchFamily="49" charset="0"/>
+              </a:rPr>
+            </a:br>
+            <a:r>
+              <a:rPr kumimoji="0" lang="en-US" altLang="en-US" sz="1400" b="0" i="0" u="none" strike="noStrike" cap="none" normalizeH="0" baseline="0" dirty="0" smtClean="0">
+                <a:ln>
+                  <a:noFill/>
+                </a:ln>
+                <a:solidFill>
+                  <a:srgbClr val="000000"/>
+                </a:solidFill>
+                <a:effectLst/>
+                <a:latin typeface="Consolas" panose="020B0609020204030204" pitchFamily="49" charset="0"/>
+              </a:rPr>
+              <a:t>            </a:t>
+            </a:r>
+            <a:r>
+              <a:rPr kumimoji="0" lang="en-US" altLang="en-US" sz="1400" b="0" i="0" u="none" strike="noStrike" cap="none" normalizeH="0" baseline="0" dirty="0" smtClean="0">
+                <a:ln>
+                  <a:noFill/>
+                </a:ln>
+                <a:solidFill>
+                  <a:srgbClr val="660066"/>
+                </a:solidFill>
+                <a:effectLst/>
+                <a:latin typeface="Consolas" panose="020B0609020204030204" pitchFamily="49" charset="0"/>
+              </a:rPr>
+              <a:t>Bundle</a:t>
+            </a:r>
+            <a:r>
+              <a:rPr kumimoji="0" lang="en-US" altLang="en-US" sz="1400" b="0" i="0" u="none" strike="noStrike" cap="none" normalizeH="0" baseline="0" dirty="0" smtClean="0">
+                <a:ln>
+                  <a:noFill/>
+                </a:ln>
+                <a:solidFill>
+                  <a:srgbClr val="000000"/>
+                </a:solidFill>
+                <a:effectLst/>
+                <a:latin typeface="Consolas" panose="020B0609020204030204" pitchFamily="49" charset="0"/>
+              </a:rPr>
+              <a:t> extras</a:t>
+            </a:r>
+            <a:r>
+              <a:rPr kumimoji="0" lang="en-US" altLang="en-US" sz="1400" b="0" i="0" u="none" strike="noStrike" cap="none" normalizeH="0" baseline="0" dirty="0" smtClean="0">
+                <a:ln>
+                  <a:noFill/>
+                </a:ln>
+                <a:solidFill>
+                  <a:srgbClr val="666600"/>
+                </a:solidFill>
+                <a:effectLst/>
+                <a:latin typeface="Consolas" panose="020B0609020204030204" pitchFamily="49" charset="0"/>
+              </a:rPr>
+              <a:t>,</a:t>
+            </a:r>
+            <a:r>
+              <a:rPr kumimoji="0" lang="en-US" altLang="en-US" sz="1400" b="0" i="0" u="none" strike="noStrike" cap="none" normalizeH="0" baseline="0" dirty="0" smtClean="0">
+                <a:ln>
+                  <a:noFill/>
+                </a:ln>
+                <a:solidFill>
+                  <a:srgbClr val="000000"/>
+                </a:solidFill>
+                <a:effectLst/>
+                <a:latin typeface="Consolas" panose="020B0609020204030204" pitchFamily="49" charset="0"/>
+              </a:rPr>
+              <a:t/>
+            </a:r>
+            <a:br>
+              <a:rPr kumimoji="0" lang="en-US" altLang="en-US" sz="1400" b="0" i="0" u="none" strike="noStrike" cap="none" normalizeH="0" baseline="0" dirty="0" smtClean="0">
+                <a:ln>
+                  <a:noFill/>
+                </a:ln>
+                <a:solidFill>
+                  <a:srgbClr val="000000"/>
+                </a:solidFill>
+                <a:effectLst/>
+                <a:latin typeface="Consolas" panose="020B0609020204030204" pitchFamily="49" charset="0"/>
+              </a:rPr>
+            </a:br>
+            <a:r>
+              <a:rPr kumimoji="0" lang="en-US" altLang="en-US" sz="1400" b="0" i="0" u="none" strike="noStrike" cap="none" normalizeH="0" baseline="0" dirty="0" smtClean="0">
+                <a:ln>
+                  <a:noFill/>
+                </a:ln>
+                <a:solidFill>
+                  <a:srgbClr val="000000"/>
+                </a:solidFill>
+                <a:effectLst/>
+                <a:latin typeface="Consolas" panose="020B0609020204030204" pitchFamily="49" charset="0"/>
+              </a:rPr>
+              <a:t>            </a:t>
+            </a:r>
+            <a:r>
+              <a:rPr kumimoji="0" lang="en-US" altLang="en-US" sz="1400" b="0" i="0" u="none" strike="noStrike" cap="none" normalizeH="0" baseline="0" dirty="0" smtClean="0">
+                <a:ln>
+                  <a:noFill/>
+                </a:ln>
+                <a:solidFill>
+                  <a:srgbClr val="660066"/>
+                </a:solidFill>
+                <a:effectLst/>
+                <a:latin typeface="Consolas" panose="020B0609020204030204" pitchFamily="49" charset="0"/>
+              </a:rPr>
+              <a:t>String</a:t>
+            </a:r>
+            <a:r>
+              <a:rPr kumimoji="0" lang="en-US" altLang="en-US" sz="1400" b="0" i="0" u="none" strike="noStrike" cap="none" normalizeH="0" baseline="0" dirty="0" smtClean="0">
+                <a:ln>
+                  <a:noFill/>
+                </a:ln>
+                <a:solidFill>
+                  <a:srgbClr val="000000"/>
+                </a:solidFill>
+                <a:effectLst/>
+                <a:latin typeface="Consolas" panose="020B0609020204030204" pitchFamily="49" charset="0"/>
+              </a:rPr>
+              <a:t> authority</a:t>
+            </a:r>
+            <a:r>
+              <a:rPr kumimoji="0" lang="en-US" altLang="en-US" sz="1400" b="0" i="0" u="none" strike="noStrike" cap="none" normalizeH="0" baseline="0" dirty="0" smtClean="0">
+                <a:ln>
+                  <a:noFill/>
+                </a:ln>
+                <a:solidFill>
+                  <a:srgbClr val="666600"/>
+                </a:solidFill>
+                <a:effectLst/>
+                <a:latin typeface="Consolas" panose="020B0609020204030204" pitchFamily="49" charset="0"/>
+              </a:rPr>
+              <a:t>,</a:t>
+            </a:r>
+            <a:r>
+              <a:rPr kumimoji="0" lang="en-US" altLang="en-US" sz="1400" b="0" i="0" u="none" strike="noStrike" cap="none" normalizeH="0" baseline="0" dirty="0" smtClean="0">
+                <a:ln>
+                  <a:noFill/>
+                </a:ln>
+                <a:solidFill>
+                  <a:srgbClr val="000000"/>
+                </a:solidFill>
+                <a:effectLst/>
+                <a:latin typeface="Consolas" panose="020B0609020204030204" pitchFamily="49" charset="0"/>
+              </a:rPr>
+              <a:t/>
+            </a:r>
+            <a:br>
+              <a:rPr kumimoji="0" lang="en-US" altLang="en-US" sz="1400" b="0" i="0" u="none" strike="noStrike" cap="none" normalizeH="0" baseline="0" dirty="0" smtClean="0">
+                <a:ln>
+                  <a:noFill/>
+                </a:ln>
+                <a:solidFill>
+                  <a:srgbClr val="000000"/>
+                </a:solidFill>
+                <a:effectLst/>
+                <a:latin typeface="Consolas" panose="020B0609020204030204" pitchFamily="49" charset="0"/>
+              </a:rPr>
+            </a:br>
+            <a:r>
+              <a:rPr kumimoji="0" lang="en-US" altLang="en-US" sz="1400" b="0" i="0" u="none" strike="noStrike" cap="none" normalizeH="0" baseline="0" dirty="0" smtClean="0">
+                <a:ln>
+                  <a:noFill/>
+                </a:ln>
+                <a:solidFill>
+                  <a:srgbClr val="000000"/>
+                </a:solidFill>
+                <a:effectLst/>
+                <a:latin typeface="Consolas" panose="020B0609020204030204" pitchFamily="49" charset="0"/>
+              </a:rPr>
+              <a:t>            </a:t>
+            </a:r>
+            <a:r>
+              <a:rPr kumimoji="0" lang="en-US" altLang="en-US" sz="1400" b="0" i="0" u="none" strike="noStrike" cap="none" normalizeH="0" baseline="0" dirty="0" err="1" smtClean="0">
+                <a:ln>
+                  <a:noFill/>
+                </a:ln>
+                <a:solidFill>
+                  <a:srgbClr val="660066"/>
+                </a:solidFill>
+                <a:effectLst/>
+                <a:latin typeface="Consolas" panose="020B0609020204030204" pitchFamily="49" charset="0"/>
+              </a:rPr>
+              <a:t>ContentProviderClient</a:t>
+            </a:r>
+            <a:r>
+              <a:rPr kumimoji="0" lang="en-US" altLang="en-US" sz="1400" b="0" i="0" u="none" strike="noStrike" cap="none" normalizeH="0" baseline="0" dirty="0" smtClean="0">
+                <a:ln>
+                  <a:noFill/>
+                </a:ln>
+                <a:solidFill>
+                  <a:srgbClr val="000000"/>
+                </a:solidFill>
+                <a:effectLst/>
+                <a:latin typeface="Consolas" panose="020B0609020204030204" pitchFamily="49" charset="0"/>
+              </a:rPr>
+              <a:t> provider</a:t>
+            </a:r>
+            <a:r>
+              <a:rPr kumimoji="0" lang="en-US" altLang="en-US" sz="1400" b="0" i="0" u="none" strike="noStrike" cap="none" normalizeH="0" baseline="0" dirty="0" smtClean="0">
+                <a:ln>
+                  <a:noFill/>
+                </a:ln>
+                <a:solidFill>
+                  <a:srgbClr val="666600"/>
+                </a:solidFill>
+                <a:effectLst/>
+                <a:latin typeface="Consolas" panose="020B0609020204030204" pitchFamily="49" charset="0"/>
+              </a:rPr>
+              <a:t>,</a:t>
+            </a:r>
+            <a:r>
+              <a:rPr kumimoji="0" lang="en-US" altLang="en-US" sz="1400" b="0" i="0" u="none" strike="noStrike" cap="none" normalizeH="0" baseline="0" dirty="0" smtClean="0">
+                <a:ln>
+                  <a:noFill/>
+                </a:ln>
+                <a:solidFill>
+                  <a:srgbClr val="000000"/>
+                </a:solidFill>
+                <a:effectLst/>
+                <a:latin typeface="Consolas" panose="020B0609020204030204" pitchFamily="49" charset="0"/>
+              </a:rPr>
+              <a:t/>
+            </a:r>
+            <a:br>
+              <a:rPr kumimoji="0" lang="en-US" altLang="en-US" sz="1400" b="0" i="0" u="none" strike="noStrike" cap="none" normalizeH="0" baseline="0" dirty="0" smtClean="0">
+                <a:ln>
+                  <a:noFill/>
+                </a:ln>
+                <a:solidFill>
+                  <a:srgbClr val="000000"/>
+                </a:solidFill>
+                <a:effectLst/>
+                <a:latin typeface="Consolas" panose="020B0609020204030204" pitchFamily="49" charset="0"/>
+              </a:rPr>
+            </a:br>
+            <a:r>
+              <a:rPr kumimoji="0" lang="en-US" altLang="en-US" sz="1400" b="0" i="0" u="none" strike="noStrike" cap="none" normalizeH="0" baseline="0" dirty="0" smtClean="0">
+                <a:ln>
+                  <a:noFill/>
+                </a:ln>
+                <a:solidFill>
+                  <a:srgbClr val="000000"/>
+                </a:solidFill>
+                <a:effectLst/>
+                <a:latin typeface="Consolas" panose="020B0609020204030204" pitchFamily="49" charset="0"/>
+              </a:rPr>
+              <a:t>            </a:t>
+            </a:r>
+            <a:r>
+              <a:rPr kumimoji="0" lang="en-US" altLang="en-US" sz="1400" b="0" i="0" u="none" strike="noStrike" cap="none" normalizeH="0" baseline="0" dirty="0" err="1" smtClean="0">
+                <a:ln>
+                  <a:noFill/>
+                </a:ln>
+                <a:solidFill>
+                  <a:srgbClr val="660066"/>
+                </a:solidFill>
+                <a:effectLst/>
+                <a:latin typeface="Consolas" panose="020B0609020204030204" pitchFamily="49" charset="0"/>
+              </a:rPr>
+              <a:t>SyncResult</a:t>
+            </a:r>
+            <a:r>
+              <a:rPr kumimoji="0" lang="en-US" altLang="en-US" sz="1400" b="0" i="0" u="none" strike="noStrike" cap="none" normalizeH="0" baseline="0" dirty="0" smtClean="0">
+                <a:ln>
+                  <a:noFill/>
+                </a:ln>
+                <a:solidFill>
+                  <a:srgbClr val="000000"/>
+                </a:solidFill>
+                <a:effectLst/>
+                <a:latin typeface="Consolas" panose="020B0609020204030204" pitchFamily="49" charset="0"/>
+              </a:rPr>
+              <a:t> </a:t>
+            </a:r>
+            <a:r>
+              <a:rPr kumimoji="0" lang="en-US" altLang="en-US" sz="1400" b="0" i="0" u="none" strike="noStrike" cap="none" normalizeH="0" baseline="0" dirty="0" err="1" smtClean="0">
+                <a:ln>
+                  <a:noFill/>
+                </a:ln>
+                <a:solidFill>
+                  <a:srgbClr val="000000"/>
+                </a:solidFill>
+                <a:effectLst/>
+                <a:latin typeface="Consolas" panose="020B0609020204030204" pitchFamily="49" charset="0"/>
+              </a:rPr>
+              <a:t>syncResult</a:t>
+            </a:r>
+            <a:r>
+              <a:rPr kumimoji="0" lang="en-US" altLang="en-US" sz="1400" b="0" i="0" u="none" strike="noStrike" cap="none" normalizeH="0" baseline="0" dirty="0" smtClean="0">
+                <a:ln>
+                  <a:noFill/>
+                </a:ln>
+                <a:solidFill>
+                  <a:srgbClr val="666600"/>
+                </a:solidFill>
+                <a:effectLst/>
+                <a:latin typeface="Consolas" panose="020B0609020204030204" pitchFamily="49" charset="0"/>
+              </a:rPr>
+              <a:t>)</a:t>
+            </a:r>
+            <a:r>
+              <a:rPr kumimoji="0" lang="en-US" altLang="en-US" sz="1400" b="0" i="0" u="none" strike="noStrike" cap="none" normalizeH="0" baseline="0" dirty="0" smtClean="0">
+                <a:ln>
+                  <a:noFill/>
+                </a:ln>
+                <a:solidFill>
+                  <a:srgbClr val="000000"/>
+                </a:solidFill>
+                <a:effectLst/>
+                <a:latin typeface="Consolas" panose="020B0609020204030204" pitchFamily="49" charset="0"/>
+              </a:rPr>
+              <a:t> </a:t>
+            </a:r>
+            <a:r>
+              <a:rPr kumimoji="0" lang="en-US" altLang="en-US" sz="1400" b="0" i="0" u="none" strike="noStrike" cap="none" normalizeH="0" baseline="0" dirty="0" smtClean="0">
+                <a:ln>
+                  <a:noFill/>
+                </a:ln>
+                <a:solidFill>
+                  <a:srgbClr val="666600"/>
+                </a:solidFill>
+                <a:effectLst/>
+                <a:latin typeface="Consolas" panose="020B0609020204030204" pitchFamily="49" charset="0"/>
+              </a:rPr>
+              <a:t>{</a:t>
+            </a:r>
+            <a:r>
+              <a:rPr kumimoji="0" lang="en-US" altLang="en-US" sz="1400" b="0" i="0" u="none" strike="noStrike" cap="none" normalizeH="0" baseline="0" dirty="0" smtClean="0">
+                <a:ln>
+                  <a:noFill/>
+                </a:ln>
+                <a:solidFill>
+                  <a:srgbClr val="000000"/>
+                </a:solidFill>
+                <a:effectLst/>
+                <a:latin typeface="Consolas" panose="020B0609020204030204" pitchFamily="49" charset="0"/>
+              </a:rPr>
+              <a:t/>
+            </a:r>
+            <a:br>
+              <a:rPr kumimoji="0" lang="en-US" altLang="en-US" sz="1400" b="0" i="0" u="none" strike="noStrike" cap="none" normalizeH="0" baseline="0" dirty="0" smtClean="0">
+                <a:ln>
+                  <a:noFill/>
+                </a:ln>
+                <a:solidFill>
+                  <a:srgbClr val="000000"/>
+                </a:solidFill>
+                <a:effectLst/>
+                <a:latin typeface="Consolas" panose="020B0609020204030204" pitchFamily="49" charset="0"/>
+              </a:rPr>
+            </a:br>
+            <a:r>
+              <a:rPr kumimoji="0" lang="en-US" altLang="en-US" sz="1400" b="0" i="0" u="none" strike="noStrike" cap="none" normalizeH="0" baseline="0" dirty="0" smtClean="0">
+                <a:ln>
+                  <a:noFill/>
+                </a:ln>
+                <a:solidFill>
+                  <a:srgbClr val="000000"/>
+                </a:solidFill>
+                <a:effectLst/>
+                <a:latin typeface="Consolas" panose="020B0609020204030204" pitchFamily="49" charset="0"/>
+              </a:rPr>
+              <a:t>    </a:t>
+            </a:r>
+            <a:r>
+              <a:rPr kumimoji="0" lang="en-US" altLang="en-US" sz="1400" b="0" i="0" u="none" strike="noStrike" cap="none" normalizeH="0" baseline="0" dirty="0" smtClean="0">
+                <a:ln>
+                  <a:noFill/>
+                </a:ln>
+                <a:solidFill>
+                  <a:srgbClr val="006600"/>
+                </a:solidFill>
+                <a:effectLst/>
+                <a:latin typeface="Consolas" panose="020B0609020204030204" pitchFamily="49" charset="0"/>
+              </a:rPr>
+              <a:t>/*</a:t>
+            </a:r>
+            <a:br>
+              <a:rPr kumimoji="0" lang="en-US" altLang="en-US" sz="1400" b="0" i="0" u="none" strike="noStrike" cap="none" normalizeH="0" baseline="0" dirty="0" smtClean="0">
+                <a:ln>
+                  <a:noFill/>
+                </a:ln>
+                <a:solidFill>
+                  <a:srgbClr val="006600"/>
+                </a:solidFill>
+                <a:effectLst/>
+                <a:latin typeface="Consolas" panose="020B0609020204030204" pitchFamily="49" charset="0"/>
+              </a:rPr>
+            </a:br>
+            <a:r>
+              <a:rPr kumimoji="0" lang="en-US" altLang="en-US" sz="1400" b="0" i="0" u="none" strike="noStrike" cap="none" normalizeH="0" baseline="0" dirty="0" smtClean="0">
+                <a:ln>
+                  <a:noFill/>
+                </a:ln>
+                <a:solidFill>
+                  <a:srgbClr val="006600"/>
+                </a:solidFill>
+                <a:effectLst/>
+                <a:latin typeface="Consolas" panose="020B0609020204030204" pitchFamily="49" charset="0"/>
+              </a:rPr>
+              <a:t>     * Put the data transfer code here.</a:t>
+            </a:r>
+            <a:br>
+              <a:rPr kumimoji="0" lang="en-US" altLang="en-US" sz="1400" b="0" i="0" u="none" strike="noStrike" cap="none" normalizeH="0" baseline="0" dirty="0" smtClean="0">
+                <a:ln>
+                  <a:noFill/>
+                </a:ln>
+                <a:solidFill>
+                  <a:srgbClr val="006600"/>
+                </a:solidFill>
+                <a:effectLst/>
+                <a:latin typeface="Consolas" panose="020B0609020204030204" pitchFamily="49" charset="0"/>
+              </a:rPr>
+            </a:br>
+            <a:r>
+              <a:rPr kumimoji="0" lang="en-US" altLang="en-US" sz="1400" b="0" i="0" u="none" strike="noStrike" cap="none" normalizeH="0" baseline="0" dirty="0" smtClean="0">
+                <a:ln>
+                  <a:noFill/>
+                </a:ln>
+                <a:solidFill>
+                  <a:srgbClr val="006600"/>
+                </a:solidFill>
+                <a:effectLst/>
+                <a:latin typeface="Consolas" panose="020B0609020204030204" pitchFamily="49" charset="0"/>
+              </a:rPr>
+              <a:t>     */</a:t>
+            </a:r>
+            <a:r>
+              <a:rPr kumimoji="0" lang="en-US" altLang="en-US" sz="1400" b="0" i="0" u="none" strike="noStrike" cap="none" normalizeH="0" baseline="0" dirty="0" smtClean="0">
+                <a:ln>
+                  <a:noFill/>
+                </a:ln>
+                <a:solidFill>
+                  <a:srgbClr val="000000"/>
+                </a:solidFill>
+                <a:effectLst/>
+                <a:latin typeface="Consolas" panose="020B0609020204030204" pitchFamily="49" charset="0"/>
+              </a:rPr>
+              <a:t/>
+            </a:r>
+            <a:br>
+              <a:rPr kumimoji="0" lang="en-US" altLang="en-US" sz="1400" b="0" i="0" u="none" strike="noStrike" cap="none" normalizeH="0" baseline="0" dirty="0" smtClean="0">
+                <a:ln>
+                  <a:noFill/>
+                </a:ln>
+                <a:solidFill>
+                  <a:srgbClr val="000000"/>
+                </a:solidFill>
+                <a:effectLst/>
+                <a:latin typeface="Consolas" panose="020B0609020204030204" pitchFamily="49" charset="0"/>
+              </a:rPr>
+            </a:br>
+            <a:r>
+              <a:rPr kumimoji="0" lang="en-US" altLang="en-US" sz="1400" b="0" i="0" u="none" strike="noStrike" cap="none" normalizeH="0" baseline="0" dirty="0" smtClean="0">
+                <a:ln>
+                  <a:noFill/>
+                </a:ln>
+                <a:solidFill>
+                  <a:srgbClr val="000000"/>
+                </a:solidFill>
+                <a:effectLst/>
+                <a:latin typeface="Consolas" panose="020B0609020204030204" pitchFamily="49" charset="0"/>
+              </a:rPr>
+              <a:t>    </a:t>
+            </a:r>
+            <a:r>
+              <a:rPr kumimoji="0" lang="en-US" altLang="en-US" sz="1400" b="0" i="0" u="none" strike="noStrike" cap="none" normalizeH="0" baseline="0" dirty="0" smtClean="0">
+                <a:ln>
+                  <a:noFill/>
+                </a:ln>
+                <a:solidFill>
+                  <a:srgbClr val="666600"/>
+                </a:solidFill>
+                <a:effectLst/>
+                <a:latin typeface="Consolas" panose="020B0609020204030204" pitchFamily="49" charset="0"/>
+              </a:rPr>
+              <a:t>...</a:t>
+            </a:r>
+            <a:r>
+              <a:rPr kumimoji="0" lang="en-US" altLang="en-US" sz="1400" b="0" i="0" u="none" strike="noStrike" cap="none" normalizeH="0" baseline="0" dirty="0" smtClean="0">
+                <a:ln>
+                  <a:noFill/>
+                </a:ln>
+                <a:solidFill>
+                  <a:srgbClr val="000000"/>
+                </a:solidFill>
+                <a:effectLst/>
+                <a:latin typeface="Consolas" panose="020B0609020204030204" pitchFamily="49" charset="0"/>
+              </a:rPr>
+              <a:t/>
+            </a:r>
+            <a:br>
+              <a:rPr kumimoji="0" lang="en-US" altLang="en-US" sz="1400" b="0" i="0" u="none" strike="noStrike" cap="none" normalizeH="0" baseline="0" dirty="0" smtClean="0">
+                <a:ln>
+                  <a:noFill/>
+                </a:ln>
+                <a:solidFill>
+                  <a:srgbClr val="000000"/>
+                </a:solidFill>
+                <a:effectLst/>
+                <a:latin typeface="Consolas" panose="020B0609020204030204" pitchFamily="49" charset="0"/>
+              </a:rPr>
+            </a:br>
+            <a:r>
+              <a:rPr kumimoji="0" lang="en-US" altLang="en-US" sz="1400" b="0" i="0" u="none" strike="noStrike" cap="none" normalizeH="0" baseline="0" dirty="0" smtClean="0">
+                <a:ln>
+                  <a:noFill/>
+                </a:ln>
+                <a:solidFill>
+                  <a:srgbClr val="000000"/>
+                </a:solidFill>
+                <a:effectLst/>
+                <a:latin typeface="Consolas" panose="020B0609020204030204" pitchFamily="49" charset="0"/>
+              </a:rPr>
+              <a:t>    </a:t>
+            </a:r>
+            <a:r>
+              <a:rPr kumimoji="0" lang="en-US" altLang="en-US" sz="1400" b="0" i="0" u="none" strike="noStrike" cap="none" normalizeH="0" baseline="0" dirty="0" smtClean="0">
+                <a:ln>
+                  <a:noFill/>
+                </a:ln>
+                <a:solidFill>
+                  <a:srgbClr val="666600"/>
+                </a:solidFill>
+                <a:effectLst/>
+                <a:latin typeface="Consolas" panose="020B0609020204030204" pitchFamily="49" charset="0"/>
+              </a:rPr>
+              <a:t>}</a:t>
+            </a:r>
+            <a:r>
+              <a:rPr kumimoji="0" lang="en-US" altLang="en-US" sz="1400" b="0" i="0" u="none" strike="noStrike" cap="none" normalizeH="0" baseline="0" dirty="0" smtClean="0">
+                <a:ln>
+                  <a:noFill/>
+                </a:ln>
+                <a:solidFill>
+                  <a:schemeClr val="tx1"/>
+                </a:solidFill>
+                <a:effectLst/>
+                <a:latin typeface="Consolas" panose="020B0609020204030204" pitchFamily="49" charset="0"/>
+              </a:rPr>
+              <a:t> </a:t>
+            </a:r>
+          </a:p>
+        </p:txBody>
+      </p:sp>
+    </p:spTree>
+    <p:extLst>
+      <p:ext uri="{BB962C8B-B14F-4D97-AF65-F5344CB8AC3E}">
+        <p14:creationId xmlns:p14="http://schemas.microsoft.com/office/powerpoint/2010/main" val="4008872627"/>
+      </p:ext>
+    </p:extLst>
+  </p:cSld>
+  <p:clrMapOvr>
+    <a:masterClrMapping/>
+  </p:clrMapOvr>
+  <mc:AlternateContent xmlns:mc="http://schemas.openxmlformats.org/markup-compatibility/2006" xmlns:p14="http://schemas.microsoft.com/office/powerpoint/2010/main">
+    <mc:Choice Requires="p14">
+      <p:transition p14:dur="250">
+        <p14:reveal/>
+      </p:transition>
+    </mc:Choice>
+    <mc:Fallback xmlns="">
+      <p:transition>
+        <p:fade/>
+      </p:transition>
+    </mc:Fallback>
+  </mc:AlternateContent>
+  <p:timing>
+    <p:tnLst>
+      <p:par>
+        <p:cTn id="1" dur="indefinite" restart="never" nodeType="tmRoot"/>
+      </p:par>
+    </p:tnLst>
+  </p:timing>
+</p:sld>
+</file>
+
+<file path=ppt/slides/slide3.xml><?xml version="1.0" encoding="utf-8"?>
 <p:sld xmlns:a="http://schemas.openxmlformats.org/drawingml/2006/main" xmlns:r="http://schemas.openxmlformats.org/officeDocument/2006/relationships" xmlns:p="http://schemas.openxmlformats.org/presentationml/2006/main">
   <p:cSld>
     <p:spTree>
@@ -17266,2939 +21485,7 @@
 </p:sld>
 </file>
 
-<file path=ppt/slides/slide20.xml><?xml version="1.0" encoding="utf-8"?>
-<p:sld xmlns:a="http://schemas.openxmlformats.org/drawingml/2006/main" xmlns:r="http://schemas.openxmlformats.org/officeDocument/2006/relationships" xmlns:p="http://schemas.openxmlformats.org/presentationml/2006/main" show="0">
-  <p:cSld>
-    <p:spTree>
-      <p:nvGrpSpPr>
-        <p:cNvPr id="1" name=""/>
-        <p:cNvGrpSpPr/>
-        <p:nvPr/>
-      </p:nvGrpSpPr>
-      <p:grpSpPr>
-        <a:xfrm>
-          <a:off x="0" y="0"/>
-          <a:ext cx="0" cy="0"/>
-          <a:chOff x="0" y="0"/>
-          <a:chExt cx="0" cy="0"/>
-        </a:xfrm>
-      </p:grpSpPr>
-      <p:sp>
-        <p:nvSpPr>
-          <p:cNvPr id="3" name="Title 2"/>
-          <p:cNvSpPr>
-            <a:spLocks noGrp="1"/>
-          </p:cNvSpPr>
-          <p:nvPr>
-            <p:ph type="title"/>
-          </p:nvPr>
-        </p:nvSpPr>
-        <p:spPr/>
-        <p:txBody>
-          <a:bodyPr/>
-          <a:lstStyle/>
-          <a:p>
-            <a:endParaRPr lang="en-US"/>
-          </a:p>
-        </p:txBody>
-      </p:sp>
-      <p:sp>
-        <p:nvSpPr>
-          <p:cNvPr id="4" name="Content Placeholder 3"/>
-          <p:cNvSpPr>
-            <a:spLocks noGrp="1"/>
-          </p:cNvSpPr>
-          <p:nvPr>
-            <p:ph idx="1"/>
-          </p:nvPr>
-        </p:nvSpPr>
-        <p:spPr/>
-        <p:txBody>
-          <a:bodyPr>
-            <a:normAutofit fontScale="92500" lnSpcReduction="10000"/>
-          </a:bodyPr>
-          <a:lstStyle/>
-          <a:p>
-            <a:r>
-              <a:rPr lang="en-US" dirty="0">
-                <a:hlinkClick r:id="rId2"/>
-              </a:rPr>
-              <a:t>https://</a:t>
-            </a:r>
-            <a:r>
-              <a:rPr lang="en-US" dirty="0" smtClean="0">
-                <a:hlinkClick r:id="rId2"/>
-              </a:rPr>
-              <a:t>github.com/googlesamples/android-BasicSyncAdapter</a:t>
-            </a:r>
-            <a:endParaRPr lang="en-US" dirty="0" smtClean="0"/>
-          </a:p>
-          <a:p>
-            <a:r>
-              <a:rPr lang="en-US" dirty="0">
-                <a:hlinkClick r:id="rId3"/>
-              </a:rPr>
-              <a:t>https://</a:t>
-            </a:r>
-            <a:r>
-              <a:rPr lang="en-US" dirty="0" smtClean="0">
-                <a:hlinkClick r:id="rId3"/>
-              </a:rPr>
-              <a:t>developer.android.com/training/sync-adapters/creating-sync-adapter.html</a:t>
-            </a:r>
-            <a:endParaRPr lang="en-US" dirty="0" smtClean="0"/>
-          </a:p>
-          <a:p>
-            <a:r>
-              <a:rPr lang="en-US" dirty="0">
-                <a:hlinkClick r:id="rId4"/>
-              </a:rPr>
-              <a:t>https://</a:t>
-            </a:r>
-            <a:r>
-              <a:rPr lang="en-US" dirty="0" smtClean="0">
-                <a:hlinkClick r:id="rId4"/>
-              </a:rPr>
-              <a:t>developer.android.com/training/sync-adapters/index.html</a:t>
-            </a:r>
-            <a:endParaRPr lang="en-US" dirty="0" smtClean="0"/>
-          </a:p>
-          <a:p>
-            <a:r>
-              <a:rPr lang="en-US" dirty="0">
-                <a:hlinkClick r:id="rId5"/>
-              </a:rPr>
-              <a:t>http://blog.udinic.com/2013/07/24/write-your-own-android-sync-adapter</a:t>
-            </a:r>
-            <a:r>
-              <a:rPr lang="en-US" dirty="0" smtClean="0">
-                <a:hlinkClick r:id="rId5"/>
-              </a:rPr>
-              <a:t>/</a:t>
-            </a:r>
-            <a:endParaRPr lang="en-US" dirty="0" smtClean="0"/>
-          </a:p>
-          <a:p>
-            <a:r>
-              <a:rPr lang="en-US" dirty="0">
-                <a:hlinkClick r:id="rId6"/>
-              </a:rPr>
-              <a:t>https://</a:t>
-            </a:r>
-            <a:r>
-              <a:rPr lang="en-US" dirty="0" smtClean="0">
-                <a:hlinkClick r:id="rId6"/>
-              </a:rPr>
-              <a:t>software.intel.com/en-us/android/articles/handling-offline-capability-and-data-sync-in-an-android-app-part-2</a:t>
-            </a:r>
-            <a:endParaRPr lang="en-US" dirty="0" smtClean="0"/>
-          </a:p>
-        </p:txBody>
-      </p:sp>
-    </p:spTree>
-    <p:extLst>
-      <p:ext uri="{BB962C8B-B14F-4D97-AF65-F5344CB8AC3E}">
-        <p14:creationId xmlns:p14="http://schemas.microsoft.com/office/powerpoint/2010/main" val="351412801"/>
-      </p:ext>
-    </p:extLst>
-  </p:cSld>
-  <p:clrMapOvr>
-    <a:masterClrMapping/>
-  </p:clrMapOvr>
-  <mc:AlternateContent xmlns:mc="http://schemas.openxmlformats.org/markup-compatibility/2006">
-    <mc:Choice xmlns:p14="http://schemas.microsoft.com/office/powerpoint/2010/main" Requires="p14">
-      <p:transition p14:dur="250">
-        <p14:reveal/>
-      </p:transition>
-    </mc:Choice>
-    <mc:Fallback>
-      <p:transition>
-        <p:fade/>
-      </p:transition>
-    </mc:Fallback>
-  </mc:AlternateContent>
-  <p:timing>
-    <p:tnLst>
-      <p:par>
-        <p:cTn id="1" dur="indefinite" restart="never" nodeType="tmRoot"/>
-      </p:par>
-    </p:tnLst>
-  </p:timing>
-</p:sld>
-</file>
-
-<file path=ppt/slides/slide21.xml><?xml version="1.0" encoding="utf-8"?>
-<p:sld xmlns:a="http://schemas.openxmlformats.org/drawingml/2006/main" xmlns:r="http://schemas.openxmlformats.org/officeDocument/2006/relationships" xmlns:p="http://schemas.openxmlformats.org/presentationml/2006/main">
-  <p:cSld>
-    <p:spTree>
-      <p:nvGrpSpPr>
-        <p:cNvPr id="1" name=""/>
-        <p:cNvGrpSpPr/>
-        <p:nvPr/>
-      </p:nvGrpSpPr>
-      <p:grpSpPr>
-        <a:xfrm>
-          <a:off x="0" y="0"/>
-          <a:ext cx="0" cy="0"/>
-          <a:chOff x="0" y="0"/>
-          <a:chExt cx="0" cy="0"/>
-        </a:xfrm>
-      </p:grpSpPr>
-      <p:sp>
-        <p:nvSpPr>
-          <p:cNvPr id="2" name="Title 1"/>
-          <p:cNvSpPr>
-            <a:spLocks noGrp="1"/>
-          </p:cNvSpPr>
-          <p:nvPr>
-            <p:ph type="title"/>
-          </p:nvPr>
-        </p:nvSpPr>
-        <p:spPr/>
-        <p:txBody>
-          <a:bodyPr/>
-          <a:lstStyle/>
-          <a:p>
-            <a:endParaRPr lang="en-US"/>
-          </a:p>
-        </p:txBody>
-      </p:sp>
-      <p:sp>
-        <p:nvSpPr>
-          <p:cNvPr id="3" name="Content Placeholder 2"/>
-          <p:cNvSpPr>
-            <a:spLocks noGrp="1"/>
-          </p:cNvSpPr>
-          <p:nvPr>
-            <p:ph idx="1"/>
-          </p:nvPr>
-        </p:nvSpPr>
-        <p:spPr/>
-        <p:txBody>
-          <a:bodyPr>
-            <a:normAutofit lnSpcReduction="10000"/>
-          </a:bodyPr>
-          <a:lstStyle/>
-          <a:p>
-            <a:r>
-              <a:rPr lang="en-US" dirty="0" err="1" smtClean="0"/>
-              <a:t>SyncAdapters</a:t>
-            </a:r>
-            <a:r>
-              <a:rPr lang="en-US" dirty="0" smtClean="0"/>
-              <a:t> can be used to:</a:t>
-            </a:r>
-          </a:p>
-          <a:p>
-            <a:pPr lvl="1"/>
-            <a:r>
-              <a:rPr lang="en-US" dirty="0" smtClean="0"/>
-              <a:t>fetch </a:t>
-            </a:r>
-            <a:r>
-              <a:rPr lang="en-US" dirty="0"/>
-              <a:t>background data for an </a:t>
-            </a:r>
-            <a:r>
-              <a:rPr lang="en-US" dirty="0" smtClean="0"/>
-              <a:t>app.</a:t>
-            </a:r>
-          </a:p>
-          <a:p>
-            <a:pPr lvl="1"/>
-            <a:r>
-              <a:rPr lang="en-US" dirty="0" smtClean="0"/>
-              <a:t>execute </a:t>
-            </a:r>
-            <a:r>
-              <a:rPr lang="en-US" dirty="0"/>
-              <a:t>your data transfer code at configurable intervals, while efficiently using battery and other system </a:t>
-            </a:r>
-            <a:r>
-              <a:rPr lang="en-US" dirty="0" smtClean="0"/>
-              <a:t>resources</a:t>
-            </a:r>
-            <a:endParaRPr lang="en-US" dirty="0"/>
-          </a:p>
-          <a:p>
-            <a:r>
-              <a:rPr lang="en-US" dirty="0" smtClean="0"/>
-              <a:t>Elements </a:t>
-            </a:r>
-            <a:r>
-              <a:rPr lang="en-US" dirty="0"/>
-              <a:t>of a sync </a:t>
-            </a:r>
-            <a:r>
-              <a:rPr lang="en-US" dirty="0" smtClean="0"/>
-              <a:t>adapter:</a:t>
-            </a:r>
-            <a:endParaRPr lang="en-US" dirty="0"/>
-          </a:p>
-          <a:p>
-            <a:pPr lvl="1"/>
-            <a:r>
-              <a:rPr lang="en-US" dirty="0"/>
-              <a:t>Creates a sync adapter class.</a:t>
-            </a:r>
-          </a:p>
-          <a:p>
-            <a:pPr lvl="1"/>
-            <a:r>
-              <a:rPr lang="en-US" dirty="0"/>
-              <a:t>Creates a bound Service which the OS uses to initiate a sync.</a:t>
-            </a:r>
-          </a:p>
-          <a:p>
-            <a:pPr lvl="1"/>
-            <a:r>
-              <a:rPr lang="en-US" dirty="0"/>
-              <a:t>Defines the sync adapter properties in an XML resource file.</a:t>
-            </a:r>
-          </a:p>
-          <a:p>
-            <a:pPr lvl="1"/>
-            <a:r>
-              <a:rPr lang="en-US" dirty="0"/>
-              <a:t>Declares the bound Service in the app manifest.</a:t>
-            </a:r>
-          </a:p>
-        </p:txBody>
-      </p:sp>
-    </p:spTree>
-    <p:extLst>
-      <p:ext uri="{BB962C8B-B14F-4D97-AF65-F5344CB8AC3E}">
-        <p14:creationId xmlns:p14="http://schemas.microsoft.com/office/powerpoint/2010/main" val="2364295274"/>
-      </p:ext>
-    </p:extLst>
-  </p:cSld>
-  <p:clrMapOvr>
-    <a:masterClrMapping/>
-  </p:clrMapOvr>
-  <mc:AlternateContent xmlns:mc="http://schemas.openxmlformats.org/markup-compatibility/2006" xmlns:p14="http://schemas.microsoft.com/office/powerpoint/2010/main">
-    <mc:Choice Requires="p14">
-      <p:transition p14:dur="250">
-        <p14:reveal/>
-      </p:transition>
-    </mc:Choice>
-    <mc:Fallback xmlns="">
-      <p:transition>
-        <p:fade/>
-      </p:transition>
-    </mc:Fallback>
-  </mc:AlternateContent>
-  <p:timing>
-    <p:tnLst>
-      <p:par>
-        <p:cTn id="1" dur="indefinite" restart="never" nodeType="tmRoot"/>
-      </p:par>
-    </p:tnLst>
-  </p:timing>
-</p:sld>
-</file>
-
-<file path=ppt/slides/slide22.xml><?xml version="1.0" encoding="utf-8"?>
-<p:sld xmlns:a="http://schemas.openxmlformats.org/drawingml/2006/main" xmlns:r="http://schemas.openxmlformats.org/officeDocument/2006/relationships" xmlns:p="http://schemas.openxmlformats.org/presentationml/2006/main">
-  <p:cSld>
-    <p:spTree>
-      <p:nvGrpSpPr>
-        <p:cNvPr id="1" name=""/>
-        <p:cNvGrpSpPr/>
-        <p:nvPr/>
-      </p:nvGrpSpPr>
-      <p:grpSpPr>
-        <a:xfrm>
-          <a:off x="0" y="0"/>
-          <a:ext cx="0" cy="0"/>
-          <a:chOff x="0" y="0"/>
-          <a:chExt cx="0" cy="0"/>
-        </a:xfrm>
-      </p:grpSpPr>
-      <p:sp>
-        <p:nvSpPr>
-          <p:cNvPr id="3" name="Title 2"/>
-          <p:cNvSpPr>
-            <a:spLocks noGrp="1"/>
-          </p:cNvSpPr>
-          <p:nvPr>
-            <p:ph type="title"/>
-          </p:nvPr>
-        </p:nvSpPr>
-        <p:spPr/>
-        <p:txBody>
-          <a:bodyPr>
-            <a:normAutofit fontScale="90000"/>
-          </a:bodyPr>
-          <a:lstStyle/>
-          <a:p>
-            <a:r>
-              <a:rPr lang="en-US" dirty="0"/>
-              <a:t>Extend the base sync adapter class </a:t>
-            </a:r>
-            <a:r>
-              <a:rPr lang="en-US" dirty="0" err="1"/>
-              <a:t>AbstractThreadedSyncAdapter</a:t>
-            </a:r>
-            <a:endParaRPr lang="en-US" dirty="0"/>
-          </a:p>
-        </p:txBody>
-      </p:sp>
-      <p:sp>
-        <p:nvSpPr>
-          <p:cNvPr id="5" name="Rectangle 1"/>
-          <p:cNvSpPr>
-            <a:spLocks noGrp="1" noChangeArrowheads="1"/>
-          </p:cNvSpPr>
-          <p:nvPr>
-            <p:ph idx="1"/>
-          </p:nvPr>
-        </p:nvSpPr>
-        <p:spPr bwMode="auto">
-          <a:xfrm>
-            <a:off x="983432" y="1818982"/>
-            <a:ext cx="7383431" cy="4462760"/>
-          </a:xfrm>
-          <a:prstGeom prst="rect">
-            <a:avLst/>
-          </a:prstGeom>
-          <a:solidFill>
-            <a:srgbClr val="F7F7F7"/>
-          </a:solidFill>
-          <a:ln>
-            <a:noFill/>
-          </a:ln>
-          <a:effectLst/>
-          <a:extLst>
-            <a:ext uri="{91240B29-F687-4F45-9708-019B960494DF}">
-              <a14:hiddenLine xmlns:a14="http://schemas.microsoft.com/office/drawing/2010/main" w="9525">
-                <a:solidFill>
-                  <a:schemeClr val="tx1"/>
-                </a:solidFill>
-                <a:miter lim="800000"/>
-                <a:headEnd/>
-                <a:tailEnd/>
-              </a14:hiddenLine>
-            </a:ext>
-            <a:ext uri="{AF507438-7753-43E0-B8FC-AC1667EBCBE1}">
-              <a14:hiddenEffects xmlns:a14="http://schemas.microsoft.com/office/drawing/2010/main">
-                <a:effectLst>
-                  <a:outerShdw dist="35921" dir="2700000" algn="ctr" rotWithShape="0">
-                    <a:schemeClr val="bg2"/>
-                  </a:outerShdw>
-                </a:effectLst>
-              </a14:hiddenEffects>
-            </a:ext>
-          </a:extLst>
-        </p:spPr>
-        <p:txBody>
-          <a:bodyPr vert="horz" wrap="none" lIns="457200" tIns="182880" rIns="457200" bIns="182880" numCol="1" anchor="ctr" anchorCtr="0" compatLnSpc="1">
-            <a:prstTxWarp prst="textNoShape">
-              <a:avLst/>
-            </a:prstTxWarp>
-            <a:spAutoFit/>
-          </a:bodyPr>
-          <a:lstStyle/>
-          <a:p>
-            <a:pPr marL="0" marR="0" lvl="0" indent="0" algn="l" defTabSz="914400" rtl="0" eaLnBrk="0" fontAlgn="base" latinLnBrk="0" hangingPunct="0">
-              <a:lnSpc>
-                <a:spcPct val="100000"/>
-              </a:lnSpc>
-              <a:spcBef>
-                <a:spcPct val="0"/>
-              </a:spcBef>
-              <a:spcAft>
-                <a:spcPct val="0"/>
-              </a:spcAft>
-              <a:buClrTx/>
-              <a:buSzTx/>
-              <a:buFontTx/>
-              <a:buNone/>
-              <a:tabLst/>
-            </a:pPr>
-            <a:r>
-              <a:rPr kumimoji="0" lang="en-US" altLang="en-US" sz="1400" b="0" i="0" u="none" strike="noStrike" cap="none" normalizeH="0" baseline="0" dirty="0" smtClean="0">
-                <a:ln>
-                  <a:noFill/>
-                </a:ln>
-                <a:solidFill>
-                  <a:srgbClr val="006600"/>
-                </a:solidFill>
-                <a:effectLst/>
-                <a:latin typeface="Consolas" panose="020B0609020204030204" pitchFamily="49" charset="0"/>
-              </a:rPr>
-              <a:t>/**</a:t>
-            </a:r>
-            <a:br>
-              <a:rPr kumimoji="0" lang="en-US" altLang="en-US" sz="1400" b="0" i="0" u="none" strike="noStrike" cap="none" normalizeH="0" baseline="0" dirty="0" smtClean="0">
-                <a:ln>
-                  <a:noFill/>
-                </a:ln>
-                <a:solidFill>
-                  <a:srgbClr val="006600"/>
-                </a:solidFill>
-                <a:effectLst/>
-                <a:latin typeface="Consolas" panose="020B0609020204030204" pitchFamily="49" charset="0"/>
-              </a:rPr>
-            </a:br>
-            <a:r>
-              <a:rPr kumimoji="0" lang="en-US" altLang="en-US" sz="1400" b="0" i="0" u="none" strike="noStrike" cap="none" normalizeH="0" baseline="0" dirty="0" smtClean="0">
-                <a:ln>
-                  <a:noFill/>
-                </a:ln>
-                <a:solidFill>
-                  <a:srgbClr val="006600"/>
-                </a:solidFill>
-                <a:effectLst/>
-                <a:latin typeface="Consolas" panose="020B0609020204030204" pitchFamily="49" charset="0"/>
-              </a:rPr>
-              <a:t> * Handle the transfer of data between a server and an</a:t>
-            </a:r>
-            <a:br>
-              <a:rPr kumimoji="0" lang="en-US" altLang="en-US" sz="1400" b="0" i="0" u="none" strike="noStrike" cap="none" normalizeH="0" baseline="0" dirty="0" smtClean="0">
-                <a:ln>
-                  <a:noFill/>
-                </a:ln>
-                <a:solidFill>
-                  <a:srgbClr val="006600"/>
-                </a:solidFill>
-                <a:effectLst/>
-                <a:latin typeface="Consolas" panose="020B0609020204030204" pitchFamily="49" charset="0"/>
-              </a:rPr>
-            </a:br>
-            <a:r>
-              <a:rPr kumimoji="0" lang="en-US" altLang="en-US" sz="1400" b="0" i="0" u="none" strike="noStrike" cap="none" normalizeH="0" baseline="0" dirty="0" smtClean="0">
-                <a:ln>
-                  <a:noFill/>
-                </a:ln>
-                <a:solidFill>
-                  <a:srgbClr val="006600"/>
-                </a:solidFill>
-                <a:effectLst/>
-                <a:latin typeface="Consolas" panose="020B0609020204030204" pitchFamily="49" charset="0"/>
-              </a:rPr>
-              <a:t> * app, using the Android sync adapter framework.</a:t>
-            </a:r>
-            <a:br>
-              <a:rPr kumimoji="0" lang="en-US" altLang="en-US" sz="1400" b="0" i="0" u="none" strike="noStrike" cap="none" normalizeH="0" baseline="0" dirty="0" smtClean="0">
-                <a:ln>
-                  <a:noFill/>
-                </a:ln>
-                <a:solidFill>
-                  <a:srgbClr val="006600"/>
-                </a:solidFill>
-                <a:effectLst/>
-                <a:latin typeface="Consolas" panose="020B0609020204030204" pitchFamily="49" charset="0"/>
-              </a:rPr>
-            </a:br>
-            <a:r>
-              <a:rPr kumimoji="0" lang="en-US" altLang="en-US" sz="1400" b="0" i="0" u="none" strike="noStrike" cap="none" normalizeH="0" baseline="0" dirty="0" smtClean="0">
-                <a:ln>
-                  <a:noFill/>
-                </a:ln>
-                <a:solidFill>
-                  <a:srgbClr val="006600"/>
-                </a:solidFill>
-                <a:effectLst/>
-                <a:latin typeface="Consolas" panose="020B0609020204030204" pitchFamily="49" charset="0"/>
-              </a:rPr>
-              <a:t> */</a:t>
-            </a:r>
-            <a:r>
-              <a:rPr kumimoji="0" lang="en-US" altLang="en-US" sz="1400" b="0" i="0" u="none" strike="noStrike" cap="none" normalizeH="0" baseline="0" dirty="0" smtClean="0">
-                <a:ln>
-                  <a:noFill/>
-                </a:ln>
-                <a:solidFill>
-                  <a:srgbClr val="000000"/>
-                </a:solidFill>
-                <a:effectLst/>
-                <a:latin typeface="Consolas" panose="020B0609020204030204" pitchFamily="49" charset="0"/>
-              </a:rPr>
-              <a:t/>
-            </a:r>
-            <a:br>
-              <a:rPr kumimoji="0" lang="en-US" altLang="en-US" sz="1400" b="0" i="0" u="none" strike="noStrike" cap="none" normalizeH="0" baseline="0" dirty="0" smtClean="0">
-                <a:ln>
-                  <a:noFill/>
-                </a:ln>
-                <a:solidFill>
-                  <a:srgbClr val="000000"/>
-                </a:solidFill>
-                <a:effectLst/>
-                <a:latin typeface="Consolas" panose="020B0609020204030204" pitchFamily="49" charset="0"/>
-              </a:rPr>
-            </a:br>
-            <a:r>
-              <a:rPr kumimoji="0" lang="en-US" altLang="en-US" sz="1400" b="0" i="0" u="none" strike="noStrike" cap="none" normalizeH="0" baseline="0" dirty="0" smtClean="0">
-                <a:ln>
-                  <a:noFill/>
-                </a:ln>
-                <a:solidFill>
-                  <a:srgbClr val="000088"/>
-                </a:solidFill>
-                <a:effectLst/>
-                <a:latin typeface="Consolas" panose="020B0609020204030204" pitchFamily="49" charset="0"/>
-              </a:rPr>
-              <a:t>public</a:t>
-            </a:r>
-            <a:r>
-              <a:rPr kumimoji="0" lang="en-US" altLang="en-US" sz="1400" b="0" i="0" u="none" strike="noStrike" cap="none" normalizeH="0" baseline="0" dirty="0" smtClean="0">
-                <a:ln>
-                  <a:noFill/>
-                </a:ln>
-                <a:solidFill>
-                  <a:srgbClr val="000000"/>
-                </a:solidFill>
-                <a:effectLst/>
-                <a:latin typeface="Consolas" panose="020B0609020204030204" pitchFamily="49" charset="0"/>
-              </a:rPr>
-              <a:t> </a:t>
-            </a:r>
-            <a:r>
-              <a:rPr kumimoji="0" lang="en-US" altLang="en-US" sz="1400" b="0" i="0" u="none" strike="noStrike" cap="none" normalizeH="0" baseline="0" dirty="0" smtClean="0">
-                <a:ln>
-                  <a:noFill/>
-                </a:ln>
-                <a:solidFill>
-                  <a:srgbClr val="000088"/>
-                </a:solidFill>
-                <a:effectLst/>
-                <a:latin typeface="Consolas" panose="020B0609020204030204" pitchFamily="49" charset="0"/>
-              </a:rPr>
-              <a:t>class</a:t>
-            </a:r>
-            <a:r>
-              <a:rPr kumimoji="0" lang="en-US" altLang="en-US" sz="1400" b="0" i="0" u="none" strike="noStrike" cap="none" normalizeH="0" baseline="0" dirty="0" smtClean="0">
-                <a:ln>
-                  <a:noFill/>
-                </a:ln>
-                <a:solidFill>
-                  <a:srgbClr val="000000"/>
-                </a:solidFill>
-                <a:effectLst/>
-                <a:latin typeface="Consolas" panose="020B0609020204030204" pitchFamily="49" charset="0"/>
-              </a:rPr>
-              <a:t> </a:t>
-            </a:r>
-            <a:r>
-              <a:rPr kumimoji="0" lang="en-US" altLang="en-US" sz="1400" b="0" i="0" u="none" strike="noStrike" cap="none" normalizeH="0" baseline="0" dirty="0" err="1" smtClean="0">
-                <a:ln>
-                  <a:noFill/>
-                </a:ln>
-                <a:solidFill>
-                  <a:srgbClr val="660066"/>
-                </a:solidFill>
-                <a:effectLst/>
-                <a:latin typeface="Consolas" panose="020B0609020204030204" pitchFamily="49" charset="0"/>
-              </a:rPr>
-              <a:t>SyncAdapter</a:t>
-            </a:r>
-            <a:r>
-              <a:rPr kumimoji="0" lang="en-US" altLang="en-US" sz="1400" b="0" i="0" u="none" strike="noStrike" cap="none" normalizeH="0" baseline="0" dirty="0" smtClean="0">
-                <a:ln>
-                  <a:noFill/>
-                </a:ln>
-                <a:solidFill>
-                  <a:srgbClr val="000000"/>
-                </a:solidFill>
-                <a:effectLst/>
-                <a:latin typeface="Consolas" panose="020B0609020204030204" pitchFamily="49" charset="0"/>
-              </a:rPr>
-              <a:t> </a:t>
-            </a:r>
-            <a:r>
-              <a:rPr kumimoji="0" lang="en-US" altLang="en-US" sz="1400" b="0" i="0" u="none" strike="noStrike" cap="none" normalizeH="0" baseline="0" dirty="0" smtClean="0">
-                <a:ln>
-                  <a:noFill/>
-                </a:ln>
-                <a:solidFill>
-                  <a:srgbClr val="000088"/>
-                </a:solidFill>
-                <a:effectLst/>
-                <a:latin typeface="Consolas" panose="020B0609020204030204" pitchFamily="49" charset="0"/>
-              </a:rPr>
-              <a:t>extends</a:t>
-            </a:r>
-            <a:r>
-              <a:rPr kumimoji="0" lang="en-US" altLang="en-US" sz="1400" b="0" i="0" u="none" strike="noStrike" cap="none" normalizeH="0" baseline="0" dirty="0" smtClean="0">
-                <a:ln>
-                  <a:noFill/>
-                </a:ln>
-                <a:solidFill>
-                  <a:srgbClr val="000000"/>
-                </a:solidFill>
-                <a:effectLst/>
-                <a:latin typeface="Consolas" panose="020B0609020204030204" pitchFamily="49" charset="0"/>
-              </a:rPr>
-              <a:t> </a:t>
-            </a:r>
-            <a:r>
-              <a:rPr kumimoji="0" lang="en-US" altLang="en-US" sz="1400" b="0" i="0" u="none" strike="noStrike" cap="none" normalizeH="0" baseline="0" dirty="0" err="1" smtClean="0">
-                <a:ln>
-                  <a:noFill/>
-                </a:ln>
-                <a:solidFill>
-                  <a:srgbClr val="660066"/>
-                </a:solidFill>
-                <a:effectLst/>
-                <a:latin typeface="Consolas" panose="020B0609020204030204" pitchFamily="49" charset="0"/>
-              </a:rPr>
-              <a:t>AbstractThreadedSyncAdapter</a:t>
-            </a:r>
-            <a:r>
-              <a:rPr kumimoji="0" lang="en-US" altLang="en-US" sz="1400" b="0" i="0" u="none" strike="noStrike" cap="none" normalizeH="0" baseline="0" dirty="0" smtClean="0">
-                <a:ln>
-                  <a:noFill/>
-                </a:ln>
-                <a:solidFill>
-                  <a:srgbClr val="000000"/>
-                </a:solidFill>
-                <a:effectLst/>
-                <a:latin typeface="Consolas" panose="020B0609020204030204" pitchFamily="49" charset="0"/>
-              </a:rPr>
-              <a:t> </a:t>
-            </a:r>
-            <a:r>
-              <a:rPr kumimoji="0" lang="en-US" altLang="en-US" sz="1400" b="0" i="0" u="none" strike="noStrike" cap="none" normalizeH="0" baseline="0" dirty="0" smtClean="0">
-                <a:ln>
-                  <a:noFill/>
-                </a:ln>
-                <a:solidFill>
-                  <a:srgbClr val="666600"/>
-                </a:solidFill>
-                <a:effectLst/>
-                <a:latin typeface="Consolas" panose="020B0609020204030204" pitchFamily="49" charset="0"/>
-              </a:rPr>
-              <a:t>{</a:t>
-            </a:r>
-            <a:endParaRPr kumimoji="0" lang="en-US" altLang="en-US" sz="1400" b="0" i="0" u="none" strike="noStrike" cap="none" normalizeH="0" baseline="0" dirty="0" smtClean="0">
-              <a:ln>
-                <a:noFill/>
-              </a:ln>
-              <a:solidFill>
-                <a:schemeClr val="tx1"/>
-              </a:solidFill>
-              <a:effectLst/>
-              <a:latin typeface="Consolas" panose="020B0609020204030204" pitchFamily="49" charset="0"/>
-            </a:endParaRPr>
-          </a:p>
-          <a:p>
-            <a:pPr marL="0" indent="0" eaLnBrk="0" fontAlgn="base" hangingPunct="0">
-              <a:spcBef>
-                <a:spcPct val="0"/>
-              </a:spcBef>
-              <a:spcAft>
-                <a:spcPct val="0"/>
-              </a:spcAft>
-              <a:buNone/>
-            </a:pPr>
-            <a:r>
-              <a:rPr lang="en-US" altLang="en-US" sz="1400" dirty="0" smtClean="0">
-                <a:solidFill>
-                  <a:srgbClr val="006600"/>
-                </a:solidFill>
-                <a:latin typeface="Consolas" panose="020B0609020204030204" pitchFamily="49" charset="0"/>
-              </a:rPr>
-              <a:t>    /**</a:t>
-            </a:r>
-            <a:r>
-              <a:rPr lang="en-US" altLang="en-US" sz="1400" dirty="0">
-                <a:solidFill>
-                  <a:srgbClr val="006600"/>
-                </a:solidFill>
-                <a:latin typeface="Consolas" panose="020B0609020204030204" pitchFamily="49" charset="0"/>
-              </a:rPr>
-              <a:t/>
-            </a:r>
-            <a:br>
-              <a:rPr lang="en-US" altLang="en-US" sz="1400" dirty="0">
-                <a:solidFill>
-                  <a:srgbClr val="006600"/>
-                </a:solidFill>
-                <a:latin typeface="Consolas" panose="020B0609020204030204" pitchFamily="49" charset="0"/>
-              </a:rPr>
-            </a:br>
-            <a:r>
-              <a:rPr lang="en-US" altLang="en-US" sz="1400" dirty="0">
-                <a:solidFill>
-                  <a:srgbClr val="006600"/>
-                </a:solidFill>
-                <a:latin typeface="Consolas" panose="020B0609020204030204" pitchFamily="49" charset="0"/>
-              </a:rPr>
-              <a:t>     * Set up the sync adapter</a:t>
-            </a:r>
-            <a:br>
-              <a:rPr lang="en-US" altLang="en-US" sz="1400" dirty="0">
-                <a:solidFill>
-                  <a:srgbClr val="006600"/>
-                </a:solidFill>
-                <a:latin typeface="Consolas" panose="020B0609020204030204" pitchFamily="49" charset="0"/>
-              </a:rPr>
-            </a:br>
-            <a:r>
-              <a:rPr lang="en-US" altLang="en-US" sz="1400" dirty="0">
-                <a:solidFill>
-                  <a:srgbClr val="006600"/>
-                </a:solidFill>
-                <a:latin typeface="Consolas" panose="020B0609020204030204" pitchFamily="49" charset="0"/>
-              </a:rPr>
-              <a:t>     */</a:t>
-            </a:r>
-            <a:r>
-              <a:rPr lang="en-US" altLang="en-US" sz="1400" dirty="0">
-                <a:solidFill>
-                  <a:srgbClr val="000000"/>
-                </a:solidFill>
-                <a:latin typeface="Consolas" panose="020B0609020204030204" pitchFamily="49" charset="0"/>
-              </a:rPr>
-              <a:t/>
-            </a:r>
-            <a:br>
-              <a:rPr lang="en-US" altLang="en-US" sz="1400" dirty="0">
-                <a:solidFill>
-                  <a:srgbClr val="000000"/>
-                </a:solidFill>
-                <a:latin typeface="Consolas" panose="020B0609020204030204" pitchFamily="49" charset="0"/>
-              </a:rPr>
-            </a:br>
-            <a:r>
-              <a:rPr lang="en-US" altLang="en-US" sz="1400" dirty="0">
-                <a:solidFill>
-                  <a:srgbClr val="000000"/>
-                </a:solidFill>
-                <a:latin typeface="Consolas" panose="020B0609020204030204" pitchFamily="49" charset="0"/>
-              </a:rPr>
-              <a:t>    </a:t>
-            </a:r>
-            <a:r>
-              <a:rPr lang="en-US" altLang="en-US" sz="1400" dirty="0">
-                <a:solidFill>
-                  <a:srgbClr val="000088"/>
-                </a:solidFill>
-                <a:latin typeface="Consolas" panose="020B0609020204030204" pitchFamily="49" charset="0"/>
-              </a:rPr>
-              <a:t>public</a:t>
-            </a:r>
-            <a:r>
-              <a:rPr lang="en-US" altLang="en-US" sz="1400" dirty="0">
-                <a:solidFill>
-                  <a:srgbClr val="000000"/>
-                </a:solidFill>
-                <a:latin typeface="Consolas" panose="020B0609020204030204" pitchFamily="49" charset="0"/>
-              </a:rPr>
-              <a:t> </a:t>
-            </a:r>
-            <a:r>
-              <a:rPr lang="en-US" altLang="en-US" sz="1400" dirty="0" err="1">
-                <a:solidFill>
-                  <a:srgbClr val="660066"/>
-                </a:solidFill>
-                <a:latin typeface="Consolas" panose="020B0609020204030204" pitchFamily="49" charset="0"/>
-              </a:rPr>
-              <a:t>SyncAdapter</a:t>
-            </a:r>
-            <a:r>
-              <a:rPr lang="en-US" altLang="en-US" sz="1400" dirty="0">
-                <a:solidFill>
-                  <a:srgbClr val="666600"/>
-                </a:solidFill>
-                <a:latin typeface="Consolas" panose="020B0609020204030204" pitchFamily="49" charset="0"/>
-              </a:rPr>
-              <a:t>(</a:t>
-            </a:r>
-            <a:r>
-              <a:rPr lang="en-US" altLang="en-US" sz="1400" dirty="0">
-                <a:solidFill>
-                  <a:srgbClr val="660066"/>
-                </a:solidFill>
-                <a:latin typeface="Consolas" panose="020B0609020204030204" pitchFamily="49" charset="0"/>
-              </a:rPr>
-              <a:t>Context</a:t>
-            </a:r>
-            <a:r>
-              <a:rPr lang="en-US" altLang="en-US" sz="1400" dirty="0">
-                <a:solidFill>
-                  <a:srgbClr val="000000"/>
-                </a:solidFill>
-                <a:latin typeface="Consolas" panose="020B0609020204030204" pitchFamily="49" charset="0"/>
-              </a:rPr>
-              <a:t> </a:t>
-            </a:r>
-            <a:r>
-              <a:rPr lang="en-US" altLang="en-US" sz="1400" dirty="0" err="1">
-                <a:solidFill>
-                  <a:srgbClr val="000000"/>
-                </a:solidFill>
-                <a:latin typeface="Consolas" panose="020B0609020204030204" pitchFamily="49" charset="0"/>
-              </a:rPr>
-              <a:t>context</a:t>
-            </a:r>
-            <a:r>
-              <a:rPr lang="en-US" altLang="en-US" sz="1400" dirty="0">
-                <a:solidFill>
-                  <a:srgbClr val="666600"/>
-                </a:solidFill>
-                <a:latin typeface="Consolas" panose="020B0609020204030204" pitchFamily="49" charset="0"/>
-              </a:rPr>
-              <a:t>,</a:t>
-            </a:r>
-            <a:r>
-              <a:rPr lang="en-US" altLang="en-US" sz="1400" dirty="0">
-                <a:solidFill>
-                  <a:srgbClr val="000000"/>
-                </a:solidFill>
-                <a:latin typeface="Consolas" panose="020B0609020204030204" pitchFamily="49" charset="0"/>
-              </a:rPr>
-              <a:t> </a:t>
-            </a:r>
-            <a:r>
-              <a:rPr lang="en-US" altLang="en-US" sz="1400" dirty="0" err="1">
-                <a:solidFill>
-                  <a:srgbClr val="000088"/>
-                </a:solidFill>
-                <a:latin typeface="Consolas" panose="020B0609020204030204" pitchFamily="49" charset="0"/>
-              </a:rPr>
-              <a:t>boolean</a:t>
-            </a:r>
-            <a:r>
-              <a:rPr lang="en-US" altLang="en-US" sz="1400" dirty="0">
-                <a:solidFill>
-                  <a:srgbClr val="000000"/>
-                </a:solidFill>
-                <a:latin typeface="Consolas" panose="020B0609020204030204" pitchFamily="49" charset="0"/>
-              </a:rPr>
-              <a:t> </a:t>
-            </a:r>
-            <a:r>
-              <a:rPr lang="en-US" altLang="en-US" sz="1400" dirty="0" err="1">
-                <a:solidFill>
-                  <a:srgbClr val="000000"/>
-                </a:solidFill>
-                <a:latin typeface="Consolas" panose="020B0609020204030204" pitchFamily="49" charset="0"/>
-              </a:rPr>
-              <a:t>autoInitialize</a:t>
-            </a:r>
-            <a:r>
-              <a:rPr lang="en-US" altLang="en-US" sz="1400" dirty="0">
-                <a:solidFill>
-                  <a:srgbClr val="666600"/>
-                </a:solidFill>
-                <a:latin typeface="Consolas" panose="020B0609020204030204" pitchFamily="49" charset="0"/>
-              </a:rPr>
-              <a:t>)</a:t>
-            </a:r>
-            <a:r>
-              <a:rPr lang="en-US" altLang="en-US" sz="1400" dirty="0">
-                <a:solidFill>
-                  <a:srgbClr val="000000"/>
-                </a:solidFill>
-                <a:latin typeface="Consolas" panose="020B0609020204030204" pitchFamily="49" charset="0"/>
-              </a:rPr>
-              <a:t> </a:t>
-            </a:r>
-            <a:r>
-              <a:rPr lang="en-US" altLang="en-US" sz="1400" dirty="0" smtClean="0">
-                <a:solidFill>
-                  <a:srgbClr val="666600"/>
-                </a:solidFill>
-                <a:latin typeface="Consolas" panose="020B0609020204030204" pitchFamily="49" charset="0"/>
-              </a:rPr>
-              <a:t>{</a:t>
-            </a:r>
-          </a:p>
-          <a:p>
-            <a:pPr marL="0" lvl="0" indent="0" eaLnBrk="0" fontAlgn="base" hangingPunct="0">
-              <a:spcBef>
-                <a:spcPct val="0"/>
-              </a:spcBef>
-              <a:spcAft>
-                <a:spcPct val="0"/>
-              </a:spcAft>
-              <a:buNone/>
-            </a:pPr>
-            <a:r>
-              <a:rPr lang="en-US" altLang="en-US" sz="1400" dirty="0" smtClean="0">
-                <a:solidFill>
-                  <a:srgbClr val="000088"/>
-                </a:solidFill>
-                <a:latin typeface="Consolas" panose="020B0609020204030204" pitchFamily="49" charset="0"/>
-              </a:rPr>
-              <a:t>        super</a:t>
-            </a:r>
-            <a:r>
-              <a:rPr lang="en-US" altLang="en-US" sz="1400" dirty="0" smtClean="0">
-                <a:solidFill>
-                  <a:srgbClr val="666600"/>
-                </a:solidFill>
-                <a:latin typeface="Consolas" panose="020B0609020204030204" pitchFamily="49" charset="0"/>
-              </a:rPr>
-              <a:t>(</a:t>
-            </a:r>
-            <a:r>
-              <a:rPr lang="en-US" altLang="en-US" sz="1400" dirty="0" smtClean="0">
-                <a:solidFill>
-                  <a:srgbClr val="000000"/>
-                </a:solidFill>
-                <a:latin typeface="Consolas" panose="020B0609020204030204" pitchFamily="49" charset="0"/>
-              </a:rPr>
-              <a:t>context</a:t>
-            </a:r>
-            <a:r>
-              <a:rPr lang="en-US" altLang="en-US" sz="1400" dirty="0">
-                <a:solidFill>
-                  <a:srgbClr val="666600"/>
-                </a:solidFill>
-                <a:latin typeface="Consolas" panose="020B0609020204030204" pitchFamily="49" charset="0"/>
-              </a:rPr>
-              <a:t>,</a:t>
-            </a:r>
-            <a:r>
-              <a:rPr lang="en-US" altLang="en-US" sz="1400" dirty="0">
-                <a:solidFill>
-                  <a:srgbClr val="000000"/>
-                </a:solidFill>
-                <a:latin typeface="Consolas" panose="020B0609020204030204" pitchFamily="49" charset="0"/>
-              </a:rPr>
-              <a:t> </a:t>
-            </a:r>
-            <a:r>
-              <a:rPr lang="en-US" altLang="en-US" sz="1400" dirty="0" err="1">
-                <a:solidFill>
-                  <a:srgbClr val="000000"/>
-                </a:solidFill>
-                <a:latin typeface="Consolas" panose="020B0609020204030204" pitchFamily="49" charset="0"/>
-              </a:rPr>
-              <a:t>autoInitialize</a:t>
-            </a:r>
-            <a:r>
-              <a:rPr lang="en-US" altLang="en-US" sz="1400" dirty="0" smtClean="0">
-                <a:solidFill>
-                  <a:srgbClr val="666600"/>
-                </a:solidFill>
-                <a:latin typeface="Consolas" panose="020B0609020204030204" pitchFamily="49" charset="0"/>
-              </a:rPr>
-              <a:t>);</a:t>
-            </a:r>
-          </a:p>
-          <a:p>
-            <a:pPr marL="0" indent="0" eaLnBrk="0" fontAlgn="base" hangingPunct="0">
-              <a:spcBef>
-                <a:spcPct val="0"/>
-              </a:spcBef>
-              <a:spcAft>
-                <a:spcPct val="0"/>
-              </a:spcAft>
-              <a:buNone/>
-            </a:pPr>
-            <a:r>
-              <a:rPr lang="en-US" altLang="en-US" sz="1400" dirty="0">
-                <a:solidFill>
-                  <a:srgbClr val="666600"/>
-                </a:solidFill>
-                <a:latin typeface="Consolas" panose="020B0609020204030204" pitchFamily="49" charset="0"/>
-              </a:rPr>
-              <a:t> </a:t>
-            </a:r>
-            <a:r>
-              <a:rPr lang="en-US" altLang="en-US" sz="1400" dirty="0" smtClean="0">
-                <a:solidFill>
-                  <a:srgbClr val="666600"/>
-                </a:solidFill>
-                <a:latin typeface="Consolas" panose="020B0609020204030204" pitchFamily="49" charset="0"/>
-              </a:rPr>
-              <a:t>   }</a:t>
-            </a:r>
-          </a:p>
-          <a:p>
-            <a:pPr marL="0" indent="0" eaLnBrk="0" fontAlgn="base" hangingPunct="0">
-              <a:spcBef>
-                <a:spcPct val="0"/>
-              </a:spcBef>
-              <a:spcAft>
-                <a:spcPct val="0"/>
-              </a:spcAft>
-              <a:buNone/>
-            </a:pPr>
-            <a:endParaRPr lang="en-US" altLang="en-US" sz="1400" dirty="0" smtClean="0">
-              <a:solidFill>
-                <a:schemeClr val="tx1"/>
-              </a:solidFill>
-              <a:latin typeface="Consolas" panose="020B0609020204030204" pitchFamily="49" charset="0"/>
-            </a:endParaRPr>
-          </a:p>
-          <a:p>
-            <a:pPr marL="0" lvl="0" indent="0" eaLnBrk="0" fontAlgn="base" hangingPunct="0">
-              <a:spcBef>
-                <a:spcPct val="0"/>
-              </a:spcBef>
-              <a:spcAft>
-                <a:spcPct val="0"/>
-              </a:spcAft>
-              <a:buNone/>
-            </a:pPr>
-            <a:r>
-              <a:rPr lang="en-US" altLang="en-US" sz="1400" dirty="0" smtClean="0">
-                <a:solidFill>
-                  <a:srgbClr val="000088"/>
-                </a:solidFill>
-                <a:latin typeface="Consolas" panose="020B0609020204030204" pitchFamily="49" charset="0"/>
-              </a:rPr>
-              <a:t>    public</a:t>
-            </a:r>
-            <a:r>
-              <a:rPr lang="en-US" altLang="en-US" sz="1400" dirty="0" smtClean="0">
-                <a:solidFill>
-                  <a:srgbClr val="000000"/>
-                </a:solidFill>
-                <a:latin typeface="Consolas" panose="020B0609020204030204" pitchFamily="49" charset="0"/>
-              </a:rPr>
-              <a:t> </a:t>
-            </a:r>
-            <a:r>
-              <a:rPr lang="en-US" altLang="en-US" sz="1400" dirty="0" err="1">
-                <a:solidFill>
-                  <a:srgbClr val="660066"/>
-                </a:solidFill>
-                <a:latin typeface="Consolas" panose="020B0609020204030204" pitchFamily="49" charset="0"/>
-              </a:rPr>
-              <a:t>SyncAdapter</a:t>
-            </a:r>
-            <a:r>
-              <a:rPr lang="en-US" altLang="en-US" sz="1400" dirty="0">
-                <a:solidFill>
-                  <a:srgbClr val="666600"/>
-                </a:solidFill>
-                <a:latin typeface="Consolas" panose="020B0609020204030204" pitchFamily="49" charset="0"/>
-              </a:rPr>
-              <a:t>(</a:t>
-            </a:r>
-            <a:r>
-              <a:rPr lang="en-US" altLang="en-US" sz="1400" dirty="0">
-                <a:solidFill>
-                  <a:srgbClr val="000000"/>
-                </a:solidFill>
-                <a:latin typeface="Consolas" panose="020B0609020204030204" pitchFamily="49" charset="0"/>
-              </a:rPr>
-              <a:t/>
-            </a:r>
-            <a:br>
-              <a:rPr lang="en-US" altLang="en-US" sz="1400" dirty="0">
-                <a:solidFill>
-                  <a:srgbClr val="000000"/>
-                </a:solidFill>
-                <a:latin typeface="Consolas" panose="020B0609020204030204" pitchFamily="49" charset="0"/>
-              </a:rPr>
-            </a:br>
-            <a:r>
-              <a:rPr lang="en-US" altLang="en-US" sz="1400" dirty="0">
-                <a:solidFill>
-                  <a:srgbClr val="000000"/>
-                </a:solidFill>
-                <a:latin typeface="Consolas" panose="020B0609020204030204" pitchFamily="49" charset="0"/>
-              </a:rPr>
-              <a:t>            </a:t>
-            </a:r>
-            <a:r>
-              <a:rPr lang="en-US" altLang="en-US" sz="1400" dirty="0">
-                <a:solidFill>
-                  <a:srgbClr val="660066"/>
-                </a:solidFill>
-                <a:latin typeface="Consolas" panose="020B0609020204030204" pitchFamily="49" charset="0"/>
-              </a:rPr>
-              <a:t>Context</a:t>
-            </a:r>
-            <a:r>
-              <a:rPr lang="en-US" altLang="en-US" sz="1400" dirty="0">
-                <a:solidFill>
-                  <a:srgbClr val="000000"/>
-                </a:solidFill>
-                <a:latin typeface="Consolas" panose="020B0609020204030204" pitchFamily="49" charset="0"/>
-              </a:rPr>
-              <a:t> </a:t>
-            </a:r>
-            <a:r>
-              <a:rPr lang="en-US" altLang="en-US" sz="1400" dirty="0" err="1">
-                <a:solidFill>
-                  <a:srgbClr val="000000"/>
-                </a:solidFill>
-                <a:latin typeface="Consolas" panose="020B0609020204030204" pitchFamily="49" charset="0"/>
-              </a:rPr>
-              <a:t>context</a:t>
-            </a:r>
-            <a:r>
-              <a:rPr lang="en-US" altLang="en-US" sz="1400" dirty="0">
-                <a:solidFill>
-                  <a:srgbClr val="666600"/>
-                </a:solidFill>
-                <a:latin typeface="Consolas" panose="020B0609020204030204" pitchFamily="49" charset="0"/>
-              </a:rPr>
-              <a:t>,</a:t>
-            </a:r>
-            <a:r>
-              <a:rPr lang="en-US" altLang="en-US" sz="1400" dirty="0">
-                <a:solidFill>
-                  <a:srgbClr val="000000"/>
-                </a:solidFill>
-                <a:latin typeface="Consolas" panose="020B0609020204030204" pitchFamily="49" charset="0"/>
-              </a:rPr>
-              <a:t/>
-            </a:r>
-            <a:br>
-              <a:rPr lang="en-US" altLang="en-US" sz="1400" dirty="0">
-                <a:solidFill>
-                  <a:srgbClr val="000000"/>
-                </a:solidFill>
-                <a:latin typeface="Consolas" panose="020B0609020204030204" pitchFamily="49" charset="0"/>
-              </a:rPr>
-            </a:br>
-            <a:r>
-              <a:rPr lang="en-US" altLang="en-US" sz="1400" dirty="0">
-                <a:solidFill>
-                  <a:srgbClr val="000000"/>
-                </a:solidFill>
-                <a:latin typeface="Consolas" panose="020B0609020204030204" pitchFamily="49" charset="0"/>
-              </a:rPr>
-              <a:t>            </a:t>
-            </a:r>
-            <a:r>
-              <a:rPr lang="en-US" altLang="en-US" sz="1400" dirty="0" err="1">
-                <a:solidFill>
-                  <a:srgbClr val="000088"/>
-                </a:solidFill>
-                <a:latin typeface="Consolas" panose="020B0609020204030204" pitchFamily="49" charset="0"/>
-              </a:rPr>
-              <a:t>boolean</a:t>
-            </a:r>
-            <a:r>
-              <a:rPr lang="en-US" altLang="en-US" sz="1400" dirty="0">
-                <a:solidFill>
-                  <a:srgbClr val="000000"/>
-                </a:solidFill>
-                <a:latin typeface="Consolas" panose="020B0609020204030204" pitchFamily="49" charset="0"/>
-              </a:rPr>
-              <a:t> </a:t>
-            </a:r>
-            <a:r>
-              <a:rPr lang="en-US" altLang="en-US" sz="1400" dirty="0" err="1">
-                <a:solidFill>
-                  <a:srgbClr val="000000"/>
-                </a:solidFill>
-                <a:latin typeface="Consolas" panose="020B0609020204030204" pitchFamily="49" charset="0"/>
-              </a:rPr>
-              <a:t>autoInitialize</a:t>
-            </a:r>
-            <a:r>
-              <a:rPr lang="en-US" altLang="en-US" sz="1400" dirty="0">
-                <a:solidFill>
-                  <a:srgbClr val="666600"/>
-                </a:solidFill>
-                <a:latin typeface="Consolas" panose="020B0609020204030204" pitchFamily="49" charset="0"/>
-              </a:rPr>
-              <a:t>,</a:t>
-            </a:r>
-            <a:r>
-              <a:rPr lang="en-US" altLang="en-US" sz="1400" dirty="0">
-                <a:solidFill>
-                  <a:srgbClr val="000000"/>
-                </a:solidFill>
-                <a:latin typeface="Consolas" panose="020B0609020204030204" pitchFamily="49" charset="0"/>
-              </a:rPr>
-              <a:t/>
-            </a:r>
-            <a:br>
-              <a:rPr lang="en-US" altLang="en-US" sz="1400" dirty="0">
-                <a:solidFill>
-                  <a:srgbClr val="000000"/>
-                </a:solidFill>
-                <a:latin typeface="Consolas" panose="020B0609020204030204" pitchFamily="49" charset="0"/>
-              </a:rPr>
-            </a:br>
-            <a:r>
-              <a:rPr lang="en-US" altLang="en-US" sz="1400" dirty="0">
-                <a:solidFill>
-                  <a:srgbClr val="000000"/>
-                </a:solidFill>
-                <a:latin typeface="Consolas" panose="020B0609020204030204" pitchFamily="49" charset="0"/>
-              </a:rPr>
-              <a:t>            </a:t>
-            </a:r>
-            <a:r>
-              <a:rPr lang="en-US" altLang="en-US" sz="1400" dirty="0" err="1">
-                <a:solidFill>
-                  <a:srgbClr val="000088"/>
-                </a:solidFill>
-                <a:latin typeface="Consolas" panose="020B0609020204030204" pitchFamily="49" charset="0"/>
-              </a:rPr>
-              <a:t>boolean</a:t>
-            </a:r>
-            <a:r>
-              <a:rPr lang="en-US" altLang="en-US" sz="1400" dirty="0">
-                <a:solidFill>
-                  <a:srgbClr val="000000"/>
-                </a:solidFill>
-                <a:latin typeface="Consolas" panose="020B0609020204030204" pitchFamily="49" charset="0"/>
-              </a:rPr>
-              <a:t> </a:t>
-            </a:r>
-            <a:r>
-              <a:rPr lang="en-US" altLang="en-US" sz="1400" dirty="0" err="1">
-                <a:solidFill>
-                  <a:srgbClr val="000000"/>
-                </a:solidFill>
-                <a:latin typeface="Consolas" panose="020B0609020204030204" pitchFamily="49" charset="0"/>
-              </a:rPr>
-              <a:t>allowParallelSyncs</a:t>
-            </a:r>
-            <a:r>
-              <a:rPr lang="en-US" altLang="en-US" sz="1400" dirty="0">
-                <a:solidFill>
-                  <a:srgbClr val="666600"/>
-                </a:solidFill>
-                <a:latin typeface="Consolas" panose="020B0609020204030204" pitchFamily="49" charset="0"/>
-              </a:rPr>
-              <a:t>)</a:t>
-            </a:r>
-            <a:r>
-              <a:rPr lang="en-US" altLang="en-US" sz="1400" dirty="0">
-                <a:solidFill>
-                  <a:srgbClr val="000000"/>
-                </a:solidFill>
-                <a:latin typeface="Consolas" panose="020B0609020204030204" pitchFamily="49" charset="0"/>
-              </a:rPr>
-              <a:t> </a:t>
-            </a:r>
-            <a:r>
-              <a:rPr lang="en-US" altLang="en-US" sz="1400" dirty="0">
-                <a:solidFill>
-                  <a:srgbClr val="666600"/>
-                </a:solidFill>
-                <a:latin typeface="Consolas" panose="020B0609020204030204" pitchFamily="49" charset="0"/>
-              </a:rPr>
-              <a:t>{</a:t>
-            </a:r>
-            <a:r>
-              <a:rPr lang="en-US" altLang="en-US" sz="1400" dirty="0">
-                <a:solidFill>
-                  <a:srgbClr val="000000"/>
-                </a:solidFill>
-                <a:latin typeface="Consolas" panose="020B0609020204030204" pitchFamily="49" charset="0"/>
-              </a:rPr>
-              <a:t/>
-            </a:r>
-            <a:br>
-              <a:rPr lang="en-US" altLang="en-US" sz="1400" dirty="0">
-                <a:solidFill>
-                  <a:srgbClr val="000000"/>
-                </a:solidFill>
-                <a:latin typeface="Consolas" panose="020B0609020204030204" pitchFamily="49" charset="0"/>
-              </a:rPr>
-            </a:br>
-            <a:r>
-              <a:rPr lang="en-US" altLang="en-US" sz="1400" dirty="0">
-                <a:solidFill>
-                  <a:srgbClr val="000000"/>
-                </a:solidFill>
-                <a:latin typeface="Consolas" panose="020B0609020204030204" pitchFamily="49" charset="0"/>
-              </a:rPr>
-              <a:t>        </a:t>
-            </a:r>
-            <a:r>
-              <a:rPr lang="en-US" altLang="en-US" sz="1400" dirty="0">
-                <a:solidFill>
-                  <a:srgbClr val="000088"/>
-                </a:solidFill>
-                <a:latin typeface="Consolas" panose="020B0609020204030204" pitchFamily="49" charset="0"/>
-              </a:rPr>
-              <a:t>super</a:t>
-            </a:r>
-            <a:r>
-              <a:rPr lang="en-US" altLang="en-US" sz="1400" dirty="0">
-                <a:solidFill>
-                  <a:srgbClr val="666600"/>
-                </a:solidFill>
-                <a:latin typeface="Consolas" panose="020B0609020204030204" pitchFamily="49" charset="0"/>
-              </a:rPr>
-              <a:t>(</a:t>
-            </a:r>
-            <a:r>
-              <a:rPr lang="en-US" altLang="en-US" sz="1400" dirty="0">
-                <a:solidFill>
-                  <a:srgbClr val="000000"/>
-                </a:solidFill>
-                <a:latin typeface="Consolas" panose="020B0609020204030204" pitchFamily="49" charset="0"/>
-              </a:rPr>
-              <a:t>context</a:t>
-            </a:r>
-            <a:r>
-              <a:rPr lang="en-US" altLang="en-US" sz="1400" dirty="0">
-                <a:solidFill>
-                  <a:srgbClr val="666600"/>
-                </a:solidFill>
-                <a:latin typeface="Consolas" panose="020B0609020204030204" pitchFamily="49" charset="0"/>
-              </a:rPr>
-              <a:t>,</a:t>
-            </a:r>
-            <a:r>
-              <a:rPr lang="en-US" altLang="en-US" sz="1400" dirty="0">
-                <a:solidFill>
-                  <a:srgbClr val="000000"/>
-                </a:solidFill>
-                <a:latin typeface="Consolas" panose="020B0609020204030204" pitchFamily="49" charset="0"/>
-              </a:rPr>
-              <a:t> </a:t>
-            </a:r>
-            <a:r>
-              <a:rPr lang="en-US" altLang="en-US" sz="1400" dirty="0" err="1">
-                <a:solidFill>
-                  <a:srgbClr val="000000"/>
-                </a:solidFill>
-                <a:latin typeface="Consolas" panose="020B0609020204030204" pitchFamily="49" charset="0"/>
-              </a:rPr>
-              <a:t>autoInitialize</a:t>
-            </a:r>
-            <a:r>
-              <a:rPr lang="en-US" altLang="en-US" sz="1400" dirty="0">
-                <a:solidFill>
-                  <a:srgbClr val="666600"/>
-                </a:solidFill>
-                <a:latin typeface="Consolas" panose="020B0609020204030204" pitchFamily="49" charset="0"/>
-              </a:rPr>
-              <a:t>,</a:t>
-            </a:r>
-            <a:r>
-              <a:rPr lang="en-US" altLang="en-US" sz="1400" dirty="0">
-                <a:solidFill>
-                  <a:srgbClr val="000000"/>
-                </a:solidFill>
-                <a:latin typeface="Consolas" panose="020B0609020204030204" pitchFamily="49" charset="0"/>
-              </a:rPr>
-              <a:t> </a:t>
-            </a:r>
-            <a:r>
-              <a:rPr lang="en-US" altLang="en-US" sz="1400" dirty="0" err="1">
-                <a:solidFill>
-                  <a:srgbClr val="000000"/>
-                </a:solidFill>
-                <a:latin typeface="Consolas" panose="020B0609020204030204" pitchFamily="49" charset="0"/>
-              </a:rPr>
-              <a:t>allowParallelSyncs</a:t>
-            </a:r>
-            <a:r>
-              <a:rPr lang="en-US" altLang="en-US" sz="1400" dirty="0" smtClean="0">
-                <a:solidFill>
-                  <a:srgbClr val="666600"/>
-                </a:solidFill>
-                <a:latin typeface="Consolas" panose="020B0609020204030204" pitchFamily="49" charset="0"/>
-              </a:rPr>
-              <a:t>);</a:t>
-            </a:r>
-            <a:endParaRPr lang="en-US" altLang="en-US" sz="1400" dirty="0" smtClean="0">
-              <a:solidFill>
-                <a:schemeClr val="tx1"/>
-              </a:solidFill>
-              <a:latin typeface="Consolas" panose="020B0609020204030204" pitchFamily="49" charset="0"/>
-            </a:endParaRPr>
-          </a:p>
-          <a:p>
-            <a:pPr marL="0" lvl="0" indent="0" eaLnBrk="0" fontAlgn="base" hangingPunct="0">
-              <a:spcBef>
-                <a:spcPct val="0"/>
-              </a:spcBef>
-              <a:spcAft>
-                <a:spcPct val="0"/>
-              </a:spcAft>
-              <a:buNone/>
-            </a:pPr>
-            <a:r>
-              <a:rPr lang="en-US" altLang="en-US" sz="1400" dirty="0" smtClean="0">
-                <a:solidFill>
-                  <a:srgbClr val="666600"/>
-                </a:solidFill>
-                <a:latin typeface="Consolas" panose="020B0609020204030204" pitchFamily="49" charset="0"/>
-              </a:rPr>
-              <a:t>    }</a:t>
-            </a:r>
-          </a:p>
-          <a:p>
-            <a:pPr marL="0" lvl="0" indent="0" eaLnBrk="0" fontAlgn="base" hangingPunct="0">
-              <a:spcBef>
-                <a:spcPct val="0"/>
-              </a:spcBef>
-              <a:spcAft>
-                <a:spcPct val="0"/>
-              </a:spcAft>
-              <a:buNone/>
-            </a:pPr>
-            <a:r>
-              <a:rPr lang="en-US" altLang="en-US" sz="1400" dirty="0" smtClean="0">
-                <a:solidFill>
-                  <a:srgbClr val="666600"/>
-                </a:solidFill>
-                <a:latin typeface="Consolas" panose="020B0609020204030204" pitchFamily="49" charset="0"/>
-              </a:rPr>
-              <a:t>}</a:t>
-            </a:r>
-            <a:endParaRPr lang="en-US" altLang="en-US" sz="1400" dirty="0">
-              <a:solidFill>
-                <a:schemeClr val="tx1"/>
-              </a:solidFill>
-              <a:latin typeface="Consolas" panose="020B0609020204030204" pitchFamily="49" charset="0"/>
-            </a:endParaRPr>
-          </a:p>
-        </p:txBody>
-      </p:sp>
-      <p:sp>
-        <p:nvSpPr>
-          <p:cNvPr id="7" name="Rectangle 3"/>
-          <p:cNvSpPr>
-            <a:spLocks noChangeArrowheads="1"/>
-          </p:cNvSpPr>
-          <p:nvPr/>
-        </p:nvSpPr>
-        <p:spPr bwMode="auto">
-          <a:xfrm>
-            <a:off x="0" y="9975"/>
-            <a:ext cx="65" cy="437249"/>
-          </a:xfrm>
-          <a:prstGeom prst="rect">
-            <a:avLst/>
-          </a:prstGeom>
-          <a:solidFill>
-            <a:srgbClr val="F7F7F7"/>
-          </a:solidFill>
-          <a:ln>
-            <a:noFill/>
-          </a:ln>
-          <a:effectLst/>
-          <a:extLst>
-            <a:ext uri="{91240B29-F687-4F45-9708-019B960494DF}">
-              <a14:hiddenLine xmlns:a14="http://schemas.microsoft.com/office/drawing/2010/main" w="9525">
-                <a:solidFill>
-                  <a:schemeClr val="tx1"/>
-                </a:solidFill>
-                <a:miter lim="800000"/>
-                <a:headEnd/>
-                <a:tailEnd/>
-              </a14:hiddenLine>
-            </a:ext>
-            <a:ext uri="{AF507438-7753-43E0-B8FC-AC1667EBCBE1}">
-              <a14:hiddenEffects xmlns:a14="http://schemas.microsoft.com/office/drawing/2010/main">
-                <a:effectLst>
-                  <a:outerShdw dist="35921" dir="2700000" algn="ctr" rotWithShape="0">
-                    <a:schemeClr val="bg2"/>
-                  </a:outerShdw>
-                </a:effectLst>
-              </a14:hiddenEffects>
-            </a:ext>
-          </a:extLst>
-        </p:spPr>
-        <p:txBody>
-          <a:bodyPr vert="horz" wrap="none" lIns="0" tIns="0" rIns="0" bIns="158700" numCol="1" anchor="ctr" anchorCtr="0" compatLnSpc="1">
-            <a:prstTxWarp prst="textNoShape">
-              <a:avLst/>
-            </a:prstTxWarp>
-            <a:spAutoFit/>
-          </a:bodyPr>
-          <a:lstStyle/>
-          <a:p>
-            <a:pPr marL="0" marR="0" lvl="0" indent="0" algn="l" defTabSz="914400" rtl="0" eaLnBrk="0" fontAlgn="base" latinLnBrk="0" hangingPunct="0">
-              <a:lnSpc>
-                <a:spcPct val="100000"/>
-              </a:lnSpc>
-              <a:spcBef>
-                <a:spcPct val="0"/>
-              </a:spcBef>
-              <a:spcAft>
-                <a:spcPct val="0"/>
-              </a:spcAft>
-              <a:buClrTx/>
-              <a:buSzTx/>
-              <a:buFontTx/>
-              <a:buNone/>
-              <a:tabLst/>
-            </a:pPr>
-            <a:endParaRPr kumimoji="0" lang="en-US" altLang="en-US" sz="1800" b="0" i="0" u="none" strike="noStrike" cap="none" normalizeH="0" baseline="0" dirty="0" smtClean="0">
-              <a:ln>
-                <a:noFill/>
-              </a:ln>
-              <a:solidFill>
-                <a:schemeClr val="tx1"/>
-              </a:solidFill>
-              <a:effectLst/>
-              <a:latin typeface="Arial" panose="020B0604020202020204" pitchFamily="34" charset="0"/>
-            </a:endParaRPr>
-          </a:p>
-        </p:txBody>
-      </p:sp>
-      <p:sp>
-        <p:nvSpPr>
-          <p:cNvPr id="8" name="Rectangle 4"/>
-          <p:cNvSpPr>
-            <a:spLocks noChangeArrowheads="1"/>
-          </p:cNvSpPr>
-          <p:nvPr/>
-        </p:nvSpPr>
-        <p:spPr bwMode="auto">
-          <a:xfrm>
-            <a:off x="0" y="9975"/>
-            <a:ext cx="65" cy="437249"/>
-          </a:xfrm>
-          <a:prstGeom prst="rect">
-            <a:avLst/>
-          </a:prstGeom>
-          <a:solidFill>
-            <a:srgbClr val="F7F7F7"/>
-          </a:solidFill>
-          <a:ln>
-            <a:noFill/>
-          </a:ln>
-          <a:effectLst/>
-          <a:extLst>
-            <a:ext uri="{91240B29-F687-4F45-9708-019B960494DF}">
-              <a14:hiddenLine xmlns:a14="http://schemas.microsoft.com/office/drawing/2010/main" w="9525">
-                <a:solidFill>
-                  <a:schemeClr val="tx1"/>
-                </a:solidFill>
-                <a:miter lim="800000"/>
-                <a:headEnd/>
-                <a:tailEnd/>
-              </a14:hiddenLine>
-            </a:ext>
-            <a:ext uri="{AF507438-7753-43E0-B8FC-AC1667EBCBE1}">
-              <a14:hiddenEffects xmlns:a14="http://schemas.microsoft.com/office/drawing/2010/main">
-                <a:effectLst>
-                  <a:outerShdw dist="35921" dir="2700000" algn="ctr" rotWithShape="0">
-                    <a:schemeClr val="bg2"/>
-                  </a:outerShdw>
-                </a:effectLst>
-              </a14:hiddenEffects>
-            </a:ext>
-          </a:extLst>
-        </p:spPr>
-        <p:txBody>
-          <a:bodyPr vert="horz" wrap="none" lIns="0" tIns="0" rIns="0" bIns="158700" numCol="1" anchor="ctr" anchorCtr="0" compatLnSpc="1">
-            <a:prstTxWarp prst="textNoShape">
-              <a:avLst/>
-            </a:prstTxWarp>
-            <a:spAutoFit/>
-          </a:bodyPr>
-          <a:lstStyle/>
-          <a:p>
-            <a:pPr marL="0" marR="0" lvl="0" indent="0" algn="l" defTabSz="914400" rtl="0" eaLnBrk="0" fontAlgn="base" latinLnBrk="0" hangingPunct="0">
-              <a:lnSpc>
-                <a:spcPct val="100000"/>
-              </a:lnSpc>
-              <a:spcBef>
-                <a:spcPct val="0"/>
-              </a:spcBef>
-              <a:spcAft>
-                <a:spcPct val="0"/>
-              </a:spcAft>
-              <a:buClrTx/>
-              <a:buSzTx/>
-              <a:buFontTx/>
-              <a:buNone/>
-              <a:tabLst/>
-            </a:pPr>
-            <a:endParaRPr kumimoji="0" lang="en-US" altLang="en-US" sz="1800" b="0" i="0" u="none" strike="noStrike" cap="none" normalizeH="0" baseline="0" dirty="0" smtClean="0">
-              <a:ln>
-                <a:noFill/>
-              </a:ln>
-              <a:solidFill>
-                <a:schemeClr val="tx1"/>
-              </a:solidFill>
-              <a:effectLst/>
-              <a:latin typeface="Arial" panose="020B0604020202020204" pitchFamily="34" charset="0"/>
-            </a:endParaRPr>
-          </a:p>
-        </p:txBody>
-      </p:sp>
-    </p:spTree>
-    <p:extLst>
-      <p:ext uri="{BB962C8B-B14F-4D97-AF65-F5344CB8AC3E}">
-        <p14:creationId xmlns:p14="http://schemas.microsoft.com/office/powerpoint/2010/main" val="3397357303"/>
-      </p:ext>
-    </p:extLst>
-  </p:cSld>
-  <p:clrMapOvr>
-    <a:masterClrMapping/>
-  </p:clrMapOvr>
-  <mc:AlternateContent xmlns:mc="http://schemas.openxmlformats.org/markup-compatibility/2006" xmlns:p14="http://schemas.microsoft.com/office/powerpoint/2010/main">
-    <mc:Choice Requires="p14">
-      <p:transition p14:dur="250">
-        <p14:reveal/>
-      </p:transition>
-    </mc:Choice>
-    <mc:Fallback xmlns="">
-      <p:transition>
-        <p:fade/>
-      </p:transition>
-    </mc:Fallback>
-  </mc:AlternateContent>
-  <p:timing>
-    <p:tnLst>
-      <p:par>
-        <p:cTn id="1" dur="indefinite" restart="never" nodeType="tmRoot"/>
-      </p:par>
-    </p:tnLst>
-  </p:timing>
-</p:sld>
-</file>
-
-<file path=ppt/slides/slide23.xml><?xml version="1.0" encoding="utf-8"?>
-<p:sld xmlns:a="http://schemas.openxmlformats.org/drawingml/2006/main" xmlns:r="http://schemas.openxmlformats.org/officeDocument/2006/relationships" xmlns:p="http://schemas.openxmlformats.org/presentationml/2006/main">
-  <p:cSld>
-    <p:spTree>
-      <p:nvGrpSpPr>
-        <p:cNvPr id="1" name=""/>
-        <p:cNvGrpSpPr/>
-        <p:nvPr/>
-      </p:nvGrpSpPr>
-      <p:grpSpPr>
-        <a:xfrm>
-          <a:off x="0" y="0"/>
-          <a:ext cx="0" cy="0"/>
-          <a:chOff x="0" y="0"/>
-          <a:chExt cx="0" cy="0"/>
-        </a:xfrm>
-      </p:grpSpPr>
-      <p:sp>
-        <p:nvSpPr>
-          <p:cNvPr id="2" name="Title 1"/>
-          <p:cNvSpPr>
-            <a:spLocks noGrp="1"/>
-          </p:cNvSpPr>
-          <p:nvPr>
-            <p:ph type="title"/>
-          </p:nvPr>
-        </p:nvSpPr>
-        <p:spPr/>
-        <p:txBody>
-          <a:bodyPr/>
-          <a:lstStyle/>
-          <a:p>
-            <a:r>
-              <a:rPr lang="en-US" dirty="0" err="1" smtClean="0"/>
-              <a:t>onPerformSync</a:t>
-            </a:r>
-            <a:r>
-              <a:rPr lang="en-US" dirty="0" smtClean="0"/>
-              <a:t>()</a:t>
-            </a:r>
-            <a:endParaRPr lang="en-US" dirty="0"/>
-          </a:p>
-        </p:txBody>
-      </p:sp>
-      <p:sp>
-        <p:nvSpPr>
-          <p:cNvPr id="3" name="Content Placeholder 2"/>
-          <p:cNvSpPr>
-            <a:spLocks noGrp="1"/>
-          </p:cNvSpPr>
-          <p:nvPr>
-            <p:ph idx="1"/>
-          </p:nvPr>
-        </p:nvSpPr>
-        <p:spPr/>
-        <p:txBody>
-          <a:bodyPr>
-            <a:normAutofit lnSpcReduction="10000"/>
-          </a:bodyPr>
-          <a:lstStyle/>
-          <a:p>
-            <a:r>
-              <a:rPr lang="en-US" dirty="0" smtClean="0"/>
-              <a:t>Sync adapter framework invokes your </a:t>
-            </a:r>
-            <a:r>
-              <a:rPr lang="en-US" dirty="0" err="1" smtClean="0"/>
-              <a:t>SyncAdapter</a:t>
-            </a:r>
-            <a:endParaRPr lang="en-US" dirty="0" smtClean="0"/>
-          </a:p>
-          <a:p>
-            <a:pPr lvl="1"/>
-            <a:r>
-              <a:rPr lang="en-US" dirty="0" smtClean="0"/>
-              <a:t>Calls </a:t>
-            </a:r>
-            <a:r>
-              <a:rPr lang="en-US" dirty="0" err="1" smtClean="0"/>
-              <a:t>onPerformSync</a:t>
-            </a:r>
-            <a:r>
-              <a:rPr lang="en-US" dirty="0" smtClean="0"/>
-              <a:t>()</a:t>
-            </a:r>
-          </a:p>
-          <a:p>
-            <a:pPr lvl="1"/>
-            <a:endParaRPr lang="en-US" dirty="0"/>
-          </a:p>
-          <a:p>
-            <a:r>
-              <a:rPr lang="en-US" dirty="0" smtClean="0"/>
-              <a:t>Account</a:t>
-            </a:r>
-          </a:p>
-          <a:p>
-            <a:r>
-              <a:rPr lang="en-US" dirty="0" smtClean="0"/>
-              <a:t>Bundle</a:t>
-            </a:r>
-          </a:p>
-          <a:p>
-            <a:r>
-              <a:rPr lang="en-US" dirty="0" smtClean="0"/>
-              <a:t>Authority</a:t>
-            </a:r>
-          </a:p>
-          <a:p>
-            <a:r>
-              <a:rPr lang="en-US" dirty="0" err="1" smtClean="0"/>
-              <a:t>ContentProviderClient</a:t>
-            </a:r>
-            <a:endParaRPr lang="en-US" dirty="0" smtClean="0"/>
-          </a:p>
-          <a:p>
-            <a:r>
-              <a:rPr lang="en-US" dirty="0" err="1" smtClean="0"/>
-              <a:t>SyncResult</a:t>
-            </a:r>
-            <a:endParaRPr lang="en-US" dirty="0"/>
-          </a:p>
-        </p:txBody>
-      </p:sp>
-    </p:spTree>
-    <p:extLst>
-      <p:ext uri="{BB962C8B-B14F-4D97-AF65-F5344CB8AC3E}">
-        <p14:creationId xmlns:p14="http://schemas.microsoft.com/office/powerpoint/2010/main" val="1011405133"/>
-      </p:ext>
-    </p:extLst>
-  </p:cSld>
-  <p:clrMapOvr>
-    <a:masterClrMapping/>
-  </p:clrMapOvr>
-  <mc:AlternateContent xmlns:mc="http://schemas.openxmlformats.org/markup-compatibility/2006" xmlns:p14="http://schemas.microsoft.com/office/powerpoint/2010/main">
-    <mc:Choice Requires="p14">
-      <p:transition p14:dur="250">
-        <p14:reveal/>
-      </p:transition>
-    </mc:Choice>
-    <mc:Fallback xmlns="">
-      <p:transition>
-        <p:fade/>
-      </p:transition>
-    </mc:Fallback>
-  </mc:AlternateContent>
-  <p:timing>
-    <p:tnLst>
-      <p:par>
-        <p:cTn id="1" dur="indefinite" restart="never" nodeType="tmRoot"/>
-      </p:par>
-    </p:tnLst>
-  </p:timing>
-</p:sld>
-</file>
-
-<file path=ppt/slides/slide24.xml><?xml version="1.0" encoding="utf-8"?>
-<p:sld xmlns:a="http://schemas.openxmlformats.org/drawingml/2006/main" xmlns:r="http://schemas.openxmlformats.org/officeDocument/2006/relationships" xmlns:p="http://schemas.openxmlformats.org/presentationml/2006/main">
-  <p:cSld>
-    <p:spTree>
-      <p:nvGrpSpPr>
-        <p:cNvPr id="1" name=""/>
-        <p:cNvGrpSpPr/>
-        <p:nvPr/>
-      </p:nvGrpSpPr>
-      <p:grpSpPr>
-        <a:xfrm>
-          <a:off x="0" y="0"/>
-          <a:ext cx="0" cy="0"/>
-          <a:chOff x="0" y="0"/>
-          <a:chExt cx="0" cy="0"/>
-        </a:xfrm>
-      </p:grpSpPr>
-      <p:sp>
-        <p:nvSpPr>
-          <p:cNvPr id="2" name="Title 1"/>
-          <p:cNvSpPr>
-            <a:spLocks noGrp="1"/>
-          </p:cNvSpPr>
-          <p:nvPr>
-            <p:ph type="title"/>
-          </p:nvPr>
-        </p:nvSpPr>
-        <p:spPr/>
-        <p:txBody>
-          <a:bodyPr/>
-          <a:lstStyle/>
-          <a:p>
-            <a:r>
-              <a:rPr lang="en-US" dirty="0" err="1" smtClean="0"/>
-              <a:t>onPerformSync</a:t>
-            </a:r>
-            <a:r>
-              <a:rPr lang="en-US" dirty="0" smtClean="0"/>
-              <a:t>()</a:t>
-            </a:r>
-            <a:endParaRPr lang="en-US" dirty="0"/>
-          </a:p>
-        </p:txBody>
-      </p:sp>
-      <p:sp>
-        <p:nvSpPr>
-          <p:cNvPr id="4" name="Rectangle 1"/>
-          <p:cNvSpPr>
-            <a:spLocks noGrp="1" noChangeArrowheads="1"/>
-          </p:cNvSpPr>
-          <p:nvPr>
-            <p:ph idx="1"/>
-          </p:nvPr>
-        </p:nvSpPr>
-        <p:spPr bwMode="auto">
-          <a:xfrm>
-            <a:off x="983432" y="1783566"/>
-            <a:ext cx="8178521" cy="4031873"/>
-          </a:xfrm>
-          <a:prstGeom prst="rect">
-            <a:avLst/>
-          </a:prstGeom>
-          <a:solidFill>
-            <a:srgbClr val="F7F7F7"/>
-          </a:solidFill>
-          <a:ln>
-            <a:noFill/>
-          </a:ln>
-          <a:effectLst/>
-          <a:extLst>
-            <a:ext uri="{91240B29-F687-4F45-9708-019B960494DF}">
-              <a14:hiddenLine xmlns:a14="http://schemas.microsoft.com/office/drawing/2010/main" w="9525">
-                <a:solidFill>
-                  <a:schemeClr val="tx1"/>
-                </a:solidFill>
-                <a:miter lim="800000"/>
-                <a:headEnd/>
-                <a:tailEnd/>
-              </a14:hiddenLine>
-            </a:ext>
-            <a:ext uri="{AF507438-7753-43E0-B8FC-AC1667EBCBE1}">
-              <a14:hiddenEffects xmlns:a14="http://schemas.microsoft.com/office/drawing/2010/main">
-                <a:effectLst>
-                  <a:outerShdw dist="35921" dir="2700000" algn="ctr" rotWithShape="0">
-                    <a:schemeClr val="bg2"/>
-                  </a:outerShdw>
-                </a:effectLst>
-              </a14:hiddenEffects>
-            </a:ext>
-          </a:extLst>
-        </p:spPr>
-        <p:txBody>
-          <a:bodyPr vert="horz" wrap="none" lIns="457200" tIns="182880" rIns="457200" bIns="182880" numCol="1" anchor="ctr" anchorCtr="0" compatLnSpc="1">
-            <a:prstTxWarp prst="textNoShape">
-              <a:avLst/>
-            </a:prstTxWarp>
-            <a:spAutoFit/>
-          </a:bodyPr>
-          <a:lstStyle/>
-          <a:p>
-            <a:pPr marL="0" marR="0" lvl="0" indent="0" algn="l" defTabSz="914400" rtl="0" eaLnBrk="0" fontAlgn="base" latinLnBrk="0" hangingPunct="0">
-              <a:lnSpc>
-                <a:spcPct val="100000"/>
-              </a:lnSpc>
-              <a:spcBef>
-                <a:spcPct val="0"/>
-              </a:spcBef>
-              <a:spcAft>
-                <a:spcPct val="0"/>
-              </a:spcAft>
-              <a:buClrTx/>
-              <a:buSzTx/>
-              <a:buFontTx/>
-              <a:buNone/>
-              <a:tabLst/>
-            </a:pPr>
-            <a:r>
-              <a:rPr kumimoji="0" lang="en-US" altLang="en-US" sz="1400" b="0" i="0" u="none" strike="noStrike" cap="none" normalizeH="0" baseline="0" dirty="0" smtClean="0">
-                <a:ln>
-                  <a:noFill/>
-                </a:ln>
-                <a:solidFill>
-                  <a:srgbClr val="000000"/>
-                </a:solidFill>
-                <a:effectLst/>
-                <a:latin typeface="Consolas" panose="020B0609020204030204" pitchFamily="49" charset="0"/>
-              </a:rPr>
-              <a:t>    </a:t>
-            </a:r>
-            <a:r>
-              <a:rPr kumimoji="0" lang="en-US" altLang="en-US" sz="1400" b="0" i="0" u="none" strike="noStrike" cap="none" normalizeH="0" baseline="0" dirty="0" smtClean="0">
-                <a:ln>
-                  <a:noFill/>
-                </a:ln>
-                <a:solidFill>
-                  <a:srgbClr val="006600"/>
-                </a:solidFill>
-                <a:effectLst/>
-                <a:latin typeface="Consolas" panose="020B0609020204030204" pitchFamily="49" charset="0"/>
-              </a:rPr>
-              <a:t>/*</a:t>
-            </a:r>
-            <a:br>
-              <a:rPr kumimoji="0" lang="en-US" altLang="en-US" sz="1400" b="0" i="0" u="none" strike="noStrike" cap="none" normalizeH="0" baseline="0" dirty="0" smtClean="0">
-                <a:ln>
-                  <a:noFill/>
-                </a:ln>
-                <a:solidFill>
-                  <a:srgbClr val="006600"/>
-                </a:solidFill>
-                <a:effectLst/>
-                <a:latin typeface="Consolas" panose="020B0609020204030204" pitchFamily="49" charset="0"/>
-              </a:rPr>
-            </a:br>
-            <a:r>
-              <a:rPr kumimoji="0" lang="en-US" altLang="en-US" sz="1400" b="0" i="0" u="none" strike="noStrike" cap="none" normalizeH="0" baseline="0" dirty="0" smtClean="0">
-                <a:ln>
-                  <a:noFill/>
-                </a:ln>
-                <a:solidFill>
-                  <a:srgbClr val="006600"/>
-                </a:solidFill>
-                <a:effectLst/>
-                <a:latin typeface="Consolas" panose="020B0609020204030204" pitchFamily="49" charset="0"/>
-              </a:rPr>
-              <a:t>     * Specify the code you want to run in the sync adapter. The entire</a:t>
-            </a:r>
-            <a:br>
-              <a:rPr kumimoji="0" lang="en-US" altLang="en-US" sz="1400" b="0" i="0" u="none" strike="noStrike" cap="none" normalizeH="0" baseline="0" dirty="0" smtClean="0">
-                <a:ln>
-                  <a:noFill/>
-                </a:ln>
-                <a:solidFill>
-                  <a:srgbClr val="006600"/>
-                </a:solidFill>
-                <a:effectLst/>
-                <a:latin typeface="Consolas" panose="020B0609020204030204" pitchFamily="49" charset="0"/>
-              </a:rPr>
-            </a:br>
-            <a:r>
-              <a:rPr kumimoji="0" lang="en-US" altLang="en-US" sz="1400" b="0" i="0" u="none" strike="noStrike" cap="none" normalizeH="0" baseline="0" dirty="0" smtClean="0">
-                <a:ln>
-                  <a:noFill/>
-                </a:ln>
-                <a:solidFill>
-                  <a:srgbClr val="006600"/>
-                </a:solidFill>
-                <a:effectLst/>
-                <a:latin typeface="Consolas" panose="020B0609020204030204" pitchFamily="49" charset="0"/>
-              </a:rPr>
-              <a:t>     * sync adapter runs in a background thread, so you don't have to set</a:t>
-            </a:r>
-            <a:br>
-              <a:rPr kumimoji="0" lang="en-US" altLang="en-US" sz="1400" b="0" i="0" u="none" strike="noStrike" cap="none" normalizeH="0" baseline="0" dirty="0" smtClean="0">
-                <a:ln>
-                  <a:noFill/>
-                </a:ln>
-                <a:solidFill>
-                  <a:srgbClr val="006600"/>
-                </a:solidFill>
-                <a:effectLst/>
-                <a:latin typeface="Consolas" panose="020B0609020204030204" pitchFamily="49" charset="0"/>
-              </a:rPr>
-            </a:br>
-            <a:r>
-              <a:rPr kumimoji="0" lang="en-US" altLang="en-US" sz="1400" b="0" i="0" u="none" strike="noStrike" cap="none" normalizeH="0" baseline="0" dirty="0" smtClean="0">
-                <a:ln>
-                  <a:noFill/>
-                </a:ln>
-                <a:solidFill>
-                  <a:srgbClr val="006600"/>
-                </a:solidFill>
-                <a:effectLst/>
-                <a:latin typeface="Consolas" panose="020B0609020204030204" pitchFamily="49" charset="0"/>
-              </a:rPr>
-              <a:t>     * up your own background processing.</a:t>
-            </a:r>
-            <a:br>
-              <a:rPr kumimoji="0" lang="en-US" altLang="en-US" sz="1400" b="0" i="0" u="none" strike="noStrike" cap="none" normalizeH="0" baseline="0" dirty="0" smtClean="0">
-                <a:ln>
-                  <a:noFill/>
-                </a:ln>
-                <a:solidFill>
-                  <a:srgbClr val="006600"/>
-                </a:solidFill>
-                <a:effectLst/>
-                <a:latin typeface="Consolas" panose="020B0609020204030204" pitchFamily="49" charset="0"/>
-              </a:rPr>
-            </a:br>
-            <a:r>
-              <a:rPr kumimoji="0" lang="en-US" altLang="en-US" sz="1400" b="0" i="0" u="none" strike="noStrike" cap="none" normalizeH="0" baseline="0" dirty="0" smtClean="0">
-                <a:ln>
-                  <a:noFill/>
-                </a:ln>
-                <a:solidFill>
-                  <a:srgbClr val="006600"/>
-                </a:solidFill>
-                <a:effectLst/>
-                <a:latin typeface="Consolas" panose="020B0609020204030204" pitchFamily="49" charset="0"/>
-              </a:rPr>
-              <a:t>     */</a:t>
-            </a:r>
-            <a:r>
-              <a:rPr kumimoji="0" lang="en-US" altLang="en-US" sz="1400" b="0" i="0" u="none" strike="noStrike" cap="none" normalizeH="0" baseline="0" dirty="0" smtClean="0">
-                <a:ln>
-                  <a:noFill/>
-                </a:ln>
-                <a:solidFill>
-                  <a:srgbClr val="000000"/>
-                </a:solidFill>
-                <a:effectLst/>
-                <a:latin typeface="Consolas" panose="020B0609020204030204" pitchFamily="49" charset="0"/>
-              </a:rPr>
-              <a:t/>
-            </a:r>
-            <a:br>
-              <a:rPr kumimoji="0" lang="en-US" altLang="en-US" sz="1400" b="0" i="0" u="none" strike="noStrike" cap="none" normalizeH="0" baseline="0" dirty="0" smtClean="0">
-                <a:ln>
-                  <a:noFill/>
-                </a:ln>
-                <a:solidFill>
-                  <a:srgbClr val="000000"/>
-                </a:solidFill>
-                <a:effectLst/>
-                <a:latin typeface="Consolas" panose="020B0609020204030204" pitchFamily="49" charset="0"/>
-              </a:rPr>
-            </a:br>
-            <a:r>
-              <a:rPr kumimoji="0" lang="en-US" altLang="en-US" sz="1400" b="0" i="0" u="none" strike="noStrike" cap="none" normalizeH="0" baseline="0" dirty="0" smtClean="0">
-                <a:ln>
-                  <a:noFill/>
-                </a:ln>
-                <a:solidFill>
-                  <a:srgbClr val="000000"/>
-                </a:solidFill>
-                <a:effectLst/>
-                <a:latin typeface="Consolas" panose="020B0609020204030204" pitchFamily="49" charset="0"/>
-              </a:rPr>
-              <a:t>    </a:t>
-            </a:r>
-            <a:r>
-              <a:rPr kumimoji="0" lang="en-US" altLang="en-US" sz="1400" b="0" i="0" u="none" strike="noStrike" cap="none" normalizeH="0" baseline="0" dirty="0" smtClean="0">
-                <a:ln>
-                  <a:noFill/>
-                </a:ln>
-                <a:solidFill>
-                  <a:srgbClr val="006666"/>
-                </a:solidFill>
-                <a:effectLst/>
-                <a:latin typeface="Consolas" panose="020B0609020204030204" pitchFamily="49" charset="0"/>
-              </a:rPr>
-              <a:t>@Override</a:t>
-            </a:r>
-            <a:r>
-              <a:rPr kumimoji="0" lang="en-US" altLang="en-US" sz="1400" b="0" i="0" u="none" strike="noStrike" cap="none" normalizeH="0" baseline="0" dirty="0" smtClean="0">
-                <a:ln>
-                  <a:noFill/>
-                </a:ln>
-                <a:solidFill>
-                  <a:srgbClr val="000000"/>
-                </a:solidFill>
-                <a:effectLst/>
-                <a:latin typeface="Consolas" panose="020B0609020204030204" pitchFamily="49" charset="0"/>
-              </a:rPr>
-              <a:t/>
-            </a:r>
-            <a:br>
-              <a:rPr kumimoji="0" lang="en-US" altLang="en-US" sz="1400" b="0" i="0" u="none" strike="noStrike" cap="none" normalizeH="0" baseline="0" dirty="0" smtClean="0">
-                <a:ln>
-                  <a:noFill/>
-                </a:ln>
-                <a:solidFill>
-                  <a:srgbClr val="000000"/>
-                </a:solidFill>
-                <a:effectLst/>
-                <a:latin typeface="Consolas" panose="020B0609020204030204" pitchFamily="49" charset="0"/>
-              </a:rPr>
-            </a:br>
-            <a:r>
-              <a:rPr kumimoji="0" lang="en-US" altLang="en-US" sz="1400" b="0" i="0" u="none" strike="noStrike" cap="none" normalizeH="0" baseline="0" dirty="0" smtClean="0">
-                <a:ln>
-                  <a:noFill/>
-                </a:ln>
-                <a:solidFill>
-                  <a:srgbClr val="000000"/>
-                </a:solidFill>
-                <a:effectLst/>
-                <a:latin typeface="Consolas" panose="020B0609020204030204" pitchFamily="49" charset="0"/>
-              </a:rPr>
-              <a:t>    </a:t>
-            </a:r>
-            <a:r>
-              <a:rPr kumimoji="0" lang="en-US" altLang="en-US" sz="1400" b="0" i="0" u="none" strike="noStrike" cap="none" normalizeH="0" baseline="0" dirty="0" smtClean="0">
-                <a:ln>
-                  <a:noFill/>
-                </a:ln>
-                <a:solidFill>
-                  <a:srgbClr val="000088"/>
-                </a:solidFill>
-                <a:effectLst/>
-                <a:latin typeface="Consolas" panose="020B0609020204030204" pitchFamily="49" charset="0"/>
-              </a:rPr>
-              <a:t>public</a:t>
-            </a:r>
-            <a:r>
-              <a:rPr kumimoji="0" lang="en-US" altLang="en-US" sz="1400" b="0" i="0" u="none" strike="noStrike" cap="none" normalizeH="0" baseline="0" dirty="0" smtClean="0">
-                <a:ln>
-                  <a:noFill/>
-                </a:ln>
-                <a:solidFill>
-                  <a:srgbClr val="000000"/>
-                </a:solidFill>
-                <a:effectLst/>
-                <a:latin typeface="Consolas" panose="020B0609020204030204" pitchFamily="49" charset="0"/>
-              </a:rPr>
-              <a:t> </a:t>
-            </a:r>
-            <a:r>
-              <a:rPr kumimoji="0" lang="en-US" altLang="en-US" sz="1400" b="0" i="0" u="none" strike="noStrike" cap="none" normalizeH="0" baseline="0" dirty="0" smtClean="0">
-                <a:ln>
-                  <a:noFill/>
-                </a:ln>
-                <a:solidFill>
-                  <a:srgbClr val="000088"/>
-                </a:solidFill>
-                <a:effectLst/>
-                <a:latin typeface="Consolas" panose="020B0609020204030204" pitchFamily="49" charset="0"/>
-              </a:rPr>
-              <a:t>void</a:t>
-            </a:r>
-            <a:r>
-              <a:rPr kumimoji="0" lang="en-US" altLang="en-US" sz="1400" b="0" i="0" u="none" strike="noStrike" cap="none" normalizeH="0" baseline="0" dirty="0" smtClean="0">
-                <a:ln>
-                  <a:noFill/>
-                </a:ln>
-                <a:solidFill>
-                  <a:srgbClr val="000000"/>
-                </a:solidFill>
-                <a:effectLst/>
-                <a:latin typeface="Consolas" panose="020B0609020204030204" pitchFamily="49" charset="0"/>
-              </a:rPr>
-              <a:t> </a:t>
-            </a:r>
-            <a:r>
-              <a:rPr kumimoji="0" lang="en-US" altLang="en-US" sz="1400" b="0" i="0" u="none" strike="noStrike" cap="none" normalizeH="0" baseline="0" dirty="0" err="1" smtClean="0">
-                <a:ln>
-                  <a:noFill/>
-                </a:ln>
-                <a:solidFill>
-                  <a:srgbClr val="000000"/>
-                </a:solidFill>
-                <a:effectLst/>
-                <a:latin typeface="Consolas" panose="020B0609020204030204" pitchFamily="49" charset="0"/>
-              </a:rPr>
-              <a:t>onPerformSync</a:t>
-            </a:r>
-            <a:r>
-              <a:rPr kumimoji="0" lang="en-US" altLang="en-US" sz="1400" b="0" i="0" u="none" strike="noStrike" cap="none" normalizeH="0" baseline="0" dirty="0" smtClean="0">
-                <a:ln>
-                  <a:noFill/>
-                </a:ln>
-                <a:solidFill>
-                  <a:srgbClr val="666600"/>
-                </a:solidFill>
-                <a:effectLst/>
-                <a:latin typeface="Consolas" panose="020B0609020204030204" pitchFamily="49" charset="0"/>
-              </a:rPr>
-              <a:t>(</a:t>
-            </a:r>
-            <a:r>
-              <a:rPr kumimoji="0" lang="en-US" altLang="en-US" sz="1400" b="0" i="0" u="none" strike="noStrike" cap="none" normalizeH="0" baseline="0" dirty="0" smtClean="0">
-                <a:ln>
-                  <a:noFill/>
-                </a:ln>
-                <a:solidFill>
-                  <a:srgbClr val="000000"/>
-                </a:solidFill>
-                <a:effectLst/>
-                <a:latin typeface="Consolas" panose="020B0609020204030204" pitchFamily="49" charset="0"/>
-              </a:rPr>
-              <a:t/>
-            </a:r>
-            <a:br>
-              <a:rPr kumimoji="0" lang="en-US" altLang="en-US" sz="1400" b="0" i="0" u="none" strike="noStrike" cap="none" normalizeH="0" baseline="0" dirty="0" smtClean="0">
-                <a:ln>
-                  <a:noFill/>
-                </a:ln>
-                <a:solidFill>
-                  <a:srgbClr val="000000"/>
-                </a:solidFill>
-                <a:effectLst/>
-                <a:latin typeface="Consolas" panose="020B0609020204030204" pitchFamily="49" charset="0"/>
-              </a:rPr>
-            </a:br>
-            <a:r>
-              <a:rPr kumimoji="0" lang="en-US" altLang="en-US" sz="1400" b="0" i="0" u="none" strike="noStrike" cap="none" normalizeH="0" baseline="0" dirty="0" smtClean="0">
-                <a:ln>
-                  <a:noFill/>
-                </a:ln>
-                <a:solidFill>
-                  <a:srgbClr val="000000"/>
-                </a:solidFill>
-                <a:effectLst/>
-                <a:latin typeface="Consolas" panose="020B0609020204030204" pitchFamily="49" charset="0"/>
-              </a:rPr>
-              <a:t>            </a:t>
-            </a:r>
-            <a:r>
-              <a:rPr kumimoji="0" lang="en-US" altLang="en-US" sz="1400" b="0" i="0" u="none" strike="noStrike" cap="none" normalizeH="0" baseline="0" dirty="0" smtClean="0">
-                <a:ln>
-                  <a:noFill/>
-                </a:ln>
-                <a:solidFill>
-                  <a:srgbClr val="660066"/>
-                </a:solidFill>
-                <a:effectLst/>
-                <a:latin typeface="Consolas" panose="020B0609020204030204" pitchFamily="49" charset="0"/>
-              </a:rPr>
-              <a:t>Account</a:t>
-            </a:r>
-            <a:r>
-              <a:rPr kumimoji="0" lang="en-US" altLang="en-US" sz="1400" b="0" i="0" u="none" strike="noStrike" cap="none" normalizeH="0" baseline="0" dirty="0" smtClean="0">
-                <a:ln>
-                  <a:noFill/>
-                </a:ln>
-                <a:solidFill>
-                  <a:srgbClr val="000000"/>
-                </a:solidFill>
-                <a:effectLst/>
-                <a:latin typeface="Consolas" panose="020B0609020204030204" pitchFamily="49" charset="0"/>
-              </a:rPr>
-              <a:t> </a:t>
-            </a:r>
-            <a:r>
-              <a:rPr kumimoji="0" lang="en-US" altLang="en-US" sz="1400" b="0" i="0" u="none" strike="noStrike" cap="none" normalizeH="0" baseline="0" dirty="0" err="1" smtClean="0">
-                <a:ln>
-                  <a:noFill/>
-                </a:ln>
-                <a:solidFill>
-                  <a:srgbClr val="000000"/>
-                </a:solidFill>
-                <a:effectLst/>
-                <a:latin typeface="Consolas" panose="020B0609020204030204" pitchFamily="49" charset="0"/>
-              </a:rPr>
-              <a:t>account</a:t>
-            </a:r>
-            <a:r>
-              <a:rPr kumimoji="0" lang="en-US" altLang="en-US" sz="1400" b="0" i="0" u="none" strike="noStrike" cap="none" normalizeH="0" baseline="0" dirty="0" smtClean="0">
-                <a:ln>
-                  <a:noFill/>
-                </a:ln>
-                <a:solidFill>
-                  <a:srgbClr val="666600"/>
-                </a:solidFill>
-                <a:effectLst/>
-                <a:latin typeface="Consolas" panose="020B0609020204030204" pitchFamily="49" charset="0"/>
-              </a:rPr>
-              <a:t>,</a:t>
-            </a:r>
-            <a:r>
-              <a:rPr kumimoji="0" lang="en-US" altLang="en-US" sz="1400" b="0" i="0" u="none" strike="noStrike" cap="none" normalizeH="0" baseline="0" dirty="0" smtClean="0">
-                <a:ln>
-                  <a:noFill/>
-                </a:ln>
-                <a:solidFill>
-                  <a:srgbClr val="000000"/>
-                </a:solidFill>
-                <a:effectLst/>
-                <a:latin typeface="Consolas" panose="020B0609020204030204" pitchFamily="49" charset="0"/>
-              </a:rPr>
-              <a:t/>
-            </a:r>
-            <a:br>
-              <a:rPr kumimoji="0" lang="en-US" altLang="en-US" sz="1400" b="0" i="0" u="none" strike="noStrike" cap="none" normalizeH="0" baseline="0" dirty="0" smtClean="0">
-                <a:ln>
-                  <a:noFill/>
-                </a:ln>
-                <a:solidFill>
-                  <a:srgbClr val="000000"/>
-                </a:solidFill>
-                <a:effectLst/>
-                <a:latin typeface="Consolas" panose="020B0609020204030204" pitchFamily="49" charset="0"/>
-              </a:rPr>
-            </a:br>
-            <a:r>
-              <a:rPr kumimoji="0" lang="en-US" altLang="en-US" sz="1400" b="0" i="0" u="none" strike="noStrike" cap="none" normalizeH="0" baseline="0" dirty="0" smtClean="0">
-                <a:ln>
-                  <a:noFill/>
-                </a:ln>
-                <a:solidFill>
-                  <a:srgbClr val="000000"/>
-                </a:solidFill>
-                <a:effectLst/>
-                <a:latin typeface="Consolas" panose="020B0609020204030204" pitchFamily="49" charset="0"/>
-              </a:rPr>
-              <a:t>            </a:t>
-            </a:r>
-            <a:r>
-              <a:rPr kumimoji="0" lang="en-US" altLang="en-US" sz="1400" b="0" i="0" u="none" strike="noStrike" cap="none" normalizeH="0" baseline="0" dirty="0" smtClean="0">
-                <a:ln>
-                  <a:noFill/>
-                </a:ln>
-                <a:solidFill>
-                  <a:srgbClr val="660066"/>
-                </a:solidFill>
-                <a:effectLst/>
-                <a:latin typeface="Consolas" panose="020B0609020204030204" pitchFamily="49" charset="0"/>
-              </a:rPr>
-              <a:t>Bundle</a:t>
-            </a:r>
-            <a:r>
-              <a:rPr kumimoji="0" lang="en-US" altLang="en-US" sz="1400" b="0" i="0" u="none" strike="noStrike" cap="none" normalizeH="0" baseline="0" dirty="0" smtClean="0">
-                <a:ln>
-                  <a:noFill/>
-                </a:ln>
-                <a:solidFill>
-                  <a:srgbClr val="000000"/>
-                </a:solidFill>
-                <a:effectLst/>
-                <a:latin typeface="Consolas" panose="020B0609020204030204" pitchFamily="49" charset="0"/>
-              </a:rPr>
-              <a:t> extras</a:t>
-            </a:r>
-            <a:r>
-              <a:rPr kumimoji="0" lang="en-US" altLang="en-US" sz="1400" b="0" i="0" u="none" strike="noStrike" cap="none" normalizeH="0" baseline="0" dirty="0" smtClean="0">
-                <a:ln>
-                  <a:noFill/>
-                </a:ln>
-                <a:solidFill>
-                  <a:srgbClr val="666600"/>
-                </a:solidFill>
-                <a:effectLst/>
-                <a:latin typeface="Consolas" panose="020B0609020204030204" pitchFamily="49" charset="0"/>
-              </a:rPr>
-              <a:t>,</a:t>
-            </a:r>
-            <a:r>
-              <a:rPr kumimoji="0" lang="en-US" altLang="en-US" sz="1400" b="0" i="0" u="none" strike="noStrike" cap="none" normalizeH="0" baseline="0" dirty="0" smtClean="0">
-                <a:ln>
-                  <a:noFill/>
-                </a:ln>
-                <a:solidFill>
-                  <a:srgbClr val="000000"/>
-                </a:solidFill>
-                <a:effectLst/>
-                <a:latin typeface="Consolas" panose="020B0609020204030204" pitchFamily="49" charset="0"/>
-              </a:rPr>
-              <a:t/>
-            </a:r>
-            <a:br>
-              <a:rPr kumimoji="0" lang="en-US" altLang="en-US" sz="1400" b="0" i="0" u="none" strike="noStrike" cap="none" normalizeH="0" baseline="0" dirty="0" smtClean="0">
-                <a:ln>
-                  <a:noFill/>
-                </a:ln>
-                <a:solidFill>
-                  <a:srgbClr val="000000"/>
-                </a:solidFill>
-                <a:effectLst/>
-                <a:latin typeface="Consolas" panose="020B0609020204030204" pitchFamily="49" charset="0"/>
-              </a:rPr>
-            </a:br>
-            <a:r>
-              <a:rPr kumimoji="0" lang="en-US" altLang="en-US" sz="1400" b="0" i="0" u="none" strike="noStrike" cap="none" normalizeH="0" baseline="0" dirty="0" smtClean="0">
-                <a:ln>
-                  <a:noFill/>
-                </a:ln>
-                <a:solidFill>
-                  <a:srgbClr val="000000"/>
-                </a:solidFill>
-                <a:effectLst/>
-                <a:latin typeface="Consolas" panose="020B0609020204030204" pitchFamily="49" charset="0"/>
-              </a:rPr>
-              <a:t>            </a:t>
-            </a:r>
-            <a:r>
-              <a:rPr kumimoji="0" lang="en-US" altLang="en-US" sz="1400" b="0" i="0" u="none" strike="noStrike" cap="none" normalizeH="0" baseline="0" dirty="0" smtClean="0">
-                <a:ln>
-                  <a:noFill/>
-                </a:ln>
-                <a:solidFill>
-                  <a:srgbClr val="660066"/>
-                </a:solidFill>
-                <a:effectLst/>
-                <a:latin typeface="Consolas" panose="020B0609020204030204" pitchFamily="49" charset="0"/>
-              </a:rPr>
-              <a:t>String</a:t>
-            </a:r>
-            <a:r>
-              <a:rPr kumimoji="0" lang="en-US" altLang="en-US" sz="1400" b="0" i="0" u="none" strike="noStrike" cap="none" normalizeH="0" baseline="0" dirty="0" smtClean="0">
-                <a:ln>
-                  <a:noFill/>
-                </a:ln>
-                <a:solidFill>
-                  <a:srgbClr val="000000"/>
-                </a:solidFill>
-                <a:effectLst/>
-                <a:latin typeface="Consolas" panose="020B0609020204030204" pitchFamily="49" charset="0"/>
-              </a:rPr>
-              <a:t> authority</a:t>
-            </a:r>
-            <a:r>
-              <a:rPr kumimoji="0" lang="en-US" altLang="en-US" sz="1400" b="0" i="0" u="none" strike="noStrike" cap="none" normalizeH="0" baseline="0" dirty="0" smtClean="0">
-                <a:ln>
-                  <a:noFill/>
-                </a:ln>
-                <a:solidFill>
-                  <a:srgbClr val="666600"/>
-                </a:solidFill>
-                <a:effectLst/>
-                <a:latin typeface="Consolas" panose="020B0609020204030204" pitchFamily="49" charset="0"/>
-              </a:rPr>
-              <a:t>,</a:t>
-            </a:r>
-            <a:r>
-              <a:rPr kumimoji="0" lang="en-US" altLang="en-US" sz="1400" b="0" i="0" u="none" strike="noStrike" cap="none" normalizeH="0" baseline="0" dirty="0" smtClean="0">
-                <a:ln>
-                  <a:noFill/>
-                </a:ln>
-                <a:solidFill>
-                  <a:srgbClr val="000000"/>
-                </a:solidFill>
-                <a:effectLst/>
-                <a:latin typeface="Consolas" panose="020B0609020204030204" pitchFamily="49" charset="0"/>
-              </a:rPr>
-              <a:t/>
-            </a:r>
-            <a:br>
-              <a:rPr kumimoji="0" lang="en-US" altLang="en-US" sz="1400" b="0" i="0" u="none" strike="noStrike" cap="none" normalizeH="0" baseline="0" dirty="0" smtClean="0">
-                <a:ln>
-                  <a:noFill/>
-                </a:ln>
-                <a:solidFill>
-                  <a:srgbClr val="000000"/>
-                </a:solidFill>
-                <a:effectLst/>
-                <a:latin typeface="Consolas" panose="020B0609020204030204" pitchFamily="49" charset="0"/>
-              </a:rPr>
-            </a:br>
-            <a:r>
-              <a:rPr kumimoji="0" lang="en-US" altLang="en-US" sz="1400" b="0" i="0" u="none" strike="noStrike" cap="none" normalizeH="0" baseline="0" dirty="0" smtClean="0">
-                <a:ln>
-                  <a:noFill/>
-                </a:ln>
-                <a:solidFill>
-                  <a:srgbClr val="000000"/>
-                </a:solidFill>
-                <a:effectLst/>
-                <a:latin typeface="Consolas" panose="020B0609020204030204" pitchFamily="49" charset="0"/>
-              </a:rPr>
-              <a:t>            </a:t>
-            </a:r>
-            <a:r>
-              <a:rPr kumimoji="0" lang="en-US" altLang="en-US" sz="1400" b="0" i="0" u="none" strike="noStrike" cap="none" normalizeH="0" baseline="0" dirty="0" err="1" smtClean="0">
-                <a:ln>
-                  <a:noFill/>
-                </a:ln>
-                <a:solidFill>
-                  <a:srgbClr val="660066"/>
-                </a:solidFill>
-                <a:effectLst/>
-                <a:latin typeface="Consolas" panose="020B0609020204030204" pitchFamily="49" charset="0"/>
-              </a:rPr>
-              <a:t>ContentProviderClient</a:t>
-            </a:r>
-            <a:r>
-              <a:rPr kumimoji="0" lang="en-US" altLang="en-US" sz="1400" b="0" i="0" u="none" strike="noStrike" cap="none" normalizeH="0" baseline="0" dirty="0" smtClean="0">
-                <a:ln>
-                  <a:noFill/>
-                </a:ln>
-                <a:solidFill>
-                  <a:srgbClr val="000000"/>
-                </a:solidFill>
-                <a:effectLst/>
-                <a:latin typeface="Consolas" panose="020B0609020204030204" pitchFamily="49" charset="0"/>
-              </a:rPr>
-              <a:t> provider</a:t>
-            </a:r>
-            <a:r>
-              <a:rPr kumimoji="0" lang="en-US" altLang="en-US" sz="1400" b="0" i="0" u="none" strike="noStrike" cap="none" normalizeH="0" baseline="0" dirty="0" smtClean="0">
-                <a:ln>
-                  <a:noFill/>
-                </a:ln>
-                <a:solidFill>
-                  <a:srgbClr val="666600"/>
-                </a:solidFill>
-                <a:effectLst/>
-                <a:latin typeface="Consolas" panose="020B0609020204030204" pitchFamily="49" charset="0"/>
-              </a:rPr>
-              <a:t>,</a:t>
-            </a:r>
-            <a:r>
-              <a:rPr kumimoji="0" lang="en-US" altLang="en-US" sz="1400" b="0" i="0" u="none" strike="noStrike" cap="none" normalizeH="0" baseline="0" dirty="0" smtClean="0">
-                <a:ln>
-                  <a:noFill/>
-                </a:ln>
-                <a:solidFill>
-                  <a:srgbClr val="000000"/>
-                </a:solidFill>
-                <a:effectLst/>
-                <a:latin typeface="Consolas" panose="020B0609020204030204" pitchFamily="49" charset="0"/>
-              </a:rPr>
-              <a:t/>
-            </a:r>
-            <a:br>
-              <a:rPr kumimoji="0" lang="en-US" altLang="en-US" sz="1400" b="0" i="0" u="none" strike="noStrike" cap="none" normalizeH="0" baseline="0" dirty="0" smtClean="0">
-                <a:ln>
-                  <a:noFill/>
-                </a:ln>
-                <a:solidFill>
-                  <a:srgbClr val="000000"/>
-                </a:solidFill>
-                <a:effectLst/>
-                <a:latin typeface="Consolas" panose="020B0609020204030204" pitchFamily="49" charset="0"/>
-              </a:rPr>
-            </a:br>
-            <a:r>
-              <a:rPr kumimoji="0" lang="en-US" altLang="en-US" sz="1400" b="0" i="0" u="none" strike="noStrike" cap="none" normalizeH="0" baseline="0" dirty="0" smtClean="0">
-                <a:ln>
-                  <a:noFill/>
-                </a:ln>
-                <a:solidFill>
-                  <a:srgbClr val="000000"/>
-                </a:solidFill>
-                <a:effectLst/>
-                <a:latin typeface="Consolas" panose="020B0609020204030204" pitchFamily="49" charset="0"/>
-              </a:rPr>
-              <a:t>            </a:t>
-            </a:r>
-            <a:r>
-              <a:rPr kumimoji="0" lang="en-US" altLang="en-US" sz="1400" b="0" i="0" u="none" strike="noStrike" cap="none" normalizeH="0" baseline="0" dirty="0" err="1" smtClean="0">
-                <a:ln>
-                  <a:noFill/>
-                </a:ln>
-                <a:solidFill>
-                  <a:srgbClr val="660066"/>
-                </a:solidFill>
-                <a:effectLst/>
-                <a:latin typeface="Consolas" panose="020B0609020204030204" pitchFamily="49" charset="0"/>
-              </a:rPr>
-              <a:t>SyncResult</a:t>
-            </a:r>
-            <a:r>
-              <a:rPr kumimoji="0" lang="en-US" altLang="en-US" sz="1400" b="0" i="0" u="none" strike="noStrike" cap="none" normalizeH="0" baseline="0" dirty="0" smtClean="0">
-                <a:ln>
-                  <a:noFill/>
-                </a:ln>
-                <a:solidFill>
-                  <a:srgbClr val="000000"/>
-                </a:solidFill>
-                <a:effectLst/>
-                <a:latin typeface="Consolas" panose="020B0609020204030204" pitchFamily="49" charset="0"/>
-              </a:rPr>
-              <a:t> </a:t>
-            </a:r>
-            <a:r>
-              <a:rPr kumimoji="0" lang="en-US" altLang="en-US" sz="1400" b="0" i="0" u="none" strike="noStrike" cap="none" normalizeH="0" baseline="0" dirty="0" err="1" smtClean="0">
-                <a:ln>
-                  <a:noFill/>
-                </a:ln>
-                <a:solidFill>
-                  <a:srgbClr val="000000"/>
-                </a:solidFill>
-                <a:effectLst/>
-                <a:latin typeface="Consolas" panose="020B0609020204030204" pitchFamily="49" charset="0"/>
-              </a:rPr>
-              <a:t>syncResult</a:t>
-            </a:r>
-            <a:r>
-              <a:rPr kumimoji="0" lang="en-US" altLang="en-US" sz="1400" b="0" i="0" u="none" strike="noStrike" cap="none" normalizeH="0" baseline="0" dirty="0" smtClean="0">
-                <a:ln>
-                  <a:noFill/>
-                </a:ln>
-                <a:solidFill>
-                  <a:srgbClr val="666600"/>
-                </a:solidFill>
-                <a:effectLst/>
-                <a:latin typeface="Consolas" panose="020B0609020204030204" pitchFamily="49" charset="0"/>
-              </a:rPr>
-              <a:t>)</a:t>
-            </a:r>
-            <a:r>
-              <a:rPr kumimoji="0" lang="en-US" altLang="en-US" sz="1400" b="0" i="0" u="none" strike="noStrike" cap="none" normalizeH="0" baseline="0" dirty="0" smtClean="0">
-                <a:ln>
-                  <a:noFill/>
-                </a:ln>
-                <a:solidFill>
-                  <a:srgbClr val="000000"/>
-                </a:solidFill>
-                <a:effectLst/>
-                <a:latin typeface="Consolas" panose="020B0609020204030204" pitchFamily="49" charset="0"/>
-              </a:rPr>
-              <a:t> </a:t>
-            </a:r>
-            <a:r>
-              <a:rPr kumimoji="0" lang="en-US" altLang="en-US" sz="1400" b="0" i="0" u="none" strike="noStrike" cap="none" normalizeH="0" baseline="0" dirty="0" smtClean="0">
-                <a:ln>
-                  <a:noFill/>
-                </a:ln>
-                <a:solidFill>
-                  <a:srgbClr val="666600"/>
-                </a:solidFill>
-                <a:effectLst/>
-                <a:latin typeface="Consolas" panose="020B0609020204030204" pitchFamily="49" charset="0"/>
-              </a:rPr>
-              <a:t>{</a:t>
-            </a:r>
-            <a:r>
-              <a:rPr kumimoji="0" lang="en-US" altLang="en-US" sz="1400" b="0" i="0" u="none" strike="noStrike" cap="none" normalizeH="0" baseline="0" dirty="0" smtClean="0">
-                <a:ln>
-                  <a:noFill/>
-                </a:ln>
-                <a:solidFill>
-                  <a:srgbClr val="000000"/>
-                </a:solidFill>
-                <a:effectLst/>
-                <a:latin typeface="Consolas" panose="020B0609020204030204" pitchFamily="49" charset="0"/>
-              </a:rPr>
-              <a:t/>
-            </a:r>
-            <a:br>
-              <a:rPr kumimoji="0" lang="en-US" altLang="en-US" sz="1400" b="0" i="0" u="none" strike="noStrike" cap="none" normalizeH="0" baseline="0" dirty="0" smtClean="0">
-                <a:ln>
-                  <a:noFill/>
-                </a:ln>
-                <a:solidFill>
-                  <a:srgbClr val="000000"/>
-                </a:solidFill>
-                <a:effectLst/>
-                <a:latin typeface="Consolas" panose="020B0609020204030204" pitchFamily="49" charset="0"/>
-              </a:rPr>
-            </a:br>
-            <a:r>
-              <a:rPr kumimoji="0" lang="en-US" altLang="en-US" sz="1400" b="0" i="0" u="none" strike="noStrike" cap="none" normalizeH="0" baseline="0" dirty="0" smtClean="0">
-                <a:ln>
-                  <a:noFill/>
-                </a:ln>
-                <a:solidFill>
-                  <a:srgbClr val="000000"/>
-                </a:solidFill>
-                <a:effectLst/>
-                <a:latin typeface="Consolas" panose="020B0609020204030204" pitchFamily="49" charset="0"/>
-              </a:rPr>
-              <a:t>    </a:t>
-            </a:r>
-            <a:r>
-              <a:rPr kumimoji="0" lang="en-US" altLang="en-US" sz="1400" b="0" i="0" u="none" strike="noStrike" cap="none" normalizeH="0" baseline="0" dirty="0" smtClean="0">
-                <a:ln>
-                  <a:noFill/>
-                </a:ln>
-                <a:solidFill>
-                  <a:srgbClr val="006600"/>
-                </a:solidFill>
-                <a:effectLst/>
-                <a:latin typeface="Consolas" panose="020B0609020204030204" pitchFamily="49" charset="0"/>
-              </a:rPr>
-              <a:t>/*</a:t>
-            </a:r>
-            <a:br>
-              <a:rPr kumimoji="0" lang="en-US" altLang="en-US" sz="1400" b="0" i="0" u="none" strike="noStrike" cap="none" normalizeH="0" baseline="0" dirty="0" smtClean="0">
-                <a:ln>
-                  <a:noFill/>
-                </a:ln>
-                <a:solidFill>
-                  <a:srgbClr val="006600"/>
-                </a:solidFill>
-                <a:effectLst/>
-                <a:latin typeface="Consolas" panose="020B0609020204030204" pitchFamily="49" charset="0"/>
-              </a:rPr>
-            </a:br>
-            <a:r>
-              <a:rPr kumimoji="0" lang="en-US" altLang="en-US" sz="1400" b="0" i="0" u="none" strike="noStrike" cap="none" normalizeH="0" baseline="0" dirty="0" smtClean="0">
-                <a:ln>
-                  <a:noFill/>
-                </a:ln>
-                <a:solidFill>
-                  <a:srgbClr val="006600"/>
-                </a:solidFill>
-                <a:effectLst/>
-                <a:latin typeface="Consolas" panose="020B0609020204030204" pitchFamily="49" charset="0"/>
-              </a:rPr>
-              <a:t>     * Put the data transfer code here.</a:t>
-            </a:r>
-            <a:br>
-              <a:rPr kumimoji="0" lang="en-US" altLang="en-US" sz="1400" b="0" i="0" u="none" strike="noStrike" cap="none" normalizeH="0" baseline="0" dirty="0" smtClean="0">
-                <a:ln>
-                  <a:noFill/>
-                </a:ln>
-                <a:solidFill>
-                  <a:srgbClr val="006600"/>
-                </a:solidFill>
-                <a:effectLst/>
-                <a:latin typeface="Consolas" panose="020B0609020204030204" pitchFamily="49" charset="0"/>
-              </a:rPr>
-            </a:br>
-            <a:r>
-              <a:rPr kumimoji="0" lang="en-US" altLang="en-US" sz="1400" b="0" i="0" u="none" strike="noStrike" cap="none" normalizeH="0" baseline="0" dirty="0" smtClean="0">
-                <a:ln>
-                  <a:noFill/>
-                </a:ln>
-                <a:solidFill>
-                  <a:srgbClr val="006600"/>
-                </a:solidFill>
-                <a:effectLst/>
-                <a:latin typeface="Consolas" panose="020B0609020204030204" pitchFamily="49" charset="0"/>
-              </a:rPr>
-              <a:t>     */</a:t>
-            </a:r>
-            <a:r>
-              <a:rPr kumimoji="0" lang="en-US" altLang="en-US" sz="1400" b="0" i="0" u="none" strike="noStrike" cap="none" normalizeH="0" baseline="0" dirty="0" smtClean="0">
-                <a:ln>
-                  <a:noFill/>
-                </a:ln>
-                <a:solidFill>
-                  <a:srgbClr val="000000"/>
-                </a:solidFill>
-                <a:effectLst/>
-                <a:latin typeface="Consolas" panose="020B0609020204030204" pitchFamily="49" charset="0"/>
-              </a:rPr>
-              <a:t/>
-            </a:r>
-            <a:br>
-              <a:rPr kumimoji="0" lang="en-US" altLang="en-US" sz="1400" b="0" i="0" u="none" strike="noStrike" cap="none" normalizeH="0" baseline="0" dirty="0" smtClean="0">
-                <a:ln>
-                  <a:noFill/>
-                </a:ln>
-                <a:solidFill>
-                  <a:srgbClr val="000000"/>
-                </a:solidFill>
-                <a:effectLst/>
-                <a:latin typeface="Consolas" panose="020B0609020204030204" pitchFamily="49" charset="0"/>
-              </a:rPr>
-            </a:br>
-            <a:r>
-              <a:rPr kumimoji="0" lang="en-US" altLang="en-US" sz="1400" b="0" i="0" u="none" strike="noStrike" cap="none" normalizeH="0" baseline="0" dirty="0" smtClean="0">
-                <a:ln>
-                  <a:noFill/>
-                </a:ln>
-                <a:solidFill>
-                  <a:srgbClr val="000000"/>
-                </a:solidFill>
-                <a:effectLst/>
-                <a:latin typeface="Consolas" panose="020B0609020204030204" pitchFamily="49" charset="0"/>
-              </a:rPr>
-              <a:t>    </a:t>
-            </a:r>
-            <a:r>
-              <a:rPr kumimoji="0" lang="en-US" altLang="en-US" sz="1400" b="0" i="0" u="none" strike="noStrike" cap="none" normalizeH="0" baseline="0" dirty="0" smtClean="0">
-                <a:ln>
-                  <a:noFill/>
-                </a:ln>
-                <a:solidFill>
-                  <a:srgbClr val="666600"/>
-                </a:solidFill>
-                <a:effectLst/>
-                <a:latin typeface="Consolas" panose="020B0609020204030204" pitchFamily="49" charset="0"/>
-              </a:rPr>
-              <a:t>...</a:t>
-            </a:r>
-            <a:r>
-              <a:rPr kumimoji="0" lang="en-US" altLang="en-US" sz="1400" b="0" i="0" u="none" strike="noStrike" cap="none" normalizeH="0" baseline="0" dirty="0" smtClean="0">
-                <a:ln>
-                  <a:noFill/>
-                </a:ln>
-                <a:solidFill>
-                  <a:srgbClr val="000000"/>
-                </a:solidFill>
-                <a:effectLst/>
-                <a:latin typeface="Consolas" panose="020B0609020204030204" pitchFamily="49" charset="0"/>
-              </a:rPr>
-              <a:t/>
-            </a:r>
-            <a:br>
-              <a:rPr kumimoji="0" lang="en-US" altLang="en-US" sz="1400" b="0" i="0" u="none" strike="noStrike" cap="none" normalizeH="0" baseline="0" dirty="0" smtClean="0">
-                <a:ln>
-                  <a:noFill/>
-                </a:ln>
-                <a:solidFill>
-                  <a:srgbClr val="000000"/>
-                </a:solidFill>
-                <a:effectLst/>
-                <a:latin typeface="Consolas" panose="020B0609020204030204" pitchFamily="49" charset="0"/>
-              </a:rPr>
-            </a:br>
-            <a:r>
-              <a:rPr kumimoji="0" lang="en-US" altLang="en-US" sz="1400" b="0" i="0" u="none" strike="noStrike" cap="none" normalizeH="0" baseline="0" dirty="0" smtClean="0">
-                <a:ln>
-                  <a:noFill/>
-                </a:ln>
-                <a:solidFill>
-                  <a:srgbClr val="000000"/>
-                </a:solidFill>
-                <a:effectLst/>
-                <a:latin typeface="Consolas" panose="020B0609020204030204" pitchFamily="49" charset="0"/>
-              </a:rPr>
-              <a:t>    </a:t>
-            </a:r>
-            <a:r>
-              <a:rPr kumimoji="0" lang="en-US" altLang="en-US" sz="1400" b="0" i="0" u="none" strike="noStrike" cap="none" normalizeH="0" baseline="0" dirty="0" smtClean="0">
-                <a:ln>
-                  <a:noFill/>
-                </a:ln>
-                <a:solidFill>
-                  <a:srgbClr val="666600"/>
-                </a:solidFill>
-                <a:effectLst/>
-                <a:latin typeface="Consolas" panose="020B0609020204030204" pitchFamily="49" charset="0"/>
-              </a:rPr>
-              <a:t>}</a:t>
-            </a:r>
-            <a:r>
-              <a:rPr kumimoji="0" lang="en-US" altLang="en-US" sz="1400" b="0" i="0" u="none" strike="noStrike" cap="none" normalizeH="0" baseline="0" dirty="0" smtClean="0">
-                <a:ln>
-                  <a:noFill/>
-                </a:ln>
-                <a:solidFill>
-                  <a:schemeClr val="tx1"/>
-                </a:solidFill>
-                <a:effectLst/>
-                <a:latin typeface="Consolas" panose="020B0609020204030204" pitchFamily="49" charset="0"/>
-              </a:rPr>
-              <a:t> </a:t>
-            </a:r>
-          </a:p>
-        </p:txBody>
-      </p:sp>
-    </p:spTree>
-    <p:extLst>
-      <p:ext uri="{BB962C8B-B14F-4D97-AF65-F5344CB8AC3E}">
-        <p14:creationId xmlns:p14="http://schemas.microsoft.com/office/powerpoint/2010/main" val="4008872627"/>
-      </p:ext>
-    </p:extLst>
-  </p:cSld>
-  <p:clrMapOvr>
-    <a:masterClrMapping/>
-  </p:clrMapOvr>
-  <mc:AlternateContent xmlns:mc="http://schemas.openxmlformats.org/markup-compatibility/2006" xmlns:p14="http://schemas.microsoft.com/office/powerpoint/2010/main">
-    <mc:Choice Requires="p14">
-      <p:transition p14:dur="250">
-        <p14:reveal/>
-      </p:transition>
-    </mc:Choice>
-    <mc:Fallback xmlns="">
-      <p:transition>
-        <p:fade/>
-      </p:transition>
-    </mc:Fallback>
-  </mc:AlternateContent>
-  <p:timing>
-    <p:tnLst>
-      <p:par>
-        <p:cTn id="1" dur="indefinite" restart="never" nodeType="tmRoot"/>
-      </p:par>
-    </p:tnLst>
-  </p:timing>
-</p:sld>
-</file>
-
-<file path=ppt/slides/slide3.xml><?xml version="1.0" encoding="utf-8"?>
+<file path=ppt/slides/slide4.xml><?xml version="1.0" encoding="utf-8"?>
 <p:sld xmlns:a="http://schemas.openxmlformats.org/drawingml/2006/main" xmlns:r="http://schemas.openxmlformats.org/officeDocument/2006/relationships" xmlns:p="http://schemas.openxmlformats.org/presentationml/2006/main">
   <p:cSld>
     <p:spTree>
@@ -20770,7 +22057,7 @@
 </p:sld>
 </file>
 
-<file path=ppt/slides/slide4.xml><?xml version="1.0" encoding="utf-8"?>
+<file path=ppt/slides/slide5.xml><?xml version="1.0" encoding="utf-8"?>
 <p:sld xmlns:a="http://schemas.openxmlformats.org/drawingml/2006/main" xmlns:r="http://schemas.openxmlformats.org/officeDocument/2006/relationships" xmlns:p="http://schemas.openxmlformats.org/presentationml/2006/main">
   <p:cSld>
     <p:spTree>
@@ -21897,7 +23184,7 @@
 </p:sld>
 </file>
 
-<file path=ppt/slides/slide5.xml><?xml version="1.0" encoding="utf-8"?>
+<file path=ppt/slides/slide6.xml><?xml version="1.0" encoding="utf-8"?>
 <p:sld xmlns:a="http://schemas.openxmlformats.org/drawingml/2006/main" xmlns:r="http://schemas.openxmlformats.org/officeDocument/2006/relationships" xmlns:p="http://schemas.openxmlformats.org/presentationml/2006/main">
   <p:cSld>
     <p:spTree>
@@ -22190,7 +23477,7 @@
 </p:sld>
 </file>
 
-<file path=ppt/slides/slide6.xml><?xml version="1.0" encoding="utf-8"?>
+<file path=ppt/slides/slide7.xml><?xml version="1.0" encoding="utf-8"?>
 <p:sld xmlns:a="http://schemas.openxmlformats.org/drawingml/2006/main" xmlns:r="http://schemas.openxmlformats.org/officeDocument/2006/relationships" xmlns:p="http://schemas.openxmlformats.org/presentationml/2006/main">
   <p:cSld>
     <p:spTree>
@@ -22709,7 +23996,7 @@
 </p:sld>
 </file>
 
-<file path=ppt/slides/slide7.xml><?xml version="1.0" encoding="utf-8"?>
+<file path=ppt/slides/slide8.xml><?xml version="1.0" encoding="utf-8"?>
 <p:sld xmlns:a="http://schemas.openxmlformats.org/drawingml/2006/main" xmlns:r="http://schemas.openxmlformats.org/officeDocument/2006/relationships" xmlns:p="http://schemas.openxmlformats.org/presentationml/2006/main">
   <p:cSld>
     <p:spTree>
@@ -23993,7 +25280,7 @@
 </p:sld>
 </file>
 
-<file path=ppt/slides/slide8.xml><?xml version="1.0" encoding="utf-8"?>
+<file path=ppt/slides/slide9.xml><?xml version="1.0" encoding="utf-8"?>
 <p:sld xmlns:a="http://schemas.openxmlformats.org/drawingml/2006/main" xmlns:r="http://schemas.openxmlformats.org/officeDocument/2006/relationships" xmlns:p="http://schemas.openxmlformats.org/presentationml/2006/main">
   <p:cSld>
     <p:spTree>
@@ -25140,1158 +26427,6 @@
       <p:bldP spid="58" grpId="0"/>
       <p:bldP spid="59" grpId="0" animBg="1"/>
     </p:bldLst>
-  </p:timing>
-</p:sld>
-</file>
-
-<file path=ppt/slides/slide9.xml><?xml version="1.0" encoding="utf-8"?>
-<p:sld xmlns:a="http://schemas.openxmlformats.org/drawingml/2006/main" xmlns:r="http://schemas.openxmlformats.org/officeDocument/2006/relationships" xmlns:p="http://schemas.openxmlformats.org/presentationml/2006/main">
-  <p:cSld>
-    <p:spTree>
-      <p:nvGrpSpPr>
-        <p:cNvPr id="1" name=""/>
-        <p:cNvGrpSpPr/>
-        <p:nvPr/>
-      </p:nvGrpSpPr>
-      <p:grpSpPr>
-        <a:xfrm>
-          <a:off x="0" y="0"/>
-          <a:ext cx="0" cy="0"/>
-          <a:chOff x="0" y="0"/>
-          <a:chExt cx="0" cy="0"/>
-        </a:xfrm>
-      </p:grpSpPr>
-      <p:sp>
-        <p:nvSpPr>
-          <p:cNvPr id="4" name="Rounded Rectangle 3"/>
-          <p:cNvSpPr/>
-          <p:nvPr/>
-        </p:nvSpPr>
-        <p:spPr>
-          <a:xfrm>
-            <a:off x="7968208" y="620688"/>
-            <a:ext cx="2822104" cy="795528"/>
-          </a:xfrm>
-          <a:prstGeom prst="roundRect">
-            <a:avLst/>
-          </a:prstGeom>
-          <a:solidFill>
-            <a:srgbClr val="F8C02B"/>
-          </a:solidFill>
-          <a:ln/>
-        </p:spPr>
-        <p:style>
-          <a:lnRef idx="3">
-            <a:schemeClr val="lt1"/>
-          </a:lnRef>
-          <a:fillRef idx="1">
-            <a:schemeClr val="accent6"/>
-          </a:fillRef>
-          <a:effectRef idx="1">
-            <a:schemeClr val="accent6"/>
-          </a:effectRef>
-          <a:fontRef idx="minor">
-            <a:schemeClr val="lt1"/>
-          </a:fontRef>
-        </p:style>
-        <p:txBody>
-          <a:bodyPr rtlCol="0" anchor="ctr"/>
-          <a:lstStyle/>
-          <a:p>
-            <a:pPr algn="ctr"/>
-            <a:r>
-              <a:rPr lang="en-US" sz="2800" b="1" dirty="0" smtClean="0">
-                <a:solidFill>
-                  <a:schemeClr val="bg1"/>
-                </a:solidFill>
-              </a:rPr>
-              <a:t>UI</a:t>
-            </a:r>
-            <a:endParaRPr lang="en-US" sz="2800" b="1" dirty="0">
-              <a:solidFill>
-                <a:schemeClr val="bg1"/>
-              </a:solidFill>
-            </a:endParaRPr>
-          </a:p>
-        </p:txBody>
-      </p:sp>
-      <p:sp>
-        <p:nvSpPr>
-          <p:cNvPr id="5" name="Rounded Rectangle 4"/>
-          <p:cNvSpPr/>
-          <p:nvPr/>
-        </p:nvSpPr>
-        <p:spPr>
-          <a:xfrm>
-            <a:off x="609600" y="620688"/>
-            <a:ext cx="5270376" cy="792088"/>
-          </a:xfrm>
-          <a:prstGeom prst="roundRect">
-            <a:avLst/>
-          </a:prstGeom>
-          <a:solidFill>
-            <a:srgbClr val="4CC4B9"/>
-          </a:solidFill>
-          <a:ln/>
-        </p:spPr>
-        <p:style>
-          <a:lnRef idx="3">
-            <a:schemeClr val="lt1"/>
-          </a:lnRef>
-          <a:fillRef idx="1">
-            <a:schemeClr val="accent6"/>
-          </a:fillRef>
-          <a:effectRef idx="1">
-            <a:schemeClr val="accent6"/>
-          </a:effectRef>
-          <a:fontRef idx="minor">
-            <a:schemeClr val="lt1"/>
-          </a:fontRef>
-        </p:style>
-        <p:txBody>
-          <a:bodyPr rtlCol="0" anchor="ctr"/>
-          <a:lstStyle/>
-          <a:p>
-            <a:pPr algn="ctr"/>
-            <a:r>
-              <a:rPr lang="en-US" sz="2800" b="1" dirty="0" err="1" smtClean="0">
-                <a:solidFill>
-                  <a:schemeClr val="bg1"/>
-                </a:solidFill>
-              </a:rPr>
-              <a:t>CursorLoader</a:t>
-            </a:r>
-            <a:endParaRPr lang="en-US" sz="2800" b="1" dirty="0">
-              <a:solidFill>
-                <a:schemeClr val="bg1"/>
-              </a:solidFill>
-            </a:endParaRPr>
-          </a:p>
-        </p:txBody>
-      </p:sp>
-      <p:sp>
-        <p:nvSpPr>
-          <p:cNvPr id="6" name="Rounded Rectangle 5"/>
-          <p:cNvSpPr/>
-          <p:nvPr/>
-        </p:nvSpPr>
-        <p:spPr>
-          <a:xfrm>
-            <a:off x="609600" y="2318253"/>
-            <a:ext cx="5270376" cy="795528"/>
-          </a:xfrm>
-          <a:prstGeom prst="roundRect">
-            <a:avLst/>
-          </a:prstGeom>
-          <a:solidFill>
-            <a:srgbClr val="9AD21C"/>
-          </a:solidFill>
-          <a:ln/>
-        </p:spPr>
-        <p:style>
-          <a:lnRef idx="3">
-            <a:schemeClr val="lt1"/>
-          </a:lnRef>
-          <a:fillRef idx="1">
-            <a:schemeClr val="accent6"/>
-          </a:fillRef>
-          <a:effectRef idx="1">
-            <a:schemeClr val="accent6"/>
-          </a:effectRef>
-          <a:fontRef idx="minor">
-            <a:schemeClr val="lt1"/>
-          </a:fontRef>
-        </p:style>
-        <p:txBody>
-          <a:bodyPr rtlCol="0" anchor="ctr"/>
-          <a:lstStyle/>
-          <a:p>
-            <a:pPr algn="ctr"/>
-            <a:r>
-              <a:rPr lang="en-US" sz="2800" b="1" dirty="0" err="1" smtClean="0">
-                <a:solidFill>
-                  <a:schemeClr val="bg1"/>
-                </a:solidFill>
-              </a:rPr>
-              <a:t>ContentProvider</a:t>
-            </a:r>
-            <a:endParaRPr lang="en-US" sz="2800" b="1" dirty="0">
-              <a:solidFill>
-                <a:schemeClr val="bg1"/>
-              </a:solidFill>
-            </a:endParaRPr>
-          </a:p>
-        </p:txBody>
-      </p:sp>
-      <p:sp>
-        <p:nvSpPr>
-          <p:cNvPr id="7" name="Rounded Rectangle 6"/>
-          <p:cNvSpPr/>
-          <p:nvPr/>
-        </p:nvSpPr>
-        <p:spPr>
-          <a:xfrm>
-            <a:off x="609600" y="4019259"/>
-            <a:ext cx="5270376" cy="795528"/>
-          </a:xfrm>
-          <a:prstGeom prst="roundRect">
-            <a:avLst/>
-          </a:prstGeom>
-          <a:solidFill>
-            <a:schemeClr val="accent4">
-              <a:lumMod val="75000"/>
-            </a:schemeClr>
-          </a:solidFill>
-          <a:ln/>
-        </p:spPr>
-        <p:style>
-          <a:lnRef idx="3">
-            <a:schemeClr val="lt1"/>
-          </a:lnRef>
-          <a:fillRef idx="1">
-            <a:schemeClr val="accent6"/>
-          </a:fillRef>
-          <a:effectRef idx="1">
-            <a:schemeClr val="accent6"/>
-          </a:effectRef>
-          <a:fontRef idx="minor">
-            <a:schemeClr val="lt1"/>
-          </a:fontRef>
-        </p:style>
-        <p:txBody>
-          <a:bodyPr rtlCol="0" anchor="ctr"/>
-          <a:lstStyle/>
-          <a:p>
-            <a:pPr algn="ctr"/>
-            <a:r>
-              <a:rPr lang="en-US" sz="2800" b="1" dirty="0" err="1" smtClean="0">
-                <a:solidFill>
-                  <a:schemeClr val="bg1"/>
-                </a:solidFill>
-              </a:rPr>
-              <a:t>SyncAdapter</a:t>
-            </a:r>
-            <a:endParaRPr lang="en-US" sz="2800" b="1" dirty="0">
-              <a:solidFill>
-                <a:schemeClr val="bg1"/>
-              </a:solidFill>
-            </a:endParaRPr>
-          </a:p>
-        </p:txBody>
-      </p:sp>
-      <p:sp>
-        <p:nvSpPr>
-          <p:cNvPr id="8" name="Rounded Rectangle 7"/>
-          <p:cNvSpPr/>
-          <p:nvPr/>
-        </p:nvSpPr>
-        <p:spPr>
-          <a:xfrm>
-            <a:off x="7968208" y="4019259"/>
-            <a:ext cx="2822104" cy="795528"/>
-          </a:xfrm>
-          <a:prstGeom prst="roundRect">
-            <a:avLst/>
-          </a:prstGeom>
-          <a:solidFill>
-            <a:schemeClr val="accent5">
-              <a:lumMod val="75000"/>
-            </a:schemeClr>
-          </a:solidFill>
-          <a:ln/>
-        </p:spPr>
-        <p:style>
-          <a:lnRef idx="3">
-            <a:schemeClr val="lt1"/>
-          </a:lnRef>
-          <a:fillRef idx="1">
-            <a:schemeClr val="accent6"/>
-          </a:fillRef>
-          <a:effectRef idx="1">
-            <a:schemeClr val="accent6"/>
-          </a:effectRef>
-          <a:fontRef idx="minor">
-            <a:schemeClr val="lt1"/>
-          </a:fontRef>
-        </p:style>
-        <p:txBody>
-          <a:bodyPr rtlCol="0" anchor="ctr"/>
-          <a:lstStyle/>
-          <a:p>
-            <a:pPr algn="ctr"/>
-            <a:r>
-              <a:rPr lang="en-US" sz="2800" b="1" dirty="0" smtClean="0">
-                <a:solidFill>
-                  <a:schemeClr val="bg1"/>
-                </a:solidFill>
-              </a:rPr>
-              <a:t>Network</a:t>
-            </a:r>
-            <a:endParaRPr lang="en-US" sz="2800" b="1" dirty="0">
-              <a:solidFill>
-                <a:schemeClr val="bg1"/>
-              </a:solidFill>
-            </a:endParaRPr>
-          </a:p>
-        </p:txBody>
-      </p:sp>
-      <p:sp>
-        <p:nvSpPr>
-          <p:cNvPr id="10" name="Cloud 9"/>
-          <p:cNvSpPr/>
-          <p:nvPr/>
-        </p:nvSpPr>
-        <p:spPr>
-          <a:xfrm>
-            <a:off x="9955323" y="5517232"/>
-            <a:ext cx="2088232" cy="1484784"/>
-          </a:xfrm>
-          <a:prstGeom prst="cloud">
-            <a:avLst/>
-          </a:prstGeom>
-          <a:solidFill>
-            <a:schemeClr val="bg1">
-              <a:lumMod val="65000"/>
-            </a:schemeClr>
-          </a:solidFill>
-          <a:ln>
-            <a:solidFill>
-              <a:schemeClr val="bg1"/>
-            </a:solidFill>
-          </a:ln>
-        </p:spPr>
-        <p:style>
-          <a:lnRef idx="2">
-            <a:schemeClr val="accent1">
-              <a:shade val="50000"/>
-            </a:schemeClr>
-          </a:lnRef>
-          <a:fillRef idx="1">
-            <a:schemeClr val="accent1"/>
-          </a:fillRef>
-          <a:effectRef idx="0">
-            <a:schemeClr val="accent1"/>
-          </a:effectRef>
-          <a:fontRef idx="minor">
-            <a:schemeClr val="lt1"/>
-          </a:fontRef>
-        </p:style>
-        <p:txBody>
-          <a:bodyPr rtlCol="0" anchor="ctr"/>
-          <a:lstStyle/>
-          <a:p>
-            <a:pPr algn="ctr"/>
-            <a:r>
-              <a:rPr lang="en-US" dirty="0" err="1" smtClean="0">
-                <a:latin typeface="Arial Black" panose="020B0A04020102020204" pitchFamily="34" charset="0"/>
-              </a:rPr>
-              <a:t>ze</a:t>
-            </a:r>
-            <a:r>
-              <a:rPr lang="en-US" dirty="0" smtClean="0">
-                <a:latin typeface="Arial Black" panose="020B0A04020102020204" pitchFamily="34" charset="0"/>
-              </a:rPr>
-              <a:t> internet</a:t>
-            </a:r>
-            <a:endParaRPr lang="en-US" dirty="0">
-              <a:latin typeface="Arial Black" panose="020B0A04020102020204" pitchFamily="34" charset="0"/>
-            </a:endParaRPr>
-          </a:p>
-        </p:txBody>
-      </p:sp>
-      <p:cxnSp>
-        <p:nvCxnSpPr>
-          <p:cNvPr id="12" name="Elbow Connector 11"/>
-          <p:cNvCxnSpPr>
-            <a:stCxn id="8" idx="2"/>
-            <a:endCxn id="10" idx="2"/>
-          </p:cNvCxnSpPr>
-          <p:nvPr/>
-        </p:nvCxnSpPr>
-        <p:spPr>
-          <a:xfrm rot="16200000" flipH="1">
-            <a:off x="8948112" y="5245935"/>
-            <a:ext cx="1444837" cy="582540"/>
-          </a:xfrm>
-          <a:prstGeom prst="bentConnector2">
-            <a:avLst/>
-          </a:prstGeom>
-          <a:ln w="38100">
-            <a:solidFill>
-              <a:schemeClr val="bg1"/>
-            </a:solidFill>
-            <a:headEnd type="triangle" w="lg" len="lg"/>
-            <a:tailEnd type="triangle" w="lg" len="lg"/>
-          </a:ln>
-        </p:spPr>
-        <p:style>
-          <a:lnRef idx="1">
-            <a:schemeClr val="accent1"/>
-          </a:lnRef>
-          <a:fillRef idx="0">
-            <a:schemeClr val="accent1"/>
-          </a:fillRef>
-          <a:effectRef idx="0">
-            <a:schemeClr val="accent1"/>
-          </a:effectRef>
-          <a:fontRef idx="minor">
-            <a:schemeClr val="tx1"/>
-          </a:fontRef>
-        </p:style>
-      </p:cxnSp>
-      <p:grpSp>
-        <p:nvGrpSpPr>
-          <p:cNvPr id="20" name="Group 19"/>
-          <p:cNvGrpSpPr/>
-          <p:nvPr/>
-        </p:nvGrpSpPr>
-        <p:grpSpPr>
-          <a:xfrm>
-            <a:off x="479376" y="4814787"/>
-            <a:ext cx="2765413" cy="1497974"/>
-            <a:chOff x="479376" y="4814787"/>
-            <a:chExt cx="2765413" cy="1497974"/>
-          </a:xfrm>
-        </p:grpSpPr>
-        <p:sp>
-          <p:nvSpPr>
-            <p:cNvPr id="21" name="Hexagon 20"/>
-            <p:cNvSpPr/>
-            <p:nvPr/>
-          </p:nvSpPr>
-          <p:spPr>
-            <a:xfrm>
-              <a:off x="479376" y="5517233"/>
-              <a:ext cx="2016224" cy="795528"/>
-            </a:xfrm>
-            <a:prstGeom prst="hexagon">
-              <a:avLst/>
-            </a:prstGeom>
-            <a:solidFill>
-              <a:srgbClr val="FFFF00"/>
-            </a:solidFill>
-            <a:ln>
-              <a:solidFill>
-                <a:schemeClr val="bg1"/>
-              </a:solidFill>
-            </a:ln>
-            <a:effectLst>
-              <a:outerShdw blurRad="50800" dist="38100" dir="5400000" algn="t" rotWithShape="0">
-                <a:prstClr val="black">
-                  <a:alpha val="40000"/>
-                </a:prstClr>
-              </a:outerShdw>
-            </a:effectLst>
-          </p:spPr>
-          <p:style>
-            <a:lnRef idx="2">
-              <a:schemeClr val="accent1">
-                <a:shade val="50000"/>
-              </a:schemeClr>
-            </a:lnRef>
-            <a:fillRef idx="1">
-              <a:schemeClr val="accent1"/>
-            </a:fillRef>
-            <a:effectRef idx="0">
-              <a:schemeClr val="accent1"/>
-            </a:effectRef>
-            <a:fontRef idx="minor">
-              <a:schemeClr val="lt1"/>
-            </a:fontRef>
-          </p:style>
-          <p:txBody>
-            <a:bodyPr rtlCol="0" anchor="ctr"/>
-            <a:lstStyle/>
-            <a:p>
-              <a:pPr algn="ctr"/>
-              <a:r>
-                <a:rPr lang="en-US" b="1" dirty="0" smtClean="0">
-                  <a:solidFill>
-                    <a:schemeClr val="tx1"/>
-                  </a:solidFill>
-                </a:rPr>
-                <a:t>Android Framework</a:t>
-              </a:r>
-              <a:endParaRPr lang="en-US" b="1" dirty="0">
-                <a:solidFill>
-                  <a:schemeClr val="tx1"/>
-                </a:solidFill>
-              </a:endParaRPr>
-            </a:p>
-          </p:txBody>
-        </p:sp>
-        <p:cxnSp>
-          <p:nvCxnSpPr>
-            <p:cNvPr id="22" name="Elbow Connector 21"/>
-            <p:cNvCxnSpPr>
-              <a:endCxn id="21" idx="0"/>
-            </p:cNvCxnSpPr>
-            <p:nvPr/>
-          </p:nvCxnSpPr>
-          <p:spPr>
-            <a:xfrm rot="5400000">
-              <a:off x="2320090" y="4990298"/>
-              <a:ext cx="1100209" cy="749188"/>
-            </a:xfrm>
-            <a:prstGeom prst="bentConnector2">
-              <a:avLst/>
-            </a:prstGeom>
-            <a:ln w="38100">
-              <a:solidFill>
-                <a:schemeClr val="bg1"/>
-              </a:solidFill>
-              <a:prstDash val="sysDash"/>
-              <a:headEnd type="triangle" w="lg" len="lg"/>
-              <a:tailEnd type="triangle" w="lg" len="lg"/>
-            </a:ln>
-          </p:spPr>
-          <p:style>
-            <a:lnRef idx="1">
-              <a:schemeClr val="accent1"/>
-            </a:lnRef>
-            <a:fillRef idx="0">
-              <a:schemeClr val="accent1"/>
-            </a:fillRef>
-            <a:effectRef idx="0">
-              <a:schemeClr val="accent1"/>
-            </a:effectRef>
-            <a:fontRef idx="minor">
-              <a:schemeClr val="tx1"/>
-            </a:fontRef>
-          </p:style>
-        </p:cxnSp>
-      </p:grpSp>
-      <p:cxnSp>
-        <p:nvCxnSpPr>
-          <p:cNvPr id="25" name="Straight Arrow Connector 24"/>
-          <p:cNvCxnSpPr>
-            <a:stCxn id="7" idx="3"/>
-            <a:endCxn id="8" idx="1"/>
-          </p:cNvCxnSpPr>
-          <p:nvPr/>
-        </p:nvCxnSpPr>
-        <p:spPr>
-          <a:xfrm>
-            <a:off x="5879976" y="4417023"/>
-            <a:ext cx="2088232" cy="0"/>
-          </a:xfrm>
-          <a:prstGeom prst="straightConnector1">
-            <a:avLst/>
-          </a:prstGeom>
-          <a:ln w="38100">
-            <a:solidFill>
-              <a:schemeClr val="bg1"/>
-            </a:solidFill>
-            <a:headEnd type="triangle" w="lg" len="lg"/>
-            <a:tailEnd type="triangle" w="lg" len="lg"/>
-          </a:ln>
-        </p:spPr>
-        <p:style>
-          <a:lnRef idx="1">
-            <a:schemeClr val="accent1"/>
-          </a:lnRef>
-          <a:fillRef idx="0">
-            <a:schemeClr val="accent1"/>
-          </a:fillRef>
-          <a:effectRef idx="0">
-            <a:schemeClr val="accent1"/>
-          </a:effectRef>
-          <a:fontRef idx="minor">
-            <a:schemeClr val="tx1"/>
-          </a:fontRef>
-        </p:style>
-      </p:cxnSp>
-      <p:cxnSp>
-        <p:nvCxnSpPr>
-          <p:cNvPr id="28" name="Straight Arrow Connector 27"/>
-          <p:cNvCxnSpPr>
-            <a:stCxn id="6" idx="2"/>
-            <a:endCxn id="7" idx="0"/>
-          </p:cNvCxnSpPr>
-          <p:nvPr/>
-        </p:nvCxnSpPr>
-        <p:spPr>
-          <a:xfrm>
-            <a:off x="3244788" y="3113781"/>
-            <a:ext cx="0" cy="905478"/>
-          </a:xfrm>
-          <a:prstGeom prst="straightConnector1">
-            <a:avLst/>
-          </a:prstGeom>
-          <a:ln w="38100">
-            <a:solidFill>
-              <a:schemeClr val="bg1"/>
-            </a:solidFill>
-            <a:headEnd type="triangle" w="lg" len="lg"/>
-            <a:tailEnd type="triangle" w="lg" len="lg"/>
-          </a:ln>
-        </p:spPr>
-        <p:style>
-          <a:lnRef idx="1">
-            <a:schemeClr val="accent1"/>
-          </a:lnRef>
-          <a:fillRef idx="0">
-            <a:schemeClr val="accent1"/>
-          </a:fillRef>
-          <a:effectRef idx="0">
-            <a:schemeClr val="accent1"/>
-          </a:effectRef>
-          <a:fontRef idx="minor">
-            <a:schemeClr val="tx1"/>
-          </a:fontRef>
-        </p:style>
-      </p:cxnSp>
-      <p:cxnSp>
-        <p:nvCxnSpPr>
-          <p:cNvPr id="31" name="Straight Arrow Connector 30"/>
-          <p:cNvCxnSpPr/>
-          <p:nvPr/>
-        </p:nvCxnSpPr>
-        <p:spPr>
-          <a:xfrm>
-            <a:off x="2783632" y="1412776"/>
-            <a:ext cx="0" cy="905477"/>
-          </a:xfrm>
-          <a:prstGeom prst="straightConnector1">
-            <a:avLst/>
-          </a:prstGeom>
-          <a:ln w="38100">
-            <a:solidFill>
-              <a:schemeClr val="bg1"/>
-            </a:solidFill>
-            <a:prstDash val="sysDash"/>
-            <a:headEnd type="triangle" w="lg" len="lg"/>
-            <a:tailEnd type="none" w="lg" len="lg"/>
-          </a:ln>
-        </p:spPr>
-        <p:style>
-          <a:lnRef idx="1">
-            <a:schemeClr val="accent1"/>
-          </a:lnRef>
-          <a:fillRef idx="0">
-            <a:schemeClr val="accent1"/>
-          </a:fillRef>
-          <a:effectRef idx="0">
-            <a:schemeClr val="accent1"/>
-          </a:effectRef>
-          <a:fontRef idx="minor">
-            <a:schemeClr val="tx1"/>
-          </a:fontRef>
-        </p:style>
-      </p:cxnSp>
-      <p:cxnSp>
-        <p:nvCxnSpPr>
-          <p:cNvPr id="34" name="Straight Arrow Connector 33"/>
-          <p:cNvCxnSpPr>
-            <a:stCxn id="5" idx="3"/>
-            <a:endCxn id="4" idx="1"/>
-          </p:cNvCxnSpPr>
-          <p:nvPr/>
-        </p:nvCxnSpPr>
-        <p:spPr>
-          <a:xfrm>
-            <a:off x="5879976" y="1016732"/>
-            <a:ext cx="2088232" cy="1720"/>
-          </a:xfrm>
-          <a:prstGeom prst="straightConnector1">
-            <a:avLst/>
-          </a:prstGeom>
-          <a:ln w="38100">
-            <a:solidFill>
-              <a:schemeClr val="bg1"/>
-            </a:solidFill>
-            <a:headEnd type="triangle" w="lg" len="lg"/>
-            <a:tailEnd type="triangle" w="lg" len="lg"/>
-          </a:ln>
-        </p:spPr>
-        <p:style>
-          <a:lnRef idx="1">
-            <a:schemeClr val="accent1"/>
-          </a:lnRef>
-          <a:fillRef idx="0">
-            <a:schemeClr val="accent1"/>
-          </a:fillRef>
-          <a:effectRef idx="0">
-            <a:schemeClr val="accent1"/>
-          </a:effectRef>
-          <a:fontRef idx="minor">
-            <a:schemeClr val="tx1"/>
-          </a:fontRef>
-        </p:style>
-      </p:cxnSp>
-      <p:sp>
-        <p:nvSpPr>
-          <p:cNvPr id="2" name="TextBox 1"/>
-          <p:cNvSpPr txBox="1"/>
-          <p:nvPr/>
-        </p:nvSpPr>
-        <p:spPr>
-          <a:xfrm flipH="1">
-            <a:off x="191344" y="1693344"/>
-            <a:ext cx="2295799" cy="369332"/>
-          </a:xfrm>
-          <a:prstGeom prst="rect">
-            <a:avLst/>
-          </a:prstGeom>
-          <a:noFill/>
-        </p:spPr>
-        <p:txBody>
-          <a:bodyPr wrap="square" rtlCol="0">
-            <a:spAutoFit/>
-          </a:bodyPr>
-          <a:lstStyle/>
-          <a:p>
-            <a:pPr algn="r"/>
-            <a:r>
-              <a:rPr lang="en-US" dirty="0" err="1" smtClean="0">
-                <a:solidFill>
-                  <a:schemeClr val="bg1"/>
-                </a:solidFill>
-              </a:rPr>
-              <a:t>ContentObserver</a:t>
-            </a:r>
-            <a:endParaRPr lang="en-US" dirty="0">
-              <a:solidFill>
-                <a:schemeClr val="bg1"/>
-              </a:solidFill>
-            </a:endParaRPr>
-          </a:p>
-        </p:txBody>
-      </p:sp>
-      <p:cxnSp>
-        <p:nvCxnSpPr>
-          <p:cNvPr id="19" name="Straight Arrow Connector 18"/>
-          <p:cNvCxnSpPr>
-            <a:stCxn id="5" idx="2"/>
-            <a:endCxn id="6" idx="0"/>
-          </p:cNvCxnSpPr>
-          <p:nvPr/>
-        </p:nvCxnSpPr>
-        <p:spPr>
-          <a:xfrm>
-            <a:off x="3244788" y="1412776"/>
-            <a:ext cx="0" cy="905477"/>
-          </a:xfrm>
-          <a:prstGeom prst="straightConnector1">
-            <a:avLst/>
-          </a:prstGeom>
-          <a:ln w="38100">
-            <a:solidFill>
-              <a:schemeClr val="bg1"/>
-            </a:solidFill>
-            <a:headEnd type="triangle" w="lg" len="lg"/>
-            <a:tailEnd type="triangle" w="lg" len="lg"/>
-          </a:ln>
-        </p:spPr>
-        <p:style>
-          <a:lnRef idx="1">
-            <a:schemeClr val="accent1"/>
-          </a:lnRef>
-          <a:fillRef idx="0">
-            <a:schemeClr val="accent1"/>
-          </a:fillRef>
-          <a:effectRef idx="0">
-            <a:schemeClr val="accent1"/>
-          </a:effectRef>
-          <a:fontRef idx="minor">
-            <a:schemeClr val="tx1"/>
-          </a:fontRef>
-        </p:style>
-      </p:cxnSp>
-      <p:sp>
-        <p:nvSpPr>
-          <p:cNvPr id="23" name="TextBox 22"/>
-          <p:cNvSpPr txBox="1"/>
-          <p:nvPr/>
-        </p:nvSpPr>
-        <p:spPr>
-          <a:xfrm flipH="1">
-            <a:off x="3440161" y="1693344"/>
-            <a:ext cx="3447927" cy="369332"/>
-          </a:xfrm>
-          <a:prstGeom prst="rect">
-            <a:avLst/>
-          </a:prstGeom>
-          <a:noFill/>
-        </p:spPr>
-        <p:txBody>
-          <a:bodyPr wrap="square" rtlCol="0">
-            <a:spAutoFit/>
-          </a:bodyPr>
-          <a:lstStyle/>
-          <a:p>
-            <a:r>
-              <a:rPr lang="en-US" dirty="0" err="1" smtClean="0">
-                <a:solidFill>
-                  <a:schemeClr val="bg1"/>
-                </a:solidFill>
-              </a:rPr>
-              <a:t>ContentResolver.query</a:t>
-            </a:r>
-            <a:r>
-              <a:rPr lang="en-US" dirty="0" smtClean="0">
-                <a:solidFill>
-                  <a:schemeClr val="bg1"/>
-                </a:solidFill>
-              </a:rPr>
-              <a:t>()</a:t>
-            </a:r>
-            <a:endParaRPr lang="en-US" dirty="0">
-              <a:solidFill>
-                <a:schemeClr val="bg1"/>
-              </a:solidFill>
-            </a:endParaRPr>
-          </a:p>
-        </p:txBody>
-      </p:sp>
-      <p:grpSp>
-        <p:nvGrpSpPr>
-          <p:cNvPr id="15" name="Group 14"/>
-          <p:cNvGrpSpPr/>
-          <p:nvPr/>
-        </p:nvGrpSpPr>
-        <p:grpSpPr>
-          <a:xfrm>
-            <a:off x="3368152" y="5917312"/>
-            <a:ext cx="2871864" cy="795528"/>
-            <a:chOff x="3440160" y="5517232"/>
-            <a:chExt cx="2871864" cy="795528"/>
-          </a:xfrm>
-        </p:grpSpPr>
-        <p:sp>
-          <p:nvSpPr>
-            <p:cNvPr id="14" name="Rounded Rectangular Callout 13"/>
-            <p:cNvSpPr/>
-            <p:nvPr/>
-          </p:nvSpPr>
-          <p:spPr>
-            <a:xfrm>
-              <a:off x="3440160" y="5517232"/>
-              <a:ext cx="2871864" cy="795528"/>
-            </a:xfrm>
-            <a:prstGeom prst="wedgeRoundRectCallout">
-              <a:avLst>
-                <a:gd name="adj1" fmla="val -61628"/>
-                <a:gd name="adj2" fmla="val -32088"/>
-                <a:gd name="adj3" fmla="val 16667"/>
-              </a:avLst>
-            </a:prstGeom>
-            <a:solidFill>
-              <a:srgbClr val="FFFFFF">
-                <a:alpha val="20000"/>
-              </a:srgbClr>
-            </a:solidFill>
-            <a:ln w="19050">
-              <a:solidFill>
-                <a:schemeClr val="bg1"/>
-              </a:solidFill>
-            </a:ln>
-          </p:spPr>
-          <p:style>
-            <a:lnRef idx="2">
-              <a:schemeClr val="accent1">
-                <a:shade val="50000"/>
-              </a:schemeClr>
-            </a:lnRef>
-            <a:fillRef idx="1">
-              <a:schemeClr val="accent1"/>
-            </a:fillRef>
-            <a:effectRef idx="0">
-              <a:schemeClr val="accent1"/>
-            </a:effectRef>
-            <a:fontRef idx="minor">
-              <a:schemeClr val="lt1"/>
-            </a:fontRef>
-          </p:style>
-          <p:txBody>
-            <a:bodyPr rtlCol="0" anchor="ctr"/>
-            <a:lstStyle/>
-            <a:p>
-              <a:pPr algn="ctr"/>
-              <a:endParaRPr lang="en-US"/>
-            </a:p>
-          </p:txBody>
-        </p:sp>
-        <p:sp>
-          <p:nvSpPr>
-            <p:cNvPr id="24" name="TextBox 23"/>
-            <p:cNvSpPr txBox="1"/>
-            <p:nvPr/>
-          </p:nvSpPr>
-          <p:spPr>
-            <a:xfrm flipH="1">
-              <a:off x="3440160" y="5574239"/>
-              <a:ext cx="2871864" cy="646331"/>
-            </a:xfrm>
-            <a:prstGeom prst="rect">
-              <a:avLst/>
-            </a:prstGeom>
-            <a:noFill/>
-          </p:spPr>
-          <p:txBody>
-            <a:bodyPr wrap="square" rtlCol="0">
-              <a:spAutoFit/>
-            </a:bodyPr>
-            <a:lstStyle/>
-            <a:p>
-              <a:pPr algn="ctr"/>
-              <a:r>
-                <a:rPr lang="en-US" i="1" dirty="0" smtClean="0">
-                  <a:solidFill>
-                    <a:schemeClr val="bg1"/>
-                  </a:solidFill>
-                </a:rPr>
-                <a:t>Hey, this would be a great moment to synchronize!</a:t>
-              </a:r>
-              <a:endParaRPr lang="en-US" i="1" dirty="0">
-                <a:solidFill>
-                  <a:schemeClr val="bg1"/>
-                </a:solidFill>
-              </a:endParaRPr>
-            </a:p>
-          </p:txBody>
-        </p:sp>
-      </p:grpSp>
-      <p:sp>
-        <p:nvSpPr>
-          <p:cNvPr id="30" name="TextBox 29"/>
-          <p:cNvSpPr txBox="1"/>
-          <p:nvPr/>
-        </p:nvSpPr>
-        <p:spPr>
-          <a:xfrm flipH="1">
-            <a:off x="3440161" y="3365918"/>
-            <a:ext cx="3096344" cy="369332"/>
-          </a:xfrm>
-          <a:prstGeom prst="rect">
-            <a:avLst/>
-          </a:prstGeom>
-          <a:noFill/>
-        </p:spPr>
-        <p:txBody>
-          <a:bodyPr wrap="square" rtlCol="0">
-            <a:spAutoFit/>
-          </a:bodyPr>
-          <a:lstStyle/>
-          <a:p>
-            <a:r>
-              <a:rPr lang="en-US" dirty="0" err="1" smtClean="0">
-                <a:solidFill>
-                  <a:schemeClr val="bg1"/>
-                </a:solidFill>
-              </a:rPr>
-              <a:t>ContentResolver.insert</a:t>
-            </a:r>
-            <a:r>
-              <a:rPr lang="en-US" dirty="0" smtClean="0">
-                <a:solidFill>
-                  <a:schemeClr val="bg1"/>
-                </a:solidFill>
-              </a:rPr>
-              <a:t>()</a:t>
-            </a:r>
-            <a:endParaRPr lang="en-US" dirty="0">
-              <a:solidFill>
-                <a:schemeClr val="bg1"/>
-              </a:solidFill>
-            </a:endParaRPr>
-          </a:p>
-        </p:txBody>
-      </p:sp>
-    </p:spTree>
-    <p:extLst>
-      <p:ext uri="{BB962C8B-B14F-4D97-AF65-F5344CB8AC3E}">
-        <p14:creationId xmlns:p14="http://schemas.microsoft.com/office/powerpoint/2010/main" val="4099643928"/>
-      </p:ext>
-    </p:extLst>
-  </p:cSld>
-  <p:clrMapOvr>
-    <a:masterClrMapping/>
-  </p:clrMapOvr>
-  <p:transition spd="slow">
-    <p:wipe dir="r"/>
-  </p:transition>
-  <p:timing>
-    <p:tnLst>
-      <p:par>
-        <p:cTn id="1" dur="indefinite" restart="never" nodeType="tmRoot">
-          <p:childTnLst>
-            <p:seq concurrent="1" nextAc="seek">
-              <p:cTn id="2" dur="indefinite" nodeType="mainSeq">
-                <p:childTnLst>
-                  <p:par>
-                    <p:cTn id="3" fill="hold">
-                      <p:stCondLst>
-                        <p:cond delay="indefinite"/>
-                      </p:stCondLst>
-                      <p:childTnLst>
-                        <p:par>
-                          <p:cTn id="4" fill="hold">
-                            <p:stCondLst>
-                              <p:cond delay="0"/>
-                            </p:stCondLst>
-                            <p:childTnLst>
-                              <p:par>
-                                <p:cTn id="5" presetID="42" presetClass="entr" presetSubtype="0" fill="hold" nodeType="clickEffect">
-                                  <p:stCondLst>
-                                    <p:cond delay="0"/>
-                                  </p:stCondLst>
-                                  <p:childTnLst>
-                                    <p:set>
-                                      <p:cBhvr>
-                                        <p:cTn id="6" dur="1" fill="hold">
-                                          <p:stCondLst>
-                                            <p:cond delay="0"/>
-                                          </p:stCondLst>
-                                        </p:cTn>
-                                        <p:tgtEl>
-                                          <p:spTgt spid="20"/>
-                                        </p:tgtEl>
-                                        <p:attrNameLst>
-                                          <p:attrName>style.visibility</p:attrName>
-                                        </p:attrNameLst>
-                                      </p:cBhvr>
-                                      <p:to>
-                                        <p:strVal val="visible"/>
-                                      </p:to>
-                                    </p:set>
-                                    <p:animEffect transition="in" filter="fade">
-                                      <p:cBhvr>
-                                        <p:cTn id="7" dur="1000"/>
-                                        <p:tgtEl>
-                                          <p:spTgt spid="20"/>
-                                        </p:tgtEl>
-                                      </p:cBhvr>
-                                    </p:animEffect>
-                                    <p:anim calcmode="lin" valueType="num">
-                                      <p:cBhvr>
-                                        <p:cTn id="8" dur="1000" fill="hold"/>
-                                        <p:tgtEl>
-                                          <p:spTgt spid="20"/>
-                                        </p:tgtEl>
-                                        <p:attrNameLst>
-                                          <p:attrName>ppt_x</p:attrName>
-                                        </p:attrNameLst>
-                                      </p:cBhvr>
-                                      <p:tavLst>
-                                        <p:tav tm="0">
-                                          <p:val>
-                                            <p:strVal val="#ppt_x"/>
-                                          </p:val>
-                                        </p:tav>
-                                        <p:tav tm="100000">
-                                          <p:val>
-                                            <p:strVal val="#ppt_x"/>
-                                          </p:val>
-                                        </p:tav>
-                                      </p:tavLst>
-                                    </p:anim>
-                                    <p:anim calcmode="lin" valueType="num">
-                                      <p:cBhvr>
-                                        <p:cTn id="9" dur="1000" fill="hold"/>
-                                        <p:tgtEl>
-                                          <p:spTgt spid="20"/>
-                                        </p:tgtEl>
-                                        <p:attrNameLst>
-                                          <p:attrName>ppt_y</p:attrName>
-                                        </p:attrNameLst>
-                                      </p:cBhvr>
-                                      <p:tavLst>
-                                        <p:tav tm="0">
-                                          <p:val>
-                                            <p:strVal val="#ppt_y+.1"/>
-                                          </p:val>
-                                        </p:tav>
-                                        <p:tav tm="100000">
-                                          <p:val>
-                                            <p:strVal val="#ppt_y"/>
-                                          </p:val>
-                                        </p:tav>
-                                      </p:tavLst>
-                                    </p:anim>
-                                  </p:childTnLst>
-                                </p:cTn>
-                              </p:par>
-                            </p:childTnLst>
-                          </p:cTn>
-                        </p:par>
-                      </p:childTnLst>
-                    </p:cTn>
-                  </p:par>
-                  <p:par>
-                    <p:cTn id="10" fill="hold">
-                      <p:stCondLst>
-                        <p:cond delay="indefinite"/>
-                      </p:stCondLst>
-                      <p:childTnLst>
-                        <p:par>
-                          <p:cTn id="11" fill="hold">
-                            <p:stCondLst>
-                              <p:cond delay="0"/>
-                            </p:stCondLst>
-                            <p:childTnLst>
-                              <p:par>
-                                <p:cTn id="12" presetID="22" presetClass="entr" presetSubtype="8" fill="hold" nodeType="clickEffect">
-                                  <p:stCondLst>
-                                    <p:cond delay="0"/>
-                                  </p:stCondLst>
-                                  <p:childTnLst>
-                                    <p:set>
-                                      <p:cBhvr>
-                                        <p:cTn id="13" dur="1" fill="hold">
-                                          <p:stCondLst>
-                                            <p:cond delay="0"/>
-                                          </p:stCondLst>
-                                        </p:cTn>
-                                        <p:tgtEl>
-                                          <p:spTgt spid="15"/>
-                                        </p:tgtEl>
-                                        <p:attrNameLst>
-                                          <p:attrName>style.visibility</p:attrName>
-                                        </p:attrNameLst>
-                                      </p:cBhvr>
-                                      <p:to>
-                                        <p:strVal val="visible"/>
-                                      </p:to>
-                                    </p:set>
-                                    <p:animEffect transition="in" filter="wipe(left)">
-                                      <p:cBhvr>
-                                        <p:cTn id="14" dur="300"/>
-                                        <p:tgtEl>
-                                          <p:spTgt spid="15"/>
-                                        </p:tgtEl>
-                                      </p:cBhvr>
-                                    </p:animEffect>
-                                  </p:childTnLst>
-                                </p:cTn>
-                              </p:par>
-                            </p:childTnLst>
-                          </p:cTn>
-                        </p:par>
-                      </p:childTnLst>
-                    </p:cTn>
-                  </p:par>
-                </p:childTnLst>
-              </p:cTn>
-              <p:prevCondLst>
-                <p:cond evt="onPrev" delay="0">
-                  <p:tgtEl>
-                    <p:sldTgt/>
-                  </p:tgtEl>
-                </p:cond>
-              </p:prevCondLst>
-              <p:nextCondLst>
-                <p:cond evt="onNext" delay="0">
-                  <p:tgtEl>
-                    <p:sldTgt/>
-                  </p:tgtEl>
-                </p:cond>
-              </p:nextCondLst>
-            </p:seq>
-          </p:childTnLst>
-        </p:cTn>
-      </p:par>
-    </p:tnLst>
   </p:timing>
 </p:sld>
 </file>

--- a/I've been doing some syncing.pptx
+++ b/I've been doing some syncing.pptx
@@ -5,10 +5,10 @@
     <p:sldMasterId id="2147483660" r:id="rId1"/>
   </p:sldMasterIdLst>
   <p:notesMasterIdLst>
-    <p:notesMasterId r:id="rId27"/>
+    <p:notesMasterId r:id="rId30"/>
   </p:notesMasterIdLst>
   <p:sldIdLst>
-    <p:sldId id="256" r:id="rId2"/>
+    <p:sldId id="315" r:id="rId2"/>
     <p:sldId id="314" r:id="rId3"/>
     <p:sldId id="300" r:id="rId4"/>
     <p:sldId id="304" r:id="rId5"/>
@@ -29,10 +29,13 @@
     <p:sldId id="311" r:id="rId20"/>
     <p:sldId id="310" r:id="rId21"/>
     <p:sldId id="293" r:id="rId22"/>
-    <p:sldId id="292" r:id="rId23"/>
-    <p:sldId id="291" r:id="rId24"/>
-    <p:sldId id="294" r:id="rId25"/>
-    <p:sldId id="295" r:id="rId26"/>
+    <p:sldId id="316" r:id="rId23"/>
+    <p:sldId id="317" r:id="rId24"/>
+    <p:sldId id="318" r:id="rId25"/>
+    <p:sldId id="292" r:id="rId26"/>
+    <p:sldId id="291" r:id="rId27"/>
+    <p:sldId id="294" r:id="rId28"/>
+    <p:sldId id="295" r:id="rId29"/>
   </p:sldIdLst>
   <p:sldSz cx="12192000" cy="6858000"/>
   <p:notesSz cx="6858000" cy="9144000"/>
@@ -568,7 +571,7 @@
             <a:fld id="{375B649D-962F-434C-B1D1-0A0101E8CDA0}" type="slidenum">
               <a:rPr lang="nl-NL" smtClean="0"/>
               <a:pPr/>
-              <a:t>23</a:t>
+              <a:t>26</a:t>
             </a:fld>
             <a:endParaRPr lang="nl-NL"/>
           </a:p>
@@ -7147,8 +7150,8 @@
         </p:blipFill>
         <p:spPr bwMode="auto">
           <a:xfrm>
-            <a:off x="-12972" y="-7297"/>
-            <a:ext cx="12217945" cy="6872594"/>
+            <a:off x="-12971" y="-7297"/>
+            <a:ext cx="12217943" cy="6872594"/>
           </a:xfrm>
           <a:prstGeom prst="rect">
             <a:avLst/>
@@ -7181,13 +7184,13 @@
               </a:ext>
             </a:extLst>
           </a:blip>
-          <a:srcRect t="75146"/>
+          <a:srcRect t="75129"/>
           <a:stretch/>
         </p:blipFill>
         <p:spPr bwMode="auto">
           <a:xfrm>
-            <a:off x="-10860" y="5157191"/>
-            <a:ext cx="12217944" cy="1708105"/>
+            <a:off x="-15676" y="5157192"/>
+            <a:ext cx="12220648" cy="1709627"/>
           </a:xfrm>
           <a:prstGeom prst="rect">
             <a:avLst/>
@@ -7212,7 +7215,7 @@
         </p:nvSpPr>
         <p:spPr>
           <a:xfrm>
-            <a:off x="0" y="5157192"/>
+            <a:off x="-15676" y="5157192"/>
             <a:ext cx="12192000" cy="1700808"/>
           </a:xfrm>
           <a:prstGeom prst="rect">
@@ -7264,19 +7267,19 @@
         </p:nvSpPr>
         <p:spPr>
           <a:xfrm>
-            <a:off x="-96688" y="5272731"/>
-            <a:ext cx="7920880" cy="1470025"/>
+            <a:off x="6384032" y="1958975"/>
+            <a:ext cx="4896544" cy="1470025"/>
           </a:xfrm>
         </p:spPr>
         <p:txBody>
           <a:bodyPr>
-            <a:normAutofit/>
+            <a:noAutofit/>
           </a:bodyPr>
           <a:lstStyle>
             <a:lvl1pPr>
-              <a:defRPr lang="nl-NL" sz="5400" b="1" kern="1200" dirty="0">
-                <a:solidFill>
-                  <a:srgbClr val="F8C02B"/>
+              <a:defRPr lang="nl-NL" sz="4400" b="1" kern="1200" dirty="0">
+                <a:solidFill>
+                  <a:schemeClr val="tx1"/>
                 </a:solidFill>
                 <a:latin typeface="MV Boli" panose="02000500030200090000" pitchFamily="2" charset="0"/>
                 <a:ea typeface="+mj-ea"/>
@@ -7305,7 +7308,7 @@
         </p:nvSpPr>
         <p:spPr>
           <a:xfrm>
-            <a:off x="119336" y="6356351"/>
+            <a:off x="9168354" y="6356351"/>
             <a:ext cx="2844800" cy="365125"/>
           </a:xfrm>
         </p:spPr>
@@ -7360,8 +7363,8 @@
         </p:blipFill>
         <p:spPr>
           <a:xfrm>
-            <a:off x="9145175" y="6165304"/>
-            <a:ext cx="3018832" cy="609329"/>
+            <a:off x="407368" y="5617130"/>
+            <a:ext cx="4608512" cy="930194"/>
           </a:xfrm>
           <a:prstGeom prst="rect">
             <a:avLst/>
@@ -8385,7 +8388,7 @@
       </p:grpSpPr>
       <p:pic>
         <p:nvPicPr>
-          <p:cNvPr id="13" name="Picture 2"/>
+          <p:cNvPr id="11" name="Picture 2"/>
           <p:cNvPicPr>
             <a:picLocks noChangeAspect="1" noChangeArrowheads="1"/>
           </p:cNvPicPr>
@@ -8405,8 +8408,8 @@
         </p:blipFill>
         <p:spPr bwMode="auto">
           <a:xfrm>
-            <a:off x="-12972" y="-7297"/>
-            <a:ext cx="12217945" cy="6872594"/>
+            <a:off x="-12971" y="-7297"/>
+            <a:ext cx="12217943" cy="6872594"/>
           </a:xfrm>
           <a:prstGeom prst="rect">
             <a:avLst/>
@@ -8423,93 +8426,6 @@
           </a:extLst>
         </p:spPr>
       </p:pic>
-      <p:pic>
-        <p:nvPicPr>
-          <p:cNvPr id="14" name="Picture 2"/>
-          <p:cNvPicPr>
-            <a:picLocks noChangeAspect="1" noChangeArrowheads="1"/>
-          </p:cNvPicPr>
-          <p:nvPr userDrawn="1"/>
-        </p:nvPicPr>
-        <p:blipFill rotWithShape="1">
-          <a:blip r:embed="rId3">
-            <a:extLst>
-              <a:ext uri="{28A0092B-C50C-407E-A947-70E740481C1C}">
-                <a14:useLocalDpi xmlns:a14="http://schemas.microsoft.com/office/drawing/2010/main" val="0"/>
-              </a:ext>
-            </a:extLst>
-          </a:blip>
-          <a:srcRect t="75146"/>
-          <a:stretch/>
-        </p:blipFill>
-        <p:spPr bwMode="auto">
-          <a:xfrm>
-            <a:off x="-10860" y="5157191"/>
-            <a:ext cx="12217944" cy="1708105"/>
-          </a:xfrm>
-          <a:prstGeom prst="rect">
-            <a:avLst/>
-          </a:prstGeom>
-          <a:noFill/>
-          <a:extLst>
-            <a:ext uri="{909E8E84-426E-40DD-AFC4-6F175D3DCCD1}">
-              <a14:hiddenFill xmlns:a14="http://schemas.microsoft.com/office/drawing/2010/main">
-                <a:solidFill>
-                  <a:srgbClr val="FFFFFF"/>
-                </a:solidFill>
-              </a14:hiddenFill>
-            </a:ext>
-          </a:extLst>
-        </p:spPr>
-      </p:pic>
-      <p:sp>
-        <p:nvSpPr>
-          <p:cNvPr id="12" name="Rectangle 11"/>
-          <p:cNvSpPr/>
-          <p:nvPr userDrawn="1"/>
-        </p:nvSpPr>
-        <p:spPr>
-          <a:xfrm>
-            <a:off x="0" y="5157192"/>
-            <a:ext cx="12192000" cy="1700808"/>
-          </a:xfrm>
-          <a:prstGeom prst="rect">
-            <a:avLst/>
-          </a:prstGeom>
-          <a:solidFill>
-            <a:schemeClr val="tx1">
-              <a:alpha val="70000"/>
-            </a:schemeClr>
-          </a:solidFill>
-          <a:ln>
-            <a:noFill/>
-          </a:ln>
-        </p:spPr>
-        <p:style>
-          <a:lnRef idx="2">
-            <a:schemeClr val="accent1">
-              <a:shade val="50000"/>
-            </a:schemeClr>
-          </a:lnRef>
-          <a:fillRef idx="1">
-            <a:schemeClr val="accent1"/>
-          </a:fillRef>
-          <a:effectRef idx="0">
-            <a:schemeClr val="accent1"/>
-          </a:effectRef>
-          <a:fontRef idx="minor">
-            <a:schemeClr val="lt1"/>
-          </a:fontRef>
-        </p:style>
-        <p:txBody>
-          <a:bodyPr rtlCol="0" anchor="ctr"/>
-          <a:lstStyle/>
-          <a:p>
-            <a:pPr algn="ctr"/>
-            <a:endParaRPr lang="en-US"/>
-          </a:p>
-        </p:txBody>
-      </p:sp>
       <p:sp>
         <p:nvSpPr>
           <p:cNvPr id="2" name="Title 1"/>
@@ -8605,7 +8521,7 @@
           <p:nvPr userDrawn="1"/>
         </p:nvPicPr>
         <p:blipFill>
-          <a:blip r:embed="rId4" cstate="print">
+          <a:blip r:embed="rId3" cstate="print">
             <a:extLst>
               <a:ext uri="{28A0092B-C50C-407E-A947-70E740481C1C}">
                 <a14:useLocalDpi xmlns:a14="http://schemas.microsoft.com/office/drawing/2010/main" val="0"/>
@@ -8740,6 +8656,93 @@
               <a:t>Click to edit Master subtitle style</a:t>
             </a:r>
             <a:endParaRPr lang="nl-NL" dirty="0"/>
+          </a:p>
+        </p:txBody>
+      </p:sp>
+      <p:pic>
+        <p:nvPicPr>
+          <p:cNvPr id="15" name="Picture 2"/>
+          <p:cNvPicPr>
+            <a:picLocks noChangeAspect="1" noChangeArrowheads="1"/>
+          </p:cNvPicPr>
+          <p:nvPr userDrawn="1"/>
+        </p:nvPicPr>
+        <p:blipFill rotWithShape="1">
+          <a:blip r:embed="rId4">
+            <a:extLst>
+              <a:ext uri="{28A0092B-C50C-407E-A947-70E740481C1C}">
+                <a14:useLocalDpi xmlns:a14="http://schemas.microsoft.com/office/drawing/2010/main" val="0"/>
+              </a:ext>
+            </a:extLst>
+          </a:blip>
+          <a:srcRect t="75129"/>
+          <a:stretch/>
+        </p:blipFill>
+        <p:spPr bwMode="auto">
+          <a:xfrm>
+            <a:off x="-15676" y="5157192"/>
+            <a:ext cx="12220648" cy="1709627"/>
+          </a:xfrm>
+          <a:prstGeom prst="rect">
+            <a:avLst/>
+          </a:prstGeom>
+          <a:noFill/>
+          <a:extLst>
+            <a:ext uri="{909E8E84-426E-40DD-AFC4-6F175D3DCCD1}">
+              <a14:hiddenFill xmlns:a14="http://schemas.microsoft.com/office/drawing/2010/main">
+                <a:solidFill>
+                  <a:srgbClr val="FFFFFF"/>
+                </a:solidFill>
+              </a14:hiddenFill>
+            </a:ext>
+          </a:extLst>
+        </p:spPr>
+      </p:pic>
+      <p:sp>
+        <p:nvSpPr>
+          <p:cNvPr id="16" name="Rectangle 15"/>
+          <p:cNvSpPr/>
+          <p:nvPr userDrawn="1"/>
+        </p:nvSpPr>
+        <p:spPr>
+          <a:xfrm>
+            <a:off x="-15676" y="5157192"/>
+            <a:ext cx="12192000" cy="1700808"/>
+          </a:xfrm>
+          <a:prstGeom prst="rect">
+            <a:avLst/>
+          </a:prstGeom>
+          <a:solidFill>
+            <a:schemeClr val="tx1">
+              <a:alpha val="70000"/>
+            </a:schemeClr>
+          </a:solidFill>
+          <a:ln>
+            <a:noFill/>
+          </a:ln>
+        </p:spPr>
+        <p:style>
+          <a:lnRef idx="2">
+            <a:schemeClr val="accent1">
+              <a:shade val="50000"/>
+            </a:schemeClr>
+          </a:lnRef>
+          <a:fillRef idx="1">
+            <a:schemeClr val="accent1"/>
+          </a:fillRef>
+          <a:effectRef idx="0">
+            <a:schemeClr val="accent1"/>
+          </a:effectRef>
+          <a:fontRef idx="minor">
+            <a:schemeClr val="lt1"/>
+          </a:fontRef>
+        </p:style>
+        <p:txBody>
+          <a:bodyPr rtlCol="0" anchor="ctr"/>
+          <a:lstStyle/>
+          <a:p>
+            <a:pPr algn="ctr"/>
+            <a:endParaRPr lang="en-US"/>
           </a:p>
         </p:txBody>
       </p:sp>
@@ -9072,7 +9075,7 @@
         <p:spPr bwMode="auto">
           <a:xfrm>
             <a:off x="-10860" y="-7297"/>
-            <a:ext cx="12217944" cy="6872594"/>
+            <a:ext cx="12217943" cy="6872594"/>
           </a:xfrm>
           <a:prstGeom prst="rect">
             <a:avLst/>
@@ -9097,7 +9100,7 @@
         </p:nvSpPr>
         <p:spPr>
           <a:xfrm>
-            <a:off x="0" y="-7297"/>
+            <a:off x="-10860" y="-7297"/>
             <a:ext cx="12192000" cy="6865297"/>
           </a:xfrm>
           <a:prstGeom prst="rect">
@@ -11408,6 +11411,36 @@
       </p:grpSpPr>
       <p:pic>
         <p:nvPicPr>
+          <p:cNvPr id="6" name="Picture 5"/>
+          <p:cNvPicPr>
+            <a:picLocks noChangeAspect="1"/>
+          </p:cNvPicPr>
+          <p:nvPr/>
+        </p:nvPicPr>
+        <p:blipFill>
+          <a:blip r:embed="rId2">
+            <a:extLst>
+              <a:ext uri="{28A0092B-C50C-407E-A947-70E740481C1C}">
+                <a14:useLocalDpi xmlns:a14="http://schemas.microsoft.com/office/drawing/2010/main" val="0"/>
+              </a:ext>
+            </a:extLst>
+          </a:blip>
+          <a:stretch>
+            <a:fillRect/>
+          </a:stretch>
+        </p:blipFill>
+        <p:spPr>
+          <a:xfrm>
+            <a:off x="3935760" y="875373"/>
+            <a:ext cx="7767148" cy="3091591"/>
+          </a:xfrm>
+          <a:prstGeom prst="rect">
+            <a:avLst/>
+          </a:prstGeom>
+        </p:spPr>
+      </p:pic>
+      <p:pic>
+        <p:nvPicPr>
           <p:cNvPr id="4" name="Picture 2" descr="C:\Users\Paul\Documents\My Dropbox\Pixplicity\Pictures\Paul_2012-06-04-square-600px.jpg"/>
           <p:cNvPicPr>
             <a:picLocks noChangeAspect="1" noChangeArrowheads="1"/>
@@ -11415,7 +11448,7 @@
           <p:nvPr/>
         </p:nvPicPr>
         <p:blipFill>
-          <a:blip r:embed="rId2" cstate="print">
+          <a:blip r:embed="rId3" cstate="print">
             <a:extLst>
               <a:ext uri="{28A0092B-C50C-407E-A947-70E740481C1C}">
                 <a14:useLocalDpi xmlns:a14="http://schemas.microsoft.com/office/drawing/2010/main" val="0"/>
@@ -11429,7 +11462,7 @@
         </p:blipFill>
         <p:spPr bwMode="auto">
           <a:xfrm>
-            <a:off x="9840416" y="4077072"/>
+            <a:off x="9800927" y="4541639"/>
             <a:ext cx="1911697" cy="1911697"/>
           </a:xfrm>
           <a:prstGeom prst="rect">
@@ -11475,8 +11508,8 @@
         </p:nvSpPr>
         <p:spPr>
           <a:xfrm>
-            <a:off x="6711552" y="5333727"/>
-            <a:ext cx="3083740" cy="615553"/>
+            <a:off x="6560567" y="5591562"/>
+            <a:ext cx="3083740" cy="861774"/>
           </a:xfrm>
           <a:prstGeom prst="rect">
             <a:avLst/>
@@ -11491,7 +11524,7 @@
           <a:p>
             <a:pPr algn="r"/>
             <a:r>
-              <a:rPr lang="en-US" sz="2000" b="1" dirty="0">
+              <a:rPr lang="en-US" sz="2800" b="1" dirty="0">
                 <a:solidFill>
                   <a:schemeClr val="bg1">
                     <a:lumMod val="65000"/>
@@ -11501,7 +11534,7 @@
               <a:t>Paul </a:t>
             </a:r>
             <a:r>
-              <a:rPr lang="en-US" sz="2000" b="1" dirty="0" err="1">
+              <a:rPr lang="en-US" sz="2800" b="1" dirty="0" err="1">
                 <a:solidFill>
                   <a:schemeClr val="bg1">
                     <a:lumMod val="65000"/>
@@ -11510,7 +11543,7 @@
               </a:rPr>
               <a:t>Lammertsma</a:t>
             </a:r>
-            <a:endParaRPr lang="en-US" sz="2000" b="1" dirty="0">
+            <a:endParaRPr lang="en-US" sz="2800" b="1" dirty="0">
               <a:solidFill>
                 <a:schemeClr val="bg1">
                   <a:lumMod val="65000"/>
@@ -11521,7 +11554,7 @@
           <a:p>
             <a:pPr algn="r"/>
             <a:r>
-              <a:rPr lang="en-US" sz="2000" dirty="0">
+              <a:rPr lang="en-US" sz="2800" dirty="0">
                 <a:solidFill>
                   <a:schemeClr val="bg1">
                     <a:lumMod val="65000"/>
@@ -11531,7 +11564,7 @@
               <a:t>CTO, </a:t>
             </a:r>
             <a:r>
-              <a:rPr lang="en-US" sz="2000" dirty="0" err="1">
+              <a:rPr lang="en-US" sz="2800" dirty="0" err="1">
                 <a:solidFill>
                   <a:schemeClr val="bg1">
                     <a:lumMod val="65000"/>
@@ -11540,7 +11573,7 @@
               </a:rPr>
               <a:t>Pixplicity</a:t>
             </a:r>
-            <a:endParaRPr lang="en-US" sz="2000" dirty="0">
+            <a:endParaRPr lang="en-US" sz="2800" dirty="0">
               <a:solidFill>
                 <a:schemeClr val="bg1">
                   <a:lumMod val="65000"/>
@@ -11560,25 +11593,54 @@
             <p:ph type="ctrTitle"/>
           </p:nvPr>
         </p:nvSpPr>
-        <p:spPr/>
+        <p:spPr>
+          <a:xfrm>
+            <a:off x="6168008" y="1205508"/>
+            <a:ext cx="5363964" cy="2880320"/>
+          </a:xfrm>
+        </p:spPr>
         <p:txBody>
           <a:bodyPr>
-            <a:normAutofit fontScale="90000"/>
+            <a:normAutofit/>
           </a:bodyPr>
           <a:lstStyle/>
           <a:p>
             <a:r>
-              <a:rPr lang="en-US" dirty="0" smtClean="0"/>
-              <a:t>I’ve been doing some syncing…</a:t>
-            </a:r>
-            <a:endParaRPr lang="en-US" dirty="0"/>
+              <a:rPr lang="en-US" sz="4400" dirty="0" smtClean="0">
+                <a:solidFill>
+                  <a:schemeClr val="tx1"/>
+                </a:solidFill>
+              </a:rPr>
+              <a:t>I’ve </a:t>
+            </a:r>
+            <a:r>
+              <a:rPr lang="en-US" sz="4400" dirty="0" smtClean="0">
+                <a:solidFill>
+                  <a:schemeClr val="tx1"/>
+                </a:solidFill>
+              </a:rPr>
+              <a:t>been doing </a:t>
+            </a:r>
+            <a:r>
+              <a:rPr lang="en-US" sz="4400" dirty="0" smtClean="0">
+                <a:solidFill>
+                  <a:schemeClr val="tx1"/>
+                </a:solidFill>
+              </a:rPr>
+              <a:t>some syncing…</a:t>
+            </a:r>
+            <a:endParaRPr lang="en-US" sz="4400" dirty="0">
+              <a:solidFill>
+                <a:schemeClr val="tx1"/>
+              </a:solidFill>
+            </a:endParaRPr>
           </a:p>
         </p:txBody>
       </p:sp>
     </p:spTree>
     <p:extLst>
       <p:ext uri="{BB962C8B-B14F-4D97-AF65-F5344CB8AC3E}">
-        <p14:creationId xmlns:p14="http://schemas.microsoft.com/office/powerpoint/2010/main" val="1796368047"/>
+        <p14:creationId xmlns:p14="http://schemas.microsoft.com/office/powerpoint/2010/main" val="3166584952"/>
       </p:ext>
     </p:extLst>
   </p:cSld>
@@ -11639,7 +11701,7 @@
             <a:avLst/>
           </a:prstGeom>
           <a:solidFill>
-            <a:srgbClr val="F8C02B"/>
+            <a:srgbClr val="E2A908"/>
           </a:solidFill>
           <a:ln/>
         </p:spPr>
@@ -11898,76 +11960,11 @@
           </a:p>
         </p:txBody>
       </p:sp>
-      <p:sp>
-        <p:nvSpPr>
-          <p:cNvPr id="10" name="Cloud 9"/>
-          <p:cNvSpPr/>
-          <p:nvPr/>
-        </p:nvSpPr>
-        <p:spPr>
-          <a:xfrm>
-            <a:off x="9955323" y="5517232"/>
-            <a:ext cx="2088232" cy="1484784"/>
-          </a:xfrm>
-          <a:prstGeom prst="cloud">
-            <a:avLst/>
-          </a:prstGeom>
-          <a:solidFill>
-            <a:schemeClr val="bg1">
-              <a:lumMod val="65000"/>
-            </a:schemeClr>
-          </a:solidFill>
-          <a:ln>
-            <a:solidFill>
-              <a:schemeClr val="bg1"/>
-            </a:solidFill>
-          </a:ln>
-        </p:spPr>
-        <p:style>
-          <a:lnRef idx="2">
-            <a:schemeClr val="accent1">
-              <a:shade val="50000"/>
-            </a:schemeClr>
-          </a:lnRef>
-          <a:fillRef idx="1">
-            <a:schemeClr val="accent1"/>
-          </a:fillRef>
-          <a:effectRef idx="0">
-            <a:schemeClr val="accent1"/>
-          </a:effectRef>
-          <a:fontRef idx="minor">
-            <a:schemeClr val="lt1"/>
-          </a:fontRef>
-        </p:style>
-        <p:txBody>
-          <a:bodyPr rtlCol="0" anchor="ctr"/>
-          <a:lstStyle/>
-          <a:p>
-            <a:pPr algn="ctr"/>
-            <a:r>
-              <a:rPr lang="en-US" dirty="0" err="1" smtClean="0">
-                <a:latin typeface="Arial Black" panose="020B0A04020102020204" pitchFamily="34" charset="0"/>
-              </a:rPr>
-              <a:t>ze</a:t>
-            </a:r>
-            <a:r>
-              <a:rPr lang="en-US" dirty="0" smtClean="0">
-                <a:latin typeface="Arial Black" panose="020B0A04020102020204" pitchFamily="34" charset="0"/>
-              </a:rPr>
-              <a:t> internet</a:t>
-            </a:r>
-            <a:endParaRPr lang="en-US" dirty="0">
-              <a:latin typeface="Arial Black" panose="020B0A04020102020204" pitchFamily="34" charset="0"/>
-            </a:endParaRPr>
-          </a:p>
-        </p:txBody>
-      </p:sp>
       <p:cxnSp>
         <p:nvCxnSpPr>
           <p:cNvPr id="12" name="Elbow Connector 11"/>
           <p:cNvCxnSpPr>
             <a:stCxn id="8" idx="2"/>
-            <a:endCxn id="10" idx="2"/>
           </p:cNvCxnSpPr>
           <p:nvPr/>
         </p:nvCxnSpPr>
@@ -12561,6 +12558,94 @@
           </a:p>
         </p:txBody>
       </p:sp>
+      <p:grpSp>
+        <p:nvGrpSpPr>
+          <p:cNvPr id="26" name="Group 25"/>
+          <p:cNvGrpSpPr/>
+          <p:nvPr/>
+        </p:nvGrpSpPr>
+        <p:grpSpPr>
+          <a:xfrm>
+            <a:off x="9961801" y="5554834"/>
+            <a:ext cx="2158018" cy="1127061"/>
+            <a:chOff x="9711303" y="2010891"/>
+            <a:chExt cx="2158018" cy="1127061"/>
+          </a:xfrm>
+        </p:grpSpPr>
+        <p:pic>
+          <p:nvPicPr>
+            <p:cNvPr id="27" name="Picture 26"/>
+            <p:cNvPicPr>
+              <a:picLocks noChangeAspect="1"/>
+            </p:cNvPicPr>
+            <p:nvPr/>
+          </p:nvPicPr>
+          <p:blipFill>
+            <a:blip r:embed="rId2" cstate="print">
+              <a:extLst>
+                <a:ext uri="{28A0092B-C50C-407E-A947-70E740481C1C}">
+                  <a14:useLocalDpi xmlns:a14="http://schemas.microsoft.com/office/drawing/2010/main" val="0"/>
+                </a:ext>
+              </a:extLst>
+            </a:blip>
+            <a:stretch>
+              <a:fillRect/>
+            </a:stretch>
+          </p:blipFill>
+          <p:spPr>
+            <a:xfrm>
+              <a:off x="9711303" y="2010891"/>
+              <a:ext cx="2158018" cy="1127061"/>
+            </a:xfrm>
+            <a:prstGeom prst="rect">
+              <a:avLst/>
+            </a:prstGeom>
+          </p:spPr>
+        </p:pic>
+        <p:sp>
+          <p:nvSpPr>
+            <p:cNvPr id="29" name="Rectangle 28"/>
+            <p:cNvSpPr/>
+            <p:nvPr/>
+          </p:nvSpPr>
+          <p:spPr>
+            <a:xfrm>
+              <a:off x="10024596" y="2492896"/>
+              <a:ext cx="1544012" cy="400110"/>
+            </a:xfrm>
+            <a:prstGeom prst="rect">
+              <a:avLst/>
+            </a:prstGeom>
+          </p:spPr>
+          <p:txBody>
+            <a:bodyPr wrap="none">
+              <a:spAutoFit/>
+            </a:bodyPr>
+            <a:lstStyle/>
+            <a:p>
+              <a:pPr algn="ctr"/>
+              <a:r>
+                <a:rPr lang="en-US" sz="2000" dirty="0" err="1">
+                  <a:latin typeface="MV Boli" panose="02000500030200090000" pitchFamily="2" charset="0"/>
+                  <a:cs typeface="MV Boli" panose="02000500030200090000" pitchFamily="2" charset="0"/>
+                </a:rPr>
+                <a:t>ze</a:t>
+              </a:r>
+              <a:r>
+                <a:rPr lang="en-US" sz="2000" dirty="0">
+                  <a:latin typeface="MV Boli" panose="02000500030200090000" pitchFamily="2" charset="0"/>
+                  <a:cs typeface="MV Boli" panose="02000500030200090000" pitchFamily="2" charset="0"/>
+                </a:rPr>
+                <a:t> internet</a:t>
+              </a:r>
+              <a:endParaRPr lang="en-US" sz="2000" dirty="0">
+                <a:latin typeface="MV Boli" panose="02000500030200090000" pitchFamily="2" charset="0"/>
+                <a:cs typeface="MV Boli" panose="02000500030200090000" pitchFamily="2" charset="0"/>
+              </a:endParaRPr>
+            </a:p>
+          </p:txBody>
+        </p:sp>
+      </p:grpSp>
     </p:spTree>
     <p:extLst>
       <p:ext uri="{BB962C8B-B14F-4D97-AF65-F5344CB8AC3E}">
@@ -12891,7 +12976,7 @@
         </p:blipFill>
         <p:spPr>
           <a:xfrm>
-            <a:off x="7752184" y="1462718"/>
+            <a:off x="7320136" y="1462718"/>
             <a:ext cx="2808312" cy="4992555"/>
           </a:xfrm>
           <a:prstGeom prst="rect">
@@ -13060,7 +13145,7 @@
         </p:nvGrpSpPr>
         <p:grpSpPr>
           <a:xfrm>
-            <a:off x="6600056" y="2996952"/>
+            <a:off x="6168008" y="2996952"/>
             <a:ext cx="1440160" cy="1440160"/>
             <a:chOff x="4871864" y="2780928"/>
             <a:chExt cx="1872208" cy="1872208"/>
@@ -13162,13 +13247,13 @@
   <p:clrMapOvr>
     <a:masterClrMapping/>
   </p:clrMapOvr>
-  <mc:AlternateContent xmlns:mc="http://schemas.openxmlformats.org/markup-compatibility/2006">
-    <mc:Choice xmlns:p14="http://schemas.microsoft.com/office/powerpoint/2010/main" Requires="p14">
+  <mc:AlternateContent xmlns:mc="http://schemas.openxmlformats.org/markup-compatibility/2006" xmlns:p14="http://schemas.microsoft.com/office/powerpoint/2010/main">
+    <mc:Choice Requires="p14">
       <p:transition p14:dur="250">
         <p14:reveal/>
       </p:transition>
     </mc:Choice>
-    <mc:Fallback>
+    <mc:Fallback xmlns="">
       <p:transition>
         <p:fade/>
       </p:transition>
@@ -13201,6 +13286,29 @@
           <a:chExt cx="0" cy="0"/>
         </a:xfrm>
       </p:grpSpPr>
+      <p:sp>
+        <p:nvSpPr>
+          <p:cNvPr id="2" name="Title 1"/>
+          <p:cNvSpPr>
+            <a:spLocks noGrp="1"/>
+          </p:cNvSpPr>
+          <p:nvPr>
+            <p:ph type="title"/>
+          </p:nvPr>
+        </p:nvSpPr>
+        <p:spPr/>
+        <p:txBody>
+          <a:bodyPr/>
+          <a:lstStyle/>
+          <a:p>
+            <a:r>
+              <a:rPr lang="en-US" dirty="0" smtClean="0"/>
+              <a:t>Android Settings</a:t>
+            </a:r>
+            <a:endParaRPr lang="en-US" dirty="0"/>
+          </a:p>
+        </p:txBody>
+      </p:sp>
       <p:pic>
         <p:nvPicPr>
           <p:cNvPr id="14" name="Content Placeholder 3"/>
@@ -13223,7 +13331,7 @@
         </p:blipFill>
         <p:spPr>
           <a:xfrm>
-            <a:off x="6252495" y="1461973"/>
+            <a:off x="6816041" y="1461973"/>
             <a:ext cx="2808351" cy="4992624"/>
           </a:xfrm>
           <a:prstGeom prst="rect">
@@ -13231,29 +13339,6 @@
           </a:prstGeom>
         </p:spPr>
       </p:pic>
-      <p:sp>
-        <p:nvSpPr>
-          <p:cNvPr id="2" name="Title 1"/>
-          <p:cNvSpPr>
-            <a:spLocks noGrp="1"/>
-          </p:cNvSpPr>
-          <p:nvPr>
-            <p:ph type="title"/>
-          </p:nvPr>
-        </p:nvSpPr>
-        <p:spPr/>
-        <p:txBody>
-          <a:bodyPr/>
-          <a:lstStyle/>
-          <a:p>
-            <a:r>
-              <a:rPr lang="en-US" dirty="0" smtClean="0"/>
-              <a:t>Android Settings</a:t>
-            </a:r>
-            <a:endParaRPr lang="en-US" dirty="0"/>
-          </a:p>
-        </p:txBody>
-      </p:sp>
       <p:pic>
         <p:nvPicPr>
           <p:cNvPr id="5" name="Content Placeholder 3"/>
@@ -13276,7 +13361,7 @@
         </p:blipFill>
         <p:spPr>
           <a:xfrm>
-            <a:off x="3131154" y="1461973"/>
+            <a:off x="2567608" y="1461973"/>
             <a:ext cx="2808351" cy="4992624"/>
           </a:xfrm>
           <a:prstGeom prst="rect">
@@ -13380,7 +13465,7 @@
         </p:blipFill>
         <p:spPr>
           <a:xfrm>
-            <a:off x="3131154" y="1461972"/>
+            <a:off x="2565788" y="1461972"/>
             <a:ext cx="2810132" cy="4995791"/>
           </a:xfrm>
           <a:prstGeom prst="rect">
@@ -13410,7 +13495,7 @@
         </p:blipFill>
         <p:spPr>
           <a:xfrm>
-            <a:off x="6252495" y="1461972"/>
+            <a:off x="6816040" y="1461972"/>
             <a:ext cx="2808352" cy="4992624"/>
           </a:xfrm>
           <a:prstGeom prst="rect">
@@ -13482,7 +13567,7 @@
             <a:avLst/>
           </a:prstGeom>
           <a:solidFill>
-            <a:srgbClr val="F8C02B"/>
+            <a:srgbClr val="E2A908"/>
           </a:solidFill>
           <a:ln/>
         </p:spPr>
@@ -13741,76 +13826,11 @@
           </a:p>
         </p:txBody>
       </p:sp>
-      <p:sp>
-        <p:nvSpPr>
-          <p:cNvPr id="10" name="Cloud 9"/>
-          <p:cNvSpPr/>
-          <p:nvPr/>
-        </p:nvSpPr>
-        <p:spPr>
-          <a:xfrm>
-            <a:off x="9955323" y="5517232"/>
-            <a:ext cx="2088232" cy="1484784"/>
-          </a:xfrm>
-          <a:prstGeom prst="cloud">
-            <a:avLst/>
-          </a:prstGeom>
-          <a:solidFill>
-            <a:schemeClr val="bg1">
-              <a:lumMod val="65000"/>
-            </a:schemeClr>
-          </a:solidFill>
-          <a:ln>
-            <a:solidFill>
-              <a:schemeClr val="bg1"/>
-            </a:solidFill>
-          </a:ln>
-        </p:spPr>
-        <p:style>
-          <a:lnRef idx="2">
-            <a:schemeClr val="accent1">
-              <a:shade val="50000"/>
-            </a:schemeClr>
-          </a:lnRef>
-          <a:fillRef idx="1">
-            <a:schemeClr val="accent1"/>
-          </a:fillRef>
-          <a:effectRef idx="0">
-            <a:schemeClr val="accent1"/>
-          </a:effectRef>
-          <a:fontRef idx="minor">
-            <a:schemeClr val="lt1"/>
-          </a:fontRef>
-        </p:style>
-        <p:txBody>
-          <a:bodyPr rtlCol="0" anchor="ctr"/>
-          <a:lstStyle/>
-          <a:p>
-            <a:pPr algn="ctr"/>
-            <a:r>
-              <a:rPr lang="en-US" dirty="0" err="1" smtClean="0">
-                <a:latin typeface="Arial Black" panose="020B0A04020102020204" pitchFamily="34" charset="0"/>
-              </a:rPr>
-              <a:t>ze</a:t>
-            </a:r>
-            <a:r>
-              <a:rPr lang="en-US" dirty="0" smtClean="0">
-                <a:latin typeface="Arial Black" panose="020B0A04020102020204" pitchFamily="34" charset="0"/>
-              </a:rPr>
-              <a:t> internet</a:t>
-            </a:r>
-            <a:endParaRPr lang="en-US" dirty="0">
-              <a:latin typeface="Arial Black" panose="020B0A04020102020204" pitchFamily="34" charset="0"/>
-            </a:endParaRPr>
-          </a:p>
-        </p:txBody>
-      </p:sp>
       <p:cxnSp>
         <p:nvCxnSpPr>
           <p:cNvPr id="12" name="Elbow Connector 11"/>
           <p:cNvCxnSpPr>
             <a:stCxn id="8" idx="2"/>
-            <a:endCxn id="10" idx="2"/>
           </p:cNvCxnSpPr>
           <p:nvPr/>
         </p:nvCxnSpPr>
@@ -14404,6 +14424,94 @@
           </a:p>
         </p:txBody>
       </p:sp>
+      <p:grpSp>
+        <p:nvGrpSpPr>
+          <p:cNvPr id="26" name="Group 25"/>
+          <p:cNvGrpSpPr/>
+          <p:nvPr/>
+        </p:nvGrpSpPr>
+        <p:grpSpPr>
+          <a:xfrm>
+            <a:off x="9961801" y="5554834"/>
+            <a:ext cx="2158018" cy="1127061"/>
+            <a:chOff x="9711303" y="2010891"/>
+            <a:chExt cx="2158018" cy="1127061"/>
+          </a:xfrm>
+        </p:grpSpPr>
+        <p:pic>
+          <p:nvPicPr>
+            <p:cNvPr id="27" name="Picture 26"/>
+            <p:cNvPicPr>
+              <a:picLocks noChangeAspect="1"/>
+            </p:cNvPicPr>
+            <p:nvPr/>
+          </p:nvPicPr>
+          <p:blipFill>
+            <a:blip r:embed="rId2" cstate="print">
+              <a:extLst>
+                <a:ext uri="{28A0092B-C50C-407E-A947-70E740481C1C}">
+                  <a14:useLocalDpi xmlns:a14="http://schemas.microsoft.com/office/drawing/2010/main" val="0"/>
+                </a:ext>
+              </a:extLst>
+            </a:blip>
+            <a:stretch>
+              <a:fillRect/>
+            </a:stretch>
+          </p:blipFill>
+          <p:spPr>
+            <a:xfrm>
+              <a:off x="9711303" y="2010891"/>
+              <a:ext cx="2158018" cy="1127061"/>
+            </a:xfrm>
+            <a:prstGeom prst="rect">
+              <a:avLst/>
+            </a:prstGeom>
+          </p:spPr>
+        </p:pic>
+        <p:sp>
+          <p:nvSpPr>
+            <p:cNvPr id="29" name="Rectangle 28"/>
+            <p:cNvSpPr/>
+            <p:nvPr/>
+          </p:nvSpPr>
+          <p:spPr>
+            <a:xfrm>
+              <a:off x="10024596" y="2492896"/>
+              <a:ext cx="1544012" cy="400110"/>
+            </a:xfrm>
+            <a:prstGeom prst="rect">
+              <a:avLst/>
+            </a:prstGeom>
+          </p:spPr>
+          <p:txBody>
+            <a:bodyPr wrap="none">
+              <a:spAutoFit/>
+            </a:bodyPr>
+            <a:lstStyle/>
+            <a:p>
+              <a:pPr algn="ctr"/>
+              <a:r>
+                <a:rPr lang="en-US" sz="2000" dirty="0" err="1">
+                  <a:latin typeface="MV Boli" panose="02000500030200090000" pitchFamily="2" charset="0"/>
+                  <a:cs typeface="MV Boli" panose="02000500030200090000" pitchFamily="2" charset="0"/>
+                </a:rPr>
+                <a:t>ze</a:t>
+              </a:r>
+              <a:r>
+                <a:rPr lang="en-US" sz="2000" dirty="0">
+                  <a:latin typeface="MV Boli" panose="02000500030200090000" pitchFamily="2" charset="0"/>
+                  <a:cs typeface="MV Boli" panose="02000500030200090000" pitchFamily="2" charset="0"/>
+                </a:rPr>
+                <a:t> internet</a:t>
+              </a:r>
+              <a:endParaRPr lang="en-US" sz="2000" dirty="0">
+                <a:latin typeface="MV Boli" panose="02000500030200090000" pitchFamily="2" charset="0"/>
+                <a:cs typeface="MV Boli" panose="02000500030200090000" pitchFamily="2" charset="0"/>
+              </a:endParaRPr>
+            </a:p>
+          </p:txBody>
+        </p:sp>
+      </p:grpSp>
     </p:spTree>
     <p:extLst>
       <p:ext uri="{BB962C8B-B14F-4D97-AF65-F5344CB8AC3E}">
@@ -14459,7 +14567,7 @@
             <a:avLst/>
           </a:prstGeom>
           <a:solidFill>
-            <a:srgbClr val="F8C02B"/>
+            <a:srgbClr val="E2A908"/>
           </a:solidFill>
           <a:ln/>
         </p:spPr>
@@ -14718,76 +14826,11 @@
           </a:p>
         </p:txBody>
       </p:sp>
-      <p:sp>
-        <p:nvSpPr>
-          <p:cNvPr id="10" name="Cloud 9"/>
-          <p:cNvSpPr/>
-          <p:nvPr/>
-        </p:nvSpPr>
-        <p:spPr>
-          <a:xfrm>
-            <a:off x="9955323" y="5517232"/>
-            <a:ext cx="2088232" cy="1484784"/>
-          </a:xfrm>
-          <a:prstGeom prst="cloud">
-            <a:avLst/>
-          </a:prstGeom>
-          <a:solidFill>
-            <a:schemeClr val="bg1">
-              <a:lumMod val="65000"/>
-            </a:schemeClr>
-          </a:solidFill>
-          <a:ln>
-            <a:solidFill>
-              <a:schemeClr val="bg1"/>
-            </a:solidFill>
-          </a:ln>
-        </p:spPr>
-        <p:style>
-          <a:lnRef idx="2">
-            <a:schemeClr val="accent1">
-              <a:shade val="50000"/>
-            </a:schemeClr>
-          </a:lnRef>
-          <a:fillRef idx="1">
-            <a:schemeClr val="accent1"/>
-          </a:fillRef>
-          <a:effectRef idx="0">
-            <a:schemeClr val="accent1"/>
-          </a:effectRef>
-          <a:fontRef idx="minor">
-            <a:schemeClr val="lt1"/>
-          </a:fontRef>
-        </p:style>
-        <p:txBody>
-          <a:bodyPr rtlCol="0" anchor="ctr"/>
-          <a:lstStyle/>
-          <a:p>
-            <a:pPr algn="ctr"/>
-            <a:r>
-              <a:rPr lang="en-US" dirty="0" err="1" smtClean="0">
-                <a:latin typeface="Arial Black" panose="020B0A04020102020204" pitchFamily="34" charset="0"/>
-              </a:rPr>
-              <a:t>ze</a:t>
-            </a:r>
-            <a:r>
-              <a:rPr lang="en-US" dirty="0" smtClean="0">
-                <a:latin typeface="Arial Black" panose="020B0A04020102020204" pitchFamily="34" charset="0"/>
-              </a:rPr>
-              <a:t> internet</a:t>
-            </a:r>
-            <a:endParaRPr lang="en-US" dirty="0">
-              <a:latin typeface="Arial Black" panose="020B0A04020102020204" pitchFamily="34" charset="0"/>
-            </a:endParaRPr>
-          </a:p>
-        </p:txBody>
-      </p:sp>
       <p:cxnSp>
         <p:nvCxnSpPr>
           <p:cNvPr id="12" name="Elbow Connector 11"/>
           <p:cNvCxnSpPr>
             <a:stCxn id="8" idx="2"/>
-            <a:endCxn id="10" idx="2"/>
           </p:cNvCxnSpPr>
           <p:nvPr/>
         </p:nvCxnSpPr>
@@ -15393,6 +15436,94 @@
           </a:p>
         </p:txBody>
       </p:sp>
+      <p:grpSp>
+        <p:nvGrpSpPr>
+          <p:cNvPr id="11" name="Group 10"/>
+          <p:cNvGrpSpPr/>
+          <p:nvPr/>
+        </p:nvGrpSpPr>
+        <p:grpSpPr>
+          <a:xfrm>
+            <a:off x="9961801" y="5554834"/>
+            <a:ext cx="2158018" cy="1127061"/>
+            <a:chOff x="9711303" y="2010891"/>
+            <a:chExt cx="2158018" cy="1127061"/>
+          </a:xfrm>
+        </p:grpSpPr>
+        <p:pic>
+          <p:nvPicPr>
+            <p:cNvPr id="3" name="Picture 2"/>
+            <p:cNvPicPr>
+              <a:picLocks noChangeAspect="1"/>
+            </p:cNvPicPr>
+            <p:nvPr/>
+          </p:nvPicPr>
+          <p:blipFill>
+            <a:blip r:embed="rId2" cstate="print">
+              <a:extLst>
+                <a:ext uri="{28A0092B-C50C-407E-A947-70E740481C1C}">
+                  <a14:useLocalDpi xmlns:a14="http://schemas.microsoft.com/office/drawing/2010/main" val="0"/>
+                </a:ext>
+              </a:extLst>
+            </a:blip>
+            <a:stretch>
+              <a:fillRect/>
+            </a:stretch>
+          </p:blipFill>
+          <p:spPr>
+            <a:xfrm>
+              <a:off x="9711303" y="2010891"/>
+              <a:ext cx="2158018" cy="1127061"/>
+            </a:xfrm>
+            <a:prstGeom prst="rect">
+              <a:avLst/>
+            </a:prstGeom>
+          </p:spPr>
+        </p:pic>
+        <p:sp>
+          <p:nvSpPr>
+            <p:cNvPr id="9" name="Rectangle 8"/>
+            <p:cNvSpPr/>
+            <p:nvPr/>
+          </p:nvSpPr>
+          <p:spPr>
+            <a:xfrm>
+              <a:off x="10024596" y="2492896"/>
+              <a:ext cx="1544012" cy="400110"/>
+            </a:xfrm>
+            <a:prstGeom prst="rect">
+              <a:avLst/>
+            </a:prstGeom>
+          </p:spPr>
+          <p:txBody>
+            <a:bodyPr wrap="none">
+              <a:spAutoFit/>
+            </a:bodyPr>
+            <a:lstStyle/>
+            <a:p>
+              <a:pPr algn="ctr"/>
+              <a:r>
+                <a:rPr lang="en-US" sz="2000" dirty="0" err="1">
+                  <a:latin typeface="MV Boli" panose="02000500030200090000" pitchFamily="2" charset="0"/>
+                  <a:cs typeface="MV Boli" panose="02000500030200090000" pitchFamily="2" charset="0"/>
+                </a:rPr>
+                <a:t>ze</a:t>
+              </a:r>
+              <a:r>
+                <a:rPr lang="en-US" sz="2000" dirty="0">
+                  <a:latin typeface="MV Boli" panose="02000500030200090000" pitchFamily="2" charset="0"/>
+                  <a:cs typeface="MV Boli" panose="02000500030200090000" pitchFamily="2" charset="0"/>
+                </a:rPr>
+                <a:t> internet</a:t>
+              </a:r>
+              <a:endParaRPr lang="en-US" sz="2000" dirty="0">
+                <a:latin typeface="MV Boli" panose="02000500030200090000" pitchFamily="2" charset="0"/>
+                <a:cs typeface="MV Boli" panose="02000500030200090000" pitchFamily="2" charset="0"/>
+              </a:endParaRPr>
+            </a:p>
+          </p:txBody>
+        </p:sp>
+      </p:grpSp>
     </p:spTree>
     <p:extLst>
       <p:ext uri="{BB962C8B-B14F-4D97-AF65-F5344CB8AC3E}">
@@ -18101,7 +18232,7 @@
         <p:spPr/>
         <p:txBody>
           <a:bodyPr>
-            <a:normAutofit fontScale="92500" lnSpcReduction="10000"/>
+            <a:normAutofit fontScale="92500" lnSpcReduction="20000"/>
           </a:bodyPr>
           <a:lstStyle/>
           <a:p>
@@ -18191,13 +18322,13 @@
   <p:clrMapOvr>
     <a:masterClrMapping/>
   </p:clrMapOvr>
-  <mc:AlternateContent xmlns:mc="http://schemas.openxmlformats.org/markup-compatibility/2006">
-    <mc:Choice xmlns:p14="http://schemas.microsoft.com/office/powerpoint/2010/main" Requires="p14">
+  <mc:AlternateContent xmlns:mc="http://schemas.openxmlformats.org/markup-compatibility/2006" xmlns:p14="http://schemas.microsoft.com/office/powerpoint/2010/main">
+    <mc:Choice Requires="p14">
       <p:transition p14:dur="250">
         <p14:reveal/>
       </p:transition>
     </mc:Choice>
-    <mc:Fallback>
+    <mc:Fallback xmlns="">
       <p:transition>
         <p:fade/>
       </p:transition>
@@ -18245,7 +18376,19 @@
           <a:bodyPr/>
           <a:lstStyle/>
           <a:p>
-            <a:endParaRPr lang="en-US"/>
+            <a:r>
+              <a:rPr lang="en-US" dirty="0" smtClean="0"/>
+              <a:t>Do I need a </a:t>
+            </a:r>
+            <a:r>
+              <a:rPr lang="en-US" dirty="0" err="1" smtClean="0"/>
+              <a:t>ContentProvider</a:t>
+            </a:r>
+            <a:r>
+              <a:rPr lang="en-US" dirty="0" smtClean="0"/>
+              <a:t>?</a:t>
+            </a:r>
+            <a:endParaRPr lang="en-US" dirty="0"/>
           </a:p>
         </p:txBody>
       </p:sp>
@@ -18261,100 +18404,1676 @@
         </p:nvSpPr>
         <p:spPr/>
         <p:txBody>
-          <a:bodyPr>
-            <a:normAutofit lnSpcReduction="10000"/>
+          <a:bodyPr/>
+          <a:lstStyle/>
+          <a:p>
+            <a:pPr marL="0" indent="0">
+              <a:buNone/>
+            </a:pPr>
+            <a:r>
+              <a:rPr lang="en-US" dirty="0" smtClean="0"/>
+              <a:t>Yes…</a:t>
+            </a:r>
+          </a:p>
+        </p:txBody>
+      </p:sp>
+      <p:sp>
+        <p:nvSpPr>
+          <p:cNvPr id="4" name="Rectangle 1"/>
+          <p:cNvSpPr>
+            <a:spLocks noChangeArrowheads="1"/>
+          </p:cNvSpPr>
+          <p:nvPr/>
+        </p:nvSpPr>
+        <p:spPr bwMode="auto">
+          <a:xfrm>
+            <a:off x="652500" y="2348880"/>
+            <a:ext cx="10887000" cy="4176464"/>
+          </a:xfrm>
+          <a:prstGeom prst="rect">
+            <a:avLst/>
+          </a:prstGeom>
+          <a:solidFill>
+            <a:srgbClr val="2B2B2B"/>
+          </a:solidFill>
+          <a:ln>
+            <a:noFill/>
+          </a:ln>
+          <a:effectLst/>
+          <a:extLst>
+            <a:ext uri="{91240B29-F687-4F45-9708-019B960494DF}">
+              <a14:hiddenLine xmlns:a14="http://schemas.microsoft.com/office/drawing/2010/main" w="9525">
+                <a:solidFill>
+                  <a:schemeClr val="tx1"/>
+                </a:solidFill>
+                <a:miter lim="800000"/>
+                <a:headEnd/>
+                <a:tailEnd/>
+              </a14:hiddenLine>
+            </a:ext>
+            <a:ext uri="{AF507438-7753-43E0-B8FC-AC1667EBCBE1}">
+              <a14:hiddenEffects xmlns:a14="http://schemas.microsoft.com/office/drawing/2010/main">
+                <a:effectLst>
+                  <a:outerShdw dist="35921" dir="2700000" algn="ctr" rotWithShape="0">
+                    <a:schemeClr val="bg2"/>
+                  </a:outerShdw>
+                </a:effectLst>
+              </a14:hiddenEffects>
+            </a:ext>
+          </a:extLst>
+        </p:spPr>
+        <p:txBody>
+          <a:bodyPr vert="horz" wrap="square" lIns="182880" tIns="182880" rIns="182880" bIns="182880" numCol="1" anchor="t" anchorCtr="0" compatLnSpc="1">
+            <a:prstTxWarp prst="textNoShape">
+              <a:avLst/>
+            </a:prstTxWarp>
+            <a:noAutofit/>
           </a:bodyPr>
           <a:lstStyle/>
           <a:p>
-            <a:r>
-              <a:rPr lang="en-US" dirty="0" err="1" smtClean="0"/>
-              <a:t>SyncAdapters</a:t>
-            </a:r>
-            <a:r>
-              <a:rPr lang="en-US" dirty="0" smtClean="0"/>
-              <a:t> can be used to:</a:t>
-            </a:r>
-          </a:p>
-          <a:p>
-            <a:pPr lvl="1"/>
-            <a:r>
-              <a:rPr lang="en-US" dirty="0" smtClean="0"/>
-              <a:t>fetch </a:t>
-            </a:r>
-            <a:r>
-              <a:rPr lang="en-US" dirty="0"/>
-              <a:t>background data for an </a:t>
-            </a:r>
-            <a:r>
-              <a:rPr lang="en-US" dirty="0" smtClean="0"/>
-              <a:t>app.</a:t>
-            </a:r>
-          </a:p>
-          <a:p>
-            <a:pPr lvl="1"/>
-            <a:r>
-              <a:rPr lang="en-US" dirty="0" smtClean="0"/>
-              <a:t>execute </a:t>
-            </a:r>
-            <a:r>
-              <a:rPr lang="en-US" dirty="0"/>
-              <a:t>your data transfer code at configurable intervals, while efficiently using battery and other system </a:t>
-            </a:r>
-            <a:r>
-              <a:rPr lang="en-US" dirty="0" smtClean="0"/>
-              <a:t>resources</a:t>
-            </a:r>
-            <a:endParaRPr lang="en-US" dirty="0"/>
-          </a:p>
-          <a:p>
-            <a:r>
-              <a:rPr lang="en-US" dirty="0" smtClean="0"/>
-              <a:t>Elements </a:t>
-            </a:r>
-            <a:r>
-              <a:rPr lang="en-US" dirty="0"/>
-              <a:t>of a sync </a:t>
-            </a:r>
-            <a:r>
-              <a:rPr lang="en-US" dirty="0" smtClean="0"/>
-              <a:t>adapter:</a:t>
-            </a:r>
-            <a:endParaRPr lang="en-US" dirty="0"/>
-          </a:p>
-          <a:p>
-            <a:pPr lvl="1"/>
-            <a:r>
-              <a:rPr lang="en-US" dirty="0"/>
-              <a:t>Creates a sync adapter class.</a:t>
-            </a:r>
-          </a:p>
-          <a:p>
-            <a:pPr lvl="1"/>
-            <a:r>
-              <a:rPr lang="en-US" dirty="0"/>
-              <a:t>Creates a bound Service which the OS uses to initiate a sync.</a:t>
-            </a:r>
-          </a:p>
-          <a:p>
-            <a:pPr lvl="1"/>
-            <a:r>
-              <a:rPr lang="en-US" dirty="0"/>
-              <a:t>Defines the sync adapter properties in an XML resource file.</a:t>
-            </a:r>
-          </a:p>
-          <a:p>
-            <a:pPr lvl="1"/>
-            <a:r>
-              <a:rPr lang="en-US" dirty="0"/>
-              <a:t>Declares the bound Service in the app manifest.</a:t>
-            </a:r>
+            <a:pPr marL="0" marR="0" lvl="0" indent="0" algn="l" defTabSz="914400" rtl="0" eaLnBrk="0" fontAlgn="base" latinLnBrk="0" hangingPunct="0">
+              <a:lnSpc>
+                <a:spcPct val="100000"/>
+              </a:lnSpc>
+              <a:spcBef>
+                <a:spcPct val="0"/>
+              </a:spcBef>
+              <a:spcAft>
+                <a:spcPct val="0"/>
+              </a:spcAft>
+              <a:buClrTx/>
+              <a:buSzTx/>
+              <a:buFontTx/>
+              <a:buNone/>
+              <a:tabLst/>
+            </a:pPr>
+            <a:r>
+              <a:rPr kumimoji="0" lang="en-US" altLang="en-US" sz="1600" b="0" i="0" u="none" strike="noStrike" cap="none" normalizeH="0" baseline="0" dirty="0" smtClean="0">
+                <a:ln>
+                  <a:noFill/>
+                </a:ln>
+                <a:solidFill>
+                  <a:srgbClr val="E8BF6A"/>
+                </a:solidFill>
+                <a:effectLst/>
+                <a:latin typeface="Consolas" panose="020B0609020204030204" pitchFamily="49" charset="0"/>
+              </a:rPr>
+              <a:t>&lt;sync-adapter</a:t>
+            </a:r>
+            <a:br>
+              <a:rPr kumimoji="0" lang="en-US" altLang="en-US" sz="1600" b="0" i="0" u="none" strike="noStrike" cap="none" normalizeH="0" baseline="0" dirty="0" smtClean="0">
+                <a:ln>
+                  <a:noFill/>
+                </a:ln>
+                <a:solidFill>
+                  <a:srgbClr val="E8BF6A"/>
+                </a:solidFill>
+                <a:effectLst/>
+                <a:latin typeface="Consolas" panose="020B0609020204030204" pitchFamily="49" charset="0"/>
+              </a:rPr>
+            </a:br>
+            <a:r>
+              <a:rPr kumimoji="0" lang="en-US" altLang="en-US" sz="1600" b="0" i="0" u="none" strike="noStrike" cap="none" normalizeH="0" baseline="0" dirty="0" smtClean="0">
+                <a:ln>
+                  <a:noFill/>
+                </a:ln>
+                <a:solidFill>
+                  <a:srgbClr val="E8BF6A"/>
+                </a:solidFill>
+                <a:effectLst/>
+                <a:latin typeface="Consolas" panose="020B0609020204030204" pitchFamily="49" charset="0"/>
+              </a:rPr>
+              <a:t>    </a:t>
+            </a:r>
+            <a:r>
+              <a:rPr kumimoji="0" lang="en-US" altLang="en-US" sz="1600" b="0" i="0" u="none" strike="noStrike" cap="none" normalizeH="0" baseline="0" dirty="0" err="1" smtClean="0">
+                <a:ln>
+                  <a:noFill/>
+                </a:ln>
+                <a:solidFill>
+                  <a:srgbClr val="BABABA"/>
+                </a:solidFill>
+                <a:effectLst/>
+                <a:latin typeface="Consolas" panose="020B0609020204030204" pitchFamily="49" charset="0"/>
+              </a:rPr>
+              <a:t>xmlns:</a:t>
+            </a:r>
+            <a:r>
+              <a:rPr kumimoji="0" lang="en-US" altLang="en-US" sz="1600" b="0" i="0" u="none" strike="noStrike" cap="none" normalizeH="0" baseline="0" dirty="0" err="1" smtClean="0">
+                <a:ln>
+                  <a:noFill/>
+                </a:ln>
+                <a:solidFill>
+                  <a:srgbClr val="9876AA"/>
+                </a:solidFill>
+                <a:effectLst/>
+                <a:latin typeface="Consolas" panose="020B0609020204030204" pitchFamily="49" charset="0"/>
+              </a:rPr>
+              <a:t>android</a:t>
+            </a:r>
+            <a:r>
+              <a:rPr kumimoji="0" lang="en-US" altLang="en-US" sz="1600" b="0" i="0" u="none" strike="noStrike" cap="none" normalizeH="0" baseline="0" dirty="0" smtClean="0">
+                <a:ln>
+                  <a:noFill/>
+                </a:ln>
+                <a:solidFill>
+                  <a:srgbClr val="BABABA"/>
+                </a:solidFill>
+                <a:effectLst/>
+                <a:latin typeface="Consolas" panose="020B0609020204030204" pitchFamily="49" charset="0"/>
+              </a:rPr>
+              <a:t>=</a:t>
+            </a:r>
+            <a:r>
+              <a:rPr kumimoji="0" lang="en-US" altLang="en-US" sz="1600" b="0" i="0" u="none" strike="noStrike" cap="none" normalizeH="0" baseline="0" dirty="0" smtClean="0">
+                <a:ln>
+                  <a:noFill/>
+                </a:ln>
+                <a:solidFill>
+                  <a:srgbClr val="6A8759"/>
+                </a:solidFill>
+                <a:effectLst/>
+                <a:latin typeface="Consolas" panose="020B0609020204030204" pitchFamily="49" charset="0"/>
+              </a:rPr>
+              <a:t>"http://schemas.android.com/</a:t>
+            </a:r>
+            <a:r>
+              <a:rPr kumimoji="0" lang="en-US" altLang="en-US" sz="1600" b="0" i="0" u="none" strike="noStrike" cap="none" normalizeH="0" baseline="0" dirty="0" err="1" smtClean="0">
+                <a:ln>
+                  <a:noFill/>
+                </a:ln>
+                <a:solidFill>
+                  <a:srgbClr val="6A8759"/>
+                </a:solidFill>
+                <a:effectLst/>
+                <a:latin typeface="Consolas" panose="020B0609020204030204" pitchFamily="49" charset="0"/>
+              </a:rPr>
+              <a:t>apk</a:t>
+            </a:r>
+            <a:r>
+              <a:rPr kumimoji="0" lang="en-US" altLang="en-US" sz="1600" b="0" i="0" u="none" strike="noStrike" cap="none" normalizeH="0" baseline="0" dirty="0" smtClean="0">
+                <a:ln>
+                  <a:noFill/>
+                </a:ln>
+                <a:solidFill>
+                  <a:srgbClr val="6A8759"/>
+                </a:solidFill>
+                <a:effectLst/>
+                <a:latin typeface="Consolas" panose="020B0609020204030204" pitchFamily="49" charset="0"/>
+              </a:rPr>
+              <a:t>/res/android"</a:t>
+            </a:r>
+            <a:br>
+              <a:rPr kumimoji="0" lang="en-US" altLang="en-US" sz="1600" b="0" i="0" u="none" strike="noStrike" cap="none" normalizeH="0" baseline="0" dirty="0" smtClean="0">
+                <a:ln>
+                  <a:noFill/>
+                </a:ln>
+                <a:solidFill>
+                  <a:srgbClr val="6A8759"/>
+                </a:solidFill>
+                <a:effectLst/>
+                <a:latin typeface="Consolas" panose="020B0609020204030204" pitchFamily="49" charset="0"/>
+              </a:rPr>
+            </a:br>
+            <a:r>
+              <a:rPr kumimoji="0" lang="en-US" altLang="en-US" sz="1600" b="0" i="0" u="none" strike="noStrike" cap="none" normalizeH="0" baseline="0" dirty="0" smtClean="0">
+                <a:ln>
+                  <a:noFill/>
+                </a:ln>
+                <a:solidFill>
+                  <a:srgbClr val="6A8759"/>
+                </a:solidFill>
+                <a:effectLst/>
+                <a:latin typeface="Consolas" panose="020B0609020204030204" pitchFamily="49" charset="0"/>
+              </a:rPr>
+              <a:t>    </a:t>
+            </a:r>
+            <a:r>
+              <a:rPr kumimoji="0" lang="en-US" altLang="en-US" sz="1600" b="0" i="0" u="none" strike="noStrike" cap="none" normalizeH="0" baseline="0" dirty="0" err="1" smtClean="0">
+                <a:ln>
+                  <a:noFill/>
+                </a:ln>
+                <a:solidFill>
+                  <a:srgbClr val="9876AA"/>
+                </a:solidFill>
+                <a:effectLst/>
+                <a:latin typeface="Consolas" panose="020B0609020204030204" pitchFamily="49" charset="0"/>
+              </a:rPr>
+              <a:t>android</a:t>
+            </a:r>
+            <a:r>
+              <a:rPr kumimoji="0" lang="en-US" altLang="en-US" sz="1600" b="0" i="0" u="none" strike="noStrike" cap="none" normalizeH="0" baseline="0" dirty="0" err="1" smtClean="0">
+                <a:ln>
+                  <a:noFill/>
+                </a:ln>
+                <a:solidFill>
+                  <a:srgbClr val="BABABA"/>
+                </a:solidFill>
+                <a:effectLst/>
+                <a:latin typeface="Consolas" panose="020B0609020204030204" pitchFamily="49" charset="0"/>
+              </a:rPr>
+              <a:t>:accountType</a:t>
+            </a:r>
+            <a:r>
+              <a:rPr kumimoji="0" lang="en-US" altLang="en-US" sz="1600" b="0" i="0" u="none" strike="noStrike" cap="none" normalizeH="0" baseline="0" dirty="0" smtClean="0">
+                <a:ln>
+                  <a:noFill/>
+                </a:ln>
+                <a:solidFill>
+                  <a:srgbClr val="BABABA"/>
+                </a:solidFill>
+                <a:effectLst/>
+                <a:latin typeface="Consolas" panose="020B0609020204030204" pitchFamily="49" charset="0"/>
+              </a:rPr>
+              <a:t>=</a:t>
+            </a:r>
+            <a:r>
+              <a:rPr kumimoji="0" lang="en-US" altLang="en-US" sz="1600" b="0" i="0" u="none" strike="noStrike" cap="none" normalizeH="0" baseline="0" dirty="0" smtClean="0">
+                <a:ln>
+                  <a:noFill/>
+                </a:ln>
+                <a:solidFill>
+                  <a:srgbClr val="6A8759"/>
+                </a:solidFill>
+                <a:effectLst/>
+                <a:latin typeface="Consolas" panose="020B0609020204030204" pitchFamily="49" charset="0"/>
+              </a:rPr>
+              <a:t>"</a:t>
+            </a:r>
+            <a:r>
+              <a:rPr kumimoji="0" lang="en-US" altLang="en-US" sz="1600" b="0" i="0" u="none" strike="noStrike" cap="none" normalizeH="0" baseline="0" dirty="0" err="1" smtClean="0">
+                <a:ln>
+                  <a:noFill/>
+                </a:ln>
+                <a:solidFill>
+                  <a:srgbClr val="6A8759"/>
+                </a:solidFill>
+                <a:effectLst/>
+                <a:latin typeface="Consolas" panose="020B0609020204030204" pitchFamily="49" charset="0"/>
+              </a:rPr>
+              <a:t>com.example.android.basicsyncadapter.account</a:t>
+            </a:r>
+            <a:r>
+              <a:rPr kumimoji="0" lang="en-US" altLang="en-US" sz="1600" b="0" i="0" u="none" strike="noStrike" cap="none" normalizeH="0" baseline="0" dirty="0" smtClean="0">
+                <a:ln>
+                  <a:noFill/>
+                </a:ln>
+                <a:solidFill>
+                  <a:srgbClr val="6A8759"/>
+                </a:solidFill>
+                <a:effectLst/>
+                <a:latin typeface="Consolas" panose="020B0609020204030204" pitchFamily="49" charset="0"/>
+              </a:rPr>
+              <a:t>"</a:t>
+            </a:r>
+            <a:br>
+              <a:rPr kumimoji="0" lang="en-US" altLang="en-US" sz="1600" b="0" i="0" u="none" strike="noStrike" cap="none" normalizeH="0" baseline="0" dirty="0" smtClean="0">
+                <a:ln>
+                  <a:noFill/>
+                </a:ln>
+                <a:solidFill>
+                  <a:srgbClr val="6A8759"/>
+                </a:solidFill>
+                <a:effectLst/>
+                <a:latin typeface="Consolas" panose="020B0609020204030204" pitchFamily="49" charset="0"/>
+              </a:rPr>
+            </a:br>
+            <a:r>
+              <a:rPr kumimoji="0" lang="en-US" altLang="en-US" sz="1600" b="0" i="0" u="none" strike="noStrike" cap="none" normalizeH="0" baseline="0" dirty="0" smtClean="0">
+                <a:ln>
+                  <a:noFill/>
+                </a:ln>
+                <a:solidFill>
+                  <a:srgbClr val="6A8759"/>
+                </a:solidFill>
+                <a:effectLst/>
+                <a:latin typeface="Consolas" panose="020B0609020204030204" pitchFamily="49" charset="0"/>
+              </a:rPr>
+              <a:t>    </a:t>
+            </a:r>
+            <a:r>
+              <a:rPr kumimoji="0" lang="en-US" altLang="en-US" sz="1600" b="0" i="0" u="none" strike="noStrike" cap="none" normalizeH="0" baseline="0" dirty="0" err="1" smtClean="0">
+                <a:ln>
+                  <a:noFill/>
+                </a:ln>
+                <a:solidFill>
+                  <a:srgbClr val="9876AA"/>
+                </a:solidFill>
+                <a:effectLst/>
+                <a:latin typeface="Consolas" panose="020B0609020204030204" pitchFamily="49" charset="0"/>
+              </a:rPr>
+              <a:t>android</a:t>
+            </a:r>
+            <a:r>
+              <a:rPr kumimoji="0" lang="en-US" altLang="en-US" sz="1600" b="0" i="0" u="none" strike="noStrike" cap="none" normalizeH="0" baseline="0" dirty="0" err="1" smtClean="0">
+                <a:ln>
+                  <a:noFill/>
+                </a:ln>
+                <a:solidFill>
+                  <a:srgbClr val="BABABA"/>
+                </a:solidFill>
+                <a:effectLst/>
+                <a:latin typeface="Consolas" panose="020B0609020204030204" pitchFamily="49" charset="0"/>
+              </a:rPr>
+              <a:t>:allowParallelSyncs</a:t>
+            </a:r>
+            <a:r>
+              <a:rPr kumimoji="0" lang="en-US" altLang="en-US" sz="1600" b="0" i="0" u="none" strike="noStrike" cap="none" normalizeH="0" baseline="0" dirty="0" smtClean="0">
+                <a:ln>
+                  <a:noFill/>
+                </a:ln>
+                <a:solidFill>
+                  <a:srgbClr val="BABABA"/>
+                </a:solidFill>
+                <a:effectLst/>
+                <a:latin typeface="Consolas" panose="020B0609020204030204" pitchFamily="49" charset="0"/>
+              </a:rPr>
+              <a:t>=</a:t>
+            </a:r>
+            <a:r>
+              <a:rPr kumimoji="0" lang="en-US" altLang="en-US" sz="1600" b="0" i="0" u="none" strike="noStrike" cap="none" normalizeH="0" baseline="0" dirty="0" smtClean="0">
+                <a:ln>
+                  <a:noFill/>
+                </a:ln>
+                <a:solidFill>
+                  <a:srgbClr val="6A8759"/>
+                </a:solidFill>
+                <a:effectLst/>
+                <a:latin typeface="Consolas" panose="020B0609020204030204" pitchFamily="49" charset="0"/>
+              </a:rPr>
+              <a:t>"false"</a:t>
+            </a:r>
+            <a:br>
+              <a:rPr kumimoji="0" lang="en-US" altLang="en-US" sz="1600" b="0" i="0" u="none" strike="noStrike" cap="none" normalizeH="0" baseline="0" dirty="0" smtClean="0">
+                <a:ln>
+                  <a:noFill/>
+                </a:ln>
+                <a:solidFill>
+                  <a:srgbClr val="6A8759"/>
+                </a:solidFill>
+                <a:effectLst/>
+                <a:latin typeface="Consolas" panose="020B0609020204030204" pitchFamily="49" charset="0"/>
+              </a:rPr>
+            </a:br>
+            <a:r>
+              <a:rPr kumimoji="0" lang="en-US" altLang="en-US" sz="1600" b="0" i="0" u="none" strike="noStrike" cap="none" normalizeH="0" baseline="0" dirty="0" smtClean="0">
+                <a:ln>
+                  <a:noFill/>
+                </a:ln>
+                <a:solidFill>
+                  <a:srgbClr val="6A8759"/>
+                </a:solidFill>
+                <a:effectLst/>
+                <a:latin typeface="Consolas" panose="020B0609020204030204" pitchFamily="49" charset="0"/>
+              </a:rPr>
+              <a:t>    </a:t>
+            </a:r>
+            <a:r>
+              <a:rPr kumimoji="0" lang="en-US" altLang="en-US" sz="1600" b="0" i="0" u="none" strike="noStrike" cap="none" normalizeH="0" baseline="0" dirty="0" err="1" smtClean="0">
+                <a:ln>
+                  <a:noFill/>
+                </a:ln>
+                <a:solidFill>
+                  <a:srgbClr val="9876AA"/>
+                </a:solidFill>
+                <a:effectLst/>
+                <a:latin typeface="Consolas" panose="020B0609020204030204" pitchFamily="49" charset="0"/>
+              </a:rPr>
+              <a:t>android</a:t>
+            </a:r>
+            <a:r>
+              <a:rPr kumimoji="0" lang="en-US" altLang="en-US" sz="1600" b="0" i="0" u="none" strike="noStrike" cap="none" normalizeH="0" baseline="0" dirty="0" err="1" smtClean="0">
+                <a:ln>
+                  <a:noFill/>
+                </a:ln>
+                <a:solidFill>
+                  <a:srgbClr val="BABABA"/>
+                </a:solidFill>
+                <a:effectLst/>
+                <a:latin typeface="Consolas" panose="020B0609020204030204" pitchFamily="49" charset="0"/>
+              </a:rPr>
+              <a:t>:contentAuthority</a:t>
+            </a:r>
+            <a:r>
+              <a:rPr kumimoji="0" lang="en-US" altLang="en-US" sz="1600" b="0" i="0" u="none" strike="noStrike" cap="none" normalizeH="0" baseline="0" dirty="0" smtClean="0">
+                <a:ln>
+                  <a:noFill/>
+                </a:ln>
+                <a:solidFill>
+                  <a:srgbClr val="BABABA"/>
+                </a:solidFill>
+                <a:effectLst/>
+                <a:latin typeface="Consolas" panose="020B0609020204030204" pitchFamily="49" charset="0"/>
+              </a:rPr>
+              <a:t>=</a:t>
+            </a:r>
+            <a:r>
+              <a:rPr kumimoji="0" lang="en-US" altLang="en-US" sz="1600" b="0" i="0" u="none" strike="noStrike" cap="none" normalizeH="0" baseline="0" dirty="0" smtClean="0">
+                <a:ln>
+                  <a:noFill/>
+                </a:ln>
+                <a:solidFill>
+                  <a:srgbClr val="6A8759"/>
+                </a:solidFill>
+                <a:effectLst/>
+                <a:latin typeface="Consolas" panose="020B0609020204030204" pitchFamily="49" charset="0"/>
+              </a:rPr>
+              <a:t>"</a:t>
+            </a:r>
+            <a:r>
+              <a:rPr kumimoji="0" lang="en-US" altLang="en-US" sz="1600" b="0" i="0" u="none" strike="noStrike" cap="none" normalizeH="0" baseline="0" dirty="0" err="1" smtClean="0">
+                <a:ln>
+                  <a:noFill/>
+                </a:ln>
+                <a:solidFill>
+                  <a:srgbClr val="6A8759"/>
+                </a:solidFill>
+                <a:effectLst/>
+                <a:latin typeface="Consolas" panose="020B0609020204030204" pitchFamily="49" charset="0"/>
+              </a:rPr>
+              <a:t>com.example.android.basicsyncadapter</a:t>
+            </a:r>
+            <a:r>
+              <a:rPr kumimoji="0" lang="en-US" altLang="en-US" sz="1600" b="0" i="0" u="none" strike="noStrike" cap="none" normalizeH="0" baseline="0" dirty="0" smtClean="0">
+                <a:ln>
+                  <a:noFill/>
+                </a:ln>
+                <a:solidFill>
+                  <a:srgbClr val="6A8759"/>
+                </a:solidFill>
+                <a:effectLst/>
+                <a:latin typeface="Consolas" panose="020B0609020204030204" pitchFamily="49" charset="0"/>
+              </a:rPr>
+              <a:t>"</a:t>
+            </a:r>
+            <a:br>
+              <a:rPr kumimoji="0" lang="en-US" altLang="en-US" sz="1600" b="0" i="0" u="none" strike="noStrike" cap="none" normalizeH="0" baseline="0" dirty="0" smtClean="0">
+                <a:ln>
+                  <a:noFill/>
+                </a:ln>
+                <a:solidFill>
+                  <a:srgbClr val="6A8759"/>
+                </a:solidFill>
+                <a:effectLst/>
+                <a:latin typeface="Consolas" panose="020B0609020204030204" pitchFamily="49" charset="0"/>
+              </a:rPr>
+            </a:br>
+            <a:r>
+              <a:rPr kumimoji="0" lang="en-US" altLang="en-US" sz="1600" b="0" i="0" u="none" strike="noStrike" cap="none" normalizeH="0" baseline="0" dirty="0" smtClean="0">
+                <a:ln>
+                  <a:noFill/>
+                </a:ln>
+                <a:solidFill>
+                  <a:srgbClr val="6A8759"/>
+                </a:solidFill>
+                <a:effectLst/>
+                <a:latin typeface="Consolas" panose="020B0609020204030204" pitchFamily="49" charset="0"/>
+              </a:rPr>
+              <a:t>    </a:t>
+            </a:r>
+            <a:r>
+              <a:rPr kumimoji="0" lang="en-US" altLang="en-US" sz="1600" b="0" i="0" u="none" strike="noStrike" cap="none" normalizeH="0" baseline="0" dirty="0" err="1" smtClean="0">
+                <a:ln>
+                  <a:noFill/>
+                </a:ln>
+                <a:solidFill>
+                  <a:srgbClr val="9876AA"/>
+                </a:solidFill>
+                <a:effectLst/>
+                <a:latin typeface="Consolas" panose="020B0609020204030204" pitchFamily="49" charset="0"/>
+              </a:rPr>
+              <a:t>android</a:t>
+            </a:r>
+            <a:r>
+              <a:rPr kumimoji="0" lang="en-US" altLang="en-US" sz="1600" b="0" i="0" u="none" strike="noStrike" cap="none" normalizeH="0" baseline="0" dirty="0" err="1" smtClean="0">
+                <a:ln>
+                  <a:noFill/>
+                </a:ln>
+                <a:solidFill>
+                  <a:srgbClr val="BABABA"/>
+                </a:solidFill>
+                <a:effectLst/>
+                <a:latin typeface="Consolas" panose="020B0609020204030204" pitchFamily="49" charset="0"/>
+              </a:rPr>
+              <a:t>:isAlwaysSyncable</a:t>
+            </a:r>
+            <a:r>
+              <a:rPr kumimoji="0" lang="en-US" altLang="en-US" sz="1600" b="0" i="0" u="none" strike="noStrike" cap="none" normalizeH="0" baseline="0" dirty="0" smtClean="0">
+                <a:ln>
+                  <a:noFill/>
+                </a:ln>
+                <a:solidFill>
+                  <a:srgbClr val="BABABA"/>
+                </a:solidFill>
+                <a:effectLst/>
+                <a:latin typeface="Consolas" panose="020B0609020204030204" pitchFamily="49" charset="0"/>
+              </a:rPr>
+              <a:t>=</a:t>
+            </a:r>
+            <a:r>
+              <a:rPr kumimoji="0" lang="en-US" altLang="en-US" sz="1600" b="0" i="0" u="none" strike="noStrike" cap="none" normalizeH="0" baseline="0" dirty="0" smtClean="0">
+                <a:ln>
+                  <a:noFill/>
+                </a:ln>
+                <a:solidFill>
+                  <a:srgbClr val="6A8759"/>
+                </a:solidFill>
+                <a:effectLst/>
+                <a:latin typeface="Consolas" panose="020B0609020204030204" pitchFamily="49" charset="0"/>
+              </a:rPr>
+              <a:t>"true"</a:t>
+            </a:r>
+            <a:br>
+              <a:rPr kumimoji="0" lang="en-US" altLang="en-US" sz="1600" b="0" i="0" u="none" strike="noStrike" cap="none" normalizeH="0" baseline="0" dirty="0" smtClean="0">
+                <a:ln>
+                  <a:noFill/>
+                </a:ln>
+                <a:solidFill>
+                  <a:srgbClr val="6A8759"/>
+                </a:solidFill>
+                <a:effectLst/>
+                <a:latin typeface="Consolas" panose="020B0609020204030204" pitchFamily="49" charset="0"/>
+              </a:rPr>
+            </a:br>
+            <a:r>
+              <a:rPr kumimoji="0" lang="en-US" altLang="en-US" sz="1600" b="0" i="0" u="none" strike="noStrike" cap="none" normalizeH="0" baseline="0" dirty="0" smtClean="0">
+                <a:ln>
+                  <a:noFill/>
+                </a:ln>
+                <a:solidFill>
+                  <a:srgbClr val="6A8759"/>
+                </a:solidFill>
+                <a:effectLst/>
+                <a:latin typeface="Consolas" panose="020B0609020204030204" pitchFamily="49" charset="0"/>
+              </a:rPr>
+              <a:t>    </a:t>
+            </a:r>
+            <a:r>
+              <a:rPr kumimoji="0" lang="en-US" altLang="en-US" sz="1600" b="0" i="0" u="none" strike="noStrike" cap="none" normalizeH="0" baseline="0" dirty="0" err="1" smtClean="0">
+                <a:ln>
+                  <a:noFill/>
+                </a:ln>
+                <a:solidFill>
+                  <a:srgbClr val="9876AA"/>
+                </a:solidFill>
+                <a:effectLst/>
+                <a:latin typeface="Consolas" panose="020B0609020204030204" pitchFamily="49" charset="0"/>
+              </a:rPr>
+              <a:t>android</a:t>
+            </a:r>
+            <a:r>
+              <a:rPr kumimoji="0" lang="en-US" altLang="en-US" sz="1600" b="0" i="0" u="none" strike="noStrike" cap="none" normalizeH="0" baseline="0" dirty="0" err="1" smtClean="0">
+                <a:ln>
+                  <a:noFill/>
+                </a:ln>
+                <a:solidFill>
+                  <a:srgbClr val="BABABA"/>
+                </a:solidFill>
+                <a:effectLst/>
+                <a:latin typeface="Consolas" panose="020B0609020204030204" pitchFamily="49" charset="0"/>
+              </a:rPr>
+              <a:t>:supportsUploading</a:t>
+            </a:r>
+            <a:r>
+              <a:rPr kumimoji="0" lang="en-US" altLang="en-US" sz="1600" b="0" i="0" u="none" strike="noStrike" cap="none" normalizeH="0" baseline="0" dirty="0" smtClean="0">
+                <a:ln>
+                  <a:noFill/>
+                </a:ln>
+                <a:solidFill>
+                  <a:srgbClr val="BABABA"/>
+                </a:solidFill>
+                <a:effectLst/>
+                <a:latin typeface="Consolas" panose="020B0609020204030204" pitchFamily="49" charset="0"/>
+              </a:rPr>
+              <a:t>=</a:t>
+            </a:r>
+            <a:r>
+              <a:rPr kumimoji="0" lang="en-US" altLang="en-US" sz="1600" b="0" i="0" u="none" strike="noStrike" cap="none" normalizeH="0" baseline="0" dirty="0" smtClean="0">
+                <a:ln>
+                  <a:noFill/>
+                </a:ln>
+                <a:solidFill>
+                  <a:srgbClr val="6A8759"/>
+                </a:solidFill>
+                <a:effectLst/>
+                <a:latin typeface="Consolas" panose="020B0609020204030204" pitchFamily="49" charset="0"/>
+              </a:rPr>
+              <a:t>"false"</a:t>
+            </a:r>
+            <a:br>
+              <a:rPr kumimoji="0" lang="en-US" altLang="en-US" sz="1600" b="0" i="0" u="none" strike="noStrike" cap="none" normalizeH="0" baseline="0" dirty="0" smtClean="0">
+                <a:ln>
+                  <a:noFill/>
+                </a:ln>
+                <a:solidFill>
+                  <a:srgbClr val="6A8759"/>
+                </a:solidFill>
+                <a:effectLst/>
+                <a:latin typeface="Consolas" panose="020B0609020204030204" pitchFamily="49" charset="0"/>
+              </a:rPr>
+            </a:br>
+            <a:r>
+              <a:rPr kumimoji="0" lang="en-US" altLang="en-US" sz="1600" b="0" i="0" u="none" strike="noStrike" cap="none" normalizeH="0" baseline="0" dirty="0" smtClean="0">
+                <a:ln>
+                  <a:noFill/>
+                </a:ln>
+                <a:solidFill>
+                  <a:srgbClr val="6A8759"/>
+                </a:solidFill>
+                <a:effectLst/>
+                <a:latin typeface="Consolas" panose="020B0609020204030204" pitchFamily="49" charset="0"/>
+              </a:rPr>
+              <a:t>    </a:t>
+            </a:r>
+            <a:r>
+              <a:rPr kumimoji="0" lang="en-US" altLang="en-US" sz="1600" b="0" i="0" u="none" strike="noStrike" cap="none" normalizeH="0" baseline="0" dirty="0" err="1" smtClean="0">
+                <a:ln>
+                  <a:noFill/>
+                </a:ln>
+                <a:solidFill>
+                  <a:srgbClr val="9876AA"/>
+                </a:solidFill>
+                <a:effectLst/>
+                <a:latin typeface="Consolas" panose="020B0609020204030204" pitchFamily="49" charset="0"/>
+              </a:rPr>
+              <a:t>android</a:t>
+            </a:r>
+            <a:r>
+              <a:rPr kumimoji="0" lang="en-US" altLang="en-US" sz="1600" b="0" i="0" u="none" strike="noStrike" cap="none" normalizeH="0" baseline="0" dirty="0" err="1" smtClean="0">
+                <a:ln>
+                  <a:noFill/>
+                </a:ln>
+                <a:solidFill>
+                  <a:srgbClr val="BABABA"/>
+                </a:solidFill>
+                <a:effectLst/>
+                <a:latin typeface="Consolas" panose="020B0609020204030204" pitchFamily="49" charset="0"/>
+              </a:rPr>
+              <a:t>:userVisible</a:t>
+            </a:r>
+            <a:r>
+              <a:rPr kumimoji="0" lang="en-US" altLang="en-US" sz="1600" b="0" i="0" u="none" strike="noStrike" cap="none" normalizeH="0" baseline="0" dirty="0" smtClean="0">
+                <a:ln>
+                  <a:noFill/>
+                </a:ln>
+                <a:solidFill>
+                  <a:srgbClr val="BABABA"/>
+                </a:solidFill>
+                <a:effectLst/>
+                <a:latin typeface="Consolas" panose="020B0609020204030204" pitchFamily="49" charset="0"/>
+              </a:rPr>
+              <a:t>=</a:t>
+            </a:r>
+            <a:r>
+              <a:rPr kumimoji="0" lang="en-US" altLang="en-US" sz="1600" b="0" i="0" u="none" strike="noStrike" cap="none" normalizeH="0" baseline="0" dirty="0" smtClean="0">
+                <a:ln>
+                  <a:noFill/>
+                </a:ln>
+                <a:solidFill>
+                  <a:srgbClr val="6A8759"/>
+                </a:solidFill>
+                <a:effectLst/>
+                <a:latin typeface="Consolas" panose="020B0609020204030204" pitchFamily="49" charset="0"/>
+              </a:rPr>
+              <a:t>"false</a:t>
+            </a:r>
+            <a:r>
+              <a:rPr kumimoji="0" lang="en-US" altLang="en-US" sz="1600" b="0" i="0" u="none" strike="noStrike" cap="none" normalizeH="0" baseline="0" dirty="0" smtClean="0">
+                <a:ln>
+                  <a:noFill/>
+                </a:ln>
+                <a:solidFill>
+                  <a:srgbClr val="6A8759"/>
+                </a:solidFill>
+                <a:effectLst/>
+                <a:latin typeface="Consolas" panose="020B0609020204030204" pitchFamily="49" charset="0"/>
+              </a:rPr>
+              <a:t>"</a:t>
+            </a:r>
+            <a:r>
+              <a:rPr kumimoji="0" lang="en-US" altLang="en-US" sz="1600" b="0" i="0" u="none" strike="noStrike" cap="none" normalizeH="0" baseline="0" dirty="0" smtClean="0">
+                <a:ln>
+                  <a:noFill/>
+                </a:ln>
+                <a:solidFill>
+                  <a:srgbClr val="E8BF6A"/>
+                </a:solidFill>
+                <a:effectLst/>
+                <a:latin typeface="Consolas" panose="020B0609020204030204" pitchFamily="49" charset="0"/>
+              </a:rPr>
+              <a:t>/&gt;</a:t>
+            </a:r>
+          </a:p>
+          <a:p>
+            <a:pPr marL="0" marR="0" lvl="0" indent="0" algn="l" defTabSz="914400" rtl="0" eaLnBrk="0" fontAlgn="base" latinLnBrk="0" hangingPunct="0">
+              <a:lnSpc>
+                <a:spcPct val="100000"/>
+              </a:lnSpc>
+              <a:spcBef>
+                <a:spcPct val="0"/>
+              </a:spcBef>
+              <a:spcAft>
+                <a:spcPct val="0"/>
+              </a:spcAft>
+              <a:buClrTx/>
+              <a:buSzTx/>
+              <a:buFontTx/>
+              <a:buNone/>
+              <a:tabLst/>
+            </a:pPr>
+            <a:endParaRPr lang="en-US" altLang="en-US" sz="1600" dirty="0">
+              <a:solidFill>
+                <a:srgbClr val="E8BF6A"/>
+              </a:solidFill>
+              <a:latin typeface="Consolas" panose="020B0609020204030204" pitchFamily="49" charset="0"/>
+            </a:endParaRPr>
+          </a:p>
+          <a:p>
+            <a:pPr eaLnBrk="0" fontAlgn="base" hangingPunct="0">
+              <a:spcBef>
+                <a:spcPct val="0"/>
+              </a:spcBef>
+              <a:spcAft>
+                <a:spcPct val="0"/>
+              </a:spcAft>
+            </a:pPr>
+            <a:r>
+              <a:rPr lang="en-US" altLang="en-US" sz="1600" dirty="0">
+                <a:solidFill>
+                  <a:srgbClr val="E8BF6A"/>
+                </a:solidFill>
+                <a:latin typeface="Consolas" panose="020B0609020204030204" pitchFamily="49" charset="0"/>
+                <a:cs typeface="Courier New" panose="02070309020205020404" pitchFamily="49" charset="0"/>
+              </a:rPr>
+              <a:t>&lt;provider</a:t>
+            </a:r>
+            <a:br>
+              <a:rPr lang="en-US" altLang="en-US" sz="1600" dirty="0">
+                <a:solidFill>
+                  <a:srgbClr val="E8BF6A"/>
+                </a:solidFill>
+                <a:latin typeface="Consolas" panose="020B0609020204030204" pitchFamily="49" charset="0"/>
+                <a:cs typeface="Courier New" panose="02070309020205020404" pitchFamily="49" charset="0"/>
+              </a:rPr>
+            </a:br>
+            <a:r>
+              <a:rPr lang="en-US" altLang="en-US" sz="1600" dirty="0">
+                <a:solidFill>
+                  <a:srgbClr val="E8BF6A"/>
+                </a:solidFill>
+                <a:latin typeface="Consolas" panose="020B0609020204030204" pitchFamily="49" charset="0"/>
+                <a:cs typeface="Courier New" panose="02070309020205020404" pitchFamily="49" charset="0"/>
+              </a:rPr>
+              <a:t>    </a:t>
+            </a:r>
+            <a:r>
+              <a:rPr lang="en-US" altLang="en-US" sz="1600" dirty="0" err="1">
+                <a:solidFill>
+                  <a:srgbClr val="9876AA"/>
+                </a:solidFill>
+                <a:latin typeface="Consolas" panose="020B0609020204030204" pitchFamily="49" charset="0"/>
+                <a:cs typeface="Courier New" panose="02070309020205020404" pitchFamily="49" charset="0"/>
+              </a:rPr>
+              <a:t>android</a:t>
+            </a:r>
+            <a:r>
+              <a:rPr lang="en-US" altLang="en-US" sz="1600" dirty="0" err="1">
+                <a:solidFill>
+                  <a:srgbClr val="BABABA"/>
+                </a:solidFill>
+                <a:latin typeface="Consolas" panose="020B0609020204030204" pitchFamily="49" charset="0"/>
+                <a:cs typeface="Courier New" panose="02070309020205020404" pitchFamily="49" charset="0"/>
+              </a:rPr>
+              <a:t>:name</a:t>
+            </a:r>
+            <a:r>
+              <a:rPr lang="en-US" altLang="en-US" sz="1600" dirty="0">
+                <a:solidFill>
+                  <a:srgbClr val="BABABA"/>
+                </a:solidFill>
+                <a:latin typeface="Consolas" panose="020B0609020204030204" pitchFamily="49" charset="0"/>
+                <a:cs typeface="Courier New" panose="02070309020205020404" pitchFamily="49" charset="0"/>
+              </a:rPr>
+              <a:t>=</a:t>
+            </a:r>
+            <a:r>
+              <a:rPr lang="en-US" altLang="en-US" sz="1600" dirty="0">
+                <a:solidFill>
+                  <a:srgbClr val="6A8759"/>
+                </a:solidFill>
+                <a:latin typeface="Consolas" panose="020B0609020204030204" pitchFamily="49" charset="0"/>
+                <a:cs typeface="Courier New" panose="02070309020205020404" pitchFamily="49" charset="0"/>
+              </a:rPr>
+              <a:t>".</a:t>
+            </a:r>
+            <a:r>
+              <a:rPr lang="en-US" altLang="en-US" sz="1600" dirty="0" err="1">
+                <a:solidFill>
+                  <a:srgbClr val="6A8759"/>
+                </a:solidFill>
+                <a:latin typeface="Consolas" panose="020B0609020204030204" pitchFamily="49" charset="0"/>
+                <a:cs typeface="Courier New" panose="02070309020205020404" pitchFamily="49" charset="0"/>
+              </a:rPr>
+              <a:t>provider.FeedProvider</a:t>
+            </a:r>
+            <a:r>
+              <a:rPr lang="en-US" altLang="en-US" sz="1600" dirty="0">
+                <a:solidFill>
+                  <a:srgbClr val="6A8759"/>
+                </a:solidFill>
+                <a:latin typeface="Consolas" panose="020B0609020204030204" pitchFamily="49" charset="0"/>
+                <a:cs typeface="Courier New" panose="02070309020205020404" pitchFamily="49" charset="0"/>
+              </a:rPr>
+              <a:t>"</a:t>
+            </a:r>
+            <a:br>
+              <a:rPr lang="en-US" altLang="en-US" sz="1600" dirty="0">
+                <a:solidFill>
+                  <a:srgbClr val="6A8759"/>
+                </a:solidFill>
+                <a:latin typeface="Consolas" panose="020B0609020204030204" pitchFamily="49" charset="0"/>
+                <a:cs typeface="Courier New" panose="02070309020205020404" pitchFamily="49" charset="0"/>
+              </a:rPr>
+            </a:br>
+            <a:r>
+              <a:rPr lang="en-US" altLang="en-US" sz="1600" dirty="0">
+                <a:solidFill>
+                  <a:srgbClr val="6A8759"/>
+                </a:solidFill>
+                <a:latin typeface="Consolas" panose="020B0609020204030204" pitchFamily="49" charset="0"/>
+                <a:cs typeface="Courier New" panose="02070309020205020404" pitchFamily="49" charset="0"/>
+              </a:rPr>
+              <a:t>    </a:t>
+            </a:r>
+            <a:r>
+              <a:rPr lang="en-US" altLang="en-US" sz="1600" dirty="0" err="1">
+                <a:solidFill>
+                  <a:srgbClr val="9876AA"/>
+                </a:solidFill>
+                <a:latin typeface="Consolas" panose="020B0609020204030204" pitchFamily="49" charset="0"/>
+                <a:cs typeface="Courier New" panose="02070309020205020404" pitchFamily="49" charset="0"/>
+              </a:rPr>
+              <a:t>android</a:t>
+            </a:r>
+            <a:r>
+              <a:rPr lang="en-US" altLang="en-US" sz="1600" dirty="0" err="1">
+                <a:solidFill>
+                  <a:srgbClr val="BABABA"/>
+                </a:solidFill>
+                <a:latin typeface="Consolas" panose="020B0609020204030204" pitchFamily="49" charset="0"/>
+                <a:cs typeface="Courier New" panose="02070309020205020404" pitchFamily="49" charset="0"/>
+              </a:rPr>
+              <a:t>:authorities</a:t>
+            </a:r>
+            <a:r>
+              <a:rPr lang="en-US" altLang="en-US" sz="1600" dirty="0">
+                <a:solidFill>
+                  <a:srgbClr val="BABABA"/>
+                </a:solidFill>
+                <a:latin typeface="Consolas" panose="020B0609020204030204" pitchFamily="49" charset="0"/>
+                <a:cs typeface="Courier New" panose="02070309020205020404" pitchFamily="49" charset="0"/>
+              </a:rPr>
+              <a:t>=</a:t>
+            </a:r>
+            <a:r>
+              <a:rPr lang="en-US" altLang="en-US" sz="1600" dirty="0">
+                <a:solidFill>
+                  <a:srgbClr val="6A8759"/>
+                </a:solidFill>
+                <a:latin typeface="Consolas" panose="020B0609020204030204" pitchFamily="49" charset="0"/>
+                <a:cs typeface="Courier New" panose="02070309020205020404" pitchFamily="49" charset="0"/>
+              </a:rPr>
+              <a:t>"</a:t>
+            </a:r>
+            <a:r>
+              <a:rPr lang="en-US" altLang="en-US" sz="1600" dirty="0" err="1">
+                <a:solidFill>
+                  <a:srgbClr val="6A8759"/>
+                </a:solidFill>
+                <a:latin typeface="Consolas" panose="020B0609020204030204" pitchFamily="49" charset="0"/>
+                <a:cs typeface="Courier New" panose="02070309020205020404" pitchFamily="49" charset="0"/>
+              </a:rPr>
+              <a:t>com.example.android.basicsyncadapter</a:t>
+            </a:r>
+            <a:r>
+              <a:rPr lang="en-US" altLang="en-US" sz="1600" dirty="0">
+                <a:solidFill>
+                  <a:srgbClr val="6A8759"/>
+                </a:solidFill>
+                <a:latin typeface="Consolas" panose="020B0609020204030204" pitchFamily="49" charset="0"/>
+                <a:cs typeface="Courier New" panose="02070309020205020404" pitchFamily="49" charset="0"/>
+              </a:rPr>
+              <a:t>"</a:t>
+            </a:r>
+            <a:br>
+              <a:rPr lang="en-US" altLang="en-US" sz="1600" dirty="0">
+                <a:solidFill>
+                  <a:srgbClr val="6A8759"/>
+                </a:solidFill>
+                <a:latin typeface="Consolas" panose="020B0609020204030204" pitchFamily="49" charset="0"/>
+                <a:cs typeface="Courier New" panose="02070309020205020404" pitchFamily="49" charset="0"/>
+              </a:rPr>
+            </a:br>
+            <a:r>
+              <a:rPr lang="en-US" altLang="en-US" sz="1600" dirty="0">
+                <a:solidFill>
+                  <a:srgbClr val="6A8759"/>
+                </a:solidFill>
+                <a:latin typeface="Consolas" panose="020B0609020204030204" pitchFamily="49" charset="0"/>
+                <a:cs typeface="Courier New" panose="02070309020205020404" pitchFamily="49" charset="0"/>
+              </a:rPr>
+              <a:t>    </a:t>
+            </a:r>
+            <a:r>
+              <a:rPr lang="en-US" altLang="en-US" sz="1600" dirty="0" err="1">
+                <a:solidFill>
+                  <a:srgbClr val="9876AA"/>
+                </a:solidFill>
+                <a:latin typeface="Consolas" panose="020B0609020204030204" pitchFamily="49" charset="0"/>
+                <a:cs typeface="Courier New" panose="02070309020205020404" pitchFamily="49" charset="0"/>
+              </a:rPr>
+              <a:t>android</a:t>
+            </a:r>
+            <a:r>
+              <a:rPr lang="en-US" altLang="en-US" sz="1600" dirty="0" err="1">
+                <a:solidFill>
+                  <a:srgbClr val="BABABA"/>
+                </a:solidFill>
+                <a:latin typeface="Consolas" panose="020B0609020204030204" pitchFamily="49" charset="0"/>
+                <a:cs typeface="Courier New" panose="02070309020205020404" pitchFamily="49" charset="0"/>
+              </a:rPr>
+              <a:t>:exported</a:t>
+            </a:r>
+            <a:r>
+              <a:rPr lang="en-US" altLang="en-US" sz="1600" dirty="0">
+                <a:solidFill>
+                  <a:srgbClr val="BABABA"/>
+                </a:solidFill>
+                <a:latin typeface="Consolas" panose="020B0609020204030204" pitchFamily="49" charset="0"/>
+                <a:cs typeface="Courier New" panose="02070309020205020404" pitchFamily="49" charset="0"/>
+              </a:rPr>
+              <a:t>=</a:t>
+            </a:r>
+            <a:r>
+              <a:rPr lang="en-US" altLang="en-US" sz="1600" dirty="0">
+                <a:solidFill>
+                  <a:srgbClr val="6A8759"/>
+                </a:solidFill>
+                <a:latin typeface="Consolas" panose="020B0609020204030204" pitchFamily="49" charset="0"/>
+                <a:cs typeface="Courier New" panose="02070309020205020404" pitchFamily="49" charset="0"/>
+              </a:rPr>
+              <a:t>"false</a:t>
+            </a:r>
+            <a:r>
+              <a:rPr lang="en-US" altLang="en-US" sz="1600" dirty="0" smtClean="0">
+                <a:solidFill>
+                  <a:srgbClr val="6A8759"/>
+                </a:solidFill>
+                <a:latin typeface="Consolas" panose="020B0609020204030204" pitchFamily="49" charset="0"/>
+                <a:cs typeface="Courier New" panose="02070309020205020404" pitchFamily="49" charset="0"/>
+              </a:rPr>
+              <a:t>"</a:t>
+            </a:r>
+            <a:r>
+              <a:rPr lang="en-US" altLang="en-US" sz="1600" dirty="0" smtClean="0">
+                <a:solidFill>
+                  <a:srgbClr val="E8BF6A"/>
+                </a:solidFill>
+                <a:latin typeface="Consolas" panose="020B0609020204030204" pitchFamily="49" charset="0"/>
+                <a:cs typeface="Courier New" panose="02070309020205020404" pitchFamily="49" charset="0"/>
+              </a:rPr>
+              <a:t>/&gt;</a:t>
+            </a:r>
+            <a:r>
+              <a:rPr kumimoji="0" lang="en-US" altLang="en-US" sz="1600" b="0" i="0" u="none" strike="noStrike" cap="none" normalizeH="0" baseline="0" dirty="0" smtClean="0">
+                <a:ln>
+                  <a:noFill/>
+                </a:ln>
+                <a:solidFill>
+                  <a:srgbClr val="E8BF6A"/>
+                </a:solidFill>
+                <a:effectLst/>
+                <a:latin typeface="Consolas" panose="020B0609020204030204" pitchFamily="49" charset="0"/>
+              </a:rPr>
+              <a:t/>
+            </a:r>
+            <a:br>
+              <a:rPr kumimoji="0" lang="en-US" altLang="en-US" sz="1600" b="0" i="0" u="none" strike="noStrike" cap="none" normalizeH="0" baseline="0" dirty="0" smtClean="0">
+                <a:ln>
+                  <a:noFill/>
+                </a:ln>
+                <a:solidFill>
+                  <a:srgbClr val="E8BF6A"/>
+                </a:solidFill>
+                <a:effectLst/>
+                <a:latin typeface="Consolas" panose="020B0609020204030204" pitchFamily="49" charset="0"/>
+              </a:rPr>
+            </a:br>
+            <a:endParaRPr kumimoji="0" lang="en-US" altLang="en-US" sz="3600" b="0" i="0" u="none" strike="noStrike" cap="none" normalizeH="0" baseline="0" dirty="0" smtClean="0">
+              <a:ln>
+                <a:noFill/>
+              </a:ln>
+              <a:solidFill>
+                <a:schemeClr val="tx1"/>
+              </a:solidFill>
+              <a:effectLst/>
+              <a:latin typeface="Consolas" panose="020B0609020204030204" pitchFamily="49" charset="0"/>
+            </a:endParaRPr>
+          </a:p>
+        </p:txBody>
+      </p:sp>
+      <p:sp>
+        <p:nvSpPr>
+          <p:cNvPr id="5" name="Rectangle 1"/>
+          <p:cNvSpPr>
+            <a:spLocks noChangeArrowheads="1"/>
+          </p:cNvSpPr>
+          <p:nvPr/>
+        </p:nvSpPr>
+        <p:spPr bwMode="auto">
+          <a:xfrm>
+            <a:off x="652500" y="2348880"/>
+            <a:ext cx="10887000" cy="4176464"/>
+          </a:xfrm>
+          <a:prstGeom prst="rect">
+            <a:avLst/>
+          </a:prstGeom>
+          <a:solidFill>
+            <a:srgbClr val="2B2B2B">
+              <a:alpha val="60000"/>
+            </a:srgbClr>
+          </a:solidFill>
+          <a:ln>
+            <a:noFill/>
+          </a:ln>
+          <a:effectLst/>
+          <a:extLst/>
+        </p:spPr>
+        <p:txBody>
+          <a:bodyPr vert="horz" wrap="square" lIns="182880" tIns="182880" rIns="182880" bIns="182880" numCol="1" anchor="t" anchorCtr="0" compatLnSpc="1">
+            <a:prstTxWarp prst="textNoShape">
+              <a:avLst/>
+            </a:prstTxWarp>
+            <a:noAutofit/>
+          </a:bodyPr>
+          <a:lstStyle/>
+          <a:p>
+            <a:pPr marL="0" marR="0" lvl="0" indent="0" algn="l" defTabSz="914400" rtl="0" eaLnBrk="0" fontAlgn="base" latinLnBrk="0" hangingPunct="0">
+              <a:lnSpc>
+                <a:spcPct val="100000"/>
+              </a:lnSpc>
+              <a:spcBef>
+                <a:spcPct val="0"/>
+              </a:spcBef>
+              <a:spcAft>
+                <a:spcPct val="0"/>
+              </a:spcAft>
+              <a:buClrTx/>
+              <a:buSzTx/>
+              <a:buFontTx/>
+              <a:buNone/>
+              <a:tabLst/>
+            </a:pPr>
+            <a:r>
+              <a:rPr kumimoji="0" lang="en-US" altLang="en-US" sz="1600" b="0" i="0" u="none" strike="noStrike" cap="none" normalizeH="0" baseline="0" dirty="0" smtClean="0">
+                <a:ln>
+                  <a:noFill/>
+                </a:ln>
+                <a:solidFill>
+                  <a:srgbClr val="E8BF6A"/>
+                </a:solidFill>
+                <a:effectLst/>
+                <a:latin typeface="Consolas" panose="020B0609020204030204" pitchFamily="49" charset="0"/>
+              </a:rPr>
+              <a:t>&lt;sync-adapter</a:t>
+            </a:r>
+            <a:br>
+              <a:rPr kumimoji="0" lang="en-US" altLang="en-US" sz="1600" b="0" i="0" u="none" strike="noStrike" cap="none" normalizeH="0" baseline="0" dirty="0" smtClean="0">
+                <a:ln>
+                  <a:noFill/>
+                </a:ln>
+                <a:solidFill>
+                  <a:srgbClr val="E8BF6A"/>
+                </a:solidFill>
+                <a:effectLst/>
+                <a:latin typeface="Consolas" panose="020B0609020204030204" pitchFamily="49" charset="0"/>
+              </a:rPr>
+            </a:br>
+            <a:endParaRPr kumimoji="0" lang="en-US" altLang="en-US" sz="1600" b="0" i="0" u="none" strike="noStrike" cap="none" normalizeH="0" baseline="0" dirty="0" smtClean="0">
+              <a:ln>
+                <a:noFill/>
+              </a:ln>
+              <a:solidFill>
+                <a:srgbClr val="E8BF6A"/>
+              </a:solidFill>
+              <a:effectLst/>
+              <a:latin typeface="Consolas" panose="020B0609020204030204" pitchFamily="49" charset="0"/>
+            </a:endParaRPr>
+          </a:p>
+          <a:p>
+            <a:pPr marL="0" marR="0" lvl="0" indent="0" algn="l" defTabSz="914400" rtl="0" eaLnBrk="0" fontAlgn="base" latinLnBrk="0" hangingPunct="0">
+              <a:lnSpc>
+                <a:spcPct val="100000"/>
+              </a:lnSpc>
+              <a:spcBef>
+                <a:spcPct val="0"/>
+              </a:spcBef>
+              <a:spcAft>
+                <a:spcPct val="0"/>
+              </a:spcAft>
+              <a:buClrTx/>
+              <a:buSzTx/>
+              <a:buFontTx/>
+              <a:buNone/>
+              <a:tabLst/>
+            </a:pPr>
+            <a:r>
+              <a:rPr kumimoji="0" lang="en-US" altLang="en-US" sz="1600" b="0" i="0" u="none" strike="noStrike" cap="none" normalizeH="0" baseline="0" dirty="0" smtClean="0">
+                <a:ln>
+                  <a:noFill/>
+                </a:ln>
+                <a:solidFill>
+                  <a:srgbClr val="6A8759"/>
+                </a:solidFill>
+                <a:effectLst/>
+                <a:latin typeface="Consolas" panose="020B0609020204030204" pitchFamily="49" charset="0"/>
+              </a:rPr>
+              <a:t>    </a:t>
+            </a:r>
+            <a:r>
+              <a:rPr kumimoji="0" lang="en-US" altLang="en-US" sz="1600" b="0" i="0" u="none" strike="noStrike" cap="none" normalizeH="0" baseline="0" dirty="0" err="1" smtClean="0">
+                <a:ln>
+                  <a:noFill/>
+                </a:ln>
+                <a:solidFill>
+                  <a:srgbClr val="9876AA"/>
+                </a:solidFill>
+                <a:effectLst/>
+                <a:latin typeface="Consolas" panose="020B0609020204030204" pitchFamily="49" charset="0"/>
+              </a:rPr>
+              <a:t>android</a:t>
+            </a:r>
+            <a:r>
+              <a:rPr kumimoji="0" lang="en-US" altLang="en-US" sz="1600" b="0" i="0" u="none" strike="noStrike" cap="none" normalizeH="0" baseline="0" dirty="0" err="1" smtClean="0">
+                <a:ln>
+                  <a:noFill/>
+                </a:ln>
+                <a:solidFill>
+                  <a:srgbClr val="BABABA"/>
+                </a:solidFill>
+                <a:effectLst/>
+                <a:latin typeface="Consolas" panose="020B0609020204030204" pitchFamily="49" charset="0"/>
+              </a:rPr>
+              <a:t>:accountType</a:t>
+            </a:r>
+            <a:r>
+              <a:rPr kumimoji="0" lang="en-US" altLang="en-US" sz="1600" b="0" i="0" u="none" strike="noStrike" cap="none" normalizeH="0" baseline="0" dirty="0" smtClean="0">
+                <a:ln>
+                  <a:noFill/>
+                </a:ln>
+                <a:solidFill>
+                  <a:srgbClr val="BABABA"/>
+                </a:solidFill>
+                <a:effectLst/>
+                <a:latin typeface="Consolas" panose="020B0609020204030204" pitchFamily="49" charset="0"/>
+              </a:rPr>
+              <a:t>=</a:t>
+            </a:r>
+            <a:r>
+              <a:rPr kumimoji="0" lang="en-US" altLang="en-US" sz="1600" b="0" i="0" u="none" strike="noStrike" cap="none" normalizeH="0" baseline="0" dirty="0" smtClean="0">
+                <a:ln>
+                  <a:noFill/>
+                </a:ln>
+                <a:solidFill>
+                  <a:srgbClr val="6A8759"/>
+                </a:solidFill>
+                <a:effectLst/>
+                <a:latin typeface="Consolas" panose="020B0609020204030204" pitchFamily="49" charset="0"/>
+              </a:rPr>
+              <a:t>"</a:t>
+            </a:r>
+            <a:r>
+              <a:rPr kumimoji="0" lang="en-US" altLang="en-US" sz="1600" b="0" i="0" u="none" strike="noStrike" cap="none" normalizeH="0" baseline="0" dirty="0" err="1" smtClean="0">
+                <a:ln>
+                  <a:noFill/>
+                </a:ln>
+                <a:solidFill>
+                  <a:srgbClr val="6A8759"/>
+                </a:solidFill>
+                <a:effectLst/>
+                <a:latin typeface="Consolas" panose="020B0609020204030204" pitchFamily="49" charset="0"/>
+              </a:rPr>
+              <a:t>com.example.android.basicsyncadapter.account</a:t>
+            </a:r>
+            <a:r>
+              <a:rPr kumimoji="0" lang="en-US" altLang="en-US" sz="1600" b="0" i="0" u="none" strike="noStrike" cap="none" normalizeH="0" baseline="0" dirty="0" smtClean="0">
+                <a:ln>
+                  <a:noFill/>
+                </a:ln>
+                <a:solidFill>
+                  <a:srgbClr val="6A8759"/>
+                </a:solidFill>
+                <a:effectLst/>
+                <a:latin typeface="Consolas" panose="020B0609020204030204" pitchFamily="49" charset="0"/>
+              </a:rPr>
+              <a:t>"</a:t>
+            </a:r>
+            <a:br>
+              <a:rPr kumimoji="0" lang="en-US" altLang="en-US" sz="1600" b="0" i="0" u="none" strike="noStrike" cap="none" normalizeH="0" baseline="0" dirty="0" smtClean="0">
+                <a:ln>
+                  <a:noFill/>
+                </a:ln>
+                <a:solidFill>
+                  <a:srgbClr val="6A8759"/>
+                </a:solidFill>
+                <a:effectLst/>
+                <a:latin typeface="Consolas" panose="020B0609020204030204" pitchFamily="49" charset="0"/>
+              </a:rPr>
+            </a:br>
+            <a:endParaRPr kumimoji="0" lang="en-US" altLang="en-US" sz="1600" b="0" i="0" u="none" strike="noStrike" cap="none" normalizeH="0" baseline="0" dirty="0" smtClean="0">
+              <a:ln>
+                <a:noFill/>
+              </a:ln>
+              <a:solidFill>
+                <a:srgbClr val="6A8759"/>
+              </a:solidFill>
+              <a:effectLst/>
+              <a:latin typeface="Consolas" panose="020B0609020204030204" pitchFamily="49" charset="0"/>
+            </a:endParaRPr>
+          </a:p>
+          <a:p>
+            <a:pPr marL="0" marR="0" lvl="0" indent="0" algn="l" defTabSz="914400" rtl="0" eaLnBrk="0" fontAlgn="base" latinLnBrk="0" hangingPunct="0">
+              <a:lnSpc>
+                <a:spcPct val="100000"/>
+              </a:lnSpc>
+              <a:spcBef>
+                <a:spcPct val="0"/>
+              </a:spcBef>
+              <a:spcAft>
+                <a:spcPct val="0"/>
+              </a:spcAft>
+              <a:buClrTx/>
+              <a:buSzTx/>
+              <a:buFontTx/>
+              <a:buNone/>
+              <a:tabLst/>
+            </a:pPr>
+            <a:r>
+              <a:rPr kumimoji="0" lang="en-US" altLang="en-US" sz="1600" b="0" i="0" u="none" strike="noStrike" cap="none" normalizeH="0" baseline="0" dirty="0" smtClean="0">
+                <a:ln>
+                  <a:noFill/>
+                </a:ln>
+                <a:solidFill>
+                  <a:srgbClr val="6A8759"/>
+                </a:solidFill>
+                <a:effectLst/>
+                <a:latin typeface="Consolas" panose="020B0609020204030204" pitchFamily="49" charset="0"/>
+              </a:rPr>
+              <a:t>    </a:t>
+            </a:r>
+            <a:r>
+              <a:rPr kumimoji="0" lang="en-US" altLang="en-US" sz="1600" b="0" i="0" u="none" strike="noStrike" cap="none" normalizeH="0" baseline="0" dirty="0" err="1" smtClean="0">
+                <a:ln>
+                  <a:noFill/>
+                </a:ln>
+                <a:solidFill>
+                  <a:srgbClr val="9876AA"/>
+                </a:solidFill>
+                <a:effectLst/>
+                <a:latin typeface="Consolas" panose="020B0609020204030204" pitchFamily="49" charset="0"/>
+              </a:rPr>
+              <a:t>android</a:t>
+            </a:r>
+            <a:r>
+              <a:rPr kumimoji="0" lang="en-US" altLang="en-US" sz="1600" b="0" i="0" u="none" strike="noStrike" cap="none" normalizeH="0" baseline="0" dirty="0" err="1" smtClean="0">
+                <a:ln>
+                  <a:noFill/>
+                </a:ln>
+                <a:solidFill>
+                  <a:srgbClr val="BABABA"/>
+                </a:solidFill>
+                <a:effectLst/>
+                <a:latin typeface="Consolas" panose="020B0609020204030204" pitchFamily="49" charset="0"/>
+              </a:rPr>
+              <a:t>:contentAuthority</a:t>
+            </a:r>
+            <a:r>
+              <a:rPr kumimoji="0" lang="en-US" altLang="en-US" sz="1600" b="0" i="0" u="none" strike="noStrike" cap="none" normalizeH="0" baseline="0" dirty="0" smtClean="0">
+                <a:ln>
+                  <a:noFill/>
+                </a:ln>
+                <a:solidFill>
+                  <a:srgbClr val="BABABA"/>
+                </a:solidFill>
+                <a:effectLst/>
+                <a:latin typeface="Consolas" panose="020B0609020204030204" pitchFamily="49" charset="0"/>
+              </a:rPr>
+              <a:t>=</a:t>
+            </a:r>
+            <a:r>
+              <a:rPr kumimoji="0" lang="en-US" altLang="en-US" sz="1600" b="0" i="0" u="none" strike="noStrike" cap="none" normalizeH="0" baseline="0" dirty="0" smtClean="0">
+                <a:ln>
+                  <a:noFill/>
+                </a:ln>
+                <a:solidFill>
+                  <a:srgbClr val="6A8759"/>
+                </a:solidFill>
+                <a:effectLst/>
+                <a:latin typeface="Consolas" panose="020B0609020204030204" pitchFamily="49" charset="0"/>
+              </a:rPr>
+              <a:t>"</a:t>
+            </a:r>
+            <a:r>
+              <a:rPr kumimoji="0" lang="en-US" altLang="en-US" sz="1600" b="0" i="0" u="none" strike="noStrike" cap="none" normalizeH="0" baseline="0" dirty="0" err="1" smtClean="0">
+                <a:ln>
+                  <a:noFill/>
+                </a:ln>
+                <a:solidFill>
+                  <a:srgbClr val="6A8759"/>
+                </a:solidFill>
+                <a:effectLst/>
+                <a:latin typeface="Consolas" panose="020B0609020204030204" pitchFamily="49" charset="0"/>
+              </a:rPr>
+              <a:t>com.example.android.basicsyncadapter</a:t>
+            </a:r>
+            <a:r>
+              <a:rPr kumimoji="0" lang="en-US" altLang="en-US" sz="1600" b="0" i="0" u="none" strike="noStrike" cap="none" normalizeH="0" baseline="0" dirty="0" smtClean="0">
+                <a:ln>
+                  <a:noFill/>
+                </a:ln>
+                <a:solidFill>
+                  <a:srgbClr val="6A8759"/>
+                </a:solidFill>
+                <a:effectLst/>
+                <a:latin typeface="Consolas" panose="020B0609020204030204" pitchFamily="49" charset="0"/>
+              </a:rPr>
+              <a:t>"</a:t>
+            </a:r>
+            <a:br>
+              <a:rPr kumimoji="0" lang="en-US" altLang="en-US" sz="1600" b="0" i="0" u="none" strike="noStrike" cap="none" normalizeH="0" baseline="0" dirty="0" smtClean="0">
+                <a:ln>
+                  <a:noFill/>
+                </a:ln>
+                <a:solidFill>
+                  <a:srgbClr val="6A8759"/>
+                </a:solidFill>
+                <a:effectLst/>
+                <a:latin typeface="Consolas" panose="020B0609020204030204" pitchFamily="49" charset="0"/>
+              </a:rPr>
+            </a:br>
+            <a:endParaRPr kumimoji="0" lang="en-US" altLang="en-US" sz="1600" b="0" i="0" u="none" strike="noStrike" cap="none" normalizeH="0" baseline="0" dirty="0" smtClean="0">
+              <a:ln>
+                <a:noFill/>
+              </a:ln>
+              <a:solidFill>
+                <a:srgbClr val="6A8759"/>
+              </a:solidFill>
+              <a:effectLst/>
+              <a:latin typeface="Consolas" panose="020B0609020204030204" pitchFamily="49" charset="0"/>
+            </a:endParaRPr>
+          </a:p>
+          <a:p>
+            <a:pPr marL="0" marR="0" lvl="0" indent="0" algn="l" defTabSz="914400" rtl="0" eaLnBrk="0" fontAlgn="base" latinLnBrk="0" hangingPunct="0">
+              <a:lnSpc>
+                <a:spcPct val="100000"/>
+              </a:lnSpc>
+              <a:spcBef>
+                <a:spcPct val="0"/>
+              </a:spcBef>
+              <a:spcAft>
+                <a:spcPct val="0"/>
+              </a:spcAft>
+              <a:buClrTx/>
+              <a:buSzTx/>
+              <a:buFontTx/>
+              <a:buNone/>
+              <a:tabLst/>
+            </a:pPr>
+            <a:endParaRPr lang="en-US" altLang="en-US" sz="1600" dirty="0">
+              <a:solidFill>
+                <a:srgbClr val="6A8759"/>
+              </a:solidFill>
+              <a:latin typeface="Consolas" panose="020B0609020204030204" pitchFamily="49" charset="0"/>
+            </a:endParaRPr>
+          </a:p>
+          <a:p>
+            <a:pPr lvl="0" eaLnBrk="0" fontAlgn="base" hangingPunct="0">
+              <a:spcBef>
+                <a:spcPct val="0"/>
+              </a:spcBef>
+              <a:spcAft>
+                <a:spcPct val="0"/>
+              </a:spcAft>
+            </a:pPr>
+            <a:r>
+              <a:rPr kumimoji="0" lang="en-US" altLang="en-US" sz="1600" b="0" i="0" u="none" strike="noStrike" cap="none" normalizeH="0" baseline="0" dirty="0" smtClean="0">
+                <a:ln>
+                  <a:noFill/>
+                </a:ln>
+                <a:solidFill>
+                  <a:srgbClr val="6A8759"/>
+                </a:solidFill>
+                <a:effectLst/>
+                <a:latin typeface="Consolas" panose="020B0609020204030204" pitchFamily="49" charset="0"/>
+              </a:rPr>
+              <a:t>    </a:t>
+            </a:r>
+            <a:r>
+              <a:rPr kumimoji="0" lang="en-US" altLang="en-US" sz="1600" b="0" i="0" u="none" strike="noStrike" cap="none" normalizeH="0" baseline="0" dirty="0" smtClean="0">
+                <a:ln>
+                  <a:noFill/>
+                </a:ln>
+                <a:solidFill>
+                  <a:srgbClr val="9876AA"/>
+                </a:solidFill>
+                <a:effectLst/>
+                <a:latin typeface="Consolas" panose="020B0609020204030204" pitchFamily="49" charset="0"/>
+              </a:rPr>
+              <a:t>                           </a:t>
+            </a:r>
+            <a:r>
+              <a:rPr kumimoji="0" lang="en-US" altLang="en-US" sz="1600" b="0" i="0" u="none" strike="noStrike" cap="none" normalizeH="0" baseline="0" dirty="0" smtClean="0">
+                <a:ln>
+                  <a:noFill/>
+                </a:ln>
+                <a:solidFill>
+                  <a:srgbClr val="E8BF6A"/>
+                </a:solidFill>
+                <a:effectLst/>
+                <a:latin typeface="Consolas" panose="020B0609020204030204" pitchFamily="49" charset="0"/>
+              </a:rPr>
+              <a:t>/&gt;</a:t>
+            </a:r>
+            <a:br>
+              <a:rPr kumimoji="0" lang="en-US" altLang="en-US" sz="1600" b="0" i="0" u="none" strike="noStrike" cap="none" normalizeH="0" baseline="0" dirty="0" smtClean="0">
+                <a:ln>
+                  <a:noFill/>
+                </a:ln>
+                <a:solidFill>
+                  <a:srgbClr val="E8BF6A"/>
+                </a:solidFill>
+                <a:effectLst/>
+                <a:latin typeface="Consolas" panose="020B0609020204030204" pitchFamily="49" charset="0"/>
+              </a:rPr>
+            </a:br>
+            <a:endParaRPr lang="en-US" altLang="en-US" sz="1600" dirty="0">
+              <a:solidFill>
+                <a:srgbClr val="E8BF6A"/>
+              </a:solidFill>
+              <a:latin typeface="Consolas" panose="020B0609020204030204" pitchFamily="49" charset="0"/>
+            </a:endParaRPr>
+          </a:p>
+          <a:p>
+            <a:pPr eaLnBrk="0" fontAlgn="base" hangingPunct="0">
+              <a:spcBef>
+                <a:spcPct val="0"/>
+              </a:spcBef>
+              <a:spcAft>
+                <a:spcPct val="0"/>
+              </a:spcAft>
+            </a:pPr>
+            <a:r>
+              <a:rPr lang="en-US" altLang="en-US" sz="1600" dirty="0">
+                <a:solidFill>
+                  <a:srgbClr val="E8BF6A"/>
+                </a:solidFill>
+                <a:latin typeface="Consolas" panose="020B0609020204030204" pitchFamily="49" charset="0"/>
+                <a:cs typeface="Courier New" panose="02070309020205020404" pitchFamily="49" charset="0"/>
+              </a:rPr>
+              <a:t>&lt;provider</a:t>
+            </a:r>
+            <a:br>
+              <a:rPr lang="en-US" altLang="en-US" sz="1600" dirty="0">
+                <a:solidFill>
+                  <a:srgbClr val="E8BF6A"/>
+                </a:solidFill>
+                <a:latin typeface="Consolas" panose="020B0609020204030204" pitchFamily="49" charset="0"/>
+                <a:cs typeface="Courier New" panose="02070309020205020404" pitchFamily="49" charset="0"/>
+              </a:rPr>
+            </a:br>
+            <a:endParaRPr lang="en-US" altLang="en-US" sz="1600" dirty="0" smtClean="0">
+              <a:solidFill>
+                <a:srgbClr val="E8BF6A"/>
+              </a:solidFill>
+              <a:latin typeface="Consolas" panose="020B0609020204030204" pitchFamily="49" charset="0"/>
+              <a:cs typeface="Courier New" panose="02070309020205020404" pitchFamily="49" charset="0"/>
+            </a:endParaRPr>
+          </a:p>
+          <a:p>
+            <a:pPr eaLnBrk="0" fontAlgn="base" hangingPunct="0">
+              <a:spcBef>
+                <a:spcPct val="0"/>
+              </a:spcBef>
+              <a:spcAft>
+                <a:spcPct val="0"/>
+              </a:spcAft>
+            </a:pPr>
+            <a:r>
+              <a:rPr lang="en-US" altLang="en-US" sz="1600" dirty="0" smtClean="0">
+                <a:solidFill>
+                  <a:srgbClr val="6A8759"/>
+                </a:solidFill>
+                <a:latin typeface="Consolas" panose="020B0609020204030204" pitchFamily="49" charset="0"/>
+                <a:cs typeface="Courier New" panose="02070309020205020404" pitchFamily="49" charset="0"/>
+              </a:rPr>
+              <a:t>    </a:t>
+            </a:r>
+            <a:r>
+              <a:rPr lang="en-US" altLang="en-US" sz="1600" dirty="0" err="1">
+                <a:solidFill>
+                  <a:srgbClr val="9876AA"/>
+                </a:solidFill>
+                <a:latin typeface="Consolas" panose="020B0609020204030204" pitchFamily="49" charset="0"/>
+                <a:cs typeface="Courier New" panose="02070309020205020404" pitchFamily="49" charset="0"/>
+              </a:rPr>
+              <a:t>android</a:t>
+            </a:r>
+            <a:r>
+              <a:rPr lang="en-US" altLang="en-US" sz="1600" dirty="0" err="1">
+                <a:solidFill>
+                  <a:srgbClr val="BABABA"/>
+                </a:solidFill>
+                <a:latin typeface="Consolas" panose="020B0609020204030204" pitchFamily="49" charset="0"/>
+                <a:cs typeface="Courier New" panose="02070309020205020404" pitchFamily="49" charset="0"/>
+              </a:rPr>
+              <a:t>:authorities</a:t>
+            </a:r>
+            <a:r>
+              <a:rPr lang="en-US" altLang="en-US" sz="1600" dirty="0">
+                <a:solidFill>
+                  <a:srgbClr val="BABABA"/>
+                </a:solidFill>
+                <a:latin typeface="Consolas" panose="020B0609020204030204" pitchFamily="49" charset="0"/>
+                <a:cs typeface="Courier New" panose="02070309020205020404" pitchFamily="49" charset="0"/>
+              </a:rPr>
+              <a:t>=</a:t>
+            </a:r>
+            <a:r>
+              <a:rPr lang="en-US" altLang="en-US" sz="1600" dirty="0">
+                <a:solidFill>
+                  <a:srgbClr val="6A8759"/>
+                </a:solidFill>
+                <a:latin typeface="Consolas" panose="020B0609020204030204" pitchFamily="49" charset="0"/>
+                <a:cs typeface="Courier New" panose="02070309020205020404" pitchFamily="49" charset="0"/>
+              </a:rPr>
+              <a:t>"</a:t>
+            </a:r>
+            <a:r>
+              <a:rPr lang="en-US" altLang="en-US" sz="1600" dirty="0" err="1">
+                <a:solidFill>
+                  <a:srgbClr val="6A8759"/>
+                </a:solidFill>
+                <a:latin typeface="Consolas" panose="020B0609020204030204" pitchFamily="49" charset="0"/>
+                <a:cs typeface="Courier New" panose="02070309020205020404" pitchFamily="49" charset="0"/>
+              </a:rPr>
+              <a:t>com.example.android.basicsyncadapter</a:t>
+            </a:r>
+            <a:r>
+              <a:rPr lang="en-US" altLang="en-US" sz="1600" dirty="0">
+                <a:solidFill>
+                  <a:srgbClr val="6A8759"/>
+                </a:solidFill>
+                <a:latin typeface="Consolas" panose="020B0609020204030204" pitchFamily="49" charset="0"/>
+                <a:cs typeface="Courier New" panose="02070309020205020404" pitchFamily="49" charset="0"/>
+              </a:rPr>
+              <a:t>"</a:t>
+            </a:r>
+            <a:br>
+              <a:rPr lang="en-US" altLang="en-US" sz="1600" dirty="0">
+                <a:solidFill>
+                  <a:srgbClr val="6A8759"/>
+                </a:solidFill>
+                <a:latin typeface="Consolas" panose="020B0609020204030204" pitchFamily="49" charset="0"/>
+                <a:cs typeface="Courier New" panose="02070309020205020404" pitchFamily="49" charset="0"/>
+              </a:rPr>
+            </a:br>
+            <a:r>
+              <a:rPr lang="en-US" altLang="en-US" sz="1600" dirty="0">
+                <a:solidFill>
+                  <a:srgbClr val="6A8759"/>
+                </a:solidFill>
+                <a:latin typeface="Consolas" panose="020B0609020204030204" pitchFamily="49" charset="0"/>
+                <a:cs typeface="Courier New" panose="02070309020205020404" pitchFamily="49" charset="0"/>
+              </a:rPr>
+              <a:t>    </a:t>
+            </a:r>
+            <a:r>
+              <a:rPr lang="en-US" altLang="en-US" sz="1600" dirty="0" smtClean="0">
+                <a:solidFill>
+                  <a:srgbClr val="9876AA"/>
+                </a:solidFill>
+                <a:latin typeface="Consolas" panose="020B0609020204030204" pitchFamily="49" charset="0"/>
+                <a:cs typeface="Courier New" panose="02070309020205020404" pitchFamily="49" charset="0"/>
+              </a:rPr>
+              <a:t>                        </a:t>
+            </a:r>
+            <a:r>
+              <a:rPr lang="en-US" altLang="en-US" sz="1600" dirty="0" smtClean="0">
+                <a:solidFill>
+                  <a:srgbClr val="E8BF6A"/>
+                </a:solidFill>
+                <a:latin typeface="Consolas" panose="020B0609020204030204" pitchFamily="49" charset="0"/>
+                <a:cs typeface="Courier New" panose="02070309020205020404" pitchFamily="49" charset="0"/>
+              </a:rPr>
+              <a:t>/&gt;</a:t>
+            </a:r>
+            <a:endParaRPr kumimoji="0" lang="en-US" altLang="en-US" sz="1600" b="0" i="0" u="none" strike="noStrike" cap="none" normalizeH="0" baseline="0" dirty="0" smtClean="0">
+              <a:ln>
+                <a:noFill/>
+              </a:ln>
+              <a:solidFill>
+                <a:schemeClr val="tx1"/>
+              </a:solidFill>
+              <a:effectLst/>
+              <a:latin typeface="Consolas" panose="020B0609020204030204" pitchFamily="49" charset="0"/>
+            </a:endParaRPr>
           </a:p>
         </p:txBody>
       </p:sp>
     </p:spTree>
     <p:extLst>
       <p:ext uri="{BB962C8B-B14F-4D97-AF65-F5344CB8AC3E}">
-        <p14:creationId xmlns:p14="http://schemas.microsoft.com/office/powerpoint/2010/main" val="2364295274"/>
+        <p14:creationId xmlns:p14="http://schemas.microsoft.com/office/powerpoint/2010/main" val="1171134771"/>
       </p:ext>
     </p:extLst>
   </p:cSld>
@@ -18402,6 +20121,2756 @@
       </p:grpSpPr>
       <p:sp>
         <p:nvSpPr>
+          <p:cNvPr id="2" name="Title 1"/>
+          <p:cNvSpPr>
+            <a:spLocks noGrp="1"/>
+          </p:cNvSpPr>
+          <p:nvPr>
+            <p:ph type="title"/>
+          </p:nvPr>
+        </p:nvSpPr>
+        <p:spPr/>
+        <p:txBody>
+          <a:bodyPr/>
+          <a:lstStyle/>
+          <a:p>
+            <a:r>
+              <a:rPr lang="en-US" dirty="0" smtClean="0"/>
+              <a:t>Do I need a </a:t>
+            </a:r>
+            <a:r>
+              <a:rPr lang="en-US" dirty="0" err="1" smtClean="0"/>
+              <a:t>ContentProvider</a:t>
+            </a:r>
+            <a:r>
+              <a:rPr lang="en-US" dirty="0" smtClean="0"/>
+              <a:t>?</a:t>
+            </a:r>
+            <a:endParaRPr lang="en-US" dirty="0"/>
+          </a:p>
+        </p:txBody>
+      </p:sp>
+      <p:sp>
+        <p:nvSpPr>
+          <p:cNvPr id="3" name="Content Placeholder 2"/>
+          <p:cNvSpPr>
+            <a:spLocks noGrp="1"/>
+          </p:cNvSpPr>
+          <p:nvPr>
+            <p:ph idx="1"/>
+          </p:nvPr>
+        </p:nvSpPr>
+        <p:spPr/>
+        <p:txBody>
+          <a:bodyPr/>
+          <a:lstStyle/>
+          <a:p>
+            <a:pPr marL="0" indent="0">
+              <a:buNone/>
+            </a:pPr>
+            <a:r>
+              <a:rPr lang="en-US" dirty="0" smtClean="0"/>
+              <a:t>Yes… but </a:t>
+            </a:r>
+            <a:r>
+              <a:rPr lang="en-US" dirty="0"/>
+              <a:t>it doesn’t need to do anything.</a:t>
+            </a:r>
+          </a:p>
+          <a:p>
+            <a:pPr marL="0" indent="0">
+              <a:buNone/>
+            </a:pPr>
+            <a:endParaRPr lang="en-US" dirty="0" smtClean="0"/>
+          </a:p>
+        </p:txBody>
+      </p:sp>
+      <p:sp>
+        <p:nvSpPr>
+          <p:cNvPr id="7" name="Rectangle 1"/>
+          <p:cNvSpPr>
+            <a:spLocks noChangeArrowheads="1"/>
+          </p:cNvSpPr>
+          <p:nvPr/>
+        </p:nvSpPr>
+        <p:spPr bwMode="auto">
+          <a:xfrm>
+            <a:off x="652500" y="2348880"/>
+            <a:ext cx="10887000" cy="4104456"/>
+          </a:xfrm>
+          <a:prstGeom prst="rect">
+            <a:avLst/>
+          </a:prstGeom>
+          <a:solidFill>
+            <a:srgbClr val="2B2B2B"/>
+          </a:solidFill>
+          <a:ln>
+            <a:noFill/>
+          </a:ln>
+          <a:effectLst/>
+          <a:extLst/>
+        </p:spPr>
+        <p:txBody>
+          <a:bodyPr vert="horz" wrap="square" lIns="182880" tIns="182880" rIns="182880" bIns="182880" numCol="1" anchor="t" anchorCtr="0" compatLnSpc="1">
+            <a:prstTxWarp prst="textNoShape">
+              <a:avLst/>
+            </a:prstTxWarp>
+            <a:noAutofit/>
+          </a:bodyPr>
+          <a:lstStyle/>
+          <a:p>
+            <a:pPr lvl="0" eaLnBrk="0" fontAlgn="base" hangingPunct="0">
+              <a:spcBef>
+                <a:spcPct val="0"/>
+              </a:spcBef>
+              <a:spcAft>
+                <a:spcPct val="0"/>
+              </a:spcAft>
+            </a:pPr>
+            <a:r>
+              <a:rPr lang="en-US" altLang="en-US" sz="1600" dirty="0">
+                <a:solidFill>
+                  <a:srgbClr val="CC7832"/>
+                </a:solidFill>
+                <a:latin typeface="Consolas" panose="020B0609020204030204" pitchFamily="49" charset="0"/>
+                <a:cs typeface="Courier New" panose="02070309020205020404" pitchFamily="49" charset="0"/>
+              </a:rPr>
+              <a:t>public class </a:t>
+            </a:r>
+            <a:r>
+              <a:rPr lang="en-US" altLang="en-US" sz="1600" dirty="0" err="1">
+                <a:solidFill>
+                  <a:srgbClr val="A9B7C6"/>
+                </a:solidFill>
+                <a:latin typeface="Consolas" panose="020B0609020204030204" pitchFamily="49" charset="0"/>
+                <a:cs typeface="Courier New" panose="02070309020205020404" pitchFamily="49" charset="0"/>
+              </a:rPr>
+              <a:t>DummyProvider</a:t>
+            </a:r>
+            <a:r>
+              <a:rPr lang="en-US" altLang="en-US" sz="1600" dirty="0">
+                <a:solidFill>
+                  <a:srgbClr val="A9B7C6"/>
+                </a:solidFill>
+                <a:latin typeface="Consolas" panose="020B0609020204030204" pitchFamily="49" charset="0"/>
+                <a:cs typeface="Courier New" panose="02070309020205020404" pitchFamily="49" charset="0"/>
+              </a:rPr>
+              <a:t> </a:t>
+            </a:r>
+            <a:r>
+              <a:rPr lang="en-US" altLang="en-US" sz="1600" dirty="0">
+                <a:solidFill>
+                  <a:srgbClr val="CC7832"/>
+                </a:solidFill>
+                <a:latin typeface="Consolas" panose="020B0609020204030204" pitchFamily="49" charset="0"/>
+                <a:cs typeface="Courier New" panose="02070309020205020404" pitchFamily="49" charset="0"/>
+              </a:rPr>
+              <a:t>extends </a:t>
+            </a:r>
+            <a:r>
+              <a:rPr lang="en-US" altLang="en-US" sz="1600" dirty="0" err="1">
+                <a:solidFill>
+                  <a:srgbClr val="A9B7C6"/>
+                </a:solidFill>
+                <a:latin typeface="Consolas" panose="020B0609020204030204" pitchFamily="49" charset="0"/>
+                <a:cs typeface="Courier New" panose="02070309020205020404" pitchFamily="49" charset="0"/>
+              </a:rPr>
+              <a:t>ContentProvider</a:t>
+            </a:r>
+            <a:r>
+              <a:rPr lang="en-US" altLang="en-US" sz="1600" dirty="0">
+                <a:solidFill>
+                  <a:srgbClr val="A9B7C6"/>
+                </a:solidFill>
+                <a:latin typeface="Consolas" panose="020B0609020204030204" pitchFamily="49" charset="0"/>
+                <a:cs typeface="Courier New" panose="02070309020205020404" pitchFamily="49" charset="0"/>
+              </a:rPr>
+              <a:t> {</a:t>
+            </a:r>
+            <a:br>
+              <a:rPr lang="en-US" altLang="en-US" sz="1600" dirty="0">
+                <a:solidFill>
+                  <a:srgbClr val="A9B7C6"/>
+                </a:solidFill>
+                <a:latin typeface="Consolas" panose="020B0609020204030204" pitchFamily="49" charset="0"/>
+                <a:cs typeface="Courier New" panose="02070309020205020404" pitchFamily="49" charset="0"/>
+              </a:rPr>
+            </a:br>
+            <a:r>
+              <a:rPr lang="en-US" altLang="en-US" sz="1600" dirty="0">
+                <a:solidFill>
+                  <a:srgbClr val="A9B7C6"/>
+                </a:solidFill>
+                <a:latin typeface="Consolas" panose="020B0609020204030204" pitchFamily="49" charset="0"/>
+                <a:cs typeface="Courier New" panose="02070309020205020404" pitchFamily="49" charset="0"/>
+              </a:rPr>
+              <a:t/>
+            </a:r>
+            <a:br>
+              <a:rPr lang="en-US" altLang="en-US" sz="1600" dirty="0">
+                <a:solidFill>
+                  <a:srgbClr val="A9B7C6"/>
+                </a:solidFill>
+                <a:latin typeface="Consolas" panose="020B0609020204030204" pitchFamily="49" charset="0"/>
+                <a:cs typeface="Courier New" panose="02070309020205020404" pitchFamily="49" charset="0"/>
+              </a:rPr>
+            </a:br>
+            <a:r>
+              <a:rPr lang="en-US" altLang="en-US" sz="1600" dirty="0">
+                <a:solidFill>
+                  <a:srgbClr val="A9B7C6"/>
+                </a:solidFill>
+                <a:latin typeface="Consolas" panose="020B0609020204030204" pitchFamily="49" charset="0"/>
+                <a:cs typeface="Courier New" panose="02070309020205020404" pitchFamily="49" charset="0"/>
+              </a:rPr>
+              <a:t>    </a:t>
+            </a:r>
+            <a:r>
+              <a:rPr lang="en-US" altLang="en-US" sz="1600" dirty="0">
+                <a:solidFill>
+                  <a:srgbClr val="BBB529"/>
+                </a:solidFill>
+                <a:latin typeface="Consolas" panose="020B0609020204030204" pitchFamily="49" charset="0"/>
+                <a:cs typeface="Courier New" panose="02070309020205020404" pitchFamily="49" charset="0"/>
+              </a:rPr>
+              <a:t>@</a:t>
+            </a:r>
+            <a:r>
+              <a:rPr lang="en-US" altLang="en-US" sz="1600" dirty="0" smtClean="0">
+                <a:solidFill>
+                  <a:srgbClr val="BBB529"/>
+                </a:solidFill>
+                <a:latin typeface="Consolas" panose="020B0609020204030204" pitchFamily="49" charset="0"/>
+                <a:cs typeface="Courier New" panose="02070309020205020404" pitchFamily="49" charset="0"/>
+              </a:rPr>
+              <a:t>Override </a:t>
+            </a:r>
+            <a:r>
+              <a:rPr lang="en-US" altLang="en-US" sz="1600" dirty="0" smtClean="0">
+                <a:solidFill>
+                  <a:srgbClr val="CC7832"/>
+                </a:solidFill>
+                <a:latin typeface="Consolas" panose="020B0609020204030204" pitchFamily="49" charset="0"/>
+                <a:cs typeface="Courier New" panose="02070309020205020404" pitchFamily="49" charset="0"/>
+              </a:rPr>
+              <a:t>public </a:t>
+            </a:r>
+            <a:r>
+              <a:rPr lang="en-US" altLang="en-US" sz="1600" dirty="0" err="1">
+                <a:solidFill>
+                  <a:srgbClr val="CC7832"/>
+                </a:solidFill>
+                <a:latin typeface="Consolas" panose="020B0609020204030204" pitchFamily="49" charset="0"/>
+                <a:cs typeface="Courier New" panose="02070309020205020404" pitchFamily="49" charset="0"/>
+              </a:rPr>
+              <a:t>boolean</a:t>
+            </a:r>
+            <a:r>
+              <a:rPr lang="en-US" altLang="en-US" sz="1600" dirty="0">
+                <a:solidFill>
+                  <a:srgbClr val="CC7832"/>
+                </a:solidFill>
+                <a:latin typeface="Consolas" panose="020B0609020204030204" pitchFamily="49" charset="0"/>
+                <a:cs typeface="Courier New" panose="02070309020205020404" pitchFamily="49" charset="0"/>
+              </a:rPr>
+              <a:t> </a:t>
+            </a:r>
+            <a:r>
+              <a:rPr lang="en-US" altLang="en-US" sz="1600" dirty="0" err="1">
+                <a:solidFill>
+                  <a:srgbClr val="FFC66D"/>
+                </a:solidFill>
+                <a:latin typeface="Consolas" panose="020B0609020204030204" pitchFamily="49" charset="0"/>
+                <a:cs typeface="Courier New" panose="02070309020205020404" pitchFamily="49" charset="0"/>
+              </a:rPr>
+              <a:t>onCreate</a:t>
+            </a:r>
+            <a:r>
+              <a:rPr lang="en-US" altLang="en-US" sz="1600" dirty="0">
+                <a:solidFill>
+                  <a:srgbClr val="A9B7C6"/>
+                </a:solidFill>
+                <a:latin typeface="Consolas" panose="020B0609020204030204" pitchFamily="49" charset="0"/>
+                <a:cs typeface="Courier New" panose="02070309020205020404" pitchFamily="49" charset="0"/>
+              </a:rPr>
+              <a:t>() { </a:t>
+            </a:r>
+            <a:r>
+              <a:rPr lang="en-US" altLang="en-US" sz="1600" dirty="0">
+                <a:solidFill>
+                  <a:srgbClr val="CC7832"/>
+                </a:solidFill>
+                <a:latin typeface="Consolas" panose="020B0609020204030204" pitchFamily="49" charset="0"/>
+                <a:cs typeface="Courier New" panose="02070309020205020404" pitchFamily="49" charset="0"/>
+              </a:rPr>
+              <a:t>return false; </a:t>
+            </a:r>
+            <a:r>
+              <a:rPr lang="en-US" altLang="en-US" sz="1600" dirty="0">
+                <a:solidFill>
+                  <a:srgbClr val="A9B7C6"/>
+                </a:solidFill>
+                <a:latin typeface="Consolas" panose="020B0609020204030204" pitchFamily="49" charset="0"/>
+                <a:cs typeface="Courier New" panose="02070309020205020404" pitchFamily="49" charset="0"/>
+              </a:rPr>
+              <a:t>}</a:t>
+            </a:r>
+            <a:br>
+              <a:rPr lang="en-US" altLang="en-US" sz="1600" dirty="0">
+                <a:solidFill>
+                  <a:srgbClr val="A9B7C6"/>
+                </a:solidFill>
+                <a:latin typeface="Consolas" panose="020B0609020204030204" pitchFamily="49" charset="0"/>
+                <a:cs typeface="Courier New" panose="02070309020205020404" pitchFamily="49" charset="0"/>
+              </a:rPr>
+            </a:br>
+            <a:r>
+              <a:rPr lang="en-US" altLang="en-US" sz="1600" dirty="0">
+                <a:solidFill>
+                  <a:srgbClr val="A9B7C6"/>
+                </a:solidFill>
+                <a:latin typeface="Consolas" panose="020B0609020204030204" pitchFamily="49" charset="0"/>
+                <a:cs typeface="Courier New" panose="02070309020205020404" pitchFamily="49" charset="0"/>
+              </a:rPr>
+              <a:t/>
+            </a:r>
+            <a:br>
+              <a:rPr lang="en-US" altLang="en-US" sz="1600" dirty="0">
+                <a:solidFill>
+                  <a:srgbClr val="A9B7C6"/>
+                </a:solidFill>
+                <a:latin typeface="Consolas" panose="020B0609020204030204" pitchFamily="49" charset="0"/>
+                <a:cs typeface="Courier New" panose="02070309020205020404" pitchFamily="49" charset="0"/>
+              </a:rPr>
+            </a:br>
+            <a:r>
+              <a:rPr lang="en-US" altLang="en-US" sz="1600" dirty="0">
+                <a:solidFill>
+                  <a:srgbClr val="A9B7C6"/>
+                </a:solidFill>
+                <a:latin typeface="Consolas" panose="020B0609020204030204" pitchFamily="49" charset="0"/>
+                <a:cs typeface="Courier New" panose="02070309020205020404" pitchFamily="49" charset="0"/>
+              </a:rPr>
+              <a:t>    </a:t>
+            </a:r>
+            <a:r>
+              <a:rPr lang="en-US" altLang="en-US" sz="1600" dirty="0">
+                <a:solidFill>
+                  <a:srgbClr val="BBB529"/>
+                </a:solidFill>
+                <a:latin typeface="Consolas" panose="020B0609020204030204" pitchFamily="49" charset="0"/>
+                <a:cs typeface="Courier New" panose="02070309020205020404" pitchFamily="49" charset="0"/>
+              </a:rPr>
+              <a:t>@</a:t>
+            </a:r>
+            <a:r>
+              <a:rPr lang="en-US" altLang="en-US" sz="1600" dirty="0" smtClean="0">
+                <a:solidFill>
+                  <a:srgbClr val="BBB529"/>
+                </a:solidFill>
+                <a:latin typeface="Consolas" panose="020B0609020204030204" pitchFamily="49" charset="0"/>
+                <a:cs typeface="Courier New" panose="02070309020205020404" pitchFamily="49" charset="0"/>
+              </a:rPr>
+              <a:t>Override </a:t>
+            </a:r>
+            <a:r>
+              <a:rPr lang="en-US" altLang="en-US" sz="1600" dirty="0" smtClean="0">
+                <a:solidFill>
+                  <a:srgbClr val="CC7832"/>
+                </a:solidFill>
+                <a:latin typeface="Consolas" panose="020B0609020204030204" pitchFamily="49" charset="0"/>
+                <a:cs typeface="Courier New" panose="02070309020205020404" pitchFamily="49" charset="0"/>
+              </a:rPr>
+              <a:t>public </a:t>
+            </a:r>
+            <a:r>
+              <a:rPr lang="en-US" altLang="en-US" sz="1600" dirty="0" err="1">
+                <a:solidFill>
+                  <a:srgbClr val="CC7832"/>
+                </a:solidFill>
+                <a:latin typeface="Consolas" panose="020B0609020204030204" pitchFamily="49" charset="0"/>
+                <a:cs typeface="Courier New" panose="02070309020205020404" pitchFamily="49" charset="0"/>
+              </a:rPr>
+              <a:t>int</a:t>
+            </a:r>
+            <a:r>
+              <a:rPr lang="en-US" altLang="en-US" sz="1600" dirty="0">
+                <a:solidFill>
+                  <a:srgbClr val="CC7832"/>
+                </a:solidFill>
+                <a:latin typeface="Consolas" panose="020B0609020204030204" pitchFamily="49" charset="0"/>
+                <a:cs typeface="Courier New" panose="02070309020205020404" pitchFamily="49" charset="0"/>
+              </a:rPr>
+              <a:t> </a:t>
+            </a:r>
+            <a:r>
+              <a:rPr lang="en-US" altLang="en-US" sz="1600" dirty="0">
+                <a:solidFill>
+                  <a:srgbClr val="FFC66D"/>
+                </a:solidFill>
+                <a:latin typeface="Consolas" panose="020B0609020204030204" pitchFamily="49" charset="0"/>
+                <a:cs typeface="Courier New" panose="02070309020205020404" pitchFamily="49" charset="0"/>
+              </a:rPr>
+              <a:t>delete</a:t>
+            </a:r>
+            <a:r>
+              <a:rPr lang="en-US" altLang="en-US" sz="1600" dirty="0">
+                <a:solidFill>
+                  <a:srgbClr val="A9B7C6"/>
+                </a:solidFill>
+                <a:latin typeface="Consolas" panose="020B0609020204030204" pitchFamily="49" charset="0"/>
+                <a:cs typeface="Courier New" panose="02070309020205020404" pitchFamily="49" charset="0"/>
+              </a:rPr>
+              <a:t>(...) { </a:t>
+            </a:r>
+            <a:r>
+              <a:rPr lang="en-US" altLang="en-US" sz="1600" dirty="0">
+                <a:solidFill>
+                  <a:srgbClr val="CC7832"/>
+                </a:solidFill>
+                <a:latin typeface="Consolas" panose="020B0609020204030204" pitchFamily="49" charset="0"/>
+                <a:cs typeface="Courier New" panose="02070309020205020404" pitchFamily="49" charset="0"/>
+              </a:rPr>
+              <a:t>return </a:t>
+            </a:r>
+            <a:r>
+              <a:rPr lang="en-US" altLang="en-US" sz="1600" dirty="0">
+                <a:solidFill>
+                  <a:srgbClr val="6897BB"/>
+                </a:solidFill>
+                <a:latin typeface="Consolas" panose="020B0609020204030204" pitchFamily="49" charset="0"/>
+                <a:cs typeface="Courier New" panose="02070309020205020404" pitchFamily="49" charset="0"/>
+              </a:rPr>
+              <a:t>0</a:t>
+            </a:r>
+            <a:r>
+              <a:rPr lang="en-US" altLang="en-US" sz="1600" dirty="0">
+                <a:solidFill>
+                  <a:srgbClr val="CC7832"/>
+                </a:solidFill>
+                <a:latin typeface="Consolas" panose="020B0609020204030204" pitchFamily="49" charset="0"/>
+                <a:cs typeface="Courier New" panose="02070309020205020404" pitchFamily="49" charset="0"/>
+              </a:rPr>
+              <a:t>; </a:t>
+            </a:r>
+            <a:r>
+              <a:rPr lang="en-US" altLang="en-US" sz="1600" dirty="0">
+                <a:solidFill>
+                  <a:srgbClr val="A9B7C6"/>
+                </a:solidFill>
+                <a:latin typeface="Consolas" panose="020B0609020204030204" pitchFamily="49" charset="0"/>
+                <a:cs typeface="Courier New" panose="02070309020205020404" pitchFamily="49" charset="0"/>
+              </a:rPr>
+              <a:t>}</a:t>
+            </a:r>
+            <a:br>
+              <a:rPr lang="en-US" altLang="en-US" sz="1600" dirty="0">
+                <a:solidFill>
+                  <a:srgbClr val="A9B7C6"/>
+                </a:solidFill>
+                <a:latin typeface="Consolas" panose="020B0609020204030204" pitchFamily="49" charset="0"/>
+                <a:cs typeface="Courier New" panose="02070309020205020404" pitchFamily="49" charset="0"/>
+              </a:rPr>
+            </a:br>
+            <a:r>
+              <a:rPr lang="en-US" altLang="en-US" sz="1600" dirty="0">
+                <a:solidFill>
+                  <a:srgbClr val="A9B7C6"/>
+                </a:solidFill>
+                <a:latin typeface="Consolas" panose="020B0609020204030204" pitchFamily="49" charset="0"/>
+                <a:cs typeface="Courier New" panose="02070309020205020404" pitchFamily="49" charset="0"/>
+              </a:rPr>
+              <a:t/>
+            </a:r>
+            <a:br>
+              <a:rPr lang="en-US" altLang="en-US" sz="1600" dirty="0">
+                <a:solidFill>
+                  <a:srgbClr val="A9B7C6"/>
+                </a:solidFill>
+                <a:latin typeface="Consolas" panose="020B0609020204030204" pitchFamily="49" charset="0"/>
+                <a:cs typeface="Courier New" panose="02070309020205020404" pitchFamily="49" charset="0"/>
+              </a:rPr>
+            </a:br>
+            <a:r>
+              <a:rPr lang="en-US" altLang="en-US" sz="1600" dirty="0">
+                <a:solidFill>
+                  <a:srgbClr val="A9B7C6"/>
+                </a:solidFill>
+                <a:latin typeface="Consolas" panose="020B0609020204030204" pitchFamily="49" charset="0"/>
+                <a:cs typeface="Courier New" panose="02070309020205020404" pitchFamily="49" charset="0"/>
+              </a:rPr>
+              <a:t>    </a:t>
+            </a:r>
+            <a:r>
+              <a:rPr lang="en-US" altLang="en-US" sz="1600" dirty="0">
+                <a:solidFill>
+                  <a:srgbClr val="BBB529"/>
+                </a:solidFill>
+                <a:latin typeface="Consolas" panose="020B0609020204030204" pitchFamily="49" charset="0"/>
+                <a:cs typeface="Courier New" panose="02070309020205020404" pitchFamily="49" charset="0"/>
+              </a:rPr>
+              <a:t>@</a:t>
+            </a:r>
+            <a:r>
+              <a:rPr lang="en-US" altLang="en-US" sz="1600" dirty="0" smtClean="0">
+                <a:solidFill>
+                  <a:srgbClr val="BBB529"/>
+                </a:solidFill>
+                <a:latin typeface="Consolas" panose="020B0609020204030204" pitchFamily="49" charset="0"/>
+                <a:cs typeface="Courier New" panose="02070309020205020404" pitchFamily="49" charset="0"/>
+              </a:rPr>
+              <a:t>Override </a:t>
+            </a:r>
+            <a:r>
+              <a:rPr lang="en-US" altLang="en-US" sz="1600" dirty="0" smtClean="0">
+                <a:solidFill>
+                  <a:srgbClr val="CC7832"/>
+                </a:solidFill>
+                <a:latin typeface="Consolas" panose="020B0609020204030204" pitchFamily="49" charset="0"/>
+                <a:cs typeface="Courier New" panose="02070309020205020404" pitchFamily="49" charset="0"/>
+              </a:rPr>
+              <a:t>public </a:t>
+            </a:r>
+            <a:r>
+              <a:rPr lang="en-US" altLang="en-US" sz="1600" dirty="0">
+                <a:solidFill>
+                  <a:srgbClr val="A9B7C6"/>
+                </a:solidFill>
+                <a:latin typeface="Consolas" panose="020B0609020204030204" pitchFamily="49" charset="0"/>
+                <a:cs typeface="Courier New" panose="02070309020205020404" pitchFamily="49" charset="0"/>
+              </a:rPr>
+              <a:t>String </a:t>
+            </a:r>
+            <a:r>
+              <a:rPr lang="en-US" altLang="en-US" sz="1600" dirty="0" err="1">
+                <a:solidFill>
+                  <a:srgbClr val="FFC66D"/>
+                </a:solidFill>
+                <a:latin typeface="Consolas" panose="020B0609020204030204" pitchFamily="49" charset="0"/>
+                <a:cs typeface="Courier New" panose="02070309020205020404" pitchFamily="49" charset="0"/>
+              </a:rPr>
+              <a:t>getType</a:t>
+            </a:r>
+            <a:r>
+              <a:rPr lang="en-US" altLang="en-US" sz="1600" dirty="0">
+                <a:solidFill>
+                  <a:srgbClr val="A9B7C6"/>
+                </a:solidFill>
+                <a:latin typeface="Consolas" panose="020B0609020204030204" pitchFamily="49" charset="0"/>
+                <a:cs typeface="Courier New" panose="02070309020205020404" pitchFamily="49" charset="0"/>
+              </a:rPr>
+              <a:t>(...) { </a:t>
+            </a:r>
+            <a:r>
+              <a:rPr lang="en-US" altLang="en-US" sz="1600" dirty="0">
+                <a:solidFill>
+                  <a:srgbClr val="CC7832"/>
+                </a:solidFill>
+                <a:latin typeface="Consolas" panose="020B0609020204030204" pitchFamily="49" charset="0"/>
+                <a:cs typeface="Courier New" panose="02070309020205020404" pitchFamily="49" charset="0"/>
+              </a:rPr>
+              <a:t>return null; </a:t>
+            </a:r>
+            <a:r>
+              <a:rPr lang="en-US" altLang="en-US" sz="1600" dirty="0">
+                <a:solidFill>
+                  <a:srgbClr val="A9B7C6"/>
+                </a:solidFill>
+                <a:latin typeface="Consolas" panose="020B0609020204030204" pitchFamily="49" charset="0"/>
+                <a:cs typeface="Courier New" panose="02070309020205020404" pitchFamily="49" charset="0"/>
+              </a:rPr>
+              <a:t>}</a:t>
+            </a:r>
+            <a:br>
+              <a:rPr lang="en-US" altLang="en-US" sz="1600" dirty="0">
+                <a:solidFill>
+                  <a:srgbClr val="A9B7C6"/>
+                </a:solidFill>
+                <a:latin typeface="Consolas" panose="020B0609020204030204" pitchFamily="49" charset="0"/>
+                <a:cs typeface="Courier New" panose="02070309020205020404" pitchFamily="49" charset="0"/>
+              </a:rPr>
+            </a:br>
+            <a:r>
+              <a:rPr lang="en-US" altLang="en-US" sz="1600" dirty="0">
+                <a:solidFill>
+                  <a:srgbClr val="A9B7C6"/>
+                </a:solidFill>
+                <a:latin typeface="Consolas" panose="020B0609020204030204" pitchFamily="49" charset="0"/>
+                <a:cs typeface="Courier New" panose="02070309020205020404" pitchFamily="49" charset="0"/>
+              </a:rPr>
+              <a:t/>
+            </a:r>
+            <a:br>
+              <a:rPr lang="en-US" altLang="en-US" sz="1600" dirty="0">
+                <a:solidFill>
+                  <a:srgbClr val="A9B7C6"/>
+                </a:solidFill>
+                <a:latin typeface="Consolas" panose="020B0609020204030204" pitchFamily="49" charset="0"/>
+                <a:cs typeface="Courier New" panose="02070309020205020404" pitchFamily="49" charset="0"/>
+              </a:rPr>
+            </a:br>
+            <a:r>
+              <a:rPr lang="en-US" altLang="en-US" sz="1600" dirty="0">
+                <a:solidFill>
+                  <a:srgbClr val="A9B7C6"/>
+                </a:solidFill>
+                <a:latin typeface="Consolas" panose="020B0609020204030204" pitchFamily="49" charset="0"/>
+                <a:cs typeface="Courier New" panose="02070309020205020404" pitchFamily="49" charset="0"/>
+              </a:rPr>
+              <a:t>    </a:t>
+            </a:r>
+            <a:r>
+              <a:rPr lang="en-US" altLang="en-US" sz="1600" dirty="0">
+                <a:solidFill>
+                  <a:srgbClr val="BBB529"/>
+                </a:solidFill>
+                <a:latin typeface="Consolas" panose="020B0609020204030204" pitchFamily="49" charset="0"/>
+                <a:cs typeface="Courier New" panose="02070309020205020404" pitchFamily="49" charset="0"/>
+              </a:rPr>
+              <a:t>@</a:t>
+            </a:r>
+            <a:r>
+              <a:rPr lang="en-US" altLang="en-US" sz="1600" dirty="0" smtClean="0">
+                <a:solidFill>
+                  <a:srgbClr val="BBB529"/>
+                </a:solidFill>
+                <a:latin typeface="Consolas" panose="020B0609020204030204" pitchFamily="49" charset="0"/>
+                <a:cs typeface="Courier New" panose="02070309020205020404" pitchFamily="49" charset="0"/>
+              </a:rPr>
+              <a:t>Override </a:t>
+            </a:r>
+            <a:r>
+              <a:rPr lang="en-US" altLang="en-US" sz="1600" dirty="0" smtClean="0">
+                <a:solidFill>
+                  <a:srgbClr val="CC7832"/>
+                </a:solidFill>
+                <a:latin typeface="Consolas" panose="020B0609020204030204" pitchFamily="49" charset="0"/>
+                <a:cs typeface="Courier New" panose="02070309020205020404" pitchFamily="49" charset="0"/>
+              </a:rPr>
+              <a:t>public </a:t>
+            </a:r>
+            <a:r>
+              <a:rPr lang="en-US" altLang="en-US" sz="1600" dirty="0">
+                <a:solidFill>
+                  <a:srgbClr val="A9B7C6"/>
+                </a:solidFill>
+                <a:latin typeface="Consolas" panose="020B0609020204030204" pitchFamily="49" charset="0"/>
+                <a:cs typeface="Courier New" panose="02070309020205020404" pitchFamily="49" charset="0"/>
+              </a:rPr>
+              <a:t>Uri </a:t>
+            </a:r>
+            <a:r>
+              <a:rPr lang="en-US" altLang="en-US" sz="1600" dirty="0">
+                <a:solidFill>
+                  <a:srgbClr val="FFC66D"/>
+                </a:solidFill>
+                <a:latin typeface="Consolas" panose="020B0609020204030204" pitchFamily="49" charset="0"/>
+                <a:cs typeface="Courier New" panose="02070309020205020404" pitchFamily="49" charset="0"/>
+              </a:rPr>
+              <a:t>insert</a:t>
+            </a:r>
+            <a:r>
+              <a:rPr lang="en-US" altLang="en-US" sz="1600" dirty="0">
+                <a:solidFill>
+                  <a:srgbClr val="A9B7C6"/>
+                </a:solidFill>
+                <a:latin typeface="Consolas" panose="020B0609020204030204" pitchFamily="49" charset="0"/>
+                <a:cs typeface="Courier New" panose="02070309020205020404" pitchFamily="49" charset="0"/>
+              </a:rPr>
+              <a:t>(...) { </a:t>
+            </a:r>
+            <a:r>
+              <a:rPr lang="en-US" altLang="en-US" sz="1600" dirty="0">
+                <a:solidFill>
+                  <a:srgbClr val="CC7832"/>
+                </a:solidFill>
+                <a:latin typeface="Consolas" panose="020B0609020204030204" pitchFamily="49" charset="0"/>
+                <a:cs typeface="Courier New" panose="02070309020205020404" pitchFamily="49" charset="0"/>
+              </a:rPr>
+              <a:t>return null; </a:t>
+            </a:r>
+            <a:r>
+              <a:rPr lang="en-US" altLang="en-US" sz="1600" dirty="0">
+                <a:solidFill>
+                  <a:srgbClr val="A9B7C6"/>
+                </a:solidFill>
+                <a:latin typeface="Consolas" panose="020B0609020204030204" pitchFamily="49" charset="0"/>
+                <a:cs typeface="Courier New" panose="02070309020205020404" pitchFamily="49" charset="0"/>
+              </a:rPr>
+              <a:t>}</a:t>
+            </a:r>
+            <a:br>
+              <a:rPr lang="en-US" altLang="en-US" sz="1600" dirty="0">
+                <a:solidFill>
+                  <a:srgbClr val="A9B7C6"/>
+                </a:solidFill>
+                <a:latin typeface="Consolas" panose="020B0609020204030204" pitchFamily="49" charset="0"/>
+                <a:cs typeface="Courier New" panose="02070309020205020404" pitchFamily="49" charset="0"/>
+              </a:rPr>
+            </a:br>
+            <a:r>
+              <a:rPr lang="en-US" altLang="en-US" sz="1600" dirty="0">
+                <a:solidFill>
+                  <a:srgbClr val="A9B7C6"/>
+                </a:solidFill>
+                <a:latin typeface="Consolas" panose="020B0609020204030204" pitchFamily="49" charset="0"/>
+                <a:cs typeface="Courier New" panose="02070309020205020404" pitchFamily="49" charset="0"/>
+              </a:rPr>
+              <a:t/>
+            </a:r>
+            <a:br>
+              <a:rPr lang="en-US" altLang="en-US" sz="1600" dirty="0">
+                <a:solidFill>
+                  <a:srgbClr val="A9B7C6"/>
+                </a:solidFill>
+                <a:latin typeface="Consolas" panose="020B0609020204030204" pitchFamily="49" charset="0"/>
+                <a:cs typeface="Courier New" panose="02070309020205020404" pitchFamily="49" charset="0"/>
+              </a:rPr>
+            </a:br>
+            <a:r>
+              <a:rPr lang="en-US" altLang="en-US" sz="1600" dirty="0">
+                <a:solidFill>
+                  <a:srgbClr val="A9B7C6"/>
+                </a:solidFill>
+                <a:latin typeface="Consolas" panose="020B0609020204030204" pitchFamily="49" charset="0"/>
+                <a:cs typeface="Courier New" panose="02070309020205020404" pitchFamily="49" charset="0"/>
+              </a:rPr>
+              <a:t>    </a:t>
+            </a:r>
+            <a:r>
+              <a:rPr lang="en-US" altLang="en-US" sz="1600" dirty="0">
+                <a:solidFill>
+                  <a:srgbClr val="BBB529"/>
+                </a:solidFill>
+                <a:latin typeface="Consolas" panose="020B0609020204030204" pitchFamily="49" charset="0"/>
+                <a:cs typeface="Courier New" panose="02070309020205020404" pitchFamily="49" charset="0"/>
+              </a:rPr>
+              <a:t>@</a:t>
+            </a:r>
+            <a:r>
+              <a:rPr lang="en-US" altLang="en-US" sz="1600" dirty="0" smtClean="0">
+                <a:solidFill>
+                  <a:srgbClr val="BBB529"/>
+                </a:solidFill>
+                <a:latin typeface="Consolas" panose="020B0609020204030204" pitchFamily="49" charset="0"/>
+                <a:cs typeface="Courier New" panose="02070309020205020404" pitchFamily="49" charset="0"/>
+              </a:rPr>
+              <a:t>Override </a:t>
+            </a:r>
+            <a:r>
+              <a:rPr lang="en-US" altLang="en-US" sz="1600" dirty="0" smtClean="0">
+                <a:solidFill>
+                  <a:srgbClr val="CC7832"/>
+                </a:solidFill>
+                <a:latin typeface="Consolas" panose="020B0609020204030204" pitchFamily="49" charset="0"/>
+                <a:cs typeface="Courier New" panose="02070309020205020404" pitchFamily="49" charset="0"/>
+              </a:rPr>
+              <a:t>public </a:t>
+            </a:r>
+            <a:r>
+              <a:rPr lang="en-US" altLang="en-US" sz="1600" dirty="0">
+                <a:solidFill>
+                  <a:srgbClr val="A9B7C6"/>
+                </a:solidFill>
+                <a:latin typeface="Consolas" panose="020B0609020204030204" pitchFamily="49" charset="0"/>
+                <a:cs typeface="Courier New" panose="02070309020205020404" pitchFamily="49" charset="0"/>
+              </a:rPr>
+              <a:t>Cursor </a:t>
+            </a:r>
+            <a:r>
+              <a:rPr lang="en-US" altLang="en-US" sz="1600" dirty="0">
+                <a:solidFill>
+                  <a:srgbClr val="FFC66D"/>
+                </a:solidFill>
+                <a:latin typeface="Consolas" panose="020B0609020204030204" pitchFamily="49" charset="0"/>
+                <a:cs typeface="Courier New" panose="02070309020205020404" pitchFamily="49" charset="0"/>
+              </a:rPr>
+              <a:t>query</a:t>
+            </a:r>
+            <a:r>
+              <a:rPr lang="en-US" altLang="en-US" sz="1600" dirty="0">
+                <a:solidFill>
+                  <a:srgbClr val="A9B7C6"/>
+                </a:solidFill>
+                <a:latin typeface="Consolas" panose="020B0609020204030204" pitchFamily="49" charset="0"/>
+                <a:cs typeface="Courier New" panose="02070309020205020404" pitchFamily="49" charset="0"/>
+              </a:rPr>
+              <a:t>(...) { </a:t>
+            </a:r>
+            <a:r>
+              <a:rPr lang="en-US" altLang="en-US" sz="1600" dirty="0">
+                <a:solidFill>
+                  <a:srgbClr val="CC7832"/>
+                </a:solidFill>
+                <a:latin typeface="Consolas" panose="020B0609020204030204" pitchFamily="49" charset="0"/>
+                <a:cs typeface="Courier New" panose="02070309020205020404" pitchFamily="49" charset="0"/>
+              </a:rPr>
+              <a:t>return null; </a:t>
+            </a:r>
+            <a:r>
+              <a:rPr lang="en-US" altLang="en-US" sz="1600" dirty="0">
+                <a:solidFill>
+                  <a:srgbClr val="A9B7C6"/>
+                </a:solidFill>
+                <a:latin typeface="Consolas" panose="020B0609020204030204" pitchFamily="49" charset="0"/>
+                <a:cs typeface="Courier New" panose="02070309020205020404" pitchFamily="49" charset="0"/>
+              </a:rPr>
+              <a:t>}</a:t>
+            </a:r>
+            <a:br>
+              <a:rPr lang="en-US" altLang="en-US" sz="1600" dirty="0">
+                <a:solidFill>
+                  <a:srgbClr val="A9B7C6"/>
+                </a:solidFill>
+                <a:latin typeface="Consolas" panose="020B0609020204030204" pitchFamily="49" charset="0"/>
+                <a:cs typeface="Courier New" panose="02070309020205020404" pitchFamily="49" charset="0"/>
+              </a:rPr>
+            </a:br>
+            <a:r>
+              <a:rPr lang="en-US" altLang="en-US" sz="1600" dirty="0">
+                <a:solidFill>
+                  <a:srgbClr val="A9B7C6"/>
+                </a:solidFill>
+                <a:latin typeface="Consolas" panose="020B0609020204030204" pitchFamily="49" charset="0"/>
+                <a:cs typeface="Courier New" panose="02070309020205020404" pitchFamily="49" charset="0"/>
+              </a:rPr>
+              <a:t/>
+            </a:r>
+            <a:br>
+              <a:rPr lang="en-US" altLang="en-US" sz="1600" dirty="0">
+                <a:solidFill>
+                  <a:srgbClr val="A9B7C6"/>
+                </a:solidFill>
+                <a:latin typeface="Consolas" panose="020B0609020204030204" pitchFamily="49" charset="0"/>
+                <a:cs typeface="Courier New" panose="02070309020205020404" pitchFamily="49" charset="0"/>
+              </a:rPr>
+            </a:br>
+            <a:r>
+              <a:rPr lang="en-US" altLang="en-US" sz="1600" dirty="0">
+                <a:solidFill>
+                  <a:srgbClr val="A9B7C6"/>
+                </a:solidFill>
+                <a:latin typeface="Consolas" panose="020B0609020204030204" pitchFamily="49" charset="0"/>
+                <a:cs typeface="Courier New" panose="02070309020205020404" pitchFamily="49" charset="0"/>
+              </a:rPr>
+              <a:t>    </a:t>
+            </a:r>
+            <a:r>
+              <a:rPr lang="en-US" altLang="en-US" sz="1600" dirty="0">
+                <a:solidFill>
+                  <a:srgbClr val="BBB529"/>
+                </a:solidFill>
+                <a:latin typeface="Consolas" panose="020B0609020204030204" pitchFamily="49" charset="0"/>
+                <a:cs typeface="Courier New" panose="02070309020205020404" pitchFamily="49" charset="0"/>
+              </a:rPr>
+              <a:t>@</a:t>
+            </a:r>
+            <a:r>
+              <a:rPr lang="en-US" altLang="en-US" sz="1600" dirty="0" smtClean="0">
+                <a:solidFill>
+                  <a:srgbClr val="BBB529"/>
+                </a:solidFill>
+                <a:latin typeface="Consolas" panose="020B0609020204030204" pitchFamily="49" charset="0"/>
+                <a:cs typeface="Courier New" panose="02070309020205020404" pitchFamily="49" charset="0"/>
+              </a:rPr>
+              <a:t>Override </a:t>
+            </a:r>
+            <a:r>
+              <a:rPr lang="en-US" altLang="en-US" sz="1600" dirty="0" smtClean="0">
+                <a:solidFill>
+                  <a:srgbClr val="CC7832"/>
+                </a:solidFill>
+                <a:latin typeface="Consolas" panose="020B0609020204030204" pitchFamily="49" charset="0"/>
+                <a:cs typeface="Courier New" panose="02070309020205020404" pitchFamily="49" charset="0"/>
+              </a:rPr>
+              <a:t>public </a:t>
+            </a:r>
+            <a:r>
+              <a:rPr lang="en-US" altLang="en-US" sz="1600" dirty="0" err="1">
+                <a:solidFill>
+                  <a:srgbClr val="CC7832"/>
+                </a:solidFill>
+                <a:latin typeface="Consolas" panose="020B0609020204030204" pitchFamily="49" charset="0"/>
+                <a:cs typeface="Courier New" panose="02070309020205020404" pitchFamily="49" charset="0"/>
+              </a:rPr>
+              <a:t>int</a:t>
+            </a:r>
+            <a:r>
+              <a:rPr lang="en-US" altLang="en-US" sz="1600" dirty="0">
+                <a:solidFill>
+                  <a:srgbClr val="CC7832"/>
+                </a:solidFill>
+                <a:latin typeface="Consolas" panose="020B0609020204030204" pitchFamily="49" charset="0"/>
+                <a:cs typeface="Courier New" panose="02070309020205020404" pitchFamily="49" charset="0"/>
+              </a:rPr>
+              <a:t> </a:t>
+            </a:r>
+            <a:r>
+              <a:rPr lang="en-US" altLang="en-US" sz="1600" dirty="0">
+                <a:solidFill>
+                  <a:srgbClr val="FFC66D"/>
+                </a:solidFill>
+                <a:latin typeface="Consolas" panose="020B0609020204030204" pitchFamily="49" charset="0"/>
+                <a:cs typeface="Courier New" panose="02070309020205020404" pitchFamily="49" charset="0"/>
+              </a:rPr>
+              <a:t>update</a:t>
+            </a:r>
+            <a:r>
+              <a:rPr lang="en-US" altLang="en-US" sz="1600" dirty="0">
+                <a:solidFill>
+                  <a:srgbClr val="A9B7C6"/>
+                </a:solidFill>
+                <a:latin typeface="Consolas" panose="020B0609020204030204" pitchFamily="49" charset="0"/>
+                <a:cs typeface="Courier New" panose="02070309020205020404" pitchFamily="49" charset="0"/>
+              </a:rPr>
+              <a:t>(...) { </a:t>
+            </a:r>
+            <a:r>
+              <a:rPr lang="en-US" altLang="en-US" sz="1600" dirty="0">
+                <a:solidFill>
+                  <a:srgbClr val="CC7832"/>
+                </a:solidFill>
+                <a:latin typeface="Consolas" panose="020B0609020204030204" pitchFamily="49" charset="0"/>
+                <a:cs typeface="Courier New" panose="02070309020205020404" pitchFamily="49" charset="0"/>
+              </a:rPr>
+              <a:t>return </a:t>
+            </a:r>
+            <a:r>
+              <a:rPr lang="en-US" altLang="en-US" sz="1600" dirty="0">
+                <a:solidFill>
+                  <a:srgbClr val="6897BB"/>
+                </a:solidFill>
+                <a:latin typeface="Consolas" panose="020B0609020204030204" pitchFamily="49" charset="0"/>
+                <a:cs typeface="Courier New" panose="02070309020205020404" pitchFamily="49" charset="0"/>
+              </a:rPr>
+              <a:t>0</a:t>
+            </a:r>
+            <a:r>
+              <a:rPr lang="en-US" altLang="en-US" sz="1600" dirty="0">
+                <a:solidFill>
+                  <a:srgbClr val="CC7832"/>
+                </a:solidFill>
+                <a:latin typeface="Consolas" panose="020B0609020204030204" pitchFamily="49" charset="0"/>
+                <a:cs typeface="Courier New" panose="02070309020205020404" pitchFamily="49" charset="0"/>
+              </a:rPr>
+              <a:t>; </a:t>
+            </a:r>
+            <a:r>
+              <a:rPr lang="en-US" altLang="en-US" sz="1600" dirty="0" smtClean="0">
+                <a:solidFill>
+                  <a:srgbClr val="A9B7C6"/>
+                </a:solidFill>
+                <a:latin typeface="Consolas" panose="020B0609020204030204" pitchFamily="49" charset="0"/>
+                <a:cs typeface="Courier New" panose="02070309020205020404" pitchFamily="49" charset="0"/>
+              </a:rPr>
+              <a:t>}</a:t>
+            </a:r>
+          </a:p>
+          <a:p>
+            <a:pPr lvl="0" eaLnBrk="0" fontAlgn="base" hangingPunct="0">
+              <a:spcBef>
+                <a:spcPct val="0"/>
+              </a:spcBef>
+              <a:spcAft>
+                <a:spcPct val="0"/>
+              </a:spcAft>
+            </a:pPr>
+            <a:r>
+              <a:rPr lang="en-US" altLang="en-US" sz="1600" dirty="0">
+                <a:solidFill>
+                  <a:srgbClr val="A9B7C6"/>
+                </a:solidFill>
+                <a:latin typeface="Consolas" panose="020B0609020204030204" pitchFamily="49" charset="0"/>
+                <a:cs typeface="Courier New" panose="02070309020205020404" pitchFamily="49" charset="0"/>
+              </a:rPr>
+              <a:t/>
+            </a:r>
+            <a:br>
+              <a:rPr lang="en-US" altLang="en-US" sz="1600" dirty="0">
+                <a:solidFill>
+                  <a:srgbClr val="A9B7C6"/>
+                </a:solidFill>
+                <a:latin typeface="Consolas" panose="020B0609020204030204" pitchFamily="49" charset="0"/>
+                <a:cs typeface="Courier New" panose="02070309020205020404" pitchFamily="49" charset="0"/>
+              </a:rPr>
+            </a:br>
+            <a:r>
+              <a:rPr lang="en-US" altLang="en-US" sz="1600" dirty="0">
+                <a:solidFill>
+                  <a:srgbClr val="A9B7C6"/>
+                </a:solidFill>
+                <a:latin typeface="Consolas" panose="020B0609020204030204" pitchFamily="49" charset="0"/>
+                <a:cs typeface="Courier New" panose="02070309020205020404" pitchFamily="49" charset="0"/>
+              </a:rPr>
+              <a:t>}</a:t>
+            </a:r>
+            <a:endParaRPr lang="en-US" altLang="en-US" sz="4000" dirty="0">
+              <a:latin typeface="Consolas" panose="020B0609020204030204" pitchFamily="49" charset="0"/>
+            </a:endParaRPr>
+          </a:p>
+        </p:txBody>
+      </p:sp>
+    </p:spTree>
+    <p:extLst>
+      <p:ext uri="{BB962C8B-B14F-4D97-AF65-F5344CB8AC3E}">
+        <p14:creationId xmlns:p14="http://schemas.microsoft.com/office/powerpoint/2010/main" val="209947340"/>
+      </p:ext>
+    </p:extLst>
+  </p:cSld>
+  <p:clrMapOvr>
+    <a:masterClrMapping/>
+  </p:clrMapOvr>
+  <p:transition spd="slow">
+    <p:wipe dir="r"/>
+  </p:transition>
+  <p:timing>
+    <p:tnLst>
+      <p:par>
+        <p:cTn id="1" dur="indefinite" restart="never" nodeType="tmRoot">
+          <p:childTnLst>
+            <p:seq concurrent="1" nextAc="seek">
+              <p:cTn id="2" dur="indefinite" nodeType="mainSeq">
+                <p:childTnLst>
+                  <p:par>
+                    <p:cTn id="3" fill="hold">
+                      <p:stCondLst>
+                        <p:cond delay="indefinite"/>
+                      </p:stCondLst>
+                      <p:childTnLst>
+                        <p:par>
+                          <p:cTn id="4" fill="hold">
+                            <p:stCondLst>
+                              <p:cond delay="0"/>
+                            </p:stCondLst>
+                            <p:childTnLst>
+                              <p:par>
+                                <p:cTn id="5" presetID="10" presetClass="entr" presetSubtype="0" fill="hold" grpId="0" nodeType="clickEffect">
+                                  <p:stCondLst>
+                                    <p:cond delay="0"/>
+                                  </p:stCondLst>
+                                  <p:childTnLst>
+                                    <p:set>
+                                      <p:cBhvr>
+                                        <p:cTn id="6" dur="1" fill="hold">
+                                          <p:stCondLst>
+                                            <p:cond delay="0"/>
+                                          </p:stCondLst>
+                                        </p:cTn>
+                                        <p:tgtEl>
+                                          <p:spTgt spid="7"/>
+                                        </p:tgtEl>
+                                        <p:attrNameLst>
+                                          <p:attrName>style.visibility</p:attrName>
+                                        </p:attrNameLst>
+                                      </p:cBhvr>
+                                      <p:to>
+                                        <p:strVal val="visible"/>
+                                      </p:to>
+                                    </p:set>
+                                    <p:animEffect transition="in" filter="fade">
+                                      <p:cBhvr>
+                                        <p:cTn id="7" dur="300"/>
+                                        <p:tgtEl>
+                                          <p:spTgt spid="7"/>
+                                        </p:tgtEl>
+                                      </p:cBhvr>
+                                    </p:animEffect>
+                                  </p:childTnLst>
+                                </p:cTn>
+                              </p:par>
+                            </p:childTnLst>
+                          </p:cTn>
+                        </p:par>
+                      </p:childTnLst>
+                    </p:cTn>
+                  </p:par>
+                </p:childTnLst>
+              </p:cTn>
+              <p:prevCondLst>
+                <p:cond evt="onPrev" delay="0">
+                  <p:tgtEl>
+                    <p:sldTgt/>
+                  </p:tgtEl>
+                </p:cond>
+              </p:prevCondLst>
+              <p:nextCondLst>
+                <p:cond evt="onNext" delay="0">
+                  <p:tgtEl>
+                    <p:sldTgt/>
+                  </p:tgtEl>
+                </p:cond>
+              </p:nextCondLst>
+            </p:seq>
+          </p:childTnLst>
+        </p:cTn>
+      </p:par>
+    </p:tnLst>
+    <p:bldLst>
+      <p:bldP spid="7" grpId="0" animBg="1"/>
+    </p:bldLst>
+  </p:timing>
+</p:sld>
+</file>
+
+<file path=ppt/slides/slide24.xml><?xml version="1.0" encoding="utf-8"?>
+<p:sld xmlns:a="http://schemas.openxmlformats.org/drawingml/2006/main" xmlns:r="http://schemas.openxmlformats.org/officeDocument/2006/relationships" xmlns:p="http://schemas.openxmlformats.org/presentationml/2006/main">
+  <p:cSld>
+    <p:spTree>
+      <p:nvGrpSpPr>
+        <p:cNvPr id="1" name=""/>
+        <p:cNvGrpSpPr/>
+        <p:nvPr/>
+      </p:nvGrpSpPr>
+      <p:grpSpPr>
+        <a:xfrm>
+          <a:off x="0" y="0"/>
+          <a:ext cx="0" cy="0"/>
+          <a:chOff x="0" y="0"/>
+          <a:chExt cx="0" cy="0"/>
+        </a:xfrm>
+      </p:grpSpPr>
+      <p:sp>
+        <p:nvSpPr>
+          <p:cNvPr id="4" name="Rectangle 1"/>
+          <p:cNvSpPr>
+            <a:spLocks noChangeArrowheads="1"/>
+          </p:cNvSpPr>
+          <p:nvPr/>
+        </p:nvSpPr>
+        <p:spPr bwMode="auto">
+          <a:xfrm>
+            <a:off x="652500" y="1700808"/>
+            <a:ext cx="10887000" cy="4176464"/>
+          </a:xfrm>
+          <a:prstGeom prst="rect">
+            <a:avLst/>
+          </a:prstGeom>
+          <a:solidFill>
+            <a:srgbClr val="2B2B2B"/>
+          </a:solidFill>
+          <a:ln>
+            <a:noFill/>
+          </a:ln>
+          <a:effectLst/>
+          <a:extLst>
+            <a:ext uri="{91240B29-F687-4F45-9708-019B960494DF}">
+              <a14:hiddenLine xmlns:a14="http://schemas.microsoft.com/office/drawing/2010/main" w="9525">
+                <a:solidFill>
+                  <a:schemeClr val="tx1"/>
+                </a:solidFill>
+                <a:miter lim="800000"/>
+                <a:headEnd/>
+                <a:tailEnd/>
+              </a14:hiddenLine>
+            </a:ext>
+            <a:ext uri="{AF507438-7753-43E0-B8FC-AC1667EBCBE1}">
+              <a14:hiddenEffects xmlns:a14="http://schemas.microsoft.com/office/drawing/2010/main">
+                <a:effectLst>
+                  <a:outerShdw dist="35921" dir="2700000" algn="ctr" rotWithShape="0">
+                    <a:schemeClr val="bg2"/>
+                  </a:outerShdw>
+                </a:effectLst>
+              </a14:hiddenEffects>
+            </a:ext>
+          </a:extLst>
+        </p:spPr>
+        <p:txBody>
+          <a:bodyPr vert="horz" wrap="square" lIns="182880" tIns="182880" rIns="182880" bIns="182880" numCol="1" anchor="t" anchorCtr="0" compatLnSpc="1">
+            <a:prstTxWarp prst="textNoShape">
+              <a:avLst/>
+            </a:prstTxWarp>
+            <a:noAutofit/>
+          </a:bodyPr>
+          <a:lstStyle/>
+          <a:p>
+            <a:pPr marL="0" marR="0" lvl="0" indent="0" algn="l" defTabSz="914400" rtl="0" eaLnBrk="0" fontAlgn="base" latinLnBrk="0" hangingPunct="0">
+              <a:lnSpc>
+                <a:spcPct val="100000"/>
+              </a:lnSpc>
+              <a:spcBef>
+                <a:spcPct val="0"/>
+              </a:spcBef>
+              <a:spcAft>
+                <a:spcPct val="0"/>
+              </a:spcAft>
+              <a:buClrTx/>
+              <a:buSzTx/>
+              <a:buFontTx/>
+              <a:buNone/>
+              <a:tabLst/>
+            </a:pPr>
+            <a:r>
+              <a:rPr kumimoji="0" lang="en-US" altLang="en-US" sz="1600" b="0" i="0" u="none" strike="noStrike" cap="none" normalizeH="0" baseline="0" dirty="0" smtClean="0">
+                <a:ln>
+                  <a:noFill/>
+                </a:ln>
+                <a:solidFill>
+                  <a:srgbClr val="E8BF6A"/>
+                </a:solidFill>
+                <a:effectLst/>
+                <a:latin typeface="Consolas" panose="020B0609020204030204" pitchFamily="49" charset="0"/>
+              </a:rPr>
+              <a:t>&lt;sync-adapter</a:t>
+            </a:r>
+            <a:br>
+              <a:rPr kumimoji="0" lang="en-US" altLang="en-US" sz="1600" b="0" i="0" u="none" strike="noStrike" cap="none" normalizeH="0" baseline="0" dirty="0" smtClean="0">
+                <a:ln>
+                  <a:noFill/>
+                </a:ln>
+                <a:solidFill>
+                  <a:srgbClr val="E8BF6A"/>
+                </a:solidFill>
+                <a:effectLst/>
+                <a:latin typeface="Consolas" panose="020B0609020204030204" pitchFamily="49" charset="0"/>
+              </a:rPr>
+            </a:br>
+            <a:r>
+              <a:rPr kumimoji="0" lang="en-US" altLang="en-US" sz="1600" b="0" i="0" u="none" strike="noStrike" cap="none" normalizeH="0" baseline="0" dirty="0" smtClean="0">
+                <a:ln>
+                  <a:noFill/>
+                </a:ln>
+                <a:solidFill>
+                  <a:srgbClr val="E8BF6A"/>
+                </a:solidFill>
+                <a:effectLst/>
+                <a:latin typeface="Consolas" panose="020B0609020204030204" pitchFamily="49" charset="0"/>
+              </a:rPr>
+              <a:t>    </a:t>
+            </a:r>
+            <a:r>
+              <a:rPr kumimoji="0" lang="en-US" altLang="en-US" sz="1600" b="0" i="0" u="none" strike="noStrike" cap="none" normalizeH="0" baseline="0" dirty="0" err="1" smtClean="0">
+                <a:ln>
+                  <a:noFill/>
+                </a:ln>
+                <a:solidFill>
+                  <a:srgbClr val="BABABA"/>
+                </a:solidFill>
+                <a:effectLst/>
+                <a:latin typeface="Consolas" panose="020B0609020204030204" pitchFamily="49" charset="0"/>
+              </a:rPr>
+              <a:t>xmlns:</a:t>
+            </a:r>
+            <a:r>
+              <a:rPr kumimoji="0" lang="en-US" altLang="en-US" sz="1600" b="0" i="0" u="none" strike="noStrike" cap="none" normalizeH="0" baseline="0" dirty="0" err="1" smtClean="0">
+                <a:ln>
+                  <a:noFill/>
+                </a:ln>
+                <a:solidFill>
+                  <a:srgbClr val="9876AA"/>
+                </a:solidFill>
+                <a:effectLst/>
+                <a:latin typeface="Consolas" panose="020B0609020204030204" pitchFamily="49" charset="0"/>
+              </a:rPr>
+              <a:t>android</a:t>
+            </a:r>
+            <a:r>
+              <a:rPr kumimoji="0" lang="en-US" altLang="en-US" sz="1600" b="0" i="0" u="none" strike="noStrike" cap="none" normalizeH="0" baseline="0" dirty="0" smtClean="0">
+                <a:ln>
+                  <a:noFill/>
+                </a:ln>
+                <a:solidFill>
+                  <a:srgbClr val="BABABA"/>
+                </a:solidFill>
+                <a:effectLst/>
+                <a:latin typeface="Consolas" panose="020B0609020204030204" pitchFamily="49" charset="0"/>
+              </a:rPr>
+              <a:t>=</a:t>
+            </a:r>
+            <a:r>
+              <a:rPr kumimoji="0" lang="en-US" altLang="en-US" sz="1600" b="0" i="0" u="none" strike="noStrike" cap="none" normalizeH="0" baseline="0" dirty="0" smtClean="0">
+                <a:ln>
+                  <a:noFill/>
+                </a:ln>
+                <a:solidFill>
+                  <a:srgbClr val="6A8759"/>
+                </a:solidFill>
+                <a:effectLst/>
+                <a:latin typeface="Consolas" panose="020B0609020204030204" pitchFamily="49" charset="0"/>
+              </a:rPr>
+              <a:t>"http://schemas.android.com/</a:t>
+            </a:r>
+            <a:r>
+              <a:rPr kumimoji="0" lang="en-US" altLang="en-US" sz="1600" b="0" i="0" u="none" strike="noStrike" cap="none" normalizeH="0" baseline="0" dirty="0" err="1" smtClean="0">
+                <a:ln>
+                  <a:noFill/>
+                </a:ln>
+                <a:solidFill>
+                  <a:srgbClr val="6A8759"/>
+                </a:solidFill>
+                <a:effectLst/>
+                <a:latin typeface="Consolas" panose="020B0609020204030204" pitchFamily="49" charset="0"/>
+              </a:rPr>
+              <a:t>apk</a:t>
+            </a:r>
+            <a:r>
+              <a:rPr kumimoji="0" lang="en-US" altLang="en-US" sz="1600" b="0" i="0" u="none" strike="noStrike" cap="none" normalizeH="0" baseline="0" dirty="0" smtClean="0">
+                <a:ln>
+                  <a:noFill/>
+                </a:ln>
+                <a:solidFill>
+                  <a:srgbClr val="6A8759"/>
+                </a:solidFill>
+                <a:effectLst/>
+                <a:latin typeface="Consolas" panose="020B0609020204030204" pitchFamily="49" charset="0"/>
+              </a:rPr>
+              <a:t>/res/android"</a:t>
+            </a:r>
+            <a:br>
+              <a:rPr kumimoji="0" lang="en-US" altLang="en-US" sz="1600" b="0" i="0" u="none" strike="noStrike" cap="none" normalizeH="0" baseline="0" dirty="0" smtClean="0">
+                <a:ln>
+                  <a:noFill/>
+                </a:ln>
+                <a:solidFill>
+                  <a:srgbClr val="6A8759"/>
+                </a:solidFill>
+                <a:effectLst/>
+                <a:latin typeface="Consolas" panose="020B0609020204030204" pitchFamily="49" charset="0"/>
+              </a:rPr>
+            </a:br>
+            <a:r>
+              <a:rPr kumimoji="0" lang="en-US" altLang="en-US" sz="1600" b="0" i="0" u="none" strike="noStrike" cap="none" normalizeH="0" baseline="0" dirty="0" smtClean="0">
+                <a:ln>
+                  <a:noFill/>
+                </a:ln>
+                <a:solidFill>
+                  <a:srgbClr val="6A8759"/>
+                </a:solidFill>
+                <a:effectLst/>
+                <a:latin typeface="Consolas" panose="020B0609020204030204" pitchFamily="49" charset="0"/>
+              </a:rPr>
+              <a:t>    </a:t>
+            </a:r>
+            <a:r>
+              <a:rPr kumimoji="0" lang="en-US" altLang="en-US" sz="1600" b="0" i="0" u="none" strike="noStrike" cap="none" normalizeH="0" baseline="0" dirty="0" err="1" smtClean="0">
+                <a:ln>
+                  <a:noFill/>
+                </a:ln>
+                <a:solidFill>
+                  <a:srgbClr val="9876AA"/>
+                </a:solidFill>
+                <a:effectLst/>
+                <a:latin typeface="Consolas" panose="020B0609020204030204" pitchFamily="49" charset="0"/>
+              </a:rPr>
+              <a:t>android</a:t>
+            </a:r>
+            <a:r>
+              <a:rPr kumimoji="0" lang="en-US" altLang="en-US" sz="1600" b="0" i="0" u="none" strike="noStrike" cap="none" normalizeH="0" baseline="0" dirty="0" err="1" smtClean="0">
+                <a:ln>
+                  <a:noFill/>
+                </a:ln>
+                <a:solidFill>
+                  <a:srgbClr val="BABABA"/>
+                </a:solidFill>
+                <a:effectLst/>
+                <a:latin typeface="Consolas" panose="020B0609020204030204" pitchFamily="49" charset="0"/>
+              </a:rPr>
+              <a:t>:accountType</a:t>
+            </a:r>
+            <a:r>
+              <a:rPr kumimoji="0" lang="en-US" altLang="en-US" sz="1600" b="0" i="0" u="none" strike="noStrike" cap="none" normalizeH="0" baseline="0" dirty="0" smtClean="0">
+                <a:ln>
+                  <a:noFill/>
+                </a:ln>
+                <a:solidFill>
+                  <a:srgbClr val="BABABA"/>
+                </a:solidFill>
+                <a:effectLst/>
+                <a:latin typeface="Consolas" panose="020B0609020204030204" pitchFamily="49" charset="0"/>
+              </a:rPr>
+              <a:t>=</a:t>
+            </a:r>
+            <a:r>
+              <a:rPr kumimoji="0" lang="en-US" altLang="en-US" sz="1600" b="0" i="0" u="none" strike="noStrike" cap="none" normalizeH="0" baseline="0" dirty="0" smtClean="0">
+                <a:ln>
+                  <a:noFill/>
+                </a:ln>
+                <a:solidFill>
+                  <a:srgbClr val="6A8759"/>
+                </a:solidFill>
+                <a:effectLst/>
+                <a:latin typeface="Consolas" panose="020B0609020204030204" pitchFamily="49" charset="0"/>
+              </a:rPr>
+              <a:t>"</a:t>
+            </a:r>
+            <a:r>
+              <a:rPr kumimoji="0" lang="en-US" altLang="en-US" sz="1600" b="0" i="0" u="none" strike="noStrike" cap="none" normalizeH="0" baseline="0" dirty="0" err="1" smtClean="0">
+                <a:ln>
+                  <a:noFill/>
+                </a:ln>
+                <a:solidFill>
+                  <a:srgbClr val="6A8759"/>
+                </a:solidFill>
+                <a:effectLst/>
+                <a:latin typeface="Consolas" panose="020B0609020204030204" pitchFamily="49" charset="0"/>
+              </a:rPr>
+              <a:t>com.example.android.basicsyncadapter.account</a:t>
+            </a:r>
+            <a:r>
+              <a:rPr kumimoji="0" lang="en-US" altLang="en-US" sz="1600" b="0" i="0" u="none" strike="noStrike" cap="none" normalizeH="0" baseline="0" dirty="0" smtClean="0">
+                <a:ln>
+                  <a:noFill/>
+                </a:ln>
+                <a:solidFill>
+                  <a:srgbClr val="6A8759"/>
+                </a:solidFill>
+                <a:effectLst/>
+                <a:latin typeface="Consolas" panose="020B0609020204030204" pitchFamily="49" charset="0"/>
+              </a:rPr>
+              <a:t>"</a:t>
+            </a:r>
+            <a:br>
+              <a:rPr kumimoji="0" lang="en-US" altLang="en-US" sz="1600" b="0" i="0" u="none" strike="noStrike" cap="none" normalizeH="0" baseline="0" dirty="0" smtClean="0">
+                <a:ln>
+                  <a:noFill/>
+                </a:ln>
+                <a:solidFill>
+                  <a:srgbClr val="6A8759"/>
+                </a:solidFill>
+                <a:effectLst/>
+                <a:latin typeface="Consolas" panose="020B0609020204030204" pitchFamily="49" charset="0"/>
+              </a:rPr>
+            </a:br>
+            <a:r>
+              <a:rPr kumimoji="0" lang="en-US" altLang="en-US" sz="1600" b="0" i="0" u="none" strike="noStrike" cap="none" normalizeH="0" baseline="0" dirty="0" smtClean="0">
+                <a:ln>
+                  <a:noFill/>
+                </a:ln>
+                <a:solidFill>
+                  <a:srgbClr val="6A8759"/>
+                </a:solidFill>
+                <a:effectLst/>
+                <a:latin typeface="Consolas" panose="020B0609020204030204" pitchFamily="49" charset="0"/>
+              </a:rPr>
+              <a:t>    </a:t>
+            </a:r>
+            <a:r>
+              <a:rPr kumimoji="0" lang="en-US" altLang="en-US" sz="1600" b="0" i="0" u="none" strike="noStrike" cap="none" normalizeH="0" baseline="0" dirty="0" err="1" smtClean="0">
+                <a:ln>
+                  <a:noFill/>
+                </a:ln>
+                <a:solidFill>
+                  <a:srgbClr val="9876AA"/>
+                </a:solidFill>
+                <a:effectLst/>
+                <a:latin typeface="Consolas" panose="020B0609020204030204" pitchFamily="49" charset="0"/>
+              </a:rPr>
+              <a:t>android</a:t>
+            </a:r>
+            <a:r>
+              <a:rPr kumimoji="0" lang="en-US" altLang="en-US" sz="1600" b="0" i="0" u="none" strike="noStrike" cap="none" normalizeH="0" baseline="0" dirty="0" err="1" smtClean="0">
+                <a:ln>
+                  <a:noFill/>
+                </a:ln>
+                <a:solidFill>
+                  <a:srgbClr val="BABABA"/>
+                </a:solidFill>
+                <a:effectLst/>
+                <a:latin typeface="Consolas" panose="020B0609020204030204" pitchFamily="49" charset="0"/>
+              </a:rPr>
+              <a:t>:allowParallelSyncs</a:t>
+            </a:r>
+            <a:r>
+              <a:rPr kumimoji="0" lang="en-US" altLang="en-US" sz="1600" b="0" i="0" u="none" strike="noStrike" cap="none" normalizeH="0" baseline="0" dirty="0" smtClean="0">
+                <a:ln>
+                  <a:noFill/>
+                </a:ln>
+                <a:solidFill>
+                  <a:srgbClr val="BABABA"/>
+                </a:solidFill>
+                <a:effectLst/>
+                <a:latin typeface="Consolas" panose="020B0609020204030204" pitchFamily="49" charset="0"/>
+              </a:rPr>
+              <a:t>=</a:t>
+            </a:r>
+            <a:r>
+              <a:rPr kumimoji="0" lang="en-US" altLang="en-US" sz="1600" b="0" i="0" u="none" strike="noStrike" cap="none" normalizeH="0" baseline="0" dirty="0" smtClean="0">
+                <a:ln>
+                  <a:noFill/>
+                </a:ln>
+                <a:solidFill>
+                  <a:srgbClr val="6A8759"/>
+                </a:solidFill>
+                <a:effectLst/>
+                <a:latin typeface="Consolas" panose="020B0609020204030204" pitchFamily="49" charset="0"/>
+              </a:rPr>
+              <a:t>"false"</a:t>
+            </a:r>
+            <a:br>
+              <a:rPr kumimoji="0" lang="en-US" altLang="en-US" sz="1600" b="0" i="0" u="none" strike="noStrike" cap="none" normalizeH="0" baseline="0" dirty="0" smtClean="0">
+                <a:ln>
+                  <a:noFill/>
+                </a:ln>
+                <a:solidFill>
+                  <a:srgbClr val="6A8759"/>
+                </a:solidFill>
+                <a:effectLst/>
+                <a:latin typeface="Consolas" panose="020B0609020204030204" pitchFamily="49" charset="0"/>
+              </a:rPr>
+            </a:br>
+            <a:r>
+              <a:rPr kumimoji="0" lang="en-US" altLang="en-US" sz="1600" b="0" i="0" u="none" strike="noStrike" cap="none" normalizeH="0" baseline="0" dirty="0" smtClean="0">
+                <a:ln>
+                  <a:noFill/>
+                </a:ln>
+                <a:solidFill>
+                  <a:srgbClr val="6A8759"/>
+                </a:solidFill>
+                <a:effectLst/>
+                <a:latin typeface="Consolas" panose="020B0609020204030204" pitchFamily="49" charset="0"/>
+              </a:rPr>
+              <a:t>    </a:t>
+            </a:r>
+            <a:r>
+              <a:rPr kumimoji="0" lang="en-US" altLang="en-US" sz="1600" b="0" i="0" u="none" strike="noStrike" cap="none" normalizeH="0" baseline="0" dirty="0" err="1" smtClean="0">
+                <a:ln>
+                  <a:noFill/>
+                </a:ln>
+                <a:solidFill>
+                  <a:srgbClr val="9876AA"/>
+                </a:solidFill>
+                <a:effectLst/>
+                <a:latin typeface="Consolas" panose="020B0609020204030204" pitchFamily="49" charset="0"/>
+              </a:rPr>
+              <a:t>android</a:t>
+            </a:r>
+            <a:r>
+              <a:rPr kumimoji="0" lang="en-US" altLang="en-US" sz="1600" b="0" i="0" u="none" strike="noStrike" cap="none" normalizeH="0" baseline="0" dirty="0" err="1" smtClean="0">
+                <a:ln>
+                  <a:noFill/>
+                </a:ln>
+                <a:solidFill>
+                  <a:srgbClr val="BABABA"/>
+                </a:solidFill>
+                <a:effectLst/>
+                <a:latin typeface="Consolas" panose="020B0609020204030204" pitchFamily="49" charset="0"/>
+              </a:rPr>
+              <a:t>:contentAuthority</a:t>
+            </a:r>
+            <a:r>
+              <a:rPr kumimoji="0" lang="en-US" altLang="en-US" sz="1600" b="0" i="0" u="none" strike="noStrike" cap="none" normalizeH="0" baseline="0" dirty="0" smtClean="0">
+                <a:ln>
+                  <a:noFill/>
+                </a:ln>
+                <a:solidFill>
+                  <a:srgbClr val="BABABA"/>
+                </a:solidFill>
+                <a:effectLst/>
+                <a:latin typeface="Consolas" panose="020B0609020204030204" pitchFamily="49" charset="0"/>
+              </a:rPr>
+              <a:t>=</a:t>
+            </a:r>
+            <a:r>
+              <a:rPr kumimoji="0" lang="en-US" altLang="en-US" sz="1600" b="0" i="0" u="none" strike="noStrike" cap="none" normalizeH="0" baseline="0" dirty="0" smtClean="0">
+                <a:ln>
+                  <a:noFill/>
+                </a:ln>
+                <a:solidFill>
+                  <a:srgbClr val="6A8759"/>
+                </a:solidFill>
+                <a:effectLst/>
+                <a:latin typeface="Consolas" panose="020B0609020204030204" pitchFamily="49" charset="0"/>
+              </a:rPr>
+              <a:t>"</a:t>
+            </a:r>
+            <a:r>
+              <a:rPr kumimoji="0" lang="en-US" altLang="en-US" sz="1600" b="0" i="0" u="none" strike="noStrike" cap="none" normalizeH="0" baseline="0" dirty="0" err="1" smtClean="0">
+                <a:ln>
+                  <a:noFill/>
+                </a:ln>
+                <a:solidFill>
+                  <a:srgbClr val="6A8759"/>
+                </a:solidFill>
+                <a:effectLst/>
+                <a:latin typeface="Consolas" panose="020B0609020204030204" pitchFamily="49" charset="0"/>
+              </a:rPr>
+              <a:t>com.example.android.basicsyncadapter</a:t>
+            </a:r>
+            <a:r>
+              <a:rPr kumimoji="0" lang="en-US" altLang="en-US" sz="1600" b="0" i="0" u="none" strike="noStrike" cap="none" normalizeH="0" baseline="0" dirty="0" smtClean="0">
+                <a:ln>
+                  <a:noFill/>
+                </a:ln>
+                <a:solidFill>
+                  <a:srgbClr val="6A8759"/>
+                </a:solidFill>
+                <a:effectLst/>
+                <a:latin typeface="Consolas" panose="020B0609020204030204" pitchFamily="49" charset="0"/>
+              </a:rPr>
+              <a:t>"</a:t>
+            </a:r>
+            <a:br>
+              <a:rPr kumimoji="0" lang="en-US" altLang="en-US" sz="1600" b="0" i="0" u="none" strike="noStrike" cap="none" normalizeH="0" baseline="0" dirty="0" smtClean="0">
+                <a:ln>
+                  <a:noFill/>
+                </a:ln>
+                <a:solidFill>
+                  <a:srgbClr val="6A8759"/>
+                </a:solidFill>
+                <a:effectLst/>
+                <a:latin typeface="Consolas" panose="020B0609020204030204" pitchFamily="49" charset="0"/>
+              </a:rPr>
+            </a:br>
+            <a:r>
+              <a:rPr kumimoji="0" lang="en-US" altLang="en-US" sz="1600" b="0" i="0" u="none" strike="noStrike" cap="none" normalizeH="0" baseline="0" dirty="0" smtClean="0">
+                <a:ln>
+                  <a:noFill/>
+                </a:ln>
+                <a:solidFill>
+                  <a:srgbClr val="6A8759"/>
+                </a:solidFill>
+                <a:effectLst/>
+                <a:latin typeface="Consolas" panose="020B0609020204030204" pitchFamily="49" charset="0"/>
+              </a:rPr>
+              <a:t>    </a:t>
+            </a:r>
+            <a:r>
+              <a:rPr kumimoji="0" lang="en-US" altLang="en-US" sz="1600" b="0" i="0" u="none" strike="noStrike" cap="none" normalizeH="0" baseline="0" dirty="0" err="1" smtClean="0">
+                <a:ln>
+                  <a:noFill/>
+                </a:ln>
+                <a:solidFill>
+                  <a:srgbClr val="9876AA"/>
+                </a:solidFill>
+                <a:effectLst/>
+                <a:latin typeface="Consolas" panose="020B0609020204030204" pitchFamily="49" charset="0"/>
+              </a:rPr>
+              <a:t>android</a:t>
+            </a:r>
+            <a:r>
+              <a:rPr kumimoji="0" lang="en-US" altLang="en-US" sz="1600" b="0" i="0" u="none" strike="noStrike" cap="none" normalizeH="0" baseline="0" dirty="0" err="1" smtClean="0">
+                <a:ln>
+                  <a:noFill/>
+                </a:ln>
+                <a:solidFill>
+                  <a:srgbClr val="BABABA"/>
+                </a:solidFill>
+                <a:effectLst/>
+                <a:latin typeface="Consolas" panose="020B0609020204030204" pitchFamily="49" charset="0"/>
+              </a:rPr>
+              <a:t>:isAlwaysSyncable</a:t>
+            </a:r>
+            <a:r>
+              <a:rPr kumimoji="0" lang="en-US" altLang="en-US" sz="1600" b="0" i="0" u="none" strike="noStrike" cap="none" normalizeH="0" baseline="0" dirty="0" smtClean="0">
+                <a:ln>
+                  <a:noFill/>
+                </a:ln>
+                <a:solidFill>
+                  <a:srgbClr val="BABABA"/>
+                </a:solidFill>
+                <a:effectLst/>
+                <a:latin typeface="Consolas" panose="020B0609020204030204" pitchFamily="49" charset="0"/>
+              </a:rPr>
+              <a:t>=</a:t>
+            </a:r>
+            <a:r>
+              <a:rPr kumimoji="0" lang="en-US" altLang="en-US" sz="1600" b="0" i="0" u="none" strike="noStrike" cap="none" normalizeH="0" baseline="0" dirty="0" smtClean="0">
+                <a:ln>
+                  <a:noFill/>
+                </a:ln>
+                <a:solidFill>
+                  <a:srgbClr val="6A8759"/>
+                </a:solidFill>
+                <a:effectLst/>
+                <a:latin typeface="Consolas" panose="020B0609020204030204" pitchFamily="49" charset="0"/>
+              </a:rPr>
+              <a:t>"true"</a:t>
+            </a:r>
+            <a:br>
+              <a:rPr kumimoji="0" lang="en-US" altLang="en-US" sz="1600" b="0" i="0" u="none" strike="noStrike" cap="none" normalizeH="0" baseline="0" dirty="0" smtClean="0">
+                <a:ln>
+                  <a:noFill/>
+                </a:ln>
+                <a:solidFill>
+                  <a:srgbClr val="6A8759"/>
+                </a:solidFill>
+                <a:effectLst/>
+                <a:latin typeface="Consolas" panose="020B0609020204030204" pitchFamily="49" charset="0"/>
+              </a:rPr>
+            </a:br>
+            <a:r>
+              <a:rPr kumimoji="0" lang="en-US" altLang="en-US" sz="1600" b="0" i="0" u="none" strike="noStrike" cap="none" normalizeH="0" baseline="0" dirty="0" smtClean="0">
+                <a:ln>
+                  <a:noFill/>
+                </a:ln>
+                <a:solidFill>
+                  <a:srgbClr val="6A8759"/>
+                </a:solidFill>
+                <a:effectLst/>
+                <a:latin typeface="Consolas" panose="020B0609020204030204" pitchFamily="49" charset="0"/>
+              </a:rPr>
+              <a:t>    </a:t>
+            </a:r>
+            <a:r>
+              <a:rPr kumimoji="0" lang="en-US" altLang="en-US" sz="1600" b="0" i="0" u="none" strike="noStrike" cap="none" normalizeH="0" baseline="0" dirty="0" err="1" smtClean="0">
+                <a:ln>
+                  <a:noFill/>
+                </a:ln>
+                <a:solidFill>
+                  <a:srgbClr val="9876AA"/>
+                </a:solidFill>
+                <a:effectLst/>
+                <a:latin typeface="Consolas" panose="020B0609020204030204" pitchFamily="49" charset="0"/>
+              </a:rPr>
+              <a:t>android</a:t>
+            </a:r>
+            <a:r>
+              <a:rPr kumimoji="0" lang="en-US" altLang="en-US" sz="1600" b="0" i="0" u="none" strike="noStrike" cap="none" normalizeH="0" baseline="0" dirty="0" err="1" smtClean="0">
+                <a:ln>
+                  <a:noFill/>
+                </a:ln>
+                <a:solidFill>
+                  <a:srgbClr val="BABABA"/>
+                </a:solidFill>
+                <a:effectLst/>
+                <a:latin typeface="Consolas" panose="020B0609020204030204" pitchFamily="49" charset="0"/>
+              </a:rPr>
+              <a:t>:supportsUploading</a:t>
+            </a:r>
+            <a:r>
+              <a:rPr kumimoji="0" lang="en-US" altLang="en-US" sz="1600" b="0" i="0" u="none" strike="noStrike" cap="none" normalizeH="0" baseline="0" dirty="0" smtClean="0">
+                <a:ln>
+                  <a:noFill/>
+                </a:ln>
+                <a:solidFill>
+                  <a:srgbClr val="BABABA"/>
+                </a:solidFill>
+                <a:effectLst/>
+                <a:latin typeface="Consolas" panose="020B0609020204030204" pitchFamily="49" charset="0"/>
+              </a:rPr>
+              <a:t>=</a:t>
+            </a:r>
+            <a:r>
+              <a:rPr kumimoji="0" lang="en-US" altLang="en-US" sz="1600" b="0" i="0" u="none" strike="noStrike" cap="none" normalizeH="0" baseline="0" dirty="0" smtClean="0">
+                <a:ln>
+                  <a:noFill/>
+                </a:ln>
+                <a:solidFill>
+                  <a:srgbClr val="6A8759"/>
+                </a:solidFill>
+                <a:effectLst/>
+                <a:latin typeface="Consolas" panose="020B0609020204030204" pitchFamily="49" charset="0"/>
+              </a:rPr>
+              <a:t>"false"</a:t>
+            </a:r>
+            <a:br>
+              <a:rPr kumimoji="0" lang="en-US" altLang="en-US" sz="1600" b="0" i="0" u="none" strike="noStrike" cap="none" normalizeH="0" baseline="0" dirty="0" smtClean="0">
+                <a:ln>
+                  <a:noFill/>
+                </a:ln>
+                <a:solidFill>
+                  <a:srgbClr val="6A8759"/>
+                </a:solidFill>
+                <a:effectLst/>
+                <a:latin typeface="Consolas" panose="020B0609020204030204" pitchFamily="49" charset="0"/>
+              </a:rPr>
+            </a:br>
+            <a:r>
+              <a:rPr kumimoji="0" lang="en-US" altLang="en-US" sz="1600" b="0" i="0" u="none" strike="noStrike" cap="none" normalizeH="0" baseline="0" dirty="0" smtClean="0">
+                <a:ln>
+                  <a:noFill/>
+                </a:ln>
+                <a:solidFill>
+                  <a:srgbClr val="6A8759"/>
+                </a:solidFill>
+                <a:effectLst/>
+                <a:latin typeface="Consolas" panose="020B0609020204030204" pitchFamily="49" charset="0"/>
+              </a:rPr>
+              <a:t>    </a:t>
+            </a:r>
+            <a:r>
+              <a:rPr kumimoji="0" lang="en-US" altLang="en-US" sz="1600" b="0" i="0" u="none" strike="noStrike" cap="none" normalizeH="0" baseline="0" dirty="0" err="1" smtClean="0">
+                <a:ln>
+                  <a:noFill/>
+                </a:ln>
+                <a:solidFill>
+                  <a:srgbClr val="9876AA"/>
+                </a:solidFill>
+                <a:effectLst/>
+                <a:latin typeface="Consolas" panose="020B0609020204030204" pitchFamily="49" charset="0"/>
+              </a:rPr>
+              <a:t>android</a:t>
+            </a:r>
+            <a:r>
+              <a:rPr kumimoji="0" lang="en-US" altLang="en-US" sz="1600" b="0" i="0" u="none" strike="noStrike" cap="none" normalizeH="0" baseline="0" dirty="0" err="1" smtClean="0">
+                <a:ln>
+                  <a:noFill/>
+                </a:ln>
+                <a:solidFill>
+                  <a:srgbClr val="BABABA"/>
+                </a:solidFill>
+                <a:effectLst/>
+                <a:latin typeface="Consolas" panose="020B0609020204030204" pitchFamily="49" charset="0"/>
+              </a:rPr>
+              <a:t>:userVisible</a:t>
+            </a:r>
+            <a:r>
+              <a:rPr kumimoji="0" lang="en-US" altLang="en-US" sz="1600" b="0" i="0" u="none" strike="noStrike" cap="none" normalizeH="0" baseline="0" dirty="0" smtClean="0">
+                <a:ln>
+                  <a:noFill/>
+                </a:ln>
+                <a:solidFill>
+                  <a:srgbClr val="BABABA"/>
+                </a:solidFill>
+                <a:effectLst/>
+                <a:latin typeface="Consolas" panose="020B0609020204030204" pitchFamily="49" charset="0"/>
+              </a:rPr>
+              <a:t>=</a:t>
+            </a:r>
+            <a:r>
+              <a:rPr kumimoji="0" lang="en-US" altLang="en-US" sz="1600" b="0" i="0" u="none" strike="noStrike" cap="none" normalizeH="0" baseline="0" dirty="0" smtClean="0">
+                <a:ln>
+                  <a:noFill/>
+                </a:ln>
+                <a:solidFill>
+                  <a:srgbClr val="6A8759"/>
+                </a:solidFill>
+                <a:effectLst/>
+                <a:latin typeface="Consolas" panose="020B0609020204030204" pitchFamily="49" charset="0"/>
+              </a:rPr>
+              <a:t>"false</a:t>
+            </a:r>
+            <a:r>
+              <a:rPr kumimoji="0" lang="en-US" altLang="en-US" sz="1600" b="0" i="0" u="none" strike="noStrike" cap="none" normalizeH="0" baseline="0" dirty="0" smtClean="0">
+                <a:ln>
+                  <a:noFill/>
+                </a:ln>
+                <a:solidFill>
+                  <a:srgbClr val="6A8759"/>
+                </a:solidFill>
+                <a:effectLst/>
+                <a:latin typeface="Consolas" panose="020B0609020204030204" pitchFamily="49" charset="0"/>
+              </a:rPr>
+              <a:t>"</a:t>
+            </a:r>
+            <a:r>
+              <a:rPr kumimoji="0" lang="en-US" altLang="en-US" sz="1600" b="0" i="0" u="none" strike="noStrike" cap="none" normalizeH="0" baseline="0" dirty="0" smtClean="0">
+                <a:ln>
+                  <a:noFill/>
+                </a:ln>
+                <a:solidFill>
+                  <a:srgbClr val="E8BF6A"/>
+                </a:solidFill>
+                <a:effectLst/>
+                <a:latin typeface="Consolas" panose="020B0609020204030204" pitchFamily="49" charset="0"/>
+              </a:rPr>
+              <a:t>/&gt;</a:t>
+            </a:r>
+          </a:p>
+          <a:p>
+            <a:pPr marL="0" marR="0" lvl="0" indent="0" algn="l" defTabSz="914400" rtl="0" eaLnBrk="0" fontAlgn="base" latinLnBrk="0" hangingPunct="0">
+              <a:lnSpc>
+                <a:spcPct val="100000"/>
+              </a:lnSpc>
+              <a:spcBef>
+                <a:spcPct val="0"/>
+              </a:spcBef>
+              <a:spcAft>
+                <a:spcPct val="0"/>
+              </a:spcAft>
+              <a:buClrTx/>
+              <a:buSzTx/>
+              <a:buFontTx/>
+              <a:buNone/>
+              <a:tabLst/>
+            </a:pPr>
+            <a:endParaRPr kumimoji="0" lang="en-US" altLang="en-US" sz="1600" b="0" i="0" u="none" strike="noStrike" cap="none" normalizeH="0" baseline="0" dirty="0" smtClean="0">
+              <a:ln>
+                <a:noFill/>
+              </a:ln>
+              <a:solidFill>
+                <a:srgbClr val="E8BF6A"/>
+              </a:solidFill>
+              <a:effectLst/>
+              <a:latin typeface="Consolas" panose="020B0609020204030204" pitchFamily="49" charset="0"/>
+            </a:endParaRPr>
+          </a:p>
+          <a:p>
+            <a:pPr eaLnBrk="0" fontAlgn="base" hangingPunct="0">
+              <a:spcBef>
+                <a:spcPct val="0"/>
+              </a:spcBef>
+              <a:spcAft>
+                <a:spcPct val="0"/>
+              </a:spcAft>
+            </a:pPr>
+            <a:endParaRPr lang="en-US" altLang="en-US" sz="1600" dirty="0" smtClean="0">
+              <a:solidFill>
+                <a:srgbClr val="A9B7C6"/>
+              </a:solidFill>
+              <a:latin typeface="Consolas" panose="020B0609020204030204" pitchFamily="49" charset="0"/>
+              <a:cs typeface="Courier New" panose="02070309020205020404" pitchFamily="49" charset="0"/>
+            </a:endParaRPr>
+          </a:p>
+          <a:p>
+            <a:pPr eaLnBrk="0" fontAlgn="base" hangingPunct="0">
+              <a:spcBef>
+                <a:spcPct val="0"/>
+              </a:spcBef>
+              <a:spcAft>
+                <a:spcPct val="0"/>
+              </a:spcAft>
+            </a:pPr>
+            <a:r>
+              <a:rPr lang="en-US" altLang="en-US" sz="1600" dirty="0" smtClean="0">
+                <a:solidFill>
+                  <a:srgbClr val="A9B7C6"/>
+                </a:solidFill>
+                <a:latin typeface="Consolas" panose="020B0609020204030204" pitchFamily="49" charset="0"/>
+                <a:cs typeface="Courier New" panose="02070309020205020404" pitchFamily="49" charset="0"/>
+              </a:rPr>
+              <a:t>…</a:t>
+            </a:r>
+            <a:endParaRPr lang="en-US" altLang="en-US" sz="1600" dirty="0">
+              <a:solidFill>
+                <a:srgbClr val="E8BF6A"/>
+              </a:solidFill>
+              <a:latin typeface="Consolas" panose="020B0609020204030204" pitchFamily="49" charset="0"/>
+            </a:endParaRPr>
+          </a:p>
+          <a:p>
+            <a:pPr lvl="0" eaLnBrk="0" fontAlgn="base" hangingPunct="0">
+              <a:spcBef>
+                <a:spcPct val="0"/>
+              </a:spcBef>
+              <a:spcAft>
+                <a:spcPct val="0"/>
+              </a:spcAft>
+            </a:pPr>
+            <a:r>
+              <a:rPr lang="en-US" altLang="en-US" sz="1600" dirty="0" smtClean="0">
+                <a:solidFill>
+                  <a:srgbClr val="CC7832"/>
+                </a:solidFill>
+                <a:latin typeface="Consolas" panose="020B0609020204030204" pitchFamily="49" charset="0"/>
+                <a:cs typeface="Courier New" panose="02070309020205020404" pitchFamily="49" charset="0"/>
+              </a:rPr>
+              <a:t>return </a:t>
+            </a:r>
+            <a:r>
+              <a:rPr lang="en-US" altLang="en-US" sz="1600" dirty="0">
+                <a:solidFill>
+                  <a:srgbClr val="CC7832"/>
+                </a:solidFill>
+                <a:latin typeface="Consolas" panose="020B0609020204030204" pitchFamily="49" charset="0"/>
+                <a:cs typeface="Courier New" panose="02070309020205020404" pitchFamily="49" charset="0"/>
+              </a:rPr>
+              <a:t>new </a:t>
+            </a:r>
+            <a:r>
+              <a:rPr lang="en-US" altLang="en-US" sz="1600" dirty="0">
+                <a:solidFill>
+                  <a:srgbClr val="A9B7C6"/>
+                </a:solidFill>
+                <a:latin typeface="Consolas" panose="020B0609020204030204" pitchFamily="49" charset="0"/>
+                <a:cs typeface="Courier New" panose="02070309020205020404" pitchFamily="49" charset="0"/>
+              </a:rPr>
+              <a:t>Account(</a:t>
+            </a:r>
+            <a:r>
+              <a:rPr lang="en-US" altLang="en-US" sz="1600" dirty="0" err="1">
+                <a:solidFill>
+                  <a:srgbClr val="A9B7C6"/>
+                </a:solidFill>
+                <a:latin typeface="Consolas" panose="020B0609020204030204" pitchFamily="49" charset="0"/>
+                <a:cs typeface="Courier New" panose="02070309020205020404" pitchFamily="49" charset="0"/>
+              </a:rPr>
+              <a:t>accountName</a:t>
+            </a:r>
+            <a:r>
+              <a:rPr lang="en-US" altLang="en-US" sz="1600" dirty="0">
+                <a:solidFill>
+                  <a:srgbClr val="CC7832"/>
+                </a:solidFill>
+                <a:latin typeface="Consolas" panose="020B0609020204030204" pitchFamily="49" charset="0"/>
+                <a:cs typeface="Courier New" panose="02070309020205020404" pitchFamily="49" charset="0"/>
+              </a:rPr>
+              <a:t>, </a:t>
+            </a:r>
+            <a:r>
+              <a:rPr lang="en-US" altLang="en-US" sz="1600" i="1" dirty="0">
+                <a:solidFill>
+                  <a:srgbClr val="A9B7C6"/>
+                </a:solidFill>
+                <a:latin typeface="Consolas" panose="020B0609020204030204" pitchFamily="49" charset="0"/>
+                <a:cs typeface="Courier New" panose="02070309020205020404" pitchFamily="49" charset="0"/>
+              </a:rPr>
+              <a:t>ACCOUNT_TYPE</a:t>
+            </a:r>
+            <a:r>
+              <a:rPr lang="en-US" altLang="en-US" sz="1600" dirty="0">
+                <a:solidFill>
+                  <a:srgbClr val="A9B7C6"/>
+                </a:solidFill>
+                <a:latin typeface="Consolas" panose="020B0609020204030204" pitchFamily="49" charset="0"/>
+                <a:cs typeface="Courier New" panose="02070309020205020404" pitchFamily="49" charset="0"/>
+              </a:rPr>
+              <a:t>)</a:t>
+            </a:r>
+            <a:r>
+              <a:rPr lang="en-US" altLang="en-US" sz="1600" dirty="0">
+                <a:solidFill>
+                  <a:srgbClr val="CC7832"/>
+                </a:solidFill>
+                <a:latin typeface="Consolas" panose="020B0609020204030204" pitchFamily="49" charset="0"/>
+                <a:cs typeface="Courier New" panose="02070309020205020404" pitchFamily="49" charset="0"/>
+              </a:rPr>
+              <a:t>;</a:t>
+            </a:r>
+            <a:endParaRPr lang="en-US" altLang="en-US" sz="4000" dirty="0">
+              <a:latin typeface="Consolas" panose="020B0609020204030204" pitchFamily="49" charset="0"/>
+            </a:endParaRPr>
+          </a:p>
+        </p:txBody>
+      </p:sp>
+      <p:sp>
+        <p:nvSpPr>
+          <p:cNvPr id="5" name="Rectangle 1"/>
+          <p:cNvSpPr>
+            <a:spLocks noChangeArrowheads="1"/>
+          </p:cNvSpPr>
+          <p:nvPr/>
+        </p:nvSpPr>
+        <p:spPr bwMode="auto">
+          <a:xfrm>
+            <a:off x="652500" y="1700808"/>
+            <a:ext cx="10887000" cy="4176464"/>
+          </a:xfrm>
+          <a:prstGeom prst="rect">
+            <a:avLst/>
+          </a:prstGeom>
+          <a:solidFill>
+            <a:srgbClr val="2B2B2B">
+              <a:alpha val="60000"/>
+            </a:srgbClr>
+          </a:solidFill>
+          <a:ln>
+            <a:noFill/>
+          </a:ln>
+          <a:effectLst/>
+          <a:extLst/>
+        </p:spPr>
+        <p:txBody>
+          <a:bodyPr vert="horz" wrap="square" lIns="182880" tIns="182880" rIns="182880" bIns="182880" numCol="1" anchor="t" anchorCtr="0" compatLnSpc="1">
+            <a:prstTxWarp prst="textNoShape">
+              <a:avLst/>
+            </a:prstTxWarp>
+            <a:noAutofit/>
+          </a:bodyPr>
+          <a:lstStyle/>
+          <a:p>
+            <a:pPr marL="0" marR="0" lvl="0" indent="0" algn="l" defTabSz="914400" rtl="0" eaLnBrk="0" fontAlgn="base" latinLnBrk="0" hangingPunct="0">
+              <a:lnSpc>
+                <a:spcPct val="100000"/>
+              </a:lnSpc>
+              <a:spcBef>
+                <a:spcPct val="0"/>
+              </a:spcBef>
+              <a:spcAft>
+                <a:spcPct val="0"/>
+              </a:spcAft>
+              <a:buClrTx/>
+              <a:buSzTx/>
+              <a:buFontTx/>
+              <a:buNone/>
+              <a:tabLst/>
+            </a:pPr>
+            <a:r>
+              <a:rPr kumimoji="0" lang="en-US" altLang="en-US" sz="1600" b="0" i="0" u="none" strike="noStrike" cap="none" normalizeH="0" baseline="0" dirty="0" smtClean="0">
+                <a:ln>
+                  <a:noFill/>
+                </a:ln>
+                <a:solidFill>
+                  <a:srgbClr val="E8BF6A"/>
+                </a:solidFill>
+                <a:effectLst/>
+                <a:latin typeface="Consolas" panose="020B0609020204030204" pitchFamily="49" charset="0"/>
+              </a:rPr>
+              <a:t>&lt;sync-adapter</a:t>
+            </a:r>
+            <a:br>
+              <a:rPr kumimoji="0" lang="en-US" altLang="en-US" sz="1600" b="0" i="0" u="none" strike="noStrike" cap="none" normalizeH="0" baseline="0" dirty="0" smtClean="0">
+                <a:ln>
+                  <a:noFill/>
+                </a:ln>
+                <a:solidFill>
+                  <a:srgbClr val="E8BF6A"/>
+                </a:solidFill>
+                <a:effectLst/>
+                <a:latin typeface="Consolas" panose="020B0609020204030204" pitchFamily="49" charset="0"/>
+              </a:rPr>
+            </a:br>
+            <a:endParaRPr kumimoji="0" lang="en-US" altLang="en-US" sz="1600" b="0" i="0" u="none" strike="noStrike" cap="none" normalizeH="0" baseline="0" dirty="0" smtClean="0">
+              <a:ln>
+                <a:noFill/>
+              </a:ln>
+              <a:solidFill>
+                <a:srgbClr val="E8BF6A"/>
+              </a:solidFill>
+              <a:effectLst/>
+              <a:latin typeface="Consolas" panose="020B0609020204030204" pitchFamily="49" charset="0"/>
+            </a:endParaRPr>
+          </a:p>
+          <a:p>
+            <a:pPr marL="0" marR="0" lvl="0" indent="0" algn="l" defTabSz="914400" rtl="0" eaLnBrk="0" fontAlgn="base" latinLnBrk="0" hangingPunct="0">
+              <a:lnSpc>
+                <a:spcPct val="100000"/>
+              </a:lnSpc>
+              <a:spcBef>
+                <a:spcPct val="0"/>
+              </a:spcBef>
+              <a:spcAft>
+                <a:spcPct val="0"/>
+              </a:spcAft>
+              <a:buClrTx/>
+              <a:buSzTx/>
+              <a:buFontTx/>
+              <a:buNone/>
+              <a:tabLst/>
+            </a:pPr>
+            <a:r>
+              <a:rPr kumimoji="0" lang="en-US" altLang="en-US" sz="1600" b="0" i="0" u="none" strike="noStrike" cap="none" normalizeH="0" baseline="0" dirty="0" smtClean="0">
+                <a:ln>
+                  <a:noFill/>
+                </a:ln>
+                <a:solidFill>
+                  <a:srgbClr val="6A8759"/>
+                </a:solidFill>
+                <a:effectLst/>
+                <a:latin typeface="Consolas" panose="020B0609020204030204" pitchFamily="49" charset="0"/>
+              </a:rPr>
+              <a:t>    </a:t>
+            </a:r>
+            <a:r>
+              <a:rPr kumimoji="0" lang="en-US" altLang="en-US" sz="1600" b="0" i="0" u="none" strike="noStrike" cap="none" normalizeH="0" baseline="0" dirty="0" err="1" smtClean="0">
+                <a:ln>
+                  <a:noFill/>
+                </a:ln>
+                <a:solidFill>
+                  <a:srgbClr val="9876AA"/>
+                </a:solidFill>
+                <a:effectLst/>
+                <a:latin typeface="Consolas" panose="020B0609020204030204" pitchFamily="49" charset="0"/>
+              </a:rPr>
+              <a:t>android</a:t>
+            </a:r>
+            <a:r>
+              <a:rPr kumimoji="0" lang="en-US" altLang="en-US" sz="1600" b="0" i="0" u="none" strike="noStrike" cap="none" normalizeH="0" baseline="0" dirty="0" err="1" smtClean="0">
+                <a:ln>
+                  <a:noFill/>
+                </a:ln>
+                <a:solidFill>
+                  <a:srgbClr val="BABABA"/>
+                </a:solidFill>
+                <a:effectLst/>
+                <a:latin typeface="Consolas" panose="020B0609020204030204" pitchFamily="49" charset="0"/>
+              </a:rPr>
+              <a:t>:accountType</a:t>
+            </a:r>
+            <a:r>
+              <a:rPr kumimoji="0" lang="en-US" altLang="en-US" sz="1600" b="0" i="0" u="none" strike="noStrike" cap="none" normalizeH="0" baseline="0" dirty="0" smtClean="0">
+                <a:ln>
+                  <a:noFill/>
+                </a:ln>
+                <a:solidFill>
+                  <a:srgbClr val="BABABA"/>
+                </a:solidFill>
+                <a:effectLst/>
+                <a:latin typeface="Consolas" panose="020B0609020204030204" pitchFamily="49" charset="0"/>
+              </a:rPr>
+              <a:t>=</a:t>
+            </a:r>
+            <a:r>
+              <a:rPr kumimoji="0" lang="en-US" altLang="en-US" sz="1600" b="0" i="0" u="none" strike="noStrike" cap="none" normalizeH="0" baseline="0" dirty="0" smtClean="0">
+                <a:ln>
+                  <a:noFill/>
+                </a:ln>
+                <a:solidFill>
+                  <a:srgbClr val="6A8759"/>
+                </a:solidFill>
+                <a:effectLst/>
+                <a:latin typeface="Consolas" panose="020B0609020204030204" pitchFamily="49" charset="0"/>
+              </a:rPr>
+              <a:t>"</a:t>
+            </a:r>
+            <a:r>
+              <a:rPr kumimoji="0" lang="en-US" altLang="en-US" sz="1600" b="0" i="0" u="none" strike="noStrike" cap="none" normalizeH="0" baseline="0" dirty="0" err="1" smtClean="0">
+                <a:ln>
+                  <a:noFill/>
+                </a:ln>
+                <a:solidFill>
+                  <a:srgbClr val="6A8759"/>
+                </a:solidFill>
+                <a:effectLst/>
+                <a:latin typeface="Consolas" panose="020B0609020204030204" pitchFamily="49" charset="0"/>
+              </a:rPr>
+              <a:t>com.example.android.basicsyncadapter.account</a:t>
+            </a:r>
+            <a:r>
+              <a:rPr kumimoji="0" lang="en-US" altLang="en-US" sz="1600" b="0" i="0" u="none" strike="noStrike" cap="none" normalizeH="0" baseline="0" dirty="0" smtClean="0">
+                <a:ln>
+                  <a:noFill/>
+                </a:ln>
+                <a:solidFill>
+                  <a:srgbClr val="6A8759"/>
+                </a:solidFill>
+                <a:effectLst/>
+                <a:latin typeface="Consolas" panose="020B0609020204030204" pitchFamily="49" charset="0"/>
+              </a:rPr>
+              <a:t>"</a:t>
+            </a:r>
+            <a:br>
+              <a:rPr kumimoji="0" lang="en-US" altLang="en-US" sz="1600" b="0" i="0" u="none" strike="noStrike" cap="none" normalizeH="0" baseline="0" dirty="0" smtClean="0">
+                <a:ln>
+                  <a:noFill/>
+                </a:ln>
+                <a:solidFill>
+                  <a:srgbClr val="6A8759"/>
+                </a:solidFill>
+                <a:effectLst/>
+                <a:latin typeface="Consolas" panose="020B0609020204030204" pitchFamily="49" charset="0"/>
+              </a:rPr>
+            </a:br>
+            <a:endParaRPr kumimoji="0" lang="en-US" altLang="en-US" sz="1600" b="0" i="0" u="none" strike="noStrike" cap="none" normalizeH="0" baseline="0" dirty="0" smtClean="0">
+              <a:ln>
+                <a:noFill/>
+              </a:ln>
+              <a:solidFill>
+                <a:srgbClr val="6A8759"/>
+              </a:solidFill>
+              <a:effectLst/>
+              <a:latin typeface="Consolas" panose="020B0609020204030204" pitchFamily="49" charset="0"/>
+            </a:endParaRPr>
+          </a:p>
+          <a:p>
+            <a:pPr marL="0" marR="0" lvl="0" indent="0" algn="l" defTabSz="914400" rtl="0" eaLnBrk="0" fontAlgn="base" latinLnBrk="0" hangingPunct="0">
+              <a:lnSpc>
+                <a:spcPct val="100000"/>
+              </a:lnSpc>
+              <a:spcBef>
+                <a:spcPct val="0"/>
+              </a:spcBef>
+              <a:spcAft>
+                <a:spcPct val="0"/>
+              </a:spcAft>
+              <a:buClrTx/>
+              <a:buSzTx/>
+              <a:buFontTx/>
+              <a:buNone/>
+              <a:tabLst/>
+            </a:pPr>
+            <a:endParaRPr kumimoji="0" lang="en-US" altLang="en-US" sz="1600" b="0" i="0" u="none" strike="noStrike" cap="none" normalizeH="0" baseline="0" dirty="0" smtClean="0">
+              <a:ln>
+                <a:noFill/>
+              </a:ln>
+              <a:solidFill>
+                <a:srgbClr val="6A8759"/>
+              </a:solidFill>
+              <a:effectLst/>
+              <a:latin typeface="Consolas" panose="020B0609020204030204" pitchFamily="49" charset="0"/>
+            </a:endParaRPr>
+          </a:p>
+          <a:p>
+            <a:pPr marL="0" marR="0" lvl="0" indent="0" algn="l" defTabSz="914400" rtl="0" eaLnBrk="0" fontAlgn="base" latinLnBrk="0" hangingPunct="0">
+              <a:lnSpc>
+                <a:spcPct val="100000"/>
+              </a:lnSpc>
+              <a:spcBef>
+                <a:spcPct val="0"/>
+              </a:spcBef>
+              <a:spcAft>
+                <a:spcPct val="0"/>
+              </a:spcAft>
+              <a:buClrTx/>
+              <a:buSzTx/>
+              <a:buFontTx/>
+              <a:buNone/>
+              <a:tabLst/>
+            </a:pPr>
+            <a:endParaRPr kumimoji="0" lang="en-US" altLang="en-US" sz="1600" b="0" i="0" u="none" strike="noStrike" cap="none" normalizeH="0" baseline="0" dirty="0" smtClean="0">
+              <a:ln>
+                <a:noFill/>
+              </a:ln>
+              <a:solidFill>
+                <a:srgbClr val="6A8759"/>
+              </a:solidFill>
+              <a:effectLst/>
+              <a:latin typeface="Consolas" panose="020B0609020204030204" pitchFamily="49" charset="0"/>
+            </a:endParaRPr>
+          </a:p>
+          <a:p>
+            <a:pPr marL="0" marR="0" lvl="0" indent="0" algn="l" defTabSz="914400" rtl="0" eaLnBrk="0" fontAlgn="base" latinLnBrk="0" hangingPunct="0">
+              <a:lnSpc>
+                <a:spcPct val="100000"/>
+              </a:lnSpc>
+              <a:spcBef>
+                <a:spcPct val="0"/>
+              </a:spcBef>
+              <a:spcAft>
+                <a:spcPct val="0"/>
+              </a:spcAft>
+              <a:buClrTx/>
+              <a:buSzTx/>
+              <a:buFontTx/>
+              <a:buNone/>
+              <a:tabLst/>
+            </a:pPr>
+            <a:endParaRPr lang="en-US" altLang="en-US" sz="1600" dirty="0">
+              <a:solidFill>
+                <a:srgbClr val="6A8759"/>
+              </a:solidFill>
+              <a:latin typeface="Consolas" panose="020B0609020204030204" pitchFamily="49" charset="0"/>
+            </a:endParaRPr>
+          </a:p>
+          <a:p>
+            <a:pPr lvl="0" eaLnBrk="0" fontAlgn="base" hangingPunct="0">
+              <a:spcBef>
+                <a:spcPct val="0"/>
+              </a:spcBef>
+              <a:spcAft>
+                <a:spcPct val="0"/>
+              </a:spcAft>
+            </a:pPr>
+            <a:r>
+              <a:rPr kumimoji="0" lang="en-US" altLang="en-US" sz="1600" b="0" i="0" u="none" strike="noStrike" cap="none" normalizeH="0" baseline="0" dirty="0" smtClean="0">
+                <a:ln>
+                  <a:noFill/>
+                </a:ln>
+                <a:solidFill>
+                  <a:srgbClr val="6A8759"/>
+                </a:solidFill>
+                <a:effectLst/>
+                <a:latin typeface="Consolas" panose="020B0609020204030204" pitchFamily="49" charset="0"/>
+              </a:rPr>
+              <a:t>    </a:t>
+            </a:r>
+            <a:r>
+              <a:rPr kumimoji="0" lang="en-US" altLang="en-US" sz="1600" b="0" i="0" u="none" strike="noStrike" cap="none" normalizeH="0" baseline="0" dirty="0" smtClean="0">
+                <a:ln>
+                  <a:noFill/>
+                </a:ln>
+                <a:solidFill>
+                  <a:srgbClr val="9876AA"/>
+                </a:solidFill>
+                <a:effectLst/>
+                <a:latin typeface="Consolas" panose="020B0609020204030204" pitchFamily="49" charset="0"/>
+              </a:rPr>
+              <a:t>                           </a:t>
+            </a:r>
+            <a:r>
+              <a:rPr kumimoji="0" lang="en-US" altLang="en-US" sz="1600" b="0" i="0" u="none" strike="noStrike" cap="none" normalizeH="0" baseline="0" dirty="0" smtClean="0">
+                <a:ln>
+                  <a:noFill/>
+                </a:ln>
+                <a:solidFill>
+                  <a:srgbClr val="E8BF6A"/>
+                </a:solidFill>
+                <a:effectLst/>
+                <a:latin typeface="Consolas" panose="020B0609020204030204" pitchFamily="49" charset="0"/>
+              </a:rPr>
+              <a:t>/&gt;</a:t>
+            </a:r>
+            <a:br>
+              <a:rPr kumimoji="0" lang="en-US" altLang="en-US" sz="1600" b="0" i="0" u="none" strike="noStrike" cap="none" normalizeH="0" baseline="0" dirty="0" smtClean="0">
+                <a:ln>
+                  <a:noFill/>
+                </a:ln>
+                <a:solidFill>
+                  <a:srgbClr val="E8BF6A"/>
+                </a:solidFill>
+                <a:effectLst/>
+                <a:latin typeface="Consolas" panose="020B0609020204030204" pitchFamily="49" charset="0"/>
+              </a:rPr>
+            </a:br>
+            <a:endParaRPr kumimoji="0" lang="en-US" altLang="en-US" sz="1600" b="0" i="0" u="none" strike="noStrike" cap="none" normalizeH="0" baseline="0" dirty="0" smtClean="0">
+              <a:ln>
+                <a:noFill/>
+              </a:ln>
+              <a:solidFill>
+                <a:srgbClr val="E8BF6A"/>
+              </a:solidFill>
+              <a:effectLst/>
+              <a:latin typeface="Consolas" panose="020B0609020204030204" pitchFamily="49" charset="0"/>
+            </a:endParaRPr>
+          </a:p>
+          <a:p>
+            <a:pPr lvl="0" eaLnBrk="0" fontAlgn="base" hangingPunct="0">
+              <a:spcBef>
+                <a:spcPct val="0"/>
+              </a:spcBef>
+              <a:spcAft>
+                <a:spcPct val="0"/>
+              </a:spcAft>
+            </a:pPr>
+            <a:endParaRPr lang="en-US" altLang="en-US" sz="1600" dirty="0">
+              <a:solidFill>
+                <a:srgbClr val="E8BF6A"/>
+              </a:solidFill>
+              <a:latin typeface="Consolas" panose="020B0609020204030204" pitchFamily="49" charset="0"/>
+            </a:endParaRPr>
+          </a:p>
+          <a:p>
+            <a:pPr lvl="0" eaLnBrk="0" fontAlgn="base" hangingPunct="0">
+              <a:spcBef>
+                <a:spcPct val="0"/>
+              </a:spcBef>
+              <a:spcAft>
+                <a:spcPct val="0"/>
+              </a:spcAft>
+            </a:pPr>
+            <a:r>
+              <a:rPr lang="en-US" altLang="en-US" sz="1600" dirty="0" smtClean="0">
+                <a:solidFill>
+                  <a:srgbClr val="A9B7C6"/>
+                </a:solidFill>
+                <a:latin typeface="Consolas" panose="020B0609020204030204" pitchFamily="49" charset="0"/>
+                <a:cs typeface="Courier New" panose="02070309020205020404" pitchFamily="49" charset="0"/>
+              </a:rPr>
+              <a:t>…</a:t>
+            </a:r>
+            <a:endParaRPr lang="en-US" altLang="en-US" sz="1600" dirty="0" smtClean="0">
+              <a:solidFill>
+                <a:srgbClr val="E8BF6A"/>
+              </a:solidFill>
+              <a:latin typeface="Consolas" panose="020B0609020204030204" pitchFamily="49" charset="0"/>
+            </a:endParaRPr>
+          </a:p>
+          <a:p>
+            <a:pPr lvl="0" eaLnBrk="0" fontAlgn="base" hangingPunct="0">
+              <a:spcBef>
+                <a:spcPct val="0"/>
+              </a:spcBef>
+              <a:spcAft>
+                <a:spcPct val="0"/>
+              </a:spcAft>
+            </a:pPr>
+            <a:r>
+              <a:rPr lang="en-US" altLang="en-US" sz="1600" dirty="0" smtClean="0">
+                <a:solidFill>
+                  <a:srgbClr val="CC7832"/>
+                </a:solidFill>
+                <a:latin typeface="Consolas" panose="020B0609020204030204" pitchFamily="49" charset="0"/>
+                <a:cs typeface="Courier New" panose="02070309020205020404" pitchFamily="49" charset="0"/>
+              </a:rPr>
+              <a:t>return new </a:t>
+            </a:r>
+            <a:r>
+              <a:rPr lang="en-US" altLang="en-US" sz="1600" dirty="0" smtClean="0">
+                <a:solidFill>
+                  <a:srgbClr val="A9B7C6"/>
+                </a:solidFill>
+                <a:latin typeface="Consolas" panose="020B0609020204030204" pitchFamily="49" charset="0"/>
+                <a:cs typeface="Courier New" panose="02070309020205020404" pitchFamily="49" charset="0"/>
+              </a:rPr>
+              <a:t>Account(</a:t>
+            </a:r>
+            <a:r>
+              <a:rPr lang="en-US" altLang="en-US" sz="1600" dirty="0" err="1" smtClean="0">
+                <a:solidFill>
+                  <a:srgbClr val="A9B7C6"/>
+                </a:solidFill>
+                <a:latin typeface="Consolas" panose="020B0609020204030204" pitchFamily="49" charset="0"/>
+                <a:cs typeface="Courier New" panose="02070309020205020404" pitchFamily="49" charset="0"/>
+              </a:rPr>
+              <a:t>accountName</a:t>
+            </a:r>
+            <a:r>
+              <a:rPr lang="en-US" altLang="en-US" sz="1600" dirty="0" smtClean="0">
+                <a:solidFill>
+                  <a:srgbClr val="CC7832"/>
+                </a:solidFill>
+                <a:latin typeface="Consolas" panose="020B0609020204030204" pitchFamily="49" charset="0"/>
+                <a:cs typeface="Courier New" panose="02070309020205020404" pitchFamily="49" charset="0"/>
+              </a:rPr>
+              <a:t>, </a:t>
+            </a:r>
+            <a:r>
+              <a:rPr lang="en-US" altLang="en-US" sz="1600" i="1" dirty="0" smtClean="0">
+                <a:solidFill>
+                  <a:srgbClr val="A9B7C6"/>
+                </a:solidFill>
+                <a:latin typeface="Consolas" panose="020B0609020204030204" pitchFamily="49" charset="0"/>
+                <a:cs typeface="Courier New" panose="02070309020205020404" pitchFamily="49" charset="0"/>
+              </a:rPr>
+              <a:t>ACCOUNT_TYPE</a:t>
+            </a:r>
+            <a:r>
+              <a:rPr lang="en-US" altLang="en-US" sz="1600" dirty="0" smtClean="0">
+                <a:solidFill>
+                  <a:srgbClr val="A9B7C6"/>
+                </a:solidFill>
+                <a:latin typeface="Consolas" panose="020B0609020204030204" pitchFamily="49" charset="0"/>
+                <a:cs typeface="Courier New" panose="02070309020205020404" pitchFamily="49" charset="0"/>
+              </a:rPr>
+              <a:t>)</a:t>
+            </a:r>
+            <a:r>
+              <a:rPr lang="en-US" altLang="en-US" sz="1600" dirty="0" smtClean="0">
+                <a:solidFill>
+                  <a:srgbClr val="CC7832"/>
+                </a:solidFill>
+                <a:latin typeface="Consolas" panose="020B0609020204030204" pitchFamily="49" charset="0"/>
+                <a:cs typeface="Courier New" panose="02070309020205020404" pitchFamily="49" charset="0"/>
+              </a:rPr>
+              <a:t>;</a:t>
+            </a:r>
+            <a:endParaRPr lang="en-US" altLang="en-US" sz="4000" dirty="0">
+              <a:latin typeface="Consolas" panose="020B0609020204030204" pitchFamily="49" charset="0"/>
+            </a:endParaRPr>
+          </a:p>
+        </p:txBody>
+      </p:sp>
+      <p:sp>
+        <p:nvSpPr>
+          <p:cNvPr id="2" name="Title 1"/>
+          <p:cNvSpPr>
+            <a:spLocks noGrp="1"/>
+          </p:cNvSpPr>
+          <p:nvPr>
+            <p:ph type="title"/>
+          </p:nvPr>
+        </p:nvSpPr>
+        <p:spPr/>
+        <p:txBody>
+          <a:bodyPr/>
+          <a:lstStyle/>
+          <a:p>
+            <a:r>
+              <a:rPr lang="en-US" dirty="0" smtClean="0"/>
+              <a:t>Significance of </a:t>
+            </a:r>
+            <a:r>
+              <a:rPr lang="en-US" dirty="0" err="1" smtClean="0">
+                <a:latin typeface="Consolas" panose="020B0609020204030204" pitchFamily="49" charset="0"/>
+              </a:rPr>
+              <a:t>accountType</a:t>
+            </a:r>
+            <a:endParaRPr lang="en-US" dirty="0">
+              <a:latin typeface="Consolas" panose="020B0609020204030204" pitchFamily="49" charset="0"/>
+            </a:endParaRPr>
+          </a:p>
+        </p:txBody>
+      </p:sp>
+    </p:spTree>
+    <p:extLst>
+      <p:ext uri="{BB962C8B-B14F-4D97-AF65-F5344CB8AC3E}">
+        <p14:creationId xmlns:p14="http://schemas.microsoft.com/office/powerpoint/2010/main" val="4116638235"/>
+      </p:ext>
+    </p:extLst>
+  </p:cSld>
+  <p:clrMapOvr>
+    <a:masterClrMapping/>
+  </p:clrMapOvr>
+  <mc:AlternateContent xmlns:mc="http://schemas.openxmlformats.org/markup-compatibility/2006" xmlns:p14="http://schemas.microsoft.com/office/powerpoint/2010/main">
+    <mc:Choice Requires="p14">
+      <p:transition p14:dur="250">
+        <p14:reveal/>
+      </p:transition>
+    </mc:Choice>
+    <mc:Fallback xmlns="">
+      <p:transition>
+        <p:fade/>
+      </p:transition>
+    </mc:Fallback>
+  </mc:AlternateContent>
+  <p:timing>
+    <p:tnLst>
+      <p:par>
+        <p:cTn id="1" dur="indefinite" restart="never" nodeType="tmRoot"/>
+      </p:par>
+    </p:tnLst>
+  </p:timing>
+</p:sld>
+</file>
+
+<file path=ppt/slides/slide25.xml><?xml version="1.0" encoding="utf-8"?>
+<p:sld xmlns:a="http://schemas.openxmlformats.org/drawingml/2006/main" xmlns:r="http://schemas.openxmlformats.org/officeDocument/2006/relationships" xmlns:p="http://schemas.openxmlformats.org/presentationml/2006/main">
+  <p:cSld>
+    <p:spTree>
+      <p:nvGrpSpPr>
+        <p:cNvPr id="1" name=""/>
+        <p:cNvGrpSpPr/>
+        <p:nvPr/>
+      </p:nvGrpSpPr>
+      <p:grpSpPr>
+        <a:xfrm>
+          <a:off x="0" y="0"/>
+          <a:ext cx="0" cy="0"/>
+          <a:chOff x="0" y="0"/>
+          <a:chExt cx="0" cy="0"/>
+        </a:xfrm>
+      </p:grpSpPr>
+      <p:sp>
+        <p:nvSpPr>
+          <p:cNvPr id="2" name="Title 1"/>
+          <p:cNvSpPr>
+            <a:spLocks noGrp="1"/>
+          </p:cNvSpPr>
+          <p:nvPr>
+            <p:ph type="title"/>
+          </p:nvPr>
+        </p:nvSpPr>
+        <p:spPr/>
+        <p:txBody>
+          <a:bodyPr/>
+          <a:lstStyle/>
+          <a:p>
+            <a:endParaRPr lang="en-US"/>
+          </a:p>
+        </p:txBody>
+      </p:sp>
+      <p:sp>
+        <p:nvSpPr>
+          <p:cNvPr id="3" name="Content Placeholder 2"/>
+          <p:cNvSpPr>
+            <a:spLocks noGrp="1"/>
+          </p:cNvSpPr>
+          <p:nvPr>
+            <p:ph idx="1"/>
+          </p:nvPr>
+        </p:nvSpPr>
+        <p:spPr/>
+        <p:txBody>
+          <a:bodyPr>
+            <a:normAutofit lnSpcReduction="10000"/>
+          </a:bodyPr>
+          <a:lstStyle/>
+          <a:p>
+            <a:r>
+              <a:rPr lang="en-US" dirty="0" err="1" smtClean="0"/>
+              <a:t>SyncAdapters</a:t>
+            </a:r>
+            <a:r>
+              <a:rPr lang="en-US" dirty="0" smtClean="0"/>
+              <a:t> can be used to:</a:t>
+            </a:r>
+          </a:p>
+          <a:p>
+            <a:pPr lvl="1"/>
+            <a:r>
+              <a:rPr lang="en-US" dirty="0" smtClean="0"/>
+              <a:t>fetch </a:t>
+            </a:r>
+            <a:r>
+              <a:rPr lang="en-US" dirty="0"/>
+              <a:t>background data for an </a:t>
+            </a:r>
+            <a:r>
+              <a:rPr lang="en-US" dirty="0" smtClean="0"/>
+              <a:t>app.</a:t>
+            </a:r>
+          </a:p>
+          <a:p>
+            <a:pPr lvl="1"/>
+            <a:r>
+              <a:rPr lang="en-US" dirty="0" smtClean="0"/>
+              <a:t>execute </a:t>
+            </a:r>
+            <a:r>
+              <a:rPr lang="en-US" dirty="0"/>
+              <a:t>your data transfer code at configurable intervals, while efficiently using battery and other system </a:t>
+            </a:r>
+            <a:r>
+              <a:rPr lang="en-US" dirty="0" smtClean="0"/>
+              <a:t>resources</a:t>
+            </a:r>
+            <a:endParaRPr lang="en-US" dirty="0"/>
+          </a:p>
+          <a:p>
+            <a:r>
+              <a:rPr lang="en-US" dirty="0" smtClean="0"/>
+              <a:t>Elements </a:t>
+            </a:r>
+            <a:r>
+              <a:rPr lang="en-US" dirty="0"/>
+              <a:t>of a sync </a:t>
+            </a:r>
+            <a:r>
+              <a:rPr lang="en-US" dirty="0" smtClean="0"/>
+              <a:t>adapter:</a:t>
+            </a:r>
+            <a:endParaRPr lang="en-US" dirty="0"/>
+          </a:p>
+          <a:p>
+            <a:pPr lvl="1"/>
+            <a:r>
+              <a:rPr lang="en-US" dirty="0"/>
+              <a:t>Creates a sync adapter class.</a:t>
+            </a:r>
+          </a:p>
+          <a:p>
+            <a:pPr lvl="1"/>
+            <a:r>
+              <a:rPr lang="en-US" dirty="0"/>
+              <a:t>Creates a bound Service which the OS uses to initiate a sync.</a:t>
+            </a:r>
+          </a:p>
+          <a:p>
+            <a:pPr lvl="1"/>
+            <a:r>
+              <a:rPr lang="en-US" dirty="0"/>
+              <a:t>Defines the sync adapter properties in an XML resource file.</a:t>
+            </a:r>
+          </a:p>
+          <a:p>
+            <a:pPr lvl="1"/>
+            <a:r>
+              <a:rPr lang="en-US" dirty="0"/>
+              <a:t>Declares the bound Service in the app manifest.</a:t>
+            </a:r>
+          </a:p>
+        </p:txBody>
+      </p:sp>
+    </p:spTree>
+    <p:extLst>
+      <p:ext uri="{BB962C8B-B14F-4D97-AF65-F5344CB8AC3E}">
+        <p14:creationId xmlns:p14="http://schemas.microsoft.com/office/powerpoint/2010/main" val="2364295274"/>
+      </p:ext>
+    </p:extLst>
+  </p:cSld>
+  <p:clrMapOvr>
+    <a:masterClrMapping/>
+  </p:clrMapOvr>
+  <mc:AlternateContent xmlns:mc="http://schemas.openxmlformats.org/markup-compatibility/2006" xmlns:p14="http://schemas.microsoft.com/office/powerpoint/2010/main">
+    <mc:Choice Requires="p14">
+      <p:transition p14:dur="250">
+        <p14:reveal/>
+      </p:transition>
+    </mc:Choice>
+    <mc:Fallback xmlns="">
+      <p:transition>
+        <p:fade/>
+      </p:transition>
+    </mc:Fallback>
+  </mc:AlternateContent>
+  <p:timing>
+    <p:tnLst>
+      <p:par>
+        <p:cTn id="1" dur="indefinite" restart="never" nodeType="tmRoot"/>
+      </p:par>
+    </p:tnLst>
+  </p:timing>
+</p:sld>
+</file>
+
+<file path=ppt/slides/slide26.xml><?xml version="1.0" encoding="utf-8"?>
+<p:sld xmlns:a="http://schemas.openxmlformats.org/drawingml/2006/main" xmlns:r="http://schemas.openxmlformats.org/officeDocument/2006/relationships" xmlns:p="http://schemas.openxmlformats.org/presentationml/2006/main">
+  <p:cSld>
+    <p:spTree>
+      <p:nvGrpSpPr>
+        <p:cNvPr id="1" name=""/>
+        <p:cNvGrpSpPr/>
+        <p:nvPr/>
+      </p:nvGrpSpPr>
+      <p:grpSpPr>
+        <a:xfrm>
+          <a:off x="0" y="0"/>
+          <a:ext cx="0" cy="0"/>
+          <a:chOff x="0" y="0"/>
+          <a:chExt cx="0" cy="0"/>
+        </a:xfrm>
+      </p:grpSpPr>
+      <p:sp>
+        <p:nvSpPr>
           <p:cNvPr id="3" name="Title 2"/>
           <p:cNvSpPr>
             <a:spLocks noGrp="1"/>
@@ -19731,7 +24200,7 @@
 </p:sld>
 </file>
 
-<file path=ppt/slides/slide24.xml><?xml version="1.0" encoding="utf-8"?>
+<file path=ppt/slides/slide27.xml><?xml version="1.0" encoding="utf-8"?>
 <p:sld xmlns:a="http://schemas.openxmlformats.org/drawingml/2006/main" xmlns:r="http://schemas.openxmlformats.org/officeDocument/2006/relationships" xmlns:p="http://schemas.openxmlformats.org/presentationml/2006/main">
   <p:cSld>
     <p:spTree>
@@ -19887,7 +24356,7 @@
 </p:sld>
 </file>
 
-<file path=ppt/slides/slide25.xml><?xml version="1.0" encoding="utf-8"?>
+<file path=ppt/slides/slide28.xml><?xml version="1.0" encoding="utf-8"?>
 <p:sld xmlns:a="http://schemas.openxmlformats.org/drawingml/2006/main" xmlns:r="http://schemas.openxmlformats.org/officeDocument/2006/relationships" xmlns:p="http://schemas.openxmlformats.org/presentationml/2006/main">
   <p:cSld>
     <p:spTree>
@@ -21016,7 +25485,7 @@
             <a:avLst/>
           </a:prstGeom>
           <a:solidFill>
-            <a:srgbClr val="F8C02B"/>
+            <a:srgbClr val="E2A908"/>
           </a:solidFill>
           <a:ln/>
         </p:spPr>
@@ -21107,70 +25576,6 @@
               <a:solidFill>
                 <a:schemeClr val="bg1"/>
               </a:solidFill>
-            </a:endParaRPr>
-          </a:p>
-        </p:txBody>
-      </p:sp>
-      <p:sp>
-        <p:nvSpPr>
-          <p:cNvPr id="15" name="Cloud 14"/>
-          <p:cNvSpPr/>
-          <p:nvPr/>
-        </p:nvSpPr>
-        <p:spPr>
-          <a:xfrm>
-            <a:off x="9955323" y="5517232"/>
-            <a:ext cx="2088232" cy="1484784"/>
-          </a:xfrm>
-          <a:prstGeom prst="cloud">
-            <a:avLst/>
-          </a:prstGeom>
-          <a:solidFill>
-            <a:schemeClr val="bg1">
-              <a:lumMod val="65000"/>
-            </a:schemeClr>
-          </a:solidFill>
-          <a:ln>
-            <a:solidFill>
-              <a:schemeClr val="bg1"/>
-            </a:solidFill>
-          </a:ln>
-        </p:spPr>
-        <p:style>
-          <a:lnRef idx="2">
-            <a:schemeClr val="accent1">
-              <a:shade val="50000"/>
-            </a:schemeClr>
-          </a:lnRef>
-          <a:fillRef idx="1">
-            <a:schemeClr val="accent1"/>
-          </a:fillRef>
-          <a:effectRef idx="0">
-            <a:schemeClr val="accent1"/>
-          </a:effectRef>
-          <a:fontRef idx="minor">
-            <a:schemeClr val="lt1"/>
-          </a:fontRef>
-        </p:style>
-        <p:txBody>
-          <a:bodyPr rtlCol="0" anchor="ctr"/>
-          <a:lstStyle/>
-          <a:p>
-            <a:pPr algn="ctr"/>
-            <a:r>
-              <a:rPr lang="en-US" dirty="0" err="1" smtClean="0">
-                <a:latin typeface="Arial Black" panose="020B0A04020102020204" pitchFamily="34" charset="0"/>
-              </a:rPr>
-              <a:t>ze</a:t>
-            </a:r>
-            <a:r>
-              <a:rPr lang="en-US" dirty="0" smtClean="0">
-                <a:latin typeface="Arial Black" panose="020B0A04020102020204" pitchFamily="34" charset="0"/>
-              </a:rPr>
-              <a:t> internet</a:t>
-            </a:r>
-            <a:endParaRPr lang="en-US" dirty="0">
-              <a:latin typeface="Arial Black" panose="020B0A04020102020204" pitchFamily="34" charset="0"/>
             </a:endParaRPr>
           </a:p>
         </p:txBody>
@@ -21324,6 +25729,94 @@
           </a:effectLst>
         </p:spPr>
       </p:pic>
+      <p:grpSp>
+        <p:nvGrpSpPr>
+          <p:cNvPr id="9" name="Group 8"/>
+          <p:cNvGrpSpPr/>
+          <p:nvPr/>
+        </p:nvGrpSpPr>
+        <p:grpSpPr>
+          <a:xfrm>
+            <a:off x="9961801" y="5554834"/>
+            <a:ext cx="2158018" cy="1127061"/>
+            <a:chOff x="9711303" y="2010891"/>
+            <a:chExt cx="2158018" cy="1127061"/>
+          </a:xfrm>
+        </p:grpSpPr>
+        <p:pic>
+          <p:nvPicPr>
+            <p:cNvPr id="10" name="Picture 9"/>
+            <p:cNvPicPr>
+              <a:picLocks noChangeAspect="1"/>
+            </p:cNvPicPr>
+            <p:nvPr/>
+          </p:nvPicPr>
+          <p:blipFill>
+            <a:blip r:embed="rId4" cstate="print">
+              <a:extLst>
+                <a:ext uri="{28A0092B-C50C-407E-A947-70E740481C1C}">
+                  <a14:useLocalDpi xmlns:a14="http://schemas.microsoft.com/office/drawing/2010/main" val="0"/>
+                </a:ext>
+              </a:extLst>
+            </a:blip>
+            <a:stretch>
+              <a:fillRect/>
+            </a:stretch>
+          </p:blipFill>
+          <p:spPr>
+            <a:xfrm>
+              <a:off x="9711303" y="2010891"/>
+              <a:ext cx="2158018" cy="1127061"/>
+            </a:xfrm>
+            <a:prstGeom prst="rect">
+              <a:avLst/>
+            </a:prstGeom>
+          </p:spPr>
+        </p:pic>
+        <p:sp>
+          <p:nvSpPr>
+            <p:cNvPr id="12" name="Rectangle 11"/>
+            <p:cNvSpPr/>
+            <p:nvPr/>
+          </p:nvSpPr>
+          <p:spPr>
+            <a:xfrm>
+              <a:off x="10024596" y="2492896"/>
+              <a:ext cx="1544012" cy="400110"/>
+            </a:xfrm>
+            <a:prstGeom prst="rect">
+              <a:avLst/>
+            </a:prstGeom>
+          </p:spPr>
+          <p:txBody>
+            <a:bodyPr wrap="none">
+              <a:spAutoFit/>
+            </a:bodyPr>
+            <a:lstStyle/>
+            <a:p>
+              <a:pPr algn="ctr"/>
+              <a:r>
+                <a:rPr lang="en-US" sz="2000" dirty="0" err="1">
+                  <a:latin typeface="MV Boli" panose="02000500030200090000" pitchFamily="2" charset="0"/>
+                  <a:cs typeface="MV Boli" panose="02000500030200090000" pitchFamily="2" charset="0"/>
+                </a:rPr>
+                <a:t>ze</a:t>
+              </a:r>
+              <a:r>
+                <a:rPr lang="en-US" sz="2000" dirty="0">
+                  <a:latin typeface="MV Boli" panose="02000500030200090000" pitchFamily="2" charset="0"/>
+                  <a:cs typeface="MV Boli" panose="02000500030200090000" pitchFamily="2" charset="0"/>
+                </a:rPr>
+                <a:t> internet</a:t>
+              </a:r>
+              <a:endParaRPr lang="en-US" sz="2000" dirty="0">
+                <a:latin typeface="MV Boli" panose="02000500030200090000" pitchFamily="2" charset="0"/>
+                <a:cs typeface="MV Boli" panose="02000500030200090000" pitchFamily="2" charset="0"/>
+              </a:endParaRPr>
+            </a:p>
+          </p:txBody>
+        </p:sp>
+      </p:grpSp>
     </p:spTree>
     <p:extLst>
       <p:ext uri="{BB962C8B-B14F-4D97-AF65-F5344CB8AC3E}">
@@ -21334,13 +25827,13 @@
   <p:clrMapOvr>
     <a:masterClrMapping/>
   </p:clrMapOvr>
-  <mc:AlternateContent xmlns:mc="http://schemas.openxmlformats.org/markup-compatibility/2006">
-    <mc:Choice xmlns:p14="http://schemas.microsoft.com/office/powerpoint/2010/main" Requires="p14">
+  <mc:AlternateContent xmlns:mc="http://schemas.openxmlformats.org/markup-compatibility/2006" xmlns:p14="http://schemas.microsoft.com/office/powerpoint/2010/main">
+    <mc:Choice Requires="p14">
       <p:transition p14:dur="250">
         <p14:reveal/>
       </p:transition>
     </mc:Choice>
-    <mc:Fallback>
+    <mc:Fallback xmlns="">
       <p:transition>
         <p:fade/>
       </p:transition>
@@ -21517,7 +26010,7 @@
             <a:avLst/>
           </a:prstGeom>
           <a:solidFill>
-            <a:srgbClr val="F8C02B"/>
+            <a:srgbClr val="E2A908"/>
           </a:solidFill>
           <a:ln/>
         </p:spPr>
@@ -21608,70 +26101,6 @@
               <a:solidFill>
                 <a:schemeClr val="bg1"/>
               </a:solidFill>
-            </a:endParaRPr>
-          </a:p>
-        </p:txBody>
-      </p:sp>
-      <p:sp>
-        <p:nvSpPr>
-          <p:cNvPr id="15" name="Cloud 14"/>
-          <p:cNvSpPr/>
-          <p:nvPr/>
-        </p:nvSpPr>
-        <p:spPr>
-          <a:xfrm>
-            <a:off x="9955323" y="5517232"/>
-            <a:ext cx="2088232" cy="1484784"/>
-          </a:xfrm>
-          <a:prstGeom prst="cloud">
-            <a:avLst/>
-          </a:prstGeom>
-          <a:solidFill>
-            <a:schemeClr val="bg1">
-              <a:lumMod val="65000"/>
-            </a:schemeClr>
-          </a:solidFill>
-          <a:ln>
-            <a:solidFill>
-              <a:schemeClr val="bg1"/>
-            </a:solidFill>
-          </a:ln>
-        </p:spPr>
-        <p:style>
-          <a:lnRef idx="2">
-            <a:schemeClr val="accent1">
-              <a:shade val="50000"/>
-            </a:schemeClr>
-          </a:lnRef>
-          <a:fillRef idx="1">
-            <a:schemeClr val="accent1"/>
-          </a:fillRef>
-          <a:effectRef idx="0">
-            <a:schemeClr val="accent1"/>
-          </a:effectRef>
-          <a:fontRef idx="minor">
-            <a:schemeClr val="lt1"/>
-          </a:fontRef>
-        </p:style>
-        <p:txBody>
-          <a:bodyPr rtlCol="0" anchor="ctr"/>
-          <a:lstStyle/>
-          <a:p>
-            <a:pPr algn="ctr"/>
-            <a:r>
-              <a:rPr lang="en-US" dirty="0" err="1" smtClean="0">
-                <a:latin typeface="Arial Black" panose="020B0A04020102020204" pitchFamily="34" charset="0"/>
-              </a:rPr>
-              <a:t>ze</a:t>
-            </a:r>
-            <a:r>
-              <a:rPr lang="en-US" dirty="0" smtClean="0">
-                <a:latin typeface="Arial Black" panose="020B0A04020102020204" pitchFamily="34" charset="0"/>
-              </a:rPr>
-              <a:t> internet</a:t>
-            </a:r>
-            <a:endParaRPr lang="en-US" dirty="0">
-              <a:latin typeface="Arial Black" panose="020B0A04020102020204" pitchFamily="34" charset="0"/>
             </a:endParaRPr>
           </a:p>
         </p:txBody>
@@ -21864,6 +26293,94 @@
           </a:p>
         </p:txBody>
       </p:sp>
+      <p:grpSp>
+        <p:nvGrpSpPr>
+          <p:cNvPr id="9" name="Group 8"/>
+          <p:cNvGrpSpPr/>
+          <p:nvPr/>
+        </p:nvGrpSpPr>
+        <p:grpSpPr>
+          <a:xfrm>
+            <a:off x="9961801" y="5554834"/>
+            <a:ext cx="2158018" cy="1127061"/>
+            <a:chOff x="9711303" y="2010891"/>
+            <a:chExt cx="2158018" cy="1127061"/>
+          </a:xfrm>
+        </p:grpSpPr>
+        <p:pic>
+          <p:nvPicPr>
+            <p:cNvPr id="10" name="Picture 9"/>
+            <p:cNvPicPr>
+              <a:picLocks noChangeAspect="1"/>
+            </p:cNvPicPr>
+            <p:nvPr/>
+          </p:nvPicPr>
+          <p:blipFill>
+            <a:blip r:embed="rId2" cstate="print">
+              <a:extLst>
+                <a:ext uri="{28A0092B-C50C-407E-A947-70E740481C1C}">
+                  <a14:useLocalDpi xmlns:a14="http://schemas.microsoft.com/office/drawing/2010/main" val="0"/>
+                </a:ext>
+              </a:extLst>
+            </a:blip>
+            <a:stretch>
+              <a:fillRect/>
+            </a:stretch>
+          </p:blipFill>
+          <p:spPr>
+            <a:xfrm>
+              <a:off x="9711303" y="2010891"/>
+              <a:ext cx="2158018" cy="1127061"/>
+            </a:xfrm>
+            <a:prstGeom prst="rect">
+              <a:avLst/>
+            </a:prstGeom>
+          </p:spPr>
+        </p:pic>
+        <p:sp>
+          <p:nvSpPr>
+            <p:cNvPr id="11" name="Rectangle 10"/>
+            <p:cNvSpPr/>
+            <p:nvPr/>
+          </p:nvSpPr>
+          <p:spPr>
+            <a:xfrm>
+              <a:off x="10024596" y="2492896"/>
+              <a:ext cx="1544012" cy="400110"/>
+            </a:xfrm>
+            <a:prstGeom prst="rect">
+              <a:avLst/>
+            </a:prstGeom>
+          </p:spPr>
+          <p:txBody>
+            <a:bodyPr wrap="none">
+              <a:spAutoFit/>
+            </a:bodyPr>
+            <a:lstStyle/>
+            <a:p>
+              <a:pPr algn="ctr"/>
+              <a:r>
+                <a:rPr lang="en-US" sz="2000" dirty="0" err="1">
+                  <a:latin typeface="MV Boli" panose="02000500030200090000" pitchFamily="2" charset="0"/>
+                  <a:cs typeface="MV Boli" panose="02000500030200090000" pitchFamily="2" charset="0"/>
+                </a:rPr>
+                <a:t>ze</a:t>
+              </a:r>
+              <a:r>
+                <a:rPr lang="en-US" sz="2000" dirty="0">
+                  <a:latin typeface="MV Boli" panose="02000500030200090000" pitchFamily="2" charset="0"/>
+                  <a:cs typeface="MV Boli" panose="02000500030200090000" pitchFamily="2" charset="0"/>
+                </a:rPr>
+                <a:t> internet</a:t>
+              </a:r>
+              <a:endParaRPr lang="en-US" sz="2000" dirty="0">
+                <a:latin typeface="MV Boli" panose="02000500030200090000" pitchFamily="2" charset="0"/>
+                <a:cs typeface="MV Boli" panose="02000500030200090000" pitchFamily="2" charset="0"/>
+              </a:endParaRPr>
+            </a:p>
+          </p:txBody>
+        </p:sp>
+      </p:grpSp>
     </p:spTree>
     <p:extLst>
       <p:ext uri="{BB962C8B-B14F-4D97-AF65-F5344CB8AC3E}">
@@ -22089,7 +26606,7 @@
             <a:avLst/>
           </a:prstGeom>
           <a:solidFill>
-            <a:srgbClr val="F8C02B"/>
+            <a:srgbClr val="E2A908"/>
           </a:solidFill>
           <a:ln/>
         </p:spPr>
@@ -22180,70 +26697,6 @@
               <a:solidFill>
                 <a:schemeClr val="bg1"/>
               </a:solidFill>
-            </a:endParaRPr>
-          </a:p>
-        </p:txBody>
-      </p:sp>
-      <p:sp>
-        <p:nvSpPr>
-          <p:cNvPr id="15" name="Cloud 14"/>
-          <p:cNvSpPr/>
-          <p:nvPr/>
-        </p:nvSpPr>
-        <p:spPr>
-          <a:xfrm>
-            <a:off x="9955323" y="5517232"/>
-            <a:ext cx="2088232" cy="1484784"/>
-          </a:xfrm>
-          <a:prstGeom prst="cloud">
-            <a:avLst/>
-          </a:prstGeom>
-          <a:solidFill>
-            <a:schemeClr val="bg1">
-              <a:lumMod val="65000"/>
-            </a:schemeClr>
-          </a:solidFill>
-          <a:ln>
-            <a:solidFill>
-              <a:schemeClr val="bg1"/>
-            </a:solidFill>
-          </a:ln>
-        </p:spPr>
-        <p:style>
-          <a:lnRef idx="2">
-            <a:schemeClr val="accent1">
-              <a:shade val="50000"/>
-            </a:schemeClr>
-          </a:lnRef>
-          <a:fillRef idx="1">
-            <a:schemeClr val="accent1"/>
-          </a:fillRef>
-          <a:effectRef idx="0">
-            <a:schemeClr val="accent1"/>
-          </a:effectRef>
-          <a:fontRef idx="minor">
-            <a:schemeClr val="lt1"/>
-          </a:fontRef>
-        </p:style>
-        <p:txBody>
-          <a:bodyPr rtlCol="0" anchor="ctr"/>
-          <a:lstStyle/>
-          <a:p>
-            <a:pPr algn="ctr"/>
-            <a:r>
-              <a:rPr lang="en-US" dirty="0" err="1" smtClean="0">
-                <a:latin typeface="Arial Black" panose="020B0A04020102020204" pitchFamily="34" charset="0"/>
-              </a:rPr>
-              <a:t>ze</a:t>
-            </a:r>
-            <a:r>
-              <a:rPr lang="en-US" dirty="0" smtClean="0">
-                <a:latin typeface="Arial Black" panose="020B0A04020102020204" pitchFamily="34" charset="0"/>
-              </a:rPr>
-              <a:t> internet</a:t>
-            </a:r>
-            <a:endParaRPr lang="en-US" dirty="0">
-              <a:latin typeface="Arial Black" panose="020B0A04020102020204" pitchFamily="34" charset="0"/>
             </a:endParaRPr>
           </a:p>
         </p:txBody>
@@ -22328,14 +26781,14 @@
             <a:r>
               <a:rPr lang="en-US" sz="2000" b="1" dirty="0" err="1" smtClean="0">
                 <a:solidFill>
-                  <a:srgbClr val="F8C02B"/>
+                  <a:srgbClr val="E2A908"/>
                 </a:solidFill>
               </a:rPr>
               <a:t>FragmentX</a:t>
             </a:r>
             <a:endParaRPr lang="en-US" sz="2000" b="1" dirty="0">
               <a:solidFill>
-                <a:srgbClr val="F8C02B"/>
+                <a:srgbClr val="E2A908"/>
               </a:solidFill>
             </a:endParaRPr>
           </a:p>
@@ -22382,14 +26835,14 @@
             <a:r>
               <a:rPr lang="en-US" sz="2000" b="1" dirty="0" err="1" smtClean="0">
                 <a:solidFill>
-                  <a:srgbClr val="F8C02B"/>
+                  <a:srgbClr val="E2A908"/>
                 </a:solidFill>
               </a:rPr>
               <a:t>ActivityA</a:t>
             </a:r>
             <a:endParaRPr lang="en-US" sz="2000" b="1" dirty="0">
               <a:solidFill>
-                <a:srgbClr val="F8C02B"/>
+                <a:srgbClr val="E2A908"/>
               </a:solidFill>
             </a:endParaRPr>
           </a:p>
@@ -22436,14 +26889,14 @@
             <a:r>
               <a:rPr lang="en-US" sz="2000" b="1" dirty="0" err="1" smtClean="0">
                 <a:solidFill>
-                  <a:srgbClr val="F8C02B"/>
+                  <a:srgbClr val="E2A908"/>
                 </a:solidFill>
               </a:rPr>
               <a:t>FragmentY</a:t>
             </a:r>
             <a:endParaRPr lang="en-US" sz="2000" b="1" dirty="0">
               <a:solidFill>
-                <a:srgbClr val="F8C02B"/>
+                <a:srgbClr val="E2A908"/>
               </a:solidFill>
             </a:endParaRPr>
           </a:p>
@@ -22827,6 +27280,94 @@
           </a:p>
         </p:txBody>
       </p:sp>
+      <p:grpSp>
+        <p:nvGrpSpPr>
+          <p:cNvPr id="17" name="Group 16"/>
+          <p:cNvGrpSpPr/>
+          <p:nvPr/>
+        </p:nvGrpSpPr>
+        <p:grpSpPr>
+          <a:xfrm>
+            <a:off x="9961801" y="5554834"/>
+            <a:ext cx="2158018" cy="1127061"/>
+            <a:chOff x="9711303" y="2010891"/>
+            <a:chExt cx="2158018" cy="1127061"/>
+          </a:xfrm>
+        </p:grpSpPr>
+        <p:pic>
+          <p:nvPicPr>
+            <p:cNvPr id="19" name="Picture 18"/>
+            <p:cNvPicPr>
+              <a:picLocks noChangeAspect="1"/>
+            </p:cNvPicPr>
+            <p:nvPr/>
+          </p:nvPicPr>
+          <p:blipFill>
+            <a:blip r:embed="rId2" cstate="print">
+              <a:extLst>
+                <a:ext uri="{28A0092B-C50C-407E-A947-70E740481C1C}">
+                  <a14:useLocalDpi xmlns:a14="http://schemas.microsoft.com/office/drawing/2010/main" val="0"/>
+                </a:ext>
+              </a:extLst>
+            </a:blip>
+            <a:stretch>
+              <a:fillRect/>
+            </a:stretch>
+          </p:blipFill>
+          <p:spPr>
+            <a:xfrm>
+              <a:off x="9711303" y="2010891"/>
+              <a:ext cx="2158018" cy="1127061"/>
+            </a:xfrm>
+            <a:prstGeom prst="rect">
+              <a:avLst/>
+            </a:prstGeom>
+          </p:spPr>
+        </p:pic>
+        <p:sp>
+          <p:nvSpPr>
+            <p:cNvPr id="20" name="Rectangle 19"/>
+            <p:cNvSpPr/>
+            <p:nvPr/>
+          </p:nvSpPr>
+          <p:spPr>
+            <a:xfrm>
+              <a:off x="10024596" y="2492896"/>
+              <a:ext cx="1544012" cy="400110"/>
+            </a:xfrm>
+            <a:prstGeom prst="rect">
+              <a:avLst/>
+            </a:prstGeom>
+          </p:spPr>
+          <p:txBody>
+            <a:bodyPr wrap="none">
+              <a:spAutoFit/>
+            </a:bodyPr>
+            <a:lstStyle/>
+            <a:p>
+              <a:pPr algn="ctr"/>
+              <a:r>
+                <a:rPr lang="en-US" sz="2000" dirty="0" err="1">
+                  <a:latin typeface="MV Boli" panose="02000500030200090000" pitchFamily="2" charset="0"/>
+                  <a:cs typeface="MV Boli" panose="02000500030200090000" pitchFamily="2" charset="0"/>
+                </a:rPr>
+                <a:t>ze</a:t>
+              </a:r>
+              <a:r>
+                <a:rPr lang="en-US" sz="2000" dirty="0">
+                  <a:latin typeface="MV Boli" panose="02000500030200090000" pitchFamily="2" charset="0"/>
+                  <a:cs typeface="MV Boli" panose="02000500030200090000" pitchFamily="2" charset="0"/>
+                </a:rPr>
+                <a:t> internet</a:t>
+              </a:r>
+              <a:endParaRPr lang="en-US" sz="2000" dirty="0">
+                <a:latin typeface="MV Boli" panose="02000500030200090000" pitchFamily="2" charset="0"/>
+                <a:cs typeface="MV Boli" panose="02000500030200090000" pitchFamily="2" charset="0"/>
+              </a:endParaRPr>
+            </a:p>
+          </p:txBody>
+        </p:sp>
+      </p:grpSp>
     </p:spTree>
     <p:extLst>
       <p:ext uri="{BB962C8B-B14F-4D97-AF65-F5344CB8AC3E}">
@@ -23216,7 +27757,7 @@
             <a:avLst/>
           </a:prstGeom>
           <a:solidFill>
-            <a:srgbClr val="F8C02B"/>
+            <a:srgbClr val="E2A908"/>
           </a:solidFill>
           <a:ln/>
         </p:spPr>
@@ -23307,70 +27848,6 @@
               <a:solidFill>
                 <a:schemeClr val="bg1"/>
               </a:solidFill>
-            </a:endParaRPr>
-          </a:p>
-        </p:txBody>
-      </p:sp>
-      <p:sp>
-        <p:nvSpPr>
-          <p:cNvPr id="15" name="Cloud 14"/>
-          <p:cNvSpPr/>
-          <p:nvPr/>
-        </p:nvSpPr>
-        <p:spPr>
-          <a:xfrm>
-            <a:off x="9955323" y="5517232"/>
-            <a:ext cx="2088232" cy="1484784"/>
-          </a:xfrm>
-          <a:prstGeom prst="cloud">
-            <a:avLst/>
-          </a:prstGeom>
-          <a:solidFill>
-            <a:schemeClr val="bg1">
-              <a:lumMod val="65000"/>
-            </a:schemeClr>
-          </a:solidFill>
-          <a:ln>
-            <a:solidFill>
-              <a:schemeClr val="bg1"/>
-            </a:solidFill>
-          </a:ln>
-        </p:spPr>
-        <p:style>
-          <a:lnRef idx="2">
-            <a:schemeClr val="accent1">
-              <a:shade val="50000"/>
-            </a:schemeClr>
-          </a:lnRef>
-          <a:fillRef idx="1">
-            <a:schemeClr val="accent1"/>
-          </a:fillRef>
-          <a:effectRef idx="0">
-            <a:schemeClr val="accent1"/>
-          </a:effectRef>
-          <a:fontRef idx="minor">
-            <a:schemeClr val="lt1"/>
-          </a:fontRef>
-        </p:style>
-        <p:txBody>
-          <a:bodyPr rtlCol="0" anchor="ctr"/>
-          <a:lstStyle/>
-          <a:p>
-            <a:pPr algn="ctr"/>
-            <a:r>
-              <a:rPr lang="en-US" dirty="0" err="1" smtClean="0">
-                <a:latin typeface="Arial Black" panose="020B0A04020102020204" pitchFamily="34" charset="0"/>
-              </a:rPr>
-              <a:t>ze</a:t>
-            </a:r>
-            <a:r>
-              <a:rPr lang="en-US" dirty="0" smtClean="0">
-                <a:latin typeface="Arial Black" panose="020B0A04020102020204" pitchFamily="34" charset="0"/>
-              </a:rPr>
-              <a:t> internet</a:t>
-            </a:r>
-            <a:endParaRPr lang="en-US" dirty="0">
-              <a:latin typeface="Arial Black" panose="020B0A04020102020204" pitchFamily="34" charset="0"/>
             </a:endParaRPr>
           </a:p>
         </p:txBody>
@@ -23454,6 +27931,94 @@
           </a:fontRef>
         </p:style>
       </p:cxnSp>
+      <p:grpSp>
+        <p:nvGrpSpPr>
+          <p:cNvPr id="7" name="Group 6"/>
+          <p:cNvGrpSpPr/>
+          <p:nvPr/>
+        </p:nvGrpSpPr>
+        <p:grpSpPr>
+          <a:xfrm>
+            <a:off x="9961801" y="5554834"/>
+            <a:ext cx="2158018" cy="1127061"/>
+            <a:chOff x="9711303" y="2010891"/>
+            <a:chExt cx="2158018" cy="1127061"/>
+          </a:xfrm>
+        </p:grpSpPr>
+        <p:pic>
+          <p:nvPicPr>
+            <p:cNvPr id="8" name="Picture 7"/>
+            <p:cNvPicPr>
+              <a:picLocks noChangeAspect="1"/>
+            </p:cNvPicPr>
+            <p:nvPr/>
+          </p:nvPicPr>
+          <p:blipFill>
+            <a:blip r:embed="rId2" cstate="print">
+              <a:extLst>
+                <a:ext uri="{28A0092B-C50C-407E-A947-70E740481C1C}">
+                  <a14:useLocalDpi xmlns:a14="http://schemas.microsoft.com/office/drawing/2010/main" val="0"/>
+                </a:ext>
+              </a:extLst>
+            </a:blip>
+            <a:stretch>
+              <a:fillRect/>
+            </a:stretch>
+          </p:blipFill>
+          <p:spPr>
+            <a:xfrm>
+              <a:off x="9711303" y="2010891"/>
+              <a:ext cx="2158018" cy="1127061"/>
+            </a:xfrm>
+            <a:prstGeom prst="rect">
+              <a:avLst/>
+            </a:prstGeom>
+          </p:spPr>
+        </p:pic>
+        <p:sp>
+          <p:nvSpPr>
+            <p:cNvPr id="9" name="Rectangle 8"/>
+            <p:cNvSpPr/>
+            <p:nvPr/>
+          </p:nvSpPr>
+          <p:spPr>
+            <a:xfrm>
+              <a:off x="10024596" y="2492896"/>
+              <a:ext cx="1544012" cy="400110"/>
+            </a:xfrm>
+            <a:prstGeom prst="rect">
+              <a:avLst/>
+            </a:prstGeom>
+          </p:spPr>
+          <p:txBody>
+            <a:bodyPr wrap="none">
+              <a:spAutoFit/>
+            </a:bodyPr>
+            <a:lstStyle/>
+            <a:p>
+              <a:pPr algn="ctr"/>
+              <a:r>
+                <a:rPr lang="en-US" sz="2000" dirty="0" err="1">
+                  <a:latin typeface="MV Boli" panose="02000500030200090000" pitchFamily="2" charset="0"/>
+                  <a:cs typeface="MV Boli" panose="02000500030200090000" pitchFamily="2" charset="0"/>
+                </a:rPr>
+                <a:t>ze</a:t>
+              </a:r>
+              <a:r>
+                <a:rPr lang="en-US" sz="2000" dirty="0">
+                  <a:latin typeface="MV Boli" panose="02000500030200090000" pitchFamily="2" charset="0"/>
+                  <a:cs typeface="MV Boli" panose="02000500030200090000" pitchFamily="2" charset="0"/>
+                </a:rPr>
+                <a:t> internet</a:t>
+              </a:r>
+              <a:endParaRPr lang="en-US" sz="2000" dirty="0">
+                <a:latin typeface="MV Boli" panose="02000500030200090000" pitchFamily="2" charset="0"/>
+                <a:cs typeface="MV Boli" panose="02000500030200090000" pitchFamily="2" charset="0"/>
+              </a:endParaRPr>
+            </a:p>
+          </p:txBody>
+        </p:sp>
+      </p:grpSp>
     </p:spTree>
     <p:extLst>
       <p:ext uri="{BB962C8B-B14F-4D97-AF65-F5344CB8AC3E}">
@@ -23509,7 +28074,7 @@
             <a:avLst/>
           </a:prstGeom>
           <a:solidFill>
-            <a:srgbClr val="F8C02B"/>
+            <a:srgbClr val="E2A908"/>
           </a:solidFill>
           <a:ln/>
         </p:spPr>
@@ -23654,70 +28219,6 @@
               <a:solidFill>
                 <a:schemeClr val="bg1"/>
               </a:solidFill>
-            </a:endParaRPr>
-          </a:p>
-        </p:txBody>
-      </p:sp>
-      <p:sp>
-        <p:nvSpPr>
-          <p:cNvPr id="10" name="Cloud 9"/>
-          <p:cNvSpPr/>
-          <p:nvPr/>
-        </p:nvSpPr>
-        <p:spPr>
-          <a:xfrm>
-            <a:off x="9955323" y="5517232"/>
-            <a:ext cx="2088232" cy="1484784"/>
-          </a:xfrm>
-          <a:prstGeom prst="cloud">
-            <a:avLst/>
-          </a:prstGeom>
-          <a:solidFill>
-            <a:schemeClr val="bg1">
-              <a:lumMod val="65000"/>
-            </a:schemeClr>
-          </a:solidFill>
-          <a:ln>
-            <a:solidFill>
-              <a:schemeClr val="bg1"/>
-            </a:solidFill>
-          </a:ln>
-        </p:spPr>
-        <p:style>
-          <a:lnRef idx="2">
-            <a:schemeClr val="accent1">
-              <a:shade val="50000"/>
-            </a:schemeClr>
-          </a:lnRef>
-          <a:fillRef idx="1">
-            <a:schemeClr val="accent1"/>
-          </a:fillRef>
-          <a:effectRef idx="0">
-            <a:schemeClr val="accent1"/>
-          </a:effectRef>
-          <a:fontRef idx="minor">
-            <a:schemeClr val="lt1"/>
-          </a:fontRef>
-        </p:style>
-        <p:txBody>
-          <a:bodyPr rtlCol="0" anchor="ctr"/>
-          <a:lstStyle/>
-          <a:p>
-            <a:pPr algn="ctr"/>
-            <a:r>
-              <a:rPr lang="en-US" dirty="0" err="1" smtClean="0">
-                <a:latin typeface="Arial Black" panose="020B0A04020102020204" pitchFamily="34" charset="0"/>
-              </a:rPr>
-              <a:t>ze</a:t>
-            </a:r>
-            <a:r>
-              <a:rPr lang="en-US" dirty="0" smtClean="0">
-                <a:latin typeface="Arial Black" panose="020B0A04020102020204" pitchFamily="34" charset="0"/>
-              </a:rPr>
-              <a:t> internet</a:t>
-            </a:r>
-            <a:endParaRPr lang="en-US" dirty="0">
-              <a:latin typeface="Arial Black" panose="020B0A04020102020204" pitchFamily="34" charset="0"/>
             </a:endParaRPr>
           </a:p>
         </p:txBody>
@@ -23973,6 +28474,94 @@
           </a:p>
         </p:txBody>
       </p:sp>
+      <p:grpSp>
+        <p:nvGrpSpPr>
+          <p:cNvPr id="13" name="Group 12"/>
+          <p:cNvGrpSpPr/>
+          <p:nvPr/>
+        </p:nvGrpSpPr>
+        <p:grpSpPr>
+          <a:xfrm>
+            <a:off x="9961801" y="5554834"/>
+            <a:ext cx="2158018" cy="1127061"/>
+            <a:chOff x="9711303" y="2010891"/>
+            <a:chExt cx="2158018" cy="1127061"/>
+          </a:xfrm>
+        </p:grpSpPr>
+        <p:pic>
+          <p:nvPicPr>
+            <p:cNvPr id="14" name="Picture 13"/>
+            <p:cNvPicPr>
+              <a:picLocks noChangeAspect="1"/>
+            </p:cNvPicPr>
+            <p:nvPr/>
+          </p:nvPicPr>
+          <p:blipFill>
+            <a:blip r:embed="rId2" cstate="print">
+              <a:extLst>
+                <a:ext uri="{28A0092B-C50C-407E-A947-70E740481C1C}">
+                  <a14:useLocalDpi xmlns:a14="http://schemas.microsoft.com/office/drawing/2010/main" val="0"/>
+                </a:ext>
+              </a:extLst>
+            </a:blip>
+            <a:stretch>
+              <a:fillRect/>
+            </a:stretch>
+          </p:blipFill>
+          <p:spPr>
+            <a:xfrm>
+              <a:off x="9711303" y="2010891"/>
+              <a:ext cx="2158018" cy="1127061"/>
+            </a:xfrm>
+            <a:prstGeom prst="rect">
+              <a:avLst/>
+            </a:prstGeom>
+          </p:spPr>
+        </p:pic>
+        <p:sp>
+          <p:nvSpPr>
+            <p:cNvPr id="15" name="Rectangle 14"/>
+            <p:cNvSpPr/>
+            <p:nvPr/>
+          </p:nvSpPr>
+          <p:spPr>
+            <a:xfrm>
+              <a:off x="10024596" y="2492896"/>
+              <a:ext cx="1544012" cy="400110"/>
+            </a:xfrm>
+            <a:prstGeom prst="rect">
+              <a:avLst/>
+            </a:prstGeom>
+          </p:spPr>
+          <p:txBody>
+            <a:bodyPr wrap="none">
+              <a:spAutoFit/>
+            </a:bodyPr>
+            <a:lstStyle/>
+            <a:p>
+              <a:pPr algn="ctr"/>
+              <a:r>
+                <a:rPr lang="en-US" sz="2000" dirty="0" err="1">
+                  <a:latin typeface="MV Boli" panose="02000500030200090000" pitchFamily="2" charset="0"/>
+                  <a:cs typeface="MV Boli" panose="02000500030200090000" pitchFamily="2" charset="0"/>
+                </a:rPr>
+                <a:t>ze</a:t>
+              </a:r>
+              <a:r>
+                <a:rPr lang="en-US" sz="2000" dirty="0">
+                  <a:latin typeface="MV Boli" panose="02000500030200090000" pitchFamily="2" charset="0"/>
+                  <a:cs typeface="MV Boli" panose="02000500030200090000" pitchFamily="2" charset="0"/>
+                </a:rPr>
+                <a:t> internet</a:t>
+              </a:r>
+              <a:endParaRPr lang="en-US" sz="2000" dirty="0">
+                <a:latin typeface="MV Boli" panose="02000500030200090000" pitchFamily="2" charset="0"/>
+                <a:cs typeface="MV Boli" panose="02000500030200090000" pitchFamily="2" charset="0"/>
+              </a:endParaRPr>
+            </a:p>
+          </p:txBody>
+        </p:sp>
+      </p:grpSp>
     </p:spTree>
     <p:extLst>
       <p:ext uri="{BB962C8B-B14F-4D97-AF65-F5344CB8AC3E}">
@@ -24028,7 +28617,7 @@
             <a:avLst/>
           </a:prstGeom>
           <a:solidFill>
-            <a:srgbClr val="F8C02B"/>
+            <a:srgbClr val="E2A908"/>
           </a:solidFill>
           <a:ln/>
         </p:spPr>
@@ -24177,76 +28766,11 @@
           </a:p>
         </p:txBody>
       </p:sp>
-      <p:sp>
-        <p:nvSpPr>
-          <p:cNvPr id="10" name="Cloud 9"/>
-          <p:cNvSpPr/>
-          <p:nvPr/>
-        </p:nvSpPr>
-        <p:spPr>
-          <a:xfrm>
-            <a:off x="9955323" y="5517232"/>
-            <a:ext cx="2088232" cy="1484784"/>
-          </a:xfrm>
-          <a:prstGeom prst="cloud">
-            <a:avLst/>
-          </a:prstGeom>
-          <a:solidFill>
-            <a:schemeClr val="bg1">
-              <a:lumMod val="65000"/>
-            </a:schemeClr>
-          </a:solidFill>
-          <a:ln>
-            <a:solidFill>
-              <a:schemeClr val="bg1"/>
-            </a:solidFill>
-          </a:ln>
-        </p:spPr>
-        <p:style>
-          <a:lnRef idx="2">
-            <a:schemeClr val="accent1">
-              <a:shade val="50000"/>
-            </a:schemeClr>
-          </a:lnRef>
-          <a:fillRef idx="1">
-            <a:schemeClr val="accent1"/>
-          </a:fillRef>
-          <a:effectRef idx="0">
-            <a:schemeClr val="accent1"/>
-          </a:effectRef>
-          <a:fontRef idx="minor">
-            <a:schemeClr val="lt1"/>
-          </a:fontRef>
-        </p:style>
-        <p:txBody>
-          <a:bodyPr rtlCol="0" anchor="ctr"/>
-          <a:lstStyle/>
-          <a:p>
-            <a:pPr algn="ctr"/>
-            <a:r>
-              <a:rPr lang="en-US" dirty="0" err="1" smtClean="0">
-                <a:latin typeface="Arial Black" panose="020B0A04020102020204" pitchFamily="34" charset="0"/>
-              </a:rPr>
-              <a:t>ze</a:t>
-            </a:r>
-            <a:r>
-              <a:rPr lang="en-US" dirty="0" smtClean="0">
-                <a:latin typeface="Arial Black" panose="020B0A04020102020204" pitchFamily="34" charset="0"/>
-              </a:rPr>
-              <a:t> internet</a:t>
-            </a:r>
-            <a:endParaRPr lang="en-US" dirty="0">
-              <a:latin typeface="Arial Black" panose="020B0A04020102020204" pitchFamily="34" charset="0"/>
-            </a:endParaRPr>
-          </a:p>
-        </p:txBody>
-      </p:sp>
       <p:cxnSp>
         <p:nvCxnSpPr>
           <p:cNvPr id="12" name="Elbow Connector 11"/>
           <p:cNvCxnSpPr>
             <a:stCxn id="8" idx="2"/>
-            <a:endCxn id="10" idx="2"/>
           </p:cNvCxnSpPr>
           <p:nvPr/>
         </p:nvCxnSpPr>
@@ -24880,6 +29404,94 @@
           </a:p>
         </p:txBody>
       </p:sp>
+      <p:grpSp>
+        <p:nvGrpSpPr>
+          <p:cNvPr id="21" name="Group 20"/>
+          <p:cNvGrpSpPr/>
+          <p:nvPr/>
+        </p:nvGrpSpPr>
+        <p:grpSpPr>
+          <a:xfrm>
+            <a:off x="9961801" y="5554834"/>
+            <a:ext cx="2158018" cy="1127061"/>
+            <a:chOff x="9711303" y="2010891"/>
+            <a:chExt cx="2158018" cy="1127061"/>
+          </a:xfrm>
+        </p:grpSpPr>
+        <p:pic>
+          <p:nvPicPr>
+            <p:cNvPr id="22" name="Picture 21"/>
+            <p:cNvPicPr>
+              <a:picLocks noChangeAspect="1"/>
+            </p:cNvPicPr>
+            <p:nvPr/>
+          </p:nvPicPr>
+          <p:blipFill>
+            <a:blip r:embed="rId2" cstate="print">
+              <a:extLst>
+                <a:ext uri="{28A0092B-C50C-407E-A947-70E740481C1C}">
+                  <a14:useLocalDpi xmlns:a14="http://schemas.microsoft.com/office/drawing/2010/main" val="0"/>
+                </a:ext>
+              </a:extLst>
+            </a:blip>
+            <a:stretch>
+              <a:fillRect/>
+            </a:stretch>
+          </p:blipFill>
+          <p:spPr>
+            <a:xfrm>
+              <a:off x="9711303" y="2010891"/>
+              <a:ext cx="2158018" cy="1127061"/>
+            </a:xfrm>
+            <a:prstGeom prst="rect">
+              <a:avLst/>
+            </a:prstGeom>
+          </p:spPr>
+        </p:pic>
+        <p:sp>
+          <p:nvSpPr>
+            <p:cNvPr id="23" name="Rectangle 22"/>
+            <p:cNvSpPr/>
+            <p:nvPr/>
+          </p:nvSpPr>
+          <p:spPr>
+            <a:xfrm>
+              <a:off x="10024596" y="2492896"/>
+              <a:ext cx="1544012" cy="400110"/>
+            </a:xfrm>
+            <a:prstGeom prst="rect">
+              <a:avLst/>
+            </a:prstGeom>
+          </p:spPr>
+          <p:txBody>
+            <a:bodyPr wrap="none">
+              <a:spAutoFit/>
+            </a:bodyPr>
+            <a:lstStyle/>
+            <a:p>
+              <a:pPr algn="ctr"/>
+              <a:r>
+                <a:rPr lang="en-US" sz="2000" dirty="0" err="1">
+                  <a:latin typeface="MV Boli" panose="02000500030200090000" pitchFamily="2" charset="0"/>
+                  <a:cs typeface="MV Boli" panose="02000500030200090000" pitchFamily="2" charset="0"/>
+                </a:rPr>
+                <a:t>ze</a:t>
+              </a:r>
+              <a:r>
+                <a:rPr lang="en-US" sz="2000" dirty="0">
+                  <a:latin typeface="MV Boli" panose="02000500030200090000" pitchFamily="2" charset="0"/>
+                  <a:cs typeface="MV Boli" panose="02000500030200090000" pitchFamily="2" charset="0"/>
+                </a:rPr>
+                <a:t> internet</a:t>
+              </a:r>
+              <a:endParaRPr lang="en-US" sz="2000" dirty="0">
+                <a:latin typeface="MV Boli" panose="02000500030200090000" pitchFamily="2" charset="0"/>
+                <a:cs typeface="MV Boli" panose="02000500030200090000" pitchFamily="2" charset="0"/>
+              </a:endParaRPr>
+            </a:p>
+          </p:txBody>
+        </p:sp>
+      </p:grpSp>
     </p:spTree>
     <p:extLst>
       <p:ext uri="{BB962C8B-B14F-4D97-AF65-F5344CB8AC3E}">
@@ -25571,76 +30183,11 @@
           </a:p>
         </p:txBody>
       </p:sp>
-      <p:sp>
-        <p:nvSpPr>
-          <p:cNvPr id="10" name="Cloud 9"/>
-          <p:cNvSpPr/>
-          <p:nvPr/>
-        </p:nvSpPr>
-        <p:spPr>
-          <a:xfrm>
-            <a:off x="9955323" y="5517232"/>
-            <a:ext cx="2088232" cy="1484784"/>
-          </a:xfrm>
-          <a:prstGeom prst="cloud">
-            <a:avLst/>
-          </a:prstGeom>
-          <a:solidFill>
-            <a:schemeClr val="bg1">
-              <a:lumMod val="65000"/>
-            </a:schemeClr>
-          </a:solidFill>
-          <a:ln>
-            <a:solidFill>
-              <a:schemeClr val="bg1"/>
-            </a:solidFill>
-          </a:ln>
-        </p:spPr>
-        <p:style>
-          <a:lnRef idx="2">
-            <a:schemeClr val="accent1">
-              <a:shade val="50000"/>
-            </a:schemeClr>
-          </a:lnRef>
-          <a:fillRef idx="1">
-            <a:schemeClr val="accent1"/>
-          </a:fillRef>
-          <a:effectRef idx="0">
-            <a:schemeClr val="accent1"/>
-          </a:effectRef>
-          <a:fontRef idx="minor">
-            <a:schemeClr val="lt1"/>
-          </a:fontRef>
-        </p:style>
-        <p:txBody>
-          <a:bodyPr rtlCol="0" anchor="ctr"/>
-          <a:lstStyle/>
-          <a:p>
-            <a:pPr algn="ctr"/>
-            <a:r>
-              <a:rPr lang="en-US" dirty="0" err="1" smtClean="0">
-                <a:latin typeface="Arial Black" panose="020B0A04020102020204" pitchFamily="34" charset="0"/>
-              </a:rPr>
-              <a:t>ze</a:t>
-            </a:r>
-            <a:r>
-              <a:rPr lang="en-US" dirty="0" smtClean="0">
-                <a:latin typeface="Arial Black" panose="020B0A04020102020204" pitchFamily="34" charset="0"/>
-              </a:rPr>
-              <a:t> internet</a:t>
-            </a:r>
-            <a:endParaRPr lang="en-US" dirty="0">
-              <a:latin typeface="Arial Black" panose="020B0A04020102020204" pitchFamily="34" charset="0"/>
-            </a:endParaRPr>
-          </a:p>
-        </p:txBody>
-      </p:sp>
       <p:cxnSp>
         <p:nvCxnSpPr>
           <p:cNvPr id="12" name="Elbow Connector 11"/>
           <p:cNvCxnSpPr>
             <a:stCxn id="8" idx="2"/>
-            <a:endCxn id="10" idx="2"/>
           </p:cNvCxnSpPr>
           <p:nvPr/>
         </p:nvCxnSpPr>
@@ -26238,6 +30785,94 @@
           </a:p>
         </p:txBody>
       </p:sp>
+      <p:grpSp>
+        <p:nvGrpSpPr>
+          <p:cNvPr id="24" name="Group 23"/>
+          <p:cNvGrpSpPr/>
+          <p:nvPr/>
+        </p:nvGrpSpPr>
+        <p:grpSpPr>
+          <a:xfrm>
+            <a:off x="9961801" y="5554834"/>
+            <a:ext cx="2158018" cy="1127061"/>
+            <a:chOff x="9711303" y="2010891"/>
+            <a:chExt cx="2158018" cy="1127061"/>
+          </a:xfrm>
+        </p:grpSpPr>
+        <p:pic>
+          <p:nvPicPr>
+            <p:cNvPr id="26" name="Picture 25"/>
+            <p:cNvPicPr>
+              <a:picLocks noChangeAspect="1"/>
+            </p:cNvPicPr>
+            <p:nvPr/>
+          </p:nvPicPr>
+          <p:blipFill>
+            <a:blip r:embed="rId2" cstate="print">
+              <a:extLst>
+                <a:ext uri="{28A0092B-C50C-407E-A947-70E740481C1C}">
+                  <a14:useLocalDpi xmlns:a14="http://schemas.microsoft.com/office/drawing/2010/main" val="0"/>
+                </a:ext>
+              </a:extLst>
+            </a:blip>
+            <a:stretch>
+              <a:fillRect/>
+            </a:stretch>
+          </p:blipFill>
+          <p:spPr>
+            <a:xfrm>
+              <a:off x="9711303" y="2010891"/>
+              <a:ext cx="2158018" cy="1127061"/>
+            </a:xfrm>
+            <a:prstGeom prst="rect">
+              <a:avLst/>
+            </a:prstGeom>
+          </p:spPr>
+        </p:pic>
+        <p:sp>
+          <p:nvSpPr>
+            <p:cNvPr id="27" name="Rectangle 26"/>
+            <p:cNvSpPr/>
+            <p:nvPr/>
+          </p:nvSpPr>
+          <p:spPr>
+            <a:xfrm>
+              <a:off x="10024596" y="2492896"/>
+              <a:ext cx="1544012" cy="400110"/>
+            </a:xfrm>
+            <a:prstGeom prst="rect">
+              <a:avLst/>
+            </a:prstGeom>
+          </p:spPr>
+          <p:txBody>
+            <a:bodyPr wrap="none">
+              <a:spAutoFit/>
+            </a:bodyPr>
+            <a:lstStyle/>
+            <a:p>
+              <a:pPr algn="ctr"/>
+              <a:r>
+                <a:rPr lang="en-US" sz="2000" dirty="0" err="1">
+                  <a:latin typeface="MV Boli" panose="02000500030200090000" pitchFamily="2" charset="0"/>
+                  <a:cs typeface="MV Boli" panose="02000500030200090000" pitchFamily="2" charset="0"/>
+                </a:rPr>
+                <a:t>ze</a:t>
+              </a:r>
+              <a:r>
+                <a:rPr lang="en-US" sz="2000" dirty="0">
+                  <a:latin typeface="MV Boli" panose="02000500030200090000" pitchFamily="2" charset="0"/>
+                  <a:cs typeface="MV Boli" panose="02000500030200090000" pitchFamily="2" charset="0"/>
+                </a:rPr>
+                <a:t> internet</a:t>
+              </a:r>
+              <a:endParaRPr lang="en-US" sz="2000" dirty="0">
+                <a:latin typeface="MV Boli" panose="02000500030200090000" pitchFamily="2" charset="0"/>
+                <a:cs typeface="MV Boli" panose="02000500030200090000" pitchFamily="2" charset="0"/>
+              </a:endParaRPr>
+            </a:p>
+          </p:txBody>
+        </p:sp>
+      </p:grpSp>
     </p:spTree>
     <p:extLst>
       <p:ext uri="{BB962C8B-B14F-4D97-AF65-F5344CB8AC3E}">

--- a/I've been doing some syncing.pptx
+++ b/I've been doing some syncing.pptx
@@ -238,7 +238,7 @@
             <a:fld id="{B44C3707-9531-4AFE-B668-174360EDF9A2}" type="datetimeFigureOut">
               <a:rPr lang="nl-NL" smtClean="0"/>
               <a:pPr/>
-              <a:t>5-7-2016</a:t>
+              <a:t>6-7-2016</a:t>
             </a:fld>
             <a:endParaRPr lang="nl-NL"/>
           </a:p>
@@ -786,7 +786,7 @@
                 </a:solidFill>
               </a:rPr>
               <a:pPr/>
-              <a:t>5-7-2016</a:t>
+              <a:t>6-7-2016</a:t>
             </a:fld>
             <a:endParaRPr lang="nl-NL">
               <a:solidFill>
@@ -1291,7 +1291,7 @@
                 </a:solidFill>
               </a:rPr>
               <a:pPr/>
-              <a:t>5-7-2016</a:t>
+              <a:t>6-7-2016</a:t>
             </a:fld>
             <a:endParaRPr lang="nl-NL">
               <a:solidFill>
@@ -1496,7 +1496,7 @@
                 </a:solidFill>
               </a:rPr>
               <a:pPr/>
-              <a:t>5-7-2016</a:t>
+              <a:t>6-7-2016</a:t>
             </a:fld>
             <a:endParaRPr lang="nl-NL">
               <a:solidFill>
@@ -1672,7 +1672,7 @@
                 </a:solidFill>
               </a:rPr>
               <a:pPr/>
-              <a:t>5-7-2016</a:t>
+              <a:t>6-7-2016</a:t>
             </a:fld>
             <a:endParaRPr lang="nl-NL">
               <a:solidFill>
@@ -2032,7 +2032,7 @@
                 </a:solidFill>
               </a:rPr>
               <a:pPr/>
-              <a:t>5-7-2016</a:t>
+              <a:t>6-7-2016</a:t>
             </a:fld>
             <a:endParaRPr lang="nl-NL">
               <a:solidFill>
@@ -2368,7 +2368,7 @@
                 </a:solidFill>
               </a:rPr>
               <a:pPr/>
-              <a:t>5-7-2016</a:t>
+              <a:t>6-7-2016</a:t>
             </a:fld>
             <a:endParaRPr lang="nl-NL">
               <a:solidFill>
@@ -2623,7 +2623,7 @@
                 </a:solidFill>
               </a:rPr>
               <a:pPr/>
-              <a:t>5-7-2016</a:t>
+              <a:t>6-7-2016</a:t>
             </a:fld>
             <a:endParaRPr lang="nl-NL">
               <a:solidFill>
@@ -2888,7 +2888,7 @@
                 </a:solidFill>
               </a:rPr>
               <a:pPr/>
-              <a:t>5-7-2016</a:t>
+              <a:t>6-7-2016</a:t>
             </a:fld>
             <a:endParaRPr lang="nl-NL">
               <a:solidFill>
@@ -3064,7 +3064,7 @@
                 </a:solidFill>
               </a:rPr>
               <a:pPr/>
-              <a:t>5-7-2016</a:t>
+              <a:t>6-7-2016</a:t>
             </a:fld>
             <a:endParaRPr lang="nl-NL">
               <a:solidFill>
@@ -4024,7 +4024,7 @@
                 </a:solidFill>
               </a:rPr>
               <a:pPr/>
-              <a:t>5-7-2016</a:t>
+              <a:t>6-7-2016</a:t>
             </a:fld>
             <a:endParaRPr lang="nl-NL">
               <a:solidFill>
@@ -4984,7 +4984,7 @@
                 </a:solidFill>
               </a:rPr>
               <a:pPr/>
-              <a:t>5-7-2016</a:t>
+              <a:t>6-7-2016</a:t>
             </a:fld>
             <a:endParaRPr lang="nl-NL">
               <a:solidFill>
@@ -6236,7 +6236,7 @@
                 </a:solidFill>
               </a:rPr>
               <a:pPr/>
-              <a:t>5-7-2016</a:t>
+              <a:t>6-7-2016</a:t>
             </a:fld>
             <a:endParaRPr lang="nl-NL">
               <a:solidFill>
@@ -7196,7 +7196,7 @@
                 </a:solidFill>
               </a:rPr>
               <a:pPr/>
-              <a:t>5-7-2016</a:t>
+              <a:t>6-7-2016</a:t>
             </a:fld>
             <a:endParaRPr lang="nl-NL">
               <a:solidFill>
@@ -8156,7 +8156,7 @@
                 </a:solidFill>
               </a:rPr>
               <a:pPr/>
-              <a:t>5-7-2016</a:t>
+              <a:t>6-7-2016</a:t>
             </a:fld>
             <a:endParaRPr lang="nl-NL">
               <a:solidFill>
@@ -9612,7 +9612,7 @@
                 </a:solidFill>
               </a:rPr>
               <a:pPr/>
-              <a:t>5-7-2016</a:t>
+              <a:t>6-7-2016</a:t>
             </a:fld>
             <a:endParaRPr lang="nl-NL">
               <a:solidFill>
@@ -9998,7 +9998,7 @@
             <a:fld id="{57C89201-1C23-4F2A-9964-CF3389FA3EB1}" type="datetimeFigureOut">
               <a:rPr lang="nl-NL" smtClean="0"/>
               <a:pPr/>
-              <a:t>5-7-2016</a:t>
+              <a:t>6-7-2016</a:t>
             </a:fld>
             <a:endParaRPr lang="nl-NL"/>
           </a:p>
@@ -10314,7 +10314,7 @@
             <a:fld id="{57C89201-1C23-4F2A-9964-CF3389FA3EB1}" type="datetimeFigureOut">
               <a:rPr lang="nl-NL" smtClean="0"/>
               <a:pPr/>
-              <a:t>5-7-2016</a:t>
+              <a:t>6-7-2016</a:t>
             </a:fld>
             <a:endParaRPr lang="nl-NL"/>
           </a:p>
@@ -10786,7 +10786,7 @@
             <a:fld id="{57C89201-1C23-4F2A-9964-CF3389FA3EB1}" type="datetimeFigureOut">
               <a:rPr lang="nl-NL" smtClean="0"/>
               <a:pPr/>
-              <a:t>5-7-2016</a:t>
+              <a:t>6-7-2016</a:t>
             </a:fld>
             <a:endParaRPr lang="nl-NL"/>
           </a:p>
@@ -11233,7 +11233,7 @@
                 </a:solidFill>
               </a:rPr>
               <a:pPr/>
-              <a:t>5-7-2016</a:t>
+              <a:t>6-7-2016</a:t>
             </a:fld>
             <a:endParaRPr lang="nl-NL">
               <a:solidFill>
@@ -11608,7 +11608,7 @@
                 </a:solidFill>
               </a:rPr>
               <a:pPr/>
-              <a:t>5-7-2016</a:t>
+              <a:t>6-7-2016</a:t>
             </a:fld>
             <a:endParaRPr lang="nl-NL">
               <a:solidFill>
@@ -11927,7 +11927,7 @@
                 </a:solidFill>
               </a:rPr>
               <a:pPr/>
-              <a:t>5-7-2016</a:t>
+              <a:t>6-7-2016</a:t>
             </a:fld>
             <a:endParaRPr lang="nl-NL">
               <a:solidFill>
@@ -12559,23 +12559,7 @@
                   <a:schemeClr val="tx1"/>
                 </a:solidFill>
               </a:rPr>
-              <a:t>I’ve </a:t>
-            </a:r>
-            <a:r>
-              <a:rPr lang="en-US" sz="4400" dirty="0" smtClean="0">
-                <a:solidFill>
-                  <a:schemeClr val="tx1"/>
-                </a:solidFill>
-              </a:rPr>
-              <a:t>been doing </a:t>
-            </a:r>
-            <a:r>
-              <a:rPr lang="en-US" sz="4400" dirty="0" smtClean="0">
-                <a:solidFill>
-                  <a:schemeClr val="tx1"/>
-                </a:solidFill>
-              </a:rPr>
-              <a:t>some syncing…</a:t>
+              <a:t>I’ve been doing some syncing…</a:t>
             </a:r>
             <a:endParaRPr lang="en-US" sz="4400" dirty="0">
               <a:solidFill>
@@ -13586,10 +13570,6 @@
                 </a:rPr>
                 <a:t> internet</a:t>
               </a:r>
-              <a:endParaRPr lang="en-US" sz="2000" dirty="0">
-                <a:latin typeface="MV Boli" panose="02000500030200090000" pitchFamily="2" charset="0"/>
-                <a:cs typeface="MV Boli" panose="02000500030200090000" pitchFamily="2" charset="0"/>
-              </a:endParaRPr>
             </a:p>
           </p:txBody>
         </p:sp>
@@ -15452,10 +15432,6 @@
                 </a:rPr>
                 <a:t> internet</a:t>
               </a:r>
-              <a:endParaRPr lang="en-US" sz="2000" dirty="0">
-                <a:latin typeface="MV Boli" panose="02000500030200090000" pitchFamily="2" charset="0"/>
-                <a:cs typeface="MV Boli" panose="02000500030200090000" pitchFamily="2" charset="0"/>
-              </a:endParaRPr>
             </a:p>
           </p:txBody>
         </p:sp>
@@ -16464,10 +16440,6 @@
                 </a:rPr>
                 <a:t> internet</a:t>
               </a:r>
-              <a:endParaRPr lang="en-US" sz="2000" dirty="0">
-                <a:latin typeface="MV Boli" panose="02000500030200090000" pitchFamily="2" charset="0"/>
-                <a:cs typeface="MV Boli" panose="02000500030200090000" pitchFamily="2" charset="0"/>
-              </a:endParaRPr>
             </a:p>
           </p:txBody>
         </p:sp>
@@ -16905,425 +16877,16 @@
                 </a:solidFill>
                 <a:latin typeface="Consolas" panose="020B0609020204030204" pitchFamily="49" charset="0"/>
               </a:rPr>
-              <a:t>"</a:t>
-            </a:r>
-            <a:br>
-              <a:rPr lang="en-US" altLang="en-US" sz="1600" dirty="0">
-                <a:solidFill>
-                  <a:srgbClr val="6A8759"/>
-                </a:solidFill>
-                <a:latin typeface="Consolas" panose="020B0609020204030204" pitchFamily="49" charset="0"/>
-              </a:rPr>
-            </a:br>
-            <a:r>
-              <a:rPr lang="en-US" altLang="en-US" sz="1600" dirty="0">
-                <a:solidFill>
-                  <a:srgbClr val="6A8759"/>
-                </a:solidFill>
-                <a:latin typeface="Consolas" panose="020B0609020204030204" pitchFamily="49" charset="0"/>
-              </a:rPr>
-              <a:t>    </a:t>
+              <a:t>" </a:t>
             </a:r>
             <a:r>
               <a:rPr lang="en-US" altLang="en-US" sz="1600" dirty="0" smtClean="0">
                 <a:solidFill>
-                  <a:srgbClr val="6A8759"/>
-                </a:solidFill>
-                <a:latin typeface="Consolas" panose="020B0609020204030204" pitchFamily="49" charset="0"/>
-              </a:rPr>
-              <a:t>                       </a:t>
-            </a:r>
-            <a:r>
-              <a:rPr lang="en-US" altLang="en-US" sz="1600" dirty="0" smtClean="0">
-                <a:solidFill>
                   <a:srgbClr val="E8BF6A"/>
                 </a:solidFill>
                 <a:latin typeface="Consolas" panose="020B0609020204030204" pitchFamily="49" charset="0"/>
               </a:rPr>
-              <a:t>&gt;</a:t>
-            </a:r>
-            <a:r>
-              <a:rPr lang="en-US" altLang="en-US" sz="1600" dirty="0">
-                <a:solidFill>
-                  <a:srgbClr val="E8BF6A"/>
-                </a:solidFill>
-                <a:latin typeface="Consolas" panose="020B0609020204030204" pitchFamily="49" charset="0"/>
-              </a:rPr>
-              <a:t/>
-            </a:r>
-            <a:br>
-              <a:rPr lang="en-US" altLang="en-US" sz="1600" dirty="0">
-                <a:solidFill>
-                  <a:srgbClr val="E8BF6A"/>
-                </a:solidFill>
-                <a:latin typeface="Consolas" panose="020B0609020204030204" pitchFamily="49" charset="0"/>
-              </a:rPr>
-            </a:br>
-            <a:endParaRPr lang="en-US" altLang="en-US" sz="1600" dirty="0" smtClean="0">
-              <a:solidFill>
-                <a:srgbClr val="808080"/>
-              </a:solidFill>
-              <a:latin typeface="Consolas" panose="020B0609020204030204" pitchFamily="49" charset="0"/>
-            </a:endParaRPr>
-          </a:p>
-          <a:p>
-            <a:pPr lvl="0" eaLnBrk="0" fontAlgn="base" hangingPunct="0">
-              <a:spcBef>
-                <a:spcPct val="0"/>
-              </a:spcBef>
-              <a:spcAft>
-                <a:spcPct val="0"/>
-              </a:spcAft>
-            </a:pPr>
-            <a:endParaRPr lang="en-US" altLang="en-US" sz="1600" dirty="0">
-              <a:solidFill>
-                <a:srgbClr val="808080"/>
-              </a:solidFill>
-              <a:latin typeface="Consolas" panose="020B0609020204030204" pitchFamily="49" charset="0"/>
-            </a:endParaRPr>
-          </a:p>
-          <a:p>
-            <a:pPr lvl="0" eaLnBrk="0" fontAlgn="base" hangingPunct="0">
-              <a:spcBef>
-                <a:spcPct val="0"/>
-              </a:spcBef>
-              <a:spcAft>
-                <a:spcPct val="0"/>
-              </a:spcAft>
-            </a:pPr>
-            <a:r>
-              <a:rPr lang="en-US" altLang="en-US" sz="1600" dirty="0" smtClean="0">
-                <a:solidFill>
-                  <a:srgbClr val="808080"/>
-                </a:solidFill>
-                <a:latin typeface="Consolas" panose="020B0609020204030204" pitchFamily="49" charset="0"/>
-              </a:rPr>
-              <a:t>    </a:t>
-            </a:r>
-            <a:r>
-              <a:rPr lang="en-US" altLang="en-US" sz="1600" dirty="0">
-                <a:solidFill>
-                  <a:srgbClr val="E8BF6A"/>
-                </a:solidFill>
-                <a:latin typeface="Consolas" panose="020B0609020204030204" pitchFamily="49" charset="0"/>
-              </a:rPr>
-              <a:t>&lt;intent-filter&gt;</a:t>
-            </a:r>
-            <a:br>
-              <a:rPr lang="en-US" altLang="en-US" sz="1600" dirty="0">
-                <a:solidFill>
-                  <a:srgbClr val="E8BF6A"/>
-                </a:solidFill>
-                <a:latin typeface="Consolas" panose="020B0609020204030204" pitchFamily="49" charset="0"/>
-              </a:rPr>
-            </a:br>
-            <a:r>
-              <a:rPr lang="en-US" altLang="en-US" sz="1600" dirty="0">
-                <a:solidFill>
-                  <a:srgbClr val="E8BF6A"/>
-                </a:solidFill>
-                <a:latin typeface="Consolas" panose="020B0609020204030204" pitchFamily="49" charset="0"/>
-              </a:rPr>
-              <a:t>        &lt;action </a:t>
-            </a:r>
-            <a:r>
-              <a:rPr lang="en-US" altLang="en-US" sz="1600" dirty="0" err="1">
-                <a:solidFill>
-                  <a:srgbClr val="9876AA"/>
-                </a:solidFill>
-                <a:latin typeface="Consolas" panose="020B0609020204030204" pitchFamily="49" charset="0"/>
-              </a:rPr>
-              <a:t>android</a:t>
-            </a:r>
-            <a:r>
-              <a:rPr lang="en-US" altLang="en-US" sz="1600" dirty="0" err="1">
-                <a:solidFill>
-                  <a:srgbClr val="BABABA"/>
-                </a:solidFill>
-                <a:latin typeface="Consolas" panose="020B0609020204030204" pitchFamily="49" charset="0"/>
-              </a:rPr>
-              <a:t>:name</a:t>
-            </a:r>
-            <a:r>
-              <a:rPr lang="en-US" altLang="en-US" sz="1600" dirty="0" smtClean="0">
-                <a:solidFill>
-                  <a:srgbClr val="BABABA"/>
-                </a:solidFill>
-                <a:latin typeface="Consolas" panose="020B0609020204030204" pitchFamily="49" charset="0"/>
-              </a:rPr>
-              <a:t>=</a:t>
-            </a:r>
-            <a:r>
-              <a:rPr lang="en-US" altLang="en-US" sz="1600" dirty="0">
-                <a:solidFill>
-                  <a:srgbClr val="6A8759"/>
-                </a:solidFill>
-                <a:latin typeface="Consolas" panose="020B0609020204030204" pitchFamily="49" charset="0"/>
-              </a:rPr>
-              <a:t>"                           </a:t>
-            </a:r>
-            <a:r>
-              <a:rPr lang="en-US" altLang="en-US" sz="1600" dirty="0" smtClean="0">
-                <a:solidFill>
-                  <a:srgbClr val="6A8759"/>
-                </a:solidFill>
-                <a:latin typeface="Consolas" panose="020B0609020204030204" pitchFamily="49" charset="0"/>
-              </a:rPr>
-              <a:t>"</a:t>
-            </a:r>
-            <a:r>
-              <a:rPr lang="en-US" altLang="en-US" sz="1600" dirty="0" smtClean="0">
-                <a:solidFill>
-                  <a:srgbClr val="E8BF6A"/>
-                </a:solidFill>
-                <a:latin typeface="Consolas" panose="020B0609020204030204" pitchFamily="49" charset="0"/>
-              </a:rPr>
               <a:t>/&gt;</a:t>
-            </a:r>
-            <a:r>
-              <a:rPr lang="en-US" altLang="en-US" sz="1600" dirty="0">
-                <a:solidFill>
-                  <a:srgbClr val="E8BF6A"/>
-                </a:solidFill>
-                <a:latin typeface="Consolas" panose="020B0609020204030204" pitchFamily="49" charset="0"/>
-              </a:rPr>
-              <a:t/>
-            </a:r>
-            <a:br>
-              <a:rPr lang="en-US" altLang="en-US" sz="1600" dirty="0">
-                <a:solidFill>
-                  <a:srgbClr val="E8BF6A"/>
-                </a:solidFill>
-                <a:latin typeface="Consolas" panose="020B0609020204030204" pitchFamily="49" charset="0"/>
-              </a:rPr>
-            </a:br>
-            <a:r>
-              <a:rPr lang="en-US" altLang="en-US" sz="1600" dirty="0">
-                <a:solidFill>
-                  <a:srgbClr val="E8BF6A"/>
-                </a:solidFill>
-                <a:latin typeface="Consolas" panose="020B0609020204030204" pitchFamily="49" charset="0"/>
-              </a:rPr>
-              <a:t>    &lt;/intent-filter&gt;</a:t>
-            </a:r>
-            <a:br>
-              <a:rPr lang="en-US" altLang="en-US" sz="1600" dirty="0">
-                <a:solidFill>
-                  <a:srgbClr val="E8BF6A"/>
-                </a:solidFill>
-                <a:latin typeface="Consolas" panose="020B0609020204030204" pitchFamily="49" charset="0"/>
-              </a:rPr>
-            </a:br>
-            <a:endParaRPr lang="en-US" altLang="en-US" sz="1600" dirty="0" smtClean="0">
-              <a:solidFill>
-                <a:srgbClr val="E8BF6A"/>
-              </a:solidFill>
-              <a:latin typeface="Consolas" panose="020B0609020204030204" pitchFamily="49" charset="0"/>
-            </a:endParaRPr>
-          </a:p>
-          <a:p>
-            <a:pPr lvl="0" eaLnBrk="0" fontAlgn="base" hangingPunct="0">
-              <a:spcBef>
-                <a:spcPct val="0"/>
-              </a:spcBef>
-              <a:spcAft>
-                <a:spcPct val="0"/>
-              </a:spcAft>
-            </a:pPr>
-            <a:r>
-              <a:rPr lang="en-US" altLang="en-US" sz="1600" dirty="0" smtClean="0">
-                <a:solidFill>
-                  <a:srgbClr val="808080"/>
-                </a:solidFill>
-                <a:latin typeface="Consolas" panose="020B0609020204030204" pitchFamily="49" charset="0"/>
-              </a:rPr>
-              <a:t>    </a:t>
-            </a:r>
-            <a:r>
-              <a:rPr lang="en-US" altLang="en-US" sz="1600" dirty="0">
-                <a:solidFill>
-                  <a:srgbClr val="E8BF6A"/>
-                </a:solidFill>
-                <a:latin typeface="Consolas" panose="020B0609020204030204" pitchFamily="49" charset="0"/>
-              </a:rPr>
-              <a:t>&lt;meta-data</a:t>
-            </a:r>
-            <a:br>
-              <a:rPr lang="en-US" altLang="en-US" sz="1600" dirty="0">
-                <a:solidFill>
-                  <a:srgbClr val="E8BF6A"/>
-                </a:solidFill>
-                <a:latin typeface="Consolas" panose="020B0609020204030204" pitchFamily="49" charset="0"/>
-              </a:rPr>
-            </a:br>
-            <a:r>
-              <a:rPr lang="en-US" altLang="en-US" sz="1600" dirty="0">
-                <a:solidFill>
-                  <a:srgbClr val="E8BF6A"/>
-                </a:solidFill>
-                <a:latin typeface="Consolas" panose="020B0609020204030204" pitchFamily="49" charset="0"/>
-              </a:rPr>
-              <a:t>        </a:t>
-            </a:r>
-            <a:r>
-              <a:rPr lang="en-US" altLang="en-US" sz="1600" dirty="0" err="1">
-                <a:solidFill>
-                  <a:srgbClr val="9876AA"/>
-                </a:solidFill>
-                <a:latin typeface="Consolas" panose="020B0609020204030204" pitchFamily="49" charset="0"/>
-              </a:rPr>
-              <a:t>android</a:t>
-            </a:r>
-            <a:r>
-              <a:rPr lang="en-US" altLang="en-US" sz="1600" dirty="0" err="1">
-                <a:solidFill>
-                  <a:srgbClr val="BABABA"/>
-                </a:solidFill>
-                <a:latin typeface="Consolas" panose="020B0609020204030204" pitchFamily="49" charset="0"/>
-              </a:rPr>
-              <a:t>:name</a:t>
-            </a:r>
-            <a:r>
-              <a:rPr lang="en-US" altLang="en-US" sz="1600" dirty="0" smtClean="0">
-                <a:solidFill>
-                  <a:srgbClr val="BABABA"/>
-                </a:solidFill>
-                <a:latin typeface="Consolas" panose="020B0609020204030204" pitchFamily="49" charset="0"/>
-              </a:rPr>
-              <a:t>=</a:t>
-            </a:r>
-            <a:r>
-              <a:rPr lang="en-US" altLang="en-US" sz="1600" dirty="0" smtClean="0">
-                <a:solidFill>
-                  <a:srgbClr val="6A8759"/>
-                </a:solidFill>
-                <a:latin typeface="Consolas" panose="020B0609020204030204" pitchFamily="49" charset="0"/>
-              </a:rPr>
-              <a:t>"                           </a:t>
-            </a:r>
-            <a:r>
-              <a:rPr lang="en-US" altLang="en-US" sz="1600" dirty="0" smtClean="0">
-                <a:solidFill>
-                  <a:srgbClr val="6A8759"/>
-                </a:solidFill>
-                <a:latin typeface="Consolas" panose="020B0609020204030204" pitchFamily="49" charset="0"/>
-              </a:rPr>
-              <a:t>"</a:t>
-            </a:r>
-            <a:r>
-              <a:rPr lang="en-US" altLang="en-US" sz="1600" dirty="0">
-                <a:solidFill>
-                  <a:srgbClr val="6A8759"/>
-                </a:solidFill>
-                <a:latin typeface="Consolas" panose="020B0609020204030204" pitchFamily="49" charset="0"/>
-              </a:rPr>
-              <a:t/>
-            </a:r>
-            <a:br>
-              <a:rPr lang="en-US" altLang="en-US" sz="1600" dirty="0">
-                <a:solidFill>
-                  <a:srgbClr val="6A8759"/>
-                </a:solidFill>
-                <a:latin typeface="Consolas" panose="020B0609020204030204" pitchFamily="49" charset="0"/>
-              </a:rPr>
-            </a:br>
-            <a:r>
-              <a:rPr lang="en-US" altLang="en-US" sz="1600" dirty="0">
-                <a:solidFill>
-                  <a:srgbClr val="6A8759"/>
-                </a:solidFill>
-                <a:latin typeface="Consolas" panose="020B0609020204030204" pitchFamily="49" charset="0"/>
-              </a:rPr>
-              <a:t>        </a:t>
-            </a:r>
-            <a:r>
-              <a:rPr lang="en-US" altLang="en-US" sz="1600" dirty="0" err="1">
-                <a:solidFill>
-                  <a:srgbClr val="9876AA"/>
-                </a:solidFill>
-                <a:latin typeface="Consolas" panose="020B0609020204030204" pitchFamily="49" charset="0"/>
-              </a:rPr>
-              <a:t>android</a:t>
-            </a:r>
-            <a:r>
-              <a:rPr lang="en-US" altLang="en-US" sz="1600" dirty="0" err="1">
-                <a:solidFill>
-                  <a:srgbClr val="BABABA"/>
-                </a:solidFill>
-                <a:latin typeface="Consolas" panose="020B0609020204030204" pitchFamily="49" charset="0"/>
-              </a:rPr>
-              <a:t>:resource</a:t>
-            </a:r>
-            <a:r>
-              <a:rPr lang="en-US" altLang="en-US" sz="1600" dirty="0" smtClean="0">
-                <a:solidFill>
-                  <a:srgbClr val="BABABA"/>
-                </a:solidFill>
-                <a:latin typeface="Consolas" panose="020B0609020204030204" pitchFamily="49" charset="0"/>
-              </a:rPr>
-              <a:t>=</a:t>
-            </a:r>
-            <a:r>
-              <a:rPr lang="en-US" altLang="en-US" sz="1600" dirty="0">
-                <a:solidFill>
-                  <a:srgbClr val="6A8759"/>
-                </a:solidFill>
-                <a:latin typeface="Consolas" panose="020B0609020204030204" pitchFamily="49" charset="0"/>
-              </a:rPr>
-              <a:t>"                </a:t>
-            </a:r>
-            <a:r>
-              <a:rPr lang="en-US" altLang="en-US" sz="1600" dirty="0" smtClean="0">
-                <a:solidFill>
-                  <a:srgbClr val="6A8759"/>
-                </a:solidFill>
-                <a:latin typeface="Consolas" panose="020B0609020204030204" pitchFamily="49" charset="0"/>
-              </a:rPr>
-              <a:t>"</a:t>
-            </a:r>
-            <a:r>
-              <a:rPr lang="en-US" altLang="en-US" sz="1600" dirty="0" smtClean="0">
-                <a:solidFill>
-                  <a:srgbClr val="E8BF6A"/>
-                </a:solidFill>
-                <a:latin typeface="Consolas" panose="020B0609020204030204" pitchFamily="49" charset="0"/>
-              </a:rPr>
-              <a:t>/&gt;</a:t>
-            </a:r>
-            <a:r>
-              <a:rPr lang="en-US" altLang="en-US" sz="1600" dirty="0">
-                <a:solidFill>
-                  <a:srgbClr val="E8BF6A"/>
-                </a:solidFill>
-                <a:latin typeface="Consolas" panose="020B0609020204030204" pitchFamily="49" charset="0"/>
-              </a:rPr>
-              <a:t/>
-            </a:r>
-            <a:br>
-              <a:rPr lang="en-US" altLang="en-US" sz="1600" dirty="0">
-                <a:solidFill>
-                  <a:srgbClr val="E8BF6A"/>
-                </a:solidFill>
-                <a:latin typeface="Consolas" panose="020B0609020204030204" pitchFamily="49" charset="0"/>
-              </a:rPr>
-            </a:br>
-            <a:r>
-              <a:rPr lang="en-US" altLang="en-US" sz="1600" dirty="0">
-                <a:solidFill>
-                  <a:srgbClr val="E8BF6A"/>
-                </a:solidFill>
-                <a:latin typeface="Consolas" panose="020B0609020204030204" pitchFamily="49" charset="0"/>
-              </a:rPr>
-              <a:t>&lt;/service</a:t>
-            </a:r>
-            <a:r>
-              <a:rPr lang="en-US" altLang="en-US" sz="1600" dirty="0" smtClean="0">
-                <a:solidFill>
-                  <a:srgbClr val="E8BF6A"/>
-                </a:solidFill>
-                <a:latin typeface="Consolas" panose="020B0609020204030204" pitchFamily="49" charset="0"/>
-              </a:rPr>
-              <a:t>&gt;</a:t>
             </a:r>
             <a:endParaRPr lang="en-US" altLang="en-US" sz="3600" dirty="0">
               <a:latin typeface="Consolas" panose="020B0609020204030204" pitchFamily="49" charset="0"/>
@@ -17627,6 +17190,604 @@
       </p:grpSpPr>
       <p:sp>
         <p:nvSpPr>
+          <p:cNvPr id="6" name="Rectangle 1"/>
+          <p:cNvSpPr>
+            <a:spLocks noChangeArrowheads="1"/>
+          </p:cNvSpPr>
+          <p:nvPr/>
+        </p:nvSpPr>
+        <p:spPr bwMode="auto">
+          <a:xfrm>
+            <a:off x="652500" y="2132856"/>
+            <a:ext cx="10887000" cy="4104456"/>
+          </a:xfrm>
+          <a:prstGeom prst="rect">
+            <a:avLst/>
+          </a:prstGeom>
+          <a:solidFill>
+            <a:srgbClr val="2B2B2B"/>
+          </a:solidFill>
+          <a:ln>
+            <a:noFill/>
+          </a:ln>
+          <a:effectLst/>
+          <a:extLst>
+            <a:ext uri="{91240B29-F687-4F45-9708-019B960494DF}">
+              <a14:hiddenLine xmlns:a14="http://schemas.microsoft.com/office/drawing/2010/main" w="9525">
+                <a:solidFill>
+                  <a:schemeClr val="tx1"/>
+                </a:solidFill>
+                <a:miter lim="800000"/>
+                <a:headEnd/>
+                <a:tailEnd/>
+              </a14:hiddenLine>
+            </a:ext>
+            <a:ext uri="{AF507438-7753-43E0-B8FC-AC1667EBCBE1}">
+              <a14:hiddenEffects xmlns:a14="http://schemas.microsoft.com/office/drawing/2010/main">
+                <a:effectLst>
+                  <a:outerShdw dist="35921" dir="2700000" algn="ctr" rotWithShape="0">
+                    <a:schemeClr val="bg2"/>
+                  </a:outerShdw>
+                </a:effectLst>
+              </a14:hiddenEffects>
+            </a:ext>
+          </a:extLst>
+        </p:spPr>
+        <p:txBody>
+          <a:bodyPr vert="horz" wrap="square" lIns="182880" tIns="182880" rIns="182880" bIns="182880" numCol="1" anchor="t" anchorCtr="0" compatLnSpc="1">
+            <a:prstTxWarp prst="textNoShape">
+              <a:avLst/>
+            </a:prstTxWarp>
+            <a:noAutofit/>
+          </a:bodyPr>
+          <a:lstStyle/>
+          <a:p>
+            <a:pPr lvl="0" eaLnBrk="0" fontAlgn="base" hangingPunct="0">
+              <a:spcBef>
+                <a:spcPct val="0"/>
+              </a:spcBef>
+              <a:spcAft>
+                <a:spcPct val="0"/>
+              </a:spcAft>
+            </a:pPr>
+            <a:endParaRPr lang="en-US" altLang="en-US" sz="1600" dirty="0" smtClean="0">
+              <a:solidFill>
+                <a:srgbClr val="808080"/>
+              </a:solidFill>
+              <a:latin typeface="Consolas" panose="020B0609020204030204" pitchFamily="49" charset="0"/>
+            </a:endParaRPr>
+          </a:p>
+          <a:p>
+            <a:pPr lvl="0" eaLnBrk="0" fontAlgn="base" hangingPunct="0">
+              <a:spcBef>
+                <a:spcPct val="0"/>
+              </a:spcBef>
+              <a:spcAft>
+                <a:spcPct val="0"/>
+              </a:spcAft>
+            </a:pPr>
+            <a:endParaRPr lang="en-US" altLang="en-US" sz="1600" dirty="0">
+              <a:solidFill>
+                <a:srgbClr val="808080"/>
+              </a:solidFill>
+              <a:latin typeface="Consolas" panose="020B0609020204030204" pitchFamily="49" charset="0"/>
+            </a:endParaRPr>
+          </a:p>
+          <a:p>
+            <a:pPr lvl="0" eaLnBrk="0" fontAlgn="base" hangingPunct="0">
+              <a:spcBef>
+                <a:spcPct val="0"/>
+              </a:spcBef>
+              <a:spcAft>
+                <a:spcPct val="0"/>
+              </a:spcAft>
+            </a:pPr>
+            <a:r>
+              <a:rPr lang="en-US" altLang="en-US" sz="1600" dirty="0" smtClean="0">
+                <a:solidFill>
+                  <a:srgbClr val="E8BF6A"/>
+                </a:solidFill>
+                <a:latin typeface="Consolas" panose="020B0609020204030204" pitchFamily="49" charset="0"/>
+              </a:rPr>
+              <a:t>&lt;</a:t>
+            </a:r>
+            <a:r>
+              <a:rPr lang="en-US" altLang="en-US" sz="1600" dirty="0">
+                <a:solidFill>
+                  <a:srgbClr val="E8BF6A"/>
+                </a:solidFill>
+                <a:latin typeface="Consolas" panose="020B0609020204030204" pitchFamily="49" charset="0"/>
+              </a:rPr>
+              <a:t>service</a:t>
+            </a:r>
+            <a:br>
+              <a:rPr lang="en-US" altLang="en-US" sz="1600" dirty="0">
+                <a:solidFill>
+                  <a:srgbClr val="E8BF6A"/>
+                </a:solidFill>
+                <a:latin typeface="Consolas" panose="020B0609020204030204" pitchFamily="49" charset="0"/>
+              </a:rPr>
+            </a:br>
+            <a:r>
+              <a:rPr lang="en-US" altLang="en-US" sz="1600" dirty="0">
+                <a:solidFill>
+                  <a:srgbClr val="E8BF6A"/>
+                </a:solidFill>
+                <a:latin typeface="Consolas" panose="020B0609020204030204" pitchFamily="49" charset="0"/>
+              </a:rPr>
+              <a:t>    </a:t>
+            </a:r>
+            <a:r>
+              <a:rPr lang="en-US" altLang="en-US" sz="1600" dirty="0" err="1">
+                <a:solidFill>
+                  <a:srgbClr val="9876AA"/>
+                </a:solidFill>
+                <a:latin typeface="Consolas" panose="020B0609020204030204" pitchFamily="49" charset="0"/>
+              </a:rPr>
+              <a:t>android</a:t>
+            </a:r>
+            <a:r>
+              <a:rPr lang="en-US" altLang="en-US" sz="1600" dirty="0" err="1">
+                <a:solidFill>
+                  <a:srgbClr val="BABABA"/>
+                </a:solidFill>
+                <a:latin typeface="Consolas" panose="020B0609020204030204" pitchFamily="49" charset="0"/>
+              </a:rPr>
+              <a:t>:name</a:t>
+            </a:r>
+            <a:r>
+              <a:rPr lang="en-US" altLang="en-US" sz="1600" dirty="0">
+                <a:solidFill>
+                  <a:srgbClr val="BABABA"/>
+                </a:solidFill>
+                <a:latin typeface="Consolas" panose="020B0609020204030204" pitchFamily="49" charset="0"/>
+              </a:rPr>
+              <a:t>=</a:t>
+            </a:r>
+            <a:r>
+              <a:rPr lang="en-US" altLang="en-US" sz="1600" dirty="0">
+                <a:solidFill>
+                  <a:srgbClr val="6A8759"/>
+                </a:solidFill>
+                <a:latin typeface="Consolas" panose="020B0609020204030204" pitchFamily="49" charset="0"/>
+              </a:rPr>
+              <a:t>".</a:t>
+            </a:r>
+            <a:r>
+              <a:rPr lang="en-US" altLang="en-US" sz="1600" dirty="0" err="1">
+                <a:solidFill>
+                  <a:srgbClr val="6A8759"/>
+                </a:solidFill>
+                <a:latin typeface="Consolas" panose="020B0609020204030204" pitchFamily="49" charset="0"/>
+              </a:rPr>
+              <a:t>sync.SyncService</a:t>
+            </a:r>
+            <a:r>
+              <a:rPr lang="en-US" altLang="en-US" sz="1600" dirty="0">
+                <a:solidFill>
+                  <a:srgbClr val="6A8759"/>
+                </a:solidFill>
+                <a:latin typeface="Consolas" panose="020B0609020204030204" pitchFamily="49" charset="0"/>
+              </a:rPr>
+              <a:t>"</a:t>
+            </a:r>
+            <a:br>
+              <a:rPr lang="en-US" altLang="en-US" sz="1600" dirty="0">
+                <a:solidFill>
+                  <a:srgbClr val="6A8759"/>
+                </a:solidFill>
+                <a:latin typeface="Consolas" panose="020B0609020204030204" pitchFamily="49" charset="0"/>
+              </a:rPr>
+            </a:br>
+            <a:r>
+              <a:rPr lang="en-US" altLang="en-US" sz="1600" dirty="0">
+                <a:solidFill>
+                  <a:srgbClr val="6A8759"/>
+                </a:solidFill>
+                <a:latin typeface="Consolas" panose="020B0609020204030204" pitchFamily="49" charset="0"/>
+              </a:rPr>
+              <a:t>    </a:t>
+            </a:r>
+            <a:r>
+              <a:rPr lang="en-US" altLang="en-US" sz="1600" dirty="0" smtClean="0">
+                <a:solidFill>
+                  <a:srgbClr val="6A8759"/>
+                </a:solidFill>
+                <a:latin typeface="Consolas" panose="020B0609020204030204" pitchFamily="49" charset="0"/>
+              </a:rPr>
+              <a:t>                       </a:t>
+            </a:r>
+            <a:r>
+              <a:rPr lang="en-US" altLang="en-US" sz="1600" dirty="0" smtClean="0">
+                <a:solidFill>
+                  <a:srgbClr val="E8BF6A"/>
+                </a:solidFill>
+                <a:latin typeface="Consolas" panose="020B0609020204030204" pitchFamily="49" charset="0"/>
+              </a:rPr>
+              <a:t>&gt;</a:t>
+            </a:r>
+            <a:r>
+              <a:rPr lang="en-US" altLang="en-US" sz="1600" dirty="0">
+                <a:solidFill>
+                  <a:srgbClr val="E8BF6A"/>
+                </a:solidFill>
+                <a:latin typeface="Consolas" panose="020B0609020204030204" pitchFamily="49" charset="0"/>
+              </a:rPr>
+              <a:t/>
+            </a:r>
+            <a:br>
+              <a:rPr lang="en-US" altLang="en-US" sz="1600" dirty="0">
+                <a:solidFill>
+                  <a:srgbClr val="E8BF6A"/>
+                </a:solidFill>
+                <a:latin typeface="Consolas" panose="020B0609020204030204" pitchFamily="49" charset="0"/>
+              </a:rPr>
+            </a:br>
+            <a:endParaRPr lang="en-US" altLang="en-US" sz="1600" dirty="0" smtClean="0">
+              <a:solidFill>
+                <a:srgbClr val="808080"/>
+              </a:solidFill>
+              <a:latin typeface="Consolas" panose="020B0609020204030204" pitchFamily="49" charset="0"/>
+            </a:endParaRPr>
+          </a:p>
+          <a:p>
+            <a:pPr lvl="0" eaLnBrk="0" fontAlgn="base" hangingPunct="0">
+              <a:spcBef>
+                <a:spcPct val="0"/>
+              </a:spcBef>
+              <a:spcAft>
+                <a:spcPct val="0"/>
+              </a:spcAft>
+            </a:pPr>
+            <a:endParaRPr lang="en-US" altLang="en-US" sz="1600" dirty="0">
+              <a:solidFill>
+                <a:srgbClr val="808080"/>
+              </a:solidFill>
+              <a:latin typeface="Consolas" panose="020B0609020204030204" pitchFamily="49" charset="0"/>
+            </a:endParaRPr>
+          </a:p>
+          <a:p>
+            <a:pPr lvl="0" eaLnBrk="0" fontAlgn="base" hangingPunct="0">
+              <a:spcBef>
+                <a:spcPct val="0"/>
+              </a:spcBef>
+              <a:spcAft>
+                <a:spcPct val="0"/>
+              </a:spcAft>
+            </a:pPr>
+            <a:r>
+              <a:rPr lang="en-US" altLang="en-US" sz="1600" dirty="0" smtClean="0">
+                <a:solidFill>
+                  <a:srgbClr val="808080"/>
+                </a:solidFill>
+                <a:latin typeface="Consolas" panose="020B0609020204030204" pitchFamily="49" charset="0"/>
+              </a:rPr>
+              <a:t>    </a:t>
+            </a:r>
+            <a:r>
+              <a:rPr lang="en-US" altLang="en-US" sz="1600" dirty="0">
+                <a:solidFill>
+                  <a:srgbClr val="E8BF6A"/>
+                </a:solidFill>
+                <a:latin typeface="Consolas" panose="020B0609020204030204" pitchFamily="49" charset="0"/>
+              </a:rPr>
+              <a:t>&lt;intent-filter&gt;</a:t>
+            </a:r>
+            <a:br>
+              <a:rPr lang="en-US" altLang="en-US" sz="1600" dirty="0">
+                <a:solidFill>
+                  <a:srgbClr val="E8BF6A"/>
+                </a:solidFill>
+                <a:latin typeface="Consolas" panose="020B0609020204030204" pitchFamily="49" charset="0"/>
+              </a:rPr>
+            </a:br>
+            <a:r>
+              <a:rPr lang="en-US" altLang="en-US" sz="1600" dirty="0">
+                <a:solidFill>
+                  <a:srgbClr val="E8BF6A"/>
+                </a:solidFill>
+                <a:latin typeface="Consolas" panose="020B0609020204030204" pitchFamily="49" charset="0"/>
+              </a:rPr>
+              <a:t>        &lt;action </a:t>
+            </a:r>
+            <a:r>
+              <a:rPr lang="en-US" altLang="en-US" sz="1600" dirty="0" err="1">
+                <a:solidFill>
+                  <a:srgbClr val="9876AA"/>
+                </a:solidFill>
+                <a:latin typeface="Consolas" panose="020B0609020204030204" pitchFamily="49" charset="0"/>
+              </a:rPr>
+              <a:t>android</a:t>
+            </a:r>
+            <a:r>
+              <a:rPr lang="en-US" altLang="en-US" sz="1600" dirty="0" err="1">
+                <a:solidFill>
+                  <a:srgbClr val="BABABA"/>
+                </a:solidFill>
+                <a:latin typeface="Consolas" panose="020B0609020204030204" pitchFamily="49" charset="0"/>
+              </a:rPr>
+              <a:t>:name</a:t>
+            </a:r>
+            <a:r>
+              <a:rPr lang="en-US" altLang="en-US" sz="1600" dirty="0" smtClean="0">
+                <a:solidFill>
+                  <a:srgbClr val="BABABA"/>
+                </a:solidFill>
+                <a:latin typeface="Consolas" panose="020B0609020204030204" pitchFamily="49" charset="0"/>
+              </a:rPr>
+              <a:t>=</a:t>
+            </a:r>
+            <a:r>
+              <a:rPr lang="en-US" altLang="en-US" sz="1600" dirty="0">
+                <a:solidFill>
+                  <a:srgbClr val="6A8759"/>
+                </a:solidFill>
+                <a:latin typeface="Consolas" panose="020B0609020204030204" pitchFamily="49" charset="0"/>
+              </a:rPr>
+              <a:t>"                           </a:t>
+            </a:r>
+            <a:r>
+              <a:rPr lang="en-US" altLang="en-US" sz="1600" dirty="0" smtClean="0">
+                <a:solidFill>
+                  <a:srgbClr val="6A8759"/>
+                </a:solidFill>
+                <a:latin typeface="Consolas" panose="020B0609020204030204" pitchFamily="49" charset="0"/>
+              </a:rPr>
+              <a:t>"</a:t>
+            </a:r>
+            <a:r>
+              <a:rPr lang="en-US" altLang="en-US" sz="1600" dirty="0" smtClean="0">
+                <a:solidFill>
+                  <a:srgbClr val="E8BF6A"/>
+                </a:solidFill>
+                <a:latin typeface="Consolas" panose="020B0609020204030204" pitchFamily="49" charset="0"/>
+              </a:rPr>
+              <a:t>/&gt;</a:t>
+            </a:r>
+            <a:r>
+              <a:rPr lang="en-US" altLang="en-US" sz="1600" dirty="0">
+                <a:solidFill>
+                  <a:srgbClr val="E8BF6A"/>
+                </a:solidFill>
+                <a:latin typeface="Consolas" panose="020B0609020204030204" pitchFamily="49" charset="0"/>
+              </a:rPr>
+              <a:t/>
+            </a:r>
+            <a:br>
+              <a:rPr lang="en-US" altLang="en-US" sz="1600" dirty="0">
+                <a:solidFill>
+                  <a:srgbClr val="E8BF6A"/>
+                </a:solidFill>
+                <a:latin typeface="Consolas" panose="020B0609020204030204" pitchFamily="49" charset="0"/>
+              </a:rPr>
+            </a:br>
+            <a:r>
+              <a:rPr lang="en-US" altLang="en-US" sz="1600" dirty="0">
+                <a:solidFill>
+                  <a:srgbClr val="E8BF6A"/>
+                </a:solidFill>
+                <a:latin typeface="Consolas" panose="020B0609020204030204" pitchFamily="49" charset="0"/>
+              </a:rPr>
+              <a:t>    &lt;/intent-filter&gt;</a:t>
+            </a:r>
+            <a:br>
+              <a:rPr lang="en-US" altLang="en-US" sz="1600" dirty="0">
+                <a:solidFill>
+                  <a:srgbClr val="E8BF6A"/>
+                </a:solidFill>
+                <a:latin typeface="Consolas" panose="020B0609020204030204" pitchFamily="49" charset="0"/>
+              </a:rPr>
+            </a:br>
+            <a:endParaRPr lang="en-US" altLang="en-US" sz="1600" dirty="0" smtClean="0">
+              <a:solidFill>
+                <a:srgbClr val="E8BF6A"/>
+              </a:solidFill>
+              <a:latin typeface="Consolas" panose="020B0609020204030204" pitchFamily="49" charset="0"/>
+            </a:endParaRPr>
+          </a:p>
+          <a:p>
+            <a:pPr lvl="0" eaLnBrk="0" fontAlgn="base" hangingPunct="0">
+              <a:spcBef>
+                <a:spcPct val="0"/>
+              </a:spcBef>
+              <a:spcAft>
+                <a:spcPct val="0"/>
+              </a:spcAft>
+            </a:pPr>
+            <a:r>
+              <a:rPr lang="en-US" altLang="en-US" sz="1600" dirty="0" smtClean="0">
+                <a:solidFill>
+                  <a:srgbClr val="808080"/>
+                </a:solidFill>
+                <a:latin typeface="Consolas" panose="020B0609020204030204" pitchFamily="49" charset="0"/>
+              </a:rPr>
+              <a:t>    </a:t>
+            </a:r>
+            <a:r>
+              <a:rPr lang="en-US" altLang="en-US" sz="1600" dirty="0">
+                <a:solidFill>
+                  <a:srgbClr val="E8BF6A"/>
+                </a:solidFill>
+                <a:latin typeface="Consolas" panose="020B0609020204030204" pitchFamily="49" charset="0"/>
+              </a:rPr>
+              <a:t>&lt;meta-data</a:t>
+            </a:r>
+            <a:br>
+              <a:rPr lang="en-US" altLang="en-US" sz="1600" dirty="0">
+                <a:solidFill>
+                  <a:srgbClr val="E8BF6A"/>
+                </a:solidFill>
+                <a:latin typeface="Consolas" panose="020B0609020204030204" pitchFamily="49" charset="0"/>
+              </a:rPr>
+            </a:br>
+            <a:r>
+              <a:rPr lang="en-US" altLang="en-US" sz="1600" dirty="0">
+                <a:solidFill>
+                  <a:srgbClr val="E8BF6A"/>
+                </a:solidFill>
+                <a:latin typeface="Consolas" panose="020B0609020204030204" pitchFamily="49" charset="0"/>
+              </a:rPr>
+              <a:t>        </a:t>
+            </a:r>
+            <a:r>
+              <a:rPr lang="en-US" altLang="en-US" sz="1600" dirty="0" err="1">
+                <a:solidFill>
+                  <a:srgbClr val="9876AA"/>
+                </a:solidFill>
+                <a:latin typeface="Consolas" panose="020B0609020204030204" pitchFamily="49" charset="0"/>
+              </a:rPr>
+              <a:t>android</a:t>
+            </a:r>
+            <a:r>
+              <a:rPr lang="en-US" altLang="en-US" sz="1600" dirty="0" err="1">
+                <a:solidFill>
+                  <a:srgbClr val="BABABA"/>
+                </a:solidFill>
+                <a:latin typeface="Consolas" panose="020B0609020204030204" pitchFamily="49" charset="0"/>
+              </a:rPr>
+              <a:t>:name</a:t>
+            </a:r>
+            <a:r>
+              <a:rPr lang="en-US" altLang="en-US" sz="1600" dirty="0" smtClean="0">
+                <a:solidFill>
+                  <a:srgbClr val="BABABA"/>
+                </a:solidFill>
+                <a:latin typeface="Consolas" panose="020B0609020204030204" pitchFamily="49" charset="0"/>
+              </a:rPr>
+              <a:t>=</a:t>
+            </a:r>
+            <a:r>
+              <a:rPr lang="en-US" altLang="en-US" sz="1600" dirty="0" smtClean="0">
+                <a:solidFill>
+                  <a:srgbClr val="6A8759"/>
+                </a:solidFill>
+                <a:latin typeface="Consolas" panose="020B0609020204030204" pitchFamily="49" charset="0"/>
+              </a:rPr>
+              <a:t>"                           "</a:t>
+            </a:r>
+            <a:r>
+              <a:rPr lang="en-US" altLang="en-US" sz="1600" dirty="0">
+                <a:solidFill>
+                  <a:srgbClr val="6A8759"/>
+                </a:solidFill>
+                <a:latin typeface="Consolas" panose="020B0609020204030204" pitchFamily="49" charset="0"/>
+              </a:rPr>
+              <a:t/>
+            </a:r>
+            <a:br>
+              <a:rPr lang="en-US" altLang="en-US" sz="1600" dirty="0">
+                <a:solidFill>
+                  <a:srgbClr val="6A8759"/>
+                </a:solidFill>
+                <a:latin typeface="Consolas" panose="020B0609020204030204" pitchFamily="49" charset="0"/>
+              </a:rPr>
+            </a:br>
+            <a:r>
+              <a:rPr lang="en-US" altLang="en-US" sz="1600" dirty="0">
+                <a:solidFill>
+                  <a:srgbClr val="6A8759"/>
+                </a:solidFill>
+                <a:latin typeface="Consolas" panose="020B0609020204030204" pitchFamily="49" charset="0"/>
+              </a:rPr>
+              <a:t>        </a:t>
+            </a:r>
+            <a:r>
+              <a:rPr lang="en-US" altLang="en-US" sz="1600" dirty="0" err="1">
+                <a:solidFill>
+                  <a:srgbClr val="9876AA"/>
+                </a:solidFill>
+                <a:latin typeface="Consolas" panose="020B0609020204030204" pitchFamily="49" charset="0"/>
+              </a:rPr>
+              <a:t>android</a:t>
+            </a:r>
+            <a:r>
+              <a:rPr lang="en-US" altLang="en-US" sz="1600" dirty="0" err="1">
+                <a:solidFill>
+                  <a:srgbClr val="BABABA"/>
+                </a:solidFill>
+                <a:latin typeface="Consolas" panose="020B0609020204030204" pitchFamily="49" charset="0"/>
+              </a:rPr>
+              <a:t>:resource</a:t>
+            </a:r>
+            <a:r>
+              <a:rPr lang="en-US" altLang="en-US" sz="1600" dirty="0" smtClean="0">
+                <a:solidFill>
+                  <a:srgbClr val="BABABA"/>
+                </a:solidFill>
+                <a:latin typeface="Consolas" panose="020B0609020204030204" pitchFamily="49" charset="0"/>
+              </a:rPr>
+              <a:t>=</a:t>
+            </a:r>
+            <a:r>
+              <a:rPr lang="en-US" altLang="en-US" sz="1600" dirty="0">
+                <a:solidFill>
+                  <a:srgbClr val="6A8759"/>
+                </a:solidFill>
+                <a:latin typeface="Consolas" panose="020B0609020204030204" pitchFamily="49" charset="0"/>
+              </a:rPr>
+              <a:t>"                </a:t>
+            </a:r>
+            <a:r>
+              <a:rPr lang="en-US" altLang="en-US" sz="1600" dirty="0" smtClean="0">
+                <a:solidFill>
+                  <a:srgbClr val="6A8759"/>
+                </a:solidFill>
+                <a:latin typeface="Consolas" panose="020B0609020204030204" pitchFamily="49" charset="0"/>
+              </a:rPr>
+              <a:t>"</a:t>
+            </a:r>
+            <a:r>
+              <a:rPr lang="en-US" altLang="en-US" sz="1600" dirty="0" smtClean="0">
+                <a:solidFill>
+                  <a:srgbClr val="E8BF6A"/>
+                </a:solidFill>
+                <a:latin typeface="Consolas" panose="020B0609020204030204" pitchFamily="49" charset="0"/>
+              </a:rPr>
+              <a:t>/&gt;</a:t>
+            </a:r>
+            <a:r>
+              <a:rPr lang="en-US" altLang="en-US" sz="1600" dirty="0">
+                <a:solidFill>
+                  <a:srgbClr val="E8BF6A"/>
+                </a:solidFill>
+                <a:latin typeface="Consolas" panose="020B0609020204030204" pitchFamily="49" charset="0"/>
+              </a:rPr>
+              <a:t/>
+            </a:r>
+            <a:br>
+              <a:rPr lang="en-US" altLang="en-US" sz="1600" dirty="0">
+                <a:solidFill>
+                  <a:srgbClr val="E8BF6A"/>
+                </a:solidFill>
+                <a:latin typeface="Consolas" panose="020B0609020204030204" pitchFamily="49" charset="0"/>
+              </a:rPr>
+            </a:br>
+            <a:r>
+              <a:rPr lang="en-US" altLang="en-US" sz="1600" dirty="0">
+                <a:solidFill>
+                  <a:srgbClr val="E8BF6A"/>
+                </a:solidFill>
+                <a:latin typeface="Consolas" panose="020B0609020204030204" pitchFamily="49" charset="0"/>
+              </a:rPr>
+              <a:t>&lt;/service</a:t>
+            </a:r>
+            <a:r>
+              <a:rPr lang="en-US" altLang="en-US" sz="1600" dirty="0" smtClean="0">
+                <a:solidFill>
+                  <a:srgbClr val="E8BF6A"/>
+                </a:solidFill>
+                <a:latin typeface="Consolas" panose="020B0609020204030204" pitchFamily="49" charset="0"/>
+              </a:rPr>
+              <a:t>&gt;</a:t>
+            </a:r>
+            <a:endParaRPr lang="en-US" altLang="en-US" sz="3600" dirty="0">
+              <a:latin typeface="Consolas" panose="020B0609020204030204" pitchFamily="49" charset="0"/>
+            </a:endParaRPr>
+          </a:p>
+        </p:txBody>
+      </p:sp>
+      <p:sp>
+        <p:nvSpPr>
           <p:cNvPr id="13" name="Rectangle 1"/>
           <p:cNvSpPr>
             <a:spLocks noChangeArrowheads="1"/>
@@ -17898,6 +18059,1217 @@
                 <a:latin typeface="Consolas" panose="020B0609020204030204" pitchFamily="49" charset="0"/>
               </a:rPr>
             </a:br>
+            <a:endParaRPr lang="en-US" altLang="en-US" sz="1600" dirty="0">
+              <a:solidFill>
+                <a:srgbClr val="808080"/>
+              </a:solidFill>
+              <a:latin typeface="Consolas" panose="020B0609020204030204" pitchFamily="49" charset="0"/>
+            </a:endParaRPr>
+          </a:p>
+          <a:p>
+            <a:pPr lvl="0" eaLnBrk="0" fontAlgn="base" hangingPunct="0">
+              <a:spcBef>
+                <a:spcPct val="0"/>
+              </a:spcBef>
+              <a:spcAft>
+                <a:spcPct val="0"/>
+              </a:spcAft>
+            </a:pPr>
+            <a:endParaRPr lang="en-US" altLang="en-US" sz="1600" dirty="0">
+              <a:solidFill>
+                <a:srgbClr val="808080"/>
+              </a:solidFill>
+              <a:latin typeface="Consolas" panose="020B0609020204030204" pitchFamily="49" charset="0"/>
+            </a:endParaRPr>
+          </a:p>
+          <a:p>
+            <a:pPr lvl="0" eaLnBrk="0" fontAlgn="base" hangingPunct="0">
+              <a:spcBef>
+                <a:spcPct val="0"/>
+              </a:spcBef>
+              <a:spcAft>
+                <a:spcPct val="0"/>
+              </a:spcAft>
+            </a:pPr>
+            <a:r>
+              <a:rPr lang="en-US" altLang="en-US" sz="1600" dirty="0">
+                <a:solidFill>
+                  <a:srgbClr val="808080"/>
+                </a:solidFill>
+                <a:latin typeface="Consolas" panose="020B0609020204030204" pitchFamily="49" charset="0"/>
+              </a:rPr>
+              <a:t>    </a:t>
+            </a:r>
+            <a:r>
+              <a:rPr lang="en-US" altLang="en-US" sz="1600" dirty="0">
+                <a:solidFill>
+                  <a:srgbClr val="E8BF6A"/>
+                </a:solidFill>
+                <a:latin typeface="Consolas" panose="020B0609020204030204" pitchFamily="49" charset="0"/>
+              </a:rPr>
+              <a:t>&lt;intent-filter&gt;</a:t>
+            </a:r>
+            <a:br>
+              <a:rPr lang="en-US" altLang="en-US" sz="1600" dirty="0">
+                <a:solidFill>
+                  <a:srgbClr val="E8BF6A"/>
+                </a:solidFill>
+                <a:latin typeface="Consolas" panose="020B0609020204030204" pitchFamily="49" charset="0"/>
+              </a:rPr>
+            </a:br>
+            <a:r>
+              <a:rPr lang="en-US" altLang="en-US" sz="1600" dirty="0">
+                <a:solidFill>
+                  <a:srgbClr val="E8BF6A"/>
+                </a:solidFill>
+                <a:latin typeface="Consolas" panose="020B0609020204030204" pitchFamily="49" charset="0"/>
+              </a:rPr>
+              <a:t>        &lt;action </a:t>
+            </a:r>
+            <a:r>
+              <a:rPr lang="en-US" altLang="en-US" sz="1600" dirty="0" err="1">
+                <a:solidFill>
+                  <a:srgbClr val="9876AA"/>
+                </a:solidFill>
+                <a:latin typeface="Consolas" panose="020B0609020204030204" pitchFamily="49" charset="0"/>
+              </a:rPr>
+              <a:t>android</a:t>
+            </a:r>
+            <a:r>
+              <a:rPr lang="en-US" altLang="en-US" sz="1600" dirty="0" err="1">
+                <a:solidFill>
+                  <a:srgbClr val="BABABA"/>
+                </a:solidFill>
+                <a:latin typeface="Consolas" panose="020B0609020204030204" pitchFamily="49" charset="0"/>
+              </a:rPr>
+              <a:t>:name</a:t>
+            </a:r>
+            <a:r>
+              <a:rPr lang="en-US" altLang="en-US" sz="1600" dirty="0">
+                <a:solidFill>
+                  <a:srgbClr val="BABABA"/>
+                </a:solidFill>
+                <a:latin typeface="Consolas" panose="020B0609020204030204" pitchFamily="49" charset="0"/>
+              </a:rPr>
+              <a:t>=</a:t>
+            </a:r>
+            <a:r>
+              <a:rPr lang="en-US" altLang="en-US" sz="1600" dirty="0">
+                <a:solidFill>
+                  <a:srgbClr val="6A8759"/>
+                </a:solidFill>
+                <a:latin typeface="Consolas" panose="020B0609020204030204" pitchFamily="49" charset="0"/>
+              </a:rPr>
+              <a:t>"                           "</a:t>
+            </a:r>
+            <a:r>
+              <a:rPr lang="en-US" altLang="en-US" sz="1600" dirty="0">
+                <a:solidFill>
+                  <a:srgbClr val="E8BF6A"/>
+                </a:solidFill>
+                <a:latin typeface="Consolas" panose="020B0609020204030204" pitchFamily="49" charset="0"/>
+              </a:rPr>
+              <a:t>/&gt;</a:t>
+            </a:r>
+            <a:br>
+              <a:rPr lang="en-US" altLang="en-US" sz="1600" dirty="0">
+                <a:solidFill>
+                  <a:srgbClr val="E8BF6A"/>
+                </a:solidFill>
+                <a:latin typeface="Consolas" panose="020B0609020204030204" pitchFamily="49" charset="0"/>
+              </a:rPr>
+            </a:br>
+            <a:r>
+              <a:rPr lang="en-US" altLang="en-US" sz="1600" dirty="0">
+                <a:solidFill>
+                  <a:srgbClr val="E8BF6A"/>
+                </a:solidFill>
+                <a:latin typeface="Consolas" panose="020B0609020204030204" pitchFamily="49" charset="0"/>
+              </a:rPr>
+              <a:t>    &lt;/intent-filter&gt;</a:t>
+            </a:r>
+            <a:br>
+              <a:rPr lang="en-US" altLang="en-US" sz="1600" dirty="0">
+                <a:solidFill>
+                  <a:srgbClr val="E8BF6A"/>
+                </a:solidFill>
+                <a:latin typeface="Consolas" panose="020B0609020204030204" pitchFamily="49" charset="0"/>
+              </a:rPr>
+            </a:br>
+            <a:endParaRPr lang="en-US" altLang="en-US" sz="1600" dirty="0">
+              <a:solidFill>
+                <a:srgbClr val="E8BF6A"/>
+              </a:solidFill>
+              <a:latin typeface="Consolas" panose="020B0609020204030204" pitchFamily="49" charset="0"/>
+            </a:endParaRPr>
+          </a:p>
+          <a:p>
+            <a:pPr lvl="0" eaLnBrk="0" fontAlgn="base" hangingPunct="0">
+              <a:spcBef>
+                <a:spcPct val="0"/>
+              </a:spcBef>
+              <a:spcAft>
+                <a:spcPct val="0"/>
+              </a:spcAft>
+            </a:pPr>
+            <a:r>
+              <a:rPr lang="en-US" altLang="en-US" sz="1600" dirty="0">
+                <a:solidFill>
+                  <a:srgbClr val="808080"/>
+                </a:solidFill>
+                <a:latin typeface="Consolas" panose="020B0609020204030204" pitchFamily="49" charset="0"/>
+              </a:rPr>
+              <a:t>    </a:t>
+            </a:r>
+            <a:r>
+              <a:rPr lang="en-US" altLang="en-US" sz="1600" dirty="0">
+                <a:solidFill>
+                  <a:srgbClr val="E8BF6A"/>
+                </a:solidFill>
+                <a:latin typeface="Consolas" panose="020B0609020204030204" pitchFamily="49" charset="0"/>
+              </a:rPr>
+              <a:t>&lt;meta-data</a:t>
+            </a:r>
+            <a:br>
+              <a:rPr lang="en-US" altLang="en-US" sz="1600" dirty="0">
+                <a:solidFill>
+                  <a:srgbClr val="E8BF6A"/>
+                </a:solidFill>
+                <a:latin typeface="Consolas" panose="020B0609020204030204" pitchFamily="49" charset="0"/>
+              </a:rPr>
+            </a:br>
+            <a:r>
+              <a:rPr lang="en-US" altLang="en-US" sz="1600" dirty="0">
+                <a:solidFill>
+                  <a:srgbClr val="E8BF6A"/>
+                </a:solidFill>
+                <a:latin typeface="Consolas" panose="020B0609020204030204" pitchFamily="49" charset="0"/>
+              </a:rPr>
+              <a:t>        </a:t>
+            </a:r>
+            <a:r>
+              <a:rPr lang="en-US" altLang="en-US" sz="1600" dirty="0" err="1">
+                <a:solidFill>
+                  <a:srgbClr val="9876AA"/>
+                </a:solidFill>
+                <a:latin typeface="Consolas" panose="020B0609020204030204" pitchFamily="49" charset="0"/>
+              </a:rPr>
+              <a:t>android</a:t>
+            </a:r>
+            <a:r>
+              <a:rPr lang="en-US" altLang="en-US" sz="1600" dirty="0" err="1">
+                <a:solidFill>
+                  <a:srgbClr val="BABABA"/>
+                </a:solidFill>
+                <a:latin typeface="Consolas" panose="020B0609020204030204" pitchFamily="49" charset="0"/>
+              </a:rPr>
+              <a:t>:name</a:t>
+            </a:r>
+            <a:r>
+              <a:rPr lang="en-US" altLang="en-US" sz="1600" dirty="0">
+                <a:solidFill>
+                  <a:srgbClr val="BABABA"/>
+                </a:solidFill>
+                <a:latin typeface="Consolas" panose="020B0609020204030204" pitchFamily="49" charset="0"/>
+              </a:rPr>
+              <a:t>=</a:t>
+            </a:r>
+            <a:r>
+              <a:rPr lang="en-US" altLang="en-US" sz="1600" dirty="0">
+                <a:solidFill>
+                  <a:srgbClr val="6A8759"/>
+                </a:solidFill>
+                <a:latin typeface="Consolas" panose="020B0609020204030204" pitchFamily="49" charset="0"/>
+              </a:rPr>
+              <a:t>"                           "</a:t>
+            </a:r>
+            <a:br>
+              <a:rPr lang="en-US" altLang="en-US" sz="1600" dirty="0">
+                <a:solidFill>
+                  <a:srgbClr val="6A8759"/>
+                </a:solidFill>
+                <a:latin typeface="Consolas" panose="020B0609020204030204" pitchFamily="49" charset="0"/>
+              </a:rPr>
+            </a:br>
+            <a:r>
+              <a:rPr lang="en-US" altLang="en-US" sz="1600" dirty="0">
+                <a:solidFill>
+                  <a:srgbClr val="6A8759"/>
+                </a:solidFill>
+                <a:latin typeface="Consolas" panose="020B0609020204030204" pitchFamily="49" charset="0"/>
+              </a:rPr>
+              <a:t>        </a:t>
+            </a:r>
+            <a:r>
+              <a:rPr lang="en-US" altLang="en-US" sz="1600" dirty="0" err="1">
+                <a:solidFill>
+                  <a:srgbClr val="9876AA"/>
+                </a:solidFill>
+                <a:latin typeface="Consolas" panose="020B0609020204030204" pitchFamily="49" charset="0"/>
+              </a:rPr>
+              <a:t>android</a:t>
+            </a:r>
+            <a:r>
+              <a:rPr lang="en-US" altLang="en-US" sz="1600" dirty="0" err="1">
+                <a:solidFill>
+                  <a:srgbClr val="BABABA"/>
+                </a:solidFill>
+                <a:latin typeface="Consolas" panose="020B0609020204030204" pitchFamily="49" charset="0"/>
+              </a:rPr>
+              <a:t>:resource</a:t>
+            </a:r>
+            <a:r>
+              <a:rPr lang="en-US" altLang="en-US" sz="1600" dirty="0">
+                <a:solidFill>
+                  <a:srgbClr val="BABABA"/>
+                </a:solidFill>
+                <a:latin typeface="Consolas" panose="020B0609020204030204" pitchFamily="49" charset="0"/>
+              </a:rPr>
+              <a:t>=</a:t>
+            </a:r>
+            <a:r>
+              <a:rPr lang="en-US" altLang="en-US" sz="1600" dirty="0">
+                <a:solidFill>
+                  <a:srgbClr val="6A8759"/>
+                </a:solidFill>
+                <a:latin typeface="Consolas" panose="020B0609020204030204" pitchFamily="49" charset="0"/>
+              </a:rPr>
+              <a:t>"                "</a:t>
+            </a:r>
+            <a:r>
+              <a:rPr lang="en-US" altLang="en-US" sz="1600" dirty="0">
+                <a:solidFill>
+                  <a:srgbClr val="E8BF6A"/>
+                </a:solidFill>
+                <a:latin typeface="Consolas" panose="020B0609020204030204" pitchFamily="49" charset="0"/>
+              </a:rPr>
+              <a:t>/&gt;</a:t>
+            </a:r>
+            <a:br>
+              <a:rPr lang="en-US" altLang="en-US" sz="1600" dirty="0">
+                <a:solidFill>
+                  <a:srgbClr val="E8BF6A"/>
+                </a:solidFill>
+                <a:latin typeface="Consolas" panose="020B0609020204030204" pitchFamily="49" charset="0"/>
+              </a:rPr>
+            </a:br>
+            <a:r>
+              <a:rPr lang="en-US" altLang="en-US" sz="1600" dirty="0">
+                <a:solidFill>
+                  <a:srgbClr val="E8BF6A"/>
+                </a:solidFill>
+                <a:latin typeface="Consolas" panose="020B0609020204030204" pitchFamily="49" charset="0"/>
+              </a:rPr>
+              <a:t>&lt;/service&gt;</a:t>
+            </a:r>
+            <a:endParaRPr lang="en-US" altLang="en-US" sz="3600" dirty="0">
+              <a:latin typeface="Consolas" panose="020B0609020204030204" pitchFamily="49" charset="0"/>
+            </a:endParaRPr>
+          </a:p>
+        </p:txBody>
+      </p:sp>
+      <p:sp>
+        <p:nvSpPr>
+          <p:cNvPr id="4" name="Rectangle 1"/>
+          <p:cNvSpPr>
+            <a:spLocks noChangeArrowheads="1"/>
+          </p:cNvSpPr>
+          <p:nvPr/>
+        </p:nvSpPr>
+        <p:spPr bwMode="auto">
+          <a:xfrm>
+            <a:off x="652500" y="2132856"/>
+            <a:ext cx="10887000" cy="4104456"/>
+          </a:xfrm>
+          <a:prstGeom prst="rect">
+            <a:avLst/>
+          </a:prstGeom>
+          <a:solidFill>
+            <a:srgbClr val="2B2B2B"/>
+          </a:solidFill>
+          <a:ln>
+            <a:noFill/>
+          </a:ln>
+          <a:effectLst/>
+          <a:extLst>
+            <a:ext uri="{91240B29-F687-4F45-9708-019B960494DF}">
+              <a14:hiddenLine xmlns:a14="http://schemas.microsoft.com/office/drawing/2010/main" w="9525">
+                <a:solidFill>
+                  <a:schemeClr val="tx1"/>
+                </a:solidFill>
+                <a:miter lim="800000"/>
+                <a:headEnd/>
+                <a:tailEnd/>
+              </a14:hiddenLine>
+            </a:ext>
+            <a:ext uri="{AF507438-7753-43E0-B8FC-AC1667EBCBE1}">
+              <a14:hiddenEffects xmlns:a14="http://schemas.microsoft.com/office/drawing/2010/main">
+                <a:effectLst>
+                  <a:outerShdw dist="35921" dir="2700000" algn="ctr" rotWithShape="0">
+                    <a:schemeClr val="bg2"/>
+                  </a:outerShdw>
+                </a:effectLst>
+              </a14:hiddenEffects>
+            </a:ext>
+          </a:extLst>
+        </p:spPr>
+        <p:txBody>
+          <a:bodyPr vert="horz" wrap="square" lIns="182880" tIns="182880" rIns="182880" bIns="182880" numCol="1" anchor="t" anchorCtr="0" compatLnSpc="1">
+            <a:prstTxWarp prst="textNoShape">
+              <a:avLst/>
+            </a:prstTxWarp>
+            <a:noAutofit/>
+          </a:bodyPr>
+          <a:lstStyle/>
+          <a:p>
+            <a:pPr lvl="0" eaLnBrk="0" fontAlgn="base" hangingPunct="0">
+              <a:spcBef>
+                <a:spcPct val="0"/>
+              </a:spcBef>
+              <a:spcAft>
+                <a:spcPct val="0"/>
+              </a:spcAft>
+            </a:pPr>
+            <a:r>
+              <a:rPr lang="en-US" altLang="en-US" sz="1600" dirty="0">
+                <a:solidFill>
+                  <a:srgbClr val="808080"/>
+                </a:solidFill>
+                <a:latin typeface="Consolas" panose="020B0609020204030204" pitchFamily="49" charset="0"/>
+              </a:rPr>
+              <a:t>&lt;!-- This service implements our </a:t>
+            </a:r>
+            <a:r>
+              <a:rPr lang="en-US" altLang="en-US" sz="1600" dirty="0" err="1">
+                <a:solidFill>
+                  <a:srgbClr val="808080"/>
+                </a:solidFill>
+                <a:latin typeface="Consolas" panose="020B0609020204030204" pitchFamily="49" charset="0"/>
+              </a:rPr>
+              <a:t>SyncAdapter</a:t>
+            </a:r>
+            <a:r>
+              <a:rPr lang="en-US" altLang="en-US" sz="1600" dirty="0">
+                <a:solidFill>
+                  <a:srgbClr val="808080"/>
+                </a:solidFill>
+                <a:latin typeface="Consolas" panose="020B0609020204030204" pitchFamily="49" charset="0"/>
+              </a:rPr>
+              <a:t>. It needs to be exported, so that the system</a:t>
+            </a:r>
+            <a:br>
+              <a:rPr lang="en-US" altLang="en-US" sz="1600" dirty="0">
+                <a:solidFill>
+                  <a:srgbClr val="808080"/>
+                </a:solidFill>
+                <a:latin typeface="Consolas" panose="020B0609020204030204" pitchFamily="49" charset="0"/>
+              </a:rPr>
+            </a:br>
+            <a:r>
+              <a:rPr lang="en-US" altLang="en-US" sz="1600" dirty="0" smtClean="0">
+                <a:solidFill>
+                  <a:srgbClr val="808080"/>
+                </a:solidFill>
+                <a:latin typeface="Consolas" panose="020B0609020204030204" pitchFamily="49" charset="0"/>
+              </a:rPr>
+              <a:t>     sync </a:t>
+            </a:r>
+            <a:r>
+              <a:rPr lang="en-US" altLang="en-US" sz="1600" dirty="0">
+                <a:solidFill>
+                  <a:srgbClr val="808080"/>
+                </a:solidFill>
+                <a:latin typeface="Consolas" panose="020B0609020204030204" pitchFamily="49" charset="0"/>
+              </a:rPr>
+              <a:t>framework can access it. --&gt;</a:t>
+            </a:r>
+            <a:br>
+              <a:rPr lang="en-US" altLang="en-US" sz="1600" dirty="0">
+                <a:solidFill>
+                  <a:srgbClr val="808080"/>
+                </a:solidFill>
+                <a:latin typeface="Consolas" panose="020B0609020204030204" pitchFamily="49" charset="0"/>
+              </a:rPr>
+            </a:br>
+            <a:r>
+              <a:rPr lang="en-US" altLang="en-US" sz="1600" dirty="0">
+                <a:solidFill>
+                  <a:srgbClr val="E8BF6A"/>
+                </a:solidFill>
+                <a:latin typeface="Consolas" panose="020B0609020204030204" pitchFamily="49" charset="0"/>
+              </a:rPr>
+              <a:t>&lt;service</a:t>
+            </a:r>
+            <a:br>
+              <a:rPr lang="en-US" altLang="en-US" sz="1600" dirty="0">
+                <a:solidFill>
+                  <a:srgbClr val="E8BF6A"/>
+                </a:solidFill>
+                <a:latin typeface="Consolas" panose="020B0609020204030204" pitchFamily="49" charset="0"/>
+              </a:rPr>
+            </a:br>
+            <a:r>
+              <a:rPr lang="en-US" altLang="en-US" sz="1600" dirty="0">
+                <a:solidFill>
+                  <a:srgbClr val="E8BF6A"/>
+                </a:solidFill>
+                <a:latin typeface="Consolas" panose="020B0609020204030204" pitchFamily="49" charset="0"/>
+              </a:rPr>
+              <a:t>    </a:t>
+            </a:r>
+            <a:r>
+              <a:rPr lang="en-US" altLang="en-US" sz="1600" dirty="0" err="1">
+                <a:solidFill>
+                  <a:srgbClr val="9876AA"/>
+                </a:solidFill>
+                <a:latin typeface="Consolas" panose="020B0609020204030204" pitchFamily="49" charset="0"/>
+              </a:rPr>
+              <a:t>android</a:t>
+            </a:r>
+            <a:r>
+              <a:rPr lang="en-US" altLang="en-US" sz="1600" dirty="0" err="1">
+                <a:solidFill>
+                  <a:srgbClr val="BABABA"/>
+                </a:solidFill>
+                <a:latin typeface="Consolas" panose="020B0609020204030204" pitchFamily="49" charset="0"/>
+              </a:rPr>
+              <a:t>:name</a:t>
+            </a:r>
+            <a:r>
+              <a:rPr lang="en-US" altLang="en-US" sz="1600" dirty="0">
+                <a:solidFill>
+                  <a:srgbClr val="BABABA"/>
+                </a:solidFill>
+                <a:latin typeface="Consolas" panose="020B0609020204030204" pitchFamily="49" charset="0"/>
+              </a:rPr>
+              <a:t>=</a:t>
+            </a:r>
+            <a:r>
+              <a:rPr lang="en-US" altLang="en-US" sz="1600" dirty="0">
+                <a:solidFill>
+                  <a:srgbClr val="6A8759"/>
+                </a:solidFill>
+                <a:latin typeface="Consolas" panose="020B0609020204030204" pitchFamily="49" charset="0"/>
+              </a:rPr>
+              <a:t>".</a:t>
+            </a:r>
+            <a:r>
+              <a:rPr lang="en-US" altLang="en-US" sz="1600" dirty="0" err="1">
+                <a:solidFill>
+                  <a:srgbClr val="6A8759"/>
+                </a:solidFill>
+                <a:latin typeface="Consolas" panose="020B0609020204030204" pitchFamily="49" charset="0"/>
+              </a:rPr>
+              <a:t>sync.SyncService</a:t>
+            </a:r>
+            <a:r>
+              <a:rPr lang="en-US" altLang="en-US" sz="1600" dirty="0">
+                <a:solidFill>
+                  <a:srgbClr val="6A8759"/>
+                </a:solidFill>
+                <a:latin typeface="Consolas" panose="020B0609020204030204" pitchFamily="49" charset="0"/>
+              </a:rPr>
+              <a:t>"</a:t>
+            </a:r>
+            <a:br>
+              <a:rPr lang="en-US" altLang="en-US" sz="1600" dirty="0">
+                <a:solidFill>
+                  <a:srgbClr val="6A8759"/>
+                </a:solidFill>
+                <a:latin typeface="Consolas" panose="020B0609020204030204" pitchFamily="49" charset="0"/>
+              </a:rPr>
+            </a:br>
+            <a:r>
+              <a:rPr lang="en-US" altLang="en-US" sz="1600" dirty="0">
+                <a:solidFill>
+                  <a:srgbClr val="6A8759"/>
+                </a:solidFill>
+                <a:latin typeface="Consolas" panose="020B0609020204030204" pitchFamily="49" charset="0"/>
+              </a:rPr>
+              <a:t>    </a:t>
+            </a:r>
+            <a:r>
+              <a:rPr lang="en-US" altLang="en-US" sz="1600" dirty="0" err="1">
+                <a:solidFill>
+                  <a:srgbClr val="9876AA"/>
+                </a:solidFill>
+                <a:latin typeface="Consolas" panose="020B0609020204030204" pitchFamily="49" charset="0"/>
+              </a:rPr>
+              <a:t>android</a:t>
+            </a:r>
+            <a:r>
+              <a:rPr lang="en-US" altLang="en-US" sz="1600" dirty="0" err="1">
+                <a:solidFill>
+                  <a:srgbClr val="BABABA"/>
+                </a:solidFill>
+                <a:latin typeface="Consolas" panose="020B0609020204030204" pitchFamily="49" charset="0"/>
+              </a:rPr>
+              <a:t>:exported</a:t>
+            </a:r>
+            <a:r>
+              <a:rPr lang="en-US" altLang="en-US" sz="1600" dirty="0">
+                <a:solidFill>
+                  <a:srgbClr val="BABABA"/>
+                </a:solidFill>
+                <a:latin typeface="Consolas" panose="020B0609020204030204" pitchFamily="49" charset="0"/>
+              </a:rPr>
+              <a:t>=</a:t>
+            </a:r>
+            <a:r>
+              <a:rPr lang="en-US" altLang="en-US" sz="1600" dirty="0">
+                <a:solidFill>
+                  <a:srgbClr val="6A8759"/>
+                </a:solidFill>
+                <a:latin typeface="Consolas" panose="020B0609020204030204" pitchFamily="49" charset="0"/>
+              </a:rPr>
+              <a:t>"true"</a:t>
+            </a:r>
+            <a:r>
+              <a:rPr lang="en-US" altLang="en-US" sz="1600" dirty="0">
+                <a:solidFill>
+                  <a:srgbClr val="E8BF6A"/>
+                </a:solidFill>
+                <a:latin typeface="Consolas" panose="020B0609020204030204" pitchFamily="49" charset="0"/>
+              </a:rPr>
+              <a:t>&gt;</a:t>
+            </a:r>
+            <a:br>
+              <a:rPr lang="en-US" altLang="en-US" sz="1600" dirty="0">
+                <a:solidFill>
+                  <a:srgbClr val="E8BF6A"/>
+                </a:solidFill>
+                <a:latin typeface="Consolas" panose="020B0609020204030204" pitchFamily="49" charset="0"/>
+              </a:rPr>
+            </a:br>
+            <a:r>
+              <a:rPr lang="en-US" altLang="en-US" sz="1600" dirty="0">
+                <a:solidFill>
+                  <a:srgbClr val="E8BF6A"/>
+                </a:solidFill>
+                <a:latin typeface="Consolas" panose="020B0609020204030204" pitchFamily="49" charset="0"/>
+              </a:rPr>
+              <a:t>    </a:t>
+            </a:r>
+            <a:r>
+              <a:rPr lang="en-US" altLang="en-US" sz="1600" dirty="0">
+                <a:solidFill>
+                  <a:srgbClr val="808080"/>
+                </a:solidFill>
+                <a:latin typeface="Consolas" panose="020B0609020204030204" pitchFamily="49" charset="0"/>
+              </a:rPr>
+              <a:t>&lt;!-- This intent filter is required. It allows the system to launch our sync service</a:t>
+            </a:r>
+            <a:br>
+              <a:rPr lang="en-US" altLang="en-US" sz="1600" dirty="0">
+                <a:solidFill>
+                  <a:srgbClr val="808080"/>
+                </a:solidFill>
+                <a:latin typeface="Consolas" panose="020B0609020204030204" pitchFamily="49" charset="0"/>
+              </a:rPr>
+            </a:br>
+            <a:r>
+              <a:rPr lang="en-US" altLang="en-US" sz="1600" dirty="0">
+                <a:solidFill>
+                  <a:srgbClr val="808080"/>
+                </a:solidFill>
+                <a:latin typeface="Consolas" panose="020B0609020204030204" pitchFamily="49" charset="0"/>
+              </a:rPr>
+              <a:t>    </a:t>
+            </a:r>
+            <a:r>
+              <a:rPr lang="en-US" altLang="en-US" sz="1600" dirty="0" smtClean="0">
+                <a:solidFill>
+                  <a:srgbClr val="808080"/>
+                </a:solidFill>
+                <a:latin typeface="Consolas" panose="020B0609020204030204" pitchFamily="49" charset="0"/>
+              </a:rPr>
+              <a:t>     as </a:t>
+            </a:r>
+            <a:r>
+              <a:rPr lang="en-US" altLang="en-US" sz="1600" dirty="0">
+                <a:solidFill>
+                  <a:srgbClr val="808080"/>
+                </a:solidFill>
+                <a:latin typeface="Consolas" panose="020B0609020204030204" pitchFamily="49" charset="0"/>
+              </a:rPr>
+              <a:t>needed. --&gt;</a:t>
+            </a:r>
+            <a:br>
+              <a:rPr lang="en-US" altLang="en-US" sz="1600" dirty="0">
+                <a:solidFill>
+                  <a:srgbClr val="808080"/>
+                </a:solidFill>
+                <a:latin typeface="Consolas" panose="020B0609020204030204" pitchFamily="49" charset="0"/>
+              </a:rPr>
+            </a:br>
+            <a:r>
+              <a:rPr lang="en-US" altLang="en-US" sz="1600" dirty="0">
+                <a:solidFill>
+                  <a:srgbClr val="808080"/>
+                </a:solidFill>
+                <a:latin typeface="Consolas" panose="020B0609020204030204" pitchFamily="49" charset="0"/>
+              </a:rPr>
+              <a:t>    </a:t>
+            </a:r>
+            <a:r>
+              <a:rPr lang="en-US" altLang="en-US" sz="1600" dirty="0">
+                <a:solidFill>
+                  <a:srgbClr val="E8BF6A"/>
+                </a:solidFill>
+                <a:latin typeface="Consolas" panose="020B0609020204030204" pitchFamily="49" charset="0"/>
+              </a:rPr>
+              <a:t>&lt;intent-filter&gt;</a:t>
+            </a:r>
+            <a:br>
+              <a:rPr lang="en-US" altLang="en-US" sz="1600" dirty="0">
+                <a:solidFill>
+                  <a:srgbClr val="E8BF6A"/>
+                </a:solidFill>
+                <a:latin typeface="Consolas" panose="020B0609020204030204" pitchFamily="49" charset="0"/>
+              </a:rPr>
+            </a:br>
+            <a:r>
+              <a:rPr lang="en-US" altLang="en-US" sz="1600" dirty="0">
+                <a:solidFill>
+                  <a:srgbClr val="E8BF6A"/>
+                </a:solidFill>
+                <a:latin typeface="Consolas" panose="020B0609020204030204" pitchFamily="49" charset="0"/>
+              </a:rPr>
+              <a:t>        &lt;action </a:t>
+            </a:r>
+            <a:r>
+              <a:rPr lang="en-US" altLang="en-US" sz="1600" dirty="0" err="1">
+                <a:solidFill>
+                  <a:srgbClr val="9876AA"/>
+                </a:solidFill>
+                <a:latin typeface="Consolas" panose="020B0609020204030204" pitchFamily="49" charset="0"/>
+              </a:rPr>
+              <a:t>android</a:t>
+            </a:r>
+            <a:r>
+              <a:rPr lang="en-US" altLang="en-US" sz="1600" dirty="0" err="1">
+                <a:solidFill>
+                  <a:srgbClr val="BABABA"/>
+                </a:solidFill>
+                <a:latin typeface="Consolas" panose="020B0609020204030204" pitchFamily="49" charset="0"/>
+              </a:rPr>
+              <a:t>:name</a:t>
+            </a:r>
+            <a:r>
+              <a:rPr lang="en-US" altLang="en-US" sz="1600" dirty="0">
+                <a:solidFill>
+                  <a:srgbClr val="BABABA"/>
+                </a:solidFill>
+                <a:latin typeface="Consolas" panose="020B0609020204030204" pitchFamily="49" charset="0"/>
+              </a:rPr>
+              <a:t>=</a:t>
+            </a:r>
+            <a:r>
+              <a:rPr lang="en-US" altLang="en-US" sz="1600" dirty="0">
+                <a:solidFill>
+                  <a:srgbClr val="6A8759"/>
+                </a:solidFill>
+                <a:latin typeface="Consolas" panose="020B0609020204030204" pitchFamily="49" charset="0"/>
+              </a:rPr>
+              <a:t>"</a:t>
+            </a:r>
+            <a:r>
+              <a:rPr lang="en-US" altLang="en-US" sz="1600" dirty="0" err="1">
+                <a:solidFill>
+                  <a:srgbClr val="6A8759"/>
+                </a:solidFill>
+                <a:latin typeface="Consolas" panose="020B0609020204030204" pitchFamily="49" charset="0"/>
+              </a:rPr>
+              <a:t>android.content.SyncAdapter</a:t>
+            </a:r>
+            <a:r>
+              <a:rPr lang="en-US" altLang="en-US" sz="1600" dirty="0">
+                <a:solidFill>
+                  <a:srgbClr val="6A8759"/>
+                </a:solidFill>
+                <a:latin typeface="Consolas" panose="020B0609020204030204" pitchFamily="49" charset="0"/>
+              </a:rPr>
+              <a:t>"</a:t>
+            </a:r>
+            <a:r>
+              <a:rPr lang="en-US" altLang="en-US" sz="1600" dirty="0">
+                <a:solidFill>
+                  <a:srgbClr val="E8BF6A"/>
+                </a:solidFill>
+                <a:latin typeface="Consolas" panose="020B0609020204030204" pitchFamily="49" charset="0"/>
+              </a:rPr>
+              <a:t>/&gt;</a:t>
+            </a:r>
+            <a:br>
+              <a:rPr lang="en-US" altLang="en-US" sz="1600" dirty="0">
+                <a:solidFill>
+                  <a:srgbClr val="E8BF6A"/>
+                </a:solidFill>
+                <a:latin typeface="Consolas" panose="020B0609020204030204" pitchFamily="49" charset="0"/>
+              </a:rPr>
+            </a:br>
+            <a:r>
+              <a:rPr lang="en-US" altLang="en-US" sz="1600" dirty="0">
+                <a:solidFill>
+                  <a:srgbClr val="E8BF6A"/>
+                </a:solidFill>
+                <a:latin typeface="Consolas" panose="020B0609020204030204" pitchFamily="49" charset="0"/>
+              </a:rPr>
+              <a:t>    &lt;/intent-filter&gt;</a:t>
+            </a:r>
+            <a:br>
+              <a:rPr lang="en-US" altLang="en-US" sz="1600" dirty="0">
+                <a:solidFill>
+                  <a:srgbClr val="E8BF6A"/>
+                </a:solidFill>
+                <a:latin typeface="Consolas" panose="020B0609020204030204" pitchFamily="49" charset="0"/>
+              </a:rPr>
+            </a:br>
+            <a:endParaRPr lang="en-US" altLang="en-US" sz="1600" dirty="0">
+              <a:solidFill>
+                <a:srgbClr val="E8BF6A"/>
+              </a:solidFill>
+              <a:latin typeface="Consolas" panose="020B0609020204030204" pitchFamily="49" charset="0"/>
+            </a:endParaRPr>
+          </a:p>
+          <a:p>
+            <a:pPr lvl="0" eaLnBrk="0" fontAlgn="base" hangingPunct="0">
+              <a:spcBef>
+                <a:spcPct val="0"/>
+              </a:spcBef>
+              <a:spcAft>
+                <a:spcPct val="0"/>
+              </a:spcAft>
+            </a:pPr>
+            <a:r>
+              <a:rPr lang="en-US" altLang="en-US" sz="1600" dirty="0">
+                <a:solidFill>
+                  <a:srgbClr val="808080"/>
+                </a:solidFill>
+                <a:latin typeface="Consolas" panose="020B0609020204030204" pitchFamily="49" charset="0"/>
+              </a:rPr>
+              <a:t>    </a:t>
+            </a:r>
+            <a:r>
+              <a:rPr lang="en-US" altLang="en-US" sz="1600" dirty="0">
+                <a:solidFill>
+                  <a:srgbClr val="E8BF6A"/>
+                </a:solidFill>
+                <a:latin typeface="Consolas" panose="020B0609020204030204" pitchFamily="49" charset="0"/>
+              </a:rPr>
+              <a:t>&lt;meta-data</a:t>
+            </a:r>
+            <a:br>
+              <a:rPr lang="en-US" altLang="en-US" sz="1600" dirty="0">
+                <a:solidFill>
+                  <a:srgbClr val="E8BF6A"/>
+                </a:solidFill>
+                <a:latin typeface="Consolas" panose="020B0609020204030204" pitchFamily="49" charset="0"/>
+              </a:rPr>
+            </a:br>
+            <a:r>
+              <a:rPr lang="en-US" altLang="en-US" sz="1600" dirty="0">
+                <a:solidFill>
+                  <a:srgbClr val="E8BF6A"/>
+                </a:solidFill>
+                <a:latin typeface="Consolas" panose="020B0609020204030204" pitchFamily="49" charset="0"/>
+              </a:rPr>
+              <a:t>        </a:t>
+            </a:r>
+            <a:r>
+              <a:rPr lang="en-US" altLang="en-US" sz="1600" dirty="0" err="1">
+                <a:solidFill>
+                  <a:srgbClr val="9876AA"/>
+                </a:solidFill>
+                <a:latin typeface="Consolas" panose="020B0609020204030204" pitchFamily="49" charset="0"/>
+              </a:rPr>
+              <a:t>android</a:t>
+            </a:r>
+            <a:r>
+              <a:rPr lang="en-US" altLang="en-US" sz="1600" dirty="0" err="1">
+                <a:solidFill>
+                  <a:srgbClr val="BABABA"/>
+                </a:solidFill>
+                <a:latin typeface="Consolas" panose="020B0609020204030204" pitchFamily="49" charset="0"/>
+              </a:rPr>
+              <a:t>:name</a:t>
+            </a:r>
+            <a:r>
+              <a:rPr lang="en-US" altLang="en-US" sz="1600" dirty="0">
+                <a:solidFill>
+                  <a:srgbClr val="BABABA"/>
+                </a:solidFill>
+                <a:latin typeface="Consolas" panose="020B0609020204030204" pitchFamily="49" charset="0"/>
+              </a:rPr>
+              <a:t>=</a:t>
+            </a:r>
+            <a:r>
+              <a:rPr lang="en-US" altLang="en-US" sz="1600" dirty="0">
+                <a:solidFill>
+                  <a:srgbClr val="6A8759"/>
+                </a:solidFill>
+                <a:latin typeface="Consolas" panose="020B0609020204030204" pitchFamily="49" charset="0"/>
+              </a:rPr>
+              <a:t>"                           "</a:t>
+            </a:r>
+            <a:br>
+              <a:rPr lang="en-US" altLang="en-US" sz="1600" dirty="0">
+                <a:solidFill>
+                  <a:srgbClr val="6A8759"/>
+                </a:solidFill>
+                <a:latin typeface="Consolas" panose="020B0609020204030204" pitchFamily="49" charset="0"/>
+              </a:rPr>
+            </a:br>
+            <a:r>
+              <a:rPr lang="en-US" altLang="en-US" sz="1600" dirty="0">
+                <a:solidFill>
+                  <a:srgbClr val="6A8759"/>
+                </a:solidFill>
+                <a:latin typeface="Consolas" panose="020B0609020204030204" pitchFamily="49" charset="0"/>
+              </a:rPr>
+              <a:t>        </a:t>
+            </a:r>
+            <a:r>
+              <a:rPr lang="en-US" altLang="en-US" sz="1600" dirty="0" err="1">
+                <a:solidFill>
+                  <a:srgbClr val="9876AA"/>
+                </a:solidFill>
+                <a:latin typeface="Consolas" panose="020B0609020204030204" pitchFamily="49" charset="0"/>
+              </a:rPr>
+              <a:t>android</a:t>
+            </a:r>
+            <a:r>
+              <a:rPr lang="en-US" altLang="en-US" sz="1600" dirty="0" err="1">
+                <a:solidFill>
+                  <a:srgbClr val="BABABA"/>
+                </a:solidFill>
+                <a:latin typeface="Consolas" panose="020B0609020204030204" pitchFamily="49" charset="0"/>
+              </a:rPr>
+              <a:t>:resource</a:t>
+            </a:r>
+            <a:r>
+              <a:rPr lang="en-US" altLang="en-US" sz="1600" dirty="0">
+                <a:solidFill>
+                  <a:srgbClr val="BABABA"/>
+                </a:solidFill>
+                <a:latin typeface="Consolas" panose="020B0609020204030204" pitchFamily="49" charset="0"/>
+              </a:rPr>
+              <a:t>=</a:t>
+            </a:r>
+            <a:r>
+              <a:rPr lang="en-US" altLang="en-US" sz="1600" dirty="0">
+                <a:solidFill>
+                  <a:srgbClr val="6A8759"/>
+                </a:solidFill>
+                <a:latin typeface="Consolas" panose="020B0609020204030204" pitchFamily="49" charset="0"/>
+              </a:rPr>
+              <a:t>"                "</a:t>
+            </a:r>
+            <a:r>
+              <a:rPr lang="en-US" altLang="en-US" sz="1600" dirty="0">
+                <a:solidFill>
+                  <a:srgbClr val="E8BF6A"/>
+                </a:solidFill>
+                <a:latin typeface="Consolas" panose="020B0609020204030204" pitchFamily="49" charset="0"/>
+              </a:rPr>
+              <a:t>/&gt;</a:t>
+            </a:r>
+            <a:br>
+              <a:rPr lang="en-US" altLang="en-US" sz="1600" dirty="0">
+                <a:solidFill>
+                  <a:srgbClr val="E8BF6A"/>
+                </a:solidFill>
+                <a:latin typeface="Consolas" panose="020B0609020204030204" pitchFamily="49" charset="0"/>
+              </a:rPr>
+            </a:br>
+            <a:r>
+              <a:rPr lang="en-US" altLang="en-US" sz="1600" dirty="0">
+                <a:solidFill>
+                  <a:srgbClr val="E8BF6A"/>
+                </a:solidFill>
+                <a:latin typeface="Consolas" panose="020B0609020204030204" pitchFamily="49" charset="0"/>
+              </a:rPr>
+              <a:t>&lt;/service&gt;</a:t>
+            </a:r>
+            <a:endParaRPr lang="en-US" altLang="en-US" sz="3600" dirty="0">
+              <a:latin typeface="Consolas" panose="020B0609020204030204" pitchFamily="49" charset="0"/>
+            </a:endParaRPr>
+          </a:p>
+        </p:txBody>
+      </p:sp>
+      <p:sp>
+        <p:nvSpPr>
+          <p:cNvPr id="5" name="Rectangle 1"/>
+          <p:cNvSpPr>
+            <a:spLocks noChangeArrowheads="1"/>
+          </p:cNvSpPr>
+          <p:nvPr/>
+        </p:nvSpPr>
+        <p:spPr bwMode="auto">
+          <a:xfrm>
+            <a:off x="652500" y="2132856"/>
+            <a:ext cx="10887000" cy="4104456"/>
+          </a:xfrm>
+          <a:prstGeom prst="rect">
+            <a:avLst/>
+          </a:prstGeom>
+          <a:solidFill>
+            <a:srgbClr val="2B2B2B"/>
+          </a:solidFill>
+          <a:ln>
+            <a:noFill/>
+          </a:ln>
+          <a:effectLst/>
+          <a:extLst>
+            <a:ext uri="{91240B29-F687-4F45-9708-019B960494DF}">
+              <a14:hiddenLine xmlns:a14="http://schemas.microsoft.com/office/drawing/2010/main" w="9525">
+                <a:solidFill>
+                  <a:schemeClr val="tx1"/>
+                </a:solidFill>
+                <a:miter lim="800000"/>
+                <a:headEnd/>
+                <a:tailEnd/>
+              </a14:hiddenLine>
+            </a:ext>
+            <a:ext uri="{AF507438-7753-43E0-B8FC-AC1667EBCBE1}">
+              <a14:hiddenEffects xmlns:a14="http://schemas.microsoft.com/office/drawing/2010/main">
+                <a:effectLst>
+                  <a:outerShdw dist="35921" dir="2700000" algn="ctr" rotWithShape="0">
+                    <a:schemeClr val="bg2"/>
+                  </a:outerShdw>
+                </a:effectLst>
+              </a14:hiddenEffects>
+            </a:ext>
+          </a:extLst>
+        </p:spPr>
+        <p:txBody>
+          <a:bodyPr vert="horz" wrap="square" lIns="182880" tIns="182880" rIns="182880" bIns="182880" numCol="1" anchor="t" anchorCtr="0" compatLnSpc="1">
+            <a:prstTxWarp prst="textNoShape">
+              <a:avLst/>
+            </a:prstTxWarp>
+            <a:noAutofit/>
+          </a:bodyPr>
+          <a:lstStyle/>
+          <a:p>
+            <a:pPr lvl="0" eaLnBrk="0" fontAlgn="base" hangingPunct="0">
+              <a:spcBef>
+                <a:spcPct val="0"/>
+              </a:spcBef>
+              <a:spcAft>
+                <a:spcPct val="0"/>
+              </a:spcAft>
+            </a:pPr>
+            <a:r>
+              <a:rPr lang="en-US" altLang="en-US" sz="1600" dirty="0">
+                <a:solidFill>
+                  <a:srgbClr val="808080"/>
+                </a:solidFill>
+                <a:latin typeface="Consolas" panose="020B0609020204030204" pitchFamily="49" charset="0"/>
+              </a:rPr>
+              <a:t>&lt;!-- This service implements our </a:t>
+            </a:r>
+            <a:r>
+              <a:rPr lang="en-US" altLang="en-US" sz="1600" dirty="0" err="1">
+                <a:solidFill>
+                  <a:srgbClr val="808080"/>
+                </a:solidFill>
+                <a:latin typeface="Consolas" panose="020B0609020204030204" pitchFamily="49" charset="0"/>
+              </a:rPr>
+              <a:t>SyncAdapter</a:t>
+            </a:r>
+            <a:r>
+              <a:rPr lang="en-US" altLang="en-US" sz="1600" dirty="0">
+                <a:solidFill>
+                  <a:srgbClr val="808080"/>
+                </a:solidFill>
+                <a:latin typeface="Consolas" panose="020B0609020204030204" pitchFamily="49" charset="0"/>
+              </a:rPr>
+              <a:t>. It needs to be exported, so that the system</a:t>
+            </a:r>
+            <a:br>
+              <a:rPr lang="en-US" altLang="en-US" sz="1600" dirty="0">
+                <a:solidFill>
+                  <a:srgbClr val="808080"/>
+                </a:solidFill>
+                <a:latin typeface="Consolas" panose="020B0609020204030204" pitchFamily="49" charset="0"/>
+              </a:rPr>
+            </a:br>
+            <a:r>
+              <a:rPr lang="en-US" altLang="en-US" sz="1600" dirty="0" smtClean="0">
+                <a:solidFill>
+                  <a:srgbClr val="808080"/>
+                </a:solidFill>
+                <a:latin typeface="Consolas" panose="020B0609020204030204" pitchFamily="49" charset="0"/>
+              </a:rPr>
+              <a:t>     sync </a:t>
+            </a:r>
+            <a:r>
+              <a:rPr lang="en-US" altLang="en-US" sz="1600" dirty="0">
+                <a:solidFill>
+                  <a:srgbClr val="808080"/>
+                </a:solidFill>
+                <a:latin typeface="Consolas" panose="020B0609020204030204" pitchFamily="49" charset="0"/>
+              </a:rPr>
+              <a:t>framework can access it. --&gt;</a:t>
+            </a:r>
+            <a:br>
+              <a:rPr lang="en-US" altLang="en-US" sz="1600" dirty="0">
+                <a:solidFill>
+                  <a:srgbClr val="808080"/>
+                </a:solidFill>
+                <a:latin typeface="Consolas" panose="020B0609020204030204" pitchFamily="49" charset="0"/>
+              </a:rPr>
+            </a:br>
+            <a:r>
+              <a:rPr lang="en-US" altLang="en-US" sz="1600" dirty="0">
+                <a:solidFill>
+                  <a:srgbClr val="E8BF6A"/>
+                </a:solidFill>
+                <a:latin typeface="Consolas" panose="020B0609020204030204" pitchFamily="49" charset="0"/>
+              </a:rPr>
+              <a:t>&lt;service</a:t>
+            </a:r>
+            <a:br>
+              <a:rPr lang="en-US" altLang="en-US" sz="1600" dirty="0">
+                <a:solidFill>
+                  <a:srgbClr val="E8BF6A"/>
+                </a:solidFill>
+                <a:latin typeface="Consolas" panose="020B0609020204030204" pitchFamily="49" charset="0"/>
+              </a:rPr>
+            </a:br>
+            <a:r>
+              <a:rPr lang="en-US" altLang="en-US" sz="1600" dirty="0">
+                <a:solidFill>
+                  <a:srgbClr val="E8BF6A"/>
+                </a:solidFill>
+                <a:latin typeface="Consolas" panose="020B0609020204030204" pitchFamily="49" charset="0"/>
+              </a:rPr>
+              <a:t>    </a:t>
+            </a:r>
+            <a:r>
+              <a:rPr lang="en-US" altLang="en-US" sz="1600" dirty="0" err="1">
+                <a:solidFill>
+                  <a:srgbClr val="9876AA"/>
+                </a:solidFill>
+                <a:latin typeface="Consolas" panose="020B0609020204030204" pitchFamily="49" charset="0"/>
+              </a:rPr>
+              <a:t>android</a:t>
+            </a:r>
+            <a:r>
+              <a:rPr lang="en-US" altLang="en-US" sz="1600" dirty="0" err="1">
+                <a:solidFill>
+                  <a:srgbClr val="BABABA"/>
+                </a:solidFill>
+                <a:latin typeface="Consolas" panose="020B0609020204030204" pitchFamily="49" charset="0"/>
+              </a:rPr>
+              <a:t>:name</a:t>
+            </a:r>
+            <a:r>
+              <a:rPr lang="en-US" altLang="en-US" sz="1600" dirty="0">
+                <a:solidFill>
+                  <a:srgbClr val="BABABA"/>
+                </a:solidFill>
+                <a:latin typeface="Consolas" panose="020B0609020204030204" pitchFamily="49" charset="0"/>
+              </a:rPr>
+              <a:t>=</a:t>
+            </a:r>
+            <a:r>
+              <a:rPr lang="en-US" altLang="en-US" sz="1600" dirty="0">
+                <a:solidFill>
+                  <a:srgbClr val="6A8759"/>
+                </a:solidFill>
+                <a:latin typeface="Consolas" panose="020B0609020204030204" pitchFamily="49" charset="0"/>
+              </a:rPr>
+              <a:t>".</a:t>
+            </a:r>
+            <a:r>
+              <a:rPr lang="en-US" altLang="en-US" sz="1600" dirty="0" err="1">
+                <a:solidFill>
+                  <a:srgbClr val="6A8759"/>
+                </a:solidFill>
+                <a:latin typeface="Consolas" panose="020B0609020204030204" pitchFamily="49" charset="0"/>
+              </a:rPr>
+              <a:t>sync.SyncService</a:t>
+            </a:r>
+            <a:r>
+              <a:rPr lang="en-US" altLang="en-US" sz="1600" dirty="0">
+                <a:solidFill>
+                  <a:srgbClr val="6A8759"/>
+                </a:solidFill>
+                <a:latin typeface="Consolas" panose="020B0609020204030204" pitchFamily="49" charset="0"/>
+              </a:rPr>
+              <a:t>"</a:t>
+            </a:r>
+            <a:br>
+              <a:rPr lang="en-US" altLang="en-US" sz="1600" dirty="0">
+                <a:solidFill>
+                  <a:srgbClr val="6A8759"/>
+                </a:solidFill>
+                <a:latin typeface="Consolas" panose="020B0609020204030204" pitchFamily="49" charset="0"/>
+              </a:rPr>
+            </a:br>
+            <a:r>
+              <a:rPr lang="en-US" altLang="en-US" sz="1600" dirty="0">
+                <a:solidFill>
+                  <a:srgbClr val="6A8759"/>
+                </a:solidFill>
+                <a:latin typeface="Consolas" panose="020B0609020204030204" pitchFamily="49" charset="0"/>
+              </a:rPr>
+              <a:t>    </a:t>
+            </a:r>
+            <a:r>
+              <a:rPr lang="en-US" altLang="en-US" sz="1600" dirty="0" err="1">
+                <a:solidFill>
+                  <a:srgbClr val="9876AA"/>
+                </a:solidFill>
+                <a:latin typeface="Consolas" panose="020B0609020204030204" pitchFamily="49" charset="0"/>
+              </a:rPr>
+              <a:t>android</a:t>
+            </a:r>
+            <a:r>
+              <a:rPr lang="en-US" altLang="en-US" sz="1600" dirty="0" err="1">
+                <a:solidFill>
+                  <a:srgbClr val="BABABA"/>
+                </a:solidFill>
+                <a:latin typeface="Consolas" panose="020B0609020204030204" pitchFamily="49" charset="0"/>
+              </a:rPr>
+              <a:t>:exported</a:t>
+            </a:r>
+            <a:r>
+              <a:rPr lang="en-US" altLang="en-US" sz="1600" dirty="0">
+                <a:solidFill>
+                  <a:srgbClr val="BABABA"/>
+                </a:solidFill>
+                <a:latin typeface="Consolas" panose="020B0609020204030204" pitchFamily="49" charset="0"/>
+              </a:rPr>
+              <a:t>=</a:t>
+            </a:r>
+            <a:r>
+              <a:rPr lang="en-US" altLang="en-US" sz="1600" dirty="0">
+                <a:solidFill>
+                  <a:srgbClr val="6A8759"/>
+                </a:solidFill>
+                <a:latin typeface="Consolas" panose="020B0609020204030204" pitchFamily="49" charset="0"/>
+              </a:rPr>
+              <a:t>"true"</a:t>
+            </a:r>
+            <a:r>
+              <a:rPr lang="en-US" altLang="en-US" sz="1600" dirty="0">
+                <a:solidFill>
+                  <a:srgbClr val="E8BF6A"/>
+                </a:solidFill>
+                <a:latin typeface="Consolas" panose="020B0609020204030204" pitchFamily="49" charset="0"/>
+              </a:rPr>
+              <a:t>&gt;</a:t>
+            </a:r>
+            <a:br>
+              <a:rPr lang="en-US" altLang="en-US" sz="1600" dirty="0">
+                <a:solidFill>
+                  <a:srgbClr val="E8BF6A"/>
+                </a:solidFill>
+                <a:latin typeface="Consolas" panose="020B0609020204030204" pitchFamily="49" charset="0"/>
+              </a:rPr>
+            </a:br>
             <a:r>
               <a:rPr lang="en-US" altLang="en-US" sz="1600" dirty="0">
                 <a:solidFill>
@@ -18383,9 +19755,196 @@
   <p:timing>
     <p:tnLst>
       <p:par>
-        <p:cTn id="1" dur="indefinite" restart="never" nodeType="tmRoot"/>
+        <p:cTn id="1" dur="indefinite" restart="never" nodeType="tmRoot">
+          <p:childTnLst>
+            <p:seq concurrent="1" nextAc="seek">
+              <p:cTn id="2" dur="indefinite" nodeType="mainSeq">
+                <p:childTnLst>
+                  <p:par>
+                    <p:cTn id="3" fill="hold">
+                      <p:stCondLst>
+                        <p:cond delay="indefinite"/>
+                      </p:stCondLst>
+                      <p:childTnLst>
+                        <p:par>
+                          <p:cTn id="4" fill="hold">
+                            <p:stCondLst>
+                              <p:cond delay="0"/>
+                            </p:stCondLst>
+                            <p:childTnLst>
+                              <p:par>
+                                <p:cTn id="5" presetID="22" presetClass="entr" presetSubtype="1" fill="hold" grpId="0" nodeType="clickEffect">
+                                  <p:stCondLst>
+                                    <p:cond delay="0"/>
+                                  </p:stCondLst>
+                                  <p:childTnLst>
+                                    <p:set>
+                                      <p:cBhvr>
+                                        <p:cTn id="6" dur="1" fill="hold">
+                                          <p:stCondLst>
+                                            <p:cond delay="0"/>
+                                          </p:stCondLst>
+                                        </p:cTn>
+                                        <p:tgtEl>
+                                          <p:spTgt spid="13"/>
+                                        </p:tgtEl>
+                                        <p:attrNameLst>
+                                          <p:attrName>style.visibility</p:attrName>
+                                        </p:attrNameLst>
+                                      </p:cBhvr>
+                                      <p:to>
+                                        <p:strVal val="visible"/>
+                                      </p:to>
+                                    </p:set>
+                                    <p:animEffect transition="in" filter="wipe(up)">
+                                      <p:cBhvr>
+                                        <p:cTn id="7" dur="500"/>
+                                        <p:tgtEl>
+                                          <p:spTgt spid="13"/>
+                                        </p:tgtEl>
+                                      </p:cBhvr>
+                                    </p:animEffect>
+                                  </p:childTnLst>
+                                </p:cTn>
+                              </p:par>
+                            </p:childTnLst>
+                          </p:cTn>
+                        </p:par>
+                      </p:childTnLst>
+                    </p:cTn>
+                  </p:par>
+                  <p:par>
+                    <p:cTn id="8" fill="hold">
+                      <p:stCondLst>
+                        <p:cond delay="indefinite"/>
+                      </p:stCondLst>
+                      <p:childTnLst>
+                        <p:par>
+                          <p:cTn id="9" fill="hold">
+                            <p:stCondLst>
+                              <p:cond delay="0"/>
+                            </p:stCondLst>
+                            <p:childTnLst>
+                              <p:par>
+                                <p:cTn id="10" presetID="22" presetClass="entr" presetSubtype="1" fill="hold" grpId="0" nodeType="clickEffect">
+                                  <p:stCondLst>
+                                    <p:cond delay="0"/>
+                                  </p:stCondLst>
+                                  <p:childTnLst>
+                                    <p:set>
+                                      <p:cBhvr>
+                                        <p:cTn id="11" dur="1" fill="hold">
+                                          <p:stCondLst>
+                                            <p:cond delay="0"/>
+                                          </p:stCondLst>
+                                        </p:cTn>
+                                        <p:tgtEl>
+                                          <p:spTgt spid="4"/>
+                                        </p:tgtEl>
+                                        <p:attrNameLst>
+                                          <p:attrName>style.visibility</p:attrName>
+                                        </p:attrNameLst>
+                                      </p:cBhvr>
+                                      <p:to>
+                                        <p:strVal val="visible"/>
+                                      </p:to>
+                                    </p:set>
+                                    <p:animEffect transition="in" filter="wipe(up)">
+                                      <p:cBhvr>
+                                        <p:cTn id="12" dur="500"/>
+                                        <p:tgtEl>
+                                          <p:spTgt spid="4"/>
+                                        </p:tgtEl>
+                                      </p:cBhvr>
+                                    </p:animEffect>
+                                  </p:childTnLst>
+                                </p:cTn>
+                              </p:par>
+                            </p:childTnLst>
+                          </p:cTn>
+                        </p:par>
+                      </p:childTnLst>
+                    </p:cTn>
+                  </p:par>
+                  <p:par>
+                    <p:cTn id="13" fill="hold">
+                      <p:stCondLst>
+                        <p:cond delay="indefinite"/>
+                      </p:stCondLst>
+                      <p:childTnLst>
+                        <p:par>
+                          <p:cTn id="14" fill="hold">
+                            <p:stCondLst>
+                              <p:cond delay="0"/>
+                            </p:stCondLst>
+                            <p:childTnLst>
+                              <p:par>
+                                <p:cTn id="15" presetID="22" presetClass="entr" presetSubtype="1" fill="hold" grpId="0" nodeType="clickEffect">
+                                  <p:stCondLst>
+                                    <p:cond delay="0"/>
+                                  </p:stCondLst>
+                                  <p:childTnLst>
+                                    <p:set>
+                                      <p:cBhvr>
+                                        <p:cTn id="16" dur="1" fill="hold">
+                                          <p:stCondLst>
+                                            <p:cond delay="0"/>
+                                          </p:stCondLst>
+                                        </p:cTn>
+                                        <p:tgtEl>
+                                          <p:spTgt spid="5"/>
+                                        </p:tgtEl>
+                                        <p:attrNameLst>
+                                          <p:attrName>style.visibility</p:attrName>
+                                        </p:attrNameLst>
+                                      </p:cBhvr>
+                                      <p:to>
+                                        <p:strVal val="visible"/>
+                                      </p:to>
+                                    </p:set>
+                                    <p:animEffect transition="in" filter="wipe(up)">
+                                      <p:cBhvr>
+                                        <p:cTn id="17" dur="500"/>
+                                        <p:tgtEl>
+                                          <p:spTgt spid="5"/>
+                                        </p:tgtEl>
+                                      </p:cBhvr>
+                                    </p:animEffect>
+                                  </p:childTnLst>
+                                </p:cTn>
+                              </p:par>
+                            </p:childTnLst>
+                          </p:cTn>
+                        </p:par>
+                      </p:childTnLst>
+                    </p:cTn>
+                  </p:par>
+                </p:childTnLst>
+              </p:cTn>
+              <p:prevCondLst>
+                <p:cond evt="onPrev" delay="0">
+                  <p:tgtEl>
+                    <p:sldTgt/>
+                  </p:tgtEl>
+                </p:cond>
+              </p:prevCondLst>
+              <p:nextCondLst>
+                <p:cond evt="onNext" delay="0">
+                  <p:tgtEl>
+                    <p:sldTgt/>
+                  </p:tgtEl>
+                </p:cond>
+              </p:nextCondLst>
+            </p:seq>
+          </p:childTnLst>
+        </p:cTn>
       </p:par>
     </p:tnLst>
+    <p:bldLst>
+      <p:bldP spid="13" grpId="0" animBg="1"/>
+      <p:bldP spid="4" grpId="0" animBg="1"/>
+      <p:bldP spid="5" grpId="0" animBg="1"/>
+    </p:bldLst>
   </p:timing>
 </p:sld>
 </file>
@@ -19297,13 +20856,13 @@
   <p:clrMapOvr>
     <a:masterClrMapping/>
   </p:clrMapOvr>
-  <mc:AlternateContent xmlns:mc="http://schemas.openxmlformats.org/markup-compatibility/2006">
-    <mc:Choice xmlns:p14="http://schemas.microsoft.com/office/powerpoint/2010/main" Requires="p14">
+  <mc:AlternateContent xmlns:mc="http://schemas.openxmlformats.org/markup-compatibility/2006" xmlns:p14="http://schemas.microsoft.com/office/powerpoint/2010/main">
+    <mc:Choice Requires="p14">
       <p:transition p14:dur="250">
         <p14:reveal/>
       </p:transition>
     </mc:Choice>
-    <mc:Fallback>
+    <mc:Fallback xmlns="">
       <p:transition>
         <p:fade/>
       </p:transition>
@@ -20250,13 +21809,13 @@
   <p:clrMapOvr>
     <a:masterClrMapping/>
   </p:clrMapOvr>
-  <mc:AlternateContent xmlns:mc="http://schemas.openxmlformats.org/markup-compatibility/2006">
-    <mc:Choice xmlns:p14="http://schemas.microsoft.com/office/powerpoint/2010/main" Requires="p14">
+  <mc:AlternateContent xmlns:mc="http://schemas.openxmlformats.org/markup-compatibility/2006" xmlns:p14="http://schemas.microsoft.com/office/powerpoint/2010/main">
+    <mc:Choice Requires="p14">
       <p:transition p14:dur="250">
         <p14:reveal/>
       </p:transition>
     </mc:Choice>
-    <mc:Fallback>
+    <mc:Fallback xmlns="">
       <p:transition>
         <p:fade/>
       </p:transition>
@@ -20310,13 +21869,25 @@
             </a:r>
             <a:r>
               <a:rPr lang="en-US" dirty="0" smtClean="0"/>
-              <a:t> class</a:t>
-            </a:r>
-          </a:p>
-          <a:p>
+              <a:t> </a:t>
+            </a:r>
             <a:r>
               <a:rPr lang="en-US" dirty="0" smtClean="0"/>
-              <a:t>Lifecycle</a:t>
+              <a:t>lives as long as the </a:t>
+            </a:r>
+            <a:r>
+              <a:rPr lang="en-US" dirty="0" err="1" smtClean="0"/>
+              <a:t>SyncAdapter</a:t>
+            </a:r>
+            <a:r>
+              <a:rPr lang="en-US" dirty="0" smtClean="0"/>
+              <a:t> is running</a:t>
+            </a:r>
+          </a:p>
+          <a:p>
+            <a:r>
+              <a:rPr lang="en-US" dirty="0" smtClean="0"/>
+              <a:t>Runs in its own thread</a:t>
             </a:r>
             <a:endParaRPr lang="en-US" dirty="0"/>
           </a:p>
@@ -21345,7 +22916,7 @@
         <p:spPr/>
         <p:txBody>
           <a:bodyPr>
-            <a:normAutofit fontScale="92500" lnSpcReduction="20000"/>
+            <a:normAutofit fontScale="92500" lnSpcReduction="10000"/>
           </a:bodyPr>
           <a:lstStyle/>
           <a:p>
@@ -22228,20 +23799,7 @@
                 <a:effectLst/>
                 <a:latin typeface="Consolas" panose="020B0609020204030204" pitchFamily="49" charset="0"/>
               </a:rPr>
-              <a:t>"false</a:t>
-            </a:r>
-            <a:r>
-              <a:rPr kumimoji="0" lang="en-US" altLang="en-US" sz="1600" b="0" i="0" u="none" strike="noStrike" cap="none" normalizeH="0" baseline="0" dirty="0" smtClean="0">
-                <a:ln>
-                  <a:noFill/>
-                </a:ln>
-                <a:solidFill>
-                  <a:srgbClr val="6A8759"/>
-                </a:solidFill>
-                <a:effectLst/>
-                <a:latin typeface="Consolas" panose="020B0609020204030204" pitchFamily="49" charset="0"/>
-              </a:rPr>
-              <a:t>"</a:t>
+              <a:t>"false"</a:t>
             </a:r>
             <a:r>
               <a:rPr kumimoji="0" lang="en-US" altLang="en-US" sz="1600" b="0" i="0" u="none" strike="noStrike" cap="none" normalizeH="0" baseline="0" dirty="0" smtClean="0">
@@ -25040,20 +26598,7 @@
                 <a:effectLst/>
                 <a:latin typeface="Consolas" panose="020B0609020204030204" pitchFamily="49" charset="0"/>
               </a:rPr>
-              <a:t>"false</a:t>
-            </a:r>
-            <a:r>
-              <a:rPr kumimoji="0" lang="en-US" altLang="en-US" sz="1600" b="0" i="0" u="none" strike="noStrike" cap="none" normalizeH="0" baseline="0" dirty="0" smtClean="0">
-                <a:ln>
-                  <a:noFill/>
-                </a:ln>
-                <a:solidFill>
-                  <a:srgbClr val="6A8759"/>
-                </a:solidFill>
-                <a:effectLst/>
-                <a:latin typeface="Consolas" panose="020B0609020204030204" pitchFamily="49" charset="0"/>
-              </a:rPr>
-              <a:t>"</a:t>
+              <a:t>"false"</a:t>
             </a:r>
             <a:r>
               <a:rPr kumimoji="0" lang="en-US" altLang="en-US" sz="1600" b="0" i="0" u="none" strike="noStrike" cap="none" normalizeH="0" baseline="0" dirty="0" smtClean="0">
@@ -27879,10 +29424,6 @@
                   </a:rPr>
                   <a:t> internet</a:t>
                 </a:r>
-                <a:endParaRPr lang="en-US" sz="2000" dirty="0">
-                  <a:latin typeface="MV Boli" panose="02000500030200090000" pitchFamily="2" charset="0"/>
-                  <a:cs typeface="MV Boli" panose="02000500030200090000" pitchFamily="2" charset="0"/>
-                </a:endParaRPr>
               </a:p>
             </p:txBody>
           </p:sp>
@@ -28113,7 +29654,6 @@
               <a:rPr lang="en-US" dirty="0" smtClean="0"/>
               <a:t>(Android Developers Blog)</a:t>
             </a:r>
-            <a:endParaRPr lang="en-US" dirty="0" smtClean="0"/>
           </a:p>
         </p:txBody>
       </p:sp>
@@ -29950,10 +31490,6 @@
                 </a:rPr>
                 <a:t> internet</a:t>
               </a:r>
-              <a:endParaRPr lang="en-US" sz="2000" dirty="0">
-                <a:latin typeface="MV Boli" panose="02000500030200090000" pitchFamily="2" charset="0"/>
-                <a:cs typeface="MV Boli" panose="02000500030200090000" pitchFamily="2" charset="0"/>
-              </a:endParaRPr>
             </a:p>
           </p:txBody>
         </p:sp>
@@ -30937,10 +32473,6 @@
                 </a:rPr>
                 <a:t> internet</a:t>
               </a:r>
-              <a:endParaRPr lang="en-US" sz="2000" dirty="0">
-                <a:latin typeface="MV Boli" panose="02000500030200090000" pitchFamily="2" charset="0"/>
-                <a:cs typeface="MV Boli" panose="02000500030200090000" pitchFamily="2" charset="0"/>
-              </a:endParaRPr>
             </a:p>
           </p:txBody>
         </p:sp>
@@ -31588,10 +33120,6 @@
                 </a:rPr>
                 <a:t> internet</a:t>
               </a:r>
-              <a:endParaRPr lang="en-US" sz="2000" dirty="0">
-                <a:latin typeface="MV Boli" panose="02000500030200090000" pitchFamily="2" charset="0"/>
-                <a:cs typeface="MV Boli" panose="02000500030200090000" pitchFamily="2" charset="0"/>
-              </a:endParaRPr>
             </a:p>
           </p:txBody>
         </p:sp>
@@ -32131,10 +33659,6 @@
                 </a:rPr>
                 <a:t> internet</a:t>
               </a:r>
-              <a:endParaRPr lang="en-US" sz="2000" dirty="0">
-                <a:latin typeface="MV Boli" panose="02000500030200090000" pitchFamily="2" charset="0"/>
-                <a:cs typeface="MV Boli" panose="02000500030200090000" pitchFamily="2" charset="0"/>
-              </a:endParaRPr>
             </a:p>
           </p:txBody>
         </p:sp>
@@ -33061,10 +34585,6 @@
                 </a:rPr>
                 <a:t> internet</a:t>
               </a:r>
-              <a:endParaRPr lang="en-US" sz="2000" dirty="0">
-                <a:latin typeface="MV Boli" panose="02000500030200090000" pitchFamily="2" charset="0"/>
-                <a:cs typeface="MV Boli" panose="02000500030200090000" pitchFamily="2" charset="0"/>
-              </a:endParaRPr>
             </a:p>
           </p:txBody>
         </p:sp>
@@ -34442,10 +35962,6 @@
                 </a:rPr>
                 <a:t> internet</a:t>
               </a:r>
-              <a:endParaRPr lang="en-US" sz="2000" dirty="0">
-                <a:latin typeface="MV Boli" panose="02000500030200090000" pitchFamily="2" charset="0"/>
-                <a:cs typeface="MV Boli" panose="02000500030200090000" pitchFamily="2" charset="0"/>
-              </a:endParaRPr>
             </a:p>
           </p:txBody>
         </p:sp>

--- a/I've been doing some syncing.pptx
+++ b/I've been doing some syncing.pptx
@@ -5,7 +5,7 @@
     <p:sldMasterId id="2147483660" r:id="rId1"/>
   </p:sldMasterIdLst>
   <p:notesMasterIdLst>
-    <p:notesMasterId r:id="rId32"/>
+    <p:notesMasterId r:id="rId38"/>
   </p:notesMasterIdLst>
   <p:sldIdLst>
     <p:sldId id="315" r:id="rId2"/>
@@ -25,19 +25,25 @@
     <p:sldId id="307" r:id="rId16"/>
     <p:sldId id="306" r:id="rId17"/>
     <p:sldId id="312" r:id="rId18"/>
-    <p:sldId id="309" r:id="rId19"/>
-    <p:sldId id="320" r:id="rId20"/>
-    <p:sldId id="321" r:id="rId21"/>
-    <p:sldId id="311" r:id="rId22"/>
-    <p:sldId id="310" r:id="rId23"/>
-    <p:sldId id="293" r:id="rId24"/>
-    <p:sldId id="316" r:id="rId25"/>
-    <p:sldId id="317" r:id="rId26"/>
-    <p:sldId id="318" r:id="rId27"/>
-    <p:sldId id="292" r:id="rId28"/>
-    <p:sldId id="291" r:id="rId29"/>
-    <p:sldId id="294" r:id="rId30"/>
-    <p:sldId id="295" r:id="rId31"/>
+    <p:sldId id="325" r:id="rId19"/>
+    <p:sldId id="309" r:id="rId20"/>
+    <p:sldId id="320" r:id="rId21"/>
+    <p:sldId id="321" r:id="rId22"/>
+    <p:sldId id="311" r:id="rId23"/>
+    <p:sldId id="310" r:id="rId24"/>
+    <p:sldId id="326" r:id="rId25"/>
+    <p:sldId id="327" r:id="rId26"/>
+    <p:sldId id="316" r:id="rId27"/>
+    <p:sldId id="317" r:id="rId28"/>
+    <p:sldId id="318" r:id="rId29"/>
+    <p:sldId id="322" r:id="rId30"/>
+    <p:sldId id="292" r:id="rId31"/>
+    <p:sldId id="324" r:id="rId32"/>
+    <p:sldId id="293" r:id="rId33"/>
+    <p:sldId id="323" r:id="rId34"/>
+    <p:sldId id="291" r:id="rId35"/>
+    <p:sldId id="294" r:id="rId36"/>
+    <p:sldId id="295" r:id="rId37"/>
   </p:sldIdLst>
   <p:sldSz cx="12192000" cy="6858000"/>
   <p:notesSz cx="6858000" cy="9144000"/>
@@ -573,7 +579,7 @@
             <a:fld id="{375B649D-962F-434C-B1D1-0A0101E8CDA0}" type="slidenum">
               <a:rPr lang="nl-NL" smtClean="0"/>
               <a:pPr/>
-              <a:t>28</a:t>
+              <a:t>34</a:t>
             </a:fld>
             <a:endParaRPr lang="nl-NL"/>
           </a:p>
@@ -10480,12 +10486,12 @@
           <a:p>
             <a:pPr algn="ctr"/>
             <a:r>
-              <a:rPr lang="en-US" sz="2800" b="1" dirty="0" smtClean="0">
+              <a:rPr lang="en-US" sz="2800" b="1" dirty="0" err="1" smtClean="0">
                 <a:solidFill>
                   <a:schemeClr val="bg1"/>
                 </a:solidFill>
               </a:rPr>
-              <a:t>Service</a:t>
+              <a:t>SyncService</a:t>
             </a:r>
             <a:endParaRPr lang="en-US" sz="2800" b="1" dirty="0">
               <a:solidFill>
@@ -10952,12 +10958,12 @@
           <a:p>
             <a:pPr algn="ctr"/>
             <a:r>
-              <a:rPr lang="en-US" sz="2800" b="1" dirty="0" smtClean="0">
+              <a:rPr lang="en-US" sz="2800" b="1" dirty="0" err="1" smtClean="0">
                 <a:solidFill>
                   <a:srgbClr val="C35A57"/>
                 </a:solidFill>
               </a:rPr>
-              <a:t>Service</a:t>
+              <a:t>SyncService</a:t>
             </a:r>
             <a:endParaRPr lang="en-US" sz="2800" b="1" dirty="0">
               <a:solidFill>
@@ -16119,12 +16125,12 @@
           <a:p>
             <a:pPr algn="ctr"/>
             <a:r>
-              <a:rPr lang="en-US" sz="2800" b="1" dirty="0" smtClean="0">
+              <a:rPr lang="en-US" sz="2800" b="1" dirty="0" err="1" smtClean="0">
                 <a:solidFill>
                   <a:schemeClr val="bg1"/>
                 </a:solidFill>
               </a:rPr>
-              <a:t>Service</a:t>
+              <a:t>SyncService</a:t>
             </a:r>
             <a:endParaRPr lang="en-US" sz="2800" b="1" dirty="0">
               <a:solidFill>
@@ -16641,12 +16647,12 @@
           <a:p>
             <a:pPr algn="ctr"/>
             <a:r>
-              <a:rPr lang="en-US" sz="2800" b="1" dirty="0" smtClean="0">
+              <a:rPr lang="en-US" sz="2800" b="1" dirty="0" err="1" smtClean="0">
                 <a:solidFill>
                   <a:schemeClr val="bg1"/>
                 </a:solidFill>
               </a:rPr>
-              <a:t>Service</a:t>
+              <a:t>SyncService</a:t>
             </a:r>
             <a:endParaRPr lang="en-US" sz="2800" b="1" dirty="0">
               <a:solidFill>
@@ -16758,12 +16764,95 @@
                 <a:spcPct val="0"/>
               </a:spcAft>
             </a:pPr>
-            <a:endParaRPr lang="en-US" altLang="en-US" sz="1600" dirty="0" smtClean="0">
-              <a:solidFill>
-                <a:srgbClr val="808080"/>
-              </a:solidFill>
-              <a:latin typeface="Consolas" panose="020B0609020204030204" pitchFamily="49" charset="0"/>
-            </a:endParaRPr>
+            <a:r>
+              <a:rPr lang="en-US" altLang="en-US" sz="1600" dirty="0">
+                <a:solidFill>
+                  <a:srgbClr val="808080"/>
+                </a:solidFill>
+                <a:latin typeface="Consolas" panose="020B0609020204030204" pitchFamily="49" charset="0"/>
+              </a:rPr>
+              <a:t>&lt;!-- Required for fetching feed data. --&gt;</a:t>
+            </a:r>
+            <a:br>
+              <a:rPr lang="en-US" altLang="en-US" sz="1600" dirty="0">
+                <a:solidFill>
+                  <a:srgbClr val="808080"/>
+                </a:solidFill>
+                <a:latin typeface="Consolas" panose="020B0609020204030204" pitchFamily="49" charset="0"/>
+              </a:rPr>
+            </a:br>
+            <a:r>
+              <a:rPr lang="en-US" altLang="en-US" sz="1600" dirty="0">
+                <a:solidFill>
+                  <a:srgbClr val="E8BF6A"/>
+                </a:solidFill>
+                <a:latin typeface="Consolas" panose="020B0609020204030204" pitchFamily="49" charset="0"/>
+              </a:rPr>
+              <a:t>&lt;uses-permission </a:t>
+            </a:r>
+            <a:r>
+              <a:rPr lang="en-US" altLang="en-US" sz="1600" dirty="0" err="1">
+                <a:solidFill>
+                  <a:srgbClr val="9876AA"/>
+                </a:solidFill>
+                <a:latin typeface="Consolas" panose="020B0609020204030204" pitchFamily="49" charset="0"/>
+              </a:rPr>
+              <a:t>android</a:t>
+            </a:r>
+            <a:r>
+              <a:rPr lang="en-US" altLang="en-US" sz="1600" dirty="0" err="1">
+                <a:solidFill>
+                  <a:srgbClr val="BABABA"/>
+                </a:solidFill>
+                <a:latin typeface="Consolas" panose="020B0609020204030204" pitchFamily="49" charset="0"/>
+              </a:rPr>
+              <a:t>:name</a:t>
+            </a:r>
+            <a:r>
+              <a:rPr lang="en-US" altLang="en-US" sz="1600" dirty="0">
+                <a:solidFill>
+                  <a:srgbClr val="BABABA"/>
+                </a:solidFill>
+                <a:latin typeface="Consolas" panose="020B0609020204030204" pitchFamily="49" charset="0"/>
+              </a:rPr>
+              <a:t>=</a:t>
+            </a:r>
+            <a:r>
+              <a:rPr lang="en-US" altLang="en-US" sz="1600" dirty="0">
+                <a:solidFill>
+                  <a:srgbClr val="6A8759"/>
+                </a:solidFill>
+                <a:latin typeface="Consolas" panose="020B0609020204030204" pitchFamily="49" charset="0"/>
+              </a:rPr>
+              <a:t>"</a:t>
+            </a:r>
+            <a:r>
+              <a:rPr lang="en-US" altLang="en-US" sz="1600" dirty="0" err="1">
+                <a:solidFill>
+                  <a:srgbClr val="6A8759"/>
+                </a:solidFill>
+                <a:latin typeface="Consolas" panose="020B0609020204030204" pitchFamily="49" charset="0"/>
+              </a:rPr>
+              <a:t>android.permission.INTERNET</a:t>
+            </a:r>
+            <a:r>
+              <a:rPr lang="en-US" altLang="en-US" sz="1600" dirty="0" smtClean="0">
+                <a:solidFill>
+                  <a:srgbClr val="6A8759"/>
+                </a:solidFill>
+                <a:latin typeface="Consolas" panose="020B0609020204030204" pitchFamily="49" charset="0"/>
+              </a:rPr>
+              <a:t>"</a:t>
+            </a:r>
+            <a:r>
+              <a:rPr lang="en-US" altLang="en-US" sz="1600" dirty="0" smtClean="0">
+                <a:solidFill>
+                  <a:srgbClr val="E8BF6A"/>
+                </a:solidFill>
+                <a:latin typeface="Consolas" panose="020B0609020204030204" pitchFamily="49" charset="0"/>
+              </a:rPr>
+              <a:t>/&gt;</a:t>
+            </a:r>
           </a:p>
           <a:p>
             <a:pPr lvl="0" eaLnBrk="0" fontAlgn="base" hangingPunct="0">
@@ -16774,9 +16863,150 @@
                 <a:spcPct val="0"/>
               </a:spcAft>
             </a:pPr>
-            <a:endParaRPr lang="en-US" altLang="en-US" sz="1600" dirty="0">
+            <a:r>
+              <a:rPr lang="en-US" altLang="en-US" sz="1600" dirty="0">
+                <a:solidFill>
+                  <a:srgbClr val="E8BF6A"/>
+                </a:solidFill>
+                <a:latin typeface="Consolas" panose="020B0609020204030204" pitchFamily="49" charset="0"/>
+              </a:rPr>
+              <a:t/>
+            </a:r>
+            <a:br>
+              <a:rPr lang="en-US" altLang="en-US" sz="1600" dirty="0">
+                <a:solidFill>
+                  <a:srgbClr val="E8BF6A"/>
+                </a:solidFill>
+                <a:latin typeface="Consolas" panose="020B0609020204030204" pitchFamily="49" charset="0"/>
+              </a:rPr>
+            </a:br>
+            <a:r>
+              <a:rPr lang="en-US" altLang="en-US" sz="1600" dirty="0" smtClean="0">
+                <a:solidFill>
+                  <a:srgbClr val="808080"/>
+                </a:solidFill>
+                <a:latin typeface="Consolas" panose="020B0609020204030204" pitchFamily="49" charset="0"/>
+              </a:rPr>
+              <a:t>&lt;!-- </a:t>
+            </a:r>
+            <a:r>
+              <a:rPr lang="en-US" altLang="en-US" sz="1600" dirty="0">
+                <a:solidFill>
+                  <a:srgbClr val="808080"/>
+                </a:solidFill>
+                <a:latin typeface="Consolas" panose="020B0609020204030204" pitchFamily="49" charset="0"/>
+              </a:rPr>
+              <a:t>Required to enable our </a:t>
+            </a:r>
+            <a:r>
+              <a:rPr lang="en-US" altLang="en-US" sz="1600" dirty="0" err="1">
+                <a:solidFill>
+                  <a:srgbClr val="808080"/>
+                </a:solidFill>
+                <a:latin typeface="Consolas" panose="020B0609020204030204" pitchFamily="49" charset="0"/>
+              </a:rPr>
+              <a:t>SyncAdapter</a:t>
+            </a:r>
+            <a:r>
+              <a:rPr lang="en-US" altLang="en-US" sz="1600" dirty="0">
+                <a:solidFill>
+                  <a:srgbClr val="808080"/>
+                </a:solidFill>
+                <a:latin typeface="Consolas" panose="020B0609020204030204" pitchFamily="49" charset="0"/>
+              </a:rPr>
+              <a:t> after it's created. --&gt;</a:t>
+            </a:r>
+            <a:br>
+              <a:rPr lang="en-US" altLang="en-US" sz="1600" dirty="0">
+                <a:solidFill>
+                  <a:srgbClr val="808080"/>
+                </a:solidFill>
+                <a:latin typeface="Consolas" panose="020B0609020204030204" pitchFamily="49" charset="0"/>
+              </a:rPr>
+            </a:br>
+            <a:r>
+              <a:rPr lang="en-US" altLang="en-US" sz="1600" dirty="0">
+                <a:solidFill>
+                  <a:srgbClr val="E8BF6A"/>
+                </a:solidFill>
+                <a:latin typeface="Consolas" panose="020B0609020204030204" pitchFamily="49" charset="0"/>
+              </a:rPr>
+              <a:t>&lt;uses-permission </a:t>
+            </a:r>
+            <a:r>
+              <a:rPr lang="en-US" altLang="en-US" sz="1600" dirty="0" err="1">
+                <a:solidFill>
+                  <a:srgbClr val="9876AA"/>
+                </a:solidFill>
+                <a:latin typeface="Consolas" panose="020B0609020204030204" pitchFamily="49" charset="0"/>
+              </a:rPr>
+              <a:t>android</a:t>
+            </a:r>
+            <a:r>
+              <a:rPr lang="en-US" altLang="en-US" sz="1600" dirty="0" err="1">
+                <a:solidFill>
+                  <a:srgbClr val="BABABA"/>
+                </a:solidFill>
+                <a:latin typeface="Consolas" panose="020B0609020204030204" pitchFamily="49" charset="0"/>
+              </a:rPr>
+              <a:t>:name</a:t>
+            </a:r>
+            <a:r>
+              <a:rPr lang="en-US" altLang="en-US" sz="1600" dirty="0">
+                <a:solidFill>
+                  <a:srgbClr val="BABABA"/>
+                </a:solidFill>
+                <a:latin typeface="Consolas" panose="020B0609020204030204" pitchFamily="49" charset="0"/>
+              </a:rPr>
+              <a:t>=</a:t>
+            </a:r>
+            <a:r>
+              <a:rPr lang="en-US" altLang="en-US" sz="1600" dirty="0">
+                <a:solidFill>
+                  <a:srgbClr val="6A8759"/>
+                </a:solidFill>
+                <a:latin typeface="Consolas" panose="020B0609020204030204" pitchFamily="49" charset="0"/>
+              </a:rPr>
+              <a:t>"</a:t>
+            </a:r>
+            <a:r>
+              <a:rPr lang="en-US" altLang="en-US" sz="1600" dirty="0" err="1">
+                <a:solidFill>
+                  <a:srgbClr val="6A8759"/>
+                </a:solidFill>
+                <a:latin typeface="Consolas" panose="020B0609020204030204" pitchFamily="49" charset="0"/>
+              </a:rPr>
+              <a:t>android.permission.WRITE_SYNC_SETTINGS</a:t>
+            </a:r>
+            <a:r>
+              <a:rPr lang="en-US" altLang="en-US" sz="1600" dirty="0">
+                <a:solidFill>
+                  <a:srgbClr val="6A8759"/>
+                </a:solidFill>
+                <a:latin typeface="Consolas" panose="020B0609020204030204" pitchFamily="49" charset="0"/>
+              </a:rPr>
+              <a:t>"</a:t>
+            </a:r>
+            <a:r>
+              <a:rPr lang="en-US" altLang="en-US" sz="1600" dirty="0">
+                <a:solidFill>
+                  <a:srgbClr val="E8BF6A"/>
+                </a:solidFill>
+                <a:latin typeface="Consolas" panose="020B0609020204030204" pitchFamily="49" charset="0"/>
+              </a:rPr>
+              <a:t>/&gt;</a:t>
+            </a:r>
+            <a:br>
+              <a:rPr lang="en-US" altLang="en-US" sz="1600" dirty="0">
+                <a:solidFill>
+                  <a:srgbClr val="E8BF6A"/>
+                </a:solidFill>
+                <a:latin typeface="Consolas" panose="020B0609020204030204" pitchFamily="49" charset="0"/>
+              </a:rPr>
+            </a:br>
+            <a:endParaRPr lang="en-US" altLang="en-US" sz="1600" dirty="0" smtClean="0">
               <a:solidFill>
-                <a:srgbClr val="808080"/>
+                <a:srgbClr val="E8BF6A"/>
               </a:solidFill>
               <a:latin typeface="Consolas" panose="020B0609020204030204" pitchFamily="49" charset="0"/>
             </a:endParaRPr>
@@ -16793,91 +17023,91 @@
             <a:r>
               <a:rPr lang="en-US" altLang="en-US" sz="1600" dirty="0" smtClean="0">
                 <a:solidFill>
-                  <a:srgbClr val="E8BF6A"/>
-                </a:solidFill>
-                <a:latin typeface="Consolas" panose="020B0609020204030204" pitchFamily="49" charset="0"/>
-              </a:rPr>
-              <a:t>&lt;</a:t>
+                  <a:srgbClr val="808080"/>
+                </a:solidFill>
+                <a:latin typeface="Consolas" panose="020B0609020204030204" pitchFamily="49" charset="0"/>
+              </a:rPr>
+              <a:t>&lt;!-- </a:t>
             </a:r>
             <a:r>
               <a:rPr lang="en-US" altLang="en-US" sz="1600" dirty="0">
                 <a:solidFill>
-                  <a:srgbClr val="E8BF6A"/>
-                </a:solidFill>
-                <a:latin typeface="Consolas" panose="020B0609020204030204" pitchFamily="49" charset="0"/>
-              </a:rPr>
-              <a:t>service</a:t>
+                  <a:srgbClr val="808080"/>
+                </a:solidFill>
+                <a:latin typeface="Consolas" panose="020B0609020204030204" pitchFamily="49" charset="0"/>
+              </a:rPr>
+              <a:t>Required because we're manually creating a new account. --&gt;</a:t>
             </a:r>
             <a:br>
               <a:rPr lang="en-US" altLang="en-US" sz="1600" dirty="0">
                 <a:solidFill>
+                  <a:srgbClr val="808080"/>
+                </a:solidFill>
+                <a:latin typeface="Consolas" panose="020B0609020204030204" pitchFamily="49" charset="0"/>
+              </a:rPr>
+            </a:br>
+            <a:r>
+              <a:rPr lang="en-US" altLang="en-US" sz="1600" dirty="0">
+                <a:solidFill>
                   <a:srgbClr val="E8BF6A"/>
                 </a:solidFill>
                 <a:latin typeface="Consolas" panose="020B0609020204030204" pitchFamily="49" charset="0"/>
               </a:rPr>
-            </a:br>
+              <a:t>&lt;uses-permission </a:t>
+            </a:r>
+            <a:r>
+              <a:rPr lang="en-US" altLang="en-US" sz="1600" dirty="0" err="1">
+                <a:solidFill>
+                  <a:srgbClr val="9876AA"/>
+                </a:solidFill>
+                <a:latin typeface="Consolas" panose="020B0609020204030204" pitchFamily="49" charset="0"/>
+              </a:rPr>
+              <a:t>android</a:t>
+            </a:r>
+            <a:r>
+              <a:rPr lang="en-US" altLang="en-US" sz="1600" dirty="0" err="1">
+                <a:solidFill>
+                  <a:srgbClr val="BABABA"/>
+                </a:solidFill>
+                <a:latin typeface="Consolas" panose="020B0609020204030204" pitchFamily="49" charset="0"/>
+              </a:rPr>
+              <a:t>:name</a:t>
+            </a:r>
             <a:r>
               <a:rPr lang="en-US" altLang="en-US" sz="1600" dirty="0">
                 <a:solidFill>
-                  <a:srgbClr val="E8BF6A"/>
-                </a:solidFill>
-                <a:latin typeface="Consolas" panose="020B0609020204030204" pitchFamily="49" charset="0"/>
-              </a:rPr>
-              <a:t>    </a:t>
+                  <a:srgbClr val="BABABA"/>
+                </a:solidFill>
+                <a:latin typeface="Consolas" panose="020B0609020204030204" pitchFamily="49" charset="0"/>
+              </a:rPr>
+              <a:t>=</a:t>
+            </a:r>
+            <a:r>
+              <a:rPr lang="en-US" altLang="en-US" sz="1600" dirty="0">
+                <a:solidFill>
+                  <a:srgbClr val="6A8759"/>
+                </a:solidFill>
+                <a:latin typeface="Consolas" panose="020B0609020204030204" pitchFamily="49" charset="0"/>
+              </a:rPr>
+              <a:t>"</a:t>
             </a:r>
             <a:r>
               <a:rPr lang="en-US" altLang="en-US" sz="1600" dirty="0" err="1">
                 <a:solidFill>
-                  <a:srgbClr val="9876AA"/>
-                </a:solidFill>
-                <a:latin typeface="Consolas" panose="020B0609020204030204" pitchFamily="49" charset="0"/>
-              </a:rPr>
-              <a:t>android</a:t>
-            </a:r>
-            <a:r>
-              <a:rPr lang="en-US" altLang="en-US" sz="1600" dirty="0" err="1">
-                <a:solidFill>
-                  <a:srgbClr val="BABABA"/>
-                </a:solidFill>
-                <a:latin typeface="Consolas" panose="020B0609020204030204" pitchFamily="49" charset="0"/>
-              </a:rPr>
-              <a:t>:name</a:t>
-            </a:r>
-            <a:r>
-              <a:rPr lang="en-US" altLang="en-US" sz="1600" dirty="0">
-                <a:solidFill>
-                  <a:srgbClr val="BABABA"/>
-                </a:solidFill>
-                <a:latin typeface="Consolas" panose="020B0609020204030204" pitchFamily="49" charset="0"/>
-              </a:rPr>
-              <a:t>=</a:t>
-            </a:r>
-            <a:r>
-              <a:rPr lang="en-US" altLang="en-US" sz="1600" dirty="0">
-                <a:solidFill>
                   <a:srgbClr val="6A8759"/>
                 </a:solidFill>
                 <a:latin typeface="Consolas" panose="020B0609020204030204" pitchFamily="49" charset="0"/>
               </a:rPr>
-              <a:t>".</a:t>
-            </a:r>
-            <a:r>
-              <a:rPr lang="en-US" altLang="en-US" sz="1600" dirty="0" err="1">
+              <a:t>android.permission.AUTHENTICATE_ACCOUNTS</a:t>
+            </a:r>
+            <a:r>
+              <a:rPr lang="en-US" altLang="en-US" sz="1600" dirty="0" smtClean="0">
                 <a:solidFill>
                   <a:srgbClr val="6A8759"/>
                 </a:solidFill>
                 <a:latin typeface="Consolas" panose="020B0609020204030204" pitchFamily="49" charset="0"/>
               </a:rPr>
-              <a:t>sync.SyncService</a:t>
-            </a:r>
-            <a:r>
-              <a:rPr lang="en-US" altLang="en-US" sz="1600" dirty="0">
-                <a:solidFill>
-                  <a:srgbClr val="6A8759"/>
-                </a:solidFill>
-                <a:latin typeface="Consolas" panose="020B0609020204030204" pitchFamily="49" charset="0"/>
-              </a:rPr>
-              <a:t>" </a:t>
+              <a:t>"</a:t>
             </a:r>
             <a:r>
               <a:rPr lang="en-US" altLang="en-US" sz="1600" dirty="0" smtClean="0">
@@ -17190,6 +17420,434 @@
       </p:grpSpPr>
       <p:sp>
         <p:nvSpPr>
+          <p:cNvPr id="11" name="Rectangle 1"/>
+          <p:cNvSpPr>
+            <a:spLocks noChangeArrowheads="1"/>
+          </p:cNvSpPr>
+          <p:nvPr/>
+        </p:nvSpPr>
+        <p:spPr bwMode="auto">
+          <a:xfrm>
+            <a:off x="652500" y="2132856"/>
+            <a:ext cx="10887000" cy="4104456"/>
+          </a:xfrm>
+          <a:prstGeom prst="rect">
+            <a:avLst/>
+          </a:prstGeom>
+          <a:solidFill>
+            <a:srgbClr val="2B2B2B"/>
+          </a:solidFill>
+          <a:ln>
+            <a:noFill/>
+          </a:ln>
+          <a:effectLst/>
+          <a:extLst>
+            <a:ext uri="{91240B29-F687-4F45-9708-019B960494DF}">
+              <a14:hiddenLine xmlns:a14="http://schemas.microsoft.com/office/drawing/2010/main" w="9525">
+                <a:solidFill>
+                  <a:schemeClr val="tx1"/>
+                </a:solidFill>
+                <a:miter lim="800000"/>
+                <a:headEnd/>
+                <a:tailEnd/>
+              </a14:hiddenLine>
+            </a:ext>
+            <a:ext uri="{AF507438-7753-43E0-B8FC-AC1667EBCBE1}">
+              <a14:hiddenEffects xmlns:a14="http://schemas.microsoft.com/office/drawing/2010/main">
+                <a:effectLst>
+                  <a:outerShdw dist="35921" dir="2700000" algn="ctr" rotWithShape="0">
+                    <a:schemeClr val="bg2"/>
+                  </a:outerShdw>
+                </a:effectLst>
+              </a14:hiddenEffects>
+            </a:ext>
+          </a:extLst>
+        </p:spPr>
+        <p:txBody>
+          <a:bodyPr vert="horz" wrap="square" lIns="182880" tIns="182880" rIns="182880" bIns="182880" numCol="1" anchor="t" anchorCtr="0" compatLnSpc="1">
+            <a:prstTxWarp prst="textNoShape">
+              <a:avLst/>
+            </a:prstTxWarp>
+            <a:noAutofit/>
+          </a:bodyPr>
+          <a:lstStyle/>
+          <a:p>
+            <a:pPr lvl="0" eaLnBrk="0" fontAlgn="base" hangingPunct="0">
+              <a:spcBef>
+                <a:spcPct val="0"/>
+              </a:spcBef>
+              <a:spcAft>
+                <a:spcPct val="0"/>
+              </a:spcAft>
+            </a:pPr>
+            <a:endParaRPr lang="en-US" altLang="en-US" sz="3600" dirty="0">
+              <a:latin typeface="Consolas" panose="020B0609020204030204" pitchFamily="49" charset="0"/>
+            </a:endParaRPr>
+          </a:p>
+        </p:txBody>
+      </p:sp>
+      <p:sp>
+        <p:nvSpPr>
+          <p:cNvPr id="9" name="Rectangle 1"/>
+          <p:cNvSpPr>
+            <a:spLocks noChangeArrowheads="1"/>
+          </p:cNvSpPr>
+          <p:nvPr/>
+        </p:nvSpPr>
+        <p:spPr bwMode="auto">
+          <a:xfrm>
+            <a:off x="652500" y="2132856"/>
+            <a:ext cx="10887000" cy="4104456"/>
+          </a:xfrm>
+          <a:prstGeom prst="rect">
+            <a:avLst/>
+          </a:prstGeom>
+          <a:solidFill>
+            <a:srgbClr val="2B2B2B"/>
+          </a:solidFill>
+          <a:ln>
+            <a:noFill/>
+          </a:ln>
+          <a:effectLst/>
+          <a:extLst>
+            <a:ext uri="{91240B29-F687-4F45-9708-019B960494DF}">
+              <a14:hiddenLine xmlns:a14="http://schemas.microsoft.com/office/drawing/2010/main" w="9525">
+                <a:solidFill>
+                  <a:schemeClr val="tx1"/>
+                </a:solidFill>
+                <a:miter lim="800000"/>
+                <a:headEnd/>
+                <a:tailEnd/>
+              </a14:hiddenLine>
+            </a:ext>
+            <a:ext uri="{AF507438-7753-43E0-B8FC-AC1667EBCBE1}">
+              <a14:hiddenEffects xmlns:a14="http://schemas.microsoft.com/office/drawing/2010/main">
+                <a:effectLst>
+                  <a:outerShdw dist="35921" dir="2700000" algn="ctr" rotWithShape="0">
+                    <a:schemeClr val="bg2"/>
+                  </a:outerShdw>
+                </a:effectLst>
+              </a14:hiddenEffects>
+            </a:ext>
+          </a:extLst>
+        </p:spPr>
+        <p:txBody>
+          <a:bodyPr vert="horz" wrap="square" lIns="182880" tIns="182880" rIns="182880" bIns="182880" numCol="1" anchor="t" anchorCtr="0" compatLnSpc="1">
+            <a:prstTxWarp prst="textNoShape">
+              <a:avLst/>
+            </a:prstTxWarp>
+            <a:noAutofit/>
+          </a:bodyPr>
+          <a:lstStyle/>
+          <a:p>
+            <a:pPr lvl="0" eaLnBrk="0" fontAlgn="base" hangingPunct="0">
+              <a:spcBef>
+                <a:spcPct val="0"/>
+              </a:spcBef>
+              <a:spcAft>
+                <a:spcPct val="0"/>
+              </a:spcAft>
+            </a:pPr>
+            <a:endParaRPr lang="en-US" altLang="en-US" sz="1600" dirty="0" smtClean="0">
+              <a:solidFill>
+                <a:srgbClr val="808080"/>
+              </a:solidFill>
+              <a:latin typeface="Consolas" panose="020B0609020204030204" pitchFamily="49" charset="0"/>
+            </a:endParaRPr>
+          </a:p>
+          <a:p>
+            <a:pPr lvl="0" eaLnBrk="0" fontAlgn="base" hangingPunct="0">
+              <a:spcBef>
+                <a:spcPct val="0"/>
+              </a:spcBef>
+              <a:spcAft>
+                <a:spcPct val="0"/>
+              </a:spcAft>
+            </a:pPr>
+            <a:endParaRPr lang="en-US" altLang="en-US" sz="1600" dirty="0">
+              <a:solidFill>
+                <a:srgbClr val="808080"/>
+              </a:solidFill>
+              <a:latin typeface="Consolas" panose="020B0609020204030204" pitchFamily="49" charset="0"/>
+            </a:endParaRPr>
+          </a:p>
+          <a:p>
+            <a:pPr lvl="0" eaLnBrk="0" fontAlgn="base" hangingPunct="0">
+              <a:spcBef>
+                <a:spcPct val="0"/>
+              </a:spcBef>
+              <a:spcAft>
+                <a:spcPct val="0"/>
+              </a:spcAft>
+            </a:pPr>
+            <a:r>
+              <a:rPr lang="en-US" altLang="en-US" sz="1600" dirty="0" smtClean="0">
+                <a:solidFill>
+                  <a:srgbClr val="E8BF6A"/>
+                </a:solidFill>
+                <a:latin typeface="Consolas" panose="020B0609020204030204" pitchFamily="49" charset="0"/>
+              </a:rPr>
+              <a:t>&lt;</a:t>
+            </a:r>
+            <a:r>
+              <a:rPr lang="en-US" altLang="en-US" sz="1600" dirty="0">
+                <a:solidFill>
+                  <a:srgbClr val="E8BF6A"/>
+                </a:solidFill>
+                <a:latin typeface="Consolas" panose="020B0609020204030204" pitchFamily="49" charset="0"/>
+              </a:rPr>
+              <a:t>service</a:t>
+            </a:r>
+            <a:br>
+              <a:rPr lang="en-US" altLang="en-US" sz="1600" dirty="0">
+                <a:solidFill>
+                  <a:srgbClr val="E8BF6A"/>
+                </a:solidFill>
+                <a:latin typeface="Consolas" panose="020B0609020204030204" pitchFamily="49" charset="0"/>
+              </a:rPr>
+            </a:br>
+            <a:r>
+              <a:rPr lang="en-US" altLang="en-US" sz="1600" dirty="0">
+                <a:solidFill>
+                  <a:srgbClr val="E8BF6A"/>
+                </a:solidFill>
+                <a:latin typeface="Consolas" panose="020B0609020204030204" pitchFamily="49" charset="0"/>
+              </a:rPr>
+              <a:t>    </a:t>
+            </a:r>
+            <a:r>
+              <a:rPr lang="en-US" altLang="en-US" sz="1600" dirty="0" err="1">
+                <a:solidFill>
+                  <a:srgbClr val="9876AA"/>
+                </a:solidFill>
+                <a:latin typeface="Consolas" panose="020B0609020204030204" pitchFamily="49" charset="0"/>
+              </a:rPr>
+              <a:t>android</a:t>
+            </a:r>
+            <a:r>
+              <a:rPr lang="en-US" altLang="en-US" sz="1600" dirty="0" err="1">
+                <a:solidFill>
+                  <a:srgbClr val="BABABA"/>
+                </a:solidFill>
+                <a:latin typeface="Consolas" panose="020B0609020204030204" pitchFamily="49" charset="0"/>
+              </a:rPr>
+              <a:t>:name</a:t>
+            </a:r>
+            <a:r>
+              <a:rPr lang="en-US" altLang="en-US" sz="1600" dirty="0">
+                <a:solidFill>
+                  <a:srgbClr val="BABABA"/>
+                </a:solidFill>
+                <a:latin typeface="Consolas" panose="020B0609020204030204" pitchFamily="49" charset="0"/>
+              </a:rPr>
+              <a:t>=</a:t>
+            </a:r>
+            <a:r>
+              <a:rPr lang="en-US" altLang="en-US" sz="1600" dirty="0">
+                <a:solidFill>
+                  <a:srgbClr val="6A8759"/>
+                </a:solidFill>
+                <a:latin typeface="Consolas" panose="020B0609020204030204" pitchFamily="49" charset="0"/>
+              </a:rPr>
+              <a:t>".</a:t>
+            </a:r>
+            <a:r>
+              <a:rPr lang="en-US" altLang="en-US" sz="1600" dirty="0" err="1">
+                <a:solidFill>
+                  <a:srgbClr val="6A8759"/>
+                </a:solidFill>
+                <a:latin typeface="Consolas" panose="020B0609020204030204" pitchFamily="49" charset="0"/>
+              </a:rPr>
+              <a:t>sync.SyncService</a:t>
+            </a:r>
+            <a:r>
+              <a:rPr lang="en-US" altLang="en-US" sz="1600" dirty="0">
+                <a:solidFill>
+                  <a:srgbClr val="6A8759"/>
+                </a:solidFill>
+                <a:latin typeface="Consolas" panose="020B0609020204030204" pitchFamily="49" charset="0"/>
+              </a:rPr>
+              <a:t>" </a:t>
+            </a:r>
+            <a:r>
+              <a:rPr lang="en-US" altLang="en-US" sz="1600" dirty="0" smtClean="0">
+                <a:solidFill>
+                  <a:srgbClr val="E8BF6A"/>
+                </a:solidFill>
+                <a:latin typeface="Consolas" panose="020B0609020204030204" pitchFamily="49" charset="0"/>
+              </a:rPr>
+              <a:t>/&gt;</a:t>
+            </a:r>
+            <a:endParaRPr lang="en-US" altLang="en-US" sz="3600" dirty="0">
+              <a:latin typeface="Consolas" panose="020B0609020204030204" pitchFamily="49" charset="0"/>
+            </a:endParaRPr>
+          </a:p>
+        </p:txBody>
+      </p:sp>
+      <p:sp>
+        <p:nvSpPr>
+          <p:cNvPr id="10" name="TextBox 9"/>
+          <p:cNvSpPr txBox="1"/>
+          <p:nvPr/>
+        </p:nvSpPr>
+        <p:spPr>
+          <a:xfrm>
+            <a:off x="652500" y="1556792"/>
+            <a:ext cx="10887000" cy="461665"/>
+          </a:xfrm>
+          <a:prstGeom prst="rect">
+            <a:avLst/>
+          </a:prstGeom>
+          <a:noFill/>
+        </p:spPr>
+        <p:txBody>
+          <a:bodyPr wrap="square" rtlCol="0">
+            <a:spAutoFit/>
+          </a:bodyPr>
+          <a:lstStyle/>
+          <a:p>
+            <a:r>
+              <a:rPr lang="en-US" sz="2400" dirty="0" smtClean="0">
+                <a:solidFill>
+                  <a:schemeClr val="bg1"/>
+                </a:solidFill>
+                <a:latin typeface="Consolas" panose="020B0609020204030204" pitchFamily="49" charset="0"/>
+              </a:rPr>
+              <a:t>AndroidManifest.xml</a:t>
+            </a:r>
+            <a:endParaRPr lang="en-US" sz="2400" dirty="0">
+              <a:solidFill>
+                <a:schemeClr val="bg1"/>
+              </a:solidFill>
+              <a:latin typeface="Consolas" panose="020B0609020204030204" pitchFamily="49" charset="0"/>
+            </a:endParaRPr>
+          </a:p>
+        </p:txBody>
+      </p:sp>
+    </p:spTree>
+    <p:extLst>
+      <p:ext uri="{BB962C8B-B14F-4D97-AF65-F5344CB8AC3E}">
+        <p14:creationId xmlns:p14="http://schemas.microsoft.com/office/powerpoint/2010/main" val="3211916151"/>
+      </p:ext>
+    </p:extLst>
+  </p:cSld>
+  <p:clrMapOvr>
+    <a:masterClrMapping/>
+  </p:clrMapOvr>
+  <p:transition spd="slow">
+    <p:wipe dir="d"/>
+  </p:transition>
+  <p:timing>
+    <p:tnLst>
+      <p:par>
+        <p:cTn id="1" dur="indefinite" restart="never" nodeType="tmRoot">
+          <p:childTnLst>
+            <p:seq concurrent="1" nextAc="seek">
+              <p:cTn id="2" dur="indefinite" nodeType="mainSeq">
+                <p:childTnLst>
+                  <p:par>
+                    <p:cTn id="3" fill="hold">
+                      <p:stCondLst>
+                        <p:cond delay="indefinite"/>
+                        <p:cond evt="onBegin" delay="0">
+                          <p:tn val="2"/>
+                        </p:cond>
+                      </p:stCondLst>
+                      <p:childTnLst>
+                        <p:par>
+                          <p:cTn id="4" fill="hold">
+                            <p:stCondLst>
+                              <p:cond delay="0"/>
+                            </p:stCondLst>
+                            <p:childTnLst>
+                              <p:par>
+                                <p:cTn id="5" presetID="22" presetClass="entr" presetSubtype="1" fill="hold" grpId="0" nodeType="afterEffect">
+                                  <p:stCondLst>
+                                    <p:cond delay="0"/>
+                                  </p:stCondLst>
+                                  <p:childTnLst>
+                                    <p:set>
+                                      <p:cBhvr>
+                                        <p:cTn id="6" dur="1" fill="hold">
+                                          <p:stCondLst>
+                                            <p:cond delay="0"/>
+                                          </p:stCondLst>
+                                        </p:cTn>
+                                        <p:tgtEl>
+                                          <p:spTgt spid="9"/>
+                                        </p:tgtEl>
+                                        <p:attrNameLst>
+                                          <p:attrName>style.visibility</p:attrName>
+                                        </p:attrNameLst>
+                                      </p:cBhvr>
+                                      <p:to>
+                                        <p:strVal val="visible"/>
+                                      </p:to>
+                                    </p:set>
+                                    <p:animEffect transition="in" filter="wipe(up)">
+                                      <p:cBhvr>
+                                        <p:cTn id="7" dur="500"/>
+                                        <p:tgtEl>
+                                          <p:spTgt spid="9"/>
+                                        </p:tgtEl>
+                                      </p:cBhvr>
+                                    </p:animEffect>
+                                  </p:childTnLst>
+                                </p:cTn>
+                              </p:par>
+                            </p:childTnLst>
+                          </p:cTn>
+                        </p:par>
+                      </p:childTnLst>
+                    </p:cTn>
+                  </p:par>
+                </p:childTnLst>
+              </p:cTn>
+              <p:prevCondLst>
+                <p:cond evt="onPrev" delay="0">
+                  <p:tgtEl>
+                    <p:sldTgt/>
+                  </p:tgtEl>
+                </p:cond>
+              </p:prevCondLst>
+              <p:nextCondLst>
+                <p:cond evt="onNext" delay="0">
+                  <p:tgtEl>
+                    <p:sldTgt/>
+                  </p:tgtEl>
+                </p:cond>
+              </p:nextCondLst>
+            </p:seq>
+          </p:childTnLst>
+        </p:cTn>
+      </p:par>
+    </p:tnLst>
+    <p:bldLst>
+      <p:bldP spid="9" grpId="0" animBg="1"/>
+    </p:bldLst>
+  </p:timing>
+</p:sld>
+</file>
+
+<file path=ppt/slides/slide19.xml><?xml version="1.0" encoding="utf-8"?>
+<p:sld xmlns:a="http://schemas.openxmlformats.org/drawingml/2006/main" xmlns:r="http://schemas.openxmlformats.org/officeDocument/2006/relationships" xmlns:p="http://schemas.openxmlformats.org/presentationml/2006/main">
+  <p:cSld>
+    <p:spTree>
+      <p:nvGrpSpPr>
+        <p:cNvPr id="1" name=""/>
+        <p:cNvGrpSpPr/>
+        <p:nvPr/>
+      </p:nvGrpSpPr>
+      <p:grpSpPr>
+        <a:xfrm>
+          <a:off x="0" y="0"/>
+          <a:ext cx="0" cy="0"/>
+          <a:chOff x="0" y="0"/>
+          <a:chExt cx="0" cy="0"/>
+        </a:xfrm>
+      </p:grpSpPr>
+      <p:sp>
+        <p:nvSpPr>
           <p:cNvPr id="6" name="Rectangle 1"/>
           <p:cNvSpPr>
             <a:spLocks noChangeArrowheads="1"/>
@@ -19949,935 +20607,6 @@
 </p:sld>
 </file>
 
-<file path=ppt/slides/slide19.xml><?xml version="1.0" encoding="utf-8"?>
-<p:sld xmlns:a="http://schemas.openxmlformats.org/drawingml/2006/main" xmlns:r="http://schemas.openxmlformats.org/officeDocument/2006/relationships" xmlns:p="http://schemas.openxmlformats.org/presentationml/2006/main">
-  <p:cSld>
-    <p:spTree>
-      <p:nvGrpSpPr>
-        <p:cNvPr id="1" name=""/>
-        <p:cNvGrpSpPr/>
-        <p:nvPr/>
-      </p:nvGrpSpPr>
-      <p:grpSpPr>
-        <a:xfrm>
-          <a:off x="0" y="0"/>
-          <a:ext cx="0" cy="0"/>
-          <a:chOff x="0" y="0"/>
-          <a:chExt cx="0" cy="0"/>
-        </a:xfrm>
-      </p:grpSpPr>
-      <p:sp>
-        <p:nvSpPr>
-          <p:cNvPr id="13" name="Rectangle 1"/>
-          <p:cNvSpPr>
-            <a:spLocks noChangeArrowheads="1"/>
-          </p:cNvSpPr>
-          <p:nvPr/>
-        </p:nvSpPr>
-        <p:spPr bwMode="auto">
-          <a:xfrm>
-            <a:off x="652500" y="2132856"/>
-            <a:ext cx="10887000" cy="4248472"/>
-          </a:xfrm>
-          <a:prstGeom prst="rect">
-            <a:avLst/>
-          </a:prstGeom>
-          <a:solidFill>
-            <a:srgbClr val="2B2B2B"/>
-          </a:solidFill>
-          <a:ln>
-            <a:noFill/>
-          </a:ln>
-          <a:effectLst/>
-          <a:extLst>
-            <a:ext uri="{91240B29-F687-4F45-9708-019B960494DF}">
-              <a14:hiddenLine xmlns:a14="http://schemas.microsoft.com/office/drawing/2010/main" w="9525">
-                <a:solidFill>
-                  <a:schemeClr val="tx1"/>
-                </a:solidFill>
-                <a:miter lim="800000"/>
-                <a:headEnd/>
-                <a:tailEnd/>
-              </a14:hiddenLine>
-            </a:ext>
-            <a:ext uri="{AF507438-7753-43E0-B8FC-AC1667EBCBE1}">
-              <a14:hiddenEffects xmlns:a14="http://schemas.microsoft.com/office/drawing/2010/main">
-                <a:effectLst>
-                  <a:outerShdw dist="35921" dir="2700000" algn="ctr" rotWithShape="0">
-                    <a:schemeClr val="bg2"/>
-                  </a:outerShdw>
-                </a:effectLst>
-              </a14:hiddenEffects>
-            </a:ext>
-          </a:extLst>
-        </p:spPr>
-        <p:txBody>
-          <a:bodyPr vert="horz" wrap="square" lIns="182880" tIns="182880" rIns="182880" bIns="182880" numCol="1" anchor="t" anchorCtr="0" compatLnSpc="1">
-            <a:prstTxWarp prst="textNoShape">
-              <a:avLst/>
-            </a:prstTxWarp>
-            <a:noAutofit/>
-          </a:bodyPr>
-          <a:lstStyle/>
-          <a:p>
-            <a:pPr lvl="0" eaLnBrk="0" fontAlgn="base" hangingPunct="0">
-              <a:spcBef>
-                <a:spcPct val="0"/>
-              </a:spcBef>
-              <a:spcAft>
-                <a:spcPct val="0"/>
-              </a:spcAft>
-            </a:pPr>
-            <a:r>
-              <a:rPr lang="en-US" altLang="en-US" sz="1600" dirty="0">
-                <a:solidFill>
-                  <a:srgbClr val="CC7832"/>
-                </a:solidFill>
-                <a:latin typeface="Consolas" panose="020B0609020204030204" pitchFamily="49" charset="0"/>
-                <a:cs typeface="Courier New" panose="02070309020205020404" pitchFamily="49" charset="0"/>
-              </a:rPr>
-              <a:t>public class </a:t>
-            </a:r>
-            <a:r>
-              <a:rPr lang="en-US" altLang="en-US" sz="1600" dirty="0" err="1">
-                <a:solidFill>
-                  <a:srgbClr val="A9B7C6"/>
-                </a:solidFill>
-                <a:latin typeface="Consolas" panose="020B0609020204030204" pitchFamily="49" charset="0"/>
-                <a:cs typeface="Courier New" panose="02070309020205020404" pitchFamily="49" charset="0"/>
-              </a:rPr>
-              <a:t>SyncService</a:t>
-            </a:r>
-            <a:r>
-              <a:rPr lang="en-US" altLang="en-US" sz="1600" dirty="0">
-                <a:solidFill>
-                  <a:srgbClr val="A9B7C6"/>
-                </a:solidFill>
-                <a:latin typeface="Consolas" panose="020B0609020204030204" pitchFamily="49" charset="0"/>
-                <a:cs typeface="Courier New" panose="02070309020205020404" pitchFamily="49" charset="0"/>
-              </a:rPr>
-              <a:t> </a:t>
-            </a:r>
-            <a:r>
-              <a:rPr lang="en-US" altLang="en-US" sz="1600" dirty="0">
-                <a:solidFill>
-                  <a:srgbClr val="CC7832"/>
-                </a:solidFill>
-                <a:latin typeface="Consolas" panose="020B0609020204030204" pitchFamily="49" charset="0"/>
-                <a:cs typeface="Courier New" panose="02070309020205020404" pitchFamily="49" charset="0"/>
-              </a:rPr>
-              <a:t>extends </a:t>
-            </a:r>
-            <a:r>
-              <a:rPr lang="en-US" altLang="en-US" sz="1600" dirty="0">
-                <a:solidFill>
-                  <a:srgbClr val="A9B7C6"/>
-                </a:solidFill>
-                <a:latin typeface="Consolas" panose="020B0609020204030204" pitchFamily="49" charset="0"/>
-                <a:cs typeface="Courier New" panose="02070309020205020404" pitchFamily="49" charset="0"/>
-              </a:rPr>
-              <a:t>Service </a:t>
-            </a:r>
-            <a:r>
-              <a:rPr lang="en-US" altLang="en-US" sz="1600" dirty="0" smtClean="0">
-                <a:solidFill>
-                  <a:srgbClr val="A9B7C6"/>
-                </a:solidFill>
-                <a:latin typeface="Consolas" panose="020B0609020204030204" pitchFamily="49" charset="0"/>
-                <a:cs typeface="Courier New" panose="02070309020205020404" pitchFamily="49" charset="0"/>
-              </a:rPr>
-              <a:t>{</a:t>
-            </a:r>
-          </a:p>
-          <a:p>
-            <a:pPr lvl="0" eaLnBrk="0" fontAlgn="base" hangingPunct="0">
-              <a:spcBef>
-                <a:spcPct val="0"/>
-              </a:spcBef>
-              <a:spcAft>
-                <a:spcPct val="0"/>
-              </a:spcAft>
-            </a:pPr>
-            <a:endParaRPr lang="en-US" altLang="en-US" sz="1600" dirty="0" smtClean="0">
-              <a:solidFill>
-                <a:srgbClr val="A9B7C6"/>
-              </a:solidFill>
-              <a:latin typeface="Consolas" panose="020B0609020204030204" pitchFamily="49" charset="0"/>
-              <a:cs typeface="Courier New" panose="02070309020205020404" pitchFamily="49" charset="0"/>
-            </a:endParaRPr>
-          </a:p>
-          <a:p>
-            <a:pPr lvl="0" eaLnBrk="0" fontAlgn="base" hangingPunct="0">
-              <a:spcBef>
-                <a:spcPct val="0"/>
-              </a:spcBef>
-              <a:spcAft>
-                <a:spcPct val="0"/>
-              </a:spcAft>
-            </a:pPr>
-            <a:r>
-              <a:rPr lang="en-US" altLang="en-US" sz="1600" i="1" dirty="0" smtClean="0">
-                <a:solidFill>
-                  <a:srgbClr val="629755"/>
-                </a:solidFill>
-                <a:latin typeface="Consolas" panose="020B0609020204030204" pitchFamily="49" charset="0"/>
-                <a:cs typeface="Courier New" panose="02070309020205020404" pitchFamily="49" charset="0"/>
-              </a:rPr>
-              <a:t>    /**</a:t>
-            </a:r>
-            <a:r>
-              <a:rPr lang="en-US" altLang="en-US" sz="1600" i="1" dirty="0">
-                <a:solidFill>
-                  <a:srgbClr val="629755"/>
-                </a:solidFill>
-                <a:latin typeface="Consolas" panose="020B0609020204030204" pitchFamily="49" charset="0"/>
-                <a:cs typeface="Courier New" panose="02070309020205020404" pitchFamily="49" charset="0"/>
-              </a:rPr>
-              <a:t/>
-            </a:r>
-            <a:br>
-              <a:rPr lang="en-US" altLang="en-US" sz="1600" i="1" dirty="0">
-                <a:solidFill>
-                  <a:srgbClr val="629755"/>
-                </a:solidFill>
-                <a:latin typeface="Consolas" panose="020B0609020204030204" pitchFamily="49" charset="0"/>
-                <a:cs typeface="Courier New" panose="02070309020205020404" pitchFamily="49" charset="0"/>
-              </a:rPr>
-            </a:br>
-            <a:r>
-              <a:rPr lang="en-US" altLang="en-US" sz="1600" i="1" dirty="0" smtClean="0">
-                <a:solidFill>
-                  <a:srgbClr val="629755"/>
-                </a:solidFill>
-                <a:latin typeface="Consolas" panose="020B0609020204030204" pitchFamily="49" charset="0"/>
-                <a:cs typeface="Courier New" panose="02070309020205020404" pitchFamily="49" charset="0"/>
-              </a:rPr>
-              <a:t>     </a:t>
-            </a:r>
-            <a:r>
-              <a:rPr lang="en-US" altLang="en-US" sz="1600" i="1" dirty="0">
-                <a:solidFill>
-                  <a:srgbClr val="629755"/>
-                </a:solidFill>
-                <a:latin typeface="Consolas" panose="020B0609020204030204" pitchFamily="49" charset="0"/>
-                <a:cs typeface="Courier New" panose="02070309020205020404" pitchFamily="49" charset="0"/>
-              </a:rPr>
-              <a:t>* Thread-safe constructor, creates static {</a:t>
-            </a:r>
-            <a:r>
-              <a:rPr lang="en-US" altLang="en-US" sz="1600" b="1" i="1" dirty="0">
-                <a:solidFill>
-                  <a:srgbClr val="629755"/>
-                </a:solidFill>
-                <a:latin typeface="Consolas" panose="020B0609020204030204" pitchFamily="49" charset="0"/>
-                <a:cs typeface="Courier New" panose="02070309020205020404" pitchFamily="49" charset="0"/>
-              </a:rPr>
-              <a:t>@link </a:t>
-            </a:r>
-            <a:r>
-              <a:rPr lang="en-US" altLang="en-US" sz="1600" i="1" dirty="0" err="1">
-                <a:solidFill>
-                  <a:srgbClr val="629755"/>
-                </a:solidFill>
-                <a:latin typeface="Consolas" panose="020B0609020204030204" pitchFamily="49" charset="0"/>
-                <a:cs typeface="Courier New" panose="02070309020205020404" pitchFamily="49" charset="0"/>
-              </a:rPr>
-              <a:t>SyncAdapter</a:t>
-            </a:r>
-            <a:r>
-              <a:rPr lang="en-US" altLang="en-US" sz="1600" i="1" dirty="0">
-                <a:solidFill>
-                  <a:srgbClr val="629755"/>
-                </a:solidFill>
-                <a:latin typeface="Consolas" panose="020B0609020204030204" pitchFamily="49" charset="0"/>
-                <a:cs typeface="Courier New" panose="02070309020205020404" pitchFamily="49" charset="0"/>
-              </a:rPr>
-              <a:t>} instance.</a:t>
-            </a:r>
-            <a:br>
-              <a:rPr lang="en-US" altLang="en-US" sz="1600" i="1" dirty="0">
-                <a:solidFill>
-                  <a:srgbClr val="629755"/>
-                </a:solidFill>
-                <a:latin typeface="Consolas" panose="020B0609020204030204" pitchFamily="49" charset="0"/>
-                <a:cs typeface="Courier New" panose="02070309020205020404" pitchFamily="49" charset="0"/>
-              </a:rPr>
-            </a:br>
-            <a:r>
-              <a:rPr lang="en-US" altLang="en-US" sz="1600" i="1" dirty="0" smtClean="0">
-                <a:solidFill>
-                  <a:srgbClr val="629755"/>
-                </a:solidFill>
-                <a:latin typeface="Consolas" panose="020B0609020204030204" pitchFamily="49" charset="0"/>
-                <a:cs typeface="Courier New" panose="02070309020205020404" pitchFamily="49" charset="0"/>
-              </a:rPr>
-              <a:t>     </a:t>
-            </a:r>
-            <a:r>
-              <a:rPr lang="en-US" altLang="en-US" sz="1600" i="1" dirty="0">
-                <a:solidFill>
-                  <a:srgbClr val="629755"/>
-                </a:solidFill>
-                <a:latin typeface="Consolas" panose="020B0609020204030204" pitchFamily="49" charset="0"/>
-                <a:cs typeface="Courier New" panose="02070309020205020404" pitchFamily="49" charset="0"/>
-              </a:rPr>
-              <a:t>*/</a:t>
-            </a:r>
-            <a:br>
-              <a:rPr lang="en-US" altLang="en-US" sz="1600" i="1" dirty="0">
-                <a:solidFill>
-                  <a:srgbClr val="629755"/>
-                </a:solidFill>
-                <a:latin typeface="Consolas" panose="020B0609020204030204" pitchFamily="49" charset="0"/>
-                <a:cs typeface="Courier New" panose="02070309020205020404" pitchFamily="49" charset="0"/>
-              </a:rPr>
-            </a:br>
-            <a:r>
-              <a:rPr lang="en-US" altLang="en-US" sz="1600" i="1" dirty="0" smtClean="0">
-                <a:solidFill>
-                  <a:srgbClr val="629755"/>
-                </a:solidFill>
-                <a:latin typeface="Consolas" panose="020B0609020204030204" pitchFamily="49" charset="0"/>
-                <a:cs typeface="Courier New" panose="02070309020205020404" pitchFamily="49" charset="0"/>
-              </a:rPr>
-              <a:t>    </a:t>
-            </a:r>
-            <a:r>
-              <a:rPr lang="en-US" altLang="en-US" sz="1600" dirty="0" smtClean="0">
-                <a:solidFill>
-                  <a:srgbClr val="BBB529"/>
-                </a:solidFill>
-                <a:latin typeface="Consolas" panose="020B0609020204030204" pitchFamily="49" charset="0"/>
-                <a:cs typeface="Courier New" panose="02070309020205020404" pitchFamily="49" charset="0"/>
-              </a:rPr>
-              <a:t>@</a:t>
-            </a:r>
-            <a:r>
-              <a:rPr lang="en-US" altLang="en-US" sz="1600" dirty="0">
-                <a:solidFill>
-                  <a:srgbClr val="BBB529"/>
-                </a:solidFill>
-                <a:latin typeface="Consolas" panose="020B0609020204030204" pitchFamily="49" charset="0"/>
-                <a:cs typeface="Courier New" panose="02070309020205020404" pitchFamily="49" charset="0"/>
-              </a:rPr>
-              <a:t>Override</a:t>
-            </a:r>
-            <a:br>
-              <a:rPr lang="en-US" altLang="en-US" sz="1600" dirty="0">
-                <a:solidFill>
-                  <a:srgbClr val="BBB529"/>
-                </a:solidFill>
-                <a:latin typeface="Consolas" panose="020B0609020204030204" pitchFamily="49" charset="0"/>
-                <a:cs typeface="Courier New" panose="02070309020205020404" pitchFamily="49" charset="0"/>
-              </a:rPr>
-            </a:br>
-            <a:r>
-              <a:rPr lang="en-US" altLang="en-US" sz="1600" dirty="0" smtClean="0">
-                <a:solidFill>
-                  <a:srgbClr val="BBB529"/>
-                </a:solidFill>
-                <a:latin typeface="Consolas" panose="020B0609020204030204" pitchFamily="49" charset="0"/>
-                <a:cs typeface="Courier New" panose="02070309020205020404" pitchFamily="49" charset="0"/>
-              </a:rPr>
-              <a:t>    </a:t>
-            </a:r>
-            <a:r>
-              <a:rPr lang="en-US" altLang="en-US" sz="1600" dirty="0" smtClean="0">
-                <a:solidFill>
-                  <a:srgbClr val="CC7832"/>
-                </a:solidFill>
-                <a:latin typeface="Consolas" panose="020B0609020204030204" pitchFamily="49" charset="0"/>
-                <a:cs typeface="Courier New" panose="02070309020205020404" pitchFamily="49" charset="0"/>
-              </a:rPr>
-              <a:t>public </a:t>
-            </a:r>
-            <a:r>
-              <a:rPr lang="en-US" altLang="en-US" sz="1600" dirty="0">
-                <a:solidFill>
-                  <a:srgbClr val="CC7832"/>
-                </a:solidFill>
-                <a:latin typeface="Consolas" panose="020B0609020204030204" pitchFamily="49" charset="0"/>
-                <a:cs typeface="Courier New" panose="02070309020205020404" pitchFamily="49" charset="0"/>
-              </a:rPr>
-              <a:t>void </a:t>
-            </a:r>
-            <a:r>
-              <a:rPr lang="en-US" altLang="en-US" sz="1600" dirty="0" err="1">
-                <a:solidFill>
-                  <a:srgbClr val="FFC66D"/>
-                </a:solidFill>
-                <a:latin typeface="Consolas" panose="020B0609020204030204" pitchFamily="49" charset="0"/>
-                <a:cs typeface="Courier New" panose="02070309020205020404" pitchFamily="49" charset="0"/>
-              </a:rPr>
-              <a:t>onCreate</a:t>
-            </a:r>
-            <a:r>
-              <a:rPr lang="en-US" altLang="en-US" sz="1600" dirty="0">
-                <a:solidFill>
-                  <a:srgbClr val="A9B7C6"/>
-                </a:solidFill>
-                <a:latin typeface="Consolas" panose="020B0609020204030204" pitchFamily="49" charset="0"/>
-                <a:cs typeface="Courier New" panose="02070309020205020404" pitchFamily="49" charset="0"/>
-              </a:rPr>
-              <a:t>() {</a:t>
-            </a:r>
-            <a:br>
-              <a:rPr lang="en-US" altLang="en-US" sz="1600" dirty="0">
-                <a:solidFill>
-                  <a:srgbClr val="A9B7C6"/>
-                </a:solidFill>
-                <a:latin typeface="Consolas" panose="020B0609020204030204" pitchFamily="49" charset="0"/>
-                <a:cs typeface="Courier New" panose="02070309020205020404" pitchFamily="49" charset="0"/>
-              </a:rPr>
-            </a:br>
-            <a:r>
-              <a:rPr lang="en-US" altLang="en-US" sz="1600" dirty="0">
-                <a:solidFill>
-                  <a:srgbClr val="A9B7C6"/>
-                </a:solidFill>
-                <a:latin typeface="Consolas" panose="020B0609020204030204" pitchFamily="49" charset="0"/>
-                <a:cs typeface="Courier New" panose="02070309020205020404" pitchFamily="49" charset="0"/>
-              </a:rPr>
-              <a:t>    </a:t>
-            </a:r>
-            <a:r>
-              <a:rPr lang="en-US" altLang="en-US" sz="1600" dirty="0" smtClean="0">
-                <a:solidFill>
-                  <a:srgbClr val="A9B7C6"/>
-                </a:solidFill>
-                <a:latin typeface="Consolas" panose="020B0609020204030204" pitchFamily="49" charset="0"/>
-                <a:cs typeface="Courier New" panose="02070309020205020404" pitchFamily="49" charset="0"/>
-              </a:rPr>
-              <a:t>    </a:t>
-            </a:r>
-            <a:r>
-              <a:rPr lang="en-US" altLang="en-US" sz="1600" dirty="0" err="1" smtClean="0">
-                <a:solidFill>
-                  <a:srgbClr val="CC7832"/>
-                </a:solidFill>
-                <a:latin typeface="Consolas" panose="020B0609020204030204" pitchFamily="49" charset="0"/>
-                <a:cs typeface="Courier New" panose="02070309020205020404" pitchFamily="49" charset="0"/>
-              </a:rPr>
-              <a:t>super</a:t>
-            </a:r>
-            <a:r>
-              <a:rPr lang="en-US" altLang="en-US" sz="1600" dirty="0" err="1" smtClean="0">
-                <a:solidFill>
-                  <a:srgbClr val="A9B7C6"/>
-                </a:solidFill>
-                <a:latin typeface="Consolas" panose="020B0609020204030204" pitchFamily="49" charset="0"/>
-                <a:cs typeface="Courier New" panose="02070309020205020404" pitchFamily="49" charset="0"/>
-              </a:rPr>
-              <a:t>.onCreate</a:t>
-            </a:r>
-            <a:r>
-              <a:rPr lang="en-US" altLang="en-US" sz="1600" dirty="0">
-                <a:solidFill>
-                  <a:srgbClr val="A9B7C6"/>
-                </a:solidFill>
-                <a:latin typeface="Consolas" panose="020B0609020204030204" pitchFamily="49" charset="0"/>
-                <a:cs typeface="Courier New" panose="02070309020205020404" pitchFamily="49" charset="0"/>
-              </a:rPr>
-              <a:t>()</a:t>
-            </a:r>
-            <a:r>
-              <a:rPr lang="en-US" altLang="en-US" sz="1600" dirty="0">
-                <a:solidFill>
-                  <a:srgbClr val="CC7832"/>
-                </a:solidFill>
-                <a:latin typeface="Consolas" panose="020B0609020204030204" pitchFamily="49" charset="0"/>
-                <a:cs typeface="Courier New" panose="02070309020205020404" pitchFamily="49" charset="0"/>
-              </a:rPr>
-              <a:t>;</a:t>
-            </a:r>
-            <a:br>
-              <a:rPr lang="en-US" altLang="en-US" sz="1600" dirty="0">
-                <a:solidFill>
-                  <a:srgbClr val="CC7832"/>
-                </a:solidFill>
-                <a:latin typeface="Consolas" panose="020B0609020204030204" pitchFamily="49" charset="0"/>
-                <a:cs typeface="Courier New" panose="02070309020205020404" pitchFamily="49" charset="0"/>
-              </a:rPr>
-            </a:br>
-            <a:r>
-              <a:rPr lang="en-US" altLang="en-US" sz="1600" dirty="0" smtClean="0">
-                <a:solidFill>
-                  <a:srgbClr val="CC7832"/>
-                </a:solidFill>
-                <a:latin typeface="Consolas" panose="020B0609020204030204" pitchFamily="49" charset="0"/>
-                <a:cs typeface="Courier New" panose="02070309020205020404" pitchFamily="49" charset="0"/>
-              </a:rPr>
-              <a:t>        synchronized </a:t>
-            </a:r>
-            <a:r>
-              <a:rPr lang="en-US" altLang="en-US" sz="1600" dirty="0">
-                <a:solidFill>
-                  <a:srgbClr val="A9B7C6"/>
-                </a:solidFill>
-                <a:latin typeface="Consolas" panose="020B0609020204030204" pitchFamily="49" charset="0"/>
-                <a:cs typeface="Courier New" panose="02070309020205020404" pitchFamily="49" charset="0"/>
-              </a:rPr>
-              <a:t>(</a:t>
-            </a:r>
-            <a:r>
-              <a:rPr lang="en-US" altLang="en-US" sz="1600" i="1" dirty="0" err="1">
-                <a:solidFill>
-                  <a:srgbClr val="9876AA"/>
-                </a:solidFill>
-                <a:latin typeface="Consolas" panose="020B0609020204030204" pitchFamily="49" charset="0"/>
-                <a:cs typeface="Courier New" panose="02070309020205020404" pitchFamily="49" charset="0"/>
-              </a:rPr>
-              <a:t>sSyncAdapterLock</a:t>
-            </a:r>
-            <a:r>
-              <a:rPr lang="en-US" altLang="en-US" sz="1600" dirty="0">
-                <a:solidFill>
-                  <a:srgbClr val="A9B7C6"/>
-                </a:solidFill>
-                <a:latin typeface="Consolas" panose="020B0609020204030204" pitchFamily="49" charset="0"/>
-                <a:cs typeface="Courier New" panose="02070309020205020404" pitchFamily="49" charset="0"/>
-              </a:rPr>
-              <a:t>) {</a:t>
-            </a:r>
-            <a:br>
-              <a:rPr lang="en-US" altLang="en-US" sz="1600" dirty="0">
-                <a:solidFill>
-                  <a:srgbClr val="A9B7C6"/>
-                </a:solidFill>
-                <a:latin typeface="Consolas" panose="020B0609020204030204" pitchFamily="49" charset="0"/>
-                <a:cs typeface="Courier New" panose="02070309020205020404" pitchFamily="49" charset="0"/>
-              </a:rPr>
-            </a:br>
-            <a:r>
-              <a:rPr lang="en-US" altLang="en-US" sz="1600" dirty="0" smtClean="0">
-                <a:solidFill>
-                  <a:srgbClr val="A9B7C6"/>
-                </a:solidFill>
-                <a:latin typeface="Consolas" panose="020B0609020204030204" pitchFamily="49" charset="0"/>
-                <a:cs typeface="Courier New" panose="02070309020205020404" pitchFamily="49" charset="0"/>
-              </a:rPr>
-              <a:t>            </a:t>
-            </a:r>
-            <a:r>
-              <a:rPr lang="en-US" altLang="en-US" sz="1600" dirty="0">
-                <a:solidFill>
-                  <a:srgbClr val="CC7832"/>
-                </a:solidFill>
-                <a:latin typeface="Consolas" panose="020B0609020204030204" pitchFamily="49" charset="0"/>
-                <a:cs typeface="Courier New" panose="02070309020205020404" pitchFamily="49" charset="0"/>
-              </a:rPr>
-              <a:t>if </a:t>
-            </a:r>
-            <a:r>
-              <a:rPr lang="en-US" altLang="en-US" sz="1600" dirty="0">
-                <a:solidFill>
-                  <a:srgbClr val="A9B7C6"/>
-                </a:solidFill>
-                <a:latin typeface="Consolas" panose="020B0609020204030204" pitchFamily="49" charset="0"/>
-                <a:cs typeface="Courier New" panose="02070309020205020404" pitchFamily="49" charset="0"/>
-              </a:rPr>
-              <a:t>(</a:t>
-            </a:r>
-            <a:r>
-              <a:rPr lang="en-US" altLang="en-US" sz="1600" i="1" dirty="0" err="1">
-                <a:solidFill>
-                  <a:srgbClr val="9876AA"/>
-                </a:solidFill>
-                <a:latin typeface="Consolas" panose="020B0609020204030204" pitchFamily="49" charset="0"/>
-                <a:cs typeface="Courier New" panose="02070309020205020404" pitchFamily="49" charset="0"/>
-              </a:rPr>
-              <a:t>sSyncAdapter</a:t>
-            </a:r>
-            <a:r>
-              <a:rPr lang="en-US" altLang="en-US" sz="1600" i="1" dirty="0">
-                <a:solidFill>
-                  <a:srgbClr val="9876AA"/>
-                </a:solidFill>
-                <a:latin typeface="Consolas" panose="020B0609020204030204" pitchFamily="49" charset="0"/>
-                <a:cs typeface="Courier New" panose="02070309020205020404" pitchFamily="49" charset="0"/>
-              </a:rPr>
-              <a:t> </a:t>
-            </a:r>
-            <a:r>
-              <a:rPr lang="en-US" altLang="en-US" sz="1600" dirty="0">
-                <a:solidFill>
-                  <a:srgbClr val="A9B7C6"/>
-                </a:solidFill>
-                <a:latin typeface="Consolas" panose="020B0609020204030204" pitchFamily="49" charset="0"/>
-                <a:cs typeface="Courier New" panose="02070309020205020404" pitchFamily="49" charset="0"/>
-              </a:rPr>
-              <a:t>== </a:t>
-            </a:r>
-            <a:r>
-              <a:rPr lang="en-US" altLang="en-US" sz="1600" dirty="0">
-                <a:solidFill>
-                  <a:srgbClr val="CC7832"/>
-                </a:solidFill>
-                <a:latin typeface="Consolas" panose="020B0609020204030204" pitchFamily="49" charset="0"/>
-                <a:cs typeface="Courier New" panose="02070309020205020404" pitchFamily="49" charset="0"/>
-              </a:rPr>
-              <a:t>null</a:t>
-            </a:r>
-            <a:r>
-              <a:rPr lang="en-US" altLang="en-US" sz="1600" dirty="0">
-                <a:solidFill>
-                  <a:srgbClr val="A9B7C6"/>
-                </a:solidFill>
-                <a:latin typeface="Consolas" panose="020B0609020204030204" pitchFamily="49" charset="0"/>
-                <a:cs typeface="Courier New" panose="02070309020205020404" pitchFamily="49" charset="0"/>
-              </a:rPr>
-              <a:t>) {</a:t>
-            </a:r>
-            <a:br>
-              <a:rPr lang="en-US" altLang="en-US" sz="1600" dirty="0">
-                <a:solidFill>
-                  <a:srgbClr val="A9B7C6"/>
-                </a:solidFill>
-                <a:latin typeface="Consolas" panose="020B0609020204030204" pitchFamily="49" charset="0"/>
-                <a:cs typeface="Courier New" panose="02070309020205020404" pitchFamily="49" charset="0"/>
-              </a:rPr>
-            </a:br>
-            <a:r>
-              <a:rPr lang="en-US" altLang="en-US" sz="1600" dirty="0">
-                <a:solidFill>
-                  <a:srgbClr val="A9B7C6"/>
-                </a:solidFill>
-                <a:latin typeface="Consolas" panose="020B0609020204030204" pitchFamily="49" charset="0"/>
-                <a:cs typeface="Courier New" panose="02070309020205020404" pitchFamily="49" charset="0"/>
-              </a:rPr>
-              <a:t>    </a:t>
-            </a:r>
-            <a:r>
-              <a:rPr lang="en-US" altLang="en-US" sz="1600" dirty="0" smtClean="0">
-                <a:solidFill>
-                  <a:srgbClr val="A9B7C6"/>
-                </a:solidFill>
-                <a:latin typeface="Consolas" panose="020B0609020204030204" pitchFamily="49" charset="0"/>
-                <a:cs typeface="Courier New" panose="02070309020205020404" pitchFamily="49" charset="0"/>
-              </a:rPr>
-              <a:t>            </a:t>
-            </a:r>
-            <a:r>
-              <a:rPr lang="en-US" altLang="en-US" sz="1600" i="1" dirty="0" err="1">
-                <a:solidFill>
-                  <a:srgbClr val="9876AA"/>
-                </a:solidFill>
-                <a:latin typeface="Consolas" panose="020B0609020204030204" pitchFamily="49" charset="0"/>
-                <a:cs typeface="Courier New" panose="02070309020205020404" pitchFamily="49" charset="0"/>
-              </a:rPr>
-              <a:t>sSyncAdapter</a:t>
-            </a:r>
-            <a:r>
-              <a:rPr lang="en-US" altLang="en-US" sz="1600" i="1" dirty="0">
-                <a:solidFill>
-                  <a:srgbClr val="9876AA"/>
-                </a:solidFill>
-                <a:latin typeface="Consolas" panose="020B0609020204030204" pitchFamily="49" charset="0"/>
-                <a:cs typeface="Courier New" panose="02070309020205020404" pitchFamily="49" charset="0"/>
-              </a:rPr>
-              <a:t> </a:t>
-            </a:r>
-            <a:r>
-              <a:rPr lang="en-US" altLang="en-US" sz="1600" dirty="0">
-                <a:solidFill>
-                  <a:srgbClr val="A9B7C6"/>
-                </a:solidFill>
-                <a:latin typeface="Consolas" panose="020B0609020204030204" pitchFamily="49" charset="0"/>
-                <a:cs typeface="Courier New" panose="02070309020205020404" pitchFamily="49" charset="0"/>
-              </a:rPr>
-              <a:t>= </a:t>
-            </a:r>
-            <a:r>
-              <a:rPr lang="en-US" altLang="en-US" sz="1600" dirty="0">
-                <a:solidFill>
-                  <a:srgbClr val="CC7832"/>
-                </a:solidFill>
-                <a:latin typeface="Consolas" panose="020B0609020204030204" pitchFamily="49" charset="0"/>
-                <a:cs typeface="Courier New" panose="02070309020205020404" pitchFamily="49" charset="0"/>
-              </a:rPr>
-              <a:t>new </a:t>
-            </a:r>
-            <a:r>
-              <a:rPr lang="en-US" altLang="en-US" sz="1600" dirty="0" err="1">
-                <a:solidFill>
-                  <a:srgbClr val="A9B7C6"/>
-                </a:solidFill>
-                <a:latin typeface="Consolas" panose="020B0609020204030204" pitchFamily="49" charset="0"/>
-                <a:cs typeface="Courier New" panose="02070309020205020404" pitchFamily="49" charset="0"/>
-              </a:rPr>
-              <a:t>SyncAdapter</a:t>
-            </a:r>
-            <a:r>
-              <a:rPr lang="en-US" altLang="en-US" sz="1600" dirty="0">
-                <a:solidFill>
-                  <a:srgbClr val="A9B7C6"/>
-                </a:solidFill>
-                <a:latin typeface="Consolas" panose="020B0609020204030204" pitchFamily="49" charset="0"/>
-                <a:cs typeface="Courier New" panose="02070309020205020404" pitchFamily="49" charset="0"/>
-              </a:rPr>
-              <a:t>(</a:t>
-            </a:r>
-            <a:r>
-              <a:rPr lang="en-US" altLang="en-US" sz="1600" dirty="0" err="1">
-                <a:solidFill>
-                  <a:srgbClr val="A9B7C6"/>
-                </a:solidFill>
-                <a:latin typeface="Consolas" panose="020B0609020204030204" pitchFamily="49" charset="0"/>
-                <a:cs typeface="Courier New" panose="02070309020205020404" pitchFamily="49" charset="0"/>
-              </a:rPr>
-              <a:t>getApplicationContext</a:t>
-            </a:r>
-            <a:r>
-              <a:rPr lang="en-US" altLang="en-US" sz="1600" dirty="0">
-                <a:solidFill>
-                  <a:srgbClr val="A9B7C6"/>
-                </a:solidFill>
-                <a:latin typeface="Consolas" panose="020B0609020204030204" pitchFamily="49" charset="0"/>
-                <a:cs typeface="Courier New" panose="02070309020205020404" pitchFamily="49" charset="0"/>
-              </a:rPr>
-              <a:t>()</a:t>
-            </a:r>
-            <a:r>
-              <a:rPr lang="en-US" altLang="en-US" sz="1600" dirty="0">
-                <a:solidFill>
-                  <a:srgbClr val="CC7832"/>
-                </a:solidFill>
-                <a:latin typeface="Consolas" panose="020B0609020204030204" pitchFamily="49" charset="0"/>
-                <a:cs typeface="Courier New" panose="02070309020205020404" pitchFamily="49" charset="0"/>
-              </a:rPr>
-              <a:t>, true</a:t>
-            </a:r>
-            <a:r>
-              <a:rPr lang="en-US" altLang="en-US" sz="1600" dirty="0">
-                <a:solidFill>
-                  <a:srgbClr val="A9B7C6"/>
-                </a:solidFill>
-                <a:latin typeface="Consolas" panose="020B0609020204030204" pitchFamily="49" charset="0"/>
-                <a:cs typeface="Courier New" panose="02070309020205020404" pitchFamily="49" charset="0"/>
-              </a:rPr>
-              <a:t>)</a:t>
-            </a:r>
-            <a:r>
-              <a:rPr lang="en-US" altLang="en-US" sz="1600" dirty="0">
-                <a:solidFill>
-                  <a:srgbClr val="CC7832"/>
-                </a:solidFill>
-                <a:latin typeface="Consolas" panose="020B0609020204030204" pitchFamily="49" charset="0"/>
-                <a:cs typeface="Courier New" panose="02070309020205020404" pitchFamily="49" charset="0"/>
-              </a:rPr>
-              <a:t>;</a:t>
-            </a:r>
-            <a:br>
-              <a:rPr lang="en-US" altLang="en-US" sz="1600" dirty="0">
-                <a:solidFill>
-                  <a:srgbClr val="CC7832"/>
-                </a:solidFill>
-                <a:latin typeface="Consolas" panose="020B0609020204030204" pitchFamily="49" charset="0"/>
-                <a:cs typeface="Courier New" panose="02070309020205020404" pitchFamily="49" charset="0"/>
-              </a:rPr>
-            </a:br>
-            <a:r>
-              <a:rPr lang="en-US" altLang="en-US" sz="1600" dirty="0">
-                <a:solidFill>
-                  <a:srgbClr val="CC7832"/>
-                </a:solidFill>
-                <a:latin typeface="Consolas" panose="020B0609020204030204" pitchFamily="49" charset="0"/>
-                <a:cs typeface="Courier New" panose="02070309020205020404" pitchFamily="49" charset="0"/>
-              </a:rPr>
-              <a:t>        </a:t>
-            </a:r>
-            <a:r>
-              <a:rPr lang="en-US" altLang="en-US" sz="1600" dirty="0" smtClean="0">
-                <a:solidFill>
-                  <a:srgbClr val="CC7832"/>
-                </a:solidFill>
-                <a:latin typeface="Consolas" panose="020B0609020204030204" pitchFamily="49" charset="0"/>
-                <a:cs typeface="Courier New" panose="02070309020205020404" pitchFamily="49" charset="0"/>
-              </a:rPr>
-              <a:t>    </a:t>
-            </a:r>
-            <a:r>
-              <a:rPr lang="en-US" altLang="en-US" sz="1600" dirty="0" smtClean="0">
-                <a:solidFill>
-                  <a:srgbClr val="A9B7C6"/>
-                </a:solidFill>
-                <a:latin typeface="Consolas" panose="020B0609020204030204" pitchFamily="49" charset="0"/>
-                <a:cs typeface="Courier New" panose="02070309020205020404" pitchFamily="49" charset="0"/>
-              </a:rPr>
-              <a:t>}</a:t>
-            </a:r>
-            <a:r>
-              <a:rPr lang="en-US" altLang="en-US" sz="1600" dirty="0">
-                <a:solidFill>
-                  <a:srgbClr val="A9B7C6"/>
-                </a:solidFill>
-                <a:latin typeface="Consolas" panose="020B0609020204030204" pitchFamily="49" charset="0"/>
-                <a:cs typeface="Courier New" panose="02070309020205020404" pitchFamily="49" charset="0"/>
-              </a:rPr>
-              <a:t/>
-            </a:r>
-            <a:br>
-              <a:rPr lang="en-US" altLang="en-US" sz="1600" dirty="0">
-                <a:solidFill>
-                  <a:srgbClr val="A9B7C6"/>
-                </a:solidFill>
-                <a:latin typeface="Consolas" panose="020B0609020204030204" pitchFamily="49" charset="0"/>
-                <a:cs typeface="Courier New" panose="02070309020205020404" pitchFamily="49" charset="0"/>
-              </a:rPr>
-            </a:br>
-            <a:r>
-              <a:rPr lang="en-US" altLang="en-US" sz="1600" dirty="0" smtClean="0">
-                <a:solidFill>
-                  <a:srgbClr val="A9B7C6"/>
-                </a:solidFill>
-                <a:latin typeface="Consolas" panose="020B0609020204030204" pitchFamily="49" charset="0"/>
-                <a:cs typeface="Courier New" panose="02070309020205020404" pitchFamily="49" charset="0"/>
-              </a:rPr>
-              <a:t>        </a:t>
-            </a:r>
-            <a:r>
-              <a:rPr lang="en-US" altLang="en-US" sz="1600" dirty="0">
-                <a:solidFill>
-                  <a:srgbClr val="A9B7C6"/>
-                </a:solidFill>
-                <a:latin typeface="Consolas" panose="020B0609020204030204" pitchFamily="49" charset="0"/>
-                <a:cs typeface="Courier New" panose="02070309020205020404" pitchFamily="49" charset="0"/>
-              </a:rPr>
-              <a:t>}</a:t>
-            </a:r>
-            <a:br>
-              <a:rPr lang="en-US" altLang="en-US" sz="1600" dirty="0">
-                <a:solidFill>
-                  <a:srgbClr val="A9B7C6"/>
-                </a:solidFill>
-                <a:latin typeface="Consolas" panose="020B0609020204030204" pitchFamily="49" charset="0"/>
-                <a:cs typeface="Courier New" panose="02070309020205020404" pitchFamily="49" charset="0"/>
-              </a:rPr>
-            </a:br>
-            <a:r>
-              <a:rPr lang="en-US" altLang="en-US" sz="1600" dirty="0" smtClean="0">
-                <a:solidFill>
-                  <a:srgbClr val="A9B7C6"/>
-                </a:solidFill>
-                <a:latin typeface="Consolas" panose="020B0609020204030204" pitchFamily="49" charset="0"/>
-                <a:cs typeface="Courier New" panose="02070309020205020404" pitchFamily="49" charset="0"/>
-              </a:rPr>
-              <a:t>    }</a:t>
-            </a:r>
-          </a:p>
-          <a:p>
-            <a:pPr lvl="0" eaLnBrk="0" fontAlgn="base" hangingPunct="0">
-              <a:spcBef>
-                <a:spcPct val="0"/>
-              </a:spcBef>
-              <a:spcAft>
-                <a:spcPct val="0"/>
-              </a:spcAft>
-            </a:pPr>
-            <a:r>
-              <a:rPr lang="en-US" altLang="en-US" sz="1600" dirty="0">
-                <a:solidFill>
-                  <a:srgbClr val="A9B7C6"/>
-                </a:solidFill>
-                <a:latin typeface="Consolas" panose="020B0609020204030204" pitchFamily="49" charset="0"/>
-                <a:cs typeface="Courier New" panose="02070309020205020404" pitchFamily="49" charset="0"/>
-              </a:rPr>
-              <a:t/>
-            </a:r>
-            <a:br>
-              <a:rPr lang="en-US" altLang="en-US" sz="1600" dirty="0">
-                <a:solidFill>
-                  <a:srgbClr val="A9B7C6"/>
-                </a:solidFill>
-                <a:latin typeface="Consolas" panose="020B0609020204030204" pitchFamily="49" charset="0"/>
-                <a:cs typeface="Courier New" panose="02070309020205020404" pitchFamily="49" charset="0"/>
-              </a:rPr>
-            </a:br>
-            <a:r>
-              <a:rPr lang="en-US" altLang="en-US" sz="1600" b="1" dirty="0" smtClean="0">
-                <a:solidFill>
-                  <a:srgbClr val="A9B7C6"/>
-                </a:solidFill>
-                <a:latin typeface="Consolas" panose="020B0609020204030204" pitchFamily="49" charset="0"/>
-                <a:cs typeface="Courier New" panose="02070309020205020404" pitchFamily="49" charset="0"/>
-              </a:rPr>
-              <a:t>…</a:t>
-            </a:r>
-          </a:p>
-        </p:txBody>
-      </p:sp>
-      <p:sp>
-        <p:nvSpPr>
-          <p:cNvPr id="14" name="TextBox 13"/>
-          <p:cNvSpPr txBox="1"/>
-          <p:nvPr/>
-        </p:nvSpPr>
-        <p:spPr>
-          <a:xfrm>
-            <a:off x="652500" y="1556792"/>
-            <a:ext cx="10887000" cy="461665"/>
-          </a:xfrm>
-          <a:prstGeom prst="rect">
-            <a:avLst/>
-          </a:prstGeom>
-          <a:noFill/>
-        </p:spPr>
-        <p:txBody>
-          <a:bodyPr wrap="square" rtlCol="0">
-            <a:spAutoFit/>
-          </a:bodyPr>
-          <a:lstStyle/>
-          <a:p>
-            <a:r>
-              <a:rPr lang="en-US" sz="2400" dirty="0" smtClean="0">
-                <a:solidFill>
-                  <a:schemeClr val="bg1"/>
-                </a:solidFill>
-                <a:latin typeface="Consolas" panose="020B0609020204030204" pitchFamily="49" charset="0"/>
-              </a:rPr>
-              <a:t>SyncService.java</a:t>
-            </a:r>
-            <a:endParaRPr lang="en-US" sz="2400" dirty="0">
-              <a:solidFill>
-                <a:schemeClr val="bg1"/>
-              </a:solidFill>
-              <a:latin typeface="Consolas" panose="020B0609020204030204" pitchFamily="49" charset="0"/>
-            </a:endParaRPr>
-          </a:p>
-        </p:txBody>
-      </p:sp>
-    </p:spTree>
-    <p:extLst>
-      <p:ext uri="{BB962C8B-B14F-4D97-AF65-F5344CB8AC3E}">
-        <p14:creationId xmlns:p14="http://schemas.microsoft.com/office/powerpoint/2010/main" val="34310831"/>
-      </p:ext>
-    </p:extLst>
-  </p:cSld>
-  <p:clrMapOvr>
-    <a:masterClrMapping/>
-  </p:clrMapOvr>
-  <mc:AlternateContent xmlns:mc="http://schemas.openxmlformats.org/markup-compatibility/2006" xmlns:p14="http://schemas.microsoft.com/office/powerpoint/2010/main">
-    <mc:Choice Requires="p14">
-      <p:transition p14:dur="250">
-        <p14:reveal/>
-      </p:transition>
-    </mc:Choice>
-    <mc:Fallback xmlns="">
-      <p:transition>
-        <p:fade/>
-      </p:transition>
-    </mc:Fallback>
-  </mc:AlternateContent>
-  <p:timing>
-    <p:tnLst>
-      <p:par>
-        <p:cTn id="1" dur="indefinite" restart="never" nodeType="tmRoot"/>
-      </p:par>
-    </p:tnLst>
-  </p:timing>
-</p:sld>
-</file>
-
 <file path=ppt/slides/slide2.xml><?xml version="1.0" encoding="utf-8"?>
 <p:sld xmlns:a="http://schemas.openxmlformats.org/drawingml/2006/main" xmlns:r="http://schemas.openxmlformats.org/officeDocument/2006/relationships" xmlns:p="http://schemas.openxmlformats.org/presentationml/2006/main">
   <p:cSld>
@@ -21083,6 +20812,76 @@
           </a:bodyPr>
           <a:lstStyle/>
           <a:p>
+            <a:pPr lvl="0" eaLnBrk="0" fontAlgn="base" hangingPunct="0">
+              <a:spcBef>
+                <a:spcPct val="0"/>
+              </a:spcBef>
+              <a:spcAft>
+                <a:spcPct val="0"/>
+              </a:spcAft>
+            </a:pPr>
+            <a:r>
+              <a:rPr lang="en-US" altLang="en-US" sz="1600" dirty="0">
+                <a:solidFill>
+                  <a:srgbClr val="CC7832"/>
+                </a:solidFill>
+                <a:latin typeface="Consolas" panose="020B0609020204030204" pitchFamily="49" charset="0"/>
+                <a:cs typeface="Courier New" panose="02070309020205020404" pitchFamily="49" charset="0"/>
+              </a:rPr>
+              <a:t>public class </a:t>
+            </a:r>
+            <a:r>
+              <a:rPr lang="en-US" altLang="en-US" sz="1600" dirty="0" err="1">
+                <a:solidFill>
+                  <a:srgbClr val="A9B7C6"/>
+                </a:solidFill>
+                <a:latin typeface="Consolas" panose="020B0609020204030204" pitchFamily="49" charset="0"/>
+                <a:cs typeface="Courier New" panose="02070309020205020404" pitchFamily="49" charset="0"/>
+              </a:rPr>
+              <a:t>SyncService</a:t>
+            </a:r>
+            <a:r>
+              <a:rPr lang="en-US" altLang="en-US" sz="1600" dirty="0">
+                <a:solidFill>
+                  <a:srgbClr val="A9B7C6"/>
+                </a:solidFill>
+                <a:latin typeface="Consolas" panose="020B0609020204030204" pitchFamily="49" charset="0"/>
+                <a:cs typeface="Courier New" panose="02070309020205020404" pitchFamily="49" charset="0"/>
+              </a:rPr>
+              <a:t> </a:t>
+            </a:r>
+            <a:r>
+              <a:rPr lang="en-US" altLang="en-US" sz="1600" dirty="0">
+                <a:solidFill>
+                  <a:srgbClr val="CC7832"/>
+                </a:solidFill>
+                <a:latin typeface="Consolas" panose="020B0609020204030204" pitchFamily="49" charset="0"/>
+                <a:cs typeface="Courier New" panose="02070309020205020404" pitchFamily="49" charset="0"/>
+              </a:rPr>
+              <a:t>extends </a:t>
+            </a:r>
+            <a:r>
+              <a:rPr lang="en-US" altLang="en-US" sz="1600" dirty="0">
+                <a:solidFill>
+                  <a:srgbClr val="A9B7C6"/>
+                </a:solidFill>
+                <a:latin typeface="Consolas" panose="020B0609020204030204" pitchFamily="49" charset="0"/>
+                <a:cs typeface="Courier New" panose="02070309020205020404" pitchFamily="49" charset="0"/>
+              </a:rPr>
+              <a:t>Service </a:t>
+            </a:r>
+            <a:r>
+              <a:rPr lang="en-US" altLang="en-US" sz="1600" dirty="0" smtClean="0">
+                <a:solidFill>
+                  <a:srgbClr val="A9B7C6"/>
+                </a:solidFill>
+                <a:latin typeface="Consolas" panose="020B0609020204030204" pitchFamily="49" charset="0"/>
+                <a:cs typeface="Courier New" panose="02070309020205020404" pitchFamily="49" charset="0"/>
+              </a:rPr>
+              <a:t>{</a:t>
+            </a:r>
+          </a:p>
+          <a:p>
             <a:pPr eaLnBrk="0" fontAlgn="base" hangingPunct="0">
               <a:spcBef>
                 <a:spcPct val="0"/>
@@ -21092,14 +20891,574 @@
               </a:spcAft>
             </a:pPr>
             <a:r>
-              <a:rPr lang="en-US" altLang="en-US" sz="1600" b="1" dirty="0">
+              <a:rPr lang="en-US" altLang="en-US" sz="1600" dirty="0" smtClean="0">
                 <a:solidFill>
                   <a:srgbClr val="A9B7C6"/>
                 </a:solidFill>
                 <a:latin typeface="Consolas" panose="020B0609020204030204" pitchFamily="49" charset="0"/>
                 <a:cs typeface="Courier New" panose="02070309020205020404" pitchFamily="49" charset="0"/>
               </a:rPr>
-              <a:t>…</a:t>
+              <a:t/>
+            </a:r>
+            <a:br>
+              <a:rPr lang="en-US" altLang="en-US" sz="1600" dirty="0" smtClean="0">
+                <a:solidFill>
+                  <a:srgbClr val="A9B7C6"/>
+                </a:solidFill>
+                <a:latin typeface="Consolas" panose="020B0609020204030204" pitchFamily="49" charset="0"/>
+                <a:cs typeface="Courier New" panose="02070309020205020404" pitchFamily="49" charset="0"/>
+              </a:rPr>
+            </a:br>
+            <a:r>
+              <a:rPr lang="en-US" altLang="en-US" sz="1600" dirty="0" smtClean="0">
+                <a:solidFill>
+                  <a:srgbClr val="A9B7C6"/>
+                </a:solidFill>
+                <a:latin typeface="Consolas" panose="020B0609020204030204" pitchFamily="49" charset="0"/>
+                <a:cs typeface="Courier New" panose="02070309020205020404" pitchFamily="49" charset="0"/>
+              </a:rPr>
+              <a:t>    </a:t>
+            </a:r>
+            <a:r>
+              <a:rPr lang="en-US" altLang="en-US" sz="1600" dirty="0" smtClean="0">
+                <a:solidFill>
+                  <a:srgbClr val="CC7832"/>
+                </a:solidFill>
+                <a:latin typeface="Consolas" panose="020B0609020204030204" pitchFamily="49" charset="0"/>
+              </a:rPr>
+              <a:t>private </a:t>
+            </a:r>
+            <a:r>
+              <a:rPr lang="en-US" altLang="en-US" sz="1600" dirty="0" err="1">
+                <a:solidFill>
+                  <a:srgbClr val="A9B7C6"/>
+                </a:solidFill>
+                <a:latin typeface="Consolas" panose="020B0609020204030204" pitchFamily="49" charset="0"/>
+              </a:rPr>
+              <a:t>SyncAdapter</a:t>
+            </a:r>
+            <a:r>
+              <a:rPr lang="en-US" altLang="en-US" sz="1600" dirty="0">
+                <a:solidFill>
+                  <a:srgbClr val="A9B7C6"/>
+                </a:solidFill>
+                <a:latin typeface="Consolas" panose="020B0609020204030204" pitchFamily="49" charset="0"/>
+              </a:rPr>
+              <a:t> </a:t>
+            </a:r>
+            <a:r>
+              <a:rPr lang="en-US" altLang="en-US" sz="1600" dirty="0" err="1">
+                <a:solidFill>
+                  <a:srgbClr val="9876AA"/>
+                </a:solidFill>
+                <a:latin typeface="Consolas" panose="020B0609020204030204" pitchFamily="49" charset="0"/>
+              </a:rPr>
+              <a:t>mSyncAdapter</a:t>
+            </a:r>
+            <a:r>
+              <a:rPr lang="en-US" altLang="en-US" sz="1600" dirty="0">
+                <a:solidFill>
+                  <a:srgbClr val="9876AA"/>
+                </a:solidFill>
+                <a:latin typeface="Consolas" panose="020B0609020204030204" pitchFamily="49" charset="0"/>
+              </a:rPr>
+              <a:t> </a:t>
+            </a:r>
+            <a:r>
+              <a:rPr lang="en-US" altLang="en-US" sz="1600" dirty="0">
+                <a:solidFill>
+                  <a:srgbClr val="A9B7C6"/>
+                </a:solidFill>
+                <a:latin typeface="Consolas" panose="020B0609020204030204" pitchFamily="49" charset="0"/>
+              </a:rPr>
+              <a:t>= </a:t>
+            </a:r>
+            <a:r>
+              <a:rPr lang="en-US" altLang="en-US" sz="1600" dirty="0">
+                <a:solidFill>
+                  <a:srgbClr val="CC7832"/>
+                </a:solidFill>
+                <a:latin typeface="Consolas" panose="020B0609020204030204" pitchFamily="49" charset="0"/>
+              </a:rPr>
+              <a:t>null;</a:t>
+            </a:r>
+            <a:br>
+              <a:rPr lang="en-US" altLang="en-US" sz="1600" dirty="0">
+                <a:solidFill>
+                  <a:srgbClr val="CC7832"/>
+                </a:solidFill>
+                <a:latin typeface="Consolas" panose="020B0609020204030204" pitchFamily="49" charset="0"/>
+              </a:rPr>
+            </a:br>
+            <a:endParaRPr lang="en-US" altLang="en-US" sz="1600" dirty="0" smtClean="0">
+              <a:solidFill>
+                <a:srgbClr val="A9B7C6"/>
+              </a:solidFill>
+              <a:latin typeface="Consolas" panose="020B0609020204030204" pitchFamily="49" charset="0"/>
+              <a:cs typeface="Courier New" panose="02070309020205020404" pitchFamily="49" charset="0"/>
+            </a:endParaRPr>
+          </a:p>
+          <a:p>
+            <a:pPr lvl="0" eaLnBrk="0" fontAlgn="base" hangingPunct="0">
+              <a:spcBef>
+                <a:spcPct val="0"/>
+              </a:spcBef>
+              <a:spcAft>
+                <a:spcPct val="0"/>
+              </a:spcAft>
+            </a:pPr>
+            <a:r>
+              <a:rPr lang="en-US" altLang="en-US" sz="1600" i="1" dirty="0" smtClean="0">
+                <a:solidFill>
+                  <a:srgbClr val="629755"/>
+                </a:solidFill>
+                <a:latin typeface="Consolas" panose="020B0609020204030204" pitchFamily="49" charset="0"/>
+                <a:cs typeface="Courier New" panose="02070309020205020404" pitchFamily="49" charset="0"/>
+              </a:rPr>
+              <a:t>    /**</a:t>
+            </a:r>
+            <a:r>
+              <a:rPr lang="en-US" altLang="en-US" sz="1600" i="1" dirty="0">
+                <a:solidFill>
+                  <a:srgbClr val="629755"/>
+                </a:solidFill>
+                <a:latin typeface="Consolas" panose="020B0609020204030204" pitchFamily="49" charset="0"/>
+                <a:cs typeface="Courier New" panose="02070309020205020404" pitchFamily="49" charset="0"/>
+              </a:rPr>
+              <a:t/>
+            </a:r>
+            <a:br>
+              <a:rPr lang="en-US" altLang="en-US" sz="1600" i="1" dirty="0">
+                <a:solidFill>
+                  <a:srgbClr val="629755"/>
+                </a:solidFill>
+                <a:latin typeface="Consolas" panose="020B0609020204030204" pitchFamily="49" charset="0"/>
+                <a:cs typeface="Courier New" panose="02070309020205020404" pitchFamily="49" charset="0"/>
+              </a:rPr>
+            </a:br>
+            <a:r>
+              <a:rPr lang="en-US" altLang="en-US" sz="1600" i="1" dirty="0" smtClean="0">
+                <a:solidFill>
+                  <a:srgbClr val="629755"/>
+                </a:solidFill>
+                <a:latin typeface="Consolas" panose="020B0609020204030204" pitchFamily="49" charset="0"/>
+                <a:cs typeface="Courier New" panose="02070309020205020404" pitchFamily="49" charset="0"/>
+              </a:rPr>
+              <a:t>     </a:t>
+            </a:r>
+            <a:r>
+              <a:rPr lang="en-US" altLang="en-US" sz="1600" i="1" dirty="0">
+                <a:solidFill>
+                  <a:srgbClr val="629755"/>
+                </a:solidFill>
+                <a:latin typeface="Consolas" panose="020B0609020204030204" pitchFamily="49" charset="0"/>
+                <a:cs typeface="Courier New" panose="02070309020205020404" pitchFamily="49" charset="0"/>
+              </a:rPr>
+              <a:t>* </a:t>
+            </a:r>
+            <a:r>
+              <a:rPr lang="en-US" altLang="en-US" sz="1600" i="1" dirty="0" smtClean="0">
+                <a:solidFill>
+                  <a:srgbClr val="629755"/>
+                </a:solidFill>
+                <a:latin typeface="Consolas" panose="020B0609020204030204" pitchFamily="49" charset="0"/>
+                <a:cs typeface="Courier New" panose="02070309020205020404" pitchFamily="49" charset="0"/>
+              </a:rPr>
+              <a:t>Creates </a:t>
+            </a:r>
+            <a:r>
+              <a:rPr lang="en-US" altLang="en-US" sz="1600" i="1" dirty="0">
+                <a:solidFill>
+                  <a:srgbClr val="629755"/>
+                </a:solidFill>
+                <a:latin typeface="Consolas" panose="020B0609020204030204" pitchFamily="49" charset="0"/>
+                <a:cs typeface="Courier New" panose="02070309020205020404" pitchFamily="49" charset="0"/>
+              </a:rPr>
+              <a:t>{</a:t>
+            </a:r>
+            <a:r>
+              <a:rPr lang="en-US" altLang="en-US" sz="1600" b="1" i="1" dirty="0">
+                <a:solidFill>
+                  <a:srgbClr val="629755"/>
+                </a:solidFill>
+                <a:latin typeface="Consolas" panose="020B0609020204030204" pitchFamily="49" charset="0"/>
+                <a:cs typeface="Courier New" panose="02070309020205020404" pitchFamily="49" charset="0"/>
+              </a:rPr>
+              <a:t>@link </a:t>
+            </a:r>
+            <a:r>
+              <a:rPr lang="en-US" altLang="en-US" sz="1600" i="1" dirty="0" err="1">
+                <a:solidFill>
+                  <a:srgbClr val="629755"/>
+                </a:solidFill>
+                <a:latin typeface="Consolas" panose="020B0609020204030204" pitchFamily="49" charset="0"/>
+                <a:cs typeface="Courier New" panose="02070309020205020404" pitchFamily="49" charset="0"/>
+              </a:rPr>
+              <a:t>SyncAdapter</a:t>
+            </a:r>
+            <a:r>
+              <a:rPr lang="en-US" altLang="en-US" sz="1600" i="1" dirty="0">
+                <a:solidFill>
+                  <a:srgbClr val="629755"/>
+                </a:solidFill>
+                <a:latin typeface="Consolas" panose="020B0609020204030204" pitchFamily="49" charset="0"/>
+                <a:cs typeface="Courier New" panose="02070309020205020404" pitchFamily="49" charset="0"/>
+              </a:rPr>
+              <a:t>} instance.</a:t>
+            </a:r>
+            <a:br>
+              <a:rPr lang="en-US" altLang="en-US" sz="1600" i="1" dirty="0">
+                <a:solidFill>
+                  <a:srgbClr val="629755"/>
+                </a:solidFill>
+                <a:latin typeface="Consolas" panose="020B0609020204030204" pitchFamily="49" charset="0"/>
+                <a:cs typeface="Courier New" panose="02070309020205020404" pitchFamily="49" charset="0"/>
+              </a:rPr>
+            </a:br>
+            <a:r>
+              <a:rPr lang="en-US" altLang="en-US" sz="1600" i="1" dirty="0" smtClean="0">
+                <a:solidFill>
+                  <a:srgbClr val="629755"/>
+                </a:solidFill>
+                <a:latin typeface="Consolas" panose="020B0609020204030204" pitchFamily="49" charset="0"/>
+                <a:cs typeface="Courier New" panose="02070309020205020404" pitchFamily="49" charset="0"/>
+              </a:rPr>
+              <a:t>     </a:t>
+            </a:r>
+            <a:r>
+              <a:rPr lang="en-US" altLang="en-US" sz="1600" i="1" dirty="0">
+                <a:solidFill>
+                  <a:srgbClr val="629755"/>
+                </a:solidFill>
+                <a:latin typeface="Consolas" panose="020B0609020204030204" pitchFamily="49" charset="0"/>
+                <a:cs typeface="Courier New" panose="02070309020205020404" pitchFamily="49" charset="0"/>
+              </a:rPr>
+              <a:t>*/</a:t>
+            </a:r>
+            <a:br>
+              <a:rPr lang="en-US" altLang="en-US" sz="1600" i="1" dirty="0">
+                <a:solidFill>
+                  <a:srgbClr val="629755"/>
+                </a:solidFill>
+                <a:latin typeface="Consolas" panose="020B0609020204030204" pitchFamily="49" charset="0"/>
+                <a:cs typeface="Courier New" panose="02070309020205020404" pitchFamily="49" charset="0"/>
+              </a:rPr>
+            </a:br>
+            <a:r>
+              <a:rPr lang="en-US" altLang="en-US" sz="1600" i="1" dirty="0" smtClean="0">
+                <a:solidFill>
+                  <a:srgbClr val="629755"/>
+                </a:solidFill>
+                <a:latin typeface="Consolas" panose="020B0609020204030204" pitchFamily="49" charset="0"/>
+                <a:cs typeface="Courier New" panose="02070309020205020404" pitchFamily="49" charset="0"/>
+              </a:rPr>
+              <a:t>    </a:t>
+            </a:r>
+            <a:r>
+              <a:rPr lang="en-US" altLang="en-US" sz="1600" dirty="0" smtClean="0">
+                <a:solidFill>
+                  <a:srgbClr val="BBB529"/>
+                </a:solidFill>
+                <a:latin typeface="Consolas" panose="020B0609020204030204" pitchFamily="49" charset="0"/>
+                <a:cs typeface="Courier New" panose="02070309020205020404" pitchFamily="49" charset="0"/>
+              </a:rPr>
+              <a:t>@</a:t>
+            </a:r>
+            <a:r>
+              <a:rPr lang="en-US" altLang="en-US" sz="1600" dirty="0">
+                <a:solidFill>
+                  <a:srgbClr val="BBB529"/>
+                </a:solidFill>
+                <a:latin typeface="Consolas" panose="020B0609020204030204" pitchFamily="49" charset="0"/>
+                <a:cs typeface="Courier New" panose="02070309020205020404" pitchFamily="49" charset="0"/>
+              </a:rPr>
+              <a:t>Override</a:t>
+            </a:r>
+            <a:br>
+              <a:rPr lang="en-US" altLang="en-US" sz="1600" dirty="0">
+                <a:solidFill>
+                  <a:srgbClr val="BBB529"/>
+                </a:solidFill>
+                <a:latin typeface="Consolas" panose="020B0609020204030204" pitchFamily="49" charset="0"/>
+                <a:cs typeface="Courier New" panose="02070309020205020404" pitchFamily="49" charset="0"/>
+              </a:rPr>
+            </a:br>
+            <a:r>
+              <a:rPr lang="en-US" altLang="en-US" sz="1600" dirty="0" smtClean="0">
+                <a:solidFill>
+                  <a:srgbClr val="BBB529"/>
+                </a:solidFill>
+                <a:latin typeface="Consolas" panose="020B0609020204030204" pitchFamily="49" charset="0"/>
+                <a:cs typeface="Courier New" panose="02070309020205020404" pitchFamily="49" charset="0"/>
+              </a:rPr>
+              <a:t>    </a:t>
+            </a:r>
+            <a:r>
+              <a:rPr lang="en-US" altLang="en-US" sz="1600" dirty="0" smtClean="0">
+                <a:solidFill>
+                  <a:srgbClr val="CC7832"/>
+                </a:solidFill>
+                <a:latin typeface="Consolas" panose="020B0609020204030204" pitchFamily="49" charset="0"/>
+                <a:cs typeface="Courier New" panose="02070309020205020404" pitchFamily="49" charset="0"/>
+              </a:rPr>
+              <a:t>public </a:t>
+            </a:r>
+            <a:r>
+              <a:rPr lang="en-US" altLang="en-US" sz="1600" dirty="0">
+                <a:solidFill>
+                  <a:srgbClr val="CC7832"/>
+                </a:solidFill>
+                <a:latin typeface="Consolas" panose="020B0609020204030204" pitchFamily="49" charset="0"/>
+                <a:cs typeface="Courier New" panose="02070309020205020404" pitchFamily="49" charset="0"/>
+              </a:rPr>
+              <a:t>void </a:t>
+            </a:r>
+            <a:r>
+              <a:rPr lang="en-US" altLang="en-US" sz="1600" dirty="0" err="1">
+                <a:solidFill>
+                  <a:srgbClr val="FFC66D"/>
+                </a:solidFill>
+                <a:latin typeface="Consolas" panose="020B0609020204030204" pitchFamily="49" charset="0"/>
+                <a:cs typeface="Courier New" panose="02070309020205020404" pitchFamily="49" charset="0"/>
+              </a:rPr>
+              <a:t>onCreate</a:t>
+            </a:r>
+            <a:r>
+              <a:rPr lang="en-US" altLang="en-US" sz="1600" dirty="0">
+                <a:solidFill>
+                  <a:srgbClr val="A9B7C6"/>
+                </a:solidFill>
+                <a:latin typeface="Consolas" panose="020B0609020204030204" pitchFamily="49" charset="0"/>
+                <a:cs typeface="Courier New" panose="02070309020205020404" pitchFamily="49" charset="0"/>
+              </a:rPr>
+              <a:t>() {</a:t>
+            </a:r>
+            <a:br>
+              <a:rPr lang="en-US" altLang="en-US" sz="1600" dirty="0">
+                <a:solidFill>
+                  <a:srgbClr val="A9B7C6"/>
+                </a:solidFill>
+                <a:latin typeface="Consolas" panose="020B0609020204030204" pitchFamily="49" charset="0"/>
+                <a:cs typeface="Courier New" panose="02070309020205020404" pitchFamily="49" charset="0"/>
+              </a:rPr>
+            </a:br>
+            <a:r>
+              <a:rPr lang="en-US" altLang="en-US" sz="1600" dirty="0">
+                <a:solidFill>
+                  <a:srgbClr val="A9B7C6"/>
+                </a:solidFill>
+                <a:latin typeface="Consolas" panose="020B0609020204030204" pitchFamily="49" charset="0"/>
+                <a:cs typeface="Courier New" panose="02070309020205020404" pitchFamily="49" charset="0"/>
+              </a:rPr>
+              <a:t>    </a:t>
+            </a:r>
+            <a:r>
+              <a:rPr lang="en-US" altLang="en-US" sz="1600" dirty="0" smtClean="0">
+                <a:solidFill>
+                  <a:srgbClr val="A9B7C6"/>
+                </a:solidFill>
+                <a:latin typeface="Consolas" panose="020B0609020204030204" pitchFamily="49" charset="0"/>
+                <a:cs typeface="Courier New" panose="02070309020205020404" pitchFamily="49" charset="0"/>
+              </a:rPr>
+              <a:t>    </a:t>
+            </a:r>
+            <a:r>
+              <a:rPr lang="en-US" altLang="en-US" sz="1600" dirty="0" err="1" smtClean="0">
+                <a:solidFill>
+                  <a:srgbClr val="CC7832"/>
+                </a:solidFill>
+                <a:latin typeface="Consolas" panose="020B0609020204030204" pitchFamily="49" charset="0"/>
+                <a:cs typeface="Courier New" panose="02070309020205020404" pitchFamily="49" charset="0"/>
+              </a:rPr>
+              <a:t>super</a:t>
+            </a:r>
+            <a:r>
+              <a:rPr lang="en-US" altLang="en-US" sz="1600" dirty="0" err="1" smtClean="0">
+                <a:solidFill>
+                  <a:srgbClr val="A9B7C6"/>
+                </a:solidFill>
+                <a:latin typeface="Consolas" panose="020B0609020204030204" pitchFamily="49" charset="0"/>
+                <a:cs typeface="Courier New" panose="02070309020205020404" pitchFamily="49" charset="0"/>
+              </a:rPr>
+              <a:t>.onCreate</a:t>
+            </a:r>
+            <a:r>
+              <a:rPr lang="en-US" altLang="en-US" sz="1600" dirty="0">
+                <a:solidFill>
+                  <a:srgbClr val="A9B7C6"/>
+                </a:solidFill>
+                <a:latin typeface="Consolas" panose="020B0609020204030204" pitchFamily="49" charset="0"/>
+                <a:cs typeface="Courier New" panose="02070309020205020404" pitchFamily="49" charset="0"/>
+              </a:rPr>
+              <a:t>()</a:t>
+            </a:r>
+            <a:r>
+              <a:rPr lang="en-US" altLang="en-US" sz="1600" dirty="0">
+                <a:solidFill>
+                  <a:srgbClr val="CC7832"/>
+                </a:solidFill>
+                <a:latin typeface="Consolas" panose="020B0609020204030204" pitchFamily="49" charset="0"/>
+                <a:cs typeface="Courier New" panose="02070309020205020404" pitchFamily="49" charset="0"/>
+              </a:rPr>
+              <a:t>;</a:t>
+            </a:r>
+            <a:br>
+              <a:rPr lang="en-US" altLang="en-US" sz="1600" dirty="0">
+                <a:solidFill>
+                  <a:srgbClr val="CC7832"/>
+                </a:solidFill>
+                <a:latin typeface="Consolas" panose="020B0609020204030204" pitchFamily="49" charset="0"/>
+                <a:cs typeface="Courier New" panose="02070309020205020404" pitchFamily="49" charset="0"/>
+              </a:rPr>
+            </a:br>
+            <a:r>
+              <a:rPr lang="en-US" altLang="en-US" sz="1600" dirty="0" smtClean="0">
+                <a:solidFill>
+                  <a:srgbClr val="CC7832"/>
+                </a:solidFill>
+                <a:latin typeface="Consolas" panose="020B0609020204030204" pitchFamily="49" charset="0"/>
+                <a:cs typeface="Courier New" panose="02070309020205020404" pitchFamily="49" charset="0"/>
+              </a:rPr>
+              <a:t>        </a:t>
+            </a:r>
+            <a:r>
+              <a:rPr lang="en-US" altLang="en-US" sz="1600" dirty="0" err="1" smtClean="0">
+                <a:solidFill>
+                  <a:srgbClr val="9876AA"/>
+                </a:solidFill>
+                <a:latin typeface="Consolas" panose="020B0609020204030204" pitchFamily="49" charset="0"/>
+                <a:cs typeface="Courier New" panose="02070309020205020404" pitchFamily="49" charset="0"/>
+              </a:rPr>
+              <a:t>mSyncAdapter</a:t>
+            </a:r>
+            <a:r>
+              <a:rPr lang="en-US" altLang="en-US" sz="1600" i="1" dirty="0" smtClean="0">
+                <a:solidFill>
+                  <a:srgbClr val="9876AA"/>
+                </a:solidFill>
+                <a:latin typeface="Consolas" panose="020B0609020204030204" pitchFamily="49" charset="0"/>
+                <a:cs typeface="Courier New" panose="02070309020205020404" pitchFamily="49" charset="0"/>
+              </a:rPr>
+              <a:t> </a:t>
+            </a:r>
+            <a:r>
+              <a:rPr lang="en-US" altLang="en-US" sz="1600" dirty="0">
+                <a:solidFill>
+                  <a:srgbClr val="A9B7C6"/>
+                </a:solidFill>
+                <a:latin typeface="Consolas" panose="020B0609020204030204" pitchFamily="49" charset="0"/>
+                <a:cs typeface="Courier New" panose="02070309020205020404" pitchFamily="49" charset="0"/>
+              </a:rPr>
+              <a:t>= </a:t>
+            </a:r>
+            <a:r>
+              <a:rPr lang="en-US" altLang="en-US" sz="1600" dirty="0">
+                <a:solidFill>
+                  <a:srgbClr val="CC7832"/>
+                </a:solidFill>
+                <a:latin typeface="Consolas" panose="020B0609020204030204" pitchFamily="49" charset="0"/>
+                <a:cs typeface="Courier New" panose="02070309020205020404" pitchFamily="49" charset="0"/>
+              </a:rPr>
+              <a:t>new </a:t>
+            </a:r>
+            <a:r>
+              <a:rPr lang="en-US" altLang="en-US" sz="1600" dirty="0" err="1">
+                <a:solidFill>
+                  <a:srgbClr val="A9B7C6"/>
+                </a:solidFill>
+                <a:latin typeface="Consolas" panose="020B0609020204030204" pitchFamily="49" charset="0"/>
+                <a:cs typeface="Courier New" panose="02070309020205020404" pitchFamily="49" charset="0"/>
+              </a:rPr>
+              <a:t>SyncAdapter</a:t>
+            </a:r>
+            <a:r>
+              <a:rPr lang="en-US" altLang="en-US" sz="1600" dirty="0">
+                <a:solidFill>
+                  <a:srgbClr val="A9B7C6"/>
+                </a:solidFill>
+                <a:latin typeface="Consolas" panose="020B0609020204030204" pitchFamily="49" charset="0"/>
+                <a:cs typeface="Courier New" panose="02070309020205020404" pitchFamily="49" charset="0"/>
+              </a:rPr>
+              <a:t>(</a:t>
+            </a:r>
+            <a:r>
+              <a:rPr lang="en-US" altLang="en-US" sz="1600" dirty="0" err="1">
+                <a:solidFill>
+                  <a:srgbClr val="A9B7C6"/>
+                </a:solidFill>
+                <a:latin typeface="Consolas" panose="020B0609020204030204" pitchFamily="49" charset="0"/>
+                <a:cs typeface="Courier New" panose="02070309020205020404" pitchFamily="49" charset="0"/>
+              </a:rPr>
+              <a:t>getApplicationContext</a:t>
+            </a:r>
+            <a:r>
+              <a:rPr lang="en-US" altLang="en-US" sz="1600" dirty="0">
+                <a:solidFill>
+                  <a:srgbClr val="A9B7C6"/>
+                </a:solidFill>
+                <a:latin typeface="Consolas" panose="020B0609020204030204" pitchFamily="49" charset="0"/>
+                <a:cs typeface="Courier New" panose="02070309020205020404" pitchFamily="49" charset="0"/>
+              </a:rPr>
+              <a:t>()</a:t>
+            </a:r>
+            <a:r>
+              <a:rPr lang="en-US" altLang="en-US" sz="1600" dirty="0">
+                <a:solidFill>
+                  <a:srgbClr val="CC7832"/>
+                </a:solidFill>
+                <a:latin typeface="Consolas" panose="020B0609020204030204" pitchFamily="49" charset="0"/>
+                <a:cs typeface="Courier New" panose="02070309020205020404" pitchFamily="49" charset="0"/>
+              </a:rPr>
+              <a:t>, true</a:t>
+            </a:r>
+            <a:r>
+              <a:rPr lang="en-US" altLang="en-US" sz="1600" dirty="0">
+                <a:solidFill>
+                  <a:srgbClr val="A9B7C6"/>
+                </a:solidFill>
+                <a:latin typeface="Consolas" panose="020B0609020204030204" pitchFamily="49" charset="0"/>
+                <a:cs typeface="Courier New" panose="02070309020205020404" pitchFamily="49" charset="0"/>
+              </a:rPr>
+              <a:t>)</a:t>
+            </a:r>
+            <a:r>
+              <a:rPr lang="en-US" altLang="en-US" sz="1600" dirty="0">
+                <a:solidFill>
+                  <a:srgbClr val="CC7832"/>
+                </a:solidFill>
+                <a:latin typeface="Consolas" panose="020B0609020204030204" pitchFamily="49" charset="0"/>
+                <a:cs typeface="Courier New" panose="02070309020205020404" pitchFamily="49" charset="0"/>
+              </a:rPr>
+              <a:t>;</a:t>
+            </a:r>
+            <a:br>
+              <a:rPr lang="en-US" altLang="en-US" sz="1600" dirty="0">
+                <a:solidFill>
+                  <a:srgbClr val="CC7832"/>
+                </a:solidFill>
+                <a:latin typeface="Consolas" panose="020B0609020204030204" pitchFamily="49" charset="0"/>
+                <a:cs typeface="Courier New" panose="02070309020205020404" pitchFamily="49" charset="0"/>
+              </a:rPr>
+            </a:br>
+            <a:r>
+              <a:rPr lang="en-US" altLang="en-US" sz="1600" dirty="0" smtClean="0">
+                <a:solidFill>
+                  <a:srgbClr val="CC7832"/>
+                </a:solidFill>
+                <a:latin typeface="Consolas" panose="020B0609020204030204" pitchFamily="49" charset="0"/>
+                <a:cs typeface="Courier New" panose="02070309020205020404" pitchFamily="49" charset="0"/>
+              </a:rPr>
+              <a:t>    </a:t>
+            </a:r>
+            <a:r>
+              <a:rPr lang="en-US" altLang="en-US" sz="1600" dirty="0" smtClean="0">
+                <a:solidFill>
+                  <a:srgbClr val="A9B7C6"/>
+                </a:solidFill>
+                <a:latin typeface="Consolas" panose="020B0609020204030204" pitchFamily="49" charset="0"/>
+                <a:cs typeface="Courier New" panose="02070309020205020404" pitchFamily="49" charset="0"/>
+              </a:rPr>
+              <a:t>}</a:t>
             </a:r>
           </a:p>
           <a:p>
@@ -21120,7 +21479,7 @@
             </a:endParaRPr>
           </a:p>
           <a:p>
-            <a:pPr eaLnBrk="0" fontAlgn="base" hangingPunct="0">
+            <a:pPr lvl="0" eaLnBrk="0" fontAlgn="base" hangingPunct="0">
               <a:spcBef>
                 <a:spcPct val="0"/>
               </a:spcBef>
@@ -21129,632 +21488,33 @@
               </a:spcAft>
             </a:pPr>
             <a:r>
-              <a:rPr lang="en-US" altLang="en-US" sz="1600" i="1" dirty="0" smtClean="0">
-                <a:solidFill>
-                  <a:srgbClr val="629755"/>
+              <a:rPr lang="en-US" altLang="en-US" sz="1600" dirty="0">
+                <a:solidFill>
+                  <a:srgbClr val="A9B7C6"/>
                 </a:solidFill>
                 <a:latin typeface="Consolas" panose="020B0609020204030204" pitchFamily="49" charset="0"/>
                 <a:cs typeface="Courier New" panose="02070309020205020404" pitchFamily="49" charset="0"/>
               </a:rPr>
-              <a:t>    /**</a:t>
-            </a:r>
-            <a:r>
-              <a:rPr lang="en-US" altLang="en-US" sz="1600" i="1" dirty="0">
-                <a:solidFill>
-                  <a:srgbClr val="629755"/>
-                </a:solidFill>
-                <a:latin typeface="Consolas" panose="020B0609020204030204" pitchFamily="49" charset="0"/>
-                <a:cs typeface="Courier New" panose="02070309020205020404" pitchFamily="49" charset="0"/>
-              </a:rPr>
               <a:t/>
-            </a:r>
-            <a:br>
-              <a:rPr lang="en-US" altLang="en-US" sz="1600" i="1" dirty="0">
-                <a:solidFill>
-                  <a:srgbClr val="629755"/>
-                </a:solidFill>
-                <a:latin typeface="Consolas" panose="020B0609020204030204" pitchFamily="49" charset="0"/>
-                <a:cs typeface="Courier New" panose="02070309020205020404" pitchFamily="49" charset="0"/>
-              </a:rPr>
-            </a:br>
-            <a:r>
-              <a:rPr lang="en-US" altLang="en-US" sz="1600" i="1" dirty="0" smtClean="0">
-                <a:solidFill>
-                  <a:srgbClr val="629755"/>
-                </a:solidFill>
-                <a:latin typeface="Consolas" panose="020B0609020204030204" pitchFamily="49" charset="0"/>
-                <a:cs typeface="Courier New" panose="02070309020205020404" pitchFamily="49" charset="0"/>
-              </a:rPr>
-              <a:t>     </a:t>
-            </a:r>
-            <a:r>
-              <a:rPr lang="en-US" altLang="en-US" sz="1600" i="1" dirty="0">
-                <a:solidFill>
-                  <a:srgbClr val="629755"/>
-                </a:solidFill>
-                <a:latin typeface="Consolas" panose="020B0609020204030204" pitchFamily="49" charset="0"/>
-                <a:cs typeface="Courier New" panose="02070309020205020404" pitchFamily="49" charset="0"/>
-              </a:rPr>
-              <a:t>* Return Binder handle for IPC communication with {</a:t>
-            </a:r>
-            <a:r>
-              <a:rPr lang="en-US" altLang="en-US" sz="1600" b="1" i="1" dirty="0">
-                <a:solidFill>
-                  <a:srgbClr val="629755"/>
-                </a:solidFill>
-                <a:latin typeface="Consolas" panose="020B0609020204030204" pitchFamily="49" charset="0"/>
-                <a:cs typeface="Courier New" panose="02070309020205020404" pitchFamily="49" charset="0"/>
-              </a:rPr>
-              <a:t>@link </a:t>
-            </a:r>
-            <a:r>
-              <a:rPr lang="en-US" altLang="en-US" sz="1600" i="1" dirty="0" err="1">
-                <a:solidFill>
-                  <a:srgbClr val="629755"/>
-                </a:solidFill>
-                <a:latin typeface="Consolas" panose="020B0609020204030204" pitchFamily="49" charset="0"/>
-                <a:cs typeface="Courier New" panose="02070309020205020404" pitchFamily="49" charset="0"/>
-              </a:rPr>
-              <a:t>SyncAdapter</a:t>
-            </a:r>
-            <a:r>
-              <a:rPr lang="en-US" altLang="en-US" sz="1600" i="1" dirty="0">
-                <a:solidFill>
-                  <a:srgbClr val="629755"/>
-                </a:solidFill>
-                <a:latin typeface="Consolas" panose="020B0609020204030204" pitchFamily="49" charset="0"/>
-                <a:cs typeface="Courier New" panose="02070309020205020404" pitchFamily="49" charset="0"/>
-              </a:rPr>
-              <a:t>}.</a:t>
-            </a:r>
-            <a:br>
-              <a:rPr lang="en-US" altLang="en-US" sz="1600" i="1" dirty="0">
-                <a:solidFill>
-                  <a:srgbClr val="629755"/>
-                </a:solidFill>
-                <a:latin typeface="Consolas" panose="020B0609020204030204" pitchFamily="49" charset="0"/>
-                <a:cs typeface="Courier New" panose="02070309020205020404" pitchFamily="49" charset="0"/>
-              </a:rPr>
-            </a:br>
-            <a:r>
-              <a:rPr lang="en-US" altLang="en-US" sz="1600" i="1" dirty="0" smtClean="0">
-                <a:solidFill>
-                  <a:srgbClr val="629755"/>
-                </a:solidFill>
-                <a:latin typeface="Consolas" panose="020B0609020204030204" pitchFamily="49" charset="0"/>
-                <a:cs typeface="Courier New" panose="02070309020205020404" pitchFamily="49" charset="0"/>
-              </a:rPr>
-              <a:t>     </a:t>
-            </a:r>
-            <a:r>
-              <a:rPr lang="en-US" altLang="en-US" sz="1600" i="1" dirty="0">
-                <a:solidFill>
-                  <a:srgbClr val="629755"/>
-                </a:solidFill>
-                <a:latin typeface="Consolas" panose="020B0609020204030204" pitchFamily="49" charset="0"/>
-                <a:cs typeface="Courier New" panose="02070309020205020404" pitchFamily="49" charset="0"/>
-              </a:rPr>
-              <a:t>*</a:t>
-            </a:r>
-            <a:br>
-              <a:rPr lang="en-US" altLang="en-US" sz="1600" i="1" dirty="0">
-                <a:solidFill>
-                  <a:srgbClr val="629755"/>
-                </a:solidFill>
-                <a:latin typeface="Consolas" panose="020B0609020204030204" pitchFamily="49" charset="0"/>
-                <a:cs typeface="Courier New" panose="02070309020205020404" pitchFamily="49" charset="0"/>
-              </a:rPr>
-            </a:br>
-            <a:r>
-              <a:rPr lang="en-US" altLang="en-US" sz="1600" i="1" dirty="0" smtClean="0">
-                <a:solidFill>
-                  <a:srgbClr val="629755"/>
-                </a:solidFill>
-                <a:latin typeface="Consolas" panose="020B0609020204030204" pitchFamily="49" charset="0"/>
-                <a:cs typeface="Courier New" panose="02070309020205020404" pitchFamily="49" charset="0"/>
-              </a:rPr>
-              <a:t>     </a:t>
-            </a:r>
-            <a:r>
-              <a:rPr lang="en-US" altLang="en-US" sz="1600" i="1" dirty="0">
-                <a:solidFill>
-                  <a:srgbClr val="629755"/>
-                </a:solidFill>
-                <a:latin typeface="Consolas" panose="020B0609020204030204" pitchFamily="49" charset="0"/>
-                <a:cs typeface="Courier New" panose="02070309020205020404" pitchFamily="49" charset="0"/>
-              </a:rPr>
-              <a:t>* </a:t>
-            </a:r>
-            <a:r>
-              <a:rPr lang="en-US" altLang="en-US" sz="1600" i="1" dirty="0">
-                <a:solidFill>
-                  <a:srgbClr val="77B767"/>
-                </a:solidFill>
-                <a:latin typeface="Consolas" panose="020B0609020204030204" pitchFamily="49" charset="0"/>
-                <a:cs typeface="Courier New" panose="02070309020205020404" pitchFamily="49" charset="0"/>
-              </a:rPr>
-              <a:t>&lt;p&gt;</a:t>
-            </a:r>
-            <a:r>
-              <a:rPr lang="en-US" altLang="en-US" sz="1600" i="1" dirty="0">
-                <a:solidFill>
-                  <a:srgbClr val="629755"/>
-                </a:solidFill>
-                <a:latin typeface="Consolas" panose="020B0609020204030204" pitchFamily="49" charset="0"/>
-                <a:cs typeface="Courier New" panose="02070309020205020404" pitchFamily="49" charset="0"/>
-              </a:rPr>
-              <a:t>New sync requests will be sent directly to the </a:t>
-            </a:r>
-            <a:r>
-              <a:rPr lang="en-US" altLang="en-US" sz="1600" i="1" dirty="0" err="1">
-                <a:solidFill>
-                  <a:srgbClr val="629755"/>
-                </a:solidFill>
-                <a:latin typeface="Consolas" panose="020B0609020204030204" pitchFamily="49" charset="0"/>
-                <a:cs typeface="Courier New" panose="02070309020205020404" pitchFamily="49" charset="0"/>
-              </a:rPr>
-              <a:t>SyncAdapter</a:t>
-            </a:r>
-            <a:r>
-              <a:rPr lang="en-US" altLang="en-US" sz="1600" i="1" dirty="0">
-                <a:solidFill>
-                  <a:srgbClr val="629755"/>
-                </a:solidFill>
-                <a:latin typeface="Consolas" panose="020B0609020204030204" pitchFamily="49" charset="0"/>
-                <a:cs typeface="Courier New" panose="02070309020205020404" pitchFamily="49" charset="0"/>
-              </a:rPr>
-              <a:t> using this channel.</a:t>
-            </a:r>
-            <a:br>
-              <a:rPr lang="en-US" altLang="en-US" sz="1600" i="1" dirty="0">
-                <a:solidFill>
-                  <a:srgbClr val="629755"/>
-                </a:solidFill>
-                <a:latin typeface="Consolas" panose="020B0609020204030204" pitchFamily="49" charset="0"/>
-                <a:cs typeface="Courier New" panose="02070309020205020404" pitchFamily="49" charset="0"/>
-              </a:rPr>
-            </a:br>
-            <a:r>
-              <a:rPr lang="en-US" altLang="en-US" sz="1600" i="1" dirty="0" smtClean="0">
-                <a:solidFill>
-                  <a:srgbClr val="629755"/>
-                </a:solidFill>
-                <a:latin typeface="Consolas" panose="020B0609020204030204" pitchFamily="49" charset="0"/>
-                <a:cs typeface="Courier New" panose="02070309020205020404" pitchFamily="49" charset="0"/>
-              </a:rPr>
-              <a:t>     </a:t>
-            </a:r>
-            <a:r>
-              <a:rPr lang="en-US" altLang="en-US" sz="1600" i="1" dirty="0">
-                <a:solidFill>
-                  <a:srgbClr val="629755"/>
-                </a:solidFill>
-                <a:latin typeface="Consolas" panose="020B0609020204030204" pitchFamily="49" charset="0"/>
-                <a:cs typeface="Courier New" panose="02070309020205020404" pitchFamily="49" charset="0"/>
-              </a:rPr>
-              <a:t>*</a:t>
-            </a:r>
-            <a:br>
-              <a:rPr lang="en-US" altLang="en-US" sz="1600" i="1" dirty="0">
-                <a:solidFill>
-                  <a:srgbClr val="629755"/>
-                </a:solidFill>
-                <a:latin typeface="Consolas" panose="020B0609020204030204" pitchFamily="49" charset="0"/>
-                <a:cs typeface="Courier New" panose="02070309020205020404" pitchFamily="49" charset="0"/>
-              </a:rPr>
-            </a:br>
-            <a:r>
-              <a:rPr lang="en-US" altLang="en-US" sz="1600" i="1" dirty="0" smtClean="0">
-                <a:solidFill>
-                  <a:srgbClr val="629755"/>
-                </a:solidFill>
-                <a:latin typeface="Consolas" panose="020B0609020204030204" pitchFamily="49" charset="0"/>
-                <a:cs typeface="Courier New" panose="02070309020205020404" pitchFamily="49" charset="0"/>
-              </a:rPr>
-              <a:t>     * </a:t>
-            </a:r>
-            <a:r>
-              <a:rPr lang="en-US" altLang="en-US" sz="1600" b="1" i="1" dirty="0">
-                <a:solidFill>
-                  <a:srgbClr val="629755"/>
-                </a:solidFill>
-                <a:latin typeface="Consolas" panose="020B0609020204030204" pitchFamily="49" charset="0"/>
-                <a:cs typeface="Courier New" panose="02070309020205020404" pitchFamily="49" charset="0"/>
-              </a:rPr>
-              <a:t>@</a:t>
-            </a:r>
-            <a:r>
-              <a:rPr lang="en-US" altLang="en-US" sz="1600" b="1" i="1" dirty="0" err="1">
-                <a:solidFill>
-                  <a:srgbClr val="629755"/>
-                </a:solidFill>
-                <a:latin typeface="Consolas" panose="020B0609020204030204" pitchFamily="49" charset="0"/>
-                <a:cs typeface="Courier New" panose="02070309020205020404" pitchFamily="49" charset="0"/>
-              </a:rPr>
-              <a:t>param</a:t>
-            </a:r>
-            <a:r>
-              <a:rPr lang="en-US" altLang="en-US" sz="1600" b="1" i="1" dirty="0">
-                <a:solidFill>
-                  <a:srgbClr val="629755"/>
-                </a:solidFill>
-                <a:latin typeface="Consolas" panose="020B0609020204030204" pitchFamily="49" charset="0"/>
-                <a:cs typeface="Courier New" panose="02070309020205020404" pitchFamily="49" charset="0"/>
-              </a:rPr>
-              <a:t> </a:t>
-            </a:r>
-            <a:r>
-              <a:rPr lang="en-US" altLang="en-US" sz="1600" i="1" dirty="0">
-                <a:solidFill>
-                  <a:srgbClr val="8A653B"/>
-                </a:solidFill>
-                <a:latin typeface="Consolas" panose="020B0609020204030204" pitchFamily="49" charset="0"/>
-                <a:cs typeface="Courier New" panose="02070309020205020404" pitchFamily="49" charset="0"/>
-              </a:rPr>
-              <a:t>intent </a:t>
-            </a:r>
-            <a:r>
-              <a:rPr lang="en-US" altLang="en-US" sz="1600" i="1" dirty="0">
-                <a:solidFill>
-                  <a:srgbClr val="629755"/>
-                </a:solidFill>
-                <a:latin typeface="Consolas" panose="020B0609020204030204" pitchFamily="49" charset="0"/>
-                <a:cs typeface="Courier New" panose="02070309020205020404" pitchFamily="49" charset="0"/>
-              </a:rPr>
-              <a:t>Calling intent</a:t>
-            </a:r>
-            <a:br>
-              <a:rPr lang="en-US" altLang="en-US" sz="1600" i="1" dirty="0">
-                <a:solidFill>
-                  <a:srgbClr val="629755"/>
-                </a:solidFill>
-                <a:latin typeface="Consolas" panose="020B0609020204030204" pitchFamily="49" charset="0"/>
-                <a:cs typeface="Courier New" panose="02070309020205020404" pitchFamily="49" charset="0"/>
-              </a:rPr>
-            </a:br>
-            <a:r>
-              <a:rPr lang="en-US" altLang="en-US" sz="1600" i="1" dirty="0" smtClean="0">
-                <a:solidFill>
-                  <a:srgbClr val="629755"/>
-                </a:solidFill>
-                <a:latin typeface="Consolas" panose="020B0609020204030204" pitchFamily="49" charset="0"/>
-                <a:cs typeface="Courier New" panose="02070309020205020404" pitchFamily="49" charset="0"/>
-              </a:rPr>
-              <a:t>     </a:t>
-            </a:r>
-            <a:r>
-              <a:rPr lang="en-US" altLang="en-US" sz="1600" i="1" dirty="0">
-                <a:solidFill>
-                  <a:srgbClr val="629755"/>
-                </a:solidFill>
-                <a:latin typeface="Consolas" panose="020B0609020204030204" pitchFamily="49" charset="0"/>
-                <a:cs typeface="Courier New" panose="02070309020205020404" pitchFamily="49" charset="0"/>
-              </a:rPr>
-              <a:t>* </a:t>
-            </a:r>
-            <a:r>
-              <a:rPr lang="en-US" altLang="en-US" sz="1600" b="1" i="1" dirty="0">
-                <a:solidFill>
-                  <a:srgbClr val="629755"/>
-                </a:solidFill>
-                <a:latin typeface="Consolas" panose="020B0609020204030204" pitchFamily="49" charset="0"/>
-                <a:cs typeface="Courier New" panose="02070309020205020404" pitchFamily="49" charset="0"/>
-              </a:rPr>
-              <a:t>@return </a:t>
-            </a:r>
-            <a:r>
-              <a:rPr lang="en-US" altLang="en-US" sz="1600" i="1" dirty="0">
-                <a:solidFill>
-                  <a:srgbClr val="629755"/>
-                </a:solidFill>
-                <a:latin typeface="Consolas" panose="020B0609020204030204" pitchFamily="49" charset="0"/>
-                <a:cs typeface="Courier New" panose="02070309020205020404" pitchFamily="49" charset="0"/>
-              </a:rPr>
-              <a:t>Binder handle for {</a:t>
-            </a:r>
-            <a:r>
-              <a:rPr lang="en-US" altLang="en-US" sz="1600" b="1" i="1" dirty="0">
-                <a:solidFill>
-                  <a:srgbClr val="629755"/>
-                </a:solidFill>
-                <a:latin typeface="Consolas" panose="020B0609020204030204" pitchFamily="49" charset="0"/>
-                <a:cs typeface="Courier New" panose="02070309020205020404" pitchFamily="49" charset="0"/>
-              </a:rPr>
-              <a:t>@link </a:t>
-            </a:r>
-            <a:r>
-              <a:rPr lang="en-US" altLang="en-US" sz="1600" i="1" dirty="0" err="1">
-                <a:solidFill>
-                  <a:srgbClr val="629755"/>
-                </a:solidFill>
-                <a:latin typeface="Consolas" panose="020B0609020204030204" pitchFamily="49" charset="0"/>
-                <a:cs typeface="Courier New" panose="02070309020205020404" pitchFamily="49" charset="0"/>
-              </a:rPr>
-              <a:t>SyncAdapter</a:t>
-            </a:r>
-            <a:r>
-              <a:rPr lang="en-US" altLang="en-US" sz="1600" i="1" dirty="0">
-                <a:solidFill>
-                  <a:srgbClr val="629755"/>
-                </a:solidFill>
-                <a:latin typeface="Consolas" panose="020B0609020204030204" pitchFamily="49" charset="0"/>
-                <a:cs typeface="Courier New" panose="02070309020205020404" pitchFamily="49" charset="0"/>
-              </a:rPr>
-              <a:t>}</a:t>
-            </a:r>
-            <a:br>
-              <a:rPr lang="en-US" altLang="en-US" sz="1600" i="1" dirty="0">
-                <a:solidFill>
-                  <a:srgbClr val="629755"/>
-                </a:solidFill>
-                <a:latin typeface="Consolas" panose="020B0609020204030204" pitchFamily="49" charset="0"/>
-                <a:cs typeface="Courier New" panose="02070309020205020404" pitchFamily="49" charset="0"/>
-              </a:rPr>
-            </a:br>
-            <a:r>
-              <a:rPr lang="en-US" altLang="en-US" sz="1600" i="1" dirty="0" smtClean="0">
-                <a:solidFill>
-                  <a:srgbClr val="629755"/>
-                </a:solidFill>
-                <a:latin typeface="Consolas" panose="020B0609020204030204" pitchFamily="49" charset="0"/>
-                <a:cs typeface="Courier New" panose="02070309020205020404" pitchFamily="49" charset="0"/>
-              </a:rPr>
-              <a:t>     </a:t>
-            </a:r>
-            <a:r>
-              <a:rPr lang="en-US" altLang="en-US" sz="1600" i="1" dirty="0">
-                <a:solidFill>
-                  <a:srgbClr val="629755"/>
-                </a:solidFill>
-                <a:latin typeface="Consolas" panose="020B0609020204030204" pitchFamily="49" charset="0"/>
-                <a:cs typeface="Courier New" panose="02070309020205020404" pitchFamily="49" charset="0"/>
-              </a:rPr>
-              <a:t>*/</a:t>
-            </a:r>
-            <a:br>
-              <a:rPr lang="en-US" altLang="en-US" sz="1600" i="1" dirty="0">
-                <a:solidFill>
-                  <a:srgbClr val="629755"/>
-                </a:solidFill>
-                <a:latin typeface="Consolas" panose="020B0609020204030204" pitchFamily="49" charset="0"/>
-                <a:cs typeface="Courier New" panose="02070309020205020404" pitchFamily="49" charset="0"/>
-              </a:rPr>
-            </a:br>
-            <a:r>
-              <a:rPr lang="en-US" altLang="en-US" sz="1600" i="1" dirty="0" smtClean="0">
-                <a:solidFill>
-                  <a:srgbClr val="629755"/>
-                </a:solidFill>
-                <a:latin typeface="Consolas" panose="020B0609020204030204" pitchFamily="49" charset="0"/>
-                <a:cs typeface="Courier New" panose="02070309020205020404" pitchFamily="49" charset="0"/>
-              </a:rPr>
-              <a:t>    </a:t>
-            </a:r>
-            <a:r>
-              <a:rPr lang="en-US" altLang="en-US" sz="1600" dirty="0" smtClean="0">
-                <a:solidFill>
-                  <a:srgbClr val="BBB529"/>
-                </a:solidFill>
-                <a:latin typeface="Consolas" panose="020B0609020204030204" pitchFamily="49" charset="0"/>
-                <a:cs typeface="Courier New" panose="02070309020205020404" pitchFamily="49" charset="0"/>
-              </a:rPr>
-              <a:t>@</a:t>
-            </a:r>
-            <a:r>
-              <a:rPr lang="en-US" altLang="en-US" sz="1600" dirty="0">
-                <a:solidFill>
-                  <a:srgbClr val="BBB529"/>
-                </a:solidFill>
-                <a:latin typeface="Consolas" panose="020B0609020204030204" pitchFamily="49" charset="0"/>
-                <a:cs typeface="Courier New" panose="02070309020205020404" pitchFamily="49" charset="0"/>
-              </a:rPr>
-              <a:t>Override</a:t>
             </a:r>
             <a:br>
               <a:rPr lang="en-US" altLang="en-US" sz="1600" dirty="0">
                 <a:solidFill>
-                  <a:srgbClr val="BBB529"/>
+                  <a:srgbClr val="A9B7C6"/>
                 </a:solidFill>
                 <a:latin typeface="Consolas" panose="020B0609020204030204" pitchFamily="49" charset="0"/>
                 <a:cs typeface="Courier New" panose="02070309020205020404" pitchFamily="49" charset="0"/>
               </a:rPr>
             </a:br>
             <a:r>
-              <a:rPr lang="en-US" altLang="en-US" sz="1600" dirty="0" smtClean="0">
-                <a:solidFill>
-                  <a:srgbClr val="BBB529"/>
+              <a:rPr lang="en-US" altLang="en-US" sz="1600" b="1" dirty="0" smtClean="0">
+                <a:solidFill>
+                  <a:srgbClr val="A9B7C6"/>
                 </a:solidFill>
                 <a:latin typeface="Consolas" panose="020B0609020204030204" pitchFamily="49" charset="0"/>
                 <a:cs typeface="Courier New" panose="02070309020205020404" pitchFamily="49" charset="0"/>
               </a:rPr>
-              <a:t>    </a:t>
-            </a:r>
-            <a:r>
-              <a:rPr lang="en-US" altLang="en-US" sz="1600" dirty="0" smtClean="0">
-                <a:solidFill>
-                  <a:srgbClr val="CC7832"/>
-                </a:solidFill>
-                <a:latin typeface="Consolas" panose="020B0609020204030204" pitchFamily="49" charset="0"/>
-                <a:cs typeface="Courier New" panose="02070309020205020404" pitchFamily="49" charset="0"/>
-              </a:rPr>
-              <a:t>public </a:t>
-            </a:r>
-            <a:r>
-              <a:rPr lang="en-US" altLang="en-US" sz="1600" dirty="0" err="1">
-                <a:solidFill>
-                  <a:srgbClr val="A9B7C6"/>
-                </a:solidFill>
-                <a:latin typeface="Consolas" panose="020B0609020204030204" pitchFamily="49" charset="0"/>
-                <a:cs typeface="Courier New" panose="02070309020205020404" pitchFamily="49" charset="0"/>
-              </a:rPr>
-              <a:t>IBinder</a:t>
-            </a:r>
-            <a:r>
-              <a:rPr lang="en-US" altLang="en-US" sz="1600" dirty="0">
-                <a:solidFill>
-                  <a:srgbClr val="A9B7C6"/>
-                </a:solidFill>
-                <a:latin typeface="Consolas" panose="020B0609020204030204" pitchFamily="49" charset="0"/>
-                <a:cs typeface="Courier New" panose="02070309020205020404" pitchFamily="49" charset="0"/>
-              </a:rPr>
-              <a:t> </a:t>
-            </a:r>
-            <a:r>
-              <a:rPr lang="en-US" altLang="en-US" sz="1600" dirty="0" err="1">
-                <a:solidFill>
-                  <a:srgbClr val="FFC66D"/>
-                </a:solidFill>
-                <a:latin typeface="Consolas" panose="020B0609020204030204" pitchFamily="49" charset="0"/>
-                <a:cs typeface="Courier New" panose="02070309020205020404" pitchFamily="49" charset="0"/>
-              </a:rPr>
-              <a:t>onBind</a:t>
-            </a:r>
-            <a:r>
-              <a:rPr lang="en-US" altLang="en-US" sz="1600" dirty="0">
-                <a:solidFill>
-                  <a:srgbClr val="A9B7C6"/>
-                </a:solidFill>
-                <a:latin typeface="Consolas" panose="020B0609020204030204" pitchFamily="49" charset="0"/>
-                <a:cs typeface="Courier New" panose="02070309020205020404" pitchFamily="49" charset="0"/>
-              </a:rPr>
-              <a:t>(Intent intent) {</a:t>
-            </a:r>
-            <a:br>
-              <a:rPr lang="en-US" altLang="en-US" sz="1600" dirty="0">
-                <a:solidFill>
-                  <a:srgbClr val="A9B7C6"/>
-                </a:solidFill>
-                <a:latin typeface="Consolas" panose="020B0609020204030204" pitchFamily="49" charset="0"/>
-                <a:cs typeface="Courier New" panose="02070309020205020404" pitchFamily="49" charset="0"/>
-              </a:rPr>
-            </a:br>
-            <a:r>
-              <a:rPr lang="en-US" altLang="en-US" sz="1600" dirty="0" smtClean="0">
-                <a:solidFill>
-                  <a:srgbClr val="A9B7C6"/>
-                </a:solidFill>
-                <a:latin typeface="Consolas" panose="020B0609020204030204" pitchFamily="49" charset="0"/>
-                <a:cs typeface="Courier New" panose="02070309020205020404" pitchFamily="49" charset="0"/>
-              </a:rPr>
-              <a:t>        </a:t>
-            </a:r>
-            <a:r>
-              <a:rPr lang="en-US" altLang="en-US" sz="1600" dirty="0">
-                <a:solidFill>
-                  <a:srgbClr val="CC7832"/>
-                </a:solidFill>
-                <a:latin typeface="Consolas" panose="020B0609020204030204" pitchFamily="49" charset="0"/>
-                <a:cs typeface="Courier New" panose="02070309020205020404" pitchFamily="49" charset="0"/>
-              </a:rPr>
-              <a:t>return </a:t>
-            </a:r>
-            <a:r>
-              <a:rPr lang="en-US" altLang="en-US" sz="1600" i="1" dirty="0" err="1">
-                <a:solidFill>
-                  <a:srgbClr val="9876AA"/>
-                </a:solidFill>
-                <a:latin typeface="Consolas" panose="020B0609020204030204" pitchFamily="49" charset="0"/>
-                <a:cs typeface="Courier New" panose="02070309020205020404" pitchFamily="49" charset="0"/>
-              </a:rPr>
-              <a:t>sSyncAdapter</a:t>
-            </a:r>
-            <a:r>
-              <a:rPr lang="en-US" altLang="en-US" sz="1600" dirty="0" err="1">
-                <a:solidFill>
-                  <a:srgbClr val="A9B7C6"/>
-                </a:solidFill>
-                <a:latin typeface="Consolas" panose="020B0609020204030204" pitchFamily="49" charset="0"/>
-                <a:cs typeface="Courier New" panose="02070309020205020404" pitchFamily="49" charset="0"/>
-              </a:rPr>
-              <a:t>.getSyncAdapterBinder</a:t>
-            </a:r>
-            <a:r>
-              <a:rPr lang="en-US" altLang="en-US" sz="1600" dirty="0">
-                <a:solidFill>
-                  <a:srgbClr val="A9B7C6"/>
-                </a:solidFill>
-                <a:latin typeface="Consolas" panose="020B0609020204030204" pitchFamily="49" charset="0"/>
-                <a:cs typeface="Courier New" panose="02070309020205020404" pitchFamily="49" charset="0"/>
-              </a:rPr>
-              <a:t>()</a:t>
-            </a:r>
-            <a:r>
-              <a:rPr lang="en-US" altLang="en-US" sz="1600" dirty="0">
-                <a:solidFill>
-                  <a:srgbClr val="CC7832"/>
-                </a:solidFill>
-                <a:latin typeface="Consolas" panose="020B0609020204030204" pitchFamily="49" charset="0"/>
-                <a:cs typeface="Courier New" panose="02070309020205020404" pitchFamily="49" charset="0"/>
-              </a:rPr>
-              <a:t>;</a:t>
-            </a:r>
-            <a:br>
-              <a:rPr lang="en-US" altLang="en-US" sz="1600" dirty="0">
-                <a:solidFill>
-                  <a:srgbClr val="CC7832"/>
-                </a:solidFill>
-                <a:latin typeface="Consolas" panose="020B0609020204030204" pitchFamily="49" charset="0"/>
-                <a:cs typeface="Courier New" panose="02070309020205020404" pitchFamily="49" charset="0"/>
-              </a:rPr>
-            </a:br>
-            <a:r>
-              <a:rPr lang="en-US" altLang="en-US" sz="1600" dirty="0" smtClean="0">
-                <a:solidFill>
-                  <a:srgbClr val="CC7832"/>
-                </a:solidFill>
-                <a:latin typeface="Consolas" panose="020B0609020204030204" pitchFamily="49" charset="0"/>
-                <a:cs typeface="Courier New" panose="02070309020205020404" pitchFamily="49" charset="0"/>
-              </a:rPr>
-              <a:t>    </a:t>
-            </a:r>
-            <a:r>
-              <a:rPr lang="en-US" altLang="en-US" sz="1600" dirty="0" smtClean="0">
-                <a:solidFill>
-                  <a:srgbClr val="A9B7C6"/>
-                </a:solidFill>
-                <a:latin typeface="Consolas" panose="020B0609020204030204" pitchFamily="49" charset="0"/>
-                <a:cs typeface="Courier New" panose="02070309020205020404" pitchFamily="49" charset="0"/>
-              </a:rPr>
-              <a:t>}</a:t>
-            </a:r>
-          </a:p>
-          <a:p>
-            <a:pPr eaLnBrk="0" fontAlgn="base" hangingPunct="0">
-              <a:spcBef>
-                <a:spcPct val="0"/>
-              </a:spcBef>
-              <a:spcAft>
-                <a:spcPct val="0"/>
-              </a:spcAft>
-            </a:pPr>
-            <a:r>
-              <a:rPr lang="en-US" altLang="en-US" sz="1600" dirty="0">
-                <a:solidFill>
-                  <a:srgbClr val="A9B7C6"/>
-                </a:solidFill>
-                <a:latin typeface="Consolas" panose="020B0609020204030204" pitchFamily="49" charset="0"/>
-                <a:cs typeface="Courier New" panose="02070309020205020404" pitchFamily="49" charset="0"/>
-              </a:rPr>
-              <a:t/>
-            </a:r>
-            <a:br>
-              <a:rPr lang="en-US" altLang="en-US" sz="1600" dirty="0">
-                <a:solidFill>
-                  <a:srgbClr val="A9B7C6"/>
-                </a:solidFill>
-                <a:latin typeface="Consolas" panose="020B0609020204030204" pitchFamily="49" charset="0"/>
-                <a:cs typeface="Courier New" panose="02070309020205020404" pitchFamily="49" charset="0"/>
-              </a:rPr>
-            </a:br>
-            <a:r>
-              <a:rPr lang="en-US" altLang="en-US" sz="1600" dirty="0" smtClean="0">
-                <a:solidFill>
-                  <a:srgbClr val="A9B7C6"/>
-                </a:solidFill>
-                <a:latin typeface="Consolas" panose="020B0609020204030204" pitchFamily="49" charset="0"/>
-                <a:cs typeface="Courier New" panose="02070309020205020404" pitchFamily="49" charset="0"/>
-              </a:rPr>
-              <a:t>}</a:t>
+              <a:t>…</a:t>
             </a:r>
           </a:p>
         </p:txBody>
@@ -21802,7 +21562,7 @@
     </p:spTree>
     <p:extLst>
       <p:ext uri="{BB962C8B-B14F-4D97-AF65-F5344CB8AC3E}">
-        <p14:creationId xmlns:p14="http://schemas.microsoft.com/office/powerpoint/2010/main" val="3163984508"/>
+        <p14:creationId xmlns:p14="http://schemas.microsoft.com/office/powerpoint/2010/main" val="34310831"/>
       </p:ext>
     </p:extLst>
   </p:cSld>
@@ -21850,6 +21610,825 @@
       </p:grpSpPr>
       <p:sp>
         <p:nvSpPr>
+          <p:cNvPr id="13" name="Rectangle 1"/>
+          <p:cNvSpPr>
+            <a:spLocks noChangeArrowheads="1"/>
+          </p:cNvSpPr>
+          <p:nvPr/>
+        </p:nvSpPr>
+        <p:spPr bwMode="auto">
+          <a:xfrm>
+            <a:off x="652500" y="2132856"/>
+            <a:ext cx="10887000" cy="4248472"/>
+          </a:xfrm>
+          <a:prstGeom prst="rect">
+            <a:avLst/>
+          </a:prstGeom>
+          <a:solidFill>
+            <a:srgbClr val="2B2B2B"/>
+          </a:solidFill>
+          <a:ln>
+            <a:noFill/>
+          </a:ln>
+          <a:effectLst/>
+          <a:extLst>
+            <a:ext uri="{91240B29-F687-4F45-9708-019B960494DF}">
+              <a14:hiddenLine xmlns:a14="http://schemas.microsoft.com/office/drawing/2010/main" w="9525">
+                <a:solidFill>
+                  <a:schemeClr val="tx1"/>
+                </a:solidFill>
+                <a:miter lim="800000"/>
+                <a:headEnd/>
+                <a:tailEnd/>
+              </a14:hiddenLine>
+            </a:ext>
+            <a:ext uri="{AF507438-7753-43E0-B8FC-AC1667EBCBE1}">
+              <a14:hiddenEffects xmlns:a14="http://schemas.microsoft.com/office/drawing/2010/main">
+                <a:effectLst>
+                  <a:outerShdw dist="35921" dir="2700000" algn="ctr" rotWithShape="0">
+                    <a:schemeClr val="bg2"/>
+                  </a:outerShdw>
+                </a:effectLst>
+              </a14:hiddenEffects>
+            </a:ext>
+          </a:extLst>
+        </p:spPr>
+        <p:txBody>
+          <a:bodyPr vert="horz" wrap="square" lIns="182880" tIns="182880" rIns="182880" bIns="182880" numCol="1" anchor="t" anchorCtr="0" compatLnSpc="1">
+            <a:prstTxWarp prst="textNoShape">
+              <a:avLst/>
+            </a:prstTxWarp>
+            <a:noAutofit/>
+          </a:bodyPr>
+          <a:lstStyle/>
+          <a:p>
+            <a:pPr eaLnBrk="0" fontAlgn="base" hangingPunct="0">
+              <a:spcBef>
+                <a:spcPct val="0"/>
+              </a:spcBef>
+              <a:spcAft>
+                <a:spcPct val="0"/>
+              </a:spcAft>
+            </a:pPr>
+            <a:r>
+              <a:rPr lang="en-US" altLang="en-US" sz="1600" b="1" dirty="0">
+                <a:solidFill>
+                  <a:srgbClr val="A9B7C6"/>
+                </a:solidFill>
+                <a:latin typeface="Consolas" panose="020B0609020204030204" pitchFamily="49" charset="0"/>
+                <a:cs typeface="Courier New" panose="02070309020205020404" pitchFamily="49" charset="0"/>
+              </a:rPr>
+              <a:t>…</a:t>
+            </a:r>
+          </a:p>
+          <a:p>
+            <a:pPr lvl="0" eaLnBrk="0" fontAlgn="base" hangingPunct="0">
+              <a:spcBef>
+                <a:spcPct val="0"/>
+              </a:spcBef>
+              <a:spcAft>
+                <a:spcPct val="0"/>
+              </a:spcAft>
+            </a:pPr>
+            <a:endParaRPr lang="en-US" altLang="en-US" sz="1600" dirty="0" smtClean="0">
+              <a:solidFill>
+                <a:srgbClr val="A9B7C6"/>
+              </a:solidFill>
+              <a:latin typeface="Consolas" panose="020B0609020204030204" pitchFamily="49" charset="0"/>
+              <a:cs typeface="Courier New" panose="02070309020205020404" pitchFamily="49" charset="0"/>
+            </a:endParaRPr>
+          </a:p>
+          <a:p>
+            <a:pPr eaLnBrk="0" fontAlgn="base" hangingPunct="0">
+              <a:spcBef>
+                <a:spcPct val="0"/>
+              </a:spcBef>
+              <a:spcAft>
+                <a:spcPct val="0"/>
+              </a:spcAft>
+            </a:pPr>
+            <a:r>
+              <a:rPr lang="en-US" altLang="en-US" sz="1600" i="1" dirty="0" smtClean="0">
+                <a:solidFill>
+                  <a:srgbClr val="629755"/>
+                </a:solidFill>
+                <a:latin typeface="Consolas" panose="020B0609020204030204" pitchFamily="49" charset="0"/>
+                <a:cs typeface="Courier New" panose="02070309020205020404" pitchFamily="49" charset="0"/>
+              </a:rPr>
+              <a:t>    /**</a:t>
+            </a:r>
+            <a:r>
+              <a:rPr lang="en-US" altLang="en-US" sz="1600" i="1" dirty="0">
+                <a:solidFill>
+                  <a:srgbClr val="629755"/>
+                </a:solidFill>
+                <a:latin typeface="Consolas" panose="020B0609020204030204" pitchFamily="49" charset="0"/>
+                <a:cs typeface="Courier New" panose="02070309020205020404" pitchFamily="49" charset="0"/>
+              </a:rPr>
+              <a:t/>
+            </a:r>
+            <a:br>
+              <a:rPr lang="en-US" altLang="en-US" sz="1600" i="1" dirty="0">
+                <a:solidFill>
+                  <a:srgbClr val="629755"/>
+                </a:solidFill>
+                <a:latin typeface="Consolas" panose="020B0609020204030204" pitchFamily="49" charset="0"/>
+                <a:cs typeface="Courier New" panose="02070309020205020404" pitchFamily="49" charset="0"/>
+              </a:rPr>
+            </a:br>
+            <a:r>
+              <a:rPr lang="en-US" altLang="en-US" sz="1600" i="1" dirty="0" smtClean="0">
+                <a:solidFill>
+                  <a:srgbClr val="629755"/>
+                </a:solidFill>
+                <a:latin typeface="Consolas" panose="020B0609020204030204" pitchFamily="49" charset="0"/>
+                <a:cs typeface="Courier New" panose="02070309020205020404" pitchFamily="49" charset="0"/>
+              </a:rPr>
+              <a:t>     </a:t>
+            </a:r>
+            <a:r>
+              <a:rPr lang="en-US" altLang="en-US" sz="1600" i="1" dirty="0">
+                <a:solidFill>
+                  <a:srgbClr val="629755"/>
+                </a:solidFill>
+                <a:latin typeface="Consolas" panose="020B0609020204030204" pitchFamily="49" charset="0"/>
+                <a:cs typeface="Courier New" panose="02070309020205020404" pitchFamily="49" charset="0"/>
+              </a:rPr>
+              <a:t>* Return Binder handle for IPC communication with {</a:t>
+            </a:r>
+            <a:r>
+              <a:rPr lang="en-US" altLang="en-US" sz="1600" b="1" i="1" dirty="0">
+                <a:solidFill>
+                  <a:srgbClr val="629755"/>
+                </a:solidFill>
+                <a:latin typeface="Consolas" panose="020B0609020204030204" pitchFamily="49" charset="0"/>
+                <a:cs typeface="Courier New" panose="02070309020205020404" pitchFamily="49" charset="0"/>
+              </a:rPr>
+              <a:t>@link </a:t>
+            </a:r>
+            <a:r>
+              <a:rPr lang="en-US" altLang="en-US" sz="1600" i="1" dirty="0" err="1">
+                <a:solidFill>
+                  <a:srgbClr val="629755"/>
+                </a:solidFill>
+                <a:latin typeface="Consolas" panose="020B0609020204030204" pitchFamily="49" charset="0"/>
+                <a:cs typeface="Courier New" panose="02070309020205020404" pitchFamily="49" charset="0"/>
+              </a:rPr>
+              <a:t>SyncAdapter</a:t>
+            </a:r>
+            <a:r>
+              <a:rPr lang="en-US" altLang="en-US" sz="1600" i="1" dirty="0">
+                <a:solidFill>
+                  <a:srgbClr val="629755"/>
+                </a:solidFill>
+                <a:latin typeface="Consolas" panose="020B0609020204030204" pitchFamily="49" charset="0"/>
+                <a:cs typeface="Courier New" panose="02070309020205020404" pitchFamily="49" charset="0"/>
+              </a:rPr>
+              <a:t>}.</a:t>
+            </a:r>
+            <a:br>
+              <a:rPr lang="en-US" altLang="en-US" sz="1600" i="1" dirty="0">
+                <a:solidFill>
+                  <a:srgbClr val="629755"/>
+                </a:solidFill>
+                <a:latin typeface="Consolas" panose="020B0609020204030204" pitchFamily="49" charset="0"/>
+                <a:cs typeface="Courier New" panose="02070309020205020404" pitchFamily="49" charset="0"/>
+              </a:rPr>
+            </a:br>
+            <a:r>
+              <a:rPr lang="en-US" altLang="en-US" sz="1600" i="1" dirty="0" smtClean="0">
+                <a:solidFill>
+                  <a:srgbClr val="629755"/>
+                </a:solidFill>
+                <a:latin typeface="Consolas" panose="020B0609020204030204" pitchFamily="49" charset="0"/>
+                <a:cs typeface="Courier New" panose="02070309020205020404" pitchFamily="49" charset="0"/>
+              </a:rPr>
+              <a:t>     </a:t>
+            </a:r>
+            <a:r>
+              <a:rPr lang="en-US" altLang="en-US" sz="1600" i="1" dirty="0">
+                <a:solidFill>
+                  <a:srgbClr val="629755"/>
+                </a:solidFill>
+                <a:latin typeface="Consolas" panose="020B0609020204030204" pitchFamily="49" charset="0"/>
+                <a:cs typeface="Courier New" panose="02070309020205020404" pitchFamily="49" charset="0"/>
+              </a:rPr>
+              <a:t>*</a:t>
+            </a:r>
+            <a:br>
+              <a:rPr lang="en-US" altLang="en-US" sz="1600" i="1" dirty="0">
+                <a:solidFill>
+                  <a:srgbClr val="629755"/>
+                </a:solidFill>
+                <a:latin typeface="Consolas" panose="020B0609020204030204" pitchFamily="49" charset="0"/>
+                <a:cs typeface="Courier New" panose="02070309020205020404" pitchFamily="49" charset="0"/>
+              </a:rPr>
+            </a:br>
+            <a:r>
+              <a:rPr lang="en-US" altLang="en-US" sz="1600" i="1" dirty="0" smtClean="0">
+                <a:solidFill>
+                  <a:srgbClr val="629755"/>
+                </a:solidFill>
+                <a:latin typeface="Consolas" panose="020B0609020204030204" pitchFamily="49" charset="0"/>
+                <a:cs typeface="Courier New" panose="02070309020205020404" pitchFamily="49" charset="0"/>
+              </a:rPr>
+              <a:t>     </a:t>
+            </a:r>
+            <a:r>
+              <a:rPr lang="en-US" altLang="en-US" sz="1600" i="1" dirty="0">
+                <a:solidFill>
+                  <a:srgbClr val="629755"/>
+                </a:solidFill>
+                <a:latin typeface="Consolas" panose="020B0609020204030204" pitchFamily="49" charset="0"/>
+                <a:cs typeface="Courier New" panose="02070309020205020404" pitchFamily="49" charset="0"/>
+              </a:rPr>
+              <a:t>* </a:t>
+            </a:r>
+            <a:r>
+              <a:rPr lang="en-US" altLang="en-US" sz="1600" i="1" dirty="0">
+                <a:solidFill>
+                  <a:srgbClr val="77B767"/>
+                </a:solidFill>
+                <a:latin typeface="Consolas" panose="020B0609020204030204" pitchFamily="49" charset="0"/>
+                <a:cs typeface="Courier New" panose="02070309020205020404" pitchFamily="49" charset="0"/>
+              </a:rPr>
+              <a:t>&lt;p&gt;</a:t>
+            </a:r>
+            <a:r>
+              <a:rPr lang="en-US" altLang="en-US" sz="1600" i="1" dirty="0">
+                <a:solidFill>
+                  <a:srgbClr val="629755"/>
+                </a:solidFill>
+                <a:latin typeface="Consolas" panose="020B0609020204030204" pitchFamily="49" charset="0"/>
+                <a:cs typeface="Courier New" panose="02070309020205020404" pitchFamily="49" charset="0"/>
+              </a:rPr>
+              <a:t>New sync requests will be sent directly to the </a:t>
+            </a:r>
+            <a:r>
+              <a:rPr lang="en-US" altLang="en-US" sz="1600" i="1" dirty="0" err="1">
+                <a:solidFill>
+                  <a:srgbClr val="629755"/>
+                </a:solidFill>
+                <a:latin typeface="Consolas" panose="020B0609020204030204" pitchFamily="49" charset="0"/>
+                <a:cs typeface="Courier New" panose="02070309020205020404" pitchFamily="49" charset="0"/>
+              </a:rPr>
+              <a:t>SyncAdapter</a:t>
+            </a:r>
+            <a:r>
+              <a:rPr lang="en-US" altLang="en-US" sz="1600" i="1" dirty="0">
+                <a:solidFill>
+                  <a:srgbClr val="629755"/>
+                </a:solidFill>
+                <a:latin typeface="Consolas" panose="020B0609020204030204" pitchFamily="49" charset="0"/>
+                <a:cs typeface="Courier New" panose="02070309020205020404" pitchFamily="49" charset="0"/>
+              </a:rPr>
+              <a:t> using this channel.</a:t>
+            </a:r>
+            <a:br>
+              <a:rPr lang="en-US" altLang="en-US" sz="1600" i="1" dirty="0">
+                <a:solidFill>
+                  <a:srgbClr val="629755"/>
+                </a:solidFill>
+                <a:latin typeface="Consolas" panose="020B0609020204030204" pitchFamily="49" charset="0"/>
+                <a:cs typeface="Courier New" panose="02070309020205020404" pitchFamily="49" charset="0"/>
+              </a:rPr>
+            </a:br>
+            <a:r>
+              <a:rPr lang="en-US" altLang="en-US" sz="1600" i="1" dirty="0" smtClean="0">
+                <a:solidFill>
+                  <a:srgbClr val="629755"/>
+                </a:solidFill>
+                <a:latin typeface="Consolas" panose="020B0609020204030204" pitchFamily="49" charset="0"/>
+                <a:cs typeface="Courier New" panose="02070309020205020404" pitchFamily="49" charset="0"/>
+              </a:rPr>
+              <a:t>     </a:t>
+            </a:r>
+            <a:r>
+              <a:rPr lang="en-US" altLang="en-US" sz="1600" i="1" dirty="0">
+                <a:solidFill>
+                  <a:srgbClr val="629755"/>
+                </a:solidFill>
+                <a:latin typeface="Consolas" panose="020B0609020204030204" pitchFamily="49" charset="0"/>
+                <a:cs typeface="Courier New" panose="02070309020205020404" pitchFamily="49" charset="0"/>
+              </a:rPr>
+              <a:t>*</a:t>
+            </a:r>
+            <a:br>
+              <a:rPr lang="en-US" altLang="en-US" sz="1600" i="1" dirty="0">
+                <a:solidFill>
+                  <a:srgbClr val="629755"/>
+                </a:solidFill>
+                <a:latin typeface="Consolas" panose="020B0609020204030204" pitchFamily="49" charset="0"/>
+                <a:cs typeface="Courier New" panose="02070309020205020404" pitchFamily="49" charset="0"/>
+              </a:rPr>
+            </a:br>
+            <a:r>
+              <a:rPr lang="en-US" altLang="en-US" sz="1600" i="1" dirty="0" smtClean="0">
+                <a:solidFill>
+                  <a:srgbClr val="629755"/>
+                </a:solidFill>
+                <a:latin typeface="Consolas" panose="020B0609020204030204" pitchFamily="49" charset="0"/>
+                <a:cs typeface="Courier New" panose="02070309020205020404" pitchFamily="49" charset="0"/>
+              </a:rPr>
+              <a:t>     * </a:t>
+            </a:r>
+            <a:r>
+              <a:rPr lang="en-US" altLang="en-US" sz="1600" b="1" i="1" dirty="0">
+                <a:solidFill>
+                  <a:srgbClr val="629755"/>
+                </a:solidFill>
+                <a:latin typeface="Consolas" panose="020B0609020204030204" pitchFamily="49" charset="0"/>
+                <a:cs typeface="Courier New" panose="02070309020205020404" pitchFamily="49" charset="0"/>
+              </a:rPr>
+              <a:t>@</a:t>
+            </a:r>
+            <a:r>
+              <a:rPr lang="en-US" altLang="en-US" sz="1600" b="1" i="1" dirty="0" err="1">
+                <a:solidFill>
+                  <a:srgbClr val="629755"/>
+                </a:solidFill>
+                <a:latin typeface="Consolas" panose="020B0609020204030204" pitchFamily="49" charset="0"/>
+                <a:cs typeface="Courier New" panose="02070309020205020404" pitchFamily="49" charset="0"/>
+              </a:rPr>
+              <a:t>param</a:t>
+            </a:r>
+            <a:r>
+              <a:rPr lang="en-US" altLang="en-US" sz="1600" b="1" i="1" dirty="0">
+                <a:solidFill>
+                  <a:srgbClr val="629755"/>
+                </a:solidFill>
+                <a:latin typeface="Consolas" panose="020B0609020204030204" pitchFamily="49" charset="0"/>
+                <a:cs typeface="Courier New" panose="02070309020205020404" pitchFamily="49" charset="0"/>
+              </a:rPr>
+              <a:t> </a:t>
+            </a:r>
+            <a:r>
+              <a:rPr lang="en-US" altLang="en-US" sz="1600" i="1" dirty="0">
+                <a:solidFill>
+                  <a:srgbClr val="8A653B"/>
+                </a:solidFill>
+                <a:latin typeface="Consolas" panose="020B0609020204030204" pitchFamily="49" charset="0"/>
+                <a:cs typeface="Courier New" panose="02070309020205020404" pitchFamily="49" charset="0"/>
+              </a:rPr>
+              <a:t>intent </a:t>
+            </a:r>
+            <a:r>
+              <a:rPr lang="en-US" altLang="en-US" sz="1600" i="1" dirty="0">
+                <a:solidFill>
+                  <a:srgbClr val="629755"/>
+                </a:solidFill>
+                <a:latin typeface="Consolas" panose="020B0609020204030204" pitchFamily="49" charset="0"/>
+                <a:cs typeface="Courier New" panose="02070309020205020404" pitchFamily="49" charset="0"/>
+              </a:rPr>
+              <a:t>Calling intent</a:t>
+            </a:r>
+            <a:br>
+              <a:rPr lang="en-US" altLang="en-US" sz="1600" i="1" dirty="0">
+                <a:solidFill>
+                  <a:srgbClr val="629755"/>
+                </a:solidFill>
+                <a:latin typeface="Consolas" panose="020B0609020204030204" pitchFamily="49" charset="0"/>
+                <a:cs typeface="Courier New" panose="02070309020205020404" pitchFamily="49" charset="0"/>
+              </a:rPr>
+            </a:br>
+            <a:r>
+              <a:rPr lang="en-US" altLang="en-US" sz="1600" i="1" dirty="0" smtClean="0">
+                <a:solidFill>
+                  <a:srgbClr val="629755"/>
+                </a:solidFill>
+                <a:latin typeface="Consolas" panose="020B0609020204030204" pitchFamily="49" charset="0"/>
+                <a:cs typeface="Courier New" panose="02070309020205020404" pitchFamily="49" charset="0"/>
+              </a:rPr>
+              <a:t>     </a:t>
+            </a:r>
+            <a:r>
+              <a:rPr lang="en-US" altLang="en-US" sz="1600" i="1" dirty="0">
+                <a:solidFill>
+                  <a:srgbClr val="629755"/>
+                </a:solidFill>
+                <a:latin typeface="Consolas" panose="020B0609020204030204" pitchFamily="49" charset="0"/>
+                <a:cs typeface="Courier New" panose="02070309020205020404" pitchFamily="49" charset="0"/>
+              </a:rPr>
+              <a:t>* </a:t>
+            </a:r>
+            <a:r>
+              <a:rPr lang="en-US" altLang="en-US" sz="1600" b="1" i="1" dirty="0">
+                <a:solidFill>
+                  <a:srgbClr val="629755"/>
+                </a:solidFill>
+                <a:latin typeface="Consolas" panose="020B0609020204030204" pitchFamily="49" charset="0"/>
+                <a:cs typeface="Courier New" panose="02070309020205020404" pitchFamily="49" charset="0"/>
+              </a:rPr>
+              <a:t>@return </a:t>
+            </a:r>
+            <a:r>
+              <a:rPr lang="en-US" altLang="en-US" sz="1600" i="1" dirty="0">
+                <a:solidFill>
+                  <a:srgbClr val="629755"/>
+                </a:solidFill>
+                <a:latin typeface="Consolas" panose="020B0609020204030204" pitchFamily="49" charset="0"/>
+                <a:cs typeface="Courier New" panose="02070309020205020404" pitchFamily="49" charset="0"/>
+              </a:rPr>
+              <a:t>Binder handle for {</a:t>
+            </a:r>
+            <a:r>
+              <a:rPr lang="en-US" altLang="en-US" sz="1600" b="1" i="1" dirty="0">
+                <a:solidFill>
+                  <a:srgbClr val="629755"/>
+                </a:solidFill>
+                <a:latin typeface="Consolas" panose="020B0609020204030204" pitchFamily="49" charset="0"/>
+                <a:cs typeface="Courier New" panose="02070309020205020404" pitchFamily="49" charset="0"/>
+              </a:rPr>
+              <a:t>@link </a:t>
+            </a:r>
+            <a:r>
+              <a:rPr lang="en-US" altLang="en-US" sz="1600" i="1" dirty="0" err="1">
+                <a:solidFill>
+                  <a:srgbClr val="629755"/>
+                </a:solidFill>
+                <a:latin typeface="Consolas" panose="020B0609020204030204" pitchFamily="49" charset="0"/>
+                <a:cs typeface="Courier New" panose="02070309020205020404" pitchFamily="49" charset="0"/>
+              </a:rPr>
+              <a:t>SyncAdapter</a:t>
+            </a:r>
+            <a:r>
+              <a:rPr lang="en-US" altLang="en-US" sz="1600" i="1" dirty="0">
+                <a:solidFill>
+                  <a:srgbClr val="629755"/>
+                </a:solidFill>
+                <a:latin typeface="Consolas" panose="020B0609020204030204" pitchFamily="49" charset="0"/>
+                <a:cs typeface="Courier New" panose="02070309020205020404" pitchFamily="49" charset="0"/>
+              </a:rPr>
+              <a:t>}</a:t>
+            </a:r>
+            <a:br>
+              <a:rPr lang="en-US" altLang="en-US" sz="1600" i="1" dirty="0">
+                <a:solidFill>
+                  <a:srgbClr val="629755"/>
+                </a:solidFill>
+                <a:latin typeface="Consolas" panose="020B0609020204030204" pitchFamily="49" charset="0"/>
+                <a:cs typeface="Courier New" panose="02070309020205020404" pitchFamily="49" charset="0"/>
+              </a:rPr>
+            </a:br>
+            <a:r>
+              <a:rPr lang="en-US" altLang="en-US" sz="1600" i="1" dirty="0" smtClean="0">
+                <a:solidFill>
+                  <a:srgbClr val="629755"/>
+                </a:solidFill>
+                <a:latin typeface="Consolas" panose="020B0609020204030204" pitchFamily="49" charset="0"/>
+                <a:cs typeface="Courier New" panose="02070309020205020404" pitchFamily="49" charset="0"/>
+              </a:rPr>
+              <a:t>     </a:t>
+            </a:r>
+            <a:r>
+              <a:rPr lang="en-US" altLang="en-US" sz="1600" i="1" dirty="0">
+                <a:solidFill>
+                  <a:srgbClr val="629755"/>
+                </a:solidFill>
+                <a:latin typeface="Consolas" panose="020B0609020204030204" pitchFamily="49" charset="0"/>
+                <a:cs typeface="Courier New" panose="02070309020205020404" pitchFamily="49" charset="0"/>
+              </a:rPr>
+              <a:t>*/</a:t>
+            </a:r>
+            <a:br>
+              <a:rPr lang="en-US" altLang="en-US" sz="1600" i="1" dirty="0">
+                <a:solidFill>
+                  <a:srgbClr val="629755"/>
+                </a:solidFill>
+                <a:latin typeface="Consolas" panose="020B0609020204030204" pitchFamily="49" charset="0"/>
+                <a:cs typeface="Courier New" panose="02070309020205020404" pitchFamily="49" charset="0"/>
+              </a:rPr>
+            </a:br>
+            <a:r>
+              <a:rPr lang="en-US" altLang="en-US" sz="1600" i="1" dirty="0" smtClean="0">
+                <a:solidFill>
+                  <a:srgbClr val="629755"/>
+                </a:solidFill>
+                <a:latin typeface="Consolas" panose="020B0609020204030204" pitchFamily="49" charset="0"/>
+                <a:cs typeface="Courier New" panose="02070309020205020404" pitchFamily="49" charset="0"/>
+              </a:rPr>
+              <a:t>    </a:t>
+            </a:r>
+            <a:r>
+              <a:rPr lang="en-US" altLang="en-US" sz="1600" dirty="0" smtClean="0">
+                <a:solidFill>
+                  <a:srgbClr val="BBB529"/>
+                </a:solidFill>
+                <a:latin typeface="Consolas" panose="020B0609020204030204" pitchFamily="49" charset="0"/>
+                <a:cs typeface="Courier New" panose="02070309020205020404" pitchFamily="49" charset="0"/>
+              </a:rPr>
+              <a:t>@</a:t>
+            </a:r>
+            <a:r>
+              <a:rPr lang="en-US" altLang="en-US" sz="1600" dirty="0">
+                <a:solidFill>
+                  <a:srgbClr val="BBB529"/>
+                </a:solidFill>
+                <a:latin typeface="Consolas" panose="020B0609020204030204" pitchFamily="49" charset="0"/>
+                <a:cs typeface="Courier New" panose="02070309020205020404" pitchFamily="49" charset="0"/>
+              </a:rPr>
+              <a:t>Override</a:t>
+            </a:r>
+            <a:br>
+              <a:rPr lang="en-US" altLang="en-US" sz="1600" dirty="0">
+                <a:solidFill>
+                  <a:srgbClr val="BBB529"/>
+                </a:solidFill>
+                <a:latin typeface="Consolas" panose="020B0609020204030204" pitchFamily="49" charset="0"/>
+                <a:cs typeface="Courier New" panose="02070309020205020404" pitchFamily="49" charset="0"/>
+              </a:rPr>
+            </a:br>
+            <a:r>
+              <a:rPr lang="en-US" altLang="en-US" sz="1600" dirty="0" smtClean="0">
+                <a:solidFill>
+                  <a:srgbClr val="BBB529"/>
+                </a:solidFill>
+                <a:latin typeface="Consolas" panose="020B0609020204030204" pitchFamily="49" charset="0"/>
+                <a:cs typeface="Courier New" panose="02070309020205020404" pitchFamily="49" charset="0"/>
+              </a:rPr>
+              <a:t>    </a:t>
+            </a:r>
+            <a:r>
+              <a:rPr lang="en-US" altLang="en-US" sz="1600" dirty="0" smtClean="0">
+                <a:solidFill>
+                  <a:srgbClr val="CC7832"/>
+                </a:solidFill>
+                <a:latin typeface="Consolas" panose="020B0609020204030204" pitchFamily="49" charset="0"/>
+                <a:cs typeface="Courier New" panose="02070309020205020404" pitchFamily="49" charset="0"/>
+              </a:rPr>
+              <a:t>public </a:t>
+            </a:r>
+            <a:r>
+              <a:rPr lang="en-US" altLang="en-US" sz="1600" dirty="0" err="1">
+                <a:solidFill>
+                  <a:srgbClr val="A9B7C6"/>
+                </a:solidFill>
+                <a:latin typeface="Consolas" panose="020B0609020204030204" pitchFamily="49" charset="0"/>
+                <a:cs typeface="Courier New" panose="02070309020205020404" pitchFamily="49" charset="0"/>
+              </a:rPr>
+              <a:t>IBinder</a:t>
+            </a:r>
+            <a:r>
+              <a:rPr lang="en-US" altLang="en-US" sz="1600" dirty="0">
+                <a:solidFill>
+                  <a:srgbClr val="A9B7C6"/>
+                </a:solidFill>
+                <a:latin typeface="Consolas" panose="020B0609020204030204" pitchFamily="49" charset="0"/>
+                <a:cs typeface="Courier New" panose="02070309020205020404" pitchFamily="49" charset="0"/>
+              </a:rPr>
+              <a:t> </a:t>
+            </a:r>
+            <a:r>
+              <a:rPr lang="en-US" altLang="en-US" sz="1600" dirty="0" err="1">
+                <a:solidFill>
+                  <a:srgbClr val="FFC66D"/>
+                </a:solidFill>
+                <a:latin typeface="Consolas" panose="020B0609020204030204" pitchFamily="49" charset="0"/>
+                <a:cs typeface="Courier New" panose="02070309020205020404" pitchFamily="49" charset="0"/>
+              </a:rPr>
+              <a:t>onBind</a:t>
+            </a:r>
+            <a:r>
+              <a:rPr lang="en-US" altLang="en-US" sz="1600" dirty="0">
+                <a:solidFill>
+                  <a:srgbClr val="A9B7C6"/>
+                </a:solidFill>
+                <a:latin typeface="Consolas" panose="020B0609020204030204" pitchFamily="49" charset="0"/>
+                <a:cs typeface="Courier New" panose="02070309020205020404" pitchFamily="49" charset="0"/>
+              </a:rPr>
+              <a:t>(Intent intent) {</a:t>
+            </a:r>
+            <a:br>
+              <a:rPr lang="en-US" altLang="en-US" sz="1600" dirty="0">
+                <a:solidFill>
+                  <a:srgbClr val="A9B7C6"/>
+                </a:solidFill>
+                <a:latin typeface="Consolas" panose="020B0609020204030204" pitchFamily="49" charset="0"/>
+                <a:cs typeface="Courier New" panose="02070309020205020404" pitchFamily="49" charset="0"/>
+              </a:rPr>
+            </a:br>
+            <a:r>
+              <a:rPr lang="en-US" altLang="en-US" sz="1600" dirty="0" smtClean="0">
+                <a:solidFill>
+                  <a:srgbClr val="A9B7C6"/>
+                </a:solidFill>
+                <a:latin typeface="Consolas" panose="020B0609020204030204" pitchFamily="49" charset="0"/>
+                <a:cs typeface="Courier New" panose="02070309020205020404" pitchFamily="49" charset="0"/>
+              </a:rPr>
+              <a:t>        </a:t>
+            </a:r>
+            <a:r>
+              <a:rPr lang="en-US" altLang="en-US" sz="1600" dirty="0">
+                <a:solidFill>
+                  <a:srgbClr val="CC7832"/>
+                </a:solidFill>
+                <a:latin typeface="Consolas" panose="020B0609020204030204" pitchFamily="49" charset="0"/>
+                <a:cs typeface="Courier New" panose="02070309020205020404" pitchFamily="49" charset="0"/>
+              </a:rPr>
+              <a:t>return </a:t>
+            </a:r>
+            <a:r>
+              <a:rPr lang="en-US" altLang="en-US" sz="1600" dirty="0" err="1" smtClean="0">
+                <a:solidFill>
+                  <a:srgbClr val="9876AA"/>
+                </a:solidFill>
+                <a:latin typeface="Consolas" panose="020B0609020204030204" pitchFamily="49" charset="0"/>
+                <a:cs typeface="Courier New" panose="02070309020205020404" pitchFamily="49" charset="0"/>
+              </a:rPr>
+              <a:t>mSyncAdapter</a:t>
+            </a:r>
+            <a:r>
+              <a:rPr lang="en-US" altLang="en-US" sz="1600" dirty="0" err="1" smtClean="0">
+                <a:solidFill>
+                  <a:srgbClr val="A9B7C6"/>
+                </a:solidFill>
+                <a:latin typeface="Consolas" panose="020B0609020204030204" pitchFamily="49" charset="0"/>
+                <a:cs typeface="Courier New" panose="02070309020205020404" pitchFamily="49" charset="0"/>
+              </a:rPr>
+              <a:t>.getSyncAdapterBinder</a:t>
+            </a:r>
+            <a:r>
+              <a:rPr lang="en-US" altLang="en-US" sz="1600" dirty="0">
+                <a:solidFill>
+                  <a:srgbClr val="A9B7C6"/>
+                </a:solidFill>
+                <a:latin typeface="Consolas" panose="020B0609020204030204" pitchFamily="49" charset="0"/>
+                <a:cs typeface="Courier New" panose="02070309020205020404" pitchFamily="49" charset="0"/>
+              </a:rPr>
+              <a:t>()</a:t>
+            </a:r>
+            <a:r>
+              <a:rPr lang="en-US" altLang="en-US" sz="1600" dirty="0">
+                <a:solidFill>
+                  <a:srgbClr val="CC7832"/>
+                </a:solidFill>
+                <a:latin typeface="Consolas" panose="020B0609020204030204" pitchFamily="49" charset="0"/>
+                <a:cs typeface="Courier New" panose="02070309020205020404" pitchFamily="49" charset="0"/>
+              </a:rPr>
+              <a:t>;</a:t>
+            </a:r>
+            <a:br>
+              <a:rPr lang="en-US" altLang="en-US" sz="1600" dirty="0">
+                <a:solidFill>
+                  <a:srgbClr val="CC7832"/>
+                </a:solidFill>
+                <a:latin typeface="Consolas" panose="020B0609020204030204" pitchFamily="49" charset="0"/>
+                <a:cs typeface="Courier New" panose="02070309020205020404" pitchFamily="49" charset="0"/>
+              </a:rPr>
+            </a:br>
+            <a:r>
+              <a:rPr lang="en-US" altLang="en-US" sz="1600" dirty="0" smtClean="0">
+                <a:solidFill>
+                  <a:srgbClr val="CC7832"/>
+                </a:solidFill>
+                <a:latin typeface="Consolas" panose="020B0609020204030204" pitchFamily="49" charset="0"/>
+                <a:cs typeface="Courier New" panose="02070309020205020404" pitchFamily="49" charset="0"/>
+              </a:rPr>
+              <a:t>    </a:t>
+            </a:r>
+            <a:r>
+              <a:rPr lang="en-US" altLang="en-US" sz="1600" dirty="0" smtClean="0">
+                <a:solidFill>
+                  <a:srgbClr val="A9B7C6"/>
+                </a:solidFill>
+                <a:latin typeface="Consolas" panose="020B0609020204030204" pitchFamily="49" charset="0"/>
+                <a:cs typeface="Courier New" panose="02070309020205020404" pitchFamily="49" charset="0"/>
+              </a:rPr>
+              <a:t>}</a:t>
+            </a:r>
+          </a:p>
+          <a:p>
+            <a:pPr eaLnBrk="0" fontAlgn="base" hangingPunct="0">
+              <a:spcBef>
+                <a:spcPct val="0"/>
+              </a:spcBef>
+              <a:spcAft>
+                <a:spcPct val="0"/>
+              </a:spcAft>
+            </a:pPr>
+            <a:r>
+              <a:rPr lang="en-US" altLang="en-US" sz="1600" dirty="0">
+                <a:solidFill>
+                  <a:srgbClr val="A9B7C6"/>
+                </a:solidFill>
+                <a:latin typeface="Consolas" panose="020B0609020204030204" pitchFamily="49" charset="0"/>
+                <a:cs typeface="Courier New" panose="02070309020205020404" pitchFamily="49" charset="0"/>
+              </a:rPr>
+              <a:t/>
+            </a:r>
+            <a:br>
+              <a:rPr lang="en-US" altLang="en-US" sz="1600" dirty="0">
+                <a:solidFill>
+                  <a:srgbClr val="A9B7C6"/>
+                </a:solidFill>
+                <a:latin typeface="Consolas" panose="020B0609020204030204" pitchFamily="49" charset="0"/>
+                <a:cs typeface="Courier New" panose="02070309020205020404" pitchFamily="49" charset="0"/>
+              </a:rPr>
+            </a:br>
+            <a:r>
+              <a:rPr lang="en-US" altLang="en-US" sz="1600" dirty="0" smtClean="0">
+                <a:solidFill>
+                  <a:srgbClr val="A9B7C6"/>
+                </a:solidFill>
+                <a:latin typeface="Consolas" panose="020B0609020204030204" pitchFamily="49" charset="0"/>
+                <a:cs typeface="Courier New" panose="02070309020205020404" pitchFamily="49" charset="0"/>
+              </a:rPr>
+              <a:t>}</a:t>
+            </a:r>
+          </a:p>
+        </p:txBody>
+      </p:sp>
+      <p:sp>
+        <p:nvSpPr>
+          <p:cNvPr id="14" name="TextBox 13"/>
+          <p:cNvSpPr txBox="1"/>
+          <p:nvPr/>
+        </p:nvSpPr>
+        <p:spPr>
+          <a:xfrm>
+            <a:off x="652500" y="1556792"/>
+            <a:ext cx="10887000" cy="461665"/>
+          </a:xfrm>
+          <a:prstGeom prst="rect">
+            <a:avLst/>
+          </a:prstGeom>
+          <a:noFill/>
+        </p:spPr>
+        <p:txBody>
+          <a:bodyPr wrap="square" rtlCol="0">
+            <a:spAutoFit/>
+          </a:bodyPr>
+          <a:lstStyle/>
+          <a:p>
+            <a:r>
+              <a:rPr lang="en-US" sz="2400" dirty="0" smtClean="0">
+                <a:solidFill>
+                  <a:schemeClr val="bg1"/>
+                </a:solidFill>
+                <a:latin typeface="Consolas" panose="020B0609020204030204" pitchFamily="49" charset="0"/>
+              </a:rPr>
+              <a:t>SyncService.java</a:t>
+            </a:r>
+            <a:endParaRPr lang="en-US" sz="2400" dirty="0">
+              <a:solidFill>
+                <a:schemeClr val="bg1"/>
+              </a:solidFill>
+              <a:latin typeface="Consolas" panose="020B0609020204030204" pitchFamily="49" charset="0"/>
+            </a:endParaRPr>
+          </a:p>
+        </p:txBody>
+      </p:sp>
+    </p:spTree>
+    <p:extLst>
+      <p:ext uri="{BB962C8B-B14F-4D97-AF65-F5344CB8AC3E}">
+        <p14:creationId xmlns:p14="http://schemas.microsoft.com/office/powerpoint/2010/main" val="3163984508"/>
+      </p:ext>
+    </p:extLst>
+  </p:cSld>
+  <p:clrMapOvr>
+    <a:masterClrMapping/>
+  </p:clrMapOvr>
+  <mc:AlternateContent xmlns:mc="http://schemas.openxmlformats.org/markup-compatibility/2006" xmlns:p14="http://schemas.microsoft.com/office/powerpoint/2010/main">
+    <mc:Choice Requires="p14">
+      <p:transition p14:dur="250">
+        <p14:reveal/>
+      </p:transition>
+    </mc:Choice>
+    <mc:Fallback xmlns="">
+      <p:transition>
+        <p:fade/>
+      </p:transition>
+    </mc:Fallback>
+  </mc:AlternateContent>
+  <p:timing>
+    <p:tnLst>
+      <p:par>
+        <p:cTn id="1" dur="indefinite" restart="never" nodeType="tmRoot"/>
+      </p:par>
+    </p:tnLst>
+  </p:timing>
+</p:sld>
+</file>
+
+<file path=ppt/slides/slide22.xml><?xml version="1.0" encoding="utf-8"?>
+<p:sld xmlns:a="http://schemas.openxmlformats.org/drawingml/2006/main" xmlns:r="http://schemas.openxmlformats.org/officeDocument/2006/relationships" xmlns:p="http://schemas.openxmlformats.org/presentationml/2006/main">
+  <p:cSld>
+    <p:spTree>
+      <p:nvGrpSpPr>
+        <p:cNvPr id="1" name=""/>
+        <p:cNvGrpSpPr/>
+        <p:nvPr/>
+      </p:nvGrpSpPr>
+      <p:grpSpPr>
+        <a:xfrm>
+          <a:off x="0" y="0"/>
+          <a:ext cx="0" cy="0"/>
+          <a:chOff x="0" y="0"/>
+          <a:chExt cx="0" cy="0"/>
+        </a:xfrm>
+      </p:grpSpPr>
+      <p:sp>
+        <p:nvSpPr>
           <p:cNvPr id="2" name="Content Placeholder 1"/>
           <p:cNvSpPr>
             <a:spLocks noGrp="1"/>
@@ -21864,16 +22443,14 @@
           <a:lstStyle/>
           <a:p>
             <a:r>
-              <a:rPr lang="en-US" dirty="0" err="1" smtClean="0"/>
-              <a:t>SyncService</a:t>
-            </a:r>
+              <a:rPr lang="en-US" dirty="0"/>
+              <a:t>Launched by the system</a:t>
+            </a:r>
+          </a:p>
+          <a:p>
             <a:r>
               <a:rPr lang="en-US" dirty="0" smtClean="0"/>
-              <a:t> </a:t>
-            </a:r>
-            <a:r>
-              <a:rPr lang="en-US" dirty="0" smtClean="0"/>
-              <a:t>lives as long as the </a:t>
+              <a:t>Lives as long as the </a:t>
             </a:r>
             <a:r>
               <a:rPr lang="en-US" dirty="0" err="1" smtClean="0"/>
@@ -21887,9 +22464,13 @@
           <a:p>
             <a:r>
               <a:rPr lang="en-US" dirty="0" smtClean="0"/>
-              <a:t>Runs in its own thread</a:t>
-            </a:r>
-            <a:endParaRPr lang="en-US" dirty="0"/>
+              <a:t>Allows system to bind to </a:t>
+            </a:r>
+            <a:r>
+              <a:rPr lang="en-US" dirty="0" err="1" smtClean="0"/>
+              <a:t>SyncAdapter</a:t>
+            </a:r>
+            <a:endParaRPr lang="en-US" dirty="0" smtClean="0"/>
           </a:p>
         </p:txBody>
       </p:sp>
@@ -21925,7 +22506,7 @@
 </p:sld>
 </file>
 
-<file path=ppt/slides/slide22.xml><?xml version="1.0" encoding="utf-8"?>
+<file path=ppt/slides/slide23.xml><?xml version="1.0" encoding="utf-8"?>
 <p:sld xmlns:a="http://schemas.openxmlformats.org/drawingml/2006/main" xmlns:r="http://schemas.openxmlformats.org/officeDocument/2006/relationships" xmlns:p="http://schemas.openxmlformats.org/presentationml/2006/main">
   <p:cSld>
     <p:spTree>
@@ -22867,8 +23448,8 @@
 </p:sld>
 </file>
 
-<file path=ppt/slides/slide23.xml><?xml version="1.0" encoding="utf-8"?>
-<p:sld xmlns:a="http://schemas.openxmlformats.org/drawingml/2006/main" xmlns:r="http://schemas.openxmlformats.org/officeDocument/2006/relationships" xmlns:p="http://schemas.openxmlformats.org/presentationml/2006/main" show="0">
+<file path=ppt/slides/slide24.xml><?xml version="1.0" encoding="utf-8"?>
+<p:sld xmlns:a="http://schemas.openxmlformats.org/drawingml/2006/main" xmlns:r="http://schemas.openxmlformats.org/officeDocument/2006/relationships" xmlns:p="http://schemas.openxmlformats.org/presentationml/2006/main">
   <p:cSld>
     <p:spTree>
       <p:nvGrpSpPr>
@@ -22886,120 +23467,639 @@
       </p:grpSpPr>
       <p:sp>
         <p:nvSpPr>
-          <p:cNvPr id="3" name="Title 2"/>
+          <p:cNvPr id="8" name="Rectangle 1"/>
           <p:cNvSpPr>
-            <a:spLocks noGrp="1"/>
+            <a:spLocks noChangeArrowheads="1"/>
           </p:cNvSpPr>
-          <p:nvPr>
-            <p:ph type="title"/>
-          </p:nvPr>
+          <p:nvPr/>
         </p:nvSpPr>
-        <p:spPr/>
+        <p:spPr bwMode="auto">
+          <a:xfrm>
+            <a:off x="652500" y="2132856"/>
+            <a:ext cx="10887000" cy="4104456"/>
+          </a:xfrm>
+          <a:prstGeom prst="rect">
+            <a:avLst/>
+          </a:prstGeom>
+          <a:solidFill>
+            <a:srgbClr val="2B2B2B"/>
+          </a:solidFill>
+          <a:ln>
+            <a:noFill/>
+          </a:ln>
+          <a:effectLst/>
+          <a:extLst>
+            <a:ext uri="{91240B29-F687-4F45-9708-019B960494DF}">
+              <a14:hiddenLine xmlns:a14="http://schemas.microsoft.com/office/drawing/2010/main" w="9525">
+                <a:solidFill>
+                  <a:schemeClr val="tx1"/>
+                </a:solidFill>
+                <a:miter lim="800000"/>
+                <a:headEnd/>
+                <a:tailEnd/>
+              </a14:hiddenLine>
+            </a:ext>
+            <a:ext uri="{AF507438-7753-43E0-B8FC-AC1667EBCBE1}">
+              <a14:hiddenEffects xmlns:a14="http://schemas.microsoft.com/office/drawing/2010/main">
+                <a:effectLst>
+                  <a:outerShdw dist="35921" dir="2700000" algn="ctr" rotWithShape="0">
+                    <a:schemeClr val="bg2"/>
+                  </a:outerShdw>
+                </a:effectLst>
+              </a14:hiddenEffects>
+            </a:ext>
+          </a:extLst>
+        </p:spPr>
         <p:txBody>
-          <a:bodyPr/>
+          <a:bodyPr vert="horz" wrap="square" lIns="182880" tIns="182880" rIns="182880" bIns="182880" numCol="1" anchor="t" anchorCtr="0" compatLnSpc="1">
+            <a:prstTxWarp prst="textNoShape">
+              <a:avLst/>
+            </a:prstTxWarp>
+            <a:noAutofit/>
+          </a:bodyPr>
           <a:lstStyle/>
           <a:p>
-            <a:endParaRPr lang="en-US"/>
+            <a:pPr eaLnBrk="0" fontAlgn="base" hangingPunct="0">
+              <a:spcBef>
+                <a:spcPct val="0"/>
+              </a:spcBef>
+              <a:spcAft>
+                <a:spcPct val="0"/>
+              </a:spcAft>
+            </a:pPr>
+            <a:r>
+              <a:rPr lang="en-US" altLang="en-US" sz="1600" i="1" dirty="0" smtClean="0">
+                <a:solidFill>
+                  <a:srgbClr val="629755"/>
+                </a:solidFill>
+                <a:latin typeface="Consolas" panose="020B0609020204030204" pitchFamily="49" charset="0"/>
+              </a:rPr>
+              <a:t>/**</a:t>
+            </a:r>
+            <a:r>
+              <a:rPr lang="en-US" altLang="en-US" sz="1600" i="1" dirty="0">
+                <a:solidFill>
+                  <a:srgbClr val="629755"/>
+                </a:solidFill>
+                <a:latin typeface="Consolas" panose="020B0609020204030204" pitchFamily="49" charset="0"/>
+              </a:rPr>
+              <a:t/>
+            </a:r>
+            <a:br>
+              <a:rPr lang="en-US" altLang="en-US" sz="1600" i="1" dirty="0">
+                <a:solidFill>
+                  <a:srgbClr val="629755"/>
+                </a:solidFill>
+                <a:latin typeface="Consolas" panose="020B0609020204030204" pitchFamily="49" charset="0"/>
+              </a:rPr>
+            </a:br>
+            <a:r>
+              <a:rPr lang="en-US" altLang="en-US" sz="1600" i="1" dirty="0">
+                <a:solidFill>
+                  <a:srgbClr val="629755"/>
+                </a:solidFill>
+                <a:latin typeface="Consolas" panose="020B0609020204030204" pitchFamily="49" charset="0"/>
+              </a:rPr>
+              <a:t> * Define a sync adapter for the app.</a:t>
+            </a:r>
+          </a:p>
+          <a:p>
+            <a:pPr eaLnBrk="0" fontAlgn="base" hangingPunct="0">
+              <a:spcBef>
+                <a:spcPct val="0"/>
+              </a:spcBef>
+              <a:spcAft>
+                <a:spcPct val="0"/>
+              </a:spcAft>
+            </a:pPr>
+            <a:r>
+              <a:rPr lang="en-US" altLang="en-US" sz="1600" i="1" dirty="0">
+                <a:solidFill>
+                  <a:srgbClr val="629755"/>
+                </a:solidFill>
+                <a:latin typeface="Consolas" panose="020B0609020204030204" pitchFamily="49" charset="0"/>
+              </a:rPr>
+              <a:t> *</a:t>
+            </a:r>
+          </a:p>
+          <a:p>
+            <a:pPr eaLnBrk="0" fontAlgn="base" hangingPunct="0">
+              <a:spcBef>
+                <a:spcPct val="0"/>
+              </a:spcBef>
+              <a:spcAft>
+                <a:spcPct val="0"/>
+              </a:spcAft>
+            </a:pPr>
+            <a:r>
+              <a:rPr lang="en-US" altLang="en-US" sz="1600" i="1" dirty="0">
+                <a:solidFill>
+                  <a:srgbClr val="629755"/>
+                </a:solidFill>
+                <a:latin typeface="Consolas" panose="020B0609020204030204" pitchFamily="49" charset="0"/>
+              </a:rPr>
+              <a:t> * &lt;p&gt;This class is instantiated in {@link </a:t>
+            </a:r>
+            <a:r>
+              <a:rPr lang="en-US" altLang="en-US" sz="1600" i="1" dirty="0" err="1">
+                <a:solidFill>
+                  <a:srgbClr val="629755"/>
+                </a:solidFill>
+                <a:latin typeface="Consolas" panose="020B0609020204030204" pitchFamily="49" charset="0"/>
+              </a:rPr>
+              <a:t>SyncService</a:t>
+            </a:r>
+            <a:r>
+              <a:rPr lang="en-US" altLang="en-US" sz="1600" i="1" dirty="0">
+                <a:solidFill>
+                  <a:srgbClr val="629755"/>
+                </a:solidFill>
+                <a:latin typeface="Consolas" panose="020B0609020204030204" pitchFamily="49" charset="0"/>
+              </a:rPr>
+              <a:t>}, which also binds </a:t>
+            </a:r>
+            <a:r>
+              <a:rPr lang="en-US" altLang="en-US" sz="1600" i="1" dirty="0" err="1">
+                <a:solidFill>
+                  <a:srgbClr val="629755"/>
+                </a:solidFill>
+                <a:latin typeface="Consolas" panose="020B0609020204030204" pitchFamily="49" charset="0"/>
+              </a:rPr>
+              <a:t>SyncAdapter</a:t>
+            </a:r>
+            <a:r>
+              <a:rPr lang="en-US" altLang="en-US" sz="1600" i="1" dirty="0">
+                <a:solidFill>
+                  <a:srgbClr val="629755"/>
+                </a:solidFill>
+                <a:latin typeface="Consolas" panose="020B0609020204030204" pitchFamily="49" charset="0"/>
+              </a:rPr>
+              <a:t> to </a:t>
+            </a:r>
+            <a:r>
+              <a:rPr lang="en-US" altLang="en-US" sz="1600" i="1" dirty="0" smtClean="0">
+                <a:solidFill>
+                  <a:srgbClr val="629755"/>
+                </a:solidFill>
+                <a:latin typeface="Consolas" panose="020B0609020204030204" pitchFamily="49" charset="0"/>
+              </a:rPr>
+              <a:t>the</a:t>
+            </a:r>
+          </a:p>
+          <a:p>
+            <a:pPr eaLnBrk="0" fontAlgn="base" hangingPunct="0">
+              <a:spcBef>
+                <a:spcPct val="0"/>
+              </a:spcBef>
+              <a:spcAft>
+                <a:spcPct val="0"/>
+              </a:spcAft>
+            </a:pPr>
+            <a:r>
+              <a:rPr lang="en-US" altLang="en-US" sz="1600" i="1" dirty="0">
+                <a:solidFill>
+                  <a:srgbClr val="629755"/>
+                </a:solidFill>
+                <a:latin typeface="Consolas" panose="020B0609020204030204" pitchFamily="49" charset="0"/>
+              </a:rPr>
+              <a:t> </a:t>
+            </a:r>
+            <a:r>
+              <a:rPr lang="en-US" altLang="en-US" sz="1600" i="1" dirty="0" smtClean="0">
+                <a:solidFill>
+                  <a:srgbClr val="629755"/>
+                </a:solidFill>
+                <a:latin typeface="Consolas" panose="020B0609020204030204" pitchFamily="49" charset="0"/>
+              </a:rPr>
+              <a:t>* system. </a:t>
+            </a:r>
+            <a:r>
+              <a:rPr lang="en-US" altLang="en-US" sz="1600" i="1" dirty="0" err="1" smtClean="0">
+                <a:solidFill>
+                  <a:srgbClr val="629755"/>
+                </a:solidFill>
+                <a:latin typeface="Consolas" panose="020B0609020204030204" pitchFamily="49" charset="0"/>
+              </a:rPr>
+              <a:t>SyncAdapter</a:t>
+            </a:r>
+            <a:r>
+              <a:rPr lang="en-US" altLang="en-US" sz="1600" i="1" dirty="0" smtClean="0">
+                <a:solidFill>
+                  <a:srgbClr val="629755"/>
+                </a:solidFill>
+                <a:latin typeface="Consolas" panose="020B0609020204030204" pitchFamily="49" charset="0"/>
+              </a:rPr>
+              <a:t> </a:t>
+            </a:r>
+            <a:r>
+              <a:rPr lang="en-US" altLang="en-US" sz="1600" i="1" dirty="0">
+                <a:solidFill>
+                  <a:srgbClr val="629755"/>
+                </a:solidFill>
+                <a:latin typeface="Consolas" panose="020B0609020204030204" pitchFamily="49" charset="0"/>
+              </a:rPr>
+              <a:t>should only be initialized in </a:t>
+            </a:r>
+            <a:r>
+              <a:rPr lang="en-US" altLang="en-US" sz="1600" i="1" dirty="0" err="1">
+                <a:solidFill>
+                  <a:srgbClr val="629755"/>
+                </a:solidFill>
+                <a:latin typeface="Consolas" panose="020B0609020204030204" pitchFamily="49" charset="0"/>
+              </a:rPr>
+              <a:t>SyncService</a:t>
+            </a:r>
+            <a:r>
+              <a:rPr lang="en-US" altLang="en-US" sz="1600" i="1" dirty="0">
+                <a:solidFill>
+                  <a:srgbClr val="629755"/>
+                </a:solidFill>
+                <a:latin typeface="Consolas" panose="020B0609020204030204" pitchFamily="49" charset="0"/>
+              </a:rPr>
+              <a:t>, never anywhere else.</a:t>
+            </a:r>
+          </a:p>
+          <a:p>
+            <a:pPr eaLnBrk="0" fontAlgn="base" hangingPunct="0">
+              <a:spcBef>
+                <a:spcPct val="0"/>
+              </a:spcBef>
+              <a:spcAft>
+                <a:spcPct val="0"/>
+              </a:spcAft>
+            </a:pPr>
+            <a:r>
+              <a:rPr lang="en-US" altLang="en-US" sz="1600" i="1" dirty="0">
+                <a:solidFill>
+                  <a:srgbClr val="629755"/>
+                </a:solidFill>
+                <a:latin typeface="Consolas" panose="020B0609020204030204" pitchFamily="49" charset="0"/>
+              </a:rPr>
+              <a:t> *</a:t>
+            </a:r>
+          </a:p>
+          <a:p>
+            <a:pPr eaLnBrk="0" fontAlgn="base" hangingPunct="0">
+              <a:spcBef>
+                <a:spcPct val="0"/>
+              </a:spcBef>
+              <a:spcAft>
+                <a:spcPct val="0"/>
+              </a:spcAft>
+            </a:pPr>
+            <a:r>
+              <a:rPr lang="en-US" altLang="en-US" sz="1600" i="1" dirty="0">
+                <a:solidFill>
+                  <a:srgbClr val="629755"/>
+                </a:solidFill>
+                <a:latin typeface="Consolas" panose="020B0609020204030204" pitchFamily="49" charset="0"/>
+              </a:rPr>
+              <a:t> * &lt;p&gt;Extending </a:t>
+            </a:r>
+            <a:r>
+              <a:rPr lang="en-US" altLang="en-US" sz="1600" i="1" dirty="0" err="1">
+                <a:solidFill>
+                  <a:srgbClr val="629755"/>
+                </a:solidFill>
+                <a:latin typeface="Consolas" panose="020B0609020204030204" pitchFamily="49" charset="0"/>
+              </a:rPr>
+              <a:t>AbstractThreadedSyncAdapter</a:t>
+            </a:r>
+            <a:r>
+              <a:rPr lang="en-US" altLang="en-US" sz="1600" i="1" dirty="0">
+                <a:solidFill>
+                  <a:srgbClr val="629755"/>
+                </a:solidFill>
+                <a:latin typeface="Consolas" panose="020B0609020204030204" pitchFamily="49" charset="0"/>
+              </a:rPr>
+              <a:t> ensures that all methods within </a:t>
+            </a:r>
+            <a:r>
+              <a:rPr lang="en-US" altLang="en-US" sz="1600" i="1" dirty="0" err="1">
+                <a:solidFill>
+                  <a:srgbClr val="629755"/>
+                </a:solidFill>
+                <a:latin typeface="Consolas" panose="020B0609020204030204" pitchFamily="49" charset="0"/>
+              </a:rPr>
+              <a:t>SyncAdapter</a:t>
+            </a:r>
+            <a:endParaRPr lang="en-US" altLang="en-US" sz="1600" i="1" dirty="0">
+              <a:solidFill>
+                <a:srgbClr val="629755"/>
+              </a:solidFill>
+              <a:latin typeface="Consolas" panose="020B0609020204030204" pitchFamily="49" charset="0"/>
+            </a:endParaRPr>
+          </a:p>
+          <a:p>
+            <a:pPr eaLnBrk="0" fontAlgn="base" hangingPunct="0">
+              <a:spcBef>
+                <a:spcPct val="0"/>
+              </a:spcBef>
+              <a:spcAft>
+                <a:spcPct val="0"/>
+              </a:spcAft>
+            </a:pPr>
+            <a:r>
+              <a:rPr lang="en-US" altLang="en-US" sz="1600" i="1" dirty="0">
+                <a:solidFill>
+                  <a:srgbClr val="629755"/>
+                </a:solidFill>
+                <a:latin typeface="Consolas" panose="020B0609020204030204" pitchFamily="49" charset="0"/>
+              </a:rPr>
+              <a:t> * run on a background thread, so it is safe to perform blocking I/O here.</a:t>
+            </a:r>
+          </a:p>
+          <a:p>
+            <a:pPr eaLnBrk="0" fontAlgn="base" hangingPunct="0">
+              <a:spcBef>
+                <a:spcPct val="0"/>
+              </a:spcBef>
+              <a:spcAft>
+                <a:spcPct val="0"/>
+              </a:spcAft>
+            </a:pPr>
+            <a:r>
+              <a:rPr lang="en-US" altLang="en-US" sz="1600" i="1" dirty="0">
+                <a:solidFill>
+                  <a:srgbClr val="629755"/>
+                </a:solidFill>
+                <a:latin typeface="Consolas" panose="020B0609020204030204" pitchFamily="49" charset="0"/>
+              </a:rPr>
+              <a:t> *</a:t>
+            </a:r>
+          </a:p>
+          <a:p>
+            <a:pPr eaLnBrk="0" fontAlgn="base" hangingPunct="0">
+              <a:spcBef>
+                <a:spcPct val="0"/>
+              </a:spcBef>
+              <a:spcAft>
+                <a:spcPct val="0"/>
+              </a:spcAft>
+            </a:pPr>
+            <a:r>
+              <a:rPr lang="en-US" altLang="en-US" sz="1600" i="1" dirty="0">
+                <a:solidFill>
+                  <a:srgbClr val="629755"/>
+                </a:solidFill>
+                <a:latin typeface="Consolas" panose="020B0609020204030204" pitchFamily="49" charset="0"/>
+              </a:rPr>
+              <a:t> * &lt;p&gt;The system calls </a:t>
+            </a:r>
+            <a:r>
+              <a:rPr lang="en-US" altLang="en-US" sz="1600" i="1" dirty="0" err="1">
+                <a:solidFill>
+                  <a:srgbClr val="629755"/>
+                </a:solidFill>
+                <a:latin typeface="Consolas" panose="020B0609020204030204" pitchFamily="49" charset="0"/>
+              </a:rPr>
+              <a:t>onPerformSync</a:t>
+            </a:r>
+            <a:r>
+              <a:rPr lang="en-US" altLang="en-US" sz="1600" i="1" dirty="0">
+                <a:solidFill>
+                  <a:srgbClr val="629755"/>
+                </a:solidFill>
+                <a:latin typeface="Consolas" panose="020B0609020204030204" pitchFamily="49" charset="0"/>
+              </a:rPr>
+              <a:t>() via an RPC call through the </a:t>
+            </a:r>
+            <a:r>
+              <a:rPr lang="en-US" altLang="en-US" sz="1600" i="1" dirty="0" err="1">
+                <a:solidFill>
+                  <a:srgbClr val="629755"/>
+                </a:solidFill>
+                <a:latin typeface="Consolas" panose="020B0609020204030204" pitchFamily="49" charset="0"/>
+              </a:rPr>
+              <a:t>IBinder</a:t>
+            </a:r>
+            <a:r>
+              <a:rPr lang="en-US" altLang="en-US" sz="1600" i="1" dirty="0">
+                <a:solidFill>
+                  <a:srgbClr val="629755"/>
+                </a:solidFill>
+                <a:latin typeface="Consolas" panose="020B0609020204030204" pitchFamily="49" charset="0"/>
+              </a:rPr>
+              <a:t> object supplied by</a:t>
+            </a:r>
+          </a:p>
+          <a:p>
+            <a:pPr eaLnBrk="0" fontAlgn="base" hangingPunct="0">
+              <a:spcBef>
+                <a:spcPct val="0"/>
+              </a:spcBef>
+              <a:spcAft>
+                <a:spcPct val="0"/>
+              </a:spcAft>
+            </a:pPr>
+            <a:r>
+              <a:rPr lang="en-US" altLang="en-US" sz="1600" i="1" dirty="0">
+                <a:solidFill>
+                  <a:srgbClr val="629755"/>
+                </a:solidFill>
+                <a:latin typeface="Consolas" panose="020B0609020204030204" pitchFamily="49" charset="0"/>
+              </a:rPr>
+              <a:t> * </a:t>
+            </a:r>
+            <a:r>
+              <a:rPr lang="en-US" altLang="en-US" sz="1600" i="1" dirty="0" err="1">
+                <a:solidFill>
+                  <a:srgbClr val="629755"/>
+                </a:solidFill>
+                <a:latin typeface="Consolas" panose="020B0609020204030204" pitchFamily="49" charset="0"/>
+              </a:rPr>
+              <a:t>SyncService</a:t>
+            </a:r>
+            <a:r>
+              <a:rPr lang="en-US" altLang="en-US" sz="1600" i="1" dirty="0">
+                <a:solidFill>
+                  <a:srgbClr val="629755"/>
+                </a:solidFill>
+                <a:latin typeface="Consolas" panose="020B0609020204030204" pitchFamily="49" charset="0"/>
+              </a:rPr>
+              <a:t>.</a:t>
+            </a:r>
+          </a:p>
+          <a:p>
+            <a:pPr eaLnBrk="0" fontAlgn="base" hangingPunct="0">
+              <a:spcBef>
+                <a:spcPct val="0"/>
+              </a:spcBef>
+              <a:spcAft>
+                <a:spcPct val="0"/>
+              </a:spcAft>
+            </a:pPr>
+            <a:r>
+              <a:rPr lang="en-US" altLang="en-US" sz="1600" i="1" dirty="0" smtClean="0">
+                <a:solidFill>
+                  <a:srgbClr val="629755"/>
+                </a:solidFill>
+                <a:latin typeface="Consolas" panose="020B0609020204030204" pitchFamily="49" charset="0"/>
+              </a:rPr>
+              <a:t> </a:t>
+            </a:r>
+            <a:r>
+              <a:rPr lang="en-US" altLang="en-US" sz="1600" i="1" dirty="0">
+                <a:solidFill>
+                  <a:srgbClr val="629755"/>
+                </a:solidFill>
+                <a:latin typeface="Consolas" panose="020B0609020204030204" pitchFamily="49" charset="0"/>
+              </a:rPr>
+              <a:t>*/</a:t>
+            </a:r>
+            <a:br>
+              <a:rPr lang="en-US" altLang="en-US" sz="1600" i="1" dirty="0">
+                <a:solidFill>
+                  <a:srgbClr val="629755"/>
+                </a:solidFill>
+                <a:latin typeface="Consolas" panose="020B0609020204030204" pitchFamily="49" charset="0"/>
+              </a:rPr>
+            </a:br>
+            <a:r>
+              <a:rPr lang="en-US" altLang="en-US" sz="1600" dirty="0">
+                <a:solidFill>
+                  <a:srgbClr val="CC7832"/>
+                </a:solidFill>
+                <a:latin typeface="Consolas" panose="020B0609020204030204" pitchFamily="49" charset="0"/>
+              </a:rPr>
+              <a:t>public class </a:t>
+            </a:r>
+            <a:r>
+              <a:rPr lang="en-US" altLang="en-US" sz="1600" dirty="0" err="1">
+                <a:solidFill>
+                  <a:srgbClr val="A9B7C6"/>
+                </a:solidFill>
+                <a:latin typeface="Consolas" panose="020B0609020204030204" pitchFamily="49" charset="0"/>
+              </a:rPr>
+              <a:t>SyncAdapter</a:t>
+            </a:r>
+            <a:r>
+              <a:rPr lang="en-US" altLang="en-US" sz="1600" dirty="0">
+                <a:solidFill>
+                  <a:srgbClr val="A9B7C6"/>
+                </a:solidFill>
+                <a:latin typeface="Consolas" panose="020B0609020204030204" pitchFamily="49" charset="0"/>
+              </a:rPr>
+              <a:t> </a:t>
+            </a:r>
+            <a:r>
+              <a:rPr lang="en-US" altLang="en-US" sz="1600" dirty="0">
+                <a:solidFill>
+                  <a:srgbClr val="CC7832"/>
+                </a:solidFill>
+                <a:latin typeface="Consolas" panose="020B0609020204030204" pitchFamily="49" charset="0"/>
+              </a:rPr>
+              <a:t>extends </a:t>
+            </a:r>
+            <a:r>
+              <a:rPr lang="en-US" altLang="en-US" sz="1600" dirty="0" err="1">
+                <a:solidFill>
+                  <a:srgbClr val="A9B7C6"/>
+                </a:solidFill>
+                <a:latin typeface="Consolas" panose="020B0609020204030204" pitchFamily="49" charset="0"/>
+              </a:rPr>
+              <a:t>AbstractThreadedSyncAdapter</a:t>
+            </a:r>
+            <a:r>
+              <a:rPr lang="en-US" altLang="en-US" sz="1600" dirty="0">
+                <a:solidFill>
+                  <a:srgbClr val="A9B7C6"/>
+                </a:solidFill>
+                <a:latin typeface="Consolas" panose="020B0609020204030204" pitchFamily="49" charset="0"/>
+              </a:rPr>
+              <a:t> </a:t>
+            </a:r>
+            <a:r>
+              <a:rPr lang="en-US" altLang="en-US" sz="1600" dirty="0" smtClean="0">
+                <a:solidFill>
+                  <a:srgbClr val="A9B7C6"/>
+                </a:solidFill>
+                <a:latin typeface="Consolas" panose="020B0609020204030204" pitchFamily="49" charset="0"/>
+              </a:rPr>
+              <a:t>{</a:t>
+            </a:r>
+          </a:p>
+          <a:p>
+            <a:pPr eaLnBrk="0" fontAlgn="base" hangingPunct="0">
+              <a:spcBef>
+                <a:spcPct val="0"/>
+              </a:spcBef>
+              <a:spcAft>
+                <a:spcPct val="0"/>
+              </a:spcAft>
+            </a:pPr>
+            <a:endParaRPr lang="en-US" altLang="en-US" sz="1600" dirty="0">
+              <a:solidFill>
+                <a:srgbClr val="A9B7C6"/>
+              </a:solidFill>
+              <a:latin typeface="Consolas" panose="020B0609020204030204" pitchFamily="49" charset="0"/>
+            </a:endParaRPr>
+          </a:p>
+          <a:p>
+            <a:pPr eaLnBrk="0" fontAlgn="base" hangingPunct="0">
+              <a:spcBef>
+                <a:spcPct val="0"/>
+              </a:spcBef>
+              <a:spcAft>
+                <a:spcPct val="0"/>
+              </a:spcAft>
+            </a:pPr>
+            <a:r>
+              <a:rPr lang="en-US" altLang="en-US" sz="1600" dirty="0" smtClean="0">
+                <a:solidFill>
+                  <a:srgbClr val="A9B7C6"/>
+                </a:solidFill>
+                <a:latin typeface="Consolas" panose="020B0609020204030204" pitchFamily="49" charset="0"/>
+              </a:rPr>
+              <a:t>…</a:t>
+            </a:r>
           </a:p>
         </p:txBody>
       </p:sp>
       <p:sp>
         <p:nvSpPr>
-          <p:cNvPr id="4" name="Content Placeholder 3"/>
-          <p:cNvSpPr>
-            <a:spLocks noGrp="1"/>
-          </p:cNvSpPr>
-          <p:nvPr>
-            <p:ph idx="1"/>
-          </p:nvPr>
+          <p:cNvPr id="9" name="TextBox 8"/>
+          <p:cNvSpPr txBox="1"/>
+          <p:nvPr/>
         </p:nvSpPr>
-        <p:spPr/>
+        <p:spPr>
+          <a:xfrm>
+            <a:off x="652500" y="1556792"/>
+            <a:ext cx="10887000" cy="461665"/>
+          </a:xfrm>
+          <a:prstGeom prst="rect">
+            <a:avLst/>
+          </a:prstGeom>
+          <a:noFill/>
+        </p:spPr>
         <p:txBody>
-          <a:bodyPr>
-            <a:normAutofit fontScale="92500" lnSpcReduction="10000"/>
+          <a:bodyPr wrap="square" rtlCol="0">
+            <a:spAutoFit/>
           </a:bodyPr>
           <a:lstStyle/>
           <a:p>
             <a:r>
-              <a:rPr lang="en-US" dirty="0">
-                <a:hlinkClick r:id="rId2"/>
-              </a:rPr>
-              <a:t>https://</a:t>
-            </a:r>
-            <a:r>
-              <a:rPr lang="en-US" dirty="0" smtClean="0">
-                <a:hlinkClick r:id="rId2"/>
-              </a:rPr>
-              <a:t>github.com/googlesamples/android-BasicSyncAdapter</a:t>
-            </a:r>
-            <a:endParaRPr lang="en-US" dirty="0" smtClean="0"/>
-          </a:p>
-          <a:p>
-            <a:r>
-              <a:rPr lang="en-US" dirty="0">
-                <a:hlinkClick r:id="rId3"/>
-              </a:rPr>
-              <a:t>https://</a:t>
-            </a:r>
-            <a:r>
-              <a:rPr lang="en-US" dirty="0" smtClean="0">
-                <a:hlinkClick r:id="rId3"/>
-              </a:rPr>
-              <a:t>developer.android.com/training/sync-adapters/creating-sync-adapter.html</a:t>
-            </a:r>
-            <a:endParaRPr lang="en-US" dirty="0" smtClean="0"/>
-          </a:p>
-          <a:p>
-            <a:r>
-              <a:rPr lang="en-US" dirty="0">
-                <a:hlinkClick r:id="rId4"/>
-              </a:rPr>
-              <a:t>https://</a:t>
-            </a:r>
-            <a:r>
-              <a:rPr lang="en-US" dirty="0" smtClean="0">
-                <a:hlinkClick r:id="rId4"/>
-              </a:rPr>
-              <a:t>developer.android.com/training/sync-adapters/index.html</a:t>
-            </a:r>
-            <a:endParaRPr lang="en-US" dirty="0" smtClean="0"/>
-          </a:p>
-          <a:p>
-            <a:r>
-              <a:rPr lang="en-US" dirty="0">
-                <a:hlinkClick r:id="rId5"/>
-              </a:rPr>
-              <a:t>http://blog.udinic.com/2013/07/24/write-your-own-android-sync-adapter</a:t>
-            </a:r>
-            <a:r>
-              <a:rPr lang="en-US" dirty="0" smtClean="0">
-                <a:hlinkClick r:id="rId5"/>
-              </a:rPr>
-              <a:t>/</a:t>
-            </a:r>
-            <a:endParaRPr lang="en-US" dirty="0" smtClean="0"/>
-          </a:p>
-          <a:p>
-            <a:r>
-              <a:rPr lang="en-US" dirty="0">
-                <a:hlinkClick r:id="rId6"/>
-              </a:rPr>
-              <a:t>https://</a:t>
-            </a:r>
-            <a:r>
-              <a:rPr lang="en-US" dirty="0" smtClean="0">
-                <a:hlinkClick r:id="rId6"/>
-              </a:rPr>
-              <a:t>software.intel.com/en-us/android/articles/handling-offline-capability-and-data-sync-in-an-android-app-part-2</a:t>
-            </a:r>
-            <a:endParaRPr lang="en-US" dirty="0" smtClean="0"/>
+              <a:rPr lang="en-US" sz="2400" dirty="0">
+                <a:solidFill>
+                  <a:schemeClr val="bg1"/>
+                </a:solidFill>
+                <a:latin typeface="Consolas" panose="020B0609020204030204" pitchFamily="49" charset="0"/>
+              </a:rPr>
+              <a:t>SyncAdapter.java</a:t>
+            </a:r>
+            <a:endParaRPr lang="en-US" sz="2400" dirty="0">
+              <a:solidFill>
+                <a:schemeClr val="bg1"/>
+              </a:solidFill>
+              <a:latin typeface="Consolas" panose="020B0609020204030204" pitchFamily="49" charset="0"/>
+            </a:endParaRPr>
           </a:p>
         </p:txBody>
       </p:sp>
     </p:spTree>
     <p:extLst>
       <p:ext uri="{BB962C8B-B14F-4D97-AF65-F5344CB8AC3E}">
-        <p14:creationId xmlns:p14="http://schemas.microsoft.com/office/powerpoint/2010/main" val="351412801"/>
+        <p14:creationId xmlns:p14="http://schemas.microsoft.com/office/powerpoint/2010/main" val="107323028"/>
       </p:ext>
     </p:extLst>
   </p:cSld>
@@ -23021,14 +24121,879 @@
   <p:timing>
     <p:tnLst>
       <p:par>
-        <p:cTn id="1" dur="indefinite" restart="never" nodeType="tmRoot"/>
+        <p:cTn id="1" dur="indefinite" restart="never" nodeType="tmRoot">
+          <p:childTnLst>
+            <p:seq concurrent="1" nextAc="seek">
+              <p:cTn id="2" dur="indefinite" nodeType="mainSeq">
+                <p:childTnLst>
+                  <p:par>
+                    <p:cTn id="3" fill="hold">
+                      <p:stCondLst>
+                        <p:cond delay="indefinite"/>
+                      </p:stCondLst>
+                      <p:childTnLst>
+                        <p:par>
+                          <p:cTn id="4" fill="hold">
+                            <p:stCondLst>
+                              <p:cond delay="0"/>
+                            </p:stCondLst>
+                            <p:childTnLst>
+                              <p:par>
+                                <p:cTn id="5" presetID="10" presetClass="entr" presetSubtype="0" fill="hold" grpId="0" nodeType="clickEffect">
+                                  <p:stCondLst>
+                                    <p:cond delay="0"/>
+                                  </p:stCondLst>
+                                  <p:childTnLst>
+                                    <p:set>
+                                      <p:cBhvr>
+                                        <p:cTn id="6" dur="1" fill="hold">
+                                          <p:stCondLst>
+                                            <p:cond delay="0"/>
+                                          </p:stCondLst>
+                                        </p:cTn>
+                                        <p:tgtEl>
+                                          <p:spTgt spid="9"/>
+                                        </p:tgtEl>
+                                        <p:attrNameLst>
+                                          <p:attrName>style.visibility</p:attrName>
+                                        </p:attrNameLst>
+                                      </p:cBhvr>
+                                      <p:to>
+                                        <p:strVal val="visible"/>
+                                      </p:to>
+                                    </p:set>
+                                    <p:animEffect transition="in" filter="fade">
+                                      <p:cBhvr>
+                                        <p:cTn id="7" dur="300"/>
+                                        <p:tgtEl>
+                                          <p:spTgt spid="9"/>
+                                        </p:tgtEl>
+                                      </p:cBhvr>
+                                    </p:animEffect>
+                                  </p:childTnLst>
+                                </p:cTn>
+                              </p:par>
+                              <p:par>
+                                <p:cTn id="8" presetID="10" presetClass="entr" presetSubtype="0" fill="hold" grpId="0" nodeType="withEffect">
+                                  <p:stCondLst>
+                                    <p:cond delay="200"/>
+                                  </p:stCondLst>
+                                  <p:childTnLst>
+                                    <p:set>
+                                      <p:cBhvr>
+                                        <p:cTn id="9" dur="1" fill="hold">
+                                          <p:stCondLst>
+                                            <p:cond delay="0"/>
+                                          </p:stCondLst>
+                                        </p:cTn>
+                                        <p:tgtEl>
+                                          <p:spTgt spid="8"/>
+                                        </p:tgtEl>
+                                        <p:attrNameLst>
+                                          <p:attrName>style.visibility</p:attrName>
+                                        </p:attrNameLst>
+                                      </p:cBhvr>
+                                      <p:to>
+                                        <p:strVal val="visible"/>
+                                      </p:to>
+                                    </p:set>
+                                    <p:animEffect transition="in" filter="fade">
+                                      <p:cBhvr>
+                                        <p:cTn id="10" dur="300"/>
+                                        <p:tgtEl>
+                                          <p:spTgt spid="8"/>
+                                        </p:tgtEl>
+                                      </p:cBhvr>
+                                    </p:animEffect>
+                                  </p:childTnLst>
+                                </p:cTn>
+                              </p:par>
+                            </p:childTnLst>
+                          </p:cTn>
+                        </p:par>
+                      </p:childTnLst>
+                    </p:cTn>
+                  </p:par>
+                </p:childTnLst>
+              </p:cTn>
+              <p:prevCondLst>
+                <p:cond evt="onPrev" delay="0">
+                  <p:tgtEl>
+                    <p:sldTgt/>
+                  </p:tgtEl>
+                </p:cond>
+              </p:prevCondLst>
+              <p:nextCondLst>
+                <p:cond evt="onNext" delay="0">
+                  <p:tgtEl>
+                    <p:sldTgt/>
+                  </p:tgtEl>
+                </p:cond>
+              </p:nextCondLst>
+            </p:seq>
+          </p:childTnLst>
+        </p:cTn>
       </p:par>
     </p:tnLst>
+    <p:bldLst>
+      <p:bldP spid="8" grpId="0" animBg="1"/>
+      <p:bldP spid="9" grpId="0"/>
+    </p:bldLst>
   </p:timing>
 </p:sld>
 </file>
 
-<file path=ppt/slides/slide24.xml><?xml version="1.0" encoding="utf-8"?>
+<file path=ppt/slides/slide25.xml><?xml version="1.0" encoding="utf-8"?>
+<p:sld xmlns:a="http://schemas.openxmlformats.org/drawingml/2006/main" xmlns:r="http://schemas.openxmlformats.org/officeDocument/2006/relationships" xmlns:p="http://schemas.openxmlformats.org/presentationml/2006/main">
+  <p:cSld>
+    <p:spTree>
+      <p:nvGrpSpPr>
+        <p:cNvPr id="1" name=""/>
+        <p:cNvGrpSpPr/>
+        <p:nvPr/>
+      </p:nvGrpSpPr>
+      <p:grpSpPr>
+        <a:xfrm>
+          <a:off x="0" y="0"/>
+          <a:ext cx="0" cy="0"/>
+          <a:chOff x="0" y="0"/>
+          <a:chExt cx="0" cy="0"/>
+        </a:xfrm>
+      </p:grpSpPr>
+      <p:sp>
+        <p:nvSpPr>
+          <p:cNvPr id="8" name="Rectangle 1"/>
+          <p:cNvSpPr>
+            <a:spLocks noChangeArrowheads="1"/>
+          </p:cNvSpPr>
+          <p:nvPr/>
+        </p:nvSpPr>
+        <p:spPr bwMode="auto">
+          <a:xfrm>
+            <a:off x="652500" y="2132856"/>
+            <a:ext cx="10887000" cy="4104456"/>
+          </a:xfrm>
+          <a:prstGeom prst="rect">
+            <a:avLst/>
+          </a:prstGeom>
+          <a:solidFill>
+            <a:srgbClr val="2B2B2B"/>
+          </a:solidFill>
+          <a:ln>
+            <a:noFill/>
+          </a:ln>
+          <a:effectLst/>
+          <a:extLst>
+            <a:ext uri="{91240B29-F687-4F45-9708-019B960494DF}">
+              <a14:hiddenLine xmlns:a14="http://schemas.microsoft.com/office/drawing/2010/main" w="9525">
+                <a:solidFill>
+                  <a:schemeClr val="tx1"/>
+                </a:solidFill>
+                <a:miter lim="800000"/>
+                <a:headEnd/>
+                <a:tailEnd/>
+              </a14:hiddenLine>
+            </a:ext>
+            <a:ext uri="{AF507438-7753-43E0-B8FC-AC1667EBCBE1}">
+              <a14:hiddenEffects xmlns:a14="http://schemas.microsoft.com/office/drawing/2010/main">
+                <a:effectLst>
+                  <a:outerShdw dist="35921" dir="2700000" algn="ctr" rotWithShape="0">
+                    <a:schemeClr val="bg2"/>
+                  </a:outerShdw>
+                </a:effectLst>
+              </a14:hiddenEffects>
+            </a:ext>
+          </a:extLst>
+        </p:spPr>
+        <p:txBody>
+          <a:bodyPr vert="horz" wrap="square" lIns="182880" tIns="182880" rIns="182880" bIns="182880" numCol="1" anchor="t" anchorCtr="0" compatLnSpc="1">
+            <a:prstTxWarp prst="textNoShape">
+              <a:avLst/>
+            </a:prstTxWarp>
+            <a:noAutofit/>
+          </a:bodyPr>
+          <a:lstStyle/>
+          <a:p>
+            <a:pPr eaLnBrk="0" fontAlgn="base" hangingPunct="0">
+              <a:spcBef>
+                <a:spcPct val="0"/>
+              </a:spcBef>
+              <a:spcAft>
+                <a:spcPct val="0"/>
+              </a:spcAft>
+            </a:pPr>
+            <a:r>
+              <a:rPr lang="en-US" altLang="en-US" sz="1600" i="1" dirty="0">
+                <a:solidFill>
+                  <a:srgbClr val="629755"/>
+                </a:solidFill>
+                <a:latin typeface="Consolas" panose="020B0609020204030204" pitchFamily="49" charset="0"/>
+              </a:rPr>
+              <a:t>/**</a:t>
+            </a:r>
+          </a:p>
+          <a:p>
+            <a:pPr eaLnBrk="0" fontAlgn="base" hangingPunct="0">
+              <a:spcBef>
+                <a:spcPct val="0"/>
+              </a:spcBef>
+              <a:spcAft>
+                <a:spcPct val="0"/>
+              </a:spcAft>
+            </a:pPr>
+            <a:r>
+              <a:rPr lang="en-US" altLang="en-US" sz="1600" i="1" dirty="0">
+                <a:solidFill>
+                  <a:srgbClr val="629755"/>
+                </a:solidFill>
+                <a:latin typeface="Consolas" panose="020B0609020204030204" pitchFamily="49" charset="0"/>
+              </a:rPr>
+              <a:t>* Called by the Android system in response to a request to run the sync adapter. The work</a:t>
+            </a:r>
+          </a:p>
+          <a:p>
+            <a:pPr eaLnBrk="0" fontAlgn="base" hangingPunct="0">
+              <a:spcBef>
+                <a:spcPct val="0"/>
+              </a:spcBef>
+              <a:spcAft>
+                <a:spcPct val="0"/>
+              </a:spcAft>
+            </a:pPr>
+            <a:r>
+              <a:rPr lang="en-US" altLang="en-US" sz="1600" i="1" dirty="0">
+                <a:solidFill>
+                  <a:srgbClr val="629755"/>
+                </a:solidFill>
+                <a:latin typeface="Consolas" panose="020B0609020204030204" pitchFamily="49" charset="0"/>
+              </a:rPr>
+              <a:t>* required to read data from the network, parse it, and store it in the content provider is</a:t>
+            </a:r>
+          </a:p>
+          <a:p>
+            <a:pPr eaLnBrk="0" fontAlgn="base" hangingPunct="0">
+              <a:spcBef>
+                <a:spcPct val="0"/>
+              </a:spcBef>
+              <a:spcAft>
+                <a:spcPct val="0"/>
+              </a:spcAft>
+            </a:pPr>
+            <a:r>
+              <a:rPr lang="en-US" altLang="en-US" sz="1600" i="1" dirty="0">
+                <a:solidFill>
+                  <a:srgbClr val="629755"/>
+                </a:solidFill>
+                <a:latin typeface="Consolas" panose="020B0609020204030204" pitchFamily="49" charset="0"/>
+              </a:rPr>
+              <a:t>* done here.</a:t>
+            </a:r>
+          </a:p>
+          <a:p>
+            <a:pPr eaLnBrk="0" fontAlgn="base" hangingPunct="0">
+              <a:spcBef>
+                <a:spcPct val="0"/>
+              </a:spcBef>
+              <a:spcAft>
+                <a:spcPct val="0"/>
+              </a:spcAft>
+            </a:pPr>
+            <a:r>
+              <a:rPr lang="en-US" altLang="en-US" sz="1600" i="1" dirty="0">
+                <a:solidFill>
+                  <a:srgbClr val="629755"/>
+                </a:solidFill>
+                <a:latin typeface="Consolas" panose="020B0609020204030204" pitchFamily="49" charset="0"/>
+              </a:rPr>
+              <a:t>*</a:t>
+            </a:r>
+          </a:p>
+          <a:p>
+            <a:pPr eaLnBrk="0" fontAlgn="base" hangingPunct="0">
+              <a:spcBef>
+                <a:spcPct val="0"/>
+              </a:spcBef>
+              <a:spcAft>
+                <a:spcPct val="0"/>
+              </a:spcAft>
+            </a:pPr>
+            <a:r>
+              <a:rPr lang="en-US" altLang="en-US" sz="1600" i="1" dirty="0" smtClean="0">
+                <a:solidFill>
+                  <a:srgbClr val="629755"/>
+                </a:solidFill>
+                <a:latin typeface="Consolas" panose="020B0609020204030204" pitchFamily="49" charset="0"/>
+              </a:rPr>
+              <a:t>* &lt;</a:t>
+            </a:r>
+            <a:r>
+              <a:rPr lang="en-US" altLang="en-US" sz="1600" i="1" dirty="0">
+                <a:solidFill>
+                  <a:srgbClr val="629755"/>
+                </a:solidFill>
+                <a:latin typeface="Consolas" panose="020B0609020204030204" pitchFamily="49" charset="0"/>
+              </a:rPr>
+              <a:t>p&gt;{@link </a:t>
+            </a:r>
+            <a:r>
+              <a:rPr lang="en-US" altLang="en-US" sz="1600" i="1" dirty="0" err="1">
+                <a:solidFill>
+                  <a:srgbClr val="629755"/>
+                </a:solidFill>
+                <a:latin typeface="Consolas" panose="020B0609020204030204" pitchFamily="49" charset="0"/>
+              </a:rPr>
+              <a:t>android.content.AbstractThreadedSyncAdapter</a:t>
+            </a:r>
+            <a:r>
+              <a:rPr lang="en-US" altLang="en-US" sz="1600" i="1" dirty="0">
+                <a:solidFill>
+                  <a:srgbClr val="629755"/>
+                </a:solidFill>
+                <a:latin typeface="Consolas" panose="020B0609020204030204" pitchFamily="49" charset="0"/>
+              </a:rPr>
+              <a:t>} guarantees that this will be </a:t>
+            </a:r>
+            <a:r>
+              <a:rPr lang="en-US" altLang="en-US" sz="1600" i="1" dirty="0" smtClean="0">
+                <a:solidFill>
+                  <a:srgbClr val="629755"/>
+                </a:solidFill>
+                <a:latin typeface="Consolas" panose="020B0609020204030204" pitchFamily="49" charset="0"/>
+              </a:rPr>
+              <a:t>called</a:t>
+            </a:r>
+          </a:p>
+          <a:p>
+            <a:pPr eaLnBrk="0" fontAlgn="base" hangingPunct="0">
+              <a:spcBef>
+                <a:spcPct val="0"/>
+              </a:spcBef>
+              <a:spcAft>
+                <a:spcPct val="0"/>
+              </a:spcAft>
+            </a:pPr>
+            <a:r>
+              <a:rPr lang="en-US" altLang="en-US" sz="1600" i="1" dirty="0" smtClean="0">
+                <a:solidFill>
+                  <a:srgbClr val="629755"/>
+                </a:solidFill>
+                <a:latin typeface="Consolas" panose="020B0609020204030204" pitchFamily="49" charset="0"/>
+              </a:rPr>
+              <a:t>* on a </a:t>
+            </a:r>
+            <a:r>
+              <a:rPr lang="en-US" altLang="en-US" sz="1600" i="1" dirty="0">
+                <a:solidFill>
+                  <a:srgbClr val="629755"/>
+                </a:solidFill>
+                <a:latin typeface="Consolas" panose="020B0609020204030204" pitchFamily="49" charset="0"/>
+              </a:rPr>
+              <a:t>non-UI thread, so it is safe to perform blocking I/O here.</a:t>
+            </a:r>
+          </a:p>
+          <a:p>
+            <a:pPr eaLnBrk="0" fontAlgn="base" hangingPunct="0">
+              <a:spcBef>
+                <a:spcPct val="0"/>
+              </a:spcBef>
+              <a:spcAft>
+                <a:spcPct val="0"/>
+              </a:spcAft>
+            </a:pPr>
+            <a:r>
+              <a:rPr lang="en-US" altLang="en-US" sz="1600" i="1" dirty="0">
+                <a:solidFill>
+                  <a:srgbClr val="629755"/>
+                </a:solidFill>
+                <a:latin typeface="Consolas" panose="020B0609020204030204" pitchFamily="49" charset="0"/>
+              </a:rPr>
+              <a:t>*</a:t>
+            </a:r>
+          </a:p>
+          <a:p>
+            <a:pPr eaLnBrk="0" fontAlgn="base" hangingPunct="0">
+              <a:spcBef>
+                <a:spcPct val="0"/>
+              </a:spcBef>
+              <a:spcAft>
+                <a:spcPct val="0"/>
+              </a:spcAft>
+            </a:pPr>
+            <a:r>
+              <a:rPr lang="en-US" altLang="en-US" sz="1600" i="1" dirty="0">
+                <a:solidFill>
+                  <a:srgbClr val="629755"/>
+                </a:solidFill>
+                <a:latin typeface="Consolas" panose="020B0609020204030204" pitchFamily="49" charset="0"/>
+              </a:rPr>
+              <a:t>* &lt;p&gt;The </a:t>
+            </a:r>
+            <a:r>
+              <a:rPr lang="en-US" altLang="en-US" sz="1600" i="1" dirty="0" err="1">
+                <a:solidFill>
+                  <a:srgbClr val="629755"/>
+                </a:solidFill>
+                <a:latin typeface="Consolas" panose="020B0609020204030204" pitchFamily="49" charset="0"/>
+              </a:rPr>
+              <a:t>syncResult</a:t>
+            </a:r>
+            <a:r>
+              <a:rPr lang="en-US" altLang="en-US" sz="1600" i="1" dirty="0">
+                <a:solidFill>
+                  <a:srgbClr val="629755"/>
+                </a:solidFill>
+                <a:latin typeface="Consolas" panose="020B0609020204030204" pitchFamily="49" charset="0"/>
+              </a:rPr>
+              <a:t> argument allows you to pass information back to the method that triggered</a:t>
+            </a:r>
+          </a:p>
+          <a:p>
+            <a:pPr eaLnBrk="0" fontAlgn="base" hangingPunct="0">
+              <a:spcBef>
+                <a:spcPct val="0"/>
+              </a:spcBef>
+              <a:spcAft>
+                <a:spcPct val="0"/>
+              </a:spcAft>
+            </a:pPr>
+            <a:r>
+              <a:rPr lang="en-US" altLang="en-US" sz="1600" i="1" dirty="0">
+                <a:solidFill>
+                  <a:srgbClr val="629755"/>
+                </a:solidFill>
+                <a:latin typeface="Consolas" panose="020B0609020204030204" pitchFamily="49" charset="0"/>
+              </a:rPr>
+              <a:t>* the sync.</a:t>
+            </a:r>
+          </a:p>
+          <a:p>
+            <a:pPr eaLnBrk="0" fontAlgn="base" hangingPunct="0">
+              <a:spcBef>
+                <a:spcPct val="0"/>
+              </a:spcBef>
+              <a:spcAft>
+                <a:spcPct val="0"/>
+              </a:spcAft>
+            </a:pPr>
+            <a:r>
+              <a:rPr lang="en-US" altLang="en-US" sz="1600" i="1" dirty="0">
+                <a:solidFill>
+                  <a:srgbClr val="629755"/>
+                </a:solidFill>
+                <a:latin typeface="Consolas" panose="020B0609020204030204" pitchFamily="49" charset="0"/>
+              </a:rPr>
+              <a:t>*/</a:t>
+            </a:r>
+          </a:p>
+          <a:p>
+            <a:pPr eaLnBrk="0" fontAlgn="base" hangingPunct="0">
+              <a:spcBef>
+                <a:spcPct val="0"/>
+              </a:spcBef>
+              <a:spcAft>
+                <a:spcPct val="0"/>
+              </a:spcAft>
+            </a:pPr>
+            <a:r>
+              <a:rPr lang="en-US" altLang="en-US" sz="1600" dirty="0" smtClean="0">
+                <a:solidFill>
+                  <a:srgbClr val="BBB529"/>
+                </a:solidFill>
+                <a:latin typeface="Consolas" panose="020B0609020204030204" pitchFamily="49" charset="0"/>
+              </a:rPr>
+              <a:t>@Override</a:t>
+            </a:r>
+            <a:br>
+              <a:rPr lang="en-US" altLang="en-US" sz="1600" dirty="0" smtClean="0">
+                <a:solidFill>
+                  <a:srgbClr val="BBB529"/>
+                </a:solidFill>
+                <a:latin typeface="Consolas" panose="020B0609020204030204" pitchFamily="49" charset="0"/>
+              </a:rPr>
+            </a:br>
+            <a:r>
+              <a:rPr lang="en-US" altLang="en-US" sz="1600" dirty="0" smtClean="0">
+                <a:solidFill>
+                  <a:srgbClr val="CC7832"/>
+                </a:solidFill>
+                <a:latin typeface="Consolas" panose="020B0609020204030204" pitchFamily="49" charset="0"/>
+              </a:rPr>
+              <a:t>public void </a:t>
+            </a:r>
+            <a:r>
+              <a:rPr lang="en-US" altLang="en-US" sz="1600" dirty="0" err="1" smtClean="0">
+                <a:solidFill>
+                  <a:srgbClr val="FFC66D"/>
+                </a:solidFill>
+                <a:latin typeface="Consolas" panose="020B0609020204030204" pitchFamily="49" charset="0"/>
+              </a:rPr>
+              <a:t>onPerformSync</a:t>
+            </a:r>
+            <a:r>
+              <a:rPr lang="en-US" altLang="en-US" sz="1600" dirty="0" smtClean="0">
+                <a:solidFill>
+                  <a:srgbClr val="A9B7C6"/>
+                </a:solidFill>
+                <a:latin typeface="Consolas" panose="020B0609020204030204" pitchFamily="49" charset="0"/>
+              </a:rPr>
+              <a:t>(Account </a:t>
+            </a:r>
+            <a:r>
+              <a:rPr lang="en-US" altLang="en-US" sz="1600" dirty="0" err="1" smtClean="0">
+                <a:solidFill>
+                  <a:srgbClr val="A9B7C6"/>
+                </a:solidFill>
+                <a:latin typeface="Consolas" panose="020B0609020204030204" pitchFamily="49" charset="0"/>
+              </a:rPr>
+              <a:t>account</a:t>
+            </a:r>
+            <a:r>
+              <a:rPr lang="en-US" altLang="en-US" sz="1600" dirty="0" smtClean="0">
+                <a:solidFill>
+                  <a:srgbClr val="CC7832"/>
+                </a:solidFill>
+                <a:latin typeface="Consolas" panose="020B0609020204030204" pitchFamily="49" charset="0"/>
+              </a:rPr>
+              <a:t>, </a:t>
+            </a:r>
+            <a:r>
+              <a:rPr lang="en-US" altLang="en-US" sz="1600" dirty="0" smtClean="0">
+                <a:solidFill>
+                  <a:srgbClr val="A9B7C6"/>
+                </a:solidFill>
+                <a:latin typeface="Consolas" panose="020B0609020204030204" pitchFamily="49" charset="0"/>
+              </a:rPr>
+              <a:t>Bundle extras</a:t>
+            </a:r>
+            <a:r>
+              <a:rPr lang="en-US" altLang="en-US" sz="1600" dirty="0" smtClean="0">
+                <a:solidFill>
+                  <a:srgbClr val="CC7832"/>
+                </a:solidFill>
+                <a:latin typeface="Consolas" panose="020B0609020204030204" pitchFamily="49" charset="0"/>
+              </a:rPr>
+              <a:t>, </a:t>
+            </a:r>
+            <a:r>
+              <a:rPr lang="en-US" altLang="en-US" sz="1600" dirty="0" smtClean="0">
+                <a:solidFill>
+                  <a:srgbClr val="A9B7C6"/>
+                </a:solidFill>
+                <a:latin typeface="Consolas" panose="020B0609020204030204" pitchFamily="49" charset="0"/>
+              </a:rPr>
+              <a:t>String authority</a:t>
+            </a:r>
+            <a:r>
+              <a:rPr lang="en-US" altLang="en-US" sz="1600" dirty="0" smtClean="0">
+                <a:solidFill>
+                  <a:srgbClr val="CC7832"/>
+                </a:solidFill>
+                <a:latin typeface="Consolas" panose="020B0609020204030204" pitchFamily="49" charset="0"/>
+              </a:rPr>
+              <a:t>,</a:t>
+            </a:r>
+            <a:br>
+              <a:rPr lang="en-US" altLang="en-US" sz="1600" dirty="0" smtClean="0">
+                <a:solidFill>
+                  <a:srgbClr val="CC7832"/>
+                </a:solidFill>
+                <a:latin typeface="Consolas" panose="020B0609020204030204" pitchFamily="49" charset="0"/>
+              </a:rPr>
+            </a:br>
+            <a:r>
+              <a:rPr lang="en-US" altLang="en-US" sz="1600" dirty="0" smtClean="0">
+                <a:solidFill>
+                  <a:srgbClr val="CC7832"/>
+                </a:solidFill>
+                <a:latin typeface="Consolas" panose="020B0609020204030204" pitchFamily="49" charset="0"/>
+              </a:rPr>
+              <a:t>                          </a:t>
+            </a:r>
+            <a:r>
+              <a:rPr lang="en-US" altLang="en-US" sz="1600" dirty="0" err="1" smtClean="0">
+                <a:solidFill>
+                  <a:srgbClr val="A9B7C6"/>
+                </a:solidFill>
+                <a:latin typeface="Consolas" panose="020B0609020204030204" pitchFamily="49" charset="0"/>
+              </a:rPr>
+              <a:t>ContentProviderClient</a:t>
+            </a:r>
+            <a:r>
+              <a:rPr lang="en-US" altLang="en-US" sz="1600" dirty="0" smtClean="0">
+                <a:solidFill>
+                  <a:srgbClr val="A9B7C6"/>
+                </a:solidFill>
+                <a:latin typeface="Consolas" panose="020B0609020204030204" pitchFamily="49" charset="0"/>
+              </a:rPr>
+              <a:t> provider</a:t>
+            </a:r>
+            <a:r>
+              <a:rPr lang="en-US" altLang="en-US" sz="1600" dirty="0" smtClean="0">
+                <a:solidFill>
+                  <a:srgbClr val="CC7832"/>
+                </a:solidFill>
+                <a:latin typeface="Consolas" panose="020B0609020204030204" pitchFamily="49" charset="0"/>
+              </a:rPr>
+              <a:t>, </a:t>
+            </a:r>
+            <a:r>
+              <a:rPr lang="en-US" altLang="en-US" sz="1600" dirty="0" err="1" smtClean="0">
+                <a:solidFill>
+                  <a:srgbClr val="A9B7C6"/>
+                </a:solidFill>
+                <a:latin typeface="Consolas" panose="020B0609020204030204" pitchFamily="49" charset="0"/>
+              </a:rPr>
+              <a:t>SyncResult</a:t>
+            </a:r>
+            <a:r>
+              <a:rPr lang="en-US" altLang="en-US" sz="1600" dirty="0" smtClean="0">
+                <a:solidFill>
+                  <a:srgbClr val="A9B7C6"/>
+                </a:solidFill>
+                <a:latin typeface="Consolas" panose="020B0609020204030204" pitchFamily="49" charset="0"/>
+              </a:rPr>
+              <a:t> </a:t>
+            </a:r>
+            <a:r>
+              <a:rPr lang="en-US" altLang="en-US" sz="1600" dirty="0" err="1" smtClean="0">
+                <a:solidFill>
+                  <a:srgbClr val="A9B7C6"/>
+                </a:solidFill>
+                <a:latin typeface="Consolas" panose="020B0609020204030204" pitchFamily="49" charset="0"/>
+              </a:rPr>
+              <a:t>syncResult</a:t>
+            </a:r>
+            <a:r>
+              <a:rPr lang="en-US" altLang="en-US" sz="1600" dirty="0" smtClean="0">
+                <a:solidFill>
+                  <a:srgbClr val="A9B7C6"/>
+                </a:solidFill>
+                <a:latin typeface="Consolas" panose="020B0609020204030204" pitchFamily="49" charset="0"/>
+              </a:rPr>
+              <a:t>) {}</a:t>
+            </a:r>
+            <a:endParaRPr lang="en-US" altLang="en-US" sz="1600" dirty="0" smtClean="0">
+              <a:latin typeface="Consolas" panose="020B0609020204030204" pitchFamily="49" charset="0"/>
+            </a:endParaRPr>
+          </a:p>
+          <a:p>
+            <a:pPr marL="0" marR="0" lvl="0" indent="0" algn="l" defTabSz="914400" rtl="0" eaLnBrk="0" fontAlgn="base" latinLnBrk="0" hangingPunct="0">
+              <a:lnSpc>
+                <a:spcPct val="100000"/>
+              </a:lnSpc>
+              <a:spcBef>
+                <a:spcPct val="0"/>
+              </a:spcBef>
+              <a:spcAft>
+                <a:spcPct val="0"/>
+              </a:spcAft>
+              <a:buClrTx/>
+              <a:buSzTx/>
+              <a:buFontTx/>
+              <a:buNone/>
+              <a:tabLst/>
+            </a:pPr>
+            <a:endParaRPr kumimoji="0" lang="en-US" altLang="en-US" sz="1600" b="0" i="0" u="none" strike="noStrike" cap="none" normalizeH="0" baseline="0" dirty="0" smtClean="0">
+              <a:ln>
+                <a:noFill/>
+              </a:ln>
+              <a:solidFill>
+                <a:schemeClr val="tx1"/>
+              </a:solidFill>
+              <a:effectLst/>
+              <a:latin typeface="Consolas" panose="020B0609020204030204" pitchFamily="49" charset="0"/>
+            </a:endParaRPr>
+          </a:p>
+        </p:txBody>
+      </p:sp>
+      <p:sp>
+        <p:nvSpPr>
+          <p:cNvPr id="9" name="TextBox 8"/>
+          <p:cNvSpPr txBox="1"/>
+          <p:nvPr/>
+        </p:nvSpPr>
+        <p:spPr>
+          <a:xfrm>
+            <a:off x="652500" y="1556792"/>
+            <a:ext cx="10887000" cy="461665"/>
+          </a:xfrm>
+          <a:prstGeom prst="rect">
+            <a:avLst/>
+          </a:prstGeom>
+          <a:noFill/>
+        </p:spPr>
+        <p:txBody>
+          <a:bodyPr wrap="square" rtlCol="0">
+            <a:spAutoFit/>
+          </a:bodyPr>
+          <a:lstStyle/>
+          <a:p>
+            <a:r>
+              <a:rPr lang="en-US" sz="2400" dirty="0" smtClean="0">
+                <a:solidFill>
+                  <a:schemeClr val="bg1"/>
+                </a:solidFill>
+                <a:latin typeface="Consolas" panose="020B0609020204030204" pitchFamily="49" charset="0"/>
+              </a:rPr>
+              <a:t>SyncAdapter.java</a:t>
+            </a:r>
+            <a:endParaRPr lang="en-US" sz="2400" dirty="0">
+              <a:solidFill>
+                <a:schemeClr val="bg1"/>
+              </a:solidFill>
+              <a:latin typeface="Consolas" panose="020B0609020204030204" pitchFamily="49" charset="0"/>
+            </a:endParaRPr>
+          </a:p>
+        </p:txBody>
+      </p:sp>
+    </p:spTree>
+    <p:extLst>
+      <p:ext uri="{BB962C8B-B14F-4D97-AF65-F5344CB8AC3E}">
+        <p14:creationId xmlns:p14="http://schemas.microsoft.com/office/powerpoint/2010/main" val="2485636191"/>
+      </p:ext>
+    </p:extLst>
+  </p:cSld>
+  <p:clrMapOvr>
+    <a:masterClrMapping/>
+  </p:clrMapOvr>
+  <mc:AlternateContent xmlns:mc="http://schemas.openxmlformats.org/markup-compatibility/2006" xmlns:p14="http://schemas.microsoft.com/office/powerpoint/2010/main">
+    <mc:Choice Requires="p14">
+      <p:transition p14:dur="250">
+        <p14:reveal/>
+      </p:transition>
+    </mc:Choice>
+    <mc:Fallback xmlns="">
+      <p:transition>
+        <p:fade/>
+      </p:transition>
+    </mc:Fallback>
+  </mc:AlternateContent>
+  <p:timing>
+    <p:tnLst>
+      <p:par>
+        <p:cTn id="1" dur="indefinite" restart="never" nodeType="tmRoot">
+          <p:childTnLst>
+            <p:seq concurrent="1" nextAc="seek">
+              <p:cTn id="2" dur="indefinite" nodeType="mainSeq">
+                <p:childTnLst>
+                  <p:par>
+                    <p:cTn id="3" fill="hold">
+                      <p:stCondLst>
+                        <p:cond delay="indefinite"/>
+                      </p:stCondLst>
+                      <p:childTnLst>
+                        <p:par>
+                          <p:cTn id="4" fill="hold">
+                            <p:stCondLst>
+                              <p:cond delay="0"/>
+                            </p:stCondLst>
+                            <p:childTnLst>
+                              <p:par>
+                                <p:cTn id="5" presetID="10" presetClass="entr" presetSubtype="0" fill="hold" grpId="0" nodeType="clickEffect">
+                                  <p:stCondLst>
+                                    <p:cond delay="0"/>
+                                  </p:stCondLst>
+                                  <p:childTnLst>
+                                    <p:set>
+                                      <p:cBhvr>
+                                        <p:cTn id="6" dur="1" fill="hold">
+                                          <p:stCondLst>
+                                            <p:cond delay="0"/>
+                                          </p:stCondLst>
+                                        </p:cTn>
+                                        <p:tgtEl>
+                                          <p:spTgt spid="9"/>
+                                        </p:tgtEl>
+                                        <p:attrNameLst>
+                                          <p:attrName>style.visibility</p:attrName>
+                                        </p:attrNameLst>
+                                      </p:cBhvr>
+                                      <p:to>
+                                        <p:strVal val="visible"/>
+                                      </p:to>
+                                    </p:set>
+                                    <p:animEffect transition="in" filter="fade">
+                                      <p:cBhvr>
+                                        <p:cTn id="7" dur="300"/>
+                                        <p:tgtEl>
+                                          <p:spTgt spid="9"/>
+                                        </p:tgtEl>
+                                      </p:cBhvr>
+                                    </p:animEffect>
+                                  </p:childTnLst>
+                                </p:cTn>
+                              </p:par>
+                              <p:par>
+                                <p:cTn id="8" presetID="10" presetClass="entr" presetSubtype="0" fill="hold" grpId="0" nodeType="withEffect">
+                                  <p:stCondLst>
+                                    <p:cond delay="200"/>
+                                  </p:stCondLst>
+                                  <p:childTnLst>
+                                    <p:set>
+                                      <p:cBhvr>
+                                        <p:cTn id="9" dur="1" fill="hold">
+                                          <p:stCondLst>
+                                            <p:cond delay="0"/>
+                                          </p:stCondLst>
+                                        </p:cTn>
+                                        <p:tgtEl>
+                                          <p:spTgt spid="8"/>
+                                        </p:tgtEl>
+                                        <p:attrNameLst>
+                                          <p:attrName>style.visibility</p:attrName>
+                                        </p:attrNameLst>
+                                      </p:cBhvr>
+                                      <p:to>
+                                        <p:strVal val="visible"/>
+                                      </p:to>
+                                    </p:set>
+                                    <p:animEffect transition="in" filter="fade">
+                                      <p:cBhvr>
+                                        <p:cTn id="10" dur="300"/>
+                                        <p:tgtEl>
+                                          <p:spTgt spid="8"/>
+                                        </p:tgtEl>
+                                      </p:cBhvr>
+                                    </p:animEffect>
+                                  </p:childTnLst>
+                                </p:cTn>
+                              </p:par>
+                            </p:childTnLst>
+                          </p:cTn>
+                        </p:par>
+                      </p:childTnLst>
+                    </p:cTn>
+                  </p:par>
+                </p:childTnLst>
+              </p:cTn>
+              <p:prevCondLst>
+                <p:cond evt="onPrev" delay="0">
+                  <p:tgtEl>
+                    <p:sldTgt/>
+                  </p:tgtEl>
+                </p:cond>
+              </p:prevCondLst>
+              <p:nextCondLst>
+                <p:cond evt="onNext" delay="0">
+                  <p:tgtEl>
+                    <p:sldTgt/>
+                  </p:tgtEl>
+                </p:cond>
+              </p:nextCondLst>
+            </p:seq>
+          </p:childTnLst>
+        </p:cTn>
+      </p:par>
+    </p:tnLst>
+    <p:bldLst>
+      <p:bldP spid="8" grpId="0" animBg="1"/>
+      <p:bldP spid="9" grpId="0"/>
+    </p:bldLst>
+  </p:timing>
+</p:sld>
+</file>
+
+<file path=ppt/slides/slide26.xml><?xml version="1.0" encoding="utf-8"?>
 <p:sld xmlns:a="http://schemas.openxmlformats.org/drawingml/2006/main" xmlns:r="http://schemas.openxmlformats.org/officeDocument/2006/relationships" xmlns:p="http://schemas.openxmlformats.org/presentationml/2006/main">
   <p:cSld>
     <p:spTree>
@@ -24773,7 +26738,7 @@
 </p:sld>
 </file>
 
-<file path=ppt/slides/slide25.xml><?xml version="1.0" encoding="utf-8"?>
+<file path=ppt/slides/slide27.xml><?xml version="1.0" encoding="utf-8"?>
 <p:sld xmlns:a="http://schemas.openxmlformats.org/drawingml/2006/main" xmlns:r="http://schemas.openxmlformats.org/officeDocument/2006/relationships" xmlns:p="http://schemas.openxmlformats.org/presentationml/2006/main">
   <p:cSld>
     <p:spTree>
@@ -25883,7 +27848,7 @@
 </p:sld>
 </file>
 
-<file path=ppt/slides/slide26.xml><?xml version="1.0" encoding="utf-8"?>
+<file path=ppt/slides/slide28.xml><?xml version="1.0" encoding="utf-8"?>
 <p:sld xmlns:a="http://schemas.openxmlformats.org/drawingml/2006/main" xmlns:r="http://schemas.openxmlformats.org/officeDocument/2006/relationships" xmlns:p="http://schemas.openxmlformats.org/presentationml/2006/main">
   <p:cSld>
     <p:spTree>
@@ -27312,1524 +29277,6 @@
     <p:extLst>
       <p:ext uri="{BB962C8B-B14F-4D97-AF65-F5344CB8AC3E}">
         <p14:creationId xmlns:p14="http://schemas.microsoft.com/office/powerpoint/2010/main" val="4116638235"/>
-      </p:ext>
-    </p:extLst>
-  </p:cSld>
-  <p:clrMapOvr>
-    <a:masterClrMapping/>
-  </p:clrMapOvr>
-  <mc:AlternateContent xmlns:mc="http://schemas.openxmlformats.org/markup-compatibility/2006" xmlns:p14="http://schemas.microsoft.com/office/powerpoint/2010/main">
-    <mc:Choice Requires="p14">
-      <p:transition p14:dur="250">
-        <p14:reveal/>
-      </p:transition>
-    </mc:Choice>
-    <mc:Fallback xmlns="">
-      <p:transition>
-        <p:fade/>
-      </p:transition>
-    </mc:Fallback>
-  </mc:AlternateContent>
-  <p:timing>
-    <p:tnLst>
-      <p:par>
-        <p:cTn id="1" dur="indefinite" restart="never" nodeType="tmRoot"/>
-      </p:par>
-    </p:tnLst>
-  </p:timing>
-</p:sld>
-</file>
-
-<file path=ppt/slides/slide27.xml><?xml version="1.0" encoding="utf-8"?>
-<p:sld xmlns:a="http://schemas.openxmlformats.org/drawingml/2006/main" xmlns:r="http://schemas.openxmlformats.org/officeDocument/2006/relationships" xmlns:p="http://schemas.openxmlformats.org/presentationml/2006/main">
-  <p:cSld>
-    <p:spTree>
-      <p:nvGrpSpPr>
-        <p:cNvPr id="1" name=""/>
-        <p:cNvGrpSpPr/>
-        <p:nvPr/>
-      </p:nvGrpSpPr>
-      <p:grpSpPr>
-        <a:xfrm>
-          <a:off x="0" y="0"/>
-          <a:ext cx="0" cy="0"/>
-          <a:chOff x="0" y="0"/>
-          <a:chExt cx="0" cy="0"/>
-        </a:xfrm>
-      </p:grpSpPr>
-      <p:sp>
-        <p:nvSpPr>
-          <p:cNvPr id="2" name="Title 1"/>
-          <p:cNvSpPr>
-            <a:spLocks noGrp="1"/>
-          </p:cNvSpPr>
-          <p:nvPr>
-            <p:ph type="title"/>
-          </p:nvPr>
-        </p:nvSpPr>
-        <p:spPr/>
-        <p:txBody>
-          <a:bodyPr/>
-          <a:lstStyle/>
-          <a:p>
-            <a:endParaRPr lang="en-US"/>
-          </a:p>
-        </p:txBody>
-      </p:sp>
-      <p:sp>
-        <p:nvSpPr>
-          <p:cNvPr id="3" name="Content Placeholder 2"/>
-          <p:cNvSpPr>
-            <a:spLocks noGrp="1"/>
-          </p:cNvSpPr>
-          <p:nvPr>
-            <p:ph idx="1"/>
-          </p:nvPr>
-        </p:nvSpPr>
-        <p:spPr/>
-        <p:txBody>
-          <a:bodyPr>
-            <a:normAutofit lnSpcReduction="10000"/>
-          </a:bodyPr>
-          <a:lstStyle/>
-          <a:p>
-            <a:r>
-              <a:rPr lang="en-US" dirty="0" err="1" smtClean="0"/>
-              <a:t>SyncAdapters</a:t>
-            </a:r>
-            <a:r>
-              <a:rPr lang="en-US" dirty="0" smtClean="0"/>
-              <a:t> can be used to:</a:t>
-            </a:r>
-          </a:p>
-          <a:p>
-            <a:pPr lvl="1"/>
-            <a:r>
-              <a:rPr lang="en-US" dirty="0" smtClean="0"/>
-              <a:t>fetch </a:t>
-            </a:r>
-            <a:r>
-              <a:rPr lang="en-US" dirty="0"/>
-              <a:t>background data for an </a:t>
-            </a:r>
-            <a:r>
-              <a:rPr lang="en-US" dirty="0" smtClean="0"/>
-              <a:t>app.</a:t>
-            </a:r>
-          </a:p>
-          <a:p>
-            <a:pPr lvl="1"/>
-            <a:r>
-              <a:rPr lang="en-US" dirty="0" smtClean="0"/>
-              <a:t>execute </a:t>
-            </a:r>
-            <a:r>
-              <a:rPr lang="en-US" dirty="0"/>
-              <a:t>your data transfer code at configurable intervals, while efficiently using battery and other system </a:t>
-            </a:r>
-            <a:r>
-              <a:rPr lang="en-US" dirty="0" smtClean="0"/>
-              <a:t>resources</a:t>
-            </a:r>
-            <a:endParaRPr lang="en-US" dirty="0"/>
-          </a:p>
-          <a:p>
-            <a:r>
-              <a:rPr lang="en-US" dirty="0" smtClean="0"/>
-              <a:t>Elements </a:t>
-            </a:r>
-            <a:r>
-              <a:rPr lang="en-US" dirty="0"/>
-              <a:t>of a sync </a:t>
-            </a:r>
-            <a:r>
-              <a:rPr lang="en-US" dirty="0" smtClean="0"/>
-              <a:t>adapter:</a:t>
-            </a:r>
-            <a:endParaRPr lang="en-US" dirty="0"/>
-          </a:p>
-          <a:p>
-            <a:pPr lvl="1"/>
-            <a:r>
-              <a:rPr lang="en-US" dirty="0"/>
-              <a:t>Creates a sync adapter class.</a:t>
-            </a:r>
-          </a:p>
-          <a:p>
-            <a:pPr lvl="1"/>
-            <a:r>
-              <a:rPr lang="en-US" dirty="0"/>
-              <a:t>Creates a bound Service which the OS uses to initiate a sync.</a:t>
-            </a:r>
-          </a:p>
-          <a:p>
-            <a:pPr lvl="1"/>
-            <a:r>
-              <a:rPr lang="en-US" dirty="0"/>
-              <a:t>Defines the sync adapter properties in an XML resource file.</a:t>
-            </a:r>
-          </a:p>
-          <a:p>
-            <a:pPr lvl="1"/>
-            <a:r>
-              <a:rPr lang="en-US" dirty="0"/>
-              <a:t>Declares the bound Service in the app manifest.</a:t>
-            </a:r>
-          </a:p>
-        </p:txBody>
-      </p:sp>
-    </p:spTree>
-    <p:extLst>
-      <p:ext uri="{BB962C8B-B14F-4D97-AF65-F5344CB8AC3E}">
-        <p14:creationId xmlns:p14="http://schemas.microsoft.com/office/powerpoint/2010/main" val="2364295274"/>
-      </p:ext>
-    </p:extLst>
-  </p:cSld>
-  <p:clrMapOvr>
-    <a:masterClrMapping/>
-  </p:clrMapOvr>
-  <mc:AlternateContent xmlns:mc="http://schemas.openxmlformats.org/markup-compatibility/2006" xmlns:p14="http://schemas.microsoft.com/office/powerpoint/2010/main">
-    <mc:Choice Requires="p14">
-      <p:transition p14:dur="250">
-        <p14:reveal/>
-      </p:transition>
-    </mc:Choice>
-    <mc:Fallback xmlns="">
-      <p:transition>
-        <p:fade/>
-      </p:transition>
-    </mc:Fallback>
-  </mc:AlternateContent>
-  <p:timing>
-    <p:tnLst>
-      <p:par>
-        <p:cTn id="1" dur="indefinite" restart="never" nodeType="tmRoot"/>
-      </p:par>
-    </p:tnLst>
-  </p:timing>
-</p:sld>
-</file>
-
-<file path=ppt/slides/slide28.xml><?xml version="1.0" encoding="utf-8"?>
-<p:sld xmlns:a="http://schemas.openxmlformats.org/drawingml/2006/main" xmlns:r="http://schemas.openxmlformats.org/officeDocument/2006/relationships" xmlns:p="http://schemas.openxmlformats.org/presentationml/2006/main">
-  <p:cSld>
-    <p:spTree>
-      <p:nvGrpSpPr>
-        <p:cNvPr id="1" name=""/>
-        <p:cNvGrpSpPr/>
-        <p:nvPr/>
-      </p:nvGrpSpPr>
-      <p:grpSpPr>
-        <a:xfrm>
-          <a:off x="0" y="0"/>
-          <a:ext cx="0" cy="0"/>
-          <a:chOff x="0" y="0"/>
-          <a:chExt cx="0" cy="0"/>
-        </a:xfrm>
-      </p:grpSpPr>
-      <p:sp>
-        <p:nvSpPr>
-          <p:cNvPr id="3" name="Title 2"/>
-          <p:cNvSpPr>
-            <a:spLocks noGrp="1"/>
-          </p:cNvSpPr>
-          <p:nvPr>
-            <p:ph type="title"/>
-          </p:nvPr>
-        </p:nvSpPr>
-        <p:spPr/>
-        <p:txBody>
-          <a:bodyPr>
-            <a:normAutofit fontScale="90000"/>
-          </a:bodyPr>
-          <a:lstStyle/>
-          <a:p>
-            <a:r>
-              <a:rPr lang="en-US" dirty="0"/>
-              <a:t>Extend the base sync adapter class </a:t>
-            </a:r>
-            <a:r>
-              <a:rPr lang="en-US" dirty="0" err="1"/>
-              <a:t>AbstractThreadedSyncAdapter</a:t>
-            </a:r>
-            <a:endParaRPr lang="en-US" dirty="0"/>
-          </a:p>
-        </p:txBody>
-      </p:sp>
-      <p:sp>
-        <p:nvSpPr>
-          <p:cNvPr id="5" name="Rectangle 1"/>
-          <p:cNvSpPr>
-            <a:spLocks noGrp="1" noChangeArrowheads="1"/>
-          </p:cNvSpPr>
-          <p:nvPr>
-            <p:ph idx="1"/>
-          </p:nvPr>
-        </p:nvSpPr>
-        <p:spPr bwMode="auto">
-          <a:xfrm>
-            <a:off x="983432" y="1818982"/>
-            <a:ext cx="7383431" cy="4462760"/>
-          </a:xfrm>
-          <a:prstGeom prst="rect">
-            <a:avLst/>
-          </a:prstGeom>
-          <a:solidFill>
-            <a:srgbClr val="F7F7F7"/>
-          </a:solidFill>
-          <a:ln>
-            <a:noFill/>
-          </a:ln>
-          <a:effectLst/>
-          <a:extLst>
-            <a:ext uri="{91240B29-F687-4F45-9708-019B960494DF}">
-              <a14:hiddenLine xmlns:a14="http://schemas.microsoft.com/office/drawing/2010/main" w="9525">
-                <a:solidFill>
-                  <a:schemeClr val="tx1"/>
-                </a:solidFill>
-                <a:miter lim="800000"/>
-                <a:headEnd/>
-                <a:tailEnd/>
-              </a14:hiddenLine>
-            </a:ext>
-            <a:ext uri="{AF507438-7753-43E0-B8FC-AC1667EBCBE1}">
-              <a14:hiddenEffects xmlns:a14="http://schemas.microsoft.com/office/drawing/2010/main">
-                <a:effectLst>
-                  <a:outerShdw dist="35921" dir="2700000" algn="ctr" rotWithShape="0">
-                    <a:schemeClr val="bg2"/>
-                  </a:outerShdw>
-                </a:effectLst>
-              </a14:hiddenEffects>
-            </a:ext>
-          </a:extLst>
-        </p:spPr>
-        <p:txBody>
-          <a:bodyPr vert="horz" wrap="none" lIns="457200" tIns="182880" rIns="457200" bIns="182880" numCol="1" anchor="ctr" anchorCtr="0" compatLnSpc="1">
-            <a:prstTxWarp prst="textNoShape">
-              <a:avLst/>
-            </a:prstTxWarp>
-            <a:spAutoFit/>
-          </a:bodyPr>
-          <a:lstStyle/>
-          <a:p>
-            <a:pPr marL="0" marR="0" lvl="0" indent="0" algn="l" defTabSz="914400" rtl="0" eaLnBrk="0" fontAlgn="base" latinLnBrk="0" hangingPunct="0">
-              <a:lnSpc>
-                <a:spcPct val="100000"/>
-              </a:lnSpc>
-              <a:spcBef>
-                <a:spcPct val="0"/>
-              </a:spcBef>
-              <a:spcAft>
-                <a:spcPct val="0"/>
-              </a:spcAft>
-              <a:buClrTx/>
-              <a:buSzTx/>
-              <a:buFontTx/>
-              <a:buNone/>
-              <a:tabLst/>
-            </a:pPr>
-            <a:r>
-              <a:rPr kumimoji="0" lang="en-US" altLang="en-US" sz="1400" b="0" i="0" u="none" strike="noStrike" cap="none" normalizeH="0" baseline="0" dirty="0" smtClean="0">
-                <a:ln>
-                  <a:noFill/>
-                </a:ln>
-                <a:solidFill>
-                  <a:srgbClr val="006600"/>
-                </a:solidFill>
-                <a:effectLst/>
-                <a:latin typeface="Consolas" panose="020B0609020204030204" pitchFamily="49" charset="0"/>
-              </a:rPr>
-              <a:t>/**</a:t>
-            </a:r>
-            <a:br>
-              <a:rPr kumimoji="0" lang="en-US" altLang="en-US" sz="1400" b="0" i="0" u="none" strike="noStrike" cap="none" normalizeH="0" baseline="0" dirty="0" smtClean="0">
-                <a:ln>
-                  <a:noFill/>
-                </a:ln>
-                <a:solidFill>
-                  <a:srgbClr val="006600"/>
-                </a:solidFill>
-                <a:effectLst/>
-                <a:latin typeface="Consolas" panose="020B0609020204030204" pitchFamily="49" charset="0"/>
-              </a:rPr>
-            </a:br>
-            <a:r>
-              <a:rPr kumimoji="0" lang="en-US" altLang="en-US" sz="1400" b="0" i="0" u="none" strike="noStrike" cap="none" normalizeH="0" baseline="0" dirty="0" smtClean="0">
-                <a:ln>
-                  <a:noFill/>
-                </a:ln>
-                <a:solidFill>
-                  <a:srgbClr val="006600"/>
-                </a:solidFill>
-                <a:effectLst/>
-                <a:latin typeface="Consolas" panose="020B0609020204030204" pitchFamily="49" charset="0"/>
-              </a:rPr>
-              <a:t> * Handle the transfer of data between a server and an</a:t>
-            </a:r>
-            <a:br>
-              <a:rPr kumimoji="0" lang="en-US" altLang="en-US" sz="1400" b="0" i="0" u="none" strike="noStrike" cap="none" normalizeH="0" baseline="0" dirty="0" smtClean="0">
-                <a:ln>
-                  <a:noFill/>
-                </a:ln>
-                <a:solidFill>
-                  <a:srgbClr val="006600"/>
-                </a:solidFill>
-                <a:effectLst/>
-                <a:latin typeface="Consolas" panose="020B0609020204030204" pitchFamily="49" charset="0"/>
-              </a:rPr>
-            </a:br>
-            <a:r>
-              <a:rPr kumimoji="0" lang="en-US" altLang="en-US" sz="1400" b="0" i="0" u="none" strike="noStrike" cap="none" normalizeH="0" baseline="0" dirty="0" smtClean="0">
-                <a:ln>
-                  <a:noFill/>
-                </a:ln>
-                <a:solidFill>
-                  <a:srgbClr val="006600"/>
-                </a:solidFill>
-                <a:effectLst/>
-                <a:latin typeface="Consolas" panose="020B0609020204030204" pitchFamily="49" charset="0"/>
-              </a:rPr>
-              <a:t> * app, using the Android sync adapter framework.</a:t>
-            </a:r>
-            <a:br>
-              <a:rPr kumimoji="0" lang="en-US" altLang="en-US" sz="1400" b="0" i="0" u="none" strike="noStrike" cap="none" normalizeH="0" baseline="0" dirty="0" smtClean="0">
-                <a:ln>
-                  <a:noFill/>
-                </a:ln>
-                <a:solidFill>
-                  <a:srgbClr val="006600"/>
-                </a:solidFill>
-                <a:effectLst/>
-                <a:latin typeface="Consolas" panose="020B0609020204030204" pitchFamily="49" charset="0"/>
-              </a:rPr>
-            </a:br>
-            <a:r>
-              <a:rPr kumimoji="0" lang="en-US" altLang="en-US" sz="1400" b="0" i="0" u="none" strike="noStrike" cap="none" normalizeH="0" baseline="0" dirty="0" smtClean="0">
-                <a:ln>
-                  <a:noFill/>
-                </a:ln>
-                <a:solidFill>
-                  <a:srgbClr val="006600"/>
-                </a:solidFill>
-                <a:effectLst/>
-                <a:latin typeface="Consolas" panose="020B0609020204030204" pitchFamily="49" charset="0"/>
-              </a:rPr>
-              <a:t> */</a:t>
-            </a:r>
-            <a:r>
-              <a:rPr kumimoji="0" lang="en-US" altLang="en-US" sz="1400" b="0" i="0" u="none" strike="noStrike" cap="none" normalizeH="0" baseline="0" dirty="0" smtClean="0">
-                <a:ln>
-                  <a:noFill/>
-                </a:ln>
-                <a:solidFill>
-                  <a:srgbClr val="000000"/>
-                </a:solidFill>
-                <a:effectLst/>
-                <a:latin typeface="Consolas" panose="020B0609020204030204" pitchFamily="49" charset="0"/>
-              </a:rPr>
-              <a:t/>
-            </a:r>
-            <a:br>
-              <a:rPr kumimoji="0" lang="en-US" altLang="en-US" sz="1400" b="0" i="0" u="none" strike="noStrike" cap="none" normalizeH="0" baseline="0" dirty="0" smtClean="0">
-                <a:ln>
-                  <a:noFill/>
-                </a:ln>
-                <a:solidFill>
-                  <a:srgbClr val="000000"/>
-                </a:solidFill>
-                <a:effectLst/>
-                <a:latin typeface="Consolas" panose="020B0609020204030204" pitchFamily="49" charset="0"/>
-              </a:rPr>
-            </a:br>
-            <a:r>
-              <a:rPr kumimoji="0" lang="en-US" altLang="en-US" sz="1400" b="0" i="0" u="none" strike="noStrike" cap="none" normalizeH="0" baseline="0" dirty="0" smtClean="0">
-                <a:ln>
-                  <a:noFill/>
-                </a:ln>
-                <a:solidFill>
-                  <a:srgbClr val="000088"/>
-                </a:solidFill>
-                <a:effectLst/>
-                <a:latin typeface="Consolas" panose="020B0609020204030204" pitchFamily="49" charset="0"/>
-              </a:rPr>
-              <a:t>public</a:t>
-            </a:r>
-            <a:r>
-              <a:rPr kumimoji="0" lang="en-US" altLang="en-US" sz="1400" b="0" i="0" u="none" strike="noStrike" cap="none" normalizeH="0" baseline="0" dirty="0" smtClean="0">
-                <a:ln>
-                  <a:noFill/>
-                </a:ln>
-                <a:solidFill>
-                  <a:srgbClr val="000000"/>
-                </a:solidFill>
-                <a:effectLst/>
-                <a:latin typeface="Consolas" panose="020B0609020204030204" pitchFamily="49" charset="0"/>
-              </a:rPr>
-              <a:t> </a:t>
-            </a:r>
-            <a:r>
-              <a:rPr kumimoji="0" lang="en-US" altLang="en-US" sz="1400" b="0" i="0" u="none" strike="noStrike" cap="none" normalizeH="0" baseline="0" dirty="0" smtClean="0">
-                <a:ln>
-                  <a:noFill/>
-                </a:ln>
-                <a:solidFill>
-                  <a:srgbClr val="000088"/>
-                </a:solidFill>
-                <a:effectLst/>
-                <a:latin typeface="Consolas" panose="020B0609020204030204" pitchFamily="49" charset="0"/>
-              </a:rPr>
-              <a:t>class</a:t>
-            </a:r>
-            <a:r>
-              <a:rPr kumimoji="0" lang="en-US" altLang="en-US" sz="1400" b="0" i="0" u="none" strike="noStrike" cap="none" normalizeH="0" baseline="0" dirty="0" smtClean="0">
-                <a:ln>
-                  <a:noFill/>
-                </a:ln>
-                <a:solidFill>
-                  <a:srgbClr val="000000"/>
-                </a:solidFill>
-                <a:effectLst/>
-                <a:latin typeface="Consolas" panose="020B0609020204030204" pitchFamily="49" charset="0"/>
-              </a:rPr>
-              <a:t> </a:t>
-            </a:r>
-            <a:r>
-              <a:rPr kumimoji="0" lang="en-US" altLang="en-US" sz="1400" b="0" i="0" u="none" strike="noStrike" cap="none" normalizeH="0" baseline="0" dirty="0" err="1" smtClean="0">
-                <a:ln>
-                  <a:noFill/>
-                </a:ln>
-                <a:solidFill>
-                  <a:srgbClr val="660066"/>
-                </a:solidFill>
-                <a:effectLst/>
-                <a:latin typeface="Consolas" panose="020B0609020204030204" pitchFamily="49" charset="0"/>
-              </a:rPr>
-              <a:t>SyncAdapter</a:t>
-            </a:r>
-            <a:r>
-              <a:rPr kumimoji="0" lang="en-US" altLang="en-US" sz="1400" b="0" i="0" u="none" strike="noStrike" cap="none" normalizeH="0" baseline="0" dirty="0" smtClean="0">
-                <a:ln>
-                  <a:noFill/>
-                </a:ln>
-                <a:solidFill>
-                  <a:srgbClr val="000000"/>
-                </a:solidFill>
-                <a:effectLst/>
-                <a:latin typeface="Consolas" panose="020B0609020204030204" pitchFamily="49" charset="0"/>
-              </a:rPr>
-              <a:t> </a:t>
-            </a:r>
-            <a:r>
-              <a:rPr kumimoji="0" lang="en-US" altLang="en-US" sz="1400" b="0" i="0" u="none" strike="noStrike" cap="none" normalizeH="0" baseline="0" dirty="0" smtClean="0">
-                <a:ln>
-                  <a:noFill/>
-                </a:ln>
-                <a:solidFill>
-                  <a:srgbClr val="000088"/>
-                </a:solidFill>
-                <a:effectLst/>
-                <a:latin typeface="Consolas" panose="020B0609020204030204" pitchFamily="49" charset="0"/>
-              </a:rPr>
-              <a:t>extends</a:t>
-            </a:r>
-            <a:r>
-              <a:rPr kumimoji="0" lang="en-US" altLang="en-US" sz="1400" b="0" i="0" u="none" strike="noStrike" cap="none" normalizeH="0" baseline="0" dirty="0" smtClean="0">
-                <a:ln>
-                  <a:noFill/>
-                </a:ln>
-                <a:solidFill>
-                  <a:srgbClr val="000000"/>
-                </a:solidFill>
-                <a:effectLst/>
-                <a:latin typeface="Consolas" panose="020B0609020204030204" pitchFamily="49" charset="0"/>
-              </a:rPr>
-              <a:t> </a:t>
-            </a:r>
-            <a:r>
-              <a:rPr kumimoji="0" lang="en-US" altLang="en-US" sz="1400" b="0" i="0" u="none" strike="noStrike" cap="none" normalizeH="0" baseline="0" dirty="0" err="1" smtClean="0">
-                <a:ln>
-                  <a:noFill/>
-                </a:ln>
-                <a:solidFill>
-                  <a:srgbClr val="660066"/>
-                </a:solidFill>
-                <a:effectLst/>
-                <a:latin typeface="Consolas" panose="020B0609020204030204" pitchFamily="49" charset="0"/>
-              </a:rPr>
-              <a:t>AbstractThreadedSyncAdapter</a:t>
-            </a:r>
-            <a:r>
-              <a:rPr kumimoji="0" lang="en-US" altLang="en-US" sz="1400" b="0" i="0" u="none" strike="noStrike" cap="none" normalizeH="0" baseline="0" dirty="0" smtClean="0">
-                <a:ln>
-                  <a:noFill/>
-                </a:ln>
-                <a:solidFill>
-                  <a:srgbClr val="000000"/>
-                </a:solidFill>
-                <a:effectLst/>
-                <a:latin typeface="Consolas" panose="020B0609020204030204" pitchFamily="49" charset="0"/>
-              </a:rPr>
-              <a:t> </a:t>
-            </a:r>
-            <a:r>
-              <a:rPr kumimoji="0" lang="en-US" altLang="en-US" sz="1400" b="0" i="0" u="none" strike="noStrike" cap="none" normalizeH="0" baseline="0" dirty="0" smtClean="0">
-                <a:ln>
-                  <a:noFill/>
-                </a:ln>
-                <a:solidFill>
-                  <a:srgbClr val="666600"/>
-                </a:solidFill>
-                <a:effectLst/>
-                <a:latin typeface="Consolas" panose="020B0609020204030204" pitchFamily="49" charset="0"/>
-              </a:rPr>
-              <a:t>{</a:t>
-            </a:r>
-            <a:endParaRPr kumimoji="0" lang="en-US" altLang="en-US" sz="1400" b="0" i="0" u="none" strike="noStrike" cap="none" normalizeH="0" baseline="0" dirty="0" smtClean="0">
-              <a:ln>
-                <a:noFill/>
-              </a:ln>
-              <a:solidFill>
-                <a:schemeClr val="tx1"/>
-              </a:solidFill>
-              <a:effectLst/>
-              <a:latin typeface="Consolas" panose="020B0609020204030204" pitchFamily="49" charset="0"/>
-            </a:endParaRPr>
-          </a:p>
-          <a:p>
-            <a:pPr marL="0" indent="0" eaLnBrk="0" fontAlgn="base" hangingPunct="0">
-              <a:spcBef>
-                <a:spcPct val="0"/>
-              </a:spcBef>
-              <a:spcAft>
-                <a:spcPct val="0"/>
-              </a:spcAft>
-              <a:buNone/>
-            </a:pPr>
-            <a:r>
-              <a:rPr lang="en-US" altLang="en-US" sz="1400" dirty="0" smtClean="0">
-                <a:solidFill>
-                  <a:srgbClr val="006600"/>
-                </a:solidFill>
-                <a:latin typeface="Consolas" panose="020B0609020204030204" pitchFamily="49" charset="0"/>
-              </a:rPr>
-              <a:t>    /**</a:t>
-            </a:r>
-            <a:r>
-              <a:rPr lang="en-US" altLang="en-US" sz="1400" dirty="0">
-                <a:solidFill>
-                  <a:srgbClr val="006600"/>
-                </a:solidFill>
-                <a:latin typeface="Consolas" panose="020B0609020204030204" pitchFamily="49" charset="0"/>
-              </a:rPr>
-              <a:t/>
-            </a:r>
-            <a:br>
-              <a:rPr lang="en-US" altLang="en-US" sz="1400" dirty="0">
-                <a:solidFill>
-                  <a:srgbClr val="006600"/>
-                </a:solidFill>
-                <a:latin typeface="Consolas" panose="020B0609020204030204" pitchFamily="49" charset="0"/>
-              </a:rPr>
-            </a:br>
-            <a:r>
-              <a:rPr lang="en-US" altLang="en-US" sz="1400" dirty="0">
-                <a:solidFill>
-                  <a:srgbClr val="006600"/>
-                </a:solidFill>
-                <a:latin typeface="Consolas" panose="020B0609020204030204" pitchFamily="49" charset="0"/>
-              </a:rPr>
-              <a:t>     * Set up the sync adapter</a:t>
-            </a:r>
-            <a:br>
-              <a:rPr lang="en-US" altLang="en-US" sz="1400" dirty="0">
-                <a:solidFill>
-                  <a:srgbClr val="006600"/>
-                </a:solidFill>
-                <a:latin typeface="Consolas" panose="020B0609020204030204" pitchFamily="49" charset="0"/>
-              </a:rPr>
-            </a:br>
-            <a:r>
-              <a:rPr lang="en-US" altLang="en-US" sz="1400" dirty="0">
-                <a:solidFill>
-                  <a:srgbClr val="006600"/>
-                </a:solidFill>
-                <a:latin typeface="Consolas" panose="020B0609020204030204" pitchFamily="49" charset="0"/>
-              </a:rPr>
-              <a:t>     */</a:t>
-            </a:r>
-            <a:r>
-              <a:rPr lang="en-US" altLang="en-US" sz="1400" dirty="0">
-                <a:solidFill>
-                  <a:srgbClr val="000000"/>
-                </a:solidFill>
-                <a:latin typeface="Consolas" panose="020B0609020204030204" pitchFamily="49" charset="0"/>
-              </a:rPr>
-              <a:t/>
-            </a:r>
-            <a:br>
-              <a:rPr lang="en-US" altLang="en-US" sz="1400" dirty="0">
-                <a:solidFill>
-                  <a:srgbClr val="000000"/>
-                </a:solidFill>
-                <a:latin typeface="Consolas" panose="020B0609020204030204" pitchFamily="49" charset="0"/>
-              </a:rPr>
-            </a:br>
-            <a:r>
-              <a:rPr lang="en-US" altLang="en-US" sz="1400" dirty="0">
-                <a:solidFill>
-                  <a:srgbClr val="000000"/>
-                </a:solidFill>
-                <a:latin typeface="Consolas" panose="020B0609020204030204" pitchFamily="49" charset="0"/>
-              </a:rPr>
-              <a:t>    </a:t>
-            </a:r>
-            <a:r>
-              <a:rPr lang="en-US" altLang="en-US" sz="1400" dirty="0">
-                <a:solidFill>
-                  <a:srgbClr val="000088"/>
-                </a:solidFill>
-                <a:latin typeface="Consolas" panose="020B0609020204030204" pitchFamily="49" charset="0"/>
-              </a:rPr>
-              <a:t>public</a:t>
-            </a:r>
-            <a:r>
-              <a:rPr lang="en-US" altLang="en-US" sz="1400" dirty="0">
-                <a:solidFill>
-                  <a:srgbClr val="000000"/>
-                </a:solidFill>
-                <a:latin typeface="Consolas" panose="020B0609020204030204" pitchFamily="49" charset="0"/>
-              </a:rPr>
-              <a:t> </a:t>
-            </a:r>
-            <a:r>
-              <a:rPr lang="en-US" altLang="en-US" sz="1400" dirty="0" err="1">
-                <a:solidFill>
-                  <a:srgbClr val="660066"/>
-                </a:solidFill>
-                <a:latin typeface="Consolas" panose="020B0609020204030204" pitchFamily="49" charset="0"/>
-              </a:rPr>
-              <a:t>SyncAdapter</a:t>
-            </a:r>
-            <a:r>
-              <a:rPr lang="en-US" altLang="en-US" sz="1400" dirty="0">
-                <a:solidFill>
-                  <a:srgbClr val="666600"/>
-                </a:solidFill>
-                <a:latin typeface="Consolas" panose="020B0609020204030204" pitchFamily="49" charset="0"/>
-              </a:rPr>
-              <a:t>(</a:t>
-            </a:r>
-            <a:r>
-              <a:rPr lang="en-US" altLang="en-US" sz="1400" dirty="0">
-                <a:solidFill>
-                  <a:srgbClr val="660066"/>
-                </a:solidFill>
-                <a:latin typeface="Consolas" panose="020B0609020204030204" pitchFamily="49" charset="0"/>
-              </a:rPr>
-              <a:t>Context</a:t>
-            </a:r>
-            <a:r>
-              <a:rPr lang="en-US" altLang="en-US" sz="1400" dirty="0">
-                <a:solidFill>
-                  <a:srgbClr val="000000"/>
-                </a:solidFill>
-                <a:latin typeface="Consolas" panose="020B0609020204030204" pitchFamily="49" charset="0"/>
-              </a:rPr>
-              <a:t> </a:t>
-            </a:r>
-            <a:r>
-              <a:rPr lang="en-US" altLang="en-US" sz="1400" dirty="0" err="1">
-                <a:solidFill>
-                  <a:srgbClr val="000000"/>
-                </a:solidFill>
-                <a:latin typeface="Consolas" panose="020B0609020204030204" pitchFamily="49" charset="0"/>
-              </a:rPr>
-              <a:t>context</a:t>
-            </a:r>
-            <a:r>
-              <a:rPr lang="en-US" altLang="en-US" sz="1400" dirty="0">
-                <a:solidFill>
-                  <a:srgbClr val="666600"/>
-                </a:solidFill>
-                <a:latin typeface="Consolas" panose="020B0609020204030204" pitchFamily="49" charset="0"/>
-              </a:rPr>
-              <a:t>,</a:t>
-            </a:r>
-            <a:r>
-              <a:rPr lang="en-US" altLang="en-US" sz="1400" dirty="0">
-                <a:solidFill>
-                  <a:srgbClr val="000000"/>
-                </a:solidFill>
-                <a:latin typeface="Consolas" panose="020B0609020204030204" pitchFamily="49" charset="0"/>
-              </a:rPr>
-              <a:t> </a:t>
-            </a:r>
-            <a:r>
-              <a:rPr lang="en-US" altLang="en-US" sz="1400" dirty="0" err="1">
-                <a:solidFill>
-                  <a:srgbClr val="000088"/>
-                </a:solidFill>
-                <a:latin typeface="Consolas" panose="020B0609020204030204" pitchFamily="49" charset="0"/>
-              </a:rPr>
-              <a:t>boolean</a:t>
-            </a:r>
-            <a:r>
-              <a:rPr lang="en-US" altLang="en-US" sz="1400" dirty="0">
-                <a:solidFill>
-                  <a:srgbClr val="000000"/>
-                </a:solidFill>
-                <a:latin typeface="Consolas" panose="020B0609020204030204" pitchFamily="49" charset="0"/>
-              </a:rPr>
-              <a:t> </a:t>
-            </a:r>
-            <a:r>
-              <a:rPr lang="en-US" altLang="en-US" sz="1400" dirty="0" err="1">
-                <a:solidFill>
-                  <a:srgbClr val="000000"/>
-                </a:solidFill>
-                <a:latin typeface="Consolas" panose="020B0609020204030204" pitchFamily="49" charset="0"/>
-              </a:rPr>
-              <a:t>autoInitialize</a:t>
-            </a:r>
-            <a:r>
-              <a:rPr lang="en-US" altLang="en-US" sz="1400" dirty="0">
-                <a:solidFill>
-                  <a:srgbClr val="666600"/>
-                </a:solidFill>
-                <a:latin typeface="Consolas" panose="020B0609020204030204" pitchFamily="49" charset="0"/>
-              </a:rPr>
-              <a:t>)</a:t>
-            </a:r>
-            <a:r>
-              <a:rPr lang="en-US" altLang="en-US" sz="1400" dirty="0">
-                <a:solidFill>
-                  <a:srgbClr val="000000"/>
-                </a:solidFill>
-                <a:latin typeface="Consolas" panose="020B0609020204030204" pitchFamily="49" charset="0"/>
-              </a:rPr>
-              <a:t> </a:t>
-            </a:r>
-            <a:r>
-              <a:rPr lang="en-US" altLang="en-US" sz="1400" dirty="0" smtClean="0">
-                <a:solidFill>
-                  <a:srgbClr val="666600"/>
-                </a:solidFill>
-                <a:latin typeface="Consolas" panose="020B0609020204030204" pitchFamily="49" charset="0"/>
-              </a:rPr>
-              <a:t>{</a:t>
-            </a:r>
-          </a:p>
-          <a:p>
-            <a:pPr marL="0" lvl="0" indent="0" eaLnBrk="0" fontAlgn="base" hangingPunct="0">
-              <a:spcBef>
-                <a:spcPct val="0"/>
-              </a:spcBef>
-              <a:spcAft>
-                <a:spcPct val="0"/>
-              </a:spcAft>
-              <a:buNone/>
-            </a:pPr>
-            <a:r>
-              <a:rPr lang="en-US" altLang="en-US" sz="1400" dirty="0" smtClean="0">
-                <a:solidFill>
-                  <a:srgbClr val="000088"/>
-                </a:solidFill>
-                <a:latin typeface="Consolas" panose="020B0609020204030204" pitchFamily="49" charset="0"/>
-              </a:rPr>
-              <a:t>        super</a:t>
-            </a:r>
-            <a:r>
-              <a:rPr lang="en-US" altLang="en-US" sz="1400" dirty="0" smtClean="0">
-                <a:solidFill>
-                  <a:srgbClr val="666600"/>
-                </a:solidFill>
-                <a:latin typeface="Consolas" panose="020B0609020204030204" pitchFamily="49" charset="0"/>
-              </a:rPr>
-              <a:t>(</a:t>
-            </a:r>
-            <a:r>
-              <a:rPr lang="en-US" altLang="en-US" sz="1400" dirty="0" smtClean="0">
-                <a:solidFill>
-                  <a:srgbClr val="000000"/>
-                </a:solidFill>
-                <a:latin typeface="Consolas" panose="020B0609020204030204" pitchFamily="49" charset="0"/>
-              </a:rPr>
-              <a:t>context</a:t>
-            </a:r>
-            <a:r>
-              <a:rPr lang="en-US" altLang="en-US" sz="1400" dirty="0">
-                <a:solidFill>
-                  <a:srgbClr val="666600"/>
-                </a:solidFill>
-                <a:latin typeface="Consolas" panose="020B0609020204030204" pitchFamily="49" charset="0"/>
-              </a:rPr>
-              <a:t>,</a:t>
-            </a:r>
-            <a:r>
-              <a:rPr lang="en-US" altLang="en-US" sz="1400" dirty="0">
-                <a:solidFill>
-                  <a:srgbClr val="000000"/>
-                </a:solidFill>
-                <a:latin typeface="Consolas" panose="020B0609020204030204" pitchFamily="49" charset="0"/>
-              </a:rPr>
-              <a:t> </a:t>
-            </a:r>
-            <a:r>
-              <a:rPr lang="en-US" altLang="en-US" sz="1400" dirty="0" err="1">
-                <a:solidFill>
-                  <a:srgbClr val="000000"/>
-                </a:solidFill>
-                <a:latin typeface="Consolas" panose="020B0609020204030204" pitchFamily="49" charset="0"/>
-              </a:rPr>
-              <a:t>autoInitialize</a:t>
-            </a:r>
-            <a:r>
-              <a:rPr lang="en-US" altLang="en-US" sz="1400" dirty="0" smtClean="0">
-                <a:solidFill>
-                  <a:srgbClr val="666600"/>
-                </a:solidFill>
-                <a:latin typeface="Consolas" panose="020B0609020204030204" pitchFamily="49" charset="0"/>
-              </a:rPr>
-              <a:t>);</a:t>
-            </a:r>
-          </a:p>
-          <a:p>
-            <a:pPr marL="0" indent="0" eaLnBrk="0" fontAlgn="base" hangingPunct="0">
-              <a:spcBef>
-                <a:spcPct val="0"/>
-              </a:spcBef>
-              <a:spcAft>
-                <a:spcPct val="0"/>
-              </a:spcAft>
-              <a:buNone/>
-            </a:pPr>
-            <a:r>
-              <a:rPr lang="en-US" altLang="en-US" sz="1400" dirty="0">
-                <a:solidFill>
-                  <a:srgbClr val="666600"/>
-                </a:solidFill>
-                <a:latin typeface="Consolas" panose="020B0609020204030204" pitchFamily="49" charset="0"/>
-              </a:rPr>
-              <a:t> </a:t>
-            </a:r>
-            <a:r>
-              <a:rPr lang="en-US" altLang="en-US" sz="1400" dirty="0" smtClean="0">
-                <a:solidFill>
-                  <a:srgbClr val="666600"/>
-                </a:solidFill>
-                <a:latin typeface="Consolas" panose="020B0609020204030204" pitchFamily="49" charset="0"/>
-              </a:rPr>
-              <a:t>   }</a:t>
-            </a:r>
-          </a:p>
-          <a:p>
-            <a:pPr marL="0" indent="0" eaLnBrk="0" fontAlgn="base" hangingPunct="0">
-              <a:spcBef>
-                <a:spcPct val="0"/>
-              </a:spcBef>
-              <a:spcAft>
-                <a:spcPct val="0"/>
-              </a:spcAft>
-              <a:buNone/>
-            </a:pPr>
-            <a:endParaRPr lang="en-US" altLang="en-US" sz="1400" dirty="0" smtClean="0">
-              <a:solidFill>
-                <a:schemeClr val="tx1"/>
-              </a:solidFill>
-              <a:latin typeface="Consolas" panose="020B0609020204030204" pitchFamily="49" charset="0"/>
-            </a:endParaRPr>
-          </a:p>
-          <a:p>
-            <a:pPr marL="0" lvl="0" indent="0" eaLnBrk="0" fontAlgn="base" hangingPunct="0">
-              <a:spcBef>
-                <a:spcPct val="0"/>
-              </a:spcBef>
-              <a:spcAft>
-                <a:spcPct val="0"/>
-              </a:spcAft>
-              <a:buNone/>
-            </a:pPr>
-            <a:r>
-              <a:rPr lang="en-US" altLang="en-US" sz="1400" dirty="0" smtClean="0">
-                <a:solidFill>
-                  <a:srgbClr val="000088"/>
-                </a:solidFill>
-                <a:latin typeface="Consolas" panose="020B0609020204030204" pitchFamily="49" charset="0"/>
-              </a:rPr>
-              <a:t>    public</a:t>
-            </a:r>
-            <a:r>
-              <a:rPr lang="en-US" altLang="en-US" sz="1400" dirty="0" smtClean="0">
-                <a:solidFill>
-                  <a:srgbClr val="000000"/>
-                </a:solidFill>
-                <a:latin typeface="Consolas" panose="020B0609020204030204" pitchFamily="49" charset="0"/>
-              </a:rPr>
-              <a:t> </a:t>
-            </a:r>
-            <a:r>
-              <a:rPr lang="en-US" altLang="en-US" sz="1400" dirty="0" err="1">
-                <a:solidFill>
-                  <a:srgbClr val="660066"/>
-                </a:solidFill>
-                <a:latin typeface="Consolas" panose="020B0609020204030204" pitchFamily="49" charset="0"/>
-              </a:rPr>
-              <a:t>SyncAdapter</a:t>
-            </a:r>
-            <a:r>
-              <a:rPr lang="en-US" altLang="en-US" sz="1400" dirty="0">
-                <a:solidFill>
-                  <a:srgbClr val="666600"/>
-                </a:solidFill>
-                <a:latin typeface="Consolas" panose="020B0609020204030204" pitchFamily="49" charset="0"/>
-              </a:rPr>
-              <a:t>(</a:t>
-            </a:r>
-            <a:r>
-              <a:rPr lang="en-US" altLang="en-US" sz="1400" dirty="0">
-                <a:solidFill>
-                  <a:srgbClr val="000000"/>
-                </a:solidFill>
-                <a:latin typeface="Consolas" panose="020B0609020204030204" pitchFamily="49" charset="0"/>
-              </a:rPr>
-              <a:t/>
-            </a:r>
-            <a:br>
-              <a:rPr lang="en-US" altLang="en-US" sz="1400" dirty="0">
-                <a:solidFill>
-                  <a:srgbClr val="000000"/>
-                </a:solidFill>
-                <a:latin typeface="Consolas" panose="020B0609020204030204" pitchFamily="49" charset="0"/>
-              </a:rPr>
-            </a:br>
-            <a:r>
-              <a:rPr lang="en-US" altLang="en-US" sz="1400" dirty="0">
-                <a:solidFill>
-                  <a:srgbClr val="000000"/>
-                </a:solidFill>
-                <a:latin typeface="Consolas" panose="020B0609020204030204" pitchFamily="49" charset="0"/>
-              </a:rPr>
-              <a:t>            </a:t>
-            </a:r>
-            <a:r>
-              <a:rPr lang="en-US" altLang="en-US" sz="1400" dirty="0">
-                <a:solidFill>
-                  <a:srgbClr val="660066"/>
-                </a:solidFill>
-                <a:latin typeface="Consolas" panose="020B0609020204030204" pitchFamily="49" charset="0"/>
-              </a:rPr>
-              <a:t>Context</a:t>
-            </a:r>
-            <a:r>
-              <a:rPr lang="en-US" altLang="en-US" sz="1400" dirty="0">
-                <a:solidFill>
-                  <a:srgbClr val="000000"/>
-                </a:solidFill>
-                <a:latin typeface="Consolas" panose="020B0609020204030204" pitchFamily="49" charset="0"/>
-              </a:rPr>
-              <a:t> </a:t>
-            </a:r>
-            <a:r>
-              <a:rPr lang="en-US" altLang="en-US" sz="1400" dirty="0" err="1">
-                <a:solidFill>
-                  <a:srgbClr val="000000"/>
-                </a:solidFill>
-                <a:latin typeface="Consolas" panose="020B0609020204030204" pitchFamily="49" charset="0"/>
-              </a:rPr>
-              <a:t>context</a:t>
-            </a:r>
-            <a:r>
-              <a:rPr lang="en-US" altLang="en-US" sz="1400" dirty="0">
-                <a:solidFill>
-                  <a:srgbClr val="666600"/>
-                </a:solidFill>
-                <a:latin typeface="Consolas" panose="020B0609020204030204" pitchFamily="49" charset="0"/>
-              </a:rPr>
-              <a:t>,</a:t>
-            </a:r>
-            <a:r>
-              <a:rPr lang="en-US" altLang="en-US" sz="1400" dirty="0">
-                <a:solidFill>
-                  <a:srgbClr val="000000"/>
-                </a:solidFill>
-                <a:latin typeface="Consolas" panose="020B0609020204030204" pitchFamily="49" charset="0"/>
-              </a:rPr>
-              <a:t/>
-            </a:r>
-            <a:br>
-              <a:rPr lang="en-US" altLang="en-US" sz="1400" dirty="0">
-                <a:solidFill>
-                  <a:srgbClr val="000000"/>
-                </a:solidFill>
-                <a:latin typeface="Consolas" panose="020B0609020204030204" pitchFamily="49" charset="0"/>
-              </a:rPr>
-            </a:br>
-            <a:r>
-              <a:rPr lang="en-US" altLang="en-US" sz="1400" dirty="0">
-                <a:solidFill>
-                  <a:srgbClr val="000000"/>
-                </a:solidFill>
-                <a:latin typeface="Consolas" panose="020B0609020204030204" pitchFamily="49" charset="0"/>
-              </a:rPr>
-              <a:t>            </a:t>
-            </a:r>
-            <a:r>
-              <a:rPr lang="en-US" altLang="en-US" sz="1400" dirty="0" err="1">
-                <a:solidFill>
-                  <a:srgbClr val="000088"/>
-                </a:solidFill>
-                <a:latin typeface="Consolas" panose="020B0609020204030204" pitchFamily="49" charset="0"/>
-              </a:rPr>
-              <a:t>boolean</a:t>
-            </a:r>
-            <a:r>
-              <a:rPr lang="en-US" altLang="en-US" sz="1400" dirty="0">
-                <a:solidFill>
-                  <a:srgbClr val="000000"/>
-                </a:solidFill>
-                <a:latin typeface="Consolas" panose="020B0609020204030204" pitchFamily="49" charset="0"/>
-              </a:rPr>
-              <a:t> </a:t>
-            </a:r>
-            <a:r>
-              <a:rPr lang="en-US" altLang="en-US" sz="1400" dirty="0" err="1">
-                <a:solidFill>
-                  <a:srgbClr val="000000"/>
-                </a:solidFill>
-                <a:latin typeface="Consolas" panose="020B0609020204030204" pitchFamily="49" charset="0"/>
-              </a:rPr>
-              <a:t>autoInitialize</a:t>
-            </a:r>
-            <a:r>
-              <a:rPr lang="en-US" altLang="en-US" sz="1400" dirty="0">
-                <a:solidFill>
-                  <a:srgbClr val="666600"/>
-                </a:solidFill>
-                <a:latin typeface="Consolas" panose="020B0609020204030204" pitchFamily="49" charset="0"/>
-              </a:rPr>
-              <a:t>,</a:t>
-            </a:r>
-            <a:r>
-              <a:rPr lang="en-US" altLang="en-US" sz="1400" dirty="0">
-                <a:solidFill>
-                  <a:srgbClr val="000000"/>
-                </a:solidFill>
-                <a:latin typeface="Consolas" panose="020B0609020204030204" pitchFamily="49" charset="0"/>
-              </a:rPr>
-              <a:t/>
-            </a:r>
-            <a:br>
-              <a:rPr lang="en-US" altLang="en-US" sz="1400" dirty="0">
-                <a:solidFill>
-                  <a:srgbClr val="000000"/>
-                </a:solidFill>
-                <a:latin typeface="Consolas" panose="020B0609020204030204" pitchFamily="49" charset="0"/>
-              </a:rPr>
-            </a:br>
-            <a:r>
-              <a:rPr lang="en-US" altLang="en-US" sz="1400" dirty="0">
-                <a:solidFill>
-                  <a:srgbClr val="000000"/>
-                </a:solidFill>
-                <a:latin typeface="Consolas" panose="020B0609020204030204" pitchFamily="49" charset="0"/>
-              </a:rPr>
-              <a:t>            </a:t>
-            </a:r>
-            <a:r>
-              <a:rPr lang="en-US" altLang="en-US" sz="1400" dirty="0" err="1">
-                <a:solidFill>
-                  <a:srgbClr val="000088"/>
-                </a:solidFill>
-                <a:latin typeface="Consolas" panose="020B0609020204030204" pitchFamily="49" charset="0"/>
-              </a:rPr>
-              <a:t>boolean</a:t>
-            </a:r>
-            <a:r>
-              <a:rPr lang="en-US" altLang="en-US" sz="1400" dirty="0">
-                <a:solidFill>
-                  <a:srgbClr val="000000"/>
-                </a:solidFill>
-                <a:latin typeface="Consolas" panose="020B0609020204030204" pitchFamily="49" charset="0"/>
-              </a:rPr>
-              <a:t> </a:t>
-            </a:r>
-            <a:r>
-              <a:rPr lang="en-US" altLang="en-US" sz="1400" dirty="0" err="1">
-                <a:solidFill>
-                  <a:srgbClr val="000000"/>
-                </a:solidFill>
-                <a:latin typeface="Consolas" panose="020B0609020204030204" pitchFamily="49" charset="0"/>
-              </a:rPr>
-              <a:t>allowParallelSyncs</a:t>
-            </a:r>
-            <a:r>
-              <a:rPr lang="en-US" altLang="en-US" sz="1400" dirty="0">
-                <a:solidFill>
-                  <a:srgbClr val="666600"/>
-                </a:solidFill>
-                <a:latin typeface="Consolas" panose="020B0609020204030204" pitchFamily="49" charset="0"/>
-              </a:rPr>
-              <a:t>)</a:t>
-            </a:r>
-            <a:r>
-              <a:rPr lang="en-US" altLang="en-US" sz="1400" dirty="0">
-                <a:solidFill>
-                  <a:srgbClr val="000000"/>
-                </a:solidFill>
-                <a:latin typeface="Consolas" panose="020B0609020204030204" pitchFamily="49" charset="0"/>
-              </a:rPr>
-              <a:t> </a:t>
-            </a:r>
-            <a:r>
-              <a:rPr lang="en-US" altLang="en-US" sz="1400" dirty="0">
-                <a:solidFill>
-                  <a:srgbClr val="666600"/>
-                </a:solidFill>
-                <a:latin typeface="Consolas" panose="020B0609020204030204" pitchFamily="49" charset="0"/>
-              </a:rPr>
-              <a:t>{</a:t>
-            </a:r>
-            <a:r>
-              <a:rPr lang="en-US" altLang="en-US" sz="1400" dirty="0">
-                <a:solidFill>
-                  <a:srgbClr val="000000"/>
-                </a:solidFill>
-                <a:latin typeface="Consolas" panose="020B0609020204030204" pitchFamily="49" charset="0"/>
-              </a:rPr>
-              <a:t/>
-            </a:r>
-            <a:br>
-              <a:rPr lang="en-US" altLang="en-US" sz="1400" dirty="0">
-                <a:solidFill>
-                  <a:srgbClr val="000000"/>
-                </a:solidFill>
-                <a:latin typeface="Consolas" panose="020B0609020204030204" pitchFamily="49" charset="0"/>
-              </a:rPr>
-            </a:br>
-            <a:r>
-              <a:rPr lang="en-US" altLang="en-US" sz="1400" dirty="0">
-                <a:solidFill>
-                  <a:srgbClr val="000000"/>
-                </a:solidFill>
-                <a:latin typeface="Consolas" panose="020B0609020204030204" pitchFamily="49" charset="0"/>
-              </a:rPr>
-              <a:t>        </a:t>
-            </a:r>
-            <a:r>
-              <a:rPr lang="en-US" altLang="en-US" sz="1400" dirty="0">
-                <a:solidFill>
-                  <a:srgbClr val="000088"/>
-                </a:solidFill>
-                <a:latin typeface="Consolas" panose="020B0609020204030204" pitchFamily="49" charset="0"/>
-              </a:rPr>
-              <a:t>super</a:t>
-            </a:r>
-            <a:r>
-              <a:rPr lang="en-US" altLang="en-US" sz="1400" dirty="0">
-                <a:solidFill>
-                  <a:srgbClr val="666600"/>
-                </a:solidFill>
-                <a:latin typeface="Consolas" panose="020B0609020204030204" pitchFamily="49" charset="0"/>
-              </a:rPr>
-              <a:t>(</a:t>
-            </a:r>
-            <a:r>
-              <a:rPr lang="en-US" altLang="en-US" sz="1400" dirty="0">
-                <a:solidFill>
-                  <a:srgbClr val="000000"/>
-                </a:solidFill>
-                <a:latin typeface="Consolas" panose="020B0609020204030204" pitchFamily="49" charset="0"/>
-              </a:rPr>
-              <a:t>context</a:t>
-            </a:r>
-            <a:r>
-              <a:rPr lang="en-US" altLang="en-US" sz="1400" dirty="0">
-                <a:solidFill>
-                  <a:srgbClr val="666600"/>
-                </a:solidFill>
-                <a:latin typeface="Consolas" panose="020B0609020204030204" pitchFamily="49" charset="0"/>
-              </a:rPr>
-              <a:t>,</a:t>
-            </a:r>
-            <a:r>
-              <a:rPr lang="en-US" altLang="en-US" sz="1400" dirty="0">
-                <a:solidFill>
-                  <a:srgbClr val="000000"/>
-                </a:solidFill>
-                <a:latin typeface="Consolas" panose="020B0609020204030204" pitchFamily="49" charset="0"/>
-              </a:rPr>
-              <a:t> </a:t>
-            </a:r>
-            <a:r>
-              <a:rPr lang="en-US" altLang="en-US" sz="1400" dirty="0" err="1">
-                <a:solidFill>
-                  <a:srgbClr val="000000"/>
-                </a:solidFill>
-                <a:latin typeface="Consolas" panose="020B0609020204030204" pitchFamily="49" charset="0"/>
-              </a:rPr>
-              <a:t>autoInitialize</a:t>
-            </a:r>
-            <a:r>
-              <a:rPr lang="en-US" altLang="en-US" sz="1400" dirty="0">
-                <a:solidFill>
-                  <a:srgbClr val="666600"/>
-                </a:solidFill>
-                <a:latin typeface="Consolas" panose="020B0609020204030204" pitchFamily="49" charset="0"/>
-              </a:rPr>
-              <a:t>,</a:t>
-            </a:r>
-            <a:r>
-              <a:rPr lang="en-US" altLang="en-US" sz="1400" dirty="0">
-                <a:solidFill>
-                  <a:srgbClr val="000000"/>
-                </a:solidFill>
-                <a:latin typeface="Consolas" panose="020B0609020204030204" pitchFamily="49" charset="0"/>
-              </a:rPr>
-              <a:t> </a:t>
-            </a:r>
-            <a:r>
-              <a:rPr lang="en-US" altLang="en-US" sz="1400" dirty="0" err="1">
-                <a:solidFill>
-                  <a:srgbClr val="000000"/>
-                </a:solidFill>
-                <a:latin typeface="Consolas" panose="020B0609020204030204" pitchFamily="49" charset="0"/>
-              </a:rPr>
-              <a:t>allowParallelSyncs</a:t>
-            </a:r>
-            <a:r>
-              <a:rPr lang="en-US" altLang="en-US" sz="1400" dirty="0" smtClean="0">
-                <a:solidFill>
-                  <a:srgbClr val="666600"/>
-                </a:solidFill>
-                <a:latin typeface="Consolas" panose="020B0609020204030204" pitchFamily="49" charset="0"/>
-              </a:rPr>
-              <a:t>);</a:t>
-            </a:r>
-            <a:endParaRPr lang="en-US" altLang="en-US" sz="1400" dirty="0" smtClean="0">
-              <a:solidFill>
-                <a:schemeClr val="tx1"/>
-              </a:solidFill>
-              <a:latin typeface="Consolas" panose="020B0609020204030204" pitchFamily="49" charset="0"/>
-            </a:endParaRPr>
-          </a:p>
-          <a:p>
-            <a:pPr marL="0" lvl="0" indent="0" eaLnBrk="0" fontAlgn="base" hangingPunct="0">
-              <a:spcBef>
-                <a:spcPct val="0"/>
-              </a:spcBef>
-              <a:spcAft>
-                <a:spcPct val="0"/>
-              </a:spcAft>
-              <a:buNone/>
-            </a:pPr>
-            <a:r>
-              <a:rPr lang="en-US" altLang="en-US" sz="1400" dirty="0" smtClean="0">
-                <a:solidFill>
-                  <a:srgbClr val="666600"/>
-                </a:solidFill>
-                <a:latin typeface="Consolas" panose="020B0609020204030204" pitchFamily="49" charset="0"/>
-              </a:rPr>
-              <a:t>    }</a:t>
-            </a:r>
-          </a:p>
-          <a:p>
-            <a:pPr marL="0" lvl="0" indent="0" eaLnBrk="0" fontAlgn="base" hangingPunct="0">
-              <a:spcBef>
-                <a:spcPct val="0"/>
-              </a:spcBef>
-              <a:spcAft>
-                <a:spcPct val="0"/>
-              </a:spcAft>
-              <a:buNone/>
-            </a:pPr>
-            <a:r>
-              <a:rPr lang="en-US" altLang="en-US" sz="1400" dirty="0" smtClean="0">
-                <a:solidFill>
-                  <a:srgbClr val="666600"/>
-                </a:solidFill>
-                <a:latin typeface="Consolas" panose="020B0609020204030204" pitchFamily="49" charset="0"/>
-              </a:rPr>
-              <a:t>}</a:t>
-            </a:r>
-            <a:endParaRPr lang="en-US" altLang="en-US" sz="1400" dirty="0">
-              <a:solidFill>
-                <a:schemeClr val="tx1"/>
-              </a:solidFill>
-              <a:latin typeface="Consolas" panose="020B0609020204030204" pitchFamily="49" charset="0"/>
-            </a:endParaRPr>
-          </a:p>
-        </p:txBody>
-      </p:sp>
-      <p:sp>
-        <p:nvSpPr>
-          <p:cNvPr id="7" name="Rectangle 3"/>
-          <p:cNvSpPr>
-            <a:spLocks noChangeArrowheads="1"/>
-          </p:cNvSpPr>
-          <p:nvPr/>
-        </p:nvSpPr>
-        <p:spPr bwMode="auto">
-          <a:xfrm>
-            <a:off x="0" y="9975"/>
-            <a:ext cx="65" cy="437249"/>
-          </a:xfrm>
-          <a:prstGeom prst="rect">
-            <a:avLst/>
-          </a:prstGeom>
-          <a:solidFill>
-            <a:srgbClr val="F7F7F7"/>
-          </a:solidFill>
-          <a:ln>
-            <a:noFill/>
-          </a:ln>
-          <a:effectLst/>
-          <a:extLst>
-            <a:ext uri="{91240B29-F687-4F45-9708-019B960494DF}">
-              <a14:hiddenLine xmlns:a14="http://schemas.microsoft.com/office/drawing/2010/main" w="9525">
-                <a:solidFill>
-                  <a:schemeClr val="tx1"/>
-                </a:solidFill>
-                <a:miter lim="800000"/>
-                <a:headEnd/>
-                <a:tailEnd/>
-              </a14:hiddenLine>
-            </a:ext>
-            <a:ext uri="{AF507438-7753-43E0-B8FC-AC1667EBCBE1}">
-              <a14:hiddenEffects xmlns:a14="http://schemas.microsoft.com/office/drawing/2010/main">
-                <a:effectLst>
-                  <a:outerShdw dist="35921" dir="2700000" algn="ctr" rotWithShape="0">
-                    <a:schemeClr val="bg2"/>
-                  </a:outerShdw>
-                </a:effectLst>
-              </a14:hiddenEffects>
-            </a:ext>
-          </a:extLst>
-        </p:spPr>
-        <p:txBody>
-          <a:bodyPr vert="horz" wrap="none" lIns="0" tIns="0" rIns="0" bIns="158700" numCol="1" anchor="ctr" anchorCtr="0" compatLnSpc="1">
-            <a:prstTxWarp prst="textNoShape">
-              <a:avLst/>
-            </a:prstTxWarp>
-            <a:spAutoFit/>
-          </a:bodyPr>
-          <a:lstStyle/>
-          <a:p>
-            <a:pPr marL="0" marR="0" lvl="0" indent="0" algn="l" defTabSz="914400" rtl="0" eaLnBrk="0" fontAlgn="base" latinLnBrk="0" hangingPunct="0">
-              <a:lnSpc>
-                <a:spcPct val="100000"/>
-              </a:lnSpc>
-              <a:spcBef>
-                <a:spcPct val="0"/>
-              </a:spcBef>
-              <a:spcAft>
-                <a:spcPct val="0"/>
-              </a:spcAft>
-              <a:buClrTx/>
-              <a:buSzTx/>
-              <a:buFontTx/>
-              <a:buNone/>
-              <a:tabLst/>
-            </a:pPr>
-            <a:endParaRPr kumimoji="0" lang="en-US" altLang="en-US" sz="1800" b="0" i="0" u="none" strike="noStrike" cap="none" normalizeH="0" baseline="0" dirty="0" smtClean="0">
-              <a:ln>
-                <a:noFill/>
-              </a:ln>
-              <a:solidFill>
-                <a:schemeClr val="tx1"/>
-              </a:solidFill>
-              <a:effectLst/>
-              <a:latin typeface="Arial" panose="020B0604020202020204" pitchFamily="34" charset="0"/>
-            </a:endParaRPr>
-          </a:p>
-        </p:txBody>
-      </p:sp>
-      <p:sp>
-        <p:nvSpPr>
-          <p:cNvPr id="8" name="Rectangle 4"/>
-          <p:cNvSpPr>
-            <a:spLocks noChangeArrowheads="1"/>
-          </p:cNvSpPr>
-          <p:nvPr/>
-        </p:nvSpPr>
-        <p:spPr bwMode="auto">
-          <a:xfrm>
-            <a:off x="0" y="9975"/>
-            <a:ext cx="65" cy="437249"/>
-          </a:xfrm>
-          <a:prstGeom prst="rect">
-            <a:avLst/>
-          </a:prstGeom>
-          <a:solidFill>
-            <a:srgbClr val="F7F7F7"/>
-          </a:solidFill>
-          <a:ln>
-            <a:noFill/>
-          </a:ln>
-          <a:effectLst/>
-          <a:extLst>
-            <a:ext uri="{91240B29-F687-4F45-9708-019B960494DF}">
-              <a14:hiddenLine xmlns:a14="http://schemas.microsoft.com/office/drawing/2010/main" w="9525">
-                <a:solidFill>
-                  <a:schemeClr val="tx1"/>
-                </a:solidFill>
-                <a:miter lim="800000"/>
-                <a:headEnd/>
-                <a:tailEnd/>
-              </a14:hiddenLine>
-            </a:ext>
-            <a:ext uri="{AF507438-7753-43E0-B8FC-AC1667EBCBE1}">
-              <a14:hiddenEffects xmlns:a14="http://schemas.microsoft.com/office/drawing/2010/main">
-                <a:effectLst>
-                  <a:outerShdw dist="35921" dir="2700000" algn="ctr" rotWithShape="0">
-                    <a:schemeClr val="bg2"/>
-                  </a:outerShdw>
-                </a:effectLst>
-              </a14:hiddenEffects>
-            </a:ext>
-          </a:extLst>
-        </p:spPr>
-        <p:txBody>
-          <a:bodyPr vert="horz" wrap="none" lIns="0" tIns="0" rIns="0" bIns="158700" numCol="1" anchor="ctr" anchorCtr="0" compatLnSpc="1">
-            <a:prstTxWarp prst="textNoShape">
-              <a:avLst/>
-            </a:prstTxWarp>
-            <a:spAutoFit/>
-          </a:bodyPr>
-          <a:lstStyle/>
-          <a:p>
-            <a:pPr marL="0" marR="0" lvl="0" indent="0" algn="l" defTabSz="914400" rtl="0" eaLnBrk="0" fontAlgn="base" latinLnBrk="0" hangingPunct="0">
-              <a:lnSpc>
-                <a:spcPct val="100000"/>
-              </a:lnSpc>
-              <a:spcBef>
-                <a:spcPct val="0"/>
-              </a:spcBef>
-              <a:spcAft>
-                <a:spcPct val="0"/>
-              </a:spcAft>
-              <a:buClrTx/>
-              <a:buSzTx/>
-              <a:buFontTx/>
-              <a:buNone/>
-              <a:tabLst/>
-            </a:pPr>
-            <a:endParaRPr kumimoji="0" lang="en-US" altLang="en-US" sz="1800" b="0" i="0" u="none" strike="noStrike" cap="none" normalizeH="0" baseline="0" dirty="0" smtClean="0">
-              <a:ln>
-                <a:noFill/>
-              </a:ln>
-              <a:solidFill>
-                <a:schemeClr val="tx1"/>
-              </a:solidFill>
-              <a:effectLst/>
-              <a:latin typeface="Arial" panose="020B0604020202020204" pitchFamily="34" charset="0"/>
-            </a:endParaRPr>
-          </a:p>
-        </p:txBody>
-      </p:sp>
-    </p:spTree>
-    <p:extLst>
-      <p:ext uri="{BB962C8B-B14F-4D97-AF65-F5344CB8AC3E}">
-        <p14:creationId xmlns:p14="http://schemas.microsoft.com/office/powerpoint/2010/main" val="3397357303"/>
       </p:ext>
     </p:extLst>
   </p:cSld>
@@ -28891,12 +29338,8 @@
           <a:lstStyle/>
           <a:p>
             <a:r>
-              <a:rPr lang="en-US" dirty="0" err="1" smtClean="0"/>
-              <a:t>onPerformSync</a:t>
-            </a:r>
-            <a:r>
               <a:rPr lang="en-US" dirty="0" smtClean="0"/>
-              <a:t>()</a:t>
+              <a:t>Beware of the account name</a:t>
             </a:r>
             <a:endParaRPr lang="en-US" dirty="0"/>
           </a:p>
@@ -28914,69 +29357,68 @@
         </p:nvSpPr>
         <p:spPr/>
         <p:txBody>
-          <a:bodyPr>
-            <a:normAutofit lnSpcReduction="10000"/>
-          </a:bodyPr>
+          <a:bodyPr/>
           <a:lstStyle/>
           <a:p>
+            <a:pPr marL="0" indent="0">
+              <a:buNone/>
+            </a:pPr>
             <a:r>
               <a:rPr lang="en-US" dirty="0" smtClean="0"/>
-              <a:t>Sync adapter framework invokes your </a:t>
-            </a:r>
-            <a:r>
-              <a:rPr lang="en-US" dirty="0" err="1" smtClean="0"/>
-              <a:t>SyncAdapter</a:t>
-            </a:r>
+              <a:t>It is used to identify the account</a:t>
+            </a:r>
+          </a:p>
+          <a:p>
+            <a:pPr marL="457200" lvl="1" indent="0">
+              <a:buNone/>
+            </a:pPr>
+            <a:r>
+              <a:rPr lang="en-US" dirty="0" smtClean="0"/>
+              <a:t>Usually a username or email</a:t>
+            </a:r>
+          </a:p>
+          <a:p>
+            <a:pPr marL="0" indent="0">
+              <a:buNone/>
+            </a:pPr>
             <a:endParaRPr lang="en-US" dirty="0" smtClean="0"/>
           </a:p>
           <a:p>
-            <a:pPr lvl="1"/>
+            <a:pPr marL="0" indent="0">
+              <a:buNone/>
+            </a:pPr>
             <a:r>
               <a:rPr lang="en-US" dirty="0" smtClean="0"/>
-              <a:t>Calls </a:t>
-            </a:r>
-            <a:r>
-              <a:rPr lang="en-US" dirty="0" err="1" smtClean="0"/>
-              <a:t>onPerformSync</a:t>
+              <a:t>It should </a:t>
+            </a:r>
+            <a:r>
+              <a:rPr lang="en-US" i="1" dirty="0" smtClean="0"/>
+              <a:t>not</a:t>
             </a:r>
             <a:r>
               <a:rPr lang="en-US" dirty="0" smtClean="0"/>
-              <a:t>()</a:t>
-            </a:r>
-          </a:p>
-          <a:p>
-            <a:pPr lvl="1"/>
-            <a:endParaRPr lang="en-US" dirty="0"/>
-          </a:p>
-          <a:p>
+              <a:t> be localized!</a:t>
+            </a:r>
+          </a:p>
+          <a:p>
+            <a:pPr marL="457200" lvl="1" indent="0">
+              <a:buNone/>
+            </a:pPr>
+            <a:r>
+              <a:rPr lang="en-US" dirty="0"/>
+              <a:t>If the user switches locale, we would not </a:t>
+            </a:r>
             <a:r>
               <a:rPr lang="en-US" dirty="0" smtClean="0"/>
-              <a:t>Account</a:t>
-            </a:r>
-          </a:p>
-          <a:p>
+              <a:t>be able </a:t>
+            </a:r>
+            <a:r>
+              <a:rPr lang="en-US" dirty="0"/>
+              <a:t>to locate the old account, and may erroneously register multiple </a:t>
+            </a:r>
             <a:r>
               <a:rPr lang="en-US" dirty="0" smtClean="0"/>
-              <a:t>Bundle</a:t>
-            </a:r>
-          </a:p>
-          <a:p>
-            <a:r>
-              <a:rPr lang="en-US" dirty="0" smtClean="0"/>
-              <a:t>Authority</a:t>
-            </a:r>
-          </a:p>
-          <a:p>
-            <a:r>
-              <a:rPr lang="en-US" dirty="0" err="1" smtClean="0"/>
-              <a:t>ContentProviderClient</a:t>
-            </a:r>
-            <a:endParaRPr lang="en-US" dirty="0" smtClean="0"/>
-          </a:p>
-          <a:p>
-            <a:r>
-              <a:rPr lang="en-US" dirty="0" err="1" smtClean="0"/>
-              <a:t>SyncResult</a:t>
+              <a:t>accounts</a:t>
             </a:r>
             <a:endParaRPr lang="en-US" dirty="0"/>
           </a:p>
@@ -28985,7 +29427,7 @@
     </p:spTree>
     <p:extLst>
       <p:ext uri="{BB962C8B-B14F-4D97-AF65-F5344CB8AC3E}">
-        <p14:creationId xmlns:p14="http://schemas.microsoft.com/office/powerpoint/2010/main" val="1011405133"/>
+        <p14:creationId xmlns:p14="http://schemas.microsoft.com/office/powerpoint/2010/main" val="2551493412"/>
       </p:ext>
     </p:extLst>
   </p:cSld>
@@ -29999,6 +30441,2165 @@
 </file>
 
 <file path=ppt/slides/slide30.xml><?xml version="1.0" encoding="utf-8"?>
+<p:sld xmlns:a="http://schemas.openxmlformats.org/drawingml/2006/main" xmlns:r="http://schemas.openxmlformats.org/officeDocument/2006/relationships" xmlns:p="http://schemas.openxmlformats.org/presentationml/2006/main">
+  <p:cSld>
+    <p:spTree>
+      <p:nvGrpSpPr>
+        <p:cNvPr id="1" name=""/>
+        <p:cNvGrpSpPr/>
+        <p:nvPr/>
+      </p:nvGrpSpPr>
+      <p:grpSpPr>
+        <a:xfrm>
+          <a:off x="0" y="0"/>
+          <a:ext cx="0" cy="0"/>
+          <a:chOff x="0" y="0"/>
+          <a:chExt cx="0" cy="0"/>
+        </a:xfrm>
+      </p:grpSpPr>
+      <p:sp>
+        <p:nvSpPr>
+          <p:cNvPr id="2" name="Title 1"/>
+          <p:cNvSpPr>
+            <a:spLocks noGrp="1"/>
+          </p:cNvSpPr>
+          <p:nvPr>
+            <p:ph type="title"/>
+          </p:nvPr>
+        </p:nvSpPr>
+        <p:spPr/>
+        <p:txBody>
+          <a:bodyPr/>
+          <a:lstStyle/>
+          <a:p>
+            <a:r>
+              <a:rPr lang="en-US" dirty="0" smtClean="0"/>
+              <a:t>Recap</a:t>
+            </a:r>
+            <a:endParaRPr lang="en-US" dirty="0"/>
+          </a:p>
+        </p:txBody>
+      </p:sp>
+      <p:sp>
+        <p:nvSpPr>
+          <p:cNvPr id="3" name="Content Placeholder 2"/>
+          <p:cNvSpPr>
+            <a:spLocks noGrp="1"/>
+          </p:cNvSpPr>
+          <p:nvPr>
+            <p:ph idx="1"/>
+          </p:nvPr>
+        </p:nvSpPr>
+        <p:spPr/>
+        <p:txBody>
+          <a:bodyPr>
+            <a:normAutofit/>
+          </a:bodyPr>
+          <a:lstStyle/>
+          <a:p>
+            <a:r>
+              <a:rPr lang="en-US" dirty="0" err="1" smtClean="0"/>
+              <a:t>SyncAdapters</a:t>
+            </a:r>
+            <a:r>
+              <a:rPr lang="en-US" dirty="0" smtClean="0"/>
+              <a:t> can be used to:</a:t>
+            </a:r>
+          </a:p>
+          <a:p>
+            <a:pPr lvl="1"/>
+            <a:r>
+              <a:rPr lang="en-US" dirty="0" smtClean="0"/>
+              <a:t>Fetch </a:t>
+            </a:r>
+            <a:r>
+              <a:rPr lang="en-US" dirty="0"/>
+              <a:t>background data for an </a:t>
+            </a:r>
+            <a:r>
+              <a:rPr lang="en-US" dirty="0" smtClean="0"/>
+              <a:t>app</a:t>
+            </a:r>
+            <a:endParaRPr lang="en-US" dirty="0" smtClean="0"/>
+          </a:p>
+          <a:p>
+            <a:pPr lvl="1"/>
+            <a:r>
+              <a:rPr lang="en-US" dirty="0" smtClean="0"/>
+              <a:t>Execute </a:t>
+            </a:r>
+            <a:r>
+              <a:rPr lang="en-US" dirty="0"/>
+              <a:t>your data transfer </a:t>
+            </a:r>
+            <a:r>
+              <a:rPr lang="en-US" dirty="0" smtClean="0"/>
+              <a:t>code</a:t>
+            </a:r>
+          </a:p>
+          <a:p>
+            <a:pPr lvl="2"/>
+            <a:r>
+              <a:rPr lang="en-US" dirty="0" smtClean="0"/>
+              <a:t>at </a:t>
+            </a:r>
+            <a:r>
+              <a:rPr lang="en-US" dirty="0"/>
+              <a:t>configurable </a:t>
+            </a:r>
+            <a:r>
+              <a:rPr lang="en-US" dirty="0" smtClean="0"/>
+              <a:t>intervals</a:t>
+            </a:r>
+          </a:p>
+          <a:p>
+            <a:pPr lvl="2"/>
+            <a:r>
+              <a:rPr lang="en-US" dirty="0" smtClean="0"/>
+              <a:t>while </a:t>
+            </a:r>
+            <a:r>
+              <a:rPr lang="en-US" dirty="0"/>
+              <a:t>efficiently using battery and other system </a:t>
+            </a:r>
+            <a:r>
+              <a:rPr lang="en-US" dirty="0" smtClean="0"/>
+              <a:t>resources</a:t>
+            </a:r>
+            <a:endParaRPr lang="en-US" dirty="0"/>
+          </a:p>
+        </p:txBody>
+      </p:sp>
+    </p:spTree>
+    <p:extLst>
+      <p:ext uri="{BB962C8B-B14F-4D97-AF65-F5344CB8AC3E}">
+        <p14:creationId xmlns:p14="http://schemas.microsoft.com/office/powerpoint/2010/main" val="2364295274"/>
+      </p:ext>
+    </p:extLst>
+  </p:cSld>
+  <p:clrMapOvr>
+    <a:masterClrMapping/>
+  </p:clrMapOvr>
+  <mc:AlternateContent xmlns:mc="http://schemas.openxmlformats.org/markup-compatibility/2006" xmlns:p14="http://schemas.microsoft.com/office/powerpoint/2010/main">
+    <mc:Choice Requires="p14">
+      <p:transition p14:dur="250">
+        <p14:reveal/>
+      </p:transition>
+    </mc:Choice>
+    <mc:Fallback xmlns="">
+      <p:transition>
+        <p:fade/>
+      </p:transition>
+    </mc:Fallback>
+  </mc:AlternateContent>
+  <p:timing>
+    <p:tnLst>
+      <p:par>
+        <p:cTn id="1" dur="indefinite" restart="never" nodeType="tmRoot"/>
+      </p:par>
+    </p:tnLst>
+  </p:timing>
+</p:sld>
+</file>
+
+<file path=ppt/slides/slide31.xml><?xml version="1.0" encoding="utf-8"?>
+<p:sld xmlns:a="http://schemas.openxmlformats.org/drawingml/2006/main" xmlns:r="http://schemas.openxmlformats.org/officeDocument/2006/relationships" xmlns:p="http://schemas.openxmlformats.org/presentationml/2006/main">
+  <p:cSld>
+    <p:spTree>
+      <p:nvGrpSpPr>
+        <p:cNvPr id="1" name=""/>
+        <p:cNvGrpSpPr/>
+        <p:nvPr/>
+      </p:nvGrpSpPr>
+      <p:grpSpPr>
+        <a:xfrm>
+          <a:off x="0" y="0"/>
+          <a:ext cx="0" cy="0"/>
+          <a:chOff x="0" y="0"/>
+          <a:chExt cx="0" cy="0"/>
+        </a:xfrm>
+      </p:grpSpPr>
+      <p:sp>
+        <p:nvSpPr>
+          <p:cNvPr id="2" name="Title 1"/>
+          <p:cNvSpPr>
+            <a:spLocks noGrp="1"/>
+          </p:cNvSpPr>
+          <p:nvPr>
+            <p:ph type="title"/>
+          </p:nvPr>
+        </p:nvSpPr>
+        <p:spPr/>
+        <p:txBody>
+          <a:bodyPr/>
+          <a:lstStyle/>
+          <a:p>
+            <a:r>
+              <a:rPr lang="en-US" dirty="0" smtClean="0"/>
+              <a:t>Recap</a:t>
+            </a:r>
+            <a:endParaRPr lang="en-US" dirty="0"/>
+          </a:p>
+        </p:txBody>
+      </p:sp>
+      <p:sp>
+        <p:nvSpPr>
+          <p:cNvPr id="3" name="Content Placeholder 2"/>
+          <p:cNvSpPr>
+            <a:spLocks noGrp="1"/>
+          </p:cNvSpPr>
+          <p:nvPr>
+            <p:ph idx="1"/>
+          </p:nvPr>
+        </p:nvSpPr>
+        <p:spPr/>
+        <p:txBody>
+          <a:bodyPr>
+            <a:normAutofit/>
+          </a:bodyPr>
+          <a:lstStyle/>
+          <a:p>
+            <a:r>
+              <a:rPr lang="en-US" dirty="0"/>
+              <a:t>Elements of a sync </a:t>
+            </a:r>
+            <a:r>
+              <a:rPr lang="en-US" dirty="0" smtClean="0"/>
+              <a:t>adapter:</a:t>
+            </a:r>
+            <a:endParaRPr lang="en-US" dirty="0"/>
+          </a:p>
+          <a:p>
+            <a:pPr lvl="1"/>
+            <a:r>
+              <a:rPr lang="en-US" dirty="0" smtClean="0"/>
+              <a:t>Create </a:t>
+            </a:r>
+            <a:r>
+              <a:rPr lang="en-US" dirty="0"/>
+              <a:t>a </a:t>
+            </a:r>
+            <a:r>
+              <a:rPr lang="en-US" dirty="0" smtClean="0"/>
+              <a:t>class </a:t>
+            </a:r>
+            <a:r>
+              <a:rPr lang="en-US" dirty="0"/>
+              <a:t>extending </a:t>
+            </a:r>
+            <a:r>
+              <a:rPr lang="en-US" dirty="0" err="1"/>
+              <a:t>AbstractThreadedSyncAdapter</a:t>
+            </a:r>
+            <a:r>
+              <a:rPr lang="en-US" dirty="0"/>
+              <a:t>.</a:t>
+            </a:r>
+          </a:p>
+          <a:p>
+            <a:pPr lvl="1"/>
+            <a:r>
+              <a:rPr lang="en-US" dirty="0" smtClean="0"/>
+              <a:t>Create </a:t>
+            </a:r>
+            <a:r>
+              <a:rPr lang="en-US" dirty="0"/>
+              <a:t>a bound Service which the OS uses to initiate a sync.</a:t>
+            </a:r>
+          </a:p>
+          <a:p>
+            <a:pPr lvl="1"/>
+            <a:r>
+              <a:rPr lang="en-US" dirty="0" smtClean="0"/>
+              <a:t>Define </a:t>
+            </a:r>
+            <a:r>
+              <a:rPr lang="en-US" dirty="0"/>
+              <a:t>the sync adapter properties in an XML resource file.</a:t>
+            </a:r>
+          </a:p>
+          <a:p>
+            <a:pPr lvl="1"/>
+            <a:r>
+              <a:rPr lang="en-US" smtClean="0"/>
+              <a:t>Declare </a:t>
+            </a:r>
+            <a:r>
+              <a:rPr lang="en-US" dirty="0"/>
+              <a:t>the bound Service in the app manifest.</a:t>
+            </a:r>
+            <a:endParaRPr lang="en-US" dirty="0"/>
+          </a:p>
+        </p:txBody>
+      </p:sp>
+    </p:spTree>
+    <p:extLst>
+      <p:ext uri="{BB962C8B-B14F-4D97-AF65-F5344CB8AC3E}">
+        <p14:creationId xmlns:p14="http://schemas.microsoft.com/office/powerpoint/2010/main" val="57911561"/>
+      </p:ext>
+    </p:extLst>
+  </p:cSld>
+  <p:clrMapOvr>
+    <a:masterClrMapping/>
+  </p:clrMapOvr>
+  <mc:AlternateContent xmlns:mc="http://schemas.openxmlformats.org/markup-compatibility/2006" xmlns:p14="http://schemas.microsoft.com/office/powerpoint/2010/main">
+    <mc:Choice Requires="p14">
+      <p:transition p14:dur="250">
+        <p14:reveal/>
+      </p:transition>
+    </mc:Choice>
+    <mc:Fallback xmlns="">
+      <p:transition>
+        <p:fade/>
+      </p:transition>
+    </mc:Fallback>
+  </mc:AlternateContent>
+  <p:timing>
+    <p:tnLst>
+      <p:par>
+        <p:cTn id="1" dur="indefinite" restart="never" nodeType="tmRoot"/>
+      </p:par>
+    </p:tnLst>
+  </p:timing>
+</p:sld>
+</file>
+
+<file path=ppt/slides/slide32.xml><?xml version="1.0" encoding="utf-8"?>
+<p:sld xmlns:a="http://schemas.openxmlformats.org/drawingml/2006/main" xmlns:r="http://schemas.openxmlformats.org/officeDocument/2006/relationships" xmlns:p="http://schemas.openxmlformats.org/presentationml/2006/main" show="0">
+  <p:cSld>
+    <p:spTree>
+      <p:nvGrpSpPr>
+        <p:cNvPr id="1" name=""/>
+        <p:cNvGrpSpPr/>
+        <p:nvPr/>
+      </p:nvGrpSpPr>
+      <p:grpSpPr>
+        <a:xfrm>
+          <a:off x="0" y="0"/>
+          <a:ext cx="0" cy="0"/>
+          <a:chOff x="0" y="0"/>
+          <a:chExt cx="0" cy="0"/>
+        </a:xfrm>
+      </p:grpSpPr>
+      <p:sp>
+        <p:nvSpPr>
+          <p:cNvPr id="3" name="Title 2"/>
+          <p:cNvSpPr>
+            <a:spLocks noGrp="1"/>
+          </p:cNvSpPr>
+          <p:nvPr>
+            <p:ph type="title"/>
+          </p:nvPr>
+        </p:nvSpPr>
+        <p:spPr/>
+        <p:txBody>
+          <a:bodyPr/>
+          <a:lstStyle/>
+          <a:p>
+            <a:endParaRPr lang="en-US"/>
+          </a:p>
+        </p:txBody>
+      </p:sp>
+      <p:sp>
+        <p:nvSpPr>
+          <p:cNvPr id="4" name="Content Placeholder 3"/>
+          <p:cNvSpPr>
+            <a:spLocks noGrp="1"/>
+          </p:cNvSpPr>
+          <p:nvPr>
+            <p:ph idx="1"/>
+          </p:nvPr>
+        </p:nvSpPr>
+        <p:spPr/>
+        <p:txBody>
+          <a:bodyPr>
+            <a:normAutofit fontScale="92500" lnSpcReduction="10000"/>
+          </a:bodyPr>
+          <a:lstStyle/>
+          <a:p>
+            <a:r>
+              <a:rPr lang="en-US" dirty="0">
+                <a:hlinkClick r:id="rId2"/>
+              </a:rPr>
+              <a:t>https://</a:t>
+            </a:r>
+            <a:r>
+              <a:rPr lang="en-US" dirty="0" smtClean="0">
+                <a:hlinkClick r:id="rId2"/>
+              </a:rPr>
+              <a:t>github.com/googlesamples/android-BasicSyncAdapter</a:t>
+            </a:r>
+            <a:endParaRPr lang="en-US" dirty="0" smtClean="0"/>
+          </a:p>
+          <a:p>
+            <a:r>
+              <a:rPr lang="en-US" dirty="0">
+                <a:hlinkClick r:id="rId3"/>
+              </a:rPr>
+              <a:t>https://</a:t>
+            </a:r>
+            <a:r>
+              <a:rPr lang="en-US" dirty="0" smtClean="0">
+                <a:hlinkClick r:id="rId3"/>
+              </a:rPr>
+              <a:t>developer.android.com/training/sync-adapters/creating-sync-adapter.html</a:t>
+            </a:r>
+            <a:endParaRPr lang="en-US" dirty="0" smtClean="0"/>
+          </a:p>
+          <a:p>
+            <a:r>
+              <a:rPr lang="en-US" dirty="0">
+                <a:hlinkClick r:id="rId4"/>
+              </a:rPr>
+              <a:t>https://</a:t>
+            </a:r>
+            <a:r>
+              <a:rPr lang="en-US" dirty="0" smtClean="0">
+                <a:hlinkClick r:id="rId4"/>
+              </a:rPr>
+              <a:t>developer.android.com/training/sync-adapters/index.html</a:t>
+            </a:r>
+            <a:endParaRPr lang="en-US" dirty="0" smtClean="0"/>
+          </a:p>
+          <a:p>
+            <a:r>
+              <a:rPr lang="en-US" dirty="0">
+                <a:hlinkClick r:id="rId5"/>
+              </a:rPr>
+              <a:t>http://blog.udinic.com/2013/07/24/write-your-own-android-sync-adapter</a:t>
+            </a:r>
+            <a:r>
+              <a:rPr lang="en-US" dirty="0" smtClean="0">
+                <a:hlinkClick r:id="rId5"/>
+              </a:rPr>
+              <a:t>/</a:t>
+            </a:r>
+            <a:endParaRPr lang="en-US" dirty="0" smtClean="0"/>
+          </a:p>
+          <a:p>
+            <a:r>
+              <a:rPr lang="en-US" dirty="0">
+                <a:hlinkClick r:id="rId6"/>
+              </a:rPr>
+              <a:t>https://</a:t>
+            </a:r>
+            <a:r>
+              <a:rPr lang="en-US" dirty="0" smtClean="0">
+                <a:hlinkClick r:id="rId6"/>
+              </a:rPr>
+              <a:t>software.intel.com/en-us/android/articles/handling-offline-capability-and-data-sync-in-an-android-app-part-2</a:t>
+            </a:r>
+            <a:endParaRPr lang="en-US" dirty="0" smtClean="0"/>
+          </a:p>
+        </p:txBody>
+      </p:sp>
+    </p:spTree>
+    <p:extLst>
+      <p:ext uri="{BB962C8B-B14F-4D97-AF65-F5344CB8AC3E}">
+        <p14:creationId xmlns:p14="http://schemas.microsoft.com/office/powerpoint/2010/main" val="351412801"/>
+      </p:ext>
+    </p:extLst>
+  </p:cSld>
+  <p:clrMapOvr>
+    <a:masterClrMapping/>
+  </p:clrMapOvr>
+  <mc:AlternateContent xmlns:mc="http://schemas.openxmlformats.org/markup-compatibility/2006" xmlns:p14="http://schemas.microsoft.com/office/powerpoint/2010/main">
+    <mc:Choice Requires="p14">
+      <p:transition p14:dur="250">
+        <p14:reveal/>
+      </p:transition>
+    </mc:Choice>
+    <mc:Fallback xmlns="">
+      <p:transition>
+        <p:fade/>
+      </p:transition>
+    </mc:Fallback>
+  </mc:AlternateContent>
+  <p:timing>
+    <p:tnLst>
+      <p:par>
+        <p:cTn id="1" dur="indefinite" restart="never" nodeType="tmRoot"/>
+      </p:par>
+    </p:tnLst>
+  </p:timing>
+</p:sld>
+</file>
+
+<file path=ppt/slides/slide33.xml><?xml version="1.0" encoding="utf-8"?>
+<p:sld xmlns:a="http://schemas.openxmlformats.org/drawingml/2006/main" xmlns:r="http://schemas.openxmlformats.org/officeDocument/2006/relationships" xmlns:p="http://schemas.openxmlformats.org/presentationml/2006/main">
+  <p:cSld>
+    <p:spTree>
+      <p:nvGrpSpPr>
+        <p:cNvPr id="1" name=""/>
+        <p:cNvGrpSpPr/>
+        <p:nvPr/>
+      </p:nvGrpSpPr>
+      <p:grpSpPr>
+        <a:xfrm>
+          <a:off x="0" y="0"/>
+          <a:ext cx="0" cy="0"/>
+          <a:chOff x="0" y="0"/>
+          <a:chExt cx="0" cy="0"/>
+        </a:xfrm>
+      </p:grpSpPr>
+      <p:sp>
+        <p:nvSpPr>
+          <p:cNvPr id="2" name="Title 1"/>
+          <p:cNvSpPr>
+            <a:spLocks noGrp="1"/>
+          </p:cNvSpPr>
+          <p:nvPr>
+            <p:ph type="title"/>
+          </p:nvPr>
+        </p:nvSpPr>
+        <p:spPr/>
+        <p:txBody>
+          <a:bodyPr/>
+          <a:lstStyle/>
+          <a:p>
+            <a:endParaRPr lang="en-US"/>
+          </a:p>
+        </p:txBody>
+      </p:sp>
+      <p:sp>
+        <p:nvSpPr>
+          <p:cNvPr id="3" name="Content Placeholder 2"/>
+          <p:cNvSpPr>
+            <a:spLocks noGrp="1"/>
+          </p:cNvSpPr>
+          <p:nvPr>
+            <p:ph idx="1"/>
+          </p:nvPr>
+        </p:nvSpPr>
+        <p:spPr/>
+        <p:txBody>
+          <a:bodyPr>
+            <a:normAutofit lnSpcReduction="10000"/>
+          </a:bodyPr>
+          <a:lstStyle/>
+          <a:p>
+            <a:r>
+              <a:rPr lang="en-US" dirty="0" err="1" smtClean="0"/>
+              <a:t>SyncAdapters</a:t>
+            </a:r>
+            <a:r>
+              <a:rPr lang="en-US" dirty="0" smtClean="0"/>
+              <a:t> can be used to:</a:t>
+            </a:r>
+          </a:p>
+          <a:p>
+            <a:pPr lvl="1"/>
+            <a:r>
+              <a:rPr lang="en-US" dirty="0" smtClean="0"/>
+              <a:t>fetch </a:t>
+            </a:r>
+            <a:r>
+              <a:rPr lang="en-US" dirty="0"/>
+              <a:t>background data for an </a:t>
+            </a:r>
+            <a:r>
+              <a:rPr lang="en-US" dirty="0" smtClean="0"/>
+              <a:t>app.</a:t>
+            </a:r>
+          </a:p>
+          <a:p>
+            <a:pPr lvl="1"/>
+            <a:r>
+              <a:rPr lang="en-US" dirty="0" smtClean="0"/>
+              <a:t>execute </a:t>
+            </a:r>
+            <a:r>
+              <a:rPr lang="en-US" dirty="0"/>
+              <a:t>your data transfer code at configurable intervals, while efficiently using battery and other system </a:t>
+            </a:r>
+            <a:r>
+              <a:rPr lang="en-US" dirty="0" smtClean="0"/>
+              <a:t>resources</a:t>
+            </a:r>
+            <a:endParaRPr lang="en-US" dirty="0"/>
+          </a:p>
+          <a:p>
+            <a:r>
+              <a:rPr lang="en-US" dirty="0" smtClean="0"/>
+              <a:t>Elements </a:t>
+            </a:r>
+            <a:r>
+              <a:rPr lang="en-US" dirty="0"/>
+              <a:t>of a sync </a:t>
+            </a:r>
+            <a:r>
+              <a:rPr lang="en-US" dirty="0" smtClean="0"/>
+              <a:t>adapter:</a:t>
+            </a:r>
+            <a:endParaRPr lang="en-US" dirty="0"/>
+          </a:p>
+          <a:p>
+            <a:pPr lvl="1"/>
+            <a:r>
+              <a:rPr lang="en-US" dirty="0"/>
+              <a:t>Creates a sync adapter class.</a:t>
+            </a:r>
+          </a:p>
+          <a:p>
+            <a:pPr lvl="1"/>
+            <a:r>
+              <a:rPr lang="en-US" dirty="0"/>
+              <a:t>Creates a bound Service which the OS uses to initiate a sync.</a:t>
+            </a:r>
+          </a:p>
+          <a:p>
+            <a:pPr lvl="1"/>
+            <a:r>
+              <a:rPr lang="en-US" dirty="0"/>
+              <a:t>Defines the sync adapter properties in an XML resource file.</a:t>
+            </a:r>
+          </a:p>
+          <a:p>
+            <a:pPr lvl="1"/>
+            <a:r>
+              <a:rPr lang="en-US" dirty="0"/>
+              <a:t>Declares the bound Service in the app manifest.</a:t>
+            </a:r>
+          </a:p>
+        </p:txBody>
+      </p:sp>
+    </p:spTree>
+    <p:extLst>
+      <p:ext uri="{BB962C8B-B14F-4D97-AF65-F5344CB8AC3E}">
+        <p14:creationId xmlns:p14="http://schemas.microsoft.com/office/powerpoint/2010/main" val="2618876820"/>
+      </p:ext>
+    </p:extLst>
+  </p:cSld>
+  <p:clrMapOvr>
+    <a:masterClrMapping/>
+  </p:clrMapOvr>
+  <mc:AlternateContent xmlns:mc="http://schemas.openxmlformats.org/markup-compatibility/2006" xmlns:p14="http://schemas.microsoft.com/office/powerpoint/2010/main">
+    <mc:Choice Requires="p14">
+      <p:transition p14:dur="250">
+        <p14:reveal/>
+      </p:transition>
+    </mc:Choice>
+    <mc:Fallback xmlns="">
+      <p:transition>
+        <p:fade/>
+      </p:transition>
+    </mc:Fallback>
+  </mc:AlternateContent>
+  <p:timing>
+    <p:tnLst>
+      <p:par>
+        <p:cTn id="1" dur="indefinite" restart="never" nodeType="tmRoot"/>
+      </p:par>
+    </p:tnLst>
+  </p:timing>
+</p:sld>
+</file>
+
+<file path=ppt/slides/slide34.xml><?xml version="1.0" encoding="utf-8"?>
+<p:sld xmlns:a="http://schemas.openxmlformats.org/drawingml/2006/main" xmlns:r="http://schemas.openxmlformats.org/officeDocument/2006/relationships" xmlns:p="http://schemas.openxmlformats.org/presentationml/2006/main">
+  <p:cSld>
+    <p:spTree>
+      <p:nvGrpSpPr>
+        <p:cNvPr id="1" name=""/>
+        <p:cNvGrpSpPr/>
+        <p:nvPr/>
+      </p:nvGrpSpPr>
+      <p:grpSpPr>
+        <a:xfrm>
+          <a:off x="0" y="0"/>
+          <a:ext cx="0" cy="0"/>
+          <a:chOff x="0" y="0"/>
+          <a:chExt cx="0" cy="0"/>
+        </a:xfrm>
+      </p:grpSpPr>
+      <p:sp>
+        <p:nvSpPr>
+          <p:cNvPr id="3" name="Title 2"/>
+          <p:cNvSpPr>
+            <a:spLocks noGrp="1"/>
+          </p:cNvSpPr>
+          <p:nvPr>
+            <p:ph type="title"/>
+          </p:nvPr>
+        </p:nvSpPr>
+        <p:spPr/>
+        <p:txBody>
+          <a:bodyPr>
+            <a:normAutofit fontScale="90000"/>
+          </a:bodyPr>
+          <a:lstStyle/>
+          <a:p>
+            <a:r>
+              <a:rPr lang="en-US" dirty="0"/>
+              <a:t>Extend the base sync adapter class </a:t>
+            </a:r>
+            <a:r>
+              <a:rPr lang="en-US" dirty="0" err="1"/>
+              <a:t>AbstractThreadedSyncAdapter</a:t>
+            </a:r>
+            <a:endParaRPr lang="en-US" dirty="0"/>
+          </a:p>
+        </p:txBody>
+      </p:sp>
+      <p:sp>
+        <p:nvSpPr>
+          <p:cNvPr id="5" name="Rectangle 1"/>
+          <p:cNvSpPr>
+            <a:spLocks noGrp="1" noChangeArrowheads="1"/>
+          </p:cNvSpPr>
+          <p:nvPr>
+            <p:ph idx="1"/>
+          </p:nvPr>
+        </p:nvSpPr>
+        <p:spPr bwMode="auto">
+          <a:xfrm>
+            <a:off x="983432" y="1818982"/>
+            <a:ext cx="7383431" cy="4462760"/>
+          </a:xfrm>
+          <a:prstGeom prst="rect">
+            <a:avLst/>
+          </a:prstGeom>
+          <a:solidFill>
+            <a:srgbClr val="F7F7F7"/>
+          </a:solidFill>
+          <a:ln>
+            <a:noFill/>
+          </a:ln>
+          <a:effectLst/>
+          <a:extLst>
+            <a:ext uri="{91240B29-F687-4F45-9708-019B960494DF}">
+              <a14:hiddenLine xmlns:a14="http://schemas.microsoft.com/office/drawing/2010/main" w="9525">
+                <a:solidFill>
+                  <a:schemeClr val="tx1"/>
+                </a:solidFill>
+                <a:miter lim="800000"/>
+                <a:headEnd/>
+                <a:tailEnd/>
+              </a14:hiddenLine>
+            </a:ext>
+            <a:ext uri="{AF507438-7753-43E0-B8FC-AC1667EBCBE1}">
+              <a14:hiddenEffects xmlns:a14="http://schemas.microsoft.com/office/drawing/2010/main">
+                <a:effectLst>
+                  <a:outerShdw dist="35921" dir="2700000" algn="ctr" rotWithShape="0">
+                    <a:schemeClr val="bg2"/>
+                  </a:outerShdw>
+                </a:effectLst>
+              </a14:hiddenEffects>
+            </a:ext>
+          </a:extLst>
+        </p:spPr>
+        <p:txBody>
+          <a:bodyPr vert="horz" wrap="none" lIns="457200" tIns="182880" rIns="457200" bIns="182880" numCol="1" anchor="ctr" anchorCtr="0" compatLnSpc="1">
+            <a:prstTxWarp prst="textNoShape">
+              <a:avLst/>
+            </a:prstTxWarp>
+            <a:spAutoFit/>
+          </a:bodyPr>
+          <a:lstStyle/>
+          <a:p>
+            <a:pPr marL="0" marR="0" lvl="0" indent="0" algn="l" defTabSz="914400" rtl="0" eaLnBrk="0" fontAlgn="base" latinLnBrk="0" hangingPunct="0">
+              <a:lnSpc>
+                <a:spcPct val="100000"/>
+              </a:lnSpc>
+              <a:spcBef>
+                <a:spcPct val="0"/>
+              </a:spcBef>
+              <a:spcAft>
+                <a:spcPct val="0"/>
+              </a:spcAft>
+              <a:buClrTx/>
+              <a:buSzTx/>
+              <a:buFontTx/>
+              <a:buNone/>
+              <a:tabLst/>
+            </a:pPr>
+            <a:r>
+              <a:rPr kumimoji="0" lang="en-US" altLang="en-US" sz="1400" b="0" i="0" u="none" strike="noStrike" cap="none" normalizeH="0" baseline="0" dirty="0" smtClean="0">
+                <a:ln>
+                  <a:noFill/>
+                </a:ln>
+                <a:solidFill>
+                  <a:srgbClr val="006600"/>
+                </a:solidFill>
+                <a:effectLst/>
+                <a:latin typeface="Consolas" panose="020B0609020204030204" pitchFamily="49" charset="0"/>
+              </a:rPr>
+              <a:t>/**</a:t>
+            </a:r>
+            <a:br>
+              <a:rPr kumimoji="0" lang="en-US" altLang="en-US" sz="1400" b="0" i="0" u="none" strike="noStrike" cap="none" normalizeH="0" baseline="0" dirty="0" smtClean="0">
+                <a:ln>
+                  <a:noFill/>
+                </a:ln>
+                <a:solidFill>
+                  <a:srgbClr val="006600"/>
+                </a:solidFill>
+                <a:effectLst/>
+                <a:latin typeface="Consolas" panose="020B0609020204030204" pitchFamily="49" charset="0"/>
+              </a:rPr>
+            </a:br>
+            <a:r>
+              <a:rPr kumimoji="0" lang="en-US" altLang="en-US" sz="1400" b="0" i="0" u="none" strike="noStrike" cap="none" normalizeH="0" baseline="0" dirty="0" smtClean="0">
+                <a:ln>
+                  <a:noFill/>
+                </a:ln>
+                <a:solidFill>
+                  <a:srgbClr val="006600"/>
+                </a:solidFill>
+                <a:effectLst/>
+                <a:latin typeface="Consolas" panose="020B0609020204030204" pitchFamily="49" charset="0"/>
+              </a:rPr>
+              <a:t> * Handle the transfer of data between a server and an</a:t>
+            </a:r>
+            <a:br>
+              <a:rPr kumimoji="0" lang="en-US" altLang="en-US" sz="1400" b="0" i="0" u="none" strike="noStrike" cap="none" normalizeH="0" baseline="0" dirty="0" smtClean="0">
+                <a:ln>
+                  <a:noFill/>
+                </a:ln>
+                <a:solidFill>
+                  <a:srgbClr val="006600"/>
+                </a:solidFill>
+                <a:effectLst/>
+                <a:latin typeface="Consolas" panose="020B0609020204030204" pitchFamily="49" charset="0"/>
+              </a:rPr>
+            </a:br>
+            <a:r>
+              <a:rPr kumimoji="0" lang="en-US" altLang="en-US" sz="1400" b="0" i="0" u="none" strike="noStrike" cap="none" normalizeH="0" baseline="0" dirty="0" smtClean="0">
+                <a:ln>
+                  <a:noFill/>
+                </a:ln>
+                <a:solidFill>
+                  <a:srgbClr val="006600"/>
+                </a:solidFill>
+                <a:effectLst/>
+                <a:latin typeface="Consolas" panose="020B0609020204030204" pitchFamily="49" charset="0"/>
+              </a:rPr>
+              <a:t> * app, using the Android sync adapter framework.</a:t>
+            </a:r>
+            <a:br>
+              <a:rPr kumimoji="0" lang="en-US" altLang="en-US" sz="1400" b="0" i="0" u="none" strike="noStrike" cap="none" normalizeH="0" baseline="0" dirty="0" smtClean="0">
+                <a:ln>
+                  <a:noFill/>
+                </a:ln>
+                <a:solidFill>
+                  <a:srgbClr val="006600"/>
+                </a:solidFill>
+                <a:effectLst/>
+                <a:latin typeface="Consolas" panose="020B0609020204030204" pitchFamily="49" charset="0"/>
+              </a:rPr>
+            </a:br>
+            <a:r>
+              <a:rPr kumimoji="0" lang="en-US" altLang="en-US" sz="1400" b="0" i="0" u="none" strike="noStrike" cap="none" normalizeH="0" baseline="0" dirty="0" smtClean="0">
+                <a:ln>
+                  <a:noFill/>
+                </a:ln>
+                <a:solidFill>
+                  <a:srgbClr val="006600"/>
+                </a:solidFill>
+                <a:effectLst/>
+                <a:latin typeface="Consolas" panose="020B0609020204030204" pitchFamily="49" charset="0"/>
+              </a:rPr>
+              <a:t> */</a:t>
+            </a:r>
+            <a:r>
+              <a:rPr kumimoji="0" lang="en-US" altLang="en-US" sz="1400" b="0" i="0" u="none" strike="noStrike" cap="none" normalizeH="0" baseline="0" dirty="0" smtClean="0">
+                <a:ln>
+                  <a:noFill/>
+                </a:ln>
+                <a:solidFill>
+                  <a:srgbClr val="000000"/>
+                </a:solidFill>
+                <a:effectLst/>
+                <a:latin typeface="Consolas" panose="020B0609020204030204" pitchFamily="49" charset="0"/>
+              </a:rPr>
+              <a:t/>
+            </a:r>
+            <a:br>
+              <a:rPr kumimoji="0" lang="en-US" altLang="en-US" sz="1400" b="0" i="0" u="none" strike="noStrike" cap="none" normalizeH="0" baseline="0" dirty="0" smtClean="0">
+                <a:ln>
+                  <a:noFill/>
+                </a:ln>
+                <a:solidFill>
+                  <a:srgbClr val="000000"/>
+                </a:solidFill>
+                <a:effectLst/>
+                <a:latin typeface="Consolas" panose="020B0609020204030204" pitchFamily="49" charset="0"/>
+              </a:rPr>
+            </a:br>
+            <a:r>
+              <a:rPr kumimoji="0" lang="en-US" altLang="en-US" sz="1400" b="0" i="0" u="none" strike="noStrike" cap="none" normalizeH="0" baseline="0" dirty="0" smtClean="0">
+                <a:ln>
+                  <a:noFill/>
+                </a:ln>
+                <a:solidFill>
+                  <a:srgbClr val="000088"/>
+                </a:solidFill>
+                <a:effectLst/>
+                <a:latin typeface="Consolas" panose="020B0609020204030204" pitchFamily="49" charset="0"/>
+              </a:rPr>
+              <a:t>public</a:t>
+            </a:r>
+            <a:r>
+              <a:rPr kumimoji="0" lang="en-US" altLang="en-US" sz="1400" b="0" i="0" u="none" strike="noStrike" cap="none" normalizeH="0" baseline="0" dirty="0" smtClean="0">
+                <a:ln>
+                  <a:noFill/>
+                </a:ln>
+                <a:solidFill>
+                  <a:srgbClr val="000000"/>
+                </a:solidFill>
+                <a:effectLst/>
+                <a:latin typeface="Consolas" panose="020B0609020204030204" pitchFamily="49" charset="0"/>
+              </a:rPr>
+              <a:t> </a:t>
+            </a:r>
+            <a:r>
+              <a:rPr kumimoji="0" lang="en-US" altLang="en-US" sz="1400" b="0" i="0" u="none" strike="noStrike" cap="none" normalizeH="0" baseline="0" dirty="0" smtClean="0">
+                <a:ln>
+                  <a:noFill/>
+                </a:ln>
+                <a:solidFill>
+                  <a:srgbClr val="000088"/>
+                </a:solidFill>
+                <a:effectLst/>
+                <a:latin typeface="Consolas" panose="020B0609020204030204" pitchFamily="49" charset="0"/>
+              </a:rPr>
+              <a:t>class</a:t>
+            </a:r>
+            <a:r>
+              <a:rPr kumimoji="0" lang="en-US" altLang="en-US" sz="1400" b="0" i="0" u="none" strike="noStrike" cap="none" normalizeH="0" baseline="0" dirty="0" smtClean="0">
+                <a:ln>
+                  <a:noFill/>
+                </a:ln>
+                <a:solidFill>
+                  <a:srgbClr val="000000"/>
+                </a:solidFill>
+                <a:effectLst/>
+                <a:latin typeface="Consolas" panose="020B0609020204030204" pitchFamily="49" charset="0"/>
+              </a:rPr>
+              <a:t> </a:t>
+            </a:r>
+            <a:r>
+              <a:rPr kumimoji="0" lang="en-US" altLang="en-US" sz="1400" b="0" i="0" u="none" strike="noStrike" cap="none" normalizeH="0" baseline="0" dirty="0" err="1" smtClean="0">
+                <a:ln>
+                  <a:noFill/>
+                </a:ln>
+                <a:solidFill>
+                  <a:srgbClr val="660066"/>
+                </a:solidFill>
+                <a:effectLst/>
+                <a:latin typeface="Consolas" panose="020B0609020204030204" pitchFamily="49" charset="0"/>
+              </a:rPr>
+              <a:t>SyncAdapter</a:t>
+            </a:r>
+            <a:r>
+              <a:rPr kumimoji="0" lang="en-US" altLang="en-US" sz="1400" b="0" i="0" u="none" strike="noStrike" cap="none" normalizeH="0" baseline="0" dirty="0" smtClean="0">
+                <a:ln>
+                  <a:noFill/>
+                </a:ln>
+                <a:solidFill>
+                  <a:srgbClr val="000000"/>
+                </a:solidFill>
+                <a:effectLst/>
+                <a:latin typeface="Consolas" panose="020B0609020204030204" pitchFamily="49" charset="0"/>
+              </a:rPr>
+              <a:t> </a:t>
+            </a:r>
+            <a:r>
+              <a:rPr kumimoji="0" lang="en-US" altLang="en-US" sz="1400" b="0" i="0" u="none" strike="noStrike" cap="none" normalizeH="0" baseline="0" dirty="0" smtClean="0">
+                <a:ln>
+                  <a:noFill/>
+                </a:ln>
+                <a:solidFill>
+                  <a:srgbClr val="000088"/>
+                </a:solidFill>
+                <a:effectLst/>
+                <a:latin typeface="Consolas" panose="020B0609020204030204" pitchFamily="49" charset="0"/>
+              </a:rPr>
+              <a:t>extends</a:t>
+            </a:r>
+            <a:r>
+              <a:rPr kumimoji="0" lang="en-US" altLang="en-US" sz="1400" b="0" i="0" u="none" strike="noStrike" cap="none" normalizeH="0" baseline="0" dirty="0" smtClean="0">
+                <a:ln>
+                  <a:noFill/>
+                </a:ln>
+                <a:solidFill>
+                  <a:srgbClr val="000000"/>
+                </a:solidFill>
+                <a:effectLst/>
+                <a:latin typeface="Consolas" panose="020B0609020204030204" pitchFamily="49" charset="0"/>
+              </a:rPr>
+              <a:t> </a:t>
+            </a:r>
+            <a:r>
+              <a:rPr kumimoji="0" lang="en-US" altLang="en-US" sz="1400" b="0" i="0" u="none" strike="noStrike" cap="none" normalizeH="0" baseline="0" dirty="0" err="1" smtClean="0">
+                <a:ln>
+                  <a:noFill/>
+                </a:ln>
+                <a:solidFill>
+                  <a:srgbClr val="660066"/>
+                </a:solidFill>
+                <a:effectLst/>
+                <a:latin typeface="Consolas" panose="020B0609020204030204" pitchFamily="49" charset="0"/>
+              </a:rPr>
+              <a:t>AbstractThreadedSyncAdapter</a:t>
+            </a:r>
+            <a:r>
+              <a:rPr kumimoji="0" lang="en-US" altLang="en-US" sz="1400" b="0" i="0" u="none" strike="noStrike" cap="none" normalizeH="0" baseline="0" dirty="0" smtClean="0">
+                <a:ln>
+                  <a:noFill/>
+                </a:ln>
+                <a:solidFill>
+                  <a:srgbClr val="000000"/>
+                </a:solidFill>
+                <a:effectLst/>
+                <a:latin typeface="Consolas" panose="020B0609020204030204" pitchFamily="49" charset="0"/>
+              </a:rPr>
+              <a:t> </a:t>
+            </a:r>
+            <a:r>
+              <a:rPr kumimoji="0" lang="en-US" altLang="en-US" sz="1400" b="0" i="0" u="none" strike="noStrike" cap="none" normalizeH="0" baseline="0" dirty="0" smtClean="0">
+                <a:ln>
+                  <a:noFill/>
+                </a:ln>
+                <a:solidFill>
+                  <a:srgbClr val="666600"/>
+                </a:solidFill>
+                <a:effectLst/>
+                <a:latin typeface="Consolas" panose="020B0609020204030204" pitchFamily="49" charset="0"/>
+              </a:rPr>
+              <a:t>{</a:t>
+            </a:r>
+            <a:endParaRPr kumimoji="0" lang="en-US" altLang="en-US" sz="1400" b="0" i="0" u="none" strike="noStrike" cap="none" normalizeH="0" baseline="0" dirty="0" smtClean="0">
+              <a:ln>
+                <a:noFill/>
+              </a:ln>
+              <a:solidFill>
+                <a:schemeClr val="tx1"/>
+              </a:solidFill>
+              <a:effectLst/>
+              <a:latin typeface="Consolas" panose="020B0609020204030204" pitchFamily="49" charset="0"/>
+            </a:endParaRPr>
+          </a:p>
+          <a:p>
+            <a:pPr marL="0" indent="0" eaLnBrk="0" fontAlgn="base" hangingPunct="0">
+              <a:spcBef>
+                <a:spcPct val="0"/>
+              </a:spcBef>
+              <a:spcAft>
+                <a:spcPct val="0"/>
+              </a:spcAft>
+              <a:buNone/>
+            </a:pPr>
+            <a:r>
+              <a:rPr lang="en-US" altLang="en-US" sz="1400" dirty="0" smtClean="0">
+                <a:solidFill>
+                  <a:srgbClr val="006600"/>
+                </a:solidFill>
+                <a:latin typeface="Consolas" panose="020B0609020204030204" pitchFamily="49" charset="0"/>
+              </a:rPr>
+              <a:t>    /**</a:t>
+            </a:r>
+            <a:r>
+              <a:rPr lang="en-US" altLang="en-US" sz="1400" dirty="0">
+                <a:solidFill>
+                  <a:srgbClr val="006600"/>
+                </a:solidFill>
+                <a:latin typeface="Consolas" panose="020B0609020204030204" pitchFamily="49" charset="0"/>
+              </a:rPr>
+              <a:t/>
+            </a:r>
+            <a:br>
+              <a:rPr lang="en-US" altLang="en-US" sz="1400" dirty="0">
+                <a:solidFill>
+                  <a:srgbClr val="006600"/>
+                </a:solidFill>
+                <a:latin typeface="Consolas" panose="020B0609020204030204" pitchFamily="49" charset="0"/>
+              </a:rPr>
+            </a:br>
+            <a:r>
+              <a:rPr lang="en-US" altLang="en-US" sz="1400" dirty="0">
+                <a:solidFill>
+                  <a:srgbClr val="006600"/>
+                </a:solidFill>
+                <a:latin typeface="Consolas" panose="020B0609020204030204" pitchFamily="49" charset="0"/>
+              </a:rPr>
+              <a:t>     * Set up the sync adapter</a:t>
+            </a:r>
+            <a:br>
+              <a:rPr lang="en-US" altLang="en-US" sz="1400" dirty="0">
+                <a:solidFill>
+                  <a:srgbClr val="006600"/>
+                </a:solidFill>
+                <a:latin typeface="Consolas" panose="020B0609020204030204" pitchFamily="49" charset="0"/>
+              </a:rPr>
+            </a:br>
+            <a:r>
+              <a:rPr lang="en-US" altLang="en-US" sz="1400" dirty="0">
+                <a:solidFill>
+                  <a:srgbClr val="006600"/>
+                </a:solidFill>
+                <a:latin typeface="Consolas" panose="020B0609020204030204" pitchFamily="49" charset="0"/>
+              </a:rPr>
+              <a:t>     */</a:t>
+            </a:r>
+            <a:r>
+              <a:rPr lang="en-US" altLang="en-US" sz="1400" dirty="0">
+                <a:solidFill>
+                  <a:srgbClr val="000000"/>
+                </a:solidFill>
+                <a:latin typeface="Consolas" panose="020B0609020204030204" pitchFamily="49" charset="0"/>
+              </a:rPr>
+              <a:t/>
+            </a:r>
+            <a:br>
+              <a:rPr lang="en-US" altLang="en-US" sz="1400" dirty="0">
+                <a:solidFill>
+                  <a:srgbClr val="000000"/>
+                </a:solidFill>
+                <a:latin typeface="Consolas" panose="020B0609020204030204" pitchFamily="49" charset="0"/>
+              </a:rPr>
+            </a:br>
+            <a:r>
+              <a:rPr lang="en-US" altLang="en-US" sz="1400" dirty="0">
+                <a:solidFill>
+                  <a:srgbClr val="000000"/>
+                </a:solidFill>
+                <a:latin typeface="Consolas" panose="020B0609020204030204" pitchFamily="49" charset="0"/>
+              </a:rPr>
+              <a:t>    </a:t>
+            </a:r>
+            <a:r>
+              <a:rPr lang="en-US" altLang="en-US" sz="1400" dirty="0">
+                <a:solidFill>
+                  <a:srgbClr val="000088"/>
+                </a:solidFill>
+                <a:latin typeface="Consolas" panose="020B0609020204030204" pitchFamily="49" charset="0"/>
+              </a:rPr>
+              <a:t>public</a:t>
+            </a:r>
+            <a:r>
+              <a:rPr lang="en-US" altLang="en-US" sz="1400" dirty="0">
+                <a:solidFill>
+                  <a:srgbClr val="000000"/>
+                </a:solidFill>
+                <a:latin typeface="Consolas" panose="020B0609020204030204" pitchFamily="49" charset="0"/>
+              </a:rPr>
+              <a:t> </a:t>
+            </a:r>
+            <a:r>
+              <a:rPr lang="en-US" altLang="en-US" sz="1400" dirty="0" err="1">
+                <a:solidFill>
+                  <a:srgbClr val="660066"/>
+                </a:solidFill>
+                <a:latin typeface="Consolas" panose="020B0609020204030204" pitchFamily="49" charset="0"/>
+              </a:rPr>
+              <a:t>SyncAdapter</a:t>
+            </a:r>
+            <a:r>
+              <a:rPr lang="en-US" altLang="en-US" sz="1400" dirty="0">
+                <a:solidFill>
+                  <a:srgbClr val="666600"/>
+                </a:solidFill>
+                <a:latin typeface="Consolas" panose="020B0609020204030204" pitchFamily="49" charset="0"/>
+              </a:rPr>
+              <a:t>(</a:t>
+            </a:r>
+            <a:r>
+              <a:rPr lang="en-US" altLang="en-US" sz="1400" dirty="0">
+                <a:solidFill>
+                  <a:srgbClr val="660066"/>
+                </a:solidFill>
+                <a:latin typeface="Consolas" panose="020B0609020204030204" pitchFamily="49" charset="0"/>
+              </a:rPr>
+              <a:t>Context</a:t>
+            </a:r>
+            <a:r>
+              <a:rPr lang="en-US" altLang="en-US" sz="1400" dirty="0">
+                <a:solidFill>
+                  <a:srgbClr val="000000"/>
+                </a:solidFill>
+                <a:latin typeface="Consolas" panose="020B0609020204030204" pitchFamily="49" charset="0"/>
+              </a:rPr>
+              <a:t> </a:t>
+            </a:r>
+            <a:r>
+              <a:rPr lang="en-US" altLang="en-US" sz="1400" dirty="0" err="1">
+                <a:solidFill>
+                  <a:srgbClr val="000000"/>
+                </a:solidFill>
+                <a:latin typeface="Consolas" panose="020B0609020204030204" pitchFamily="49" charset="0"/>
+              </a:rPr>
+              <a:t>context</a:t>
+            </a:r>
+            <a:r>
+              <a:rPr lang="en-US" altLang="en-US" sz="1400" dirty="0">
+                <a:solidFill>
+                  <a:srgbClr val="666600"/>
+                </a:solidFill>
+                <a:latin typeface="Consolas" panose="020B0609020204030204" pitchFamily="49" charset="0"/>
+              </a:rPr>
+              <a:t>,</a:t>
+            </a:r>
+            <a:r>
+              <a:rPr lang="en-US" altLang="en-US" sz="1400" dirty="0">
+                <a:solidFill>
+                  <a:srgbClr val="000000"/>
+                </a:solidFill>
+                <a:latin typeface="Consolas" panose="020B0609020204030204" pitchFamily="49" charset="0"/>
+              </a:rPr>
+              <a:t> </a:t>
+            </a:r>
+            <a:r>
+              <a:rPr lang="en-US" altLang="en-US" sz="1400" dirty="0" err="1">
+                <a:solidFill>
+                  <a:srgbClr val="000088"/>
+                </a:solidFill>
+                <a:latin typeface="Consolas" panose="020B0609020204030204" pitchFamily="49" charset="0"/>
+              </a:rPr>
+              <a:t>boolean</a:t>
+            </a:r>
+            <a:r>
+              <a:rPr lang="en-US" altLang="en-US" sz="1400" dirty="0">
+                <a:solidFill>
+                  <a:srgbClr val="000000"/>
+                </a:solidFill>
+                <a:latin typeface="Consolas" panose="020B0609020204030204" pitchFamily="49" charset="0"/>
+              </a:rPr>
+              <a:t> </a:t>
+            </a:r>
+            <a:r>
+              <a:rPr lang="en-US" altLang="en-US" sz="1400" dirty="0" err="1">
+                <a:solidFill>
+                  <a:srgbClr val="000000"/>
+                </a:solidFill>
+                <a:latin typeface="Consolas" panose="020B0609020204030204" pitchFamily="49" charset="0"/>
+              </a:rPr>
+              <a:t>autoInitialize</a:t>
+            </a:r>
+            <a:r>
+              <a:rPr lang="en-US" altLang="en-US" sz="1400" dirty="0">
+                <a:solidFill>
+                  <a:srgbClr val="666600"/>
+                </a:solidFill>
+                <a:latin typeface="Consolas" panose="020B0609020204030204" pitchFamily="49" charset="0"/>
+              </a:rPr>
+              <a:t>)</a:t>
+            </a:r>
+            <a:r>
+              <a:rPr lang="en-US" altLang="en-US" sz="1400" dirty="0">
+                <a:solidFill>
+                  <a:srgbClr val="000000"/>
+                </a:solidFill>
+                <a:latin typeface="Consolas" panose="020B0609020204030204" pitchFamily="49" charset="0"/>
+              </a:rPr>
+              <a:t> </a:t>
+            </a:r>
+            <a:r>
+              <a:rPr lang="en-US" altLang="en-US" sz="1400" dirty="0" smtClean="0">
+                <a:solidFill>
+                  <a:srgbClr val="666600"/>
+                </a:solidFill>
+                <a:latin typeface="Consolas" panose="020B0609020204030204" pitchFamily="49" charset="0"/>
+              </a:rPr>
+              <a:t>{</a:t>
+            </a:r>
+          </a:p>
+          <a:p>
+            <a:pPr marL="0" lvl="0" indent="0" eaLnBrk="0" fontAlgn="base" hangingPunct="0">
+              <a:spcBef>
+                <a:spcPct val="0"/>
+              </a:spcBef>
+              <a:spcAft>
+                <a:spcPct val="0"/>
+              </a:spcAft>
+              <a:buNone/>
+            </a:pPr>
+            <a:r>
+              <a:rPr lang="en-US" altLang="en-US" sz="1400" dirty="0" smtClean="0">
+                <a:solidFill>
+                  <a:srgbClr val="000088"/>
+                </a:solidFill>
+                <a:latin typeface="Consolas" panose="020B0609020204030204" pitchFamily="49" charset="0"/>
+              </a:rPr>
+              <a:t>        super</a:t>
+            </a:r>
+            <a:r>
+              <a:rPr lang="en-US" altLang="en-US" sz="1400" dirty="0" smtClean="0">
+                <a:solidFill>
+                  <a:srgbClr val="666600"/>
+                </a:solidFill>
+                <a:latin typeface="Consolas" panose="020B0609020204030204" pitchFamily="49" charset="0"/>
+              </a:rPr>
+              <a:t>(</a:t>
+            </a:r>
+            <a:r>
+              <a:rPr lang="en-US" altLang="en-US" sz="1400" dirty="0" smtClean="0">
+                <a:solidFill>
+                  <a:srgbClr val="000000"/>
+                </a:solidFill>
+                <a:latin typeface="Consolas" panose="020B0609020204030204" pitchFamily="49" charset="0"/>
+              </a:rPr>
+              <a:t>context</a:t>
+            </a:r>
+            <a:r>
+              <a:rPr lang="en-US" altLang="en-US" sz="1400" dirty="0">
+                <a:solidFill>
+                  <a:srgbClr val="666600"/>
+                </a:solidFill>
+                <a:latin typeface="Consolas" panose="020B0609020204030204" pitchFamily="49" charset="0"/>
+              </a:rPr>
+              <a:t>,</a:t>
+            </a:r>
+            <a:r>
+              <a:rPr lang="en-US" altLang="en-US" sz="1400" dirty="0">
+                <a:solidFill>
+                  <a:srgbClr val="000000"/>
+                </a:solidFill>
+                <a:latin typeface="Consolas" panose="020B0609020204030204" pitchFamily="49" charset="0"/>
+              </a:rPr>
+              <a:t> </a:t>
+            </a:r>
+            <a:r>
+              <a:rPr lang="en-US" altLang="en-US" sz="1400" dirty="0" err="1">
+                <a:solidFill>
+                  <a:srgbClr val="000000"/>
+                </a:solidFill>
+                <a:latin typeface="Consolas" panose="020B0609020204030204" pitchFamily="49" charset="0"/>
+              </a:rPr>
+              <a:t>autoInitialize</a:t>
+            </a:r>
+            <a:r>
+              <a:rPr lang="en-US" altLang="en-US" sz="1400" dirty="0" smtClean="0">
+                <a:solidFill>
+                  <a:srgbClr val="666600"/>
+                </a:solidFill>
+                <a:latin typeface="Consolas" panose="020B0609020204030204" pitchFamily="49" charset="0"/>
+              </a:rPr>
+              <a:t>);</a:t>
+            </a:r>
+          </a:p>
+          <a:p>
+            <a:pPr marL="0" indent="0" eaLnBrk="0" fontAlgn="base" hangingPunct="0">
+              <a:spcBef>
+                <a:spcPct val="0"/>
+              </a:spcBef>
+              <a:spcAft>
+                <a:spcPct val="0"/>
+              </a:spcAft>
+              <a:buNone/>
+            </a:pPr>
+            <a:r>
+              <a:rPr lang="en-US" altLang="en-US" sz="1400" dirty="0">
+                <a:solidFill>
+                  <a:srgbClr val="666600"/>
+                </a:solidFill>
+                <a:latin typeface="Consolas" panose="020B0609020204030204" pitchFamily="49" charset="0"/>
+              </a:rPr>
+              <a:t> </a:t>
+            </a:r>
+            <a:r>
+              <a:rPr lang="en-US" altLang="en-US" sz="1400" dirty="0" smtClean="0">
+                <a:solidFill>
+                  <a:srgbClr val="666600"/>
+                </a:solidFill>
+                <a:latin typeface="Consolas" panose="020B0609020204030204" pitchFamily="49" charset="0"/>
+              </a:rPr>
+              <a:t>   }</a:t>
+            </a:r>
+          </a:p>
+          <a:p>
+            <a:pPr marL="0" indent="0" eaLnBrk="0" fontAlgn="base" hangingPunct="0">
+              <a:spcBef>
+                <a:spcPct val="0"/>
+              </a:spcBef>
+              <a:spcAft>
+                <a:spcPct val="0"/>
+              </a:spcAft>
+              <a:buNone/>
+            </a:pPr>
+            <a:endParaRPr lang="en-US" altLang="en-US" sz="1400" dirty="0" smtClean="0">
+              <a:solidFill>
+                <a:schemeClr val="tx1"/>
+              </a:solidFill>
+              <a:latin typeface="Consolas" panose="020B0609020204030204" pitchFamily="49" charset="0"/>
+            </a:endParaRPr>
+          </a:p>
+          <a:p>
+            <a:pPr marL="0" lvl="0" indent="0" eaLnBrk="0" fontAlgn="base" hangingPunct="0">
+              <a:spcBef>
+                <a:spcPct val="0"/>
+              </a:spcBef>
+              <a:spcAft>
+                <a:spcPct val="0"/>
+              </a:spcAft>
+              <a:buNone/>
+            </a:pPr>
+            <a:r>
+              <a:rPr lang="en-US" altLang="en-US" sz="1400" dirty="0" smtClean="0">
+                <a:solidFill>
+                  <a:srgbClr val="000088"/>
+                </a:solidFill>
+                <a:latin typeface="Consolas" panose="020B0609020204030204" pitchFamily="49" charset="0"/>
+              </a:rPr>
+              <a:t>    public</a:t>
+            </a:r>
+            <a:r>
+              <a:rPr lang="en-US" altLang="en-US" sz="1400" dirty="0" smtClean="0">
+                <a:solidFill>
+                  <a:srgbClr val="000000"/>
+                </a:solidFill>
+                <a:latin typeface="Consolas" panose="020B0609020204030204" pitchFamily="49" charset="0"/>
+              </a:rPr>
+              <a:t> </a:t>
+            </a:r>
+            <a:r>
+              <a:rPr lang="en-US" altLang="en-US" sz="1400" dirty="0" err="1">
+                <a:solidFill>
+                  <a:srgbClr val="660066"/>
+                </a:solidFill>
+                <a:latin typeface="Consolas" panose="020B0609020204030204" pitchFamily="49" charset="0"/>
+              </a:rPr>
+              <a:t>SyncAdapter</a:t>
+            </a:r>
+            <a:r>
+              <a:rPr lang="en-US" altLang="en-US" sz="1400" dirty="0">
+                <a:solidFill>
+                  <a:srgbClr val="666600"/>
+                </a:solidFill>
+                <a:latin typeface="Consolas" panose="020B0609020204030204" pitchFamily="49" charset="0"/>
+              </a:rPr>
+              <a:t>(</a:t>
+            </a:r>
+            <a:r>
+              <a:rPr lang="en-US" altLang="en-US" sz="1400" dirty="0">
+                <a:solidFill>
+                  <a:srgbClr val="000000"/>
+                </a:solidFill>
+                <a:latin typeface="Consolas" panose="020B0609020204030204" pitchFamily="49" charset="0"/>
+              </a:rPr>
+              <a:t/>
+            </a:r>
+            <a:br>
+              <a:rPr lang="en-US" altLang="en-US" sz="1400" dirty="0">
+                <a:solidFill>
+                  <a:srgbClr val="000000"/>
+                </a:solidFill>
+                <a:latin typeface="Consolas" panose="020B0609020204030204" pitchFamily="49" charset="0"/>
+              </a:rPr>
+            </a:br>
+            <a:r>
+              <a:rPr lang="en-US" altLang="en-US" sz="1400" dirty="0">
+                <a:solidFill>
+                  <a:srgbClr val="000000"/>
+                </a:solidFill>
+                <a:latin typeface="Consolas" panose="020B0609020204030204" pitchFamily="49" charset="0"/>
+              </a:rPr>
+              <a:t>            </a:t>
+            </a:r>
+            <a:r>
+              <a:rPr lang="en-US" altLang="en-US" sz="1400" dirty="0">
+                <a:solidFill>
+                  <a:srgbClr val="660066"/>
+                </a:solidFill>
+                <a:latin typeface="Consolas" panose="020B0609020204030204" pitchFamily="49" charset="0"/>
+              </a:rPr>
+              <a:t>Context</a:t>
+            </a:r>
+            <a:r>
+              <a:rPr lang="en-US" altLang="en-US" sz="1400" dirty="0">
+                <a:solidFill>
+                  <a:srgbClr val="000000"/>
+                </a:solidFill>
+                <a:latin typeface="Consolas" panose="020B0609020204030204" pitchFamily="49" charset="0"/>
+              </a:rPr>
+              <a:t> </a:t>
+            </a:r>
+            <a:r>
+              <a:rPr lang="en-US" altLang="en-US" sz="1400" dirty="0" err="1">
+                <a:solidFill>
+                  <a:srgbClr val="000000"/>
+                </a:solidFill>
+                <a:latin typeface="Consolas" panose="020B0609020204030204" pitchFamily="49" charset="0"/>
+              </a:rPr>
+              <a:t>context</a:t>
+            </a:r>
+            <a:r>
+              <a:rPr lang="en-US" altLang="en-US" sz="1400" dirty="0">
+                <a:solidFill>
+                  <a:srgbClr val="666600"/>
+                </a:solidFill>
+                <a:latin typeface="Consolas" panose="020B0609020204030204" pitchFamily="49" charset="0"/>
+              </a:rPr>
+              <a:t>,</a:t>
+            </a:r>
+            <a:r>
+              <a:rPr lang="en-US" altLang="en-US" sz="1400" dirty="0">
+                <a:solidFill>
+                  <a:srgbClr val="000000"/>
+                </a:solidFill>
+                <a:latin typeface="Consolas" panose="020B0609020204030204" pitchFamily="49" charset="0"/>
+              </a:rPr>
+              <a:t/>
+            </a:r>
+            <a:br>
+              <a:rPr lang="en-US" altLang="en-US" sz="1400" dirty="0">
+                <a:solidFill>
+                  <a:srgbClr val="000000"/>
+                </a:solidFill>
+                <a:latin typeface="Consolas" panose="020B0609020204030204" pitchFamily="49" charset="0"/>
+              </a:rPr>
+            </a:br>
+            <a:r>
+              <a:rPr lang="en-US" altLang="en-US" sz="1400" dirty="0">
+                <a:solidFill>
+                  <a:srgbClr val="000000"/>
+                </a:solidFill>
+                <a:latin typeface="Consolas" panose="020B0609020204030204" pitchFamily="49" charset="0"/>
+              </a:rPr>
+              <a:t>            </a:t>
+            </a:r>
+            <a:r>
+              <a:rPr lang="en-US" altLang="en-US" sz="1400" dirty="0" err="1">
+                <a:solidFill>
+                  <a:srgbClr val="000088"/>
+                </a:solidFill>
+                <a:latin typeface="Consolas" panose="020B0609020204030204" pitchFamily="49" charset="0"/>
+              </a:rPr>
+              <a:t>boolean</a:t>
+            </a:r>
+            <a:r>
+              <a:rPr lang="en-US" altLang="en-US" sz="1400" dirty="0">
+                <a:solidFill>
+                  <a:srgbClr val="000000"/>
+                </a:solidFill>
+                <a:latin typeface="Consolas" panose="020B0609020204030204" pitchFamily="49" charset="0"/>
+              </a:rPr>
+              <a:t> </a:t>
+            </a:r>
+            <a:r>
+              <a:rPr lang="en-US" altLang="en-US" sz="1400" dirty="0" err="1">
+                <a:solidFill>
+                  <a:srgbClr val="000000"/>
+                </a:solidFill>
+                <a:latin typeface="Consolas" panose="020B0609020204030204" pitchFamily="49" charset="0"/>
+              </a:rPr>
+              <a:t>autoInitialize</a:t>
+            </a:r>
+            <a:r>
+              <a:rPr lang="en-US" altLang="en-US" sz="1400" dirty="0">
+                <a:solidFill>
+                  <a:srgbClr val="666600"/>
+                </a:solidFill>
+                <a:latin typeface="Consolas" panose="020B0609020204030204" pitchFamily="49" charset="0"/>
+              </a:rPr>
+              <a:t>,</a:t>
+            </a:r>
+            <a:r>
+              <a:rPr lang="en-US" altLang="en-US" sz="1400" dirty="0">
+                <a:solidFill>
+                  <a:srgbClr val="000000"/>
+                </a:solidFill>
+                <a:latin typeface="Consolas" panose="020B0609020204030204" pitchFamily="49" charset="0"/>
+              </a:rPr>
+              <a:t/>
+            </a:r>
+            <a:br>
+              <a:rPr lang="en-US" altLang="en-US" sz="1400" dirty="0">
+                <a:solidFill>
+                  <a:srgbClr val="000000"/>
+                </a:solidFill>
+                <a:latin typeface="Consolas" panose="020B0609020204030204" pitchFamily="49" charset="0"/>
+              </a:rPr>
+            </a:br>
+            <a:r>
+              <a:rPr lang="en-US" altLang="en-US" sz="1400" dirty="0">
+                <a:solidFill>
+                  <a:srgbClr val="000000"/>
+                </a:solidFill>
+                <a:latin typeface="Consolas" panose="020B0609020204030204" pitchFamily="49" charset="0"/>
+              </a:rPr>
+              <a:t>            </a:t>
+            </a:r>
+            <a:r>
+              <a:rPr lang="en-US" altLang="en-US" sz="1400" dirty="0" err="1">
+                <a:solidFill>
+                  <a:srgbClr val="000088"/>
+                </a:solidFill>
+                <a:latin typeface="Consolas" panose="020B0609020204030204" pitchFamily="49" charset="0"/>
+              </a:rPr>
+              <a:t>boolean</a:t>
+            </a:r>
+            <a:r>
+              <a:rPr lang="en-US" altLang="en-US" sz="1400" dirty="0">
+                <a:solidFill>
+                  <a:srgbClr val="000000"/>
+                </a:solidFill>
+                <a:latin typeface="Consolas" panose="020B0609020204030204" pitchFamily="49" charset="0"/>
+              </a:rPr>
+              <a:t> </a:t>
+            </a:r>
+            <a:r>
+              <a:rPr lang="en-US" altLang="en-US" sz="1400" dirty="0" err="1">
+                <a:solidFill>
+                  <a:srgbClr val="000000"/>
+                </a:solidFill>
+                <a:latin typeface="Consolas" panose="020B0609020204030204" pitchFamily="49" charset="0"/>
+              </a:rPr>
+              <a:t>allowParallelSyncs</a:t>
+            </a:r>
+            <a:r>
+              <a:rPr lang="en-US" altLang="en-US" sz="1400" dirty="0">
+                <a:solidFill>
+                  <a:srgbClr val="666600"/>
+                </a:solidFill>
+                <a:latin typeface="Consolas" panose="020B0609020204030204" pitchFamily="49" charset="0"/>
+              </a:rPr>
+              <a:t>)</a:t>
+            </a:r>
+            <a:r>
+              <a:rPr lang="en-US" altLang="en-US" sz="1400" dirty="0">
+                <a:solidFill>
+                  <a:srgbClr val="000000"/>
+                </a:solidFill>
+                <a:latin typeface="Consolas" panose="020B0609020204030204" pitchFamily="49" charset="0"/>
+              </a:rPr>
+              <a:t> </a:t>
+            </a:r>
+            <a:r>
+              <a:rPr lang="en-US" altLang="en-US" sz="1400" dirty="0">
+                <a:solidFill>
+                  <a:srgbClr val="666600"/>
+                </a:solidFill>
+                <a:latin typeface="Consolas" panose="020B0609020204030204" pitchFamily="49" charset="0"/>
+              </a:rPr>
+              <a:t>{</a:t>
+            </a:r>
+            <a:r>
+              <a:rPr lang="en-US" altLang="en-US" sz="1400" dirty="0">
+                <a:solidFill>
+                  <a:srgbClr val="000000"/>
+                </a:solidFill>
+                <a:latin typeface="Consolas" panose="020B0609020204030204" pitchFamily="49" charset="0"/>
+              </a:rPr>
+              <a:t/>
+            </a:r>
+            <a:br>
+              <a:rPr lang="en-US" altLang="en-US" sz="1400" dirty="0">
+                <a:solidFill>
+                  <a:srgbClr val="000000"/>
+                </a:solidFill>
+                <a:latin typeface="Consolas" panose="020B0609020204030204" pitchFamily="49" charset="0"/>
+              </a:rPr>
+            </a:br>
+            <a:r>
+              <a:rPr lang="en-US" altLang="en-US" sz="1400" dirty="0">
+                <a:solidFill>
+                  <a:srgbClr val="000000"/>
+                </a:solidFill>
+                <a:latin typeface="Consolas" panose="020B0609020204030204" pitchFamily="49" charset="0"/>
+              </a:rPr>
+              <a:t>        </a:t>
+            </a:r>
+            <a:r>
+              <a:rPr lang="en-US" altLang="en-US" sz="1400" dirty="0">
+                <a:solidFill>
+                  <a:srgbClr val="000088"/>
+                </a:solidFill>
+                <a:latin typeface="Consolas" panose="020B0609020204030204" pitchFamily="49" charset="0"/>
+              </a:rPr>
+              <a:t>super</a:t>
+            </a:r>
+            <a:r>
+              <a:rPr lang="en-US" altLang="en-US" sz="1400" dirty="0">
+                <a:solidFill>
+                  <a:srgbClr val="666600"/>
+                </a:solidFill>
+                <a:latin typeface="Consolas" panose="020B0609020204030204" pitchFamily="49" charset="0"/>
+              </a:rPr>
+              <a:t>(</a:t>
+            </a:r>
+            <a:r>
+              <a:rPr lang="en-US" altLang="en-US" sz="1400" dirty="0">
+                <a:solidFill>
+                  <a:srgbClr val="000000"/>
+                </a:solidFill>
+                <a:latin typeface="Consolas" panose="020B0609020204030204" pitchFamily="49" charset="0"/>
+              </a:rPr>
+              <a:t>context</a:t>
+            </a:r>
+            <a:r>
+              <a:rPr lang="en-US" altLang="en-US" sz="1400" dirty="0">
+                <a:solidFill>
+                  <a:srgbClr val="666600"/>
+                </a:solidFill>
+                <a:latin typeface="Consolas" panose="020B0609020204030204" pitchFamily="49" charset="0"/>
+              </a:rPr>
+              <a:t>,</a:t>
+            </a:r>
+            <a:r>
+              <a:rPr lang="en-US" altLang="en-US" sz="1400" dirty="0">
+                <a:solidFill>
+                  <a:srgbClr val="000000"/>
+                </a:solidFill>
+                <a:latin typeface="Consolas" panose="020B0609020204030204" pitchFamily="49" charset="0"/>
+              </a:rPr>
+              <a:t> </a:t>
+            </a:r>
+            <a:r>
+              <a:rPr lang="en-US" altLang="en-US" sz="1400" dirty="0" err="1">
+                <a:solidFill>
+                  <a:srgbClr val="000000"/>
+                </a:solidFill>
+                <a:latin typeface="Consolas" panose="020B0609020204030204" pitchFamily="49" charset="0"/>
+              </a:rPr>
+              <a:t>autoInitialize</a:t>
+            </a:r>
+            <a:r>
+              <a:rPr lang="en-US" altLang="en-US" sz="1400" dirty="0">
+                <a:solidFill>
+                  <a:srgbClr val="666600"/>
+                </a:solidFill>
+                <a:latin typeface="Consolas" panose="020B0609020204030204" pitchFamily="49" charset="0"/>
+              </a:rPr>
+              <a:t>,</a:t>
+            </a:r>
+            <a:r>
+              <a:rPr lang="en-US" altLang="en-US" sz="1400" dirty="0">
+                <a:solidFill>
+                  <a:srgbClr val="000000"/>
+                </a:solidFill>
+                <a:latin typeface="Consolas" panose="020B0609020204030204" pitchFamily="49" charset="0"/>
+              </a:rPr>
+              <a:t> </a:t>
+            </a:r>
+            <a:r>
+              <a:rPr lang="en-US" altLang="en-US" sz="1400" dirty="0" err="1">
+                <a:solidFill>
+                  <a:srgbClr val="000000"/>
+                </a:solidFill>
+                <a:latin typeface="Consolas" panose="020B0609020204030204" pitchFamily="49" charset="0"/>
+              </a:rPr>
+              <a:t>allowParallelSyncs</a:t>
+            </a:r>
+            <a:r>
+              <a:rPr lang="en-US" altLang="en-US" sz="1400" dirty="0" smtClean="0">
+                <a:solidFill>
+                  <a:srgbClr val="666600"/>
+                </a:solidFill>
+                <a:latin typeface="Consolas" panose="020B0609020204030204" pitchFamily="49" charset="0"/>
+              </a:rPr>
+              <a:t>);</a:t>
+            </a:r>
+            <a:endParaRPr lang="en-US" altLang="en-US" sz="1400" dirty="0" smtClean="0">
+              <a:solidFill>
+                <a:schemeClr val="tx1"/>
+              </a:solidFill>
+              <a:latin typeface="Consolas" panose="020B0609020204030204" pitchFamily="49" charset="0"/>
+            </a:endParaRPr>
+          </a:p>
+          <a:p>
+            <a:pPr marL="0" lvl="0" indent="0" eaLnBrk="0" fontAlgn="base" hangingPunct="0">
+              <a:spcBef>
+                <a:spcPct val="0"/>
+              </a:spcBef>
+              <a:spcAft>
+                <a:spcPct val="0"/>
+              </a:spcAft>
+              <a:buNone/>
+            </a:pPr>
+            <a:r>
+              <a:rPr lang="en-US" altLang="en-US" sz="1400" dirty="0" smtClean="0">
+                <a:solidFill>
+                  <a:srgbClr val="666600"/>
+                </a:solidFill>
+                <a:latin typeface="Consolas" panose="020B0609020204030204" pitchFamily="49" charset="0"/>
+              </a:rPr>
+              <a:t>    }</a:t>
+            </a:r>
+          </a:p>
+          <a:p>
+            <a:pPr marL="0" lvl="0" indent="0" eaLnBrk="0" fontAlgn="base" hangingPunct="0">
+              <a:spcBef>
+                <a:spcPct val="0"/>
+              </a:spcBef>
+              <a:spcAft>
+                <a:spcPct val="0"/>
+              </a:spcAft>
+              <a:buNone/>
+            </a:pPr>
+            <a:r>
+              <a:rPr lang="en-US" altLang="en-US" sz="1400" dirty="0" smtClean="0">
+                <a:solidFill>
+                  <a:srgbClr val="666600"/>
+                </a:solidFill>
+                <a:latin typeface="Consolas" panose="020B0609020204030204" pitchFamily="49" charset="0"/>
+              </a:rPr>
+              <a:t>}</a:t>
+            </a:r>
+            <a:endParaRPr lang="en-US" altLang="en-US" sz="1400" dirty="0">
+              <a:solidFill>
+                <a:schemeClr val="tx1"/>
+              </a:solidFill>
+              <a:latin typeface="Consolas" panose="020B0609020204030204" pitchFamily="49" charset="0"/>
+            </a:endParaRPr>
+          </a:p>
+        </p:txBody>
+      </p:sp>
+      <p:sp>
+        <p:nvSpPr>
+          <p:cNvPr id="7" name="Rectangle 3"/>
+          <p:cNvSpPr>
+            <a:spLocks noChangeArrowheads="1"/>
+          </p:cNvSpPr>
+          <p:nvPr/>
+        </p:nvSpPr>
+        <p:spPr bwMode="auto">
+          <a:xfrm>
+            <a:off x="0" y="9975"/>
+            <a:ext cx="65" cy="437249"/>
+          </a:xfrm>
+          <a:prstGeom prst="rect">
+            <a:avLst/>
+          </a:prstGeom>
+          <a:solidFill>
+            <a:srgbClr val="F7F7F7"/>
+          </a:solidFill>
+          <a:ln>
+            <a:noFill/>
+          </a:ln>
+          <a:effectLst/>
+          <a:extLst>
+            <a:ext uri="{91240B29-F687-4F45-9708-019B960494DF}">
+              <a14:hiddenLine xmlns:a14="http://schemas.microsoft.com/office/drawing/2010/main" w="9525">
+                <a:solidFill>
+                  <a:schemeClr val="tx1"/>
+                </a:solidFill>
+                <a:miter lim="800000"/>
+                <a:headEnd/>
+                <a:tailEnd/>
+              </a14:hiddenLine>
+            </a:ext>
+            <a:ext uri="{AF507438-7753-43E0-B8FC-AC1667EBCBE1}">
+              <a14:hiddenEffects xmlns:a14="http://schemas.microsoft.com/office/drawing/2010/main">
+                <a:effectLst>
+                  <a:outerShdw dist="35921" dir="2700000" algn="ctr" rotWithShape="0">
+                    <a:schemeClr val="bg2"/>
+                  </a:outerShdw>
+                </a:effectLst>
+              </a14:hiddenEffects>
+            </a:ext>
+          </a:extLst>
+        </p:spPr>
+        <p:txBody>
+          <a:bodyPr vert="horz" wrap="none" lIns="0" tIns="0" rIns="0" bIns="158700" numCol="1" anchor="ctr" anchorCtr="0" compatLnSpc="1">
+            <a:prstTxWarp prst="textNoShape">
+              <a:avLst/>
+            </a:prstTxWarp>
+            <a:spAutoFit/>
+          </a:bodyPr>
+          <a:lstStyle/>
+          <a:p>
+            <a:pPr marL="0" marR="0" lvl="0" indent="0" algn="l" defTabSz="914400" rtl="0" eaLnBrk="0" fontAlgn="base" latinLnBrk="0" hangingPunct="0">
+              <a:lnSpc>
+                <a:spcPct val="100000"/>
+              </a:lnSpc>
+              <a:spcBef>
+                <a:spcPct val="0"/>
+              </a:spcBef>
+              <a:spcAft>
+                <a:spcPct val="0"/>
+              </a:spcAft>
+              <a:buClrTx/>
+              <a:buSzTx/>
+              <a:buFontTx/>
+              <a:buNone/>
+              <a:tabLst/>
+            </a:pPr>
+            <a:endParaRPr kumimoji="0" lang="en-US" altLang="en-US" sz="1800" b="0" i="0" u="none" strike="noStrike" cap="none" normalizeH="0" baseline="0" dirty="0" smtClean="0">
+              <a:ln>
+                <a:noFill/>
+              </a:ln>
+              <a:solidFill>
+                <a:schemeClr val="tx1"/>
+              </a:solidFill>
+              <a:effectLst/>
+              <a:latin typeface="Arial" panose="020B0604020202020204" pitchFamily="34" charset="0"/>
+            </a:endParaRPr>
+          </a:p>
+        </p:txBody>
+      </p:sp>
+      <p:sp>
+        <p:nvSpPr>
+          <p:cNvPr id="8" name="Rectangle 4"/>
+          <p:cNvSpPr>
+            <a:spLocks noChangeArrowheads="1"/>
+          </p:cNvSpPr>
+          <p:nvPr/>
+        </p:nvSpPr>
+        <p:spPr bwMode="auto">
+          <a:xfrm>
+            <a:off x="0" y="9975"/>
+            <a:ext cx="65" cy="437249"/>
+          </a:xfrm>
+          <a:prstGeom prst="rect">
+            <a:avLst/>
+          </a:prstGeom>
+          <a:solidFill>
+            <a:srgbClr val="F7F7F7"/>
+          </a:solidFill>
+          <a:ln>
+            <a:noFill/>
+          </a:ln>
+          <a:effectLst/>
+          <a:extLst>
+            <a:ext uri="{91240B29-F687-4F45-9708-019B960494DF}">
+              <a14:hiddenLine xmlns:a14="http://schemas.microsoft.com/office/drawing/2010/main" w="9525">
+                <a:solidFill>
+                  <a:schemeClr val="tx1"/>
+                </a:solidFill>
+                <a:miter lim="800000"/>
+                <a:headEnd/>
+                <a:tailEnd/>
+              </a14:hiddenLine>
+            </a:ext>
+            <a:ext uri="{AF507438-7753-43E0-B8FC-AC1667EBCBE1}">
+              <a14:hiddenEffects xmlns:a14="http://schemas.microsoft.com/office/drawing/2010/main">
+                <a:effectLst>
+                  <a:outerShdw dist="35921" dir="2700000" algn="ctr" rotWithShape="0">
+                    <a:schemeClr val="bg2"/>
+                  </a:outerShdw>
+                </a:effectLst>
+              </a14:hiddenEffects>
+            </a:ext>
+          </a:extLst>
+        </p:spPr>
+        <p:txBody>
+          <a:bodyPr vert="horz" wrap="none" lIns="0" tIns="0" rIns="0" bIns="158700" numCol="1" anchor="ctr" anchorCtr="0" compatLnSpc="1">
+            <a:prstTxWarp prst="textNoShape">
+              <a:avLst/>
+            </a:prstTxWarp>
+            <a:spAutoFit/>
+          </a:bodyPr>
+          <a:lstStyle/>
+          <a:p>
+            <a:pPr marL="0" marR="0" lvl="0" indent="0" algn="l" defTabSz="914400" rtl="0" eaLnBrk="0" fontAlgn="base" latinLnBrk="0" hangingPunct="0">
+              <a:lnSpc>
+                <a:spcPct val="100000"/>
+              </a:lnSpc>
+              <a:spcBef>
+                <a:spcPct val="0"/>
+              </a:spcBef>
+              <a:spcAft>
+                <a:spcPct val="0"/>
+              </a:spcAft>
+              <a:buClrTx/>
+              <a:buSzTx/>
+              <a:buFontTx/>
+              <a:buNone/>
+              <a:tabLst/>
+            </a:pPr>
+            <a:endParaRPr kumimoji="0" lang="en-US" altLang="en-US" sz="1800" b="0" i="0" u="none" strike="noStrike" cap="none" normalizeH="0" baseline="0" dirty="0" smtClean="0">
+              <a:ln>
+                <a:noFill/>
+              </a:ln>
+              <a:solidFill>
+                <a:schemeClr val="tx1"/>
+              </a:solidFill>
+              <a:effectLst/>
+              <a:latin typeface="Arial" panose="020B0604020202020204" pitchFamily="34" charset="0"/>
+            </a:endParaRPr>
+          </a:p>
+        </p:txBody>
+      </p:sp>
+    </p:spTree>
+    <p:extLst>
+      <p:ext uri="{BB962C8B-B14F-4D97-AF65-F5344CB8AC3E}">
+        <p14:creationId xmlns:p14="http://schemas.microsoft.com/office/powerpoint/2010/main" val="3397357303"/>
+      </p:ext>
+    </p:extLst>
+  </p:cSld>
+  <p:clrMapOvr>
+    <a:masterClrMapping/>
+  </p:clrMapOvr>
+  <mc:AlternateContent xmlns:mc="http://schemas.openxmlformats.org/markup-compatibility/2006" xmlns:p14="http://schemas.microsoft.com/office/powerpoint/2010/main">
+    <mc:Choice Requires="p14">
+      <p:transition p14:dur="250">
+        <p14:reveal/>
+      </p:transition>
+    </mc:Choice>
+    <mc:Fallback xmlns="">
+      <p:transition>
+        <p:fade/>
+      </p:transition>
+    </mc:Fallback>
+  </mc:AlternateContent>
+  <p:timing>
+    <p:tnLst>
+      <p:par>
+        <p:cTn id="1" dur="indefinite" restart="never" nodeType="tmRoot"/>
+      </p:par>
+    </p:tnLst>
+  </p:timing>
+</p:sld>
+</file>
+
+<file path=ppt/slides/slide35.xml><?xml version="1.0" encoding="utf-8"?>
+<p:sld xmlns:a="http://schemas.openxmlformats.org/drawingml/2006/main" xmlns:r="http://schemas.openxmlformats.org/officeDocument/2006/relationships" xmlns:p="http://schemas.openxmlformats.org/presentationml/2006/main">
+  <p:cSld>
+    <p:spTree>
+      <p:nvGrpSpPr>
+        <p:cNvPr id="1" name=""/>
+        <p:cNvGrpSpPr/>
+        <p:nvPr/>
+      </p:nvGrpSpPr>
+      <p:grpSpPr>
+        <a:xfrm>
+          <a:off x="0" y="0"/>
+          <a:ext cx="0" cy="0"/>
+          <a:chOff x="0" y="0"/>
+          <a:chExt cx="0" cy="0"/>
+        </a:xfrm>
+      </p:grpSpPr>
+      <p:sp>
+        <p:nvSpPr>
+          <p:cNvPr id="2" name="Title 1"/>
+          <p:cNvSpPr>
+            <a:spLocks noGrp="1"/>
+          </p:cNvSpPr>
+          <p:nvPr>
+            <p:ph type="title"/>
+          </p:nvPr>
+        </p:nvSpPr>
+        <p:spPr/>
+        <p:txBody>
+          <a:bodyPr/>
+          <a:lstStyle/>
+          <a:p>
+            <a:r>
+              <a:rPr lang="en-US" dirty="0" err="1" smtClean="0"/>
+              <a:t>onPerformSync</a:t>
+            </a:r>
+            <a:r>
+              <a:rPr lang="en-US" dirty="0" smtClean="0"/>
+              <a:t>()</a:t>
+            </a:r>
+            <a:endParaRPr lang="en-US" dirty="0"/>
+          </a:p>
+        </p:txBody>
+      </p:sp>
+      <p:sp>
+        <p:nvSpPr>
+          <p:cNvPr id="3" name="Content Placeholder 2"/>
+          <p:cNvSpPr>
+            <a:spLocks noGrp="1"/>
+          </p:cNvSpPr>
+          <p:nvPr>
+            <p:ph idx="1"/>
+          </p:nvPr>
+        </p:nvSpPr>
+        <p:spPr/>
+        <p:txBody>
+          <a:bodyPr>
+            <a:normAutofit lnSpcReduction="10000"/>
+          </a:bodyPr>
+          <a:lstStyle/>
+          <a:p>
+            <a:r>
+              <a:rPr lang="en-US" dirty="0" smtClean="0"/>
+              <a:t>Sync adapter framework invokes your </a:t>
+            </a:r>
+            <a:r>
+              <a:rPr lang="en-US" dirty="0" err="1" smtClean="0"/>
+              <a:t>SyncAdapter</a:t>
+            </a:r>
+            <a:endParaRPr lang="en-US" dirty="0" smtClean="0"/>
+          </a:p>
+          <a:p>
+            <a:pPr lvl="1"/>
+            <a:r>
+              <a:rPr lang="en-US" dirty="0" smtClean="0"/>
+              <a:t>Calls </a:t>
+            </a:r>
+            <a:r>
+              <a:rPr lang="en-US" dirty="0" err="1" smtClean="0"/>
+              <a:t>onPerformSync</a:t>
+            </a:r>
+            <a:r>
+              <a:rPr lang="en-US" dirty="0" smtClean="0"/>
+              <a:t>()</a:t>
+            </a:r>
+          </a:p>
+          <a:p>
+            <a:pPr lvl="1"/>
+            <a:endParaRPr lang="en-US" dirty="0"/>
+          </a:p>
+          <a:p>
+            <a:r>
+              <a:rPr lang="en-US" dirty="0" smtClean="0"/>
+              <a:t>Account</a:t>
+            </a:r>
+          </a:p>
+          <a:p>
+            <a:r>
+              <a:rPr lang="en-US" dirty="0" smtClean="0"/>
+              <a:t>Bundle</a:t>
+            </a:r>
+          </a:p>
+          <a:p>
+            <a:r>
+              <a:rPr lang="en-US" dirty="0" smtClean="0"/>
+              <a:t>Authority</a:t>
+            </a:r>
+          </a:p>
+          <a:p>
+            <a:r>
+              <a:rPr lang="en-US" dirty="0" err="1" smtClean="0"/>
+              <a:t>ContentProviderClient</a:t>
+            </a:r>
+            <a:endParaRPr lang="en-US" dirty="0" smtClean="0"/>
+          </a:p>
+          <a:p>
+            <a:r>
+              <a:rPr lang="en-US" dirty="0" err="1" smtClean="0"/>
+              <a:t>SyncResult</a:t>
+            </a:r>
+            <a:endParaRPr lang="en-US" dirty="0"/>
+          </a:p>
+        </p:txBody>
+      </p:sp>
+    </p:spTree>
+    <p:extLst>
+      <p:ext uri="{BB962C8B-B14F-4D97-AF65-F5344CB8AC3E}">
+        <p14:creationId xmlns:p14="http://schemas.microsoft.com/office/powerpoint/2010/main" val="1011405133"/>
+      </p:ext>
+    </p:extLst>
+  </p:cSld>
+  <p:clrMapOvr>
+    <a:masterClrMapping/>
+  </p:clrMapOvr>
+  <mc:AlternateContent xmlns:mc="http://schemas.openxmlformats.org/markup-compatibility/2006" xmlns:p14="http://schemas.microsoft.com/office/powerpoint/2010/main">
+    <mc:Choice Requires="p14">
+      <p:transition p14:dur="250">
+        <p14:reveal/>
+      </p:transition>
+    </mc:Choice>
+    <mc:Fallback xmlns="">
+      <p:transition>
+        <p:fade/>
+      </p:transition>
+    </mc:Fallback>
+  </mc:AlternateContent>
+  <p:timing>
+    <p:tnLst>
+      <p:par>
+        <p:cTn id="1" dur="indefinite" restart="never" nodeType="tmRoot"/>
+      </p:par>
+    </p:tnLst>
+  </p:timing>
+</p:sld>
+</file>
+
+<file path=ppt/slides/slide36.xml><?xml version="1.0" encoding="utf-8"?>
 <p:sld xmlns:a="http://schemas.openxmlformats.org/drawingml/2006/main" xmlns:r="http://schemas.openxmlformats.org/officeDocument/2006/relationships" xmlns:p="http://schemas.openxmlformats.org/presentationml/2006/main">
   <p:cSld>
     <p:spTree>

--- a/I've been doing some syncing.pptx
+++ b/I've been doing some syncing.pptx
@@ -38,8 +38,8 @@
     <p:sldId id="312" r:id="rId29"/>
     <p:sldId id="338" r:id="rId30"/>
     <p:sldId id="337" r:id="rId31"/>
-    <p:sldId id="341" r:id="rId32"/>
-    <p:sldId id="339" r:id="rId33"/>
+    <p:sldId id="339" r:id="rId32"/>
+    <p:sldId id="341" r:id="rId33"/>
     <p:sldId id="310" r:id="rId34"/>
     <p:sldId id="326" r:id="rId35"/>
     <p:sldId id="327" r:id="rId36"/>
@@ -30053,805 +30053,6 @@
       </p:grpSpPr>
       <p:sp>
         <p:nvSpPr>
-          <p:cNvPr id="8" name="Rectangle 1"/>
-          <p:cNvSpPr>
-            <a:spLocks noChangeArrowheads="1"/>
-          </p:cNvSpPr>
-          <p:nvPr/>
-        </p:nvSpPr>
-        <p:spPr bwMode="auto">
-          <a:xfrm>
-            <a:off x="652500" y="2132856"/>
-            <a:ext cx="10887000" cy="4104456"/>
-          </a:xfrm>
-          <a:prstGeom prst="rect">
-            <a:avLst/>
-          </a:prstGeom>
-          <a:solidFill>
-            <a:srgbClr val="2B2B2B"/>
-          </a:solidFill>
-          <a:ln>
-            <a:noFill/>
-          </a:ln>
-          <a:effectLst/>
-          <a:extLst>
-            <a:ext uri="{91240B29-F687-4F45-9708-019B960494DF}">
-              <a14:hiddenLine xmlns:a14="http://schemas.microsoft.com/office/drawing/2010/main" w="9525">
-                <a:solidFill>
-                  <a:schemeClr val="tx1"/>
-                </a:solidFill>
-                <a:miter lim="800000"/>
-                <a:headEnd/>
-                <a:tailEnd/>
-              </a14:hiddenLine>
-            </a:ext>
-            <a:ext uri="{AF507438-7753-43E0-B8FC-AC1667EBCBE1}">
-              <a14:hiddenEffects xmlns:a14="http://schemas.microsoft.com/office/drawing/2010/main">
-                <a:effectLst>
-                  <a:outerShdw dist="35921" dir="2700000" algn="ctr" rotWithShape="0">
-                    <a:schemeClr val="bg2"/>
-                  </a:outerShdw>
-                </a:effectLst>
-              </a14:hiddenEffects>
-            </a:ext>
-          </a:extLst>
-        </p:spPr>
-        <p:txBody>
-          <a:bodyPr vert="horz" wrap="square" lIns="182880" tIns="182880" rIns="182880" bIns="182880" numCol="1" anchor="t" anchorCtr="0" compatLnSpc="1">
-            <a:prstTxWarp prst="textNoShape">
-              <a:avLst/>
-            </a:prstTxWarp>
-            <a:noAutofit/>
-          </a:bodyPr>
-          <a:lstStyle/>
-          <a:p>
-            <a:pPr eaLnBrk="0" fontAlgn="base" hangingPunct="0">
-              <a:spcBef>
-                <a:spcPct val="0"/>
-              </a:spcBef>
-              <a:spcAft>
-                <a:spcPct val="0"/>
-              </a:spcAft>
-            </a:pPr>
-            <a:r>
-              <a:rPr lang="en-US" altLang="en-US" sz="1600" dirty="0">
-                <a:solidFill>
-                  <a:srgbClr val="E8BF6A"/>
-                </a:solidFill>
-                <a:latin typeface="Consolas" panose="020B0609020204030204" pitchFamily="49" charset="0"/>
-              </a:rPr>
-              <a:t>&lt;account-authenticator</a:t>
-            </a:r>
-            <a:br>
-              <a:rPr lang="en-US" altLang="en-US" sz="1600" dirty="0">
-                <a:solidFill>
-                  <a:srgbClr val="E8BF6A"/>
-                </a:solidFill>
-                <a:latin typeface="Consolas" panose="020B0609020204030204" pitchFamily="49" charset="0"/>
-              </a:rPr>
-            </a:br>
-            <a:r>
-              <a:rPr lang="en-US" altLang="en-US" sz="1600" dirty="0">
-                <a:solidFill>
-                  <a:srgbClr val="E8BF6A"/>
-                </a:solidFill>
-                <a:latin typeface="Consolas" panose="020B0609020204030204" pitchFamily="49" charset="0"/>
-              </a:rPr>
-              <a:t>    </a:t>
-            </a:r>
-            <a:r>
-              <a:rPr lang="en-US" altLang="en-US" sz="1600" dirty="0" err="1">
-                <a:solidFill>
-                  <a:srgbClr val="BABABA"/>
-                </a:solidFill>
-                <a:latin typeface="Consolas" panose="020B0609020204030204" pitchFamily="49" charset="0"/>
-              </a:rPr>
-              <a:t>xmlns:</a:t>
-            </a:r>
-            <a:r>
-              <a:rPr lang="en-US" altLang="en-US" sz="1600" dirty="0" err="1">
-                <a:solidFill>
-                  <a:srgbClr val="9876AA"/>
-                </a:solidFill>
-                <a:latin typeface="Consolas" panose="020B0609020204030204" pitchFamily="49" charset="0"/>
-              </a:rPr>
-              <a:t>android</a:t>
-            </a:r>
-            <a:r>
-              <a:rPr lang="en-US" altLang="en-US" sz="1600" dirty="0">
-                <a:solidFill>
-                  <a:srgbClr val="BABABA"/>
-                </a:solidFill>
-                <a:latin typeface="Consolas" panose="020B0609020204030204" pitchFamily="49" charset="0"/>
-              </a:rPr>
-              <a:t>=</a:t>
-            </a:r>
-            <a:r>
-              <a:rPr lang="en-US" altLang="en-US" sz="1600" dirty="0">
-                <a:solidFill>
-                  <a:srgbClr val="6A8759"/>
-                </a:solidFill>
-                <a:latin typeface="Consolas" panose="020B0609020204030204" pitchFamily="49" charset="0"/>
-              </a:rPr>
-              <a:t>"http://schemas.android.com/</a:t>
-            </a:r>
-            <a:r>
-              <a:rPr lang="en-US" altLang="en-US" sz="1600" dirty="0" err="1">
-                <a:solidFill>
-                  <a:srgbClr val="6A8759"/>
-                </a:solidFill>
-                <a:latin typeface="Consolas" panose="020B0609020204030204" pitchFamily="49" charset="0"/>
-              </a:rPr>
-              <a:t>apk</a:t>
-            </a:r>
-            <a:r>
-              <a:rPr lang="en-US" altLang="en-US" sz="1600" dirty="0">
-                <a:solidFill>
-                  <a:srgbClr val="6A8759"/>
-                </a:solidFill>
-                <a:latin typeface="Consolas" panose="020B0609020204030204" pitchFamily="49" charset="0"/>
-              </a:rPr>
-              <a:t>/res/android"</a:t>
-            </a:r>
-            <a:br>
-              <a:rPr lang="en-US" altLang="en-US" sz="1600" dirty="0">
-                <a:solidFill>
-                  <a:srgbClr val="6A8759"/>
-                </a:solidFill>
-                <a:latin typeface="Consolas" panose="020B0609020204030204" pitchFamily="49" charset="0"/>
-              </a:rPr>
-            </a:br>
-            <a:r>
-              <a:rPr lang="en-US" altLang="en-US" sz="1600" dirty="0">
-                <a:solidFill>
-                  <a:srgbClr val="6A8759"/>
-                </a:solidFill>
-                <a:latin typeface="Consolas" panose="020B0609020204030204" pitchFamily="49" charset="0"/>
-              </a:rPr>
-              <a:t>    </a:t>
-            </a:r>
-            <a:r>
-              <a:rPr lang="en-US" altLang="en-US" sz="1600" dirty="0" err="1">
-                <a:solidFill>
-                  <a:srgbClr val="9876AA"/>
-                </a:solidFill>
-                <a:latin typeface="Consolas" panose="020B0609020204030204" pitchFamily="49" charset="0"/>
-              </a:rPr>
-              <a:t>android</a:t>
-            </a:r>
-            <a:r>
-              <a:rPr lang="en-US" altLang="en-US" sz="1600" dirty="0" err="1">
-                <a:solidFill>
-                  <a:srgbClr val="BABABA"/>
-                </a:solidFill>
-                <a:latin typeface="Consolas" panose="020B0609020204030204" pitchFamily="49" charset="0"/>
-              </a:rPr>
-              <a:t>:accountPreferences</a:t>
-            </a:r>
-            <a:r>
-              <a:rPr lang="en-US" altLang="en-US" sz="1600" dirty="0">
-                <a:solidFill>
-                  <a:srgbClr val="BABABA"/>
-                </a:solidFill>
-                <a:latin typeface="Consolas" panose="020B0609020204030204" pitchFamily="49" charset="0"/>
-              </a:rPr>
-              <a:t>=</a:t>
-            </a:r>
-            <a:r>
-              <a:rPr lang="en-US" altLang="en-US" sz="1600" dirty="0">
-                <a:solidFill>
-                  <a:srgbClr val="6A8759"/>
-                </a:solidFill>
-                <a:latin typeface="Consolas" panose="020B0609020204030204" pitchFamily="49" charset="0"/>
-              </a:rPr>
-              <a:t>"@xml/</a:t>
-            </a:r>
-            <a:r>
-              <a:rPr lang="en-US" altLang="en-US" sz="1600" dirty="0" err="1">
-                <a:solidFill>
-                  <a:srgbClr val="6A8759"/>
-                </a:solidFill>
-                <a:latin typeface="Consolas" panose="020B0609020204030204" pitchFamily="49" charset="0"/>
-              </a:rPr>
-              <a:t>account_preferences</a:t>
-            </a:r>
-            <a:r>
-              <a:rPr lang="en-US" altLang="en-US" sz="1600" dirty="0">
-                <a:solidFill>
-                  <a:srgbClr val="6A8759"/>
-                </a:solidFill>
-                <a:latin typeface="Consolas" panose="020B0609020204030204" pitchFamily="49" charset="0"/>
-              </a:rPr>
-              <a:t>"</a:t>
-            </a:r>
-            <a:br>
-              <a:rPr lang="en-US" altLang="en-US" sz="1600" dirty="0">
-                <a:solidFill>
-                  <a:srgbClr val="6A8759"/>
-                </a:solidFill>
-                <a:latin typeface="Consolas" panose="020B0609020204030204" pitchFamily="49" charset="0"/>
-              </a:rPr>
-            </a:br>
-            <a:r>
-              <a:rPr lang="en-US" altLang="en-US" sz="1600" dirty="0">
-                <a:solidFill>
-                  <a:srgbClr val="6A8759"/>
-                </a:solidFill>
-                <a:latin typeface="Consolas" panose="020B0609020204030204" pitchFamily="49" charset="0"/>
-              </a:rPr>
-              <a:t>    </a:t>
-            </a:r>
-            <a:r>
-              <a:rPr lang="en-US" altLang="en-US" sz="1600" dirty="0" err="1">
-                <a:solidFill>
-                  <a:srgbClr val="9876AA"/>
-                </a:solidFill>
-                <a:latin typeface="Consolas" panose="020B0609020204030204" pitchFamily="49" charset="0"/>
-              </a:rPr>
-              <a:t>android</a:t>
-            </a:r>
-            <a:r>
-              <a:rPr lang="en-US" altLang="en-US" sz="1600" dirty="0" err="1">
-                <a:solidFill>
-                  <a:srgbClr val="BABABA"/>
-                </a:solidFill>
-                <a:latin typeface="Consolas" panose="020B0609020204030204" pitchFamily="49" charset="0"/>
-              </a:rPr>
-              <a:t>:accountType</a:t>
-            </a:r>
-            <a:r>
-              <a:rPr lang="en-US" altLang="en-US" sz="1600" dirty="0">
-                <a:solidFill>
-                  <a:srgbClr val="BABABA"/>
-                </a:solidFill>
-                <a:latin typeface="Consolas" panose="020B0609020204030204" pitchFamily="49" charset="0"/>
-              </a:rPr>
-              <a:t>=</a:t>
-            </a:r>
-            <a:r>
-              <a:rPr lang="en-US" altLang="en-US" sz="1600" dirty="0">
-                <a:solidFill>
-                  <a:srgbClr val="6A8759"/>
-                </a:solidFill>
-                <a:latin typeface="Consolas" panose="020B0609020204030204" pitchFamily="49" charset="0"/>
-              </a:rPr>
-              <a:t>"</a:t>
-            </a:r>
-            <a:r>
-              <a:rPr lang="en-US" altLang="en-US" sz="1600" dirty="0" err="1">
-                <a:solidFill>
-                  <a:srgbClr val="6A8759"/>
-                </a:solidFill>
-                <a:latin typeface="Consolas" panose="020B0609020204030204" pitchFamily="49" charset="0"/>
-              </a:rPr>
-              <a:t>com.example.android.basicsyncadapter.account</a:t>
-            </a:r>
-            <a:r>
-              <a:rPr lang="en-US" altLang="en-US" sz="1600" dirty="0">
-                <a:solidFill>
-                  <a:srgbClr val="6A8759"/>
-                </a:solidFill>
-                <a:latin typeface="Consolas" panose="020B0609020204030204" pitchFamily="49" charset="0"/>
-              </a:rPr>
-              <a:t>"</a:t>
-            </a:r>
-            <a:br>
-              <a:rPr lang="en-US" altLang="en-US" sz="1600" dirty="0">
-                <a:solidFill>
-                  <a:srgbClr val="6A8759"/>
-                </a:solidFill>
-                <a:latin typeface="Consolas" panose="020B0609020204030204" pitchFamily="49" charset="0"/>
-              </a:rPr>
-            </a:br>
-            <a:r>
-              <a:rPr lang="en-US" altLang="en-US" sz="1600" dirty="0" smtClean="0">
-                <a:solidFill>
-                  <a:srgbClr val="6A8759"/>
-                </a:solidFill>
-                <a:latin typeface="Consolas" panose="020B0609020204030204" pitchFamily="49" charset="0"/>
-              </a:rPr>
-              <a:t>    </a:t>
-            </a:r>
-            <a:r>
-              <a:rPr lang="en-US" altLang="en-US" sz="1600" dirty="0" err="1">
-                <a:solidFill>
-                  <a:srgbClr val="9876AA"/>
-                </a:solidFill>
-                <a:latin typeface="Consolas" panose="020B0609020204030204" pitchFamily="49" charset="0"/>
-              </a:rPr>
-              <a:t>android</a:t>
-            </a:r>
-            <a:r>
-              <a:rPr lang="en-US" altLang="en-US" sz="1600" dirty="0" err="1">
-                <a:solidFill>
-                  <a:srgbClr val="BABABA"/>
-                </a:solidFill>
-                <a:latin typeface="Consolas" panose="020B0609020204030204" pitchFamily="49" charset="0"/>
-              </a:rPr>
-              <a:t>:label</a:t>
-            </a:r>
-            <a:r>
-              <a:rPr lang="en-US" altLang="en-US" sz="1600" dirty="0">
-                <a:solidFill>
-                  <a:srgbClr val="BABABA"/>
-                </a:solidFill>
-                <a:latin typeface="Consolas" panose="020B0609020204030204" pitchFamily="49" charset="0"/>
-              </a:rPr>
-              <a:t>=</a:t>
-            </a:r>
-            <a:r>
-              <a:rPr lang="en-US" altLang="en-US" sz="1600" dirty="0">
-                <a:solidFill>
-                  <a:srgbClr val="6A8759"/>
-                </a:solidFill>
-                <a:latin typeface="Consolas" panose="020B0609020204030204" pitchFamily="49" charset="0"/>
-              </a:rPr>
-              <a:t>"@</a:t>
-            </a:r>
-            <a:r>
-              <a:rPr lang="en-US" altLang="en-US" sz="1600" dirty="0" smtClean="0">
-                <a:solidFill>
-                  <a:srgbClr val="6A8759"/>
-                </a:solidFill>
-                <a:latin typeface="Consolas" panose="020B0609020204030204" pitchFamily="49" charset="0"/>
-              </a:rPr>
-              <a:t>string/</a:t>
-            </a:r>
-            <a:r>
-              <a:rPr lang="en-US" altLang="en-US" sz="1600" dirty="0" err="1" smtClean="0">
-                <a:solidFill>
-                  <a:srgbClr val="6A8759"/>
-                </a:solidFill>
-                <a:latin typeface="Consolas" panose="020B0609020204030204" pitchFamily="49" charset="0"/>
-              </a:rPr>
-              <a:t>app_name</a:t>
-            </a:r>
-            <a:r>
-              <a:rPr lang="en-US" altLang="en-US" sz="1600" dirty="0" smtClean="0">
-                <a:solidFill>
-                  <a:srgbClr val="6A8759"/>
-                </a:solidFill>
-                <a:latin typeface="Consolas" panose="020B0609020204030204" pitchFamily="49" charset="0"/>
-              </a:rPr>
-              <a:t>“</a:t>
-            </a:r>
-          </a:p>
-          <a:p>
-            <a:pPr eaLnBrk="0" fontAlgn="base" hangingPunct="0">
-              <a:spcBef>
-                <a:spcPct val="0"/>
-              </a:spcBef>
-              <a:spcAft>
-                <a:spcPct val="0"/>
-              </a:spcAft>
-            </a:pPr>
-            <a:r>
-              <a:rPr lang="en-US" altLang="en-US" sz="1600" dirty="0" smtClean="0">
-                <a:solidFill>
-                  <a:srgbClr val="6A8759"/>
-                </a:solidFill>
-                <a:latin typeface="Consolas" panose="020B0609020204030204" pitchFamily="49" charset="0"/>
-              </a:rPr>
-              <a:t>    </a:t>
-            </a:r>
-            <a:r>
-              <a:rPr lang="en-US" altLang="en-US" sz="1600" dirty="0" err="1">
-                <a:solidFill>
-                  <a:srgbClr val="9876AA"/>
-                </a:solidFill>
-                <a:latin typeface="Consolas" panose="020B0609020204030204" pitchFamily="49" charset="0"/>
-              </a:rPr>
-              <a:t>android</a:t>
-            </a:r>
-            <a:r>
-              <a:rPr lang="en-US" altLang="en-US" sz="1600" dirty="0" err="1">
-                <a:solidFill>
-                  <a:srgbClr val="BABABA"/>
-                </a:solidFill>
-                <a:latin typeface="Consolas" panose="020B0609020204030204" pitchFamily="49" charset="0"/>
-              </a:rPr>
-              <a:t>:icon</a:t>
-            </a:r>
-            <a:r>
-              <a:rPr lang="en-US" altLang="en-US" sz="1600" dirty="0">
-                <a:solidFill>
-                  <a:srgbClr val="BABABA"/>
-                </a:solidFill>
-                <a:latin typeface="Consolas" panose="020B0609020204030204" pitchFamily="49" charset="0"/>
-              </a:rPr>
-              <a:t>=</a:t>
-            </a:r>
-            <a:r>
-              <a:rPr lang="en-US" altLang="en-US" sz="1600" dirty="0">
-                <a:solidFill>
-                  <a:srgbClr val="6A8759"/>
-                </a:solidFill>
-                <a:latin typeface="Consolas" panose="020B0609020204030204" pitchFamily="49" charset="0"/>
-              </a:rPr>
-              <a:t>"@</a:t>
-            </a:r>
-            <a:r>
-              <a:rPr lang="en-US" altLang="en-US" sz="1600" dirty="0" err="1">
-                <a:solidFill>
-                  <a:srgbClr val="6A8759"/>
-                </a:solidFill>
-                <a:latin typeface="Consolas" panose="020B0609020204030204" pitchFamily="49" charset="0"/>
-              </a:rPr>
-              <a:t>drawable</a:t>
-            </a:r>
-            <a:r>
-              <a:rPr lang="en-US" altLang="en-US" sz="1600" dirty="0">
-                <a:solidFill>
-                  <a:srgbClr val="6A8759"/>
-                </a:solidFill>
-                <a:latin typeface="Consolas" panose="020B0609020204030204" pitchFamily="49" charset="0"/>
-              </a:rPr>
-              <a:t>/</a:t>
-            </a:r>
-            <a:r>
-              <a:rPr lang="en-US" altLang="en-US" sz="1600" dirty="0" err="1">
-                <a:solidFill>
-                  <a:srgbClr val="6A8759"/>
-                </a:solidFill>
-                <a:latin typeface="Consolas" panose="020B0609020204030204" pitchFamily="49" charset="0"/>
-              </a:rPr>
-              <a:t>ic_launcher</a:t>
-            </a:r>
-            <a:r>
-              <a:rPr lang="en-US" altLang="en-US" sz="1600" dirty="0" smtClean="0">
-                <a:solidFill>
-                  <a:srgbClr val="6A8759"/>
-                </a:solidFill>
-                <a:latin typeface="Consolas" panose="020B0609020204030204" pitchFamily="49" charset="0"/>
-              </a:rPr>
-              <a:t>"</a:t>
-            </a:r>
-            <a:br>
-              <a:rPr lang="en-US" altLang="en-US" sz="1600" dirty="0" smtClean="0">
-                <a:solidFill>
-                  <a:srgbClr val="6A8759"/>
-                </a:solidFill>
-                <a:latin typeface="Consolas" panose="020B0609020204030204" pitchFamily="49" charset="0"/>
-              </a:rPr>
-            </a:br>
-            <a:r>
-              <a:rPr lang="en-US" altLang="en-US" sz="1600" dirty="0" smtClean="0">
-                <a:solidFill>
-                  <a:srgbClr val="6A8759"/>
-                </a:solidFill>
-                <a:latin typeface="Consolas" panose="020B0609020204030204" pitchFamily="49" charset="0"/>
-              </a:rPr>
-              <a:t>    </a:t>
-            </a:r>
-            <a:r>
-              <a:rPr lang="en-US" altLang="en-US" sz="1600" dirty="0" err="1" smtClean="0">
-                <a:solidFill>
-                  <a:srgbClr val="9876AA"/>
-                </a:solidFill>
-                <a:latin typeface="Consolas" panose="020B0609020204030204" pitchFamily="49" charset="0"/>
-              </a:rPr>
-              <a:t>android</a:t>
-            </a:r>
-            <a:r>
-              <a:rPr lang="en-US" altLang="en-US" sz="1600" dirty="0" err="1" smtClean="0">
-                <a:solidFill>
-                  <a:srgbClr val="BABABA"/>
-                </a:solidFill>
-                <a:latin typeface="Consolas" panose="020B0609020204030204" pitchFamily="49" charset="0"/>
-              </a:rPr>
-              <a:t>:smallIcon</a:t>
-            </a:r>
-            <a:r>
-              <a:rPr lang="en-US" altLang="en-US" sz="1600" dirty="0">
-                <a:solidFill>
-                  <a:srgbClr val="BABABA"/>
-                </a:solidFill>
-                <a:latin typeface="Consolas" panose="020B0609020204030204" pitchFamily="49" charset="0"/>
-              </a:rPr>
-              <a:t>=</a:t>
-            </a:r>
-            <a:r>
-              <a:rPr lang="en-US" altLang="en-US" sz="1600" dirty="0">
-                <a:solidFill>
-                  <a:srgbClr val="6A8759"/>
-                </a:solidFill>
-                <a:latin typeface="Consolas" panose="020B0609020204030204" pitchFamily="49" charset="0"/>
-              </a:rPr>
-              <a:t>"@</a:t>
-            </a:r>
-            <a:r>
-              <a:rPr lang="en-US" altLang="en-US" sz="1600" dirty="0" err="1">
-                <a:solidFill>
-                  <a:srgbClr val="6A8759"/>
-                </a:solidFill>
-                <a:latin typeface="Consolas" panose="020B0609020204030204" pitchFamily="49" charset="0"/>
-              </a:rPr>
-              <a:t>drawable</a:t>
-            </a:r>
-            <a:r>
-              <a:rPr lang="en-US" altLang="en-US" sz="1600" dirty="0">
-                <a:solidFill>
-                  <a:srgbClr val="6A8759"/>
-                </a:solidFill>
-                <a:latin typeface="Consolas" panose="020B0609020204030204" pitchFamily="49" charset="0"/>
-              </a:rPr>
-              <a:t>/</a:t>
-            </a:r>
-            <a:r>
-              <a:rPr lang="en-US" altLang="en-US" sz="1600" dirty="0" err="1">
-                <a:solidFill>
-                  <a:srgbClr val="6A8759"/>
-                </a:solidFill>
-                <a:latin typeface="Consolas" panose="020B0609020204030204" pitchFamily="49" charset="0"/>
-              </a:rPr>
-              <a:t>ic_launcher</a:t>
-            </a:r>
-            <a:r>
-              <a:rPr lang="en-US" altLang="en-US" sz="1600" dirty="0">
-                <a:solidFill>
-                  <a:srgbClr val="6A8759"/>
-                </a:solidFill>
-                <a:latin typeface="Consolas" panose="020B0609020204030204" pitchFamily="49" charset="0"/>
-              </a:rPr>
-              <a:t>"</a:t>
-            </a:r>
-            <a:r>
-              <a:rPr lang="en-US" altLang="en-US" sz="1600" dirty="0">
-                <a:solidFill>
-                  <a:srgbClr val="E8BF6A"/>
-                </a:solidFill>
-                <a:latin typeface="Consolas" panose="020B0609020204030204" pitchFamily="49" charset="0"/>
-              </a:rPr>
-              <a:t>/&gt;</a:t>
-            </a:r>
-            <a:br>
-              <a:rPr lang="en-US" altLang="en-US" sz="1600" dirty="0">
-                <a:solidFill>
-                  <a:srgbClr val="E8BF6A"/>
-                </a:solidFill>
-                <a:latin typeface="Consolas" panose="020B0609020204030204" pitchFamily="49" charset="0"/>
-              </a:rPr>
-            </a:br>
-            <a:endParaRPr lang="en-US" altLang="en-US" sz="1600" dirty="0">
-              <a:latin typeface="Consolas" panose="020B0609020204030204" pitchFamily="49" charset="0"/>
-            </a:endParaRPr>
-          </a:p>
-          <a:p>
-            <a:pPr marL="0" marR="0" lvl="0" indent="0" algn="l" defTabSz="914400" rtl="0" eaLnBrk="0" fontAlgn="base" latinLnBrk="0" hangingPunct="0">
-              <a:lnSpc>
-                <a:spcPct val="100000"/>
-              </a:lnSpc>
-              <a:spcBef>
-                <a:spcPct val="0"/>
-              </a:spcBef>
-              <a:spcAft>
-                <a:spcPct val="0"/>
-              </a:spcAft>
-              <a:buClrTx/>
-              <a:buSzTx/>
-              <a:buFontTx/>
-              <a:buNone/>
-              <a:tabLst/>
-            </a:pPr>
-            <a:endParaRPr kumimoji="0" lang="en-US" altLang="en-US" sz="1600" b="0" i="0" u="none" strike="noStrike" cap="none" normalizeH="0" baseline="0" dirty="0" smtClean="0">
-              <a:ln>
-                <a:noFill/>
-              </a:ln>
-              <a:solidFill>
-                <a:schemeClr val="tx1"/>
-              </a:solidFill>
-              <a:effectLst/>
-              <a:latin typeface="Consolas" panose="020B0609020204030204" pitchFamily="49" charset="0"/>
-            </a:endParaRPr>
-          </a:p>
-        </p:txBody>
-      </p:sp>
-      <p:sp>
-        <p:nvSpPr>
-          <p:cNvPr id="9" name="TextBox 8"/>
-          <p:cNvSpPr txBox="1"/>
-          <p:nvPr/>
-        </p:nvSpPr>
-        <p:spPr>
-          <a:xfrm>
-            <a:off x="652500" y="1556792"/>
-            <a:ext cx="10887000" cy="461665"/>
-          </a:xfrm>
-          <a:prstGeom prst="rect">
-            <a:avLst/>
-          </a:prstGeom>
-          <a:noFill/>
-        </p:spPr>
-        <p:txBody>
-          <a:bodyPr wrap="square" rtlCol="0">
-            <a:spAutoFit/>
-          </a:bodyPr>
-          <a:lstStyle/>
-          <a:p>
-            <a:r>
-              <a:rPr lang="en-US" sz="2400" dirty="0" smtClean="0">
-                <a:solidFill>
-                  <a:schemeClr val="bg1"/>
-                </a:solidFill>
-                <a:latin typeface="Consolas" panose="020B0609020204030204" pitchFamily="49" charset="0"/>
-              </a:rPr>
-              <a:t>res/xml/syncadapter.xml</a:t>
-            </a:r>
-            <a:endParaRPr lang="en-US" sz="2400" dirty="0">
-              <a:solidFill>
-                <a:schemeClr val="bg1"/>
-              </a:solidFill>
-              <a:latin typeface="Consolas" panose="020B0609020204030204" pitchFamily="49" charset="0"/>
-            </a:endParaRPr>
-          </a:p>
-        </p:txBody>
-      </p:sp>
-    </p:spTree>
-    <p:extLst>
-      <p:ext uri="{BB962C8B-B14F-4D97-AF65-F5344CB8AC3E}">
-        <p14:creationId xmlns:p14="http://schemas.microsoft.com/office/powerpoint/2010/main" val="717921531"/>
-      </p:ext>
-    </p:extLst>
-  </p:cSld>
-  <p:clrMapOvr>
-    <a:masterClrMapping/>
-  </p:clrMapOvr>
-  <mc:AlternateContent xmlns:mc="http://schemas.openxmlformats.org/markup-compatibility/2006" xmlns:p14="http://schemas.microsoft.com/office/powerpoint/2010/main">
-    <mc:Choice Requires="p14">
-      <p:transition p14:dur="250">
-        <p14:reveal/>
-      </p:transition>
-    </mc:Choice>
-    <mc:Fallback xmlns="">
-      <p:transition>
-        <p:fade/>
-      </p:transition>
-    </mc:Fallback>
-  </mc:AlternateContent>
-  <p:timing>
-    <p:tnLst>
-      <p:par>
-        <p:cTn id="1" dur="indefinite" restart="never" nodeType="tmRoot">
-          <p:childTnLst>
-            <p:seq concurrent="1" nextAc="seek">
-              <p:cTn id="2" dur="indefinite" nodeType="mainSeq">
-                <p:childTnLst>
-                  <p:par>
-                    <p:cTn id="3" fill="hold">
-                      <p:stCondLst>
-                        <p:cond delay="indefinite"/>
-                      </p:stCondLst>
-                      <p:childTnLst>
-                        <p:par>
-                          <p:cTn id="4" fill="hold">
-                            <p:stCondLst>
-                              <p:cond delay="0"/>
-                            </p:stCondLst>
-                            <p:childTnLst>
-                              <p:par>
-                                <p:cTn id="5" presetID="10" presetClass="entr" presetSubtype="0" fill="hold" grpId="0" nodeType="clickEffect">
-                                  <p:stCondLst>
-                                    <p:cond delay="0"/>
-                                  </p:stCondLst>
-                                  <p:childTnLst>
-                                    <p:set>
-                                      <p:cBhvr>
-                                        <p:cTn id="6" dur="1" fill="hold">
-                                          <p:stCondLst>
-                                            <p:cond delay="0"/>
-                                          </p:stCondLst>
-                                        </p:cTn>
-                                        <p:tgtEl>
-                                          <p:spTgt spid="9"/>
-                                        </p:tgtEl>
-                                        <p:attrNameLst>
-                                          <p:attrName>style.visibility</p:attrName>
-                                        </p:attrNameLst>
-                                      </p:cBhvr>
-                                      <p:to>
-                                        <p:strVal val="visible"/>
-                                      </p:to>
-                                    </p:set>
-                                    <p:animEffect transition="in" filter="fade">
-                                      <p:cBhvr>
-                                        <p:cTn id="7" dur="300"/>
-                                        <p:tgtEl>
-                                          <p:spTgt spid="9"/>
-                                        </p:tgtEl>
-                                      </p:cBhvr>
-                                    </p:animEffect>
-                                  </p:childTnLst>
-                                </p:cTn>
-                              </p:par>
-                              <p:par>
-                                <p:cTn id="8" presetID="10" presetClass="entr" presetSubtype="0" fill="hold" grpId="0" nodeType="withEffect">
-                                  <p:stCondLst>
-                                    <p:cond delay="200"/>
-                                  </p:stCondLst>
-                                  <p:childTnLst>
-                                    <p:set>
-                                      <p:cBhvr>
-                                        <p:cTn id="9" dur="1" fill="hold">
-                                          <p:stCondLst>
-                                            <p:cond delay="0"/>
-                                          </p:stCondLst>
-                                        </p:cTn>
-                                        <p:tgtEl>
-                                          <p:spTgt spid="8"/>
-                                        </p:tgtEl>
-                                        <p:attrNameLst>
-                                          <p:attrName>style.visibility</p:attrName>
-                                        </p:attrNameLst>
-                                      </p:cBhvr>
-                                      <p:to>
-                                        <p:strVal val="visible"/>
-                                      </p:to>
-                                    </p:set>
-                                    <p:animEffect transition="in" filter="fade">
-                                      <p:cBhvr>
-                                        <p:cTn id="10" dur="300"/>
-                                        <p:tgtEl>
-                                          <p:spTgt spid="8"/>
-                                        </p:tgtEl>
-                                      </p:cBhvr>
-                                    </p:animEffect>
-                                  </p:childTnLst>
-                                </p:cTn>
-                              </p:par>
-                            </p:childTnLst>
-                          </p:cTn>
-                        </p:par>
-                      </p:childTnLst>
-                    </p:cTn>
-                  </p:par>
-                </p:childTnLst>
-              </p:cTn>
-              <p:prevCondLst>
-                <p:cond evt="onPrev" delay="0">
-                  <p:tgtEl>
-                    <p:sldTgt/>
-                  </p:tgtEl>
-                </p:cond>
-              </p:prevCondLst>
-              <p:nextCondLst>
-                <p:cond evt="onNext" delay="0">
-                  <p:tgtEl>
-                    <p:sldTgt/>
-                  </p:tgtEl>
-                </p:cond>
-              </p:nextCondLst>
-            </p:seq>
-          </p:childTnLst>
-        </p:cTn>
-      </p:par>
-    </p:tnLst>
-    <p:bldLst>
-      <p:bldP spid="8" grpId="0" animBg="1"/>
-      <p:bldP spid="9" grpId="0"/>
-    </p:bldLst>
-  </p:timing>
-</p:sld>
-</file>
-
-<file path=ppt/slides/slide32.xml><?xml version="1.0" encoding="utf-8"?>
-<p:sld xmlns:a="http://schemas.openxmlformats.org/drawingml/2006/main" xmlns:r="http://schemas.openxmlformats.org/officeDocument/2006/relationships" xmlns:p="http://schemas.openxmlformats.org/presentationml/2006/main">
-  <p:cSld>
-    <p:spTree>
-      <p:nvGrpSpPr>
-        <p:cNvPr id="1" name=""/>
-        <p:cNvGrpSpPr/>
-        <p:nvPr/>
-      </p:nvGrpSpPr>
-      <p:grpSpPr>
-        <a:xfrm>
-          <a:off x="0" y="0"/>
-          <a:ext cx="0" cy="0"/>
-          <a:chOff x="0" y="0"/>
-          <a:chExt cx="0" cy="0"/>
-        </a:xfrm>
-      </p:grpSpPr>
-      <p:sp>
-        <p:nvSpPr>
           <p:cNvPr id="5" name="Rectangle 1"/>
           <p:cNvSpPr>
             <a:spLocks noChangeArrowheads="1"/>
@@ -31817,6 +31018,808 @@
     </p:tnLst>
     <p:bldLst>
       <p:bldP spid="8" grpId="0" animBg="1"/>
+    </p:bldLst>
+  </p:timing>
+</p:sld>
+</file>
+
+<file path=ppt/slides/slide32.xml><?xml version="1.0" encoding="utf-8"?>
+<p:sld xmlns:a="http://schemas.openxmlformats.org/drawingml/2006/main" xmlns:r="http://schemas.openxmlformats.org/officeDocument/2006/relationships" xmlns:p="http://schemas.openxmlformats.org/presentationml/2006/main">
+  <p:cSld>
+    <p:spTree>
+      <p:nvGrpSpPr>
+        <p:cNvPr id="1" name=""/>
+        <p:cNvGrpSpPr/>
+        <p:nvPr/>
+      </p:nvGrpSpPr>
+      <p:grpSpPr>
+        <a:xfrm>
+          <a:off x="0" y="0"/>
+          <a:ext cx="0" cy="0"/>
+          <a:chOff x="0" y="0"/>
+          <a:chExt cx="0" cy="0"/>
+        </a:xfrm>
+      </p:grpSpPr>
+      <p:sp>
+        <p:nvSpPr>
+          <p:cNvPr id="8" name="Rectangle 1"/>
+          <p:cNvSpPr>
+            <a:spLocks noChangeArrowheads="1"/>
+          </p:cNvSpPr>
+          <p:nvPr/>
+        </p:nvSpPr>
+        <p:spPr bwMode="auto">
+          <a:xfrm>
+            <a:off x="652500" y="2132856"/>
+            <a:ext cx="10887000" cy="4104456"/>
+          </a:xfrm>
+          <a:prstGeom prst="rect">
+            <a:avLst/>
+          </a:prstGeom>
+          <a:solidFill>
+            <a:srgbClr val="2B2B2B"/>
+          </a:solidFill>
+          <a:ln>
+            <a:noFill/>
+          </a:ln>
+          <a:effectLst/>
+          <a:extLst>
+            <a:ext uri="{91240B29-F687-4F45-9708-019B960494DF}">
+              <a14:hiddenLine xmlns:a14="http://schemas.microsoft.com/office/drawing/2010/main" w="9525">
+                <a:solidFill>
+                  <a:schemeClr val="tx1"/>
+                </a:solidFill>
+                <a:miter lim="800000"/>
+                <a:headEnd/>
+                <a:tailEnd/>
+              </a14:hiddenLine>
+            </a:ext>
+            <a:ext uri="{AF507438-7753-43E0-B8FC-AC1667EBCBE1}">
+              <a14:hiddenEffects xmlns:a14="http://schemas.microsoft.com/office/drawing/2010/main">
+                <a:effectLst>
+                  <a:outerShdw dist="35921" dir="2700000" algn="ctr" rotWithShape="0">
+                    <a:schemeClr val="bg2"/>
+                  </a:outerShdw>
+                </a:effectLst>
+              </a14:hiddenEffects>
+            </a:ext>
+          </a:extLst>
+        </p:spPr>
+        <p:txBody>
+          <a:bodyPr vert="horz" wrap="square" lIns="182880" tIns="182880" rIns="182880" bIns="182880" numCol="1" anchor="t" anchorCtr="0" compatLnSpc="1">
+            <a:prstTxWarp prst="textNoShape">
+              <a:avLst/>
+            </a:prstTxWarp>
+            <a:noAutofit/>
+          </a:bodyPr>
+          <a:lstStyle/>
+          <a:p>
+            <a:pPr eaLnBrk="0" fontAlgn="base" hangingPunct="0">
+              <a:spcBef>
+                <a:spcPct val="0"/>
+              </a:spcBef>
+              <a:spcAft>
+                <a:spcPct val="0"/>
+              </a:spcAft>
+            </a:pPr>
+            <a:r>
+              <a:rPr lang="en-US" altLang="en-US" sz="1600" dirty="0">
+                <a:solidFill>
+                  <a:srgbClr val="E8BF6A"/>
+                </a:solidFill>
+                <a:latin typeface="Consolas" panose="020B0609020204030204" pitchFamily="49" charset="0"/>
+              </a:rPr>
+              <a:t>&lt;account-authenticator</a:t>
+            </a:r>
+            <a:br>
+              <a:rPr lang="en-US" altLang="en-US" sz="1600" dirty="0">
+                <a:solidFill>
+                  <a:srgbClr val="E8BF6A"/>
+                </a:solidFill>
+                <a:latin typeface="Consolas" panose="020B0609020204030204" pitchFamily="49" charset="0"/>
+              </a:rPr>
+            </a:br>
+            <a:r>
+              <a:rPr lang="en-US" altLang="en-US" sz="1600" dirty="0">
+                <a:solidFill>
+                  <a:srgbClr val="E8BF6A"/>
+                </a:solidFill>
+                <a:latin typeface="Consolas" panose="020B0609020204030204" pitchFamily="49" charset="0"/>
+              </a:rPr>
+              <a:t>    </a:t>
+            </a:r>
+            <a:r>
+              <a:rPr lang="en-US" altLang="en-US" sz="1600" dirty="0" err="1">
+                <a:solidFill>
+                  <a:srgbClr val="BABABA"/>
+                </a:solidFill>
+                <a:latin typeface="Consolas" panose="020B0609020204030204" pitchFamily="49" charset="0"/>
+              </a:rPr>
+              <a:t>xmlns:</a:t>
+            </a:r>
+            <a:r>
+              <a:rPr lang="en-US" altLang="en-US" sz="1600" dirty="0" err="1">
+                <a:solidFill>
+                  <a:srgbClr val="9876AA"/>
+                </a:solidFill>
+                <a:latin typeface="Consolas" panose="020B0609020204030204" pitchFamily="49" charset="0"/>
+              </a:rPr>
+              <a:t>android</a:t>
+            </a:r>
+            <a:r>
+              <a:rPr lang="en-US" altLang="en-US" sz="1600" dirty="0">
+                <a:solidFill>
+                  <a:srgbClr val="BABABA"/>
+                </a:solidFill>
+                <a:latin typeface="Consolas" panose="020B0609020204030204" pitchFamily="49" charset="0"/>
+              </a:rPr>
+              <a:t>=</a:t>
+            </a:r>
+            <a:r>
+              <a:rPr lang="en-US" altLang="en-US" sz="1600" dirty="0">
+                <a:solidFill>
+                  <a:srgbClr val="6A8759"/>
+                </a:solidFill>
+                <a:latin typeface="Consolas" panose="020B0609020204030204" pitchFamily="49" charset="0"/>
+              </a:rPr>
+              <a:t>"http://schemas.android.com/</a:t>
+            </a:r>
+            <a:r>
+              <a:rPr lang="en-US" altLang="en-US" sz="1600" dirty="0" err="1">
+                <a:solidFill>
+                  <a:srgbClr val="6A8759"/>
+                </a:solidFill>
+                <a:latin typeface="Consolas" panose="020B0609020204030204" pitchFamily="49" charset="0"/>
+              </a:rPr>
+              <a:t>apk</a:t>
+            </a:r>
+            <a:r>
+              <a:rPr lang="en-US" altLang="en-US" sz="1600" dirty="0">
+                <a:solidFill>
+                  <a:srgbClr val="6A8759"/>
+                </a:solidFill>
+                <a:latin typeface="Consolas" panose="020B0609020204030204" pitchFamily="49" charset="0"/>
+              </a:rPr>
+              <a:t>/res/android"</a:t>
+            </a:r>
+            <a:br>
+              <a:rPr lang="en-US" altLang="en-US" sz="1600" dirty="0">
+                <a:solidFill>
+                  <a:srgbClr val="6A8759"/>
+                </a:solidFill>
+                <a:latin typeface="Consolas" panose="020B0609020204030204" pitchFamily="49" charset="0"/>
+              </a:rPr>
+            </a:br>
+            <a:r>
+              <a:rPr lang="en-US" altLang="en-US" sz="1600" dirty="0">
+                <a:solidFill>
+                  <a:srgbClr val="6A8759"/>
+                </a:solidFill>
+                <a:latin typeface="Consolas" panose="020B0609020204030204" pitchFamily="49" charset="0"/>
+              </a:rPr>
+              <a:t>    </a:t>
+            </a:r>
+            <a:r>
+              <a:rPr lang="en-US" altLang="en-US" sz="1600" dirty="0" err="1">
+                <a:solidFill>
+                  <a:srgbClr val="9876AA"/>
+                </a:solidFill>
+                <a:latin typeface="Consolas" panose="020B0609020204030204" pitchFamily="49" charset="0"/>
+              </a:rPr>
+              <a:t>android</a:t>
+            </a:r>
+            <a:r>
+              <a:rPr lang="en-US" altLang="en-US" sz="1600" dirty="0" err="1">
+                <a:solidFill>
+                  <a:srgbClr val="BABABA"/>
+                </a:solidFill>
+                <a:latin typeface="Consolas" panose="020B0609020204030204" pitchFamily="49" charset="0"/>
+              </a:rPr>
+              <a:t>:accountPreferences</a:t>
+            </a:r>
+            <a:r>
+              <a:rPr lang="en-US" altLang="en-US" sz="1600" dirty="0">
+                <a:solidFill>
+                  <a:srgbClr val="BABABA"/>
+                </a:solidFill>
+                <a:latin typeface="Consolas" panose="020B0609020204030204" pitchFamily="49" charset="0"/>
+              </a:rPr>
+              <a:t>=</a:t>
+            </a:r>
+            <a:r>
+              <a:rPr lang="en-US" altLang="en-US" sz="1600" dirty="0">
+                <a:solidFill>
+                  <a:srgbClr val="6A8759"/>
+                </a:solidFill>
+                <a:latin typeface="Consolas" panose="020B0609020204030204" pitchFamily="49" charset="0"/>
+              </a:rPr>
+              <a:t>"@xml/</a:t>
+            </a:r>
+            <a:r>
+              <a:rPr lang="en-US" altLang="en-US" sz="1600" dirty="0" err="1">
+                <a:solidFill>
+                  <a:srgbClr val="6A8759"/>
+                </a:solidFill>
+                <a:latin typeface="Consolas" panose="020B0609020204030204" pitchFamily="49" charset="0"/>
+              </a:rPr>
+              <a:t>account_preferences</a:t>
+            </a:r>
+            <a:r>
+              <a:rPr lang="en-US" altLang="en-US" sz="1600" dirty="0">
+                <a:solidFill>
+                  <a:srgbClr val="6A8759"/>
+                </a:solidFill>
+                <a:latin typeface="Consolas" panose="020B0609020204030204" pitchFamily="49" charset="0"/>
+              </a:rPr>
+              <a:t>"</a:t>
+            </a:r>
+            <a:br>
+              <a:rPr lang="en-US" altLang="en-US" sz="1600" dirty="0">
+                <a:solidFill>
+                  <a:srgbClr val="6A8759"/>
+                </a:solidFill>
+                <a:latin typeface="Consolas" panose="020B0609020204030204" pitchFamily="49" charset="0"/>
+              </a:rPr>
+            </a:br>
+            <a:r>
+              <a:rPr lang="en-US" altLang="en-US" sz="1600" dirty="0">
+                <a:solidFill>
+                  <a:srgbClr val="6A8759"/>
+                </a:solidFill>
+                <a:latin typeface="Consolas" panose="020B0609020204030204" pitchFamily="49" charset="0"/>
+              </a:rPr>
+              <a:t>    </a:t>
+            </a:r>
+            <a:r>
+              <a:rPr lang="en-US" altLang="en-US" sz="1600" dirty="0" err="1">
+                <a:solidFill>
+                  <a:srgbClr val="9876AA"/>
+                </a:solidFill>
+                <a:latin typeface="Consolas" panose="020B0609020204030204" pitchFamily="49" charset="0"/>
+              </a:rPr>
+              <a:t>android</a:t>
+            </a:r>
+            <a:r>
+              <a:rPr lang="en-US" altLang="en-US" sz="1600" dirty="0" err="1">
+                <a:solidFill>
+                  <a:srgbClr val="BABABA"/>
+                </a:solidFill>
+                <a:latin typeface="Consolas" panose="020B0609020204030204" pitchFamily="49" charset="0"/>
+              </a:rPr>
+              <a:t>:accountType</a:t>
+            </a:r>
+            <a:r>
+              <a:rPr lang="en-US" altLang="en-US" sz="1600" dirty="0">
+                <a:solidFill>
+                  <a:srgbClr val="BABABA"/>
+                </a:solidFill>
+                <a:latin typeface="Consolas" panose="020B0609020204030204" pitchFamily="49" charset="0"/>
+              </a:rPr>
+              <a:t>=</a:t>
+            </a:r>
+            <a:r>
+              <a:rPr lang="en-US" altLang="en-US" sz="1600" dirty="0">
+                <a:solidFill>
+                  <a:srgbClr val="6A8759"/>
+                </a:solidFill>
+                <a:latin typeface="Consolas" panose="020B0609020204030204" pitchFamily="49" charset="0"/>
+              </a:rPr>
+              <a:t>"</a:t>
+            </a:r>
+            <a:r>
+              <a:rPr lang="en-US" altLang="en-US" sz="1600" dirty="0" err="1">
+                <a:solidFill>
+                  <a:srgbClr val="6A8759"/>
+                </a:solidFill>
+                <a:latin typeface="Consolas" panose="020B0609020204030204" pitchFamily="49" charset="0"/>
+              </a:rPr>
+              <a:t>com.example.android.basicsyncadapter.account</a:t>
+            </a:r>
+            <a:r>
+              <a:rPr lang="en-US" altLang="en-US" sz="1600" dirty="0">
+                <a:solidFill>
+                  <a:srgbClr val="6A8759"/>
+                </a:solidFill>
+                <a:latin typeface="Consolas" panose="020B0609020204030204" pitchFamily="49" charset="0"/>
+              </a:rPr>
+              <a:t>"</a:t>
+            </a:r>
+            <a:br>
+              <a:rPr lang="en-US" altLang="en-US" sz="1600" dirty="0">
+                <a:solidFill>
+                  <a:srgbClr val="6A8759"/>
+                </a:solidFill>
+                <a:latin typeface="Consolas" panose="020B0609020204030204" pitchFamily="49" charset="0"/>
+              </a:rPr>
+            </a:br>
+            <a:r>
+              <a:rPr lang="en-US" altLang="en-US" sz="1600" dirty="0" smtClean="0">
+                <a:solidFill>
+                  <a:srgbClr val="6A8759"/>
+                </a:solidFill>
+                <a:latin typeface="Consolas" panose="020B0609020204030204" pitchFamily="49" charset="0"/>
+              </a:rPr>
+              <a:t>    </a:t>
+            </a:r>
+            <a:r>
+              <a:rPr lang="en-US" altLang="en-US" sz="1600" dirty="0" err="1">
+                <a:solidFill>
+                  <a:srgbClr val="9876AA"/>
+                </a:solidFill>
+                <a:latin typeface="Consolas" panose="020B0609020204030204" pitchFamily="49" charset="0"/>
+              </a:rPr>
+              <a:t>android</a:t>
+            </a:r>
+            <a:r>
+              <a:rPr lang="en-US" altLang="en-US" sz="1600" dirty="0" err="1">
+                <a:solidFill>
+                  <a:srgbClr val="BABABA"/>
+                </a:solidFill>
+                <a:latin typeface="Consolas" panose="020B0609020204030204" pitchFamily="49" charset="0"/>
+              </a:rPr>
+              <a:t>:label</a:t>
+            </a:r>
+            <a:r>
+              <a:rPr lang="en-US" altLang="en-US" sz="1600" dirty="0">
+                <a:solidFill>
+                  <a:srgbClr val="BABABA"/>
+                </a:solidFill>
+                <a:latin typeface="Consolas" panose="020B0609020204030204" pitchFamily="49" charset="0"/>
+              </a:rPr>
+              <a:t>=</a:t>
+            </a:r>
+            <a:r>
+              <a:rPr lang="en-US" altLang="en-US" sz="1600" dirty="0">
+                <a:solidFill>
+                  <a:srgbClr val="6A8759"/>
+                </a:solidFill>
+                <a:latin typeface="Consolas" panose="020B0609020204030204" pitchFamily="49" charset="0"/>
+              </a:rPr>
+              <a:t>"@</a:t>
+            </a:r>
+            <a:r>
+              <a:rPr lang="en-US" altLang="en-US" sz="1600" dirty="0" smtClean="0">
+                <a:solidFill>
+                  <a:srgbClr val="6A8759"/>
+                </a:solidFill>
+                <a:latin typeface="Consolas" panose="020B0609020204030204" pitchFamily="49" charset="0"/>
+              </a:rPr>
+              <a:t>string/</a:t>
+            </a:r>
+            <a:r>
+              <a:rPr lang="en-US" altLang="en-US" sz="1600" dirty="0" err="1" smtClean="0">
+                <a:solidFill>
+                  <a:srgbClr val="6A8759"/>
+                </a:solidFill>
+                <a:latin typeface="Consolas" panose="020B0609020204030204" pitchFamily="49" charset="0"/>
+              </a:rPr>
+              <a:t>app_name</a:t>
+            </a:r>
+            <a:r>
+              <a:rPr lang="en-US" altLang="en-US" sz="1600" dirty="0" smtClean="0">
+                <a:solidFill>
+                  <a:srgbClr val="6A8759"/>
+                </a:solidFill>
+                <a:latin typeface="Consolas" panose="020B0609020204030204" pitchFamily="49" charset="0"/>
+              </a:rPr>
+              <a:t>“</a:t>
+            </a:r>
+          </a:p>
+          <a:p>
+            <a:pPr eaLnBrk="0" fontAlgn="base" hangingPunct="0">
+              <a:spcBef>
+                <a:spcPct val="0"/>
+              </a:spcBef>
+              <a:spcAft>
+                <a:spcPct val="0"/>
+              </a:spcAft>
+            </a:pPr>
+            <a:r>
+              <a:rPr lang="en-US" altLang="en-US" sz="1600" dirty="0" smtClean="0">
+                <a:solidFill>
+                  <a:srgbClr val="6A8759"/>
+                </a:solidFill>
+                <a:latin typeface="Consolas" panose="020B0609020204030204" pitchFamily="49" charset="0"/>
+              </a:rPr>
+              <a:t>    </a:t>
+            </a:r>
+            <a:r>
+              <a:rPr lang="en-US" altLang="en-US" sz="1600" dirty="0" err="1">
+                <a:solidFill>
+                  <a:srgbClr val="9876AA"/>
+                </a:solidFill>
+                <a:latin typeface="Consolas" panose="020B0609020204030204" pitchFamily="49" charset="0"/>
+              </a:rPr>
+              <a:t>android</a:t>
+            </a:r>
+            <a:r>
+              <a:rPr lang="en-US" altLang="en-US" sz="1600" dirty="0" err="1">
+                <a:solidFill>
+                  <a:srgbClr val="BABABA"/>
+                </a:solidFill>
+                <a:latin typeface="Consolas" panose="020B0609020204030204" pitchFamily="49" charset="0"/>
+              </a:rPr>
+              <a:t>:icon</a:t>
+            </a:r>
+            <a:r>
+              <a:rPr lang="en-US" altLang="en-US" sz="1600" dirty="0">
+                <a:solidFill>
+                  <a:srgbClr val="BABABA"/>
+                </a:solidFill>
+                <a:latin typeface="Consolas" panose="020B0609020204030204" pitchFamily="49" charset="0"/>
+              </a:rPr>
+              <a:t>=</a:t>
+            </a:r>
+            <a:r>
+              <a:rPr lang="en-US" altLang="en-US" sz="1600" dirty="0">
+                <a:solidFill>
+                  <a:srgbClr val="6A8759"/>
+                </a:solidFill>
+                <a:latin typeface="Consolas" panose="020B0609020204030204" pitchFamily="49" charset="0"/>
+              </a:rPr>
+              <a:t>"@</a:t>
+            </a:r>
+            <a:r>
+              <a:rPr lang="en-US" altLang="en-US" sz="1600" dirty="0" err="1">
+                <a:solidFill>
+                  <a:srgbClr val="6A8759"/>
+                </a:solidFill>
+                <a:latin typeface="Consolas" panose="020B0609020204030204" pitchFamily="49" charset="0"/>
+              </a:rPr>
+              <a:t>drawable</a:t>
+            </a:r>
+            <a:r>
+              <a:rPr lang="en-US" altLang="en-US" sz="1600" dirty="0">
+                <a:solidFill>
+                  <a:srgbClr val="6A8759"/>
+                </a:solidFill>
+                <a:latin typeface="Consolas" panose="020B0609020204030204" pitchFamily="49" charset="0"/>
+              </a:rPr>
+              <a:t>/</a:t>
+            </a:r>
+            <a:r>
+              <a:rPr lang="en-US" altLang="en-US" sz="1600" dirty="0" err="1">
+                <a:solidFill>
+                  <a:srgbClr val="6A8759"/>
+                </a:solidFill>
+                <a:latin typeface="Consolas" panose="020B0609020204030204" pitchFamily="49" charset="0"/>
+              </a:rPr>
+              <a:t>ic_launcher</a:t>
+            </a:r>
+            <a:r>
+              <a:rPr lang="en-US" altLang="en-US" sz="1600" dirty="0" smtClean="0">
+                <a:solidFill>
+                  <a:srgbClr val="6A8759"/>
+                </a:solidFill>
+                <a:latin typeface="Consolas" panose="020B0609020204030204" pitchFamily="49" charset="0"/>
+              </a:rPr>
+              <a:t>"</a:t>
+            </a:r>
+            <a:br>
+              <a:rPr lang="en-US" altLang="en-US" sz="1600" dirty="0" smtClean="0">
+                <a:solidFill>
+                  <a:srgbClr val="6A8759"/>
+                </a:solidFill>
+                <a:latin typeface="Consolas" panose="020B0609020204030204" pitchFamily="49" charset="0"/>
+              </a:rPr>
+            </a:br>
+            <a:r>
+              <a:rPr lang="en-US" altLang="en-US" sz="1600" dirty="0" smtClean="0">
+                <a:solidFill>
+                  <a:srgbClr val="6A8759"/>
+                </a:solidFill>
+                <a:latin typeface="Consolas" panose="020B0609020204030204" pitchFamily="49" charset="0"/>
+              </a:rPr>
+              <a:t>    </a:t>
+            </a:r>
+            <a:r>
+              <a:rPr lang="en-US" altLang="en-US" sz="1600" dirty="0" err="1" smtClean="0">
+                <a:solidFill>
+                  <a:srgbClr val="9876AA"/>
+                </a:solidFill>
+                <a:latin typeface="Consolas" panose="020B0609020204030204" pitchFamily="49" charset="0"/>
+              </a:rPr>
+              <a:t>android</a:t>
+            </a:r>
+            <a:r>
+              <a:rPr lang="en-US" altLang="en-US" sz="1600" dirty="0" err="1" smtClean="0">
+                <a:solidFill>
+                  <a:srgbClr val="BABABA"/>
+                </a:solidFill>
+                <a:latin typeface="Consolas" panose="020B0609020204030204" pitchFamily="49" charset="0"/>
+              </a:rPr>
+              <a:t>:smallIcon</a:t>
+            </a:r>
+            <a:r>
+              <a:rPr lang="en-US" altLang="en-US" sz="1600" dirty="0">
+                <a:solidFill>
+                  <a:srgbClr val="BABABA"/>
+                </a:solidFill>
+                <a:latin typeface="Consolas" panose="020B0609020204030204" pitchFamily="49" charset="0"/>
+              </a:rPr>
+              <a:t>=</a:t>
+            </a:r>
+            <a:r>
+              <a:rPr lang="en-US" altLang="en-US" sz="1600" dirty="0">
+                <a:solidFill>
+                  <a:srgbClr val="6A8759"/>
+                </a:solidFill>
+                <a:latin typeface="Consolas" panose="020B0609020204030204" pitchFamily="49" charset="0"/>
+              </a:rPr>
+              <a:t>"@</a:t>
+            </a:r>
+            <a:r>
+              <a:rPr lang="en-US" altLang="en-US" sz="1600" dirty="0" err="1">
+                <a:solidFill>
+                  <a:srgbClr val="6A8759"/>
+                </a:solidFill>
+                <a:latin typeface="Consolas" panose="020B0609020204030204" pitchFamily="49" charset="0"/>
+              </a:rPr>
+              <a:t>drawable</a:t>
+            </a:r>
+            <a:r>
+              <a:rPr lang="en-US" altLang="en-US" sz="1600" dirty="0">
+                <a:solidFill>
+                  <a:srgbClr val="6A8759"/>
+                </a:solidFill>
+                <a:latin typeface="Consolas" panose="020B0609020204030204" pitchFamily="49" charset="0"/>
+              </a:rPr>
+              <a:t>/</a:t>
+            </a:r>
+            <a:r>
+              <a:rPr lang="en-US" altLang="en-US" sz="1600" dirty="0" err="1">
+                <a:solidFill>
+                  <a:srgbClr val="6A8759"/>
+                </a:solidFill>
+                <a:latin typeface="Consolas" panose="020B0609020204030204" pitchFamily="49" charset="0"/>
+              </a:rPr>
+              <a:t>ic_launcher</a:t>
+            </a:r>
+            <a:r>
+              <a:rPr lang="en-US" altLang="en-US" sz="1600" dirty="0">
+                <a:solidFill>
+                  <a:srgbClr val="6A8759"/>
+                </a:solidFill>
+                <a:latin typeface="Consolas" panose="020B0609020204030204" pitchFamily="49" charset="0"/>
+              </a:rPr>
+              <a:t>"</a:t>
+            </a:r>
+            <a:r>
+              <a:rPr lang="en-US" altLang="en-US" sz="1600" dirty="0">
+                <a:solidFill>
+                  <a:srgbClr val="E8BF6A"/>
+                </a:solidFill>
+                <a:latin typeface="Consolas" panose="020B0609020204030204" pitchFamily="49" charset="0"/>
+              </a:rPr>
+              <a:t>/&gt;</a:t>
+            </a:r>
+            <a:br>
+              <a:rPr lang="en-US" altLang="en-US" sz="1600" dirty="0">
+                <a:solidFill>
+                  <a:srgbClr val="E8BF6A"/>
+                </a:solidFill>
+                <a:latin typeface="Consolas" panose="020B0609020204030204" pitchFamily="49" charset="0"/>
+              </a:rPr>
+            </a:br>
+            <a:endParaRPr lang="en-US" altLang="en-US" sz="1600" dirty="0">
+              <a:latin typeface="Consolas" panose="020B0609020204030204" pitchFamily="49" charset="0"/>
+            </a:endParaRPr>
+          </a:p>
+          <a:p>
+            <a:pPr marL="0" marR="0" lvl="0" indent="0" algn="l" defTabSz="914400" rtl="0" eaLnBrk="0" fontAlgn="base" latinLnBrk="0" hangingPunct="0">
+              <a:lnSpc>
+                <a:spcPct val="100000"/>
+              </a:lnSpc>
+              <a:spcBef>
+                <a:spcPct val="0"/>
+              </a:spcBef>
+              <a:spcAft>
+                <a:spcPct val="0"/>
+              </a:spcAft>
+              <a:buClrTx/>
+              <a:buSzTx/>
+              <a:buFontTx/>
+              <a:buNone/>
+              <a:tabLst/>
+            </a:pPr>
+            <a:endParaRPr kumimoji="0" lang="en-US" altLang="en-US" sz="1600" b="0" i="0" u="none" strike="noStrike" cap="none" normalizeH="0" baseline="0" dirty="0" smtClean="0">
+              <a:ln>
+                <a:noFill/>
+              </a:ln>
+              <a:solidFill>
+                <a:schemeClr val="tx1"/>
+              </a:solidFill>
+              <a:effectLst/>
+              <a:latin typeface="Consolas" panose="020B0609020204030204" pitchFamily="49" charset="0"/>
+            </a:endParaRPr>
+          </a:p>
+        </p:txBody>
+      </p:sp>
+      <p:sp>
+        <p:nvSpPr>
+          <p:cNvPr id="9" name="TextBox 8"/>
+          <p:cNvSpPr txBox="1"/>
+          <p:nvPr/>
+        </p:nvSpPr>
+        <p:spPr>
+          <a:xfrm>
+            <a:off x="652500" y="1556792"/>
+            <a:ext cx="10887000" cy="461665"/>
+          </a:xfrm>
+          <a:prstGeom prst="rect">
+            <a:avLst/>
+          </a:prstGeom>
+          <a:noFill/>
+        </p:spPr>
+        <p:txBody>
+          <a:bodyPr wrap="square" rtlCol="0">
+            <a:spAutoFit/>
+          </a:bodyPr>
+          <a:lstStyle/>
+          <a:p>
+            <a:r>
+              <a:rPr lang="en-US" sz="2400" dirty="0" smtClean="0">
+                <a:solidFill>
+                  <a:schemeClr val="bg1"/>
+                </a:solidFill>
+                <a:latin typeface="Consolas" panose="020B0609020204030204" pitchFamily="49" charset="0"/>
+              </a:rPr>
+              <a:t>res/xml/syncadapter.xml</a:t>
+            </a:r>
+            <a:endParaRPr lang="en-US" sz="2400" dirty="0">
+              <a:solidFill>
+                <a:schemeClr val="bg1"/>
+              </a:solidFill>
+              <a:latin typeface="Consolas" panose="020B0609020204030204" pitchFamily="49" charset="0"/>
+            </a:endParaRPr>
+          </a:p>
+        </p:txBody>
+      </p:sp>
+    </p:spTree>
+    <p:extLst>
+      <p:ext uri="{BB962C8B-B14F-4D97-AF65-F5344CB8AC3E}">
+        <p14:creationId xmlns:p14="http://schemas.microsoft.com/office/powerpoint/2010/main" val="717921531"/>
+      </p:ext>
+    </p:extLst>
+  </p:cSld>
+  <p:clrMapOvr>
+    <a:masterClrMapping/>
+  </p:clrMapOvr>
+  <mc:AlternateContent xmlns:mc="http://schemas.openxmlformats.org/markup-compatibility/2006" xmlns:p14="http://schemas.microsoft.com/office/powerpoint/2010/main">
+    <mc:Choice Requires="p14">
+      <p:transition p14:dur="250">
+        <p14:reveal/>
+      </p:transition>
+    </mc:Choice>
+    <mc:Fallback xmlns="">
+      <p:transition>
+        <p:fade/>
+      </p:transition>
+    </mc:Fallback>
+  </mc:AlternateContent>
+  <p:timing>
+    <p:tnLst>
+      <p:par>
+        <p:cTn id="1" dur="indefinite" restart="never" nodeType="tmRoot">
+          <p:childTnLst>
+            <p:seq concurrent="1" nextAc="seek">
+              <p:cTn id="2" dur="indefinite" nodeType="mainSeq">
+                <p:childTnLst>
+                  <p:par>
+                    <p:cTn id="3" fill="hold">
+                      <p:stCondLst>
+                        <p:cond delay="indefinite"/>
+                        <p:cond evt="onBegin" delay="0">
+                          <p:tn val="2"/>
+                        </p:cond>
+                      </p:stCondLst>
+                      <p:childTnLst>
+                        <p:par>
+                          <p:cTn id="4" fill="hold">
+                            <p:stCondLst>
+                              <p:cond delay="0"/>
+                            </p:stCondLst>
+                            <p:childTnLst>
+                              <p:par>
+                                <p:cTn id="5" presetID="10" presetClass="entr" presetSubtype="0" fill="hold" grpId="0" nodeType="withEffect">
+                                  <p:stCondLst>
+                                    <p:cond delay="0"/>
+                                  </p:stCondLst>
+                                  <p:childTnLst>
+                                    <p:set>
+                                      <p:cBhvr>
+                                        <p:cTn id="6" dur="1" fill="hold">
+                                          <p:stCondLst>
+                                            <p:cond delay="0"/>
+                                          </p:stCondLst>
+                                        </p:cTn>
+                                        <p:tgtEl>
+                                          <p:spTgt spid="9"/>
+                                        </p:tgtEl>
+                                        <p:attrNameLst>
+                                          <p:attrName>style.visibility</p:attrName>
+                                        </p:attrNameLst>
+                                      </p:cBhvr>
+                                      <p:to>
+                                        <p:strVal val="visible"/>
+                                      </p:to>
+                                    </p:set>
+                                    <p:animEffect transition="in" filter="fade">
+                                      <p:cBhvr>
+                                        <p:cTn id="7" dur="300"/>
+                                        <p:tgtEl>
+                                          <p:spTgt spid="9"/>
+                                        </p:tgtEl>
+                                      </p:cBhvr>
+                                    </p:animEffect>
+                                  </p:childTnLst>
+                                </p:cTn>
+                              </p:par>
+                              <p:par>
+                                <p:cTn id="8" presetID="10" presetClass="entr" presetSubtype="0" fill="hold" grpId="0" nodeType="withEffect">
+                                  <p:stCondLst>
+                                    <p:cond delay="200"/>
+                                  </p:stCondLst>
+                                  <p:childTnLst>
+                                    <p:set>
+                                      <p:cBhvr>
+                                        <p:cTn id="9" dur="1" fill="hold">
+                                          <p:stCondLst>
+                                            <p:cond delay="0"/>
+                                          </p:stCondLst>
+                                        </p:cTn>
+                                        <p:tgtEl>
+                                          <p:spTgt spid="8"/>
+                                        </p:tgtEl>
+                                        <p:attrNameLst>
+                                          <p:attrName>style.visibility</p:attrName>
+                                        </p:attrNameLst>
+                                      </p:cBhvr>
+                                      <p:to>
+                                        <p:strVal val="visible"/>
+                                      </p:to>
+                                    </p:set>
+                                    <p:animEffect transition="in" filter="fade">
+                                      <p:cBhvr>
+                                        <p:cTn id="10" dur="300"/>
+                                        <p:tgtEl>
+                                          <p:spTgt spid="8"/>
+                                        </p:tgtEl>
+                                      </p:cBhvr>
+                                    </p:animEffect>
+                                  </p:childTnLst>
+                                </p:cTn>
+                              </p:par>
+                            </p:childTnLst>
+                          </p:cTn>
+                        </p:par>
+                      </p:childTnLst>
+                    </p:cTn>
+                  </p:par>
+                </p:childTnLst>
+              </p:cTn>
+              <p:prevCondLst>
+                <p:cond evt="onPrev" delay="0">
+                  <p:tgtEl>
+                    <p:sldTgt/>
+                  </p:tgtEl>
+                </p:cond>
+              </p:prevCondLst>
+              <p:nextCondLst>
+                <p:cond evt="onNext" delay="0">
+                  <p:tgtEl>
+                    <p:sldTgt/>
+                  </p:tgtEl>
+                </p:cond>
+              </p:nextCondLst>
+            </p:seq>
+          </p:childTnLst>
+        </p:cTn>
+      </p:par>
+    </p:tnLst>
+    <p:bldLst>
+      <p:bldP spid="8" grpId="0" animBg="1"/>
+      <p:bldP spid="9" grpId="0"/>
     </p:bldLst>
   </p:timing>
 </p:sld>
@@ -34193,6 +34196,9 @@
                     <p:cTn id="3" fill="hold">
                       <p:stCondLst>
                         <p:cond delay="indefinite"/>
+                        <p:cond evt="onBegin" delay="0">
+                          <p:tn val="2"/>
+                        </p:cond>
                       </p:stCondLst>
                       <p:childTnLst>
                         <p:par>
@@ -34202,7 +34208,7 @@
                             </p:stCondLst>
                             <p:childTnLst>
                               <p:par>
-                                <p:cTn id="5" presetID="10" presetClass="entr" presetSubtype="0" fill="hold" grpId="0" nodeType="clickEffect">
+                                <p:cTn id="5" presetID="10" presetClass="entr" presetSubtype="0" fill="hold" grpId="0" nodeType="withEffect">
                                   <p:stCondLst>
                                     <p:cond delay="0"/>
                                   </p:stCondLst>
@@ -35392,9 +35398,18 @@
   <p:clrMapOvr>
     <a:masterClrMapping/>
   </p:clrMapOvr>
-  <p:transition spd="slow">
-    <p:fade thruBlk="1"/>
-  </p:transition>
+  <mc:AlternateContent xmlns:mc="http://schemas.openxmlformats.org/markup-compatibility/2006">
+    <mc:Choice xmlns:p14="http://schemas.microsoft.com/office/powerpoint/2010/main" Requires="p14">
+      <p:transition p14:dur="250">
+        <p14:reveal/>
+      </p:transition>
+    </mc:Choice>
+    <mc:Fallback>
+      <p:transition>
+        <p:fade/>
+      </p:transition>
+    </mc:Fallback>
+  </mc:AlternateContent>
   <p:timing>
     <p:tnLst>
       <p:par>
@@ -40733,7 +40748,7 @@
           </a:prstGeom>
           <a:solidFill>
             <a:srgbClr val="2B2B2B">
-              <a:alpha val="60000"/>
+              <a:alpha val="70000"/>
             </a:srgbClr>
           </a:solidFill>
           <a:ln>
@@ -41325,7 +41340,12 @@
             <p:ph idx="1"/>
           </p:nvPr>
         </p:nvSpPr>
-        <p:spPr/>
+        <p:spPr>
+          <a:xfrm>
+            <a:off x="609600" y="2420888"/>
+            <a:ext cx="10972800" cy="3705276"/>
+          </a:xfrm>
+        </p:spPr>
         <p:txBody>
           <a:bodyPr/>
           <a:lstStyle/>
@@ -41344,17 +41364,19 @@
             </a:pPr>
             <a:r>
               <a:rPr lang="en-US" dirty="0" smtClean="0"/>
-              <a:t>Usually a username or email</a:t>
-            </a:r>
+              <a:t>Usually a username or </a:t>
+            </a:r>
+            <a:r>
+              <a:rPr lang="en-US" dirty="0" smtClean="0"/>
+              <a:t>email</a:t>
+            </a:r>
+            <a:endParaRPr lang="en-US" dirty="0" smtClean="0"/>
           </a:p>
           <a:p>
             <a:pPr marL="0" indent="0">
-              <a:buNone/>
-            </a:pPr>
-            <a:endParaRPr lang="en-US" dirty="0" smtClean="0"/>
-          </a:p>
-          <a:p>
-            <a:pPr marL="0" indent="0">
+              <a:spcBef>
+                <a:spcPts val="3000"/>
+              </a:spcBef>
               <a:buNone/>
             </a:pPr>
             <a:r>
@@ -41391,6 +41413,134 @@
               <a:t>accounts</a:t>
             </a:r>
             <a:endParaRPr lang="en-US" dirty="0"/>
+          </a:p>
+        </p:txBody>
+      </p:sp>
+      <p:sp>
+        <p:nvSpPr>
+          <p:cNvPr id="4" name="Rectangle 1"/>
+          <p:cNvSpPr>
+            <a:spLocks noChangeArrowheads="1"/>
+          </p:cNvSpPr>
+          <p:nvPr/>
+        </p:nvSpPr>
+        <p:spPr bwMode="auto">
+          <a:xfrm>
+            <a:off x="652500" y="1700808"/>
+            <a:ext cx="10887000" cy="648072"/>
+          </a:xfrm>
+          <a:prstGeom prst="rect">
+            <a:avLst/>
+          </a:prstGeom>
+          <a:solidFill>
+            <a:srgbClr val="2B2B2B"/>
+          </a:solidFill>
+          <a:ln>
+            <a:noFill/>
+          </a:ln>
+          <a:effectLst/>
+          <a:extLst/>
+        </p:spPr>
+        <p:txBody>
+          <a:bodyPr vert="horz" wrap="square" lIns="182880" tIns="182880" rIns="182880" bIns="182880" numCol="1" anchor="t" anchorCtr="0" compatLnSpc="1">
+            <a:prstTxWarp prst="textNoShape">
+              <a:avLst/>
+            </a:prstTxWarp>
+            <a:noAutofit/>
+          </a:bodyPr>
+          <a:lstStyle/>
+          <a:p>
+            <a:pPr lvl="0" eaLnBrk="0" fontAlgn="base" hangingPunct="0">
+              <a:spcBef>
+                <a:spcPct val="0"/>
+              </a:spcBef>
+              <a:spcAft>
+                <a:spcPct val="0"/>
+              </a:spcAft>
+            </a:pPr>
+            <a:r>
+              <a:rPr lang="en-US" altLang="en-US" sz="1600" dirty="0" smtClean="0">
+                <a:solidFill>
+                  <a:srgbClr val="CC7832"/>
+                </a:solidFill>
+                <a:latin typeface="Consolas" panose="020B0609020204030204" pitchFamily="49" charset="0"/>
+                <a:cs typeface="Courier New" panose="02070309020205020404" pitchFamily="49" charset="0"/>
+              </a:rPr>
+              <a:t>return </a:t>
+            </a:r>
+            <a:r>
+              <a:rPr lang="en-US" altLang="en-US" sz="1600" dirty="0" smtClean="0">
+                <a:solidFill>
+                  <a:srgbClr val="CC7832"/>
+                </a:solidFill>
+                <a:latin typeface="Consolas" panose="020B0609020204030204" pitchFamily="49" charset="0"/>
+                <a:cs typeface="Courier New" panose="02070309020205020404" pitchFamily="49" charset="0"/>
+              </a:rPr>
+              <a:t>new </a:t>
+            </a:r>
+            <a:r>
+              <a:rPr lang="en-US" altLang="en-US" sz="1600" dirty="0" smtClean="0">
+                <a:solidFill>
+                  <a:srgbClr val="A9B7C6"/>
+                </a:solidFill>
+                <a:latin typeface="Consolas" panose="020B0609020204030204" pitchFamily="49" charset="0"/>
+                <a:cs typeface="Courier New" panose="02070309020205020404" pitchFamily="49" charset="0"/>
+              </a:rPr>
+              <a:t>Account(</a:t>
+            </a:r>
+            <a:r>
+              <a:rPr lang="en-US" altLang="en-US" sz="1600" dirty="0" err="1" smtClean="0">
+                <a:solidFill>
+                  <a:srgbClr val="A9B7C6"/>
+                </a:solidFill>
+                <a:latin typeface="Consolas" panose="020B0609020204030204" pitchFamily="49" charset="0"/>
+                <a:cs typeface="Courier New" panose="02070309020205020404" pitchFamily="49" charset="0"/>
+              </a:rPr>
+              <a:t>accountName</a:t>
+            </a:r>
+            <a:r>
+              <a:rPr lang="en-US" altLang="en-US" sz="1600" dirty="0" smtClean="0">
+                <a:solidFill>
+                  <a:srgbClr val="CC7832"/>
+                </a:solidFill>
+                <a:latin typeface="Consolas" panose="020B0609020204030204" pitchFamily="49" charset="0"/>
+                <a:cs typeface="Courier New" panose="02070309020205020404" pitchFamily="49" charset="0"/>
+              </a:rPr>
+              <a:t>, </a:t>
+            </a:r>
+            <a:r>
+              <a:rPr lang="en-US" altLang="en-US" sz="1600" i="1" dirty="0" smtClean="0">
+                <a:solidFill>
+                  <a:srgbClr val="A9B7C6"/>
+                </a:solidFill>
+                <a:latin typeface="Consolas" panose="020B0609020204030204" pitchFamily="49" charset="0"/>
+                <a:cs typeface="Courier New" panose="02070309020205020404" pitchFamily="49" charset="0"/>
+              </a:rPr>
+              <a:t>ACCOUNT_TYPE</a:t>
+            </a:r>
+            <a:r>
+              <a:rPr lang="en-US" altLang="en-US" sz="1600" dirty="0" smtClean="0">
+                <a:solidFill>
+                  <a:srgbClr val="A9B7C6"/>
+                </a:solidFill>
+                <a:latin typeface="Consolas" panose="020B0609020204030204" pitchFamily="49" charset="0"/>
+                <a:cs typeface="Courier New" panose="02070309020205020404" pitchFamily="49" charset="0"/>
+              </a:rPr>
+              <a:t>)</a:t>
+            </a:r>
+            <a:r>
+              <a:rPr lang="en-US" altLang="en-US" sz="1600" dirty="0" smtClean="0">
+                <a:solidFill>
+                  <a:srgbClr val="CC7832"/>
+                </a:solidFill>
+                <a:latin typeface="Consolas" panose="020B0609020204030204" pitchFamily="49" charset="0"/>
+                <a:cs typeface="Courier New" panose="02070309020205020404" pitchFamily="49" charset="0"/>
+              </a:rPr>
+              <a:t>;</a:t>
+            </a:r>
+            <a:endParaRPr lang="en-US" altLang="en-US" sz="4000" dirty="0">
+              <a:latin typeface="Consolas" panose="020B0609020204030204" pitchFamily="49" charset="0"/>
+            </a:endParaRPr>
           </a:p>
         </p:txBody>
       </p:sp>
@@ -41673,13 +41823,10 @@
               <a:t>extending </a:t>
             </a:r>
             <a:r>
-              <a:rPr lang="en-US" dirty="0" err="1"/>
+              <a:rPr lang="en-US" dirty="0" err="1" smtClean="0"/>
               <a:t>AbstractThreadedSyncAdapter</a:t>
             </a:r>
-            <a:r>
-              <a:rPr lang="en-US" dirty="0"/>
-              <a:t>.</a:t>
-            </a:r>
+            <a:endParaRPr lang="en-US" dirty="0"/>
           </a:p>
           <a:p>
             <a:pPr lvl="1"/>
@@ -41688,31 +41835,95 @@
               <a:t>Create </a:t>
             </a:r>
             <a:r>
+              <a:rPr lang="en-US" dirty="0" smtClean="0"/>
+              <a:t>two </a:t>
+            </a:r>
+            <a:r>
               <a:rPr lang="en-US" dirty="0"/>
-              <a:t>a bound Service which the OS uses to initiate a sync.</a:t>
-            </a:r>
+              <a:t>bound </a:t>
+            </a:r>
+            <a:r>
+              <a:rPr lang="en-US" dirty="0" smtClean="0"/>
+              <a:t>Services </a:t>
+            </a:r>
+            <a:r>
+              <a:rPr lang="en-US" dirty="0"/>
+              <a:t>which the OS </a:t>
+            </a:r>
+            <a:r>
+              <a:rPr lang="en-US" dirty="0" smtClean="0"/>
+              <a:t>uses:</a:t>
+            </a:r>
+          </a:p>
+          <a:p>
+            <a:pPr lvl="2"/>
+            <a:r>
+              <a:rPr lang="en-US" dirty="0" smtClean="0"/>
+              <a:t>One</a:t>
+            </a:r>
+            <a:r>
+              <a:rPr lang="en-US" dirty="0" smtClean="0"/>
+              <a:t> </a:t>
+            </a:r>
+            <a:r>
+              <a:rPr lang="en-US" dirty="0"/>
+              <a:t>to initiate a </a:t>
+            </a:r>
+            <a:r>
+              <a:rPr lang="en-US" dirty="0" smtClean="0"/>
+              <a:t>sync</a:t>
+            </a:r>
+            <a:endParaRPr lang="en-US" dirty="0"/>
+          </a:p>
+          <a:p>
+            <a:pPr lvl="2"/>
+            <a:r>
+              <a:rPr lang="en-US" dirty="0" smtClean="0"/>
+              <a:t>One to authenticate an account</a:t>
+            </a:r>
+          </a:p>
+          <a:p>
+            <a:pPr lvl="2"/>
+            <a:r>
+              <a:rPr lang="en-US" dirty="0" smtClean="0"/>
+              <a:t>Declare them in the app manifest</a:t>
+            </a:r>
+            <a:endParaRPr lang="en-US" dirty="0"/>
           </a:p>
           <a:p>
             <a:pPr lvl="1"/>
             <a:r>
               <a:rPr lang="en-US" dirty="0" smtClean="0"/>
-              <a:t>Define </a:t>
+              <a:t>Define in XML </a:t>
             </a:r>
             <a:r>
               <a:rPr lang="en-US" dirty="0"/>
-              <a:t>the sync adapter properties in an XML resource file.</a:t>
-            </a:r>
-          </a:p>
-          <a:p>
-            <a:pPr lvl="1"/>
-            <a:r>
-              <a:rPr lang="en-US" smtClean="0"/>
-              <a:t>Declare </a:t>
+              <a:t>resource </a:t>
+            </a:r>
+            <a:r>
+              <a:rPr lang="en-US" dirty="0" smtClean="0"/>
+              <a:t>files:</a:t>
+            </a:r>
+          </a:p>
+          <a:p>
+            <a:pPr lvl="2"/>
+            <a:r>
+              <a:rPr lang="en-US" dirty="0" smtClean="0"/>
+              <a:t>The </a:t>
             </a:r>
             <a:r>
               <a:rPr lang="en-US" dirty="0"/>
-              <a:t>the bound Service in the app manifest.</a:t>
-            </a:r>
+              <a:t>sync adapter properties</a:t>
+            </a:r>
+            <a:endParaRPr lang="en-US" dirty="0"/>
+          </a:p>
+          <a:p>
+            <a:pPr lvl="2"/>
+            <a:r>
+              <a:rPr lang="en-US" dirty="0" smtClean="0"/>
+              <a:t>The account authenticator properties</a:t>
+            </a:r>
+            <a:endParaRPr lang="en-US" dirty="0"/>
           </a:p>
         </p:txBody>
       </p:sp>

--- a/I've been doing some syncing.pptx
+++ b/I've been doing some syncing.pptx
@@ -523,6 +523,295 @@
     </a:lvl9pPr>
   </p:notesStyle>
 </p:notesMaster>
+</file>
+
+<file path=ppt/notesSlides/notesSlide1.xml><?xml version="1.0" encoding="utf-8"?>
+<p:notes xmlns:a="http://schemas.openxmlformats.org/drawingml/2006/main" xmlns:r="http://schemas.openxmlformats.org/officeDocument/2006/relationships" xmlns:p="http://schemas.openxmlformats.org/presentationml/2006/main">
+  <p:cSld>
+    <p:spTree>
+      <p:nvGrpSpPr>
+        <p:cNvPr id="1" name=""/>
+        <p:cNvGrpSpPr/>
+        <p:nvPr/>
+      </p:nvGrpSpPr>
+      <p:grpSpPr>
+        <a:xfrm>
+          <a:off x="0" y="0"/>
+          <a:ext cx="0" cy="0"/>
+          <a:chOff x="0" y="0"/>
+          <a:chExt cx="0" cy="0"/>
+        </a:xfrm>
+      </p:grpSpPr>
+      <p:sp>
+        <p:nvSpPr>
+          <p:cNvPr id="2" name="Slide Image Placeholder 1"/>
+          <p:cNvSpPr>
+            <a:spLocks noGrp="1" noRot="1" noChangeAspect="1"/>
+          </p:cNvSpPr>
+          <p:nvPr>
+            <p:ph type="sldImg"/>
+          </p:nvPr>
+        </p:nvSpPr>
+        <p:spPr/>
+      </p:sp>
+      <p:sp>
+        <p:nvSpPr>
+          <p:cNvPr id="3" name="Notes Placeholder 2"/>
+          <p:cNvSpPr>
+            <a:spLocks noGrp="1"/>
+          </p:cNvSpPr>
+          <p:nvPr>
+            <p:ph type="body" idx="1"/>
+          </p:nvPr>
+        </p:nvSpPr>
+        <p:spPr/>
+        <p:txBody>
+          <a:bodyPr/>
+          <a:lstStyle/>
+          <a:p>
+            <a:pPr marL="0" marR="0" indent="0" algn="l" defTabSz="914400" rtl="0" eaLnBrk="1" fontAlgn="auto" latinLnBrk="0" hangingPunct="1">
+              <a:lnSpc>
+                <a:spcPct val="100000"/>
+              </a:lnSpc>
+              <a:spcBef>
+                <a:spcPts val="0"/>
+              </a:spcBef>
+              <a:spcAft>
+                <a:spcPts val="0"/>
+              </a:spcAft>
+              <a:buClrTx/>
+              <a:buSzTx/>
+              <a:buFontTx/>
+              <a:buNone/>
+              <a:tabLst/>
+              <a:defRPr/>
+            </a:pPr>
+            <a:r>
+              <a:rPr lang="en-US" sz="1200" b="0" i="0" kern="1200" dirty="0" err="1" smtClean="0">
+                <a:solidFill>
+                  <a:schemeClr val="tx1"/>
+                </a:solidFill>
+                <a:effectLst/>
+                <a:latin typeface="+mn-lt"/>
+                <a:ea typeface="+mn-ea"/>
+                <a:cs typeface="+mn-cs"/>
+              </a:rPr>
+              <a:t>android:supportsUploading</a:t>
+            </a:r>
+            <a:r>
+              <a:rPr lang="en-US" sz="1200" b="0" i="0" kern="1200" dirty="0" smtClean="0">
+                <a:solidFill>
+                  <a:schemeClr val="tx1"/>
+                </a:solidFill>
+                <a:effectLst/>
+                <a:latin typeface="+mn-lt"/>
+                <a:ea typeface="+mn-ea"/>
+                <a:cs typeface="+mn-cs"/>
+              </a:rPr>
+              <a:t> defaults to true and if true an upload-only sync will be requested for all </a:t>
+            </a:r>
+            <a:r>
+              <a:rPr lang="en-US" sz="1200" b="0" i="0" kern="1200" dirty="0" err="1" smtClean="0">
+                <a:solidFill>
+                  <a:schemeClr val="tx1"/>
+                </a:solidFill>
+                <a:effectLst/>
+                <a:latin typeface="+mn-lt"/>
+                <a:ea typeface="+mn-ea"/>
+                <a:cs typeface="+mn-cs"/>
+              </a:rPr>
+              <a:t>syncadapters</a:t>
+            </a:r>
+            <a:r>
+              <a:rPr lang="en-US" sz="1200" b="0" i="0" kern="1200" dirty="0" smtClean="0">
+                <a:solidFill>
+                  <a:schemeClr val="tx1"/>
+                </a:solidFill>
+                <a:effectLst/>
+                <a:latin typeface="+mn-lt"/>
+                <a:ea typeface="+mn-ea"/>
+                <a:cs typeface="+mn-cs"/>
+              </a:rPr>
+              <a:t> associated with an authority whenever that authority's content provider does a </a:t>
+            </a:r>
+            <a:r>
+              <a:rPr lang="en-US" sz="1200" b="0" i="0" u="none" strike="noStrike" kern="1200" dirty="0" err="1" smtClean="0">
+                <a:solidFill>
+                  <a:schemeClr val="tx1"/>
+                </a:solidFill>
+                <a:effectLst/>
+                <a:latin typeface="+mn-lt"/>
+                <a:ea typeface="+mn-ea"/>
+                <a:cs typeface="+mn-cs"/>
+                <a:hlinkClick r:id="rId3"/>
+              </a:rPr>
+              <a:t>notifyChange</a:t>
+            </a:r>
+            <a:r>
+              <a:rPr lang="en-US" sz="1200" b="0" i="0" u="none" strike="noStrike" kern="1200" dirty="0" smtClean="0">
+                <a:solidFill>
+                  <a:schemeClr val="tx1"/>
+                </a:solidFill>
+                <a:effectLst/>
+                <a:latin typeface="+mn-lt"/>
+                <a:ea typeface="+mn-ea"/>
+                <a:cs typeface="+mn-cs"/>
+                <a:hlinkClick r:id="rId3"/>
+              </a:rPr>
+              <a:t>(</a:t>
+            </a:r>
+            <a:r>
+              <a:rPr lang="en-US" sz="1200" b="0" i="0" u="none" strike="noStrike" kern="1200" dirty="0" err="1" smtClean="0">
+                <a:solidFill>
+                  <a:schemeClr val="tx1"/>
+                </a:solidFill>
+                <a:effectLst/>
+                <a:latin typeface="+mn-lt"/>
+                <a:ea typeface="+mn-ea"/>
+                <a:cs typeface="+mn-cs"/>
+                <a:hlinkClick r:id="rId3"/>
+              </a:rPr>
+              <a:t>android.net.Uri</a:t>
+            </a:r>
+            <a:r>
+              <a:rPr lang="en-US" sz="1200" b="0" i="0" u="none" strike="noStrike" kern="1200" dirty="0" smtClean="0">
+                <a:solidFill>
+                  <a:schemeClr val="tx1"/>
+                </a:solidFill>
+                <a:effectLst/>
+                <a:latin typeface="+mn-lt"/>
+                <a:ea typeface="+mn-ea"/>
+                <a:cs typeface="+mn-cs"/>
+                <a:hlinkClick r:id="rId3"/>
+              </a:rPr>
+              <a:t>, </a:t>
+            </a:r>
+            <a:r>
+              <a:rPr lang="en-US" sz="1200" b="0" i="0" u="none" strike="noStrike" kern="1200" dirty="0" err="1" smtClean="0">
+                <a:solidFill>
+                  <a:schemeClr val="tx1"/>
+                </a:solidFill>
+                <a:effectLst/>
+                <a:latin typeface="+mn-lt"/>
+                <a:ea typeface="+mn-ea"/>
+                <a:cs typeface="+mn-cs"/>
+                <a:hlinkClick r:id="rId3"/>
+              </a:rPr>
+              <a:t>android.database.ContentObserver</a:t>
+            </a:r>
+            <a:r>
+              <a:rPr lang="en-US" sz="1200" b="0" i="0" u="none" strike="noStrike" kern="1200" dirty="0" smtClean="0">
+                <a:solidFill>
+                  <a:schemeClr val="tx1"/>
+                </a:solidFill>
+                <a:effectLst/>
+                <a:latin typeface="+mn-lt"/>
+                <a:ea typeface="+mn-ea"/>
+                <a:cs typeface="+mn-cs"/>
+                <a:hlinkClick r:id="rId3"/>
+              </a:rPr>
+              <a:t>, </a:t>
+            </a:r>
+            <a:r>
+              <a:rPr lang="en-US" sz="1200" b="0" i="0" u="none" strike="noStrike" kern="1200" dirty="0" err="1" smtClean="0">
+                <a:solidFill>
+                  <a:schemeClr val="tx1"/>
+                </a:solidFill>
+                <a:effectLst/>
+                <a:latin typeface="+mn-lt"/>
+                <a:ea typeface="+mn-ea"/>
+                <a:cs typeface="+mn-cs"/>
+                <a:hlinkClick r:id="rId3"/>
+              </a:rPr>
+              <a:t>boolean</a:t>
+            </a:r>
+            <a:r>
+              <a:rPr lang="en-US" sz="1200" b="0" i="0" u="none" strike="noStrike" kern="1200" dirty="0" smtClean="0">
+                <a:solidFill>
+                  <a:schemeClr val="tx1"/>
+                </a:solidFill>
+                <a:effectLst/>
+                <a:latin typeface="+mn-lt"/>
+                <a:ea typeface="+mn-ea"/>
+                <a:cs typeface="+mn-cs"/>
+                <a:hlinkClick r:id="rId3"/>
+              </a:rPr>
+              <a:t>)</a:t>
+            </a:r>
+            <a:r>
+              <a:rPr lang="en-US" sz="1200" b="0" i="0" kern="1200" dirty="0" smtClean="0">
+                <a:solidFill>
+                  <a:schemeClr val="tx1"/>
+                </a:solidFill>
+                <a:effectLst/>
+                <a:latin typeface="+mn-lt"/>
+                <a:ea typeface="+mn-ea"/>
+                <a:cs typeface="+mn-cs"/>
+              </a:rPr>
+              <a:t> with </a:t>
+            </a:r>
+            <a:r>
+              <a:rPr lang="en-US" sz="1200" b="0" i="0" kern="1200" dirty="0" err="1" smtClean="0">
+                <a:solidFill>
+                  <a:schemeClr val="tx1"/>
+                </a:solidFill>
+                <a:effectLst/>
+                <a:latin typeface="+mn-lt"/>
+                <a:ea typeface="+mn-ea"/>
+                <a:cs typeface="+mn-cs"/>
+              </a:rPr>
+              <a:t>syncToNetwork</a:t>
+            </a:r>
+            <a:r>
+              <a:rPr lang="en-US" sz="1200" b="0" i="0" kern="1200" dirty="0" smtClean="0">
+                <a:solidFill>
+                  <a:schemeClr val="tx1"/>
+                </a:solidFill>
+                <a:effectLst/>
+                <a:latin typeface="+mn-lt"/>
+                <a:ea typeface="+mn-ea"/>
+                <a:cs typeface="+mn-cs"/>
+              </a:rPr>
+              <a:t> set to true.</a:t>
+            </a:r>
+          </a:p>
+        </p:txBody>
+      </p:sp>
+      <p:sp>
+        <p:nvSpPr>
+          <p:cNvPr id="4" name="Slide Number Placeholder 3"/>
+          <p:cNvSpPr>
+            <a:spLocks noGrp="1"/>
+          </p:cNvSpPr>
+          <p:nvPr>
+            <p:ph type="sldNum" sz="quarter" idx="10"/>
+          </p:nvPr>
+        </p:nvSpPr>
+        <p:spPr/>
+        <p:txBody>
+          <a:bodyPr/>
+          <a:lstStyle/>
+          <a:p>
+            <a:fld id="{375B649D-962F-434C-B1D1-0A0101E8CDA0}" type="slidenum">
+              <a:rPr lang="nl-NL" smtClean="0"/>
+              <a:pPr/>
+              <a:t>40</a:t>
+            </a:fld>
+            <a:endParaRPr lang="nl-NL"/>
+          </a:p>
+        </p:txBody>
+      </p:sp>
+    </p:spTree>
+    <p:extLst>
+      <p:ext uri="{BB962C8B-B14F-4D97-AF65-F5344CB8AC3E}">
+        <p14:creationId xmlns:p14="http://schemas.microsoft.com/office/powerpoint/2010/main" val="1759642745"/>
+      </p:ext>
+    </p:extLst>
+  </p:cSld>
+  <p:clrMapOvr>
+    <a:masterClrMapping/>
+  </p:clrMapOvr>
+</p:notes>
 </file>
 
 <file path=ppt/slideLayouts/slideLayout1.xml><?xml version="1.0" encoding="utf-8"?>
@@ -31402,7 +31691,7 @@
                 </a:solidFill>
                 <a:latin typeface="Consolas" panose="020B0609020204030204" pitchFamily="49" charset="0"/>
               </a:rPr>
-              <a:t>“</a:t>
+              <a:t>"</a:t>
             </a:r>
           </a:p>
           <a:p>
@@ -39904,21 +40193,13 @@
           </a:bodyPr>
           <a:lstStyle/>
           <a:p>
-            <a:pPr marL="0" marR="0" lvl="0" indent="0" algn="l" defTabSz="914400" rtl="0" eaLnBrk="0" fontAlgn="base" latinLnBrk="0" hangingPunct="0">
-              <a:lnSpc>
-                <a:spcPct val="100000"/>
-              </a:lnSpc>
+            <a:pPr lvl="0" eaLnBrk="0" fontAlgn="base" hangingPunct="0">
               <a:spcBef>
                 <a:spcPct val="0"/>
               </a:spcBef>
               <a:spcAft>
                 <a:spcPct val="0"/>
               </a:spcAft>
-              <a:buClrTx/>
-              <a:buSzTx/>
-              <a:buFontTx/>
-              <a:buNone/>
-              <a:tabLst/>
             </a:pPr>
             <a:r>
               <a:rPr kumimoji="0" lang="en-US" altLang="en-US" sz="1600" b="0" i="0" u="none" strike="noStrike" cap="none" normalizeH="0" baseline="0" dirty="0" smtClean="0">
@@ -40188,7 +40469,7 @@
                 <a:effectLst/>
                 <a:latin typeface="Consolas" panose="020B0609020204030204" pitchFamily="49" charset="0"/>
               </a:rPr>
-              <a:t>:allowParallelSyncs</a:t>
+              <a:t>:contentAuthority</a:t>
             </a:r>
             <a:r>
               <a:rPr kumimoji="0" lang="en-US" altLang="en-US" sz="1600" b="0" i="0" u="none" strike="noStrike" cap="none" normalizeH="0" baseline="0" dirty="0" smtClean="0">
@@ -40214,7 +40495,33 @@
                 <a:effectLst/>
                 <a:latin typeface="Consolas" panose="020B0609020204030204" pitchFamily="49" charset="0"/>
               </a:rPr>
-              <a:t>"false"</a:t>
+              <a:t>"</a:t>
+            </a:r>
+            <a:r>
+              <a:rPr kumimoji="0" lang="en-US" altLang="en-US" sz="1600" b="0" i="0" u="none" strike="noStrike" cap="none" normalizeH="0" baseline="0" dirty="0" err="1" smtClean="0">
+                <a:ln>
+                  <a:noFill/>
+                </a:ln>
+                <a:solidFill>
+                  <a:srgbClr val="6A8759"/>
+                </a:solidFill>
+                <a:effectLst/>
+                <a:latin typeface="Consolas" panose="020B0609020204030204" pitchFamily="49" charset="0"/>
+              </a:rPr>
+              <a:t>com.example.android.basicsyncadapter</a:t>
+            </a:r>
+            <a:r>
+              <a:rPr kumimoji="0" lang="en-US" altLang="en-US" sz="1600" b="0" i="0" u="none" strike="noStrike" cap="none" normalizeH="0" baseline="0" dirty="0" smtClean="0">
+                <a:ln>
+                  <a:noFill/>
+                </a:ln>
+                <a:solidFill>
+                  <a:srgbClr val="6A8759"/>
+                </a:solidFill>
+                <a:effectLst/>
+                <a:latin typeface="Consolas" panose="020B0609020204030204" pitchFamily="49" charset="0"/>
+              </a:rPr>
+              <a:t>"</a:t>
             </a:r>
             <a:br>
               <a:rPr kumimoji="0" lang="en-US" altLang="en-US" sz="1600" b="0" i="0" u="none" strike="noStrike" cap="none" normalizeH="0" baseline="0" dirty="0" smtClean="0">
@@ -40239,107 +40546,66 @@
                 <a:effectLst/>
                 <a:latin typeface="Consolas" panose="020B0609020204030204" pitchFamily="49" charset="0"/>
               </a:rPr>
-              <a:t>    </a:t>
-            </a:r>
-            <a:r>
-              <a:rPr kumimoji="0" lang="en-US" altLang="en-US" sz="1600" b="0" i="0" u="none" strike="noStrike" cap="none" normalizeH="0" baseline="0" dirty="0" err="1" smtClean="0">
-                <a:ln>
-                  <a:noFill/>
-                </a:ln>
+              <a:t>   </a:t>
+            </a:r>
+            <a:r>
+              <a:rPr lang="en-US" altLang="en-US" sz="1600" dirty="0" smtClean="0">
+                <a:solidFill>
+                  <a:srgbClr val="6A8759"/>
+                </a:solidFill>
+                <a:latin typeface="Consolas" panose="020B0609020204030204" pitchFamily="49" charset="0"/>
+              </a:rPr>
+              <a:t> </a:t>
+            </a:r>
+            <a:r>
+              <a:rPr lang="en-US" altLang="en-US" sz="1600" dirty="0" err="1">
                 <a:solidFill>
                   <a:srgbClr val="9876AA"/>
                 </a:solidFill>
-                <a:effectLst/>
                 <a:latin typeface="Consolas" panose="020B0609020204030204" pitchFamily="49" charset="0"/>
               </a:rPr>
               <a:t>android</a:t>
             </a:r>
             <a:r>
-              <a:rPr kumimoji="0" lang="en-US" altLang="en-US" sz="1600" b="0" i="0" u="none" strike="noStrike" cap="none" normalizeH="0" baseline="0" dirty="0" err="1" smtClean="0">
-                <a:ln>
-                  <a:noFill/>
-                </a:ln>
+              <a:rPr lang="en-US" altLang="en-US" sz="1600" dirty="0" err="1">
                 <a:solidFill>
                   <a:srgbClr val="BABABA"/>
                 </a:solidFill>
-                <a:effectLst/>
-                <a:latin typeface="Consolas" panose="020B0609020204030204" pitchFamily="49" charset="0"/>
-              </a:rPr>
-              <a:t>:contentAuthority</a:t>
-            </a:r>
-            <a:r>
-              <a:rPr kumimoji="0" lang="en-US" altLang="en-US" sz="1600" b="0" i="0" u="none" strike="noStrike" cap="none" normalizeH="0" baseline="0" dirty="0" smtClean="0">
-                <a:ln>
-                  <a:noFill/>
-                </a:ln>
+                <a:latin typeface="Consolas" panose="020B0609020204030204" pitchFamily="49" charset="0"/>
+              </a:rPr>
+              <a:t>:allowParallelSyncs</a:t>
+            </a:r>
+            <a:r>
+              <a:rPr lang="en-US" altLang="en-US" sz="1600" dirty="0">
                 <a:solidFill>
                   <a:srgbClr val="BABABA"/>
                 </a:solidFill>
-                <a:effectLst/>
                 <a:latin typeface="Consolas" panose="020B0609020204030204" pitchFamily="49" charset="0"/>
               </a:rPr>
               <a:t>=</a:t>
             </a:r>
             <a:r>
-              <a:rPr kumimoji="0" lang="en-US" altLang="en-US" sz="1600" b="0" i="0" u="none" strike="noStrike" cap="none" normalizeH="0" baseline="0" dirty="0" smtClean="0">
-                <a:ln>
-                  <a:noFill/>
-                </a:ln>
+              <a:rPr lang="en-US" altLang="en-US" sz="1600" dirty="0">
                 <a:solidFill>
                   <a:srgbClr val="6A8759"/>
                 </a:solidFill>
-                <a:effectLst/>
-                <a:latin typeface="Consolas" panose="020B0609020204030204" pitchFamily="49" charset="0"/>
-              </a:rPr>
-              <a:t>"</a:t>
-            </a:r>
-            <a:r>
-              <a:rPr kumimoji="0" lang="en-US" altLang="en-US" sz="1600" b="0" i="0" u="none" strike="noStrike" cap="none" normalizeH="0" baseline="0" dirty="0" err="1" smtClean="0">
-                <a:ln>
-                  <a:noFill/>
-                </a:ln>
+                <a:latin typeface="Consolas" panose="020B0609020204030204" pitchFamily="49" charset="0"/>
+              </a:rPr>
+              <a:t>"false"</a:t>
+            </a:r>
+            <a:br>
+              <a:rPr lang="en-US" altLang="en-US" sz="1600" dirty="0">
                 <a:solidFill>
                   <a:srgbClr val="6A8759"/>
                 </a:solidFill>
-                <a:effectLst/>
-                <a:latin typeface="Consolas" panose="020B0609020204030204" pitchFamily="49" charset="0"/>
-              </a:rPr>
-              <a:t>com.example.android.basicsyncadapter</a:t>
-            </a:r>
-            <a:r>
-              <a:rPr kumimoji="0" lang="en-US" altLang="en-US" sz="1600" b="0" i="0" u="none" strike="noStrike" cap="none" normalizeH="0" baseline="0" dirty="0" smtClean="0">
-                <a:ln>
-                  <a:noFill/>
-                </a:ln>
+                <a:latin typeface="Consolas" panose="020B0609020204030204" pitchFamily="49" charset="0"/>
+              </a:rPr>
+            </a:br>
+            <a:r>
+              <a:rPr lang="en-US" altLang="en-US" sz="1600" dirty="0">
                 <a:solidFill>
                   <a:srgbClr val="6A8759"/>
                 </a:solidFill>
-                <a:effectLst/>
-                <a:latin typeface="Consolas" panose="020B0609020204030204" pitchFamily="49" charset="0"/>
-              </a:rPr>
-              <a:t>"</a:t>
-            </a:r>
-            <a:br>
-              <a:rPr kumimoji="0" lang="en-US" altLang="en-US" sz="1600" b="0" i="0" u="none" strike="noStrike" cap="none" normalizeH="0" baseline="0" dirty="0" smtClean="0">
-                <a:ln>
-                  <a:noFill/>
-                </a:ln>
-                <a:solidFill>
-                  <a:srgbClr val="6A8759"/>
-                </a:solidFill>
-                <a:effectLst/>
-                <a:latin typeface="Consolas" panose="020B0609020204030204" pitchFamily="49" charset="0"/>
-              </a:rPr>
-            </a:br>
-            <a:r>
-              <a:rPr kumimoji="0" lang="en-US" altLang="en-US" sz="1600" b="0" i="0" u="none" strike="noStrike" cap="none" normalizeH="0" baseline="0" dirty="0" smtClean="0">
-                <a:ln>
-                  <a:noFill/>
-                </a:ln>
-                <a:solidFill>
-                  <a:srgbClr val="6A8759"/>
-                </a:solidFill>
-                <a:effectLst/>
                 <a:latin typeface="Consolas" panose="020B0609020204030204" pitchFamily="49" charset="0"/>
               </a:rPr>
               <a:t>    </a:t>

--- a/I've been doing some syncing.pptx
+++ b/I've been doing some syncing.pptx
@@ -5,7 +5,7 @@
     <p:sldMasterId id="2147483660" r:id="rId1"/>
   </p:sldMasterIdLst>
   <p:notesMasterIdLst>
-    <p:notesMasterId r:id="rId50"/>
+    <p:notesMasterId r:id="rId51"/>
   </p:notesMasterIdLst>
   <p:sldIdLst>
     <p:sldId id="315" r:id="rId2"/>
@@ -54,8 +54,9 @@
     <p:sldId id="342" r:id="rId45"/>
     <p:sldId id="336" r:id="rId46"/>
     <p:sldId id="343" r:id="rId47"/>
-    <p:sldId id="293" r:id="rId48"/>
-    <p:sldId id="344" r:id="rId49"/>
+    <p:sldId id="345" r:id="rId48"/>
+    <p:sldId id="293" r:id="rId49"/>
+    <p:sldId id="344" r:id="rId50"/>
   </p:sldIdLst>
   <p:sldSz cx="12192000" cy="6858000"/>
   <p:notesSz cx="6858000" cy="9144000"/>
@@ -21972,18 +21973,9 @@
   <p:clrMapOvr>
     <a:masterClrMapping/>
   </p:clrMapOvr>
-  <mc:AlternateContent xmlns:mc="http://schemas.openxmlformats.org/markup-compatibility/2006" xmlns:p14="http://schemas.microsoft.com/office/powerpoint/2010/main">
-    <mc:Choice Requires="p14">
-      <p:transition p14:dur="250">
-        <p14:reveal/>
-      </p:transition>
-    </mc:Choice>
-    <mc:Fallback xmlns="">
-      <p:transition>
-        <p:fade/>
-      </p:transition>
-    </mc:Fallback>
-  </mc:AlternateContent>
+  <p:transition spd="slow">
+    <p:wipe dir="u"/>
+  </p:transition>
   <p:timing>
     <p:tnLst>
       <p:par>
@@ -31953,7 +31945,7 @@
                 </a:solidFill>
                 <a:latin typeface="Consolas" panose="020B0609020204030204" pitchFamily="49" charset="0"/>
               </a:rPr>
-              <a:t>res/xml/syncadapter.xml</a:t>
+              <a:t>res/xml/authenticator.xml</a:t>
             </a:r>
             <a:endParaRPr lang="en-US" sz="2400" dirty="0">
               <a:solidFill>
@@ -43626,6 +43618,89 @@
 </file>
 
 <file path=ppt/slides/slide47.xml><?xml version="1.0" encoding="utf-8"?>
+<p:sld xmlns:a="http://schemas.openxmlformats.org/drawingml/2006/main" xmlns:r="http://schemas.openxmlformats.org/officeDocument/2006/relationships" xmlns:p="http://schemas.openxmlformats.org/presentationml/2006/main">
+  <p:cSld>
+    <p:spTree>
+      <p:nvGrpSpPr>
+        <p:cNvPr id="1" name=""/>
+        <p:cNvGrpSpPr/>
+        <p:nvPr/>
+      </p:nvGrpSpPr>
+      <p:grpSpPr>
+        <a:xfrm>
+          <a:off x="0" y="0"/>
+          <a:ext cx="0" cy="0"/>
+          <a:chOff x="0" y="0"/>
+          <a:chExt cx="0" cy="0"/>
+        </a:xfrm>
+      </p:grpSpPr>
+      <p:sp>
+        <p:nvSpPr>
+          <p:cNvPr id="2" name="TextBox 1"/>
+          <p:cNvSpPr txBox="1"/>
+          <p:nvPr/>
+        </p:nvSpPr>
+        <p:spPr>
+          <a:xfrm>
+            <a:off x="1847528" y="3136613"/>
+            <a:ext cx="8496944" cy="584775"/>
+          </a:xfrm>
+          <a:prstGeom prst="rect">
+            <a:avLst/>
+          </a:prstGeom>
+          <a:noFill/>
+        </p:spPr>
+        <p:txBody>
+          <a:bodyPr wrap="square" rtlCol="0">
+            <a:spAutoFit/>
+          </a:bodyPr>
+          <a:lstStyle/>
+          <a:p>
+            <a:pPr algn="ctr"/>
+            <a:r>
+              <a:rPr lang="en-US" sz="3200" b="1" dirty="0">
+                <a:solidFill>
+                  <a:schemeClr val="bg1"/>
+                </a:solidFill>
+              </a:rPr>
+              <a:t>https://github.com/Pixplicity/sync-demo</a:t>
+            </a:r>
+          </a:p>
+        </p:txBody>
+      </p:sp>
+    </p:spTree>
+    <p:extLst>
+      <p:ext uri="{BB962C8B-B14F-4D97-AF65-F5344CB8AC3E}">
+        <p14:creationId xmlns:p14="http://schemas.microsoft.com/office/powerpoint/2010/main" val="3917868066"/>
+      </p:ext>
+    </p:extLst>
+  </p:cSld>
+  <p:clrMapOvr>
+    <a:masterClrMapping/>
+  </p:clrMapOvr>
+  <mc:AlternateContent xmlns:mc="http://schemas.openxmlformats.org/markup-compatibility/2006" xmlns:p14="http://schemas.microsoft.com/office/powerpoint/2010/main">
+    <mc:Choice Requires="p14">
+      <p:transition p14:dur="250">
+        <p14:reveal/>
+      </p:transition>
+    </mc:Choice>
+    <mc:Fallback xmlns="">
+      <p:transition>
+        <p:fade/>
+      </p:transition>
+    </mc:Fallback>
+  </mc:AlternateContent>
+  <p:timing>
+    <p:tnLst>
+      <p:par>
+        <p:cTn id="1" dur="indefinite" restart="never" nodeType="tmRoot"/>
+      </p:par>
+    </p:tnLst>
+  </p:timing>
+</p:sld>
+</file>
+
+<file path=ppt/slides/slide48.xml><?xml version="1.0" encoding="utf-8"?>
 <p:sld xmlns:a="http://schemas.openxmlformats.org/drawingml/2006/main" xmlns:r="http://schemas.openxmlformats.org/officeDocument/2006/relationships" xmlns:p="http://schemas.openxmlformats.org/presentationml/2006/main" show="0">
   <p:cSld>
     <p:spTree>
@@ -43786,7 +43861,7 @@
 </p:sld>
 </file>
 
-<file path=ppt/slides/slide48.xml><?xml version="1.0" encoding="utf-8"?>
+<file path=ppt/slides/slide49.xml><?xml version="1.0" encoding="utf-8"?>
 <p:sld xmlns:a="http://schemas.openxmlformats.org/drawingml/2006/main" xmlns:r="http://schemas.openxmlformats.org/officeDocument/2006/relationships" xmlns:p="http://schemas.openxmlformats.org/presentationml/2006/main">
   <p:cSld>
     <p:spTree>

--- a/I've been doing some syncing.pptx
+++ b/I've been doing some syncing.pptx
@@ -5,7 +5,7 @@
     <p:sldMasterId id="2147483660" r:id="rId1"/>
   </p:sldMasterIdLst>
   <p:notesMasterIdLst>
-    <p:notesMasterId r:id="rId51"/>
+    <p:notesMasterId r:id="rId52"/>
   </p:notesMasterIdLst>
   <p:sldIdLst>
     <p:sldId id="315" r:id="rId2"/>
@@ -45,18 +45,19 @@
     <p:sldId id="327" r:id="rId36"/>
     <p:sldId id="330" r:id="rId37"/>
     <p:sldId id="331" r:id="rId38"/>
-    <p:sldId id="316" r:id="rId39"/>
-    <p:sldId id="317" r:id="rId40"/>
-    <p:sldId id="318" r:id="rId41"/>
-    <p:sldId id="322" r:id="rId42"/>
-    <p:sldId id="292" r:id="rId43"/>
-    <p:sldId id="324" r:id="rId44"/>
-    <p:sldId id="342" r:id="rId45"/>
-    <p:sldId id="336" r:id="rId46"/>
-    <p:sldId id="343" r:id="rId47"/>
-    <p:sldId id="345" r:id="rId48"/>
-    <p:sldId id="293" r:id="rId49"/>
-    <p:sldId id="344" r:id="rId50"/>
+    <p:sldId id="347" r:id="rId39"/>
+    <p:sldId id="316" r:id="rId40"/>
+    <p:sldId id="317" r:id="rId41"/>
+    <p:sldId id="318" r:id="rId42"/>
+    <p:sldId id="322" r:id="rId43"/>
+    <p:sldId id="292" r:id="rId44"/>
+    <p:sldId id="324" r:id="rId45"/>
+    <p:sldId id="342" r:id="rId46"/>
+    <p:sldId id="336" r:id="rId47"/>
+    <p:sldId id="343" r:id="rId48"/>
+    <p:sldId id="345" r:id="rId49"/>
+    <p:sldId id="293" r:id="rId50"/>
+    <p:sldId id="344" r:id="rId51"/>
   </p:sldIdLst>
   <p:sldSz cx="12192000" cy="6858000"/>
   <p:notesSz cx="6858000" cy="9144000"/>
@@ -570,6 +571,91 @@
           <a:bodyPr/>
           <a:lstStyle/>
           <a:p>
+            <a:endParaRPr lang="en-US" dirty="0"/>
+          </a:p>
+        </p:txBody>
+      </p:sp>
+      <p:sp>
+        <p:nvSpPr>
+          <p:cNvPr id="4" name="Slide Number Placeholder 3"/>
+          <p:cNvSpPr>
+            <a:spLocks noGrp="1"/>
+          </p:cNvSpPr>
+          <p:nvPr>
+            <p:ph type="sldNum" sz="quarter" idx="10"/>
+          </p:nvPr>
+        </p:nvSpPr>
+        <p:spPr/>
+        <p:txBody>
+          <a:bodyPr/>
+          <a:lstStyle/>
+          <a:p>
+            <a:fld id="{375B649D-962F-434C-B1D1-0A0101E8CDA0}" type="slidenum">
+              <a:rPr lang="nl-NL" smtClean="0"/>
+              <a:pPr/>
+              <a:t>37</a:t>
+            </a:fld>
+            <a:endParaRPr lang="nl-NL"/>
+          </a:p>
+        </p:txBody>
+      </p:sp>
+    </p:spTree>
+    <p:extLst>
+      <p:ext uri="{BB962C8B-B14F-4D97-AF65-F5344CB8AC3E}">
+        <p14:creationId xmlns:p14="http://schemas.microsoft.com/office/powerpoint/2010/main" val="3491890786"/>
+      </p:ext>
+    </p:extLst>
+  </p:cSld>
+  <p:clrMapOvr>
+    <a:masterClrMapping/>
+  </p:clrMapOvr>
+</p:notes>
+</file>
+
+<file path=ppt/notesSlides/notesSlide2.xml><?xml version="1.0" encoding="utf-8"?>
+<p:notes xmlns:a="http://schemas.openxmlformats.org/drawingml/2006/main" xmlns:r="http://schemas.openxmlformats.org/officeDocument/2006/relationships" xmlns:p="http://schemas.openxmlformats.org/presentationml/2006/main">
+  <p:cSld>
+    <p:spTree>
+      <p:nvGrpSpPr>
+        <p:cNvPr id="1" name=""/>
+        <p:cNvGrpSpPr/>
+        <p:nvPr/>
+      </p:nvGrpSpPr>
+      <p:grpSpPr>
+        <a:xfrm>
+          <a:off x="0" y="0"/>
+          <a:ext cx="0" cy="0"/>
+          <a:chOff x="0" y="0"/>
+          <a:chExt cx="0" cy="0"/>
+        </a:xfrm>
+      </p:grpSpPr>
+      <p:sp>
+        <p:nvSpPr>
+          <p:cNvPr id="2" name="Slide Image Placeholder 1"/>
+          <p:cNvSpPr>
+            <a:spLocks noGrp="1" noRot="1" noChangeAspect="1"/>
+          </p:cNvSpPr>
+          <p:nvPr>
+            <p:ph type="sldImg"/>
+          </p:nvPr>
+        </p:nvSpPr>
+        <p:spPr/>
+      </p:sp>
+      <p:sp>
+        <p:nvSpPr>
+          <p:cNvPr id="3" name="Notes Placeholder 2"/>
+          <p:cNvSpPr>
+            <a:spLocks noGrp="1"/>
+          </p:cNvSpPr>
+          <p:nvPr>
+            <p:ph type="body" idx="1"/>
+          </p:nvPr>
+        </p:nvSpPr>
+        <p:spPr/>
+        <p:txBody>
+          <a:bodyPr/>
+          <a:lstStyle/>
+          <a:p>
             <a:pPr marL="0" marR="0" indent="0" algn="l" defTabSz="914400" rtl="0" eaLnBrk="1" fontAlgn="auto" latinLnBrk="0" hangingPunct="1">
               <a:lnSpc>
                 <a:spcPct val="100000"/>
@@ -796,7 +882,7 @@
             <a:fld id="{375B649D-962F-434C-B1D1-0A0101E8CDA0}" type="slidenum">
               <a:rPr lang="nl-NL" smtClean="0"/>
               <a:pPr/>
-              <a:t>40</a:t>
+              <a:t>41</a:t>
             </a:fld>
             <a:endParaRPr lang="nl-NL"/>
           </a:p>
@@ -35817,6 +35903,361 @@
           <a:p>
             <a:r>
               <a:rPr lang="en-US" dirty="0" smtClean="0"/>
+              <a:t>Syncing periodically</a:t>
+            </a:r>
+            <a:endParaRPr lang="en-US" dirty="0"/>
+          </a:p>
+        </p:txBody>
+      </p:sp>
+      <p:sp>
+        <p:nvSpPr>
+          <p:cNvPr id="4" name="Rectangle 1"/>
+          <p:cNvSpPr>
+            <a:spLocks noChangeArrowheads="1"/>
+          </p:cNvSpPr>
+          <p:nvPr/>
+        </p:nvSpPr>
+        <p:spPr bwMode="auto">
+          <a:xfrm>
+            <a:off x="652500" y="3068960"/>
+            <a:ext cx="10887000" cy="859234"/>
+          </a:xfrm>
+          <a:prstGeom prst="rect">
+            <a:avLst/>
+          </a:prstGeom>
+          <a:solidFill>
+            <a:srgbClr val="2B2B2B"/>
+          </a:solidFill>
+          <a:ln>
+            <a:noFill/>
+          </a:ln>
+          <a:effectLst/>
+          <a:extLst>
+            <a:ext uri="{91240B29-F687-4F45-9708-019B960494DF}">
+              <a14:hiddenLine xmlns:a14="http://schemas.microsoft.com/office/drawing/2010/main" w="9525">
+                <a:solidFill>
+                  <a:schemeClr val="tx1"/>
+                </a:solidFill>
+                <a:miter lim="800000"/>
+                <a:headEnd/>
+                <a:tailEnd/>
+              </a14:hiddenLine>
+            </a:ext>
+            <a:ext uri="{AF507438-7753-43E0-B8FC-AC1667EBCBE1}">
+              <a14:hiddenEffects xmlns:a14="http://schemas.microsoft.com/office/drawing/2010/main">
+                <a:effectLst>
+                  <a:outerShdw dist="35921" dir="2700000" algn="ctr" rotWithShape="0">
+                    <a:schemeClr val="bg2"/>
+                  </a:outerShdw>
+                </a:effectLst>
+              </a14:hiddenEffects>
+            </a:ext>
+          </a:extLst>
+        </p:spPr>
+        <p:txBody>
+          <a:bodyPr vert="horz" wrap="square" lIns="182880" tIns="182880" rIns="182880" bIns="182880" numCol="1" anchor="t" anchorCtr="0" compatLnSpc="1">
+            <a:prstTxWarp prst="textNoShape">
+              <a:avLst/>
+            </a:prstTxWarp>
+            <a:noAutofit/>
+          </a:bodyPr>
+          <a:lstStyle/>
+          <a:p>
+            <a:pPr lvl="0" eaLnBrk="0" fontAlgn="base" hangingPunct="0">
+              <a:spcBef>
+                <a:spcPct val="0"/>
+              </a:spcBef>
+              <a:spcAft>
+                <a:spcPct val="0"/>
+              </a:spcAft>
+            </a:pPr>
+            <a:r>
+              <a:rPr lang="en-US" altLang="en-US" sz="1600" dirty="0" err="1">
+                <a:solidFill>
+                  <a:srgbClr val="A9B7C6"/>
+                </a:solidFill>
+                <a:latin typeface="Consolas" panose="020B0609020204030204" pitchFamily="49" charset="0"/>
+              </a:rPr>
+              <a:t>ContentResolver.</a:t>
+            </a:r>
+            <a:r>
+              <a:rPr lang="en-US" altLang="en-US" sz="1600" i="1" dirty="0" err="1">
+                <a:solidFill>
+                  <a:srgbClr val="A9B7C6"/>
+                </a:solidFill>
+                <a:latin typeface="Consolas" panose="020B0609020204030204" pitchFamily="49" charset="0"/>
+              </a:rPr>
+              <a:t>addPeriodicSync</a:t>
+            </a:r>
+            <a:r>
+              <a:rPr lang="en-US" altLang="en-US" sz="1600" dirty="0">
+                <a:solidFill>
+                  <a:srgbClr val="A9B7C6"/>
+                </a:solidFill>
+                <a:latin typeface="Consolas" panose="020B0609020204030204" pitchFamily="49" charset="0"/>
+              </a:rPr>
+              <a:t>(</a:t>
+            </a:r>
+            <a:br>
+              <a:rPr lang="en-US" altLang="en-US" sz="1600" dirty="0">
+                <a:solidFill>
+                  <a:srgbClr val="A9B7C6"/>
+                </a:solidFill>
+                <a:latin typeface="Consolas" panose="020B0609020204030204" pitchFamily="49" charset="0"/>
+              </a:rPr>
+            </a:br>
+            <a:r>
+              <a:rPr lang="en-US" altLang="en-US" sz="1600" dirty="0">
+                <a:solidFill>
+                  <a:srgbClr val="A9B7C6"/>
+                </a:solidFill>
+                <a:latin typeface="Consolas" panose="020B0609020204030204" pitchFamily="49" charset="0"/>
+              </a:rPr>
+              <a:t>        account</a:t>
+            </a:r>
+            <a:r>
+              <a:rPr lang="en-US" altLang="en-US" sz="1600" dirty="0">
+                <a:solidFill>
+                  <a:srgbClr val="CC7832"/>
+                </a:solidFill>
+                <a:latin typeface="Consolas" panose="020B0609020204030204" pitchFamily="49" charset="0"/>
+              </a:rPr>
+              <a:t>, </a:t>
+            </a:r>
+            <a:r>
+              <a:rPr lang="en-US" altLang="en-US" sz="1600" i="1" dirty="0" smtClean="0">
+                <a:solidFill>
+                  <a:srgbClr val="9876AA"/>
+                </a:solidFill>
+                <a:latin typeface="Consolas" panose="020B0609020204030204" pitchFamily="49" charset="0"/>
+              </a:rPr>
+              <a:t>CONTENT_AUTHORITY</a:t>
+            </a:r>
+            <a:r>
+              <a:rPr lang="en-US" altLang="en-US" sz="1600" dirty="0">
+                <a:solidFill>
+                  <a:srgbClr val="CC7832"/>
+                </a:solidFill>
+                <a:latin typeface="Consolas" panose="020B0609020204030204" pitchFamily="49" charset="0"/>
+              </a:rPr>
+              <a:t>, new </a:t>
+            </a:r>
+            <a:r>
+              <a:rPr lang="en-US" altLang="en-US" sz="1600" dirty="0">
+                <a:solidFill>
+                  <a:srgbClr val="A9B7C6"/>
+                </a:solidFill>
+                <a:latin typeface="Consolas" panose="020B0609020204030204" pitchFamily="49" charset="0"/>
+              </a:rPr>
+              <a:t>Bundle()</a:t>
+            </a:r>
+            <a:r>
+              <a:rPr lang="en-US" altLang="en-US" sz="1600" dirty="0">
+                <a:solidFill>
+                  <a:srgbClr val="CC7832"/>
+                </a:solidFill>
+                <a:latin typeface="Consolas" panose="020B0609020204030204" pitchFamily="49" charset="0"/>
+              </a:rPr>
+              <a:t>, </a:t>
+            </a:r>
+            <a:r>
+              <a:rPr lang="en-US" altLang="en-US" sz="1600" dirty="0" err="1" smtClean="0">
+                <a:solidFill>
+                  <a:srgbClr val="A9B7C6"/>
+                </a:solidFill>
+                <a:latin typeface="Consolas" panose="020B0609020204030204" pitchFamily="49" charset="0"/>
+              </a:rPr>
+              <a:t>pollFrequencyInSeconds</a:t>
+            </a:r>
+            <a:r>
+              <a:rPr lang="en-US" altLang="en-US" sz="1600" dirty="0" smtClean="0">
+                <a:solidFill>
+                  <a:srgbClr val="A9B7C6"/>
+                </a:solidFill>
+                <a:latin typeface="Consolas" panose="020B0609020204030204" pitchFamily="49" charset="0"/>
+              </a:rPr>
+              <a:t>)</a:t>
+            </a:r>
+            <a:r>
+              <a:rPr lang="en-US" altLang="en-US" sz="1600" dirty="0" smtClean="0">
+                <a:solidFill>
+                  <a:srgbClr val="CC7832"/>
+                </a:solidFill>
+                <a:latin typeface="Consolas" panose="020B0609020204030204" pitchFamily="49" charset="0"/>
+              </a:rPr>
+              <a:t>;</a:t>
+            </a:r>
+            <a:r>
+              <a:rPr lang="en-US" altLang="en-US" sz="1600" dirty="0">
+                <a:solidFill>
+                  <a:srgbClr val="CC7832"/>
+                </a:solidFill>
+                <a:latin typeface="Consolas" panose="020B0609020204030204" pitchFamily="49" charset="0"/>
+              </a:rPr>
+              <a:t/>
+            </a:r>
+            <a:br>
+              <a:rPr lang="en-US" altLang="en-US" sz="1600" dirty="0">
+                <a:solidFill>
+                  <a:srgbClr val="CC7832"/>
+                </a:solidFill>
+                <a:latin typeface="Consolas" panose="020B0609020204030204" pitchFamily="49" charset="0"/>
+              </a:rPr>
+            </a:br>
+            <a:endParaRPr lang="en-US" altLang="en-US" sz="3600" dirty="0">
+              <a:latin typeface="Consolas" panose="020B0609020204030204" pitchFamily="49" charset="0"/>
+            </a:endParaRPr>
+          </a:p>
+        </p:txBody>
+      </p:sp>
+    </p:spTree>
+    <p:extLst>
+      <p:ext uri="{BB962C8B-B14F-4D97-AF65-F5344CB8AC3E}">
+        <p14:creationId xmlns:p14="http://schemas.microsoft.com/office/powerpoint/2010/main" val="3635834839"/>
+      </p:ext>
+    </p:extLst>
+  </p:cSld>
+  <p:clrMapOvr>
+    <a:masterClrMapping/>
+  </p:clrMapOvr>
+  <mc:AlternateContent xmlns:mc="http://schemas.openxmlformats.org/markup-compatibility/2006">
+    <mc:Choice xmlns:p14="http://schemas.microsoft.com/office/powerpoint/2010/main" Requires="p14">
+      <p:transition p14:dur="250">
+        <p14:reveal/>
+      </p:transition>
+    </mc:Choice>
+    <mc:Fallback>
+      <p:transition>
+        <p:fade/>
+      </p:transition>
+    </mc:Fallback>
+  </mc:AlternateContent>
+  <p:timing>
+    <p:tnLst>
+      <p:par>
+        <p:cTn id="1" dur="indefinite" restart="never" nodeType="tmRoot">
+          <p:childTnLst>
+            <p:seq concurrent="1" nextAc="seek">
+              <p:cTn id="2" dur="indefinite" nodeType="mainSeq">
+                <p:childTnLst>
+                  <p:par>
+                    <p:cTn id="3" fill="hold">
+                      <p:stCondLst>
+                        <p:cond delay="indefinite"/>
+                        <p:cond evt="onBegin" delay="0">
+                          <p:tn val="2"/>
+                        </p:cond>
+                      </p:stCondLst>
+                      <p:childTnLst>
+                        <p:par>
+                          <p:cTn id="4" fill="hold">
+                            <p:stCondLst>
+                              <p:cond delay="0"/>
+                            </p:stCondLst>
+                            <p:childTnLst>
+                              <p:par>
+                                <p:cTn id="5" presetID="10" presetClass="entr" presetSubtype="0" fill="hold" grpId="0" nodeType="withEffect">
+                                  <p:stCondLst>
+                                    <p:cond delay="200"/>
+                                  </p:stCondLst>
+                                  <p:childTnLst>
+                                    <p:set>
+                                      <p:cBhvr>
+                                        <p:cTn id="6" dur="1" fill="hold">
+                                          <p:stCondLst>
+                                            <p:cond delay="0"/>
+                                          </p:stCondLst>
+                                        </p:cTn>
+                                        <p:tgtEl>
+                                          <p:spTgt spid="4"/>
+                                        </p:tgtEl>
+                                        <p:attrNameLst>
+                                          <p:attrName>style.visibility</p:attrName>
+                                        </p:attrNameLst>
+                                      </p:cBhvr>
+                                      <p:to>
+                                        <p:strVal val="visible"/>
+                                      </p:to>
+                                    </p:set>
+                                    <p:animEffect transition="in" filter="fade">
+                                      <p:cBhvr>
+                                        <p:cTn id="7" dur="300"/>
+                                        <p:tgtEl>
+                                          <p:spTgt spid="4"/>
+                                        </p:tgtEl>
+                                      </p:cBhvr>
+                                    </p:animEffect>
+                                  </p:childTnLst>
+                                </p:cTn>
+                              </p:par>
+                            </p:childTnLst>
+                          </p:cTn>
+                        </p:par>
+                      </p:childTnLst>
+                    </p:cTn>
+                  </p:par>
+                </p:childTnLst>
+              </p:cTn>
+              <p:prevCondLst>
+                <p:cond evt="onPrev" delay="0">
+                  <p:tgtEl>
+                    <p:sldTgt/>
+                  </p:tgtEl>
+                </p:cond>
+              </p:prevCondLst>
+              <p:nextCondLst>
+                <p:cond evt="onNext" delay="0">
+                  <p:tgtEl>
+                    <p:sldTgt/>
+                  </p:tgtEl>
+                </p:cond>
+              </p:nextCondLst>
+            </p:seq>
+          </p:childTnLst>
+        </p:cTn>
+      </p:par>
+    </p:tnLst>
+    <p:bldLst>
+      <p:bldP spid="4" grpId="0" animBg="1"/>
+    </p:bldLst>
+  </p:timing>
+</p:sld>
+</file>
+
+<file path=ppt/slides/slide39.xml><?xml version="1.0" encoding="utf-8"?>
+<p:sld xmlns:a="http://schemas.openxmlformats.org/drawingml/2006/main" xmlns:r="http://schemas.openxmlformats.org/officeDocument/2006/relationships" xmlns:p="http://schemas.openxmlformats.org/presentationml/2006/main">
+  <p:cSld>
+    <p:spTree>
+      <p:nvGrpSpPr>
+        <p:cNvPr id="1" name=""/>
+        <p:cNvGrpSpPr/>
+        <p:nvPr/>
+      </p:nvGrpSpPr>
+      <p:grpSpPr>
+        <a:xfrm>
+          <a:off x="0" y="0"/>
+          <a:ext cx="0" cy="0"/>
+          <a:chOff x="0" y="0"/>
+          <a:chExt cx="0" cy="0"/>
+        </a:xfrm>
+      </p:grpSpPr>
+      <p:sp>
+        <p:nvSpPr>
+          <p:cNvPr id="2" name="Title 1"/>
+          <p:cNvSpPr>
+            <a:spLocks noGrp="1"/>
+          </p:cNvSpPr>
+          <p:nvPr>
+            <p:ph type="title"/>
+          </p:nvPr>
+        </p:nvSpPr>
+        <p:spPr/>
+        <p:txBody>
+          <a:bodyPr/>
+          <a:lstStyle/>
+          <a:p>
+            <a:r>
+              <a:rPr lang="en-US" dirty="0" smtClean="0"/>
               <a:t>Do I need a </a:t>
             </a:r>
             <a:r>
@@ -37524,1116 +37965,6 @@
         <p:cTn id="1" dur="indefinite" restart="never" nodeType="tmRoot"/>
       </p:par>
     </p:tnLst>
-  </p:timing>
-</p:sld>
-</file>
-
-<file path=ppt/slides/slide39.xml><?xml version="1.0" encoding="utf-8"?>
-<p:sld xmlns:a="http://schemas.openxmlformats.org/drawingml/2006/main" xmlns:r="http://schemas.openxmlformats.org/officeDocument/2006/relationships" xmlns:p="http://schemas.openxmlformats.org/presentationml/2006/main">
-  <p:cSld>
-    <p:spTree>
-      <p:nvGrpSpPr>
-        <p:cNvPr id="1" name=""/>
-        <p:cNvGrpSpPr/>
-        <p:nvPr/>
-      </p:nvGrpSpPr>
-      <p:grpSpPr>
-        <a:xfrm>
-          <a:off x="0" y="0"/>
-          <a:ext cx="0" cy="0"/>
-          <a:chOff x="0" y="0"/>
-          <a:chExt cx="0" cy="0"/>
-        </a:xfrm>
-      </p:grpSpPr>
-      <p:sp>
-        <p:nvSpPr>
-          <p:cNvPr id="2" name="Title 1"/>
-          <p:cNvSpPr>
-            <a:spLocks noGrp="1"/>
-          </p:cNvSpPr>
-          <p:nvPr>
-            <p:ph type="title"/>
-          </p:nvPr>
-        </p:nvSpPr>
-        <p:spPr/>
-        <p:txBody>
-          <a:bodyPr/>
-          <a:lstStyle/>
-          <a:p>
-            <a:r>
-              <a:rPr lang="en-US" dirty="0" smtClean="0"/>
-              <a:t>Do I need a </a:t>
-            </a:r>
-            <a:r>
-              <a:rPr lang="en-US" dirty="0" err="1" smtClean="0"/>
-              <a:t>ContentProvider</a:t>
-            </a:r>
-            <a:r>
-              <a:rPr lang="en-US" dirty="0" smtClean="0"/>
-              <a:t>?</a:t>
-            </a:r>
-            <a:endParaRPr lang="en-US" dirty="0"/>
-          </a:p>
-        </p:txBody>
-      </p:sp>
-      <p:sp>
-        <p:nvSpPr>
-          <p:cNvPr id="3" name="Content Placeholder 2"/>
-          <p:cNvSpPr>
-            <a:spLocks noGrp="1"/>
-          </p:cNvSpPr>
-          <p:nvPr>
-            <p:ph idx="1"/>
-          </p:nvPr>
-        </p:nvSpPr>
-        <p:spPr/>
-        <p:txBody>
-          <a:bodyPr/>
-          <a:lstStyle/>
-          <a:p>
-            <a:pPr marL="0" indent="0">
-              <a:buNone/>
-            </a:pPr>
-            <a:r>
-              <a:rPr lang="en-US" dirty="0" smtClean="0"/>
-              <a:t>Yes… but </a:t>
-            </a:r>
-            <a:r>
-              <a:rPr lang="en-US" dirty="0"/>
-              <a:t>it doesn’t need to do anything.</a:t>
-            </a:r>
-          </a:p>
-          <a:p>
-            <a:pPr marL="0" indent="0">
-              <a:buNone/>
-            </a:pPr>
-            <a:endParaRPr lang="en-US" dirty="0" smtClean="0"/>
-          </a:p>
-        </p:txBody>
-      </p:sp>
-      <p:sp>
-        <p:nvSpPr>
-          <p:cNvPr id="7" name="Rectangle 1"/>
-          <p:cNvSpPr>
-            <a:spLocks noChangeArrowheads="1"/>
-          </p:cNvSpPr>
-          <p:nvPr/>
-        </p:nvSpPr>
-        <p:spPr bwMode="auto">
-          <a:xfrm>
-            <a:off x="652500" y="2348880"/>
-            <a:ext cx="10887000" cy="4104456"/>
-          </a:xfrm>
-          <a:prstGeom prst="rect">
-            <a:avLst/>
-          </a:prstGeom>
-          <a:solidFill>
-            <a:srgbClr val="2B2B2B"/>
-          </a:solidFill>
-          <a:ln>
-            <a:noFill/>
-          </a:ln>
-          <a:effectLst/>
-          <a:extLst/>
-        </p:spPr>
-        <p:txBody>
-          <a:bodyPr vert="horz" wrap="square" lIns="182880" tIns="182880" rIns="182880" bIns="182880" numCol="1" anchor="t" anchorCtr="0" compatLnSpc="1">
-            <a:prstTxWarp prst="textNoShape">
-              <a:avLst/>
-            </a:prstTxWarp>
-            <a:noAutofit/>
-          </a:bodyPr>
-          <a:lstStyle/>
-          <a:p>
-            <a:pPr lvl="0" eaLnBrk="0" fontAlgn="base" hangingPunct="0">
-              <a:spcBef>
-                <a:spcPct val="0"/>
-              </a:spcBef>
-              <a:spcAft>
-                <a:spcPct val="0"/>
-              </a:spcAft>
-            </a:pPr>
-            <a:r>
-              <a:rPr lang="en-US" altLang="en-US" sz="1600" dirty="0">
-                <a:solidFill>
-                  <a:srgbClr val="CC7832"/>
-                </a:solidFill>
-                <a:latin typeface="Consolas" panose="020B0609020204030204" pitchFamily="49" charset="0"/>
-                <a:cs typeface="Courier New" panose="02070309020205020404" pitchFamily="49" charset="0"/>
-              </a:rPr>
-              <a:t>public class </a:t>
-            </a:r>
-            <a:r>
-              <a:rPr lang="en-US" altLang="en-US" sz="1600" dirty="0" err="1">
-                <a:solidFill>
-                  <a:srgbClr val="A9B7C6"/>
-                </a:solidFill>
-                <a:latin typeface="Consolas" panose="020B0609020204030204" pitchFamily="49" charset="0"/>
-                <a:cs typeface="Courier New" panose="02070309020205020404" pitchFamily="49" charset="0"/>
-              </a:rPr>
-              <a:t>DummyProvider</a:t>
-            </a:r>
-            <a:r>
-              <a:rPr lang="en-US" altLang="en-US" sz="1600" dirty="0">
-                <a:solidFill>
-                  <a:srgbClr val="A9B7C6"/>
-                </a:solidFill>
-                <a:latin typeface="Consolas" panose="020B0609020204030204" pitchFamily="49" charset="0"/>
-                <a:cs typeface="Courier New" panose="02070309020205020404" pitchFamily="49" charset="0"/>
-              </a:rPr>
-              <a:t> </a:t>
-            </a:r>
-            <a:r>
-              <a:rPr lang="en-US" altLang="en-US" sz="1600" dirty="0">
-                <a:solidFill>
-                  <a:srgbClr val="CC7832"/>
-                </a:solidFill>
-                <a:latin typeface="Consolas" panose="020B0609020204030204" pitchFamily="49" charset="0"/>
-                <a:cs typeface="Courier New" panose="02070309020205020404" pitchFamily="49" charset="0"/>
-              </a:rPr>
-              <a:t>extends </a:t>
-            </a:r>
-            <a:r>
-              <a:rPr lang="en-US" altLang="en-US" sz="1600" dirty="0" err="1">
-                <a:solidFill>
-                  <a:srgbClr val="A9B7C6"/>
-                </a:solidFill>
-                <a:latin typeface="Consolas" panose="020B0609020204030204" pitchFamily="49" charset="0"/>
-                <a:cs typeface="Courier New" panose="02070309020205020404" pitchFamily="49" charset="0"/>
-              </a:rPr>
-              <a:t>ContentProvider</a:t>
-            </a:r>
-            <a:r>
-              <a:rPr lang="en-US" altLang="en-US" sz="1600" dirty="0">
-                <a:solidFill>
-                  <a:srgbClr val="A9B7C6"/>
-                </a:solidFill>
-                <a:latin typeface="Consolas" panose="020B0609020204030204" pitchFamily="49" charset="0"/>
-                <a:cs typeface="Courier New" panose="02070309020205020404" pitchFamily="49" charset="0"/>
-              </a:rPr>
-              <a:t> {</a:t>
-            </a:r>
-            <a:br>
-              <a:rPr lang="en-US" altLang="en-US" sz="1600" dirty="0">
-                <a:solidFill>
-                  <a:srgbClr val="A9B7C6"/>
-                </a:solidFill>
-                <a:latin typeface="Consolas" panose="020B0609020204030204" pitchFamily="49" charset="0"/>
-                <a:cs typeface="Courier New" panose="02070309020205020404" pitchFamily="49" charset="0"/>
-              </a:rPr>
-            </a:br>
-            <a:r>
-              <a:rPr lang="en-US" altLang="en-US" sz="1600" dirty="0">
-                <a:solidFill>
-                  <a:srgbClr val="A9B7C6"/>
-                </a:solidFill>
-                <a:latin typeface="Consolas" panose="020B0609020204030204" pitchFamily="49" charset="0"/>
-                <a:cs typeface="Courier New" panose="02070309020205020404" pitchFamily="49" charset="0"/>
-              </a:rPr>
-              <a:t/>
-            </a:r>
-            <a:br>
-              <a:rPr lang="en-US" altLang="en-US" sz="1600" dirty="0">
-                <a:solidFill>
-                  <a:srgbClr val="A9B7C6"/>
-                </a:solidFill>
-                <a:latin typeface="Consolas" panose="020B0609020204030204" pitchFamily="49" charset="0"/>
-                <a:cs typeface="Courier New" panose="02070309020205020404" pitchFamily="49" charset="0"/>
-              </a:rPr>
-            </a:br>
-            <a:r>
-              <a:rPr lang="en-US" altLang="en-US" sz="1600" dirty="0">
-                <a:solidFill>
-                  <a:srgbClr val="A9B7C6"/>
-                </a:solidFill>
-                <a:latin typeface="Consolas" panose="020B0609020204030204" pitchFamily="49" charset="0"/>
-                <a:cs typeface="Courier New" panose="02070309020205020404" pitchFamily="49" charset="0"/>
-              </a:rPr>
-              <a:t>    </a:t>
-            </a:r>
-            <a:r>
-              <a:rPr lang="en-US" altLang="en-US" sz="1600" dirty="0">
-                <a:solidFill>
-                  <a:srgbClr val="BBB529"/>
-                </a:solidFill>
-                <a:latin typeface="Consolas" panose="020B0609020204030204" pitchFamily="49" charset="0"/>
-                <a:cs typeface="Courier New" panose="02070309020205020404" pitchFamily="49" charset="0"/>
-              </a:rPr>
-              <a:t>@</a:t>
-            </a:r>
-            <a:r>
-              <a:rPr lang="en-US" altLang="en-US" sz="1600" dirty="0" smtClean="0">
-                <a:solidFill>
-                  <a:srgbClr val="BBB529"/>
-                </a:solidFill>
-                <a:latin typeface="Consolas" panose="020B0609020204030204" pitchFamily="49" charset="0"/>
-                <a:cs typeface="Courier New" panose="02070309020205020404" pitchFamily="49" charset="0"/>
-              </a:rPr>
-              <a:t>Override </a:t>
-            </a:r>
-            <a:r>
-              <a:rPr lang="en-US" altLang="en-US" sz="1600" dirty="0" smtClean="0">
-                <a:solidFill>
-                  <a:srgbClr val="CC7832"/>
-                </a:solidFill>
-                <a:latin typeface="Consolas" panose="020B0609020204030204" pitchFamily="49" charset="0"/>
-                <a:cs typeface="Courier New" panose="02070309020205020404" pitchFamily="49" charset="0"/>
-              </a:rPr>
-              <a:t>public </a:t>
-            </a:r>
-            <a:r>
-              <a:rPr lang="en-US" altLang="en-US" sz="1600" dirty="0" err="1">
-                <a:solidFill>
-                  <a:srgbClr val="CC7832"/>
-                </a:solidFill>
-                <a:latin typeface="Consolas" panose="020B0609020204030204" pitchFamily="49" charset="0"/>
-                <a:cs typeface="Courier New" panose="02070309020205020404" pitchFamily="49" charset="0"/>
-              </a:rPr>
-              <a:t>boolean</a:t>
-            </a:r>
-            <a:r>
-              <a:rPr lang="en-US" altLang="en-US" sz="1600" dirty="0">
-                <a:solidFill>
-                  <a:srgbClr val="CC7832"/>
-                </a:solidFill>
-                <a:latin typeface="Consolas" panose="020B0609020204030204" pitchFamily="49" charset="0"/>
-                <a:cs typeface="Courier New" panose="02070309020205020404" pitchFamily="49" charset="0"/>
-              </a:rPr>
-              <a:t> </a:t>
-            </a:r>
-            <a:r>
-              <a:rPr lang="en-US" altLang="en-US" sz="1600" dirty="0" err="1">
-                <a:solidFill>
-                  <a:srgbClr val="FFC66D"/>
-                </a:solidFill>
-                <a:latin typeface="Consolas" panose="020B0609020204030204" pitchFamily="49" charset="0"/>
-                <a:cs typeface="Courier New" panose="02070309020205020404" pitchFamily="49" charset="0"/>
-              </a:rPr>
-              <a:t>onCreate</a:t>
-      